--- a/redis Ver2.pptx
+++ b/redis Ver2.pptx
@@ -14100,7 +14100,27 @@
                 <a:latin typeface="Consolas"/>
                 <a:ea typeface="Tahoma"/>
               </a:rPr>
-              <a:t> redis-server --protected-mode no   </a:t>
+              <a:t> redis-server --</a:t>
+            </a:r>
+            <a:r>
+              <a:rPr lang="en-IN" sz="1800" b="0" strike="noStrike" spc="-1">
+                <a:solidFill>
+                  <a:srgbClr val="528693"/>
+                </a:solidFill>
+                <a:latin typeface="Consolas"/>
+                <a:ea typeface="Tahoma"/>
+              </a:rPr>
+              <a:t>redis.windows.conf --</a:t>
+            </a:r>
+            <a:r>
+              <a:rPr lang="en-IN" sz="1800" b="0" strike="noStrike" spc="-1" dirty="0">
+                <a:solidFill>
+                  <a:srgbClr val="528693"/>
+                </a:solidFill>
+                <a:latin typeface="Consolas"/>
+                <a:ea typeface="Tahoma"/>
+              </a:rPr>
+              <a:t>protected-mode no   </a:t>
             </a:r>
             <a:r>
               <a:rPr lang="en-IN" sz="1400" b="0" strike="noStrike" spc="-1" dirty="0">

--- a/redis Ver2.pptx
+++ b/redis Ver2.pptx
@@ -72,6 +72,8 @@
     <p:sldId id="319" r:id="rId67"/>
     <p:sldId id="320" r:id="rId68"/>
     <p:sldId id="321" r:id="rId69"/>
+    <p:sldId id="322" r:id="rId70"/>
+    <p:sldId id="323" r:id="rId71"/>
   </p:sldIdLst>
   <p:sldSz cx="12192000" cy="6858000"/>
   <p:notesSz cx="7559675" cy="10691812"/>
@@ -141,10 +143,8 @@
             <a:noAutofit/>
           </a:bodyPr>
           <a:p>
-            <a:endParaRPr b="0" lang="en-US" sz="1800" spc="-1" strike="noStrike">
-              <a:solidFill>
-                <a:srgbClr val="000000"/>
-              </a:solidFill>
+            <a:pPr algn="ctr"/>
+            <a:endParaRPr b="0" lang="en-IN" sz="4400" spc="-1" strike="noStrike">
               <a:latin typeface="Arial"/>
             </a:endParaRPr>
           </a:p>
@@ -174,10 +174,7 @@
             <a:normAutofit/>
           </a:bodyPr>
           <a:p>
-            <a:endParaRPr b="0" lang="en-US" sz="2800" spc="-1" strike="noStrike">
-              <a:solidFill>
-                <a:srgbClr val="000000"/>
-              </a:solidFill>
+            <a:endParaRPr b="0" lang="en-IN" sz="3200" spc="-1" strike="noStrike">
               <a:latin typeface="Arial"/>
             </a:endParaRPr>
           </a:p>
@@ -207,10 +204,7 @@
             <a:normAutofit/>
           </a:bodyPr>
           <a:p>
-            <a:endParaRPr b="0" lang="en-US" sz="2800" spc="-1" strike="noStrike">
-              <a:solidFill>
-                <a:srgbClr val="000000"/>
-              </a:solidFill>
+            <a:endParaRPr b="0" lang="en-IN" sz="3200" spc="-1" strike="noStrike">
               <a:latin typeface="Arial"/>
             </a:endParaRPr>
           </a:p>
@@ -262,10 +256,8 @@
             <a:noAutofit/>
           </a:bodyPr>
           <a:p>
-            <a:endParaRPr b="0" lang="en-US" sz="1800" spc="-1" strike="noStrike">
-              <a:solidFill>
-                <a:srgbClr val="000000"/>
-              </a:solidFill>
+            <a:pPr algn="ctr"/>
+            <a:endParaRPr b="0" lang="en-IN" sz="4400" spc="-1" strike="noStrike">
               <a:latin typeface="Arial"/>
             </a:endParaRPr>
           </a:p>
@@ -295,10 +287,7 @@
             <a:normAutofit/>
           </a:bodyPr>
           <a:p>
-            <a:endParaRPr b="0" lang="en-US" sz="2800" spc="-1" strike="noStrike">
-              <a:solidFill>
-                <a:srgbClr val="000000"/>
-              </a:solidFill>
+            <a:endParaRPr b="0" lang="en-IN" sz="3200" spc="-1" strike="noStrike">
               <a:latin typeface="Arial"/>
             </a:endParaRPr>
           </a:p>
@@ -328,10 +317,7 @@
             <a:normAutofit/>
           </a:bodyPr>
           <a:p>
-            <a:endParaRPr b="0" lang="en-US" sz="2800" spc="-1" strike="noStrike">
-              <a:solidFill>
-                <a:srgbClr val="000000"/>
-              </a:solidFill>
+            <a:endParaRPr b="0" lang="en-IN" sz="3200" spc="-1" strike="noStrike">
               <a:latin typeface="Arial"/>
             </a:endParaRPr>
           </a:p>
@@ -361,10 +347,7 @@
             <a:normAutofit/>
           </a:bodyPr>
           <a:p>
-            <a:endParaRPr b="0" lang="en-US" sz="2800" spc="-1" strike="noStrike">
-              <a:solidFill>
-                <a:srgbClr val="000000"/>
-              </a:solidFill>
+            <a:endParaRPr b="0" lang="en-IN" sz="3200" spc="-1" strike="noStrike">
               <a:latin typeface="Arial"/>
             </a:endParaRPr>
           </a:p>
@@ -394,10 +377,7 @@
             <a:normAutofit/>
           </a:bodyPr>
           <a:p>
-            <a:endParaRPr b="0" lang="en-US" sz="2800" spc="-1" strike="noStrike">
-              <a:solidFill>
-                <a:srgbClr val="000000"/>
-              </a:solidFill>
+            <a:endParaRPr b="0" lang="en-IN" sz="3200" spc="-1" strike="noStrike">
               <a:latin typeface="Arial"/>
             </a:endParaRPr>
           </a:p>
@@ -449,10 +429,8 @@
             <a:noAutofit/>
           </a:bodyPr>
           <a:p>
-            <a:endParaRPr b="0" lang="en-US" sz="1800" spc="-1" strike="noStrike">
-              <a:solidFill>
-                <a:srgbClr val="000000"/>
-              </a:solidFill>
+            <a:pPr algn="ctr"/>
+            <a:endParaRPr b="0" lang="en-IN" sz="4400" spc="-1" strike="noStrike">
               <a:latin typeface="Arial"/>
             </a:endParaRPr>
           </a:p>
@@ -482,10 +460,7 @@
             <a:normAutofit/>
           </a:bodyPr>
           <a:p>
-            <a:endParaRPr b="0" lang="en-US" sz="2800" spc="-1" strike="noStrike">
-              <a:solidFill>
-                <a:srgbClr val="000000"/>
-              </a:solidFill>
+            <a:endParaRPr b="0" lang="en-IN" sz="3200" spc="-1" strike="noStrike">
               <a:latin typeface="Arial"/>
             </a:endParaRPr>
           </a:p>
@@ -515,10 +490,7 @@
             <a:normAutofit/>
           </a:bodyPr>
           <a:p>
-            <a:endParaRPr b="0" lang="en-US" sz="2800" spc="-1" strike="noStrike">
-              <a:solidFill>
-                <a:srgbClr val="000000"/>
-              </a:solidFill>
+            <a:endParaRPr b="0" lang="en-IN" sz="3200" spc="-1" strike="noStrike">
               <a:latin typeface="Arial"/>
             </a:endParaRPr>
           </a:p>
@@ -548,10 +520,7 @@
             <a:normAutofit/>
           </a:bodyPr>
           <a:p>
-            <a:endParaRPr b="0" lang="en-US" sz="2800" spc="-1" strike="noStrike">
-              <a:solidFill>
-                <a:srgbClr val="000000"/>
-              </a:solidFill>
+            <a:endParaRPr b="0" lang="en-IN" sz="3200" spc="-1" strike="noStrike">
               <a:latin typeface="Arial"/>
             </a:endParaRPr>
           </a:p>
@@ -581,10 +550,7 @@
             <a:normAutofit/>
           </a:bodyPr>
           <a:p>
-            <a:endParaRPr b="0" lang="en-US" sz="2800" spc="-1" strike="noStrike">
-              <a:solidFill>
-                <a:srgbClr val="000000"/>
-              </a:solidFill>
+            <a:endParaRPr b="0" lang="en-IN" sz="3200" spc="-1" strike="noStrike">
               <a:latin typeface="Arial"/>
             </a:endParaRPr>
           </a:p>
@@ -614,10 +580,7 @@
             <a:normAutofit/>
           </a:bodyPr>
           <a:p>
-            <a:endParaRPr b="0" lang="en-US" sz="2800" spc="-1" strike="noStrike">
-              <a:solidFill>
-                <a:srgbClr val="000000"/>
-              </a:solidFill>
+            <a:endParaRPr b="0" lang="en-IN" sz="3200" spc="-1" strike="noStrike">
               <a:latin typeface="Arial"/>
             </a:endParaRPr>
           </a:p>
@@ -647,10 +610,7 @@
             <a:normAutofit/>
           </a:bodyPr>
           <a:p>
-            <a:endParaRPr b="0" lang="en-US" sz="2800" spc="-1" strike="noStrike">
-              <a:solidFill>
-                <a:srgbClr val="000000"/>
-              </a:solidFill>
+            <a:endParaRPr b="0" lang="en-IN" sz="3200" spc="-1" strike="noStrike">
               <a:latin typeface="Arial"/>
             </a:endParaRPr>
           </a:p>
@@ -724,10 +684,8 @@
             <a:noAutofit/>
           </a:bodyPr>
           <a:p>
-            <a:endParaRPr b="0" lang="en-US" sz="1800" spc="-1" strike="noStrike">
-              <a:solidFill>
-                <a:srgbClr val="000000"/>
-              </a:solidFill>
+            <a:pPr algn="ctr"/>
+            <a:endParaRPr b="0" lang="en-IN" sz="4400" spc="-1" strike="noStrike">
               <a:latin typeface="Arial"/>
             </a:endParaRPr>
           </a:p>
@@ -810,10 +768,8 @@
             <a:noAutofit/>
           </a:bodyPr>
           <a:p>
-            <a:endParaRPr b="0" lang="en-US" sz="1800" spc="-1" strike="noStrike">
-              <a:solidFill>
-                <a:srgbClr val="000000"/>
-              </a:solidFill>
+            <a:pPr algn="ctr"/>
+            <a:endParaRPr b="0" lang="en-IN" sz="4400" spc="-1" strike="noStrike">
               <a:latin typeface="Arial"/>
             </a:endParaRPr>
           </a:p>
@@ -843,10 +799,7 @@
             <a:normAutofit/>
           </a:bodyPr>
           <a:p>
-            <a:endParaRPr b="0" lang="en-US" sz="2800" spc="-1" strike="noStrike">
-              <a:solidFill>
-                <a:srgbClr val="000000"/>
-              </a:solidFill>
+            <a:endParaRPr b="0" lang="en-IN" sz="3200" spc="-1" strike="noStrike">
               <a:latin typeface="Arial"/>
             </a:endParaRPr>
           </a:p>
@@ -898,10 +851,8 @@
             <a:noAutofit/>
           </a:bodyPr>
           <a:p>
-            <a:endParaRPr b="0" lang="en-US" sz="1800" spc="-1" strike="noStrike">
-              <a:solidFill>
-                <a:srgbClr val="000000"/>
-              </a:solidFill>
+            <a:pPr algn="ctr"/>
+            <a:endParaRPr b="0" lang="en-IN" sz="4400" spc="-1" strike="noStrike">
               <a:latin typeface="Arial"/>
             </a:endParaRPr>
           </a:p>
@@ -931,10 +882,7 @@
             <a:normAutofit/>
           </a:bodyPr>
           <a:p>
-            <a:endParaRPr b="0" lang="en-US" sz="2800" spc="-1" strike="noStrike">
-              <a:solidFill>
-                <a:srgbClr val="000000"/>
-              </a:solidFill>
+            <a:endParaRPr b="0" lang="en-IN" sz="3200" spc="-1" strike="noStrike">
               <a:latin typeface="Arial"/>
             </a:endParaRPr>
           </a:p>
@@ -964,10 +912,7 @@
             <a:normAutofit/>
           </a:bodyPr>
           <a:p>
-            <a:endParaRPr b="0" lang="en-US" sz="2800" spc="-1" strike="noStrike">
-              <a:solidFill>
-                <a:srgbClr val="000000"/>
-              </a:solidFill>
+            <a:endParaRPr b="0" lang="en-IN" sz="3200" spc="-1" strike="noStrike">
               <a:latin typeface="Arial"/>
             </a:endParaRPr>
           </a:p>
@@ -1019,10 +964,8 @@
             <a:noAutofit/>
           </a:bodyPr>
           <a:p>
-            <a:endParaRPr b="0" lang="en-US" sz="1800" spc="-1" strike="noStrike">
-              <a:solidFill>
-                <a:srgbClr val="000000"/>
-              </a:solidFill>
+            <a:pPr algn="ctr"/>
+            <a:endParaRPr b="0" lang="en-IN" sz="4400" spc="-1" strike="noStrike">
               <a:latin typeface="Arial"/>
             </a:endParaRPr>
           </a:p>
@@ -1127,10 +1070,8 @@
             <a:noAutofit/>
           </a:bodyPr>
           <a:p>
-            <a:endParaRPr b="0" lang="en-US" sz="1800" spc="-1" strike="noStrike">
-              <a:solidFill>
-                <a:srgbClr val="000000"/>
-              </a:solidFill>
+            <a:pPr algn="ctr"/>
+            <a:endParaRPr b="0" lang="en-IN" sz="4400" spc="-1" strike="noStrike">
               <a:latin typeface="Arial"/>
             </a:endParaRPr>
           </a:p>
@@ -1160,10 +1101,7 @@
             <a:normAutofit/>
           </a:bodyPr>
           <a:p>
-            <a:endParaRPr b="0" lang="en-US" sz="2800" spc="-1" strike="noStrike">
-              <a:solidFill>
-                <a:srgbClr val="000000"/>
-              </a:solidFill>
+            <a:endParaRPr b="0" lang="en-IN" sz="3200" spc="-1" strike="noStrike">
               <a:latin typeface="Arial"/>
             </a:endParaRPr>
           </a:p>
@@ -1193,10 +1131,7 @@
             <a:normAutofit/>
           </a:bodyPr>
           <a:p>
-            <a:endParaRPr b="0" lang="en-US" sz="2800" spc="-1" strike="noStrike">
-              <a:solidFill>
-                <a:srgbClr val="000000"/>
-              </a:solidFill>
+            <a:endParaRPr b="0" lang="en-IN" sz="3200" spc="-1" strike="noStrike">
               <a:latin typeface="Arial"/>
             </a:endParaRPr>
           </a:p>
@@ -1226,10 +1161,7 @@
             <a:normAutofit/>
           </a:bodyPr>
           <a:p>
-            <a:endParaRPr b="0" lang="en-US" sz="2800" spc="-1" strike="noStrike">
-              <a:solidFill>
-                <a:srgbClr val="000000"/>
-              </a:solidFill>
+            <a:endParaRPr b="0" lang="en-IN" sz="3200" spc="-1" strike="noStrike">
               <a:latin typeface="Arial"/>
             </a:endParaRPr>
           </a:p>
@@ -1281,10 +1213,8 @@
             <a:noAutofit/>
           </a:bodyPr>
           <a:p>
-            <a:endParaRPr b="0" lang="en-US" sz="1800" spc="-1" strike="noStrike">
-              <a:solidFill>
-                <a:srgbClr val="000000"/>
-              </a:solidFill>
+            <a:pPr algn="ctr"/>
+            <a:endParaRPr b="0" lang="en-IN" sz="4400" spc="-1" strike="noStrike">
               <a:latin typeface="Arial"/>
             </a:endParaRPr>
           </a:p>
@@ -1367,10 +1297,8 @@
             <a:noAutofit/>
           </a:bodyPr>
           <a:p>
-            <a:endParaRPr b="0" lang="en-US" sz="1800" spc="-1" strike="noStrike">
-              <a:solidFill>
-                <a:srgbClr val="000000"/>
-              </a:solidFill>
+            <a:pPr algn="ctr"/>
+            <a:endParaRPr b="0" lang="en-IN" sz="4400" spc="-1" strike="noStrike">
               <a:latin typeface="Arial"/>
             </a:endParaRPr>
           </a:p>
@@ -1400,10 +1328,7 @@
             <a:normAutofit/>
           </a:bodyPr>
           <a:p>
-            <a:endParaRPr b="0" lang="en-US" sz="2800" spc="-1" strike="noStrike">
-              <a:solidFill>
-                <a:srgbClr val="000000"/>
-              </a:solidFill>
+            <a:endParaRPr b="0" lang="en-IN" sz="3200" spc="-1" strike="noStrike">
               <a:latin typeface="Arial"/>
             </a:endParaRPr>
           </a:p>
@@ -1433,10 +1358,7 @@
             <a:normAutofit/>
           </a:bodyPr>
           <a:p>
-            <a:endParaRPr b="0" lang="en-US" sz="2800" spc="-1" strike="noStrike">
-              <a:solidFill>
-                <a:srgbClr val="000000"/>
-              </a:solidFill>
+            <a:endParaRPr b="0" lang="en-IN" sz="3200" spc="-1" strike="noStrike">
               <a:latin typeface="Arial"/>
             </a:endParaRPr>
           </a:p>
@@ -1466,10 +1388,7 @@
             <a:normAutofit/>
           </a:bodyPr>
           <a:p>
-            <a:endParaRPr b="0" lang="en-US" sz="2800" spc="-1" strike="noStrike">
-              <a:solidFill>
-                <a:srgbClr val="000000"/>
-              </a:solidFill>
+            <a:endParaRPr b="0" lang="en-IN" sz="3200" spc="-1" strike="noStrike">
               <a:latin typeface="Arial"/>
             </a:endParaRPr>
           </a:p>
@@ -1521,10 +1440,8 @@
             <a:noAutofit/>
           </a:bodyPr>
           <a:p>
-            <a:endParaRPr b="0" lang="en-US" sz="1800" spc="-1" strike="noStrike">
-              <a:solidFill>
-                <a:srgbClr val="000000"/>
-              </a:solidFill>
+            <a:pPr algn="ctr"/>
+            <a:endParaRPr b="0" lang="en-IN" sz="4400" spc="-1" strike="noStrike">
               <a:latin typeface="Arial"/>
             </a:endParaRPr>
           </a:p>
@@ -1554,10 +1471,7 @@
             <a:normAutofit/>
           </a:bodyPr>
           <a:p>
-            <a:endParaRPr b="0" lang="en-US" sz="2800" spc="-1" strike="noStrike">
-              <a:solidFill>
-                <a:srgbClr val="000000"/>
-              </a:solidFill>
+            <a:endParaRPr b="0" lang="en-IN" sz="3200" spc="-1" strike="noStrike">
               <a:latin typeface="Arial"/>
             </a:endParaRPr>
           </a:p>
@@ -1587,10 +1501,7 @@
             <a:normAutofit/>
           </a:bodyPr>
           <a:p>
-            <a:endParaRPr b="0" lang="en-US" sz="2800" spc="-1" strike="noStrike">
-              <a:solidFill>
-                <a:srgbClr val="000000"/>
-              </a:solidFill>
+            <a:endParaRPr b="0" lang="en-IN" sz="3200" spc="-1" strike="noStrike">
               <a:latin typeface="Arial"/>
             </a:endParaRPr>
           </a:p>
@@ -1620,10 +1531,7 @@
             <a:normAutofit/>
           </a:bodyPr>
           <a:p>
-            <a:endParaRPr b="0" lang="en-US" sz="2800" spc="-1" strike="noStrike">
-              <a:solidFill>
-                <a:srgbClr val="000000"/>
-              </a:solidFill>
+            <a:endParaRPr b="0" lang="en-IN" sz="3200" spc="-1" strike="noStrike">
               <a:latin typeface="Arial"/>
             </a:endParaRPr>
           </a:p>
@@ -1675,10 +1583,8 @@
             <a:noAutofit/>
           </a:bodyPr>
           <a:p>
-            <a:endParaRPr b="0" lang="en-US" sz="1800" spc="-1" strike="noStrike">
-              <a:solidFill>
-                <a:srgbClr val="000000"/>
-              </a:solidFill>
+            <a:pPr algn="ctr"/>
+            <a:endParaRPr b="0" lang="en-IN" sz="4400" spc="-1" strike="noStrike">
               <a:latin typeface="Arial"/>
             </a:endParaRPr>
           </a:p>
@@ -1708,10 +1614,7 @@
             <a:normAutofit/>
           </a:bodyPr>
           <a:p>
-            <a:endParaRPr b="0" lang="en-US" sz="2800" spc="-1" strike="noStrike">
-              <a:solidFill>
-                <a:srgbClr val="000000"/>
-              </a:solidFill>
+            <a:endParaRPr b="0" lang="en-IN" sz="3200" spc="-1" strike="noStrike">
               <a:latin typeface="Arial"/>
             </a:endParaRPr>
           </a:p>
@@ -1741,10 +1644,7 @@
             <a:normAutofit/>
           </a:bodyPr>
           <a:p>
-            <a:endParaRPr b="0" lang="en-US" sz="2800" spc="-1" strike="noStrike">
-              <a:solidFill>
-                <a:srgbClr val="000000"/>
-              </a:solidFill>
+            <a:endParaRPr b="0" lang="en-IN" sz="3200" spc="-1" strike="noStrike">
               <a:latin typeface="Arial"/>
             </a:endParaRPr>
           </a:p>
@@ -1796,10 +1696,8 @@
             <a:noAutofit/>
           </a:bodyPr>
           <a:p>
-            <a:endParaRPr b="0" lang="en-US" sz="1800" spc="-1" strike="noStrike">
-              <a:solidFill>
-                <a:srgbClr val="000000"/>
-              </a:solidFill>
+            <a:pPr algn="ctr"/>
+            <a:endParaRPr b="0" lang="en-IN" sz="4400" spc="-1" strike="noStrike">
               <a:latin typeface="Arial"/>
             </a:endParaRPr>
           </a:p>
@@ -1829,10 +1727,7 @@
             <a:normAutofit/>
           </a:bodyPr>
           <a:p>
-            <a:endParaRPr b="0" lang="en-US" sz="2800" spc="-1" strike="noStrike">
-              <a:solidFill>
-                <a:srgbClr val="000000"/>
-              </a:solidFill>
+            <a:endParaRPr b="0" lang="en-IN" sz="3200" spc="-1" strike="noStrike">
               <a:latin typeface="Arial"/>
             </a:endParaRPr>
           </a:p>
@@ -1862,10 +1757,7 @@
             <a:normAutofit/>
           </a:bodyPr>
           <a:p>
-            <a:endParaRPr b="0" lang="en-US" sz="2800" spc="-1" strike="noStrike">
-              <a:solidFill>
-                <a:srgbClr val="000000"/>
-              </a:solidFill>
+            <a:endParaRPr b="0" lang="en-IN" sz="3200" spc="-1" strike="noStrike">
               <a:latin typeface="Arial"/>
             </a:endParaRPr>
           </a:p>
@@ -1895,10 +1787,7 @@
             <a:normAutofit/>
           </a:bodyPr>
           <a:p>
-            <a:endParaRPr b="0" lang="en-US" sz="2800" spc="-1" strike="noStrike">
-              <a:solidFill>
-                <a:srgbClr val="000000"/>
-              </a:solidFill>
+            <a:endParaRPr b="0" lang="en-IN" sz="3200" spc="-1" strike="noStrike">
               <a:latin typeface="Arial"/>
             </a:endParaRPr>
           </a:p>
@@ -1928,10 +1817,7 @@
             <a:normAutofit/>
           </a:bodyPr>
           <a:p>
-            <a:endParaRPr b="0" lang="en-US" sz="2800" spc="-1" strike="noStrike">
-              <a:solidFill>
-                <a:srgbClr val="000000"/>
-              </a:solidFill>
+            <a:endParaRPr b="0" lang="en-IN" sz="3200" spc="-1" strike="noStrike">
               <a:latin typeface="Arial"/>
             </a:endParaRPr>
           </a:p>
@@ -1983,10 +1869,8 @@
             <a:noAutofit/>
           </a:bodyPr>
           <a:p>
-            <a:endParaRPr b="0" lang="en-US" sz="1800" spc="-1" strike="noStrike">
-              <a:solidFill>
-                <a:srgbClr val="000000"/>
-              </a:solidFill>
+            <a:pPr algn="ctr"/>
+            <a:endParaRPr b="0" lang="en-IN" sz="4400" spc="-1" strike="noStrike">
               <a:latin typeface="Arial"/>
             </a:endParaRPr>
           </a:p>
@@ -2016,10 +1900,7 @@
             <a:normAutofit/>
           </a:bodyPr>
           <a:p>
-            <a:endParaRPr b="0" lang="en-US" sz="2800" spc="-1" strike="noStrike">
-              <a:solidFill>
-                <a:srgbClr val="000000"/>
-              </a:solidFill>
+            <a:endParaRPr b="0" lang="en-IN" sz="3200" spc="-1" strike="noStrike">
               <a:latin typeface="Arial"/>
             </a:endParaRPr>
           </a:p>
@@ -2049,10 +1930,7 @@
             <a:normAutofit/>
           </a:bodyPr>
           <a:p>
-            <a:endParaRPr b="0" lang="en-US" sz="2800" spc="-1" strike="noStrike">
-              <a:solidFill>
-                <a:srgbClr val="000000"/>
-              </a:solidFill>
+            <a:endParaRPr b="0" lang="en-IN" sz="3200" spc="-1" strike="noStrike">
               <a:latin typeface="Arial"/>
             </a:endParaRPr>
           </a:p>
@@ -2082,10 +1960,7 @@
             <a:normAutofit/>
           </a:bodyPr>
           <a:p>
-            <a:endParaRPr b="0" lang="en-US" sz="2800" spc="-1" strike="noStrike">
-              <a:solidFill>
-                <a:srgbClr val="000000"/>
-              </a:solidFill>
+            <a:endParaRPr b="0" lang="en-IN" sz="3200" spc="-1" strike="noStrike">
               <a:latin typeface="Arial"/>
             </a:endParaRPr>
           </a:p>
@@ -2115,10 +1990,7 @@
             <a:normAutofit/>
           </a:bodyPr>
           <a:p>
-            <a:endParaRPr b="0" lang="en-US" sz="2800" spc="-1" strike="noStrike">
-              <a:solidFill>
-                <a:srgbClr val="000000"/>
-              </a:solidFill>
+            <a:endParaRPr b="0" lang="en-IN" sz="3200" spc="-1" strike="noStrike">
               <a:latin typeface="Arial"/>
             </a:endParaRPr>
           </a:p>
@@ -2148,10 +2020,7 @@
             <a:normAutofit/>
           </a:bodyPr>
           <a:p>
-            <a:endParaRPr b="0" lang="en-US" sz="2800" spc="-1" strike="noStrike">
-              <a:solidFill>
-                <a:srgbClr val="000000"/>
-              </a:solidFill>
+            <a:endParaRPr b="0" lang="en-IN" sz="3200" spc="-1" strike="noStrike">
               <a:latin typeface="Arial"/>
             </a:endParaRPr>
           </a:p>
@@ -2181,10 +2050,7 @@
             <a:normAutofit/>
           </a:bodyPr>
           <a:p>
-            <a:endParaRPr b="0" lang="en-US" sz="2800" spc="-1" strike="noStrike">
-              <a:solidFill>
-                <a:srgbClr val="000000"/>
-              </a:solidFill>
+            <a:endParaRPr b="0" lang="en-IN" sz="3200" spc="-1" strike="noStrike">
               <a:latin typeface="Arial"/>
             </a:endParaRPr>
           </a:p>
@@ -2236,10 +2102,8 @@
             <a:noAutofit/>
           </a:bodyPr>
           <a:p>
-            <a:endParaRPr b="0" lang="en-US" sz="1800" spc="-1" strike="noStrike">
-              <a:solidFill>
-                <a:srgbClr val="000000"/>
-              </a:solidFill>
+            <a:pPr algn="ctr"/>
+            <a:endParaRPr b="0" lang="en-IN" sz="4400" spc="-1" strike="noStrike">
               <a:latin typeface="Arial"/>
             </a:endParaRPr>
           </a:p>
@@ -2269,10 +2133,7 @@
             <a:normAutofit/>
           </a:bodyPr>
           <a:p>
-            <a:endParaRPr b="0" lang="en-US" sz="2800" spc="-1" strike="noStrike">
-              <a:solidFill>
-                <a:srgbClr val="000000"/>
-              </a:solidFill>
+            <a:endParaRPr b="0" lang="en-IN" sz="3200" spc="-1" strike="noStrike">
               <a:latin typeface="Arial"/>
             </a:endParaRPr>
           </a:p>
@@ -2324,10 +2185,8 @@
             <a:noAutofit/>
           </a:bodyPr>
           <a:p>
-            <a:endParaRPr b="0" lang="en-US" sz="1800" spc="-1" strike="noStrike">
-              <a:solidFill>
-                <a:srgbClr val="000000"/>
-              </a:solidFill>
+            <a:pPr algn="ctr"/>
+            <a:endParaRPr b="0" lang="en-IN" sz="4400" spc="-1" strike="noStrike">
               <a:latin typeface="Arial"/>
             </a:endParaRPr>
           </a:p>
@@ -2357,10 +2216,7 @@
             <a:normAutofit/>
           </a:bodyPr>
           <a:p>
-            <a:endParaRPr b="0" lang="en-US" sz="2800" spc="-1" strike="noStrike">
-              <a:solidFill>
-                <a:srgbClr val="000000"/>
-              </a:solidFill>
+            <a:endParaRPr b="0" lang="en-IN" sz="3200" spc="-1" strike="noStrike">
               <a:latin typeface="Arial"/>
             </a:endParaRPr>
           </a:p>
@@ -2390,10 +2246,7 @@
             <a:normAutofit/>
           </a:bodyPr>
           <a:p>
-            <a:endParaRPr b="0" lang="en-US" sz="2800" spc="-1" strike="noStrike">
-              <a:solidFill>
-                <a:srgbClr val="000000"/>
-              </a:solidFill>
+            <a:endParaRPr b="0" lang="en-IN" sz="3200" spc="-1" strike="noStrike">
               <a:latin typeface="Arial"/>
             </a:endParaRPr>
           </a:p>
@@ -2445,10 +2298,8 @@
             <a:noAutofit/>
           </a:bodyPr>
           <a:p>
-            <a:endParaRPr b="0" lang="en-US" sz="1800" spc="-1" strike="noStrike">
-              <a:solidFill>
-                <a:srgbClr val="000000"/>
-              </a:solidFill>
+            <a:pPr algn="ctr"/>
+            <a:endParaRPr b="0" lang="en-IN" sz="4400" spc="-1" strike="noStrike">
               <a:latin typeface="Arial"/>
             </a:endParaRPr>
           </a:p>
@@ -2553,10 +2404,8 @@
             <a:noAutofit/>
           </a:bodyPr>
           <a:p>
-            <a:endParaRPr b="0" lang="en-US" sz="1800" spc="-1" strike="noStrike">
-              <a:solidFill>
-                <a:srgbClr val="000000"/>
-              </a:solidFill>
+            <a:pPr algn="ctr"/>
+            <a:endParaRPr b="0" lang="en-IN" sz="4400" spc="-1" strike="noStrike">
               <a:latin typeface="Arial"/>
             </a:endParaRPr>
           </a:p>
@@ -2586,10 +2435,7 @@
             <a:normAutofit/>
           </a:bodyPr>
           <a:p>
-            <a:endParaRPr b="0" lang="en-US" sz="2800" spc="-1" strike="noStrike">
-              <a:solidFill>
-                <a:srgbClr val="000000"/>
-              </a:solidFill>
+            <a:endParaRPr b="0" lang="en-IN" sz="3200" spc="-1" strike="noStrike">
               <a:latin typeface="Arial"/>
             </a:endParaRPr>
           </a:p>
@@ -2619,10 +2465,7 @@
             <a:normAutofit/>
           </a:bodyPr>
           <a:p>
-            <a:endParaRPr b="0" lang="en-US" sz="2800" spc="-1" strike="noStrike">
-              <a:solidFill>
-                <a:srgbClr val="000000"/>
-              </a:solidFill>
+            <a:endParaRPr b="0" lang="en-IN" sz="3200" spc="-1" strike="noStrike">
               <a:latin typeface="Arial"/>
             </a:endParaRPr>
           </a:p>
@@ -2652,10 +2495,7 @@
             <a:normAutofit/>
           </a:bodyPr>
           <a:p>
-            <a:endParaRPr b="0" lang="en-US" sz="2800" spc="-1" strike="noStrike">
-              <a:solidFill>
-                <a:srgbClr val="000000"/>
-              </a:solidFill>
+            <a:endParaRPr b="0" lang="en-IN" sz="3200" spc="-1" strike="noStrike">
               <a:latin typeface="Arial"/>
             </a:endParaRPr>
           </a:p>
@@ -2707,10 +2547,8 @@
             <a:noAutofit/>
           </a:bodyPr>
           <a:p>
-            <a:endParaRPr b="0" lang="en-US" sz="1800" spc="-1" strike="noStrike">
-              <a:solidFill>
-                <a:srgbClr val="000000"/>
-              </a:solidFill>
+            <a:pPr algn="ctr"/>
+            <a:endParaRPr b="0" lang="en-IN" sz="4400" spc="-1" strike="noStrike">
               <a:latin typeface="Arial"/>
             </a:endParaRPr>
           </a:p>
@@ -2740,10 +2578,7 @@
             <a:normAutofit/>
           </a:bodyPr>
           <a:p>
-            <a:endParaRPr b="0" lang="en-US" sz="2800" spc="-1" strike="noStrike">
-              <a:solidFill>
-                <a:srgbClr val="000000"/>
-              </a:solidFill>
+            <a:endParaRPr b="0" lang="en-IN" sz="3200" spc="-1" strike="noStrike">
               <a:latin typeface="Arial"/>
             </a:endParaRPr>
           </a:p>
@@ -2773,10 +2608,7 @@
             <a:normAutofit/>
           </a:bodyPr>
           <a:p>
-            <a:endParaRPr b="0" lang="en-US" sz="2800" spc="-1" strike="noStrike">
-              <a:solidFill>
-                <a:srgbClr val="000000"/>
-              </a:solidFill>
+            <a:endParaRPr b="0" lang="en-IN" sz="3200" spc="-1" strike="noStrike">
               <a:latin typeface="Arial"/>
             </a:endParaRPr>
           </a:p>
@@ -2806,10 +2638,7 @@
             <a:normAutofit/>
           </a:bodyPr>
           <a:p>
-            <a:endParaRPr b="0" lang="en-US" sz="2800" spc="-1" strike="noStrike">
-              <a:solidFill>
-                <a:srgbClr val="000000"/>
-              </a:solidFill>
+            <a:endParaRPr b="0" lang="en-IN" sz="3200" spc="-1" strike="noStrike">
               <a:latin typeface="Arial"/>
             </a:endParaRPr>
           </a:p>
@@ -2861,10 +2690,8 @@
             <a:noAutofit/>
           </a:bodyPr>
           <a:p>
-            <a:endParaRPr b="0" lang="en-US" sz="1800" spc="-1" strike="noStrike">
-              <a:solidFill>
-                <a:srgbClr val="000000"/>
-              </a:solidFill>
+            <a:pPr algn="ctr"/>
+            <a:endParaRPr b="0" lang="en-IN" sz="4400" spc="-1" strike="noStrike">
               <a:latin typeface="Arial"/>
             </a:endParaRPr>
           </a:p>
@@ -2894,10 +2721,7 @@
             <a:normAutofit/>
           </a:bodyPr>
           <a:p>
-            <a:endParaRPr b="0" lang="en-US" sz="2800" spc="-1" strike="noStrike">
-              <a:solidFill>
-                <a:srgbClr val="000000"/>
-              </a:solidFill>
+            <a:endParaRPr b="0" lang="en-IN" sz="3200" spc="-1" strike="noStrike">
               <a:latin typeface="Arial"/>
             </a:endParaRPr>
           </a:p>
@@ -2927,10 +2751,7 @@
             <a:normAutofit/>
           </a:bodyPr>
           <a:p>
-            <a:endParaRPr b="0" lang="en-US" sz="2800" spc="-1" strike="noStrike">
-              <a:solidFill>
-                <a:srgbClr val="000000"/>
-              </a:solidFill>
+            <a:endParaRPr b="0" lang="en-IN" sz="3200" spc="-1" strike="noStrike">
               <a:latin typeface="Arial"/>
             </a:endParaRPr>
           </a:p>
@@ -2960,10 +2781,7 @@
             <a:normAutofit/>
           </a:bodyPr>
           <a:p>
-            <a:endParaRPr b="0" lang="en-US" sz="2800" spc="-1" strike="noStrike">
-              <a:solidFill>
-                <a:srgbClr val="000000"/>
-              </a:solidFill>
+            <a:endParaRPr b="0" lang="en-IN" sz="3200" spc="-1" strike="noStrike">
               <a:latin typeface="Arial"/>
             </a:endParaRPr>
           </a:p>
@@ -3064,8 +2882,8 @@
         </p:nvSpPr>
         <p:spPr>
           <a:xfrm rot="5400000">
-            <a:off x="603360" y="6447240"/>
-            <a:ext cx="177840" cy="147600"/>
+            <a:off x="603720" y="6447240"/>
+            <a:ext cx="177480" cy="147240"/>
           </a:xfrm>
           <a:prstGeom prst="triangle">
             <a:avLst>
@@ -3106,7 +2924,7 @@
         <p:spPr>
           <a:xfrm>
             <a:off x="1206360" y="3648240"/>
-            <a:ext cx="9740520" cy="1267200"/>
+            <a:ext cx="9740160" cy="1266840"/>
           </a:xfrm>
           <a:prstGeom prst="rect">
             <a:avLst/>
@@ -3148,7 +2966,7 @@
         <p:spPr>
           <a:xfrm>
             <a:off x="1219320" y="5638680"/>
-            <a:ext cx="9740520" cy="672840"/>
+            <a:ext cx="9740160" cy="672480"/>
           </a:xfrm>
           <a:prstGeom prst="rect">
             <a:avLst/>
@@ -3190,7 +3008,7 @@
         <p:spPr>
           <a:xfrm>
             <a:off x="1206360" y="3648240"/>
-            <a:ext cx="291960" cy="1267200"/>
+            <a:ext cx="291600" cy="1266840"/>
           </a:xfrm>
           <a:prstGeom prst="rect">
             <a:avLst/>
@@ -3229,7 +3047,7 @@
         <p:spPr>
           <a:xfrm>
             <a:off x="1219320" y="5638680"/>
-            <a:ext cx="291960" cy="672840"/>
+            <a:ext cx="291600" cy="672480"/>
           </a:xfrm>
           <a:prstGeom prst="rect">
             <a:avLst/>
@@ -3283,19 +3101,14 @@
             <a:noAutofit/>
           </a:bodyPr>
           <a:p>
-            <a:r>
-              <a:rPr b="0" lang="en-US" sz="1800" spc="-1" strike="noStrike">
-                <a:solidFill>
-                  <a:srgbClr val="000000"/>
-                </a:solidFill>
+            <a:pPr algn="ctr"/>
+            <a:r>
+              <a:rPr b="0" lang="en-IN" sz="4400" spc="-1" strike="noStrike">
                 <a:latin typeface="Arial"/>
               </a:rPr>
               <a:t>Click to edit the title text format</a:t>
             </a:r>
-            <a:endParaRPr b="0" lang="en-US" sz="1800" spc="-1" strike="noStrike">
-              <a:solidFill>
-                <a:srgbClr val="000000"/>
-              </a:solidFill>
+            <a:endParaRPr b="0" lang="en-IN" sz="4400" spc="-1" strike="noStrike">
               <a:latin typeface="Arial"/>
             </a:endParaRPr>
           </a:p>
@@ -3337,18 +3150,12 @@
               <a:buChar char=""/>
             </a:pPr>
             <a:r>
-              <a:rPr b="0" lang="en-US" sz="2800" spc="-1" strike="noStrike">
-                <a:solidFill>
-                  <a:srgbClr val="000000"/>
-                </a:solidFill>
+              <a:rPr b="0" lang="en-IN" sz="3200" spc="-1" strike="noStrike">
                 <a:latin typeface="Arial"/>
               </a:rPr>
               <a:t>Click to edit the outline text format</a:t>
             </a:r>
-            <a:endParaRPr b="0" lang="en-US" sz="2800" spc="-1" strike="noStrike">
-              <a:solidFill>
-                <a:srgbClr val="000000"/>
-              </a:solidFill>
+            <a:endParaRPr b="0" lang="en-IN" sz="3200" spc="-1" strike="noStrike">
               <a:latin typeface="Arial"/>
             </a:endParaRPr>
           </a:p>
@@ -3365,18 +3172,12 @@
               <a:buChar char=""/>
             </a:pPr>
             <a:r>
-              <a:rPr b="0" lang="en-US" sz="2000" spc="-1" strike="noStrike">
-                <a:solidFill>
-                  <a:srgbClr val="000000"/>
-                </a:solidFill>
+              <a:rPr b="0" lang="en-IN" sz="2800" spc="-1" strike="noStrike">
                 <a:latin typeface="Arial"/>
               </a:rPr>
               <a:t>Second Outline Level</a:t>
             </a:r>
-            <a:endParaRPr b="0" lang="en-US" sz="2000" spc="-1" strike="noStrike">
-              <a:solidFill>
-                <a:srgbClr val="000000"/>
-              </a:solidFill>
+            <a:endParaRPr b="0" lang="en-IN" sz="2800" spc="-1" strike="noStrike">
               <a:latin typeface="Arial"/>
             </a:endParaRPr>
           </a:p>
@@ -3393,18 +3194,12 @@
               <a:buChar char=""/>
             </a:pPr>
             <a:r>
-              <a:rPr b="0" lang="en-US" sz="1800" spc="-1" strike="noStrike">
-                <a:solidFill>
-                  <a:srgbClr val="000000"/>
-                </a:solidFill>
+              <a:rPr b="0" lang="en-IN" sz="2400" spc="-1" strike="noStrike">
                 <a:latin typeface="Arial"/>
               </a:rPr>
               <a:t>Third Outline Level</a:t>
             </a:r>
-            <a:endParaRPr b="0" lang="en-US" sz="1800" spc="-1" strike="noStrike">
-              <a:solidFill>
-                <a:srgbClr val="000000"/>
-              </a:solidFill>
+            <a:endParaRPr b="0" lang="en-IN" sz="2400" spc="-1" strike="noStrike">
               <a:latin typeface="Arial"/>
             </a:endParaRPr>
           </a:p>
@@ -3421,18 +3216,12 @@
               <a:buChar char=""/>
             </a:pPr>
             <a:r>
-              <a:rPr b="0" lang="en-US" sz="1800" spc="-1" strike="noStrike">
-                <a:solidFill>
-                  <a:srgbClr val="000000"/>
-                </a:solidFill>
+              <a:rPr b="0" lang="en-IN" sz="2000" spc="-1" strike="noStrike">
                 <a:latin typeface="Arial"/>
               </a:rPr>
               <a:t>Fourth Outline Level</a:t>
             </a:r>
-            <a:endParaRPr b="0" lang="en-US" sz="1800" spc="-1" strike="noStrike">
-              <a:solidFill>
-                <a:srgbClr val="000000"/>
-              </a:solidFill>
+            <a:endParaRPr b="0" lang="en-IN" sz="2000" spc="-1" strike="noStrike">
               <a:latin typeface="Arial"/>
             </a:endParaRPr>
           </a:p>
@@ -3449,18 +3238,12 @@
               <a:buChar char=""/>
             </a:pPr>
             <a:r>
-              <a:rPr b="0" lang="en-US" sz="2000" spc="-1" strike="noStrike">
-                <a:solidFill>
-                  <a:srgbClr val="000000"/>
-                </a:solidFill>
+              <a:rPr b="0" lang="en-IN" sz="2000" spc="-1" strike="noStrike">
                 <a:latin typeface="Arial"/>
               </a:rPr>
               <a:t>Fifth Outline Level</a:t>
             </a:r>
-            <a:endParaRPr b="0" lang="en-US" sz="2000" spc="-1" strike="noStrike">
-              <a:solidFill>
-                <a:srgbClr val="000000"/>
-              </a:solidFill>
+            <a:endParaRPr b="0" lang="en-IN" sz="2000" spc="-1" strike="noStrike">
               <a:latin typeface="Arial"/>
             </a:endParaRPr>
           </a:p>
@@ -3477,18 +3260,12 @@
               <a:buChar char=""/>
             </a:pPr>
             <a:r>
-              <a:rPr b="0" lang="en-US" sz="2000" spc="-1" strike="noStrike">
-                <a:solidFill>
-                  <a:srgbClr val="000000"/>
-                </a:solidFill>
+              <a:rPr b="0" lang="en-IN" sz="2000" spc="-1" strike="noStrike">
                 <a:latin typeface="Arial"/>
               </a:rPr>
               <a:t>Sixth Outline Level</a:t>
             </a:r>
-            <a:endParaRPr b="0" lang="en-US" sz="2000" spc="-1" strike="noStrike">
-              <a:solidFill>
-                <a:srgbClr val="000000"/>
-              </a:solidFill>
+            <a:endParaRPr b="0" lang="en-IN" sz="2000" spc="-1" strike="noStrike">
               <a:latin typeface="Arial"/>
             </a:endParaRPr>
           </a:p>
@@ -3505,18 +3282,12 @@
               <a:buChar char=""/>
             </a:pPr>
             <a:r>
-              <a:rPr b="0" lang="en-US" sz="2000" spc="-1" strike="noStrike">
-                <a:solidFill>
-                  <a:srgbClr val="000000"/>
-                </a:solidFill>
+              <a:rPr b="0" lang="en-IN" sz="2000" spc="-1" strike="noStrike">
                 <a:latin typeface="Arial"/>
               </a:rPr>
               <a:t>Seventh Outline Level</a:t>
             </a:r>
-            <a:endParaRPr b="0" lang="en-US" sz="2000" spc="-1" strike="noStrike">
-              <a:solidFill>
-                <a:srgbClr val="000000"/>
-              </a:solidFill>
+            <a:endParaRPr b="0" lang="en-IN" sz="2000" spc="-1" strike="noStrike">
               <a:latin typeface="Arial"/>
             </a:endParaRPr>
           </a:p>
@@ -3632,8 +3403,8 @@
         </p:nvSpPr>
         <p:spPr>
           <a:xfrm rot="5400000">
-            <a:off x="603360" y="6447240"/>
-            <a:ext cx="177840" cy="147600"/>
+            <a:off x="603720" y="6447240"/>
+            <a:ext cx="177480" cy="147240"/>
           </a:xfrm>
           <a:prstGeom prst="triangle">
             <a:avLst>
@@ -3702,8 +3473,8 @@
         </p:nvSpPr>
         <p:spPr>
           <a:xfrm rot="5400000">
-            <a:off x="603360" y="6447240"/>
-            <a:ext cx="177840" cy="147600"/>
+            <a:off x="603720" y="6447240"/>
+            <a:ext cx="177480" cy="147240"/>
           </a:xfrm>
           <a:prstGeom prst="triangle">
             <a:avLst>
@@ -3759,19 +3530,14 @@
             <a:noAutofit/>
           </a:bodyPr>
           <a:p>
-            <a:r>
-              <a:rPr b="0" lang="en-US" sz="1800" spc="-1" strike="noStrike">
-                <a:solidFill>
-                  <a:srgbClr val="000000"/>
-                </a:solidFill>
+            <a:pPr algn="ctr"/>
+            <a:r>
+              <a:rPr b="0" lang="en-IN" sz="4400" spc="-1" strike="noStrike">
                 <a:latin typeface="Arial"/>
               </a:rPr>
               <a:t>Click to edit the title text format</a:t>
             </a:r>
-            <a:endParaRPr b="0" lang="en-US" sz="1800" spc="-1" strike="noStrike">
-              <a:solidFill>
-                <a:srgbClr val="000000"/>
-              </a:solidFill>
+            <a:endParaRPr b="0" lang="en-IN" sz="4400" spc="-1" strike="noStrike">
               <a:latin typeface="Arial"/>
             </a:endParaRPr>
           </a:p>
@@ -3813,18 +3579,12 @@
               <a:buChar char=""/>
             </a:pPr>
             <a:r>
-              <a:rPr b="0" lang="en-US" sz="2800" spc="-1" strike="noStrike">
-                <a:solidFill>
-                  <a:srgbClr val="000000"/>
-                </a:solidFill>
+              <a:rPr b="0" lang="en-IN" sz="3200" spc="-1" strike="noStrike">
                 <a:latin typeface="Arial"/>
               </a:rPr>
               <a:t>Click to edit the outline text format</a:t>
             </a:r>
-            <a:endParaRPr b="0" lang="en-US" sz="2800" spc="-1" strike="noStrike">
-              <a:solidFill>
-                <a:srgbClr val="000000"/>
-              </a:solidFill>
+            <a:endParaRPr b="0" lang="en-IN" sz="3200" spc="-1" strike="noStrike">
               <a:latin typeface="Arial"/>
             </a:endParaRPr>
           </a:p>
@@ -3841,18 +3601,12 @@
               <a:buChar char=""/>
             </a:pPr>
             <a:r>
-              <a:rPr b="0" lang="en-US" sz="2000" spc="-1" strike="noStrike">
-                <a:solidFill>
-                  <a:srgbClr val="000000"/>
-                </a:solidFill>
+              <a:rPr b="0" lang="en-IN" sz="2800" spc="-1" strike="noStrike">
                 <a:latin typeface="Arial"/>
               </a:rPr>
               <a:t>Second Outline Level</a:t>
             </a:r>
-            <a:endParaRPr b="0" lang="en-US" sz="2000" spc="-1" strike="noStrike">
-              <a:solidFill>
-                <a:srgbClr val="000000"/>
-              </a:solidFill>
+            <a:endParaRPr b="0" lang="en-IN" sz="2800" spc="-1" strike="noStrike">
               <a:latin typeface="Arial"/>
             </a:endParaRPr>
           </a:p>
@@ -3869,18 +3623,12 @@
               <a:buChar char=""/>
             </a:pPr>
             <a:r>
-              <a:rPr b="0" lang="en-US" sz="1800" spc="-1" strike="noStrike">
-                <a:solidFill>
-                  <a:srgbClr val="000000"/>
-                </a:solidFill>
+              <a:rPr b="0" lang="en-IN" sz="2400" spc="-1" strike="noStrike">
                 <a:latin typeface="Arial"/>
               </a:rPr>
               <a:t>Third Outline Level</a:t>
             </a:r>
-            <a:endParaRPr b="0" lang="en-US" sz="1800" spc="-1" strike="noStrike">
-              <a:solidFill>
-                <a:srgbClr val="000000"/>
-              </a:solidFill>
+            <a:endParaRPr b="0" lang="en-IN" sz="2400" spc="-1" strike="noStrike">
               <a:latin typeface="Arial"/>
             </a:endParaRPr>
           </a:p>
@@ -3897,18 +3645,12 @@
               <a:buChar char=""/>
             </a:pPr>
             <a:r>
-              <a:rPr b="0" lang="en-US" sz="1800" spc="-1" strike="noStrike">
-                <a:solidFill>
-                  <a:srgbClr val="000000"/>
-                </a:solidFill>
+              <a:rPr b="0" lang="en-IN" sz="2000" spc="-1" strike="noStrike">
                 <a:latin typeface="Arial"/>
               </a:rPr>
               <a:t>Fourth Outline Level</a:t>
             </a:r>
-            <a:endParaRPr b="0" lang="en-US" sz="1800" spc="-1" strike="noStrike">
-              <a:solidFill>
-                <a:srgbClr val="000000"/>
-              </a:solidFill>
+            <a:endParaRPr b="0" lang="en-IN" sz="2000" spc="-1" strike="noStrike">
               <a:latin typeface="Arial"/>
             </a:endParaRPr>
           </a:p>
@@ -3925,18 +3667,12 @@
               <a:buChar char=""/>
             </a:pPr>
             <a:r>
-              <a:rPr b="0" lang="en-US" sz="2000" spc="-1" strike="noStrike">
-                <a:solidFill>
-                  <a:srgbClr val="000000"/>
-                </a:solidFill>
+              <a:rPr b="0" lang="en-IN" sz="2000" spc="-1" strike="noStrike">
                 <a:latin typeface="Arial"/>
               </a:rPr>
               <a:t>Fifth Outline Level</a:t>
             </a:r>
-            <a:endParaRPr b="0" lang="en-US" sz="2000" spc="-1" strike="noStrike">
-              <a:solidFill>
-                <a:srgbClr val="000000"/>
-              </a:solidFill>
+            <a:endParaRPr b="0" lang="en-IN" sz="2000" spc="-1" strike="noStrike">
               <a:latin typeface="Arial"/>
             </a:endParaRPr>
           </a:p>
@@ -3953,18 +3689,12 @@
               <a:buChar char=""/>
             </a:pPr>
             <a:r>
-              <a:rPr b="0" lang="en-US" sz="2000" spc="-1" strike="noStrike">
-                <a:solidFill>
-                  <a:srgbClr val="000000"/>
-                </a:solidFill>
+              <a:rPr b="0" lang="en-IN" sz="2000" spc="-1" strike="noStrike">
                 <a:latin typeface="Arial"/>
               </a:rPr>
               <a:t>Sixth Outline Level</a:t>
             </a:r>
-            <a:endParaRPr b="0" lang="en-US" sz="2000" spc="-1" strike="noStrike">
-              <a:solidFill>
-                <a:srgbClr val="000000"/>
-              </a:solidFill>
+            <a:endParaRPr b="0" lang="en-IN" sz="2000" spc="-1" strike="noStrike">
               <a:latin typeface="Arial"/>
             </a:endParaRPr>
           </a:p>
@@ -3981,18 +3711,12 @@
               <a:buChar char=""/>
             </a:pPr>
             <a:r>
-              <a:rPr b="0" lang="en-US" sz="2000" spc="-1" strike="noStrike">
-                <a:solidFill>
-                  <a:srgbClr val="000000"/>
-                </a:solidFill>
+              <a:rPr b="0" lang="en-IN" sz="2000" spc="-1" strike="noStrike">
                 <a:latin typeface="Arial"/>
               </a:rPr>
               <a:t>Seventh Outline Level</a:t>
             </a:r>
-            <a:endParaRPr b="0" lang="en-US" sz="2000" spc="-1" strike="noStrike">
-              <a:solidFill>
-                <a:srgbClr val="000000"/>
-              </a:solidFill>
+            <a:endParaRPr b="0" lang="en-IN" sz="2000" spc="-1" strike="noStrike">
               <a:latin typeface="Arial"/>
             </a:endParaRPr>
           </a:p>
@@ -4044,7 +3768,7 @@
         <p:spPr>
           <a:xfrm>
             <a:off x="1975680" y="3553920"/>
-            <a:ext cx="8521560" cy="977760"/>
+            <a:ext cx="8521200" cy="977400"/>
           </a:xfrm>
           <a:prstGeom prst="rect">
             <a:avLst/>
@@ -4101,7 +3825,7 @@
         <p:spPr>
           <a:xfrm>
             <a:off x="181440" y="2001960"/>
-            <a:ext cx="2841480" cy="2841480"/>
+            <a:ext cx="2841120" cy="2841120"/>
           </a:xfrm>
           <a:prstGeom prst="rect">
             <a:avLst/>
@@ -4120,7 +3844,7 @@
         <p:spPr>
           <a:xfrm>
             <a:off x="720000" y="5158800"/>
-            <a:ext cx="10871640" cy="1176840"/>
+            <a:ext cx="10871280" cy="1176480"/>
           </a:xfrm>
           <a:prstGeom prst="rect">
             <a:avLst/>
@@ -4183,7 +3907,7 @@
         <p:spPr>
           <a:xfrm>
             <a:off x="181440" y="196560"/>
-            <a:ext cx="2841480" cy="1054800"/>
+            <a:ext cx="2841120" cy="1054440"/>
           </a:xfrm>
           <a:prstGeom prst="rect">
             <a:avLst/>
@@ -4202,7 +3926,7 @@
         <p:spPr>
           <a:xfrm>
             <a:off x="3557880" y="93600"/>
-            <a:ext cx="8439840" cy="3045240"/>
+            <a:ext cx="8439480" cy="3045240"/>
           </a:xfrm>
           <a:prstGeom prst="rect">
             <a:avLst/>
@@ -4287,7 +4011,7 @@
         <p:spPr>
           <a:xfrm>
             <a:off x="181440" y="196920"/>
-            <a:ext cx="2843280" cy="1056600"/>
+            <a:ext cx="2842920" cy="1056240"/>
           </a:xfrm>
           <a:prstGeom prst="rect">
             <a:avLst/>
@@ -4310,7 +4034,7 @@
         <p:spPr>
           <a:xfrm>
             <a:off x="57960" y="2448000"/>
-            <a:ext cx="3539520" cy="3539520"/>
+            <a:ext cx="3539160" cy="3539160"/>
           </a:xfrm>
           <a:prstGeom prst="rect">
             <a:avLst/>
@@ -4329,7 +4053,7 @@
         <p:spPr>
           <a:xfrm>
             <a:off x="7632000" y="4716000"/>
-            <a:ext cx="3455640" cy="402480"/>
+            <a:ext cx="3455280" cy="402120"/>
           </a:xfrm>
           <a:prstGeom prst="rect">
             <a:avLst/>
@@ -4460,7 +4184,7 @@
         <p:spPr>
           <a:xfrm>
             <a:off x="248400" y="0"/>
-            <a:ext cx="11699640" cy="699120"/>
+            <a:ext cx="11699280" cy="699120"/>
           </a:xfrm>
           <a:prstGeom prst="rect">
             <a:avLst/>
@@ -4515,7 +4239,7 @@
         <p:spPr>
           <a:xfrm>
             <a:off x="248400" y="762120"/>
-            <a:ext cx="11699640" cy="1035000"/>
+            <a:ext cx="11699280" cy="1186920"/>
           </a:xfrm>
           <a:prstGeom prst="rect">
             <a:avLst/>
@@ -4636,7 +4360,7 @@
         <p:spPr>
           <a:xfrm>
             <a:off x="1523880" y="3801960"/>
-            <a:ext cx="8876880" cy="2147040"/>
+            <a:ext cx="8876520" cy="2147040"/>
           </a:xfrm>
           <a:prstGeom prst="rect">
             <a:avLst/>
@@ -4657,7 +4381,7 @@
             <a:spAutoFit/>
           </a:bodyPr>
           <a:p>
-            <a:pPr marL="285840" indent="-272880">
+            <a:pPr marL="285840" indent="-272520">
               <a:lnSpc>
                 <a:spcPct val="150000"/>
               </a:lnSpc>
@@ -4702,7 +4426,7 @@
             </a:endParaRPr>
           </a:p>
           <a:p>
-            <a:pPr marL="285840" indent="-272880">
+            <a:pPr marL="285840" indent="-272520">
               <a:lnSpc>
                 <a:spcPct val="150000"/>
               </a:lnSpc>
@@ -4747,7 +4471,7 @@
             </a:endParaRPr>
           </a:p>
           <a:p>
-            <a:pPr marL="285840" indent="-272880">
+            <a:pPr marL="285840" indent="-272520">
               <a:lnSpc>
                 <a:spcPct val="150000"/>
               </a:lnSpc>
@@ -4792,7 +4516,7 @@
             </a:endParaRPr>
           </a:p>
           <a:p>
-            <a:pPr marL="285840" indent="-272880">
+            <a:pPr marL="285840" indent="-272520">
               <a:lnSpc>
                 <a:spcPct val="150000"/>
               </a:lnSpc>
@@ -4882,7 +4606,7 @@
         <p:spPr>
           <a:xfrm>
             <a:off x="246600" y="2133720"/>
-            <a:ext cx="11701440" cy="700200"/>
+            <a:ext cx="11701080" cy="699840"/>
           </a:xfrm>
           <a:prstGeom prst="rect">
             <a:avLst/>
@@ -4983,7 +4707,7 @@
         <p:spPr>
           <a:xfrm>
             <a:off x="1676520" y="2362320"/>
-            <a:ext cx="8826120" cy="912600"/>
+            <a:ext cx="8825760" cy="912600"/>
           </a:xfrm>
           <a:prstGeom prst="rect">
             <a:avLst/>
@@ -5034,7 +4758,7 @@
         <p:spPr>
           <a:xfrm>
             <a:off x="522360" y="3531600"/>
-            <a:ext cx="11063160" cy="363960"/>
+            <a:ext cx="11062800" cy="363960"/>
           </a:xfrm>
           <a:prstGeom prst="rect">
             <a:avLst/>
@@ -5115,7 +4839,7 @@
         <p:spPr>
           <a:xfrm>
             <a:off x="248400" y="0"/>
-            <a:ext cx="11699640" cy="699120"/>
+            <a:ext cx="11699280" cy="699120"/>
           </a:xfrm>
           <a:prstGeom prst="rect">
             <a:avLst/>
@@ -5170,7 +4894,7 @@
         <p:spPr>
           <a:xfrm>
             <a:off x="248400" y="762120"/>
-            <a:ext cx="11699640" cy="1035000"/>
+            <a:ext cx="11699280" cy="1186920"/>
           </a:xfrm>
           <a:prstGeom prst="rect">
             <a:avLst/>
@@ -5271,7 +4995,7 @@
         <p:spPr>
           <a:xfrm>
             <a:off x="1523880" y="3480480"/>
-            <a:ext cx="8876880" cy="2558520"/>
+            <a:ext cx="8876520" cy="2558520"/>
           </a:xfrm>
           <a:prstGeom prst="rect">
             <a:avLst/>
@@ -5292,7 +5016,7 @@
             <a:spAutoFit/>
           </a:bodyPr>
           <a:p>
-            <a:pPr marL="285840" indent="-272880">
+            <a:pPr marL="285840" indent="-272520">
               <a:lnSpc>
                 <a:spcPct val="150000"/>
               </a:lnSpc>
@@ -5337,7 +5061,7 @@
             </a:endParaRPr>
           </a:p>
           <a:p>
-            <a:pPr marL="285840" indent="-272880">
+            <a:pPr marL="285840" indent="-272520">
               <a:lnSpc>
                 <a:spcPct val="150000"/>
               </a:lnSpc>
@@ -5382,7 +5106,7 @@
             </a:endParaRPr>
           </a:p>
           <a:p>
-            <a:pPr marL="285840" indent="-272880">
+            <a:pPr marL="285840" indent="-272520">
               <a:lnSpc>
                 <a:spcPct val="150000"/>
               </a:lnSpc>
@@ -5427,7 +5151,7 @@
             </a:endParaRPr>
           </a:p>
           <a:p>
-            <a:pPr marL="285840" indent="-272880">
+            <a:pPr marL="285840" indent="-272520">
               <a:lnSpc>
                 <a:spcPct val="150000"/>
               </a:lnSpc>
@@ -5472,7 +5196,7 @@
             </a:endParaRPr>
           </a:p>
           <a:p>
-            <a:pPr marL="285840" indent="-272880">
+            <a:pPr marL="285840" indent="-272520">
               <a:lnSpc>
                 <a:spcPct val="150000"/>
               </a:lnSpc>
@@ -5507,7 +5231,7 @@
             </a:endParaRPr>
           </a:p>
           <a:p>
-            <a:pPr marL="285840" indent="-272880">
+            <a:pPr marL="285840" indent="-272520">
               <a:lnSpc>
                 <a:spcPct val="150000"/>
               </a:lnSpc>
@@ -5587,7 +5311,7 @@
         <p:spPr>
           <a:xfrm>
             <a:off x="246600" y="2206440"/>
-            <a:ext cx="11701440" cy="700200"/>
+            <a:ext cx="11701080" cy="699840"/>
           </a:xfrm>
           <a:prstGeom prst="rect">
             <a:avLst/>
@@ -5688,7 +5412,7 @@
         <p:spPr>
           <a:xfrm>
             <a:off x="1676520" y="2362320"/>
-            <a:ext cx="8826120" cy="1735560"/>
+            <a:ext cx="8825760" cy="1735560"/>
           </a:xfrm>
           <a:prstGeom prst="rect">
             <a:avLst/>
@@ -5739,7 +5463,7 @@
         <p:spPr>
           <a:xfrm>
             <a:off x="522360" y="4323600"/>
-            <a:ext cx="11063160" cy="363960"/>
+            <a:ext cx="11062800" cy="363960"/>
           </a:xfrm>
           <a:prstGeom prst="rect">
             <a:avLst/>
@@ -5820,7 +5544,7 @@
         <p:spPr>
           <a:xfrm>
             <a:off x="248400" y="0"/>
-            <a:ext cx="11699640" cy="699120"/>
+            <a:ext cx="11699280" cy="699120"/>
           </a:xfrm>
           <a:prstGeom prst="rect">
             <a:avLst/>
@@ -5875,7 +5599,7 @@
         <p:spPr>
           <a:xfrm>
             <a:off x="248400" y="762120"/>
-            <a:ext cx="11699640" cy="1705320"/>
+            <a:ext cx="11699280" cy="2009880"/>
           </a:xfrm>
           <a:prstGeom prst="rect">
             <a:avLst/>
@@ -6016,7 +5740,7 @@
         <p:spPr>
           <a:xfrm>
             <a:off x="1523880" y="4344480"/>
-            <a:ext cx="8876880" cy="2147040"/>
+            <a:ext cx="8876520" cy="2147040"/>
           </a:xfrm>
           <a:prstGeom prst="rect">
             <a:avLst/>
@@ -6037,7 +5761,7 @@
             <a:spAutoFit/>
           </a:bodyPr>
           <a:p>
-            <a:pPr marL="285840" indent="-272880">
+            <a:pPr marL="285840" indent="-272520">
               <a:lnSpc>
                 <a:spcPct val="150000"/>
               </a:lnSpc>
@@ -6082,7 +5806,7 @@
             </a:endParaRPr>
           </a:p>
           <a:p>
-            <a:pPr marL="285840" indent="-272880">
+            <a:pPr marL="285840" indent="-272520">
               <a:lnSpc>
                 <a:spcPct val="150000"/>
               </a:lnSpc>
@@ -6127,7 +5851,7 @@
             </a:endParaRPr>
           </a:p>
           <a:p>
-            <a:pPr marL="285840" indent="-272880">
+            <a:pPr marL="285840" indent="-272520">
               <a:lnSpc>
                 <a:spcPct val="150000"/>
               </a:lnSpc>
@@ -6172,7 +5896,7 @@
             </a:endParaRPr>
           </a:p>
           <a:p>
-            <a:pPr marL="285840" indent="-272880">
+            <a:pPr marL="285840" indent="-272520">
               <a:lnSpc>
                 <a:spcPct val="150000"/>
               </a:lnSpc>
@@ -6217,7 +5941,7 @@
             </a:endParaRPr>
           </a:p>
           <a:p>
-            <a:pPr marL="285840" indent="-272880">
+            <a:pPr marL="285840" indent="-272520">
               <a:lnSpc>
                 <a:spcPct val="150000"/>
               </a:lnSpc>
@@ -6307,7 +6031,7 @@
         <p:spPr>
           <a:xfrm>
             <a:off x="246600" y="2845080"/>
-            <a:ext cx="11701440" cy="1310040"/>
+            <a:ext cx="11701080" cy="1309680"/>
           </a:xfrm>
           <a:prstGeom prst="rect">
             <a:avLst/>
@@ -6448,7 +6172,7 @@
         <p:spPr>
           <a:xfrm>
             <a:off x="1676520" y="2362320"/>
-            <a:ext cx="8826120" cy="912600"/>
+            <a:ext cx="8825760" cy="912600"/>
           </a:xfrm>
           <a:prstGeom prst="rect">
             <a:avLst/>
@@ -6499,7 +6223,7 @@
         <p:spPr>
           <a:xfrm>
             <a:off x="522360" y="3531600"/>
-            <a:ext cx="11063160" cy="363960"/>
+            <a:ext cx="11062800" cy="363960"/>
           </a:xfrm>
           <a:prstGeom prst="rect">
             <a:avLst/>
@@ -6580,7 +6304,7 @@
         <p:spPr>
           <a:xfrm>
             <a:off x="248400" y="0"/>
-            <a:ext cx="11699640" cy="699120"/>
+            <a:ext cx="11699280" cy="699120"/>
           </a:xfrm>
           <a:prstGeom prst="rect">
             <a:avLst/>
@@ -6635,7 +6359,7 @@
         <p:spPr>
           <a:xfrm>
             <a:off x="248400" y="762120"/>
-            <a:ext cx="11699640" cy="760680"/>
+            <a:ext cx="11699280" cy="912600"/>
           </a:xfrm>
           <a:prstGeom prst="rect">
             <a:avLst/>
@@ -6736,7 +6460,7 @@
         <p:spPr>
           <a:xfrm>
             <a:off x="1600200" y="2685600"/>
-            <a:ext cx="8876880" cy="1735560"/>
+            <a:ext cx="8876520" cy="1735560"/>
           </a:xfrm>
           <a:prstGeom prst="rect">
             <a:avLst/>
@@ -6757,7 +6481,7 @@
             <a:spAutoFit/>
           </a:bodyPr>
           <a:p>
-            <a:pPr marL="285840" indent="-272880">
+            <a:pPr marL="285840" indent="-272520">
               <a:lnSpc>
                 <a:spcPct val="150000"/>
               </a:lnSpc>
@@ -6802,7 +6526,7 @@
             </a:endParaRPr>
           </a:p>
           <a:p>
-            <a:pPr marL="285840" indent="-272880">
+            <a:pPr marL="285840" indent="-272520">
               <a:lnSpc>
                 <a:spcPct val="150000"/>
               </a:lnSpc>
@@ -6847,7 +6571,7 @@
             </a:endParaRPr>
           </a:p>
           <a:p>
-            <a:pPr marL="285840" indent="-272880">
+            <a:pPr marL="285840" indent="-272520">
               <a:lnSpc>
                 <a:spcPct val="150000"/>
               </a:lnSpc>
@@ -6892,7 +6616,7 @@
             </a:endParaRPr>
           </a:p>
           <a:p>
-            <a:pPr marL="285840" indent="-272880">
+            <a:pPr marL="285840" indent="-272520">
               <a:lnSpc>
                 <a:spcPct val="150000"/>
               </a:lnSpc>
@@ -6947,7 +6671,7 @@
         <p:spPr>
           <a:xfrm>
             <a:off x="1656000" y="4533480"/>
-            <a:ext cx="8987400" cy="1357560"/>
+            <a:ext cx="8987040" cy="1357200"/>
           </a:xfrm>
           <a:prstGeom prst="rect">
             <a:avLst/>
@@ -6968,7 +6692,7 @@
             <a:noAutofit/>
           </a:bodyPr>
           <a:p>
-            <a:pPr marL="216000" indent="-206280">
+            <a:pPr marL="216000" indent="-205920">
               <a:lnSpc>
                 <a:spcPct val="150000"/>
               </a:lnSpc>
@@ -7003,7 +6727,7 @@
             </a:endParaRPr>
           </a:p>
           <a:p>
-            <a:pPr marL="216000" indent="-206280">
+            <a:pPr marL="216000" indent="-205920">
               <a:lnSpc>
                 <a:spcPct val="150000"/>
               </a:lnSpc>
@@ -7038,7 +6762,7 @@
             </a:endParaRPr>
           </a:p>
           <a:p>
-            <a:pPr marL="216000" indent="-206280">
+            <a:pPr marL="216000" indent="-205920">
               <a:lnSpc>
                 <a:spcPct val="150000"/>
               </a:lnSpc>
@@ -7073,7 +6797,7 @@
             </a:endParaRPr>
           </a:p>
           <a:p>
-            <a:pPr marL="216000" indent="-206280">
+            <a:pPr marL="216000" indent="-205920">
               <a:lnSpc>
                 <a:spcPct val="150000"/>
               </a:lnSpc>
@@ -7108,7 +6832,7 @@
             </a:endParaRPr>
           </a:p>
           <a:p>
-            <a:pPr marL="216000" indent="-206280">
+            <a:pPr marL="216000" indent="-205920">
               <a:lnSpc>
                 <a:spcPct val="150000"/>
               </a:lnSpc>
@@ -7188,7 +6912,7 @@
         <p:spPr>
           <a:xfrm>
             <a:off x="246600" y="1742040"/>
-            <a:ext cx="11701440" cy="700200"/>
+            <a:ext cx="11701080" cy="699840"/>
           </a:xfrm>
           <a:prstGeom prst="rect">
             <a:avLst/>
@@ -7289,7 +7013,7 @@
         <p:spPr>
           <a:xfrm>
             <a:off x="1676520" y="2362320"/>
-            <a:ext cx="8826120" cy="912600"/>
+            <a:ext cx="8825760" cy="912600"/>
           </a:xfrm>
           <a:prstGeom prst="rect">
             <a:avLst/>
@@ -7340,7 +7064,7 @@
         <p:spPr>
           <a:xfrm>
             <a:off x="522360" y="3531600"/>
-            <a:ext cx="11063160" cy="363960"/>
+            <a:ext cx="11062800" cy="363960"/>
           </a:xfrm>
           <a:prstGeom prst="rect">
             <a:avLst/>
@@ -7421,7 +7145,7 @@
         <p:spPr>
           <a:xfrm>
             <a:off x="248400" y="0"/>
-            <a:ext cx="11699640" cy="699120"/>
+            <a:ext cx="11699280" cy="699120"/>
           </a:xfrm>
           <a:prstGeom prst="rect">
             <a:avLst/>
@@ -7476,7 +7200,7 @@
         <p:spPr>
           <a:xfrm>
             <a:off x="248400" y="762120"/>
-            <a:ext cx="11699640" cy="669600"/>
+            <a:ext cx="11699280" cy="669240"/>
           </a:xfrm>
           <a:prstGeom prst="rect">
             <a:avLst/>
@@ -7567,7 +7291,7 @@
         <p:spPr>
           <a:xfrm>
             <a:off x="1600200" y="3909600"/>
-            <a:ext cx="8876880" cy="1324080"/>
+            <a:ext cx="8876520" cy="1324080"/>
           </a:xfrm>
           <a:prstGeom prst="rect">
             <a:avLst/>
@@ -7588,7 +7312,7 @@
             <a:spAutoFit/>
           </a:bodyPr>
           <a:p>
-            <a:pPr marL="285840" indent="-272880">
+            <a:pPr marL="285840" indent="-272520">
               <a:lnSpc>
                 <a:spcPct val="150000"/>
               </a:lnSpc>
@@ -7633,7 +7357,7 @@
             </a:endParaRPr>
           </a:p>
           <a:p>
-            <a:pPr marL="285840" indent="-272880">
+            <a:pPr marL="285840" indent="-272520">
               <a:lnSpc>
                 <a:spcPct val="150000"/>
               </a:lnSpc>
@@ -7678,7 +7402,7 @@
             </a:endParaRPr>
           </a:p>
           <a:p>
-            <a:pPr marL="285840" indent="-272880">
+            <a:pPr marL="285840" indent="-272520">
               <a:lnSpc>
                 <a:spcPct val="150000"/>
               </a:lnSpc>
@@ -7733,7 +7457,7 @@
         <p:spPr>
           <a:xfrm>
             <a:off x="1584000" y="5246640"/>
-            <a:ext cx="8843400" cy="1004040"/>
+            <a:ext cx="8843040" cy="1003680"/>
           </a:xfrm>
           <a:prstGeom prst="rect">
             <a:avLst/>
@@ -7784,7 +7508,7 @@
             </a:endParaRPr>
           </a:p>
           <a:p>
-            <a:pPr marL="216000" indent="-203400">
+            <a:pPr marL="216000" indent="-203040">
               <a:lnSpc>
                 <a:spcPct val="100000"/>
               </a:lnSpc>
@@ -7810,7 +7534,7 @@
             </a:endParaRPr>
           </a:p>
           <a:p>
-            <a:pPr marL="216000" indent="-203400">
+            <a:pPr marL="216000" indent="-203040">
               <a:lnSpc>
                 <a:spcPct val="100000"/>
               </a:lnSpc>
@@ -7846,7 +7570,7 @@
         <p:spPr>
           <a:xfrm>
             <a:off x="1576080" y="3161880"/>
-            <a:ext cx="9571320" cy="641520"/>
+            <a:ext cx="9570960" cy="641160"/>
           </a:xfrm>
           <a:prstGeom prst="rect">
             <a:avLst/>
@@ -7962,7 +7686,7 @@
         <p:spPr>
           <a:xfrm>
             <a:off x="246600" y="1742040"/>
-            <a:ext cx="11701440" cy="700200"/>
+            <a:ext cx="11701080" cy="699840"/>
           </a:xfrm>
           <a:prstGeom prst="rect">
             <a:avLst/>
@@ -8063,7 +7787,7 @@
         <p:spPr>
           <a:xfrm>
             <a:off x="1676520" y="2362320"/>
-            <a:ext cx="8826120" cy="912600"/>
+            <a:ext cx="8825760" cy="912600"/>
           </a:xfrm>
           <a:prstGeom prst="rect">
             <a:avLst/>
@@ -8114,7 +7838,7 @@
         <p:spPr>
           <a:xfrm>
             <a:off x="522360" y="3531600"/>
-            <a:ext cx="11063160" cy="363960"/>
+            <a:ext cx="11062800" cy="363960"/>
           </a:xfrm>
           <a:prstGeom prst="rect">
             <a:avLst/>
@@ -8195,7 +7919,7 @@
         <p:spPr>
           <a:xfrm>
             <a:off x="1676520" y="2362320"/>
-            <a:ext cx="8826120" cy="912600"/>
+            <a:ext cx="8825760" cy="912600"/>
           </a:xfrm>
           <a:prstGeom prst="rect">
             <a:avLst/>
@@ -8246,7 +7970,7 @@
         <p:spPr>
           <a:xfrm>
             <a:off x="522360" y="3531600"/>
-            <a:ext cx="11135160" cy="1186920"/>
+            <a:ext cx="11134800" cy="1186920"/>
           </a:xfrm>
           <a:prstGeom prst="rect">
             <a:avLst/>
@@ -8297,7 +8021,7 @@
         <p:spPr>
           <a:xfrm>
             <a:off x="1666800" y="609480"/>
-            <a:ext cx="8826120" cy="394560"/>
+            <a:ext cx="8825760" cy="394560"/>
           </a:xfrm>
           <a:prstGeom prst="rect">
             <a:avLst/>
@@ -8378,7 +8102,7 @@
         <p:spPr>
           <a:xfrm>
             <a:off x="248400" y="0"/>
-            <a:ext cx="11699640" cy="699120"/>
+            <a:ext cx="11699280" cy="699120"/>
           </a:xfrm>
           <a:prstGeom prst="rect">
             <a:avLst/>
@@ -8433,7 +8157,7 @@
         <p:spPr>
           <a:xfrm>
             <a:off x="248400" y="762120"/>
-            <a:ext cx="11699640" cy="1309320"/>
+            <a:ext cx="11699280" cy="1461240"/>
           </a:xfrm>
           <a:prstGeom prst="rect">
             <a:avLst/>
@@ -8534,7 +8258,7 @@
         <p:spPr>
           <a:xfrm>
             <a:off x="1600200" y="3585600"/>
-            <a:ext cx="8876880" cy="2558520"/>
+            <a:ext cx="8876520" cy="2558520"/>
           </a:xfrm>
           <a:prstGeom prst="rect">
             <a:avLst/>
@@ -8575,7 +8299,7 @@
             </a:endParaRPr>
           </a:p>
           <a:p>
-            <a:pPr marL="285840" indent="-272880">
+            <a:pPr marL="285840" indent="-272520">
               <a:lnSpc>
                 <a:spcPct val="150000"/>
               </a:lnSpc>
@@ -8620,7 +8344,7 @@
             </a:endParaRPr>
           </a:p>
           <a:p>
-            <a:pPr marL="285840" indent="-272880">
+            <a:pPr marL="285840" indent="-272520">
               <a:lnSpc>
                 <a:spcPct val="150000"/>
               </a:lnSpc>
@@ -8685,7 +8409,7 @@
             </a:endParaRPr>
           </a:p>
           <a:p>
-            <a:pPr marL="285840" indent="-272880">
+            <a:pPr marL="285840" indent="-272520">
               <a:lnSpc>
                 <a:spcPct val="150000"/>
               </a:lnSpc>
@@ -8730,7 +8454,7 @@
             </a:endParaRPr>
           </a:p>
           <a:p>
-            <a:pPr marL="285840" indent="-272880">
+            <a:pPr marL="285840" indent="-272520">
               <a:lnSpc>
                 <a:spcPct val="150000"/>
               </a:lnSpc>
@@ -8820,7 +8544,7 @@
         <p:spPr>
           <a:xfrm>
             <a:off x="246600" y="2322360"/>
-            <a:ext cx="11701440" cy="700200"/>
+            <a:ext cx="11701080" cy="699840"/>
           </a:xfrm>
           <a:prstGeom prst="rect">
             <a:avLst/>
@@ -8921,7 +8645,7 @@
         <p:spPr>
           <a:xfrm>
             <a:off x="1676520" y="2362320"/>
-            <a:ext cx="8826120" cy="1735560"/>
+            <a:ext cx="8825760" cy="1735560"/>
           </a:xfrm>
           <a:prstGeom prst="rect">
             <a:avLst/>
@@ -8972,7 +8696,7 @@
         <p:spPr>
           <a:xfrm>
             <a:off x="522360" y="3531600"/>
-            <a:ext cx="11063160" cy="363960"/>
+            <a:ext cx="11062800" cy="363960"/>
           </a:xfrm>
           <a:prstGeom prst="rect">
             <a:avLst/>
@@ -9053,7 +8777,7 @@
         <p:spPr>
           <a:xfrm>
             <a:off x="248400" y="0"/>
-            <a:ext cx="11699640" cy="699120"/>
+            <a:ext cx="11699280" cy="699120"/>
           </a:xfrm>
           <a:prstGeom prst="rect">
             <a:avLst/>
@@ -9108,7 +8832,7 @@
         <p:spPr>
           <a:xfrm>
             <a:off x="248400" y="762120"/>
-            <a:ext cx="11622240" cy="1979640"/>
+            <a:ext cx="11621880" cy="2284200"/>
           </a:xfrm>
           <a:prstGeom prst="rect">
             <a:avLst/>
@@ -9249,7 +8973,7 @@
         <p:spPr>
           <a:xfrm>
             <a:off x="864000" y="4197600"/>
-            <a:ext cx="11006640" cy="1324080"/>
+            <a:ext cx="11006280" cy="1324080"/>
           </a:xfrm>
           <a:prstGeom prst="rect">
             <a:avLst/>
@@ -9270,7 +8994,7 @@
             <a:spAutoFit/>
           </a:bodyPr>
           <a:p>
-            <a:pPr marL="285840" indent="-272880">
+            <a:pPr marL="285840" indent="-272520">
               <a:lnSpc>
                 <a:spcPct val="150000"/>
               </a:lnSpc>
@@ -9315,7 +9039,7 @@
             </a:endParaRPr>
           </a:p>
           <a:p>
-            <a:pPr marL="285840" indent="-272880">
+            <a:pPr marL="285840" indent="-272520">
               <a:lnSpc>
                 <a:spcPct val="150000"/>
               </a:lnSpc>
@@ -9360,7 +9084,7 @@
             </a:endParaRPr>
           </a:p>
           <a:p>
-            <a:pPr marL="285840" indent="-272880">
+            <a:pPr marL="285840" indent="-272520">
               <a:lnSpc>
                 <a:spcPct val="150000"/>
               </a:lnSpc>
@@ -9415,7 +9139,7 @@
         <p:spPr>
           <a:xfrm>
             <a:off x="1584000" y="5610240"/>
-            <a:ext cx="8843400" cy="1004040"/>
+            <a:ext cx="8843040" cy="1003680"/>
           </a:xfrm>
           <a:prstGeom prst="rect">
             <a:avLst/>
@@ -9466,7 +9190,7 @@
             </a:endParaRPr>
           </a:p>
           <a:p>
-            <a:pPr marL="285840" indent="-275760">
+            <a:pPr marL="285840" indent="-275400">
               <a:lnSpc>
                 <a:spcPct val="100000"/>
               </a:lnSpc>
@@ -9501,7 +9225,7 @@
             </a:endParaRPr>
           </a:p>
           <a:p>
-            <a:pPr marL="285840" indent="-275760">
+            <a:pPr marL="285840" indent="-275400">
               <a:lnSpc>
                 <a:spcPct val="100000"/>
               </a:lnSpc>
@@ -9581,7 +9305,7 @@
         <p:spPr>
           <a:xfrm>
             <a:off x="246600" y="3120840"/>
-            <a:ext cx="11701440" cy="1005120"/>
+            <a:ext cx="11701080" cy="1004760"/>
           </a:xfrm>
           <a:prstGeom prst="rect">
             <a:avLst/>
@@ -9702,7 +9426,7 @@
         <p:spPr>
           <a:xfrm>
             <a:off x="1676520" y="2362320"/>
-            <a:ext cx="8826120" cy="1735560"/>
+            <a:ext cx="8825760" cy="1735560"/>
           </a:xfrm>
           <a:prstGeom prst="rect">
             <a:avLst/>
@@ -9753,7 +9477,7 @@
         <p:spPr>
           <a:xfrm>
             <a:off x="522360" y="3531600"/>
-            <a:ext cx="11063160" cy="363960"/>
+            <a:ext cx="11062800" cy="363960"/>
           </a:xfrm>
           <a:prstGeom prst="rect">
             <a:avLst/>
@@ -10508,7 +10232,7 @@
         <p:spPr>
           <a:xfrm>
             <a:off x="248400" y="0"/>
-            <a:ext cx="11699640" cy="699120"/>
+            <a:ext cx="11699280" cy="699120"/>
           </a:xfrm>
           <a:prstGeom prst="rect">
             <a:avLst/>
@@ -10563,7 +10287,7 @@
         <p:spPr>
           <a:xfrm>
             <a:off x="248400" y="762120"/>
-            <a:ext cx="11699640" cy="1979640"/>
+            <a:ext cx="11699280" cy="2284200"/>
           </a:xfrm>
           <a:prstGeom prst="rect">
             <a:avLst/>
@@ -10704,7 +10428,7 @@
         <p:spPr>
           <a:xfrm>
             <a:off x="1600200" y="4593600"/>
-            <a:ext cx="8876880" cy="912600"/>
+            <a:ext cx="8876520" cy="912600"/>
           </a:xfrm>
           <a:prstGeom prst="rect">
             <a:avLst/>
@@ -10725,7 +10449,7 @@
             <a:spAutoFit/>
           </a:bodyPr>
           <a:p>
-            <a:pPr marL="285840" indent="-272880">
+            <a:pPr marL="285840" indent="-272520">
               <a:lnSpc>
                 <a:spcPct val="150000"/>
               </a:lnSpc>
@@ -10770,7 +10494,7 @@
             </a:endParaRPr>
           </a:p>
           <a:p>
-            <a:pPr marL="285840" indent="-272880">
+            <a:pPr marL="285840" indent="-272520">
               <a:lnSpc>
                 <a:spcPct val="150000"/>
               </a:lnSpc>
@@ -10825,7 +10549,7 @@
         <p:spPr>
           <a:xfrm>
             <a:off x="1584000" y="5790240"/>
-            <a:ext cx="8843400" cy="68400"/>
+            <a:ext cx="8843040" cy="68040"/>
           </a:xfrm>
           <a:prstGeom prst="rect">
             <a:avLst/>
@@ -10876,7 +10600,7 @@
             </a:endParaRPr>
           </a:p>
           <a:p>
-            <a:pPr marL="285840" indent="-275760">
+            <a:pPr marL="285840" indent="-275400">
               <a:lnSpc>
                 <a:spcPct val="100000"/>
               </a:lnSpc>
@@ -10946,7 +10670,7 @@
         <p:spPr>
           <a:xfrm>
             <a:off x="246600" y="3048120"/>
-            <a:ext cx="11701440" cy="1005120"/>
+            <a:ext cx="11701080" cy="1004760"/>
           </a:xfrm>
           <a:prstGeom prst="rect">
             <a:avLst/>
@@ -11067,7 +10791,7 @@
         <p:spPr>
           <a:xfrm>
             <a:off x="1676520" y="2362320"/>
-            <a:ext cx="8826120" cy="912600"/>
+            <a:ext cx="8825760" cy="912600"/>
           </a:xfrm>
           <a:prstGeom prst="rect">
             <a:avLst/>
@@ -11118,7 +10842,7 @@
         <p:spPr>
           <a:xfrm>
             <a:off x="522360" y="3531600"/>
-            <a:ext cx="11063160" cy="363960"/>
+            <a:ext cx="11062800" cy="363960"/>
           </a:xfrm>
           <a:prstGeom prst="rect">
             <a:avLst/>
@@ -11873,7 +11597,7 @@
         <p:spPr>
           <a:xfrm>
             <a:off x="248400" y="0"/>
-            <a:ext cx="11699640" cy="699120"/>
+            <a:ext cx="11699280" cy="699120"/>
           </a:xfrm>
           <a:prstGeom prst="rect">
             <a:avLst/>
@@ -11928,7 +11652,7 @@
         <p:spPr>
           <a:xfrm>
             <a:off x="248400" y="762120"/>
-            <a:ext cx="11699640" cy="1309320"/>
+            <a:ext cx="11699280" cy="1461240"/>
           </a:xfrm>
           <a:prstGeom prst="rect">
             <a:avLst/>
@@ -12029,7 +11753,7 @@
         <p:spPr>
           <a:xfrm>
             <a:off x="1600200" y="3621600"/>
-            <a:ext cx="8876880" cy="912600"/>
+            <a:ext cx="8876520" cy="912600"/>
           </a:xfrm>
           <a:prstGeom prst="rect">
             <a:avLst/>
@@ -12050,7 +11774,7 @@
             <a:spAutoFit/>
           </a:bodyPr>
           <a:p>
-            <a:pPr marL="285840" indent="-272880">
+            <a:pPr marL="285840" indent="-272520">
               <a:lnSpc>
                 <a:spcPct val="150000"/>
               </a:lnSpc>
@@ -12095,7 +11819,7 @@
             </a:endParaRPr>
           </a:p>
           <a:p>
-            <a:pPr marL="285840" indent="-272880">
+            <a:pPr marL="285840" indent="-272520">
               <a:lnSpc>
                 <a:spcPct val="150000"/>
               </a:lnSpc>
@@ -12150,7 +11874,7 @@
         <p:spPr>
           <a:xfrm>
             <a:off x="1584000" y="5106240"/>
-            <a:ext cx="8843400" cy="68400"/>
+            <a:ext cx="8843040" cy="68040"/>
           </a:xfrm>
           <a:prstGeom prst="rect">
             <a:avLst/>
@@ -12201,7 +11925,7 @@
             </a:endParaRPr>
           </a:p>
           <a:p>
-            <a:pPr marL="285840" indent="-275760">
+            <a:pPr marL="285840" indent="-275400">
               <a:lnSpc>
                 <a:spcPct val="100000"/>
               </a:lnSpc>
@@ -12271,7 +11995,7 @@
         <p:spPr>
           <a:xfrm>
             <a:off x="246600" y="2395080"/>
-            <a:ext cx="11701440" cy="700200"/>
+            <a:ext cx="11701080" cy="699840"/>
           </a:xfrm>
           <a:prstGeom prst="rect">
             <a:avLst/>
@@ -12372,7 +12096,7 @@
         <p:spPr>
           <a:xfrm>
             <a:off x="1676520" y="2362320"/>
-            <a:ext cx="8826120" cy="912600"/>
+            <a:ext cx="8825760" cy="912600"/>
           </a:xfrm>
           <a:prstGeom prst="rect">
             <a:avLst/>
@@ -12423,7 +12147,7 @@
         <p:spPr>
           <a:xfrm>
             <a:off x="522360" y="3531600"/>
-            <a:ext cx="11063160" cy="363960"/>
+            <a:ext cx="11062800" cy="363960"/>
           </a:xfrm>
           <a:prstGeom prst="rect">
             <a:avLst/>
@@ -12504,7 +12228,7 @@
         <p:spPr>
           <a:xfrm>
             <a:off x="248400" y="0"/>
-            <a:ext cx="11699640" cy="699120"/>
+            <a:ext cx="11699280" cy="699120"/>
           </a:xfrm>
           <a:prstGeom prst="rect">
             <a:avLst/>
@@ -12559,7 +12283,7 @@
         <p:spPr>
           <a:xfrm>
             <a:off x="248400" y="762120"/>
-            <a:ext cx="11699640" cy="1035000"/>
+            <a:ext cx="11699280" cy="1186920"/>
           </a:xfrm>
           <a:prstGeom prst="rect">
             <a:avLst/>
@@ -12660,7 +12384,7 @@
         <p:spPr>
           <a:xfrm>
             <a:off x="1600200" y="3621600"/>
-            <a:ext cx="8876880" cy="912600"/>
+            <a:ext cx="8876520" cy="912600"/>
           </a:xfrm>
           <a:prstGeom prst="rect">
             <a:avLst/>
@@ -12681,7 +12405,7 @@
             <a:spAutoFit/>
           </a:bodyPr>
           <a:p>
-            <a:pPr marL="285840" indent="-272880">
+            <a:pPr marL="285840" indent="-272520">
               <a:lnSpc>
                 <a:spcPct val="150000"/>
               </a:lnSpc>
@@ -12726,7 +12450,7 @@
             </a:endParaRPr>
           </a:p>
           <a:p>
-            <a:pPr marL="285840" indent="-272880">
+            <a:pPr marL="285840" indent="-272520">
               <a:lnSpc>
                 <a:spcPct val="150000"/>
               </a:lnSpc>
@@ -12816,7 +12540,7 @@
         <p:spPr>
           <a:xfrm>
             <a:off x="246600" y="2148480"/>
-            <a:ext cx="11701440" cy="700200"/>
+            <a:ext cx="11701080" cy="699840"/>
           </a:xfrm>
           <a:prstGeom prst="rect">
             <a:avLst/>
@@ -12917,7 +12641,7 @@
         <p:spPr>
           <a:xfrm>
             <a:off x="1676520" y="2362320"/>
-            <a:ext cx="8826120" cy="1735560"/>
+            <a:ext cx="8825760" cy="1735560"/>
           </a:xfrm>
           <a:prstGeom prst="rect">
             <a:avLst/>
@@ -12968,7 +12692,7 @@
         <p:spPr>
           <a:xfrm>
             <a:off x="522360" y="4467600"/>
-            <a:ext cx="11063160" cy="363960"/>
+            <a:ext cx="11062800" cy="363960"/>
           </a:xfrm>
           <a:prstGeom prst="rect">
             <a:avLst/>
@@ -13049,7 +12773,7 @@
         <p:spPr>
           <a:xfrm>
             <a:off x="246600" y="2563200"/>
-            <a:ext cx="11704680" cy="852120"/>
+            <a:ext cx="11704320" cy="851760"/>
           </a:xfrm>
           <a:prstGeom prst="rect">
             <a:avLst/>
@@ -13070,7 +12794,7 @@
             <a:spAutoFit/>
           </a:bodyPr>
           <a:p>
-            <a:pPr marL="343080" indent="-330120">
+            <a:pPr marL="343080" indent="-329760">
               <a:lnSpc>
                 <a:spcPct val="100000"/>
               </a:lnSpc>
@@ -13125,7 +12849,7 @@
             </a:endParaRPr>
           </a:p>
           <a:p>
-            <a:pPr marL="343080" indent="-330120">
+            <a:pPr marL="343080" indent="-329760">
               <a:lnSpc>
                 <a:spcPct val="100000"/>
               </a:lnSpc>
@@ -13200,7 +12924,7 @@
         <p:spPr>
           <a:xfrm>
             <a:off x="246600" y="1742040"/>
-            <a:ext cx="11704680" cy="395280"/>
+            <a:ext cx="11704320" cy="394920"/>
           </a:xfrm>
           <a:prstGeom prst="rect">
             <a:avLst/>
@@ -13261,7 +12985,7 @@
         <p:spPr>
           <a:xfrm>
             <a:off x="246600" y="762120"/>
-            <a:ext cx="11704680" cy="364680"/>
+            <a:ext cx="11704320" cy="364320"/>
           </a:xfrm>
           <a:prstGeom prst="rect">
             <a:avLst/>
@@ -13322,7 +13046,7 @@
         <p:spPr>
           <a:xfrm>
             <a:off x="246600" y="4239720"/>
-            <a:ext cx="11704680" cy="1994040"/>
+            <a:ext cx="11704320" cy="1994040"/>
           </a:xfrm>
           <a:prstGeom prst="rect">
             <a:avLst/>
@@ -13383,7 +13107,7 @@
             </a:endParaRPr>
           </a:p>
           <a:p>
-            <a:pPr marL="285840" indent="-272880">
+            <a:pPr marL="285840" indent="-272520">
               <a:lnSpc>
                 <a:spcPct val="100000"/>
               </a:lnSpc>
@@ -13428,7 +13152,7 @@
             </a:endParaRPr>
           </a:p>
           <a:p>
-            <a:pPr marL="285840" indent="-272880">
+            <a:pPr marL="285840" indent="-272520">
               <a:lnSpc>
                 <a:spcPct val="100000"/>
               </a:lnSpc>
@@ -13473,7 +13197,7 @@
             </a:endParaRPr>
           </a:p>
           <a:p>
-            <a:pPr marL="285840" indent="-272880">
+            <a:pPr marL="285840" indent="-272520">
               <a:lnSpc>
                 <a:spcPct val="150000"/>
               </a:lnSpc>
@@ -13538,7 +13262,7 @@
         <p:spPr>
           <a:xfrm>
             <a:off x="246600" y="3678480"/>
-            <a:ext cx="8699400" cy="343440"/>
+            <a:ext cx="8699040" cy="343080"/>
           </a:xfrm>
           <a:prstGeom prst="rect">
             <a:avLst/>
@@ -13609,7 +13333,7 @@
         <p:spPr>
           <a:xfrm>
             <a:off x="246600" y="0"/>
-            <a:ext cx="11704680" cy="699840"/>
+            <a:ext cx="11704320" cy="699480"/>
           </a:xfrm>
           <a:prstGeom prst="rect">
             <a:avLst/>
@@ -13664,7 +13388,7 @@
         <p:spPr>
           <a:xfrm>
             <a:off x="246600" y="6212880"/>
-            <a:ext cx="11238120" cy="487440"/>
+            <a:ext cx="11237760" cy="487080"/>
           </a:xfrm>
           <a:prstGeom prst="rect">
             <a:avLst/>
@@ -13745,7 +13469,7 @@
         <p:spPr>
           <a:xfrm>
             <a:off x="6357240" y="5906160"/>
-            <a:ext cx="6247080" cy="379440"/>
+            <a:ext cx="6246720" cy="379080"/>
           </a:xfrm>
           <a:prstGeom prst="rect">
             <a:avLst/>
@@ -13881,7 +13605,7 @@
         <p:spPr>
           <a:xfrm>
             <a:off x="248400" y="0"/>
-            <a:ext cx="11699640" cy="699120"/>
+            <a:ext cx="11699280" cy="699120"/>
           </a:xfrm>
           <a:prstGeom prst="rect">
             <a:avLst/>
@@ -13936,7 +13660,7 @@
         <p:spPr>
           <a:xfrm>
             <a:off x="248400" y="762120"/>
-            <a:ext cx="11699640" cy="1827000"/>
+            <a:ext cx="11699280" cy="2284200"/>
           </a:xfrm>
           <a:prstGeom prst="rect">
             <a:avLst/>
@@ -14197,7 +13921,7 @@
         <p:spPr>
           <a:xfrm>
             <a:off x="1600200" y="4989600"/>
-            <a:ext cx="8876880" cy="1735560"/>
+            <a:ext cx="8876520" cy="1735560"/>
           </a:xfrm>
           <a:prstGeom prst="rect">
             <a:avLst/>
@@ -14218,7 +13942,7 @@
             <a:spAutoFit/>
           </a:bodyPr>
           <a:p>
-            <a:pPr marL="285840" indent="-272880">
+            <a:pPr marL="285840" indent="-272520">
               <a:lnSpc>
                 <a:spcPct val="150000"/>
               </a:lnSpc>
@@ -14263,7 +13987,7 @@
             </a:endParaRPr>
           </a:p>
           <a:p>
-            <a:pPr marL="285840" indent="-272880">
+            <a:pPr marL="285840" indent="-272520">
               <a:lnSpc>
                 <a:spcPct val="150000"/>
               </a:lnSpc>
@@ -14308,7 +14032,7 @@
             </a:endParaRPr>
           </a:p>
           <a:p>
-            <a:pPr marL="285840" indent="-272880">
+            <a:pPr marL="285840" indent="-272520">
               <a:lnSpc>
                 <a:spcPct val="150000"/>
               </a:lnSpc>
@@ -14373,7 +14097,7 @@
             </a:endParaRPr>
           </a:p>
           <a:p>
-            <a:pPr marL="285840" indent="-272880">
+            <a:pPr marL="285840" indent="-272520">
               <a:lnSpc>
                 <a:spcPct val="150000"/>
               </a:lnSpc>
@@ -14463,7 +14187,7 @@
         <p:spPr>
           <a:xfrm>
             <a:off x="246600" y="2903040"/>
-            <a:ext cx="11701440" cy="1310040"/>
+            <a:ext cx="11701080" cy="1309680"/>
           </a:xfrm>
           <a:prstGeom prst="rect">
             <a:avLst/>
@@ -14604,7 +14328,7 @@
         <p:spPr>
           <a:xfrm>
             <a:off x="1676520" y="2362320"/>
-            <a:ext cx="8826120" cy="1735560"/>
+            <a:ext cx="8825760" cy="1735560"/>
           </a:xfrm>
           <a:prstGeom prst="rect">
             <a:avLst/>
@@ -14655,7 +14379,7 @@
         <p:spPr>
           <a:xfrm>
             <a:off x="522360" y="4251600"/>
-            <a:ext cx="11063160" cy="363960"/>
+            <a:ext cx="11062800" cy="363960"/>
           </a:xfrm>
           <a:prstGeom prst="rect">
             <a:avLst/>
@@ -14736,7 +14460,7 @@
         <p:spPr>
           <a:xfrm>
             <a:off x="248400" y="0"/>
-            <a:ext cx="11699640" cy="699120"/>
+            <a:ext cx="11699280" cy="699120"/>
           </a:xfrm>
           <a:prstGeom prst="rect">
             <a:avLst/>
@@ -14791,7 +14515,7 @@
         <p:spPr>
           <a:xfrm>
             <a:off x="248400" y="762120"/>
-            <a:ext cx="11699640" cy="1431000"/>
+            <a:ext cx="11699280" cy="1735560"/>
           </a:xfrm>
           <a:prstGeom prst="rect">
             <a:avLst/>
@@ -14932,7 +14656,7 @@
         <p:spPr>
           <a:xfrm>
             <a:off x="1600200" y="4557600"/>
-            <a:ext cx="8876880" cy="1324080"/>
+            <a:ext cx="8876520" cy="1324080"/>
           </a:xfrm>
           <a:prstGeom prst="rect">
             <a:avLst/>
@@ -14953,7 +14677,7 @@
             <a:spAutoFit/>
           </a:bodyPr>
           <a:p>
-            <a:pPr marL="285840" indent="-272880">
+            <a:pPr marL="285840" indent="-272520">
               <a:lnSpc>
                 <a:spcPct val="150000"/>
               </a:lnSpc>
@@ -14998,7 +14722,7 @@
             </a:endParaRPr>
           </a:p>
           <a:p>
-            <a:pPr marL="285840" indent="-272880">
+            <a:pPr marL="285840" indent="-272520">
               <a:lnSpc>
                 <a:spcPct val="150000"/>
               </a:lnSpc>
@@ -15043,7 +14767,7 @@
             </a:endParaRPr>
           </a:p>
           <a:p>
-            <a:pPr marL="285840" indent="-272880">
+            <a:pPr marL="285840" indent="-272520">
               <a:lnSpc>
                 <a:spcPct val="150000"/>
               </a:lnSpc>
@@ -15133,7 +14857,7 @@
         <p:spPr>
           <a:xfrm>
             <a:off x="246600" y="2496600"/>
-            <a:ext cx="11701440" cy="1005120"/>
+            <a:ext cx="11701080" cy="1004760"/>
           </a:xfrm>
           <a:prstGeom prst="rect">
             <a:avLst/>
@@ -15254,7 +14978,7 @@
         <p:spPr>
           <a:xfrm>
             <a:off x="1676520" y="2362320"/>
-            <a:ext cx="8826120" cy="912600"/>
+            <a:ext cx="8825760" cy="912600"/>
           </a:xfrm>
           <a:prstGeom prst="rect">
             <a:avLst/>
@@ -15305,7 +15029,7 @@
         <p:spPr>
           <a:xfrm>
             <a:off x="1666800" y="609480"/>
-            <a:ext cx="8826120" cy="394560"/>
+            <a:ext cx="8825760" cy="394560"/>
           </a:xfrm>
           <a:prstGeom prst="rect">
             <a:avLst/>
@@ -15356,7 +15080,7 @@
         <p:spPr>
           <a:xfrm>
             <a:off x="522360" y="3531600"/>
-            <a:ext cx="11063160" cy="1186920"/>
+            <a:ext cx="11062800" cy="1186920"/>
           </a:xfrm>
           <a:prstGeom prst="rect">
             <a:avLst/>
@@ -15457,7 +15181,7 @@
         <p:spPr>
           <a:xfrm>
             <a:off x="1676520" y="2362320"/>
-            <a:ext cx="8826120" cy="912600"/>
+            <a:ext cx="8825760" cy="912600"/>
           </a:xfrm>
           <a:prstGeom prst="rect">
             <a:avLst/>
@@ -15508,7 +15232,7 @@
         <p:spPr>
           <a:xfrm>
             <a:off x="522360" y="3531600"/>
-            <a:ext cx="11063160" cy="363960"/>
+            <a:ext cx="11062800" cy="363960"/>
           </a:xfrm>
           <a:prstGeom prst="rect">
             <a:avLst/>
@@ -15589,7 +15313,7 @@
         <p:spPr>
           <a:xfrm>
             <a:off x="248400" y="0"/>
-            <a:ext cx="11699640" cy="699120"/>
+            <a:ext cx="11699280" cy="699120"/>
           </a:xfrm>
           <a:prstGeom prst="rect">
             <a:avLst/>
@@ -15644,7 +15368,7 @@
         <p:spPr>
           <a:xfrm>
             <a:off x="248400" y="762120"/>
-            <a:ext cx="11699640" cy="1309320"/>
+            <a:ext cx="11699280" cy="1461240"/>
           </a:xfrm>
           <a:prstGeom prst="rect">
             <a:avLst/>
@@ -15745,7 +15469,7 @@
         <p:spPr>
           <a:xfrm>
             <a:off x="1600200" y="3585600"/>
-            <a:ext cx="8876880" cy="912600"/>
+            <a:ext cx="8876520" cy="912600"/>
           </a:xfrm>
           <a:prstGeom prst="rect">
             <a:avLst/>
@@ -15766,7 +15490,7 @@
             <a:spAutoFit/>
           </a:bodyPr>
           <a:p>
-            <a:pPr marL="285840" indent="-272880">
+            <a:pPr marL="285840" indent="-272520">
               <a:lnSpc>
                 <a:spcPct val="150000"/>
               </a:lnSpc>
@@ -15811,7 +15535,7 @@
             </a:endParaRPr>
           </a:p>
           <a:p>
-            <a:pPr marL="285840" indent="-272880">
+            <a:pPr marL="285840" indent="-272520">
               <a:lnSpc>
                 <a:spcPct val="150000"/>
               </a:lnSpc>
@@ -15866,7 +15590,7 @@
         <p:spPr>
           <a:xfrm>
             <a:off x="5256000" y="5472000"/>
-            <a:ext cx="5130000" cy="788760"/>
+            <a:ext cx="5129640" cy="788400"/>
           </a:xfrm>
           <a:prstGeom prst="rect">
             <a:avLst/>
@@ -15997,7 +15721,7 @@
         <p:spPr>
           <a:xfrm>
             <a:off x="10514160" y="2592000"/>
-            <a:ext cx="1502640" cy="4061160"/>
+            <a:ext cx="1502280" cy="4060800"/>
           </a:xfrm>
           <a:prstGeom prst="rect">
             <a:avLst/>
@@ -16353,7 +16077,7 @@
         <p:spPr>
           <a:xfrm>
             <a:off x="246600" y="2496600"/>
-            <a:ext cx="11701440" cy="700200"/>
+            <a:ext cx="11701080" cy="699840"/>
           </a:xfrm>
           <a:prstGeom prst="rect">
             <a:avLst/>
@@ -16454,7 +16178,7 @@
         <p:spPr>
           <a:xfrm>
             <a:off x="1676520" y="2362320"/>
-            <a:ext cx="8826120" cy="912600"/>
+            <a:ext cx="8825760" cy="912600"/>
           </a:xfrm>
           <a:prstGeom prst="rect">
             <a:avLst/>
@@ -16505,7 +16229,7 @@
         <p:spPr>
           <a:xfrm>
             <a:off x="522360" y="3531600"/>
-            <a:ext cx="11063160" cy="363960"/>
+            <a:ext cx="11062800" cy="363960"/>
           </a:xfrm>
           <a:prstGeom prst="rect">
             <a:avLst/>
@@ -16586,7 +16310,7 @@
         <p:spPr>
           <a:xfrm>
             <a:off x="248400" y="0"/>
-            <a:ext cx="11699640" cy="699120"/>
+            <a:ext cx="11699280" cy="699120"/>
           </a:xfrm>
           <a:prstGeom prst="rect">
             <a:avLst/>
@@ -16641,7 +16365,7 @@
         <p:spPr>
           <a:xfrm>
             <a:off x="248400" y="762120"/>
-            <a:ext cx="11699640" cy="1857960"/>
+            <a:ext cx="11699280" cy="2009880"/>
           </a:xfrm>
           <a:prstGeom prst="rect">
             <a:avLst/>
@@ -16822,7 +16546,7 @@
         <p:spPr>
           <a:xfrm>
             <a:off x="8849880" y="2814840"/>
-            <a:ext cx="2979000" cy="456120"/>
+            <a:ext cx="2978640" cy="455760"/>
           </a:xfrm>
           <a:prstGeom prst="rect">
             <a:avLst/>
@@ -16873,7 +16597,7 @@
         <p:spPr>
           <a:xfrm>
             <a:off x="1600200" y="4665600"/>
-            <a:ext cx="8876880" cy="912600"/>
+            <a:ext cx="8876520" cy="912600"/>
           </a:xfrm>
           <a:prstGeom prst="rect">
             <a:avLst/>
@@ -16894,7 +16618,7 @@
             <a:spAutoFit/>
           </a:bodyPr>
           <a:p>
-            <a:pPr marL="285840" indent="-272880">
+            <a:pPr marL="285840" indent="-272520">
               <a:lnSpc>
                 <a:spcPct val="150000"/>
               </a:lnSpc>
@@ -16939,7 +16663,7 @@
             </a:endParaRPr>
           </a:p>
           <a:p>
-            <a:pPr marL="285840" indent="-272880">
+            <a:pPr marL="285840" indent="-272520">
               <a:lnSpc>
                 <a:spcPct val="150000"/>
               </a:lnSpc>
@@ -17029,7 +16753,7 @@
         <p:spPr>
           <a:xfrm>
             <a:off x="246600" y="2903040"/>
-            <a:ext cx="11701440" cy="700200"/>
+            <a:ext cx="11701080" cy="699840"/>
           </a:xfrm>
           <a:prstGeom prst="rect">
             <a:avLst/>
@@ -17130,7 +16854,7 @@
         <p:spPr>
           <a:xfrm>
             <a:off x="1676520" y="2362320"/>
-            <a:ext cx="8826120" cy="912600"/>
+            <a:ext cx="8825760" cy="912600"/>
           </a:xfrm>
           <a:prstGeom prst="rect">
             <a:avLst/>
@@ -17181,7 +16905,7 @@
         <p:spPr>
           <a:xfrm>
             <a:off x="522360" y="3531600"/>
-            <a:ext cx="11063160" cy="363960"/>
+            <a:ext cx="11062800" cy="363960"/>
           </a:xfrm>
           <a:prstGeom prst="rect">
             <a:avLst/>
@@ -17262,7 +16986,7 @@
         <p:spPr>
           <a:xfrm>
             <a:off x="248400" y="0"/>
-            <a:ext cx="11699640" cy="699120"/>
+            <a:ext cx="11699280" cy="699120"/>
           </a:xfrm>
           <a:prstGeom prst="rect">
             <a:avLst/>
@@ -17317,7 +17041,7 @@
         <p:spPr>
           <a:xfrm>
             <a:off x="248400" y="762120"/>
-            <a:ext cx="11699640" cy="760680"/>
+            <a:ext cx="11699280" cy="912600"/>
           </a:xfrm>
           <a:prstGeom prst="rect">
             <a:avLst/>
@@ -17418,7 +17142,7 @@
         <p:spPr>
           <a:xfrm>
             <a:off x="1600200" y="3405600"/>
-            <a:ext cx="8876880" cy="1324080"/>
+            <a:ext cx="8876520" cy="1324080"/>
           </a:xfrm>
           <a:prstGeom prst="rect">
             <a:avLst/>
@@ -17439,7 +17163,7 @@
             <a:spAutoFit/>
           </a:bodyPr>
           <a:p>
-            <a:pPr marL="285840" indent="-272880">
+            <a:pPr marL="285840" indent="-272520">
               <a:lnSpc>
                 <a:spcPct val="150000"/>
               </a:lnSpc>
@@ -17484,7 +17208,7 @@
             </a:endParaRPr>
           </a:p>
           <a:p>
-            <a:pPr marL="285840" indent="-272880">
+            <a:pPr marL="285840" indent="-272520">
               <a:lnSpc>
                 <a:spcPct val="150000"/>
               </a:lnSpc>
@@ -17529,7 +17253,7 @@
             </a:endParaRPr>
           </a:p>
           <a:p>
-            <a:pPr marL="285840" indent="-272880">
+            <a:pPr marL="285840" indent="-272520">
               <a:lnSpc>
                 <a:spcPct val="150000"/>
               </a:lnSpc>
@@ -17584,7 +17308,7 @@
         <p:spPr>
           <a:xfrm>
             <a:off x="4601520" y="5832000"/>
-            <a:ext cx="5616000" cy="353520"/>
+            <a:ext cx="5615640" cy="353160"/>
           </a:xfrm>
           <a:prstGeom prst="rect">
             <a:avLst/>
@@ -17665,7 +17389,7 @@
         <p:spPr>
           <a:xfrm>
             <a:off x="10584000" y="3710160"/>
-            <a:ext cx="1402200" cy="2547360"/>
+            <a:ext cx="1401840" cy="2547000"/>
           </a:xfrm>
           <a:prstGeom prst="rect">
             <a:avLst/>
@@ -17911,7 +17635,7 @@
         <p:spPr>
           <a:xfrm>
             <a:off x="246600" y="1742040"/>
-            <a:ext cx="11701440" cy="700200"/>
+            <a:ext cx="11701080" cy="699840"/>
           </a:xfrm>
           <a:prstGeom prst="rect">
             <a:avLst/>
@@ -18012,7 +17736,7 @@
         <p:spPr>
           <a:xfrm>
             <a:off x="1676520" y="2362320"/>
-            <a:ext cx="8826120" cy="912600"/>
+            <a:ext cx="8825760" cy="912600"/>
           </a:xfrm>
           <a:prstGeom prst="rect">
             <a:avLst/>
@@ -18063,7 +17787,7 @@
         <p:spPr>
           <a:xfrm>
             <a:off x="522360" y="3531600"/>
-            <a:ext cx="11063160" cy="363960"/>
+            <a:ext cx="11062800" cy="363960"/>
           </a:xfrm>
           <a:prstGeom prst="rect">
             <a:avLst/>
@@ -18144,7 +17868,7 @@
         <p:spPr>
           <a:xfrm>
             <a:off x="1676520" y="2362320"/>
-            <a:ext cx="8826120" cy="912600"/>
+            <a:ext cx="8825760" cy="912600"/>
           </a:xfrm>
           <a:prstGeom prst="rect">
             <a:avLst/>
@@ -18195,7 +17919,7 @@
         <p:spPr>
           <a:xfrm>
             <a:off x="522360" y="3531600"/>
-            <a:ext cx="11063160" cy="363960"/>
+            <a:ext cx="11062800" cy="363960"/>
           </a:xfrm>
           <a:prstGeom prst="rect">
             <a:avLst/>
@@ -18276,7 +18000,7 @@
         <p:spPr>
           <a:xfrm>
             <a:off x="248400" y="0"/>
-            <a:ext cx="11699640" cy="699120"/>
+            <a:ext cx="11699280" cy="699120"/>
           </a:xfrm>
           <a:prstGeom prst="rect">
             <a:avLst/>
@@ -18331,7 +18055,7 @@
         <p:spPr>
           <a:xfrm>
             <a:off x="248400" y="762120"/>
-            <a:ext cx="11699640" cy="1857960"/>
+            <a:ext cx="11699280" cy="2009880"/>
           </a:xfrm>
           <a:prstGeom prst="rect">
             <a:avLst/>
@@ -18432,7 +18156,7 @@
         <p:spPr>
           <a:xfrm>
             <a:off x="1600200" y="4629600"/>
-            <a:ext cx="8876880" cy="912600"/>
+            <a:ext cx="8876520" cy="912600"/>
           </a:xfrm>
           <a:prstGeom prst="rect">
             <a:avLst/>
@@ -18453,7 +18177,7 @@
             <a:spAutoFit/>
           </a:bodyPr>
           <a:p>
-            <a:pPr marL="285840" indent="-272880">
+            <a:pPr marL="285840" indent="-272520">
               <a:lnSpc>
                 <a:spcPct val="150000"/>
               </a:lnSpc>
@@ -18498,7 +18222,7 @@
             </a:endParaRPr>
           </a:p>
           <a:p>
-            <a:pPr marL="285840" indent="-272880">
+            <a:pPr marL="285840" indent="-272520">
               <a:lnSpc>
                 <a:spcPct val="150000"/>
               </a:lnSpc>
@@ -18588,7 +18312,7 @@
         <p:spPr>
           <a:xfrm>
             <a:off x="246600" y="2859480"/>
-            <a:ext cx="11701440" cy="700200"/>
+            <a:ext cx="11701080" cy="699840"/>
           </a:xfrm>
           <a:prstGeom prst="rect">
             <a:avLst/>
@@ -18689,7 +18413,7 @@
         <p:spPr>
           <a:xfrm>
             <a:off x="1676520" y="2362320"/>
-            <a:ext cx="8826120" cy="912600"/>
+            <a:ext cx="8825760" cy="912600"/>
           </a:xfrm>
           <a:prstGeom prst="rect">
             <a:avLst/>
@@ -18740,7 +18464,7 @@
         <p:spPr>
           <a:xfrm>
             <a:off x="522360" y="3531600"/>
-            <a:ext cx="11063160" cy="363960"/>
+            <a:ext cx="11062800" cy="363960"/>
           </a:xfrm>
           <a:prstGeom prst="rect">
             <a:avLst/>
@@ -18856,7 +18580,7 @@
         <p:spPr>
           <a:xfrm>
             <a:off x="248400" y="0"/>
-            <a:ext cx="11699640" cy="699120"/>
+            <a:ext cx="11699280" cy="699120"/>
           </a:xfrm>
           <a:prstGeom prst="rect">
             <a:avLst/>
@@ -18911,7 +18635,7 @@
         <p:spPr>
           <a:xfrm>
             <a:off x="248400" y="762120"/>
-            <a:ext cx="10419120" cy="1979640"/>
+            <a:ext cx="10418760" cy="2284200"/>
           </a:xfrm>
           <a:prstGeom prst="rect">
             <a:avLst/>
@@ -19112,7 +18836,7 @@
         <p:spPr>
           <a:xfrm>
             <a:off x="1600200" y="4129560"/>
-            <a:ext cx="8876880" cy="912600"/>
+            <a:ext cx="8876520" cy="912600"/>
           </a:xfrm>
           <a:prstGeom prst="rect">
             <a:avLst/>
@@ -19133,7 +18857,7 @@
             <a:spAutoFit/>
           </a:bodyPr>
           <a:p>
-            <a:pPr marL="285840" indent="-272880">
+            <a:pPr marL="285840" indent="-272520">
               <a:lnSpc>
                 <a:spcPct val="150000"/>
               </a:lnSpc>
@@ -19178,7 +18902,7 @@
             </a:endParaRPr>
           </a:p>
           <a:p>
-            <a:pPr marL="285840" indent="-272880">
+            <a:pPr marL="285840" indent="-272520">
               <a:lnSpc>
                 <a:spcPct val="150000"/>
               </a:lnSpc>
@@ -19233,7 +18957,7 @@
         <p:spPr>
           <a:xfrm>
             <a:off x="1224000" y="5511960"/>
-            <a:ext cx="8921520" cy="353520"/>
+            <a:ext cx="8921160" cy="353160"/>
           </a:xfrm>
           <a:prstGeom prst="rect">
             <a:avLst/>
@@ -19254,7 +18978,7 @@
             <a:noAutofit/>
           </a:bodyPr>
           <a:p>
-            <a:pPr marL="216000" indent="-209520">
+            <a:pPr marL="216000" indent="-209160">
               <a:lnSpc>
                 <a:spcPct val="100000"/>
               </a:lnSpc>
@@ -19320,7 +19044,7 @@
         <p:spPr>
           <a:xfrm>
             <a:off x="10585440" y="973800"/>
-            <a:ext cx="1432080" cy="5715720"/>
+            <a:ext cx="1431720" cy="5715360"/>
           </a:xfrm>
           <a:prstGeom prst="rect">
             <a:avLst/>
@@ -19721,7 +19445,7 @@
         <p:spPr>
           <a:xfrm>
             <a:off x="246600" y="3062880"/>
-            <a:ext cx="11701440" cy="700200"/>
+            <a:ext cx="11701080" cy="699840"/>
           </a:xfrm>
           <a:prstGeom prst="rect">
             <a:avLst/>
@@ -19822,7 +19546,7 @@
         <p:spPr>
           <a:xfrm>
             <a:off x="1676520" y="2362320"/>
-            <a:ext cx="8826120" cy="912600"/>
+            <a:ext cx="8825760" cy="912600"/>
           </a:xfrm>
           <a:prstGeom prst="rect">
             <a:avLst/>
@@ -19873,7 +19597,7 @@
         <p:spPr>
           <a:xfrm>
             <a:off x="522360" y="3531600"/>
-            <a:ext cx="11063160" cy="363960"/>
+            <a:ext cx="11062800" cy="363960"/>
           </a:xfrm>
           <a:prstGeom prst="rect">
             <a:avLst/>
@@ -19954,7 +19678,7 @@
         <p:spPr>
           <a:xfrm>
             <a:off x="248400" y="0"/>
-            <a:ext cx="11699640" cy="699120"/>
+            <a:ext cx="11699280" cy="699120"/>
           </a:xfrm>
           <a:prstGeom prst="rect">
             <a:avLst/>
@@ -20009,7 +19733,7 @@
         <p:spPr>
           <a:xfrm>
             <a:off x="248400" y="762120"/>
-            <a:ext cx="10330560" cy="1461960"/>
+            <a:ext cx="10330200" cy="1461600"/>
           </a:xfrm>
           <a:prstGeom prst="rect">
             <a:avLst/>
@@ -20070,7 +19794,7 @@
         <p:spPr>
           <a:xfrm>
             <a:off x="1600200" y="3873600"/>
-            <a:ext cx="8876880" cy="1735560"/>
+            <a:ext cx="8876520" cy="1735560"/>
           </a:xfrm>
           <a:prstGeom prst="rect">
             <a:avLst/>
@@ -20091,7 +19815,7 @@
             <a:spAutoFit/>
           </a:bodyPr>
           <a:p>
-            <a:pPr marL="285840" indent="-272880">
+            <a:pPr marL="285840" indent="-272520">
               <a:lnSpc>
                 <a:spcPct val="150000"/>
               </a:lnSpc>
@@ -20136,7 +19860,7 @@
             </a:endParaRPr>
           </a:p>
           <a:p>
-            <a:pPr marL="285840" indent="-272880">
+            <a:pPr marL="285840" indent="-272520">
               <a:lnSpc>
                 <a:spcPct val="150000"/>
               </a:lnSpc>
@@ -20181,7 +19905,7 @@
             </a:endParaRPr>
           </a:p>
           <a:p>
-            <a:pPr marL="285840" indent="-272880">
+            <a:pPr marL="285840" indent="-272520">
               <a:lnSpc>
                 <a:spcPct val="150000"/>
               </a:lnSpc>
@@ -20226,7 +19950,7 @@
             </a:endParaRPr>
           </a:p>
           <a:p>
-            <a:pPr marL="285840" indent="-272880">
+            <a:pPr marL="285840" indent="-272520">
               <a:lnSpc>
                 <a:spcPct val="150000"/>
               </a:lnSpc>
@@ -20281,7 +20005,7 @@
         <p:spPr>
           <a:xfrm>
             <a:off x="1224000" y="5904000"/>
-            <a:ext cx="8921520" cy="353520"/>
+            <a:ext cx="8921160" cy="353160"/>
           </a:xfrm>
           <a:prstGeom prst="rect">
             <a:avLst/>
@@ -20302,7 +20026,7 @@
             <a:noAutofit/>
           </a:bodyPr>
           <a:p>
-            <a:pPr marL="216000" indent="-209520">
+            <a:pPr marL="216000" indent="-209160">
               <a:lnSpc>
                 <a:spcPct val="100000"/>
               </a:lnSpc>
@@ -20368,7 +20092,7 @@
         <p:spPr>
           <a:xfrm>
             <a:off x="10585440" y="1036440"/>
-            <a:ext cx="1432080" cy="5653080"/>
+            <a:ext cx="1431720" cy="5652720"/>
           </a:xfrm>
           <a:prstGeom prst="rect">
             <a:avLst/>
@@ -20804,7 +20528,7 @@
         <p:spPr>
           <a:xfrm>
             <a:off x="246600" y="2496600"/>
-            <a:ext cx="11701440" cy="395280"/>
+            <a:ext cx="11701080" cy="394920"/>
           </a:xfrm>
           <a:prstGeom prst="rect">
             <a:avLst/>
@@ -20885,7 +20609,7 @@
         <p:spPr>
           <a:xfrm>
             <a:off x="1676520" y="2362320"/>
-            <a:ext cx="8826120" cy="912600"/>
+            <a:ext cx="8825760" cy="912600"/>
           </a:xfrm>
           <a:prstGeom prst="rect">
             <a:avLst/>
@@ -20936,7 +20660,7 @@
         <p:spPr>
           <a:xfrm>
             <a:off x="1666800" y="609480"/>
-            <a:ext cx="8826120" cy="394560"/>
+            <a:ext cx="8825760" cy="394560"/>
           </a:xfrm>
           <a:prstGeom prst="rect">
             <a:avLst/>
@@ -20987,7 +20711,7 @@
         <p:spPr>
           <a:xfrm>
             <a:off x="522360" y="3531600"/>
-            <a:ext cx="11063160" cy="1735560"/>
+            <a:ext cx="11062800" cy="1735560"/>
           </a:xfrm>
           <a:prstGeom prst="rect">
             <a:avLst/>
@@ -21038,7 +20762,7 @@
             </a:endParaRPr>
           </a:p>
           <a:p>
-            <a:pPr marL="216000" indent="-210600">
+            <a:pPr marL="216000" indent="-210240">
               <a:lnSpc>
                 <a:spcPct val="100000"/>
               </a:lnSpc>
@@ -21113,7 +20837,7 @@
         <p:spPr>
           <a:xfrm>
             <a:off x="1676520" y="2362320"/>
-            <a:ext cx="8826120" cy="1735560"/>
+            <a:ext cx="8825760" cy="1735560"/>
           </a:xfrm>
           <a:prstGeom prst="rect">
             <a:avLst/>
@@ -21164,7 +20888,7 @@
         <p:spPr>
           <a:xfrm>
             <a:off x="522360" y="3531600"/>
-            <a:ext cx="11063160" cy="363960"/>
+            <a:ext cx="11062800" cy="363960"/>
           </a:xfrm>
           <a:prstGeom prst="rect">
             <a:avLst/>
@@ -21245,7 +20969,7 @@
         <p:spPr>
           <a:xfrm>
             <a:off x="248400" y="0"/>
-            <a:ext cx="11699640" cy="699120"/>
+            <a:ext cx="11699280" cy="699120"/>
           </a:xfrm>
           <a:prstGeom prst="rect">
             <a:avLst/>
@@ -21300,7 +21024,7 @@
         <p:spPr>
           <a:xfrm>
             <a:off x="248400" y="762120"/>
-            <a:ext cx="11699640" cy="2375640"/>
+            <a:ext cx="11699280" cy="2832840"/>
           </a:xfrm>
           <a:prstGeom prst="rect">
             <a:avLst/>
@@ -21401,7 +21125,7 @@
             </a:endParaRPr>
           </a:p>
           <a:p>
-            <a:pPr marL="216000" indent="-213120" algn="just">
+            <a:pPr marL="216000" indent="-212760" algn="just">
               <a:lnSpc>
                 <a:spcPct val="100000"/>
               </a:lnSpc>
@@ -21446,7 +21170,7 @@
             </a:endParaRPr>
           </a:p>
           <a:p>
-            <a:pPr marL="216000" indent="-213120" algn="just">
+            <a:pPr marL="216000" indent="-212760" algn="just">
               <a:lnSpc>
                 <a:spcPct val="100000"/>
               </a:lnSpc>
@@ -21541,7 +21265,7 @@
         <p:spPr>
           <a:xfrm>
             <a:off x="248400" y="3494880"/>
-            <a:ext cx="11699640" cy="1004400"/>
+            <a:ext cx="11699280" cy="1004400"/>
           </a:xfrm>
           <a:prstGeom prst="rect">
             <a:avLst/>
@@ -21632,7 +21356,7 @@
         <p:spPr>
           <a:xfrm>
             <a:off x="1600200" y="4629600"/>
-            <a:ext cx="8876880" cy="1324080"/>
+            <a:ext cx="8876520" cy="1324080"/>
           </a:xfrm>
           <a:prstGeom prst="rect">
             <a:avLst/>
@@ -21653,7 +21377,7 @@
             <a:spAutoFit/>
           </a:bodyPr>
           <a:p>
-            <a:pPr marL="285840" indent="-272880">
+            <a:pPr marL="285840" indent="-272520">
               <a:lnSpc>
                 <a:spcPct val="150000"/>
               </a:lnSpc>
@@ -21698,7 +21422,7 @@
             </a:endParaRPr>
           </a:p>
           <a:p>
-            <a:pPr marL="285840" indent="-272880">
+            <a:pPr marL="285840" indent="-272520">
               <a:lnSpc>
                 <a:spcPct val="150000"/>
               </a:lnSpc>
@@ -21818,7 +21542,7 @@
         <p:spPr>
           <a:xfrm>
             <a:off x="1676520" y="2362320"/>
-            <a:ext cx="8826120" cy="912600"/>
+            <a:ext cx="8825760" cy="912600"/>
           </a:xfrm>
           <a:prstGeom prst="rect">
             <a:avLst/>
@@ -21869,7 +21593,7 @@
         <p:spPr>
           <a:xfrm>
             <a:off x="522360" y="3531600"/>
-            <a:ext cx="11063160" cy="363960"/>
+            <a:ext cx="11062800" cy="363960"/>
           </a:xfrm>
           <a:prstGeom prst="rect">
             <a:avLst/>
@@ -21950,7 +21674,7 @@
         <p:spPr>
           <a:xfrm>
             <a:off x="246600" y="762120"/>
-            <a:ext cx="11698200" cy="639000"/>
+            <a:ext cx="11697840" cy="638640"/>
           </a:xfrm>
           <a:prstGeom prst="rect">
             <a:avLst/>
@@ -22051,7 +21775,7 @@
         <p:spPr>
           <a:xfrm>
             <a:off x="1523880" y="2940480"/>
-            <a:ext cx="9407880" cy="1735560"/>
+            <a:ext cx="9407520" cy="1735560"/>
           </a:xfrm>
           <a:prstGeom prst="rect">
             <a:avLst/>
@@ -22072,7 +21796,7 @@
             <a:spAutoFit/>
           </a:bodyPr>
           <a:p>
-            <a:pPr marL="285840" indent="-272880">
+            <a:pPr marL="285840" indent="-272520">
               <a:lnSpc>
                 <a:spcPct val="150000"/>
               </a:lnSpc>
@@ -22117,7 +21841,7 @@
             </a:endParaRPr>
           </a:p>
           <a:p>
-            <a:pPr marL="285840" indent="-272880">
+            <a:pPr marL="285840" indent="-272520">
               <a:lnSpc>
                 <a:spcPct val="150000"/>
               </a:lnSpc>
@@ -22192,7 +21916,7 @@
             </a:endParaRPr>
           </a:p>
           <a:p>
-            <a:pPr marL="285840" indent="-272880">
+            <a:pPr marL="285840" indent="-272520">
               <a:lnSpc>
                 <a:spcPct val="150000"/>
               </a:lnSpc>
@@ -22257,7 +21981,7 @@
             </a:endParaRPr>
           </a:p>
           <a:p>
-            <a:pPr marL="285840" indent="-272880">
+            <a:pPr marL="285840" indent="-272520">
               <a:lnSpc>
                 <a:spcPct val="150000"/>
               </a:lnSpc>
@@ -22322,7 +22046,7 @@
         <p:spPr>
           <a:xfrm>
             <a:off x="1584000" y="4889520"/>
-            <a:ext cx="8843400" cy="1004040"/>
+            <a:ext cx="8843040" cy="1003680"/>
           </a:xfrm>
           <a:prstGeom prst="rect">
             <a:avLst/>
@@ -22373,7 +22097,7 @@
             </a:endParaRPr>
           </a:p>
           <a:p>
-            <a:pPr marL="216000" indent="-203400">
+            <a:pPr marL="216000" indent="-203040">
               <a:lnSpc>
                 <a:spcPct val="100000"/>
               </a:lnSpc>
@@ -22469,7 +22193,7 @@
         <p:spPr>
           <a:xfrm>
             <a:off x="246600" y="0"/>
-            <a:ext cx="11698200" cy="699840"/>
+            <a:ext cx="11697840" cy="699480"/>
           </a:xfrm>
           <a:prstGeom prst="rect">
             <a:avLst/>
@@ -22559,7 +22283,7 @@
         <p:spPr>
           <a:xfrm>
             <a:off x="246600" y="1742040"/>
-            <a:ext cx="11698200" cy="700200"/>
+            <a:ext cx="11697840" cy="699840"/>
           </a:xfrm>
           <a:prstGeom prst="rect">
             <a:avLst/>
@@ -22660,7 +22384,7 @@
         <p:spPr>
           <a:xfrm>
             <a:off x="248400" y="0"/>
-            <a:ext cx="11699640" cy="699120"/>
+            <a:ext cx="11699280" cy="699120"/>
           </a:xfrm>
           <a:prstGeom prst="rect">
             <a:avLst/>
@@ -22715,7 +22439,7 @@
         <p:spPr>
           <a:xfrm>
             <a:off x="248400" y="762120"/>
-            <a:ext cx="11699640" cy="1583640"/>
+            <a:ext cx="11699280" cy="1735560"/>
           </a:xfrm>
           <a:prstGeom prst="rect">
             <a:avLst/>
@@ -22826,7 +22550,7 @@
         <p:spPr>
           <a:xfrm>
             <a:off x="248400" y="2628720"/>
-            <a:ext cx="11699640" cy="700200"/>
+            <a:ext cx="11699280" cy="699840"/>
           </a:xfrm>
           <a:prstGeom prst="rect">
             <a:avLst/>
@@ -22897,7 +22621,7 @@
         <p:spPr>
           <a:xfrm>
             <a:off x="1600200" y="3981600"/>
-            <a:ext cx="8876880" cy="1324080"/>
+            <a:ext cx="8876520" cy="1324080"/>
           </a:xfrm>
           <a:prstGeom prst="rect">
             <a:avLst/>
@@ -22918,7 +22642,7 @@
             <a:spAutoFit/>
           </a:bodyPr>
           <a:p>
-            <a:pPr marL="285840" indent="-272880">
+            <a:pPr marL="285840" indent="-272520">
               <a:lnSpc>
                 <a:spcPct val="150000"/>
               </a:lnSpc>
@@ -22963,7 +22687,7 @@
             </a:endParaRPr>
           </a:p>
           <a:p>
-            <a:pPr marL="285840" indent="-272880">
+            <a:pPr marL="285840" indent="-272520">
               <a:lnSpc>
                 <a:spcPct val="150000"/>
               </a:lnSpc>
@@ -23083,7 +22807,7 @@
         <p:spPr>
           <a:xfrm>
             <a:off x="1676520" y="2362320"/>
-            <a:ext cx="8826120" cy="1735560"/>
+            <a:ext cx="8825760" cy="1735560"/>
           </a:xfrm>
           <a:prstGeom prst="rect">
             <a:avLst/>
@@ -23134,7 +22858,7 @@
         <p:spPr>
           <a:xfrm>
             <a:off x="522360" y="3531600"/>
-            <a:ext cx="11063160" cy="363960"/>
+            <a:ext cx="11062800" cy="363960"/>
           </a:xfrm>
           <a:prstGeom prst="rect">
             <a:avLst/>
@@ -23215,7 +22939,7 @@
         <p:spPr>
           <a:xfrm>
             <a:off x="248400" y="0"/>
-            <a:ext cx="11699640" cy="699120"/>
+            <a:ext cx="11699280" cy="699120"/>
           </a:xfrm>
           <a:prstGeom prst="rect">
             <a:avLst/>
@@ -23270,7 +22994,7 @@
         <p:spPr>
           <a:xfrm>
             <a:off x="248400" y="762120"/>
-            <a:ext cx="11699640" cy="1431000"/>
+            <a:ext cx="11699280" cy="1735560"/>
           </a:xfrm>
           <a:prstGeom prst="rect">
             <a:avLst/>
@@ -23411,7 +23135,7 @@
         <p:spPr>
           <a:xfrm>
             <a:off x="248400" y="2435760"/>
-            <a:ext cx="11699640" cy="1004400"/>
+            <a:ext cx="11699280" cy="1004400"/>
           </a:xfrm>
           <a:prstGeom prst="rect">
             <a:avLst/>
@@ -23502,7 +23226,7 @@
         <p:spPr>
           <a:xfrm>
             <a:off x="1600200" y="3585600"/>
-            <a:ext cx="8876880" cy="1324080"/>
+            <a:ext cx="8876520" cy="1324080"/>
           </a:xfrm>
           <a:prstGeom prst="rect">
             <a:avLst/>
@@ -23523,7 +23247,7 @@
             <a:spAutoFit/>
           </a:bodyPr>
           <a:p>
-            <a:pPr marL="285840" indent="-272880">
+            <a:pPr marL="285840" indent="-272520">
               <a:lnSpc>
                 <a:spcPct val="150000"/>
               </a:lnSpc>
@@ -23568,7 +23292,7 @@
             </a:endParaRPr>
           </a:p>
           <a:p>
-            <a:pPr marL="285840" indent="-272880">
+            <a:pPr marL="285840" indent="-272520">
               <a:lnSpc>
                 <a:spcPct val="150000"/>
               </a:lnSpc>
@@ -23613,7 +23337,7 @@
             </a:endParaRPr>
           </a:p>
           <a:p>
-            <a:pPr marL="285840" indent="-272880">
+            <a:pPr marL="285840" indent="-272520">
               <a:lnSpc>
                 <a:spcPct val="150000"/>
               </a:lnSpc>
@@ -23733,7 +23457,7 @@
         <p:spPr>
           <a:xfrm>
             <a:off x="1676520" y="2362320"/>
-            <a:ext cx="8826120" cy="1735560"/>
+            <a:ext cx="8825760" cy="1735560"/>
           </a:xfrm>
           <a:prstGeom prst="rect">
             <a:avLst/>
@@ -23784,7 +23508,7 @@
         <p:spPr>
           <a:xfrm>
             <a:off x="522360" y="3531600"/>
-            <a:ext cx="11063160" cy="363960"/>
+            <a:ext cx="11062800" cy="363960"/>
           </a:xfrm>
           <a:prstGeom prst="rect">
             <a:avLst/>
@@ -24539,7 +24263,7 @@
         <p:spPr>
           <a:xfrm>
             <a:off x="248400" y="0"/>
-            <a:ext cx="11699640" cy="699120"/>
+            <a:ext cx="11699280" cy="699120"/>
           </a:xfrm>
           <a:prstGeom prst="rect">
             <a:avLst/>
@@ -24594,7 +24318,7 @@
         <p:spPr>
           <a:xfrm>
             <a:off x="248400" y="762120"/>
-            <a:ext cx="11699640" cy="1583640"/>
+            <a:ext cx="11699280" cy="1735560"/>
           </a:xfrm>
           <a:prstGeom prst="rect">
             <a:avLst/>
@@ -24695,7 +24419,7 @@
         <p:spPr>
           <a:xfrm>
             <a:off x="248400" y="2669760"/>
-            <a:ext cx="11699640" cy="700200"/>
+            <a:ext cx="11699280" cy="699840"/>
           </a:xfrm>
           <a:prstGeom prst="rect">
             <a:avLst/>
@@ -24766,7 +24490,7 @@
         <p:spPr>
           <a:xfrm>
             <a:off x="1600200" y="4269600"/>
-            <a:ext cx="8876880" cy="1324080"/>
+            <a:ext cx="8876520" cy="1324080"/>
           </a:xfrm>
           <a:prstGeom prst="rect">
             <a:avLst/>
@@ -24787,7 +24511,7 @@
             <a:spAutoFit/>
           </a:bodyPr>
           <a:p>
-            <a:pPr marL="285840" indent="-272880">
+            <a:pPr marL="285840" indent="-272520">
               <a:lnSpc>
                 <a:spcPct val="150000"/>
               </a:lnSpc>
@@ -24832,7 +24556,7 @@
             </a:endParaRPr>
           </a:p>
           <a:p>
-            <a:pPr marL="285840" indent="-272880">
+            <a:pPr marL="285840" indent="-272520">
               <a:lnSpc>
                 <a:spcPct val="150000"/>
               </a:lnSpc>
@@ -24877,7 +24601,7 @@
             </a:endParaRPr>
           </a:p>
           <a:p>
-            <a:pPr marL="285840" indent="-272880">
+            <a:pPr marL="285840" indent="-272520">
               <a:lnSpc>
                 <a:spcPct val="150000"/>
               </a:lnSpc>
@@ -24997,7 +24721,7 @@
         <p:spPr>
           <a:xfrm>
             <a:off x="1676520" y="2362320"/>
-            <a:ext cx="8826120" cy="2558520"/>
+            <a:ext cx="8825760" cy="2558520"/>
           </a:xfrm>
           <a:prstGeom prst="rect">
             <a:avLst/>
@@ -25048,7 +24772,7 @@
         <p:spPr>
           <a:xfrm>
             <a:off x="522360" y="3531600"/>
-            <a:ext cx="11063160" cy="363960"/>
+            <a:ext cx="11062800" cy="363960"/>
           </a:xfrm>
           <a:prstGeom prst="rect">
             <a:avLst/>
@@ -25129,7 +24853,7 @@
         <p:spPr>
           <a:xfrm>
             <a:off x="248400" y="0"/>
-            <a:ext cx="11699640" cy="699120"/>
+            <a:ext cx="11699280" cy="699120"/>
           </a:xfrm>
           <a:prstGeom prst="rect">
             <a:avLst/>
@@ -25184,7 +24908,7 @@
         <p:spPr>
           <a:xfrm>
             <a:off x="248400" y="762120"/>
-            <a:ext cx="11699640" cy="2223000"/>
+            <a:ext cx="11699280" cy="2832840"/>
           </a:xfrm>
           <a:prstGeom prst="rect">
             <a:avLst/>
@@ -25455,7 +25179,7 @@
         <p:spPr>
           <a:xfrm>
             <a:off x="248400" y="3206880"/>
-            <a:ext cx="11699640" cy="1309320"/>
+            <a:ext cx="11699280" cy="1309320"/>
           </a:xfrm>
           <a:prstGeom prst="rect">
             <a:avLst/>
@@ -25566,7 +25290,7 @@
         <p:spPr>
           <a:xfrm>
             <a:off x="1600200" y="4881600"/>
-            <a:ext cx="8876880" cy="1324080"/>
+            <a:ext cx="8876520" cy="1324080"/>
           </a:xfrm>
           <a:prstGeom prst="rect">
             <a:avLst/>
@@ -25587,7 +25311,7 @@
             <a:spAutoFit/>
           </a:bodyPr>
           <a:p>
-            <a:pPr marL="285840" indent="-272880">
+            <a:pPr marL="285840" indent="-272520">
               <a:lnSpc>
                 <a:spcPct val="150000"/>
               </a:lnSpc>
@@ -25632,7 +25356,7 @@
             </a:endParaRPr>
           </a:p>
           <a:p>
-            <a:pPr marL="285840" indent="-272880">
+            <a:pPr marL="285840" indent="-272520">
               <a:lnSpc>
                 <a:spcPct val="150000"/>
               </a:lnSpc>
@@ -25677,7 +25401,7 @@
             </a:endParaRPr>
           </a:p>
           <a:p>
-            <a:pPr marL="285840" indent="-272880">
+            <a:pPr marL="285840" indent="-272520">
               <a:lnSpc>
                 <a:spcPct val="150000"/>
               </a:lnSpc>
@@ -25797,7 +25521,7 @@
         <p:spPr>
           <a:xfrm>
             <a:off x="1676520" y="2362320"/>
-            <a:ext cx="8826120" cy="912600"/>
+            <a:ext cx="8825760" cy="912600"/>
           </a:xfrm>
           <a:prstGeom prst="rect">
             <a:avLst/>
@@ -25848,7 +25572,7 @@
         <p:spPr>
           <a:xfrm>
             <a:off x="1666800" y="609480"/>
-            <a:ext cx="8826120" cy="394560"/>
+            <a:ext cx="8825760" cy="394560"/>
           </a:xfrm>
           <a:prstGeom prst="rect">
             <a:avLst/>
@@ -25899,7 +25623,7 @@
         <p:spPr>
           <a:xfrm>
             <a:off x="522360" y="3531600"/>
-            <a:ext cx="11063160" cy="638280"/>
+            <a:ext cx="11062800" cy="638280"/>
           </a:xfrm>
           <a:prstGeom prst="rect">
             <a:avLst/>
@@ -26000,7 +25724,7 @@
         <p:spPr>
           <a:xfrm>
             <a:off x="1676520" y="2362320"/>
-            <a:ext cx="8826120" cy="913320"/>
+            <a:ext cx="8825760" cy="912960"/>
           </a:xfrm>
           <a:prstGeom prst="rect">
             <a:avLst/>
@@ -26051,7 +25775,7 @@
         <p:spPr>
           <a:xfrm>
             <a:off x="522360" y="3531600"/>
-            <a:ext cx="11063160" cy="363960"/>
+            <a:ext cx="11062800" cy="363960"/>
           </a:xfrm>
           <a:prstGeom prst="rect">
             <a:avLst/>
@@ -26132,7 +25856,7 @@
         <p:spPr>
           <a:xfrm>
             <a:off x="248400" y="0"/>
-            <a:ext cx="11699640" cy="699120"/>
+            <a:ext cx="11699280" cy="699120"/>
           </a:xfrm>
           <a:prstGeom prst="rect">
             <a:avLst/>
@@ -26187,7 +25911,7 @@
         <p:spPr>
           <a:xfrm>
             <a:off x="248400" y="762120"/>
-            <a:ext cx="11699640" cy="1035000"/>
+            <a:ext cx="11699280" cy="1735560"/>
           </a:xfrm>
           <a:prstGeom prst="rect">
             <a:avLst/>
@@ -26208,6 +25932,86 @@
             <a:spAutoFit/>
           </a:bodyPr>
           <a:p>
+            <a:pPr algn="just">
+              <a:lnSpc>
+                <a:spcPct val="100000"/>
+              </a:lnSpc>
+            </a:pPr>
+            <a:r>
+              <a:rPr b="1" lang="en-US" sz="1800" spc="-1" strike="noStrike">
+                <a:solidFill>
+                  <a:srgbClr val="7c4dff"/>
+                </a:solidFill>
+                <a:latin typeface="Arial"/>
+                <a:ea typeface="DejaVu Sans"/>
+              </a:rPr>
+              <a:t>SADD</a:t>
+            </a:r>
+            <a:r>
+              <a:rPr b="0" lang="en-US" sz="1800" spc="-1" strike="noStrike">
+                <a:solidFill>
+                  <a:srgbClr val="000000"/>
+                </a:solidFill>
+                <a:latin typeface="Arial"/>
+                <a:ea typeface="DejaVu Sans"/>
+              </a:rPr>
+              <a:t> adds the specified members to the set stored at key. Specified members that are already a member of this set are ignored. If key does not exist, a new set is created before adding the specified members.</a:t>
+            </a:r>
+            <a:endParaRPr b="0" lang="en-IN" sz="1800" spc="-1" strike="noStrike">
+              <a:latin typeface="Arial"/>
+            </a:endParaRPr>
+          </a:p>
+          <a:p>
+            <a:pPr algn="just">
+              <a:lnSpc>
+                <a:spcPct val="100000"/>
+              </a:lnSpc>
+            </a:pPr>
+            <a:endParaRPr b="0" lang="en-IN" sz="1800" spc="-1" strike="noStrike">
+              <a:latin typeface="Arial"/>
+            </a:endParaRPr>
+          </a:p>
+          <a:p>
+            <a:pPr algn="just">
+              <a:lnSpc>
+                <a:spcPct val="100000"/>
+              </a:lnSpc>
+            </a:pPr>
+            <a:r>
+              <a:rPr b="1" lang="en-US" sz="1800" spc="-1" strike="noStrike">
+                <a:solidFill>
+                  <a:srgbClr val="7c4dff"/>
+                </a:solidFill>
+                <a:latin typeface="Arial"/>
+                <a:ea typeface="DejaVu Sans"/>
+              </a:rPr>
+              <a:t>SMEMBERS</a:t>
+            </a:r>
+            <a:r>
+              <a:rPr b="0" lang="en-US" sz="1800" spc="-1" strike="noStrike">
+                <a:solidFill>
+                  <a:srgbClr val="000000"/>
+                </a:solidFill>
+                <a:latin typeface="Arial"/>
+                <a:ea typeface="DejaVu Sans"/>
+              </a:rPr>
+              <a:t> returns all the members of the set value stored at key.</a:t>
+            </a:r>
+            <a:endParaRPr b="0" lang="en-IN" sz="1800" spc="-1" strike="noStrike">
+              <a:latin typeface="Arial"/>
+            </a:endParaRPr>
+          </a:p>
+          <a:p>
+            <a:pPr algn="just">
+              <a:lnSpc>
+                <a:spcPct val="100000"/>
+              </a:lnSpc>
+            </a:pPr>
+            <a:endParaRPr b="0" lang="en-IN" sz="1800" spc="-1" strike="noStrike">
+              <a:latin typeface="Arial"/>
+            </a:endParaRPr>
+          </a:p>
+          <a:p>
             <a:pPr algn="just"/>
             <a:r>
               <a:rPr b="1" lang="en-US" sz="1800" spc="-1" strike="noStrike">
@@ -26217,47 +26021,17 @@
                 <a:latin typeface="Arial"/>
                 <a:ea typeface="DejaVu Sans"/>
               </a:rPr>
-              <a:t>SADD</a:t>
+              <a:t>SCARD</a:t>
             </a:r>
             <a:r>
               <a:rPr b="0" lang="en-US" sz="1800" spc="-1" strike="noStrike">
+                <a:solidFill>
+                  <a:srgbClr val="000000"/>
+                </a:solidFill>
                 <a:latin typeface="Arial"/>
                 <a:ea typeface="DejaVu Sans"/>
               </a:rPr>
-              <a:t> adds the specified members to the set stored at key. Specified members that are already a member of this set are ignored. If key does not exist, a new set is created before adding the specified members.</a:t>
-            </a:r>
-            <a:endParaRPr b="0" lang="en-IN" sz="1800" spc="-1" strike="noStrike">
-              <a:latin typeface="Arial"/>
-            </a:endParaRPr>
-          </a:p>
-          <a:p>
-            <a:pPr algn="just">
-              <a:lnSpc>
-                <a:spcPct val="100000"/>
-              </a:lnSpc>
-            </a:pPr>
-            <a:endParaRPr b="0" lang="en-IN" sz="1800" spc="-1" strike="noStrike">
-              <a:latin typeface="Arial"/>
-            </a:endParaRPr>
-          </a:p>
-          <a:p>
-            <a:pPr algn="just"/>
-            <a:r>
-              <a:rPr b="1" lang="en-US" sz="1800" spc="-1" strike="noStrike">
-                <a:solidFill>
-                  <a:srgbClr val="7c4dff"/>
-                </a:solidFill>
-                <a:latin typeface="Arial"/>
-                <a:ea typeface="DejaVu Sans"/>
-              </a:rPr>
-              <a:t>SMEMBERS</a:t>
-            </a:r>
-            <a:r>
-              <a:rPr b="0" lang="en-US" sz="1800" spc="-1" strike="noStrike">
-                <a:latin typeface="Arial"/>
-                <a:ea typeface="DejaVu Sans"/>
-              </a:rPr>
-              <a:t> returns all the members of the set value stored at key.</a:t>
+              <a:t> returns the set cardinality (number of elements) of the set stored in key or returns 0 if key does not exist.</a:t>
             </a:r>
             <a:endParaRPr b="0" lang="en-IN" sz="1800" spc="-1" strike="noStrike">
               <a:latin typeface="Arial"/>
@@ -26273,8 +26047,8 @@
         </p:nvSpPr>
         <p:spPr>
           <a:xfrm>
-            <a:off x="248400" y="2054880"/>
-            <a:ext cx="11699640" cy="700200"/>
+            <a:off x="248400" y="2882880"/>
+            <a:ext cx="11699280" cy="1004400"/>
           </a:xfrm>
           <a:prstGeom prst="rect">
             <a:avLst/>
@@ -26308,8 +26082,18 @@
                 <a:latin typeface="Consolas"/>
                 <a:ea typeface="DejaVu Sans"/>
               </a:rPr>
-              <a:t>SADD key </a:t>
-            </a:r>
+              <a:t>SADD key member [member ...]</a:t>
+            </a:r>
+            <a:endParaRPr b="0" lang="en-IN" sz="2000" spc="-1" strike="noStrike">
+              <a:latin typeface="Arial"/>
+            </a:endParaRPr>
+          </a:p>
+          <a:p>
+            <a:pPr>
+              <a:lnSpc>
+                <a:spcPct val="100000"/>
+              </a:lnSpc>
+            </a:pPr>
             <a:r>
               <a:rPr b="0" lang="en-US" sz="2000" spc="-1" strike="noStrike">
                 <a:solidFill>
@@ -26318,8 +26102,18 @@
                 <a:latin typeface="Consolas"/>
                 <a:ea typeface="DejaVu Sans"/>
               </a:rPr>
-              <a:t>member </a:t>
-            </a:r>
+              <a:t>SMEMBERS key</a:t>
+            </a:r>
+            <a:endParaRPr b="0" lang="en-IN" sz="2000" spc="-1" strike="noStrike">
+              <a:latin typeface="Arial"/>
+            </a:endParaRPr>
+          </a:p>
+          <a:p>
+            <a:pPr>
+              <a:lnSpc>
+                <a:spcPct val="100000"/>
+              </a:lnSpc>
+            </a:pPr>
             <a:r>
               <a:rPr b="0" lang="en-US" sz="2000" spc="-1" strike="noStrike">
                 <a:solidFill>
@@ -26328,47 +26122,7 @@
                 <a:latin typeface="Consolas"/>
                 <a:ea typeface="DejaVu Sans"/>
               </a:rPr>
-              <a:t>[member ...</a:t>
-            </a:r>
-            <a:r>
-              <a:rPr b="0" lang="en-US" sz="2000" spc="-1" strike="noStrike">
-                <a:solidFill>
-                  <a:srgbClr val="00b0f0"/>
-                </a:solidFill>
-                <a:latin typeface="Consolas"/>
-                <a:ea typeface="DejaVu Sans"/>
-              </a:rPr>
-              <a:t>]</a:t>
-            </a:r>
-            <a:endParaRPr b="0" lang="en-IN" sz="2000" spc="-1" strike="noStrike">
-              <a:latin typeface="Arial"/>
-            </a:endParaRPr>
-          </a:p>
-          <a:p>
-            <a:pPr>
-              <a:lnSpc>
-                <a:spcPct val="100000"/>
-              </a:lnSpc>
-            </a:pPr>
-            <a:r>
-              <a:rPr b="0" lang="en-US" sz="2000" spc="-1" strike="noStrike">
-                <a:solidFill>
-                  <a:srgbClr val="00b0f0"/>
-                </a:solidFill>
-                <a:latin typeface="Consolas"/>
-                <a:ea typeface="DejaVu Sans"/>
-              </a:rPr>
-              <a:t>SMEMBERS </a:t>
-            </a:r>
-            <a:r>
-              <a:rPr b="0" lang="en-US" sz="2000" spc="-1" strike="noStrike">
-                <a:solidFill>
-                  <a:srgbClr val="00b0f0"/>
-                </a:solidFill>
-                <a:latin typeface="Consolas"/>
-                <a:ea typeface="DejaVu Sans"/>
-              </a:rPr>
-              <a:t>key</a:t>
+              <a:t>SCARD key</a:t>
             </a:r>
             <a:endParaRPr b="0" lang="en-IN" sz="2000" spc="-1" strike="noStrike">
               <a:latin typeface="Arial"/>
@@ -26384,8 +26138,8 @@
         </p:nvSpPr>
         <p:spPr>
           <a:xfrm>
-            <a:off x="288000" y="2995920"/>
-            <a:ext cx="8876880" cy="1324800"/>
+            <a:off x="288000" y="4039920"/>
+            <a:ext cx="8876520" cy="1735560"/>
           </a:xfrm>
           <a:prstGeom prst="rect">
             <a:avLst/>
@@ -26406,7 +26160,7 @@
             <a:spAutoFit/>
           </a:bodyPr>
           <a:p>
-            <a:pPr marL="285840" indent="-272880">
+            <a:pPr marL="285840" indent="-272520">
               <a:lnSpc>
                 <a:spcPct val="150000"/>
               </a:lnSpc>
@@ -26444,24 +26198,14 @@
                 <a:latin typeface="Consolas"/>
                 <a:ea typeface="SimSun"/>
               </a:rPr>
-              <a:t>sadd point:1 101 102 103 </a:t>
-            </a:r>
-            <a:r>
-              <a:rPr b="0" lang="en-IN" sz="1800" spc="-1" strike="noStrike">
-                <a:solidFill>
-                  <a:srgbClr val="ff5733"/>
-                </a:solidFill>
-                <a:latin typeface="Consolas"/>
-                <a:ea typeface="SimSun"/>
-              </a:rPr>
-              <a:t>104</a:t>
-            </a:r>
-            <a:endParaRPr b="0" lang="en-IN" sz="1800" spc="-1" strike="noStrike">
-              <a:latin typeface="Arial"/>
-            </a:endParaRPr>
-          </a:p>
-          <a:p>
-            <a:pPr marL="285840" indent="-272880">
+              <a:t>sadd point:1 101 102 103 104</a:t>
+            </a:r>
+            <a:endParaRPr b="0" lang="en-IN" sz="1800" spc="-1" strike="noStrike">
+              <a:latin typeface="Arial"/>
+            </a:endParaRPr>
+          </a:p>
+          <a:p>
+            <a:pPr marL="285840" indent="-272520">
               <a:lnSpc>
                 <a:spcPct val="150000"/>
               </a:lnSpc>
@@ -26499,24 +26243,14 @@
                 <a:latin typeface="Consolas"/>
                 <a:ea typeface="SimSun"/>
               </a:rPr>
-              <a:t>sadd point:2 103 104 105 </a:t>
-            </a:r>
-            <a:r>
-              <a:rPr b="0" lang="en-IN" sz="1800" spc="-1" strike="noStrike">
-                <a:solidFill>
-                  <a:srgbClr val="ff5733"/>
-                </a:solidFill>
-                <a:latin typeface="Consolas"/>
-                <a:ea typeface="SimSun"/>
-              </a:rPr>
-              <a:t>106</a:t>
-            </a:r>
-            <a:endParaRPr b="0" lang="en-IN" sz="1800" spc="-1" strike="noStrike">
-              <a:latin typeface="Arial"/>
-            </a:endParaRPr>
-          </a:p>
-          <a:p>
-            <a:pPr marL="285840" indent="-272880">
+              <a:t>sadd point:2 103 104 105 106</a:t>
+            </a:r>
+            <a:endParaRPr b="0" lang="en-IN" sz="1800" spc="-1" strike="noStrike">
+              <a:latin typeface="Arial"/>
+            </a:endParaRPr>
+          </a:p>
+          <a:p>
+            <a:pPr marL="285840" indent="-272520">
               <a:lnSpc>
                 <a:spcPct val="150000"/>
               </a:lnSpc>
@@ -26560,6 +26294,51 @@
               <a:latin typeface="Arial"/>
             </a:endParaRPr>
           </a:p>
+          <a:p>
+            <a:pPr marL="285840" indent="-272520">
+              <a:lnSpc>
+                <a:spcPct val="150000"/>
+              </a:lnSpc>
+              <a:buClr>
+                <a:srgbClr val="808080"/>
+              </a:buClr>
+              <a:buFont typeface="Arial"/>
+              <a:buChar char="•"/>
+            </a:pPr>
+            <a:r>
+              <a:rPr b="0" lang="en-IN" sz="1800" spc="-1" strike="noStrike">
+                <a:solidFill>
+                  <a:srgbClr val="808080"/>
+                </a:solidFill>
+                <a:latin typeface="Consolas"/>
+                <a:ea typeface="SimSun"/>
+              </a:rPr>
+              <a:t>127.0.0.1:6379&gt;</a:t>
+            </a:r>
+            <a:r>
+              <a:rPr b="0" lang="en-IN" sz="1800" spc="-1" strike="noStrike">
+                <a:solidFill>
+                  <a:srgbClr val="000000"/>
+                </a:solidFill>
+                <a:latin typeface="Consolas"/>
+                <a:ea typeface="SimSun"/>
+              </a:rPr>
+              <a:t> </a:t>
+            </a:r>
+            <a:r>
+              <a:rPr b="0" lang="en-IN" sz="1800" spc="-1" strike="noStrike">
+                <a:solidFill>
+                  <a:srgbClr val="ff5733"/>
+                </a:solidFill>
+                <a:latin typeface="Consolas"/>
+                <a:ea typeface="SimSun"/>
+              </a:rPr>
+              <a:t>scard point:1</a:t>
+            </a:r>
+            <a:endParaRPr b="0" lang="en-IN" sz="1800" spc="-1" strike="noStrike">
+              <a:latin typeface="Arial"/>
+            </a:endParaRPr>
+          </a:p>
         </p:txBody>
       </p:sp>
       <p:sp>
@@ -26570,7 +26349,7 @@
         </p:nvSpPr>
         <p:spPr>
           <a:xfrm>
-            <a:off x="0" y="1878840"/>
+            <a:off x="0" y="2706840"/>
             <a:ext cx="12191760" cy="0"/>
           </a:xfrm>
           <a:prstGeom prst="line">
@@ -26636,7 +26415,7 @@
         <p:spPr>
           <a:xfrm>
             <a:off x="1676520" y="2362320"/>
-            <a:ext cx="8826120" cy="912600"/>
+            <a:ext cx="8825760" cy="912600"/>
           </a:xfrm>
           <a:prstGeom prst="rect">
             <a:avLst/>
@@ -26687,7 +26466,7 @@
         <p:spPr>
           <a:xfrm>
             <a:off x="1666800" y="609480"/>
-            <a:ext cx="8826120" cy="394560"/>
+            <a:ext cx="8825760" cy="394560"/>
           </a:xfrm>
           <a:prstGeom prst="rect">
             <a:avLst/>
@@ -26738,7 +26517,7 @@
         <p:spPr>
           <a:xfrm>
             <a:off x="522360" y="3531600"/>
-            <a:ext cx="11063160" cy="638280"/>
+            <a:ext cx="11062800" cy="638280"/>
           </a:xfrm>
           <a:prstGeom prst="rect">
             <a:avLst/>
@@ -26819,7 +26598,7 @@
         <p:spPr>
           <a:xfrm>
             <a:off x="1676520" y="2362320"/>
-            <a:ext cx="8826120" cy="912600"/>
+            <a:ext cx="8825760" cy="913320"/>
           </a:xfrm>
           <a:prstGeom prst="rect">
             <a:avLst/>
@@ -26853,7 +26632,7 @@
                 <a:latin typeface="Century"/>
                 <a:ea typeface="DejaVu Sans"/>
               </a:rPr>
-              <a:t>redis EVAL script</a:t>
+              <a:t>sunion, sinter and sdiff</a:t>
             </a:r>
             <a:endParaRPr b="0" lang="en-IN" sz="5400" spc="-1" strike="noStrike">
               <a:latin typeface="Arial"/>
@@ -26869,8 +26648,8 @@
         </p:nvSpPr>
         <p:spPr>
           <a:xfrm>
-            <a:off x="1666800" y="609480"/>
-            <a:ext cx="8826120" cy="394560"/>
+            <a:off x="522360" y="3531600"/>
+            <a:ext cx="11062800" cy="363960"/>
           </a:xfrm>
           <a:prstGeom prst="rect">
             <a:avLst/>
@@ -26897,58 +26676,7 @@
               </a:lnSpc>
             </a:pPr>
             <a:r>
-              <a:rPr b="0" lang="en-IN" sz="2000" spc="-1" strike="noStrike">
-                <a:solidFill>
-                  <a:srgbClr val="3e5d78"/>
-                </a:solidFill>
-                <a:latin typeface="Times New Roman"/>
-                <a:ea typeface="DejaVu Sans"/>
-              </a:rPr>
-              <a:t>Lua scripting</a:t>
-            </a:r>
-            <a:endParaRPr b="0" lang="en-IN" sz="2000" spc="-1" strike="noStrike">
-              <a:latin typeface="Arial"/>
-            </a:endParaRPr>
-          </a:p>
-        </p:txBody>
-      </p:sp>
-      <p:sp>
-        <p:nvSpPr>
-          <p:cNvPr id="324" name="CustomShape 3"/>
-          <p:cNvSpPr/>
-          <p:nvPr/>
-        </p:nvSpPr>
-        <p:spPr>
-          <a:xfrm>
-            <a:off x="522360" y="3531600"/>
-            <a:ext cx="11063160" cy="363960"/>
-          </a:xfrm>
-          <a:prstGeom prst="rect">
-            <a:avLst/>
-          </a:prstGeom>
-          <a:noFill/>
-          <a:ln>
-            <a:noFill/>
-          </a:ln>
-        </p:spPr>
-        <p:style>
-          <a:lnRef idx="0"/>
-          <a:fillRef idx="0"/>
-          <a:effectRef idx="0"/>
-          <a:fontRef idx="minor"/>
-        </p:style>
-        <p:txBody>
-          <a:bodyPr lIns="90000" rIns="90000" tIns="45000" bIns="45000">
-            <a:spAutoFit/>
-          </a:bodyPr>
-          <a:p>
-            <a:pPr>
-              <a:lnSpc>
-                <a:spcPct val="100000"/>
-              </a:lnSpc>
-            </a:pPr>
-            <a:r>
-              <a:rPr b="0" lang="en-US" sz="1800" spc="-1" strike="noStrike">
+              <a:rPr b="0" lang="en-IN" sz="1800" spc="-1" strike="noStrike">
                 <a:solidFill>
                   <a:srgbClr val="bb0643"/>
                 </a:solidFill>
@@ -26995,19 +26723,23 @@
       </p:grpSpPr>
       <p:sp>
         <p:nvSpPr>
-          <p:cNvPr id="325" name="CustomShape 1"/>
+          <p:cNvPr id="324" name="CustomShape 1"/>
           <p:cNvSpPr/>
           <p:nvPr/>
         </p:nvSpPr>
         <p:spPr>
           <a:xfrm>
-            <a:off x="0" y="727200"/>
-            <a:ext cx="1941840" cy="424800"/>
+            <a:off x="248400" y="0"/>
+            <a:ext cx="11699280" cy="699120"/>
           </a:xfrm>
           <a:prstGeom prst="rect">
             <a:avLst/>
           </a:prstGeom>
-          <a:noFill/>
+          <a:solidFill>
+            <a:schemeClr val="accent6">
+              <a:lumMod val="75000"/>
+            </a:schemeClr>
+          </a:solidFill>
           <a:ln>
             <a:noFill/>
           </a:ln>
@@ -27023,22 +26755,22 @@
             <a:spAutoFit/>
           </a:bodyPr>
           <a:p>
-            <a:pPr algn="just">
-              <a:lnSpc>
-                <a:spcPct val="100000"/>
-              </a:lnSpc>
-            </a:pPr>
-            <a:r>
-              <a:rPr b="0" lang="en-IN" sz="2200" spc="-1" strike="noStrike">
-                <a:solidFill>
-                  <a:srgbClr val="3e5d78"/>
-                </a:solidFill>
-                <a:latin typeface="Times New Roman"/>
-                <a:ea typeface="DejaVu Sans"/>
-              </a:rPr>
-              <a:t>Lua scripting</a:t>
-            </a:r>
-            <a:endParaRPr b="0" lang="en-IN" sz="2200" spc="-1" strike="noStrike">
+            <a:pPr algn="ctr">
+              <a:lnSpc>
+                <a:spcPct val="100000"/>
+              </a:lnSpc>
+            </a:pPr>
+            <a:r>
+              <a:rPr b="0" lang="en-IN" sz="4000" spc="-1" strike="noStrike">
+                <a:solidFill>
+                  <a:srgbClr val="f7c120"/>
+                </a:solidFill>
+                <a:latin typeface="Open Sans"/>
+                <a:ea typeface="DejaVu Sans"/>
+              </a:rPr>
+              <a:t>sunion, ainter &amp; sdiff</a:t>
+            </a:r>
+            <a:endParaRPr b="0" lang="en-IN" sz="4000" spc="-1" strike="noStrike">
               <a:latin typeface="Arial"/>
             </a:endParaRPr>
           </a:p>
@@ -27046,286 +26778,19 @@
       </p:sp>
       <p:sp>
         <p:nvSpPr>
-          <p:cNvPr id="326" name="CustomShape 2"/>
+          <p:cNvPr id="325" name="CustomShape 2"/>
           <p:cNvSpPr/>
           <p:nvPr/>
         </p:nvSpPr>
         <p:spPr>
           <a:xfrm>
-            <a:off x="288000" y="2061720"/>
-            <a:ext cx="11661840" cy="4054680"/>
+            <a:off x="248400" y="762120"/>
+            <a:ext cx="11699280" cy="1735560"/>
           </a:xfrm>
           <a:prstGeom prst="rect">
             <a:avLst/>
           </a:prstGeom>
           <a:noFill/>
-          <a:ln>
-            <a:noFill/>
-          </a:ln>
-        </p:spPr>
-        <p:style>
-          <a:lnRef idx="0"/>
-          <a:fillRef idx="0"/>
-          <a:effectRef idx="0"/>
-          <a:fontRef idx="minor"/>
-        </p:style>
-        <p:txBody>
-          <a:bodyPr lIns="90000" rIns="90000" tIns="45000" bIns="45000">
-            <a:noAutofit/>
-          </a:bodyPr>
-          <a:p>
-            <a:pPr algn="just">
-              <a:lnSpc>
-                <a:spcPct val="100000"/>
-              </a:lnSpc>
-            </a:pPr>
-            <a:r>
-              <a:rPr b="1" lang="en-US" sz="2000" spc="-1" strike="noStrike">
-                <a:solidFill>
-                  <a:srgbClr val="000000"/>
-                </a:solidFill>
-                <a:latin typeface="Arial"/>
-                <a:ea typeface="DejaVu Sans"/>
-              </a:rPr>
-              <a:t>EVAL</a:t>
-            </a:r>
-            <a:r>
-              <a:rPr b="0" lang="en-IN" sz="2000" spc="-1" strike="noStrike">
-                <a:solidFill>
-                  <a:srgbClr val="000000"/>
-                </a:solidFill>
-                <a:latin typeface="Arial"/>
-                <a:ea typeface="DejaVu Sans"/>
-              </a:rPr>
-              <a:t> is used to evaluate scripts using the Lua interpreter built into Redis starting from version 2.6.0.</a:t>
-            </a:r>
-            <a:endParaRPr b="0" lang="en-IN" sz="2000" spc="-1" strike="noStrike">
-              <a:latin typeface="Arial"/>
-            </a:endParaRPr>
-          </a:p>
-          <a:p>
-            <a:pPr>
-              <a:lnSpc>
-                <a:spcPct val="100000"/>
-              </a:lnSpc>
-            </a:pPr>
-            <a:endParaRPr b="0" lang="en-IN" sz="2000" spc="-1" strike="noStrike">
-              <a:latin typeface="Arial"/>
-            </a:endParaRPr>
-          </a:p>
-          <a:p>
-            <a:pPr marL="216000" indent="-213840">
-              <a:lnSpc>
-                <a:spcPct val="100000"/>
-              </a:lnSpc>
-              <a:buClr>
-                <a:srgbClr val="000000"/>
-              </a:buClr>
-              <a:buSzPct val="45000"/>
-              <a:buFont typeface="Wingdings" charset="2"/>
-              <a:buChar char=""/>
-            </a:pPr>
-            <a:r>
-              <a:rPr b="1" lang="en-IN" sz="2000" spc="-1" strike="noStrike">
-                <a:solidFill>
-                  <a:srgbClr val="000000"/>
-                </a:solidFill>
-                <a:latin typeface="Arial"/>
-                <a:ea typeface="DejaVu Sans"/>
-              </a:rPr>
-              <a:t>The first argument of EVAL</a:t>
-            </a:r>
-            <a:r>
-              <a:rPr b="0" lang="en-IN" sz="2000" spc="-1" strike="noStrike">
-                <a:solidFill>
-                  <a:srgbClr val="000000"/>
-                </a:solidFill>
-                <a:latin typeface="Arial"/>
-                <a:ea typeface="DejaVu Sans"/>
-              </a:rPr>
-              <a:t> is a Lua 5.1 script. The script does not need to define a Lua function. It is just a Lua program that will run in the context of the Redis server.</a:t>
-            </a:r>
-            <a:endParaRPr b="0" lang="en-IN" sz="2000" spc="-1" strike="noStrike">
-              <a:latin typeface="Arial"/>
-            </a:endParaRPr>
-          </a:p>
-          <a:p>
-            <a:pPr>
-              <a:lnSpc>
-                <a:spcPct val="100000"/>
-              </a:lnSpc>
-            </a:pPr>
-            <a:endParaRPr b="0" lang="en-IN" sz="2000" spc="-1" strike="noStrike">
-              <a:latin typeface="Arial"/>
-            </a:endParaRPr>
-          </a:p>
-          <a:p>
-            <a:pPr marL="216000" indent="-213840">
-              <a:lnSpc>
-                <a:spcPct val="100000"/>
-              </a:lnSpc>
-              <a:buClr>
-                <a:srgbClr val="000000"/>
-              </a:buClr>
-              <a:buSzPct val="45000"/>
-              <a:buFont typeface="Wingdings" charset="2"/>
-              <a:buChar char=""/>
-            </a:pPr>
-            <a:r>
-              <a:rPr b="1" lang="en-IN" sz="2000" spc="-1" strike="noStrike">
-                <a:solidFill>
-                  <a:srgbClr val="000000"/>
-                </a:solidFill>
-                <a:latin typeface="Arial"/>
-                <a:ea typeface="DejaVu Sans"/>
-              </a:rPr>
-              <a:t>The second argument of EVAL</a:t>
-            </a:r>
-            <a:r>
-              <a:rPr b="0" lang="en-IN" sz="2000" spc="-1" strike="noStrike">
-                <a:solidFill>
-                  <a:srgbClr val="000000"/>
-                </a:solidFill>
-                <a:latin typeface="Arial"/>
-                <a:ea typeface="DejaVu Sans"/>
-              </a:rPr>
-              <a:t> is the number of arguments that follows the script (starting from the third argument) that represent Redis key names. The arguments can be accessed by Lua using the </a:t>
-            </a:r>
-            <a:r>
-              <a:rPr b="1" lang="en-IN" sz="2000" spc="-1" strike="noStrike">
-                <a:solidFill>
-                  <a:srgbClr val="000000"/>
-                </a:solidFill>
-                <a:latin typeface="Arial"/>
-                <a:ea typeface="DejaVu Sans"/>
-              </a:rPr>
-              <a:t>KEYS global variable</a:t>
-            </a:r>
-            <a:r>
-              <a:rPr b="0" lang="en-IN" sz="2000" spc="-1" strike="noStrike">
-                <a:solidFill>
-                  <a:srgbClr val="000000"/>
-                </a:solidFill>
-                <a:latin typeface="Arial"/>
-                <a:ea typeface="DejaVu Sans"/>
-              </a:rPr>
-              <a:t> in the form of a one-based array (so </a:t>
-            </a:r>
-            <a:r>
-              <a:rPr b="1" lang="en-IN" sz="2000" spc="-1" strike="noStrike">
-                <a:solidFill>
-                  <a:srgbClr val="000000"/>
-                </a:solidFill>
-                <a:latin typeface="Arial"/>
-                <a:ea typeface="DejaVu Sans"/>
-              </a:rPr>
-              <a:t>KEYS[1], KEYS[2], ...</a:t>
-            </a:r>
-            <a:r>
-              <a:rPr b="0" lang="en-IN" sz="2000" spc="-1" strike="noStrike">
-                <a:solidFill>
-                  <a:srgbClr val="000000"/>
-                </a:solidFill>
-                <a:latin typeface="Arial"/>
-                <a:ea typeface="DejaVu Sans"/>
-              </a:rPr>
-              <a:t>).</a:t>
-            </a:r>
-            <a:endParaRPr b="0" lang="en-IN" sz="2000" spc="-1" strike="noStrike">
-              <a:latin typeface="Arial"/>
-            </a:endParaRPr>
-          </a:p>
-          <a:p>
-            <a:pPr>
-              <a:lnSpc>
-                <a:spcPct val="100000"/>
-              </a:lnSpc>
-            </a:pPr>
-            <a:endParaRPr b="0" lang="en-IN" sz="2000" spc="-1" strike="noStrike">
-              <a:latin typeface="Arial"/>
-            </a:endParaRPr>
-          </a:p>
-          <a:p>
-            <a:pPr>
-              <a:lnSpc>
-                <a:spcPct val="100000"/>
-              </a:lnSpc>
-            </a:pPr>
-            <a:r>
-              <a:rPr b="0" lang="en-IN" sz="2000" spc="-1" strike="noStrike">
-                <a:solidFill>
-                  <a:srgbClr val="000000"/>
-                </a:solidFill>
-                <a:latin typeface="Arial"/>
-                <a:ea typeface="DejaVu Sans"/>
-              </a:rPr>
-              <a:t>All the additional arguments should not represent key names and can be accessed by Lua using the </a:t>
-            </a:r>
-            <a:r>
-              <a:rPr b="1" lang="en-IN" sz="2000" spc="-1" strike="noStrike">
-                <a:solidFill>
-                  <a:srgbClr val="000000"/>
-                </a:solidFill>
-                <a:latin typeface="Arial"/>
-                <a:ea typeface="DejaVu Sans"/>
-              </a:rPr>
-              <a:t>ARGV global variable</a:t>
-            </a:r>
-            <a:r>
-              <a:rPr b="0" lang="en-IN" sz="2000" spc="-1" strike="noStrike">
-                <a:solidFill>
-                  <a:srgbClr val="000000"/>
-                </a:solidFill>
-                <a:latin typeface="Arial"/>
-                <a:ea typeface="DejaVu Sans"/>
-              </a:rPr>
-              <a:t>, very similarly to what happens with keys (so </a:t>
-            </a:r>
-            <a:r>
-              <a:rPr b="1" lang="en-IN" sz="2000" spc="-1" strike="noStrike">
-                <a:solidFill>
-                  <a:srgbClr val="000000"/>
-                </a:solidFill>
-                <a:latin typeface="Arial"/>
-                <a:ea typeface="DejaVu Sans"/>
-              </a:rPr>
-              <a:t>ARGV[1], ARGV[2], ...</a:t>
-            </a:r>
-            <a:r>
-              <a:rPr b="0" lang="en-IN" sz="2000" spc="-1" strike="noStrike">
-                <a:solidFill>
-                  <a:srgbClr val="000000"/>
-                </a:solidFill>
-                <a:latin typeface="Arial"/>
-                <a:ea typeface="DejaVu Sans"/>
-              </a:rPr>
-              <a:t>).</a:t>
-            </a:r>
-            <a:endParaRPr b="0" lang="en-IN" sz="2000" spc="-1" strike="noStrike">
-              <a:latin typeface="Arial"/>
-            </a:endParaRPr>
-          </a:p>
-        </p:txBody>
-      </p:sp>
-      <p:sp>
-        <p:nvSpPr>
-          <p:cNvPr id="327" name="CustomShape 3"/>
-          <p:cNvSpPr/>
-          <p:nvPr/>
-        </p:nvSpPr>
-        <p:spPr>
-          <a:xfrm>
-            <a:off x="248400" y="0"/>
-            <a:ext cx="11699640" cy="699120"/>
-          </a:xfrm>
-          <a:prstGeom prst="rect">
-            <a:avLst/>
-          </a:prstGeom>
-          <a:solidFill>
-            <a:schemeClr val="accent6">
-              <a:lumMod val="75000"/>
-            </a:schemeClr>
-          </a:solidFill>
           <a:ln>
             <a:noFill/>
           </a:ln>
@@ -27341,22 +26806,91 @@
             <a:spAutoFit/>
           </a:bodyPr>
           <a:p>
-            <a:pPr algn="ctr">
-              <a:lnSpc>
-                <a:spcPct val="100000"/>
-              </a:lnSpc>
-            </a:pPr>
-            <a:r>
-              <a:rPr b="0" lang="en-IN" sz="4000" spc="-1" strike="noStrike">
-                <a:solidFill>
-                  <a:srgbClr val="f7c120"/>
-                </a:solidFill>
-                <a:latin typeface="Open Sans"/>
-                <a:ea typeface="DejaVu Sans"/>
-              </a:rPr>
-              <a:t>Introduction to EVAL</a:t>
-            </a:r>
-            <a:endParaRPr b="0" lang="en-IN" sz="4000" spc="-1" strike="noStrike">
+            <a:pPr algn="just"/>
+            <a:r>
+              <a:rPr b="1" lang="en-US" sz="1800" spc="-1" strike="noStrike">
+                <a:solidFill>
+                  <a:srgbClr val="7c4dff"/>
+                </a:solidFill>
+                <a:latin typeface="Arial"/>
+                <a:ea typeface="DejaVu Sans"/>
+              </a:rPr>
+              <a:t>SUNION</a:t>
+            </a:r>
+            <a:r>
+              <a:rPr b="0" lang="en-US" sz="1800" spc="-1" strike="noStrike">
+                <a:latin typeface="Arial"/>
+                <a:ea typeface="DejaVu Sans"/>
+              </a:rPr>
+              <a:t> returns the members of the set resulting from the union of all the given sets.</a:t>
+            </a:r>
+            <a:endParaRPr b="0" lang="en-IN" sz="1800" spc="-1" strike="noStrike">
+              <a:latin typeface="Arial"/>
+            </a:endParaRPr>
+          </a:p>
+          <a:p>
+            <a:pPr algn="just">
+              <a:lnSpc>
+                <a:spcPct val="100000"/>
+              </a:lnSpc>
+            </a:pPr>
+            <a:endParaRPr b="0" lang="en-IN" sz="1800" spc="-1" strike="noStrike">
+              <a:latin typeface="Arial"/>
+            </a:endParaRPr>
+          </a:p>
+          <a:p>
+            <a:pPr algn="just"/>
+            <a:r>
+              <a:rPr b="1" lang="en-US" sz="1800" spc="-1" strike="noStrike">
+                <a:solidFill>
+                  <a:srgbClr val="7c4dff"/>
+                </a:solidFill>
+                <a:latin typeface="Arial"/>
+                <a:ea typeface="DejaVu Sans"/>
+              </a:rPr>
+              <a:t>SINTER</a:t>
+            </a:r>
+            <a:r>
+              <a:rPr b="0" lang="en-US" sz="1800" spc="-1" strike="noStrike">
+                <a:latin typeface="Arial"/>
+                <a:ea typeface="DejaVu Sans"/>
+              </a:rPr>
+              <a:t> returns the members of the set resulting from the intersection of all the given sets.</a:t>
+            </a:r>
+            <a:endParaRPr b="0" lang="en-IN" sz="1800" spc="-1" strike="noStrike">
+              <a:latin typeface="Arial"/>
+            </a:endParaRPr>
+          </a:p>
+          <a:p>
+            <a:pPr algn="just">
+              <a:lnSpc>
+                <a:spcPct val="100000"/>
+              </a:lnSpc>
+            </a:pPr>
+            <a:endParaRPr b="0" lang="en-IN" sz="1800" spc="-1" strike="noStrike">
+              <a:latin typeface="Arial"/>
+            </a:endParaRPr>
+          </a:p>
+          <a:p>
+            <a:pPr algn="just"/>
+            <a:r>
+              <a:rPr b="1" lang="en-US" sz="1800" spc="-1" strike="noStrike">
+                <a:solidFill>
+                  <a:srgbClr val="7c4dff"/>
+                </a:solidFill>
+                <a:latin typeface="Arial"/>
+                <a:ea typeface="DejaVu Sans"/>
+              </a:rPr>
+              <a:t>SDIFF</a:t>
+            </a:r>
+            <a:r>
+              <a:rPr b="0" lang="en-US" sz="1800" spc="-1" strike="noStrike">
+                <a:latin typeface="Arial"/>
+                <a:ea typeface="DejaVu Sans"/>
+              </a:rPr>
+              <a:t> returns the members of the set resulting from the difference between the first set and all the successive sets.</a:t>
+            </a:r>
+            <a:endParaRPr b="0" lang="en-IN" sz="1800" spc="-1" strike="noStrike">
               <a:latin typeface="Arial"/>
             </a:endParaRPr>
           </a:p>
@@ -27364,65 +26898,14 @@
       </p:sp>
       <p:sp>
         <p:nvSpPr>
-          <p:cNvPr id="328" name="CustomShape 4"/>
+          <p:cNvPr id="326" name="CustomShape 3"/>
           <p:cNvSpPr/>
           <p:nvPr/>
         </p:nvSpPr>
         <p:spPr>
           <a:xfrm>
-            <a:off x="576000" y="1504080"/>
-            <a:ext cx="8349840" cy="365760"/>
-          </a:xfrm>
-          <a:prstGeom prst="rect">
-            <a:avLst/>
-          </a:prstGeom>
-          <a:noFill/>
-          <a:ln>
-            <a:noFill/>
-          </a:ln>
-        </p:spPr>
-        <p:style>
-          <a:lnRef idx="0"/>
-          <a:fillRef idx="0"/>
-          <a:effectRef idx="0"/>
-          <a:fontRef idx="minor"/>
-        </p:style>
-        <p:txBody>
-          <a:bodyPr lIns="0" rIns="0" tIns="0" bIns="0">
-            <a:noAutofit/>
-          </a:bodyPr>
-          <a:p>
-            <a:pPr>
-              <a:lnSpc>
-                <a:spcPct val="100000"/>
-              </a:lnSpc>
-            </a:pPr>
-            <a:r>
-              <a:rPr b="0" lang="en-US" sz="2200" spc="-1" strike="noStrike">
-                <a:solidFill>
-                  <a:srgbClr val="00b0f0"/>
-                </a:solidFill>
-                <a:latin typeface="Consolas"/>
-                <a:ea typeface="DejaVu Sans"/>
-              </a:rPr>
-              <a:t>EVAL script numkeys key [key ...] arg [arg ...]</a:t>
-            </a:r>
-            <a:endParaRPr b="0" lang="en-IN" sz="2200" spc="-1" strike="noStrike">
-              <a:latin typeface="Arial"/>
-            </a:endParaRPr>
-          </a:p>
-        </p:txBody>
-      </p:sp>
-      <p:sp>
-        <p:nvSpPr>
-          <p:cNvPr id="329" name="CustomShape 5"/>
-          <p:cNvSpPr/>
-          <p:nvPr/>
-        </p:nvSpPr>
-        <p:spPr>
-          <a:xfrm>
-            <a:off x="288000" y="5543280"/>
-            <a:ext cx="10833840" cy="1006560"/>
+            <a:off x="248400" y="2882880"/>
+            <a:ext cx="11699280" cy="1005120"/>
           </a:xfrm>
           <a:prstGeom prst="rect">
             <a:avLst/>
@@ -27440,106 +26923,411 @@
         </p:style>
         <p:txBody>
           <a:bodyPr lIns="90000" rIns="90000" tIns="45000" bIns="45000">
+            <a:spAutoFit/>
+          </a:bodyPr>
+          <a:p>
+            <a:pPr>
+              <a:lnSpc>
+                <a:spcPct val="100000"/>
+              </a:lnSpc>
+            </a:pPr>
+            <a:r>
+              <a:rPr b="0" lang="en-US" sz="2000" spc="-1" strike="noStrike">
+                <a:solidFill>
+                  <a:srgbClr val="00b0f0"/>
+                </a:solidFill>
+                <a:latin typeface="Consolas"/>
+                <a:ea typeface="DejaVu Sans"/>
+              </a:rPr>
+              <a:t>SUNION key [key </a:t>
+            </a:r>
+            <a:r>
+              <a:rPr b="0" lang="en-US" sz="2000" spc="-1" strike="noStrike">
+                <a:solidFill>
+                  <a:srgbClr val="00b0f0"/>
+                </a:solidFill>
+                <a:latin typeface="Consolas"/>
+                <a:ea typeface="DejaVu Sans"/>
+              </a:rPr>
+              <a:t>...]</a:t>
+            </a:r>
+            <a:endParaRPr b="0" lang="en-IN" sz="2000" spc="-1" strike="noStrike">
+              <a:latin typeface="Arial"/>
+            </a:endParaRPr>
+          </a:p>
+          <a:p>
+            <a:pPr>
+              <a:lnSpc>
+                <a:spcPct val="100000"/>
+              </a:lnSpc>
+            </a:pPr>
+            <a:r>
+              <a:rPr b="0" lang="en-US" sz="2000" spc="-1" strike="noStrike">
+                <a:solidFill>
+                  <a:srgbClr val="00b0f0"/>
+                </a:solidFill>
+                <a:latin typeface="Consolas"/>
+                <a:ea typeface="DejaVu Sans"/>
+              </a:rPr>
+              <a:t>SINTER key [key </a:t>
+            </a:r>
+            <a:r>
+              <a:rPr b="0" lang="en-US" sz="2000" spc="-1" strike="noStrike">
+                <a:solidFill>
+                  <a:srgbClr val="00b0f0"/>
+                </a:solidFill>
+                <a:latin typeface="Consolas"/>
+                <a:ea typeface="DejaVu Sans"/>
+              </a:rPr>
+              <a:t>...]</a:t>
+            </a:r>
+            <a:endParaRPr b="0" lang="en-IN" sz="2000" spc="-1" strike="noStrike">
+              <a:latin typeface="Arial"/>
+            </a:endParaRPr>
+          </a:p>
+          <a:p>
+            <a:pPr>
+              <a:lnSpc>
+                <a:spcPct val="100000"/>
+              </a:lnSpc>
+            </a:pPr>
+            <a:r>
+              <a:rPr b="0" lang="en-US" sz="2000" spc="-1" strike="noStrike">
+                <a:solidFill>
+                  <a:srgbClr val="00b0f0"/>
+                </a:solidFill>
+                <a:latin typeface="Consolas"/>
+                <a:ea typeface="DejaVu Sans"/>
+              </a:rPr>
+              <a:t>SDIFF key [key ...]</a:t>
+            </a:r>
+            <a:endParaRPr b="0" lang="en-IN" sz="2000" spc="-1" strike="noStrike">
+              <a:latin typeface="Arial"/>
+            </a:endParaRPr>
+          </a:p>
+        </p:txBody>
+      </p:sp>
+      <p:sp>
+        <p:nvSpPr>
+          <p:cNvPr id="327" name="CustomShape 4"/>
+          <p:cNvSpPr/>
+          <p:nvPr/>
+        </p:nvSpPr>
+        <p:spPr>
+          <a:xfrm>
+            <a:off x="288000" y="4039920"/>
+            <a:ext cx="8876520" cy="1735560"/>
+          </a:xfrm>
+          <a:prstGeom prst="rect">
+            <a:avLst/>
+          </a:prstGeom>
+          <a:noFill/>
+          <a:ln>
+            <a:noFill/>
+          </a:ln>
+        </p:spPr>
+        <p:style>
+          <a:lnRef idx="0"/>
+          <a:fillRef idx="0"/>
+          <a:effectRef idx="0"/>
+          <a:fontRef idx="minor"/>
+        </p:style>
+        <p:txBody>
+          <a:bodyPr lIns="90000" rIns="90000" tIns="45000" bIns="45000">
+            <a:spAutoFit/>
+          </a:bodyPr>
+          <a:p>
+            <a:pPr marL="285840" indent="-272520">
+              <a:lnSpc>
+                <a:spcPct val="150000"/>
+              </a:lnSpc>
+              <a:buClr>
+                <a:srgbClr val="808080"/>
+              </a:buClr>
+              <a:buFont typeface="Arial"/>
+              <a:buChar char="•"/>
+            </a:pPr>
+            <a:r>
+              <a:rPr b="0" lang="en-IN" sz="1800" spc="-1" strike="noStrike">
+                <a:solidFill>
+                  <a:srgbClr val="808080"/>
+                </a:solidFill>
+                <a:latin typeface="Consolas"/>
+                <a:ea typeface="SimSun"/>
+              </a:rPr>
+              <a:t>127.0.0.1:6379&gt;</a:t>
+            </a:r>
+            <a:r>
+              <a:rPr b="0" lang="en-IN" sz="1800" spc="-1" strike="noStrike">
+                <a:solidFill>
+                  <a:srgbClr val="000000"/>
+                </a:solidFill>
+                <a:latin typeface="Consolas"/>
+                <a:ea typeface="SimSun"/>
+              </a:rPr>
+              <a:t> </a:t>
+            </a:r>
+            <a:r>
+              <a:rPr b="0" lang="en-IN" sz="1800" spc="-1" strike="noStrike">
+                <a:solidFill>
+                  <a:srgbClr val="ff5733"/>
+                </a:solidFill>
+                <a:latin typeface="Consolas"/>
+                <a:ea typeface="SimSun"/>
+              </a:rPr>
+              <a:t>sadd point:1 101 102 103 104</a:t>
+            </a:r>
+            <a:endParaRPr b="0" lang="en-IN" sz="1800" spc="-1" strike="noStrike">
+              <a:latin typeface="Arial"/>
+            </a:endParaRPr>
+          </a:p>
+          <a:p>
+            <a:pPr marL="285840" indent="-272520">
+              <a:lnSpc>
+                <a:spcPct val="150000"/>
+              </a:lnSpc>
+              <a:buClr>
+                <a:srgbClr val="808080"/>
+              </a:buClr>
+              <a:buFont typeface="Arial"/>
+              <a:buChar char="•"/>
+            </a:pPr>
+            <a:r>
+              <a:rPr b="0" lang="en-IN" sz="1800" spc="-1" strike="noStrike">
+                <a:solidFill>
+                  <a:srgbClr val="808080"/>
+                </a:solidFill>
+                <a:latin typeface="Consolas"/>
+                <a:ea typeface="SimSun"/>
+              </a:rPr>
+              <a:t>127.0.0.1:6379&gt;</a:t>
+            </a:r>
+            <a:r>
+              <a:rPr b="0" lang="en-IN" sz="1800" spc="-1" strike="noStrike">
+                <a:solidFill>
+                  <a:srgbClr val="000000"/>
+                </a:solidFill>
+                <a:latin typeface="Consolas"/>
+                <a:ea typeface="SimSun"/>
+              </a:rPr>
+              <a:t> </a:t>
+            </a:r>
+            <a:r>
+              <a:rPr b="0" lang="en-IN" sz="1800" spc="-1" strike="noStrike">
+                <a:solidFill>
+                  <a:srgbClr val="ff5733"/>
+                </a:solidFill>
+                <a:latin typeface="Consolas"/>
+                <a:ea typeface="SimSun"/>
+              </a:rPr>
+              <a:t>sadd point:2 103 104 105 106</a:t>
+            </a:r>
+            <a:endParaRPr b="0" lang="en-IN" sz="1800" spc="-1" strike="noStrike">
+              <a:latin typeface="Arial"/>
+            </a:endParaRPr>
+          </a:p>
+          <a:p>
+            <a:pPr marL="285840" indent="-272520">
+              <a:lnSpc>
+                <a:spcPct val="150000"/>
+              </a:lnSpc>
+              <a:buClr>
+                <a:srgbClr val="808080"/>
+              </a:buClr>
+              <a:buFont typeface="Arial"/>
+              <a:buChar char="•"/>
+            </a:pPr>
+            <a:r>
+              <a:rPr b="0" lang="en-IN" sz="1800" spc="-1" strike="noStrike">
+                <a:solidFill>
+                  <a:srgbClr val="808080"/>
+                </a:solidFill>
+                <a:latin typeface="Consolas"/>
+                <a:ea typeface="SimSun"/>
+              </a:rPr>
+              <a:t>127.0.0.1:6379&gt;</a:t>
+            </a:r>
+            <a:r>
+              <a:rPr b="0" lang="en-IN" sz="1800" spc="-1" strike="noStrike">
+                <a:solidFill>
+                  <a:srgbClr val="000000"/>
+                </a:solidFill>
+                <a:latin typeface="Consolas"/>
+                <a:ea typeface="SimSun"/>
+              </a:rPr>
+              <a:t> </a:t>
+            </a:r>
+            <a:r>
+              <a:rPr b="0" lang="en-IN" sz="1800" spc="-1" strike="noStrike">
+                <a:solidFill>
+                  <a:srgbClr val="ff5733"/>
+                </a:solidFill>
+                <a:latin typeface="Consolas"/>
+                <a:ea typeface="SimSun"/>
+              </a:rPr>
+              <a:t>smembers point:1</a:t>
+            </a:r>
+            <a:endParaRPr b="0" lang="en-IN" sz="1800" spc="-1" strike="noStrike">
+              <a:latin typeface="Arial"/>
+            </a:endParaRPr>
+          </a:p>
+          <a:p>
+            <a:pPr marL="285840" indent="-272520">
+              <a:lnSpc>
+                <a:spcPct val="150000"/>
+              </a:lnSpc>
+              <a:buClr>
+                <a:srgbClr val="808080"/>
+              </a:buClr>
+              <a:buFont typeface="Arial"/>
+              <a:buChar char="•"/>
+            </a:pPr>
+            <a:r>
+              <a:rPr b="0" lang="en-IN" sz="1800" spc="-1" strike="noStrike">
+                <a:solidFill>
+                  <a:srgbClr val="808080"/>
+                </a:solidFill>
+                <a:latin typeface="Consolas"/>
+                <a:ea typeface="SimSun"/>
+              </a:rPr>
+              <a:t>127.0.0.1:6379&gt;</a:t>
+            </a:r>
+            <a:r>
+              <a:rPr b="0" lang="en-IN" sz="1800" spc="-1" strike="noStrike">
+                <a:solidFill>
+                  <a:srgbClr val="000000"/>
+                </a:solidFill>
+                <a:latin typeface="Consolas"/>
+                <a:ea typeface="SimSun"/>
+              </a:rPr>
+              <a:t> </a:t>
+            </a:r>
+            <a:r>
+              <a:rPr b="0" lang="en-IN" sz="1800" spc="-1" strike="noStrike">
+                <a:solidFill>
+                  <a:srgbClr val="ff5733"/>
+                </a:solidFill>
+                <a:latin typeface="Consolas"/>
+                <a:ea typeface="SimSun"/>
+              </a:rPr>
+              <a:t>scard point:1</a:t>
+            </a:r>
+            <a:endParaRPr b="0" lang="en-IN" sz="1800" spc="-1" strike="noStrike">
+              <a:latin typeface="Arial"/>
+            </a:endParaRPr>
+          </a:p>
+        </p:txBody>
+      </p:sp>
+      <p:sp>
+        <p:nvSpPr>
+          <p:cNvPr id="328" name="Line 5"/>
+          <p:cNvSpPr/>
+          <p:nvPr/>
+        </p:nvSpPr>
+        <p:spPr>
+          <a:xfrm>
+            <a:off x="0" y="2706840"/>
+            <a:ext cx="12191760" cy="0"/>
+          </a:xfrm>
+          <a:prstGeom prst="line">
+            <a:avLst/>
+          </a:prstGeom>
+          <a:ln w="12600">
+            <a:solidFill>
+              <a:srgbClr val="6e78a0"/>
+            </a:solidFill>
+            <a:prstDash val="dash"/>
+            <a:round/>
+          </a:ln>
+        </p:spPr>
+        <p:style>
+          <a:lnRef idx="1">
+            <a:schemeClr val="accent1"/>
+          </a:lnRef>
+          <a:fillRef idx="0">
+            <a:schemeClr val="accent1"/>
+          </a:fillRef>
+          <a:effectRef idx="0">
+            <a:schemeClr val="accent1"/>
+          </a:effectRef>
+          <a:fontRef idx="minor"/>
+        </p:style>
+      </p:sp>
+      <p:sp>
+        <p:nvSpPr>
+          <p:cNvPr id="329" name="TextShape 6"/>
+          <p:cNvSpPr txBox="1"/>
+          <p:nvPr/>
+        </p:nvSpPr>
+        <p:spPr>
+          <a:xfrm>
+            <a:off x="8856000" y="2882880"/>
+            <a:ext cx="3240000" cy="1077120"/>
+          </a:xfrm>
+          <a:prstGeom prst="rect">
+            <a:avLst/>
+          </a:prstGeom>
+          <a:noFill/>
+          <a:ln>
+            <a:noFill/>
+          </a:ln>
+        </p:spPr>
+        <p:txBody>
+          <a:bodyPr lIns="90000" rIns="90000" tIns="45000" bIns="45000">
             <a:noAutofit/>
           </a:bodyPr>
           <a:p>
-            <a:pPr>
-              <a:lnSpc>
-                <a:spcPct val="100000"/>
-              </a:lnSpc>
-            </a:pPr>
-            <a:r>
-              <a:rPr b="1" lang="en-IN" sz="2000" spc="-1" strike="noStrike">
-                <a:solidFill>
-                  <a:srgbClr val="c00000"/>
-                </a:solidFill>
-                <a:latin typeface="Open Sans"/>
-                <a:ea typeface="Open Sans"/>
-              </a:rPr>
-              <a:t>Note:</a:t>
-            </a:r>
-            <a:endParaRPr b="0" lang="en-IN" sz="2000" spc="-1" strike="noStrike">
-              <a:latin typeface="Arial"/>
-            </a:endParaRPr>
-          </a:p>
-          <a:p>
-            <a:pPr>
-              <a:lnSpc>
-                <a:spcPct val="100000"/>
-              </a:lnSpc>
-            </a:pPr>
-            <a:endParaRPr b="0" lang="en-IN" sz="2000" spc="-1" strike="noStrike">
-              <a:latin typeface="Arial"/>
-            </a:endParaRPr>
-          </a:p>
-          <a:p>
-            <a:pPr>
-              <a:lnSpc>
-                <a:spcPct val="100000"/>
-              </a:lnSpc>
-            </a:pPr>
-            <a:r>
-              <a:rPr b="1" lang="en-IN" sz="1800" spc="-1" strike="noStrike">
-                <a:solidFill>
-                  <a:srgbClr val="000000"/>
-                </a:solidFill>
-                <a:latin typeface="Arial"/>
-                <a:ea typeface="Open Sans"/>
-              </a:rPr>
-              <a:t>KEYS[1], KEYS[2], . . .  </a:t>
-            </a:r>
-            <a:r>
-              <a:rPr b="0" lang="en-IN" sz="1800" spc="-1" strike="noStrike">
-                <a:solidFill>
-                  <a:srgbClr val="000000"/>
-                </a:solidFill>
-                <a:latin typeface="Arial"/>
-                <a:ea typeface="Open Sans"/>
-              </a:rPr>
-              <a:t>and</a:t>
-            </a:r>
-            <a:r>
-              <a:rPr b="1" lang="en-IN" sz="1800" spc="-1" strike="noStrike">
-                <a:solidFill>
-                  <a:srgbClr val="000000"/>
-                </a:solidFill>
-                <a:latin typeface="Arial"/>
-                <a:ea typeface="Open Sans"/>
-              </a:rPr>
-              <a:t> ARGV[1], ARGV[2]</a:t>
-            </a:r>
-            <a:r>
-              <a:rPr b="0" lang="en-IN" sz="1800" spc="-1" strike="noStrike">
-                <a:solidFill>
-                  <a:srgbClr val="000000"/>
-                </a:solidFill>
-                <a:latin typeface="Arial"/>
-                <a:ea typeface="Open Sans"/>
-              </a:rPr>
-              <a:t>.</a:t>
-            </a:r>
-            <a:r>
-              <a:rPr b="1" lang="en-IN" sz="1800" spc="-1" strike="noStrike">
-                <a:solidFill>
-                  <a:srgbClr val="000000"/>
-                </a:solidFill>
-                <a:latin typeface="Arial"/>
-                <a:ea typeface="Open Sans"/>
-              </a:rPr>
-              <a:t>, . . . </a:t>
-            </a:r>
-            <a:r>
-              <a:rPr b="0" lang="en-IN" sz="1800" spc="-1" strike="noStrike">
-                <a:solidFill>
-                  <a:srgbClr val="000000"/>
-                </a:solidFill>
-                <a:latin typeface="Arial"/>
-                <a:ea typeface="Open Sans"/>
-              </a:rPr>
-              <a:t>must be in upper case.</a:t>
-            </a:r>
-            <a:endParaRPr b="0" lang="en-IN" sz="1800" spc="-1" strike="noStrike">
-              <a:latin typeface="Arial"/>
+            <a:r>
+              <a:rPr b="0" lang="en-IN" sz="2200" spc="-1" strike="noStrike">
+                <a:solidFill>
+                  <a:srgbClr val="ffc400"/>
+                </a:solidFill>
+                <a:latin typeface="Courier New"/>
+              </a:rPr>
+              <a:t>key1 = {a,b,c,d}</a:t>
+            </a:r>
+            <a:endParaRPr b="0" lang="en-IN" sz="2200" spc="-1" strike="noStrike">
+              <a:solidFill>
+                <a:srgbClr val="ffc400"/>
+              </a:solidFill>
+              <a:latin typeface="Courier New"/>
+              <a:ea typeface="Courier New"/>
+            </a:endParaRPr>
+          </a:p>
+          <a:p>
+            <a:r>
+              <a:rPr b="0" lang="en-IN" sz="2200" spc="-1" strike="noStrike">
+                <a:solidFill>
+                  <a:srgbClr val="ffc400"/>
+                </a:solidFill>
+                <a:latin typeface="Courier New"/>
+              </a:rPr>
+              <a:t>key2 = {c}</a:t>
+            </a:r>
+            <a:endParaRPr b="0" lang="en-IN" sz="2200" spc="-1" strike="noStrike">
+              <a:solidFill>
+                <a:srgbClr val="ffc400"/>
+              </a:solidFill>
+              <a:latin typeface="Courier New"/>
+              <a:ea typeface="Courier New"/>
+            </a:endParaRPr>
+          </a:p>
+          <a:p>
+            <a:r>
+              <a:rPr b="0" lang="en-IN" sz="2200" spc="-1" strike="noStrike">
+                <a:solidFill>
+                  <a:srgbClr val="ffc400"/>
+                </a:solidFill>
+                <a:latin typeface="Courier New"/>
+              </a:rPr>
+              <a:t>key3 = {a,c,e}</a:t>
+            </a:r>
+            <a:endParaRPr b="0" lang="en-IN" sz="2200" spc="-1" strike="noStrike">
+              <a:solidFill>
+                <a:srgbClr val="ffc400"/>
+              </a:solidFill>
+              <a:latin typeface="Courier New"/>
+              <a:ea typeface="Courier New"/>
             </a:endParaRPr>
           </a:p>
         </p:txBody>
@@ -27582,8 +27370,8 @@
         </p:nvSpPr>
         <p:spPr>
           <a:xfrm>
-            <a:off x="216000" y="216000"/>
-            <a:ext cx="1941840" cy="424800"/>
+            <a:off x="1676520" y="2362320"/>
+            <a:ext cx="8825760" cy="912600"/>
           </a:xfrm>
           <a:prstGeom prst="rect">
             <a:avLst/>
@@ -27604,22 +27392,22 @@
             <a:spAutoFit/>
           </a:bodyPr>
           <a:p>
-            <a:pPr algn="just">
-              <a:lnSpc>
-                <a:spcPct val="100000"/>
-              </a:lnSpc>
-            </a:pPr>
-            <a:r>
-              <a:rPr b="0" lang="en-IN" sz="2200" spc="-1" strike="noStrike">
-                <a:solidFill>
-                  <a:srgbClr val="3e5d78"/>
-                </a:solidFill>
-                <a:latin typeface="Times New Roman"/>
-                <a:ea typeface="DejaVu Sans"/>
-              </a:rPr>
-              <a:t>Lua scripting</a:t>
-            </a:r>
-            <a:endParaRPr b="0" lang="en-IN" sz="2200" spc="-1" strike="noStrike">
+            <a:pPr algn="ctr">
+              <a:lnSpc>
+                <a:spcPct val="100000"/>
+              </a:lnSpc>
+            </a:pPr>
+            <a:r>
+              <a:rPr b="0" i="1" lang="en-IN" sz="5400" spc="-1" strike="noStrike">
+                <a:solidFill>
+                  <a:srgbClr val="f7c120"/>
+                </a:solidFill>
+                <a:latin typeface="Century"/>
+                <a:ea typeface="DejaVu Sans"/>
+              </a:rPr>
+              <a:t>redis EVAL script</a:t>
+            </a:r>
+            <a:endParaRPr b="0" lang="en-IN" sz="5400" spc="-1" strike="noStrike">
               <a:latin typeface="Arial"/>
             </a:endParaRPr>
           </a:p>
@@ -27633,110 +27421,8 @@
         </p:nvSpPr>
         <p:spPr>
           <a:xfrm>
-            <a:off x="432720" y="1224000"/>
-            <a:ext cx="8349840" cy="365760"/>
-          </a:xfrm>
-          <a:prstGeom prst="rect">
-            <a:avLst/>
-          </a:prstGeom>
-          <a:noFill/>
-          <a:ln>
-            <a:noFill/>
-          </a:ln>
-        </p:spPr>
-        <p:style>
-          <a:lnRef idx="0"/>
-          <a:fillRef idx="0"/>
-          <a:effectRef idx="0"/>
-          <a:fontRef idx="minor"/>
-        </p:style>
-        <p:txBody>
-          <a:bodyPr lIns="0" rIns="0" tIns="0" bIns="0">
-            <a:noAutofit/>
-          </a:bodyPr>
-          <a:p>
-            <a:pPr>
-              <a:lnSpc>
-                <a:spcPct val="100000"/>
-              </a:lnSpc>
-            </a:pPr>
-            <a:r>
-              <a:rPr b="0" lang="en-US" sz="2200" spc="-1" strike="noStrike">
-                <a:solidFill>
-                  <a:srgbClr val="00b0f0"/>
-                </a:solidFill>
-                <a:latin typeface="Consolas"/>
-                <a:ea typeface="DejaVu Sans"/>
-              </a:rPr>
-              <a:t>EVAL script numkeys key [key ...] arg [arg ...]</a:t>
-            </a:r>
-            <a:endParaRPr b="0" lang="en-IN" sz="2200" spc="-1" strike="noStrike">
-              <a:latin typeface="Arial"/>
-            </a:endParaRPr>
-          </a:p>
-        </p:txBody>
-      </p:sp>
-      <p:sp>
-        <p:nvSpPr>
-          <p:cNvPr id="332" name="CustomShape 3"/>
-          <p:cNvSpPr/>
-          <p:nvPr/>
-        </p:nvSpPr>
-        <p:spPr>
-          <a:xfrm>
-            <a:off x="288000" y="1584000"/>
-            <a:ext cx="609480" cy="397440"/>
-          </a:xfrm>
-          <a:prstGeom prst="rect">
-            <a:avLst/>
-          </a:prstGeom>
-          <a:noFill/>
-          <a:ln>
-            <a:noFill/>
-          </a:ln>
-        </p:spPr>
-        <p:style>
-          <a:lnRef idx="0"/>
-          <a:fillRef idx="0"/>
-          <a:effectRef idx="0"/>
-          <a:fontRef idx="minor"/>
-        </p:style>
-        <p:txBody>
-          <a:bodyPr lIns="90000" rIns="90000" tIns="45000" bIns="45000">
-            <a:noAutofit/>
-          </a:bodyPr>
-          <a:p>
-            <a:pPr>
-              <a:lnSpc>
-                <a:spcPct val="100000"/>
-              </a:lnSpc>
-            </a:pPr>
-            <a:r>
-              <a:rPr b="1" lang="en-IN" sz="2200" spc="-1" strike="noStrike">
-                <a:solidFill>
-                  <a:srgbClr val="ff1744"/>
-                </a:solidFill>
-                <a:latin typeface="Times New Roman"/>
-                <a:ea typeface="DejaVu Sans"/>
-              </a:rPr>
-              <a:t>e.g.</a:t>
-            </a:r>
-            <a:endParaRPr b="0" lang="en-IN" sz="2200" spc="-1" strike="noStrike">
-              <a:latin typeface="Arial"/>
-            </a:endParaRPr>
-          </a:p>
-        </p:txBody>
-      </p:sp>
-      <p:sp>
-        <p:nvSpPr>
-          <p:cNvPr id="333" name="CustomShape 4"/>
-          <p:cNvSpPr/>
-          <p:nvPr/>
-        </p:nvSpPr>
-        <p:spPr>
-          <a:xfrm>
-            <a:off x="432720" y="2073600"/>
-            <a:ext cx="11085840" cy="4204440"/>
+            <a:off x="1666800" y="609480"/>
+            <a:ext cx="8825760" cy="394560"/>
           </a:xfrm>
           <a:prstGeom prst="rect">
             <a:avLst/>
@@ -27757,470 +27443,71 @@
             <a:spAutoFit/>
           </a:bodyPr>
           <a:p>
+            <a:pPr algn="just">
+              <a:lnSpc>
+                <a:spcPct val="100000"/>
+              </a:lnSpc>
+            </a:pPr>
+            <a:r>
+              <a:rPr b="0" lang="en-IN" sz="2000" spc="-1" strike="noStrike">
+                <a:solidFill>
+                  <a:srgbClr val="3e5d78"/>
+                </a:solidFill>
+                <a:latin typeface="Times New Roman"/>
+                <a:ea typeface="DejaVu Sans"/>
+              </a:rPr>
+              <a:t>Lua scripting</a:t>
+            </a:r>
+            <a:endParaRPr b="0" lang="en-IN" sz="2000" spc="-1" strike="noStrike">
+              <a:latin typeface="Arial"/>
+            </a:endParaRPr>
+          </a:p>
+        </p:txBody>
+      </p:sp>
+      <p:sp>
+        <p:nvSpPr>
+          <p:cNvPr id="332" name="CustomShape 3"/>
+          <p:cNvSpPr/>
+          <p:nvPr/>
+        </p:nvSpPr>
+        <p:spPr>
+          <a:xfrm>
+            <a:off x="522360" y="3531600"/>
+            <a:ext cx="11062800" cy="363960"/>
+          </a:xfrm>
+          <a:prstGeom prst="rect">
+            <a:avLst/>
+          </a:prstGeom>
+          <a:noFill/>
+          <a:ln>
+            <a:noFill/>
+          </a:ln>
+        </p:spPr>
+        <p:style>
+          <a:lnRef idx="0"/>
+          <a:fillRef idx="0"/>
+          <a:effectRef idx="0"/>
+          <a:fontRef idx="minor"/>
+        </p:style>
+        <p:txBody>
+          <a:bodyPr lIns="90000" rIns="90000" tIns="45000" bIns="45000">
+            <a:spAutoFit/>
+          </a:bodyPr>
+          <a:p>
             <a:pPr>
               <a:lnSpc>
-                <a:spcPct val="150000"/>
-              </a:lnSpc>
-            </a:pPr>
-            <a:r>
-              <a:rPr b="0" lang="en-IN" sz="1800" spc="-1" strike="noStrike">
-                <a:solidFill>
-                  <a:srgbClr val="808080"/>
-                </a:solidFill>
-                <a:latin typeface="Consolas"/>
-                <a:ea typeface="SimSun"/>
-              </a:rPr>
-              <a:t>127.0.0.1:6379</a:t>
-            </a:r>
-            <a:r>
-              <a:rPr b="1" lang="en-IN" sz="1800" spc="-1" strike="noStrike">
-                <a:solidFill>
-                  <a:srgbClr val="808080"/>
-                </a:solidFill>
-                <a:latin typeface="Consolas"/>
-                <a:ea typeface="SimSun"/>
-              </a:rPr>
-              <a:t>[5]</a:t>
-            </a:r>
-            <a:r>
-              <a:rPr b="0" lang="en-IN" sz="1800" spc="-1" strike="noStrike">
-                <a:solidFill>
-                  <a:srgbClr val="808080"/>
-                </a:solidFill>
-                <a:latin typeface="Consolas"/>
-                <a:ea typeface="SimSun"/>
-              </a:rPr>
-              <a:t>&gt;</a:t>
-            </a:r>
-            <a:r>
-              <a:rPr b="0" lang="en-IN" sz="1800" spc="-1" strike="noStrike">
-                <a:solidFill>
-                  <a:srgbClr val="000000"/>
-                </a:solidFill>
-                <a:latin typeface="Consolas"/>
-                <a:ea typeface="SimSun"/>
-              </a:rPr>
-              <a:t> </a:t>
-            </a:r>
-            <a:r>
-              <a:rPr b="0" lang="en-IN" sz="1800" spc="-1" strike="noStrike">
-                <a:solidFill>
-                  <a:srgbClr val="ff5733"/>
-                </a:solidFill>
-                <a:latin typeface="Consolas"/>
-                <a:ea typeface="SimSun"/>
-              </a:rPr>
-              <a:t>eval "return 'Hello World!' " 0</a:t>
-            </a:r>
-            <a:endParaRPr b="0" lang="en-IN" sz="1800" spc="-1" strike="noStrike">
-              <a:latin typeface="Arial"/>
-            </a:endParaRPr>
-          </a:p>
-          <a:p>
-            <a:pPr>
-              <a:lnSpc>
-                <a:spcPct val="150000"/>
-              </a:lnSpc>
-            </a:pPr>
-            <a:r>
-              <a:rPr b="0" lang="en-IN" sz="1800" spc="-1" strike="noStrike">
-                <a:solidFill>
-                  <a:srgbClr val="808080"/>
-                </a:solidFill>
-                <a:latin typeface="Consolas"/>
-                <a:ea typeface="SimSun"/>
-              </a:rPr>
-              <a:t>127.0.0.1:6379</a:t>
-            </a:r>
-            <a:r>
-              <a:rPr b="1" lang="en-IN" sz="1800" spc="-1" strike="noStrike">
-                <a:solidFill>
-                  <a:srgbClr val="808080"/>
-                </a:solidFill>
-                <a:latin typeface="Consolas"/>
-                <a:ea typeface="SimSun"/>
-              </a:rPr>
-              <a:t>[5]</a:t>
-            </a:r>
-            <a:r>
-              <a:rPr b="0" lang="en-IN" sz="1800" spc="-1" strike="noStrike">
-                <a:solidFill>
-                  <a:srgbClr val="808080"/>
-                </a:solidFill>
-                <a:latin typeface="Consolas"/>
-                <a:ea typeface="SimSun"/>
-              </a:rPr>
-              <a:t>&gt; </a:t>
-            </a:r>
-            <a:r>
-              <a:rPr b="0" lang="en-IN" sz="1800" spc="-1" strike="noStrike">
-                <a:solidFill>
-                  <a:srgbClr val="ff5733"/>
-                </a:solidFill>
-                <a:latin typeface="Consolas"/>
-                <a:ea typeface="SimSun"/>
-              </a:rPr>
-              <a:t>eval "local x = 'Hello World!' return x" 0</a:t>
-            </a:r>
-            <a:endParaRPr b="0" lang="en-IN" sz="1800" spc="-1" strike="noStrike">
-              <a:latin typeface="Arial"/>
-            </a:endParaRPr>
-          </a:p>
-          <a:p>
-            <a:pPr>
-              <a:lnSpc>
-                <a:spcPct val="150000"/>
-              </a:lnSpc>
-            </a:pPr>
-            <a:r>
-              <a:rPr b="0" lang="en-IN" sz="1800" spc="-1" strike="noStrike">
-                <a:solidFill>
-                  <a:srgbClr val="808080"/>
-                </a:solidFill>
-                <a:latin typeface="Consolas"/>
-                <a:ea typeface="SimSun"/>
-              </a:rPr>
-              <a:t>127.0.0.1:6379</a:t>
-            </a:r>
-            <a:r>
-              <a:rPr b="1" lang="en-IN" sz="1800" spc="-1" strike="noStrike">
-                <a:solidFill>
-                  <a:srgbClr val="808080"/>
-                </a:solidFill>
-                <a:latin typeface="Consolas"/>
-                <a:ea typeface="SimSun"/>
-              </a:rPr>
-              <a:t>[5]</a:t>
-            </a:r>
-            <a:r>
-              <a:rPr b="0" lang="en-IN" sz="1800" spc="-1" strike="noStrike">
-                <a:solidFill>
-                  <a:srgbClr val="808080"/>
-                </a:solidFill>
-                <a:latin typeface="Consolas"/>
-                <a:ea typeface="SimSun"/>
-              </a:rPr>
-              <a:t>&gt;</a:t>
-            </a:r>
-            <a:r>
-              <a:rPr b="0" lang="en-IN" sz="1800" spc="-1" strike="noStrike">
-                <a:solidFill>
-                  <a:srgbClr val="000000"/>
-                </a:solidFill>
-                <a:latin typeface="Consolas"/>
-                <a:ea typeface="SimSun"/>
-              </a:rPr>
-              <a:t> </a:t>
-            </a:r>
-            <a:r>
-              <a:rPr b="0" lang="en-IN" sz="1800" spc="-1" strike="noStrike">
-                <a:solidFill>
-                  <a:srgbClr val="ff5733"/>
-                </a:solidFill>
-                <a:latin typeface="Consolas"/>
-                <a:ea typeface="SimSun"/>
-              </a:rPr>
-              <a:t>eval "return redis.call('echo', 'Hello')" 0</a:t>
-            </a:r>
-            <a:endParaRPr b="0" lang="en-IN" sz="1800" spc="-1" strike="noStrike">
-              <a:latin typeface="Arial"/>
-            </a:endParaRPr>
-          </a:p>
-          <a:p>
-            <a:pPr>
-              <a:lnSpc>
-                <a:spcPct val="150000"/>
-              </a:lnSpc>
-            </a:pPr>
-            <a:r>
-              <a:rPr b="0" lang="en-IN" sz="1800" spc="-1" strike="noStrike">
-                <a:solidFill>
-                  <a:srgbClr val="808080"/>
-                </a:solidFill>
-                <a:latin typeface="Consolas"/>
-                <a:ea typeface="SimSun"/>
-              </a:rPr>
-              <a:t>127.0.0.1:6379</a:t>
-            </a:r>
-            <a:r>
-              <a:rPr b="1" lang="en-IN" sz="1800" spc="-1" strike="noStrike">
-                <a:solidFill>
-                  <a:srgbClr val="808080"/>
-                </a:solidFill>
-                <a:latin typeface="Consolas"/>
-                <a:ea typeface="SimSun"/>
-              </a:rPr>
-              <a:t>[5]</a:t>
-            </a:r>
-            <a:r>
-              <a:rPr b="0" lang="en-IN" sz="1800" spc="-1" strike="noStrike">
-                <a:solidFill>
-                  <a:srgbClr val="808080"/>
-                </a:solidFill>
-                <a:latin typeface="Consolas"/>
-                <a:ea typeface="SimSun"/>
-              </a:rPr>
-              <a:t>&gt;</a:t>
-            </a:r>
-            <a:r>
-              <a:rPr b="0" lang="en-IN" sz="1800" spc="-1" strike="noStrike">
-                <a:solidFill>
-                  <a:srgbClr val="000000"/>
-                </a:solidFill>
-                <a:latin typeface="Consolas"/>
-                <a:ea typeface="SimSun"/>
-              </a:rPr>
-              <a:t> </a:t>
-            </a:r>
-            <a:r>
-              <a:rPr b="0" lang="en-IN" sz="1800" spc="-1" strike="noStrike">
-                <a:solidFill>
-                  <a:srgbClr val="ff5733"/>
-                </a:solidFill>
-                <a:latin typeface="Consolas"/>
-                <a:ea typeface="SimSun"/>
-              </a:rPr>
-              <a:t>eval "return ARGV[1] + ARGV[2] + ARGV[3]" 0 3 3 4</a:t>
-            </a:r>
-            <a:endParaRPr b="0" lang="en-IN" sz="1800" spc="-1" strike="noStrike">
-              <a:latin typeface="Arial"/>
-            </a:endParaRPr>
-          </a:p>
-          <a:p>
-            <a:pPr>
-              <a:lnSpc>
-                <a:spcPct val="150000"/>
-              </a:lnSpc>
-            </a:pPr>
-            <a:r>
-              <a:rPr b="0" lang="en-IN" sz="1800" spc="-1" strike="noStrike">
-                <a:solidFill>
-                  <a:srgbClr val="808080"/>
-                </a:solidFill>
-                <a:latin typeface="Consolas"/>
-                <a:ea typeface="SimSun"/>
-              </a:rPr>
-              <a:t>127.0.0.1:6379</a:t>
-            </a:r>
-            <a:r>
-              <a:rPr b="1" lang="en-IN" sz="1800" spc="-1" strike="noStrike">
-                <a:solidFill>
-                  <a:srgbClr val="808080"/>
-                </a:solidFill>
-                <a:latin typeface="Consolas"/>
-                <a:ea typeface="SimSun"/>
-              </a:rPr>
-              <a:t>[5]</a:t>
-            </a:r>
-            <a:r>
-              <a:rPr b="0" lang="en-IN" sz="1800" spc="-1" strike="noStrike">
-                <a:solidFill>
-                  <a:srgbClr val="808080"/>
-                </a:solidFill>
-                <a:latin typeface="Consolas"/>
-                <a:ea typeface="SimSun"/>
-              </a:rPr>
-              <a:t>&gt;</a:t>
-            </a:r>
-            <a:r>
-              <a:rPr b="0" lang="en-IN" sz="1800" spc="-1" strike="noStrike">
-                <a:solidFill>
-                  <a:srgbClr val="000000"/>
-                </a:solidFill>
-                <a:latin typeface="Consolas"/>
-                <a:ea typeface="SimSun"/>
-              </a:rPr>
-              <a:t> </a:t>
-            </a:r>
-            <a:r>
-              <a:rPr b="0" lang="en-IN" sz="1800" spc="-1" strike="noStrike">
-                <a:solidFill>
-                  <a:srgbClr val="ff5733"/>
-                </a:solidFill>
-                <a:latin typeface="Consolas"/>
-                <a:ea typeface="SimSun"/>
-              </a:rPr>
-              <a:t>eval "return redis.call('keys', '*')" 0</a:t>
-            </a:r>
-            <a:endParaRPr b="0" lang="en-IN" sz="1800" spc="-1" strike="noStrike">
-              <a:latin typeface="Arial"/>
-            </a:endParaRPr>
-          </a:p>
-          <a:p>
-            <a:pPr>
-              <a:lnSpc>
-                <a:spcPct val="150000"/>
-              </a:lnSpc>
-            </a:pPr>
-            <a:r>
-              <a:rPr b="0" lang="en-IN" sz="1800" spc="-1" strike="noStrike">
-                <a:solidFill>
-                  <a:srgbClr val="808080"/>
-                </a:solidFill>
-                <a:latin typeface="Consolas"/>
-                <a:ea typeface="SimSun"/>
-              </a:rPr>
-              <a:t>127.0.0.1:6379</a:t>
-            </a:r>
-            <a:r>
-              <a:rPr b="1" lang="en-IN" sz="1800" spc="-1" strike="noStrike">
-                <a:solidFill>
-                  <a:srgbClr val="808080"/>
-                </a:solidFill>
-                <a:latin typeface="Consolas"/>
-                <a:ea typeface="SimSun"/>
-              </a:rPr>
-              <a:t>[5]</a:t>
-            </a:r>
-            <a:r>
-              <a:rPr b="0" lang="en-IN" sz="1800" spc="-1" strike="noStrike">
-                <a:solidFill>
-                  <a:srgbClr val="808080"/>
-                </a:solidFill>
-                <a:latin typeface="Consolas"/>
-                <a:ea typeface="SimSun"/>
-              </a:rPr>
-              <a:t>&gt;</a:t>
-            </a:r>
-            <a:r>
-              <a:rPr b="0" lang="en-IN" sz="1800" spc="-1" strike="noStrike">
-                <a:solidFill>
-                  <a:srgbClr val="000000"/>
-                </a:solidFill>
-                <a:latin typeface="Consolas"/>
-                <a:ea typeface="SimSun"/>
-              </a:rPr>
-              <a:t> </a:t>
-            </a:r>
-            <a:r>
-              <a:rPr b="0" lang="en-IN" sz="1800" spc="-1" strike="noStrike">
-                <a:solidFill>
-                  <a:srgbClr val="ff5733"/>
-                </a:solidFill>
-                <a:latin typeface="Consolas"/>
-                <a:ea typeface="SimSun"/>
-              </a:rPr>
-              <a:t>eval "local x=redis.call('keys','*') return x" 0</a:t>
-            </a:r>
-            <a:endParaRPr b="0" lang="en-IN" sz="1800" spc="-1" strike="noStrike">
-              <a:latin typeface="Arial"/>
-            </a:endParaRPr>
-          </a:p>
-          <a:p>
-            <a:pPr>
-              <a:lnSpc>
-                <a:spcPct val="150000"/>
-              </a:lnSpc>
-            </a:pPr>
-            <a:r>
-              <a:rPr b="0" lang="en-IN" sz="1800" spc="-1" strike="noStrike">
-                <a:solidFill>
-                  <a:srgbClr val="808080"/>
-                </a:solidFill>
-                <a:latin typeface="Consolas"/>
-                <a:ea typeface="SimSun"/>
-              </a:rPr>
-              <a:t>127.0.0.1:6379</a:t>
-            </a:r>
-            <a:r>
-              <a:rPr b="1" lang="en-IN" sz="1800" spc="-1" strike="noStrike">
-                <a:solidFill>
-                  <a:srgbClr val="808080"/>
-                </a:solidFill>
-                <a:latin typeface="Consolas"/>
-                <a:ea typeface="SimSun"/>
-              </a:rPr>
-              <a:t>[5]</a:t>
-            </a:r>
-            <a:r>
-              <a:rPr b="0" lang="en-IN" sz="1800" spc="-1" strike="noStrike">
-                <a:solidFill>
-                  <a:srgbClr val="808080"/>
-                </a:solidFill>
-                <a:latin typeface="Consolas"/>
-                <a:ea typeface="SimSun"/>
-              </a:rPr>
-              <a:t>&gt;</a:t>
-            </a:r>
-            <a:r>
-              <a:rPr b="0" lang="en-IN" sz="1800" spc="-1" strike="noStrike">
-                <a:solidFill>
-                  <a:srgbClr val="000000"/>
-                </a:solidFill>
-                <a:latin typeface="Consolas"/>
-                <a:ea typeface="SimSun"/>
-              </a:rPr>
-              <a:t> </a:t>
-            </a:r>
-            <a:r>
-              <a:rPr b="0" lang="en-IN" sz="1800" spc="-1" strike="noStrike">
-                <a:solidFill>
-                  <a:srgbClr val="ff5733"/>
-                </a:solidFill>
-                <a:latin typeface="Consolas"/>
-                <a:ea typeface="SimSun"/>
-              </a:rPr>
-              <a:t>eval "local x=redis.call('mget', KEYS[1], KEYS[2], KEYS[3]) return x" 3 a b c</a:t>
-            </a:r>
-            <a:endParaRPr b="0" lang="en-IN" sz="1800" spc="-1" strike="noStrike">
-              <a:latin typeface="Arial"/>
-            </a:endParaRPr>
-          </a:p>
-          <a:p>
-            <a:pPr>
-              <a:lnSpc>
-                <a:spcPct val="150000"/>
-              </a:lnSpc>
-            </a:pPr>
-            <a:r>
-              <a:rPr b="0" lang="en-IN" sz="1800" spc="-1" strike="noStrike">
-                <a:solidFill>
-                  <a:srgbClr val="808080"/>
-                </a:solidFill>
-                <a:latin typeface="Consolas"/>
-                <a:ea typeface="SimSun"/>
-              </a:rPr>
-              <a:t>127.0.0.1:6379</a:t>
-            </a:r>
-            <a:r>
-              <a:rPr b="1" lang="en-IN" sz="1800" spc="-1" strike="noStrike">
-                <a:solidFill>
-                  <a:srgbClr val="808080"/>
-                </a:solidFill>
-                <a:latin typeface="Consolas"/>
-                <a:ea typeface="SimSun"/>
-              </a:rPr>
-              <a:t>[5]</a:t>
-            </a:r>
-            <a:r>
-              <a:rPr b="0" lang="en-IN" sz="1800" spc="-1" strike="noStrike">
-                <a:solidFill>
-                  <a:srgbClr val="808080"/>
-                </a:solidFill>
-                <a:latin typeface="Consolas"/>
-                <a:ea typeface="SimSun"/>
-              </a:rPr>
-              <a:t>&gt;</a:t>
-            </a:r>
-            <a:r>
-              <a:rPr b="0" lang="en-IN" sz="1800" spc="-1" strike="noStrike">
-                <a:solidFill>
-                  <a:srgbClr val="000000"/>
-                </a:solidFill>
-                <a:latin typeface="Consolas"/>
-                <a:ea typeface="SimSun"/>
-              </a:rPr>
-              <a:t> </a:t>
-            </a:r>
-            <a:r>
-              <a:rPr b="0" lang="en-IN" sz="1800" spc="-1" strike="noStrike">
-                <a:solidFill>
-                  <a:srgbClr val="ff5733"/>
-                </a:solidFill>
-                <a:latin typeface="Consolas"/>
-                <a:ea typeface="SimSun"/>
-              </a:rPr>
-              <a:t>eval "return redis.call('mget', KEYS[1], KEYS[2], KEYS[3])" 3 a b c</a:t>
+                <a:spcPct val="100000"/>
+              </a:lnSpc>
+            </a:pPr>
+            <a:r>
+              <a:rPr b="0" lang="en-US" sz="1800" spc="-1" strike="noStrike">
+                <a:solidFill>
+                  <a:srgbClr val="bb0643"/>
+                </a:solidFill>
+                <a:latin typeface="Segoe UI"/>
+                <a:ea typeface="DejaVu Sans"/>
+              </a:rPr>
+              <a:t>TODO</a:t>
             </a:r>
             <a:endParaRPr b="0" lang="en-IN" sz="1800" spc="-1" strike="noStrike">
               <a:latin typeface="Arial"/>
@@ -28260,14 +27547,14 @@
       </p:grpSpPr>
       <p:sp>
         <p:nvSpPr>
-          <p:cNvPr id="334" name="CustomShape 1"/>
+          <p:cNvPr id="333" name="CustomShape 1"/>
           <p:cNvSpPr/>
           <p:nvPr/>
         </p:nvSpPr>
         <p:spPr>
           <a:xfrm>
-            <a:off x="1365840" y="188640"/>
-            <a:ext cx="9669960" cy="2192400"/>
+            <a:off x="0" y="727200"/>
+            <a:ext cx="1941480" cy="424800"/>
           </a:xfrm>
           <a:prstGeom prst="rect">
             <a:avLst/>
@@ -28288,90 +27575,527 @@
             <a:spAutoFit/>
           </a:bodyPr>
           <a:p>
-            <a:pPr algn="ctr">
-              <a:lnSpc>
-                <a:spcPct val="100000"/>
-              </a:lnSpc>
-            </a:pPr>
-            <a:r>
-              <a:rPr b="0" lang="en-IN" sz="4000" spc="-1" strike="noStrike">
-                <a:solidFill>
-                  <a:srgbClr val="ff5733"/>
-                </a:solidFill>
-                <a:latin typeface="Segoe Print"/>
-                <a:ea typeface="DejaVu Sans"/>
-              </a:rPr>
-              <a:t>“</a:t>
-            </a:r>
-            <a:r>
-              <a:rPr b="0" lang="en-US" sz="4000" spc="-1" strike="noStrike">
-                <a:solidFill>
-                  <a:srgbClr val="ff5733"/>
-                </a:solidFill>
-                <a:latin typeface="Segoe Print"/>
-                <a:ea typeface="DejaVu Sans"/>
-              </a:rPr>
-              <a:t>Accept your past without regret, handle our present with confidence and face your future without fear.</a:t>
-            </a:r>
-            <a:r>
-              <a:rPr b="0" lang="en-IN" sz="4000" spc="-1" strike="noStrike">
-                <a:solidFill>
-                  <a:srgbClr val="ff5733"/>
-                </a:solidFill>
-                <a:latin typeface="Segoe Print"/>
-                <a:ea typeface="DejaVu Sans"/>
-              </a:rPr>
-              <a:t>”</a:t>
-            </a:r>
-            <a:endParaRPr b="0" lang="en-IN" sz="4000" spc="-1" strike="noStrike">
-              <a:latin typeface="Arial"/>
-            </a:endParaRPr>
-          </a:p>
-          <a:p>
-            <a:pPr algn="r">
-              <a:lnSpc>
-                <a:spcPct val="100000"/>
-              </a:lnSpc>
-            </a:pPr>
-            <a:r>
-              <a:rPr b="0" lang="en-IN" sz="1800" spc="-1" strike="noStrike">
-                <a:solidFill>
-                  <a:srgbClr val="111111"/>
-                </a:solidFill>
-                <a:latin typeface="-apple-system"/>
-                <a:ea typeface="DejaVu Sans"/>
-              </a:rPr>
-              <a:t>~ Dr. APJ. Abdul Kalam</a:t>
-            </a:r>
-            <a:endParaRPr b="0" lang="en-IN" sz="1800" spc="-1" strike="noStrike">
+            <a:pPr algn="just">
+              <a:lnSpc>
+                <a:spcPct val="100000"/>
+              </a:lnSpc>
+            </a:pPr>
+            <a:r>
+              <a:rPr b="0" lang="en-IN" sz="2200" spc="-1" strike="noStrike">
+                <a:solidFill>
+                  <a:srgbClr val="3e5d78"/>
+                </a:solidFill>
+                <a:latin typeface="Times New Roman"/>
+                <a:ea typeface="DejaVu Sans"/>
+              </a:rPr>
+              <a:t>Lua scripting</a:t>
+            </a:r>
+            <a:endParaRPr b="0" lang="en-IN" sz="2200" spc="-1" strike="noStrike">
               <a:latin typeface="Arial"/>
             </a:endParaRPr>
           </a:p>
         </p:txBody>
       </p:sp>
-      <p:pic>
-        <p:nvPicPr>
-          <p:cNvPr id="335" name="Picture 2" descr="http://www.bvctch.vn/vnt_upload/weblink/thks.jpg"/>
-          <p:cNvPicPr/>
+      <p:sp>
+        <p:nvSpPr>
+          <p:cNvPr id="334" name="CustomShape 2"/>
+          <p:cNvSpPr/>
           <p:nvPr/>
-        </p:nvPicPr>
-        <p:blipFill>
-          <a:blip r:embed="rId1"/>
-          <a:stretch/>
-        </p:blipFill>
-        <p:spPr>
-          <a:xfrm>
-            <a:off x="4404600" y="2036160"/>
-            <a:ext cx="3113640" cy="4650480"/>
+        </p:nvSpPr>
+        <p:spPr>
+          <a:xfrm>
+            <a:off x="288000" y="2061720"/>
+            <a:ext cx="11661480" cy="4054320"/>
           </a:xfrm>
           <a:prstGeom prst="rect">
             <a:avLst/>
           </a:prstGeom>
+          <a:noFill/>
           <a:ln>
             <a:noFill/>
           </a:ln>
         </p:spPr>
-      </p:pic>
+        <p:style>
+          <a:lnRef idx="0"/>
+          <a:fillRef idx="0"/>
+          <a:effectRef idx="0"/>
+          <a:fontRef idx="minor"/>
+        </p:style>
+        <p:txBody>
+          <a:bodyPr lIns="90000" rIns="90000" tIns="45000" bIns="45000">
+            <a:noAutofit/>
+          </a:bodyPr>
+          <a:p>
+            <a:pPr algn="just">
+              <a:lnSpc>
+                <a:spcPct val="100000"/>
+              </a:lnSpc>
+            </a:pPr>
+            <a:r>
+              <a:rPr b="1" lang="en-US" sz="2000" spc="-1" strike="noStrike">
+                <a:solidFill>
+                  <a:srgbClr val="000000"/>
+                </a:solidFill>
+                <a:latin typeface="Arial"/>
+                <a:ea typeface="DejaVu Sans"/>
+              </a:rPr>
+              <a:t>EVAL</a:t>
+            </a:r>
+            <a:r>
+              <a:rPr b="0" lang="en-IN" sz="2000" spc="-1" strike="noStrike">
+                <a:solidFill>
+                  <a:srgbClr val="000000"/>
+                </a:solidFill>
+                <a:latin typeface="Arial"/>
+                <a:ea typeface="DejaVu Sans"/>
+              </a:rPr>
+              <a:t> is used to evaluate scripts using the Lua interpreter built into Redis starting from version 2.6.0.</a:t>
+            </a:r>
+            <a:endParaRPr b="0" lang="en-IN" sz="2000" spc="-1" strike="noStrike">
+              <a:latin typeface="Arial"/>
+            </a:endParaRPr>
+          </a:p>
+          <a:p>
+            <a:pPr>
+              <a:lnSpc>
+                <a:spcPct val="100000"/>
+              </a:lnSpc>
+            </a:pPr>
+            <a:endParaRPr b="0" lang="en-IN" sz="2000" spc="-1" strike="noStrike">
+              <a:latin typeface="Arial"/>
+            </a:endParaRPr>
+          </a:p>
+          <a:p>
+            <a:pPr marL="216000" indent="-213480">
+              <a:lnSpc>
+                <a:spcPct val="100000"/>
+              </a:lnSpc>
+              <a:buClr>
+                <a:srgbClr val="000000"/>
+              </a:buClr>
+              <a:buSzPct val="45000"/>
+              <a:buFont typeface="Wingdings" charset="2"/>
+              <a:buChar char=""/>
+            </a:pPr>
+            <a:r>
+              <a:rPr b="1" lang="en-IN" sz="2000" spc="-1" strike="noStrike">
+                <a:solidFill>
+                  <a:srgbClr val="000000"/>
+                </a:solidFill>
+                <a:latin typeface="Arial"/>
+                <a:ea typeface="DejaVu Sans"/>
+              </a:rPr>
+              <a:t>The first argument of EVAL</a:t>
+            </a:r>
+            <a:r>
+              <a:rPr b="0" lang="en-IN" sz="2000" spc="-1" strike="noStrike">
+                <a:solidFill>
+                  <a:srgbClr val="000000"/>
+                </a:solidFill>
+                <a:latin typeface="Arial"/>
+                <a:ea typeface="DejaVu Sans"/>
+              </a:rPr>
+              <a:t> is a Lua 5.1 script. The script does not need to define a Lua function. It is just a Lua program that will run in the context of the Redis server.</a:t>
+            </a:r>
+            <a:endParaRPr b="0" lang="en-IN" sz="2000" spc="-1" strike="noStrike">
+              <a:latin typeface="Arial"/>
+            </a:endParaRPr>
+          </a:p>
+          <a:p>
+            <a:pPr>
+              <a:lnSpc>
+                <a:spcPct val="100000"/>
+              </a:lnSpc>
+            </a:pPr>
+            <a:endParaRPr b="0" lang="en-IN" sz="2000" spc="-1" strike="noStrike">
+              <a:latin typeface="Arial"/>
+            </a:endParaRPr>
+          </a:p>
+          <a:p>
+            <a:pPr marL="216000" indent="-213480">
+              <a:lnSpc>
+                <a:spcPct val="100000"/>
+              </a:lnSpc>
+              <a:buClr>
+                <a:srgbClr val="000000"/>
+              </a:buClr>
+              <a:buSzPct val="45000"/>
+              <a:buFont typeface="Wingdings" charset="2"/>
+              <a:buChar char=""/>
+            </a:pPr>
+            <a:r>
+              <a:rPr b="1" lang="en-IN" sz="2000" spc="-1" strike="noStrike">
+                <a:solidFill>
+                  <a:srgbClr val="000000"/>
+                </a:solidFill>
+                <a:latin typeface="Arial"/>
+                <a:ea typeface="DejaVu Sans"/>
+              </a:rPr>
+              <a:t>The second argument of EVAL</a:t>
+            </a:r>
+            <a:r>
+              <a:rPr b="0" lang="en-IN" sz="2000" spc="-1" strike="noStrike">
+                <a:solidFill>
+                  <a:srgbClr val="000000"/>
+                </a:solidFill>
+                <a:latin typeface="Arial"/>
+                <a:ea typeface="DejaVu Sans"/>
+              </a:rPr>
+              <a:t> is the number of arguments that follows the script (starting from the third argument) that represent Redis key names. The arguments can be accessed by Lua using the </a:t>
+            </a:r>
+            <a:r>
+              <a:rPr b="1" lang="en-IN" sz="2000" spc="-1" strike="noStrike">
+                <a:solidFill>
+                  <a:srgbClr val="000000"/>
+                </a:solidFill>
+                <a:latin typeface="Arial"/>
+                <a:ea typeface="DejaVu Sans"/>
+              </a:rPr>
+              <a:t>KEYS global variable</a:t>
+            </a:r>
+            <a:r>
+              <a:rPr b="0" lang="en-IN" sz="2000" spc="-1" strike="noStrike">
+                <a:solidFill>
+                  <a:srgbClr val="000000"/>
+                </a:solidFill>
+                <a:latin typeface="Arial"/>
+                <a:ea typeface="DejaVu Sans"/>
+              </a:rPr>
+              <a:t> in the form of a one-based array (so </a:t>
+            </a:r>
+            <a:r>
+              <a:rPr b="1" lang="en-IN" sz="2000" spc="-1" strike="noStrike">
+                <a:solidFill>
+                  <a:srgbClr val="000000"/>
+                </a:solidFill>
+                <a:latin typeface="Arial"/>
+                <a:ea typeface="DejaVu Sans"/>
+              </a:rPr>
+              <a:t>KEYS[1], KEYS[2], ...</a:t>
+            </a:r>
+            <a:r>
+              <a:rPr b="0" lang="en-IN" sz="2000" spc="-1" strike="noStrike">
+                <a:solidFill>
+                  <a:srgbClr val="000000"/>
+                </a:solidFill>
+                <a:latin typeface="Arial"/>
+                <a:ea typeface="DejaVu Sans"/>
+              </a:rPr>
+              <a:t>).</a:t>
+            </a:r>
+            <a:endParaRPr b="0" lang="en-IN" sz="2000" spc="-1" strike="noStrike">
+              <a:latin typeface="Arial"/>
+            </a:endParaRPr>
+          </a:p>
+          <a:p>
+            <a:pPr>
+              <a:lnSpc>
+                <a:spcPct val="100000"/>
+              </a:lnSpc>
+            </a:pPr>
+            <a:endParaRPr b="0" lang="en-IN" sz="2000" spc="-1" strike="noStrike">
+              <a:latin typeface="Arial"/>
+            </a:endParaRPr>
+          </a:p>
+          <a:p>
+            <a:pPr>
+              <a:lnSpc>
+                <a:spcPct val="100000"/>
+              </a:lnSpc>
+            </a:pPr>
+            <a:r>
+              <a:rPr b="0" lang="en-IN" sz="2000" spc="-1" strike="noStrike">
+                <a:solidFill>
+                  <a:srgbClr val="000000"/>
+                </a:solidFill>
+                <a:latin typeface="Arial"/>
+                <a:ea typeface="DejaVu Sans"/>
+              </a:rPr>
+              <a:t>All the additional arguments should not represent key names and can be accessed by Lua using the </a:t>
+            </a:r>
+            <a:r>
+              <a:rPr b="1" lang="en-IN" sz="2000" spc="-1" strike="noStrike">
+                <a:solidFill>
+                  <a:srgbClr val="000000"/>
+                </a:solidFill>
+                <a:latin typeface="Arial"/>
+                <a:ea typeface="DejaVu Sans"/>
+              </a:rPr>
+              <a:t>ARGV global variable</a:t>
+            </a:r>
+            <a:r>
+              <a:rPr b="0" lang="en-IN" sz="2000" spc="-1" strike="noStrike">
+                <a:solidFill>
+                  <a:srgbClr val="000000"/>
+                </a:solidFill>
+                <a:latin typeface="Arial"/>
+                <a:ea typeface="DejaVu Sans"/>
+              </a:rPr>
+              <a:t>, very similarly to what happens with keys (so </a:t>
+            </a:r>
+            <a:r>
+              <a:rPr b="1" lang="en-IN" sz="2000" spc="-1" strike="noStrike">
+                <a:solidFill>
+                  <a:srgbClr val="000000"/>
+                </a:solidFill>
+                <a:latin typeface="Arial"/>
+                <a:ea typeface="DejaVu Sans"/>
+              </a:rPr>
+              <a:t>ARGV[1], ARGV[2], ...</a:t>
+            </a:r>
+            <a:r>
+              <a:rPr b="0" lang="en-IN" sz="2000" spc="-1" strike="noStrike">
+                <a:solidFill>
+                  <a:srgbClr val="000000"/>
+                </a:solidFill>
+                <a:latin typeface="Arial"/>
+                <a:ea typeface="DejaVu Sans"/>
+              </a:rPr>
+              <a:t>).</a:t>
+            </a:r>
+            <a:endParaRPr b="0" lang="en-IN" sz="2000" spc="-1" strike="noStrike">
+              <a:latin typeface="Arial"/>
+            </a:endParaRPr>
+          </a:p>
+        </p:txBody>
+      </p:sp>
+      <p:sp>
+        <p:nvSpPr>
+          <p:cNvPr id="335" name="CustomShape 3"/>
+          <p:cNvSpPr/>
+          <p:nvPr/>
+        </p:nvSpPr>
+        <p:spPr>
+          <a:xfrm>
+            <a:off x="248400" y="0"/>
+            <a:ext cx="11699280" cy="699120"/>
+          </a:xfrm>
+          <a:prstGeom prst="rect">
+            <a:avLst/>
+          </a:prstGeom>
+          <a:solidFill>
+            <a:schemeClr val="accent6">
+              <a:lumMod val="75000"/>
+            </a:schemeClr>
+          </a:solidFill>
+          <a:ln>
+            <a:noFill/>
+          </a:ln>
+        </p:spPr>
+        <p:style>
+          <a:lnRef idx="0"/>
+          <a:fillRef idx="0"/>
+          <a:effectRef idx="0"/>
+          <a:fontRef idx="minor"/>
+        </p:style>
+        <p:txBody>
+          <a:bodyPr lIns="90000" rIns="90000" tIns="45000" bIns="45000">
+            <a:spAutoFit/>
+          </a:bodyPr>
+          <a:p>
+            <a:pPr algn="ctr">
+              <a:lnSpc>
+                <a:spcPct val="100000"/>
+              </a:lnSpc>
+            </a:pPr>
+            <a:r>
+              <a:rPr b="0" lang="en-IN" sz="4000" spc="-1" strike="noStrike">
+                <a:solidFill>
+                  <a:srgbClr val="f7c120"/>
+                </a:solidFill>
+                <a:latin typeface="Open Sans"/>
+                <a:ea typeface="DejaVu Sans"/>
+              </a:rPr>
+              <a:t>Introduction to EVAL</a:t>
+            </a:r>
+            <a:endParaRPr b="0" lang="en-IN" sz="4000" spc="-1" strike="noStrike">
+              <a:latin typeface="Arial"/>
+            </a:endParaRPr>
+          </a:p>
+        </p:txBody>
+      </p:sp>
+      <p:sp>
+        <p:nvSpPr>
+          <p:cNvPr id="336" name="CustomShape 4"/>
+          <p:cNvSpPr/>
+          <p:nvPr/>
+        </p:nvSpPr>
+        <p:spPr>
+          <a:xfrm>
+            <a:off x="576000" y="1504080"/>
+            <a:ext cx="8349480" cy="365400"/>
+          </a:xfrm>
+          <a:prstGeom prst="rect">
+            <a:avLst/>
+          </a:prstGeom>
+          <a:noFill/>
+          <a:ln>
+            <a:noFill/>
+          </a:ln>
+        </p:spPr>
+        <p:style>
+          <a:lnRef idx="0"/>
+          <a:fillRef idx="0"/>
+          <a:effectRef idx="0"/>
+          <a:fontRef idx="minor"/>
+        </p:style>
+        <p:txBody>
+          <a:bodyPr lIns="0" rIns="0" tIns="0" bIns="0">
+            <a:noAutofit/>
+          </a:bodyPr>
+          <a:p>
+            <a:pPr>
+              <a:lnSpc>
+                <a:spcPct val="100000"/>
+              </a:lnSpc>
+            </a:pPr>
+            <a:r>
+              <a:rPr b="0" lang="en-US" sz="2200" spc="-1" strike="noStrike">
+                <a:solidFill>
+                  <a:srgbClr val="00b0f0"/>
+                </a:solidFill>
+                <a:latin typeface="Consolas"/>
+                <a:ea typeface="DejaVu Sans"/>
+              </a:rPr>
+              <a:t>EVAL script numkeys key [key ...] arg [arg ...]</a:t>
+            </a:r>
+            <a:endParaRPr b="0" lang="en-IN" sz="2200" spc="-1" strike="noStrike">
+              <a:latin typeface="Arial"/>
+            </a:endParaRPr>
+          </a:p>
+        </p:txBody>
+      </p:sp>
+      <p:sp>
+        <p:nvSpPr>
+          <p:cNvPr id="337" name="CustomShape 5"/>
+          <p:cNvSpPr/>
+          <p:nvPr/>
+        </p:nvSpPr>
+        <p:spPr>
+          <a:xfrm>
+            <a:off x="288000" y="5543280"/>
+            <a:ext cx="10833480" cy="1006200"/>
+          </a:xfrm>
+          <a:prstGeom prst="rect">
+            <a:avLst/>
+          </a:prstGeom>
+          <a:noFill/>
+          <a:ln>
+            <a:noFill/>
+          </a:ln>
+        </p:spPr>
+        <p:style>
+          <a:lnRef idx="0"/>
+          <a:fillRef idx="0"/>
+          <a:effectRef idx="0"/>
+          <a:fontRef idx="minor"/>
+        </p:style>
+        <p:txBody>
+          <a:bodyPr lIns="90000" rIns="90000" tIns="45000" bIns="45000">
+            <a:noAutofit/>
+          </a:bodyPr>
+          <a:p>
+            <a:pPr>
+              <a:lnSpc>
+                <a:spcPct val="100000"/>
+              </a:lnSpc>
+            </a:pPr>
+            <a:r>
+              <a:rPr b="1" lang="en-IN" sz="2000" spc="-1" strike="noStrike">
+                <a:solidFill>
+                  <a:srgbClr val="c00000"/>
+                </a:solidFill>
+                <a:latin typeface="Open Sans"/>
+                <a:ea typeface="Open Sans"/>
+              </a:rPr>
+              <a:t>Note:</a:t>
+            </a:r>
+            <a:endParaRPr b="0" lang="en-IN" sz="2000" spc="-1" strike="noStrike">
+              <a:latin typeface="Arial"/>
+            </a:endParaRPr>
+          </a:p>
+          <a:p>
+            <a:pPr>
+              <a:lnSpc>
+                <a:spcPct val="100000"/>
+              </a:lnSpc>
+            </a:pPr>
+            <a:endParaRPr b="0" lang="en-IN" sz="2000" spc="-1" strike="noStrike">
+              <a:latin typeface="Arial"/>
+            </a:endParaRPr>
+          </a:p>
+          <a:p>
+            <a:pPr>
+              <a:lnSpc>
+                <a:spcPct val="100000"/>
+              </a:lnSpc>
+            </a:pPr>
+            <a:r>
+              <a:rPr b="1" lang="en-IN" sz="1800" spc="-1" strike="noStrike">
+                <a:solidFill>
+                  <a:srgbClr val="000000"/>
+                </a:solidFill>
+                <a:latin typeface="Arial"/>
+                <a:ea typeface="Open Sans"/>
+              </a:rPr>
+              <a:t>KEYS[1], KEYS[2], . . .  </a:t>
+            </a:r>
+            <a:r>
+              <a:rPr b="0" lang="en-IN" sz="1800" spc="-1" strike="noStrike">
+                <a:solidFill>
+                  <a:srgbClr val="000000"/>
+                </a:solidFill>
+                <a:latin typeface="Arial"/>
+                <a:ea typeface="Open Sans"/>
+              </a:rPr>
+              <a:t>and</a:t>
+            </a:r>
+            <a:r>
+              <a:rPr b="1" lang="en-IN" sz="1800" spc="-1" strike="noStrike">
+                <a:solidFill>
+                  <a:srgbClr val="000000"/>
+                </a:solidFill>
+                <a:latin typeface="Arial"/>
+                <a:ea typeface="Open Sans"/>
+              </a:rPr>
+              <a:t> ARGV[1], ARGV[2]</a:t>
+            </a:r>
+            <a:r>
+              <a:rPr b="0" lang="en-IN" sz="1800" spc="-1" strike="noStrike">
+                <a:solidFill>
+                  <a:srgbClr val="000000"/>
+                </a:solidFill>
+                <a:latin typeface="Arial"/>
+                <a:ea typeface="Open Sans"/>
+              </a:rPr>
+              <a:t>.</a:t>
+            </a:r>
+            <a:r>
+              <a:rPr b="1" lang="en-IN" sz="1800" spc="-1" strike="noStrike">
+                <a:solidFill>
+                  <a:srgbClr val="000000"/>
+                </a:solidFill>
+                <a:latin typeface="Arial"/>
+                <a:ea typeface="Open Sans"/>
+              </a:rPr>
+              <a:t>, . . . </a:t>
+            </a:r>
+            <a:r>
+              <a:rPr b="0" lang="en-IN" sz="1800" spc="-1" strike="noStrike">
+                <a:solidFill>
+                  <a:srgbClr val="000000"/>
+                </a:solidFill>
+                <a:latin typeface="Arial"/>
+                <a:ea typeface="Open Sans"/>
+              </a:rPr>
+              <a:t>must be in upper case.</a:t>
+            </a:r>
+            <a:endParaRPr b="0" lang="en-IN" sz="1800" spc="-1" strike="noStrike">
+              <a:latin typeface="Arial"/>
+            </a:endParaRPr>
+          </a:p>
+        </p:txBody>
+      </p:sp>
     </p:spTree>
   </p:cSld>
   <mc:AlternateContent>
@@ -28404,14 +28128,116 @@
       </p:grpSpPr>
       <p:sp>
         <p:nvSpPr>
-          <p:cNvPr id="336" name="CustomShape 1"/>
+          <p:cNvPr id="338" name="CustomShape 1"/>
           <p:cNvSpPr/>
           <p:nvPr/>
         </p:nvSpPr>
         <p:spPr>
           <a:xfrm>
-            <a:off x="474480" y="2448000"/>
-            <a:ext cx="10394640" cy="2391480"/>
+            <a:off x="216000" y="216000"/>
+            <a:ext cx="1941480" cy="424800"/>
+          </a:xfrm>
+          <a:prstGeom prst="rect">
+            <a:avLst/>
+          </a:prstGeom>
+          <a:noFill/>
+          <a:ln>
+            <a:noFill/>
+          </a:ln>
+        </p:spPr>
+        <p:style>
+          <a:lnRef idx="0"/>
+          <a:fillRef idx="0"/>
+          <a:effectRef idx="0"/>
+          <a:fontRef idx="minor"/>
+        </p:style>
+        <p:txBody>
+          <a:bodyPr lIns="90000" rIns="90000" tIns="45000" bIns="45000">
+            <a:spAutoFit/>
+          </a:bodyPr>
+          <a:p>
+            <a:pPr algn="just">
+              <a:lnSpc>
+                <a:spcPct val="100000"/>
+              </a:lnSpc>
+            </a:pPr>
+            <a:r>
+              <a:rPr b="0" lang="en-IN" sz="2200" spc="-1" strike="noStrike">
+                <a:solidFill>
+                  <a:srgbClr val="3e5d78"/>
+                </a:solidFill>
+                <a:latin typeface="Times New Roman"/>
+                <a:ea typeface="DejaVu Sans"/>
+              </a:rPr>
+              <a:t>Lua scripting</a:t>
+            </a:r>
+            <a:endParaRPr b="0" lang="en-IN" sz="2200" spc="-1" strike="noStrike">
+              <a:latin typeface="Arial"/>
+            </a:endParaRPr>
+          </a:p>
+        </p:txBody>
+      </p:sp>
+      <p:sp>
+        <p:nvSpPr>
+          <p:cNvPr id="339" name="CustomShape 2"/>
+          <p:cNvSpPr/>
+          <p:nvPr/>
+        </p:nvSpPr>
+        <p:spPr>
+          <a:xfrm>
+            <a:off x="432720" y="1224000"/>
+            <a:ext cx="8349480" cy="365400"/>
+          </a:xfrm>
+          <a:prstGeom prst="rect">
+            <a:avLst/>
+          </a:prstGeom>
+          <a:noFill/>
+          <a:ln>
+            <a:noFill/>
+          </a:ln>
+        </p:spPr>
+        <p:style>
+          <a:lnRef idx="0"/>
+          <a:fillRef idx="0"/>
+          <a:effectRef idx="0"/>
+          <a:fontRef idx="minor"/>
+        </p:style>
+        <p:txBody>
+          <a:bodyPr lIns="0" rIns="0" tIns="0" bIns="0">
+            <a:noAutofit/>
+          </a:bodyPr>
+          <a:p>
+            <a:pPr>
+              <a:lnSpc>
+                <a:spcPct val="100000"/>
+              </a:lnSpc>
+            </a:pPr>
+            <a:r>
+              <a:rPr b="0" lang="en-US" sz="2200" spc="-1" strike="noStrike">
+                <a:solidFill>
+                  <a:srgbClr val="00b0f0"/>
+                </a:solidFill>
+                <a:latin typeface="Consolas"/>
+                <a:ea typeface="DejaVu Sans"/>
+              </a:rPr>
+              <a:t>EVAL script numkeys key [key ...] arg [arg ...]</a:t>
+            </a:r>
+            <a:endParaRPr b="0" lang="en-IN" sz="2200" spc="-1" strike="noStrike">
+              <a:latin typeface="Arial"/>
+            </a:endParaRPr>
+          </a:p>
+        </p:txBody>
+      </p:sp>
+      <p:sp>
+        <p:nvSpPr>
+          <p:cNvPr id="340" name="CustomShape 3"/>
+          <p:cNvSpPr/>
+          <p:nvPr/>
+        </p:nvSpPr>
+        <p:spPr>
+          <a:xfrm>
+            <a:off x="288000" y="1584000"/>
+            <a:ext cx="609120" cy="397080"/>
           </a:xfrm>
           <a:prstGeom prst="rect">
             <a:avLst/>
@@ -28438,156 +28264,16 @@
               </a:lnSpc>
             </a:pPr>
             <a:r>
-              <a:rPr b="0" lang="en-IN" sz="1800" spc="-1" strike="noStrike">
-                <a:solidFill>
-                  <a:srgbClr val="000000"/>
-                </a:solidFill>
-                <a:latin typeface="Arial"/>
-                <a:ea typeface="DejaVu Sans"/>
-              </a:rPr>
-              <a:t>The INFO command returns information and statistics about the server in a format that is simple to parse by computers and easy to read by humans. </a:t>
-            </a:r>
-            <a:endParaRPr b="0" lang="en-IN" sz="1800" spc="-1" strike="noStrike">
-              <a:latin typeface="Arial"/>
-            </a:endParaRPr>
-          </a:p>
-          <a:p>
-            <a:pPr>
-              <a:lnSpc>
-                <a:spcPct val="100000"/>
-              </a:lnSpc>
-            </a:pPr>
-            <a:endParaRPr b="0" lang="en-IN" sz="1800" spc="-1" strike="noStrike">
-              <a:latin typeface="Arial"/>
-            </a:endParaRPr>
-          </a:p>
-          <a:p>
-            <a:pPr marL="216000" indent="-213120">
-              <a:lnSpc>
-                <a:spcPct val="100000"/>
-              </a:lnSpc>
-              <a:buClr>
-                <a:srgbClr val="000000"/>
-              </a:buClr>
-              <a:buSzPct val="45000"/>
-              <a:buFont typeface="Wingdings" charset="2"/>
-              <a:buChar char=""/>
-            </a:pPr>
-            <a:r>
-              <a:rPr b="0" lang="en-IN" sz="1800" spc="-1" strike="noStrike">
-                <a:solidFill>
-                  <a:srgbClr val="000000"/>
-                </a:solidFill>
-                <a:latin typeface="Arial"/>
-                <a:ea typeface="DejaVu Sans"/>
-              </a:rPr>
-              <a:t>info server</a:t>
-            </a:r>
-            <a:endParaRPr b="0" lang="en-IN" sz="1800" spc="-1" strike="noStrike">
-              <a:latin typeface="Arial"/>
-            </a:endParaRPr>
-          </a:p>
-          <a:p>
-            <a:pPr marL="216000" indent="-213120">
-              <a:lnSpc>
-                <a:spcPct val="100000"/>
-              </a:lnSpc>
-              <a:buClr>
-                <a:srgbClr val="000000"/>
-              </a:buClr>
-              <a:buSzPct val="45000"/>
-              <a:buFont typeface="Wingdings" charset="2"/>
-              <a:buChar char=""/>
-            </a:pPr>
-            <a:r>
-              <a:rPr b="0" lang="en-IN" sz="1800" spc="-1" strike="noStrike">
-                <a:solidFill>
-                  <a:srgbClr val="000000"/>
-                </a:solidFill>
-                <a:latin typeface="Arial"/>
-                <a:ea typeface="DejaVu Sans"/>
-              </a:rPr>
-              <a:t>info clients</a:t>
-            </a:r>
-            <a:endParaRPr b="0" lang="en-IN" sz="1800" spc="-1" strike="noStrike">
-              <a:latin typeface="Arial"/>
-            </a:endParaRPr>
-          </a:p>
-          <a:p>
-            <a:pPr marL="216000" indent="-213120">
-              <a:lnSpc>
-                <a:spcPct val="100000"/>
-              </a:lnSpc>
-              <a:buClr>
-                <a:srgbClr val="000000"/>
-              </a:buClr>
-              <a:buSzPct val="45000"/>
-              <a:buFont typeface="Wingdings" charset="2"/>
-              <a:buChar char=""/>
-            </a:pPr>
-            <a:r>
-              <a:rPr b="0" lang="en-IN" sz="1800" spc="-1" strike="noStrike">
-                <a:solidFill>
-                  <a:srgbClr val="000000"/>
-                </a:solidFill>
-                <a:latin typeface="Arial"/>
-                <a:ea typeface="DejaVu Sans"/>
-              </a:rPr>
-              <a:t>info Keyspace</a:t>
-            </a:r>
-            <a:endParaRPr b="0" lang="en-IN" sz="1800" spc="-1" strike="noStrike">
-              <a:latin typeface="Arial"/>
-            </a:endParaRPr>
-          </a:p>
-          <a:p>
-            <a:pPr marL="216000" indent="-213120">
-              <a:lnSpc>
-                <a:spcPct val="100000"/>
-              </a:lnSpc>
-              <a:buClr>
-                <a:srgbClr val="000000"/>
-              </a:buClr>
-              <a:buSzPct val="45000"/>
-              <a:buFont typeface="Wingdings" charset="2"/>
-              <a:buChar char=""/>
-            </a:pPr>
-            <a:r>
-              <a:rPr b="0" lang="en-IN" sz="1800" spc="-1" strike="noStrike">
-                <a:solidFill>
-                  <a:srgbClr val="000000"/>
-                </a:solidFill>
-                <a:latin typeface="Arial"/>
-                <a:ea typeface="DejaVu Sans"/>
-              </a:rPr>
-              <a:t>info modules</a:t>
-            </a:r>
-            <a:endParaRPr b="0" lang="en-IN" sz="1800" spc="-1" strike="noStrike">
-              <a:latin typeface="Arial"/>
-            </a:endParaRPr>
-          </a:p>
-          <a:p>
-            <a:pPr marL="216000" indent="-213120">
-              <a:lnSpc>
-                <a:spcPct val="100000"/>
-              </a:lnSpc>
-              <a:buClr>
-                <a:srgbClr val="000000"/>
-              </a:buClr>
-              <a:buSzPct val="45000"/>
-              <a:buFont typeface="Wingdings" charset="2"/>
-              <a:buChar char=""/>
-            </a:pPr>
-            <a:r>
-              <a:rPr b="0" lang="en-IN" sz="1800" spc="-1" strike="noStrike">
-                <a:solidFill>
-                  <a:srgbClr val="000000"/>
-                </a:solidFill>
-                <a:latin typeface="Arial"/>
-                <a:ea typeface="DejaVu Sans"/>
-              </a:rPr>
-              <a:t>info all</a:t>
-            </a:r>
-            <a:endParaRPr b="0" lang="en-IN" sz="1800" spc="-1" strike="noStrike">
+              <a:rPr b="1" lang="en-IN" sz="2200" spc="-1" strike="noStrike">
+                <a:solidFill>
+                  <a:srgbClr val="ff1744"/>
+                </a:solidFill>
+                <a:latin typeface="Times New Roman"/>
+                <a:ea typeface="DejaVu Sans"/>
+              </a:rPr>
+              <a:t>e.g.</a:t>
+            </a:r>
+            <a:endParaRPr b="0" lang="en-IN" sz="2200" spc="-1" strike="noStrike">
               <a:latin typeface="Arial"/>
             </a:endParaRPr>
           </a:p>
@@ -28595,14 +28281,14 @@
       </p:sp>
       <p:sp>
         <p:nvSpPr>
-          <p:cNvPr id="337" name="CustomShape 2"/>
+          <p:cNvPr id="341" name="CustomShape 4"/>
           <p:cNvSpPr/>
           <p:nvPr/>
         </p:nvSpPr>
         <p:spPr>
           <a:xfrm>
-            <a:off x="363600" y="193320"/>
-            <a:ext cx="4241520" cy="595800"/>
+            <a:off x="432720" y="2073600"/>
+            <a:ext cx="11085480" cy="4204440"/>
           </a:xfrm>
           <a:prstGeom prst="rect">
             <a:avLst/>
@@ -28620,23 +28306,63 @@
         </p:style>
         <p:txBody>
           <a:bodyPr lIns="90000" rIns="90000" tIns="45000" bIns="45000">
-            <a:noAutofit/>
+            <a:spAutoFit/>
           </a:bodyPr>
           <a:p>
             <a:pPr>
               <a:lnSpc>
-                <a:spcPct val="100000"/>
-              </a:lnSpc>
-            </a:pPr>
+                <a:spcPct val="150000"/>
+              </a:lnSpc>
+            </a:pPr>
+            <a:r>
+              <a:rPr b="0" lang="en-IN" sz="1800" spc="-1" strike="noStrike">
+                <a:solidFill>
+                  <a:srgbClr val="808080"/>
+                </a:solidFill>
+                <a:latin typeface="Consolas"/>
+                <a:ea typeface="SimSun"/>
+              </a:rPr>
+              <a:t>127.0.0.1:6379</a:t>
+            </a:r>
+            <a:r>
+              <a:rPr b="1" lang="en-IN" sz="1800" spc="-1" strike="noStrike">
+                <a:solidFill>
+                  <a:srgbClr val="808080"/>
+                </a:solidFill>
+                <a:latin typeface="Consolas"/>
+                <a:ea typeface="SimSun"/>
+              </a:rPr>
+              <a:t>[5]</a:t>
+            </a:r>
+            <a:r>
+              <a:rPr b="0" lang="en-IN" sz="1800" spc="-1" strike="noStrike">
+                <a:solidFill>
+                  <a:srgbClr val="808080"/>
+                </a:solidFill>
+                <a:latin typeface="Consolas"/>
+                <a:ea typeface="SimSun"/>
+              </a:rPr>
+              <a:t>&gt;</a:t>
+            </a:r>
             <a:r>
               <a:rPr b="0" lang="en-IN" sz="1800" spc="-1" strike="noStrike">
                 <a:solidFill>
                   <a:srgbClr val="000000"/>
                 </a:solidFill>
-                <a:latin typeface="Arial"/>
-                <a:ea typeface="DejaVu Sans"/>
-              </a:rPr>
-              <a:t>SAVE</a:t>
+                <a:latin typeface="Consolas"/>
+                <a:ea typeface="SimSun"/>
+              </a:rPr>
+              <a:t> </a:t>
+            </a:r>
+            <a:r>
+              <a:rPr b="0" lang="en-IN" sz="1800" spc="-1" strike="noStrike">
+                <a:solidFill>
+                  <a:srgbClr val="ff5733"/>
+                </a:solidFill>
+                <a:latin typeface="Consolas"/>
+                <a:ea typeface="SimSun"/>
+              </a:rPr>
+              <a:t>eval "return 'Hello World!' " 0</a:t>
             </a:r>
             <a:endParaRPr b="0" lang="en-IN" sz="1800" spc="-1" strike="noStrike">
               <a:latin typeface="Arial"/>
@@ -28645,132 +28371,408 @@
           <a:p>
             <a:pPr>
               <a:lnSpc>
-                <a:spcPct val="100000"/>
-              </a:lnSpc>
-            </a:pPr>
+                <a:spcPct val="150000"/>
+              </a:lnSpc>
+            </a:pPr>
+            <a:r>
+              <a:rPr b="0" lang="en-IN" sz="1800" spc="-1" strike="noStrike">
+                <a:solidFill>
+                  <a:srgbClr val="808080"/>
+                </a:solidFill>
+                <a:latin typeface="Consolas"/>
+                <a:ea typeface="SimSun"/>
+              </a:rPr>
+              <a:t>127.0.0.1:6379</a:t>
+            </a:r>
+            <a:r>
+              <a:rPr b="1" lang="en-IN" sz="1800" spc="-1" strike="noStrike">
+                <a:solidFill>
+                  <a:srgbClr val="808080"/>
+                </a:solidFill>
+                <a:latin typeface="Consolas"/>
+                <a:ea typeface="SimSun"/>
+              </a:rPr>
+              <a:t>[5]</a:t>
+            </a:r>
+            <a:r>
+              <a:rPr b="0" lang="en-IN" sz="1800" spc="-1" strike="noStrike">
+                <a:solidFill>
+                  <a:srgbClr val="808080"/>
+                </a:solidFill>
+                <a:latin typeface="Consolas"/>
+                <a:ea typeface="SimSun"/>
+              </a:rPr>
+              <a:t>&gt; </a:t>
+            </a:r>
+            <a:r>
+              <a:rPr b="0" lang="en-IN" sz="1800" spc="-1" strike="noStrike">
+                <a:solidFill>
+                  <a:srgbClr val="ff5733"/>
+                </a:solidFill>
+                <a:latin typeface="Consolas"/>
+                <a:ea typeface="SimSun"/>
+              </a:rPr>
+              <a:t>eval "local x = 'Hello World!' return x" 0</a:t>
+            </a:r>
+            <a:endParaRPr b="0" lang="en-IN" sz="1800" spc="-1" strike="noStrike">
+              <a:latin typeface="Arial"/>
+            </a:endParaRPr>
+          </a:p>
+          <a:p>
+            <a:pPr>
+              <a:lnSpc>
+                <a:spcPct val="150000"/>
+              </a:lnSpc>
+            </a:pPr>
+            <a:r>
+              <a:rPr b="0" lang="en-IN" sz="1800" spc="-1" strike="noStrike">
+                <a:solidFill>
+                  <a:srgbClr val="808080"/>
+                </a:solidFill>
+                <a:latin typeface="Consolas"/>
+                <a:ea typeface="SimSun"/>
+              </a:rPr>
+              <a:t>127.0.0.1:6379</a:t>
+            </a:r>
+            <a:r>
+              <a:rPr b="1" lang="en-IN" sz="1800" spc="-1" strike="noStrike">
+                <a:solidFill>
+                  <a:srgbClr val="808080"/>
+                </a:solidFill>
+                <a:latin typeface="Consolas"/>
+                <a:ea typeface="SimSun"/>
+              </a:rPr>
+              <a:t>[5]</a:t>
+            </a:r>
+            <a:r>
+              <a:rPr b="0" lang="en-IN" sz="1800" spc="-1" strike="noStrike">
+                <a:solidFill>
+                  <a:srgbClr val="808080"/>
+                </a:solidFill>
+                <a:latin typeface="Consolas"/>
+                <a:ea typeface="SimSun"/>
+              </a:rPr>
+              <a:t>&gt;</a:t>
+            </a:r>
             <a:r>
               <a:rPr b="0" lang="en-IN" sz="1800" spc="-1" strike="noStrike">
                 <a:solidFill>
                   <a:srgbClr val="000000"/>
                 </a:solidFill>
-                <a:latin typeface="Arial"/>
-                <a:ea typeface="DejaVu Sans"/>
-              </a:rPr>
-              <a:t>Config get dir  /var/lib/redis</a:t>
-            </a:r>
-            <a:endParaRPr b="0" lang="en-IN" sz="1800" spc="-1" strike="noStrike">
-              <a:latin typeface="Arial"/>
-            </a:endParaRPr>
-          </a:p>
-        </p:txBody>
-      </p:sp>
-      <p:sp>
-        <p:nvSpPr>
-          <p:cNvPr id="338" name="CustomShape 3"/>
-          <p:cNvSpPr/>
-          <p:nvPr/>
-        </p:nvSpPr>
-        <p:spPr>
-          <a:xfrm>
-            <a:off x="504000" y="5760000"/>
-            <a:ext cx="11157120" cy="599400"/>
-          </a:xfrm>
-          <a:prstGeom prst="rect">
-            <a:avLst/>
-          </a:prstGeom>
-          <a:noFill/>
-          <a:ln>
-            <a:noFill/>
-          </a:ln>
-        </p:spPr>
-        <p:style>
-          <a:lnRef idx="0"/>
-          <a:fillRef idx="0"/>
-          <a:effectRef idx="0"/>
-          <a:fontRef idx="minor"/>
-        </p:style>
-        <p:txBody>
-          <a:bodyPr lIns="90000" rIns="90000" tIns="45000" bIns="45000">
-            <a:noAutofit/>
-          </a:bodyPr>
+                <a:latin typeface="Consolas"/>
+                <a:ea typeface="SimSun"/>
+              </a:rPr>
+              <a:t> </a:t>
+            </a:r>
+            <a:r>
+              <a:rPr b="0" lang="en-IN" sz="1800" spc="-1" strike="noStrike">
+                <a:solidFill>
+                  <a:srgbClr val="ff5733"/>
+                </a:solidFill>
+                <a:latin typeface="Consolas"/>
+                <a:ea typeface="SimSun"/>
+              </a:rPr>
+              <a:t>eval "return redis.call('echo', 'Hello')" 0</a:t>
+            </a:r>
+            <a:endParaRPr b="0" lang="en-IN" sz="1800" spc="-1" strike="noStrike">
+              <a:latin typeface="Arial"/>
+            </a:endParaRPr>
+          </a:p>
           <a:p>
             <a:pPr>
               <a:lnSpc>
-                <a:spcPct val="100000"/>
-              </a:lnSpc>
-            </a:pPr>
-            <a:r>
-              <a:rPr b="0" lang="en-IN" sz="1800" spc="-1" strike="noStrike" u="sng">
-                <a:solidFill>
-                  <a:srgbClr val="b292ca"/>
-                </a:solidFill>
-                <a:uFillTx/>
-                <a:latin typeface="Arial"/>
-                <a:ea typeface="DejaVu Sans"/>
-                <a:hlinkClick r:id="rId1"/>
-              </a:rPr>
-              <a:t>saleel@saleel-Latitude-E6430</a:t>
-            </a:r>
-            <a:r>
-              <a:rPr b="0" lang="en-IN" sz="1800" spc="-1" strike="noStrike">
-                <a:solidFill>
-                  <a:srgbClr val="b292ca"/>
-                </a:solidFill>
-                <a:latin typeface="Arial"/>
-                <a:ea typeface="DejaVu Sans"/>
-              </a:rPr>
-              <a:t>:~$ redis-cli --csv -h 127.0.0.1 -p 6379 -n 3  hgetall cust:2 &gt;&gt; customer</a:t>
-            </a:r>
-            <a:endParaRPr b="0" lang="en-IN" sz="1800" spc="-1" strike="noStrike">
-              <a:latin typeface="Arial"/>
-            </a:endParaRPr>
-          </a:p>
-        </p:txBody>
-      </p:sp>
-      <p:sp>
-        <p:nvSpPr>
-          <p:cNvPr id="339" name="CustomShape 4"/>
-          <p:cNvSpPr/>
-          <p:nvPr/>
-        </p:nvSpPr>
-        <p:spPr>
-          <a:xfrm>
-            <a:off x="9648000" y="4014000"/>
-            <a:ext cx="2157120" cy="303120"/>
-          </a:xfrm>
-          <a:prstGeom prst="rect">
-            <a:avLst/>
-          </a:prstGeom>
-          <a:noFill/>
-          <a:ln>
-            <a:noFill/>
-          </a:ln>
-        </p:spPr>
-        <p:style>
-          <a:lnRef idx="0"/>
-          <a:fillRef idx="0"/>
-          <a:effectRef idx="0"/>
-          <a:fontRef idx="minor"/>
-        </p:style>
-        <p:txBody>
-          <a:bodyPr lIns="0" rIns="0" tIns="0" bIns="0">
-            <a:noAutofit/>
-          </a:bodyPr>
+                <a:spcPct val="150000"/>
+              </a:lnSpc>
+            </a:pPr>
+            <a:r>
+              <a:rPr b="0" lang="en-IN" sz="1800" spc="-1" strike="noStrike">
+                <a:solidFill>
+                  <a:srgbClr val="808080"/>
+                </a:solidFill>
+                <a:latin typeface="Consolas"/>
+                <a:ea typeface="SimSun"/>
+              </a:rPr>
+              <a:t>127.0.0.1:6379</a:t>
+            </a:r>
+            <a:r>
+              <a:rPr b="1" lang="en-IN" sz="1800" spc="-1" strike="noStrike">
+                <a:solidFill>
+                  <a:srgbClr val="808080"/>
+                </a:solidFill>
+                <a:latin typeface="Consolas"/>
+                <a:ea typeface="SimSun"/>
+              </a:rPr>
+              <a:t>[5]</a:t>
+            </a:r>
+            <a:r>
+              <a:rPr b="0" lang="en-IN" sz="1800" spc="-1" strike="noStrike">
+                <a:solidFill>
+                  <a:srgbClr val="808080"/>
+                </a:solidFill>
+                <a:latin typeface="Consolas"/>
+                <a:ea typeface="SimSun"/>
+              </a:rPr>
+              <a:t>&gt;</a:t>
+            </a:r>
+            <a:r>
+              <a:rPr b="0" lang="en-IN" sz="1800" spc="-1" strike="noStrike">
+                <a:solidFill>
+                  <a:srgbClr val="000000"/>
+                </a:solidFill>
+                <a:latin typeface="Consolas"/>
+                <a:ea typeface="SimSun"/>
+              </a:rPr>
+              <a:t> </a:t>
+            </a:r>
+            <a:r>
+              <a:rPr b="0" lang="en-IN" sz="1800" spc="-1" strike="noStrike">
+                <a:solidFill>
+                  <a:srgbClr val="ff5733"/>
+                </a:solidFill>
+                <a:latin typeface="Consolas"/>
+                <a:ea typeface="SimSun"/>
+              </a:rPr>
+              <a:t>eval "return ARGV[1] + ARGV[2] + ARGV[3]" 0 3 3 4</a:t>
+            </a:r>
+            <a:endParaRPr b="0" lang="en-IN" sz="1800" spc="-1" strike="noStrike">
+              <a:latin typeface="Arial"/>
+            </a:endParaRPr>
+          </a:p>
           <a:p>
             <a:pPr>
               <a:lnSpc>
-                <a:spcPct val="100000"/>
-              </a:lnSpc>
-            </a:pPr>
+                <a:spcPct val="150000"/>
+              </a:lnSpc>
+            </a:pPr>
+            <a:r>
+              <a:rPr b="0" lang="en-IN" sz="1800" spc="-1" strike="noStrike">
+                <a:solidFill>
+                  <a:srgbClr val="808080"/>
+                </a:solidFill>
+                <a:latin typeface="Consolas"/>
+                <a:ea typeface="SimSun"/>
+              </a:rPr>
+              <a:t>127.0.0.1:6379</a:t>
+            </a:r>
+            <a:r>
+              <a:rPr b="1" lang="en-IN" sz="1800" spc="-1" strike="noStrike">
+                <a:solidFill>
+                  <a:srgbClr val="808080"/>
+                </a:solidFill>
+                <a:latin typeface="Consolas"/>
+                <a:ea typeface="SimSun"/>
+              </a:rPr>
+              <a:t>[5]</a:t>
+            </a:r>
+            <a:r>
+              <a:rPr b="0" lang="en-IN" sz="1800" spc="-1" strike="noStrike">
+                <a:solidFill>
+                  <a:srgbClr val="808080"/>
+                </a:solidFill>
+                <a:latin typeface="Consolas"/>
+                <a:ea typeface="SimSun"/>
+              </a:rPr>
+              <a:t>&gt;</a:t>
+            </a:r>
             <a:r>
               <a:rPr b="0" lang="en-IN" sz="1800" spc="-1" strike="noStrike">
                 <a:solidFill>
                   <a:srgbClr val="000000"/>
                 </a:solidFill>
-                <a:latin typeface="Arial"/>
-                <a:ea typeface="DejaVu Sans"/>
-              </a:rPr>
-              <a:t>redis-cli monitor</a:t>
+                <a:latin typeface="Consolas"/>
+                <a:ea typeface="SimSun"/>
+              </a:rPr>
+              <a:t> </a:t>
+            </a:r>
+            <a:r>
+              <a:rPr b="0" lang="en-IN" sz="1800" spc="-1" strike="noStrike">
+                <a:solidFill>
+                  <a:srgbClr val="ff5733"/>
+                </a:solidFill>
+                <a:latin typeface="Consolas"/>
+                <a:ea typeface="SimSun"/>
+              </a:rPr>
+              <a:t>eval "return redis.call('keys', '*')" 0</a:t>
+            </a:r>
+            <a:endParaRPr b="0" lang="en-IN" sz="1800" spc="-1" strike="noStrike">
+              <a:latin typeface="Arial"/>
+            </a:endParaRPr>
+          </a:p>
+          <a:p>
+            <a:pPr>
+              <a:lnSpc>
+                <a:spcPct val="150000"/>
+              </a:lnSpc>
+            </a:pPr>
+            <a:r>
+              <a:rPr b="0" lang="en-IN" sz="1800" spc="-1" strike="noStrike">
+                <a:solidFill>
+                  <a:srgbClr val="808080"/>
+                </a:solidFill>
+                <a:latin typeface="Consolas"/>
+                <a:ea typeface="SimSun"/>
+              </a:rPr>
+              <a:t>127.0.0.1:6379</a:t>
+            </a:r>
+            <a:r>
+              <a:rPr b="1" lang="en-IN" sz="1800" spc="-1" strike="noStrike">
+                <a:solidFill>
+                  <a:srgbClr val="808080"/>
+                </a:solidFill>
+                <a:latin typeface="Consolas"/>
+                <a:ea typeface="SimSun"/>
+              </a:rPr>
+              <a:t>[5]</a:t>
+            </a:r>
+            <a:r>
+              <a:rPr b="0" lang="en-IN" sz="1800" spc="-1" strike="noStrike">
+                <a:solidFill>
+                  <a:srgbClr val="808080"/>
+                </a:solidFill>
+                <a:latin typeface="Consolas"/>
+                <a:ea typeface="SimSun"/>
+              </a:rPr>
+              <a:t>&gt;</a:t>
+            </a:r>
+            <a:r>
+              <a:rPr b="0" lang="en-IN" sz="1800" spc="-1" strike="noStrike">
+                <a:solidFill>
+                  <a:srgbClr val="000000"/>
+                </a:solidFill>
+                <a:latin typeface="Consolas"/>
+                <a:ea typeface="SimSun"/>
+              </a:rPr>
+              <a:t> </a:t>
+            </a:r>
+            <a:r>
+              <a:rPr b="0" lang="en-IN" sz="1800" spc="-1" strike="noStrike">
+                <a:solidFill>
+                  <a:srgbClr val="ff5733"/>
+                </a:solidFill>
+                <a:latin typeface="Consolas"/>
+                <a:ea typeface="SimSun"/>
+              </a:rPr>
+              <a:t>eval "local x=redis.call('keys','*') return x" 0</a:t>
+            </a:r>
+            <a:endParaRPr b="0" lang="en-IN" sz="1800" spc="-1" strike="noStrike">
+              <a:latin typeface="Arial"/>
+            </a:endParaRPr>
+          </a:p>
+          <a:p>
+            <a:pPr>
+              <a:lnSpc>
+                <a:spcPct val="150000"/>
+              </a:lnSpc>
+            </a:pPr>
+            <a:r>
+              <a:rPr b="0" lang="en-IN" sz="1800" spc="-1" strike="noStrike">
+                <a:solidFill>
+                  <a:srgbClr val="808080"/>
+                </a:solidFill>
+                <a:latin typeface="Consolas"/>
+                <a:ea typeface="SimSun"/>
+              </a:rPr>
+              <a:t>127.0.0.1:6379</a:t>
+            </a:r>
+            <a:r>
+              <a:rPr b="1" lang="en-IN" sz="1800" spc="-1" strike="noStrike">
+                <a:solidFill>
+                  <a:srgbClr val="808080"/>
+                </a:solidFill>
+                <a:latin typeface="Consolas"/>
+                <a:ea typeface="SimSun"/>
+              </a:rPr>
+              <a:t>[5]</a:t>
+            </a:r>
+            <a:r>
+              <a:rPr b="0" lang="en-IN" sz="1800" spc="-1" strike="noStrike">
+                <a:solidFill>
+                  <a:srgbClr val="808080"/>
+                </a:solidFill>
+                <a:latin typeface="Consolas"/>
+                <a:ea typeface="SimSun"/>
+              </a:rPr>
+              <a:t>&gt;</a:t>
+            </a:r>
+            <a:r>
+              <a:rPr b="0" lang="en-IN" sz="1800" spc="-1" strike="noStrike">
+                <a:solidFill>
+                  <a:srgbClr val="000000"/>
+                </a:solidFill>
+                <a:latin typeface="Consolas"/>
+                <a:ea typeface="SimSun"/>
+              </a:rPr>
+              <a:t> </a:t>
+            </a:r>
+            <a:r>
+              <a:rPr b="0" lang="en-IN" sz="1800" spc="-1" strike="noStrike">
+                <a:solidFill>
+                  <a:srgbClr val="ff5733"/>
+                </a:solidFill>
+                <a:latin typeface="Consolas"/>
+                <a:ea typeface="SimSun"/>
+              </a:rPr>
+              <a:t>eval "local x=redis.call('mget', KEYS[1], KEYS[2], KEYS[3]) return x" 3 a b c</a:t>
+            </a:r>
+            <a:endParaRPr b="0" lang="en-IN" sz="1800" spc="-1" strike="noStrike">
+              <a:latin typeface="Arial"/>
+            </a:endParaRPr>
+          </a:p>
+          <a:p>
+            <a:pPr>
+              <a:lnSpc>
+                <a:spcPct val="150000"/>
+              </a:lnSpc>
+            </a:pPr>
+            <a:r>
+              <a:rPr b="0" lang="en-IN" sz="1800" spc="-1" strike="noStrike">
+                <a:solidFill>
+                  <a:srgbClr val="808080"/>
+                </a:solidFill>
+                <a:latin typeface="Consolas"/>
+                <a:ea typeface="SimSun"/>
+              </a:rPr>
+              <a:t>127.0.0.1:6379</a:t>
+            </a:r>
+            <a:r>
+              <a:rPr b="1" lang="en-IN" sz="1800" spc="-1" strike="noStrike">
+                <a:solidFill>
+                  <a:srgbClr val="808080"/>
+                </a:solidFill>
+                <a:latin typeface="Consolas"/>
+                <a:ea typeface="SimSun"/>
+              </a:rPr>
+              <a:t>[5]</a:t>
+            </a:r>
+            <a:r>
+              <a:rPr b="0" lang="en-IN" sz="1800" spc="-1" strike="noStrike">
+                <a:solidFill>
+                  <a:srgbClr val="808080"/>
+                </a:solidFill>
+                <a:latin typeface="Consolas"/>
+                <a:ea typeface="SimSun"/>
+              </a:rPr>
+              <a:t>&gt;</a:t>
+            </a:r>
+            <a:r>
+              <a:rPr b="0" lang="en-IN" sz="1800" spc="-1" strike="noStrike">
+                <a:solidFill>
+                  <a:srgbClr val="000000"/>
+                </a:solidFill>
+                <a:latin typeface="Consolas"/>
+                <a:ea typeface="SimSun"/>
+              </a:rPr>
+              <a:t> </a:t>
+            </a:r>
+            <a:r>
+              <a:rPr b="0" lang="en-IN" sz="1800" spc="-1" strike="noStrike">
+                <a:solidFill>
+                  <a:srgbClr val="ff5733"/>
+                </a:solidFill>
+                <a:latin typeface="Consolas"/>
+                <a:ea typeface="SimSun"/>
+              </a:rPr>
+              <a:t>eval "return redis.call('mget', KEYS[1], KEYS[2], KEYS[3])" 3 a b c</a:t>
             </a:r>
             <a:endParaRPr b="0" lang="en-IN" sz="1800" spc="-1" strike="noStrike">
               <a:latin typeface="Arial"/>
@@ -28810,14 +28812,14 @@
       </p:grpSpPr>
       <p:sp>
         <p:nvSpPr>
-          <p:cNvPr id="340" name="CustomShape 1"/>
+          <p:cNvPr id="342" name="CustomShape 1"/>
           <p:cNvSpPr/>
           <p:nvPr/>
         </p:nvSpPr>
         <p:spPr>
           <a:xfrm>
-            <a:off x="1368000" y="1669320"/>
-            <a:ext cx="3670560" cy="2937240"/>
+            <a:off x="1365840" y="188640"/>
+            <a:ext cx="9669600" cy="2192400"/>
           </a:xfrm>
           <a:prstGeom prst="rect">
             <a:avLst/>
@@ -28835,253 +28837,63 @@
         </p:style>
         <p:txBody>
           <a:bodyPr lIns="90000" rIns="90000" tIns="45000" bIns="45000">
-            <a:noAutofit/>
+            <a:spAutoFit/>
           </a:bodyPr>
           <a:p>
-            <a:pPr>
-              <a:lnSpc>
-                <a:spcPct val="100000"/>
-              </a:lnSpc>
-            </a:pPr>
-            <a:r>
-              <a:rPr b="0" lang="en-IN" sz="1800" spc="-1" strike="noStrike">
-                <a:solidFill>
-                  <a:srgbClr val="000000"/>
-                </a:solidFill>
-                <a:latin typeface="Arial"/>
-                <a:ea typeface="DejaVu Sans"/>
-              </a:rPr>
-              <a:t>redis-cli --eval  app.lua</a:t>
-            </a:r>
-            <a:endParaRPr b="0" lang="en-IN" sz="1800" spc="-1" strike="noStrike">
-              <a:latin typeface="Arial"/>
-            </a:endParaRPr>
-          </a:p>
-          <a:p>
-            <a:pPr>
-              <a:lnSpc>
-                <a:spcPct val="100000"/>
-              </a:lnSpc>
-            </a:pPr>
-            <a:endParaRPr b="0" lang="en-IN" sz="1800" spc="-1" strike="noStrike">
-              <a:latin typeface="Arial"/>
-            </a:endParaRPr>
-          </a:p>
-          <a:p>
-            <a:pPr>
-              <a:lnSpc>
-                <a:spcPct val="100000"/>
-              </a:lnSpc>
-            </a:pPr>
-            <a:r>
-              <a:rPr b="1" lang="en-IN" sz="1800" spc="-1" strike="noStrike">
-                <a:solidFill>
-                  <a:srgbClr val="7f0055"/>
-                </a:solidFill>
-                <a:latin typeface="Monospace"/>
-                <a:ea typeface="Monospace"/>
-              </a:rPr>
-              <a:t>local</a:t>
-            </a:r>
-            <a:r>
-              <a:rPr b="0" lang="en-IN" sz="1800" spc="-1" strike="noStrike">
-                <a:solidFill>
-                  <a:srgbClr val="000000"/>
-                </a:solidFill>
-                <a:latin typeface="Monospace"/>
-                <a:ea typeface="Monospace"/>
-              </a:rPr>
-              <a:t> </a:t>
-            </a:r>
-            <a:r>
-              <a:rPr b="1" lang="en-IN" sz="1800" spc="-1" strike="noStrike">
-                <a:solidFill>
-                  <a:srgbClr val="7f0055"/>
-                </a:solidFill>
-                <a:latin typeface="Monospace"/>
-                <a:ea typeface="Monospace"/>
-              </a:rPr>
-              <a:t>function</a:t>
-            </a:r>
-            <a:r>
-              <a:rPr b="0" lang="en-IN" sz="1800" spc="-1" strike="noStrike">
-                <a:solidFill>
-                  <a:srgbClr val="000000"/>
-                </a:solidFill>
-                <a:latin typeface="Monospace"/>
-                <a:ea typeface="Monospace"/>
-              </a:rPr>
-              <a:t> </a:t>
-            </a:r>
-            <a:r>
-              <a:rPr b="0" lang="en-IN" sz="1800" spc="-1" strike="noStrike">
-                <a:solidFill>
-                  <a:srgbClr val="676767"/>
-                </a:solidFill>
-                <a:latin typeface="Monospace"/>
-                <a:ea typeface="Monospace"/>
-              </a:rPr>
-              <a:t>fn1</a:t>
-            </a:r>
-            <a:r>
-              <a:rPr b="0" lang="en-IN" sz="1800" spc="-1" strike="noStrike">
-                <a:solidFill>
-                  <a:srgbClr val="000000"/>
-                </a:solidFill>
-                <a:latin typeface="Monospace"/>
-                <a:ea typeface="Monospace"/>
-              </a:rPr>
-              <a:t>()</a:t>
-            </a:r>
-            <a:endParaRPr b="0" lang="en-IN" sz="1800" spc="-1" strike="noStrike">
-              <a:latin typeface="Arial"/>
-            </a:endParaRPr>
-          </a:p>
-          <a:p>
-            <a:pPr>
-              <a:lnSpc>
-                <a:spcPct val="100000"/>
-              </a:lnSpc>
-            </a:pPr>
-            <a:r>
-              <a:rPr b="0" lang="en-IN" sz="1800" spc="-1" strike="noStrike">
-                <a:solidFill>
-                  <a:srgbClr val="000000"/>
-                </a:solidFill>
-                <a:latin typeface="Monospace"/>
-                <a:ea typeface="Monospace"/>
-              </a:rPr>
-              <a:t>  </a:t>
-            </a:r>
-            <a:r>
-              <a:rPr b="1" lang="en-IN" sz="1800" spc="-1" strike="noStrike">
-                <a:solidFill>
-                  <a:srgbClr val="7f0055"/>
-                </a:solidFill>
-                <a:latin typeface="Monospace"/>
-                <a:ea typeface="Monospace"/>
-              </a:rPr>
-              <a:t>return</a:t>
-            </a:r>
-            <a:r>
-              <a:rPr b="0" lang="en-IN" sz="1800" spc="-1" strike="noStrike">
-                <a:solidFill>
-                  <a:srgbClr val="000000"/>
-                </a:solidFill>
-                <a:latin typeface="Monospace"/>
-                <a:ea typeface="Monospace"/>
-              </a:rPr>
-              <a:t> </a:t>
-            </a:r>
-            <a:r>
-              <a:rPr b="0" lang="en-IN" sz="1800" spc="-1" strike="noStrike">
-                <a:solidFill>
-                  <a:srgbClr val="2a00ff"/>
-                </a:solidFill>
-                <a:latin typeface="Monospace"/>
-                <a:ea typeface="Monospace"/>
-              </a:rPr>
-              <a:t>"Hello Saleel"</a:t>
-            </a:r>
-            <a:endParaRPr b="0" lang="en-IN" sz="1800" spc="-1" strike="noStrike">
-              <a:latin typeface="Arial"/>
-            </a:endParaRPr>
-          </a:p>
-          <a:p>
-            <a:pPr>
-              <a:lnSpc>
-                <a:spcPct val="100000"/>
-              </a:lnSpc>
-            </a:pPr>
-            <a:r>
-              <a:rPr b="0" lang="en-IN" sz="1800" spc="-1" strike="noStrike">
-                <a:solidFill>
-                  <a:srgbClr val="000000"/>
-                </a:solidFill>
-                <a:latin typeface="Monospace"/>
-                <a:ea typeface="Monospace"/>
-              </a:rPr>
-              <a:t>  </a:t>
-            </a:r>
-            <a:r>
-              <a:rPr b="1" lang="en-IN" sz="1800" spc="-1" strike="noStrike">
-                <a:solidFill>
-                  <a:srgbClr val="7f0055"/>
-                </a:solidFill>
-                <a:latin typeface="Monospace"/>
-                <a:ea typeface="Monospace"/>
-              </a:rPr>
-              <a:t>end</a:t>
-            </a:r>
-            <a:endParaRPr b="0" lang="en-IN" sz="1800" spc="-1" strike="noStrike">
-              <a:latin typeface="Arial"/>
-            </a:endParaRPr>
-          </a:p>
-          <a:p>
-            <a:pPr>
-              <a:lnSpc>
-                <a:spcPct val="100000"/>
-              </a:lnSpc>
-            </a:pPr>
-            <a:r>
-              <a:rPr b="0" lang="en-IN" sz="1800" spc="-1" strike="noStrike">
-                <a:solidFill>
-                  <a:srgbClr val="000000"/>
-                </a:solidFill>
-                <a:latin typeface="Monospace"/>
-                <a:ea typeface="Monospace"/>
-              </a:rPr>
-              <a:t> </a:t>
-            </a:r>
-            <a:endParaRPr b="0" lang="en-IN" sz="1800" spc="-1" strike="noStrike">
-              <a:latin typeface="Arial"/>
-            </a:endParaRPr>
-          </a:p>
-          <a:p>
-            <a:pPr>
-              <a:lnSpc>
-                <a:spcPct val="100000"/>
-              </a:lnSpc>
-            </a:pPr>
-            <a:r>
-              <a:rPr b="1" lang="en-IN" sz="1800" spc="-1" strike="noStrike">
-                <a:solidFill>
-                  <a:srgbClr val="7f0055"/>
-                </a:solidFill>
-                <a:latin typeface="Monospace"/>
-                <a:ea typeface="Monospace"/>
-              </a:rPr>
-              <a:t>return</a:t>
-            </a:r>
-            <a:r>
-              <a:rPr b="0" lang="en-IN" sz="1800" spc="-1" strike="noStrike">
-                <a:solidFill>
-                  <a:srgbClr val="000000"/>
-                </a:solidFill>
-                <a:latin typeface="Monospace"/>
-                <a:ea typeface="Monospace"/>
-              </a:rPr>
-              <a:t> </a:t>
-            </a:r>
-            <a:r>
-              <a:rPr b="0" lang="en-IN" sz="1800" spc="-1" strike="noStrike">
-                <a:solidFill>
-                  <a:srgbClr val="676767"/>
-                </a:solidFill>
-                <a:latin typeface="Monospace"/>
-                <a:ea typeface="Monospace"/>
-              </a:rPr>
-              <a:t>fn1</a:t>
-            </a:r>
-            <a:r>
-              <a:rPr b="0" lang="en-IN" sz="1800" spc="-1" strike="noStrike">
-                <a:solidFill>
-                  <a:srgbClr val="000000"/>
-                </a:solidFill>
-                <a:latin typeface="Monospace"/>
-                <a:ea typeface="Monospace"/>
-              </a:rPr>
-              <a:t>()</a:t>
+            <a:pPr algn="ctr">
+              <a:lnSpc>
+                <a:spcPct val="100000"/>
+              </a:lnSpc>
+            </a:pPr>
+            <a:r>
+              <a:rPr b="0" lang="en-IN" sz="4000" spc="-1" strike="noStrike">
+                <a:solidFill>
+                  <a:srgbClr val="ff5733"/>
+                </a:solidFill>
+                <a:latin typeface="Segoe Print"/>
+                <a:ea typeface="DejaVu Sans"/>
+              </a:rPr>
+              <a:t>“</a:t>
+            </a:r>
+            <a:r>
+              <a:rPr b="0" lang="en-US" sz="4000" spc="-1" strike="noStrike">
+                <a:solidFill>
+                  <a:srgbClr val="ff5733"/>
+                </a:solidFill>
+                <a:latin typeface="Segoe Print"/>
+                <a:ea typeface="DejaVu Sans"/>
+              </a:rPr>
+              <a:t>Accept your past without regret, handle our present with confidence and face your future without fear.</a:t>
+            </a:r>
+            <a:r>
+              <a:rPr b="0" lang="en-IN" sz="4000" spc="-1" strike="noStrike">
+                <a:solidFill>
+                  <a:srgbClr val="ff5733"/>
+                </a:solidFill>
+                <a:latin typeface="Segoe Print"/>
+                <a:ea typeface="DejaVu Sans"/>
+              </a:rPr>
+              <a:t>”</a:t>
+            </a:r>
+            <a:endParaRPr b="0" lang="en-IN" sz="4000" spc="-1" strike="noStrike">
+              <a:latin typeface="Arial"/>
+            </a:endParaRPr>
+          </a:p>
+          <a:p>
+            <a:pPr algn="r">
+              <a:lnSpc>
+                <a:spcPct val="100000"/>
+              </a:lnSpc>
+            </a:pPr>
+            <a:r>
+              <a:rPr b="0" lang="en-IN" sz="1800" spc="-1" strike="noStrike">
+                <a:solidFill>
+                  <a:srgbClr val="111111"/>
+                </a:solidFill>
+                <a:latin typeface="-apple-system"/>
+                <a:ea typeface="DejaVu Sans"/>
+              </a:rPr>
+              <a:t>~ Dr. APJ. Abdul Kalam</a:t>
             </a:r>
             <a:endParaRPr b="0" lang="en-IN" sz="1800" spc="-1" strike="noStrike">
               <a:latin typeface="Arial"/>
@@ -29089,6 +28901,29 @@
           </a:p>
         </p:txBody>
       </p:sp>
+      <p:pic>
+        <p:nvPicPr>
+          <p:cNvPr id="343" name="Picture 2" descr="http://www.bvctch.vn/vnt_upload/weblink/thks.jpg"/>
+          <p:cNvPicPr/>
+          <p:nvPr/>
+        </p:nvPicPr>
+        <p:blipFill>
+          <a:blip r:embed="rId1"/>
+          <a:stretch/>
+        </p:blipFill>
+        <p:spPr>
+          <a:xfrm>
+            <a:off x="4404600" y="2036160"/>
+            <a:ext cx="3113280" cy="4650120"/>
+          </a:xfrm>
+          <a:prstGeom prst="rect">
+            <a:avLst/>
+          </a:prstGeom>
+          <a:ln>
+            <a:noFill/>
+          </a:ln>
+        </p:spPr>
+      </p:pic>
     </p:spTree>
   </p:cSld>
   <mc:AlternateContent>
@@ -29119,9 +28954,726 @@
           <a:chExt cx="0" cy="0"/>
         </a:xfrm>
       </p:grpSpPr>
+      <p:sp>
+        <p:nvSpPr>
+          <p:cNvPr id="344" name="CustomShape 1"/>
+          <p:cNvSpPr/>
+          <p:nvPr/>
+        </p:nvSpPr>
+        <p:spPr>
+          <a:xfrm>
+            <a:off x="474480" y="2448000"/>
+            <a:ext cx="10394280" cy="2391120"/>
+          </a:xfrm>
+          <a:prstGeom prst="rect">
+            <a:avLst/>
+          </a:prstGeom>
+          <a:noFill/>
+          <a:ln>
+            <a:noFill/>
+          </a:ln>
+        </p:spPr>
+        <p:style>
+          <a:lnRef idx="0"/>
+          <a:fillRef idx="0"/>
+          <a:effectRef idx="0"/>
+          <a:fontRef idx="minor"/>
+        </p:style>
+        <p:txBody>
+          <a:bodyPr lIns="90000" rIns="90000" tIns="45000" bIns="45000">
+            <a:noAutofit/>
+          </a:bodyPr>
+          <a:p>
+            <a:pPr>
+              <a:lnSpc>
+                <a:spcPct val="100000"/>
+              </a:lnSpc>
+            </a:pPr>
+            <a:r>
+              <a:rPr b="0" lang="en-IN" sz="1800" spc="-1" strike="noStrike">
+                <a:solidFill>
+                  <a:srgbClr val="000000"/>
+                </a:solidFill>
+                <a:latin typeface="Arial"/>
+                <a:ea typeface="DejaVu Sans"/>
+              </a:rPr>
+              <a:t>The INFO command returns information and statistics about the server in a format that is simple to parse by computers and easy to read by humans. </a:t>
+            </a:r>
+            <a:endParaRPr b="0" lang="en-IN" sz="1800" spc="-1" strike="noStrike">
+              <a:latin typeface="Arial"/>
+            </a:endParaRPr>
+          </a:p>
+          <a:p>
+            <a:pPr>
+              <a:lnSpc>
+                <a:spcPct val="100000"/>
+              </a:lnSpc>
+            </a:pPr>
+            <a:endParaRPr b="0" lang="en-IN" sz="1800" spc="-1" strike="noStrike">
+              <a:latin typeface="Arial"/>
+            </a:endParaRPr>
+          </a:p>
+          <a:p>
+            <a:pPr marL="216000" indent="-212760">
+              <a:lnSpc>
+                <a:spcPct val="100000"/>
+              </a:lnSpc>
+              <a:buClr>
+                <a:srgbClr val="000000"/>
+              </a:buClr>
+              <a:buSzPct val="45000"/>
+              <a:buFont typeface="Wingdings" charset="2"/>
+              <a:buChar char=""/>
+            </a:pPr>
+            <a:r>
+              <a:rPr b="0" lang="en-IN" sz="1800" spc="-1" strike="noStrike">
+                <a:solidFill>
+                  <a:srgbClr val="000000"/>
+                </a:solidFill>
+                <a:latin typeface="Arial"/>
+                <a:ea typeface="DejaVu Sans"/>
+              </a:rPr>
+              <a:t>info server</a:t>
+            </a:r>
+            <a:endParaRPr b="0" lang="en-IN" sz="1800" spc="-1" strike="noStrike">
+              <a:latin typeface="Arial"/>
+            </a:endParaRPr>
+          </a:p>
+          <a:p>
+            <a:pPr marL="216000" indent="-212760">
+              <a:lnSpc>
+                <a:spcPct val="100000"/>
+              </a:lnSpc>
+              <a:buClr>
+                <a:srgbClr val="000000"/>
+              </a:buClr>
+              <a:buSzPct val="45000"/>
+              <a:buFont typeface="Wingdings" charset="2"/>
+              <a:buChar char=""/>
+            </a:pPr>
+            <a:r>
+              <a:rPr b="0" lang="en-IN" sz="1800" spc="-1" strike="noStrike">
+                <a:solidFill>
+                  <a:srgbClr val="000000"/>
+                </a:solidFill>
+                <a:latin typeface="Arial"/>
+                <a:ea typeface="DejaVu Sans"/>
+              </a:rPr>
+              <a:t>info clients</a:t>
+            </a:r>
+            <a:endParaRPr b="0" lang="en-IN" sz="1800" spc="-1" strike="noStrike">
+              <a:latin typeface="Arial"/>
+            </a:endParaRPr>
+          </a:p>
+          <a:p>
+            <a:pPr marL="216000" indent="-212760">
+              <a:lnSpc>
+                <a:spcPct val="100000"/>
+              </a:lnSpc>
+              <a:buClr>
+                <a:srgbClr val="000000"/>
+              </a:buClr>
+              <a:buSzPct val="45000"/>
+              <a:buFont typeface="Wingdings" charset="2"/>
+              <a:buChar char=""/>
+            </a:pPr>
+            <a:r>
+              <a:rPr b="0" lang="en-IN" sz="1800" spc="-1" strike="noStrike">
+                <a:solidFill>
+                  <a:srgbClr val="000000"/>
+                </a:solidFill>
+                <a:latin typeface="Arial"/>
+                <a:ea typeface="DejaVu Sans"/>
+              </a:rPr>
+              <a:t>info Keyspace</a:t>
+            </a:r>
+            <a:endParaRPr b="0" lang="en-IN" sz="1800" spc="-1" strike="noStrike">
+              <a:latin typeface="Arial"/>
+            </a:endParaRPr>
+          </a:p>
+          <a:p>
+            <a:pPr marL="216000" indent="-212760">
+              <a:lnSpc>
+                <a:spcPct val="100000"/>
+              </a:lnSpc>
+              <a:buClr>
+                <a:srgbClr val="000000"/>
+              </a:buClr>
+              <a:buSzPct val="45000"/>
+              <a:buFont typeface="Wingdings" charset="2"/>
+              <a:buChar char=""/>
+            </a:pPr>
+            <a:r>
+              <a:rPr b="0" lang="en-IN" sz="1800" spc="-1" strike="noStrike">
+                <a:solidFill>
+                  <a:srgbClr val="000000"/>
+                </a:solidFill>
+                <a:latin typeface="Arial"/>
+                <a:ea typeface="DejaVu Sans"/>
+              </a:rPr>
+              <a:t>info modules</a:t>
+            </a:r>
+            <a:endParaRPr b="0" lang="en-IN" sz="1800" spc="-1" strike="noStrike">
+              <a:latin typeface="Arial"/>
+            </a:endParaRPr>
+          </a:p>
+          <a:p>
+            <a:pPr marL="216000" indent="-212760">
+              <a:lnSpc>
+                <a:spcPct val="100000"/>
+              </a:lnSpc>
+              <a:buClr>
+                <a:srgbClr val="000000"/>
+              </a:buClr>
+              <a:buSzPct val="45000"/>
+              <a:buFont typeface="Wingdings" charset="2"/>
+              <a:buChar char=""/>
+            </a:pPr>
+            <a:r>
+              <a:rPr b="0" lang="en-IN" sz="1800" spc="-1" strike="noStrike">
+                <a:solidFill>
+                  <a:srgbClr val="000000"/>
+                </a:solidFill>
+                <a:latin typeface="Arial"/>
+                <a:ea typeface="DejaVu Sans"/>
+              </a:rPr>
+              <a:t>info all</a:t>
+            </a:r>
+            <a:endParaRPr b="0" lang="en-IN" sz="1800" spc="-1" strike="noStrike">
+              <a:latin typeface="Arial"/>
+            </a:endParaRPr>
+          </a:p>
+        </p:txBody>
+      </p:sp>
+      <p:sp>
+        <p:nvSpPr>
+          <p:cNvPr id="345" name="CustomShape 2"/>
+          <p:cNvSpPr/>
+          <p:nvPr/>
+        </p:nvSpPr>
+        <p:spPr>
+          <a:xfrm>
+            <a:off x="363600" y="193320"/>
+            <a:ext cx="4241160" cy="595440"/>
+          </a:xfrm>
+          <a:prstGeom prst="rect">
+            <a:avLst/>
+          </a:prstGeom>
+          <a:noFill/>
+          <a:ln>
+            <a:noFill/>
+          </a:ln>
+        </p:spPr>
+        <p:style>
+          <a:lnRef idx="0"/>
+          <a:fillRef idx="0"/>
+          <a:effectRef idx="0"/>
+          <a:fontRef idx="minor"/>
+        </p:style>
+        <p:txBody>
+          <a:bodyPr lIns="90000" rIns="90000" tIns="45000" bIns="45000">
+            <a:noAutofit/>
+          </a:bodyPr>
+          <a:p>
+            <a:pPr>
+              <a:lnSpc>
+                <a:spcPct val="100000"/>
+              </a:lnSpc>
+            </a:pPr>
+            <a:r>
+              <a:rPr b="0" lang="en-IN" sz="1800" spc="-1" strike="noStrike">
+                <a:solidFill>
+                  <a:srgbClr val="000000"/>
+                </a:solidFill>
+                <a:latin typeface="Arial"/>
+                <a:ea typeface="DejaVu Sans"/>
+              </a:rPr>
+              <a:t>SAVE</a:t>
+            </a:r>
+            <a:endParaRPr b="0" lang="en-IN" sz="1800" spc="-1" strike="noStrike">
+              <a:latin typeface="Arial"/>
+            </a:endParaRPr>
+          </a:p>
+          <a:p>
+            <a:pPr>
+              <a:lnSpc>
+                <a:spcPct val="100000"/>
+              </a:lnSpc>
+            </a:pPr>
+            <a:r>
+              <a:rPr b="0" lang="en-IN" sz="1800" spc="-1" strike="noStrike">
+                <a:solidFill>
+                  <a:srgbClr val="000000"/>
+                </a:solidFill>
+                <a:latin typeface="Arial"/>
+                <a:ea typeface="DejaVu Sans"/>
+              </a:rPr>
+              <a:t>Config get dir  /var/lib/redis</a:t>
+            </a:r>
+            <a:endParaRPr b="0" lang="en-IN" sz="1800" spc="-1" strike="noStrike">
+              <a:latin typeface="Arial"/>
+            </a:endParaRPr>
+          </a:p>
+        </p:txBody>
+      </p:sp>
+      <p:sp>
+        <p:nvSpPr>
+          <p:cNvPr id="346" name="CustomShape 3"/>
+          <p:cNvSpPr/>
+          <p:nvPr/>
+        </p:nvSpPr>
+        <p:spPr>
+          <a:xfrm>
+            <a:off x="504000" y="5760000"/>
+            <a:ext cx="11156760" cy="599040"/>
+          </a:xfrm>
+          <a:prstGeom prst="rect">
+            <a:avLst/>
+          </a:prstGeom>
+          <a:noFill/>
+          <a:ln>
+            <a:noFill/>
+          </a:ln>
+        </p:spPr>
+        <p:style>
+          <a:lnRef idx="0"/>
+          <a:fillRef idx="0"/>
+          <a:effectRef idx="0"/>
+          <a:fontRef idx="minor"/>
+        </p:style>
+        <p:txBody>
+          <a:bodyPr lIns="90000" rIns="90000" tIns="45000" bIns="45000">
+            <a:noAutofit/>
+          </a:bodyPr>
+          <a:p>
+            <a:pPr>
+              <a:lnSpc>
+                <a:spcPct val="100000"/>
+              </a:lnSpc>
+            </a:pPr>
+            <a:r>
+              <a:rPr b="0" lang="en-IN" sz="1800" spc="-1" strike="noStrike" u="sng">
+                <a:solidFill>
+                  <a:srgbClr val="b292ca"/>
+                </a:solidFill>
+                <a:uFillTx/>
+                <a:latin typeface="Arial"/>
+                <a:ea typeface="DejaVu Sans"/>
+                <a:hlinkClick r:id="rId1"/>
+              </a:rPr>
+              <a:t>saleel@saleel-Latitude-E6430</a:t>
+            </a:r>
+            <a:r>
+              <a:rPr b="0" lang="en-IN" sz="1800" spc="-1" strike="noStrike">
+                <a:solidFill>
+                  <a:srgbClr val="b292ca"/>
+                </a:solidFill>
+                <a:latin typeface="Arial"/>
+                <a:ea typeface="DejaVu Sans"/>
+              </a:rPr>
+              <a:t>:~$ redis-cli --csv -h 127.0.0.1 -p 6379 -n 3  hgetall cust:2 &gt;&gt; customer</a:t>
+            </a:r>
+            <a:endParaRPr b="0" lang="en-IN" sz="1800" spc="-1" strike="noStrike">
+              <a:latin typeface="Arial"/>
+            </a:endParaRPr>
+          </a:p>
+        </p:txBody>
+      </p:sp>
+      <p:sp>
+        <p:nvSpPr>
+          <p:cNvPr id="347" name="CustomShape 4"/>
+          <p:cNvSpPr/>
+          <p:nvPr/>
+        </p:nvSpPr>
+        <p:spPr>
+          <a:xfrm>
+            <a:off x="9648000" y="4014000"/>
+            <a:ext cx="2156760" cy="302760"/>
+          </a:xfrm>
+          <a:prstGeom prst="rect">
+            <a:avLst/>
+          </a:prstGeom>
+          <a:noFill/>
+          <a:ln>
+            <a:noFill/>
+          </a:ln>
+        </p:spPr>
+        <p:style>
+          <a:lnRef idx="0"/>
+          <a:fillRef idx="0"/>
+          <a:effectRef idx="0"/>
+          <a:fontRef idx="minor"/>
+        </p:style>
+        <p:txBody>
+          <a:bodyPr lIns="0" rIns="0" tIns="0" bIns="0">
+            <a:noAutofit/>
+          </a:bodyPr>
+          <a:p>
+            <a:pPr>
+              <a:lnSpc>
+                <a:spcPct val="100000"/>
+              </a:lnSpc>
+            </a:pPr>
+            <a:r>
+              <a:rPr b="0" lang="en-IN" sz="1800" spc="-1" strike="noStrike">
+                <a:solidFill>
+                  <a:srgbClr val="000000"/>
+                </a:solidFill>
+                <a:latin typeface="Arial"/>
+                <a:ea typeface="DejaVu Sans"/>
+              </a:rPr>
+              <a:t>redis-cli monitor</a:t>
+            </a:r>
+            <a:endParaRPr b="0" lang="en-IN" sz="1800" spc="-1" strike="noStrike">
+              <a:latin typeface="Arial"/>
+            </a:endParaRPr>
+          </a:p>
+        </p:txBody>
+      </p:sp>
+    </p:spTree>
+  </p:cSld>
+  <mc:AlternateContent>
+    <mc:Choice Requires="p14">
+      <p:transition spd="slow" p14:dur="2000"/>
+    </mc:Choice>
+    <mc:Fallback>
+      <p:transition spd="slow"/>
+    </mc:Fallback>
+  </mc:AlternateContent>
+</p:sld>
+</file>
+
+<file path=ppt/slides/slide67.xml><?xml version="1.0" encoding="utf-8"?>
+<p:sld xmlns:a="http://schemas.openxmlformats.org/drawingml/2006/main" xmlns:p="http://schemas.openxmlformats.org/presentationml/2006/main" xmlns:r="http://schemas.openxmlformats.org/officeDocument/2006/relationships" xmlns:p14="http://schemas.microsoft.com/office/powerpoint/2010/main" xmlns:p15="http://schemas.microsoft.com/office/powerpoint/2012/main" xmlns:mc="http://schemas.openxmlformats.org/markup-compatibility/2006">
+  <p:cSld>
+    <p:spTree>
+      <p:nvGrpSpPr>
+        <p:cNvPr id="1" name=""/>
+        <p:cNvGrpSpPr/>
+        <p:nvPr/>
+      </p:nvGrpSpPr>
+      <p:grpSpPr>
+        <a:xfrm>
+          <a:off x="0" y="0"/>
+          <a:ext cx="0" cy="0"/>
+          <a:chOff x="0" y="0"/>
+          <a:chExt cx="0" cy="0"/>
+        </a:xfrm>
+      </p:grpSpPr>
+      <p:sp>
+        <p:nvSpPr>
+          <p:cNvPr id="348" name="CustomShape 1"/>
+          <p:cNvSpPr/>
+          <p:nvPr/>
+        </p:nvSpPr>
+        <p:spPr>
+          <a:xfrm>
+            <a:off x="1368000" y="1669320"/>
+            <a:ext cx="3670200" cy="2936880"/>
+          </a:xfrm>
+          <a:prstGeom prst="rect">
+            <a:avLst/>
+          </a:prstGeom>
+          <a:noFill/>
+          <a:ln>
+            <a:noFill/>
+          </a:ln>
+        </p:spPr>
+        <p:style>
+          <a:lnRef idx="0"/>
+          <a:fillRef idx="0"/>
+          <a:effectRef idx="0"/>
+          <a:fontRef idx="minor"/>
+        </p:style>
+        <p:txBody>
+          <a:bodyPr lIns="90000" rIns="90000" tIns="45000" bIns="45000">
+            <a:noAutofit/>
+          </a:bodyPr>
+          <a:p>
+            <a:pPr>
+              <a:lnSpc>
+                <a:spcPct val="100000"/>
+              </a:lnSpc>
+            </a:pPr>
+            <a:r>
+              <a:rPr b="0" lang="en-IN" sz="1800" spc="-1" strike="noStrike">
+                <a:solidFill>
+                  <a:srgbClr val="000000"/>
+                </a:solidFill>
+                <a:latin typeface="Arial"/>
+                <a:ea typeface="DejaVu Sans"/>
+              </a:rPr>
+              <a:t>redis-cli --eval  app.lua</a:t>
+            </a:r>
+            <a:endParaRPr b="0" lang="en-IN" sz="1800" spc="-1" strike="noStrike">
+              <a:latin typeface="Arial"/>
+            </a:endParaRPr>
+          </a:p>
+          <a:p>
+            <a:pPr>
+              <a:lnSpc>
+                <a:spcPct val="100000"/>
+              </a:lnSpc>
+            </a:pPr>
+            <a:endParaRPr b="0" lang="en-IN" sz="1800" spc="-1" strike="noStrike">
+              <a:latin typeface="Arial"/>
+            </a:endParaRPr>
+          </a:p>
+          <a:p>
+            <a:pPr>
+              <a:lnSpc>
+                <a:spcPct val="100000"/>
+              </a:lnSpc>
+            </a:pPr>
+            <a:r>
+              <a:rPr b="1" lang="en-IN" sz="1800" spc="-1" strike="noStrike">
+                <a:solidFill>
+                  <a:srgbClr val="7f0055"/>
+                </a:solidFill>
+                <a:latin typeface="Monospace"/>
+                <a:ea typeface="Monospace"/>
+              </a:rPr>
+              <a:t>local</a:t>
+            </a:r>
+            <a:r>
+              <a:rPr b="0" lang="en-IN" sz="1800" spc="-1" strike="noStrike">
+                <a:solidFill>
+                  <a:srgbClr val="000000"/>
+                </a:solidFill>
+                <a:latin typeface="Monospace"/>
+                <a:ea typeface="Monospace"/>
+              </a:rPr>
+              <a:t> </a:t>
+            </a:r>
+            <a:r>
+              <a:rPr b="1" lang="en-IN" sz="1800" spc="-1" strike="noStrike">
+                <a:solidFill>
+                  <a:srgbClr val="7f0055"/>
+                </a:solidFill>
+                <a:latin typeface="Monospace"/>
+                <a:ea typeface="Monospace"/>
+              </a:rPr>
+              <a:t>function</a:t>
+            </a:r>
+            <a:r>
+              <a:rPr b="0" lang="en-IN" sz="1800" spc="-1" strike="noStrike">
+                <a:solidFill>
+                  <a:srgbClr val="000000"/>
+                </a:solidFill>
+                <a:latin typeface="Monospace"/>
+                <a:ea typeface="Monospace"/>
+              </a:rPr>
+              <a:t> </a:t>
+            </a:r>
+            <a:r>
+              <a:rPr b="0" lang="en-IN" sz="1800" spc="-1" strike="noStrike">
+                <a:solidFill>
+                  <a:srgbClr val="676767"/>
+                </a:solidFill>
+                <a:latin typeface="Monospace"/>
+                <a:ea typeface="Monospace"/>
+              </a:rPr>
+              <a:t>fn1</a:t>
+            </a:r>
+            <a:r>
+              <a:rPr b="0" lang="en-IN" sz="1800" spc="-1" strike="noStrike">
+                <a:solidFill>
+                  <a:srgbClr val="000000"/>
+                </a:solidFill>
+                <a:latin typeface="Monospace"/>
+                <a:ea typeface="Monospace"/>
+              </a:rPr>
+              <a:t>()</a:t>
+            </a:r>
+            <a:endParaRPr b="0" lang="en-IN" sz="1800" spc="-1" strike="noStrike">
+              <a:latin typeface="Arial"/>
+            </a:endParaRPr>
+          </a:p>
+          <a:p>
+            <a:pPr>
+              <a:lnSpc>
+                <a:spcPct val="100000"/>
+              </a:lnSpc>
+            </a:pPr>
+            <a:r>
+              <a:rPr b="0" lang="en-IN" sz="1800" spc="-1" strike="noStrike">
+                <a:solidFill>
+                  <a:srgbClr val="000000"/>
+                </a:solidFill>
+                <a:latin typeface="Monospace"/>
+                <a:ea typeface="Monospace"/>
+              </a:rPr>
+              <a:t>  </a:t>
+            </a:r>
+            <a:r>
+              <a:rPr b="1" lang="en-IN" sz="1800" spc="-1" strike="noStrike">
+                <a:solidFill>
+                  <a:srgbClr val="7f0055"/>
+                </a:solidFill>
+                <a:latin typeface="Monospace"/>
+                <a:ea typeface="Monospace"/>
+              </a:rPr>
+              <a:t>return</a:t>
+            </a:r>
+            <a:r>
+              <a:rPr b="0" lang="en-IN" sz="1800" spc="-1" strike="noStrike">
+                <a:solidFill>
+                  <a:srgbClr val="000000"/>
+                </a:solidFill>
+                <a:latin typeface="Monospace"/>
+                <a:ea typeface="Monospace"/>
+              </a:rPr>
+              <a:t> </a:t>
+            </a:r>
+            <a:r>
+              <a:rPr b="0" lang="en-IN" sz="1800" spc="-1" strike="noStrike">
+                <a:solidFill>
+                  <a:srgbClr val="2a00ff"/>
+                </a:solidFill>
+                <a:latin typeface="Monospace"/>
+                <a:ea typeface="Monospace"/>
+              </a:rPr>
+              <a:t>"Hello Saleel"</a:t>
+            </a:r>
+            <a:endParaRPr b="0" lang="en-IN" sz="1800" spc="-1" strike="noStrike">
+              <a:latin typeface="Arial"/>
+            </a:endParaRPr>
+          </a:p>
+          <a:p>
+            <a:pPr>
+              <a:lnSpc>
+                <a:spcPct val="100000"/>
+              </a:lnSpc>
+            </a:pPr>
+            <a:r>
+              <a:rPr b="0" lang="en-IN" sz="1800" spc="-1" strike="noStrike">
+                <a:solidFill>
+                  <a:srgbClr val="000000"/>
+                </a:solidFill>
+                <a:latin typeface="Monospace"/>
+                <a:ea typeface="Monospace"/>
+              </a:rPr>
+              <a:t>  </a:t>
+            </a:r>
+            <a:r>
+              <a:rPr b="1" lang="en-IN" sz="1800" spc="-1" strike="noStrike">
+                <a:solidFill>
+                  <a:srgbClr val="7f0055"/>
+                </a:solidFill>
+                <a:latin typeface="Monospace"/>
+                <a:ea typeface="Monospace"/>
+              </a:rPr>
+              <a:t>end</a:t>
+            </a:r>
+            <a:endParaRPr b="0" lang="en-IN" sz="1800" spc="-1" strike="noStrike">
+              <a:latin typeface="Arial"/>
+            </a:endParaRPr>
+          </a:p>
+          <a:p>
+            <a:pPr>
+              <a:lnSpc>
+                <a:spcPct val="100000"/>
+              </a:lnSpc>
+            </a:pPr>
+            <a:r>
+              <a:rPr b="0" lang="en-IN" sz="1800" spc="-1" strike="noStrike">
+                <a:solidFill>
+                  <a:srgbClr val="000000"/>
+                </a:solidFill>
+                <a:latin typeface="Monospace"/>
+                <a:ea typeface="Monospace"/>
+              </a:rPr>
+              <a:t> </a:t>
+            </a:r>
+            <a:endParaRPr b="0" lang="en-IN" sz="1800" spc="-1" strike="noStrike">
+              <a:latin typeface="Arial"/>
+            </a:endParaRPr>
+          </a:p>
+          <a:p>
+            <a:pPr>
+              <a:lnSpc>
+                <a:spcPct val="100000"/>
+              </a:lnSpc>
+            </a:pPr>
+            <a:r>
+              <a:rPr b="1" lang="en-IN" sz="1800" spc="-1" strike="noStrike">
+                <a:solidFill>
+                  <a:srgbClr val="7f0055"/>
+                </a:solidFill>
+                <a:latin typeface="Monospace"/>
+                <a:ea typeface="Monospace"/>
+              </a:rPr>
+              <a:t>return</a:t>
+            </a:r>
+            <a:r>
+              <a:rPr b="0" lang="en-IN" sz="1800" spc="-1" strike="noStrike">
+                <a:solidFill>
+                  <a:srgbClr val="000000"/>
+                </a:solidFill>
+                <a:latin typeface="Monospace"/>
+                <a:ea typeface="Monospace"/>
+              </a:rPr>
+              <a:t> </a:t>
+            </a:r>
+            <a:r>
+              <a:rPr b="0" lang="en-IN" sz="1800" spc="-1" strike="noStrike">
+                <a:solidFill>
+                  <a:srgbClr val="676767"/>
+                </a:solidFill>
+                <a:latin typeface="Monospace"/>
+                <a:ea typeface="Monospace"/>
+              </a:rPr>
+              <a:t>fn1</a:t>
+            </a:r>
+            <a:r>
+              <a:rPr b="0" lang="en-IN" sz="1800" spc="-1" strike="noStrike">
+                <a:solidFill>
+                  <a:srgbClr val="000000"/>
+                </a:solidFill>
+                <a:latin typeface="Monospace"/>
+                <a:ea typeface="Monospace"/>
+              </a:rPr>
+              <a:t>()</a:t>
+            </a:r>
+            <a:endParaRPr b="0" lang="en-IN" sz="1800" spc="-1" strike="noStrike">
+              <a:latin typeface="Arial"/>
+            </a:endParaRPr>
+          </a:p>
+        </p:txBody>
+      </p:sp>
+    </p:spTree>
+  </p:cSld>
+  <mc:AlternateContent>
+    <mc:Choice Requires="p14">
+      <p:transition spd="slow" p14:dur="2000"/>
+    </mc:Choice>
+    <mc:Fallback>
+      <p:transition spd="slow"/>
+    </mc:Fallback>
+  </mc:AlternateContent>
+</p:sld>
+</file>
+
+<file path=ppt/slides/slide68.xml><?xml version="1.0" encoding="utf-8"?>
+<p:sld xmlns:a="http://schemas.openxmlformats.org/drawingml/2006/main" xmlns:p="http://schemas.openxmlformats.org/presentationml/2006/main" xmlns:r="http://schemas.openxmlformats.org/officeDocument/2006/relationships" xmlns:p14="http://schemas.microsoft.com/office/powerpoint/2010/main" xmlns:p15="http://schemas.microsoft.com/office/powerpoint/2012/main" xmlns:mc="http://schemas.openxmlformats.org/markup-compatibility/2006">
+  <p:cSld>
+    <p:spTree>
+      <p:nvGrpSpPr>
+        <p:cNvPr id="1" name=""/>
+        <p:cNvGrpSpPr/>
+        <p:nvPr/>
+      </p:nvGrpSpPr>
+      <p:grpSpPr>
+        <a:xfrm>
+          <a:off x="0" y="0"/>
+          <a:ext cx="0" cy="0"/>
+          <a:chOff x="0" y="0"/>
+          <a:chExt cx="0" cy="0"/>
+        </a:xfrm>
+      </p:grpSpPr>
       <p:pic>
         <p:nvPicPr>
-          <p:cNvPr id="341" name="Picture 356" descr=""/>
+          <p:cNvPr id="349" name="Picture 356" descr=""/>
           <p:cNvPicPr/>
           <p:nvPr/>
         </p:nvPicPr>
@@ -29132,7 +29684,7 @@
         <p:spPr>
           <a:xfrm>
             <a:off x="483840" y="144000"/>
-            <a:ext cx="8587440" cy="6440400"/>
+            <a:ext cx="8587080" cy="6440040"/>
           </a:xfrm>
           <a:prstGeom prst="rect">
             <a:avLst/>
@@ -29181,7 +29733,7 @@
         <p:spPr>
           <a:xfrm>
             <a:off x="1676520" y="2362320"/>
-            <a:ext cx="8826120" cy="912600"/>
+            <a:ext cx="8825760" cy="912600"/>
           </a:xfrm>
           <a:prstGeom prst="rect">
             <a:avLst/>
@@ -29232,7 +29784,7 @@
         <p:spPr>
           <a:xfrm>
             <a:off x="522360" y="3531600"/>
-            <a:ext cx="11063160" cy="363960"/>
+            <a:ext cx="11062800" cy="363960"/>
           </a:xfrm>
           <a:prstGeom prst="rect">
             <a:avLst/>
@@ -29313,7 +29865,7 @@
         <p:spPr>
           <a:xfrm>
             <a:off x="248400" y="0"/>
-            <a:ext cx="11699640" cy="699120"/>
+            <a:ext cx="11699280" cy="699120"/>
           </a:xfrm>
           <a:prstGeom prst="rect">
             <a:avLst/>
@@ -29368,7 +29920,7 @@
         <p:spPr>
           <a:xfrm>
             <a:off x="248400" y="762120"/>
-            <a:ext cx="11699640" cy="639000"/>
+            <a:ext cx="11699280" cy="638640"/>
           </a:xfrm>
           <a:prstGeom prst="rect">
             <a:avLst/>
@@ -29429,7 +29981,7 @@
         <p:spPr>
           <a:xfrm>
             <a:off x="1523880" y="4272480"/>
-            <a:ext cx="8876880" cy="2558520"/>
+            <a:ext cx="8876520" cy="2558520"/>
           </a:xfrm>
           <a:prstGeom prst="rect">
             <a:avLst/>
@@ -29450,7 +30002,7 @@
             <a:spAutoFit/>
           </a:bodyPr>
           <a:p>
-            <a:pPr marL="285840" indent="-272880">
+            <a:pPr marL="285840" indent="-272520">
               <a:lnSpc>
                 <a:spcPct val="150000"/>
               </a:lnSpc>
@@ -29495,7 +30047,7 @@
             </a:endParaRPr>
           </a:p>
           <a:p>
-            <a:pPr marL="285840" indent="-272880">
+            <a:pPr marL="285840" indent="-272520">
               <a:lnSpc>
                 <a:spcPct val="150000"/>
               </a:lnSpc>
@@ -29540,7 +30092,7 @@
             </a:endParaRPr>
           </a:p>
           <a:p>
-            <a:pPr marL="285840" indent="-272880">
+            <a:pPr marL="285840" indent="-272520">
               <a:lnSpc>
                 <a:spcPct val="150000"/>
               </a:lnSpc>
@@ -29585,7 +30137,7 @@
             </a:endParaRPr>
           </a:p>
           <a:p>
-            <a:pPr marL="285840" indent="-272880">
+            <a:pPr marL="285840" indent="-272520">
               <a:lnSpc>
                 <a:spcPct val="150000"/>
               </a:lnSpc>
@@ -29630,7 +30182,7 @@
             </a:endParaRPr>
           </a:p>
           <a:p>
-            <a:pPr marL="285840" indent="-272880">
+            <a:pPr marL="285840" indent="-272520">
               <a:lnSpc>
                 <a:spcPct val="150000"/>
               </a:lnSpc>
@@ -29665,7 +30217,7 @@
             </a:endParaRPr>
           </a:p>
           <a:p>
-            <a:pPr marL="285840" indent="-272880">
+            <a:pPr marL="285840" indent="-272520">
               <a:lnSpc>
                 <a:spcPct val="150000"/>
               </a:lnSpc>
@@ -30265,7 +30817,7 @@
         <p:spPr>
           <a:xfrm>
             <a:off x="246600" y="1742040"/>
-            <a:ext cx="11701440" cy="395280"/>
+            <a:ext cx="11701080" cy="394920"/>
           </a:xfrm>
           <a:prstGeom prst="rect">
             <a:avLst/>
@@ -30356,7 +30908,7 @@
         <p:spPr>
           <a:xfrm>
             <a:off x="1676520" y="2362320"/>
-            <a:ext cx="8826120" cy="912600"/>
+            <a:ext cx="8825760" cy="912600"/>
           </a:xfrm>
           <a:prstGeom prst="rect">
             <a:avLst/>
@@ -30407,7 +30959,7 @@
         <p:spPr>
           <a:xfrm>
             <a:off x="522360" y="3531600"/>
-            <a:ext cx="11063160" cy="363960"/>
+            <a:ext cx="11062800" cy="363960"/>
           </a:xfrm>
           <a:prstGeom prst="rect">
             <a:avLst/>

--- a/redis Ver2.pptx
+++ b/redis Ver2.pptx
@@ -2884,8 +2884,8 @@
         </p:nvSpPr>
         <p:spPr>
           <a:xfrm rot="5400000">
-            <a:off x="604080" y="6447240"/>
-            <a:ext cx="177120" cy="146880"/>
+            <a:off x="605160" y="6447240"/>
+            <a:ext cx="176040" cy="145800"/>
           </a:xfrm>
           <a:prstGeom prst="triangle">
             <a:avLst>
@@ -2926,7 +2926,7 @@
         <p:spPr>
           <a:xfrm>
             <a:off x="1206360" y="3648240"/>
-            <a:ext cx="9739800" cy="1266480"/>
+            <a:ext cx="9738720" cy="1265400"/>
           </a:xfrm>
           <a:prstGeom prst="rect">
             <a:avLst/>
@@ -2968,7 +2968,7 @@
         <p:spPr>
           <a:xfrm>
             <a:off x="1219320" y="5638680"/>
-            <a:ext cx="9739800" cy="672120"/>
+            <a:ext cx="9738720" cy="671040"/>
           </a:xfrm>
           <a:prstGeom prst="rect">
             <a:avLst/>
@@ -3010,7 +3010,7 @@
         <p:spPr>
           <a:xfrm>
             <a:off x="1206360" y="3648240"/>
-            <a:ext cx="291240" cy="1266480"/>
+            <a:ext cx="290160" cy="1265400"/>
           </a:xfrm>
           <a:prstGeom prst="rect">
             <a:avLst/>
@@ -3049,7 +3049,7 @@
         <p:spPr>
           <a:xfrm>
             <a:off x="1219320" y="5638680"/>
-            <a:ext cx="291240" cy="672120"/>
+            <a:ext cx="290160" cy="671040"/>
           </a:xfrm>
           <a:prstGeom prst="rect">
             <a:avLst/>
@@ -3405,8 +3405,8 @@
         </p:nvSpPr>
         <p:spPr>
           <a:xfrm rot="5400000">
-            <a:off x="604080" y="6447240"/>
-            <a:ext cx="177120" cy="146880"/>
+            <a:off x="605160" y="6447240"/>
+            <a:ext cx="176040" cy="145800"/>
           </a:xfrm>
           <a:prstGeom prst="triangle">
             <a:avLst>
@@ -3475,8 +3475,8 @@
         </p:nvSpPr>
         <p:spPr>
           <a:xfrm rot="5400000">
-            <a:off x="604080" y="6447240"/>
-            <a:ext cx="177120" cy="146880"/>
+            <a:off x="605160" y="6447240"/>
+            <a:ext cx="176040" cy="145800"/>
           </a:xfrm>
           <a:prstGeom prst="triangle">
             <a:avLst>
@@ -3770,7 +3770,7 @@
         <p:spPr>
           <a:xfrm>
             <a:off x="1975680" y="3553920"/>
-            <a:ext cx="8520840" cy="977040"/>
+            <a:ext cx="8519760" cy="975960"/>
           </a:xfrm>
           <a:prstGeom prst="rect">
             <a:avLst/>
@@ -3827,7 +3827,7 @@
         <p:spPr>
           <a:xfrm>
             <a:off x="181440" y="2001960"/>
-            <a:ext cx="2840760" cy="2840760"/>
+            <a:ext cx="2839680" cy="2839680"/>
           </a:xfrm>
           <a:prstGeom prst="rect">
             <a:avLst/>
@@ -3846,7 +3846,7 @@
         <p:spPr>
           <a:xfrm>
             <a:off x="720000" y="5158800"/>
-            <a:ext cx="10870920" cy="1176120"/>
+            <a:ext cx="10869840" cy="1175040"/>
           </a:xfrm>
           <a:prstGeom prst="rect">
             <a:avLst/>
@@ -3909,7 +3909,7 @@
         <p:spPr>
           <a:xfrm>
             <a:off x="181440" y="196560"/>
-            <a:ext cx="2840760" cy="1054080"/>
+            <a:ext cx="2839680" cy="1053000"/>
           </a:xfrm>
           <a:prstGeom prst="rect">
             <a:avLst/>
@@ -3928,7 +3928,7 @@
         <p:spPr>
           <a:xfrm>
             <a:off x="3557880" y="93600"/>
-            <a:ext cx="8439120" cy="3045240"/>
+            <a:ext cx="8438040" cy="3045240"/>
           </a:xfrm>
           <a:prstGeom prst="rect">
             <a:avLst/>
@@ -4013,7 +4013,7 @@
         <p:spPr>
           <a:xfrm>
             <a:off x="181440" y="196920"/>
-            <a:ext cx="2842560" cy="1055880"/>
+            <a:ext cx="2841480" cy="1054800"/>
           </a:xfrm>
           <a:prstGeom prst="rect">
             <a:avLst/>
@@ -4036,7 +4036,7 @@
         <p:spPr>
           <a:xfrm>
             <a:off x="57960" y="2448000"/>
-            <a:ext cx="3538800" cy="3538800"/>
+            <a:ext cx="3537720" cy="3537720"/>
           </a:xfrm>
           <a:prstGeom prst="rect">
             <a:avLst/>
@@ -4055,7 +4055,7 @@
         <p:spPr>
           <a:xfrm>
             <a:off x="7632000" y="4716000"/>
-            <a:ext cx="3454920" cy="401760"/>
+            <a:ext cx="3453840" cy="400680"/>
           </a:xfrm>
           <a:prstGeom prst="rect">
             <a:avLst/>
@@ -4186,7 +4186,7 @@
         <p:spPr>
           <a:xfrm>
             <a:off x="248400" y="0"/>
-            <a:ext cx="11698920" cy="699120"/>
+            <a:ext cx="11697840" cy="699120"/>
           </a:xfrm>
           <a:prstGeom prst="rect">
             <a:avLst/>
@@ -4241,7 +4241,7 @@
         <p:spPr>
           <a:xfrm>
             <a:off x="248400" y="762120"/>
-            <a:ext cx="11698920" cy="1186920"/>
+            <a:ext cx="11697840" cy="1186920"/>
           </a:xfrm>
           <a:prstGeom prst="rect">
             <a:avLst/>
@@ -4362,7 +4362,7 @@
         <p:spPr>
           <a:xfrm>
             <a:off x="1523880" y="3801960"/>
-            <a:ext cx="8876160" cy="2147040"/>
+            <a:ext cx="8875080" cy="2147040"/>
           </a:xfrm>
           <a:prstGeom prst="rect">
             <a:avLst/>
@@ -4383,7 +4383,7 @@
             <a:spAutoFit/>
           </a:bodyPr>
           <a:p>
-            <a:pPr marL="285840" indent="-272160">
+            <a:pPr marL="285840" indent="-271080">
               <a:lnSpc>
                 <a:spcPct val="150000"/>
               </a:lnSpc>
@@ -4428,7 +4428,7 @@
             </a:endParaRPr>
           </a:p>
           <a:p>
-            <a:pPr marL="285840" indent="-272160">
+            <a:pPr marL="285840" indent="-271080">
               <a:lnSpc>
                 <a:spcPct val="150000"/>
               </a:lnSpc>
@@ -4473,7 +4473,7 @@
             </a:endParaRPr>
           </a:p>
           <a:p>
-            <a:pPr marL="285840" indent="-272160">
+            <a:pPr marL="285840" indent="-271080">
               <a:lnSpc>
                 <a:spcPct val="150000"/>
               </a:lnSpc>
@@ -4518,7 +4518,7 @@
             </a:endParaRPr>
           </a:p>
           <a:p>
-            <a:pPr marL="285840" indent="-272160">
+            <a:pPr marL="285840" indent="-271080">
               <a:lnSpc>
                 <a:spcPct val="150000"/>
               </a:lnSpc>
@@ -4608,7 +4608,7 @@
         <p:spPr>
           <a:xfrm>
             <a:off x="246600" y="2133720"/>
-            <a:ext cx="11700720" cy="699480"/>
+            <a:ext cx="11699640" cy="699480"/>
           </a:xfrm>
           <a:prstGeom prst="rect">
             <a:avLst/>
@@ -4709,7 +4709,7 @@
         <p:spPr>
           <a:xfrm>
             <a:off x="1676520" y="2362320"/>
-            <a:ext cx="8825400" cy="912600"/>
+            <a:ext cx="8824320" cy="912600"/>
           </a:xfrm>
           <a:prstGeom prst="rect">
             <a:avLst/>
@@ -4760,7 +4760,7 @@
         <p:spPr>
           <a:xfrm>
             <a:off x="522360" y="3531600"/>
-            <a:ext cx="11062440" cy="363960"/>
+            <a:ext cx="11061360" cy="363960"/>
           </a:xfrm>
           <a:prstGeom prst="rect">
             <a:avLst/>
@@ -4841,7 +4841,7 @@
         <p:spPr>
           <a:xfrm>
             <a:off x="248400" y="0"/>
-            <a:ext cx="11698920" cy="699120"/>
+            <a:ext cx="11697840" cy="699120"/>
           </a:xfrm>
           <a:prstGeom prst="rect">
             <a:avLst/>
@@ -4896,7 +4896,7 @@
         <p:spPr>
           <a:xfrm>
             <a:off x="248400" y="762120"/>
-            <a:ext cx="11698920" cy="1186920"/>
+            <a:ext cx="11697840" cy="1186920"/>
           </a:xfrm>
           <a:prstGeom prst="rect">
             <a:avLst/>
@@ -4997,7 +4997,7 @@
         <p:spPr>
           <a:xfrm>
             <a:off x="1523880" y="3480480"/>
-            <a:ext cx="8876160" cy="2558520"/>
+            <a:ext cx="8875080" cy="2558520"/>
           </a:xfrm>
           <a:prstGeom prst="rect">
             <a:avLst/>
@@ -5018,7 +5018,7 @@
             <a:spAutoFit/>
           </a:bodyPr>
           <a:p>
-            <a:pPr marL="285840" indent="-272160">
+            <a:pPr marL="285840" indent="-271080">
               <a:lnSpc>
                 <a:spcPct val="150000"/>
               </a:lnSpc>
@@ -5063,7 +5063,7 @@
             </a:endParaRPr>
           </a:p>
           <a:p>
-            <a:pPr marL="285840" indent="-272160">
+            <a:pPr marL="285840" indent="-271080">
               <a:lnSpc>
                 <a:spcPct val="150000"/>
               </a:lnSpc>
@@ -5108,7 +5108,7 @@
             </a:endParaRPr>
           </a:p>
           <a:p>
-            <a:pPr marL="285840" indent="-272160">
+            <a:pPr marL="285840" indent="-271080">
               <a:lnSpc>
                 <a:spcPct val="150000"/>
               </a:lnSpc>
@@ -5153,7 +5153,7 @@
             </a:endParaRPr>
           </a:p>
           <a:p>
-            <a:pPr marL="285840" indent="-272160">
+            <a:pPr marL="285840" indent="-271080">
               <a:lnSpc>
                 <a:spcPct val="150000"/>
               </a:lnSpc>
@@ -5198,7 +5198,7 @@
             </a:endParaRPr>
           </a:p>
           <a:p>
-            <a:pPr marL="285840" indent="-272160">
+            <a:pPr marL="285840" indent="-271080">
               <a:lnSpc>
                 <a:spcPct val="150000"/>
               </a:lnSpc>
@@ -5233,7 +5233,7 @@
             </a:endParaRPr>
           </a:p>
           <a:p>
-            <a:pPr marL="285840" indent="-272160">
+            <a:pPr marL="285840" indent="-271080">
               <a:lnSpc>
                 <a:spcPct val="150000"/>
               </a:lnSpc>
@@ -5313,7 +5313,7 @@
         <p:spPr>
           <a:xfrm>
             <a:off x="246600" y="2206440"/>
-            <a:ext cx="11700720" cy="699480"/>
+            <a:ext cx="11699640" cy="699480"/>
           </a:xfrm>
           <a:prstGeom prst="rect">
             <a:avLst/>
@@ -5414,7 +5414,7 @@
         <p:spPr>
           <a:xfrm>
             <a:off x="1676520" y="2362320"/>
-            <a:ext cx="8825400" cy="1735560"/>
+            <a:ext cx="8824320" cy="1735560"/>
           </a:xfrm>
           <a:prstGeom prst="rect">
             <a:avLst/>
@@ -5465,7 +5465,7 @@
         <p:spPr>
           <a:xfrm>
             <a:off x="522360" y="4323600"/>
-            <a:ext cx="11062440" cy="363960"/>
+            <a:ext cx="11061360" cy="363960"/>
           </a:xfrm>
           <a:prstGeom prst="rect">
             <a:avLst/>
@@ -5546,7 +5546,7 @@
         <p:spPr>
           <a:xfrm>
             <a:off x="248400" y="0"/>
-            <a:ext cx="11698920" cy="699120"/>
+            <a:ext cx="11697840" cy="699120"/>
           </a:xfrm>
           <a:prstGeom prst="rect">
             <a:avLst/>
@@ -5601,7 +5601,7 @@
         <p:spPr>
           <a:xfrm>
             <a:off x="248400" y="762120"/>
-            <a:ext cx="11698920" cy="2009880"/>
+            <a:ext cx="11697840" cy="2009880"/>
           </a:xfrm>
           <a:prstGeom prst="rect">
             <a:avLst/>
@@ -5742,7 +5742,7 @@
         <p:spPr>
           <a:xfrm>
             <a:off x="1523880" y="4344480"/>
-            <a:ext cx="8876160" cy="2147040"/>
+            <a:ext cx="8875080" cy="2147040"/>
           </a:xfrm>
           <a:prstGeom prst="rect">
             <a:avLst/>
@@ -5763,7 +5763,7 @@
             <a:spAutoFit/>
           </a:bodyPr>
           <a:p>
-            <a:pPr marL="285840" indent="-272160">
+            <a:pPr marL="285840" indent="-271080">
               <a:lnSpc>
                 <a:spcPct val="150000"/>
               </a:lnSpc>
@@ -5808,7 +5808,7 @@
             </a:endParaRPr>
           </a:p>
           <a:p>
-            <a:pPr marL="285840" indent="-272160">
+            <a:pPr marL="285840" indent="-271080">
               <a:lnSpc>
                 <a:spcPct val="150000"/>
               </a:lnSpc>
@@ -5853,7 +5853,7 @@
             </a:endParaRPr>
           </a:p>
           <a:p>
-            <a:pPr marL="285840" indent="-272160">
+            <a:pPr marL="285840" indent="-271080">
               <a:lnSpc>
                 <a:spcPct val="150000"/>
               </a:lnSpc>
@@ -5898,7 +5898,7 @@
             </a:endParaRPr>
           </a:p>
           <a:p>
-            <a:pPr marL="285840" indent="-272160">
+            <a:pPr marL="285840" indent="-271080">
               <a:lnSpc>
                 <a:spcPct val="150000"/>
               </a:lnSpc>
@@ -5943,7 +5943,7 @@
             </a:endParaRPr>
           </a:p>
           <a:p>
-            <a:pPr marL="285840" indent="-272160">
+            <a:pPr marL="285840" indent="-271080">
               <a:lnSpc>
                 <a:spcPct val="150000"/>
               </a:lnSpc>
@@ -6033,7 +6033,7 @@
         <p:spPr>
           <a:xfrm>
             <a:off x="246600" y="2845080"/>
-            <a:ext cx="11700720" cy="1309320"/>
+            <a:ext cx="11699640" cy="1309320"/>
           </a:xfrm>
           <a:prstGeom prst="rect">
             <a:avLst/>
@@ -6174,7 +6174,7 @@
         <p:spPr>
           <a:xfrm>
             <a:off x="1676520" y="2362320"/>
-            <a:ext cx="8825400" cy="912600"/>
+            <a:ext cx="8824320" cy="912600"/>
           </a:xfrm>
           <a:prstGeom prst="rect">
             <a:avLst/>
@@ -6225,7 +6225,7 @@
         <p:spPr>
           <a:xfrm>
             <a:off x="522360" y="3531600"/>
-            <a:ext cx="11062440" cy="363960"/>
+            <a:ext cx="11061360" cy="363960"/>
           </a:xfrm>
           <a:prstGeom prst="rect">
             <a:avLst/>
@@ -6306,7 +6306,7 @@
         <p:spPr>
           <a:xfrm>
             <a:off x="248400" y="0"/>
-            <a:ext cx="11698920" cy="699120"/>
+            <a:ext cx="11697840" cy="699120"/>
           </a:xfrm>
           <a:prstGeom prst="rect">
             <a:avLst/>
@@ -6361,7 +6361,7 @@
         <p:spPr>
           <a:xfrm>
             <a:off x="248400" y="762120"/>
-            <a:ext cx="11698920" cy="912600"/>
+            <a:ext cx="11697840" cy="912600"/>
           </a:xfrm>
           <a:prstGeom prst="rect">
             <a:avLst/>
@@ -6462,7 +6462,7 @@
         <p:spPr>
           <a:xfrm>
             <a:off x="1600200" y="2685600"/>
-            <a:ext cx="8876160" cy="1735560"/>
+            <a:ext cx="8875080" cy="1735560"/>
           </a:xfrm>
           <a:prstGeom prst="rect">
             <a:avLst/>
@@ -6483,7 +6483,7 @@
             <a:spAutoFit/>
           </a:bodyPr>
           <a:p>
-            <a:pPr marL="285840" indent="-272160">
+            <a:pPr marL="285840" indent="-271080">
               <a:lnSpc>
                 <a:spcPct val="150000"/>
               </a:lnSpc>
@@ -6528,7 +6528,7 @@
             </a:endParaRPr>
           </a:p>
           <a:p>
-            <a:pPr marL="285840" indent="-272160">
+            <a:pPr marL="285840" indent="-271080">
               <a:lnSpc>
                 <a:spcPct val="150000"/>
               </a:lnSpc>
@@ -6573,7 +6573,7 @@
             </a:endParaRPr>
           </a:p>
           <a:p>
-            <a:pPr marL="285840" indent="-272160">
+            <a:pPr marL="285840" indent="-271080">
               <a:lnSpc>
                 <a:spcPct val="150000"/>
               </a:lnSpc>
@@ -6618,7 +6618,7 @@
             </a:endParaRPr>
           </a:p>
           <a:p>
-            <a:pPr marL="285840" indent="-272160">
+            <a:pPr marL="285840" indent="-271080">
               <a:lnSpc>
                 <a:spcPct val="150000"/>
               </a:lnSpc>
@@ -6673,7 +6673,7 @@
         <p:spPr>
           <a:xfrm>
             <a:off x="1656000" y="4533480"/>
-            <a:ext cx="8986680" cy="1356840"/>
+            <a:ext cx="8985600" cy="1355760"/>
           </a:xfrm>
           <a:prstGeom prst="rect">
             <a:avLst/>
@@ -6694,7 +6694,7 @@
             <a:noAutofit/>
           </a:bodyPr>
           <a:p>
-            <a:pPr marL="216000" indent="-205560">
+            <a:pPr marL="216000" indent="-204480">
               <a:lnSpc>
                 <a:spcPct val="150000"/>
               </a:lnSpc>
@@ -6729,7 +6729,7 @@
             </a:endParaRPr>
           </a:p>
           <a:p>
-            <a:pPr marL="216000" indent="-205560">
+            <a:pPr marL="216000" indent="-204480">
               <a:lnSpc>
                 <a:spcPct val="150000"/>
               </a:lnSpc>
@@ -6764,7 +6764,7 @@
             </a:endParaRPr>
           </a:p>
           <a:p>
-            <a:pPr marL="216000" indent="-205560">
+            <a:pPr marL="216000" indent="-204480">
               <a:lnSpc>
                 <a:spcPct val="150000"/>
               </a:lnSpc>
@@ -6799,7 +6799,7 @@
             </a:endParaRPr>
           </a:p>
           <a:p>
-            <a:pPr marL="216000" indent="-205560">
+            <a:pPr marL="216000" indent="-204480">
               <a:lnSpc>
                 <a:spcPct val="150000"/>
               </a:lnSpc>
@@ -6834,7 +6834,7 @@
             </a:endParaRPr>
           </a:p>
           <a:p>
-            <a:pPr marL="216000" indent="-205560">
+            <a:pPr marL="216000" indent="-204480">
               <a:lnSpc>
                 <a:spcPct val="150000"/>
               </a:lnSpc>
@@ -6914,7 +6914,7 @@
         <p:spPr>
           <a:xfrm>
             <a:off x="246600" y="1742040"/>
-            <a:ext cx="11700720" cy="699480"/>
+            <a:ext cx="11699640" cy="699480"/>
           </a:xfrm>
           <a:prstGeom prst="rect">
             <a:avLst/>
@@ -7015,7 +7015,7 @@
         <p:spPr>
           <a:xfrm>
             <a:off x="1676520" y="2362320"/>
-            <a:ext cx="8825400" cy="912600"/>
+            <a:ext cx="8824320" cy="912600"/>
           </a:xfrm>
           <a:prstGeom prst="rect">
             <a:avLst/>
@@ -7066,7 +7066,7 @@
         <p:spPr>
           <a:xfrm>
             <a:off x="522360" y="3531600"/>
-            <a:ext cx="11062440" cy="363960"/>
+            <a:ext cx="11061360" cy="363960"/>
           </a:xfrm>
           <a:prstGeom prst="rect">
             <a:avLst/>
@@ -7147,7 +7147,7 @@
         <p:spPr>
           <a:xfrm>
             <a:off x="248400" y="0"/>
-            <a:ext cx="11698920" cy="699120"/>
+            <a:ext cx="11697840" cy="699120"/>
           </a:xfrm>
           <a:prstGeom prst="rect">
             <a:avLst/>
@@ -7202,7 +7202,7 @@
         <p:spPr>
           <a:xfrm>
             <a:off x="248400" y="762120"/>
-            <a:ext cx="11698920" cy="668880"/>
+            <a:ext cx="11697840" cy="668880"/>
           </a:xfrm>
           <a:prstGeom prst="rect">
             <a:avLst/>
@@ -7293,7 +7293,7 @@
         <p:spPr>
           <a:xfrm>
             <a:off x="1600200" y="3909600"/>
-            <a:ext cx="8876160" cy="1324080"/>
+            <a:ext cx="8875080" cy="1324080"/>
           </a:xfrm>
           <a:prstGeom prst="rect">
             <a:avLst/>
@@ -7314,7 +7314,7 @@
             <a:spAutoFit/>
           </a:bodyPr>
           <a:p>
-            <a:pPr marL="285840" indent="-272160">
+            <a:pPr marL="285840" indent="-271080">
               <a:lnSpc>
                 <a:spcPct val="150000"/>
               </a:lnSpc>
@@ -7359,7 +7359,7 @@
             </a:endParaRPr>
           </a:p>
           <a:p>
-            <a:pPr marL="285840" indent="-272160">
+            <a:pPr marL="285840" indent="-271080">
               <a:lnSpc>
                 <a:spcPct val="150000"/>
               </a:lnSpc>
@@ -7404,7 +7404,7 @@
             </a:endParaRPr>
           </a:p>
           <a:p>
-            <a:pPr marL="285840" indent="-272160">
+            <a:pPr marL="285840" indent="-271080">
               <a:lnSpc>
                 <a:spcPct val="150000"/>
               </a:lnSpc>
@@ -7459,7 +7459,7 @@
         <p:spPr>
           <a:xfrm>
             <a:off x="1584000" y="5246640"/>
-            <a:ext cx="8842680" cy="1003320"/>
+            <a:ext cx="8841600" cy="1002240"/>
           </a:xfrm>
           <a:prstGeom prst="rect">
             <a:avLst/>
@@ -7510,7 +7510,7 @@
             </a:endParaRPr>
           </a:p>
           <a:p>
-            <a:pPr marL="216000" indent="-202680">
+            <a:pPr marL="216000" indent="-201600">
               <a:lnSpc>
                 <a:spcPct val="100000"/>
               </a:lnSpc>
@@ -7536,7 +7536,7 @@
             </a:endParaRPr>
           </a:p>
           <a:p>
-            <a:pPr marL="216000" indent="-202680">
+            <a:pPr marL="216000" indent="-201600">
               <a:lnSpc>
                 <a:spcPct val="100000"/>
               </a:lnSpc>
@@ -7572,7 +7572,7 @@
         <p:spPr>
           <a:xfrm>
             <a:off x="1576080" y="3161880"/>
-            <a:ext cx="9570600" cy="640800"/>
+            <a:ext cx="9569520" cy="639720"/>
           </a:xfrm>
           <a:prstGeom prst="rect">
             <a:avLst/>
@@ -7688,7 +7688,7 @@
         <p:spPr>
           <a:xfrm>
             <a:off x="246600" y="1742040"/>
-            <a:ext cx="11700720" cy="699480"/>
+            <a:ext cx="11699640" cy="699480"/>
           </a:xfrm>
           <a:prstGeom prst="rect">
             <a:avLst/>
@@ -7789,7 +7789,7 @@
         <p:spPr>
           <a:xfrm>
             <a:off x="1676520" y="2362320"/>
-            <a:ext cx="8825400" cy="912600"/>
+            <a:ext cx="8824320" cy="912600"/>
           </a:xfrm>
           <a:prstGeom prst="rect">
             <a:avLst/>
@@ -7840,7 +7840,7 @@
         <p:spPr>
           <a:xfrm>
             <a:off x="522360" y="3531600"/>
-            <a:ext cx="11062440" cy="363960"/>
+            <a:ext cx="11061360" cy="363960"/>
           </a:xfrm>
           <a:prstGeom prst="rect">
             <a:avLst/>
@@ -7921,7 +7921,7 @@
         <p:spPr>
           <a:xfrm>
             <a:off x="1676520" y="2362320"/>
-            <a:ext cx="8825400" cy="912600"/>
+            <a:ext cx="8824320" cy="912600"/>
           </a:xfrm>
           <a:prstGeom prst="rect">
             <a:avLst/>
@@ -7972,7 +7972,7 @@
         <p:spPr>
           <a:xfrm>
             <a:off x="522360" y="3531600"/>
-            <a:ext cx="11134440" cy="1186920"/>
+            <a:ext cx="11133360" cy="1186920"/>
           </a:xfrm>
           <a:prstGeom prst="rect">
             <a:avLst/>
@@ -8023,7 +8023,7 @@
         <p:spPr>
           <a:xfrm>
             <a:off x="1666800" y="609480"/>
-            <a:ext cx="8825400" cy="394560"/>
+            <a:ext cx="8824320" cy="394560"/>
           </a:xfrm>
           <a:prstGeom prst="rect">
             <a:avLst/>
@@ -8104,7 +8104,7 @@
         <p:spPr>
           <a:xfrm>
             <a:off x="248400" y="0"/>
-            <a:ext cx="11698920" cy="699120"/>
+            <a:ext cx="11697840" cy="699120"/>
           </a:xfrm>
           <a:prstGeom prst="rect">
             <a:avLst/>
@@ -8159,7 +8159,7 @@
         <p:spPr>
           <a:xfrm>
             <a:off x="248400" y="762120"/>
-            <a:ext cx="11698920" cy="1461240"/>
+            <a:ext cx="11697840" cy="1461240"/>
           </a:xfrm>
           <a:prstGeom prst="rect">
             <a:avLst/>
@@ -8260,7 +8260,7 @@
         <p:spPr>
           <a:xfrm>
             <a:off x="1600200" y="3585600"/>
-            <a:ext cx="8876160" cy="2558520"/>
+            <a:ext cx="8875080" cy="2558520"/>
           </a:xfrm>
           <a:prstGeom prst="rect">
             <a:avLst/>
@@ -8301,7 +8301,7 @@
             </a:endParaRPr>
           </a:p>
           <a:p>
-            <a:pPr marL="285840" indent="-272160">
+            <a:pPr marL="285840" indent="-271080">
               <a:lnSpc>
                 <a:spcPct val="150000"/>
               </a:lnSpc>
@@ -8346,7 +8346,7 @@
             </a:endParaRPr>
           </a:p>
           <a:p>
-            <a:pPr marL="285840" indent="-272160">
+            <a:pPr marL="285840" indent="-271080">
               <a:lnSpc>
                 <a:spcPct val="150000"/>
               </a:lnSpc>
@@ -8411,7 +8411,7 @@
             </a:endParaRPr>
           </a:p>
           <a:p>
-            <a:pPr marL="285840" indent="-272160">
+            <a:pPr marL="285840" indent="-271080">
               <a:lnSpc>
                 <a:spcPct val="150000"/>
               </a:lnSpc>
@@ -8456,7 +8456,7 @@
             </a:endParaRPr>
           </a:p>
           <a:p>
-            <a:pPr marL="285840" indent="-272160">
+            <a:pPr marL="285840" indent="-271080">
               <a:lnSpc>
                 <a:spcPct val="150000"/>
               </a:lnSpc>
@@ -8546,7 +8546,7 @@
         <p:spPr>
           <a:xfrm>
             <a:off x="246600" y="2322360"/>
-            <a:ext cx="11700720" cy="699480"/>
+            <a:ext cx="11699640" cy="699480"/>
           </a:xfrm>
           <a:prstGeom prst="rect">
             <a:avLst/>
@@ -8647,7 +8647,7 @@
         <p:spPr>
           <a:xfrm>
             <a:off x="1676520" y="2362320"/>
-            <a:ext cx="8825400" cy="1735560"/>
+            <a:ext cx="8824320" cy="1735560"/>
           </a:xfrm>
           <a:prstGeom prst="rect">
             <a:avLst/>
@@ -8698,7 +8698,7 @@
         <p:spPr>
           <a:xfrm>
             <a:off x="522360" y="3531600"/>
-            <a:ext cx="11062440" cy="363960"/>
+            <a:ext cx="11061360" cy="363960"/>
           </a:xfrm>
           <a:prstGeom prst="rect">
             <a:avLst/>
@@ -8779,7 +8779,7 @@
         <p:spPr>
           <a:xfrm>
             <a:off x="248400" y="0"/>
-            <a:ext cx="11698920" cy="699120"/>
+            <a:ext cx="11697840" cy="699120"/>
           </a:xfrm>
           <a:prstGeom prst="rect">
             <a:avLst/>
@@ -8834,7 +8834,7 @@
         <p:spPr>
           <a:xfrm>
             <a:off x="248400" y="762120"/>
-            <a:ext cx="11621520" cy="2284200"/>
+            <a:ext cx="11620440" cy="2284200"/>
           </a:xfrm>
           <a:prstGeom prst="rect">
             <a:avLst/>
@@ -8975,7 +8975,7 @@
         <p:spPr>
           <a:xfrm>
             <a:off x="864000" y="4197600"/>
-            <a:ext cx="11005920" cy="1324080"/>
+            <a:ext cx="11004840" cy="1324080"/>
           </a:xfrm>
           <a:prstGeom prst="rect">
             <a:avLst/>
@@ -8996,7 +8996,7 @@
             <a:spAutoFit/>
           </a:bodyPr>
           <a:p>
-            <a:pPr marL="285840" indent="-272160">
+            <a:pPr marL="285840" indent="-271080">
               <a:lnSpc>
                 <a:spcPct val="150000"/>
               </a:lnSpc>
@@ -9041,7 +9041,7 @@
             </a:endParaRPr>
           </a:p>
           <a:p>
-            <a:pPr marL="285840" indent="-272160">
+            <a:pPr marL="285840" indent="-271080">
               <a:lnSpc>
                 <a:spcPct val="150000"/>
               </a:lnSpc>
@@ -9086,7 +9086,7 @@
             </a:endParaRPr>
           </a:p>
           <a:p>
-            <a:pPr marL="285840" indent="-272160">
+            <a:pPr marL="285840" indent="-271080">
               <a:lnSpc>
                 <a:spcPct val="150000"/>
               </a:lnSpc>
@@ -9141,7 +9141,7 @@
         <p:spPr>
           <a:xfrm>
             <a:off x="1584000" y="5610240"/>
-            <a:ext cx="8842680" cy="1003320"/>
+            <a:ext cx="8841600" cy="1002240"/>
           </a:xfrm>
           <a:prstGeom prst="rect">
             <a:avLst/>
@@ -9192,7 +9192,7 @@
             </a:endParaRPr>
           </a:p>
           <a:p>
-            <a:pPr marL="285840" indent="-275040">
+            <a:pPr marL="285840" indent="-273960">
               <a:lnSpc>
                 <a:spcPct val="100000"/>
               </a:lnSpc>
@@ -9227,7 +9227,7 @@
             </a:endParaRPr>
           </a:p>
           <a:p>
-            <a:pPr marL="285840" indent="-275040">
+            <a:pPr marL="285840" indent="-273960">
               <a:lnSpc>
                 <a:spcPct val="100000"/>
               </a:lnSpc>
@@ -9307,7 +9307,7 @@
         <p:spPr>
           <a:xfrm>
             <a:off x="246600" y="3120840"/>
-            <a:ext cx="11700720" cy="1004400"/>
+            <a:ext cx="11699640" cy="1004400"/>
           </a:xfrm>
           <a:prstGeom prst="rect">
             <a:avLst/>
@@ -9428,7 +9428,7 @@
         <p:spPr>
           <a:xfrm>
             <a:off x="1676520" y="2362320"/>
-            <a:ext cx="8825400" cy="1735560"/>
+            <a:ext cx="8824320" cy="1735560"/>
           </a:xfrm>
           <a:prstGeom prst="rect">
             <a:avLst/>
@@ -9479,7 +9479,7 @@
         <p:spPr>
           <a:xfrm>
             <a:off x="522360" y="3531600"/>
-            <a:ext cx="11062440" cy="363960"/>
+            <a:ext cx="11061360" cy="363960"/>
           </a:xfrm>
           <a:prstGeom prst="rect">
             <a:avLst/>
@@ -9529,7 +9529,7 @@
         </p:nvGraphicFramePr>
         <p:xfrm>
           <a:off x="131040" y="154800"/>
-          <a:ext cx="5293800" cy="1285200"/>
+          <a:ext cx="5293800" cy="1830240"/>
         </p:xfrm>
         <a:graphic>
           <a:graphicData uri="http://schemas.openxmlformats.org/drawingml/2006/table">
@@ -9540,7 +9540,7 @@
                 <a:gridCol w="1764360"/>
                 <a:gridCol w="1765440"/>
               </a:tblGrid>
-              <a:tr h="347760">
+              <a:tr h="366120">
                 <a:tc gridSpan="3">
                   <a:txBody>
                     <a:bodyPr lIns="90000" rIns="90000">
@@ -9593,26 +9593,6 @@
                 </a:tc>
                 <a:tc hMerge="1">
                   <a:tcPr marL="90000" marR="90000">
-                    <a:lnL w="4320">
-                      <a:solidFill>
-                        <a:srgbClr val="000000"/>
-                      </a:solidFill>
-                    </a:lnL>
-                    <a:lnR w="4320">
-                      <a:solidFill>
-                        <a:srgbClr val="000000"/>
-                      </a:solidFill>
-                    </a:lnR>
-                    <a:lnT w="4320">
-                      <a:solidFill>
-                        <a:srgbClr val="000000"/>
-                      </a:solidFill>
-                    </a:lnT>
-                    <a:lnB w="4320">
-                      <a:solidFill>
-                        <a:srgbClr val="000000"/>
-                      </a:solidFill>
-                    </a:lnB>
                     <a:solidFill>
                       <a:srgbClr val="729fcf"/>
                     </a:solidFill>
@@ -9620,33 +9600,13 @@
                 </a:tc>
                 <a:tc hMerge="1">
                   <a:tcPr marL="90000" marR="90000">
-                    <a:lnL w="4320">
-                      <a:solidFill>
-                        <a:srgbClr val="000000"/>
-                      </a:solidFill>
-                    </a:lnL>
-                    <a:lnR w="4320">
-                      <a:solidFill>
-                        <a:srgbClr val="000000"/>
-                      </a:solidFill>
-                    </a:lnR>
-                    <a:lnT w="4320">
-                      <a:solidFill>
-                        <a:srgbClr val="000000"/>
-                      </a:solidFill>
-                    </a:lnT>
-                    <a:lnB w="4320">
-                      <a:solidFill>
-                        <a:srgbClr val="000000"/>
-                      </a:solidFill>
-                    </a:lnB>
                     <a:solidFill>
                       <a:srgbClr val="729fcf"/>
                     </a:solidFill>
                   </a:tcPr>
                 </a:tc>
               </a:tr>
-              <a:tr h="347760">
+              <a:tr h="366120">
                 <a:tc gridSpan="2">
                   <a:txBody>
                     <a:bodyPr lIns="90000" rIns="90000">
@@ -9699,26 +9659,6 @@
                 </a:tc>
                 <a:tc hMerge="1">
                   <a:tcPr marL="90000" marR="90000">
-                    <a:lnL w="4320">
-                      <a:solidFill>
-                        <a:srgbClr val="000000"/>
-                      </a:solidFill>
-                    </a:lnL>
-                    <a:lnR w="4320">
-                      <a:solidFill>
-                        <a:srgbClr val="000000"/>
-                      </a:solidFill>
-                    </a:lnR>
-                    <a:lnT w="4320">
-                      <a:solidFill>
-                        <a:srgbClr val="000000"/>
-                      </a:solidFill>
-                    </a:lnT>
-                    <a:lnB w="4320">
-                      <a:solidFill>
-                        <a:srgbClr val="000000"/>
-                      </a:solidFill>
-                    </a:lnB>
                     <a:solidFill>
                       <a:srgbClr val="729fcf"/>
                     </a:solidFill>
@@ -9775,7 +9715,7 @@
                   </a:tcPr>
                 </a:tc>
               </a:tr>
-              <a:tr h="347760">
+              <a:tr h="366120">
                 <a:tc>
                   <a:txBody>
                     <a:bodyPr lIns="90000" rIns="90000">
@@ -9957,7 +9897,7 @@
                   </a:tcPr>
                 </a:tc>
               </a:tr>
-              <a:tr h="347760">
+              <a:tr h="366120">
                 <a:tc>
                   <a:txBody>
                     <a:bodyPr lIns="90000" rIns="90000">
@@ -10139,7 +10079,7 @@
                   </a:tcPr>
                 </a:tc>
               </a:tr>
-              <a:tr h="347760">
+              <a:tr h="366120">
                 <a:tc>
                   <a:txBody>
                     <a:bodyPr lIns="90000" rIns="90000">
@@ -10263,7 +10203,7 @@
         </p:nvGraphicFramePr>
         <p:xfrm>
           <a:off x="1500480" y="4444920"/>
-          <a:ext cx="7571520" cy="1158480"/>
+          <a:ext cx="7571160" cy="1158480"/>
         </p:xfrm>
         <a:graphic>
           <a:graphicData uri="http://schemas.openxmlformats.org/drawingml/2006/table">
@@ -10327,54 +10267,7 @@
                   </a:tcPr>
                 </a:tc>
                 <a:tc hMerge="1">
-                  <a:tcPr>
-                    <a:lnL w="4320">
-                      <a:solidFill>
-                        <a:srgbClr val="000000"/>
-                      </a:solidFill>
-                    </a:lnL>
-                    <a:lnR w="4320">
-                      <a:solidFill>
-                        <a:srgbClr val="000000"/>
-                      </a:solidFill>
-                    </a:lnR>
-                    <a:lnT w="4320">
-                      <a:solidFill>
-                        <a:srgbClr val="000000"/>
-                      </a:solidFill>
-                    </a:lnT>
-                    <a:lnB w="4320">
-                      <a:solidFill>
-                        <a:srgbClr val="000000"/>
-                      </a:solidFill>
-                    </a:lnB>
-                    <a:solidFill>
-                      <a:srgbClr val="729fcf"/>
-                    </a:solidFill>
-                  </a:tcPr>
-                </a:tc>
-                <a:tc hMerge="1">
-                  <a:tcPr>
-                    <a:lnL w="4320">
-                      <a:solidFill>
-                        <a:srgbClr val="000000"/>
-                      </a:solidFill>
-                    </a:lnL>
-                    <a:lnR w="4320">
-                      <a:solidFill>
-                        <a:srgbClr val="000000"/>
-                      </a:solidFill>
-                    </a:lnR>
-                    <a:lnT w="4320">
-                      <a:solidFill>
-                        <a:srgbClr val="000000"/>
-                      </a:solidFill>
-                    </a:lnT>
-                    <a:lnB w="4320">
-                      <a:solidFill>
-                        <a:srgbClr val="000000"/>
-                      </a:solidFill>
-                    </a:lnB>
+                  <a:tcPr marL="90000" marR="90000">
                     <a:solidFill>
                       <a:srgbClr val="729fcf"/>
                     </a:solidFill>
@@ -10382,26 +10275,13 @@
                 </a:tc>
                 <a:tc hMerge="1">
                   <a:tcPr marL="90000" marR="90000">
-                    <a:lnL w="4320">
-                      <a:solidFill>
-                        <a:srgbClr val="000000"/>
-                      </a:solidFill>
-                    </a:lnL>
-                    <a:lnR w="4320">
-                      <a:solidFill>
-                        <a:srgbClr val="000000"/>
-                      </a:solidFill>
-                    </a:lnR>
-                    <a:lnT w="4320">
-                      <a:solidFill>
-                        <a:srgbClr val="000000"/>
-                      </a:solidFill>
-                    </a:lnT>
-                    <a:lnB w="4320">
-                      <a:solidFill>
-                        <a:srgbClr val="000000"/>
-                      </a:solidFill>
-                    </a:lnB>
+                    <a:solidFill>
+                      <a:srgbClr val="729fcf"/>
+                    </a:solidFill>
+                  </a:tcPr>
+                </a:tc>
+                <a:tc hMerge="1">
+                  <a:tcPr marL="90000" marR="90000">
                     <a:solidFill>
                       <a:srgbClr val="729fcf"/>
                     </a:solidFill>
@@ -10429,12 +10309,8 @@
                         </a:rPr>
                         <a:t>KEYS</a:t>
                       </a:r>
-                      <a:endParaRPr b="1" lang="en-IN" sz="1800" spc="-1" strike="noStrike">
-                        <a:solidFill>
-                          <a:srgbClr val="283593"/>
-                        </a:solidFill>
+                      <a:endParaRPr b="0" lang="en-IN" sz="1800" spc="-1" strike="noStrike">
                         <a:latin typeface="Arial"/>
-                        <a:ea typeface="DejaVu Sans"/>
                       </a:endParaRPr>
                     </a:p>
                   </a:txBody>
@@ -10468,7 +10344,11 @@
                       <a:noAutofit/>
                     </a:bodyPr>
                     <a:p>
-                      <a:pPr algn="ctr"/>
+                      <a:pPr algn="ctr">
+                        <a:lnSpc>
+                          <a:spcPct val="100000"/>
+                        </a:lnSpc>
+                      </a:pPr>
                       <a:r>
                         <a:rPr b="1" lang="en-IN" sz="1800" spc="-1" strike="noStrike">
                           <a:solidFill>
@@ -10509,7 +10389,11 @@
                       <a:noAutofit/>
                     </a:bodyPr>
                     <a:p>
-                      <a:pPr algn="ctr"/>
+                      <a:pPr algn="ctr">
+                        <a:lnSpc>
+                          <a:spcPct val="100000"/>
+                        </a:lnSpc>
+                      </a:pPr>
                       <a:r>
                         <a:rPr b="1" lang="en-IN" sz="1800" spc="-1" strike="noStrike">
                           <a:solidFill>
@@ -10555,7 +10439,10 @@
                       <a:noAutofit/>
                     </a:bodyPr>
                     <a:p>
-                      <a:pPr marL="216000" indent="-216000" algn="ctr">
+                      <a:pPr marL="216000" indent="-214920" algn="ctr">
+                        <a:lnSpc>
+                          <a:spcPct val="100000"/>
+                        </a:lnSpc>
                         <a:buClr>
                           <a:srgbClr val="000000"/>
                         </a:buClr>
@@ -10633,12 +10520,8 @@
                         </a:rPr>
                         <a:t>randomkey</a:t>
                       </a:r>
-                      <a:endParaRPr b="1" lang="en-IN" sz="1800" spc="-1" strike="noStrike">
-                        <a:solidFill>
-                          <a:srgbClr val="424242"/>
-                        </a:solidFill>
+                      <a:endParaRPr b="0" lang="en-IN" sz="1800" spc="-1" strike="noStrike">
                         <a:latin typeface="Arial"/>
-                        <a:ea typeface="DejaVu Sans"/>
                       </a:endParaRPr>
                     </a:p>
                   </a:txBody>
@@ -10690,12 +10573,8 @@
                         </a:rPr>
                         <a:t>hrandfield key</a:t>
                       </a:r>
-                      <a:endParaRPr b="1" lang="en-IN" sz="1800" spc="-1" strike="noStrike">
-                        <a:solidFill>
-                          <a:srgbClr val="424242"/>
-                        </a:solidFill>
+                      <a:endParaRPr b="0" lang="en-IN" sz="1800" spc="-1" strike="noStrike">
                         <a:latin typeface="Arial"/>
-                        <a:ea typeface="DejaVu Sans"/>
                       </a:endParaRPr>
                     </a:p>
                   </a:txBody>
@@ -10752,12 +10631,8 @@
                         </a:rPr>
                         <a:t>srandmember</a:t>
                       </a:r>
-                      <a:endParaRPr b="1" lang="en-IN" sz="1800" spc="-1" strike="noStrike">
-                        <a:solidFill>
-                          <a:srgbClr val="424242"/>
-                        </a:solidFill>
+                      <a:endParaRPr b="0" lang="en-IN" sz="1800" spc="-1" strike="noStrike">
                         <a:latin typeface="Arial"/>
-                        <a:ea typeface="DejaVu Sans"/>
                       </a:endParaRPr>
                     </a:p>
                   </a:txBody>
@@ -10809,12 +10684,8 @@
                         </a:rPr>
                         <a:t>zrandmember key</a:t>
                       </a:r>
-                      <a:endParaRPr b="1" lang="en-IN" sz="1800" spc="-1" strike="noStrike">
-                        <a:solidFill>
-                          <a:srgbClr val="424242"/>
-                        </a:solidFill>
+                      <a:endParaRPr b="0" lang="en-IN" sz="1800" spc="-1" strike="noStrike">
                         <a:latin typeface="Arial"/>
-                        <a:ea typeface="DejaVu Sans"/>
                       </a:endParaRPr>
                     </a:p>
                   </a:txBody>
@@ -10881,7 +10752,7 @@
         <p:spPr>
           <a:xfrm>
             <a:off x="248400" y="0"/>
-            <a:ext cx="11698920" cy="699120"/>
+            <a:ext cx="11697840" cy="699120"/>
           </a:xfrm>
           <a:prstGeom prst="rect">
             <a:avLst/>
@@ -10936,7 +10807,7 @@
         <p:spPr>
           <a:xfrm>
             <a:off x="248400" y="762120"/>
-            <a:ext cx="11698920" cy="2284200"/>
+            <a:ext cx="11697840" cy="2284200"/>
           </a:xfrm>
           <a:prstGeom prst="rect">
             <a:avLst/>
@@ -11077,7 +10948,7 @@
         <p:spPr>
           <a:xfrm>
             <a:off x="1600200" y="4593600"/>
-            <a:ext cx="8876160" cy="912600"/>
+            <a:ext cx="8875080" cy="912600"/>
           </a:xfrm>
           <a:prstGeom prst="rect">
             <a:avLst/>
@@ -11098,7 +10969,7 @@
             <a:spAutoFit/>
           </a:bodyPr>
           <a:p>
-            <a:pPr marL="285840" indent="-272160">
+            <a:pPr marL="285840" indent="-271080">
               <a:lnSpc>
                 <a:spcPct val="150000"/>
               </a:lnSpc>
@@ -11143,7 +11014,7 @@
             </a:endParaRPr>
           </a:p>
           <a:p>
-            <a:pPr marL="285840" indent="-272160">
+            <a:pPr marL="285840" indent="-271080">
               <a:lnSpc>
                 <a:spcPct val="150000"/>
               </a:lnSpc>
@@ -11198,7 +11069,7 @@
         <p:spPr>
           <a:xfrm>
             <a:off x="1584000" y="5790240"/>
-            <a:ext cx="8842680" cy="67680"/>
+            <a:ext cx="8841600" cy="66600"/>
           </a:xfrm>
           <a:prstGeom prst="rect">
             <a:avLst/>
@@ -11249,7 +11120,7 @@
             </a:endParaRPr>
           </a:p>
           <a:p>
-            <a:pPr marL="285840" indent="-275040">
+            <a:pPr marL="285840" indent="-273960">
               <a:lnSpc>
                 <a:spcPct val="100000"/>
               </a:lnSpc>
@@ -11319,7 +11190,7 @@
         <p:spPr>
           <a:xfrm>
             <a:off x="246600" y="3048120"/>
-            <a:ext cx="11700720" cy="1004400"/>
+            <a:ext cx="11699640" cy="1004400"/>
           </a:xfrm>
           <a:prstGeom prst="rect">
             <a:avLst/>
@@ -11440,7 +11311,7 @@
         <p:spPr>
           <a:xfrm>
             <a:off x="1676520" y="2362320"/>
-            <a:ext cx="8825400" cy="912600"/>
+            <a:ext cx="8824320" cy="912600"/>
           </a:xfrm>
           <a:prstGeom prst="rect">
             <a:avLst/>
@@ -11491,7 +11362,7 @@
         <p:spPr>
           <a:xfrm>
             <a:off x="522360" y="3531600"/>
-            <a:ext cx="11062440" cy="363960"/>
+            <a:ext cx="11061360" cy="363960"/>
           </a:xfrm>
           <a:prstGeom prst="rect">
             <a:avLst/>
@@ -12246,7 +12117,7 @@
         <p:spPr>
           <a:xfrm>
             <a:off x="248400" y="0"/>
-            <a:ext cx="11698920" cy="699120"/>
+            <a:ext cx="11697840" cy="699120"/>
           </a:xfrm>
           <a:prstGeom prst="rect">
             <a:avLst/>
@@ -12301,7 +12172,7 @@
         <p:spPr>
           <a:xfrm>
             <a:off x="248400" y="762120"/>
-            <a:ext cx="11698920" cy="1461240"/>
+            <a:ext cx="11697840" cy="1461240"/>
           </a:xfrm>
           <a:prstGeom prst="rect">
             <a:avLst/>
@@ -12402,7 +12273,7 @@
         <p:spPr>
           <a:xfrm>
             <a:off x="1600200" y="3621600"/>
-            <a:ext cx="8876160" cy="912600"/>
+            <a:ext cx="8875080" cy="912600"/>
           </a:xfrm>
           <a:prstGeom prst="rect">
             <a:avLst/>
@@ -12423,7 +12294,7 @@
             <a:spAutoFit/>
           </a:bodyPr>
           <a:p>
-            <a:pPr marL="285840" indent="-272160">
+            <a:pPr marL="285840" indent="-271080">
               <a:lnSpc>
                 <a:spcPct val="150000"/>
               </a:lnSpc>
@@ -12468,7 +12339,7 @@
             </a:endParaRPr>
           </a:p>
           <a:p>
-            <a:pPr marL="285840" indent="-272160">
+            <a:pPr marL="285840" indent="-271080">
               <a:lnSpc>
                 <a:spcPct val="150000"/>
               </a:lnSpc>
@@ -12523,7 +12394,7 @@
         <p:spPr>
           <a:xfrm>
             <a:off x="1584000" y="5106240"/>
-            <a:ext cx="8842680" cy="67680"/>
+            <a:ext cx="8841600" cy="66600"/>
           </a:xfrm>
           <a:prstGeom prst="rect">
             <a:avLst/>
@@ -12574,7 +12445,7 @@
             </a:endParaRPr>
           </a:p>
           <a:p>
-            <a:pPr marL="285840" indent="-275040">
+            <a:pPr marL="285840" indent="-273960">
               <a:lnSpc>
                 <a:spcPct val="100000"/>
               </a:lnSpc>
@@ -12644,7 +12515,7 @@
         <p:spPr>
           <a:xfrm>
             <a:off x="246600" y="2395080"/>
-            <a:ext cx="11700720" cy="699480"/>
+            <a:ext cx="11699640" cy="699480"/>
           </a:xfrm>
           <a:prstGeom prst="rect">
             <a:avLst/>
@@ -12745,7 +12616,7 @@
         <p:spPr>
           <a:xfrm>
             <a:off x="1676520" y="2362320"/>
-            <a:ext cx="8825400" cy="912600"/>
+            <a:ext cx="8824320" cy="912600"/>
           </a:xfrm>
           <a:prstGeom prst="rect">
             <a:avLst/>
@@ -12796,7 +12667,7 @@
         <p:spPr>
           <a:xfrm>
             <a:off x="522360" y="3531600"/>
-            <a:ext cx="11062440" cy="363960"/>
+            <a:ext cx="11061360" cy="363960"/>
           </a:xfrm>
           <a:prstGeom prst="rect">
             <a:avLst/>
@@ -12877,7 +12748,7 @@
         <p:spPr>
           <a:xfrm>
             <a:off x="248400" y="0"/>
-            <a:ext cx="11698920" cy="699120"/>
+            <a:ext cx="11697840" cy="699120"/>
           </a:xfrm>
           <a:prstGeom prst="rect">
             <a:avLst/>
@@ -12932,7 +12803,7 @@
         <p:spPr>
           <a:xfrm>
             <a:off x="248400" y="762120"/>
-            <a:ext cx="11698920" cy="1186920"/>
+            <a:ext cx="11697840" cy="1186920"/>
           </a:xfrm>
           <a:prstGeom prst="rect">
             <a:avLst/>
@@ -13033,7 +12904,7 @@
         <p:spPr>
           <a:xfrm>
             <a:off x="1600200" y="3621600"/>
-            <a:ext cx="8876160" cy="912600"/>
+            <a:ext cx="8875080" cy="912600"/>
           </a:xfrm>
           <a:prstGeom prst="rect">
             <a:avLst/>
@@ -13054,7 +12925,7 @@
             <a:spAutoFit/>
           </a:bodyPr>
           <a:p>
-            <a:pPr marL="285840" indent="-272160">
+            <a:pPr marL="285840" indent="-271080">
               <a:lnSpc>
                 <a:spcPct val="150000"/>
               </a:lnSpc>
@@ -13099,7 +12970,7 @@
             </a:endParaRPr>
           </a:p>
           <a:p>
-            <a:pPr marL="285840" indent="-272160">
+            <a:pPr marL="285840" indent="-271080">
               <a:lnSpc>
                 <a:spcPct val="150000"/>
               </a:lnSpc>
@@ -13189,7 +13060,7 @@
         <p:spPr>
           <a:xfrm>
             <a:off x="246600" y="2148480"/>
-            <a:ext cx="11700720" cy="699480"/>
+            <a:ext cx="11699640" cy="699480"/>
           </a:xfrm>
           <a:prstGeom prst="rect">
             <a:avLst/>
@@ -13290,7 +13161,7 @@
         <p:spPr>
           <a:xfrm>
             <a:off x="1676520" y="2362320"/>
-            <a:ext cx="8825400" cy="1735560"/>
+            <a:ext cx="8824320" cy="1735560"/>
           </a:xfrm>
           <a:prstGeom prst="rect">
             <a:avLst/>
@@ -13341,7 +13212,7 @@
         <p:spPr>
           <a:xfrm>
             <a:off x="522360" y="4467600"/>
-            <a:ext cx="11062440" cy="363960"/>
+            <a:ext cx="11061360" cy="363960"/>
           </a:xfrm>
           <a:prstGeom prst="rect">
             <a:avLst/>
@@ -13422,7 +13293,7 @@
         <p:spPr>
           <a:xfrm>
             <a:off x="246600" y="2563200"/>
-            <a:ext cx="11703960" cy="851400"/>
+            <a:ext cx="11702880" cy="851400"/>
           </a:xfrm>
           <a:prstGeom prst="rect">
             <a:avLst/>
@@ -13443,7 +13314,7 @@
             <a:spAutoFit/>
           </a:bodyPr>
           <a:p>
-            <a:pPr marL="343080" indent="-329400">
+            <a:pPr marL="343080" indent="-328320">
               <a:lnSpc>
                 <a:spcPct val="100000"/>
               </a:lnSpc>
@@ -13498,7 +13369,7 @@
             </a:endParaRPr>
           </a:p>
           <a:p>
-            <a:pPr marL="343080" indent="-329400">
+            <a:pPr marL="343080" indent="-328320">
               <a:lnSpc>
                 <a:spcPct val="100000"/>
               </a:lnSpc>
@@ -13573,7 +13444,7 @@
         <p:spPr>
           <a:xfrm>
             <a:off x="246600" y="1742040"/>
-            <a:ext cx="11703960" cy="394560"/>
+            <a:ext cx="11702880" cy="394560"/>
           </a:xfrm>
           <a:prstGeom prst="rect">
             <a:avLst/>
@@ -13634,7 +13505,7 @@
         <p:spPr>
           <a:xfrm>
             <a:off x="246600" y="762120"/>
-            <a:ext cx="11703960" cy="363960"/>
+            <a:ext cx="11702880" cy="363960"/>
           </a:xfrm>
           <a:prstGeom prst="rect">
             <a:avLst/>
@@ -13695,7 +13566,7 @@
         <p:spPr>
           <a:xfrm>
             <a:off x="246600" y="4239720"/>
-            <a:ext cx="11703960" cy="1994040"/>
+            <a:ext cx="11702880" cy="1994040"/>
           </a:xfrm>
           <a:prstGeom prst="rect">
             <a:avLst/>
@@ -13756,7 +13627,7 @@
             </a:endParaRPr>
           </a:p>
           <a:p>
-            <a:pPr marL="285840" indent="-272160">
+            <a:pPr marL="285840" indent="-271080">
               <a:lnSpc>
                 <a:spcPct val="100000"/>
               </a:lnSpc>
@@ -13801,7 +13672,7 @@
             </a:endParaRPr>
           </a:p>
           <a:p>
-            <a:pPr marL="285840" indent="-272160">
+            <a:pPr marL="285840" indent="-271080">
               <a:lnSpc>
                 <a:spcPct val="100000"/>
               </a:lnSpc>
@@ -13846,7 +13717,7 @@
             </a:endParaRPr>
           </a:p>
           <a:p>
-            <a:pPr marL="285840" indent="-272160">
+            <a:pPr marL="285840" indent="-271080">
               <a:lnSpc>
                 <a:spcPct val="150000"/>
               </a:lnSpc>
@@ -13911,7 +13782,7 @@
         <p:spPr>
           <a:xfrm>
             <a:off x="246600" y="3678480"/>
-            <a:ext cx="8698680" cy="342720"/>
+            <a:ext cx="8697600" cy="341640"/>
           </a:xfrm>
           <a:prstGeom prst="rect">
             <a:avLst/>
@@ -13982,7 +13853,7 @@
         <p:spPr>
           <a:xfrm>
             <a:off x="246600" y="0"/>
-            <a:ext cx="11703960" cy="699120"/>
+            <a:ext cx="11702880" cy="699120"/>
           </a:xfrm>
           <a:prstGeom prst="rect">
             <a:avLst/>
@@ -14037,7 +13908,7 @@
         <p:spPr>
           <a:xfrm>
             <a:off x="246600" y="6212880"/>
-            <a:ext cx="11237400" cy="486720"/>
+            <a:ext cx="11236320" cy="485640"/>
           </a:xfrm>
           <a:prstGeom prst="rect">
             <a:avLst/>
@@ -14118,7 +13989,7 @@
         <p:spPr>
           <a:xfrm>
             <a:off x="6357240" y="5906160"/>
-            <a:ext cx="6246360" cy="378720"/>
+            <a:ext cx="6245280" cy="377640"/>
           </a:xfrm>
           <a:prstGeom prst="rect">
             <a:avLst/>
@@ -14254,7 +14125,7 @@
         <p:spPr>
           <a:xfrm>
             <a:off x="248400" y="0"/>
-            <a:ext cx="11698920" cy="699120"/>
+            <a:ext cx="11697840" cy="699120"/>
           </a:xfrm>
           <a:prstGeom prst="rect">
             <a:avLst/>
@@ -14309,7 +14180,7 @@
         <p:spPr>
           <a:xfrm>
             <a:off x="248400" y="762120"/>
-            <a:ext cx="11698920" cy="2284200"/>
+            <a:ext cx="11697840" cy="2284200"/>
           </a:xfrm>
           <a:prstGeom prst="rect">
             <a:avLst/>
@@ -14570,7 +14441,7 @@
         <p:spPr>
           <a:xfrm>
             <a:off x="1600200" y="4989600"/>
-            <a:ext cx="8876160" cy="1735560"/>
+            <a:ext cx="8875080" cy="1735560"/>
           </a:xfrm>
           <a:prstGeom prst="rect">
             <a:avLst/>
@@ -14591,7 +14462,7 @@
             <a:spAutoFit/>
           </a:bodyPr>
           <a:p>
-            <a:pPr marL="285840" indent="-272160">
+            <a:pPr marL="285840" indent="-271080">
               <a:lnSpc>
                 <a:spcPct val="150000"/>
               </a:lnSpc>
@@ -14636,7 +14507,7 @@
             </a:endParaRPr>
           </a:p>
           <a:p>
-            <a:pPr marL="285840" indent="-272160">
+            <a:pPr marL="285840" indent="-271080">
               <a:lnSpc>
                 <a:spcPct val="150000"/>
               </a:lnSpc>
@@ -14681,7 +14552,7 @@
             </a:endParaRPr>
           </a:p>
           <a:p>
-            <a:pPr marL="285840" indent="-272160">
+            <a:pPr marL="285840" indent="-271080">
               <a:lnSpc>
                 <a:spcPct val="150000"/>
               </a:lnSpc>
@@ -14746,7 +14617,7 @@
             </a:endParaRPr>
           </a:p>
           <a:p>
-            <a:pPr marL="285840" indent="-272160">
+            <a:pPr marL="285840" indent="-271080">
               <a:lnSpc>
                 <a:spcPct val="150000"/>
               </a:lnSpc>
@@ -14836,7 +14707,7 @@
         <p:spPr>
           <a:xfrm>
             <a:off x="246600" y="2903040"/>
-            <a:ext cx="11700720" cy="1309320"/>
+            <a:ext cx="11699640" cy="1309320"/>
           </a:xfrm>
           <a:prstGeom prst="rect">
             <a:avLst/>
@@ -14977,7 +14848,7 @@
         <p:spPr>
           <a:xfrm>
             <a:off x="1676520" y="2362320"/>
-            <a:ext cx="8825400" cy="1735560"/>
+            <a:ext cx="8824320" cy="1735560"/>
           </a:xfrm>
           <a:prstGeom prst="rect">
             <a:avLst/>
@@ -15028,7 +14899,7 @@
         <p:spPr>
           <a:xfrm>
             <a:off x="522360" y="4251600"/>
-            <a:ext cx="11062440" cy="363960"/>
+            <a:ext cx="11061360" cy="363960"/>
           </a:xfrm>
           <a:prstGeom prst="rect">
             <a:avLst/>
@@ -15078,7 +14949,7 @@
         </p:nvGraphicFramePr>
         <p:xfrm>
           <a:off x="207720" y="123120"/>
-          <a:ext cx="7571520" cy="1158480"/>
+          <a:ext cx="7571160" cy="1158480"/>
         </p:xfrm>
         <a:graphic>
           <a:graphicData uri="http://schemas.openxmlformats.org/drawingml/2006/table">
@@ -15142,81 +15013,21 @@
                   </a:tcPr>
                 </a:tc>
                 <a:tc hMerge="1">
-                  <a:tcPr>
-                    <a:lnL w="4320">
-                      <a:solidFill>
-                        <a:srgbClr val="000000"/>
-                      </a:solidFill>
-                    </a:lnL>
-                    <a:lnR w="4320">
-                      <a:solidFill>
-                        <a:srgbClr val="000000"/>
-                      </a:solidFill>
-                    </a:lnR>
-                    <a:lnT w="4320">
-                      <a:solidFill>
-                        <a:srgbClr val="000000"/>
-                      </a:solidFill>
-                    </a:lnT>
-                    <a:lnB w="4320">
-                      <a:solidFill>
-                        <a:srgbClr val="000000"/>
-                      </a:solidFill>
-                    </a:lnB>
+                  <a:tcPr marL="90000" marR="90000">
                     <a:solidFill>
                       <a:srgbClr val="729fcf"/>
                     </a:solidFill>
                   </a:tcPr>
                 </a:tc>
                 <a:tc hMerge="1">
-                  <a:tcPr>
-                    <a:lnL w="4320">
-                      <a:solidFill>
-                        <a:srgbClr val="000000"/>
-                      </a:solidFill>
-                    </a:lnL>
-                    <a:lnR w="4320">
-                      <a:solidFill>
-                        <a:srgbClr val="000000"/>
-                      </a:solidFill>
-                    </a:lnR>
-                    <a:lnT w="4320">
-                      <a:solidFill>
-                        <a:srgbClr val="000000"/>
-                      </a:solidFill>
-                    </a:lnT>
-                    <a:lnB w="4320">
-                      <a:solidFill>
-                        <a:srgbClr val="000000"/>
-                      </a:solidFill>
-                    </a:lnB>
+                  <a:tcPr marL="90000" marR="90000">
                     <a:solidFill>
                       <a:srgbClr val="729fcf"/>
                     </a:solidFill>
                   </a:tcPr>
                 </a:tc>
                 <a:tc hMerge="1">
-                  <a:tcPr>
-                    <a:lnL w="4320">
-                      <a:solidFill>
-                        <a:srgbClr val="000000"/>
-                      </a:solidFill>
-                    </a:lnL>
-                    <a:lnR w="4320">
-                      <a:solidFill>
-                        <a:srgbClr val="000000"/>
-                      </a:solidFill>
-                    </a:lnR>
-                    <a:lnT w="4320">
-                      <a:solidFill>
-                        <a:srgbClr val="000000"/>
-                      </a:solidFill>
-                    </a:lnT>
-                    <a:lnB w="4320">
-                      <a:solidFill>
-                        <a:srgbClr val="000000"/>
-                      </a:solidFill>
-                    </a:lnB>
+                  <a:tcPr marL="90000" marR="90000">
                     <a:solidFill>
                       <a:srgbClr val="729fcf"/>
                     </a:solidFill>
@@ -15244,12 +15055,8 @@
                         </a:rPr>
                         <a:t>KEYS</a:t>
                       </a:r>
-                      <a:endParaRPr b="1" lang="en-IN" sz="1800" spc="-1" strike="noStrike">
-                        <a:solidFill>
-                          <a:srgbClr val="283593"/>
-                        </a:solidFill>
+                      <a:endParaRPr b="0" lang="en-IN" sz="1800" spc="-1" strike="noStrike">
                         <a:latin typeface="Arial"/>
-                        <a:ea typeface="DejaVu Sans"/>
                       </a:endParaRPr>
                     </a:p>
                   </a:txBody>
@@ -15283,7 +15090,11 @@
                       <a:noAutofit/>
                     </a:bodyPr>
                     <a:p>
-                      <a:pPr algn="ctr"/>
+                      <a:pPr algn="ctr">
+                        <a:lnSpc>
+                          <a:spcPct val="100000"/>
+                        </a:lnSpc>
+                      </a:pPr>
                       <a:r>
                         <a:rPr b="1" lang="en-IN" sz="1800" spc="-1" strike="noStrike">
                           <a:solidFill>
@@ -15324,7 +15135,11 @@
                       <a:noAutofit/>
                     </a:bodyPr>
                     <a:p>
-                      <a:pPr algn="ctr"/>
+                      <a:pPr algn="ctr">
+                        <a:lnSpc>
+                          <a:spcPct val="100000"/>
+                        </a:lnSpc>
+                      </a:pPr>
                       <a:r>
                         <a:rPr b="1" lang="en-IN" sz="1800" spc="-1" strike="noStrike">
                           <a:solidFill>
@@ -15370,7 +15185,10 @@
                       <a:noAutofit/>
                     </a:bodyPr>
                     <a:p>
-                      <a:pPr marL="216000" indent="-216000" algn="ctr">
+                      <a:pPr marL="216000" indent="-214920" algn="ctr">
+                        <a:lnSpc>
+                          <a:spcPct val="100000"/>
+                        </a:lnSpc>
                         <a:buClr>
                           <a:srgbClr val="000000"/>
                         </a:buClr>
@@ -15448,12 +15266,8 @@
                         </a:rPr>
                         <a:t>randomkey</a:t>
                       </a:r>
-                      <a:endParaRPr b="1" lang="en-IN" sz="1800" spc="-1" strike="noStrike">
-                        <a:solidFill>
-                          <a:srgbClr val="424242"/>
-                        </a:solidFill>
+                      <a:endParaRPr b="0" lang="en-IN" sz="1800" spc="-1" strike="noStrike">
                         <a:latin typeface="Arial"/>
-                        <a:ea typeface="DejaVu Sans"/>
                       </a:endParaRPr>
                     </a:p>
                   </a:txBody>
@@ -15505,12 +15319,8 @@
                         </a:rPr>
                         <a:t>hrandfield key</a:t>
                       </a:r>
-                      <a:endParaRPr b="1" lang="en-IN" sz="1800" spc="-1" strike="noStrike">
-                        <a:solidFill>
-                          <a:srgbClr val="424242"/>
-                        </a:solidFill>
+                      <a:endParaRPr b="0" lang="en-IN" sz="1800" spc="-1" strike="noStrike">
                         <a:latin typeface="Arial"/>
-                        <a:ea typeface="DejaVu Sans"/>
                       </a:endParaRPr>
                     </a:p>
                   </a:txBody>
@@ -15567,12 +15377,8 @@
                         </a:rPr>
                         <a:t>srandmember</a:t>
                       </a:r>
-                      <a:endParaRPr b="1" lang="en-IN" sz="1800" spc="-1" strike="noStrike">
-                        <a:solidFill>
-                          <a:srgbClr val="424242"/>
-                        </a:solidFill>
+                      <a:endParaRPr b="0" lang="en-IN" sz="1800" spc="-1" strike="noStrike">
                         <a:latin typeface="Arial"/>
-                        <a:ea typeface="DejaVu Sans"/>
                       </a:endParaRPr>
                     </a:p>
                   </a:txBody>
@@ -15624,12 +15430,8 @@
                         </a:rPr>
                         <a:t>zrandmember key</a:t>
                       </a:r>
-                      <a:endParaRPr b="1" lang="en-IN" sz="1800" spc="-1" strike="noStrike">
-                        <a:solidFill>
-                          <a:srgbClr val="424242"/>
-                        </a:solidFill>
+                      <a:endParaRPr b="0" lang="en-IN" sz="1800" spc="-1" strike="noStrike">
                         <a:latin typeface="Arial"/>
-                        <a:ea typeface="DejaVu Sans"/>
                       </a:endParaRPr>
                     </a:p>
                   </a:txBody>
@@ -15696,7 +15498,7 @@
         <p:spPr>
           <a:xfrm>
             <a:off x="248400" y="0"/>
-            <a:ext cx="11698920" cy="699120"/>
+            <a:ext cx="11697840" cy="699120"/>
           </a:xfrm>
           <a:prstGeom prst="rect">
             <a:avLst/>
@@ -15751,7 +15553,7 @@
         <p:spPr>
           <a:xfrm>
             <a:off x="248400" y="762120"/>
-            <a:ext cx="11698920" cy="1735560"/>
+            <a:ext cx="11697840" cy="1735560"/>
           </a:xfrm>
           <a:prstGeom prst="rect">
             <a:avLst/>
@@ -15892,7 +15694,7 @@
         <p:spPr>
           <a:xfrm>
             <a:off x="1600200" y="4557600"/>
-            <a:ext cx="8876160" cy="1324080"/>
+            <a:ext cx="8875080" cy="1324080"/>
           </a:xfrm>
           <a:prstGeom prst="rect">
             <a:avLst/>
@@ -15913,7 +15715,7 @@
             <a:spAutoFit/>
           </a:bodyPr>
           <a:p>
-            <a:pPr marL="285840" indent="-272160">
+            <a:pPr marL="285840" indent="-271080">
               <a:lnSpc>
                 <a:spcPct val="150000"/>
               </a:lnSpc>
@@ -15958,7 +15760,7 @@
             </a:endParaRPr>
           </a:p>
           <a:p>
-            <a:pPr marL="285840" indent="-272160">
+            <a:pPr marL="285840" indent="-271080">
               <a:lnSpc>
                 <a:spcPct val="150000"/>
               </a:lnSpc>
@@ -16003,7 +15805,7 @@
             </a:endParaRPr>
           </a:p>
           <a:p>
-            <a:pPr marL="285840" indent="-272160">
+            <a:pPr marL="285840" indent="-271080">
               <a:lnSpc>
                 <a:spcPct val="150000"/>
               </a:lnSpc>
@@ -16093,7 +15895,7 @@
         <p:spPr>
           <a:xfrm>
             <a:off x="246600" y="2496600"/>
-            <a:ext cx="11700720" cy="1004400"/>
+            <a:ext cx="11699640" cy="1004400"/>
           </a:xfrm>
           <a:prstGeom prst="rect">
             <a:avLst/>
@@ -16214,7 +16016,7 @@
         <p:spPr>
           <a:xfrm>
             <a:off x="1676520" y="2362320"/>
-            <a:ext cx="8825400" cy="912600"/>
+            <a:ext cx="8824320" cy="912600"/>
           </a:xfrm>
           <a:prstGeom prst="rect">
             <a:avLst/>
@@ -16265,7 +16067,7 @@
         <p:spPr>
           <a:xfrm>
             <a:off x="1666800" y="609480"/>
-            <a:ext cx="8825400" cy="394560"/>
+            <a:ext cx="8824320" cy="394560"/>
           </a:xfrm>
           <a:prstGeom prst="rect">
             <a:avLst/>
@@ -16316,7 +16118,7 @@
         <p:spPr>
           <a:xfrm>
             <a:off x="522360" y="3531600"/>
-            <a:ext cx="11062440" cy="1186920"/>
+            <a:ext cx="11061360" cy="1186920"/>
           </a:xfrm>
           <a:prstGeom prst="rect">
             <a:avLst/>
@@ -16417,7 +16219,7 @@
         <p:spPr>
           <a:xfrm>
             <a:off x="1676520" y="2362320"/>
-            <a:ext cx="8825400" cy="912600"/>
+            <a:ext cx="8824320" cy="912600"/>
           </a:xfrm>
           <a:prstGeom prst="rect">
             <a:avLst/>
@@ -16468,7 +16270,7 @@
         <p:spPr>
           <a:xfrm>
             <a:off x="522360" y="3531600"/>
-            <a:ext cx="11062440" cy="363960"/>
+            <a:ext cx="11061360" cy="363960"/>
           </a:xfrm>
           <a:prstGeom prst="rect">
             <a:avLst/>
@@ -16549,7 +16351,7 @@
         <p:spPr>
           <a:xfrm>
             <a:off x="248400" y="0"/>
-            <a:ext cx="11698920" cy="699120"/>
+            <a:ext cx="11697840" cy="699120"/>
           </a:xfrm>
           <a:prstGeom prst="rect">
             <a:avLst/>
@@ -16604,7 +16406,7 @@
         <p:spPr>
           <a:xfrm>
             <a:off x="248400" y="762120"/>
-            <a:ext cx="11698920" cy="1461240"/>
+            <a:ext cx="11697840" cy="1461240"/>
           </a:xfrm>
           <a:prstGeom prst="rect">
             <a:avLst/>
@@ -16705,7 +16507,7 @@
         <p:spPr>
           <a:xfrm>
             <a:off x="1600200" y="3585600"/>
-            <a:ext cx="8876160" cy="912600"/>
+            <a:ext cx="8875080" cy="912600"/>
           </a:xfrm>
           <a:prstGeom prst="rect">
             <a:avLst/>
@@ -16726,7 +16528,7 @@
             <a:spAutoFit/>
           </a:bodyPr>
           <a:p>
-            <a:pPr marL="285840" indent="-272160">
+            <a:pPr marL="285840" indent="-271080">
               <a:lnSpc>
                 <a:spcPct val="150000"/>
               </a:lnSpc>
@@ -16771,7 +16573,7 @@
             </a:endParaRPr>
           </a:p>
           <a:p>
-            <a:pPr marL="285840" indent="-272160">
+            <a:pPr marL="285840" indent="-271080">
               <a:lnSpc>
                 <a:spcPct val="150000"/>
               </a:lnSpc>
@@ -16826,7 +16628,7 @@
         <p:spPr>
           <a:xfrm>
             <a:off x="5256000" y="5472000"/>
-            <a:ext cx="5129280" cy="788040"/>
+            <a:ext cx="5128200" cy="786960"/>
           </a:xfrm>
           <a:prstGeom prst="rect">
             <a:avLst/>
@@ -16957,7 +16759,7 @@
         <p:spPr>
           <a:xfrm>
             <a:off x="10514160" y="2592000"/>
-            <a:ext cx="1501920" cy="4060440"/>
+            <a:ext cx="1500840" cy="4059360"/>
           </a:xfrm>
           <a:prstGeom prst="rect">
             <a:avLst/>
@@ -17313,7 +17115,7 @@
         <p:spPr>
           <a:xfrm>
             <a:off x="246600" y="2496600"/>
-            <a:ext cx="11700720" cy="699480"/>
+            <a:ext cx="11699640" cy="699480"/>
           </a:xfrm>
           <a:prstGeom prst="rect">
             <a:avLst/>
@@ -17414,7 +17216,7 @@
         <p:spPr>
           <a:xfrm>
             <a:off x="1676520" y="2362320"/>
-            <a:ext cx="8825400" cy="912600"/>
+            <a:ext cx="8824320" cy="912600"/>
           </a:xfrm>
           <a:prstGeom prst="rect">
             <a:avLst/>
@@ -17465,7 +17267,7 @@
         <p:spPr>
           <a:xfrm>
             <a:off x="522360" y="3531600"/>
-            <a:ext cx="11062440" cy="363960"/>
+            <a:ext cx="11061360" cy="363960"/>
           </a:xfrm>
           <a:prstGeom prst="rect">
             <a:avLst/>
@@ -17546,7 +17348,7 @@
         <p:spPr>
           <a:xfrm>
             <a:off x="248400" y="0"/>
-            <a:ext cx="11698920" cy="699120"/>
+            <a:ext cx="11697840" cy="699120"/>
           </a:xfrm>
           <a:prstGeom prst="rect">
             <a:avLst/>
@@ -17601,7 +17403,7 @@
         <p:spPr>
           <a:xfrm>
             <a:off x="248400" y="762120"/>
-            <a:ext cx="11698920" cy="2009880"/>
+            <a:ext cx="11697840" cy="2009880"/>
           </a:xfrm>
           <a:prstGeom prst="rect">
             <a:avLst/>
@@ -17782,7 +17584,7 @@
         <p:spPr>
           <a:xfrm>
             <a:off x="8849880" y="2814840"/>
-            <a:ext cx="2978280" cy="455400"/>
+            <a:ext cx="2977200" cy="455400"/>
           </a:xfrm>
           <a:prstGeom prst="rect">
             <a:avLst/>
@@ -17833,7 +17635,7 @@
         <p:spPr>
           <a:xfrm>
             <a:off x="1600200" y="4665600"/>
-            <a:ext cx="8876160" cy="912600"/>
+            <a:ext cx="8875080" cy="912600"/>
           </a:xfrm>
           <a:prstGeom prst="rect">
             <a:avLst/>
@@ -17854,7 +17656,7 @@
             <a:spAutoFit/>
           </a:bodyPr>
           <a:p>
-            <a:pPr marL="285840" indent="-272160">
+            <a:pPr marL="285840" indent="-271080">
               <a:lnSpc>
                 <a:spcPct val="150000"/>
               </a:lnSpc>
@@ -17899,7 +17701,7 @@
             </a:endParaRPr>
           </a:p>
           <a:p>
-            <a:pPr marL="285840" indent="-272160">
+            <a:pPr marL="285840" indent="-271080">
               <a:lnSpc>
                 <a:spcPct val="150000"/>
               </a:lnSpc>
@@ -17989,7 +17791,7 @@
         <p:spPr>
           <a:xfrm>
             <a:off x="246600" y="2903040"/>
-            <a:ext cx="11700720" cy="699480"/>
+            <a:ext cx="11699640" cy="699480"/>
           </a:xfrm>
           <a:prstGeom prst="rect">
             <a:avLst/>
@@ -18090,7 +17892,7 @@
         <p:spPr>
           <a:xfrm>
             <a:off x="1676520" y="2362320"/>
-            <a:ext cx="8825400" cy="912600"/>
+            <a:ext cx="8824320" cy="912600"/>
           </a:xfrm>
           <a:prstGeom prst="rect">
             <a:avLst/>
@@ -18141,7 +17943,7 @@
         <p:spPr>
           <a:xfrm>
             <a:off x="522360" y="3531600"/>
-            <a:ext cx="11062440" cy="363960"/>
+            <a:ext cx="11061360" cy="363960"/>
           </a:xfrm>
           <a:prstGeom prst="rect">
             <a:avLst/>
@@ -18222,7 +18024,7 @@
         <p:spPr>
           <a:xfrm>
             <a:off x="248400" y="0"/>
-            <a:ext cx="11698920" cy="699120"/>
+            <a:ext cx="11697840" cy="699120"/>
           </a:xfrm>
           <a:prstGeom prst="rect">
             <a:avLst/>
@@ -18277,7 +18079,7 @@
         <p:spPr>
           <a:xfrm>
             <a:off x="248400" y="762120"/>
-            <a:ext cx="11698920" cy="912600"/>
+            <a:ext cx="11697840" cy="912600"/>
           </a:xfrm>
           <a:prstGeom prst="rect">
             <a:avLst/>
@@ -18378,7 +18180,7 @@
         <p:spPr>
           <a:xfrm>
             <a:off x="1600200" y="3405600"/>
-            <a:ext cx="8876160" cy="1324080"/>
+            <a:ext cx="8875080" cy="1324080"/>
           </a:xfrm>
           <a:prstGeom prst="rect">
             <a:avLst/>
@@ -18399,7 +18201,7 @@
             <a:spAutoFit/>
           </a:bodyPr>
           <a:p>
-            <a:pPr marL="285840" indent="-272160">
+            <a:pPr marL="285840" indent="-271080">
               <a:lnSpc>
                 <a:spcPct val="150000"/>
               </a:lnSpc>
@@ -18444,7 +18246,7 @@
             </a:endParaRPr>
           </a:p>
           <a:p>
-            <a:pPr marL="285840" indent="-272160">
+            <a:pPr marL="285840" indent="-271080">
               <a:lnSpc>
                 <a:spcPct val="150000"/>
               </a:lnSpc>
@@ -18489,7 +18291,7 @@
             </a:endParaRPr>
           </a:p>
           <a:p>
-            <a:pPr marL="285840" indent="-272160">
+            <a:pPr marL="285840" indent="-271080">
               <a:lnSpc>
                 <a:spcPct val="150000"/>
               </a:lnSpc>
@@ -18544,7 +18346,7 @@
         <p:spPr>
           <a:xfrm>
             <a:off x="4601520" y="5832000"/>
-            <a:ext cx="5615280" cy="352800"/>
+            <a:ext cx="5614200" cy="351720"/>
           </a:xfrm>
           <a:prstGeom prst="rect">
             <a:avLst/>
@@ -18625,7 +18427,7 @@
         <p:spPr>
           <a:xfrm>
             <a:off x="10584000" y="3710160"/>
-            <a:ext cx="1401480" cy="2546640"/>
+            <a:ext cx="1400400" cy="2545560"/>
           </a:xfrm>
           <a:prstGeom prst="rect">
             <a:avLst/>
@@ -18871,7 +18673,7 @@
         <p:spPr>
           <a:xfrm>
             <a:off x="246600" y="1742040"/>
-            <a:ext cx="11700720" cy="699480"/>
+            <a:ext cx="11699640" cy="699480"/>
           </a:xfrm>
           <a:prstGeom prst="rect">
             <a:avLst/>
@@ -18972,7 +18774,7 @@
         <p:spPr>
           <a:xfrm>
             <a:off x="1676520" y="2362320"/>
-            <a:ext cx="8825400" cy="912600"/>
+            <a:ext cx="8824320" cy="912600"/>
           </a:xfrm>
           <a:prstGeom prst="rect">
             <a:avLst/>
@@ -19023,7 +18825,7 @@
         <p:spPr>
           <a:xfrm>
             <a:off x="522360" y="3531600"/>
-            <a:ext cx="11062440" cy="363960"/>
+            <a:ext cx="11061360" cy="363960"/>
           </a:xfrm>
           <a:prstGeom prst="rect">
             <a:avLst/>
@@ -19104,7 +18906,7 @@
         <p:spPr>
           <a:xfrm>
             <a:off x="1676520" y="2362320"/>
-            <a:ext cx="8825400" cy="912600"/>
+            <a:ext cx="8824320" cy="912600"/>
           </a:xfrm>
           <a:prstGeom prst="rect">
             <a:avLst/>
@@ -19155,7 +18957,7 @@
         <p:spPr>
           <a:xfrm>
             <a:off x="522360" y="3531600"/>
-            <a:ext cx="11062440" cy="363960"/>
+            <a:ext cx="11061360" cy="363960"/>
           </a:xfrm>
           <a:prstGeom prst="rect">
             <a:avLst/>
@@ -19236,7 +19038,7 @@
         <p:spPr>
           <a:xfrm>
             <a:off x="248400" y="0"/>
-            <a:ext cx="11698920" cy="699120"/>
+            <a:ext cx="11697840" cy="699120"/>
           </a:xfrm>
           <a:prstGeom prst="rect">
             <a:avLst/>
@@ -19291,7 +19093,7 @@
         <p:spPr>
           <a:xfrm>
             <a:off x="248400" y="762120"/>
-            <a:ext cx="11698920" cy="2009880"/>
+            <a:ext cx="11697840" cy="2009880"/>
           </a:xfrm>
           <a:prstGeom prst="rect">
             <a:avLst/>
@@ -19392,7 +19194,7 @@
         <p:spPr>
           <a:xfrm>
             <a:off x="1600200" y="4629600"/>
-            <a:ext cx="8876160" cy="912600"/>
+            <a:ext cx="8875080" cy="912600"/>
           </a:xfrm>
           <a:prstGeom prst="rect">
             <a:avLst/>
@@ -19413,7 +19215,7 @@
             <a:spAutoFit/>
           </a:bodyPr>
           <a:p>
-            <a:pPr marL="285840" indent="-272160">
+            <a:pPr marL="285840" indent="-271080">
               <a:lnSpc>
                 <a:spcPct val="150000"/>
               </a:lnSpc>
@@ -19458,7 +19260,7 @@
             </a:endParaRPr>
           </a:p>
           <a:p>
-            <a:pPr marL="285840" indent="-272160">
+            <a:pPr marL="285840" indent="-271080">
               <a:lnSpc>
                 <a:spcPct val="150000"/>
               </a:lnSpc>
@@ -19548,7 +19350,7 @@
         <p:spPr>
           <a:xfrm>
             <a:off x="246600" y="2859480"/>
-            <a:ext cx="11700720" cy="699480"/>
+            <a:ext cx="11699640" cy="699480"/>
           </a:xfrm>
           <a:prstGeom prst="rect">
             <a:avLst/>
@@ -19649,7 +19451,7 @@
         <p:spPr>
           <a:xfrm>
             <a:off x="1676520" y="2362320"/>
-            <a:ext cx="8825400" cy="912600"/>
+            <a:ext cx="8824320" cy="912600"/>
           </a:xfrm>
           <a:prstGeom prst="rect">
             <a:avLst/>
@@ -19700,7 +19502,7 @@
         <p:spPr>
           <a:xfrm>
             <a:off x="522360" y="3531600"/>
-            <a:ext cx="11062440" cy="363960"/>
+            <a:ext cx="11061360" cy="363960"/>
           </a:xfrm>
           <a:prstGeom prst="rect">
             <a:avLst/>
@@ -19816,7 +19618,7 @@
         <p:spPr>
           <a:xfrm>
             <a:off x="248400" y="0"/>
-            <a:ext cx="11698920" cy="699120"/>
+            <a:ext cx="11697840" cy="699120"/>
           </a:xfrm>
           <a:prstGeom prst="rect">
             <a:avLst/>
@@ -19871,7 +19673,7 @@
         <p:spPr>
           <a:xfrm>
             <a:off x="248400" y="762120"/>
-            <a:ext cx="10418400" cy="2284200"/>
+            <a:ext cx="10417320" cy="2284200"/>
           </a:xfrm>
           <a:prstGeom prst="rect">
             <a:avLst/>
@@ -20072,7 +19874,7 @@
         <p:spPr>
           <a:xfrm>
             <a:off x="1600200" y="4129560"/>
-            <a:ext cx="8876160" cy="912600"/>
+            <a:ext cx="8875080" cy="912600"/>
           </a:xfrm>
           <a:prstGeom prst="rect">
             <a:avLst/>
@@ -20093,7 +19895,7 @@
             <a:spAutoFit/>
           </a:bodyPr>
           <a:p>
-            <a:pPr marL="285840" indent="-272160">
+            <a:pPr marL="285840" indent="-271080">
               <a:lnSpc>
                 <a:spcPct val="150000"/>
               </a:lnSpc>
@@ -20138,7 +19940,7 @@
             </a:endParaRPr>
           </a:p>
           <a:p>
-            <a:pPr marL="285840" indent="-272160">
+            <a:pPr marL="285840" indent="-271080">
               <a:lnSpc>
                 <a:spcPct val="150000"/>
               </a:lnSpc>
@@ -20193,7 +19995,7 @@
         <p:spPr>
           <a:xfrm>
             <a:off x="1224000" y="5511960"/>
-            <a:ext cx="8920800" cy="352800"/>
+            <a:ext cx="8919720" cy="351720"/>
           </a:xfrm>
           <a:prstGeom prst="rect">
             <a:avLst/>
@@ -20214,7 +20016,7 @@
             <a:noAutofit/>
           </a:bodyPr>
           <a:p>
-            <a:pPr marL="216000" indent="-208800">
+            <a:pPr marL="216000" indent="-207720">
               <a:lnSpc>
                 <a:spcPct val="100000"/>
               </a:lnSpc>
@@ -20280,7 +20082,7 @@
         <p:spPr>
           <a:xfrm>
             <a:off x="10585440" y="973800"/>
-            <a:ext cx="1431360" cy="5715000"/>
+            <a:ext cx="1430280" cy="5713920"/>
           </a:xfrm>
           <a:prstGeom prst="rect">
             <a:avLst/>
@@ -20681,7 +20483,7 @@
         <p:spPr>
           <a:xfrm>
             <a:off x="246600" y="3062880"/>
-            <a:ext cx="11700720" cy="699480"/>
+            <a:ext cx="11699640" cy="699480"/>
           </a:xfrm>
           <a:prstGeom prst="rect">
             <a:avLst/>
@@ -20782,7 +20584,7 @@
         <p:spPr>
           <a:xfrm>
             <a:off x="1676520" y="2362320"/>
-            <a:ext cx="8825400" cy="912600"/>
+            <a:ext cx="8824320" cy="912600"/>
           </a:xfrm>
           <a:prstGeom prst="rect">
             <a:avLst/>
@@ -20833,7 +20635,7 @@
         <p:spPr>
           <a:xfrm>
             <a:off x="522360" y="3531600"/>
-            <a:ext cx="11062440" cy="363960"/>
+            <a:ext cx="11061360" cy="363960"/>
           </a:xfrm>
           <a:prstGeom prst="rect">
             <a:avLst/>
@@ -20914,7 +20716,7 @@
         <p:spPr>
           <a:xfrm>
             <a:off x="248400" y="0"/>
-            <a:ext cx="11698920" cy="699120"/>
+            <a:ext cx="11697840" cy="699120"/>
           </a:xfrm>
           <a:prstGeom prst="rect">
             <a:avLst/>
@@ -20969,7 +20771,7 @@
         <p:spPr>
           <a:xfrm>
             <a:off x="248400" y="762120"/>
-            <a:ext cx="10329840" cy="1461240"/>
+            <a:ext cx="10328760" cy="1461240"/>
           </a:xfrm>
           <a:prstGeom prst="rect">
             <a:avLst/>
@@ -21030,7 +20832,7 @@
         <p:spPr>
           <a:xfrm>
             <a:off x="1600200" y="3873600"/>
-            <a:ext cx="8876160" cy="1735560"/>
+            <a:ext cx="8875080" cy="1735560"/>
           </a:xfrm>
           <a:prstGeom prst="rect">
             <a:avLst/>
@@ -21051,7 +20853,7 @@
             <a:spAutoFit/>
           </a:bodyPr>
           <a:p>
-            <a:pPr marL="285840" indent="-272160">
+            <a:pPr marL="285840" indent="-271080">
               <a:lnSpc>
                 <a:spcPct val="150000"/>
               </a:lnSpc>
@@ -21096,7 +20898,7 @@
             </a:endParaRPr>
           </a:p>
           <a:p>
-            <a:pPr marL="285840" indent="-272160">
+            <a:pPr marL="285840" indent="-271080">
               <a:lnSpc>
                 <a:spcPct val="150000"/>
               </a:lnSpc>
@@ -21141,7 +20943,7 @@
             </a:endParaRPr>
           </a:p>
           <a:p>
-            <a:pPr marL="285840" indent="-272160">
+            <a:pPr marL="285840" indent="-271080">
               <a:lnSpc>
                 <a:spcPct val="150000"/>
               </a:lnSpc>
@@ -21186,7 +20988,7 @@
             </a:endParaRPr>
           </a:p>
           <a:p>
-            <a:pPr marL="285840" indent="-272160">
+            <a:pPr marL="285840" indent="-271080">
               <a:lnSpc>
                 <a:spcPct val="150000"/>
               </a:lnSpc>
@@ -21241,7 +21043,7 @@
         <p:spPr>
           <a:xfrm>
             <a:off x="1224000" y="5904000"/>
-            <a:ext cx="8920800" cy="352800"/>
+            <a:ext cx="8919720" cy="351720"/>
           </a:xfrm>
           <a:prstGeom prst="rect">
             <a:avLst/>
@@ -21262,7 +21064,7 @@
             <a:noAutofit/>
           </a:bodyPr>
           <a:p>
-            <a:pPr marL="216000" indent="-208800">
+            <a:pPr marL="216000" indent="-207720">
               <a:lnSpc>
                 <a:spcPct val="100000"/>
               </a:lnSpc>
@@ -21328,7 +21130,7 @@
         <p:spPr>
           <a:xfrm>
             <a:off x="10585440" y="1036440"/>
-            <a:ext cx="1431360" cy="5652360"/>
+            <a:ext cx="1430280" cy="5651280"/>
           </a:xfrm>
           <a:prstGeom prst="rect">
             <a:avLst/>
@@ -21764,7 +21566,7 @@
         <p:spPr>
           <a:xfrm>
             <a:off x="246600" y="2496600"/>
-            <a:ext cx="11700720" cy="394560"/>
+            <a:ext cx="11699640" cy="394560"/>
           </a:xfrm>
           <a:prstGeom prst="rect">
             <a:avLst/>
@@ -21845,7 +21647,7 @@
         <p:spPr>
           <a:xfrm>
             <a:off x="1676520" y="2362320"/>
-            <a:ext cx="8825400" cy="912600"/>
+            <a:ext cx="8824320" cy="912600"/>
           </a:xfrm>
           <a:prstGeom prst="rect">
             <a:avLst/>
@@ -21896,7 +21698,7 @@
         <p:spPr>
           <a:xfrm>
             <a:off x="1666800" y="609480"/>
-            <a:ext cx="8825400" cy="394560"/>
+            <a:ext cx="8824320" cy="394560"/>
           </a:xfrm>
           <a:prstGeom prst="rect">
             <a:avLst/>
@@ -21947,7 +21749,7 @@
         <p:spPr>
           <a:xfrm>
             <a:off x="522360" y="3531600"/>
-            <a:ext cx="11062440" cy="1735560"/>
+            <a:ext cx="11061360" cy="1735560"/>
           </a:xfrm>
           <a:prstGeom prst="rect">
             <a:avLst/>
@@ -21998,7 +21800,7 @@
             </a:endParaRPr>
           </a:p>
           <a:p>
-            <a:pPr marL="216000" indent="-209880">
+            <a:pPr marL="216000" indent="-208800">
               <a:lnSpc>
                 <a:spcPct val="100000"/>
               </a:lnSpc>
@@ -22073,7 +21875,7 @@
         <p:spPr>
           <a:xfrm>
             <a:off x="1676520" y="2362320"/>
-            <a:ext cx="8825400" cy="1735560"/>
+            <a:ext cx="8824320" cy="1735560"/>
           </a:xfrm>
           <a:prstGeom prst="rect">
             <a:avLst/>
@@ -22124,7 +21926,7 @@
         <p:spPr>
           <a:xfrm>
             <a:off x="522360" y="3531600"/>
-            <a:ext cx="11062440" cy="363960"/>
+            <a:ext cx="11061360" cy="363960"/>
           </a:xfrm>
           <a:prstGeom prst="rect">
             <a:avLst/>
@@ -22205,7 +22007,7 @@
         <p:spPr>
           <a:xfrm>
             <a:off x="248400" y="0"/>
-            <a:ext cx="11698920" cy="699120"/>
+            <a:ext cx="11697840" cy="699120"/>
           </a:xfrm>
           <a:prstGeom prst="rect">
             <a:avLst/>
@@ -22260,7 +22062,7 @@
         <p:spPr>
           <a:xfrm>
             <a:off x="248400" y="762120"/>
-            <a:ext cx="11698920" cy="2832840"/>
+            <a:ext cx="11697840" cy="2832840"/>
           </a:xfrm>
           <a:prstGeom prst="rect">
             <a:avLst/>
@@ -22361,7 +22163,7 @@
             </a:endParaRPr>
           </a:p>
           <a:p>
-            <a:pPr marL="216000" indent="-212400" algn="just">
+            <a:pPr marL="216000" indent="-211320" algn="just">
               <a:lnSpc>
                 <a:spcPct val="100000"/>
               </a:lnSpc>
@@ -22406,7 +22208,7 @@
             </a:endParaRPr>
           </a:p>
           <a:p>
-            <a:pPr marL="216000" indent="-212400" algn="just">
+            <a:pPr marL="216000" indent="-211320" algn="just">
               <a:lnSpc>
                 <a:spcPct val="100000"/>
               </a:lnSpc>
@@ -22501,7 +22303,7 @@
         <p:spPr>
           <a:xfrm>
             <a:off x="248400" y="3494880"/>
-            <a:ext cx="11698920" cy="1004400"/>
+            <a:ext cx="11697840" cy="1004400"/>
           </a:xfrm>
           <a:prstGeom prst="rect">
             <a:avLst/>
@@ -22592,7 +22394,7 @@
         <p:spPr>
           <a:xfrm>
             <a:off x="1600200" y="4629600"/>
-            <a:ext cx="8876160" cy="1324080"/>
+            <a:ext cx="8875080" cy="1324080"/>
           </a:xfrm>
           <a:prstGeom prst="rect">
             <a:avLst/>
@@ -22613,7 +22415,7 @@
             <a:spAutoFit/>
           </a:bodyPr>
           <a:p>
-            <a:pPr marL="285840" indent="-272160">
+            <a:pPr marL="285840" indent="-271080">
               <a:lnSpc>
                 <a:spcPct val="150000"/>
               </a:lnSpc>
@@ -22658,7 +22460,7 @@
             </a:endParaRPr>
           </a:p>
           <a:p>
-            <a:pPr marL="285840" indent="-272160">
+            <a:pPr marL="285840" indent="-271080">
               <a:lnSpc>
                 <a:spcPct val="150000"/>
               </a:lnSpc>
@@ -22778,7 +22580,7 @@
         <p:spPr>
           <a:xfrm>
             <a:off x="1676520" y="2362320"/>
-            <a:ext cx="8825400" cy="912600"/>
+            <a:ext cx="8824320" cy="912600"/>
           </a:xfrm>
           <a:prstGeom prst="rect">
             <a:avLst/>
@@ -22829,7 +22631,7 @@
         <p:spPr>
           <a:xfrm>
             <a:off x="522360" y="3531600"/>
-            <a:ext cx="11062440" cy="363960"/>
+            <a:ext cx="11061360" cy="363960"/>
           </a:xfrm>
           <a:prstGeom prst="rect">
             <a:avLst/>
@@ -22910,7 +22712,7 @@
         <p:spPr>
           <a:xfrm>
             <a:off x="246600" y="762120"/>
-            <a:ext cx="11697480" cy="638280"/>
+            <a:ext cx="11696400" cy="638280"/>
           </a:xfrm>
           <a:prstGeom prst="rect">
             <a:avLst/>
@@ -23011,7 +22813,7 @@
         <p:spPr>
           <a:xfrm>
             <a:off x="1523880" y="2940480"/>
-            <a:ext cx="9407160" cy="1735560"/>
+            <a:ext cx="9406080" cy="1735560"/>
           </a:xfrm>
           <a:prstGeom prst="rect">
             <a:avLst/>
@@ -23032,7 +22834,7 @@
             <a:spAutoFit/>
           </a:bodyPr>
           <a:p>
-            <a:pPr marL="285840" indent="-272160">
+            <a:pPr marL="285840" indent="-271080">
               <a:lnSpc>
                 <a:spcPct val="150000"/>
               </a:lnSpc>
@@ -23077,7 +22879,7 @@
             </a:endParaRPr>
           </a:p>
           <a:p>
-            <a:pPr marL="285840" indent="-272160">
+            <a:pPr marL="285840" indent="-271080">
               <a:lnSpc>
                 <a:spcPct val="150000"/>
               </a:lnSpc>
@@ -23152,7 +22954,7 @@
             </a:endParaRPr>
           </a:p>
           <a:p>
-            <a:pPr marL="285840" indent="-272160">
+            <a:pPr marL="285840" indent="-271080">
               <a:lnSpc>
                 <a:spcPct val="150000"/>
               </a:lnSpc>
@@ -23217,7 +23019,7 @@
             </a:endParaRPr>
           </a:p>
           <a:p>
-            <a:pPr marL="285840" indent="-272160">
+            <a:pPr marL="285840" indent="-271080">
               <a:lnSpc>
                 <a:spcPct val="150000"/>
               </a:lnSpc>
@@ -23282,7 +23084,7 @@
         <p:spPr>
           <a:xfrm>
             <a:off x="1584000" y="4889520"/>
-            <a:ext cx="8842680" cy="1003320"/>
+            <a:ext cx="8841600" cy="1002240"/>
           </a:xfrm>
           <a:prstGeom prst="rect">
             <a:avLst/>
@@ -23333,7 +23135,7 @@
             </a:endParaRPr>
           </a:p>
           <a:p>
-            <a:pPr marL="216000" indent="-202680">
+            <a:pPr marL="216000" indent="-201600">
               <a:lnSpc>
                 <a:spcPct val="100000"/>
               </a:lnSpc>
@@ -23429,7 +23231,7 @@
         <p:spPr>
           <a:xfrm>
             <a:off x="246600" y="0"/>
-            <a:ext cx="11697480" cy="699120"/>
+            <a:ext cx="11696400" cy="699120"/>
           </a:xfrm>
           <a:prstGeom prst="rect">
             <a:avLst/>
@@ -23519,7 +23321,7 @@
         <p:spPr>
           <a:xfrm>
             <a:off x="246600" y="1742040"/>
-            <a:ext cx="11697480" cy="699480"/>
+            <a:ext cx="11696400" cy="699480"/>
           </a:xfrm>
           <a:prstGeom prst="rect">
             <a:avLst/>
@@ -23620,7 +23422,7 @@
         <p:spPr>
           <a:xfrm>
             <a:off x="248400" y="0"/>
-            <a:ext cx="11698920" cy="699120"/>
+            <a:ext cx="11697840" cy="699120"/>
           </a:xfrm>
           <a:prstGeom prst="rect">
             <a:avLst/>
@@ -23675,7 +23477,7 @@
         <p:spPr>
           <a:xfrm>
             <a:off x="248400" y="762120"/>
-            <a:ext cx="11698920" cy="1735560"/>
+            <a:ext cx="11697840" cy="1735560"/>
           </a:xfrm>
           <a:prstGeom prst="rect">
             <a:avLst/>
@@ -23786,7 +23588,7 @@
         <p:spPr>
           <a:xfrm>
             <a:off x="248400" y="2628720"/>
-            <a:ext cx="11698920" cy="699480"/>
+            <a:ext cx="11697840" cy="699480"/>
           </a:xfrm>
           <a:prstGeom prst="rect">
             <a:avLst/>
@@ -23857,7 +23659,7 @@
         <p:spPr>
           <a:xfrm>
             <a:off x="1600200" y="3981600"/>
-            <a:ext cx="8876160" cy="1324080"/>
+            <a:ext cx="8875080" cy="1324080"/>
           </a:xfrm>
           <a:prstGeom prst="rect">
             <a:avLst/>
@@ -23878,7 +23680,7 @@
             <a:spAutoFit/>
           </a:bodyPr>
           <a:p>
-            <a:pPr marL="285840" indent="-272160">
+            <a:pPr marL="285840" indent="-271080">
               <a:lnSpc>
                 <a:spcPct val="150000"/>
               </a:lnSpc>
@@ -23923,7 +23725,7 @@
             </a:endParaRPr>
           </a:p>
           <a:p>
-            <a:pPr marL="285840" indent="-272160">
+            <a:pPr marL="285840" indent="-271080">
               <a:lnSpc>
                 <a:spcPct val="150000"/>
               </a:lnSpc>
@@ -24043,7 +23845,7 @@
         <p:spPr>
           <a:xfrm>
             <a:off x="1676520" y="2362320"/>
-            <a:ext cx="8825400" cy="1735560"/>
+            <a:ext cx="8824320" cy="1735560"/>
           </a:xfrm>
           <a:prstGeom prst="rect">
             <a:avLst/>
@@ -24094,7 +23896,7 @@
         <p:spPr>
           <a:xfrm>
             <a:off x="522360" y="3531600"/>
-            <a:ext cx="11062440" cy="363960"/>
+            <a:ext cx="11061360" cy="363960"/>
           </a:xfrm>
           <a:prstGeom prst="rect">
             <a:avLst/>
@@ -24175,7 +23977,7 @@
         <p:spPr>
           <a:xfrm>
             <a:off x="248400" y="0"/>
-            <a:ext cx="11698920" cy="699120"/>
+            <a:ext cx="11697840" cy="699120"/>
           </a:xfrm>
           <a:prstGeom prst="rect">
             <a:avLst/>
@@ -24230,7 +24032,7 @@
         <p:spPr>
           <a:xfrm>
             <a:off x="248400" y="762120"/>
-            <a:ext cx="11698920" cy="1735560"/>
+            <a:ext cx="11697840" cy="1735560"/>
           </a:xfrm>
           <a:prstGeom prst="rect">
             <a:avLst/>
@@ -24371,7 +24173,7 @@
         <p:spPr>
           <a:xfrm>
             <a:off x="248400" y="2435760"/>
-            <a:ext cx="11698920" cy="1004400"/>
+            <a:ext cx="11697840" cy="1004400"/>
           </a:xfrm>
           <a:prstGeom prst="rect">
             <a:avLst/>
@@ -24462,7 +24264,7 @@
         <p:spPr>
           <a:xfrm>
             <a:off x="1600200" y="3585600"/>
-            <a:ext cx="8876160" cy="1324080"/>
+            <a:ext cx="8875080" cy="1324080"/>
           </a:xfrm>
           <a:prstGeom prst="rect">
             <a:avLst/>
@@ -24483,7 +24285,7 @@
             <a:spAutoFit/>
           </a:bodyPr>
           <a:p>
-            <a:pPr marL="285840" indent="-272160">
+            <a:pPr marL="285840" indent="-271080">
               <a:lnSpc>
                 <a:spcPct val="150000"/>
               </a:lnSpc>
@@ -24528,7 +24330,7 @@
             </a:endParaRPr>
           </a:p>
           <a:p>
-            <a:pPr marL="285840" indent="-272160">
+            <a:pPr marL="285840" indent="-271080">
               <a:lnSpc>
                 <a:spcPct val="150000"/>
               </a:lnSpc>
@@ -24573,7 +24375,7 @@
             </a:endParaRPr>
           </a:p>
           <a:p>
-            <a:pPr marL="285840" indent="-272160">
+            <a:pPr marL="285840" indent="-271080">
               <a:lnSpc>
                 <a:spcPct val="150000"/>
               </a:lnSpc>
@@ -24693,7 +24495,7 @@
         <p:spPr>
           <a:xfrm>
             <a:off x="1676520" y="2362320"/>
-            <a:ext cx="8825400" cy="1735560"/>
+            <a:ext cx="8824320" cy="1735560"/>
           </a:xfrm>
           <a:prstGeom prst="rect">
             <a:avLst/>
@@ -24744,7 +24546,7 @@
         <p:spPr>
           <a:xfrm>
             <a:off x="522360" y="3531600"/>
-            <a:ext cx="11062440" cy="363960"/>
+            <a:ext cx="11061360" cy="363960"/>
           </a:xfrm>
           <a:prstGeom prst="rect">
             <a:avLst/>
@@ -25499,7 +25301,7 @@
         <p:spPr>
           <a:xfrm>
             <a:off x="248400" y="0"/>
-            <a:ext cx="11698920" cy="699120"/>
+            <a:ext cx="11697840" cy="699120"/>
           </a:xfrm>
           <a:prstGeom prst="rect">
             <a:avLst/>
@@ -25554,7 +25356,7 @@
         <p:spPr>
           <a:xfrm>
             <a:off x="248400" y="762120"/>
-            <a:ext cx="11698920" cy="1735560"/>
+            <a:ext cx="11697840" cy="1735560"/>
           </a:xfrm>
           <a:prstGeom prst="rect">
             <a:avLst/>
@@ -25655,7 +25457,7 @@
         <p:spPr>
           <a:xfrm>
             <a:off x="248400" y="2669760"/>
-            <a:ext cx="11698920" cy="699480"/>
+            <a:ext cx="11697840" cy="699480"/>
           </a:xfrm>
           <a:prstGeom prst="rect">
             <a:avLst/>
@@ -25726,7 +25528,7 @@
         <p:spPr>
           <a:xfrm>
             <a:off x="1600200" y="4269600"/>
-            <a:ext cx="8876160" cy="1324080"/>
+            <a:ext cx="8875080" cy="1324080"/>
           </a:xfrm>
           <a:prstGeom prst="rect">
             <a:avLst/>
@@ -25747,7 +25549,7 @@
             <a:spAutoFit/>
           </a:bodyPr>
           <a:p>
-            <a:pPr marL="285840" indent="-272160">
+            <a:pPr marL="285840" indent="-271080">
               <a:lnSpc>
                 <a:spcPct val="150000"/>
               </a:lnSpc>
@@ -25792,7 +25594,7 @@
             </a:endParaRPr>
           </a:p>
           <a:p>
-            <a:pPr marL="285840" indent="-272160">
+            <a:pPr marL="285840" indent="-271080">
               <a:lnSpc>
                 <a:spcPct val="150000"/>
               </a:lnSpc>
@@ -25837,7 +25639,7 @@
             </a:endParaRPr>
           </a:p>
           <a:p>
-            <a:pPr marL="285840" indent="-272160">
+            <a:pPr marL="285840" indent="-271080">
               <a:lnSpc>
                 <a:spcPct val="150000"/>
               </a:lnSpc>
@@ -25957,7 +25759,7 @@
         <p:spPr>
           <a:xfrm>
             <a:off x="1676520" y="2362320"/>
-            <a:ext cx="8825400" cy="2558520"/>
+            <a:ext cx="8824320" cy="2558520"/>
           </a:xfrm>
           <a:prstGeom prst="rect">
             <a:avLst/>
@@ -26008,7 +25810,7 @@
         <p:spPr>
           <a:xfrm>
             <a:off x="522360" y="3531600"/>
-            <a:ext cx="11062440" cy="363960"/>
+            <a:ext cx="11061360" cy="363960"/>
           </a:xfrm>
           <a:prstGeom prst="rect">
             <a:avLst/>
@@ -26058,7 +25860,7 @@
         </p:nvGraphicFramePr>
         <p:xfrm>
           <a:off x="208080" y="123480"/>
-          <a:ext cx="7571520" cy="1158480"/>
+          <a:ext cx="7571160" cy="1158480"/>
         </p:xfrm>
         <a:graphic>
           <a:graphicData uri="http://schemas.openxmlformats.org/drawingml/2006/table">
@@ -26122,81 +25924,21 @@
                   </a:tcPr>
                 </a:tc>
                 <a:tc hMerge="1">
-                  <a:tcPr>
-                    <a:lnL w="4320">
-                      <a:solidFill>
-                        <a:srgbClr val="000000"/>
-                      </a:solidFill>
-                    </a:lnL>
-                    <a:lnR w="4320">
-                      <a:solidFill>
-                        <a:srgbClr val="000000"/>
-                      </a:solidFill>
-                    </a:lnR>
-                    <a:lnT w="4320">
-                      <a:solidFill>
-                        <a:srgbClr val="000000"/>
-                      </a:solidFill>
-                    </a:lnT>
-                    <a:lnB w="4320">
-                      <a:solidFill>
-                        <a:srgbClr val="000000"/>
-                      </a:solidFill>
-                    </a:lnB>
+                  <a:tcPr marL="90000" marR="90000">
                     <a:solidFill>
                       <a:srgbClr val="729fcf"/>
                     </a:solidFill>
                   </a:tcPr>
                 </a:tc>
                 <a:tc hMerge="1">
-                  <a:tcPr>
-                    <a:lnL w="4320">
-                      <a:solidFill>
-                        <a:srgbClr val="000000"/>
-                      </a:solidFill>
-                    </a:lnL>
-                    <a:lnR w="4320">
-                      <a:solidFill>
-                        <a:srgbClr val="000000"/>
-                      </a:solidFill>
-                    </a:lnR>
-                    <a:lnT w="4320">
-                      <a:solidFill>
-                        <a:srgbClr val="000000"/>
-                      </a:solidFill>
-                    </a:lnT>
-                    <a:lnB w="4320">
-                      <a:solidFill>
-                        <a:srgbClr val="000000"/>
-                      </a:solidFill>
-                    </a:lnB>
+                  <a:tcPr marL="90000" marR="90000">
                     <a:solidFill>
                       <a:srgbClr val="729fcf"/>
                     </a:solidFill>
                   </a:tcPr>
                 </a:tc>
                 <a:tc hMerge="1">
-                  <a:tcPr>
-                    <a:lnL w="4320">
-                      <a:solidFill>
-                        <a:srgbClr val="000000"/>
-                      </a:solidFill>
-                    </a:lnL>
-                    <a:lnR w="4320">
-                      <a:solidFill>
-                        <a:srgbClr val="000000"/>
-                      </a:solidFill>
-                    </a:lnR>
-                    <a:lnT w="4320">
-                      <a:solidFill>
-                        <a:srgbClr val="000000"/>
-                      </a:solidFill>
-                    </a:lnT>
-                    <a:lnB w="4320">
-                      <a:solidFill>
-                        <a:srgbClr val="000000"/>
-                      </a:solidFill>
-                    </a:lnB>
+                  <a:tcPr marL="90000" marR="90000">
                     <a:solidFill>
                       <a:srgbClr val="729fcf"/>
                     </a:solidFill>
@@ -26224,12 +25966,8 @@
                         </a:rPr>
                         <a:t>KEYS</a:t>
                       </a:r>
-                      <a:endParaRPr b="1" lang="en-IN" sz="1800" spc="-1" strike="noStrike">
-                        <a:solidFill>
-                          <a:srgbClr val="283593"/>
-                        </a:solidFill>
+                      <a:endParaRPr b="0" lang="en-IN" sz="1800" spc="-1" strike="noStrike">
                         <a:latin typeface="Arial"/>
-                        <a:ea typeface="DejaVu Sans"/>
                       </a:endParaRPr>
                     </a:p>
                   </a:txBody>
@@ -26263,7 +26001,11 @@
                       <a:noAutofit/>
                     </a:bodyPr>
                     <a:p>
-                      <a:pPr algn="ctr"/>
+                      <a:pPr algn="ctr">
+                        <a:lnSpc>
+                          <a:spcPct val="100000"/>
+                        </a:lnSpc>
+                      </a:pPr>
                       <a:r>
                         <a:rPr b="1" lang="en-IN" sz="1800" spc="-1" strike="noStrike">
                           <a:solidFill>
@@ -26304,7 +26046,11 @@
                       <a:noAutofit/>
                     </a:bodyPr>
                     <a:p>
-                      <a:pPr algn="ctr"/>
+                      <a:pPr algn="ctr">
+                        <a:lnSpc>
+                          <a:spcPct val="100000"/>
+                        </a:lnSpc>
+                      </a:pPr>
                       <a:r>
                         <a:rPr b="1" lang="en-IN" sz="1800" spc="-1" strike="noStrike">
                           <a:solidFill>
@@ -26350,7 +26096,10 @@
                       <a:noAutofit/>
                     </a:bodyPr>
                     <a:p>
-                      <a:pPr marL="216000" indent="-216000" algn="ctr">
+                      <a:pPr marL="216000" indent="-214920" algn="ctr">
+                        <a:lnSpc>
+                          <a:spcPct val="100000"/>
+                        </a:lnSpc>
                         <a:buClr>
                           <a:srgbClr val="000000"/>
                         </a:buClr>
@@ -26428,12 +26177,8 @@
                         </a:rPr>
                         <a:t>randomkey</a:t>
                       </a:r>
-                      <a:endParaRPr b="1" lang="en-IN" sz="1800" spc="-1" strike="noStrike">
-                        <a:solidFill>
-                          <a:srgbClr val="424242"/>
-                        </a:solidFill>
+                      <a:endParaRPr b="0" lang="en-IN" sz="1800" spc="-1" strike="noStrike">
                         <a:latin typeface="Arial"/>
-                        <a:ea typeface="DejaVu Sans"/>
                       </a:endParaRPr>
                     </a:p>
                   </a:txBody>
@@ -26485,12 +26230,8 @@
                         </a:rPr>
                         <a:t>hrandfield key</a:t>
                       </a:r>
-                      <a:endParaRPr b="1" lang="en-IN" sz="1800" spc="-1" strike="noStrike">
-                        <a:solidFill>
-                          <a:srgbClr val="424242"/>
-                        </a:solidFill>
+                      <a:endParaRPr b="0" lang="en-IN" sz="1800" spc="-1" strike="noStrike">
                         <a:latin typeface="Arial"/>
-                        <a:ea typeface="DejaVu Sans"/>
                       </a:endParaRPr>
                     </a:p>
                   </a:txBody>
@@ -26547,12 +26288,8 @@
                         </a:rPr>
                         <a:t>srandmember</a:t>
                       </a:r>
-                      <a:endParaRPr b="1" lang="en-IN" sz="1800" spc="-1" strike="noStrike">
-                        <a:solidFill>
-                          <a:srgbClr val="424242"/>
-                        </a:solidFill>
+                      <a:endParaRPr b="0" lang="en-IN" sz="1800" spc="-1" strike="noStrike">
                         <a:latin typeface="Arial"/>
-                        <a:ea typeface="DejaVu Sans"/>
                       </a:endParaRPr>
                     </a:p>
                   </a:txBody>
@@ -26604,12 +26341,8 @@
                         </a:rPr>
                         <a:t>zrandmember key</a:t>
                       </a:r>
-                      <a:endParaRPr b="1" lang="en-IN" sz="1800" spc="-1" strike="noStrike">
-                        <a:solidFill>
-                          <a:srgbClr val="424242"/>
-                        </a:solidFill>
+                      <a:endParaRPr b="0" lang="en-IN" sz="1800" spc="-1" strike="noStrike">
                         <a:latin typeface="Arial"/>
-                        <a:ea typeface="DejaVu Sans"/>
                       </a:endParaRPr>
                     </a:p>
                   </a:txBody>
@@ -26676,7 +26409,7 @@
         <p:spPr>
           <a:xfrm>
             <a:off x="248400" y="0"/>
-            <a:ext cx="11698920" cy="699120"/>
+            <a:ext cx="11697840" cy="699120"/>
           </a:xfrm>
           <a:prstGeom prst="rect">
             <a:avLst/>
@@ -26731,7 +26464,7 @@
         <p:spPr>
           <a:xfrm>
             <a:off x="248400" y="762120"/>
-            <a:ext cx="11698920" cy="2832840"/>
+            <a:ext cx="11697840" cy="2558520"/>
           </a:xfrm>
           <a:prstGeom prst="rect">
             <a:avLst/>
@@ -26867,16 +26600,6 @@
                 <a:spcPct val="100000"/>
               </a:lnSpc>
             </a:pPr>
-            <a:endParaRPr b="0" lang="en-IN" sz="1800" spc="-1" strike="noStrike">
-              <a:latin typeface="Arial"/>
-            </a:endParaRPr>
-          </a:p>
-          <a:p>
-            <a:pPr algn="just">
-              <a:lnSpc>
-                <a:spcPct val="100000"/>
-              </a:lnSpc>
-            </a:pPr>
             <a:r>
               <a:rPr b="0" lang="en-US" sz="1800" spc="-1" strike="noStrike">
                 <a:solidFill>
@@ -27002,7 +26725,7 @@
         <p:spPr>
           <a:xfrm>
             <a:off x="248400" y="3206880"/>
-            <a:ext cx="11698920" cy="1309320"/>
+            <a:ext cx="11697840" cy="1309320"/>
           </a:xfrm>
           <a:prstGeom prst="rect">
             <a:avLst/>
@@ -27112,8 +26835,8 @@
         </p:nvSpPr>
         <p:spPr>
           <a:xfrm>
-            <a:off x="1600200" y="4881600"/>
-            <a:ext cx="8876160" cy="1324080"/>
+            <a:off x="288000" y="4795920"/>
+            <a:ext cx="8875080" cy="1324080"/>
           </a:xfrm>
           <a:prstGeom prst="rect">
             <a:avLst/>
@@ -27134,7 +26857,7 @@
             <a:spAutoFit/>
           </a:bodyPr>
           <a:p>
-            <a:pPr marL="285840" indent="-272160">
+            <a:pPr marL="285840" indent="-271080">
               <a:lnSpc>
                 <a:spcPct val="150000"/>
               </a:lnSpc>
@@ -27179,7 +26902,7 @@
             </a:endParaRPr>
           </a:p>
           <a:p>
-            <a:pPr marL="285840" indent="-272160">
+            <a:pPr marL="285840" indent="-271080">
               <a:lnSpc>
                 <a:spcPct val="150000"/>
               </a:lnSpc>
@@ -27224,7 +26947,7 @@
             </a:endParaRPr>
           </a:p>
           <a:p>
-            <a:pPr marL="285840" indent="-272160">
+            <a:pPr marL="285840" indent="-271080">
               <a:lnSpc>
                 <a:spcPct val="150000"/>
               </a:lnSpc>
@@ -27344,7 +27067,7 @@
         <p:spPr>
           <a:xfrm>
             <a:off x="1676520" y="2362320"/>
-            <a:ext cx="8825400" cy="912600"/>
+            <a:ext cx="8824320" cy="912600"/>
           </a:xfrm>
           <a:prstGeom prst="rect">
             <a:avLst/>
@@ -27395,7 +27118,7 @@
         <p:spPr>
           <a:xfrm>
             <a:off x="1666800" y="609480"/>
-            <a:ext cx="8825400" cy="394560"/>
+            <a:ext cx="8824320" cy="394560"/>
           </a:xfrm>
           <a:prstGeom prst="rect">
             <a:avLst/>
@@ -27446,7 +27169,7 @@
         <p:spPr>
           <a:xfrm>
             <a:off x="522360" y="3531600"/>
-            <a:ext cx="11062440" cy="638280"/>
+            <a:ext cx="11061360" cy="638280"/>
           </a:xfrm>
           <a:prstGeom prst="rect">
             <a:avLst/>
@@ -27547,7 +27270,7 @@
         <p:spPr>
           <a:xfrm>
             <a:off x="1676520" y="2362320"/>
-            <a:ext cx="8825400" cy="912600"/>
+            <a:ext cx="8824320" cy="1735560"/>
           </a:xfrm>
           <a:prstGeom prst="rect">
             <a:avLst/>
@@ -27581,7 +27304,7 @@
                 <a:latin typeface="Century"/>
                 <a:ea typeface="DejaVu Sans"/>
               </a:rPr>
-              <a:t>sadd and smembers</a:t>
+              <a:t>sadd, smembers, sismember &amp; scard</a:t>
             </a:r>
             <a:endParaRPr b="0" lang="en-IN" sz="5400" spc="-1" strike="noStrike">
               <a:latin typeface="Arial"/>
@@ -27598,7 +27321,7 @@
         <p:spPr>
           <a:xfrm>
             <a:off x="522360" y="3531600"/>
-            <a:ext cx="11062440" cy="363960"/>
+            <a:ext cx="11061360" cy="363960"/>
           </a:xfrm>
           <a:prstGeom prst="rect">
             <a:avLst/>
@@ -27679,7 +27402,7 @@
         <p:spPr>
           <a:xfrm>
             <a:off x="248400" y="0"/>
-            <a:ext cx="11698920" cy="699120"/>
+            <a:ext cx="11697840" cy="699120"/>
           </a:xfrm>
           <a:prstGeom prst="rect">
             <a:avLst/>
@@ -27717,7 +27440,7 @@
                 <a:latin typeface="Open Sans"/>
                 <a:ea typeface="DejaVu Sans"/>
               </a:rPr>
-              <a:t>sadd &amp; smembers</a:t>
+              <a:t>sadd, smembers, sismember &amp; scard</a:t>
             </a:r>
             <a:endParaRPr b="0" lang="en-IN" sz="4000" spc="-1" strike="noStrike">
               <a:latin typeface="Arial"/>
@@ -27734,7 +27457,7 @@
         <p:spPr>
           <a:xfrm>
             <a:off x="248400" y="762120"/>
-            <a:ext cx="11698920" cy="1735560"/>
+            <a:ext cx="11697840" cy="2832840"/>
           </a:xfrm>
           <a:prstGeom prst="rect">
             <a:avLst/>
@@ -27848,6 +27571,126 @@
                 <a:latin typeface="Arial"/>
                 <a:ea typeface="DejaVu Sans"/>
               </a:rPr>
+              <a:t>SISMEMBER</a:t>
+            </a:r>
+            <a:r>
+              <a:rPr b="0" lang="en-US" sz="1800" spc="-1" strike="noStrike">
+                <a:solidFill>
+                  <a:srgbClr val="000000"/>
+                </a:solidFill>
+                <a:latin typeface="Arial"/>
+                <a:ea typeface="DejaVu Sans"/>
+              </a:rPr>
+              <a:t> returns if member is a member of the set stored at key. </a:t>
+            </a:r>
+            <a:endParaRPr b="0" lang="en-IN" sz="1800" spc="-1" strike="noStrike">
+              <a:latin typeface="Arial"/>
+            </a:endParaRPr>
+          </a:p>
+          <a:p>
+            <a:pPr algn="just">
+              <a:lnSpc>
+                <a:spcPct val="100000"/>
+              </a:lnSpc>
+            </a:pPr>
+            <a:r>
+              <a:rPr b="0" lang="en-US" sz="1800" spc="-1" strike="noStrike">
+                <a:solidFill>
+                  <a:srgbClr val="000000"/>
+                </a:solidFill>
+                <a:latin typeface="Arial"/>
+                <a:ea typeface="DejaVu Sans"/>
+              </a:rPr>
+              <a:t>returns </a:t>
+            </a:r>
+            <a:r>
+              <a:rPr b="1" lang="en-US" sz="1800" spc="-1" strike="noStrike">
+                <a:solidFill>
+                  <a:srgbClr val="000000"/>
+                </a:solidFill>
+                <a:latin typeface="Arial"/>
+                <a:ea typeface="DejaVu Sans"/>
+              </a:rPr>
+              <a:t>1</a:t>
+            </a:r>
+            <a:r>
+              <a:rPr b="0" lang="en-US" sz="1800" spc="-1" strike="noStrike">
+                <a:solidFill>
+                  <a:srgbClr val="000000"/>
+                </a:solidFill>
+                <a:latin typeface="Arial"/>
+                <a:ea typeface="DejaVu Sans"/>
+              </a:rPr>
+              <a:t> if the element is a member of the set.</a:t>
+            </a:r>
+            <a:endParaRPr b="0" lang="en-IN" sz="1800" spc="-1" strike="noStrike">
+              <a:latin typeface="Arial"/>
+            </a:endParaRPr>
+          </a:p>
+          <a:p>
+            <a:pPr algn="just">
+              <a:lnSpc>
+                <a:spcPct val="100000"/>
+              </a:lnSpc>
+            </a:pPr>
+            <a:r>
+              <a:rPr b="0" lang="en-US" sz="1800" spc="-1" strike="noStrike">
+                <a:solidFill>
+                  <a:srgbClr val="000000"/>
+                </a:solidFill>
+                <a:latin typeface="Arial"/>
+                <a:ea typeface="DejaVu Sans"/>
+              </a:rPr>
+              <a:t>returns </a:t>
+            </a:r>
+            <a:r>
+              <a:rPr b="1" lang="en-US" sz="1800" spc="-1" strike="noStrike">
+                <a:solidFill>
+                  <a:srgbClr val="000000"/>
+                </a:solidFill>
+                <a:latin typeface="Arial"/>
+                <a:ea typeface="DejaVu Sans"/>
+              </a:rPr>
+              <a:t>0</a:t>
+            </a:r>
+            <a:r>
+              <a:rPr b="0" lang="en-US" sz="1800" spc="-1" strike="noStrike">
+                <a:solidFill>
+                  <a:srgbClr val="000000"/>
+                </a:solidFill>
+                <a:latin typeface="Arial"/>
+                <a:ea typeface="DejaVu Sans"/>
+              </a:rPr>
+              <a:t> if the element is not a member of the set, or if key does not exist.</a:t>
+            </a:r>
+            <a:endParaRPr b="0" lang="en-IN" sz="1800" spc="-1" strike="noStrike">
+              <a:latin typeface="Arial"/>
+            </a:endParaRPr>
+          </a:p>
+          <a:p>
+            <a:pPr algn="just">
+              <a:lnSpc>
+                <a:spcPct val="100000"/>
+              </a:lnSpc>
+            </a:pPr>
+            <a:endParaRPr b="0" lang="en-IN" sz="1800" spc="-1" strike="noStrike">
+              <a:latin typeface="Arial"/>
+            </a:endParaRPr>
+          </a:p>
+          <a:p>
+            <a:pPr algn="just">
+              <a:lnSpc>
+                <a:spcPct val="100000"/>
+              </a:lnSpc>
+            </a:pPr>
+            <a:r>
+              <a:rPr b="1" lang="en-US" sz="1800" spc="-1" strike="noStrike">
+                <a:solidFill>
+                  <a:srgbClr val="7c4dff"/>
+                </a:solidFill>
+                <a:latin typeface="Arial"/>
+                <a:ea typeface="DejaVu Sans"/>
+              </a:rPr>
               <a:t>SCARD</a:t>
             </a:r>
             <a:r>
@@ -27874,8 +27717,8 @@
         </p:nvSpPr>
         <p:spPr>
           <a:xfrm>
-            <a:off x="248400" y="2882880"/>
-            <a:ext cx="11698920" cy="1004400"/>
+            <a:off x="248400" y="3422880"/>
+            <a:ext cx="11697840" cy="1309320"/>
           </a:xfrm>
           <a:prstGeom prst="rect">
             <a:avLst/>
@@ -27949,6 +27792,26 @@
                 <a:latin typeface="Consolas"/>
                 <a:ea typeface="DejaVu Sans"/>
               </a:rPr>
+              <a:t>SISMEMBER key member</a:t>
+            </a:r>
+            <a:endParaRPr b="0" lang="en-IN" sz="2000" spc="-1" strike="noStrike">
+              <a:latin typeface="Arial"/>
+            </a:endParaRPr>
+          </a:p>
+          <a:p>
+            <a:pPr>
+              <a:lnSpc>
+                <a:spcPct val="100000"/>
+              </a:lnSpc>
+            </a:pPr>
+            <a:r>
+              <a:rPr b="0" lang="en-US" sz="2000" spc="-1" strike="noStrike">
+                <a:solidFill>
+                  <a:srgbClr val="00b0f0"/>
+                </a:solidFill>
+                <a:latin typeface="Consolas"/>
+                <a:ea typeface="DejaVu Sans"/>
+              </a:rPr>
               <a:t>SCARD key</a:t>
             </a:r>
             <a:endParaRPr b="0" lang="en-IN" sz="2000" spc="-1" strike="noStrike">
@@ -27965,8 +27828,8 @@
         </p:nvSpPr>
         <p:spPr>
           <a:xfrm>
-            <a:off x="288000" y="4039920"/>
-            <a:ext cx="8876160" cy="1735560"/>
+            <a:off x="288000" y="4687920"/>
+            <a:ext cx="8875080" cy="2147040"/>
           </a:xfrm>
           <a:prstGeom prst="rect">
             <a:avLst/>
@@ -27987,7 +27850,7 @@
             <a:spAutoFit/>
           </a:bodyPr>
           <a:p>
-            <a:pPr marL="285840" indent="-272160">
+            <a:pPr marL="285840" indent="-271080">
               <a:lnSpc>
                 <a:spcPct val="150000"/>
               </a:lnSpc>
@@ -28032,7 +27895,7 @@
             </a:endParaRPr>
           </a:p>
           <a:p>
-            <a:pPr marL="285840" indent="-272160">
+            <a:pPr marL="285840" indent="-271080">
               <a:lnSpc>
                 <a:spcPct val="150000"/>
               </a:lnSpc>
@@ -28077,7 +27940,7 @@
             </a:endParaRPr>
           </a:p>
           <a:p>
-            <a:pPr marL="285840" indent="-272160">
+            <a:pPr marL="285840" indent="-271080">
               <a:lnSpc>
                 <a:spcPct val="150000"/>
               </a:lnSpc>
@@ -28122,7 +27985,7 @@
             </a:endParaRPr>
           </a:p>
           <a:p>
-            <a:pPr marL="285840" indent="-272160">
+            <a:pPr marL="285840" indent="-271080">
               <a:lnSpc>
                 <a:spcPct val="150000"/>
               </a:lnSpc>
@@ -28160,6 +28023,51 @@
                 <a:latin typeface="Consolas"/>
                 <a:ea typeface="SimSun"/>
               </a:rPr>
+              <a:t>sismembers point:1 103</a:t>
+            </a:r>
+            <a:endParaRPr b="0" lang="en-IN" sz="1800" spc="-1" strike="noStrike">
+              <a:latin typeface="Arial"/>
+            </a:endParaRPr>
+          </a:p>
+          <a:p>
+            <a:pPr marL="285840" indent="-271080">
+              <a:lnSpc>
+                <a:spcPct val="150000"/>
+              </a:lnSpc>
+              <a:buClr>
+                <a:srgbClr val="808080"/>
+              </a:buClr>
+              <a:buFont typeface="Arial"/>
+              <a:buChar char="•"/>
+            </a:pPr>
+            <a:r>
+              <a:rPr b="0" lang="en-IN" sz="1800" spc="-1" strike="noStrike">
+                <a:solidFill>
+                  <a:srgbClr val="808080"/>
+                </a:solidFill>
+                <a:latin typeface="Consolas"/>
+                <a:ea typeface="SimSun"/>
+              </a:rPr>
+              <a:t>127.0.0.1:6379&gt;</a:t>
+            </a:r>
+            <a:r>
+              <a:rPr b="0" lang="en-IN" sz="1800" spc="-1" strike="noStrike">
+                <a:solidFill>
+                  <a:srgbClr val="000000"/>
+                </a:solidFill>
+                <a:latin typeface="Consolas"/>
+                <a:ea typeface="SimSun"/>
+              </a:rPr>
+              <a:t> </a:t>
+            </a:r>
+            <a:r>
+              <a:rPr b="0" lang="en-IN" sz="1800" spc="-1" strike="noStrike">
+                <a:solidFill>
+                  <a:srgbClr val="ff5733"/>
+                </a:solidFill>
+                <a:latin typeface="Consolas"/>
+                <a:ea typeface="SimSun"/>
+              </a:rPr>
               <a:t>scard point:1</a:t>
             </a:r>
             <a:endParaRPr b="0" lang="en-IN" sz="1800" spc="-1" strike="noStrike">
@@ -28176,7 +28084,7 @@
         </p:nvSpPr>
         <p:spPr>
           <a:xfrm>
-            <a:off x="0" y="2706840"/>
+            <a:off x="0" y="3246840"/>
             <a:ext cx="12191760" cy="0"/>
           </a:xfrm>
           <a:prstGeom prst="line">
@@ -28242,7 +28150,7 @@
         <p:spPr>
           <a:xfrm>
             <a:off x="1676520" y="2362320"/>
-            <a:ext cx="8825400" cy="912600"/>
+            <a:ext cx="8824320" cy="912600"/>
           </a:xfrm>
           <a:prstGeom prst="rect">
             <a:avLst/>
@@ -28293,7 +28201,7 @@
         <p:spPr>
           <a:xfrm>
             <a:off x="1666800" y="609480"/>
-            <a:ext cx="8825400" cy="394560"/>
+            <a:ext cx="8824320" cy="394560"/>
           </a:xfrm>
           <a:prstGeom prst="rect">
             <a:avLst/>
@@ -28344,7 +28252,7 @@
         <p:spPr>
           <a:xfrm>
             <a:off x="522360" y="3531600"/>
-            <a:ext cx="11062440" cy="638280"/>
+            <a:ext cx="11061360" cy="638280"/>
           </a:xfrm>
           <a:prstGeom prst="rect">
             <a:avLst/>
@@ -28425,7 +28333,7 @@
         <p:spPr>
           <a:xfrm>
             <a:off x="1676520" y="2362320"/>
-            <a:ext cx="8825400" cy="912960"/>
+            <a:ext cx="8824320" cy="912600"/>
           </a:xfrm>
           <a:prstGeom prst="rect">
             <a:avLst/>
@@ -28476,7 +28384,7 @@
         <p:spPr>
           <a:xfrm>
             <a:off x="522360" y="3531600"/>
-            <a:ext cx="11062440" cy="363960"/>
+            <a:ext cx="11061360" cy="363960"/>
           </a:xfrm>
           <a:prstGeom prst="rect">
             <a:avLst/>
@@ -28557,7 +28465,7 @@
         <p:spPr>
           <a:xfrm>
             <a:off x="248400" y="0"/>
-            <a:ext cx="11698920" cy="699120"/>
+            <a:ext cx="11697840" cy="699120"/>
           </a:xfrm>
           <a:prstGeom prst="rect">
             <a:avLst/>
@@ -28612,7 +28520,7 @@
         <p:spPr>
           <a:xfrm>
             <a:off x="248400" y="762120"/>
-            <a:ext cx="11698920" cy="1735560"/>
+            <a:ext cx="11697840" cy="1735560"/>
           </a:xfrm>
           <a:prstGeom prst="rect">
             <a:avLst/>
@@ -28753,7 +28661,7 @@
         <p:spPr>
           <a:xfrm>
             <a:off x="248400" y="2882880"/>
-            <a:ext cx="11698920" cy="1004760"/>
+            <a:ext cx="11697840" cy="1004400"/>
           </a:xfrm>
           <a:prstGeom prst="rect">
             <a:avLst/>
@@ -28844,7 +28752,7 @@
         <p:spPr>
           <a:xfrm>
             <a:off x="288000" y="4039920"/>
-            <a:ext cx="8876160" cy="1324800"/>
+            <a:ext cx="8875080" cy="1324080"/>
           </a:xfrm>
           <a:prstGeom prst="rect">
             <a:avLst/>
@@ -28865,7 +28773,7 @@
             <a:spAutoFit/>
           </a:bodyPr>
           <a:p>
-            <a:pPr marL="285840" indent="-272160">
+            <a:pPr marL="285840" indent="-271080">
               <a:lnSpc>
                 <a:spcPct val="150000"/>
               </a:lnSpc>
@@ -28910,7 +28818,7 @@
             </a:endParaRPr>
           </a:p>
           <a:p>
-            <a:pPr marL="285840" indent="-272160">
+            <a:pPr marL="285840" indent="-271080">
               <a:lnSpc>
                 <a:spcPct val="150000"/>
               </a:lnSpc>
@@ -28955,7 +28863,7 @@
             </a:endParaRPr>
           </a:p>
           <a:p>
-            <a:pPr marL="285840" indent="-272160">
+            <a:pPr marL="285840" indent="-271080">
               <a:lnSpc>
                 <a:spcPct val="150000"/>
               </a:lnSpc>
@@ -28993,17 +28901,7 @@
                 <a:latin typeface="Consolas"/>
                 <a:ea typeface="SimSun"/>
               </a:rPr>
-              <a:t>sdiff point:1 </a:t>
-            </a:r>
-            <a:r>
-              <a:rPr b="0" lang="en-IN" sz="1800" spc="-1" strike="noStrike">
-                <a:solidFill>
-                  <a:srgbClr val="ff5733"/>
-                </a:solidFill>
-                <a:latin typeface="Consolas"/>
-                <a:ea typeface="SimSun"/>
-              </a:rPr>
-              <a:t>point:2</a:t>
+              <a:t>sdiff point:1 point:2</a:t>
             </a:r>
             <a:endParaRPr b="0" lang="en-IN" sz="1800" spc="-1" strike="noStrike">
               <a:latin typeface="Arial"/>
@@ -29055,7 +28953,7 @@
         <p:spPr>
           <a:xfrm>
             <a:off x="8856000" y="2882880"/>
-            <a:ext cx="3239640" cy="1076760"/>
+            <a:ext cx="3238560" cy="1075680"/>
           </a:xfrm>
           <a:prstGeom prst="rect">
             <a:avLst/>
@@ -29087,6 +28985,7 @@
                   <a:srgbClr val="ffc400"/>
                 </a:solidFill>
                 <a:latin typeface="Courier New"/>
+                <a:ea typeface="DejaVu Sans"/>
               </a:rPr>
               <a:t>key1 = {a,b,c,d}</a:t>
             </a:r>
@@ -29106,6 +29005,7 @@
                   <a:srgbClr val="ffc400"/>
                 </a:solidFill>
                 <a:latin typeface="Courier New"/>
+                <a:ea typeface="DejaVu Sans"/>
               </a:rPr>
               <a:t>key2 = {c}</a:t>
             </a:r>
@@ -29125,6 +29025,7 @@
                   <a:srgbClr val="ffc400"/>
                 </a:solidFill>
                 <a:latin typeface="Courier New"/>
+                <a:ea typeface="DejaVu Sans"/>
               </a:rPr>
               <a:t>key3 = {a,c,e}</a:t>
             </a:r>
@@ -29173,7 +29074,7 @@
         <p:spPr>
           <a:xfrm>
             <a:off x="1676520" y="2362320"/>
-            <a:ext cx="8825400" cy="2558520"/>
+            <a:ext cx="8824320" cy="1735920"/>
           </a:xfrm>
           <a:prstGeom prst="rect">
             <a:avLst/>
@@ -29207,7 +29108,7 @@
                 <a:latin typeface="Century"/>
                 <a:ea typeface="DejaVu Sans"/>
               </a:rPr>
-              <a:t>hdel key, hlen key, hexists key &amp; hrandfield key</a:t>
+              <a:t>smove, srem &amp; srandmember</a:t>
             </a:r>
             <a:endParaRPr b="0" lang="en-IN" sz="5400" spc="-1" strike="noStrike">
               <a:latin typeface="Arial"/>
@@ -29224,7 +29125,7 @@
         <p:spPr>
           <a:xfrm>
             <a:off x="522360" y="3531600"/>
-            <a:ext cx="11062440" cy="363960"/>
+            <a:ext cx="11061360" cy="363960"/>
           </a:xfrm>
           <a:prstGeom prst="rect">
             <a:avLst/>
@@ -29274,7 +29175,7 @@
         </p:nvGraphicFramePr>
         <p:xfrm>
           <a:off x="208080" y="123480"/>
-          <a:ext cx="7571520" cy="1158480"/>
+          <a:ext cx="7571160" cy="1158480"/>
         </p:xfrm>
         <a:graphic>
           <a:graphicData uri="http://schemas.openxmlformats.org/drawingml/2006/table">
@@ -29338,81 +29239,21 @@
                   </a:tcPr>
                 </a:tc>
                 <a:tc hMerge="1">
-                  <a:tcPr>
-                    <a:lnL w="4320">
-                      <a:solidFill>
-                        <a:srgbClr val="000000"/>
-                      </a:solidFill>
-                    </a:lnL>
-                    <a:lnR w="4320">
-                      <a:solidFill>
-                        <a:srgbClr val="000000"/>
-                      </a:solidFill>
-                    </a:lnR>
-                    <a:lnT w="4320">
-                      <a:solidFill>
-                        <a:srgbClr val="000000"/>
-                      </a:solidFill>
-                    </a:lnT>
-                    <a:lnB w="4320">
-                      <a:solidFill>
-                        <a:srgbClr val="000000"/>
-                      </a:solidFill>
-                    </a:lnB>
+                  <a:tcPr marL="90000" marR="90000">
                     <a:solidFill>
                       <a:srgbClr val="729fcf"/>
                     </a:solidFill>
                   </a:tcPr>
                 </a:tc>
                 <a:tc hMerge="1">
-                  <a:tcPr>
-                    <a:lnL w="4320">
-                      <a:solidFill>
-                        <a:srgbClr val="000000"/>
-                      </a:solidFill>
-                    </a:lnL>
-                    <a:lnR w="4320">
-                      <a:solidFill>
-                        <a:srgbClr val="000000"/>
-                      </a:solidFill>
-                    </a:lnR>
-                    <a:lnT w="4320">
-                      <a:solidFill>
-                        <a:srgbClr val="000000"/>
-                      </a:solidFill>
-                    </a:lnT>
-                    <a:lnB w="4320">
-                      <a:solidFill>
-                        <a:srgbClr val="000000"/>
-                      </a:solidFill>
-                    </a:lnB>
+                  <a:tcPr marL="90000" marR="90000">
                     <a:solidFill>
                       <a:srgbClr val="729fcf"/>
                     </a:solidFill>
                   </a:tcPr>
                 </a:tc>
                 <a:tc hMerge="1">
-                  <a:tcPr>
-                    <a:lnL w="4320">
-                      <a:solidFill>
-                        <a:srgbClr val="000000"/>
-                      </a:solidFill>
-                    </a:lnL>
-                    <a:lnR w="4320">
-                      <a:solidFill>
-                        <a:srgbClr val="000000"/>
-                      </a:solidFill>
-                    </a:lnR>
-                    <a:lnT w="4320">
-                      <a:solidFill>
-                        <a:srgbClr val="000000"/>
-                      </a:solidFill>
-                    </a:lnT>
-                    <a:lnB w="4320">
-                      <a:solidFill>
-                        <a:srgbClr val="000000"/>
-                      </a:solidFill>
-                    </a:lnB>
+                  <a:tcPr marL="90000" marR="90000">
                     <a:solidFill>
                       <a:srgbClr val="729fcf"/>
                     </a:solidFill>
@@ -29440,12 +29281,8 @@
                         </a:rPr>
                         <a:t>KEYS</a:t>
                       </a:r>
-                      <a:endParaRPr b="1" lang="en-IN" sz="1800" spc="-1" strike="noStrike">
-                        <a:solidFill>
-                          <a:srgbClr val="283593"/>
-                        </a:solidFill>
+                      <a:endParaRPr b="0" lang="en-IN" sz="1800" spc="-1" strike="noStrike">
                         <a:latin typeface="Arial"/>
-                        <a:ea typeface="DejaVu Sans"/>
                       </a:endParaRPr>
                     </a:p>
                   </a:txBody>
@@ -29479,7 +29316,11 @@
                       <a:noAutofit/>
                     </a:bodyPr>
                     <a:p>
-                      <a:pPr algn="ctr"/>
+                      <a:pPr algn="ctr">
+                        <a:lnSpc>
+                          <a:spcPct val="100000"/>
+                        </a:lnSpc>
+                      </a:pPr>
                       <a:r>
                         <a:rPr b="1" lang="en-IN" sz="1800" spc="-1" strike="noStrike">
                           <a:solidFill>
@@ -29520,7 +29361,11 @@
                       <a:noAutofit/>
                     </a:bodyPr>
                     <a:p>
-                      <a:pPr algn="ctr"/>
+                      <a:pPr algn="ctr">
+                        <a:lnSpc>
+                          <a:spcPct val="100000"/>
+                        </a:lnSpc>
+                      </a:pPr>
                       <a:r>
                         <a:rPr b="1" lang="en-IN" sz="1800" spc="-1" strike="noStrike">
                           <a:solidFill>
@@ -29566,7 +29411,10 @@
                       <a:noAutofit/>
                     </a:bodyPr>
                     <a:p>
-                      <a:pPr marL="216000" indent="-216000" algn="ctr">
+                      <a:pPr marL="216000" indent="-214920" algn="ctr">
+                        <a:lnSpc>
+                          <a:spcPct val="100000"/>
+                        </a:lnSpc>
                         <a:buClr>
                           <a:srgbClr val="000000"/>
                         </a:buClr>
@@ -29644,12 +29492,8 @@
                         </a:rPr>
                         <a:t>randomkey</a:t>
                       </a:r>
-                      <a:endParaRPr b="1" lang="en-IN" sz="1800" spc="-1" strike="noStrike">
-                        <a:solidFill>
-                          <a:srgbClr val="424242"/>
-                        </a:solidFill>
+                      <a:endParaRPr b="0" lang="en-IN" sz="1800" spc="-1" strike="noStrike">
                         <a:latin typeface="Arial"/>
-                        <a:ea typeface="DejaVu Sans"/>
                       </a:endParaRPr>
                     </a:p>
                   </a:txBody>
@@ -29701,12 +29545,8 @@
                         </a:rPr>
                         <a:t>hrandfield key</a:t>
                       </a:r>
-                      <a:endParaRPr b="1" lang="en-IN" sz="1800" spc="-1" strike="noStrike">
-                        <a:solidFill>
-                          <a:srgbClr val="424242"/>
-                        </a:solidFill>
+                      <a:endParaRPr b="0" lang="en-IN" sz="1800" spc="-1" strike="noStrike">
                         <a:latin typeface="Arial"/>
-                        <a:ea typeface="DejaVu Sans"/>
                       </a:endParaRPr>
                     </a:p>
                   </a:txBody>
@@ -29763,12 +29603,8 @@
                         </a:rPr>
                         <a:t>srandmember</a:t>
                       </a:r>
-                      <a:endParaRPr b="1" lang="en-IN" sz="1800" spc="-1" strike="noStrike">
-                        <a:solidFill>
-                          <a:srgbClr val="424242"/>
-                        </a:solidFill>
+                      <a:endParaRPr b="0" lang="en-IN" sz="1800" spc="-1" strike="noStrike">
                         <a:latin typeface="Arial"/>
-                        <a:ea typeface="DejaVu Sans"/>
                       </a:endParaRPr>
                     </a:p>
                   </a:txBody>
@@ -29820,12 +29656,8 @@
                         </a:rPr>
                         <a:t>zrandmember key</a:t>
                       </a:r>
-                      <a:endParaRPr b="1" lang="en-IN" sz="1800" spc="-1" strike="noStrike">
-                        <a:solidFill>
-                          <a:srgbClr val="424242"/>
-                        </a:solidFill>
+                      <a:endParaRPr b="0" lang="en-IN" sz="1800" spc="-1" strike="noStrike">
                         <a:latin typeface="Arial"/>
-                        <a:ea typeface="DejaVu Sans"/>
                       </a:endParaRPr>
                     </a:p>
                   </a:txBody>
@@ -29892,7 +29724,7 @@
         <p:spPr>
           <a:xfrm>
             <a:off x="248400" y="0"/>
-            <a:ext cx="11698920" cy="699120"/>
+            <a:ext cx="11697840" cy="699480"/>
           </a:xfrm>
           <a:prstGeom prst="rect">
             <a:avLst/>
@@ -29930,7 +29762,7 @@
                 <a:latin typeface="Open Sans"/>
                 <a:ea typeface="DejaVu Sans"/>
               </a:rPr>
-              <a:t>hdel, hlen, hexists &amp; hrandfield</a:t>
+              <a:t>smove, srem &amp; srandmember</a:t>
             </a:r>
             <a:endParaRPr b="0" lang="en-IN" sz="4000" spc="-1" strike="noStrike">
               <a:latin typeface="Arial"/>
@@ -29947,7 +29779,7 @@
         <p:spPr>
           <a:xfrm>
             <a:off x="248400" y="762120"/>
-            <a:ext cx="11698920" cy="2832840"/>
+            <a:ext cx="11697840" cy="2558520"/>
           </a:xfrm>
           <a:prstGeom prst="rect">
             <a:avLst/>
@@ -29981,7 +29813,7 @@
                 <a:latin typeface="Arial"/>
                 <a:ea typeface="DejaVu Sans"/>
               </a:rPr>
-              <a:t>HDEL</a:t>
+              <a:t>SMOVE</a:t>
             </a:r>
             <a:r>
               <a:rPr b="0" lang="en-US" sz="1800" spc="-1" strike="noStrike">
@@ -29991,7 +29823,7 @@
                 <a:latin typeface="Arial"/>
                 <a:ea typeface="DejaVu Sans"/>
               </a:rPr>
-              <a:t> removes the specified fields from the hash stored at key.</a:t>
+              <a:t> moves member from the set at source to the set at destination.</a:t>
             </a:r>
             <a:endParaRPr b="0" lang="en-IN" sz="1800" spc="-1" strike="noStrike">
               <a:latin typeface="Arial"/>
@@ -30003,6 +29835,36 @@
                 <a:spcPct val="100000"/>
               </a:lnSpc>
             </a:pPr>
+            <a:r>
+              <a:rPr b="0" lang="en-US" sz="1800" spc="-1" strike="noStrike">
+                <a:solidFill>
+                  <a:srgbClr val="000000"/>
+                </a:solidFill>
+                <a:latin typeface="Arial"/>
+                <a:ea typeface="DejaVu Sans"/>
+              </a:rPr>
+              <a:t>returns </a:t>
+            </a:r>
+            <a:r>
+              <a:rPr b="1" lang="en-US" sz="1800" spc="-1" strike="noStrike">
+                <a:solidFill>
+                  <a:srgbClr val="000000"/>
+                </a:solidFill>
+                <a:latin typeface="Arial"/>
+                <a:ea typeface="DejaVu Sans"/>
+              </a:rPr>
+              <a:t>1</a:t>
+            </a:r>
+            <a:r>
+              <a:rPr b="0" lang="en-US" sz="1800" spc="-1" strike="noStrike">
+                <a:solidFill>
+                  <a:srgbClr val="000000"/>
+                </a:solidFill>
+                <a:latin typeface="Arial"/>
+                <a:ea typeface="DejaVu Sans"/>
+              </a:rPr>
+              <a:t> if the element is moved.</a:t>
+            </a:r>
             <a:endParaRPr b="0" lang="en-IN" sz="1800" spc="-1" strike="noStrike">
               <a:latin typeface="Arial"/>
             </a:endParaRPr>
@@ -30014,14 +29876,64 @@
               </a:lnSpc>
             </a:pPr>
             <a:r>
+              <a:rPr b="0" lang="en-US" sz="1800" spc="-1" strike="noStrike">
+                <a:solidFill>
+                  <a:srgbClr val="000000"/>
+                </a:solidFill>
+                <a:latin typeface="Arial"/>
+                <a:ea typeface="DejaVu Sans"/>
+              </a:rPr>
+              <a:t>returns </a:t>
+            </a:r>
+            <a:r>
               <a:rPr b="1" lang="en-US" sz="1800" spc="-1" strike="noStrike">
                 <a:solidFill>
+                  <a:srgbClr val="000000"/>
+                </a:solidFill>
+                <a:latin typeface="Arial"/>
+                <a:ea typeface="DejaVu Sans"/>
+              </a:rPr>
+              <a:t>0</a:t>
+            </a:r>
+            <a:r>
+              <a:rPr b="0" lang="en-US" sz="1800" spc="-1" strike="noStrike">
+                <a:solidFill>
+                  <a:srgbClr val="000000"/>
+                </a:solidFill>
+                <a:latin typeface="Arial"/>
+                <a:ea typeface="DejaVu Sans"/>
+              </a:rPr>
+              <a:t> if the element is not a member of source and no operation was performed.</a:t>
+            </a:r>
+            <a:endParaRPr b="0" lang="en-IN" sz="1800" spc="-1" strike="noStrike">
+              <a:latin typeface="Arial"/>
+            </a:endParaRPr>
+          </a:p>
+          <a:p>
+            <a:pPr algn="just">
+              <a:lnSpc>
+                <a:spcPct val="100000"/>
+              </a:lnSpc>
+            </a:pPr>
+            <a:endParaRPr b="0" lang="en-IN" sz="1800" spc="-1" strike="noStrike">
+              <a:latin typeface="Arial"/>
+            </a:endParaRPr>
+          </a:p>
+          <a:p>
+            <a:pPr algn="just">
+              <a:lnSpc>
+                <a:spcPct val="100000"/>
+              </a:lnSpc>
+            </a:pPr>
+            <a:r>
+              <a:rPr b="1" lang="en-US" sz="1800" spc="-1" strike="noStrike">
+                <a:solidFill>
                   <a:srgbClr val="7c4dff"/>
                 </a:solidFill>
                 <a:latin typeface="Arial"/>
                 <a:ea typeface="DejaVu Sans"/>
               </a:rPr>
-              <a:t>HLEN</a:t>
+              <a:t>SREM</a:t>
             </a:r>
             <a:r>
               <a:rPr b="0" lang="en-US" sz="1800" spc="-1" strike="noStrike">
@@ -30031,7 +29943,7 @@
                 <a:latin typeface="Arial"/>
                 <a:ea typeface="DejaVu Sans"/>
               </a:rPr>
-              <a:t> returns the number of fields contained in the hash stored at key.</a:t>
+              <a:t> removes the specified members from the set stored at key. Specified members that are not a member of this set are ignored.</a:t>
             </a:r>
             <a:endParaRPr b="0" lang="en-IN" sz="1800" spc="-1" strike="noStrike">
               <a:latin typeface="Arial"/>
@@ -30061,7 +29973,7 @@
                 <a:latin typeface="Arial"/>
                 <a:ea typeface="DejaVu Sans"/>
               </a:rPr>
-              <a:t>HEXISTS</a:t>
+              <a:t>SRANDMEMBER</a:t>
             </a:r>
             <a:r>
               <a:rPr b="0" lang="en-US" sz="1800" spc="-1" strike="noStrike">
@@ -30071,137 +29983,7 @@
                 <a:latin typeface="Arial"/>
                 <a:ea typeface="DejaVu Sans"/>
               </a:rPr>
-              <a:t> returns if field is an existing field in the hash stored at key.</a:t>
-            </a:r>
-            <a:endParaRPr b="0" lang="en-IN" sz="1800" spc="-1" strike="noStrike">
-              <a:latin typeface="Arial"/>
-            </a:endParaRPr>
-          </a:p>
-          <a:p>
-            <a:pPr algn="just">
-              <a:lnSpc>
-                <a:spcPct val="100000"/>
-              </a:lnSpc>
-            </a:pPr>
-            <a:endParaRPr b="0" lang="en-IN" sz="1800" spc="-1" strike="noStrike">
-              <a:latin typeface="Arial"/>
-            </a:endParaRPr>
-          </a:p>
-          <a:p>
-            <a:pPr algn="just">
-              <a:lnSpc>
-                <a:spcPct val="100000"/>
-              </a:lnSpc>
-            </a:pPr>
-            <a:r>
-              <a:rPr b="0" lang="en-US" sz="1800" spc="-1" strike="noStrike">
-                <a:solidFill>
-                  <a:srgbClr val="000000"/>
-                </a:solidFill>
-                <a:latin typeface="Arial"/>
-                <a:ea typeface="DejaVu Sans"/>
-              </a:rPr>
-              <a:t>returns</a:t>
-            </a:r>
-            <a:r>
-              <a:rPr b="1" lang="en-US" sz="1800" spc="-1" strike="noStrike">
-                <a:solidFill>
-                  <a:srgbClr val="000000"/>
-                </a:solidFill>
-                <a:latin typeface="Arial"/>
-                <a:ea typeface="DejaVu Sans"/>
-              </a:rPr>
-              <a:t> 1</a:t>
-            </a:r>
-            <a:r>
-              <a:rPr b="0" lang="en-US" sz="1800" spc="-1" strike="noStrike">
-                <a:solidFill>
-                  <a:srgbClr val="000000"/>
-                </a:solidFill>
-                <a:latin typeface="Arial"/>
-                <a:ea typeface="DejaVu Sans"/>
-              </a:rPr>
-              <a:t> if the hash contains field.</a:t>
-            </a:r>
-            <a:endParaRPr b="0" lang="en-IN" sz="1800" spc="-1" strike="noStrike">
-              <a:latin typeface="Arial"/>
-            </a:endParaRPr>
-          </a:p>
-          <a:p>
-            <a:pPr algn="just">
-              <a:lnSpc>
-                <a:spcPct val="100000"/>
-              </a:lnSpc>
-            </a:pPr>
-            <a:r>
-              <a:rPr b="0" lang="en-US" sz="1800" spc="-1" strike="noStrike">
-                <a:solidFill>
-                  <a:srgbClr val="000000"/>
-                </a:solidFill>
-                <a:latin typeface="Arial"/>
-                <a:ea typeface="DejaVu Sans"/>
-              </a:rPr>
-              <a:t>returns </a:t>
-            </a:r>
-            <a:r>
-              <a:rPr b="1" lang="en-US" sz="1800" spc="-1" strike="noStrike">
-                <a:solidFill>
-                  <a:srgbClr val="000000"/>
-                </a:solidFill>
-                <a:latin typeface="Arial"/>
-                <a:ea typeface="DejaVu Sans"/>
-              </a:rPr>
-              <a:t>0</a:t>
-            </a:r>
-            <a:r>
-              <a:rPr b="0" lang="en-US" sz="1800" spc="-1" strike="noStrike">
-                <a:solidFill>
-                  <a:srgbClr val="000000"/>
-                </a:solidFill>
-                <a:latin typeface="Arial"/>
-                <a:ea typeface="DejaVu Sans"/>
-              </a:rPr>
-              <a:t> if the hash does not contain field, or key does not exist.</a:t>
-            </a:r>
-            <a:endParaRPr b="0" lang="en-IN" sz="1800" spc="-1" strike="noStrike">
-              <a:latin typeface="Arial"/>
-            </a:endParaRPr>
-          </a:p>
-          <a:p>
-            <a:pPr algn="just">
-              <a:lnSpc>
-                <a:spcPct val="100000"/>
-              </a:lnSpc>
-            </a:pPr>
-            <a:endParaRPr b="0" lang="en-IN" sz="1800" spc="-1" strike="noStrike">
-              <a:latin typeface="Arial"/>
-            </a:endParaRPr>
-          </a:p>
-          <a:p>
-            <a:pPr algn="just">
-              <a:lnSpc>
-                <a:spcPct val="100000"/>
-              </a:lnSpc>
-            </a:pPr>
-            <a:r>
-              <a:rPr b="1" lang="en-US" sz="1800" spc="-1" strike="noStrike">
-                <a:solidFill>
-                  <a:srgbClr val="7c4dff"/>
-                </a:solidFill>
-                <a:latin typeface="Arial"/>
-                <a:ea typeface="DejaVu Sans"/>
-              </a:rPr>
-              <a:t>HRANDFIELD</a:t>
-            </a:r>
-            <a:r>
-              <a:rPr b="0" lang="en-US" sz="1800" spc="-1" strike="noStrike">
-                <a:solidFill>
-                  <a:srgbClr val="000000"/>
-                </a:solidFill>
-                <a:latin typeface="Arial"/>
-                <a:ea typeface="DejaVu Sans"/>
-              </a:rPr>
-              <a:t> return a random field from the hash value stored at key.</a:t>
+              <a:t> returns a random element from the set value stored at key. If the provided count argument is positive, return an array of distinct elements.</a:t>
             </a:r>
             <a:endParaRPr b="0" lang="en-IN" sz="1800" spc="-1" strike="noStrike">
               <a:latin typeface="Arial"/>
@@ -30218,7 +30000,7 @@
         <p:spPr>
           <a:xfrm>
             <a:off x="248400" y="3206880"/>
-            <a:ext cx="11698920" cy="1309320"/>
+            <a:ext cx="11697840" cy="1004760"/>
           </a:xfrm>
           <a:prstGeom prst="rect">
             <a:avLst/>
@@ -30252,7 +30034,7 @@
                 <a:latin typeface="Consolas"/>
                 <a:ea typeface="DejaVu Sans"/>
               </a:rPr>
-              <a:t>HDEL key field [field ...]</a:t>
+              <a:t>SMOVE source destination member</a:t>
             </a:r>
             <a:endParaRPr b="0" lang="en-IN" sz="2000" spc="-1" strike="noStrike">
               <a:latin typeface="Arial"/>
@@ -30272,7 +30054,7 @@
                 <a:latin typeface="Consolas"/>
                 <a:ea typeface="DejaVu Sans"/>
               </a:rPr>
-              <a:t>HLEN key</a:t>
+              <a:t>SREM key member [member ...]</a:t>
             </a:r>
             <a:endParaRPr b="0" lang="en-IN" sz="2000" spc="-1" strike="noStrike">
               <a:latin typeface="Arial"/>
@@ -30292,27 +30074,7 @@
                 <a:latin typeface="Consolas"/>
                 <a:ea typeface="DejaVu Sans"/>
               </a:rPr>
-              <a:t>HEXISTS key field</a:t>
-            </a:r>
-            <a:endParaRPr b="0" lang="en-IN" sz="2000" spc="-1" strike="noStrike">
-              <a:latin typeface="Arial"/>
-            </a:endParaRPr>
-          </a:p>
-          <a:p>
-            <a:pPr>
-              <a:lnSpc>
-                <a:spcPct val="100000"/>
-              </a:lnSpc>
-            </a:pPr>
-            <a:r>
-              <a:rPr b="0" lang="en-US" sz="2000" spc="-1" strike="noStrike">
-                <a:solidFill>
-                  <a:srgbClr val="00b0f0"/>
-                </a:solidFill>
-                <a:latin typeface="Consolas"/>
-                <a:ea typeface="DejaVu Sans"/>
-              </a:rPr>
-              <a:t>HRANDFIELD key [count [WITHVALUES]]</a:t>
+              <a:t>SRANDMEMBER key [count]</a:t>
             </a:r>
             <a:endParaRPr b="0" lang="en-IN" sz="2000" spc="-1" strike="noStrike">
               <a:latin typeface="Arial"/>
@@ -30328,8 +30090,8 @@
         </p:nvSpPr>
         <p:spPr>
           <a:xfrm>
-            <a:off x="1600200" y="4881600"/>
-            <a:ext cx="8876160" cy="1324080"/>
+            <a:off x="340560" y="4608000"/>
+            <a:ext cx="8875080" cy="1735560"/>
           </a:xfrm>
           <a:prstGeom prst="rect">
             <a:avLst/>
@@ -30350,7 +30112,7 @@
             <a:spAutoFit/>
           </a:bodyPr>
           <a:p>
-            <a:pPr marL="285840" indent="-272160">
+            <a:pPr marL="285840" indent="-271080">
               <a:lnSpc>
                 <a:spcPct val="150000"/>
               </a:lnSpc>
@@ -30388,14 +30150,14 @@
                 <a:latin typeface="Consolas"/>
                 <a:ea typeface="SimSun"/>
               </a:rPr>
-              <a:t>hincrby customer:1 amount 1</a:t>
+              <a:t>smove point:3 point:1 1</a:t>
             </a:r>
             <a:endParaRPr b="0" lang="en-IN" sz="1800" spc="-1" strike="noStrike">
               <a:latin typeface="Arial"/>
             </a:endParaRPr>
           </a:p>
           <a:p>
-            <a:pPr marL="285840" indent="-272160">
+            <a:pPr marL="285840" indent="-271080">
               <a:lnSpc>
                 <a:spcPct val="150000"/>
               </a:lnSpc>
@@ -30433,14 +30195,14 @@
                 <a:latin typeface="Consolas"/>
                 <a:ea typeface="SimSun"/>
               </a:rPr>
-              <a:t>hincrby customer:1 amount -1</a:t>
+              <a:t>srem point:3 1 2 3 4 5</a:t>
             </a:r>
             <a:endParaRPr b="0" lang="en-IN" sz="1800" spc="-1" strike="noStrike">
               <a:latin typeface="Arial"/>
             </a:endParaRPr>
           </a:p>
           <a:p>
-            <a:pPr marL="285840" indent="-272160">
+            <a:pPr marL="285840" indent="-271080">
               <a:lnSpc>
                 <a:spcPct val="150000"/>
               </a:lnSpc>
@@ -30478,7 +30240,52 @@
                 <a:latin typeface="Consolas"/>
                 <a:ea typeface="SimSun"/>
               </a:rPr>
-              <a:t>hincrbyfloat customer:1 amount .5</a:t>
+              <a:t>srandmember point:1</a:t>
+            </a:r>
+            <a:endParaRPr b="0" lang="en-IN" sz="1800" spc="-1" strike="noStrike">
+              <a:latin typeface="Arial"/>
+            </a:endParaRPr>
+          </a:p>
+          <a:p>
+            <a:pPr marL="285840" indent="-271080">
+              <a:lnSpc>
+                <a:spcPct val="150000"/>
+              </a:lnSpc>
+              <a:buClr>
+                <a:srgbClr val="808080"/>
+              </a:buClr>
+              <a:buFont typeface="Arial"/>
+              <a:buChar char="•"/>
+            </a:pPr>
+            <a:r>
+              <a:rPr b="0" lang="en-IN" sz="1800" spc="-1" strike="noStrike">
+                <a:solidFill>
+                  <a:srgbClr val="808080"/>
+                </a:solidFill>
+                <a:latin typeface="Consolas"/>
+                <a:ea typeface="SimSun"/>
+              </a:rPr>
+              <a:t>127.0.0.1:6379&gt;</a:t>
+            </a:r>
+            <a:r>
+              <a:rPr b="0" lang="en-IN" sz="1800" spc="-1" strike="noStrike">
+                <a:solidFill>
+                  <a:srgbClr val="000000"/>
+                </a:solidFill>
+                <a:latin typeface="Consolas"/>
+                <a:ea typeface="SimSun"/>
+              </a:rPr>
+              <a:t> </a:t>
+            </a:r>
+            <a:r>
+              <a:rPr b="0" lang="en-IN" sz="1800" spc="-1" strike="noStrike">
+                <a:solidFill>
+                  <a:srgbClr val="ff5733"/>
+                </a:solidFill>
+                <a:latin typeface="Consolas"/>
+                <a:ea typeface="SimSun"/>
+              </a:rPr>
+              <a:t>srandmember point:1 2</a:t>
             </a:r>
             <a:endParaRPr b="0" lang="en-IN" sz="1800" spc="-1" strike="noStrike">
               <a:latin typeface="Arial"/>
@@ -30494,7 +30301,7 @@
         </p:nvSpPr>
         <p:spPr>
           <a:xfrm>
-            <a:off x="0" y="3030840"/>
+            <a:off x="0" y="3066840"/>
             <a:ext cx="12191760" cy="0"/>
           </a:xfrm>
           <a:prstGeom prst="line">
@@ -30560,7 +30367,7 @@
         <p:spPr>
           <a:xfrm>
             <a:off x="1676520" y="2362320"/>
-            <a:ext cx="8825400" cy="912600"/>
+            <a:ext cx="8824320" cy="912600"/>
           </a:xfrm>
           <a:prstGeom prst="rect">
             <a:avLst/>
@@ -30611,7 +30418,7 @@
         <p:spPr>
           <a:xfrm>
             <a:off x="1666800" y="609480"/>
-            <a:ext cx="8825400" cy="394560"/>
+            <a:ext cx="8824320" cy="394560"/>
           </a:xfrm>
           <a:prstGeom prst="rect">
             <a:avLst/>
@@ -30662,7 +30469,7 @@
         <p:spPr>
           <a:xfrm>
             <a:off x="522360" y="3531600"/>
-            <a:ext cx="11062440" cy="363960"/>
+            <a:ext cx="11061360" cy="363960"/>
           </a:xfrm>
           <a:prstGeom prst="rect">
             <a:avLst/>
@@ -30743,7 +30550,7 @@
         <p:spPr>
           <a:xfrm>
             <a:off x="0" y="727200"/>
-            <a:ext cx="1941120" cy="424800"/>
+            <a:ext cx="1940040" cy="424800"/>
           </a:xfrm>
           <a:prstGeom prst="rect">
             <a:avLst/>
@@ -30794,7 +30601,7 @@
         <p:spPr>
           <a:xfrm>
             <a:off x="288000" y="2061720"/>
-            <a:ext cx="11661120" cy="4053960"/>
+            <a:ext cx="11660040" cy="4052880"/>
           </a:xfrm>
           <a:prstGeom prst="rect">
             <a:avLst/>
@@ -30855,7 +30662,7 @@
             </a:endParaRPr>
           </a:p>
           <a:p>
-            <a:pPr marL="216000" indent="-213120">
+            <a:pPr marL="216000" indent="-212040">
               <a:lnSpc>
                 <a:spcPct val="100000"/>
               </a:lnSpc>
@@ -30901,7 +30708,7 @@
             </a:endParaRPr>
           </a:p>
           <a:p>
-            <a:pPr marL="216000" indent="-213120">
+            <a:pPr marL="216000" indent="-212040">
               <a:lnSpc>
                 <a:spcPct val="100000"/>
               </a:lnSpc>
@@ -31057,7 +30864,7 @@
         <p:spPr>
           <a:xfrm>
             <a:off x="248400" y="0"/>
-            <a:ext cx="11698920" cy="699120"/>
+            <a:ext cx="11697840" cy="699120"/>
           </a:xfrm>
           <a:prstGeom prst="rect">
             <a:avLst/>
@@ -31112,7 +30919,7 @@
         <p:spPr>
           <a:xfrm>
             <a:off x="576000" y="1504080"/>
-            <a:ext cx="8349120" cy="365040"/>
+            <a:ext cx="8348040" cy="363960"/>
           </a:xfrm>
           <a:prstGeom prst="rect">
             <a:avLst/>
@@ -31163,7 +30970,7 @@
         <p:spPr>
           <a:xfrm>
             <a:off x="288000" y="5543280"/>
-            <a:ext cx="10833120" cy="1005840"/>
+            <a:ext cx="10832040" cy="1004760"/>
           </a:xfrm>
           <a:prstGeom prst="rect">
             <a:avLst/>
@@ -31324,7 +31131,7 @@
         <p:spPr>
           <a:xfrm>
             <a:off x="216000" y="216000"/>
-            <a:ext cx="1941120" cy="424800"/>
+            <a:ext cx="1940040" cy="424800"/>
           </a:xfrm>
           <a:prstGeom prst="rect">
             <a:avLst/>
@@ -31375,7 +31182,7 @@
         <p:spPr>
           <a:xfrm>
             <a:off x="432720" y="1224000"/>
-            <a:ext cx="8349120" cy="365040"/>
+            <a:ext cx="8348040" cy="363960"/>
           </a:xfrm>
           <a:prstGeom prst="rect">
             <a:avLst/>
@@ -31426,7 +31233,7 @@
         <p:spPr>
           <a:xfrm>
             <a:off x="288000" y="1584000"/>
-            <a:ext cx="608760" cy="396720"/>
+            <a:ext cx="607680" cy="395640"/>
           </a:xfrm>
           <a:prstGeom prst="rect">
             <a:avLst/>
@@ -31477,7 +31284,7 @@
         <p:spPr>
           <a:xfrm>
             <a:off x="432720" y="2073600"/>
-            <a:ext cx="11085120" cy="4204440"/>
+            <a:ext cx="11084040" cy="4204440"/>
           </a:xfrm>
           <a:prstGeom prst="rect">
             <a:avLst/>
@@ -32008,7 +31815,7 @@
         <p:spPr>
           <a:xfrm>
             <a:off x="1365840" y="188640"/>
-            <a:ext cx="9669240" cy="2192400"/>
+            <a:ext cx="9668160" cy="2192400"/>
           </a:xfrm>
           <a:prstGeom prst="rect">
             <a:avLst/>
@@ -32103,7 +31910,7 @@
         <p:spPr>
           <a:xfrm>
             <a:off x="4404600" y="2036160"/>
-            <a:ext cx="3112920" cy="4649760"/>
+            <a:ext cx="3111840" cy="4648680"/>
           </a:xfrm>
           <a:prstGeom prst="rect">
             <a:avLst/>
@@ -32152,7 +31959,7 @@
         <p:spPr>
           <a:xfrm>
             <a:off x="474480" y="2448000"/>
-            <a:ext cx="10393920" cy="2390760"/>
+            <a:ext cx="10392840" cy="2389680"/>
           </a:xfrm>
           <a:prstGeom prst="rect">
             <a:avLst/>
@@ -32203,7 +32010,7 @@
             </a:endParaRPr>
           </a:p>
           <a:p>
-            <a:pPr marL="216000" indent="-212400">
+            <a:pPr marL="216000" indent="-211320">
               <a:lnSpc>
                 <a:spcPct val="100000"/>
               </a:lnSpc>
@@ -32229,7 +32036,7 @@
             </a:endParaRPr>
           </a:p>
           <a:p>
-            <a:pPr marL="216000" indent="-212400">
+            <a:pPr marL="216000" indent="-211320">
               <a:lnSpc>
                 <a:spcPct val="100000"/>
               </a:lnSpc>
@@ -32255,7 +32062,7 @@
             </a:endParaRPr>
           </a:p>
           <a:p>
-            <a:pPr marL="216000" indent="-212400">
+            <a:pPr marL="216000" indent="-211320">
               <a:lnSpc>
                 <a:spcPct val="100000"/>
               </a:lnSpc>
@@ -32281,7 +32088,7 @@
             </a:endParaRPr>
           </a:p>
           <a:p>
-            <a:pPr marL="216000" indent="-212400">
+            <a:pPr marL="216000" indent="-211320">
               <a:lnSpc>
                 <a:spcPct val="100000"/>
               </a:lnSpc>
@@ -32307,7 +32114,7 @@
             </a:endParaRPr>
           </a:p>
           <a:p>
-            <a:pPr marL="216000" indent="-212400">
+            <a:pPr marL="216000" indent="-211320">
               <a:lnSpc>
                 <a:spcPct val="100000"/>
               </a:lnSpc>
@@ -32343,7 +32150,7 @@
         <p:spPr>
           <a:xfrm>
             <a:off x="363600" y="193320"/>
-            <a:ext cx="4240800" cy="595080"/>
+            <a:ext cx="4239720" cy="594000"/>
           </a:xfrm>
           <a:prstGeom prst="rect">
             <a:avLst/>
@@ -32414,7 +32221,7 @@
         <p:spPr>
           <a:xfrm>
             <a:off x="504000" y="5760000"/>
-            <a:ext cx="11156400" cy="598680"/>
+            <a:ext cx="11155320" cy="597600"/>
           </a:xfrm>
           <a:prstGeom prst="rect">
             <a:avLst/>
@@ -32477,7 +32284,7 @@
         <p:spPr>
           <a:xfrm>
             <a:off x="9648000" y="4014000"/>
-            <a:ext cx="2156400" cy="302400"/>
+            <a:ext cx="2155320" cy="301320"/>
           </a:xfrm>
           <a:prstGeom prst="rect">
             <a:avLst/>
@@ -32558,7 +32365,7 @@
         <p:spPr>
           <a:xfrm>
             <a:off x="1368000" y="1669320"/>
-            <a:ext cx="3669840" cy="2936520"/>
+            <a:ext cx="3668760" cy="2935440"/>
           </a:xfrm>
           <a:prstGeom prst="rect">
             <a:avLst/>
@@ -32869,7 +32676,7 @@
         <p:spPr>
           <a:xfrm>
             <a:off x="1676520" y="2362320"/>
-            <a:ext cx="8825400" cy="912600"/>
+            <a:ext cx="8824320" cy="912600"/>
           </a:xfrm>
           <a:prstGeom prst="rect">
             <a:avLst/>
@@ -32920,7 +32727,7 @@
         <p:spPr>
           <a:xfrm>
             <a:off x="522360" y="3531600"/>
-            <a:ext cx="11062440" cy="363960"/>
+            <a:ext cx="11061360" cy="363960"/>
           </a:xfrm>
           <a:prstGeom prst="rect">
             <a:avLst/>
@@ -33005,7 +32812,7 @@
         <p:spPr>
           <a:xfrm>
             <a:off x="483840" y="144000"/>
-            <a:ext cx="8586720" cy="6439680"/>
+            <a:ext cx="8585640" cy="6438600"/>
           </a:xfrm>
           <a:prstGeom prst="rect">
             <a:avLst/>
@@ -33054,7 +32861,7 @@
         <p:spPr>
           <a:xfrm>
             <a:off x="248400" y="0"/>
-            <a:ext cx="11698920" cy="699120"/>
+            <a:ext cx="11697840" cy="699120"/>
           </a:xfrm>
           <a:prstGeom prst="rect">
             <a:avLst/>
@@ -33109,7 +32916,7 @@
         <p:spPr>
           <a:xfrm>
             <a:off x="248400" y="762120"/>
-            <a:ext cx="11698920" cy="638280"/>
+            <a:ext cx="11697840" cy="638280"/>
           </a:xfrm>
           <a:prstGeom prst="rect">
             <a:avLst/>
@@ -33170,7 +32977,7 @@
         <p:spPr>
           <a:xfrm>
             <a:off x="1523880" y="4272480"/>
-            <a:ext cx="8876160" cy="2558520"/>
+            <a:ext cx="8875080" cy="2558520"/>
           </a:xfrm>
           <a:prstGeom prst="rect">
             <a:avLst/>
@@ -33191,7 +32998,7 @@
             <a:spAutoFit/>
           </a:bodyPr>
           <a:p>
-            <a:pPr marL="285840" indent="-272160">
+            <a:pPr marL="285840" indent="-271080">
               <a:lnSpc>
                 <a:spcPct val="150000"/>
               </a:lnSpc>
@@ -33236,7 +33043,7 @@
             </a:endParaRPr>
           </a:p>
           <a:p>
-            <a:pPr marL="285840" indent="-272160">
+            <a:pPr marL="285840" indent="-271080">
               <a:lnSpc>
                 <a:spcPct val="150000"/>
               </a:lnSpc>
@@ -33281,7 +33088,7 @@
             </a:endParaRPr>
           </a:p>
           <a:p>
-            <a:pPr marL="285840" indent="-272160">
+            <a:pPr marL="285840" indent="-271080">
               <a:lnSpc>
                 <a:spcPct val="150000"/>
               </a:lnSpc>
@@ -33326,7 +33133,7 @@
             </a:endParaRPr>
           </a:p>
           <a:p>
-            <a:pPr marL="285840" indent="-272160">
+            <a:pPr marL="285840" indent="-271080">
               <a:lnSpc>
                 <a:spcPct val="150000"/>
               </a:lnSpc>
@@ -33371,7 +33178,7 @@
             </a:endParaRPr>
           </a:p>
           <a:p>
-            <a:pPr marL="285840" indent="-272160">
+            <a:pPr marL="285840" indent="-271080">
               <a:lnSpc>
                 <a:spcPct val="150000"/>
               </a:lnSpc>
@@ -33406,7 +33213,7 @@
             </a:endParaRPr>
           </a:p>
           <a:p>
-            <a:pPr marL="285840" indent="-272160">
+            <a:pPr marL="285840" indent="-271080">
               <a:lnSpc>
                 <a:spcPct val="150000"/>
               </a:lnSpc>
@@ -34006,7 +33813,7 @@
         <p:spPr>
           <a:xfrm>
             <a:off x="246600" y="1742040"/>
-            <a:ext cx="11700720" cy="394560"/>
+            <a:ext cx="11699640" cy="394560"/>
           </a:xfrm>
           <a:prstGeom prst="rect">
             <a:avLst/>
@@ -34097,7 +33904,7 @@
         <p:spPr>
           <a:xfrm>
             <a:off x="1676520" y="2362320"/>
-            <a:ext cx="8825400" cy="912600"/>
+            <a:ext cx="8824320" cy="912600"/>
           </a:xfrm>
           <a:prstGeom prst="rect">
             <a:avLst/>
@@ -34148,7 +33955,7 @@
         <p:spPr>
           <a:xfrm>
             <a:off x="522360" y="3531600"/>
-            <a:ext cx="11062440" cy="363960"/>
+            <a:ext cx="11061360" cy="363960"/>
           </a:xfrm>
           <a:prstGeom prst="rect">
             <a:avLst/>

--- a/redis Ver2.pptx
+++ b/redis Ver2.pptx
@@ -76,6 +76,9 @@
     <p:sldId id="323" r:id="rId71"/>
     <p:sldId id="324" r:id="rId72"/>
     <p:sldId id="325" r:id="rId73"/>
+    <p:sldId id="326" r:id="rId74"/>
+    <p:sldId id="327" r:id="rId75"/>
+    <p:sldId id="328" r:id="rId76"/>
   </p:sldIdLst>
   <p:sldSz cx="12192000" cy="6858000"/>
   <p:notesSz cx="7559675" cy="10691812"/>
@@ -2884,8 +2887,8 @@
         </p:nvSpPr>
         <p:spPr>
           <a:xfrm rot="5400000">
-            <a:off x="605160" y="6447240"/>
-            <a:ext cx="176040" cy="145800"/>
+            <a:off x="605880" y="6447240"/>
+            <a:ext cx="175320" cy="145080"/>
           </a:xfrm>
           <a:prstGeom prst="triangle">
             <a:avLst>
@@ -2926,7 +2929,7 @@
         <p:spPr>
           <a:xfrm>
             <a:off x="1206360" y="3648240"/>
-            <a:ext cx="9738720" cy="1265400"/>
+            <a:ext cx="9738000" cy="1264680"/>
           </a:xfrm>
           <a:prstGeom prst="rect">
             <a:avLst/>
@@ -2968,7 +2971,7 @@
         <p:spPr>
           <a:xfrm>
             <a:off x="1219320" y="5638680"/>
-            <a:ext cx="9738720" cy="671040"/>
+            <a:ext cx="9738000" cy="670320"/>
           </a:xfrm>
           <a:prstGeom prst="rect">
             <a:avLst/>
@@ -3010,7 +3013,7 @@
         <p:spPr>
           <a:xfrm>
             <a:off x="1206360" y="3648240"/>
-            <a:ext cx="290160" cy="1265400"/>
+            <a:ext cx="289440" cy="1264680"/>
           </a:xfrm>
           <a:prstGeom prst="rect">
             <a:avLst/>
@@ -3049,7 +3052,7 @@
         <p:spPr>
           <a:xfrm>
             <a:off x="1219320" y="5638680"/>
-            <a:ext cx="290160" cy="671040"/>
+            <a:ext cx="289440" cy="670320"/>
           </a:xfrm>
           <a:prstGeom prst="rect">
             <a:avLst/>
@@ -3108,7 +3111,13 @@
               <a:rPr b="0" lang="en-IN" sz="4400" spc="-1" strike="noStrike">
                 <a:latin typeface="Arial"/>
               </a:rPr>
-              <a:t>Click to edit the title text format</a:t>
+              <a:t>Click to edit the title text </a:t>
+            </a:r>
+            <a:r>
+              <a:rPr b="0" lang="en-IN" sz="4400" spc="-1" strike="noStrike">
+                <a:latin typeface="Arial"/>
+              </a:rPr>
+              <a:t>format</a:t>
             </a:r>
             <a:endParaRPr b="0" lang="en-IN" sz="4400" spc="-1" strike="noStrike">
               <a:latin typeface="Arial"/>
@@ -3405,8 +3414,8 @@
         </p:nvSpPr>
         <p:spPr>
           <a:xfrm rot="5400000">
-            <a:off x="605160" y="6447240"/>
-            <a:ext cx="176040" cy="145800"/>
+            <a:off x="605880" y="6447240"/>
+            <a:ext cx="175320" cy="145080"/>
           </a:xfrm>
           <a:prstGeom prst="triangle">
             <a:avLst>
@@ -3475,8 +3484,8 @@
         </p:nvSpPr>
         <p:spPr>
           <a:xfrm rot="5400000">
-            <a:off x="605160" y="6447240"/>
-            <a:ext cx="176040" cy="145800"/>
+            <a:off x="605880" y="6447240"/>
+            <a:ext cx="175320" cy="145080"/>
           </a:xfrm>
           <a:prstGeom prst="triangle">
             <a:avLst>
@@ -3770,7 +3779,7 @@
         <p:spPr>
           <a:xfrm>
             <a:off x="1975680" y="3553920"/>
-            <a:ext cx="8519760" cy="975960"/>
+            <a:ext cx="8519040" cy="975240"/>
           </a:xfrm>
           <a:prstGeom prst="rect">
             <a:avLst/>
@@ -3827,7 +3836,7 @@
         <p:spPr>
           <a:xfrm>
             <a:off x="181440" y="2001960"/>
-            <a:ext cx="2839680" cy="2839680"/>
+            <a:ext cx="2838960" cy="2838960"/>
           </a:xfrm>
           <a:prstGeom prst="rect">
             <a:avLst/>
@@ -3846,7 +3855,7 @@
         <p:spPr>
           <a:xfrm>
             <a:off x="720000" y="5158800"/>
-            <a:ext cx="10869840" cy="1175040"/>
+            <a:ext cx="10869120" cy="1174320"/>
           </a:xfrm>
           <a:prstGeom prst="rect">
             <a:avLst/>
@@ -3909,7 +3918,7 @@
         <p:spPr>
           <a:xfrm>
             <a:off x="181440" y="196560"/>
-            <a:ext cx="2839680" cy="1053000"/>
+            <a:ext cx="2838960" cy="1052280"/>
           </a:xfrm>
           <a:prstGeom prst="rect">
             <a:avLst/>
@@ -3928,7 +3937,7 @@
         <p:spPr>
           <a:xfrm>
             <a:off x="3557880" y="93600"/>
-            <a:ext cx="8438040" cy="3045240"/>
+            <a:ext cx="8437320" cy="3045240"/>
           </a:xfrm>
           <a:prstGeom prst="rect">
             <a:avLst/>
@@ -4013,7 +4022,7 @@
         <p:spPr>
           <a:xfrm>
             <a:off x="181440" y="196920"/>
-            <a:ext cx="2841480" cy="1054800"/>
+            <a:ext cx="2840760" cy="1054080"/>
           </a:xfrm>
           <a:prstGeom prst="rect">
             <a:avLst/>
@@ -4036,7 +4045,7 @@
         <p:spPr>
           <a:xfrm>
             <a:off x="57960" y="2448000"/>
-            <a:ext cx="3537720" cy="3537720"/>
+            <a:ext cx="3537000" cy="3537000"/>
           </a:xfrm>
           <a:prstGeom prst="rect">
             <a:avLst/>
@@ -4055,7 +4064,7 @@
         <p:spPr>
           <a:xfrm>
             <a:off x="7632000" y="4716000"/>
-            <a:ext cx="3453840" cy="400680"/>
+            <a:ext cx="3453120" cy="399960"/>
           </a:xfrm>
           <a:prstGeom prst="rect">
             <a:avLst/>
@@ -4186,7 +4195,7 @@
         <p:spPr>
           <a:xfrm>
             <a:off x="248400" y="0"/>
-            <a:ext cx="11697840" cy="699120"/>
+            <a:ext cx="11697120" cy="699120"/>
           </a:xfrm>
           <a:prstGeom prst="rect">
             <a:avLst/>
@@ -4241,7 +4250,7 @@
         <p:spPr>
           <a:xfrm>
             <a:off x="248400" y="762120"/>
-            <a:ext cx="11697840" cy="1186920"/>
+            <a:ext cx="11697120" cy="1186920"/>
           </a:xfrm>
           <a:prstGeom prst="rect">
             <a:avLst/>
@@ -4362,7 +4371,7 @@
         <p:spPr>
           <a:xfrm>
             <a:off x="1523880" y="3801960"/>
-            <a:ext cx="8875080" cy="2147040"/>
+            <a:ext cx="8874360" cy="2147040"/>
           </a:xfrm>
           <a:prstGeom prst="rect">
             <a:avLst/>
@@ -4383,7 +4392,7 @@
             <a:spAutoFit/>
           </a:bodyPr>
           <a:p>
-            <a:pPr marL="285840" indent="-271080">
+            <a:pPr marL="285840" indent="-270360">
               <a:lnSpc>
                 <a:spcPct val="150000"/>
               </a:lnSpc>
@@ -4428,7 +4437,7 @@
             </a:endParaRPr>
           </a:p>
           <a:p>
-            <a:pPr marL="285840" indent="-271080">
+            <a:pPr marL="285840" indent="-270360">
               <a:lnSpc>
                 <a:spcPct val="150000"/>
               </a:lnSpc>
@@ -4473,7 +4482,7 @@
             </a:endParaRPr>
           </a:p>
           <a:p>
-            <a:pPr marL="285840" indent="-271080">
+            <a:pPr marL="285840" indent="-270360">
               <a:lnSpc>
                 <a:spcPct val="150000"/>
               </a:lnSpc>
@@ -4518,7 +4527,7 @@
             </a:endParaRPr>
           </a:p>
           <a:p>
-            <a:pPr marL="285840" indent="-271080">
+            <a:pPr marL="285840" indent="-270360">
               <a:lnSpc>
                 <a:spcPct val="150000"/>
               </a:lnSpc>
@@ -4608,7 +4617,7 @@
         <p:spPr>
           <a:xfrm>
             <a:off x="246600" y="2133720"/>
-            <a:ext cx="11699640" cy="699480"/>
+            <a:ext cx="11698920" cy="699480"/>
           </a:xfrm>
           <a:prstGeom prst="rect">
             <a:avLst/>
@@ -4709,7 +4718,7 @@
         <p:spPr>
           <a:xfrm>
             <a:off x="1676520" y="2362320"/>
-            <a:ext cx="8824320" cy="912600"/>
+            <a:ext cx="8823600" cy="912600"/>
           </a:xfrm>
           <a:prstGeom prst="rect">
             <a:avLst/>
@@ -4760,7 +4769,7 @@
         <p:spPr>
           <a:xfrm>
             <a:off x="522360" y="3531600"/>
-            <a:ext cx="11061360" cy="363960"/>
+            <a:ext cx="11060640" cy="363960"/>
           </a:xfrm>
           <a:prstGeom prst="rect">
             <a:avLst/>
@@ -4841,7 +4850,7 @@
         <p:spPr>
           <a:xfrm>
             <a:off x="248400" y="0"/>
-            <a:ext cx="11697840" cy="699120"/>
+            <a:ext cx="11697120" cy="699120"/>
           </a:xfrm>
           <a:prstGeom prst="rect">
             <a:avLst/>
@@ -4896,7 +4905,7 @@
         <p:spPr>
           <a:xfrm>
             <a:off x="248400" y="762120"/>
-            <a:ext cx="11697840" cy="1186920"/>
+            <a:ext cx="11697120" cy="1186920"/>
           </a:xfrm>
           <a:prstGeom prst="rect">
             <a:avLst/>
@@ -4997,7 +5006,7 @@
         <p:spPr>
           <a:xfrm>
             <a:off x="1523880" y="3480480"/>
-            <a:ext cx="8875080" cy="2558520"/>
+            <a:ext cx="8874360" cy="2558520"/>
           </a:xfrm>
           <a:prstGeom prst="rect">
             <a:avLst/>
@@ -5018,7 +5027,7 @@
             <a:spAutoFit/>
           </a:bodyPr>
           <a:p>
-            <a:pPr marL="285840" indent="-271080">
+            <a:pPr marL="285840" indent="-270360">
               <a:lnSpc>
                 <a:spcPct val="150000"/>
               </a:lnSpc>
@@ -5063,7 +5072,7 @@
             </a:endParaRPr>
           </a:p>
           <a:p>
-            <a:pPr marL="285840" indent="-271080">
+            <a:pPr marL="285840" indent="-270360">
               <a:lnSpc>
                 <a:spcPct val="150000"/>
               </a:lnSpc>
@@ -5108,7 +5117,7 @@
             </a:endParaRPr>
           </a:p>
           <a:p>
-            <a:pPr marL="285840" indent="-271080">
+            <a:pPr marL="285840" indent="-270360">
               <a:lnSpc>
                 <a:spcPct val="150000"/>
               </a:lnSpc>
@@ -5153,7 +5162,7 @@
             </a:endParaRPr>
           </a:p>
           <a:p>
-            <a:pPr marL="285840" indent="-271080">
+            <a:pPr marL="285840" indent="-270360">
               <a:lnSpc>
                 <a:spcPct val="150000"/>
               </a:lnSpc>
@@ -5198,7 +5207,7 @@
             </a:endParaRPr>
           </a:p>
           <a:p>
-            <a:pPr marL="285840" indent="-271080">
+            <a:pPr marL="285840" indent="-270360">
               <a:lnSpc>
                 <a:spcPct val="150000"/>
               </a:lnSpc>
@@ -5233,7 +5242,7 @@
             </a:endParaRPr>
           </a:p>
           <a:p>
-            <a:pPr marL="285840" indent="-271080">
+            <a:pPr marL="285840" indent="-270360">
               <a:lnSpc>
                 <a:spcPct val="150000"/>
               </a:lnSpc>
@@ -5313,7 +5322,7 @@
         <p:spPr>
           <a:xfrm>
             <a:off x="246600" y="2206440"/>
-            <a:ext cx="11699640" cy="699480"/>
+            <a:ext cx="11698920" cy="699480"/>
           </a:xfrm>
           <a:prstGeom prst="rect">
             <a:avLst/>
@@ -5414,7 +5423,7 @@
         <p:spPr>
           <a:xfrm>
             <a:off x="1676520" y="2362320"/>
-            <a:ext cx="8824320" cy="1735560"/>
+            <a:ext cx="8823600" cy="1735560"/>
           </a:xfrm>
           <a:prstGeom prst="rect">
             <a:avLst/>
@@ -5465,7 +5474,7 @@
         <p:spPr>
           <a:xfrm>
             <a:off x="522360" y="4323600"/>
-            <a:ext cx="11061360" cy="363960"/>
+            <a:ext cx="11060640" cy="363960"/>
           </a:xfrm>
           <a:prstGeom prst="rect">
             <a:avLst/>
@@ -5546,7 +5555,7 @@
         <p:spPr>
           <a:xfrm>
             <a:off x="248400" y="0"/>
-            <a:ext cx="11697840" cy="699120"/>
+            <a:ext cx="11697120" cy="699120"/>
           </a:xfrm>
           <a:prstGeom prst="rect">
             <a:avLst/>
@@ -5601,7 +5610,7 @@
         <p:spPr>
           <a:xfrm>
             <a:off x="248400" y="762120"/>
-            <a:ext cx="11697840" cy="2009880"/>
+            <a:ext cx="11697120" cy="2009880"/>
           </a:xfrm>
           <a:prstGeom prst="rect">
             <a:avLst/>
@@ -5742,7 +5751,7 @@
         <p:spPr>
           <a:xfrm>
             <a:off x="1523880" y="4344480"/>
-            <a:ext cx="8875080" cy="2147040"/>
+            <a:ext cx="8874360" cy="2147040"/>
           </a:xfrm>
           <a:prstGeom prst="rect">
             <a:avLst/>
@@ -5763,7 +5772,7 @@
             <a:spAutoFit/>
           </a:bodyPr>
           <a:p>
-            <a:pPr marL="285840" indent="-271080">
+            <a:pPr marL="285840" indent="-270360">
               <a:lnSpc>
                 <a:spcPct val="150000"/>
               </a:lnSpc>
@@ -5808,7 +5817,7 @@
             </a:endParaRPr>
           </a:p>
           <a:p>
-            <a:pPr marL="285840" indent="-271080">
+            <a:pPr marL="285840" indent="-270360">
               <a:lnSpc>
                 <a:spcPct val="150000"/>
               </a:lnSpc>
@@ -5853,7 +5862,7 @@
             </a:endParaRPr>
           </a:p>
           <a:p>
-            <a:pPr marL="285840" indent="-271080">
+            <a:pPr marL="285840" indent="-270360">
               <a:lnSpc>
                 <a:spcPct val="150000"/>
               </a:lnSpc>
@@ -5898,7 +5907,7 @@
             </a:endParaRPr>
           </a:p>
           <a:p>
-            <a:pPr marL="285840" indent="-271080">
+            <a:pPr marL="285840" indent="-270360">
               <a:lnSpc>
                 <a:spcPct val="150000"/>
               </a:lnSpc>
@@ -5943,7 +5952,7 @@
             </a:endParaRPr>
           </a:p>
           <a:p>
-            <a:pPr marL="285840" indent="-271080">
+            <a:pPr marL="285840" indent="-270360">
               <a:lnSpc>
                 <a:spcPct val="150000"/>
               </a:lnSpc>
@@ -6033,7 +6042,7 @@
         <p:spPr>
           <a:xfrm>
             <a:off x="246600" y="2845080"/>
-            <a:ext cx="11699640" cy="1309320"/>
+            <a:ext cx="11698920" cy="1309320"/>
           </a:xfrm>
           <a:prstGeom prst="rect">
             <a:avLst/>
@@ -6174,7 +6183,7 @@
         <p:spPr>
           <a:xfrm>
             <a:off x="1676520" y="2362320"/>
-            <a:ext cx="8824320" cy="912600"/>
+            <a:ext cx="8823600" cy="912600"/>
           </a:xfrm>
           <a:prstGeom prst="rect">
             <a:avLst/>
@@ -6225,7 +6234,7 @@
         <p:spPr>
           <a:xfrm>
             <a:off x="522360" y="3531600"/>
-            <a:ext cx="11061360" cy="363960"/>
+            <a:ext cx="11060640" cy="363960"/>
           </a:xfrm>
           <a:prstGeom prst="rect">
             <a:avLst/>
@@ -6306,7 +6315,7 @@
         <p:spPr>
           <a:xfrm>
             <a:off x="248400" y="0"/>
-            <a:ext cx="11697840" cy="699120"/>
+            <a:ext cx="11697120" cy="699120"/>
           </a:xfrm>
           <a:prstGeom prst="rect">
             <a:avLst/>
@@ -6361,7 +6370,7 @@
         <p:spPr>
           <a:xfrm>
             <a:off x="248400" y="762120"/>
-            <a:ext cx="11697840" cy="912600"/>
+            <a:ext cx="11697120" cy="912600"/>
           </a:xfrm>
           <a:prstGeom prst="rect">
             <a:avLst/>
@@ -6462,7 +6471,7 @@
         <p:spPr>
           <a:xfrm>
             <a:off x="1600200" y="2685600"/>
-            <a:ext cx="8875080" cy="1735560"/>
+            <a:ext cx="8874360" cy="1735560"/>
           </a:xfrm>
           <a:prstGeom prst="rect">
             <a:avLst/>
@@ -6483,7 +6492,7 @@
             <a:spAutoFit/>
           </a:bodyPr>
           <a:p>
-            <a:pPr marL="285840" indent="-271080">
+            <a:pPr marL="285840" indent="-270360">
               <a:lnSpc>
                 <a:spcPct val="150000"/>
               </a:lnSpc>
@@ -6528,7 +6537,7 @@
             </a:endParaRPr>
           </a:p>
           <a:p>
-            <a:pPr marL="285840" indent="-271080">
+            <a:pPr marL="285840" indent="-270360">
               <a:lnSpc>
                 <a:spcPct val="150000"/>
               </a:lnSpc>
@@ -6573,7 +6582,7 @@
             </a:endParaRPr>
           </a:p>
           <a:p>
-            <a:pPr marL="285840" indent="-271080">
+            <a:pPr marL="285840" indent="-270360">
               <a:lnSpc>
                 <a:spcPct val="150000"/>
               </a:lnSpc>
@@ -6618,7 +6627,7 @@
             </a:endParaRPr>
           </a:p>
           <a:p>
-            <a:pPr marL="285840" indent="-271080">
+            <a:pPr marL="285840" indent="-270360">
               <a:lnSpc>
                 <a:spcPct val="150000"/>
               </a:lnSpc>
@@ -6673,7 +6682,7 @@
         <p:spPr>
           <a:xfrm>
             <a:off x="1656000" y="4533480"/>
-            <a:ext cx="8985600" cy="1355760"/>
+            <a:ext cx="8984880" cy="1355040"/>
           </a:xfrm>
           <a:prstGeom prst="rect">
             <a:avLst/>
@@ -6694,7 +6703,7 @@
             <a:noAutofit/>
           </a:bodyPr>
           <a:p>
-            <a:pPr marL="216000" indent="-204480">
+            <a:pPr marL="216000" indent="-203760">
               <a:lnSpc>
                 <a:spcPct val="150000"/>
               </a:lnSpc>
@@ -6729,7 +6738,7 @@
             </a:endParaRPr>
           </a:p>
           <a:p>
-            <a:pPr marL="216000" indent="-204480">
+            <a:pPr marL="216000" indent="-203760">
               <a:lnSpc>
                 <a:spcPct val="150000"/>
               </a:lnSpc>
@@ -6764,7 +6773,7 @@
             </a:endParaRPr>
           </a:p>
           <a:p>
-            <a:pPr marL="216000" indent="-204480">
+            <a:pPr marL="216000" indent="-203760">
               <a:lnSpc>
                 <a:spcPct val="150000"/>
               </a:lnSpc>
@@ -6799,7 +6808,7 @@
             </a:endParaRPr>
           </a:p>
           <a:p>
-            <a:pPr marL="216000" indent="-204480">
+            <a:pPr marL="216000" indent="-203760">
               <a:lnSpc>
                 <a:spcPct val="150000"/>
               </a:lnSpc>
@@ -6834,7 +6843,7 @@
             </a:endParaRPr>
           </a:p>
           <a:p>
-            <a:pPr marL="216000" indent="-204480">
+            <a:pPr marL="216000" indent="-203760">
               <a:lnSpc>
                 <a:spcPct val="150000"/>
               </a:lnSpc>
@@ -6914,7 +6923,7 @@
         <p:spPr>
           <a:xfrm>
             <a:off x="246600" y="1742040"/>
-            <a:ext cx="11699640" cy="699480"/>
+            <a:ext cx="11698920" cy="699480"/>
           </a:xfrm>
           <a:prstGeom prst="rect">
             <a:avLst/>
@@ -7015,7 +7024,7 @@
         <p:spPr>
           <a:xfrm>
             <a:off x="1676520" y="2362320"/>
-            <a:ext cx="8824320" cy="912600"/>
+            <a:ext cx="8823600" cy="912600"/>
           </a:xfrm>
           <a:prstGeom prst="rect">
             <a:avLst/>
@@ -7066,7 +7075,7 @@
         <p:spPr>
           <a:xfrm>
             <a:off x="522360" y="3531600"/>
-            <a:ext cx="11061360" cy="363960"/>
+            <a:ext cx="11060640" cy="363960"/>
           </a:xfrm>
           <a:prstGeom prst="rect">
             <a:avLst/>
@@ -7147,7 +7156,7 @@
         <p:spPr>
           <a:xfrm>
             <a:off x="248400" y="0"/>
-            <a:ext cx="11697840" cy="699120"/>
+            <a:ext cx="11697120" cy="699120"/>
           </a:xfrm>
           <a:prstGeom prst="rect">
             <a:avLst/>
@@ -7202,7 +7211,7 @@
         <p:spPr>
           <a:xfrm>
             <a:off x="248400" y="762120"/>
-            <a:ext cx="11697840" cy="668880"/>
+            <a:ext cx="11697120" cy="668880"/>
           </a:xfrm>
           <a:prstGeom prst="rect">
             <a:avLst/>
@@ -7293,7 +7302,7 @@
         <p:spPr>
           <a:xfrm>
             <a:off x="1600200" y="3909600"/>
-            <a:ext cx="8875080" cy="1324080"/>
+            <a:ext cx="8874360" cy="1324080"/>
           </a:xfrm>
           <a:prstGeom prst="rect">
             <a:avLst/>
@@ -7314,7 +7323,7 @@
             <a:spAutoFit/>
           </a:bodyPr>
           <a:p>
-            <a:pPr marL="285840" indent="-271080">
+            <a:pPr marL="285840" indent="-270360">
               <a:lnSpc>
                 <a:spcPct val="150000"/>
               </a:lnSpc>
@@ -7359,7 +7368,7 @@
             </a:endParaRPr>
           </a:p>
           <a:p>
-            <a:pPr marL="285840" indent="-271080">
+            <a:pPr marL="285840" indent="-270360">
               <a:lnSpc>
                 <a:spcPct val="150000"/>
               </a:lnSpc>
@@ -7404,7 +7413,7 @@
             </a:endParaRPr>
           </a:p>
           <a:p>
-            <a:pPr marL="285840" indent="-271080">
+            <a:pPr marL="285840" indent="-270360">
               <a:lnSpc>
                 <a:spcPct val="150000"/>
               </a:lnSpc>
@@ -7459,7 +7468,7 @@
         <p:spPr>
           <a:xfrm>
             <a:off x="1584000" y="5246640"/>
-            <a:ext cx="8841600" cy="1002240"/>
+            <a:ext cx="8840880" cy="1001520"/>
           </a:xfrm>
           <a:prstGeom prst="rect">
             <a:avLst/>
@@ -7510,7 +7519,7 @@
             </a:endParaRPr>
           </a:p>
           <a:p>
-            <a:pPr marL="216000" indent="-201600">
+            <a:pPr marL="216000" indent="-200880">
               <a:lnSpc>
                 <a:spcPct val="100000"/>
               </a:lnSpc>
@@ -7536,7 +7545,7 @@
             </a:endParaRPr>
           </a:p>
           <a:p>
-            <a:pPr marL="216000" indent="-201600">
+            <a:pPr marL="216000" indent="-200880">
               <a:lnSpc>
                 <a:spcPct val="100000"/>
               </a:lnSpc>
@@ -7572,7 +7581,7 @@
         <p:spPr>
           <a:xfrm>
             <a:off x="1576080" y="3161880"/>
-            <a:ext cx="9569520" cy="639720"/>
+            <a:ext cx="9568800" cy="639000"/>
           </a:xfrm>
           <a:prstGeom prst="rect">
             <a:avLst/>
@@ -7688,7 +7697,7 @@
         <p:spPr>
           <a:xfrm>
             <a:off x="246600" y="1742040"/>
-            <a:ext cx="11699640" cy="699480"/>
+            <a:ext cx="11698920" cy="699480"/>
           </a:xfrm>
           <a:prstGeom prst="rect">
             <a:avLst/>
@@ -7789,7 +7798,7 @@
         <p:spPr>
           <a:xfrm>
             <a:off x="1676520" y="2362320"/>
-            <a:ext cx="8824320" cy="912600"/>
+            <a:ext cx="8823600" cy="912600"/>
           </a:xfrm>
           <a:prstGeom prst="rect">
             <a:avLst/>
@@ -7840,7 +7849,7 @@
         <p:spPr>
           <a:xfrm>
             <a:off x="522360" y="3531600"/>
-            <a:ext cx="11061360" cy="363960"/>
+            <a:ext cx="11060640" cy="363960"/>
           </a:xfrm>
           <a:prstGeom prst="rect">
             <a:avLst/>
@@ -7921,7 +7930,7 @@
         <p:spPr>
           <a:xfrm>
             <a:off x="1676520" y="2362320"/>
-            <a:ext cx="8824320" cy="912600"/>
+            <a:ext cx="8823600" cy="912600"/>
           </a:xfrm>
           <a:prstGeom prst="rect">
             <a:avLst/>
@@ -7972,7 +7981,7 @@
         <p:spPr>
           <a:xfrm>
             <a:off x="522360" y="3531600"/>
-            <a:ext cx="11133360" cy="1186920"/>
+            <a:ext cx="11132640" cy="1186920"/>
           </a:xfrm>
           <a:prstGeom prst="rect">
             <a:avLst/>
@@ -8023,7 +8032,7 @@
         <p:spPr>
           <a:xfrm>
             <a:off x="1666800" y="609480"/>
-            <a:ext cx="8824320" cy="394560"/>
+            <a:ext cx="8823600" cy="394560"/>
           </a:xfrm>
           <a:prstGeom prst="rect">
             <a:avLst/>
@@ -8104,7 +8113,7 @@
         <p:spPr>
           <a:xfrm>
             <a:off x="248400" y="0"/>
-            <a:ext cx="11697840" cy="699120"/>
+            <a:ext cx="11697120" cy="699120"/>
           </a:xfrm>
           <a:prstGeom prst="rect">
             <a:avLst/>
@@ -8159,7 +8168,7 @@
         <p:spPr>
           <a:xfrm>
             <a:off x="248400" y="762120"/>
-            <a:ext cx="11697840" cy="1461240"/>
+            <a:ext cx="11697120" cy="1461240"/>
           </a:xfrm>
           <a:prstGeom prst="rect">
             <a:avLst/>
@@ -8260,7 +8269,7 @@
         <p:spPr>
           <a:xfrm>
             <a:off x="1600200" y="3585600"/>
-            <a:ext cx="8875080" cy="2558520"/>
+            <a:ext cx="8874360" cy="2558520"/>
           </a:xfrm>
           <a:prstGeom prst="rect">
             <a:avLst/>
@@ -8301,7 +8310,7 @@
             </a:endParaRPr>
           </a:p>
           <a:p>
-            <a:pPr marL="285840" indent="-271080">
+            <a:pPr marL="285840" indent="-270360">
               <a:lnSpc>
                 <a:spcPct val="150000"/>
               </a:lnSpc>
@@ -8346,7 +8355,7 @@
             </a:endParaRPr>
           </a:p>
           <a:p>
-            <a:pPr marL="285840" indent="-271080">
+            <a:pPr marL="285840" indent="-270360">
               <a:lnSpc>
                 <a:spcPct val="150000"/>
               </a:lnSpc>
@@ -8411,7 +8420,7 @@
             </a:endParaRPr>
           </a:p>
           <a:p>
-            <a:pPr marL="285840" indent="-271080">
+            <a:pPr marL="285840" indent="-270360">
               <a:lnSpc>
                 <a:spcPct val="150000"/>
               </a:lnSpc>
@@ -8456,7 +8465,7 @@
             </a:endParaRPr>
           </a:p>
           <a:p>
-            <a:pPr marL="285840" indent="-271080">
+            <a:pPr marL="285840" indent="-270360">
               <a:lnSpc>
                 <a:spcPct val="150000"/>
               </a:lnSpc>
@@ -8546,7 +8555,7 @@
         <p:spPr>
           <a:xfrm>
             <a:off x="246600" y="2322360"/>
-            <a:ext cx="11699640" cy="699480"/>
+            <a:ext cx="11698920" cy="699480"/>
           </a:xfrm>
           <a:prstGeom prst="rect">
             <a:avLst/>
@@ -8647,7 +8656,7 @@
         <p:spPr>
           <a:xfrm>
             <a:off x="1676520" y="2362320"/>
-            <a:ext cx="8824320" cy="1735560"/>
+            <a:ext cx="8823600" cy="1735560"/>
           </a:xfrm>
           <a:prstGeom prst="rect">
             <a:avLst/>
@@ -8698,7 +8707,7 @@
         <p:spPr>
           <a:xfrm>
             <a:off x="522360" y="3531600"/>
-            <a:ext cx="11061360" cy="363960"/>
+            <a:ext cx="11060640" cy="363960"/>
           </a:xfrm>
           <a:prstGeom prst="rect">
             <a:avLst/>
@@ -8779,7 +8788,7 @@
         <p:spPr>
           <a:xfrm>
             <a:off x="248400" y="0"/>
-            <a:ext cx="11697840" cy="699120"/>
+            <a:ext cx="11697120" cy="699120"/>
           </a:xfrm>
           <a:prstGeom prst="rect">
             <a:avLst/>
@@ -8834,7 +8843,7 @@
         <p:spPr>
           <a:xfrm>
             <a:off x="248400" y="762120"/>
-            <a:ext cx="11620440" cy="2284200"/>
+            <a:ext cx="11619720" cy="2284200"/>
           </a:xfrm>
           <a:prstGeom prst="rect">
             <a:avLst/>
@@ -8975,7 +8984,7 @@
         <p:spPr>
           <a:xfrm>
             <a:off x="864000" y="4197600"/>
-            <a:ext cx="11004840" cy="1324080"/>
+            <a:ext cx="11004120" cy="1324080"/>
           </a:xfrm>
           <a:prstGeom prst="rect">
             <a:avLst/>
@@ -8996,7 +9005,7 @@
             <a:spAutoFit/>
           </a:bodyPr>
           <a:p>
-            <a:pPr marL="285840" indent="-271080">
+            <a:pPr marL="285840" indent="-270360">
               <a:lnSpc>
                 <a:spcPct val="150000"/>
               </a:lnSpc>
@@ -9041,7 +9050,7 @@
             </a:endParaRPr>
           </a:p>
           <a:p>
-            <a:pPr marL="285840" indent="-271080">
+            <a:pPr marL="285840" indent="-270360">
               <a:lnSpc>
                 <a:spcPct val="150000"/>
               </a:lnSpc>
@@ -9086,7 +9095,7 @@
             </a:endParaRPr>
           </a:p>
           <a:p>
-            <a:pPr marL="285840" indent="-271080">
+            <a:pPr marL="285840" indent="-270360">
               <a:lnSpc>
                 <a:spcPct val="150000"/>
               </a:lnSpc>
@@ -9141,7 +9150,7 @@
         <p:spPr>
           <a:xfrm>
             <a:off x="1584000" y="5610240"/>
-            <a:ext cx="8841600" cy="1002240"/>
+            <a:ext cx="8840880" cy="1001520"/>
           </a:xfrm>
           <a:prstGeom prst="rect">
             <a:avLst/>
@@ -9192,7 +9201,7 @@
             </a:endParaRPr>
           </a:p>
           <a:p>
-            <a:pPr marL="285840" indent="-273960">
+            <a:pPr marL="285840" indent="-273240">
               <a:lnSpc>
                 <a:spcPct val="100000"/>
               </a:lnSpc>
@@ -9227,7 +9236,7 @@
             </a:endParaRPr>
           </a:p>
           <a:p>
-            <a:pPr marL="285840" indent="-273960">
+            <a:pPr marL="285840" indent="-273240">
               <a:lnSpc>
                 <a:spcPct val="100000"/>
               </a:lnSpc>
@@ -9307,7 +9316,7 @@
         <p:spPr>
           <a:xfrm>
             <a:off x="246600" y="3120840"/>
-            <a:ext cx="11699640" cy="1004400"/>
+            <a:ext cx="11698920" cy="1004400"/>
           </a:xfrm>
           <a:prstGeom prst="rect">
             <a:avLst/>
@@ -9428,7 +9437,7 @@
         <p:spPr>
           <a:xfrm>
             <a:off x="1676520" y="2362320"/>
-            <a:ext cx="8824320" cy="1735560"/>
+            <a:ext cx="8823600" cy="1735560"/>
           </a:xfrm>
           <a:prstGeom prst="rect">
             <a:avLst/>
@@ -9479,7 +9488,7 @@
         <p:spPr>
           <a:xfrm>
             <a:off x="522360" y="3531600"/>
-            <a:ext cx="11061360" cy="363960"/>
+            <a:ext cx="11060640" cy="363960"/>
           </a:xfrm>
           <a:prstGeom prst="rect">
             <a:avLst/>
@@ -10439,7 +10448,7 @@
                       <a:noAutofit/>
                     </a:bodyPr>
                     <a:p>
-                      <a:pPr marL="216000" indent="-214920" algn="ctr">
+                      <a:pPr marL="216000" indent="-214200" algn="ctr">
                         <a:lnSpc>
                           <a:spcPct val="100000"/>
                         </a:lnSpc>
@@ -10752,7 +10761,7 @@
         <p:spPr>
           <a:xfrm>
             <a:off x="248400" y="0"/>
-            <a:ext cx="11697840" cy="699120"/>
+            <a:ext cx="11697120" cy="699120"/>
           </a:xfrm>
           <a:prstGeom prst="rect">
             <a:avLst/>
@@ -10807,7 +10816,7 @@
         <p:spPr>
           <a:xfrm>
             <a:off x="248400" y="762120"/>
-            <a:ext cx="11697840" cy="2284200"/>
+            <a:ext cx="11697120" cy="2284200"/>
           </a:xfrm>
           <a:prstGeom prst="rect">
             <a:avLst/>
@@ -10948,7 +10957,7 @@
         <p:spPr>
           <a:xfrm>
             <a:off x="1600200" y="4593600"/>
-            <a:ext cx="8875080" cy="912600"/>
+            <a:ext cx="8874360" cy="912600"/>
           </a:xfrm>
           <a:prstGeom prst="rect">
             <a:avLst/>
@@ -10969,7 +10978,7 @@
             <a:spAutoFit/>
           </a:bodyPr>
           <a:p>
-            <a:pPr marL="285840" indent="-271080">
+            <a:pPr marL="285840" indent="-270360">
               <a:lnSpc>
                 <a:spcPct val="150000"/>
               </a:lnSpc>
@@ -11014,7 +11023,7 @@
             </a:endParaRPr>
           </a:p>
           <a:p>
-            <a:pPr marL="285840" indent="-271080">
+            <a:pPr marL="285840" indent="-270360">
               <a:lnSpc>
                 <a:spcPct val="150000"/>
               </a:lnSpc>
@@ -11069,7 +11078,7 @@
         <p:spPr>
           <a:xfrm>
             <a:off x="1584000" y="5790240"/>
-            <a:ext cx="8841600" cy="66600"/>
+            <a:ext cx="8840880" cy="65880"/>
           </a:xfrm>
           <a:prstGeom prst="rect">
             <a:avLst/>
@@ -11120,7 +11129,7 @@
             </a:endParaRPr>
           </a:p>
           <a:p>
-            <a:pPr marL="285840" indent="-273960">
+            <a:pPr marL="285840" indent="-273240">
               <a:lnSpc>
                 <a:spcPct val="100000"/>
               </a:lnSpc>
@@ -11190,7 +11199,7 @@
         <p:spPr>
           <a:xfrm>
             <a:off x="246600" y="3048120"/>
-            <a:ext cx="11699640" cy="1004400"/>
+            <a:ext cx="11698920" cy="1004400"/>
           </a:xfrm>
           <a:prstGeom prst="rect">
             <a:avLst/>
@@ -11311,7 +11320,7 @@
         <p:spPr>
           <a:xfrm>
             <a:off x="1676520" y="2362320"/>
-            <a:ext cx="8824320" cy="912600"/>
+            <a:ext cx="8823600" cy="912600"/>
           </a:xfrm>
           <a:prstGeom prst="rect">
             <a:avLst/>
@@ -11362,7 +11371,7 @@
         <p:spPr>
           <a:xfrm>
             <a:off x="522360" y="3531600"/>
-            <a:ext cx="11061360" cy="363960"/>
+            <a:ext cx="11060640" cy="363960"/>
           </a:xfrm>
           <a:prstGeom prst="rect">
             <a:avLst/>
@@ -12117,7 +12126,7 @@
         <p:spPr>
           <a:xfrm>
             <a:off x="248400" y="0"/>
-            <a:ext cx="11697840" cy="699120"/>
+            <a:ext cx="11697120" cy="699120"/>
           </a:xfrm>
           <a:prstGeom prst="rect">
             <a:avLst/>
@@ -12172,7 +12181,7 @@
         <p:spPr>
           <a:xfrm>
             <a:off x="248400" y="762120"/>
-            <a:ext cx="11697840" cy="1461240"/>
+            <a:ext cx="11697120" cy="1461240"/>
           </a:xfrm>
           <a:prstGeom prst="rect">
             <a:avLst/>
@@ -12273,7 +12282,7 @@
         <p:spPr>
           <a:xfrm>
             <a:off x="1600200" y="3621600"/>
-            <a:ext cx="8875080" cy="912600"/>
+            <a:ext cx="8874360" cy="912600"/>
           </a:xfrm>
           <a:prstGeom prst="rect">
             <a:avLst/>
@@ -12294,7 +12303,7 @@
             <a:spAutoFit/>
           </a:bodyPr>
           <a:p>
-            <a:pPr marL="285840" indent="-271080">
+            <a:pPr marL="285840" indent="-270360">
               <a:lnSpc>
                 <a:spcPct val="150000"/>
               </a:lnSpc>
@@ -12339,7 +12348,7 @@
             </a:endParaRPr>
           </a:p>
           <a:p>
-            <a:pPr marL="285840" indent="-271080">
+            <a:pPr marL="285840" indent="-270360">
               <a:lnSpc>
                 <a:spcPct val="150000"/>
               </a:lnSpc>
@@ -12394,7 +12403,7 @@
         <p:spPr>
           <a:xfrm>
             <a:off x="1584000" y="5106240"/>
-            <a:ext cx="8841600" cy="66600"/>
+            <a:ext cx="8840880" cy="65880"/>
           </a:xfrm>
           <a:prstGeom prst="rect">
             <a:avLst/>
@@ -12445,7 +12454,7 @@
             </a:endParaRPr>
           </a:p>
           <a:p>
-            <a:pPr marL="285840" indent="-273960">
+            <a:pPr marL="285840" indent="-273240">
               <a:lnSpc>
                 <a:spcPct val="100000"/>
               </a:lnSpc>
@@ -12515,7 +12524,7 @@
         <p:spPr>
           <a:xfrm>
             <a:off x="246600" y="2395080"/>
-            <a:ext cx="11699640" cy="699480"/>
+            <a:ext cx="11698920" cy="699480"/>
           </a:xfrm>
           <a:prstGeom prst="rect">
             <a:avLst/>
@@ -12616,7 +12625,7 @@
         <p:spPr>
           <a:xfrm>
             <a:off x="1676520" y="2362320"/>
-            <a:ext cx="8824320" cy="912600"/>
+            <a:ext cx="8823600" cy="912600"/>
           </a:xfrm>
           <a:prstGeom prst="rect">
             <a:avLst/>
@@ -12667,7 +12676,7 @@
         <p:spPr>
           <a:xfrm>
             <a:off x="522360" y="3531600"/>
-            <a:ext cx="11061360" cy="363960"/>
+            <a:ext cx="11060640" cy="363960"/>
           </a:xfrm>
           <a:prstGeom prst="rect">
             <a:avLst/>
@@ -12748,7 +12757,7 @@
         <p:spPr>
           <a:xfrm>
             <a:off x="248400" y="0"/>
-            <a:ext cx="11697840" cy="699120"/>
+            <a:ext cx="11697120" cy="699120"/>
           </a:xfrm>
           <a:prstGeom prst="rect">
             <a:avLst/>
@@ -12803,7 +12812,7 @@
         <p:spPr>
           <a:xfrm>
             <a:off x="248400" y="762120"/>
-            <a:ext cx="11697840" cy="1186920"/>
+            <a:ext cx="11697120" cy="1186920"/>
           </a:xfrm>
           <a:prstGeom prst="rect">
             <a:avLst/>
@@ -12904,7 +12913,7 @@
         <p:spPr>
           <a:xfrm>
             <a:off x="1600200" y="3621600"/>
-            <a:ext cx="8875080" cy="912600"/>
+            <a:ext cx="8874360" cy="912600"/>
           </a:xfrm>
           <a:prstGeom prst="rect">
             <a:avLst/>
@@ -12925,7 +12934,7 @@
             <a:spAutoFit/>
           </a:bodyPr>
           <a:p>
-            <a:pPr marL="285840" indent="-271080">
+            <a:pPr marL="285840" indent="-270360">
               <a:lnSpc>
                 <a:spcPct val="150000"/>
               </a:lnSpc>
@@ -12970,7 +12979,7 @@
             </a:endParaRPr>
           </a:p>
           <a:p>
-            <a:pPr marL="285840" indent="-271080">
+            <a:pPr marL="285840" indent="-270360">
               <a:lnSpc>
                 <a:spcPct val="150000"/>
               </a:lnSpc>
@@ -13060,7 +13069,7 @@
         <p:spPr>
           <a:xfrm>
             <a:off x="246600" y="2148480"/>
-            <a:ext cx="11699640" cy="699480"/>
+            <a:ext cx="11698920" cy="699480"/>
           </a:xfrm>
           <a:prstGeom prst="rect">
             <a:avLst/>
@@ -13161,7 +13170,7 @@
         <p:spPr>
           <a:xfrm>
             <a:off x="1676520" y="2362320"/>
-            <a:ext cx="8824320" cy="1735560"/>
+            <a:ext cx="8823600" cy="1735560"/>
           </a:xfrm>
           <a:prstGeom prst="rect">
             <a:avLst/>
@@ -13212,7 +13221,7 @@
         <p:spPr>
           <a:xfrm>
             <a:off x="522360" y="4467600"/>
-            <a:ext cx="11061360" cy="363960"/>
+            <a:ext cx="11060640" cy="363960"/>
           </a:xfrm>
           <a:prstGeom prst="rect">
             <a:avLst/>
@@ -13293,7 +13302,7 @@
         <p:spPr>
           <a:xfrm>
             <a:off x="246600" y="2563200"/>
-            <a:ext cx="11702880" cy="851400"/>
+            <a:ext cx="11702160" cy="851400"/>
           </a:xfrm>
           <a:prstGeom prst="rect">
             <a:avLst/>
@@ -13314,7 +13323,7 @@
             <a:spAutoFit/>
           </a:bodyPr>
           <a:p>
-            <a:pPr marL="343080" indent="-328320">
+            <a:pPr marL="343080" indent="-327600">
               <a:lnSpc>
                 <a:spcPct val="100000"/>
               </a:lnSpc>
@@ -13369,7 +13378,7 @@
             </a:endParaRPr>
           </a:p>
           <a:p>
-            <a:pPr marL="343080" indent="-328320">
+            <a:pPr marL="343080" indent="-327600">
               <a:lnSpc>
                 <a:spcPct val="100000"/>
               </a:lnSpc>
@@ -13444,7 +13453,7 @@
         <p:spPr>
           <a:xfrm>
             <a:off x="246600" y="1742040"/>
-            <a:ext cx="11702880" cy="394560"/>
+            <a:ext cx="11702160" cy="394560"/>
           </a:xfrm>
           <a:prstGeom prst="rect">
             <a:avLst/>
@@ -13505,7 +13514,7 @@
         <p:spPr>
           <a:xfrm>
             <a:off x="246600" y="762120"/>
-            <a:ext cx="11702880" cy="363960"/>
+            <a:ext cx="11702160" cy="363960"/>
           </a:xfrm>
           <a:prstGeom prst="rect">
             <a:avLst/>
@@ -13566,7 +13575,7 @@
         <p:spPr>
           <a:xfrm>
             <a:off x="246600" y="4239720"/>
-            <a:ext cx="11702880" cy="1994040"/>
+            <a:ext cx="11702160" cy="1994040"/>
           </a:xfrm>
           <a:prstGeom prst="rect">
             <a:avLst/>
@@ -13627,7 +13636,7 @@
             </a:endParaRPr>
           </a:p>
           <a:p>
-            <a:pPr marL="285840" indent="-271080">
+            <a:pPr marL="285840" indent="-270360">
               <a:lnSpc>
                 <a:spcPct val="100000"/>
               </a:lnSpc>
@@ -13672,7 +13681,7 @@
             </a:endParaRPr>
           </a:p>
           <a:p>
-            <a:pPr marL="285840" indent="-271080">
+            <a:pPr marL="285840" indent="-270360">
               <a:lnSpc>
                 <a:spcPct val="100000"/>
               </a:lnSpc>
@@ -13717,7 +13726,7 @@
             </a:endParaRPr>
           </a:p>
           <a:p>
-            <a:pPr marL="285840" indent="-271080">
+            <a:pPr marL="285840" indent="-270360">
               <a:lnSpc>
                 <a:spcPct val="150000"/>
               </a:lnSpc>
@@ -13782,7 +13791,7 @@
         <p:spPr>
           <a:xfrm>
             <a:off x="246600" y="3678480"/>
-            <a:ext cx="8697600" cy="341640"/>
+            <a:ext cx="8696880" cy="340920"/>
           </a:xfrm>
           <a:prstGeom prst="rect">
             <a:avLst/>
@@ -13853,7 +13862,7 @@
         <p:spPr>
           <a:xfrm>
             <a:off x="246600" y="0"/>
-            <a:ext cx="11702880" cy="699120"/>
+            <a:ext cx="11702160" cy="699120"/>
           </a:xfrm>
           <a:prstGeom prst="rect">
             <a:avLst/>
@@ -13908,7 +13917,7 @@
         <p:spPr>
           <a:xfrm>
             <a:off x="246600" y="6212880"/>
-            <a:ext cx="11236320" cy="485640"/>
+            <a:ext cx="11235600" cy="484920"/>
           </a:xfrm>
           <a:prstGeom prst="rect">
             <a:avLst/>
@@ -13989,7 +13998,7 @@
         <p:spPr>
           <a:xfrm>
             <a:off x="6357240" y="5906160"/>
-            <a:ext cx="6245280" cy="377640"/>
+            <a:ext cx="6244560" cy="376920"/>
           </a:xfrm>
           <a:prstGeom prst="rect">
             <a:avLst/>
@@ -14125,7 +14134,7 @@
         <p:spPr>
           <a:xfrm>
             <a:off x="248400" y="0"/>
-            <a:ext cx="11697840" cy="699120"/>
+            <a:ext cx="11697120" cy="699120"/>
           </a:xfrm>
           <a:prstGeom prst="rect">
             <a:avLst/>
@@ -14180,7 +14189,7 @@
         <p:spPr>
           <a:xfrm>
             <a:off x="248400" y="762120"/>
-            <a:ext cx="11697840" cy="2284200"/>
+            <a:ext cx="11697120" cy="2284200"/>
           </a:xfrm>
           <a:prstGeom prst="rect">
             <a:avLst/>
@@ -14441,7 +14450,7 @@
         <p:spPr>
           <a:xfrm>
             <a:off x="1600200" y="4989600"/>
-            <a:ext cx="8875080" cy="1735560"/>
+            <a:ext cx="8874360" cy="1735560"/>
           </a:xfrm>
           <a:prstGeom prst="rect">
             <a:avLst/>
@@ -14462,7 +14471,7 @@
             <a:spAutoFit/>
           </a:bodyPr>
           <a:p>
-            <a:pPr marL="285840" indent="-271080">
+            <a:pPr marL="285840" indent="-270360">
               <a:lnSpc>
                 <a:spcPct val="150000"/>
               </a:lnSpc>
@@ -14507,7 +14516,7 @@
             </a:endParaRPr>
           </a:p>
           <a:p>
-            <a:pPr marL="285840" indent="-271080">
+            <a:pPr marL="285840" indent="-270360">
               <a:lnSpc>
                 <a:spcPct val="150000"/>
               </a:lnSpc>
@@ -14552,7 +14561,7 @@
             </a:endParaRPr>
           </a:p>
           <a:p>
-            <a:pPr marL="285840" indent="-271080">
+            <a:pPr marL="285840" indent="-270360">
               <a:lnSpc>
                 <a:spcPct val="150000"/>
               </a:lnSpc>
@@ -14617,7 +14626,7 @@
             </a:endParaRPr>
           </a:p>
           <a:p>
-            <a:pPr marL="285840" indent="-271080">
+            <a:pPr marL="285840" indent="-270360">
               <a:lnSpc>
                 <a:spcPct val="150000"/>
               </a:lnSpc>
@@ -14707,7 +14716,7 @@
         <p:spPr>
           <a:xfrm>
             <a:off x="246600" y="2903040"/>
-            <a:ext cx="11699640" cy="1309320"/>
+            <a:ext cx="11698920" cy="1309320"/>
           </a:xfrm>
           <a:prstGeom prst="rect">
             <a:avLst/>
@@ -14848,7 +14857,7 @@
         <p:spPr>
           <a:xfrm>
             <a:off x="1676520" y="2362320"/>
-            <a:ext cx="8824320" cy="1735560"/>
+            <a:ext cx="8823600" cy="1735560"/>
           </a:xfrm>
           <a:prstGeom prst="rect">
             <a:avLst/>
@@ -14899,7 +14908,7 @@
         <p:spPr>
           <a:xfrm>
             <a:off x="522360" y="4251600"/>
-            <a:ext cx="11061360" cy="363960"/>
+            <a:ext cx="11060640" cy="363960"/>
           </a:xfrm>
           <a:prstGeom prst="rect">
             <a:avLst/>
@@ -15185,7 +15194,7 @@
                       <a:noAutofit/>
                     </a:bodyPr>
                     <a:p>
-                      <a:pPr marL="216000" indent="-214920" algn="ctr">
+                      <a:pPr marL="216000" indent="-214200" algn="ctr">
                         <a:lnSpc>
                           <a:spcPct val="100000"/>
                         </a:lnSpc>
@@ -15498,7 +15507,7 @@
         <p:spPr>
           <a:xfrm>
             <a:off x="248400" y="0"/>
-            <a:ext cx="11697840" cy="699120"/>
+            <a:ext cx="11697120" cy="699120"/>
           </a:xfrm>
           <a:prstGeom prst="rect">
             <a:avLst/>
@@ -15553,7 +15562,7 @@
         <p:spPr>
           <a:xfrm>
             <a:off x="248400" y="762120"/>
-            <a:ext cx="11697840" cy="1735560"/>
+            <a:ext cx="11697120" cy="1735560"/>
           </a:xfrm>
           <a:prstGeom prst="rect">
             <a:avLst/>
@@ -15694,7 +15703,7 @@
         <p:spPr>
           <a:xfrm>
             <a:off x="1600200" y="4557600"/>
-            <a:ext cx="8875080" cy="1324080"/>
+            <a:ext cx="8874360" cy="1324080"/>
           </a:xfrm>
           <a:prstGeom prst="rect">
             <a:avLst/>
@@ -15715,7 +15724,7 @@
             <a:spAutoFit/>
           </a:bodyPr>
           <a:p>
-            <a:pPr marL="285840" indent="-271080">
+            <a:pPr marL="285840" indent="-270360">
               <a:lnSpc>
                 <a:spcPct val="150000"/>
               </a:lnSpc>
@@ -15760,7 +15769,7 @@
             </a:endParaRPr>
           </a:p>
           <a:p>
-            <a:pPr marL="285840" indent="-271080">
+            <a:pPr marL="285840" indent="-270360">
               <a:lnSpc>
                 <a:spcPct val="150000"/>
               </a:lnSpc>
@@ -15805,7 +15814,7 @@
             </a:endParaRPr>
           </a:p>
           <a:p>
-            <a:pPr marL="285840" indent="-271080">
+            <a:pPr marL="285840" indent="-270360">
               <a:lnSpc>
                 <a:spcPct val="150000"/>
               </a:lnSpc>
@@ -15895,7 +15904,7 @@
         <p:spPr>
           <a:xfrm>
             <a:off x="246600" y="2496600"/>
-            <a:ext cx="11699640" cy="1004400"/>
+            <a:ext cx="11698920" cy="1004400"/>
           </a:xfrm>
           <a:prstGeom prst="rect">
             <a:avLst/>
@@ -16016,7 +16025,7 @@
         <p:spPr>
           <a:xfrm>
             <a:off x="1676520" y="2362320"/>
-            <a:ext cx="8824320" cy="912600"/>
+            <a:ext cx="8823600" cy="912600"/>
           </a:xfrm>
           <a:prstGeom prst="rect">
             <a:avLst/>
@@ -16067,7 +16076,7 @@
         <p:spPr>
           <a:xfrm>
             <a:off x="1666800" y="609480"/>
-            <a:ext cx="8824320" cy="394560"/>
+            <a:ext cx="8823600" cy="394560"/>
           </a:xfrm>
           <a:prstGeom prst="rect">
             <a:avLst/>
@@ -16118,7 +16127,7 @@
         <p:spPr>
           <a:xfrm>
             <a:off x="522360" y="3531600"/>
-            <a:ext cx="11061360" cy="1186920"/>
+            <a:ext cx="11060640" cy="1186920"/>
           </a:xfrm>
           <a:prstGeom prst="rect">
             <a:avLst/>
@@ -16219,7 +16228,7 @@
         <p:spPr>
           <a:xfrm>
             <a:off x="1676520" y="2362320"/>
-            <a:ext cx="8824320" cy="912600"/>
+            <a:ext cx="8823600" cy="912600"/>
           </a:xfrm>
           <a:prstGeom prst="rect">
             <a:avLst/>
@@ -16270,7 +16279,7 @@
         <p:spPr>
           <a:xfrm>
             <a:off x="522360" y="3531600"/>
-            <a:ext cx="11061360" cy="363960"/>
+            <a:ext cx="11060640" cy="363960"/>
           </a:xfrm>
           <a:prstGeom prst="rect">
             <a:avLst/>
@@ -16351,7 +16360,7 @@
         <p:spPr>
           <a:xfrm>
             <a:off x="248400" y="0"/>
-            <a:ext cx="11697840" cy="699120"/>
+            <a:ext cx="11697120" cy="699120"/>
           </a:xfrm>
           <a:prstGeom prst="rect">
             <a:avLst/>
@@ -16406,7 +16415,7 @@
         <p:spPr>
           <a:xfrm>
             <a:off x="248400" y="762120"/>
-            <a:ext cx="11697840" cy="1461240"/>
+            <a:ext cx="11697120" cy="1461240"/>
           </a:xfrm>
           <a:prstGeom prst="rect">
             <a:avLst/>
@@ -16507,7 +16516,7 @@
         <p:spPr>
           <a:xfrm>
             <a:off x="1600200" y="3585600"/>
-            <a:ext cx="8875080" cy="912600"/>
+            <a:ext cx="8874360" cy="912600"/>
           </a:xfrm>
           <a:prstGeom prst="rect">
             <a:avLst/>
@@ -16528,7 +16537,7 @@
             <a:spAutoFit/>
           </a:bodyPr>
           <a:p>
-            <a:pPr marL="285840" indent="-271080">
+            <a:pPr marL="285840" indent="-270360">
               <a:lnSpc>
                 <a:spcPct val="150000"/>
               </a:lnSpc>
@@ -16573,7 +16582,7 @@
             </a:endParaRPr>
           </a:p>
           <a:p>
-            <a:pPr marL="285840" indent="-271080">
+            <a:pPr marL="285840" indent="-270360">
               <a:lnSpc>
                 <a:spcPct val="150000"/>
               </a:lnSpc>
@@ -16628,7 +16637,7 @@
         <p:spPr>
           <a:xfrm>
             <a:off x="5256000" y="5472000"/>
-            <a:ext cx="5128200" cy="786960"/>
+            <a:ext cx="5127480" cy="786240"/>
           </a:xfrm>
           <a:prstGeom prst="rect">
             <a:avLst/>
@@ -16759,7 +16768,7 @@
         <p:spPr>
           <a:xfrm>
             <a:off x="10514160" y="2592000"/>
-            <a:ext cx="1500840" cy="4059360"/>
+            <a:ext cx="1500120" cy="4058640"/>
           </a:xfrm>
           <a:prstGeom prst="rect">
             <a:avLst/>
@@ -17115,7 +17124,7 @@
         <p:spPr>
           <a:xfrm>
             <a:off x="246600" y="2496600"/>
-            <a:ext cx="11699640" cy="699480"/>
+            <a:ext cx="11698920" cy="699480"/>
           </a:xfrm>
           <a:prstGeom prst="rect">
             <a:avLst/>
@@ -17216,7 +17225,7 @@
         <p:spPr>
           <a:xfrm>
             <a:off x="1676520" y="2362320"/>
-            <a:ext cx="8824320" cy="912600"/>
+            <a:ext cx="8823600" cy="912600"/>
           </a:xfrm>
           <a:prstGeom prst="rect">
             <a:avLst/>
@@ -17267,7 +17276,7 @@
         <p:spPr>
           <a:xfrm>
             <a:off x="522360" y="3531600"/>
-            <a:ext cx="11061360" cy="363960"/>
+            <a:ext cx="11060640" cy="363960"/>
           </a:xfrm>
           <a:prstGeom prst="rect">
             <a:avLst/>
@@ -17348,7 +17357,7 @@
         <p:spPr>
           <a:xfrm>
             <a:off x="248400" y="0"/>
-            <a:ext cx="11697840" cy="699120"/>
+            <a:ext cx="11697120" cy="699120"/>
           </a:xfrm>
           <a:prstGeom prst="rect">
             <a:avLst/>
@@ -17403,7 +17412,7 @@
         <p:spPr>
           <a:xfrm>
             <a:off x="248400" y="762120"/>
-            <a:ext cx="11697840" cy="2009880"/>
+            <a:ext cx="11697120" cy="2009880"/>
           </a:xfrm>
           <a:prstGeom prst="rect">
             <a:avLst/>
@@ -17584,7 +17593,7 @@
         <p:spPr>
           <a:xfrm>
             <a:off x="8849880" y="2814840"/>
-            <a:ext cx="2977200" cy="455400"/>
+            <a:ext cx="2976480" cy="455400"/>
           </a:xfrm>
           <a:prstGeom prst="rect">
             <a:avLst/>
@@ -17635,7 +17644,7 @@
         <p:spPr>
           <a:xfrm>
             <a:off x="1600200" y="4665600"/>
-            <a:ext cx="8875080" cy="912600"/>
+            <a:ext cx="8874360" cy="912600"/>
           </a:xfrm>
           <a:prstGeom prst="rect">
             <a:avLst/>
@@ -17656,7 +17665,7 @@
             <a:spAutoFit/>
           </a:bodyPr>
           <a:p>
-            <a:pPr marL="285840" indent="-271080">
+            <a:pPr marL="285840" indent="-270360">
               <a:lnSpc>
                 <a:spcPct val="150000"/>
               </a:lnSpc>
@@ -17701,7 +17710,7 @@
             </a:endParaRPr>
           </a:p>
           <a:p>
-            <a:pPr marL="285840" indent="-271080">
+            <a:pPr marL="285840" indent="-270360">
               <a:lnSpc>
                 <a:spcPct val="150000"/>
               </a:lnSpc>
@@ -17791,7 +17800,7 @@
         <p:spPr>
           <a:xfrm>
             <a:off x="246600" y="2903040"/>
-            <a:ext cx="11699640" cy="699480"/>
+            <a:ext cx="11698920" cy="699480"/>
           </a:xfrm>
           <a:prstGeom prst="rect">
             <a:avLst/>
@@ -17892,7 +17901,7 @@
         <p:spPr>
           <a:xfrm>
             <a:off x="1676520" y="2362320"/>
-            <a:ext cx="8824320" cy="912600"/>
+            <a:ext cx="8823600" cy="912600"/>
           </a:xfrm>
           <a:prstGeom prst="rect">
             <a:avLst/>
@@ -17943,7 +17952,7 @@
         <p:spPr>
           <a:xfrm>
             <a:off x="522360" y="3531600"/>
-            <a:ext cx="11061360" cy="363960"/>
+            <a:ext cx="11060640" cy="363960"/>
           </a:xfrm>
           <a:prstGeom prst="rect">
             <a:avLst/>
@@ -18024,7 +18033,7 @@
         <p:spPr>
           <a:xfrm>
             <a:off x="248400" y="0"/>
-            <a:ext cx="11697840" cy="699120"/>
+            <a:ext cx="11697120" cy="699120"/>
           </a:xfrm>
           <a:prstGeom prst="rect">
             <a:avLst/>
@@ -18079,7 +18088,7 @@
         <p:spPr>
           <a:xfrm>
             <a:off x="248400" y="762120"/>
-            <a:ext cx="11697840" cy="912600"/>
+            <a:ext cx="11697120" cy="912600"/>
           </a:xfrm>
           <a:prstGeom prst="rect">
             <a:avLst/>
@@ -18180,7 +18189,7 @@
         <p:spPr>
           <a:xfrm>
             <a:off x="1600200" y="3405600"/>
-            <a:ext cx="8875080" cy="1324080"/>
+            <a:ext cx="8874360" cy="1324080"/>
           </a:xfrm>
           <a:prstGeom prst="rect">
             <a:avLst/>
@@ -18201,7 +18210,7 @@
             <a:spAutoFit/>
           </a:bodyPr>
           <a:p>
-            <a:pPr marL="285840" indent="-271080">
+            <a:pPr marL="285840" indent="-270360">
               <a:lnSpc>
                 <a:spcPct val="150000"/>
               </a:lnSpc>
@@ -18246,7 +18255,7 @@
             </a:endParaRPr>
           </a:p>
           <a:p>
-            <a:pPr marL="285840" indent="-271080">
+            <a:pPr marL="285840" indent="-270360">
               <a:lnSpc>
                 <a:spcPct val="150000"/>
               </a:lnSpc>
@@ -18291,7 +18300,7 @@
             </a:endParaRPr>
           </a:p>
           <a:p>
-            <a:pPr marL="285840" indent="-271080">
+            <a:pPr marL="285840" indent="-270360">
               <a:lnSpc>
                 <a:spcPct val="150000"/>
               </a:lnSpc>
@@ -18346,7 +18355,7 @@
         <p:spPr>
           <a:xfrm>
             <a:off x="4601520" y="5832000"/>
-            <a:ext cx="5614200" cy="351720"/>
+            <a:ext cx="5613480" cy="351000"/>
           </a:xfrm>
           <a:prstGeom prst="rect">
             <a:avLst/>
@@ -18427,7 +18436,7 @@
         <p:spPr>
           <a:xfrm>
             <a:off x="10584000" y="3710160"/>
-            <a:ext cx="1400400" cy="2545560"/>
+            <a:ext cx="1399680" cy="2544840"/>
           </a:xfrm>
           <a:prstGeom prst="rect">
             <a:avLst/>
@@ -18673,7 +18682,7 @@
         <p:spPr>
           <a:xfrm>
             <a:off x="246600" y="1742040"/>
-            <a:ext cx="11699640" cy="699480"/>
+            <a:ext cx="11698920" cy="699480"/>
           </a:xfrm>
           <a:prstGeom prst="rect">
             <a:avLst/>
@@ -18774,7 +18783,7 @@
         <p:spPr>
           <a:xfrm>
             <a:off x="1676520" y="2362320"/>
-            <a:ext cx="8824320" cy="912600"/>
+            <a:ext cx="8823600" cy="912600"/>
           </a:xfrm>
           <a:prstGeom prst="rect">
             <a:avLst/>
@@ -18825,7 +18834,7 @@
         <p:spPr>
           <a:xfrm>
             <a:off x="522360" y="3531600"/>
-            <a:ext cx="11061360" cy="363960"/>
+            <a:ext cx="11060640" cy="363960"/>
           </a:xfrm>
           <a:prstGeom prst="rect">
             <a:avLst/>
@@ -18906,7 +18915,7 @@
         <p:spPr>
           <a:xfrm>
             <a:off x="1676520" y="2362320"/>
-            <a:ext cx="8824320" cy="912600"/>
+            <a:ext cx="8823600" cy="912600"/>
           </a:xfrm>
           <a:prstGeom prst="rect">
             <a:avLst/>
@@ -18957,7 +18966,7 @@
         <p:spPr>
           <a:xfrm>
             <a:off x="522360" y="3531600"/>
-            <a:ext cx="11061360" cy="363960"/>
+            <a:ext cx="11060640" cy="363960"/>
           </a:xfrm>
           <a:prstGeom prst="rect">
             <a:avLst/>
@@ -19038,7 +19047,7 @@
         <p:spPr>
           <a:xfrm>
             <a:off x="248400" y="0"/>
-            <a:ext cx="11697840" cy="699120"/>
+            <a:ext cx="11697120" cy="699120"/>
           </a:xfrm>
           <a:prstGeom prst="rect">
             <a:avLst/>
@@ -19093,7 +19102,7 @@
         <p:spPr>
           <a:xfrm>
             <a:off x="248400" y="762120"/>
-            <a:ext cx="11697840" cy="2009880"/>
+            <a:ext cx="11697120" cy="2009880"/>
           </a:xfrm>
           <a:prstGeom prst="rect">
             <a:avLst/>
@@ -19194,7 +19203,7 @@
         <p:spPr>
           <a:xfrm>
             <a:off x="1600200" y="4629600"/>
-            <a:ext cx="8875080" cy="912600"/>
+            <a:ext cx="8874360" cy="912600"/>
           </a:xfrm>
           <a:prstGeom prst="rect">
             <a:avLst/>
@@ -19215,7 +19224,7 @@
             <a:spAutoFit/>
           </a:bodyPr>
           <a:p>
-            <a:pPr marL="285840" indent="-271080">
+            <a:pPr marL="285840" indent="-270360">
               <a:lnSpc>
                 <a:spcPct val="150000"/>
               </a:lnSpc>
@@ -19260,7 +19269,7 @@
             </a:endParaRPr>
           </a:p>
           <a:p>
-            <a:pPr marL="285840" indent="-271080">
+            <a:pPr marL="285840" indent="-270360">
               <a:lnSpc>
                 <a:spcPct val="150000"/>
               </a:lnSpc>
@@ -19350,7 +19359,7 @@
         <p:spPr>
           <a:xfrm>
             <a:off x="246600" y="2859480"/>
-            <a:ext cx="11699640" cy="699480"/>
+            <a:ext cx="11698920" cy="699480"/>
           </a:xfrm>
           <a:prstGeom prst="rect">
             <a:avLst/>
@@ -19451,7 +19460,7 @@
         <p:spPr>
           <a:xfrm>
             <a:off x="1676520" y="2362320"/>
-            <a:ext cx="8824320" cy="912600"/>
+            <a:ext cx="8823600" cy="912600"/>
           </a:xfrm>
           <a:prstGeom prst="rect">
             <a:avLst/>
@@ -19502,7 +19511,7 @@
         <p:spPr>
           <a:xfrm>
             <a:off x="522360" y="3531600"/>
-            <a:ext cx="11061360" cy="363960"/>
+            <a:ext cx="11060640" cy="363960"/>
           </a:xfrm>
           <a:prstGeom prst="rect">
             <a:avLst/>
@@ -19618,7 +19627,7 @@
         <p:spPr>
           <a:xfrm>
             <a:off x="248400" y="0"/>
-            <a:ext cx="11697840" cy="699120"/>
+            <a:ext cx="11697120" cy="699120"/>
           </a:xfrm>
           <a:prstGeom prst="rect">
             <a:avLst/>
@@ -19673,7 +19682,7 @@
         <p:spPr>
           <a:xfrm>
             <a:off x="248400" y="762120"/>
-            <a:ext cx="10417320" cy="2284200"/>
+            <a:ext cx="10416600" cy="2284200"/>
           </a:xfrm>
           <a:prstGeom prst="rect">
             <a:avLst/>
@@ -19874,7 +19883,7 @@
         <p:spPr>
           <a:xfrm>
             <a:off x="1600200" y="4129560"/>
-            <a:ext cx="8875080" cy="912600"/>
+            <a:ext cx="8874360" cy="912600"/>
           </a:xfrm>
           <a:prstGeom prst="rect">
             <a:avLst/>
@@ -19895,7 +19904,7 @@
             <a:spAutoFit/>
           </a:bodyPr>
           <a:p>
-            <a:pPr marL="285840" indent="-271080">
+            <a:pPr marL="285840" indent="-270360">
               <a:lnSpc>
                 <a:spcPct val="150000"/>
               </a:lnSpc>
@@ -19940,7 +19949,7 @@
             </a:endParaRPr>
           </a:p>
           <a:p>
-            <a:pPr marL="285840" indent="-271080">
+            <a:pPr marL="285840" indent="-270360">
               <a:lnSpc>
                 <a:spcPct val="150000"/>
               </a:lnSpc>
@@ -19995,7 +20004,7 @@
         <p:spPr>
           <a:xfrm>
             <a:off x="1224000" y="5511960"/>
-            <a:ext cx="8919720" cy="351720"/>
+            <a:ext cx="8919000" cy="351000"/>
           </a:xfrm>
           <a:prstGeom prst="rect">
             <a:avLst/>
@@ -20016,7 +20025,7 @@
             <a:noAutofit/>
           </a:bodyPr>
           <a:p>
-            <a:pPr marL="216000" indent="-207720">
+            <a:pPr marL="216000" indent="-207000">
               <a:lnSpc>
                 <a:spcPct val="100000"/>
               </a:lnSpc>
@@ -20082,7 +20091,7 @@
         <p:spPr>
           <a:xfrm>
             <a:off x="10585440" y="973800"/>
-            <a:ext cx="1430280" cy="5713920"/>
+            <a:ext cx="1429560" cy="5713200"/>
           </a:xfrm>
           <a:prstGeom prst="rect">
             <a:avLst/>
@@ -20483,7 +20492,7 @@
         <p:spPr>
           <a:xfrm>
             <a:off x="246600" y="3062880"/>
-            <a:ext cx="11699640" cy="699480"/>
+            <a:ext cx="11698920" cy="699480"/>
           </a:xfrm>
           <a:prstGeom prst="rect">
             <a:avLst/>
@@ -20584,7 +20593,7 @@
         <p:spPr>
           <a:xfrm>
             <a:off x="1676520" y="2362320"/>
-            <a:ext cx="8824320" cy="912600"/>
+            <a:ext cx="8823600" cy="912600"/>
           </a:xfrm>
           <a:prstGeom prst="rect">
             <a:avLst/>
@@ -20635,7 +20644,7 @@
         <p:spPr>
           <a:xfrm>
             <a:off x="522360" y="3531600"/>
-            <a:ext cx="11061360" cy="363960"/>
+            <a:ext cx="11060640" cy="363960"/>
           </a:xfrm>
           <a:prstGeom prst="rect">
             <a:avLst/>
@@ -20716,7 +20725,7 @@
         <p:spPr>
           <a:xfrm>
             <a:off x="248400" y="0"/>
-            <a:ext cx="11697840" cy="699120"/>
+            <a:ext cx="11697120" cy="699120"/>
           </a:xfrm>
           <a:prstGeom prst="rect">
             <a:avLst/>
@@ -20771,7 +20780,7 @@
         <p:spPr>
           <a:xfrm>
             <a:off x="248400" y="762120"/>
-            <a:ext cx="10328760" cy="1461240"/>
+            <a:ext cx="10328040" cy="1461240"/>
           </a:xfrm>
           <a:prstGeom prst="rect">
             <a:avLst/>
@@ -20832,7 +20841,7 @@
         <p:spPr>
           <a:xfrm>
             <a:off x="1600200" y="3873600"/>
-            <a:ext cx="8875080" cy="1735560"/>
+            <a:ext cx="8874360" cy="1735560"/>
           </a:xfrm>
           <a:prstGeom prst="rect">
             <a:avLst/>
@@ -20853,7 +20862,7 @@
             <a:spAutoFit/>
           </a:bodyPr>
           <a:p>
-            <a:pPr marL="285840" indent="-271080">
+            <a:pPr marL="285840" indent="-270360">
               <a:lnSpc>
                 <a:spcPct val="150000"/>
               </a:lnSpc>
@@ -20898,7 +20907,7 @@
             </a:endParaRPr>
           </a:p>
           <a:p>
-            <a:pPr marL="285840" indent="-271080">
+            <a:pPr marL="285840" indent="-270360">
               <a:lnSpc>
                 <a:spcPct val="150000"/>
               </a:lnSpc>
@@ -20943,7 +20952,7 @@
             </a:endParaRPr>
           </a:p>
           <a:p>
-            <a:pPr marL="285840" indent="-271080">
+            <a:pPr marL="285840" indent="-270360">
               <a:lnSpc>
                 <a:spcPct val="150000"/>
               </a:lnSpc>
@@ -20988,7 +20997,7 @@
             </a:endParaRPr>
           </a:p>
           <a:p>
-            <a:pPr marL="285840" indent="-271080">
+            <a:pPr marL="285840" indent="-270360">
               <a:lnSpc>
                 <a:spcPct val="150000"/>
               </a:lnSpc>
@@ -21043,7 +21052,7 @@
         <p:spPr>
           <a:xfrm>
             <a:off x="1224000" y="5904000"/>
-            <a:ext cx="8919720" cy="351720"/>
+            <a:ext cx="8919000" cy="351000"/>
           </a:xfrm>
           <a:prstGeom prst="rect">
             <a:avLst/>
@@ -21064,7 +21073,7 @@
             <a:noAutofit/>
           </a:bodyPr>
           <a:p>
-            <a:pPr marL="216000" indent="-207720">
+            <a:pPr marL="216000" indent="-207000">
               <a:lnSpc>
                 <a:spcPct val="100000"/>
               </a:lnSpc>
@@ -21130,7 +21139,7 @@
         <p:spPr>
           <a:xfrm>
             <a:off x="10585440" y="1036440"/>
-            <a:ext cx="1430280" cy="5651280"/>
+            <a:ext cx="1429560" cy="5650560"/>
           </a:xfrm>
           <a:prstGeom prst="rect">
             <a:avLst/>
@@ -21566,7 +21575,7 @@
         <p:spPr>
           <a:xfrm>
             <a:off x="246600" y="2496600"/>
-            <a:ext cx="11699640" cy="394560"/>
+            <a:ext cx="11698920" cy="394560"/>
           </a:xfrm>
           <a:prstGeom prst="rect">
             <a:avLst/>
@@ -21647,7 +21656,7 @@
         <p:spPr>
           <a:xfrm>
             <a:off x="1676520" y="2362320"/>
-            <a:ext cx="8824320" cy="912600"/>
+            <a:ext cx="8823600" cy="912600"/>
           </a:xfrm>
           <a:prstGeom prst="rect">
             <a:avLst/>
@@ -21698,7 +21707,7 @@
         <p:spPr>
           <a:xfrm>
             <a:off x="1666800" y="609480"/>
-            <a:ext cx="8824320" cy="394560"/>
+            <a:ext cx="8823600" cy="394560"/>
           </a:xfrm>
           <a:prstGeom prst="rect">
             <a:avLst/>
@@ -21749,7 +21758,7 @@
         <p:spPr>
           <a:xfrm>
             <a:off x="522360" y="3531600"/>
-            <a:ext cx="11061360" cy="1735560"/>
+            <a:ext cx="11060640" cy="1735560"/>
           </a:xfrm>
           <a:prstGeom prst="rect">
             <a:avLst/>
@@ -21800,7 +21809,7 @@
             </a:endParaRPr>
           </a:p>
           <a:p>
-            <a:pPr marL="216000" indent="-208800">
+            <a:pPr marL="216000" indent="-208080">
               <a:lnSpc>
                 <a:spcPct val="100000"/>
               </a:lnSpc>
@@ -21875,7 +21884,7 @@
         <p:spPr>
           <a:xfrm>
             <a:off x="1676520" y="2362320"/>
-            <a:ext cx="8824320" cy="1735560"/>
+            <a:ext cx="8823600" cy="1735560"/>
           </a:xfrm>
           <a:prstGeom prst="rect">
             <a:avLst/>
@@ -21926,7 +21935,7 @@
         <p:spPr>
           <a:xfrm>
             <a:off x="522360" y="3531600"/>
-            <a:ext cx="11061360" cy="363960"/>
+            <a:ext cx="11060640" cy="363960"/>
           </a:xfrm>
           <a:prstGeom prst="rect">
             <a:avLst/>
@@ -22007,7 +22016,7 @@
         <p:spPr>
           <a:xfrm>
             <a:off x="248400" y="0"/>
-            <a:ext cx="11697840" cy="699120"/>
+            <a:ext cx="11697120" cy="699120"/>
           </a:xfrm>
           <a:prstGeom prst="rect">
             <a:avLst/>
@@ -22062,7 +22071,7 @@
         <p:spPr>
           <a:xfrm>
             <a:off x="248400" y="762120"/>
-            <a:ext cx="11697840" cy="2832840"/>
+            <a:ext cx="11697120" cy="2832840"/>
           </a:xfrm>
           <a:prstGeom prst="rect">
             <a:avLst/>
@@ -22163,7 +22172,7 @@
             </a:endParaRPr>
           </a:p>
           <a:p>
-            <a:pPr marL="216000" indent="-211320" algn="just">
+            <a:pPr marL="216000" indent="-210600" algn="just">
               <a:lnSpc>
                 <a:spcPct val="100000"/>
               </a:lnSpc>
@@ -22208,7 +22217,7 @@
             </a:endParaRPr>
           </a:p>
           <a:p>
-            <a:pPr marL="216000" indent="-211320" algn="just">
+            <a:pPr marL="216000" indent="-210600" algn="just">
               <a:lnSpc>
                 <a:spcPct val="100000"/>
               </a:lnSpc>
@@ -22303,7 +22312,7 @@
         <p:spPr>
           <a:xfrm>
             <a:off x="248400" y="3494880"/>
-            <a:ext cx="11697840" cy="1004400"/>
+            <a:ext cx="11697120" cy="1004400"/>
           </a:xfrm>
           <a:prstGeom prst="rect">
             <a:avLst/>
@@ -22394,7 +22403,7 @@
         <p:spPr>
           <a:xfrm>
             <a:off x="1600200" y="4629600"/>
-            <a:ext cx="8875080" cy="1324080"/>
+            <a:ext cx="8874360" cy="1324080"/>
           </a:xfrm>
           <a:prstGeom prst="rect">
             <a:avLst/>
@@ -22415,7 +22424,7 @@
             <a:spAutoFit/>
           </a:bodyPr>
           <a:p>
-            <a:pPr marL="285840" indent="-271080">
+            <a:pPr marL="285840" indent="-270360">
               <a:lnSpc>
                 <a:spcPct val="150000"/>
               </a:lnSpc>
@@ -22460,7 +22469,7 @@
             </a:endParaRPr>
           </a:p>
           <a:p>
-            <a:pPr marL="285840" indent="-271080">
+            <a:pPr marL="285840" indent="-270360">
               <a:lnSpc>
                 <a:spcPct val="150000"/>
               </a:lnSpc>
@@ -22580,7 +22589,7 @@
         <p:spPr>
           <a:xfrm>
             <a:off x="1676520" y="2362320"/>
-            <a:ext cx="8824320" cy="912600"/>
+            <a:ext cx="8823600" cy="912600"/>
           </a:xfrm>
           <a:prstGeom prst="rect">
             <a:avLst/>
@@ -22631,7 +22640,7 @@
         <p:spPr>
           <a:xfrm>
             <a:off x="522360" y="3531600"/>
-            <a:ext cx="11061360" cy="363960"/>
+            <a:ext cx="11060640" cy="363960"/>
           </a:xfrm>
           <a:prstGeom prst="rect">
             <a:avLst/>
@@ -22712,7 +22721,7 @@
         <p:spPr>
           <a:xfrm>
             <a:off x="246600" y="762120"/>
-            <a:ext cx="11696400" cy="638280"/>
+            <a:ext cx="11695680" cy="638280"/>
           </a:xfrm>
           <a:prstGeom prst="rect">
             <a:avLst/>
@@ -22813,7 +22822,7 @@
         <p:spPr>
           <a:xfrm>
             <a:off x="1523880" y="2940480"/>
-            <a:ext cx="9406080" cy="1735560"/>
+            <a:ext cx="9405360" cy="1735560"/>
           </a:xfrm>
           <a:prstGeom prst="rect">
             <a:avLst/>
@@ -22834,7 +22843,7 @@
             <a:spAutoFit/>
           </a:bodyPr>
           <a:p>
-            <a:pPr marL="285840" indent="-271080">
+            <a:pPr marL="285840" indent="-270360">
               <a:lnSpc>
                 <a:spcPct val="150000"/>
               </a:lnSpc>
@@ -22879,7 +22888,7 @@
             </a:endParaRPr>
           </a:p>
           <a:p>
-            <a:pPr marL="285840" indent="-271080">
+            <a:pPr marL="285840" indent="-270360">
               <a:lnSpc>
                 <a:spcPct val="150000"/>
               </a:lnSpc>
@@ -22954,7 +22963,7 @@
             </a:endParaRPr>
           </a:p>
           <a:p>
-            <a:pPr marL="285840" indent="-271080">
+            <a:pPr marL="285840" indent="-270360">
               <a:lnSpc>
                 <a:spcPct val="150000"/>
               </a:lnSpc>
@@ -23019,7 +23028,7 @@
             </a:endParaRPr>
           </a:p>
           <a:p>
-            <a:pPr marL="285840" indent="-271080">
+            <a:pPr marL="285840" indent="-270360">
               <a:lnSpc>
                 <a:spcPct val="150000"/>
               </a:lnSpc>
@@ -23084,7 +23093,7 @@
         <p:spPr>
           <a:xfrm>
             <a:off x="1584000" y="4889520"/>
-            <a:ext cx="8841600" cy="1002240"/>
+            <a:ext cx="8840880" cy="1001520"/>
           </a:xfrm>
           <a:prstGeom prst="rect">
             <a:avLst/>
@@ -23135,7 +23144,7 @@
             </a:endParaRPr>
           </a:p>
           <a:p>
-            <a:pPr marL="216000" indent="-201600">
+            <a:pPr marL="216000" indent="-200880">
               <a:lnSpc>
                 <a:spcPct val="100000"/>
               </a:lnSpc>
@@ -23231,7 +23240,7 @@
         <p:spPr>
           <a:xfrm>
             <a:off x="246600" y="0"/>
-            <a:ext cx="11696400" cy="699120"/>
+            <a:ext cx="11695680" cy="699120"/>
           </a:xfrm>
           <a:prstGeom prst="rect">
             <a:avLst/>
@@ -23321,7 +23330,7 @@
         <p:spPr>
           <a:xfrm>
             <a:off x="246600" y="1742040"/>
-            <a:ext cx="11696400" cy="699480"/>
+            <a:ext cx="11695680" cy="699480"/>
           </a:xfrm>
           <a:prstGeom prst="rect">
             <a:avLst/>
@@ -23422,7 +23431,7 @@
         <p:spPr>
           <a:xfrm>
             <a:off x="248400" y="0"/>
-            <a:ext cx="11697840" cy="699120"/>
+            <a:ext cx="11697120" cy="699120"/>
           </a:xfrm>
           <a:prstGeom prst="rect">
             <a:avLst/>
@@ -23477,7 +23486,7 @@
         <p:spPr>
           <a:xfrm>
             <a:off x="248400" y="762120"/>
-            <a:ext cx="11697840" cy="1735560"/>
+            <a:ext cx="11697120" cy="1735560"/>
           </a:xfrm>
           <a:prstGeom prst="rect">
             <a:avLst/>
@@ -23588,7 +23597,7 @@
         <p:spPr>
           <a:xfrm>
             <a:off x="248400" y="2628720"/>
-            <a:ext cx="11697840" cy="699480"/>
+            <a:ext cx="11697120" cy="699480"/>
           </a:xfrm>
           <a:prstGeom prst="rect">
             <a:avLst/>
@@ -23659,7 +23668,7 @@
         <p:spPr>
           <a:xfrm>
             <a:off x="1600200" y="3981600"/>
-            <a:ext cx="8875080" cy="1324080"/>
+            <a:ext cx="8874360" cy="1324080"/>
           </a:xfrm>
           <a:prstGeom prst="rect">
             <a:avLst/>
@@ -23680,7 +23689,7 @@
             <a:spAutoFit/>
           </a:bodyPr>
           <a:p>
-            <a:pPr marL="285840" indent="-271080">
+            <a:pPr marL="285840" indent="-270360">
               <a:lnSpc>
                 <a:spcPct val="150000"/>
               </a:lnSpc>
@@ -23725,7 +23734,7 @@
             </a:endParaRPr>
           </a:p>
           <a:p>
-            <a:pPr marL="285840" indent="-271080">
+            <a:pPr marL="285840" indent="-270360">
               <a:lnSpc>
                 <a:spcPct val="150000"/>
               </a:lnSpc>
@@ -23845,7 +23854,7 @@
         <p:spPr>
           <a:xfrm>
             <a:off x="1676520" y="2362320"/>
-            <a:ext cx="8824320" cy="1735560"/>
+            <a:ext cx="8823600" cy="1735560"/>
           </a:xfrm>
           <a:prstGeom prst="rect">
             <a:avLst/>
@@ -23896,7 +23905,7 @@
         <p:spPr>
           <a:xfrm>
             <a:off x="522360" y="3531600"/>
-            <a:ext cx="11061360" cy="363960"/>
+            <a:ext cx="11060640" cy="363960"/>
           </a:xfrm>
           <a:prstGeom prst="rect">
             <a:avLst/>
@@ -23977,7 +23986,7 @@
         <p:spPr>
           <a:xfrm>
             <a:off x="248400" y="0"/>
-            <a:ext cx="11697840" cy="699120"/>
+            <a:ext cx="11697120" cy="699120"/>
           </a:xfrm>
           <a:prstGeom prst="rect">
             <a:avLst/>
@@ -24032,7 +24041,7 @@
         <p:spPr>
           <a:xfrm>
             <a:off x="248400" y="762120"/>
-            <a:ext cx="11697840" cy="1735560"/>
+            <a:ext cx="11697120" cy="1735560"/>
           </a:xfrm>
           <a:prstGeom prst="rect">
             <a:avLst/>
@@ -24173,7 +24182,7 @@
         <p:spPr>
           <a:xfrm>
             <a:off x="248400" y="2435760"/>
-            <a:ext cx="11697840" cy="1004400"/>
+            <a:ext cx="11697120" cy="1004400"/>
           </a:xfrm>
           <a:prstGeom prst="rect">
             <a:avLst/>
@@ -24264,7 +24273,7 @@
         <p:spPr>
           <a:xfrm>
             <a:off x="1600200" y="3585600"/>
-            <a:ext cx="8875080" cy="1324080"/>
+            <a:ext cx="8874360" cy="1324080"/>
           </a:xfrm>
           <a:prstGeom prst="rect">
             <a:avLst/>
@@ -24285,7 +24294,7 @@
             <a:spAutoFit/>
           </a:bodyPr>
           <a:p>
-            <a:pPr marL="285840" indent="-271080">
+            <a:pPr marL="285840" indent="-270360">
               <a:lnSpc>
                 <a:spcPct val="150000"/>
               </a:lnSpc>
@@ -24330,7 +24339,7 @@
             </a:endParaRPr>
           </a:p>
           <a:p>
-            <a:pPr marL="285840" indent="-271080">
+            <a:pPr marL="285840" indent="-270360">
               <a:lnSpc>
                 <a:spcPct val="150000"/>
               </a:lnSpc>
@@ -24375,7 +24384,7 @@
             </a:endParaRPr>
           </a:p>
           <a:p>
-            <a:pPr marL="285840" indent="-271080">
+            <a:pPr marL="285840" indent="-270360">
               <a:lnSpc>
                 <a:spcPct val="150000"/>
               </a:lnSpc>
@@ -24495,7 +24504,7 @@
         <p:spPr>
           <a:xfrm>
             <a:off x="1676520" y="2362320"/>
-            <a:ext cx="8824320" cy="1735560"/>
+            <a:ext cx="8823600" cy="1735560"/>
           </a:xfrm>
           <a:prstGeom prst="rect">
             <a:avLst/>
@@ -24546,7 +24555,7 @@
         <p:spPr>
           <a:xfrm>
             <a:off x="522360" y="3531600"/>
-            <a:ext cx="11061360" cy="363960"/>
+            <a:ext cx="11060640" cy="363960"/>
           </a:xfrm>
           <a:prstGeom prst="rect">
             <a:avLst/>
@@ -25301,7 +25310,7 @@
         <p:spPr>
           <a:xfrm>
             <a:off x="248400" y="0"/>
-            <a:ext cx="11697840" cy="699120"/>
+            <a:ext cx="11697120" cy="699120"/>
           </a:xfrm>
           <a:prstGeom prst="rect">
             <a:avLst/>
@@ -25356,7 +25365,7 @@
         <p:spPr>
           <a:xfrm>
             <a:off x="248400" y="762120"/>
-            <a:ext cx="11697840" cy="1735560"/>
+            <a:ext cx="11697120" cy="1735560"/>
           </a:xfrm>
           <a:prstGeom prst="rect">
             <a:avLst/>
@@ -25457,7 +25466,7 @@
         <p:spPr>
           <a:xfrm>
             <a:off x="248400" y="2669760"/>
-            <a:ext cx="11697840" cy="699480"/>
+            <a:ext cx="11697120" cy="699480"/>
           </a:xfrm>
           <a:prstGeom prst="rect">
             <a:avLst/>
@@ -25528,7 +25537,7 @@
         <p:spPr>
           <a:xfrm>
             <a:off x="1600200" y="4269600"/>
-            <a:ext cx="8875080" cy="1324080"/>
+            <a:ext cx="8874360" cy="1324080"/>
           </a:xfrm>
           <a:prstGeom prst="rect">
             <a:avLst/>
@@ -25549,7 +25558,7 @@
             <a:spAutoFit/>
           </a:bodyPr>
           <a:p>
-            <a:pPr marL="285840" indent="-271080">
+            <a:pPr marL="285840" indent="-270360">
               <a:lnSpc>
                 <a:spcPct val="150000"/>
               </a:lnSpc>
@@ -25594,7 +25603,7 @@
             </a:endParaRPr>
           </a:p>
           <a:p>
-            <a:pPr marL="285840" indent="-271080">
+            <a:pPr marL="285840" indent="-270360">
               <a:lnSpc>
                 <a:spcPct val="150000"/>
               </a:lnSpc>
@@ -25639,7 +25648,7 @@
             </a:endParaRPr>
           </a:p>
           <a:p>
-            <a:pPr marL="285840" indent="-271080">
+            <a:pPr marL="285840" indent="-270360">
               <a:lnSpc>
                 <a:spcPct val="150000"/>
               </a:lnSpc>
@@ -25759,7 +25768,7 @@
         <p:spPr>
           <a:xfrm>
             <a:off x="1676520" y="2362320"/>
-            <a:ext cx="8824320" cy="2558520"/>
+            <a:ext cx="8823600" cy="2558520"/>
           </a:xfrm>
           <a:prstGeom prst="rect">
             <a:avLst/>
@@ -25810,7 +25819,7 @@
         <p:spPr>
           <a:xfrm>
             <a:off x="522360" y="3531600"/>
-            <a:ext cx="11061360" cy="363960"/>
+            <a:ext cx="11060640" cy="363960"/>
           </a:xfrm>
           <a:prstGeom prst="rect">
             <a:avLst/>
@@ -26096,7 +26105,7 @@
                       <a:noAutofit/>
                     </a:bodyPr>
                     <a:p>
-                      <a:pPr marL="216000" indent="-214920" algn="ctr">
+                      <a:pPr marL="216000" indent="-214200" algn="ctr">
                         <a:lnSpc>
                           <a:spcPct val="100000"/>
                         </a:lnSpc>
@@ -26409,7 +26418,7 @@
         <p:spPr>
           <a:xfrm>
             <a:off x="248400" y="0"/>
-            <a:ext cx="11697840" cy="699120"/>
+            <a:ext cx="11697120" cy="699120"/>
           </a:xfrm>
           <a:prstGeom prst="rect">
             <a:avLst/>
@@ -26464,7 +26473,7 @@
         <p:spPr>
           <a:xfrm>
             <a:off x="248400" y="762120"/>
-            <a:ext cx="11697840" cy="2558520"/>
+            <a:ext cx="11697120" cy="2558520"/>
           </a:xfrm>
           <a:prstGeom prst="rect">
             <a:avLst/>
@@ -26725,7 +26734,7 @@
         <p:spPr>
           <a:xfrm>
             <a:off x="248400" y="3206880"/>
-            <a:ext cx="11697840" cy="1309320"/>
+            <a:ext cx="11697120" cy="1309320"/>
           </a:xfrm>
           <a:prstGeom prst="rect">
             <a:avLst/>
@@ -26836,7 +26845,7 @@
         <p:spPr>
           <a:xfrm>
             <a:off x="288000" y="4795920"/>
-            <a:ext cx="8875080" cy="1324080"/>
+            <a:ext cx="8874360" cy="1324080"/>
           </a:xfrm>
           <a:prstGeom prst="rect">
             <a:avLst/>
@@ -26857,7 +26866,7 @@
             <a:spAutoFit/>
           </a:bodyPr>
           <a:p>
-            <a:pPr marL="285840" indent="-271080">
+            <a:pPr marL="285840" indent="-270360">
               <a:lnSpc>
                 <a:spcPct val="150000"/>
               </a:lnSpc>
@@ -26902,7 +26911,7 @@
             </a:endParaRPr>
           </a:p>
           <a:p>
-            <a:pPr marL="285840" indent="-271080">
+            <a:pPr marL="285840" indent="-270360">
               <a:lnSpc>
                 <a:spcPct val="150000"/>
               </a:lnSpc>
@@ -26947,7 +26956,7 @@
             </a:endParaRPr>
           </a:p>
           <a:p>
-            <a:pPr marL="285840" indent="-271080">
+            <a:pPr marL="285840" indent="-270360">
               <a:lnSpc>
                 <a:spcPct val="150000"/>
               </a:lnSpc>
@@ -27067,7 +27076,7 @@
         <p:spPr>
           <a:xfrm>
             <a:off x="1676520" y="2362320"/>
-            <a:ext cx="8824320" cy="912600"/>
+            <a:ext cx="8823600" cy="912600"/>
           </a:xfrm>
           <a:prstGeom prst="rect">
             <a:avLst/>
@@ -27118,7 +27127,7 @@
         <p:spPr>
           <a:xfrm>
             <a:off x="1666800" y="609480"/>
-            <a:ext cx="8824320" cy="394560"/>
+            <a:ext cx="8823600" cy="394560"/>
           </a:xfrm>
           <a:prstGeom prst="rect">
             <a:avLst/>
@@ -27169,7 +27178,7 @@
         <p:spPr>
           <a:xfrm>
             <a:off x="522360" y="3531600"/>
-            <a:ext cx="11061360" cy="638280"/>
+            <a:ext cx="11060640" cy="638280"/>
           </a:xfrm>
           <a:prstGeom prst="rect">
             <a:avLst/>
@@ -27270,7 +27279,7 @@
         <p:spPr>
           <a:xfrm>
             <a:off x="1676520" y="2362320"/>
-            <a:ext cx="8824320" cy="1735560"/>
+            <a:ext cx="8823600" cy="1735560"/>
           </a:xfrm>
           <a:prstGeom prst="rect">
             <a:avLst/>
@@ -27321,7 +27330,7 @@
         <p:spPr>
           <a:xfrm>
             <a:off x="522360" y="3531600"/>
-            <a:ext cx="11061360" cy="363960"/>
+            <a:ext cx="11060640" cy="363960"/>
           </a:xfrm>
           <a:prstGeom prst="rect">
             <a:avLst/>
@@ -27402,7 +27411,7 @@
         <p:spPr>
           <a:xfrm>
             <a:off x="248400" y="0"/>
-            <a:ext cx="11697840" cy="699120"/>
+            <a:ext cx="11697120" cy="699120"/>
           </a:xfrm>
           <a:prstGeom prst="rect">
             <a:avLst/>
@@ -27457,7 +27466,7 @@
         <p:spPr>
           <a:xfrm>
             <a:off x="248400" y="762120"/>
-            <a:ext cx="11697840" cy="2832840"/>
+            <a:ext cx="11697120" cy="2832840"/>
           </a:xfrm>
           <a:prstGeom prst="rect">
             <a:avLst/>
@@ -27718,7 +27727,7 @@
         <p:spPr>
           <a:xfrm>
             <a:off x="248400" y="3422880"/>
-            <a:ext cx="11697840" cy="1309320"/>
+            <a:ext cx="11697120" cy="1309320"/>
           </a:xfrm>
           <a:prstGeom prst="rect">
             <a:avLst/>
@@ -27829,7 +27838,7 @@
         <p:spPr>
           <a:xfrm>
             <a:off x="288000" y="4687920"/>
-            <a:ext cx="8875080" cy="2147040"/>
+            <a:ext cx="8874360" cy="2147040"/>
           </a:xfrm>
           <a:prstGeom prst="rect">
             <a:avLst/>
@@ -27850,7 +27859,7 @@
             <a:spAutoFit/>
           </a:bodyPr>
           <a:p>
-            <a:pPr marL="285840" indent="-271080">
+            <a:pPr marL="285840" indent="-270360">
               <a:lnSpc>
                 <a:spcPct val="150000"/>
               </a:lnSpc>
@@ -27895,7 +27904,7 @@
             </a:endParaRPr>
           </a:p>
           <a:p>
-            <a:pPr marL="285840" indent="-271080">
+            <a:pPr marL="285840" indent="-270360">
               <a:lnSpc>
                 <a:spcPct val="150000"/>
               </a:lnSpc>
@@ -27940,7 +27949,7 @@
             </a:endParaRPr>
           </a:p>
           <a:p>
-            <a:pPr marL="285840" indent="-271080">
+            <a:pPr marL="285840" indent="-270360">
               <a:lnSpc>
                 <a:spcPct val="150000"/>
               </a:lnSpc>
@@ -27985,7 +27994,7 @@
             </a:endParaRPr>
           </a:p>
           <a:p>
-            <a:pPr marL="285840" indent="-271080">
+            <a:pPr marL="285840" indent="-270360">
               <a:lnSpc>
                 <a:spcPct val="150000"/>
               </a:lnSpc>
@@ -28030,7 +28039,7 @@
             </a:endParaRPr>
           </a:p>
           <a:p>
-            <a:pPr marL="285840" indent="-271080">
+            <a:pPr marL="285840" indent="-270360">
               <a:lnSpc>
                 <a:spcPct val="150000"/>
               </a:lnSpc>
@@ -28150,7 +28159,7 @@
         <p:spPr>
           <a:xfrm>
             <a:off x="1676520" y="2362320"/>
-            <a:ext cx="8824320" cy="912600"/>
+            <a:ext cx="8823600" cy="912600"/>
           </a:xfrm>
           <a:prstGeom prst="rect">
             <a:avLst/>
@@ -28201,7 +28210,7 @@
         <p:spPr>
           <a:xfrm>
             <a:off x="1666800" y="609480"/>
-            <a:ext cx="8824320" cy="394560"/>
+            <a:ext cx="8823600" cy="394560"/>
           </a:xfrm>
           <a:prstGeom prst="rect">
             <a:avLst/>
@@ -28252,7 +28261,7 @@
         <p:spPr>
           <a:xfrm>
             <a:off x="522360" y="3531600"/>
-            <a:ext cx="11061360" cy="638280"/>
+            <a:ext cx="11060640" cy="638280"/>
           </a:xfrm>
           <a:prstGeom prst="rect">
             <a:avLst/>
@@ -28333,7 +28342,7 @@
         <p:spPr>
           <a:xfrm>
             <a:off x="1676520" y="2362320"/>
-            <a:ext cx="8824320" cy="912600"/>
+            <a:ext cx="8823600" cy="912600"/>
           </a:xfrm>
           <a:prstGeom prst="rect">
             <a:avLst/>
@@ -28384,7 +28393,7 @@
         <p:spPr>
           <a:xfrm>
             <a:off x="522360" y="3531600"/>
-            <a:ext cx="11061360" cy="363960"/>
+            <a:ext cx="11060640" cy="363960"/>
           </a:xfrm>
           <a:prstGeom prst="rect">
             <a:avLst/>
@@ -28465,7 +28474,7 @@
         <p:spPr>
           <a:xfrm>
             <a:off x="248400" y="0"/>
-            <a:ext cx="11697840" cy="699120"/>
+            <a:ext cx="11697120" cy="699120"/>
           </a:xfrm>
           <a:prstGeom prst="rect">
             <a:avLst/>
@@ -28520,7 +28529,7 @@
         <p:spPr>
           <a:xfrm>
             <a:off x="248400" y="762120"/>
-            <a:ext cx="11697840" cy="1735560"/>
+            <a:ext cx="11697120" cy="1735560"/>
           </a:xfrm>
           <a:prstGeom prst="rect">
             <a:avLst/>
@@ -28661,7 +28670,7 @@
         <p:spPr>
           <a:xfrm>
             <a:off x="248400" y="2882880"/>
-            <a:ext cx="11697840" cy="1004400"/>
+            <a:ext cx="11697120" cy="1004400"/>
           </a:xfrm>
           <a:prstGeom prst="rect">
             <a:avLst/>
@@ -28752,7 +28761,7 @@
         <p:spPr>
           <a:xfrm>
             <a:off x="288000" y="4039920"/>
-            <a:ext cx="8875080" cy="1324080"/>
+            <a:ext cx="8874360" cy="1324080"/>
           </a:xfrm>
           <a:prstGeom prst="rect">
             <a:avLst/>
@@ -28773,7 +28782,7 @@
             <a:spAutoFit/>
           </a:bodyPr>
           <a:p>
-            <a:pPr marL="285840" indent="-271080">
+            <a:pPr marL="285840" indent="-270360">
               <a:lnSpc>
                 <a:spcPct val="150000"/>
               </a:lnSpc>
@@ -28818,7 +28827,7 @@
             </a:endParaRPr>
           </a:p>
           <a:p>
-            <a:pPr marL="285840" indent="-271080">
+            <a:pPr marL="285840" indent="-270360">
               <a:lnSpc>
                 <a:spcPct val="150000"/>
               </a:lnSpc>
@@ -28863,7 +28872,7 @@
             </a:endParaRPr>
           </a:p>
           <a:p>
-            <a:pPr marL="285840" indent="-271080">
+            <a:pPr marL="285840" indent="-270360">
               <a:lnSpc>
                 <a:spcPct val="150000"/>
               </a:lnSpc>
@@ -28953,7 +28962,7 @@
         <p:spPr>
           <a:xfrm>
             <a:off x="8856000" y="2882880"/>
-            <a:ext cx="3238560" cy="1075680"/>
+            <a:ext cx="3237840" cy="1074960"/>
           </a:xfrm>
           <a:prstGeom prst="rect">
             <a:avLst/>
@@ -29074,7 +29083,7 @@
         <p:spPr>
           <a:xfrm>
             <a:off x="1676520" y="2362320"/>
-            <a:ext cx="8824320" cy="1735920"/>
+            <a:ext cx="8823600" cy="1735560"/>
           </a:xfrm>
           <a:prstGeom prst="rect">
             <a:avLst/>
@@ -29108,7 +29117,7 @@
                 <a:latin typeface="Century"/>
                 <a:ea typeface="DejaVu Sans"/>
               </a:rPr>
-              <a:t>smove, srem &amp; srandmember</a:t>
+              <a:t>sunionstore, sinterstore and sdiffstore</a:t>
             </a:r>
             <a:endParaRPr b="0" lang="en-IN" sz="5400" spc="-1" strike="noStrike">
               <a:latin typeface="Arial"/>
@@ -29125,7 +29134,7 @@
         <p:spPr>
           <a:xfrm>
             <a:off x="522360" y="3531600"/>
-            <a:ext cx="11061360" cy="363960"/>
+            <a:ext cx="11060640" cy="363960"/>
           </a:xfrm>
           <a:prstGeom prst="rect">
             <a:avLst/>
@@ -29167,9 +29176,750 @@
           </a:p>
         </p:txBody>
       </p:sp>
+    </p:spTree>
+  </p:cSld>
+  <mc:AlternateContent>
+    <mc:Choice Requires="p14">
+      <p:transition spd="slow" p14:dur="2000"/>
+    </mc:Choice>
+    <mc:Fallback>
+      <p:transition spd="slow"/>
+    </mc:Fallback>
+  </mc:AlternateContent>
+</p:sld>
+</file>
+
+<file path=ppt/slides/slide63.xml><?xml version="1.0" encoding="utf-8"?>
+<p:sld xmlns:a="http://schemas.openxmlformats.org/drawingml/2006/main" xmlns:p="http://schemas.openxmlformats.org/presentationml/2006/main" xmlns:r="http://schemas.openxmlformats.org/officeDocument/2006/relationships" xmlns:p14="http://schemas.microsoft.com/office/powerpoint/2010/main" xmlns:p15="http://schemas.microsoft.com/office/powerpoint/2012/main" xmlns:mc="http://schemas.openxmlformats.org/markup-compatibility/2006">
+  <p:cSld>
+    <p:spTree>
+      <p:nvGrpSpPr>
+        <p:cNvPr id="1" name=""/>
+        <p:cNvGrpSpPr/>
+        <p:nvPr/>
+      </p:nvGrpSpPr>
+      <p:grpSpPr>
+        <a:xfrm>
+          <a:off x="0" y="0"/>
+          <a:ext cx="0" cy="0"/>
+          <a:chOff x="0" y="0"/>
+          <a:chExt cx="0" cy="0"/>
+        </a:xfrm>
+      </p:grpSpPr>
+      <p:sp>
+        <p:nvSpPr>
+          <p:cNvPr id="335" name="CustomShape 1"/>
+          <p:cNvSpPr/>
+          <p:nvPr/>
+        </p:nvSpPr>
+        <p:spPr>
+          <a:xfrm>
+            <a:off x="248400" y="0"/>
+            <a:ext cx="11697120" cy="699120"/>
+          </a:xfrm>
+          <a:prstGeom prst="rect">
+            <a:avLst/>
+          </a:prstGeom>
+          <a:solidFill>
+            <a:schemeClr val="accent6">
+              <a:lumMod val="75000"/>
+            </a:schemeClr>
+          </a:solidFill>
+          <a:ln>
+            <a:noFill/>
+          </a:ln>
+        </p:spPr>
+        <p:style>
+          <a:lnRef idx="0"/>
+          <a:fillRef idx="0"/>
+          <a:effectRef idx="0"/>
+          <a:fontRef idx="minor"/>
+        </p:style>
+        <p:txBody>
+          <a:bodyPr lIns="90000" rIns="90000" tIns="45000" bIns="45000">
+            <a:spAutoFit/>
+          </a:bodyPr>
+          <a:p>
+            <a:pPr algn="ctr">
+              <a:lnSpc>
+                <a:spcPct val="100000"/>
+              </a:lnSpc>
+            </a:pPr>
+            <a:r>
+              <a:rPr b="0" lang="en-IN" sz="4000" spc="-1" strike="noStrike">
+                <a:solidFill>
+                  <a:srgbClr val="f7c120"/>
+                </a:solidFill>
+                <a:latin typeface="Open Sans"/>
+                <a:ea typeface="DejaVu Sans"/>
+              </a:rPr>
+              <a:t>sunionstore, sinterstore &amp; sdiffstore</a:t>
+            </a:r>
+            <a:endParaRPr b="0" lang="en-IN" sz="4000" spc="-1" strike="noStrike">
+              <a:latin typeface="Arial"/>
+            </a:endParaRPr>
+          </a:p>
+        </p:txBody>
+      </p:sp>
+      <p:sp>
+        <p:nvSpPr>
+          <p:cNvPr id="336" name="CustomShape 2"/>
+          <p:cNvSpPr/>
+          <p:nvPr/>
+        </p:nvSpPr>
+        <p:spPr>
+          <a:xfrm>
+            <a:off x="248400" y="762120"/>
+            <a:ext cx="11697120" cy="1979640"/>
+          </a:xfrm>
+          <a:prstGeom prst="rect">
+            <a:avLst/>
+          </a:prstGeom>
+          <a:noFill/>
+          <a:ln>
+            <a:noFill/>
+          </a:ln>
+        </p:spPr>
+        <p:style>
+          <a:lnRef idx="0"/>
+          <a:fillRef idx="0"/>
+          <a:effectRef idx="0"/>
+          <a:fontRef idx="minor"/>
+        </p:style>
+        <p:txBody>
+          <a:bodyPr lIns="90000" rIns="90000" tIns="45000" bIns="45000">
+            <a:spAutoFit/>
+          </a:bodyPr>
+          <a:p>
+            <a:pPr algn="just">
+              <a:lnSpc>
+                <a:spcPct val="100000"/>
+              </a:lnSpc>
+            </a:pPr>
+            <a:r>
+              <a:rPr b="1" lang="en-US" sz="1800" spc="-1" strike="noStrike">
+                <a:solidFill>
+                  <a:srgbClr val="7c4dff"/>
+                </a:solidFill>
+                <a:latin typeface="Arial"/>
+                <a:ea typeface="DejaVu Sans"/>
+              </a:rPr>
+              <a:t>SUNIONSTORE</a:t>
+            </a:r>
+            <a:r>
+              <a:rPr b="0" lang="en-US" sz="1800" spc="-1" strike="noStrike">
+                <a:solidFill>
+                  <a:srgbClr val="000000"/>
+                </a:solidFill>
+                <a:latin typeface="Arial"/>
+                <a:ea typeface="DejaVu Sans"/>
+              </a:rPr>
+              <a:t> command is equal to SUNION, but instead of returning the resulting set, it is stored in destination. If destination already exists, it is overwritten.</a:t>
+            </a:r>
+            <a:endParaRPr b="0" lang="en-IN" sz="1800" spc="-1" strike="noStrike">
+              <a:latin typeface="Arial"/>
+            </a:endParaRPr>
+          </a:p>
+          <a:p>
+            <a:pPr algn="just">
+              <a:lnSpc>
+                <a:spcPct val="100000"/>
+              </a:lnSpc>
+            </a:pPr>
+            <a:endParaRPr b="0" lang="en-IN" sz="1800" spc="-1" strike="noStrike">
+              <a:latin typeface="Arial"/>
+            </a:endParaRPr>
+          </a:p>
+          <a:p>
+            <a:pPr algn="just">
+              <a:lnSpc>
+                <a:spcPct val="100000"/>
+              </a:lnSpc>
+            </a:pPr>
+            <a:r>
+              <a:rPr b="1" lang="en-US" sz="1800" spc="-1" strike="noStrike">
+                <a:solidFill>
+                  <a:srgbClr val="7c4dff"/>
+                </a:solidFill>
+                <a:latin typeface="Arial"/>
+                <a:ea typeface="DejaVu Sans"/>
+              </a:rPr>
+              <a:t>SINTERSTORE</a:t>
+            </a:r>
+            <a:r>
+              <a:rPr b="0" lang="en-US" sz="1800" spc="-1" strike="noStrike">
+                <a:solidFill>
+                  <a:srgbClr val="000000"/>
+                </a:solidFill>
+                <a:latin typeface="Arial"/>
+                <a:ea typeface="DejaVu Sans"/>
+              </a:rPr>
+              <a:t> command is equal to SINTER, but instead of returning the resulting set, it is stored in destination. If destination already exists, it is overwritten.</a:t>
+            </a:r>
+            <a:endParaRPr b="0" lang="en-IN" sz="1800" spc="-1" strike="noStrike">
+              <a:latin typeface="Arial"/>
+            </a:endParaRPr>
+          </a:p>
+          <a:p>
+            <a:pPr algn="just">
+              <a:lnSpc>
+                <a:spcPct val="100000"/>
+              </a:lnSpc>
+            </a:pPr>
+            <a:endParaRPr b="0" lang="en-IN" sz="1800" spc="-1" strike="noStrike">
+              <a:latin typeface="Arial"/>
+            </a:endParaRPr>
+          </a:p>
+          <a:p>
+            <a:pPr algn="just">
+              <a:lnSpc>
+                <a:spcPct val="100000"/>
+              </a:lnSpc>
+            </a:pPr>
+            <a:r>
+              <a:rPr b="1" lang="en-US" sz="1800" spc="-1" strike="noStrike">
+                <a:solidFill>
+                  <a:srgbClr val="7c4dff"/>
+                </a:solidFill>
+                <a:latin typeface="Arial"/>
+                <a:ea typeface="DejaVu Sans"/>
+              </a:rPr>
+              <a:t>SDIFFSTORE</a:t>
+            </a:r>
+            <a:r>
+              <a:rPr b="0" lang="en-US" sz="1800" spc="-1" strike="noStrike">
+                <a:solidFill>
+                  <a:srgbClr val="000000"/>
+                </a:solidFill>
+                <a:latin typeface="Arial"/>
+                <a:ea typeface="DejaVu Sans"/>
+              </a:rPr>
+              <a:t> command is equal to SDIFF, but instead of returning the resulting set, it is stored in destination. If destination already exists, it is overwritten.</a:t>
+            </a:r>
+            <a:endParaRPr b="0" lang="en-IN" sz="1800" spc="-1" strike="noStrike">
+              <a:latin typeface="Arial"/>
+            </a:endParaRPr>
+          </a:p>
+        </p:txBody>
+      </p:sp>
+      <p:sp>
+        <p:nvSpPr>
+          <p:cNvPr id="337" name="CustomShape 3"/>
+          <p:cNvSpPr/>
+          <p:nvPr/>
+        </p:nvSpPr>
+        <p:spPr>
+          <a:xfrm>
+            <a:off x="248400" y="3026880"/>
+            <a:ext cx="11697120" cy="1004760"/>
+          </a:xfrm>
+          <a:prstGeom prst="rect">
+            <a:avLst/>
+          </a:prstGeom>
+          <a:noFill/>
+          <a:ln>
+            <a:noFill/>
+          </a:ln>
+        </p:spPr>
+        <p:style>
+          <a:lnRef idx="0"/>
+          <a:fillRef idx="0"/>
+          <a:effectRef idx="0"/>
+          <a:fontRef idx="minor"/>
+        </p:style>
+        <p:txBody>
+          <a:bodyPr lIns="90000" rIns="90000" tIns="45000" bIns="45000">
+            <a:spAutoFit/>
+          </a:bodyPr>
+          <a:p>
+            <a:pPr>
+              <a:lnSpc>
+                <a:spcPct val="100000"/>
+              </a:lnSpc>
+            </a:pPr>
+            <a:r>
+              <a:rPr b="0" lang="en-US" sz="2000" spc="-1" strike="noStrike">
+                <a:solidFill>
+                  <a:srgbClr val="00b0f0"/>
+                </a:solidFill>
+                <a:latin typeface="Consolas"/>
+                <a:ea typeface="DejaVu Sans"/>
+              </a:rPr>
+              <a:t>SUNIONSTORE destination key [key ...]</a:t>
+            </a:r>
+            <a:endParaRPr b="0" lang="en-IN" sz="2000" spc="-1" strike="noStrike">
+              <a:latin typeface="Arial"/>
+            </a:endParaRPr>
+          </a:p>
+          <a:p>
+            <a:pPr>
+              <a:lnSpc>
+                <a:spcPct val="100000"/>
+              </a:lnSpc>
+            </a:pPr>
+            <a:r>
+              <a:rPr b="0" lang="en-US" sz="2000" spc="-1" strike="noStrike">
+                <a:solidFill>
+                  <a:srgbClr val="00b0f0"/>
+                </a:solidFill>
+                <a:latin typeface="Consolas"/>
+                <a:ea typeface="DejaVu Sans"/>
+              </a:rPr>
+              <a:t>SINTERSTORE destination key [key ...]</a:t>
+            </a:r>
+            <a:endParaRPr b="0" lang="en-IN" sz="2000" spc="-1" strike="noStrike">
+              <a:latin typeface="Arial"/>
+            </a:endParaRPr>
+          </a:p>
+          <a:p>
+            <a:pPr>
+              <a:lnSpc>
+                <a:spcPct val="100000"/>
+              </a:lnSpc>
+            </a:pPr>
+            <a:r>
+              <a:rPr b="0" lang="en-US" sz="2000" spc="-1" strike="noStrike">
+                <a:solidFill>
+                  <a:srgbClr val="00b0f0"/>
+                </a:solidFill>
+                <a:latin typeface="Consolas"/>
+                <a:ea typeface="DejaVu Sans"/>
+              </a:rPr>
+              <a:t>SDIFFSTORE destination key [key ...]</a:t>
+            </a:r>
+            <a:endParaRPr b="0" lang="en-IN" sz="2000" spc="-1" strike="noStrike">
+              <a:latin typeface="Arial"/>
+            </a:endParaRPr>
+          </a:p>
+        </p:txBody>
+      </p:sp>
+      <p:sp>
+        <p:nvSpPr>
+          <p:cNvPr id="338" name="CustomShape 4"/>
+          <p:cNvSpPr/>
+          <p:nvPr/>
+        </p:nvSpPr>
+        <p:spPr>
+          <a:xfrm>
+            <a:off x="288000" y="4039920"/>
+            <a:ext cx="8874360" cy="1324080"/>
+          </a:xfrm>
+          <a:prstGeom prst="rect">
+            <a:avLst/>
+          </a:prstGeom>
+          <a:noFill/>
+          <a:ln>
+            <a:noFill/>
+          </a:ln>
+        </p:spPr>
+        <p:style>
+          <a:lnRef idx="0"/>
+          <a:fillRef idx="0"/>
+          <a:effectRef idx="0"/>
+          <a:fontRef idx="minor"/>
+        </p:style>
+        <p:txBody>
+          <a:bodyPr lIns="90000" rIns="90000" tIns="45000" bIns="45000">
+            <a:spAutoFit/>
+          </a:bodyPr>
+          <a:p>
+            <a:pPr marL="285840" indent="-270360">
+              <a:lnSpc>
+                <a:spcPct val="150000"/>
+              </a:lnSpc>
+              <a:buClr>
+                <a:srgbClr val="808080"/>
+              </a:buClr>
+              <a:buFont typeface="Arial"/>
+              <a:buChar char="•"/>
+            </a:pPr>
+            <a:r>
+              <a:rPr b="0" lang="en-IN" sz="1800" spc="-1" strike="noStrike">
+                <a:solidFill>
+                  <a:srgbClr val="808080"/>
+                </a:solidFill>
+                <a:latin typeface="Consolas"/>
+                <a:ea typeface="SimSun"/>
+              </a:rPr>
+              <a:t>127.0.0.1:6379&gt;</a:t>
+            </a:r>
+            <a:r>
+              <a:rPr b="0" lang="en-IN" sz="1800" spc="-1" strike="noStrike">
+                <a:solidFill>
+                  <a:srgbClr val="000000"/>
+                </a:solidFill>
+                <a:latin typeface="Consolas"/>
+                <a:ea typeface="SimSun"/>
+              </a:rPr>
+              <a:t> </a:t>
+            </a:r>
+            <a:r>
+              <a:rPr b="0" lang="en-IN" sz="1800" spc="-1" strike="noStrike">
+                <a:solidFill>
+                  <a:srgbClr val="ff5733"/>
+                </a:solidFill>
+                <a:latin typeface="Consolas"/>
+                <a:ea typeface="SimSun"/>
+              </a:rPr>
+              <a:t>sunion point:1 point:2</a:t>
+            </a:r>
+            <a:endParaRPr b="0" lang="en-IN" sz="1800" spc="-1" strike="noStrike">
+              <a:latin typeface="Arial"/>
+            </a:endParaRPr>
+          </a:p>
+          <a:p>
+            <a:pPr marL="285840" indent="-270360">
+              <a:lnSpc>
+                <a:spcPct val="150000"/>
+              </a:lnSpc>
+              <a:buClr>
+                <a:srgbClr val="808080"/>
+              </a:buClr>
+              <a:buFont typeface="Arial"/>
+              <a:buChar char="•"/>
+            </a:pPr>
+            <a:r>
+              <a:rPr b="0" lang="en-IN" sz="1800" spc="-1" strike="noStrike">
+                <a:solidFill>
+                  <a:srgbClr val="808080"/>
+                </a:solidFill>
+                <a:latin typeface="Consolas"/>
+                <a:ea typeface="SimSun"/>
+              </a:rPr>
+              <a:t>127.0.0.1:6379&gt;</a:t>
+            </a:r>
+            <a:r>
+              <a:rPr b="0" lang="en-IN" sz="1800" spc="-1" strike="noStrike">
+                <a:solidFill>
+                  <a:srgbClr val="000000"/>
+                </a:solidFill>
+                <a:latin typeface="Consolas"/>
+                <a:ea typeface="SimSun"/>
+              </a:rPr>
+              <a:t> </a:t>
+            </a:r>
+            <a:r>
+              <a:rPr b="0" lang="en-IN" sz="1800" spc="-1" strike="noStrike">
+                <a:solidFill>
+                  <a:srgbClr val="ff5733"/>
+                </a:solidFill>
+                <a:latin typeface="Consolas"/>
+                <a:ea typeface="SimSun"/>
+              </a:rPr>
+              <a:t>sinter point:1 point:2</a:t>
+            </a:r>
+            <a:endParaRPr b="0" lang="en-IN" sz="1800" spc="-1" strike="noStrike">
+              <a:latin typeface="Arial"/>
+            </a:endParaRPr>
+          </a:p>
+          <a:p>
+            <a:pPr marL="285840" indent="-270360">
+              <a:lnSpc>
+                <a:spcPct val="150000"/>
+              </a:lnSpc>
+              <a:buClr>
+                <a:srgbClr val="808080"/>
+              </a:buClr>
+              <a:buFont typeface="Arial"/>
+              <a:buChar char="•"/>
+            </a:pPr>
+            <a:r>
+              <a:rPr b="0" lang="en-IN" sz="1800" spc="-1" strike="noStrike">
+                <a:solidFill>
+                  <a:srgbClr val="808080"/>
+                </a:solidFill>
+                <a:latin typeface="Consolas"/>
+                <a:ea typeface="SimSun"/>
+              </a:rPr>
+              <a:t>127.0.0.1:6379&gt;</a:t>
+            </a:r>
+            <a:r>
+              <a:rPr b="0" lang="en-IN" sz="1800" spc="-1" strike="noStrike">
+                <a:solidFill>
+                  <a:srgbClr val="000000"/>
+                </a:solidFill>
+                <a:latin typeface="Consolas"/>
+                <a:ea typeface="SimSun"/>
+              </a:rPr>
+              <a:t> </a:t>
+            </a:r>
+            <a:r>
+              <a:rPr b="0" lang="en-IN" sz="1800" spc="-1" strike="noStrike">
+                <a:solidFill>
+                  <a:srgbClr val="ff5733"/>
+                </a:solidFill>
+                <a:latin typeface="Consolas"/>
+                <a:ea typeface="SimSun"/>
+              </a:rPr>
+              <a:t>sdiff point:1 point:2</a:t>
+            </a:r>
+            <a:endParaRPr b="0" lang="en-IN" sz="1800" spc="-1" strike="noStrike">
+              <a:latin typeface="Arial"/>
+            </a:endParaRPr>
+          </a:p>
+        </p:txBody>
+      </p:sp>
+      <p:sp>
+        <p:nvSpPr>
+          <p:cNvPr id="339" name="Line 5"/>
+          <p:cNvSpPr/>
+          <p:nvPr/>
+        </p:nvSpPr>
+        <p:spPr>
+          <a:xfrm>
+            <a:off x="0" y="2850840"/>
+            <a:ext cx="12191760" cy="0"/>
+          </a:xfrm>
+          <a:prstGeom prst="line">
+            <a:avLst/>
+          </a:prstGeom>
+          <a:ln w="12600">
+            <a:solidFill>
+              <a:srgbClr val="6e78a0"/>
+            </a:solidFill>
+            <a:prstDash val="dash"/>
+            <a:round/>
+          </a:ln>
+        </p:spPr>
+        <p:style>
+          <a:lnRef idx="1">
+            <a:schemeClr val="accent1"/>
+          </a:lnRef>
+          <a:fillRef idx="0">
+            <a:schemeClr val="accent1"/>
+          </a:fillRef>
+          <a:effectRef idx="0">
+            <a:schemeClr val="accent1"/>
+          </a:effectRef>
+          <a:fontRef idx="minor"/>
+        </p:style>
+      </p:sp>
+      <p:sp>
+        <p:nvSpPr>
+          <p:cNvPr id="340" name="CustomShape 6"/>
+          <p:cNvSpPr/>
+          <p:nvPr/>
+        </p:nvSpPr>
+        <p:spPr>
+          <a:xfrm>
+            <a:off x="8856000" y="2882880"/>
+            <a:ext cx="3237840" cy="1074960"/>
+          </a:xfrm>
+          <a:prstGeom prst="rect">
+            <a:avLst/>
+          </a:prstGeom>
+          <a:noFill/>
+          <a:ln>
+            <a:noFill/>
+          </a:ln>
+        </p:spPr>
+        <p:style>
+          <a:lnRef idx="0"/>
+          <a:fillRef idx="0"/>
+          <a:effectRef idx="0"/>
+          <a:fontRef idx="minor"/>
+        </p:style>
+        <p:txBody>
+          <a:bodyPr lIns="90000" rIns="90000" tIns="45000" bIns="45000">
+            <a:noAutofit/>
+          </a:bodyPr>
+          <a:p>
+            <a:pPr>
+              <a:lnSpc>
+                <a:spcPct val="100000"/>
+              </a:lnSpc>
+            </a:pPr>
+            <a:r>
+              <a:rPr b="0" lang="en-IN" sz="2200" spc="-1" strike="noStrike">
+                <a:solidFill>
+                  <a:srgbClr val="ffc400"/>
+                </a:solidFill>
+                <a:latin typeface="Courier New"/>
+                <a:ea typeface="DejaVu Sans"/>
+              </a:rPr>
+              <a:t>key1 = {a,b,c,d}</a:t>
+            </a:r>
+            <a:endParaRPr b="0" lang="en-IN" sz="2200" spc="-1" strike="noStrike">
+              <a:latin typeface="Arial"/>
+            </a:endParaRPr>
+          </a:p>
+          <a:p>
+            <a:pPr>
+              <a:lnSpc>
+                <a:spcPct val="100000"/>
+              </a:lnSpc>
+            </a:pPr>
+            <a:r>
+              <a:rPr b="0" lang="en-IN" sz="2200" spc="-1" strike="noStrike">
+                <a:solidFill>
+                  <a:srgbClr val="ffc400"/>
+                </a:solidFill>
+                <a:latin typeface="Courier New"/>
+                <a:ea typeface="DejaVu Sans"/>
+              </a:rPr>
+              <a:t>key2 = {c}</a:t>
+            </a:r>
+            <a:endParaRPr b="0" lang="en-IN" sz="2200" spc="-1" strike="noStrike">
+              <a:latin typeface="Arial"/>
+            </a:endParaRPr>
+          </a:p>
+          <a:p>
+            <a:pPr>
+              <a:lnSpc>
+                <a:spcPct val="100000"/>
+              </a:lnSpc>
+            </a:pPr>
+            <a:r>
+              <a:rPr b="0" lang="en-IN" sz="2200" spc="-1" strike="noStrike">
+                <a:solidFill>
+                  <a:srgbClr val="ffc400"/>
+                </a:solidFill>
+                <a:latin typeface="Courier New"/>
+                <a:ea typeface="DejaVu Sans"/>
+              </a:rPr>
+              <a:t>key3 = {a,c,e}</a:t>
+            </a:r>
+            <a:endParaRPr b="0" lang="en-IN" sz="2200" spc="-1" strike="noStrike">
+              <a:latin typeface="Arial"/>
+            </a:endParaRPr>
+          </a:p>
+        </p:txBody>
+      </p:sp>
+    </p:spTree>
+  </p:cSld>
+  <mc:AlternateContent>
+    <mc:Choice Requires="p14">
+      <p:transition spd="slow" p14:dur="2000"/>
+    </mc:Choice>
+    <mc:Fallback>
+      <p:transition spd="slow"/>
+    </mc:Fallback>
+  </mc:AlternateContent>
+</p:sld>
+</file>
+
+<file path=ppt/slides/slide64.xml><?xml version="1.0" encoding="utf-8"?>
+<p:sld xmlns:a="http://schemas.openxmlformats.org/drawingml/2006/main" xmlns:p="http://schemas.openxmlformats.org/presentationml/2006/main" xmlns:r="http://schemas.openxmlformats.org/officeDocument/2006/relationships" xmlns:p14="http://schemas.microsoft.com/office/powerpoint/2010/main" xmlns:p15="http://schemas.microsoft.com/office/powerpoint/2012/main" xmlns:mc="http://schemas.openxmlformats.org/markup-compatibility/2006">
+  <p:cSld>
+    <p:spTree>
+      <p:nvGrpSpPr>
+        <p:cNvPr id="1" name=""/>
+        <p:cNvGrpSpPr/>
+        <p:nvPr/>
+      </p:nvGrpSpPr>
+      <p:grpSpPr>
+        <a:xfrm>
+          <a:off x="0" y="0"/>
+          <a:ext cx="0" cy="0"/>
+          <a:chOff x="0" y="0"/>
+          <a:chExt cx="0" cy="0"/>
+        </a:xfrm>
+      </p:grpSpPr>
+      <p:sp>
+        <p:nvSpPr>
+          <p:cNvPr id="341" name="CustomShape 1"/>
+          <p:cNvSpPr/>
+          <p:nvPr/>
+        </p:nvSpPr>
+        <p:spPr>
+          <a:xfrm>
+            <a:off x="1676520" y="2362320"/>
+            <a:ext cx="8823600" cy="1735560"/>
+          </a:xfrm>
+          <a:prstGeom prst="rect">
+            <a:avLst/>
+          </a:prstGeom>
+          <a:noFill/>
+          <a:ln>
+            <a:noFill/>
+          </a:ln>
+        </p:spPr>
+        <p:style>
+          <a:lnRef idx="0"/>
+          <a:fillRef idx="0"/>
+          <a:effectRef idx="0"/>
+          <a:fontRef idx="minor"/>
+        </p:style>
+        <p:txBody>
+          <a:bodyPr lIns="90000" rIns="90000" tIns="45000" bIns="45000">
+            <a:spAutoFit/>
+          </a:bodyPr>
+          <a:p>
+            <a:pPr algn="ctr">
+              <a:lnSpc>
+                <a:spcPct val="100000"/>
+              </a:lnSpc>
+            </a:pPr>
+            <a:r>
+              <a:rPr b="0" i="1" lang="en-IN" sz="5400" spc="-1" strike="noStrike">
+                <a:solidFill>
+                  <a:srgbClr val="f7c120"/>
+                </a:solidFill>
+                <a:latin typeface="Century"/>
+                <a:ea typeface="DejaVu Sans"/>
+              </a:rPr>
+              <a:t>smove, srem &amp; srandmember</a:t>
+            </a:r>
+            <a:endParaRPr b="0" lang="en-IN" sz="5400" spc="-1" strike="noStrike">
+              <a:latin typeface="Arial"/>
+            </a:endParaRPr>
+          </a:p>
+        </p:txBody>
+      </p:sp>
+      <p:sp>
+        <p:nvSpPr>
+          <p:cNvPr id="342" name="CustomShape 2"/>
+          <p:cNvSpPr/>
+          <p:nvPr/>
+        </p:nvSpPr>
+        <p:spPr>
+          <a:xfrm>
+            <a:off x="522360" y="3531600"/>
+            <a:ext cx="11060640" cy="363960"/>
+          </a:xfrm>
+          <a:prstGeom prst="rect">
+            <a:avLst/>
+          </a:prstGeom>
+          <a:noFill/>
+          <a:ln>
+            <a:noFill/>
+          </a:ln>
+        </p:spPr>
+        <p:style>
+          <a:lnRef idx="0"/>
+          <a:fillRef idx="0"/>
+          <a:effectRef idx="0"/>
+          <a:fontRef idx="minor"/>
+        </p:style>
+        <p:txBody>
+          <a:bodyPr lIns="90000" rIns="90000" tIns="45000" bIns="45000">
+            <a:spAutoFit/>
+          </a:bodyPr>
+          <a:p>
+            <a:pPr algn="just">
+              <a:lnSpc>
+                <a:spcPct val="100000"/>
+              </a:lnSpc>
+            </a:pPr>
+            <a:r>
+              <a:rPr b="0" lang="en-IN" sz="1800" spc="-1" strike="noStrike">
+                <a:solidFill>
+                  <a:srgbClr val="bb0643"/>
+                </a:solidFill>
+                <a:latin typeface="Segoe UI"/>
+                <a:ea typeface="DejaVu Sans"/>
+              </a:rPr>
+              <a:t>TODO</a:t>
+            </a:r>
+            <a:endParaRPr b="0" lang="en-IN" sz="1800" spc="-1" strike="noStrike">
+              <a:latin typeface="Arial"/>
+            </a:endParaRPr>
+          </a:p>
+        </p:txBody>
+      </p:sp>
       <p:graphicFrame>
         <p:nvGraphicFramePr>
-          <p:cNvPr id="335" name="Table 3"/>
+          <p:cNvPr id="343" name="Table 3"/>
           <p:cNvGraphicFramePr/>
           <p:nvPr/>
         </p:nvGraphicFramePr>
@@ -29411,7 +30161,7 @@
                       <a:noAutofit/>
                     </a:bodyPr>
                     <a:p>
-                      <a:pPr marL="216000" indent="-214920" algn="ctr">
+                      <a:pPr marL="216000" indent="-214200" algn="ctr">
                         <a:lnSpc>
                           <a:spcPct val="100000"/>
                         </a:lnSpc>
@@ -29698,832 +30448,6 @@
 </p:sld>
 </file>
 
-<file path=ppt/slides/slide63.xml><?xml version="1.0" encoding="utf-8"?>
-<p:sld xmlns:a="http://schemas.openxmlformats.org/drawingml/2006/main" xmlns:p="http://schemas.openxmlformats.org/presentationml/2006/main" xmlns:r="http://schemas.openxmlformats.org/officeDocument/2006/relationships" xmlns:p14="http://schemas.microsoft.com/office/powerpoint/2010/main" xmlns:p15="http://schemas.microsoft.com/office/powerpoint/2012/main" xmlns:mc="http://schemas.openxmlformats.org/markup-compatibility/2006">
-  <p:cSld>
-    <p:spTree>
-      <p:nvGrpSpPr>
-        <p:cNvPr id="1" name=""/>
-        <p:cNvGrpSpPr/>
-        <p:nvPr/>
-      </p:nvGrpSpPr>
-      <p:grpSpPr>
-        <a:xfrm>
-          <a:off x="0" y="0"/>
-          <a:ext cx="0" cy="0"/>
-          <a:chOff x="0" y="0"/>
-          <a:chExt cx="0" cy="0"/>
-        </a:xfrm>
-      </p:grpSpPr>
-      <p:sp>
-        <p:nvSpPr>
-          <p:cNvPr id="336" name="CustomShape 1"/>
-          <p:cNvSpPr/>
-          <p:nvPr/>
-        </p:nvSpPr>
-        <p:spPr>
-          <a:xfrm>
-            <a:off x="248400" y="0"/>
-            <a:ext cx="11697840" cy="699480"/>
-          </a:xfrm>
-          <a:prstGeom prst="rect">
-            <a:avLst/>
-          </a:prstGeom>
-          <a:solidFill>
-            <a:schemeClr val="accent6">
-              <a:lumMod val="75000"/>
-            </a:schemeClr>
-          </a:solidFill>
-          <a:ln>
-            <a:noFill/>
-          </a:ln>
-        </p:spPr>
-        <p:style>
-          <a:lnRef idx="0"/>
-          <a:fillRef idx="0"/>
-          <a:effectRef idx="0"/>
-          <a:fontRef idx="minor"/>
-        </p:style>
-        <p:txBody>
-          <a:bodyPr lIns="90000" rIns="90000" tIns="45000" bIns="45000">
-            <a:spAutoFit/>
-          </a:bodyPr>
-          <a:p>
-            <a:pPr algn="ctr">
-              <a:lnSpc>
-                <a:spcPct val="100000"/>
-              </a:lnSpc>
-            </a:pPr>
-            <a:r>
-              <a:rPr b="0" lang="en-IN" sz="4000" spc="-1" strike="noStrike">
-                <a:solidFill>
-                  <a:srgbClr val="f7c120"/>
-                </a:solidFill>
-                <a:latin typeface="Open Sans"/>
-                <a:ea typeface="DejaVu Sans"/>
-              </a:rPr>
-              <a:t>smove, srem &amp; srandmember</a:t>
-            </a:r>
-            <a:endParaRPr b="0" lang="en-IN" sz="4000" spc="-1" strike="noStrike">
-              <a:latin typeface="Arial"/>
-            </a:endParaRPr>
-          </a:p>
-        </p:txBody>
-      </p:sp>
-      <p:sp>
-        <p:nvSpPr>
-          <p:cNvPr id="337" name="CustomShape 2"/>
-          <p:cNvSpPr/>
-          <p:nvPr/>
-        </p:nvSpPr>
-        <p:spPr>
-          <a:xfrm>
-            <a:off x="248400" y="762120"/>
-            <a:ext cx="11697840" cy="2558520"/>
-          </a:xfrm>
-          <a:prstGeom prst="rect">
-            <a:avLst/>
-          </a:prstGeom>
-          <a:noFill/>
-          <a:ln>
-            <a:noFill/>
-          </a:ln>
-        </p:spPr>
-        <p:style>
-          <a:lnRef idx="0"/>
-          <a:fillRef idx="0"/>
-          <a:effectRef idx="0"/>
-          <a:fontRef idx="minor"/>
-        </p:style>
-        <p:txBody>
-          <a:bodyPr lIns="90000" rIns="90000" tIns="45000" bIns="45000">
-            <a:spAutoFit/>
-          </a:bodyPr>
-          <a:p>
-            <a:pPr algn="just">
-              <a:lnSpc>
-                <a:spcPct val="100000"/>
-              </a:lnSpc>
-            </a:pPr>
-            <a:r>
-              <a:rPr b="1" lang="en-US" sz="1800" spc="-1" strike="noStrike">
-                <a:solidFill>
-                  <a:srgbClr val="7c4dff"/>
-                </a:solidFill>
-                <a:latin typeface="Arial"/>
-                <a:ea typeface="DejaVu Sans"/>
-              </a:rPr>
-              <a:t>SMOVE</a:t>
-            </a:r>
-            <a:r>
-              <a:rPr b="0" lang="en-US" sz="1800" spc="-1" strike="noStrike">
-                <a:solidFill>
-                  <a:srgbClr val="000000"/>
-                </a:solidFill>
-                <a:latin typeface="Arial"/>
-                <a:ea typeface="DejaVu Sans"/>
-              </a:rPr>
-              <a:t> moves member from the set at source to the set at destination.</a:t>
-            </a:r>
-            <a:endParaRPr b="0" lang="en-IN" sz="1800" spc="-1" strike="noStrike">
-              <a:latin typeface="Arial"/>
-            </a:endParaRPr>
-          </a:p>
-          <a:p>
-            <a:pPr algn="just">
-              <a:lnSpc>
-                <a:spcPct val="100000"/>
-              </a:lnSpc>
-            </a:pPr>
-            <a:r>
-              <a:rPr b="0" lang="en-US" sz="1800" spc="-1" strike="noStrike">
-                <a:solidFill>
-                  <a:srgbClr val="000000"/>
-                </a:solidFill>
-                <a:latin typeface="Arial"/>
-                <a:ea typeface="DejaVu Sans"/>
-              </a:rPr>
-              <a:t>returns </a:t>
-            </a:r>
-            <a:r>
-              <a:rPr b="1" lang="en-US" sz="1800" spc="-1" strike="noStrike">
-                <a:solidFill>
-                  <a:srgbClr val="000000"/>
-                </a:solidFill>
-                <a:latin typeface="Arial"/>
-                <a:ea typeface="DejaVu Sans"/>
-              </a:rPr>
-              <a:t>1</a:t>
-            </a:r>
-            <a:r>
-              <a:rPr b="0" lang="en-US" sz="1800" spc="-1" strike="noStrike">
-                <a:solidFill>
-                  <a:srgbClr val="000000"/>
-                </a:solidFill>
-                <a:latin typeface="Arial"/>
-                <a:ea typeface="DejaVu Sans"/>
-              </a:rPr>
-              <a:t> if the element is moved.</a:t>
-            </a:r>
-            <a:endParaRPr b="0" lang="en-IN" sz="1800" spc="-1" strike="noStrike">
-              <a:latin typeface="Arial"/>
-            </a:endParaRPr>
-          </a:p>
-          <a:p>
-            <a:pPr algn="just">
-              <a:lnSpc>
-                <a:spcPct val="100000"/>
-              </a:lnSpc>
-            </a:pPr>
-            <a:r>
-              <a:rPr b="0" lang="en-US" sz="1800" spc="-1" strike="noStrike">
-                <a:solidFill>
-                  <a:srgbClr val="000000"/>
-                </a:solidFill>
-                <a:latin typeface="Arial"/>
-                <a:ea typeface="DejaVu Sans"/>
-              </a:rPr>
-              <a:t>returns </a:t>
-            </a:r>
-            <a:r>
-              <a:rPr b="1" lang="en-US" sz="1800" spc="-1" strike="noStrike">
-                <a:solidFill>
-                  <a:srgbClr val="000000"/>
-                </a:solidFill>
-                <a:latin typeface="Arial"/>
-                <a:ea typeface="DejaVu Sans"/>
-              </a:rPr>
-              <a:t>0</a:t>
-            </a:r>
-            <a:r>
-              <a:rPr b="0" lang="en-US" sz="1800" spc="-1" strike="noStrike">
-                <a:solidFill>
-                  <a:srgbClr val="000000"/>
-                </a:solidFill>
-                <a:latin typeface="Arial"/>
-                <a:ea typeface="DejaVu Sans"/>
-              </a:rPr>
-              <a:t> if the element is not a member of source and no operation was performed.</a:t>
-            </a:r>
-            <a:endParaRPr b="0" lang="en-IN" sz="1800" spc="-1" strike="noStrike">
-              <a:latin typeface="Arial"/>
-            </a:endParaRPr>
-          </a:p>
-          <a:p>
-            <a:pPr algn="just">
-              <a:lnSpc>
-                <a:spcPct val="100000"/>
-              </a:lnSpc>
-            </a:pPr>
-            <a:endParaRPr b="0" lang="en-IN" sz="1800" spc="-1" strike="noStrike">
-              <a:latin typeface="Arial"/>
-            </a:endParaRPr>
-          </a:p>
-          <a:p>
-            <a:pPr algn="just">
-              <a:lnSpc>
-                <a:spcPct val="100000"/>
-              </a:lnSpc>
-            </a:pPr>
-            <a:r>
-              <a:rPr b="1" lang="en-US" sz="1800" spc="-1" strike="noStrike">
-                <a:solidFill>
-                  <a:srgbClr val="7c4dff"/>
-                </a:solidFill>
-                <a:latin typeface="Arial"/>
-                <a:ea typeface="DejaVu Sans"/>
-              </a:rPr>
-              <a:t>SREM</a:t>
-            </a:r>
-            <a:r>
-              <a:rPr b="0" lang="en-US" sz="1800" spc="-1" strike="noStrike">
-                <a:solidFill>
-                  <a:srgbClr val="000000"/>
-                </a:solidFill>
-                <a:latin typeface="Arial"/>
-                <a:ea typeface="DejaVu Sans"/>
-              </a:rPr>
-              <a:t> removes the specified members from the set stored at key. Specified members that are not a member of this set are ignored.</a:t>
-            </a:r>
-            <a:endParaRPr b="0" lang="en-IN" sz="1800" spc="-1" strike="noStrike">
-              <a:latin typeface="Arial"/>
-            </a:endParaRPr>
-          </a:p>
-          <a:p>
-            <a:pPr algn="just">
-              <a:lnSpc>
-                <a:spcPct val="100000"/>
-              </a:lnSpc>
-            </a:pPr>
-            <a:endParaRPr b="0" lang="en-IN" sz="1800" spc="-1" strike="noStrike">
-              <a:latin typeface="Arial"/>
-            </a:endParaRPr>
-          </a:p>
-          <a:p>
-            <a:pPr algn="just">
-              <a:lnSpc>
-                <a:spcPct val="100000"/>
-              </a:lnSpc>
-            </a:pPr>
-            <a:r>
-              <a:rPr b="1" lang="en-US" sz="1800" spc="-1" strike="noStrike">
-                <a:solidFill>
-                  <a:srgbClr val="7c4dff"/>
-                </a:solidFill>
-                <a:latin typeface="Arial"/>
-                <a:ea typeface="DejaVu Sans"/>
-              </a:rPr>
-              <a:t>SRANDMEMBER</a:t>
-            </a:r>
-            <a:r>
-              <a:rPr b="0" lang="en-US" sz="1800" spc="-1" strike="noStrike">
-                <a:solidFill>
-                  <a:srgbClr val="000000"/>
-                </a:solidFill>
-                <a:latin typeface="Arial"/>
-                <a:ea typeface="DejaVu Sans"/>
-              </a:rPr>
-              <a:t> returns a random element from the set value stored at key. If the provided count argument is positive, return an array of distinct elements.</a:t>
-            </a:r>
-            <a:endParaRPr b="0" lang="en-IN" sz="1800" spc="-1" strike="noStrike">
-              <a:latin typeface="Arial"/>
-            </a:endParaRPr>
-          </a:p>
-        </p:txBody>
-      </p:sp>
-      <p:sp>
-        <p:nvSpPr>
-          <p:cNvPr id="338" name="CustomShape 3"/>
-          <p:cNvSpPr/>
-          <p:nvPr/>
-        </p:nvSpPr>
-        <p:spPr>
-          <a:xfrm>
-            <a:off x="248400" y="3206880"/>
-            <a:ext cx="11697840" cy="1004760"/>
-          </a:xfrm>
-          <a:prstGeom prst="rect">
-            <a:avLst/>
-          </a:prstGeom>
-          <a:noFill/>
-          <a:ln>
-            <a:noFill/>
-          </a:ln>
-        </p:spPr>
-        <p:style>
-          <a:lnRef idx="0"/>
-          <a:fillRef idx="0"/>
-          <a:effectRef idx="0"/>
-          <a:fontRef idx="minor"/>
-        </p:style>
-        <p:txBody>
-          <a:bodyPr lIns="90000" rIns="90000" tIns="45000" bIns="45000">
-            <a:spAutoFit/>
-          </a:bodyPr>
-          <a:p>
-            <a:pPr>
-              <a:lnSpc>
-                <a:spcPct val="100000"/>
-              </a:lnSpc>
-            </a:pPr>
-            <a:r>
-              <a:rPr b="0" lang="en-US" sz="2000" spc="-1" strike="noStrike">
-                <a:solidFill>
-                  <a:srgbClr val="00b0f0"/>
-                </a:solidFill>
-                <a:latin typeface="Consolas"/>
-                <a:ea typeface="DejaVu Sans"/>
-              </a:rPr>
-              <a:t>SMOVE source destination member</a:t>
-            </a:r>
-            <a:endParaRPr b="0" lang="en-IN" sz="2000" spc="-1" strike="noStrike">
-              <a:latin typeface="Arial"/>
-            </a:endParaRPr>
-          </a:p>
-          <a:p>
-            <a:pPr>
-              <a:lnSpc>
-                <a:spcPct val="100000"/>
-              </a:lnSpc>
-            </a:pPr>
-            <a:r>
-              <a:rPr b="0" lang="en-US" sz="2000" spc="-1" strike="noStrike">
-                <a:solidFill>
-                  <a:srgbClr val="00b0f0"/>
-                </a:solidFill>
-                <a:latin typeface="Consolas"/>
-                <a:ea typeface="DejaVu Sans"/>
-              </a:rPr>
-              <a:t>SREM key member [member ...]</a:t>
-            </a:r>
-            <a:endParaRPr b="0" lang="en-IN" sz="2000" spc="-1" strike="noStrike">
-              <a:latin typeface="Arial"/>
-            </a:endParaRPr>
-          </a:p>
-          <a:p>
-            <a:pPr>
-              <a:lnSpc>
-                <a:spcPct val="100000"/>
-              </a:lnSpc>
-            </a:pPr>
-            <a:r>
-              <a:rPr b="0" lang="en-US" sz="2000" spc="-1" strike="noStrike">
-                <a:solidFill>
-                  <a:srgbClr val="00b0f0"/>
-                </a:solidFill>
-                <a:latin typeface="Consolas"/>
-                <a:ea typeface="DejaVu Sans"/>
-              </a:rPr>
-              <a:t>SRANDMEMBER key [count]</a:t>
-            </a:r>
-            <a:endParaRPr b="0" lang="en-IN" sz="2000" spc="-1" strike="noStrike">
-              <a:latin typeface="Arial"/>
-            </a:endParaRPr>
-          </a:p>
-        </p:txBody>
-      </p:sp>
-      <p:sp>
-        <p:nvSpPr>
-          <p:cNvPr id="339" name="CustomShape 4"/>
-          <p:cNvSpPr/>
-          <p:nvPr/>
-        </p:nvSpPr>
-        <p:spPr>
-          <a:xfrm>
-            <a:off x="340560" y="4608000"/>
-            <a:ext cx="8875080" cy="1735560"/>
-          </a:xfrm>
-          <a:prstGeom prst="rect">
-            <a:avLst/>
-          </a:prstGeom>
-          <a:noFill/>
-          <a:ln>
-            <a:noFill/>
-          </a:ln>
-        </p:spPr>
-        <p:style>
-          <a:lnRef idx="0"/>
-          <a:fillRef idx="0"/>
-          <a:effectRef idx="0"/>
-          <a:fontRef idx="minor"/>
-        </p:style>
-        <p:txBody>
-          <a:bodyPr lIns="90000" rIns="90000" tIns="45000" bIns="45000">
-            <a:spAutoFit/>
-          </a:bodyPr>
-          <a:p>
-            <a:pPr marL="285840" indent="-271080">
-              <a:lnSpc>
-                <a:spcPct val="150000"/>
-              </a:lnSpc>
-              <a:buClr>
-                <a:srgbClr val="808080"/>
-              </a:buClr>
-              <a:buFont typeface="Arial"/>
-              <a:buChar char="•"/>
-            </a:pPr>
-            <a:r>
-              <a:rPr b="0" lang="en-IN" sz="1800" spc="-1" strike="noStrike">
-                <a:solidFill>
-                  <a:srgbClr val="808080"/>
-                </a:solidFill>
-                <a:latin typeface="Consolas"/>
-                <a:ea typeface="SimSun"/>
-              </a:rPr>
-              <a:t>127.0.0.1:6379&gt;</a:t>
-            </a:r>
-            <a:r>
-              <a:rPr b="0" lang="en-IN" sz="1800" spc="-1" strike="noStrike">
-                <a:solidFill>
-                  <a:srgbClr val="000000"/>
-                </a:solidFill>
-                <a:latin typeface="Consolas"/>
-                <a:ea typeface="SimSun"/>
-              </a:rPr>
-              <a:t> </a:t>
-            </a:r>
-            <a:r>
-              <a:rPr b="0" lang="en-IN" sz="1800" spc="-1" strike="noStrike">
-                <a:solidFill>
-                  <a:srgbClr val="ff5733"/>
-                </a:solidFill>
-                <a:latin typeface="Consolas"/>
-                <a:ea typeface="SimSun"/>
-              </a:rPr>
-              <a:t>smove point:3 point:1 1</a:t>
-            </a:r>
-            <a:endParaRPr b="0" lang="en-IN" sz="1800" spc="-1" strike="noStrike">
-              <a:latin typeface="Arial"/>
-            </a:endParaRPr>
-          </a:p>
-          <a:p>
-            <a:pPr marL="285840" indent="-271080">
-              <a:lnSpc>
-                <a:spcPct val="150000"/>
-              </a:lnSpc>
-              <a:buClr>
-                <a:srgbClr val="808080"/>
-              </a:buClr>
-              <a:buFont typeface="Arial"/>
-              <a:buChar char="•"/>
-            </a:pPr>
-            <a:r>
-              <a:rPr b="0" lang="en-IN" sz="1800" spc="-1" strike="noStrike">
-                <a:solidFill>
-                  <a:srgbClr val="808080"/>
-                </a:solidFill>
-                <a:latin typeface="Consolas"/>
-                <a:ea typeface="SimSun"/>
-              </a:rPr>
-              <a:t>127.0.0.1:6379&gt;</a:t>
-            </a:r>
-            <a:r>
-              <a:rPr b="0" lang="en-IN" sz="1800" spc="-1" strike="noStrike">
-                <a:solidFill>
-                  <a:srgbClr val="000000"/>
-                </a:solidFill>
-                <a:latin typeface="Consolas"/>
-                <a:ea typeface="SimSun"/>
-              </a:rPr>
-              <a:t> </a:t>
-            </a:r>
-            <a:r>
-              <a:rPr b="0" lang="en-IN" sz="1800" spc="-1" strike="noStrike">
-                <a:solidFill>
-                  <a:srgbClr val="ff5733"/>
-                </a:solidFill>
-                <a:latin typeface="Consolas"/>
-                <a:ea typeface="SimSun"/>
-              </a:rPr>
-              <a:t>srem point:3 1 2 3 4 5</a:t>
-            </a:r>
-            <a:endParaRPr b="0" lang="en-IN" sz="1800" spc="-1" strike="noStrike">
-              <a:latin typeface="Arial"/>
-            </a:endParaRPr>
-          </a:p>
-          <a:p>
-            <a:pPr marL="285840" indent="-271080">
-              <a:lnSpc>
-                <a:spcPct val="150000"/>
-              </a:lnSpc>
-              <a:buClr>
-                <a:srgbClr val="808080"/>
-              </a:buClr>
-              <a:buFont typeface="Arial"/>
-              <a:buChar char="•"/>
-            </a:pPr>
-            <a:r>
-              <a:rPr b="0" lang="en-IN" sz="1800" spc="-1" strike="noStrike">
-                <a:solidFill>
-                  <a:srgbClr val="808080"/>
-                </a:solidFill>
-                <a:latin typeface="Consolas"/>
-                <a:ea typeface="SimSun"/>
-              </a:rPr>
-              <a:t>127.0.0.1:6379&gt;</a:t>
-            </a:r>
-            <a:r>
-              <a:rPr b="0" lang="en-IN" sz="1800" spc="-1" strike="noStrike">
-                <a:solidFill>
-                  <a:srgbClr val="000000"/>
-                </a:solidFill>
-                <a:latin typeface="Consolas"/>
-                <a:ea typeface="SimSun"/>
-              </a:rPr>
-              <a:t> </a:t>
-            </a:r>
-            <a:r>
-              <a:rPr b="0" lang="en-IN" sz="1800" spc="-1" strike="noStrike">
-                <a:solidFill>
-                  <a:srgbClr val="ff5733"/>
-                </a:solidFill>
-                <a:latin typeface="Consolas"/>
-                <a:ea typeface="SimSun"/>
-              </a:rPr>
-              <a:t>srandmember point:1</a:t>
-            </a:r>
-            <a:endParaRPr b="0" lang="en-IN" sz="1800" spc="-1" strike="noStrike">
-              <a:latin typeface="Arial"/>
-            </a:endParaRPr>
-          </a:p>
-          <a:p>
-            <a:pPr marL="285840" indent="-271080">
-              <a:lnSpc>
-                <a:spcPct val="150000"/>
-              </a:lnSpc>
-              <a:buClr>
-                <a:srgbClr val="808080"/>
-              </a:buClr>
-              <a:buFont typeface="Arial"/>
-              <a:buChar char="•"/>
-            </a:pPr>
-            <a:r>
-              <a:rPr b="0" lang="en-IN" sz="1800" spc="-1" strike="noStrike">
-                <a:solidFill>
-                  <a:srgbClr val="808080"/>
-                </a:solidFill>
-                <a:latin typeface="Consolas"/>
-                <a:ea typeface="SimSun"/>
-              </a:rPr>
-              <a:t>127.0.0.1:6379&gt;</a:t>
-            </a:r>
-            <a:r>
-              <a:rPr b="0" lang="en-IN" sz="1800" spc="-1" strike="noStrike">
-                <a:solidFill>
-                  <a:srgbClr val="000000"/>
-                </a:solidFill>
-                <a:latin typeface="Consolas"/>
-                <a:ea typeface="SimSun"/>
-              </a:rPr>
-              <a:t> </a:t>
-            </a:r>
-            <a:r>
-              <a:rPr b="0" lang="en-IN" sz="1800" spc="-1" strike="noStrike">
-                <a:solidFill>
-                  <a:srgbClr val="ff5733"/>
-                </a:solidFill>
-                <a:latin typeface="Consolas"/>
-                <a:ea typeface="SimSun"/>
-              </a:rPr>
-              <a:t>srandmember point:1 2</a:t>
-            </a:r>
-            <a:endParaRPr b="0" lang="en-IN" sz="1800" spc="-1" strike="noStrike">
-              <a:latin typeface="Arial"/>
-            </a:endParaRPr>
-          </a:p>
-        </p:txBody>
-      </p:sp>
-      <p:sp>
-        <p:nvSpPr>
-          <p:cNvPr id="340" name="Line 5"/>
-          <p:cNvSpPr/>
-          <p:nvPr/>
-        </p:nvSpPr>
-        <p:spPr>
-          <a:xfrm>
-            <a:off x="0" y="3066840"/>
-            <a:ext cx="12191760" cy="0"/>
-          </a:xfrm>
-          <a:prstGeom prst="line">
-            <a:avLst/>
-          </a:prstGeom>
-          <a:ln w="12600">
-            <a:solidFill>
-              <a:srgbClr val="6e78a0"/>
-            </a:solidFill>
-            <a:prstDash val="dash"/>
-            <a:round/>
-          </a:ln>
-        </p:spPr>
-        <p:style>
-          <a:lnRef idx="1">
-            <a:schemeClr val="accent1"/>
-          </a:lnRef>
-          <a:fillRef idx="0">
-            <a:schemeClr val="accent1"/>
-          </a:fillRef>
-          <a:effectRef idx="0">
-            <a:schemeClr val="accent1"/>
-          </a:effectRef>
-          <a:fontRef idx="minor"/>
-        </p:style>
-      </p:sp>
-    </p:spTree>
-  </p:cSld>
-  <mc:AlternateContent>
-    <mc:Choice Requires="p14">
-      <p:transition spd="slow" p14:dur="2000"/>
-    </mc:Choice>
-    <mc:Fallback>
-      <p:transition spd="slow"/>
-    </mc:Fallback>
-  </mc:AlternateContent>
-</p:sld>
-</file>
-
-<file path=ppt/slides/slide64.xml><?xml version="1.0" encoding="utf-8"?>
-<p:sld xmlns:a="http://schemas.openxmlformats.org/drawingml/2006/main" xmlns:p="http://schemas.openxmlformats.org/presentationml/2006/main" xmlns:r="http://schemas.openxmlformats.org/officeDocument/2006/relationships" xmlns:p14="http://schemas.microsoft.com/office/powerpoint/2010/main" xmlns:p15="http://schemas.microsoft.com/office/powerpoint/2012/main" xmlns:mc="http://schemas.openxmlformats.org/markup-compatibility/2006">
-  <p:cSld>
-    <p:spTree>
-      <p:nvGrpSpPr>
-        <p:cNvPr id="1" name=""/>
-        <p:cNvGrpSpPr/>
-        <p:nvPr/>
-      </p:nvGrpSpPr>
-      <p:grpSpPr>
-        <a:xfrm>
-          <a:off x="0" y="0"/>
-          <a:ext cx="0" cy="0"/>
-          <a:chOff x="0" y="0"/>
-          <a:chExt cx="0" cy="0"/>
-        </a:xfrm>
-      </p:grpSpPr>
-      <p:sp>
-        <p:nvSpPr>
-          <p:cNvPr id="341" name="CustomShape 1"/>
-          <p:cNvSpPr/>
-          <p:nvPr/>
-        </p:nvSpPr>
-        <p:spPr>
-          <a:xfrm>
-            <a:off x="1676520" y="2362320"/>
-            <a:ext cx="8824320" cy="912600"/>
-          </a:xfrm>
-          <a:prstGeom prst="rect">
-            <a:avLst/>
-          </a:prstGeom>
-          <a:noFill/>
-          <a:ln>
-            <a:noFill/>
-          </a:ln>
-        </p:spPr>
-        <p:style>
-          <a:lnRef idx="0"/>
-          <a:fillRef idx="0"/>
-          <a:effectRef idx="0"/>
-          <a:fontRef idx="minor"/>
-        </p:style>
-        <p:txBody>
-          <a:bodyPr lIns="90000" rIns="90000" tIns="45000" bIns="45000">
-            <a:spAutoFit/>
-          </a:bodyPr>
-          <a:p>
-            <a:pPr algn="ctr">
-              <a:lnSpc>
-                <a:spcPct val="100000"/>
-              </a:lnSpc>
-            </a:pPr>
-            <a:r>
-              <a:rPr b="0" i="1" lang="en-IN" sz="5400" spc="-1" strike="noStrike">
-                <a:solidFill>
-                  <a:srgbClr val="f7c120"/>
-                </a:solidFill>
-                <a:latin typeface="Century"/>
-                <a:ea typeface="DejaVu Sans"/>
-              </a:rPr>
-              <a:t>redis EVAL script</a:t>
-            </a:r>
-            <a:endParaRPr b="0" lang="en-IN" sz="5400" spc="-1" strike="noStrike">
-              <a:latin typeface="Arial"/>
-            </a:endParaRPr>
-          </a:p>
-        </p:txBody>
-      </p:sp>
-      <p:sp>
-        <p:nvSpPr>
-          <p:cNvPr id="342" name="CustomShape 2"/>
-          <p:cNvSpPr/>
-          <p:nvPr/>
-        </p:nvSpPr>
-        <p:spPr>
-          <a:xfrm>
-            <a:off x="1666800" y="609480"/>
-            <a:ext cx="8824320" cy="394560"/>
-          </a:xfrm>
-          <a:prstGeom prst="rect">
-            <a:avLst/>
-          </a:prstGeom>
-          <a:noFill/>
-          <a:ln>
-            <a:noFill/>
-          </a:ln>
-        </p:spPr>
-        <p:style>
-          <a:lnRef idx="0"/>
-          <a:fillRef idx="0"/>
-          <a:effectRef idx="0"/>
-          <a:fontRef idx="minor"/>
-        </p:style>
-        <p:txBody>
-          <a:bodyPr lIns="90000" rIns="90000" tIns="45000" bIns="45000">
-            <a:spAutoFit/>
-          </a:bodyPr>
-          <a:p>
-            <a:pPr algn="just">
-              <a:lnSpc>
-                <a:spcPct val="100000"/>
-              </a:lnSpc>
-            </a:pPr>
-            <a:r>
-              <a:rPr b="0" lang="en-IN" sz="2000" spc="-1" strike="noStrike">
-                <a:solidFill>
-                  <a:srgbClr val="3e5d78"/>
-                </a:solidFill>
-                <a:latin typeface="Times New Roman"/>
-                <a:ea typeface="DejaVu Sans"/>
-              </a:rPr>
-              <a:t>Lua scripting</a:t>
-            </a:r>
-            <a:endParaRPr b="0" lang="en-IN" sz="2000" spc="-1" strike="noStrike">
-              <a:latin typeface="Arial"/>
-            </a:endParaRPr>
-          </a:p>
-        </p:txBody>
-      </p:sp>
-      <p:sp>
-        <p:nvSpPr>
-          <p:cNvPr id="343" name="CustomShape 3"/>
-          <p:cNvSpPr/>
-          <p:nvPr/>
-        </p:nvSpPr>
-        <p:spPr>
-          <a:xfrm>
-            <a:off x="522360" y="3531600"/>
-            <a:ext cx="11061360" cy="363960"/>
-          </a:xfrm>
-          <a:prstGeom prst="rect">
-            <a:avLst/>
-          </a:prstGeom>
-          <a:noFill/>
-          <a:ln>
-            <a:noFill/>
-          </a:ln>
-        </p:spPr>
-        <p:style>
-          <a:lnRef idx="0"/>
-          <a:fillRef idx="0"/>
-          <a:effectRef idx="0"/>
-          <a:fontRef idx="minor"/>
-        </p:style>
-        <p:txBody>
-          <a:bodyPr lIns="90000" rIns="90000" tIns="45000" bIns="45000">
-            <a:spAutoFit/>
-          </a:bodyPr>
-          <a:p>
-            <a:pPr>
-              <a:lnSpc>
-                <a:spcPct val="100000"/>
-              </a:lnSpc>
-            </a:pPr>
-            <a:r>
-              <a:rPr b="0" lang="en-US" sz="1800" spc="-1" strike="noStrike">
-                <a:solidFill>
-                  <a:srgbClr val="bb0643"/>
-                </a:solidFill>
-                <a:latin typeface="Segoe UI"/>
-                <a:ea typeface="DejaVu Sans"/>
-              </a:rPr>
-              <a:t>TODO</a:t>
-            </a:r>
-            <a:endParaRPr b="0" lang="en-IN" sz="1800" spc="-1" strike="noStrike">
-              <a:latin typeface="Arial"/>
-            </a:endParaRPr>
-          </a:p>
-        </p:txBody>
-      </p:sp>
-    </p:spTree>
-  </p:cSld>
-  <mc:AlternateContent>
-    <mc:Choice Requires="p14">
-      <p:transition spd="slow" p14:dur="2000"/>
-    </mc:Choice>
-    <mc:Fallback>
-      <p:transition spd="slow"/>
-    </mc:Fallback>
-  </mc:AlternateContent>
-</p:sld>
-</file>
-
 <file path=ppt/slides/slide65.xml><?xml version="1.0" encoding="utf-8"?>
 <p:sld xmlns:a="http://schemas.openxmlformats.org/drawingml/2006/main" xmlns:p="http://schemas.openxmlformats.org/presentationml/2006/main" xmlns:r="http://schemas.openxmlformats.org/officeDocument/2006/relationships" xmlns:p14="http://schemas.microsoft.com/office/powerpoint/2010/main" xmlns:p15="http://schemas.microsoft.com/office/powerpoint/2012/main" xmlns:mc="http://schemas.openxmlformats.org/markup-compatibility/2006">
   <p:cSld>
@@ -30549,13 +30473,17 @@
         </p:nvSpPr>
         <p:spPr>
           <a:xfrm>
-            <a:off x="0" y="727200"/>
-            <a:ext cx="1940040" cy="424800"/>
+            <a:off x="248400" y="0"/>
+            <a:ext cx="11697120" cy="699120"/>
           </a:xfrm>
           <a:prstGeom prst="rect">
             <a:avLst/>
           </a:prstGeom>
-          <a:noFill/>
+          <a:solidFill>
+            <a:schemeClr val="accent6">
+              <a:lumMod val="75000"/>
+            </a:schemeClr>
+          </a:solidFill>
           <a:ln>
             <a:noFill/>
           </a:ln>
@@ -30571,22 +30499,22 @@
             <a:spAutoFit/>
           </a:bodyPr>
           <a:p>
-            <a:pPr algn="just">
-              <a:lnSpc>
-                <a:spcPct val="100000"/>
-              </a:lnSpc>
-            </a:pPr>
-            <a:r>
-              <a:rPr b="0" lang="en-IN" sz="2200" spc="-1" strike="noStrike">
-                <a:solidFill>
-                  <a:srgbClr val="3e5d78"/>
-                </a:solidFill>
-                <a:latin typeface="Times New Roman"/>
-                <a:ea typeface="DejaVu Sans"/>
-              </a:rPr>
-              <a:t>Lua scripting</a:t>
-            </a:r>
-            <a:endParaRPr b="0" lang="en-IN" sz="2200" spc="-1" strike="noStrike">
+            <a:pPr algn="ctr">
+              <a:lnSpc>
+                <a:spcPct val="100000"/>
+              </a:lnSpc>
+            </a:pPr>
+            <a:r>
+              <a:rPr b="0" lang="en-IN" sz="4000" spc="-1" strike="noStrike">
+                <a:solidFill>
+                  <a:srgbClr val="f7c120"/>
+                </a:solidFill>
+                <a:latin typeface="Open Sans"/>
+                <a:ea typeface="DejaVu Sans"/>
+              </a:rPr>
+              <a:t>smove, srem &amp; srandmember</a:t>
+            </a:r>
+            <a:endParaRPr b="0" lang="en-IN" sz="4000" spc="-1" strike="noStrike">
               <a:latin typeface="Arial"/>
             </a:endParaRPr>
           </a:p>
@@ -30600,280 +30528,13 @@
         </p:nvSpPr>
         <p:spPr>
           <a:xfrm>
-            <a:off x="288000" y="2061720"/>
-            <a:ext cx="11660040" cy="4052880"/>
+            <a:off x="248400" y="762120"/>
+            <a:ext cx="11697120" cy="2253960"/>
           </a:xfrm>
           <a:prstGeom prst="rect">
             <a:avLst/>
           </a:prstGeom>
           <a:noFill/>
-          <a:ln>
-            <a:noFill/>
-          </a:ln>
-        </p:spPr>
-        <p:style>
-          <a:lnRef idx="0"/>
-          <a:fillRef idx="0"/>
-          <a:effectRef idx="0"/>
-          <a:fontRef idx="minor"/>
-        </p:style>
-        <p:txBody>
-          <a:bodyPr lIns="90000" rIns="90000" tIns="45000" bIns="45000">
-            <a:noAutofit/>
-          </a:bodyPr>
-          <a:p>
-            <a:pPr algn="just">
-              <a:lnSpc>
-                <a:spcPct val="100000"/>
-              </a:lnSpc>
-            </a:pPr>
-            <a:r>
-              <a:rPr b="1" lang="en-US" sz="2000" spc="-1" strike="noStrike">
-                <a:solidFill>
-                  <a:srgbClr val="000000"/>
-                </a:solidFill>
-                <a:latin typeface="Arial"/>
-                <a:ea typeface="DejaVu Sans"/>
-              </a:rPr>
-              <a:t>EVAL</a:t>
-            </a:r>
-            <a:r>
-              <a:rPr b="0" lang="en-IN" sz="2000" spc="-1" strike="noStrike">
-                <a:solidFill>
-                  <a:srgbClr val="000000"/>
-                </a:solidFill>
-                <a:latin typeface="Arial"/>
-                <a:ea typeface="DejaVu Sans"/>
-              </a:rPr>
-              <a:t> is used to evaluate scripts using the Lua interpreter built into Redis starting from version 2.6.0.</a:t>
-            </a:r>
-            <a:endParaRPr b="0" lang="en-IN" sz="2000" spc="-1" strike="noStrike">
-              <a:latin typeface="Arial"/>
-            </a:endParaRPr>
-          </a:p>
-          <a:p>
-            <a:pPr>
-              <a:lnSpc>
-                <a:spcPct val="100000"/>
-              </a:lnSpc>
-            </a:pPr>
-            <a:endParaRPr b="0" lang="en-IN" sz="2000" spc="-1" strike="noStrike">
-              <a:latin typeface="Arial"/>
-            </a:endParaRPr>
-          </a:p>
-          <a:p>
-            <a:pPr marL="216000" indent="-212040">
-              <a:lnSpc>
-                <a:spcPct val="100000"/>
-              </a:lnSpc>
-              <a:buClr>
-                <a:srgbClr val="000000"/>
-              </a:buClr>
-              <a:buSzPct val="45000"/>
-              <a:buFont typeface="Wingdings" charset="2"/>
-              <a:buChar char=""/>
-            </a:pPr>
-            <a:r>
-              <a:rPr b="1" lang="en-IN" sz="2000" spc="-1" strike="noStrike">
-                <a:solidFill>
-                  <a:srgbClr val="000000"/>
-                </a:solidFill>
-                <a:latin typeface="Arial"/>
-                <a:ea typeface="DejaVu Sans"/>
-              </a:rPr>
-              <a:t>The first argument of EVAL</a:t>
-            </a:r>
-            <a:r>
-              <a:rPr b="0" lang="en-IN" sz="2000" spc="-1" strike="noStrike">
-                <a:solidFill>
-                  <a:srgbClr val="000000"/>
-                </a:solidFill>
-                <a:latin typeface="Arial"/>
-                <a:ea typeface="DejaVu Sans"/>
-              </a:rPr>
-              <a:t> is a Lua 5.1 script. The script does not need to define a Lua function. It is just a Lua program that will run in the context of the Redis server.</a:t>
-            </a:r>
-            <a:endParaRPr b="0" lang="en-IN" sz="2000" spc="-1" strike="noStrike">
-              <a:latin typeface="Arial"/>
-            </a:endParaRPr>
-          </a:p>
-          <a:p>
-            <a:pPr>
-              <a:lnSpc>
-                <a:spcPct val="100000"/>
-              </a:lnSpc>
-            </a:pPr>
-            <a:endParaRPr b="0" lang="en-IN" sz="2000" spc="-1" strike="noStrike">
-              <a:latin typeface="Arial"/>
-            </a:endParaRPr>
-          </a:p>
-          <a:p>
-            <a:pPr marL="216000" indent="-212040">
-              <a:lnSpc>
-                <a:spcPct val="100000"/>
-              </a:lnSpc>
-              <a:buClr>
-                <a:srgbClr val="000000"/>
-              </a:buClr>
-              <a:buSzPct val="45000"/>
-              <a:buFont typeface="Wingdings" charset="2"/>
-              <a:buChar char=""/>
-            </a:pPr>
-            <a:r>
-              <a:rPr b="1" lang="en-IN" sz="2000" spc="-1" strike="noStrike">
-                <a:solidFill>
-                  <a:srgbClr val="000000"/>
-                </a:solidFill>
-                <a:latin typeface="Arial"/>
-                <a:ea typeface="DejaVu Sans"/>
-              </a:rPr>
-              <a:t>The second argument of EVAL</a:t>
-            </a:r>
-            <a:r>
-              <a:rPr b="0" lang="en-IN" sz="2000" spc="-1" strike="noStrike">
-                <a:solidFill>
-                  <a:srgbClr val="000000"/>
-                </a:solidFill>
-                <a:latin typeface="Arial"/>
-                <a:ea typeface="DejaVu Sans"/>
-              </a:rPr>
-              <a:t> is the number of arguments that follows the script (starting from the third argument) that represent Redis key names. The arguments can be accessed by Lua using the </a:t>
-            </a:r>
-            <a:r>
-              <a:rPr b="1" lang="en-IN" sz="2000" spc="-1" strike="noStrike">
-                <a:solidFill>
-                  <a:srgbClr val="000000"/>
-                </a:solidFill>
-                <a:latin typeface="Arial"/>
-                <a:ea typeface="DejaVu Sans"/>
-              </a:rPr>
-              <a:t>KEYS global variable</a:t>
-            </a:r>
-            <a:r>
-              <a:rPr b="0" lang="en-IN" sz="2000" spc="-1" strike="noStrike">
-                <a:solidFill>
-                  <a:srgbClr val="000000"/>
-                </a:solidFill>
-                <a:latin typeface="Arial"/>
-                <a:ea typeface="DejaVu Sans"/>
-              </a:rPr>
-              <a:t> in the form of a one-based array (so </a:t>
-            </a:r>
-            <a:r>
-              <a:rPr b="1" lang="en-IN" sz="2000" spc="-1" strike="noStrike">
-                <a:solidFill>
-                  <a:srgbClr val="000000"/>
-                </a:solidFill>
-                <a:latin typeface="Arial"/>
-                <a:ea typeface="DejaVu Sans"/>
-              </a:rPr>
-              <a:t>KEYS[1], KEYS[2], ...</a:t>
-            </a:r>
-            <a:r>
-              <a:rPr b="0" lang="en-IN" sz="2000" spc="-1" strike="noStrike">
-                <a:solidFill>
-                  <a:srgbClr val="000000"/>
-                </a:solidFill>
-                <a:latin typeface="Arial"/>
-                <a:ea typeface="DejaVu Sans"/>
-              </a:rPr>
-              <a:t>).</a:t>
-            </a:r>
-            <a:endParaRPr b="0" lang="en-IN" sz="2000" spc="-1" strike="noStrike">
-              <a:latin typeface="Arial"/>
-            </a:endParaRPr>
-          </a:p>
-          <a:p>
-            <a:pPr>
-              <a:lnSpc>
-                <a:spcPct val="100000"/>
-              </a:lnSpc>
-            </a:pPr>
-            <a:endParaRPr b="0" lang="en-IN" sz="2000" spc="-1" strike="noStrike">
-              <a:latin typeface="Arial"/>
-            </a:endParaRPr>
-          </a:p>
-          <a:p>
-            <a:pPr>
-              <a:lnSpc>
-                <a:spcPct val="100000"/>
-              </a:lnSpc>
-            </a:pPr>
-            <a:r>
-              <a:rPr b="0" lang="en-IN" sz="2000" spc="-1" strike="noStrike">
-                <a:solidFill>
-                  <a:srgbClr val="000000"/>
-                </a:solidFill>
-                <a:latin typeface="Arial"/>
-                <a:ea typeface="DejaVu Sans"/>
-              </a:rPr>
-              <a:t>All the additional arguments should not represent key names and can be accessed by Lua using the </a:t>
-            </a:r>
-            <a:r>
-              <a:rPr b="1" lang="en-IN" sz="2000" spc="-1" strike="noStrike">
-                <a:solidFill>
-                  <a:srgbClr val="000000"/>
-                </a:solidFill>
-                <a:latin typeface="Arial"/>
-                <a:ea typeface="DejaVu Sans"/>
-              </a:rPr>
-              <a:t>ARGV global variable</a:t>
-            </a:r>
-            <a:r>
-              <a:rPr b="0" lang="en-IN" sz="2000" spc="-1" strike="noStrike">
-                <a:solidFill>
-                  <a:srgbClr val="000000"/>
-                </a:solidFill>
-                <a:latin typeface="Arial"/>
-                <a:ea typeface="DejaVu Sans"/>
-              </a:rPr>
-              <a:t>, very similarly to what happens with keys (so </a:t>
-            </a:r>
-            <a:r>
-              <a:rPr b="1" lang="en-IN" sz="2000" spc="-1" strike="noStrike">
-                <a:solidFill>
-                  <a:srgbClr val="000000"/>
-                </a:solidFill>
-                <a:latin typeface="Arial"/>
-                <a:ea typeface="DejaVu Sans"/>
-              </a:rPr>
-              <a:t>ARGV[1], ARGV[2], ...</a:t>
-            </a:r>
-            <a:r>
-              <a:rPr b="0" lang="en-IN" sz="2000" spc="-1" strike="noStrike">
-                <a:solidFill>
-                  <a:srgbClr val="000000"/>
-                </a:solidFill>
-                <a:latin typeface="Arial"/>
-                <a:ea typeface="DejaVu Sans"/>
-              </a:rPr>
-              <a:t>).</a:t>
-            </a:r>
-            <a:endParaRPr b="0" lang="en-IN" sz="2000" spc="-1" strike="noStrike">
-              <a:latin typeface="Arial"/>
-            </a:endParaRPr>
-          </a:p>
-        </p:txBody>
-      </p:sp>
-      <p:sp>
-        <p:nvSpPr>
-          <p:cNvPr id="346" name="CustomShape 3"/>
-          <p:cNvSpPr/>
-          <p:nvPr/>
-        </p:nvSpPr>
-        <p:spPr>
-          <a:xfrm>
-            <a:off x="248400" y="0"/>
-            <a:ext cx="11697840" cy="699120"/>
-          </a:xfrm>
-          <a:prstGeom prst="rect">
-            <a:avLst/>
-          </a:prstGeom>
-          <a:solidFill>
-            <a:schemeClr val="accent6">
-              <a:lumMod val="75000"/>
-            </a:schemeClr>
-          </a:solidFill>
           <a:ln>
             <a:noFill/>
           </a:ln>
@@ -30889,22 +30550,192 @@
             <a:spAutoFit/>
           </a:bodyPr>
           <a:p>
-            <a:pPr algn="ctr">
-              <a:lnSpc>
-                <a:spcPct val="100000"/>
-              </a:lnSpc>
-            </a:pPr>
-            <a:r>
-              <a:rPr b="0" lang="en-IN" sz="4000" spc="-1" strike="noStrike">
-                <a:solidFill>
-                  <a:srgbClr val="f7c120"/>
-                </a:solidFill>
-                <a:latin typeface="Open Sans"/>
-                <a:ea typeface="DejaVu Sans"/>
-              </a:rPr>
-              <a:t>Introduction to EVAL</a:t>
-            </a:r>
-            <a:endParaRPr b="0" lang="en-IN" sz="4000" spc="-1" strike="noStrike">
+            <a:pPr algn="just">
+              <a:lnSpc>
+                <a:spcPct val="100000"/>
+              </a:lnSpc>
+            </a:pPr>
+            <a:r>
+              <a:rPr b="1" lang="en-US" sz="1800" spc="-1" strike="noStrike">
+                <a:solidFill>
+                  <a:srgbClr val="7c4dff"/>
+                </a:solidFill>
+                <a:latin typeface="Arial"/>
+                <a:ea typeface="DejaVu Sans"/>
+              </a:rPr>
+              <a:t>SMOVE</a:t>
+            </a:r>
+            <a:r>
+              <a:rPr b="0" lang="en-US" sz="1800" spc="-1" strike="noStrike">
+                <a:solidFill>
+                  <a:srgbClr val="000000"/>
+                </a:solidFill>
+                <a:latin typeface="Arial"/>
+                <a:ea typeface="DejaVu Sans"/>
+              </a:rPr>
+              <a:t> moves member from the set at source to the set at destination.</a:t>
+            </a:r>
+            <a:endParaRPr b="0" lang="en-IN" sz="1800" spc="-1" strike="noStrike">
+              <a:latin typeface="Arial"/>
+            </a:endParaRPr>
+          </a:p>
+          <a:p>
+            <a:pPr algn="just">
+              <a:lnSpc>
+                <a:spcPct val="100000"/>
+              </a:lnSpc>
+            </a:pPr>
+            <a:r>
+              <a:rPr b="0" lang="en-US" sz="1800" spc="-1" strike="noStrike">
+                <a:solidFill>
+                  <a:srgbClr val="000000"/>
+                </a:solidFill>
+                <a:latin typeface="Arial"/>
+                <a:ea typeface="DejaVu Sans"/>
+              </a:rPr>
+              <a:t>returns </a:t>
+            </a:r>
+            <a:r>
+              <a:rPr b="1" lang="en-US" sz="1800" spc="-1" strike="noStrike">
+                <a:solidFill>
+                  <a:srgbClr val="000000"/>
+                </a:solidFill>
+                <a:latin typeface="Arial"/>
+                <a:ea typeface="DejaVu Sans"/>
+              </a:rPr>
+              <a:t>1</a:t>
+            </a:r>
+            <a:r>
+              <a:rPr b="0" lang="en-US" sz="1800" spc="-1" strike="noStrike">
+                <a:solidFill>
+                  <a:srgbClr val="000000"/>
+                </a:solidFill>
+                <a:latin typeface="Arial"/>
+                <a:ea typeface="DejaVu Sans"/>
+              </a:rPr>
+              <a:t> if the element is moved.</a:t>
+            </a:r>
+            <a:endParaRPr b="0" lang="en-IN" sz="1800" spc="-1" strike="noStrike">
+              <a:latin typeface="Arial"/>
+            </a:endParaRPr>
+          </a:p>
+          <a:p>
+            <a:pPr algn="just">
+              <a:lnSpc>
+                <a:spcPct val="100000"/>
+              </a:lnSpc>
+            </a:pPr>
+            <a:r>
+              <a:rPr b="0" lang="en-US" sz="1800" spc="-1" strike="noStrike">
+                <a:solidFill>
+                  <a:srgbClr val="000000"/>
+                </a:solidFill>
+                <a:latin typeface="Arial"/>
+                <a:ea typeface="DejaVu Sans"/>
+              </a:rPr>
+              <a:t>returns </a:t>
+            </a:r>
+            <a:r>
+              <a:rPr b="1" lang="en-US" sz="1800" spc="-1" strike="noStrike">
+                <a:solidFill>
+                  <a:srgbClr val="000000"/>
+                </a:solidFill>
+                <a:latin typeface="Arial"/>
+                <a:ea typeface="DejaVu Sans"/>
+              </a:rPr>
+              <a:t>0</a:t>
+            </a:r>
+            <a:r>
+              <a:rPr b="0" lang="en-US" sz="1800" spc="-1" strike="noStrike">
+                <a:solidFill>
+                  <a:srgbClr val="000000"/>
+                </a:solidFill>
+                <a:latin typeface="Arial"/>
+                <a:ea typeface="DejaVu Sans"/>
+              </a:rPr>
+              <a:t> if the element is not a member of source and no operation was performed.</a:t>
+            </a:r>
+            <a:endParaRPr b="0" lang="en-IN" sz="1800" spc="-1" strike="noStrike">
+              <a:latin typeface="Arial"/>
+            </a:endParaRPr>
+          </a:p>
+          <a:p>
+            <a:pPr algn="just">
+              <a:lnSpc>
+                <a:spcPct val="100000"/>
+              </a:lnSpc>
+            </a:pPr>
+            <a:endParaRPr b="0" lang="en-IN" sz="1800" spc="-1" strike="noStrike">
+              <a:latin typeface="Arial"/>
+            </a:endParaRPr>
+          </a:p>
+          <a:p>
+            <a:pPr algn="just">
+              <a:lnSpc>
+                <a:spcPct val="100000"/>
+              </a:lnSpc>
+            </a:pPr>
+            <a:r>
+              <a:rPr b="1" lang="en-US" sz="1800" spc="-1" strike="noStrike">
+                <a:solidFill>
+                  <a:srgbClr val="7c4dff"/>
+                </a:solidFill>
+                <a:latin typeface="Arial"/>
+                <a:ea typeface="DejaVu Sans"/>
+              </a:rPr>
+              <a:t>SREM</a:t>
+            </a:r>
+            <a:r>
+              <a:rPr b="0" lang="en-US" sz="1800" spc="-1" strike="noStrike">
+                <a:solidFill>
+                  <a:srgbClr val="000000"/>
+                </a:solidFill>
+                <a:latin typeface="Arial"/>
+                <a:ea typeface="DejaVu Sans"/>
+              </a:rPr>
+              <a:t> removes the specified members from the set stored at key. Specified members that are not a member of this set are ignored.</a:t>
+            </a:r>
+            <a:endParaRPr b="0" lang="en-IN" sz="1800" spc="-1" strike="noStrike">
+              <a:latin typeface="Arial"/>
+            </a:endParaRPr>
+          </a:p>
+          <a:p>
+            <a:pPr algn="just">
+              <a:lnSpc>
+                <a:spcPct val="100000"/>
+              </a:lnSpc>
+            </a:pPr>
+            <a:endParaRPr b="0" lang="en-IN" sz="1800" spc="-1" strike="noStrike">
+              <a:latin typeface="Arial"/>
+            </a:endParaRPr>
+          </a:p>
+          <a:p>
+            <a:pPr algn="just">
+              <a:lnSpc>
+                <a:spcPct val="100000"/>
+              </a:lnSpc>
+            </a:pPr>
+            <a:r>
+              <a:rPr b="1" lang="en-US" sz="1800" spc="-1" strike="noStrike">
+                <a:solidFill>
+                  <a:srgbClr val="7c4dff"/>
+                </a:solidFill>
+                <a:latin typeface="Arial"/>
+                <a:ea typeface="DejaVu Sans"/>
+              </a:rPr>
+              <a:t>SRANDMEMBER</a:t>
+            </a:r>
+            <a:r>
+              <a:rPr b="0" lang="en-US" sz="1800" spc="-1" strike="noStrike">
+                <a:solidFill>
+                  <a:srgbClr val="000000"/>
+                </a:solidFill>
+                <a:latin typeface="Arial"/>
+                <a:ea typeface="DejaVu Sans"/>
+              </a:rPr>
+              <a:t> returns a random element from the set value stored at key. If the provided count argument is positive, return an array of distinct elements.</a:t>
+            </a:r>
+            <a:endParaRPr b="0" lang="en-IN" sz="1800" spc="-1" strike="noStrike">
               <a:latin typeface="Arial"/>
             </a:endParaRPr>
           </a:p>
@@ -30912,65 +30743,14 @@
       </p:sp>
       <p:sp>
         <p:nvSpPr>
-          <p:cNvPr id="347" name="CustomShape 4"/>
+          <p:cNvPr id="346" name="CustomShape 3"/>
           <p:cNvSpPr/>
           <p:nvPr/>
         </p:nvSpPr>
         <p:spPr>
           <a:xfrm>
-            <a:off x="576000" y="1504080"/>
-            <a:ext cx="8348040" cy="363960"/>
-          </a:xfrm>
-          <a:prstGeom prst="rect">
-            <a:avLst/>
-          </a:prstGeom>
-          <a:noFill/>
-          <a:ln>
-            <a:noFill/>
-          </a:ln>
-        </p:spPr>
-        <p:style>
-          <a:lnRef idx="0"/>
-          <a:fillRef idx="0"/>
-          <a:effectRef idx="0"/>
-          <a:fontRef idx="minor"/>
-        </p:style>
-        <p:txBody>
-          <a:bodyPr lIns="0" rIns="0" tIns="0" bIns="0">
-            <a:noAutofit/>
-          </a:bodyPr>
-          <a:p>
-            <a:pPr>
-              <a:lnSpc>
-                <a:spcPct val="100000"/>
-              </a:lnSpc>
-            </a:pPr>
-            <a:r>
-              <a:rPr b="0" lang="en-US" sz="2200" spc="-1" strike="noStrike">
-                <a:solidFill>
-                  <a:srgbClr val="00b0f0"/>
-                </a:solidFill>
-                <a:latin typeface="Consolas"/>
-                <a:ea typeface="DejaVu Sans"/>
-              </a:rPr>
-              <a:t>EVAL script numkeys key [key ...] arg [arg ...]</a:t>
-            </a:r>
-            <a:endParaRPr b="0" lang="en-IN" sz="2200" spc="-1" strike="noStrike">
-              <a:latin typeface="Arial"/>
-            </a:endParaRPr>
-          </a:p>
-        </p:txBody>
-      </p:sp>
-      <p:sp>
-        <p:nvSpPr>
-          <p:cNvPr id="348" name="CustomShape 5"/>
-          <p:cNvSpPr/>
-          <p:nvPr/>
-        </p:nvSpPr>
-        <p:spPr>
-          <a:xfrm>
-            <a:off x="288000" y="5543280"/>
-            <a:ext cx="10832040" cy="1004760"/>
+            <a:off x="248400" y="3206880"/>
+            <a:ext cx="11697120" cy="1004400"/>
           </a:xfrm>
           <a:prstGeom prst="rect">
             <a:avLst/>
@@ -30988,7 +30768,7 @@
         </p:style>
         <p:txBody>
           <a:bodyPr lIns="90000" rIns="90000" tIns="45000" bIns="45000">
-            <a:noAutofit/>
+            <a:spAutoFit/>
           </a:bodyPr>
           <a:p>
             <a:pPr>
@@ -30997,14 +30777,14 @@
               </a:lnSpc>
             </a:pPr>
             <a:r>
-              <a:rPr b="1" lang="en-IN" sz="2000" spc="-1" strike="noStrike">
-                <a:solidFill>
-                  <a:srgbClr val="c00000"/>
-                </a:solidFill>
-                <a:latin typeface="Open Sans"/>
-                <a:ea typeface="Open Sans"/>
-              </a:rPr>
-              <a:t>Note:</a:t>
+              <a:rPr b="0" lang="en-US" sz="2000" spc="-1" strike="noStrike">
+                <a:solidFill>
+                  <a:srgbClr val="00b0f0"/>
+                </a:solidFill>
+                <a:latin typeface="Consolas"/>
+                <a:ea typeface="DejaVu Sans"/>
+              </a:rPr>
+              <a:t>SMOVE source destination member</a:t>
             </a:r>
             <a:endParaRPr b="0" lang="en-IN" sz="2000" spc="-1" strike="noStrike">
               <a:latin typeface="Arial"/>
@@ -31016,6 +30796,16 @@
                 <a:spcPct val="100000"/>
               </a:lnSpc>
             </a:pPr>
+            <a:r>
+              <a:rPr b="0" lang="en-US" sz="2000" spc="-1" strike="noStrike">
+                <a:solidFill>
+                  <a:srgbClr val="00b0f0"/>
+                </a:solidFill>
+                <a:latin typeface="Consolas"/>
+                <a:ea typeface="DejaVu Sans"/>
+              </a:rPr>
+              <a:t>SREM key member [member ...]</a:t>
+            </a:r>
             <a:endParaRPr b="0" lang="en-IN" sz="2000" spc="-1" strike="noStrike">
               <a:latin typeface="Arial"/>
             </a:endParaRPr>
@@ -31027,70 +30817,266 @@
               </a:lnSpc>
             </a:pPr>
             <a:r>
-              <a:rPr b="1" lang="en-IN" sz="1800" spc="-1" strike="noStrike">
+              <a:rPr b="0" lang="en-US" sz="2000" spc="-1" strike="noStrike">
+                <a:solidFill>
+                  <a:srgbClr val="00b0f0"/>
+                </a:solidFill>
+                <a:latin typeface="Consolas"/>
+                <a:ea typeface="DejaVu Sans"/>
+              </a:rPr>
+              <a:t>SRANDMEMBER key [count]</a:t>
+            </a:r>
+            <a:endParaRPr b="0" lang="en-IN" sz="2000" spc="-1" strike="noStrike">
+              <a:latin typeface="Arial"/>
+            </a:endParaRPr>
+          </a:p>
+        </p:txBody>
+      </p:sp>
+      <p:sp>
+        <p:nvSpPr>
+          <p:cNvPr id="347" name="CustomShape 4"/>
+          <p:cNvSpPr/>
+          <p:nvPr/>
+        </p:nvSpPr>
+        <p:spPr>
+          <a:xfrm>
+            <a:off x="340560" y="4608000"/>
+            <a:ext cx="8874360" cy="1735560"/>
+          </a:xfrm>
+          <a:prstGeom prst="rect">
+            <a:avLst/>
+          </a:prstGeom>
+          <a:noFill/>
+          <a:ln>
+            <a:noFill/>
+          </a:ln>
+        </p:spPr>
+        <p:style>
+          <a:lnRef idx="0"/>
+          <a:fillRef idx="0"/>
+          <a:effectRef idx="0"/>
+          <a:fontRef idx="minor"/>
+        </p:style>
+        <p:txBody>
+          <a:bodyPr lIns="90000" rIns="90000" tIns="45000" bIns="45000">
+            <a:spAutoFit/>
+          </a:bodyPr>
+          <a:p>
+            <a:pPr marL="285840" indent="-270360">
+              <a:lnSpc>
+                <a:spcPct val="150000"/>
+              </a:lnSpc>
+              <a:buClr>
+                <a:srgbClr val="808080"/>
+              </a:buClr>
+              <a:buFont typeface="Arial"/>
+              <a:buChar char="•"/>
+            </a:pPr>
+            <a:r>
+              <a:rPr b="0" lang="en-IN" sz="1800" spc="-1" strike="noStrike">
+                <a:solidFill>
+                  <a:srgbClr val="808080"/>
+                </a:solidFill>
+                <a:latin typeface="Consolas"/>
+                <a:ea typeface="SimSun"/>
+              </a:rPr>
+              <a:t>127.0.0.1:6379&gt;</a:t>
+            </a:r>
+            <a:r>
+              <a:rPr b="0" lang="en-IN" sz="1800" spc="-1" strike="noStrike">
                 <a:solidFill>
                   <a:srgbClr val="000000"/>
                 </a:solidFill>
-                <a:latin typeface="Arial"/>
-                <a:ea typeface="Open Sans"/>
-              </a:rPr>
-              <a:t>KEYS[1], KEYS[2], . . .  </a:t>
+                <a:latin typeface="Consolas"/>
+                <a:ea typeface="SimSun"/>
+              </a:rPr>
+              <a:t> </a:t>
+            </a:r>
+            <a:r>
+              <a:rPr b="0" lang="en-IN" sz="1800" spc="-1" strike="noStrike">
+                <a:solidFill>
+                  <a:srgbClr val="ff5733"/>
+                </a:solidFill>
+                <a:latin typeface="Consolas"/>
+                <a:ea typeface="SimSun"/>
+              </a:rPr>
+              <a:t>smove point:3 point:1 1</a:t>
+            </a:r>
+            <a:endParaRPr b="0" lang="en-IN" sz="1800" spc="-1" strike="noStrike">
+              <a:latin typeface="Arial"/>
+            </a:endParaRPr>
+          </a:p>
+          <a:p>
+            <a:pPr marL="285840" indent="-270360">
+              <a:lnSpc>
+                <a:spcPct val="150000"/>
+              </a:lnSpc>
+              <a:buClr>
+                <a:srgbClr val="808080"/>
+              </a:buClr>
+              <a:buFont typeface="Arial"/>
+              <a:buChar char="•"/>
+            </a:pPr>
+            <a:r>
+              <a:rPr b="0" lang="en-IN" sz="1800" spc="-1" strike="noStrike">
+                <a:solidFill>
+                  <a:srgbClr val="808080"/>
+                </a:solidFill>
+                <a:latin typeface="Consolas"/>
+                <a:ea typeface="SimSun"/>
+              </a:rPr>
+              <a:t>127.0.0.1:6379&gt;</a:t>
             </a:r>
             <a:r>
               <a:rPr b="0" lang="en-IN" sz="1800" spc="-1" strike="noStrike">
                 <a:solidFill>
                   <a:srgbClr val="000000"/>
                 </a:solidFill>
-                <a:latin typeface="Arial"/>
-                <a:ea typeface="Open Sans"/>
-              </a:rPr>
-              <a:t>and</a:t>
-            </a:r>
-            <a:r>
-              <a:rPr b="1" lang="en-IN" sz="1800" spc="-1" strike="noStrike">
+                <a:latin typeface="Consolas"/>
+                <a:ea typeface="SimSun"/>
+              </a:rPr>
+              <a:t> </a:t>
+            </a:r>
+            <a:r>
+              <a:rPr b="0" lang="en-IN" sz="1800" spc="-1" strike="noStrike">
+                <a:solidFill>
+                  <a:srgbClr val="ff5733"/>
+                </a:solidFill>
+                <a:latin typeface="Consolas"/>
+                <a:ea typeface="SimSun"/>
+              </a:rPr>
+              <a:t>srem point:3 1 2 3 4 5</a:t>
+            </a:r>
+            <a:endParaRPr b="0" lang="en-IN" sz="1800" spc="-1" strike="noStrike">
+              <a:latin typeface="Arial"/>
+            </a:endParaRPr>
+          </a:p>
+          <a:p>
+            <a:pPr marL="285840" indent="-270360">
+              <a:lnSpc>
+                <a:spcPct val="150000"/>
+              </a:lnSpc>
+              <a:buClr>
+                <a:srgbClr val="808080"/>
+              </a:buClr>
+              <a:buFont typeface="Arial"/>
+              <a:buChar char="•"/>
+            </a:pPr>
+            <a:r>
+              <a:rPr b="0" lang="en-IN" sz="1800" spc="-1" strike="noStrike">
+                <a:solidFill>
+                  <a:srgbClr val="808080"/>
+                </a:solidFill>
+                <a:latin typeface="Consolas"/>
+                <a:ea typeface="SimSun"/>
+              </a:rPr>
+              <a:t>127.0.0.1:6379&gt;</a:t>
+            </a:r>
+            <a:r>
+              <a:rPr b="0" lang="en-IN" sz="1800" spc="-1" strike="noStrike">
                 <a:solidFill>
                   <a:srgbClr val="000000"/>
                 </a:solidFill>
-                <a:latin typeface="Arial"/>
-                <a:ea typeface="Open Sans"/>
-              </a:rPr>
-              <a:t> ARGV[1], ARGV[2]</a:t>
+                <a:latin typeface="Consolas"/>
+                <a:ea typeface="SimSun"/>
+              </a:rPr>
+              <a:t> </a:t>
+            </a:r>
+            <a:r>
+              <a:rPr b="0" lang="en-IN" sz="1800" spc="-1" strike="noStrike">
+                <a:solidFill>
+                  <a:srgbClr val="ff5733"/>
+                </a:solidFill>
+                <a:latin typeface="Consolas"/>
+                <a:ea typeface="SimSun"/>
+              </a:rPr>
+              <a:t>srandmember point:1</a:t>
+            </a:r>
+            <a:endParaRPr b="0" lang="en-IN" sz="1800" spc="-1" strike="noStrike">
+              <a:latin typeface="Arial"/>
+            </a:endParaRPr>
+          </a:p>
+          <a:p>
+            <a:pPr marL="285840" indent="-270360">
+              <a:lnSpc>
+                <a:spcPct val="150000"/>
+              </a:lnSpc>
+              <a:buClr>
+                <a:srgbClr val="808080"/>
+              </a:buClr>
+              <a:buFont typeface="Arial"/>
+              <a:buChar char="•"/>
+            </a:pPr>
+            <a:r>
+              <a:rPr b="0" lang="en-IN" sz="1800" spc="-1" strike="noStrike">
+                <a:solidFill>
+                  <a:srgbClr val="808080"/>
+                </a:solidFill>
+                <a:latin typeface="Consolas"/>
+                <a:ea typeface="SimSun"/>
+              </a:rPr>
+              <a:t>127.0.0.1:6379&gt;</a:t>
             </a:r>
             <a:r>
               <a:rPr b="0" lang="en-IN" sz="1800" spc="-1" strike="noStrike">
                 <a:solidFill>
                   <a:srgbClr val="000000"/>
                 </a:solidFill>
-                <a:latin typeface="Arial"/>
-                <a:ea typeface="Open Sans"/>
-              </a:rPr>
-              <a:t>.</a:t>
-            </a:r>
-            <a:r>
-              <a:rPr b="1" lang="en-IN" sz="1800" spc="-1" strike="noStrike">
-                <a:solidFill>
-                  <a:srgbClr val="000000"/>
-                </a:solidFill>
-                <a:latin typeface="Arial"/>
-                <a:ea typeface="Open Sans"/>
-              </a:rPr>
-              <a:t>, . . . </a:t>
-            </a:r>
-            <a:r>
-              <a:rPr b="0" lang="en-IN" sz="1800" spc="-1" strike="noStrike">
-                <a:solidFill>
-                  <a:srgbClr val="000000"/>
-                </a:solidFill>
-                <a:latin typeface="Arial"/>
-                <a:ea typeface="Open Sans"/>
-              </a:rPr>
-              <a:t>must be in upper case.</a:t>
+                <a:latin typeface="Consolas"/>
+                <a:ea typeface="SimSun"/>
+              </a:rPr>
+              <a:t> </a:t>
+            </a:r>
+            <a:r>
+              <a:rPr b="0" lang="en-IN" sz="1800" spc="-1" strike="noStrike">
+                <a:solidFill>
+                  <a:srgbClr val="ff5733"/>
+                </a:solidFill>
+                <a:latin typeface="Consolas"/>
+                <a:ea typeface="SimSun"/>
+              </a:rPr>
+              <a:t>srandmember point:1 2</a:t>
             </a:r>
             <a:endParaRPr b="0" lang="en-IN" sz="1800" spc="-1" strike="noStrike">
               <a:latin typeface="Arial"/>
             </a:endParaRPr>
           </a:p>
         </p:txBody>
+      </p:sp>
+      <p:sp>
+        <p:nvSpPr>
+          <p:cNvPr id="348" name="Line 5"/>
+          <p:cNvSpPr/>
+          <p:nvPr/>
+        </p:nvSpPr>
+        <p:spPr>
+          <a:xfrm>
+            <a:off x="0" y="3066840"/>
+            <a:ext cx="12191760" cy="0"/>
+          </a:xfrm>
+          <a:prstGeom prst="line">
+            <a:avLst/>
+          </a:prstGeom>
+          <a:ln w="12600">
+            <a:solidFill>
+              <a:srgbClr val="6e78a0"/>
+            </a:solidFill>
+            <a:prstDash val="dash"/>
+            <a:round/>
+          </a:ln>
+        </p:spPr>
+        <p:style>
+          <a:lnRef idx="1">
+            <a:schemeClr val="accent1"/>
+          </a:lnRef>
+          <a:fillRef idx="0">
+            <a:schemeClr val="accent1"/>
+          </a:fillRef>
+          <a:effectRef idx="0">
+            <a:schemeClr val="accent1"/>
+          </a:effectRef>
+          <a:fontRef idx="minor"/>
+        </p:style>
       </p:sp>
     </p:spTree>
   </p:cSld>
@@ -31130,8 +31116,8 @@
         </p:nvSpPr>
         <p:spPr>
           <a:xfrm>
-            <a:off x="216000" y="216000"/>
-            <a:ext cx="1940040" cy="424800"/>
+            <a:off x="1676520" y="2362320"/>
+            <a:ext cx="8823600" cy="912600"/>
           </a:xfrm>
           <a:prstGeom prst="rect">
             <a:avLst/>
@@ -31152,22 +31138,22 @@
             <a:spAutoFit/>
           </a:bodyPr>
           <a:p>
-            <a:pPr algn="just">
-              <a:lnSpc>
-                <a:spcPct val="100000"/>
-              </a:lnSpc>
-            </a:pPr>
-            <a:r>
-              <a:rPr b="0" lang="en-IN" sz="2200" spc="-1" strike="noStrike">
-                <a:solidFill>
-                  <a:srgbClr val="3e5d78"/>
-                </a:solidFill>
-                <a:latin typeface="Times New Roman"/>
-                <a:ea typeface="DejaVu Sans"/>
-              </a:rPr>
-              <a:t>Lua scripting</a:t>
-            </a:r>
-            <a:endParaRPr b="0" lang="en-IN" sz="2200" spc="-1" strike="noStrike">
+            <a:pPr algn="ctr">
+              <a:lnSpc>
+                <a:spcPct val="100000"/>
+              </a:lnSpc>
+            </a:pPr>
+            <a:r>
+              <a:rPr b="0" i="1" lang="en-IN" sz="5400" spc="-1" strike="noStrike">
+                <a:solidFill>
+                  <a:srgbClr val="f7c120"/>
+                </a:solidFill>
+                <a:latin typeface="Century"/>
+                <a:ea typeface="DejaVu Sans"/>
+              </a:rPr>
+              <a:t>redis Sorted Sets</a:t>
+            </a:r>
+            <a:endParaRPr b="0" lang="en-IN" sz="5400" spc="-1" strike="noStrike">
               <a:latin typeface="Arial"/>
             </a:endParaRPr>
           </a:p>
@@ -31181,110 +31167,8 @@
         </p:nvSpPr>
         <p:spPr>
           <a:xfrm>
-            <a:off x="432720" y="1224000"/>
-            <a:ext cx="8348040" cy="363960"/>
-          </a:xfrm>
-          <a:prstGeom prst="rect">
-            <a:avLst/>
-          </a:prstGeom>
-          <a:noFill/>
-          <a:ln>
-            <a:noFill/>
-          </a:ln>
-        </p:spPr>
-        <p:style>
-          <a:lnRef idx="0"/>
-          <a:fillRef idx="0"/>
-          <a:effectRef idx="0"/>
-          <a:fontRef idx="minor"/>
-        </p:style>
-        <p:txBody>
-          <a:bodyPr lIns="0" rIns="0" tIns="0" bIns="0">
-            <a:noAutofit/>
-          </a:bodyPr>
-          <a:p>
-            <a:pPr>
-              <a:lnSpc>
-                <a:spcPct val="100000"/>
-              </a:lnSpc>
-            </a:pPr>
-            <a:r>
-              <a:rPr b="0" lang="en-US" sz="2200" spc="-1" strike="noStrike">
-                <a:solidFill>
-                  <a:srgbClr val="00b0f0"/>
-                </a:solidFill>
-                <a:latin typeface="Consolas"/>
-                <a:ea typeface="DejaVu Sans"/>
-              </a:rPr>
-              <a:t>EVAL script numkeys key [key ...] arg [arg ...]</a:t>
-            </a:r>
-            <a:endParaRPr b="0" lang="en-IN" sz="2200" spc="-1" strike="noStrike">
-              <a:latin typeface="Arial"/>
-            </a:endParaRPr>
-          </a:p>
-        </p:txBody>
-      </p:sp>
-      <p:sp>
-        <p:nvSpPr>
-          <p:cNvPr id="351" name="CustomShape 3"/>
-          <p:cNvSpPr/>
-          <p:nvPr/>
-        </p:nvSpPr>
-        <p:spPr>
-          <a:xfrm>
-            <a:off x="288000" y="1584000"/>
-            <a:ext cx="607680" cy="395640"/>
-          </a:xfrm>
-          <a:prstGeom prst="rect">
-            <a:avLst/>
-          </a:prstGeom>
-          <a:noFill/>
-          <a:ln>
-            <a:noFill/>
-          </a:ln>
-        </p:spPr>
-        <p:style>
-          <a:lnRef idx="0"/>
-          <a:fillRef idx="0"/>
-          <a:effectRef idx="0"/>
-          <a:fontRef idx="minor"/>
-        </p:style>
-        <p:txBody>
-          <a:bodyPr lIns="90000" rIns="90000" tIns="45000" bIns="45000">
-            <a:noAutofit/>
-          </a:bodyPr>
-          <a:p>
-            <a:pPr>
-              <a:lnSpc>
-                <a:spcPct val="100000"/>
-              </a:lnSpc>
-            </a:pPr>
-            <a:r>
-              <a:rPr b="1" lang="en-IN" sz="2200" spc="-1" strike="noStrike">
-                <a:solidFill>
-                  <a:srgbClr val="ff1744"/>
-                </a:solidFill>
-                <a:latin typeface="Times New Roman"/>
-                <a:ea typeface="DejaVu Sans"/>
-              </a:rPr>
-              <a:t>e.g.</a:t>
-            </a:r>
-            <a:endParaRPr b="0" lang="en-IN" sz="2200" spc="-1" strike="noStrike">
-              <a:latin typeface="Arial"/>
-            </a:endParaRPr>
-          </a:p>
-        </p:txBody>
-      </p:sp>
-      <p:sp>
-        <p:nvSpPr>
-          <p:cNvPr id="352" name="CustomShape 4"/>
-          <p:cNvSpPr/>
-          <p:nvPr/>
-        </p:nvSpPr>
-        <p:spPr>
-          <a:xfrm>
-            <a:off x="432720" y="2073600"/>
-            <a:ext cx="11084040" cy="4204440"/>
+            <a:off x="1666800" y="609480"/>
+            <a:ext cx="8823600" cy="394560"/>
           </a:xfrm>
           <a:prstGeom prst="rect">
             <a:avLst/>
@@ -31305,470 +31189,71 @@
             <a:spAutoFit/>
           </a:bodyPr>
           <a:p>
-            <a:pPr>
-              <a:lnSpc>
-                <a:spcPct val="150000"/>
-              </a:lnSpc>
-            </a:pPr>
-            <a:r>
-              <a:rPr b="0" lang="en-IN" sz="1800" spc="-1" strike="noStrike">
-                <a:solidFill>
-                  <a:srgbClr val="808080"/>
-                </a:solidFill>
-                <a:latin typeface="Consolas"/>
-                <a:ea typeface="SimSun"/>
-              </a:rPr>
-              <a:t>127.0.0.1:6379</a:t>
-            </a:r>
-            <a:r>
-              <a:rPr b="1" lang="en-IN" sz="1800" spc="-1" strike="noStrike">
-                <a:solidFill>
-                  <a:srgbClr val="808080"/>
-                </a:solidFill>
-                <a:latin typeface="Consolas"/>
-                <a:ea typeface="SimSun"/>
-              </a:rPr>
-              <a:t>[5]</a:t>
-            </a:r>
-            <a:r>
-              <a:rPr b="0" lang="en-IN" sz="1800" spc="-1" strike="noStrike">
-                <a:solidFill>
-                  <a:srgbClr val="808080"/>
-                </a:solidFill>
-                <a:latin typeface="Consolas"/>
-                <a:ea typeface="SimSun"/>
-              </a:rPr>
-              <a:t>&gt;</a:t>
-            </a:r>
-            <a:r>
-              <a:rPr b="0" lang="en-IN" sz="1800" spc="-1" strike="noStrike">
-                <a:solidFill>
-                  <a:srgbClr val="000000"/>
-                </a:solidFill>
-                <a:latin typeface="Consolas"/>
-                <a:ea typeface="SimSun"/>
-              </a:rPr>
-              <a:t> </a:t>
-            </a:r>
-            <a:r>
-              <a:rPr b="0" lang="en-IN" sz="1800" spc="-1" strike="noStrike">
-                <a:solidFill>
-                  <a:srgbClr val="ff5733"/>
-                </a:solidFill>
-                <a:latin typeface="Consolas"/>
-                <a:ea typeface="SimSun"/>
-              </a:rPr>
-              <a:t>eval "return 'Hello World!' " 0</a:t>
-            </a:r>
-            <a:endParaRPr b="0" lang="en-IN" sz="1800" spc="-1" strike="noStrike">
-              <a:latin typeface="Arial"/>
-            </a:endParaRPr>
-          </a:p>
-          <a:p>
-            <a:pPr>
-              <a:lnSpc>
-                <a:spcPct val="150000"/>
-              </a:lnSpc>
-            </a:pPr>
-            <a:r>
-              <a:rPr b="0" lang="en-IN" sz="1800" spc="-1" strike="noStrike">
-                <a:solidFill>
-                  <a:srgbClr val="808080"/>
-                </a:solidFill>
-                <a:latin typeface="Consolas"/>
-                <a:ea typeface="SimSun"/>
-              </a:rPr>
-              <a:t>127.0.0.1:6379</a:t>
-            </a:r>
-            <a:r>
-              <a:rPr b="1" lang="en-IN" sz="1800" spc="-1" strike="noStrike">
-                <a:solidFill>
-                  <a:srgbClr val="808080"/>
-                </a:solidFill>
-                <a:latin typeface="Consolas"/>
-                <a:ea typeface="SimSun"/>
-              </a:rPr>
-              <a:t>[5]</a:t>
-            </a:r>
-            <a:r>
-              <a:rPr b="0" lang="en-IN" sz="1800" spc="-1" strike="noStrike">
-                <a:solidFill>
-                  <a:srgbClr val="808080"/>
-                </a:solidFill>
-                <a:latin typeface="Consolas"/>
-                <a:ea typeface="SimSun"/>
-              </a:rPr>
-              <a:t>&gt; </a:t>
-            </a:r>
-            <a:r>
-              <a:rPr b="0" lang="en-IN" sz="1800" spc="-1" strike="noStrike">
-                <a:solidFill>
-                  <a:srgbClr val="ff5733"/>
-                </a:solidFill>
-                <a:latin typeface="Consolas"/>
-                <a:ea typeface="SimSun"/>
-              </a:rPr>
-              <a:t>eval "local x = 'Hello World!' return x" 0</a:t>
-            </a:r>
-            <a:endParaRPr b="0" lang="en-IN" sz="1800" spc="-1" strike="noStrike">
-              <a:latin typeface="Arial"/>
-            </a:endParaRPr>
-          </a:p>
-          <a:p>
-            <a:pPr>
-              <a:lnSpc>
-                <a:spcPct val="150000"/>
-              </a:lnSpc>
-            </a:pPr>
-            <a:r>
-              <a:rPr b="0" lang="en-IN" sz="1800" spc="-1" strike="noStrike">
-                <a:solidFill>
-                  <a:srgbClr val="808080"/>
-                </a:solidFill>
-                <a:latin typeface="Consolas"/>
-                <a:ea typeface="SimSun"/>
-              </a:rPr>
-              <a:t>127.0.0.1:6379</a:t>
-            </a:r>
-            <a:r>
-              <a:rPr b="1" lang="en-IN" sz="1800" spc="-1" strike="noStrike">
-                <a:solidFill>
-                  <a:srgbClr val="808080"/>
-                </a:solidFill>
-                <a:latin typeface="Consolas"/>
-                <a:ea typeface="SimSun"/>
-              </a:rPr>
-              <a:t>[5]</a:t>
-            </a:r>
-            <a:r>
-              <a:rPr b="0" lang="en-IN" sz="1800" spc="-1" strike="noStrike">
-                <a:solidFill>
-                  <a:srgbClr val="808080"/>
-                </a:solidFill>
-                <a:latin typeface="Consolas"/>
-                <a:ea typeface="SimSun"/>
-              </a:rPr>
-              <a:t>&gt;</a:t>
-            </a:r>
-            <a:r>
-              <a:rPr b="0" lang="en-IN" sz="1800" spc="-1" strike="noStrike">
-                <a:solidFill>
-                  <a:srgbClr val="000000"/>
-                </a:solidFill>
-                <a:latin typeface="Consolas"/>
-                <a:ea typeface="SimSun"/>
-              </a:rPr>
-              <a:t> </a:t>
-            </a:r>
-            <a:r>
-              <a:rPr b="0" lang="en-IN" sz="1800" spc="-1" strike="noStrike">
-                <a:solidFill>
-                  <a:srgbClr val="ff5733"/>
-                </a:solidFill>
-                <a:latin typeface="Consolas"/>
-                <a:ea typeface="SimSun"/>
-              </a:rPr>
-              <a:t>eval "return redis.call('echo', 'Hello')" 0</a:t>
-            </a:r>
-            <a:endParaRPr b="0" lang="en-IN" sz="1800" spc="-1" strike="noStrike">
-              <a:latin typeface="Arial"/>
-            </a:endParaRPr>
-          </a:p>
-          <a:p>
-            <a:pPr>
-              <a:lnSpc>
-                <a:spcPct val="150000"/>
-              </a:lnSpc>
-            </a:pPr>
-            <a:r>
-              <a:rPr b="0" lang="en-IN" sz="1800" spc="-1" strike="noStrike">
-                <a:solidFill>
-                  <a:srgbClr val="808080"/>
-                </a:solidFill>
-                <a:latin typeface="Consolas"/>
-                <a:ea typeface="SimSun"/>
-              </a:rPr>
-              <a:t>127.0.0.1:6379</a:t>
-            </a:r>
-            <a:r>
-              <a:rPr b="1" lang="en-IN" sz="1800" spc="-1" strike="noStrike">
-                <a:solidFill>
-                  <a:srgbClr val="808080"/>
-                </a:solidFill>
-                <a:latin typeface="Consolas"/>
-                <a:ea typeface="SimSun"/>
-              </a:rPr>
-              <a:t>[5]</a:t>
-            </a:r>
-            <a:r>
-              <a:rPr b="0" lang="en-IN" sz="1800" spc="-1" strike="noStrike">
-                <a:solidFill>
-                  <a:srgbClr val="808080"/>
-                </a:solidFill>
-                <a:latin typeface="Consolas"/>
-                <a:ea typeface="SimSun"/>
-              </a:rPr>
-              <a:t>&gt;</a:t>
-            </a:r>
-            <a:r>
-              <a:rPr b="0" lang="en-IN" sz="1800" spc="-1" strike="noStrike">
-                <a:solidFill>
-                  <a:srgbClr val="000000"/>
-                </a:solidFill>
-                <a:latin typeface="Consolas"/>
-                <a:ea typeface="SimSun"/>
-              </a:rPr>
-              <a:t> </a:t>
-            </a:r>
-            <a:r>
-              <a:rPr b="0" lang="en-IN" sz="1800" spc="-1" strike="noStrike">
-                <a:solidFill>
-                  <a:srgbClr val="ff5733"/>
-                </a:solidFill>
-                <a:latin typeface="Consolas"/>
-                <a:ea typeface="SimSun"/>
-              </a:rPr>
-              <a:t>eval "return ARGV[1] + ARGV[2] + ARGV[3]" 0 3 3 4</a:t>
-            </a:r>
-            <a:endParaRPr b="0" lang="en-IN" sz="1800" spc="-1" strike="noStrike">
-              <a:latin typeface="Arial"/>
-            </a:endParaRPr>
-          </a:p>
-          <a:p>
-            <a:pPr>
-              <a:lnSpc>
-                <a:spcPct val="150000"/>
-              </a:lnSpc>
-            </a:pPr>
-            <a:r>
-              <a:rPr b="0" lang="en-IN" sz="1800" spc="-1" strike="noStrike">
-                <a:solidFill>
-                  <a:srgbClr val="808080"/>
-                </a:solidFill>
-                <a:latin typeface="Consolas"/>
-                <a:ea typeface="SimSun"/>
-              </a:rPr>
-              <a:t>127.0.0.1:6379</a:t>
-            </a:r>
-            <a:r>
-              <a:rPr b="1" lang="en-IN" sz="1800" spc="-1" strike="noStrike">
-                <a:solidFill>
-                  <a:srgbClr val="808080"/>
-                </a:solidFill>
-                <a:latin typeface="Consolas"/>
-                <a:ea typeface="SimSun"/>
-              </a:rPr>
-              <a:t>[5]</a:t>
-            </a:r>
-            <a:r>
-              <a:rPr b="0" lang="en-IN" sz="1800" spc="-1" strike="noStrike">
-                <a:solidFill>
-                  <a:srgbClr val="808080"/>
-                </a:solidFill>
-                <a:latin typeface="Consolas"/>
-                <a:ea typeface="SimSun"/>
-              </a:rPr>
-              <a:t>&gt;</a:t>
-            </a:r>
-            <a:r>
-              <a:rPr b="0" lang="en-IN" sz="1800" spc="-1" strike="noStrike">
-                <a:solidFill>
-                  <a:srgbClr val="000000"/>
-                </a:solidFill>
-                <a:latin typeface="Consolas"/>
-                <a:ea typeface="SimSun"/>
-              </a:rPr>
-              <a:t> </a:t>
-            </a:r>
-            <a:r>
-              <a:rPr b="0" lang="en-IN" sz="1800" spc="-1" strike="noStrike">
-                <a:solidFill>
-                  <a:srgbClr val="ff5733"/>
-                </a:solidFill>
-                <a:latin typeface="Consolas"/>
-                <a:ea typeface="SimSun"/>
-              </a:rPr>
-              <a:t>eval "return redis.call('keys', '*')" 0</a:t>
-            </a:r>
-            <a:endParaRPr b="0" lang="en-IN" sz="1800" spc="-1" strike="noStrike">
-              <a:latin typeface="Arial"/>
-            </a:endParaRPr>
-          </a:p>
-          <a:p>
-            <a:pPr>
-              <a:lnSpc>
-                <a:spcPct val="150000"/>
-              </a:lnSpc>
-            </a:pPr>
-            <a:r>
-              <a:rPr b="0" lang="en-IN" sz="1800" spc="-1" strike="noStrike">
-                <a:solidFill>
-                  <a:srgbClr val="808080"/>
-                </a:solidFill>
-                <a:latin typeface="Consolas"/>
-                <a:ea typeface="SimSun"/>
-              </a:rPr>
-              <a:t>127.0.0.1:6379</a:t>
-            </a:r>
-            <a:r>
-              <a:rPr b="1" lang="en-IN" sz="1800" spc="-1" strike="noStrike">
-                <a:solidFill>
-                  <a:srgbClr val="808080"/>
-                </a:solidFill>
-                <a:latin typeface="Consolas"/>
-                <a:ea typeface="SimSun"/>
-              </a:rPr>
-              <a:t>[5]</a:t>
-            </a:r>
-            <a:r>
-              <a:rPr b="0" lang="en-IN" sz="1800" spc="-1" strike="noStrike">
-                <a:solidFill>
-                  <a:srgbClr val="808080"/>
-                </a:solidFill>
-                <a:latin typeface="Consolas"/>
-                <a:ea typeface="SimSun"/>
-              </a:rPr>
-              <a:t>&gt;</a:t>
-            </a:r>
-            <a:r>
-              <a:rPr b="0" lang="en-IN" sz="1800" spc="-1" strike="noStrike">
-                <a:solidFill>
-                  <a:srgbClr val="000000"/>
-                </a:solidFill>
-                <a:latin typeface="Consolas"/>
-                <a:ea typeface="SimSun"/>
-              </a:rPr>
-              <a:t> </a:t>
-            </a:r>
-            <a:r>
-              <a:rPr b="0" lang="en-IN" sz="1800" spc="-1" strike="noStrike">
-                <a:solidFill>
-                  <a:srgbClr val="ff5733"/>
-                </a:solidFill>
-                <a:latin typeface="Consolas"/>
-                <a:ea typeface="SimSun"/>
-              </a:rPr>
-              <a:t>eval "local x=redis.call('keys','*') return x" 0</a:t>
-            </a:r>
-            <a:endParaRPr b="0" lang="en-IN" sz="1800" spc="-1" strike="noStrike">
-              <a:latin typeface="Arial"/>
-            </a:endParaRPr>
-          </a:p>
-          <a:p>
-            <a:pPr>
-              <a:lnSpc>
-                <a:spcPct val="150000"/>
-              </a:lnSpc>
-            </a:pPr>
-            <a:r>
-              <a:rPr b="0" lang="en-IN" sz="1800" spc="-1" strike="noStrike">
-                <a:solidFill>
-                  <a:srgbClr val="808080"/>
-                </a:solidFill>
-                <a:latin typeface="Consolas"/>
-                <a:ea typeface="SimSun"/>
-              </a:rPr>
-              <a:t>127.0.0.1:6379</a:t>
-            </a:r>
-            <a:r>
-              <a:rPr b="1" lang="en-IN" sz="1800" spc="-1" strike="noStrike">
-                <a:solidFill>
-                  <a:srgbClr val="808080"/>
-                </a:solidFill>
-                <a:latin typeface="Consolas"/>
-                <a:ea typeface="SimSun"/>
-              </a:rPr>
-              <a:t>[5]</a:t>
-            </a:r>
-            <a:r>
-              <a:rPr b="0" lang="en-IN" sz="1800" spc="-1" strike="noStrike">
-                <a:solidFill>
-                  <a:srgbClr val="808080"/>
-                </a:solidFill>
-                <a:latin typeface="Consolas"/>
-                <a:ea typeface="SimSun"/>
-              </a:rPr>
-              <a:t>&gt;</a:t>
-            </a:r>
-            <a:r>
-              <a:rPr b="0" lang="en-IN" sz="1800" spc="-1" strike="noStrike">
-                <a:solidFill>
-                  <a:srgbClr val="000000"/>
-                </a:solidFill>
-                <a:latin typeface="Consolas"/>
-                <a:ea typeface="SimSun"/>
-              </a:rPr>
-              <a:t> </a:t>
-            </a:r>
-            <a:r>
-              <a:rPr b="0" lang="en-IN" sz="1800" spc="-1" strike="noStrike">
-                <a:solidFill>
-                  <a:srgbClr val="ff5733"/>
-                </a:solidFill>
-                <a:latin typeface="Consolas"/>
-                <a:ea typeface="SimSun"/>
-              </a:rPr>
-              <a:t>eval "local x=redis.call('mget', KEYS[1], KEYS[2], KEYS[3]) return x" 3 a b c</a:t>
-            </a:r>
-            <a:endParaRPr b="0" lang="en-IN" sz="1800" spc="-1" strike="noStrike">
-              <a:latin typeface="Arial"/>
-            </a:endParaRPr>
-          </a:p>
-          <a:p>
-            <a:pPr>
-              <a:lnSpc>
-                <a:spcPct val="150000"/>
-              </a:lnSpc>
-            </a:pPr>
-            <a:r>
-              <a:rPr b="0" lang="en-IN" sz="1800" spc="-1" strike="noStrike">
-                <a:solidFill>
-                  <a:srgbClr val="808080"/>
-                </a:solidFill>
-                <a:latin typeface="Consolas"/>
-                <a:ea typeface="SimSun"/>
-              </a:rPr>
-              <a:t>127.0.0.1:6379</a:t>
-            </a:r>
-            <a:r>
-              <a:rPr b="1" lang="en-IN" sz="1800" spc="-1" strike="noStrike">
-                <a:solidFill>
-                  <a:srgbClr val="808080"/>
-                </a:solidFill>
-                <a:latin typeface="Consolas"/>
-                <a:ea typeface="SimSun"/>
-              </a:rPr>
-              <a:t>[5]</a:t>
-            </a:r>
-            <a:r>
-              <a:rPr b="0" lang="en-IN" sz="1800" spc="-1" strike="noStrike">
-                <a:solidFill>
-                  <a:srgbClr val="808080"/>
-                </a:solidFill>
-                <a:latin typeface="Consolas"/>
-                <a:ea typeface="SimSun"/>
-              </a:rPr>
-              <a:t>&gt;</a:t>
-            </a:r>
-            <a:r>
-              <a:rPr b="0" lang="en-IN" sz="1800" spc="-1" strike="noStrike">
-                <a:solidFill>
-                  <a:srgbClr val="000000"/>
-                </a:solidFill>
-                <a:latin typeface="Consolas"/>
-                <a:ea typeface="SimSun"/>
-              </a:rPr>
-              <a:t> </a:t>
-            </a:r>
-            <a:r>
-              <a:rPr b="0" lang="en-IN" sz="1800" spc="-1" strike="noStrike">
-                <a:solidFill>
-                  <a:srgbClr val="ff5733"/>
-                </a:solidFill>
-                <a:latin typeface="Consolas"/>
-                <a:ea typeface="SimSun"/>
-              </a:rPr>
-              <a:t>eval "return redis.call('mget', KEYS[1], KEYS[2], KEYS[3])" 3 a b c</a:t>
+            <a:pPr algn="just">
+              <a:lnSpc>
+                <a:spcPct val="100000"/>
+              </a:lnSpc>
+            </a:pPr>
+            <a:r>
+              <a:rPr b="0" lang="en-IN" sz="2000" spc="-1" strike="noStrike">
+                <a:solidFill>
+                  <a:srgbClr val="3e5d78"/>
+                </a:solidFill>
+                <a:latin typeface="Times New Roman"/>
+                <a:ea typeface="DejaVu Sans"/>
+              </a:rPr>
+              <a:t>TODO</a:t>
+            </a:r>
+            <a:endParaRPr b="0" lang="en-IN" sz="2000" spc="-1" strike="noStrike">
+              <a:latin typeface="Arial"/>
+            </a:endParaRPr>
+          </a:p>
+        </p:txBody>
+      </p:sp>
+      <p:sp>
+        <p:nvSpPr>
+          <p:cNvPr id="351" name="CustomShape 3"/>
+          <p:cNvSpPr/>
+          <p:nvPr/>
+        </p:nvSpPr>
+        <p:spPr>
+          <a:xfrm>
+            <a:off x="522360" y="3531600"/>
+            <a:ext cx="11060640" cy="1186920"/>
+          </a:xfrm>
+          <a:prstGeom prst="rect">
+            <a:avLst/>
+          </a:prstGeom>
+          <a:noFill/>
+          <a:ln>
+            <a:noFill/>
+          </a:ln>
+        </p:spPr>
+        <p:style>
+          <a:lnRef idx="0"/>
+          <a:fillRef idx="0"/>
+          <a:effectRef idx="0"/>
+          <a:fontRef idx="minor"/>
+        </p:style>
+        <p:txBody>
+          <a:bodyPr lIns="90000" rIns="90000" tIns="45000" bIns="45000">
+            <a:spAutoFit/>
+          </a:bodyPr>
+          <a:p>
+            <a:pPr algn="just">
+              <a:lnSpc>
+                <a:spcPct val="100000"/>
+              </a:lnSpc>
+            </a:pPr>
+            <a:r>
+              <a:rPr b="0" lang="en-US" sz="1800" spc="-1" strike="noStrike">
+                <a:solidFill>
+                  <a:srgbClr val="bb0643"/>
+                </a:solidFill>
+                <a:latin typeface="Segoe UI"/>
+                <a:ea typeface="DejaVu Sans"/>
+              </a:rPr>
+              <a:t>Redis Sorted Sets are, similarly to Redis Sets, non repeating collections of Strings. The difference is that every member of a Sorted Set is associated with score, that is used in order to take the sorted set ordered, from the smallest to the greatest score. While members are unique, scores may be repeated.</a:t>
             </a:r>
             <a:endParaRPr b="0" lang="en-IN" sz="1800" spc="-1" strike="noStrike">
               <a:latin typeface="Arial"/>
@@ -31808,14 +31293,14 @@
       </p:grpSpPr>
       <p:sp>
         <p:nvSpPr>
-          <p:cNvPr id="353" name="CustomShape 1"/>
+          <p:cNvPr id="352" name="CustomShape 1"/>
           <p:cNvSpPr/>
           <p:nvPr/>
         </p:nvSpPr>
         <p:spPr>
           <a:xfrm>
-            <a:off x="1365840" y="188640"/>
-            <a:ext cx="9668160" cy="2192400"/>
+            <a:off x="1676520" y="2362320"/>
+            <a:ext cx="8823600" cy="912600"/>
           </a:xfrm>
           <a:prstGeom prst="rect">
             <a:avLst/>
@@ -31842,84 +31327,123 @@
               </a:lnSpc>
             </a:pPr>
             <a:r>
-              <a:rPr b="0" lang="en-IN" sz="4000" spc="-1" strike="noStrike">
-                <a:solidFill>
-                  <a:srgbClr val="ff5733"/>
-                </a:solidFill>
-                <a:latin typeface="Segoe Print"/>
-                <a:ea typeface="DejaVu Sans"/>
-              </a:rPr>
-              <a:t>“</a:t>
-            </a:r>
-            <a:r>
-              <a:rPr b="0" lang="en-US" sz="4000" spc="-1" strike="noStrike">
-                <a:solidFill>
-                  <a:srgbClr val="ff5733"/>
-                </a:solidFill>
-                <a:latin typeface="Segoe Print"/>
-                <a:ea typeface="DejaVu Sans"/>
-              </a:rPr>
-              <a:t>Accept your past without regret, handle our present with confidence and face your future without fear.</a:t>
-            </a:r>
-            <a:r>
-              <a:rPr b="0" lang="en-IN" sz="4000" spc="-1" strike="noStrike">
-                <a:solidFill>
-                  <a:srgbClr val="ff5733"/>
-                </a:solidFill>
-                <a:latin typeface="Segoe Print"/>
-                <a:ea typeface="DejaVu Sans"/>
-              </a:rPr>
-              <a:t>”</a:t>
-            </a:r>
-            <a:endParaRPr b="0" lang="en-IN" sz="4000" spc="-1" strike="noStrike">
-              <a:latin typeface="Arial"/>
-            </a:endParaRPr>
-          </a:p>
-          <a:p>
-            <a:pPr algn="r">
-              <a:lnSpc>
-                <a:spcPct val="100000"/>
-              </a:lnSpc>
-            </a:pPr>
-            <a:r>
-              <a:rPr b="0" lang="en-IN" sz="1800" spc="-1" strike="noStrike">
-                <a:solidFill>
-                  <a:srgbClr val="111111"/>
-                </a:solidFill>
-                <a:latin typeface="-apple-system"/>
-                <a:ea typeface="DejaVu Sans"/>
-              </a:rPr>
-              <a:t>~ Dr. APJ. Abdul Kalam</a:t>
-            </a:r>
-            <a:endParaRPr b="0" lang="en-IN" sz="1800" spc="-1" strike="noStrike">
+              <a:rPr b="0" i="1" lang="en-IN" sz="5400" spc="-1" strike="noStrike">
+                <a:solidFill>
+                  <a:srgbClr val="f7c120"/>
+                </a:solidFill>
+                <a:latin typeface="Century"/>
+                <a:ea typeface="DejaVu Sans"/>
+              </a:rPr>
+              <a:t>redis EVAL script</a:t>
+            </a:r>
+            <a:endParaRPr b="0" lang="en-IN" sz="5400" spc="-1" strike="noStrike">
               <a:latin typeface="Arial"/>
             </a:endParaRPr>
           </a:p>
         </p:txBody>
       </p:sp>
-      <p:pic>
-        <p:nvPicPr>
-          <p:cNvPr id="354" name="Picture 2" descr="http://www.bvctch.vn/vnt_upload/weblink/thks.jpg"/>
-          <p:cNvPicPr/>
+      <p:sp>
+        <p:nvSpPr>
+          <p:cNvPr id="353" name="CustomShape 2"/>
+          <p:cNvSpPr/>
           <p:nvPr/>
-        </p:nvPicPr>
-        <p:blipFill>
-          <a:blip r:embed="rId1"/>
-          <a:stretch/>
-        </p:blipFill>
-        <p:spPr>
-          <a:xfrm>
-            <a:off x="4404600" y="2036160"/>
-            <a:ext cx="3111840" cy="4648680"/>
+        </p:nvSpPr>
+        <p:spPr>
+          <a:xfrm>
+            <a:off x="1666800" y="609480"/>
+            <a:ext cx="8823600" cy="394560"/>
           </a:xfrm>
           <a:prstGeom prst="rect">
             <a:avLst/>
           </a:prstGeom>
+          <a:noFill/>
           <a:ln>
             <a:noFill/>
           </a:ln>
         </p:spPr>
-      </p:pic>
+        <p:style>
+          <a:lnRef idx="0"/>
+          <a:fillRef idx="0"/>
+          <a:effectRef idx="0"/>
+          <a:fontRef idx="minor"/>
+        </p:style>
+        <p:txBody>
+          <a:bodyPr lIns="90000" rIns="90000" tIns="45000" bIns="45000">
+            <a:spAutoFit/>
+          </a:bodyPr>
+          <a:p>
+            <a:pPr algn="just">
+              <a:lnSpc>
+                <a:spcPct val="100000"/>
+              </a:lnSpc>
+            </a:pPr>
+            <a:r>
+              <a:rPr b="0" lang="en-IN" sz="2000" spc="-1" strike="noStrike">
+                <a:solidFill>
+                  <a:srgbClr val="3e5d78"/>
+                </a:solidFill>
+                <a:latin typeface="Times New Roman"/>
+                <a:ea typeface="DejaVu Sans"/>
+              </a:rPr>
+              <a:t>Lua scripting</a:t>
+            </a:r>
+            <a:endParaRPr b="0" lang="en-IN" sz="2000" spc="-1" strike="noStrike">
+              <a:latin typeface="Arial"/>
+            </a:endParaRPr>
+          </a:p>
+        </p:txBody>
+      </p:sp>
+      <p:sp>
+        <p:nvSpPr>
+          <p:cNvPr id="354" name="CustomShape 3"/>
+          <p:cNvSpPr/>
+          <p:nvPr/>
+        </p:nvSpPr>
+        <p:spPr>
+          <a:xfrm>
+            <a:off x="522360" y="3531600"/>
+            <a:ext cx="11060640" cy="363960"/>
+          </a:xfrm>
+          <a:prstGeom prst="rect">
+            <a:avLst/>
+          </a:prstGeom>
+          <a:noFill/>
+          <a:ln>
+            <a:noFill/>
+          </a:ln>
+        </p:spPr>
+        <p:style>
+          <a:lnRef idx="0"/>
+          <a:fillRef idx="0"/>
+          <a:effectRef idx="0"/>
+          <a:fontRef idx="minor"/>
+        </p:style>
+        <p:txBody>
+          <a:bodyPr lIns="90000" rIns="90000" tIns="45000" bIns="45000">
+            <a:spAutoFit/>
+          </a:bodyPr>
+          <a:p>
+            <a:pPr>
+              <a:lnSpc>
+                <a:spcPct val="100000"/>
+              </a:lnSpc>
+            </a:pPr>
+            <a:r>
+              <a:rPr b="0" lang="en-US" sz="1800" spc="-1" strike="noStrike">
+                <a:solidFill>
+                  <a:srgbClr val="bb0643"/>
+                </a:solidFill>
+                <a:latin typeface="Segoe UI"/>
+                <a:ea typeface="DejaVu Sans"/>
+              </a:rPr>
+              <a:t>TODO</a:t>
+            </a:r>
+            <a:endParaRPr b="0" lang="en-IN" sz="1800" spc="-1" strike="noStrike">
+              <a:latin typeface="Arial"/>
+            </a:endParaRPr>
+          </a:p>
+        </p:txBody>
+      </p:sp>
     </p:spTree>
   </p:cSld>
   <mc:AlternateContent>
@@ -31958,8 +31482,59 @@
         </p:nvSpPr>
         <p:spPr>
           <a:xfrm>
-            <a:off x="474480" y="2448000"/>
-            <a:ext cx="10392840" cy="2389680"/>
+            <a:off x="0" y="727200"/>
+            <a:ext cx="1939320" cy="424800"/>
+          </a:xfrm>
+          <a:prstGeom prst="rect">
+            <a:avLst/>
+          </a:prstGeom>
+          <a:noFill/>
+          <a:ln>
+            <a:noFill/>
+          </a:ln>
+        </p:spPr>
+        <p:style>
+          <a:lnRef idx="0"/>
+          <a:fillRef idx="0"/>
+          <a:effectRef idx="0"/>
+          <a:fontRef idx="minor"/>
+        </p:style>
+        <p:txBody>
+          <a:bodyPr lIns="90000" rIns="90000" tIns="45000" bIns="45000">
+            <a:spAutoFit/>
+          </a:bodyPr>
+          <a:p>
+            <a:pPr algn="just">
+              <a:lnSpc>
+                <a:spcPct val="100000"/>
+              </a:lnSpc>
+            </a:pPr>
+            <a:r>
+              <a:rPr b="0" lang="en-IN" sz="2200" spc="-1" strike="noStrike">
+                <a:solidFill>
+                  <a:srgbClr val="3e5d78"/>
+                </a:solidFill>
+                <a:latin typeface="Times New Roman"/>
+                <a:ea typeface="DejaVu Sans"/>
+              </a:rPr>
+              <a:t>Lua scripting</a:t>
+            </a:r>
+            <a:endParaRPr b="0" lang="en-IN" sz="2200" spc="-1" strike="noStrike">
+              <a:latin typeface="Arial"/>
+            </a:endParaRPr>
+          </a:p>
+        </p:txBody>
+      </p:sp>
+      <p:sp>
+        <p:nvSpPr>
+          <p:cNvPr id="356" name="CustomShape 2"/>
+          <p:cNvSpPr/>
+          <p:nvPr/>
+        </p:nvSpPr>
+        <p:spPr>
+          <a:xfrm>
+            <a:off x="288000" y="2061720"/>
+            <a:ext cx="11659320" cy="4052160"/>
           </a:xfrm>
           <a:prstGeom prst="rect">
             <a:avLst/>
@@ -31980,32 +31555,42 @@
             <a:noAutofit/>
           </a:bodyPr>
           <a:p>
+            <a:pPr algn="just">
+              <a:lnSpc>
+                <a:spcPct val="100000"/>
+              </a:lnSpc>
+            </a:pPr>
+            <a:r>
+              <a:rPr b="1" lang="en-US" sz="2000" spc="-1" strike="noStrike">
+                <a:solidFill>
+                  <a:srgbClr val="000000"/>
+                </a:solidFill>
+                <a:latin typeface="Arial"/>
+                <a:ea typeface="DejaVu Sans"/>
+              </a:rPr>
+              <a:t>EVAL</a:t>
+            </a:r>
+            <a:r>
+              <a:rPr b="0" lang="en-IN" sz="2000" spc="-1" strike="noStrike">
+                <a:solidFill>
+                  <a:srgbClr val="000000"/>
+                </a:solidFill>
+                <a:latin typeface="Arial"/>
+                <a:ea typeface="DejaVu Sans"/>
+              </a:rPr>
+              <a:t> is used to evaluate scripts using the Lua interpreter built into Redis starting from version 2.6.0.</a:t>
+            </a:r>
+            <a:endParaRPr b="0" lang="en-IN" sz="2000" spc="-1" strike="noStrike">
+              <a:latin typeface="Arial"/>
+            </a:endParaRPr>
+          </a:p>
+          <a:p>
             <a:pPr>
               <a:lnSpc>
                 <a:spcPct val="100000"/>
               </a:lnSpc>
             </a:pPr>
-            <a:r>
-              <a:rPr b="0" lang="en-IN" sz="1800" spc="-1" strike="noStrike">
-                <a:solidFill>
-                  <a:srgbClr val="000000"/>
-                </a:solidFill>
-                <a:latin typeface="Arial"/>
-                <a:ea typeface="DejaVu Sans"/>
-              </a:rPr>
-              <a:t>The INFO command returns information and statistics about the server in a format that is simple to parse by computers and easy to read by humans. </a:t>
-            </a:r>
-            <a:endParaRPr b="0" lang="en-IN" sz="1800" spc="-1" strike="noStrike">
-              <a:latin typeface="Arial"/>
-            </a:endParaRPr>
-          </a:p>
-          <a:p>
-            <a:pPr>
-              <a:lnSpc>
-                <a:spcPct val="100000"/>
-              </a:lnSpc>
-            </a:pPr>
-            <a:endParaRPr b="0" lang="en-IN" sz="1800" spc="-1" strike="noStrike">
+            <a:endParaRPr b="0" lang="en-IN" sz="2000" spc="-1" strike="noStrike">
               <a:latin typeface="Arial"/>
             </a:endParaRPr>
           </a:p>
@@ -32022,16 +31607,36 @@
               <a:buChar char=""/>
             </a:pPr>
             <a:r>
-              <a:rPr b="0" lang="en-IN" sz="1800" spc="-1" strike="noStrike">
+              <a:rPr b="1" lang="en-IN" sz="2000" spc="-1" strike="noStrike">
                 <a:solidFill>
                   <a:srgbClr val="000000"/>
                 </a:solidFill>
                 <a:latin typeface="Arial"/>
                 <a:ea typeface="DejaVu Sans"/>
               </a:rPr>
-              <a:t>info server</a:t>
-            </a:r>
-            <a:endParaRPr b="0" lang="en-IN" sz="1800" spc="-1" strike="noStrike">
+              <a:t>The first argument of EVAL</a:t>
+            </a:r>
+            <a:r>
+              <a:rPr b="0" lang="en-IN" sz="2000" spc="-1" strike="noStrike">
+                <a:solidFill>
+                  <a:srgbClr val="000000"/>
+                </a:solidFill>
+                <a:latin typeface="Arial"/>
+                <a:ea typeface="DejaVu Sans"/>
+              </a:rPr>
+              <a:t> is a Lua 5.1 script. The script does not need to define a Lua function. It is just a Lua program that will run in the context of the Redis server.</a:t>
+            </a:r>
+            <a:endParaRPr b="0" lang="en-IN" sz="2000" spc="-1" strike="noStrike">
+              <a:latin typeface="Arial"/>
+            </a:endParaRPr>
+          </a:p>
+          <a:p>
+            <a:pPr>
+              <a:lnSpc>
+                <a:spcPct val="100000"/>
+              </a:lnSpc>
+            </a:pPr>
+            <a:endParaRPr b="0" lang="en-IN" sz="2000" spc="-1" strike="noStrike">
               <a:latin typeface="Arial"/>
             </a:endParaRPr>
           </a:p>
@@ -32048,94 +31653,136 @@
               <a:buChar char=""/>
             </a:pPr>
             <a:r>
-              <a:rPr b="0" lang="en-IN" sz="1800" spc="-1" strike="noStrike">
+              <a:rPr b="1" lang="en-IN" sz="2000" spc="-1" strike="noStrike">
                 <a:solidFill>
                   <a:srgbClr val="000000"/>
                 </a:solidFill>
                 <a:latin typeface="Arial"/>
                 <a:ea typeface="DejaVu Sans"/>
               </a:rPr>
-              <a:t>info clients</a:t>
-            </a:r>
-            <a:endParaRPr b="0" lang="en-IN" sz="1800" spc="-1" strike="noStrike">
-              <a:latin typeface="Arial"/>
-            </a:endParaRPr>
-          </a:p>
-          <a:p>
-            <a:pPr marL="216000" indent="-211320">
-              <a:lnSpc>
-                <a:spcPct val="100000"/>
-              </a:lnSpc>
-              <a:buClr>
-                <a:srgbClr val="000000"/>
-              </a:buClr>
-              <a:buSzPct val="45000"/>
-              <a:buFont typeface="Wingdings" charset="2"/>
-              <a:buChar char=""/>
-            </a:pPr>
-            <a:r>
-              <a:rPr b="0" lang="en-IN" sz="1800" spc="-1" strike="noStrike">
+              <a:t>The second argument of EVAL</a:t>
+            </a:r>
+            <a:r>
+              <a:rPr b="0" lang="en-IN" sz="2000" spc="-1" strike="noStrike">
                 <a:solidFill>
                   <a:srgbClr val="000000"/>
                 </a:solidFill>
                 <a:latin typeface="Arial"/>
                 <a:ea typeface="DejaVu Sans"/>
               </a:rPr>
-              <a:t>info Keyspace</a:t>
-            </a:r>
-            <a:endParaRPr b="0" lang="en-IN" sz="1800" spc="-1" strike="noStrike">
-              <a:latin typeface="Arial"/>
-            </a:endParaRPr>
-          </a:p>
-          <a:p>
-            <a:pPr marL="216000" indent="-211320">
-              <a:lnSpc>
-                <a:spcPct val="100000"/>
-              </a:lnSpc>
-              <a:buClr>
-                <a:srgbClr val="000000"/>
-              </a:buClr>
-              <a:buSzPct val="45000"/>
-              <a:buFont typeface="Wingdings" charset="2"/>
-              <a:buChar char=""/>
-            </a:pPr>
-            <a:r>
-              <a:rPr b="0" lang="en-IN" sz="1800" spc="-1" strike="noStrike">
+              <a:t> is the number of arguments that follows the script (starting from the third argument) that represent Redis key names. The arguments can be accessed by Lua using the </a:t>
+            </a:r>
+            <a:r>
+              <a:rPr b="1" lang="en-IN" sz="2000" spc="-1" strike="noStrike">
                 <a:solidFill>
                   <a:srgbClr val="000000"/>
                 </a:solidFill>
                 <a:latin typeface="Arial"/>
                 <a:ea typeface="DejaVu Sans"/>
               </a:rPr>
-              <a:t>info modules</a:t>
-            </a:r>
-            <a:endParaRPr b="0" lang="en-IN" sz="1800" spc="-1" strike="noStrike">
-              <a:latin typeface="Arial"/>
-            </a:endParaRPr>
-          </a:p>
-          <a:p>
-            <a:pPr marL="216000" indent="-211320">
-              <a:lnSpc>
-                <a:spcPct val="100000"/>
-              </a:lnSpc>
-              <a:buClr>
-                <a:srgbClr val="000000"/>
-              </a:buClr>
-              <a:buSzPct val="45000"/>
-              <a:buFont typeface="Wingdings" charset="2"/>
-              <a:buChar char=""/>
-            </a:pPr>
-            <a:r>
-              <a:rPr b="0" lang="en-IN" sz="1800" spc="-1" strike="noStrike">
+              <a:t>KEYS global variable</a:t>
+            </a:r>
+            <a:r>
+              <a:rPr b="0" lang="en-IN" sz="2000" spc="-1" strike="noStrike">
                 <a:solidFill>
                   <a:srgbClr val="000000"/>
                 </a:solidFill>
                 <a:latin typeface="Arial"/>
                 <a:ea typeface="DejaVu Sans"/>
               </a:rPr>
-              <a:t>info all</a:t>
-            </a:r>
-            <a:endParaRPr b="0" lang="en-IN" sz="1800" spc="-1" strike="noStrike">
+              <a:t> in the form of a one-based array (so </a:t>
+            </a:r>
+            <a:r>
+              <a:rPr b="1" lang="en-IN" sz="2000" spc="-1" strike="noStrike">
+                <a:solidFill>
+                  <a:srgbClr val="000000"/>
+                </a:solidFill>
+                <a:latin typeface="Arial"/>
+                <a:ea typeface="DejaVu Sans"/>
+              </a:rPr>
+              <a:t>KEYS[1], KEYS[2], ...</a:t>
+            </a:r>
+            <a:r>
+              <a:rPr b="0" lang="en-IN" sz="2000" spc="-1" strike="noStrike">
+                <a:solidFill>
+                  <a:srgbClr val="000000"/>
+                </a:solidFill>
+                <a:latin typeface="Arial"/>
+                <a:ea typeface="DejaVu Sans"/>
+              </a:rPr>
+              <a:t>).</a:t>
+            </a:r>
+            <a:endParaRPr b="0" lang="en-IN" sz="2000" spc="-1" strike="noStrike">
+              <a:latin typeface="Arial"/>
+            </a:endParaRPr>
+          </a:p>
+          <a:p>
+            <a:pPr>
+              <a:lnSpc>
+                <a:spcPct val="100000"/>
+              </a:lnSpc>
+            </a:pPr>
+            <a:endParaRPr b="0" lang="en-IN" sz="2000" spc="-1" strike="noStrike">
+              <a:latin typeface="Arial"/>
+            </a:endParaRPr>
+          </a:p>
+          <a:p>
+            <a:pPr>
+              <a:lnSpc>
+                <a:spcPct val="100000"/>
+              </a:lnSpc>
+            </a:pPr>
+            <a:r>
+              <a:rPr b="0" lang="en-IN" sz="2000" spc="-1" strike="noStrike">
+                <a:solidFill>
+                  <a:srgbClr val="000000"/>
+                </a:solidFill>
+                <a:latin typeface="Arial"/>
+                <a:ea typeface="DejaVu Sans"/>
+              </a:rPr>
+              <a:t>All the additional arguments should not represent key names and can be accessed by Lua using the </a:t>
+            </a:r>
+            <a:r>
+              <a:rPr b="1" lang="en-IN" sz="2000" spc="-1" strike="noStrike">
+                <a:solidFill>
+                  <a:srgbClr val="000000"/>
+                </a:solidFill>
+                <a:latin typeface="Arial"/>
+                <a:ea typeface="DejaVu Sans"/>
+              </a:rPr>
+              <a:t>ARGV global variable</a:t>
+            </a:r>
+            <a:r>
+              <a:rPr b="0" lang="en-IN" sz="2000" spc="-1" strike="noStrike">
+                <a:solidFill>
+                  <a:srgbClr val="000000"/>
+                </a:solidFill>
+                <a:latin typeface="Arial"/>
+                <a:ea typeface="DejaVu Sans"/>
+              </a:rPr>
+              <a:t>, very similarly to what happens with keys (so </a:t>
+            </a:r>
+            <a:r>
+              <a:rPr b="1" lang="en-IN" sz="2000" spc="-1" strike="noStrike">
+                <a:solidFill>
+                  <a:srgbClr val="000000"/>
+                </a:solidFill>
+                <a:latin typeface="Arial"/>
+                <a:ea typeface="DejaVu Sans"/>
+              </a:rPr>
+              <a:t>ARGV[1], ARGV[2], ...</a:t>
+            </a:r>
+            <a:r>
+              <a:rPr b="0" lang="en-IN" sz="2000" spc="-1" strike="noStrike">
+                <a:solidFill>
+                  <a:srgbClr val="000000"/>
+                </a:solidFill>
+                <a:latin typeface="Arial"/>
+                <a:ea typeface="DejaVu Sans"/>
+              </a:rPr>
+              <a:t>).</a:t>
+            </a:r>
+            <a:endParaRPr b="0" lang="en-IN" sz="2000" spc="-1" strike="noStrike">
               <a:latin typeface="Arial"/>
             </a:endParaRPr>
           </a:p>
@@ -32143,14 +31790,120 @@
       </p:sp>
       <p:sp>
         <p:nvSpPr>
-          <p:cNvPr id="356" name="CustomShape 2"/>
+          <p:cNvPr id="357" name="CustomShape 3"/>
           <p:cNvSpPr/>
           <p:nvPr/>
         </p:nvSpPr>
         <p:spPr>
           <a:xfrm>
-            <a:off x="363600" y="193320"/>
-            <a:ext cx="4239720" cy="594000"/>
+            <a:off x="248400" y="0"/>
+            <a:ext cx="11697120" cy="699120"/>
+          </a:xfrm>
+          <a:prstGeom prst="rect">
+            <a:avLst/>
+          </a:prstGeom>
+          <a:solidFill>
+            <a:schemeClr val="accent6">
+              <a:lumMod val="75000"/>
+            </a:schemeClr>
+          </a:solidFill>
+          <a:ln>
+            <a:noFill/>
+          </a:ln>
+        </p:spPr>
+        <p:style>
+          <a:lnRef idx="0"/>
+          <a:fillRef idx="0"/>
+          <a:effectRef idx="0"/>
+          <a:fontRef idx="minor"/>
+        </p:style>
+        <p:txBody>
+          <a:bodyPr lIns="90000" rIns="90000" tIns="45000" bIns="45000">
+            <a:spAutoFit/>
+          </a:bodyPr>
+          <a:p>
+            <a:pPr algn="ctr">
+              <a:lnSpc>
+                <a:spcPct val="100000"/>
+              </a:lnSpc>
+            </a:pPr>
+            <a:r>
+              <a:rPr b="0" lang="en-IN" sz="4000" spc="-1" strike="noStrike">
+                <a:solidFill>
+                  <a:srgbClr val="f7c120"/>
+                </a:solidFill>
+                <a:latin typeface="Open Sans"/>
+                <a:ea typeface="DejaVu Sans"/>
+              </a:rPr>
+              <a:t>Introduction to EVAL</a:t>
+            </a:r>
+            <a:endParaRPr b="0" lang="en-IN" sz="4000" spc="-1" strike="noStrike">
+              <a:latin typeface="Arial"/>
+            </a:endParaRPr>
+          </a:p>
+        </p:txBody>
+      </p:sp>
+      <p:sp>
+        <p:nvSpPr>
+          <p:cNvPr id="358" name="CustomShape 4"/>
+          <p:cNvSpPr/>
+          <p:nvPr/>
+        </p:nvSpPr>
+        <p:spPr>
+          <a:xfrm>
+            <a:off x="576000" y="1504080"/>
+            <a:ext cx="8347320" cy="363240"/>
+          </a:xfrm>
+          <a:prstGeom prst="rect">
+            <a:avLst/>
+          </a:prstGeom>
+          <a:noFill/>
+          <a:ln>
+            <a:noFill/>
+          </a:ln>
+        </p:spPr>
+        <p:style>
+          <a:lnRef idx="0"/>
+          <a:fillRef idx="0"/>
+          <a:effectRef idx="0"/>
+          <a:fontRef idx="minor"/>
+        </p:style>
+        <p:txBody>
+          <a:bodyPr lIns="0" rIns="0" tIns="0" bIns="0">
+            <a:noAutofit/>
+          </a:bodyPr>
+          <a:p>
+            <a:pPr>
+              <a:lnSpc>
+                <a:spcPct val="100000"/>
+              </a:lnSpc>
+            </a:pPr>
+            <a:r>
+              <a:rPr b="0" lang="en-US" sz="2200" spc="-1" strike="noStrike">
+                <a:solidFill>
+                  <a:srgbClr val="00b0f0"/>
+                </a:solidFill>
+                <a:latin typeface="Consolas"/>
+                <a:ea typeface="DejaVu Sans"/>
+              </a:rPr>
+              <a:t>EVAL script numkeys key [key ...] arg [arg ...]</a:t>
+            </a:r>
+            <a:endParaRPr b="0" lang="en-IN" sz="2200" spc="-1" strike="noStrike">
+              <a:latin typeface="Arial"/>
+            </a:endParaRPr>
+          </a:p>
+        </p:txBody>
+      </p:sp>
+      <p:sp>
+        <p:nvSpPr>
+          <p:cNvPr id="359" name="CustomShape 5"/>
+          <p:cNvSpPr/>
+          <p:nvPr/>
+        </p:nvSpPr>
+        <p:spPr>
+          <a:xfrm>
+            <a:off x="288000" y="5543280"/>
+            <a:ext cx="10831320" cy="1004040"/>
           </a:xfrm>
           <a:prstGeom prst="rect">
             <a:avLst/>
@@ -32177,148 +31930,94 @@
               </a:lnSpc>
             </a:pPr>
             <a:r>
-              <a:rPr b="0" lang="en-IN" sz="1800" spc="-1" strike="noStrike">
+              <a:rPr b="1" lang="en-IN" sz="2000" spc="-1" strike="noStrike">
+                <a:solidFill>
+                  <a:srgbClr val="c00000"/>
+                </a:solidFill>
+                <a:latin typeface="Open Sans"/>
+                <a:ea typeface="Open Sans"/>
+              </a:rPr>
+              <a:t>Note:</a:t>
+            </a:r>
+            <a:endParaRPr b="0" lang="en-IN" sz="2000" spc="-1" strike="noStrike">
+              <a:latin typeface="Arial"/>
+            </a:endParaRPr>
+          </a:p>
+          <a:p>
+            <a:pPr>
+              <a:lnSpc>
+                <a:spcPct val="100000"/>
+              </a:lnSpc>
+            </a:pPr>
+            <a:endParaRPr b="0" lang="en-IN" sz="2000" spc="-1" strike="noStrike">
+              <a:latin typeface="Arial"/>
+            </a:endParaRPr>
+          </a:p>
+          <a:p>
+            <a:pPr>
+              <a:lnSpc>
+                <a:spcPct val="100000"/>
+              </a:lnSpc>
+            </a:pPr>
+            <a:r>
+              <a:rPr b="1" lang="en-IN" sz="1800" spc="-1" strike="noStrike">
                 <a:solidFill>
                   <a:srgbClr val="000000"/>
                 </a:solidFill>
                 <a:latin typeface="Arial"/>
-                <a:ea typeface="DejaVu Sans"/>
-              </a:rPr>
-              <a:t>SAVE</a:t>
-            </a:r>
-            <a:endParaRPr b="0" lang="en-IN" sz="1800" spc="-1" strike="noStrike">
-              <a:latin typeface="Arial"/>
-            </a:endParaRPr>
-          </a:p>
-          <a:p>
-            <a:pPr>
-              <a:lnSpc>
-                <a:spcPct val="100000"/>
-              </a:lnSpc>
-            </a:pPr>
+                <a:ea typeface="Open Sans"/>
+              </a:rPr>
+              <a:t>KEYS[1], KEYS[2], . . .  </a:t>
+            </a:r>
             <a:r>
               <a:rPr b="0" lang="en-IN" sz="1800" spc="-1" strike="noStrike">
                 <a:solidFill>
                   <a:srgbClr val="000000"/>
                 </a:solidFill>
                 <a:latin typeface="Arial"/>
-                <a:ea typeface="DejaVu Sans"/>
-              </a:rPr>
-              <a:t>Config get dir  /var/lib/redis</a:t>
-            </a:r>
-            <a:endParaRPr b="0" lang="en-IN" sz="1800" spc="-1" strike="noStrike">
-              <a:latin typeface="Arial"/>
-            </a:endParaRPr>
-          </a:p>
-        </p:txBody>
-      </p:sp>
-      <p:sp>
-        <p:nvSpPr>
-          <p:cNvPr id="357" name="CustomShape 3"/>
-          <p:cNvSpPr/>
-          <p:nvPr/>
-        </p:nvSpPr>
-        <p:spPr>
-          <a:xfrm>
-            <a:off x="504000" y="5760000"/>
-            <a:ext cx="11155320" cy="597600"/>
-          </a:xfrm>
-          <a:prstGeom prst="rect">
-            <a:avLst/>
-          </a:prstGeom>
-          <a:noFill/>
-          <a:ln>
-            <a:noFill/>
-          </a:ln>
-        </p:spPr>
-        <p:style>
-          <a:lnRef idx="0"/>
-          <a:fillRef idx="0"/>
-          <a:effectRef idx="0"/>
-          <a:fontRef idx="minor"/>
-        </p:style>
-        <p:txBody>
-          <a:bodyPr lIns="90000" rIns="90000" tIns="45000" bIns="45000">
-            <a:noAutofit/>
-          </a:bodyPr>
-          <a:p>
-            <a:pPr>
-              <a:lnSpc>
-                <a:spcPct val="100000"/>
-              </a:lnSpc>
-            </a:pPr>
-            <a:r>
-              <a:rPr b="0" lang="en-IN" sz="1800" spc="-1" strike="noStrike" u="sng">
-                <a:solidFill>
-                  <a:srgbClr val="b292ca"/>
-                </a:solidFill>
-                <a:uFillTx/>
+                <a:ea typeface="Open Sans"/>
+              </a:rPr>
+              <a:t>and</a:t>
+            </a:r>
+            <a:r>
+              <a:rPr b="1" lang="en-IN" sz="1800" spc="-1" strike="noStrike">
+                <a:solidFill>
+                  <a:srgbClr val="000000"/>
+                </a:solidFill>
                 <a:latin typeface="Arial"/>
-                <a:ea typeface="DejaVu Sans"/>
-                <a:hlinkClick r:id="rId1"/>
-              </a:rPr>
-              <a:t>saleel@saleel-Latitude-E6430</a:t>
-            </a:r>
-            <a:r>
-              <a:rPr b="0" lang="en-IN" sz="1800" spc="-1" strike="noStrike">
-                <a:solidFill>
-                  <a:srgbClr val="b292ca"/>
+                <a:ea typeface="Open Sans"/>
+              </a:rPr>
+              <a:t> ARGV[1], ARGV[2]</a:t>
+            </a:r>
+            <a:r>
+              <a:rPr b="0" lang="en-IN" sz="1800" spc="-1" strike="noStrike">
+                <a:solidFill>
+                  <a:srgbClr val="000000"/>
                 </a:solidFill>
                 <a:latin typeface="Arial"/>
-                <a:ea typeface="DejaVu Sans"/>
-              </a:rPr>
-              <a:t>:~$ redis-cli --csv -h 127.0.0.1 -p 6379 -n 3  hgetall cust:2 &gt;&gt; customer</a:t>
-            </a:r>
-            <a:endParaRPr b="0" lang="en-IN" sz="1800" spc="-1" strike="noStrike">
-              <a:latin typeface="Arial"/>
-            </a:endParaRPr>
-          </a:p>
-        </p:txBody>
-      </p:sp>
-      <p:sp>
-        <p:nvSpPr>
-          <p:cNvPr id="358" name="CustomShape 4"/>
-          <p:cNvSpPr/>
-          <p:nvPr/>
-        </p:nvSpPr>
-        <p:spPr>
-          <a:xfrm>
-            <a:off x="9648000" y="4014000"/>
-            <a:ext cx="2155320" cy="301320"/>
-          </a:xfrm>
-          <a:prstGeom prst="rect">
-            <a:avLst/>
-          </a:prstGeom>
-          <a:noFill/>
-          <a:ln>
-            <a:noFill/>
-          </a:ln>
-        </p:spPr>
-        <p:style>
-          <a:lnRef idx="0"/>
-          <a:fillRef idx="0"/>
-          <a:effectRef idx="0"/>
-          <a:fontRef idx="minor"/>
-        </p:style>
-        <p:txBody>
-          <a:bodyPr lIns="0" rIns="0" tIns="0" bIns="0">
-            <a:noAutofit/>
-          </a:bodyPr>
-          <a:p>
-            <a:pPr>
-              <a:lnSpc>
-                <a:spcPct val="100000"/>
-              </a:lnSpc>
-            </a:pPr>
-            <a:r>
-              <a:rPr b="0" lang="en-IN" sz="1800" spc="-1" strike="noStrike">
+                <a:ea typeface="Open Sans"/>
+              </a:rPr>
+              <a:t>.</a:t>
+            </a:r>
+            <a:r>
+              <a:rPr b="1" lang="en-IN" sz="1800" spc="-1" strike="noStrike">
                 <a:solidFill>
                   <a:srgbClr val="000000"/>
                 </a:solidFill>
                 <a:latin typeface="Arial"/>
-                <a:ea typeface="DejaVu Sans"/>
-              </a:rPr>
-              <a:t>redis-cli monitor</a:t>
+                <a:ea typeface="Open Sans"/>
+              </a:rPr>
+              <a:t>, . . . </a:t>
+            </a:r>
+            <a:r>
+              <a:rPr b="0" lang="en-IN" sz="1800" spc="-1" strike="noStrike">
+                <a:solidFill>
+                  <a:srgbClr val="000000"/>
+                </a:solidFill>
+                <a:latin typeface="Arial"/>
+                <a:ea typeface="Open Sans"/>
+              </a:rPr>
+              <a:t>must be in upper case.</a:t>
             </a:r>
             <a:endParaRPr b="0" lang="en-IN" sz="1800" spc="-1" strike="noStrike">
               <a:latin typeface="Arial"/>
@@ -32358,14 +32057,116 @@
       </p:grpSpPr>
       <p:sp>
         <p:nvSpPr>
-          <p:cNvPr id="359" name="CustomShape 1"/>
+          <p:cNvPr id="360" name="CustomShape 1"/>
           <p:cNvSpPr/>
           <p:nvPr/>
         </p:nvSpPr>
         <p:spPr>
           <a:xfrm>
-            <a:off x="1368000" y="1669320"/>
-            <a:ext cx="3668760" cy="2935440"/>
+            <a:off x="216000" y="216000"/>
+            <a:ext cx="1939320" cy="424800"/>
+          </a:xfrm>
+          <a:prstGeom prst="rect">
+            <a:avLst/>
+          </a:prstGeom>
+          <a:noFill/>
+          <a:ln>
+            <a:noFill/>
+          </a:ln>
+        </p:spPr>
+        <p:style>
+          <a:lnRef idx="0"/>
+          <a:fillRef idx="0"/>
+          <a:effectRef idx="0"/>
+          <a:fontRef idx="minor"/>
+        </p:style>
+        <p:txBody>
+          <a:bodyPr lIns="90000" rIns="90000" tIns="45000" bIns="45000">
+            <a:spAutoFit/>
+          </a:bodyPr>
+          <a:p>
+            <a:pPr algn="just">
+              <a:lnSpc>
+                <a:spcPct val="100000"/>
+              </a:lnSpc>
+            </a:pPr>
+            <a:r>
+              <a:rPr b="0" lang="en-IN" sz="2200" spc="-1" strike="noStrike">
+                <a:solidFill>
+                  <a:srgbClr val="3e5d78"/>
+                </a:solidFill>
+                <a:latin typeface="Times New Roman"/>
+                <a:ea typeface="DejaVu Sans"/>
+              </a:rPr>
+              <a:t>Lua scripting</a:t>
+            </a:r>
+            <a:endParaRPr b="0" lang="en-IN" sz="2200" spc="-1" strike="noStrike">
+              <a:latin typeface="Arial"/>
+            </a:endParaRPr>
+          </a:p>
+        </p:txBody>
+      </p:sp>
+      <p:sp>
+        <p:nvSpPr>
+          <p:cNvPr id="361" name="CustomShape 2"/>
+          <p:cNvSpPr/>
+          <p:nvPr/>
+        </p:nvSpPr>
+        <p:spPr>
+          <a:xfrm>
+            <a:off x="432720" y="1224000"/>
+            <a:ext cx="8347320" cy="363240"/>
+          </a:xfrm>
+          <a:prstGeom prst="rect">
+            <a:avLst/>
+          </a:prstGeom>
+          <a:noFill/>
+          <a:ln>
+            <a:noFill/>
+          </a:ln>
+        </p:spPr>
+        <p:style>
+          <a:lnRef idx="0"/>
+          <a:fillRef idx="0"/>
+          <a:effectRef idx="0"/>
+          <a:fontRef idx="minor"/>
+        </p:style>
+        <p:txBody>
+          <a:bodyPr lIns="0" rIns="0" tIns="0" bIns="0">
+            <a:noAutofit/>
+          </a:bodyPr>
+          <a:p>
+            <a:pPr>
+              <a:lnSpc>
+                <a:spcPct val="100000"/>
+              </a:lnSpc>
+            </a:pPr>
+            <a:r>
+              <a:rPr b="0" lang="en-US" sz="2200" spc="-1" strike="noStrike">
+                <a:solidFill>
+                  <a:srgbClr val="00b0f0"/>
+                </a:solidFill>
+                <a:latin typeface="Consolas"/>
+                <a:ea typeface="DejaVu Sans"/>
+              </a:rPr>
+              <a:t>EVAL script numkeys key [key ...] arg [arg ...]</a:t>
+            </a:r>
+            <a:endParaRPr b="0" lang="en-IN" sz="2200" spc="-1" strike="noStrike">
+              <a:latin typeface="Arial"/>
+            </a:endParaRPr>
+          </a:p>
+        </p:txBody>
+      </p:sp>
+      <p:sp>
+        <p:nvSpPr>
+          <p:cNvPr id="362" name="CustomShape 3"/>
+          <p:cNvSpPr/>
+          <p:nvPr/>
+        </p:nvSpPr>
+        <p:spPr>
+          <a:xfrm>
+            <a:off x="288000" y="1584000"/>
+            <a:ext cx="606960" cy="394920"/>
           </a:xfrm>
           <a:prstGeom prst="rect">
             <a:avLst/>
@@ -32392,14 +32193,105 @@
               </a:lnSpc>
             </a:pPr>
             <a:r>
+              <a:rPr b="1" lang="en-IN" sz="2200" spc="-1" strike="noStrike">
+                <a:solidFill>
+                  <a:srgbClr val="ff1744"/>
+                </a:solidFill>
+                <a:latin typeface="Times New Roman"/>
+                <a:ea typeface="DejaVu Sans"/>
+              </a:rPr>
+              <a:t>e.g.</a:t>
+            </a:r>
+            <a:endParaRPr b="0" lang="en-IN" sz="2200" spc="-1" strike="noStrike">
+              <a:latin typeface="Arial"/>
+            </a:endParaRPr>
+          </a:p>
+        </p:txBody>
+      </p:sp>
+      <p:sp>
+        <p:nvSpPr>
+          <p:cNvPr id="363" name="CustomShape 4"/>
+          <p:cNvSpPr/>
+          <p:nvPr/>
+        </p:nvSpPr>
+        <p:spPr>
+          <a:xfrm>
+            <a:off x="432720" y="2073600"/>
+            <a:ext cx="11083320" cy="4204440"/>
+          </a:xfrm>
+          <a:prstGeom prst="rect">
+            <a:avLst/>
+          </a:prstGeom>
+          <a:noFill/>
+          <a:ln>
+            <a:noFill/>
+          </a:ln>
+        </p:spPr>
+        <p:style>
+          <a:lnRef idx="0"/>
+          <a:fillRef idx="0"/>
+          <a:effectRef idx="0"/>
+          <a:fontRef idx="minor"/>
+        </p:style>
+        <p:txBody>
+          <a:bodyPr lIns="90000" rIns="90000" tIns="45000" bIns="45000">
+            <a:spAutoFit/>
+          </a:bodyPr>
+          <a:p>
+            <a:pPr>
+              <a:lnSpc>
+                <a:spcPct val="150000"/>
+              </a:lnSpc>
+            </a:pPr>
+            <a:r>
+              <a:rPr b="0" lang="en-IN" sz="1800" spc="-1" strike="noStrike">
+                <a:solidFill>
+                  <a:srgbClr val="808080"/>
+                </a:solidFill>
+                <a:latin typeface="Consolas"/>
+                <a:ea typeface="SimSun"/>
+              </a:rPr>
+              <a:t>127.0.0.1:6379</a:t>
+            </a:r>
+            <a:r>
+              <a:rPr b="1" lang="en-IN" sz="1800" spc="-1" strike="noStrike">
+                <a:solidFill>
+                  <a:srgbClr val="808080"/>
+                </a:solidFill>
+                <a:latin typeface="Consolas"/>
+                <a:ea typeface="SimSun"/>
+              </a:rPr>
+              <a:t>[5]</a:t>
+            </a:r>
+            <a:r>
+              <a:rPr b="0" lang="en-IN" sz="1800" spc="-1" strike="noStrike">
+                <a:solidFill>
+                  <a:srgbClr val="808080"/>
+                </a:solidFill>
+                <a:latin typeface="Consolas"/>
+                <a:ea typeface="SimSun"/>
+              </a:rPr>
+              <a:t>&gt;</a:t>
+            </a:r>
+            <a:r>
               <a:rPr b="0" lang="en-IN" sz="1800" spc="-1" strike="noStrike">
                 <a:solidFill>
                   <a:srgbClr val="000000"/>
                 </a:solidFill>
-                <a:latin typeface="Arial"/>
-                <a:ea typeface="DejaVu Sans"/>
-              </a:rPr>
-              <a:t>redis-cli --eval  app.lua</a:t>
+                <a:latin typeface="Consolas"/>
+                <a:ea typeface="SimSun"/>
+              </a:rPr>
+              <a:t> </a:t>
+            </a:r>
+            <a:r>
+              <a:rPr b="0" lang="en-IN" sz="1800" spc="-1" strike="noStrike">
+                <a:solidFill>
+                  <a:srgbClr val="ff5733"/>
+                </a:solidFill>
+                <a:latin typeface="Consolas"/>
+                <a:ea typeface="SimSun"/>
+              </a:rPr>
+              <a:t>eval "return 'Hello World!' " 0</a:t>
             </a:r>
             <a:endParaRPr b="0" lang="en-IN" sz="1800" spc="-1" strike="noStrike">
               <a:latin typeface="Arial"/>
@@ -32408,9 +32300,49 @@
           <a:p>
             <a:pPr>
               <a:lnSpc>
-                <a:spcPct val="100000"/>
-              </a:lnSpc>
-            </a:pPr>
+                <a:spcPct val="150000"/>
+              </a:lnSpc>
+            </a:pPr>
+            <a:r>
+              <a:rPr b="0" lang="en-IN" sz="1800" spc="-1" strike="noStrike">
+                <a:solidFill>
+                  <a:srgbClr val="808080"/>
+                </a:solidFill>
+                <a:latin typeface="Consolas"/>
+                <a:ea typeface="SimSun"/>
+              </a:rPr>
+              <a:t>127.0.0.1:6379</a:t>
+            </a:r>
+            <a:r>
+              <a:rPr b="1" lang="en-IN" sz="1800" spc="-1" strike="noStrike">
+                <a:solidFill>
+                  <a:srgbClr val="808080"/>
+                </a:solidFill>
+                <a:latin typeface="Consolas"/>
+                <a:ea typeface="SimSun"/>
+              </a:rPr>
+              <a:t>[5]</a:t>
+            </a:r>
+            <a:r>
+              <a:rPr b="0" lang="en-IN" sz="1800" spc="-1" strike="noStrike">
+                <a:solidFill>
+                  <a:srgbClr val="808080"/>
+                </a:solidFill>
+                <a:latin typeface="Consolas"/>
+                <a:ea typeface="SimSun"/>
+              </a:rPr>
+              <a:t>&gt; </a:t>
+            </a:r>
+            <a:r>
+              <a:rPr b="0" lang="en-IN" sz="1800" spc="-1" strike="noStrike">
+                <a:solidFill>
+                  <a:srgbClr val="ff5733"/>
+                </a:solidFill>
+                <a:latin typeface="Consolas"/>
+                <a:ea typeface="SimSun"/>
+              </a:rPr>
+              <a:t>eval "local x = 'Hello World!' return x" 0</a:t>
+            </a:r>
             <a:endParaRPr b="0" lang="en-IN" sz="1800" spc="-1" strike="noStrike">
               <a:latin typeface="Arial"/>
             </a:endParaRPr>
@@ -32418,68 +32350,178 @@
           <a:p>
             <a:pPr>
               <a:lnSpc>
-                <a:spcPct val="100000"/>
-              </a:lnSpc>
-            </a:pPr>
+                <a:spcPct val="150000"/>
+              </a:lnSpc>
+            </a:pPr>
+            <a:r>
+              <a:rPr b="0" lang="en-IN" sz="1800" spc="-1" strike="noStrike">
+                <a:solidFill>
+                  <a:srgbClr val="808080"/>
+                </a:solidFill>
+                <a:latin typeface="Consolas"/>
+                <a:ea typeface="SimSun"/>
+              </a:rPr>
+              <a:t>127.0.0.1:6379</a:t>
+            </a:r>
             <a:r>
               <a:rPr b="1" lang="en-IN" sz="1800" spc="-1" strike="noStrike">
                 <a:solidFill>
-                  <a:srgbClr val="7f0055"/>
-                </a:solidFill>
-                <a:latin typeface="Monospace"/>
-                <a:ea typeface="Monospace"/>
-              </a:rPr>
-              <a:t>local</a:t>
+                  <a:srgbClr val="808080"/>
+                </a:solidFill>
+                <a:latin typeface="Consolas"/>
+                <a:ea typeface="SimSun"/>
+              </a:rPr>
+              <a:t>[5]</a:t>
+            </a:r>
+            <a:r>
+              <a:rPr b="0" lang="en-IN" sz="1800" spc="-1" strike="noStrike">
+                <a:solidFill>
+                  <a:srgbClr val="808080"/>
+                </a:solidFill>
+                <a:latin typeface="Consolas"/>
+                <a:ea typeface="SimSun"/>
+              </a:rPr>
+              <a:t>&gt;</a:t>
             </a:r>
             <a:r>
               <a:rPr b="0" lang="en-IN" sz="1800" spc="-1" strike="noStrike">
                 <a:solidFill>
                   <a:srgbClr val="000000"/>
                 </a:solidFill>
-                <a:latin typeface="Monospace"/>
-                <a:ea typeface="Monospace"/>
+                <a:latin typeface="Consolas"/>
+                <a:ea typeface="SimSun"/>
               </a:rPr>
               <a:t> </a:t>
             </a:r>
             <a:r>
+              <a:rPr b="0" lang="en-IN" sz="1800" spc="-1" strike="noStrike">
+                <a:solidFill>
+                  <a:srgbClr val="ff5733"/>
+                </a:solidFill>
+                <a:latin typeface="Consolas"/>
+                <a:ea typeface="SimSun"/>
+              </a:rPr>
+              <a:t>eval "return redis.call('echo', 'Hello')" 0</a:t>
+            </a:r>
+            <a:endParaRPr b="0" lang="en-IN" sz="1800" spc="-1" strike="noStrike">
+              <a:latin typeface="Arial"/>
+            </a:endParaRPr>
+          </a:p>
+          <a:p>
+            <a:pPr>
+              <a:lnSpc>
+                <a:spcPct val="150000"/>
+              </a:lnSpc>
+            </a:pPr>
+            <a:r>
+              <a:rPr b="0" lang="en-IN" sz="1800" spc="-1" strike="noStrike">
+                <a:solidFill>
+                  <a:srgbClr val="808080"/>
+                </a:solidFill>
+                <a:latin typeface="Consolas"/>
+                <a:ea typeface="SimSun"/>
+              </a:rPr>
+              <a:t>127.0.0.1:6379</a:t>
+            </a:r>
+            <a:r>
               <a:rPr b="1" lang="en-IN" sz="1800" spc="-1" strike="noStrike">
                 <a:solidFill>
-                  <a:srgbClr val="7f0055"/>
-                </a:solidFill>
-                <a:latin typeface="Monospace"/>
-                <a:ea typeface="Monospace"/>
-              </a:rPr>
-              <a:t>function</a:t>
+                  <a:srgbClr val="808080"/>
+                </a:solidFill>
+                <a:latin typeface="Consolas"/>
+                <a:ea typeface="SimSun"/>
+              </a:rPr>
+              <a:t>[5]</a:t>
+            </a:r>
+            <a:r>
+              <a:rPr b="0" lang="en-IN" sz="1800" spc="-1" strike="noStrike">
+                <a:solidFill>
+                  <a:srgbClr val="808080"/>
+                </a:solidFill>
+                <a:latin typeface="Consolas"/>
+                <a:ea typeface="SimSun"/>
+              </a:rPr>
+              <a:t>&gt;</a:t>
             </a:r>
             <a:r>
               <a:rPr b="0" lang="en-IN" sz="1800" spc="-1" strike="noStrike">
                 <a:solidFill>
                   <a:srgbClr val="000000"/>
                 </a:solidFill>
-                <a:latin typeface="Monospace"/>
-                <a:ea typeface="Monospace"/>
+                <a:latin typeface="Consolas"/>
+                <a:ea typeface="SimSun"/>
               </a:rPr>
               <a:t> </a:t>
             </a:r>
             <a:r>
               <a:rPr b="0" lang="en-IN" sz="1800" spc="-1" strike="noStrike">
                 <a:solidFill>
-                  <a:srgbClr val="676767"/>
-                </a:solidFill>
-                <a:latin typeface="Monospace"/>
-                <a:ea typeface="Monospace"/>
-              </a:rPr>
-              <a:t>fn1</a:t>
+                  <a:srgbClr val="ff5733"/>
+                </a:solidFill>
+                <a:latin typeface="Consolas"/>
+                <a:ea typeface="SimSun"/>
+              </a:rPr>
+              <a:t>eval "return ARGV[1] + ARGV[2] + ARGV[3]" 0 3 3 4</a:t>
+            </a:r>
+            <a:endParaRPr b="0" lang="en-IN" sz="1800" spc="-1" strike="noStrike">
+              <a:latin typeface="Arial"/>
+            </a:endParaRPr>
+          </a:p>
+          <a:p>
+            <a:pPr>
+              <a:lnSpc>
+                <a:spcPct val="150000"/>
+              </a:lnSpc>
+            </a:pPr>
+            <a:r>
+              <a:rPr b="0" lang="en-IN" sz="1800" spc="-1" strike="noStrike">
+                <a:solidFill>
+                  <a:srgbClr val="808080"/>
+                </a:solidFill>
+                <a:latin typeface="Consolas"/>
+                <a:ea typeface="SimSun"/>
+              </a:rPr>
+              <a:t>127.0.0.1:6379</a:t>
+            </a:r>
+            <a:r>
+              <a:rPr b="1" lang="en-IN" sz="1800" spc="-1" strike="noStrike">
+                <a:solidFill>
+                  <a:srgbClr val="808080"/>
+                </a:solidFill>
+                <a:latin typeface="Consolas"/>
+                <a:ea typeface="SimSun"/>
+              </a:rPr>
+              <a:t>[5]</a:t>
+            </a:r>
+            <a:r>
+              <a:rPr b="0" lang="en-IN" sz="1800" spc="-1" strike="noStrike">
+                <a:solidFill>
+                  <a:srgbClr val="808080"/>
+                </a:solidFill>
+                <a:latin typeface="Consolas"/>
+                <a:ea typeface="SimSun"/>
+              </a:rPr>
+              <a:t>&gt;</a:t>
             </a:r>
             <a:r>
               <a:rPr b="0" lang="en-IN" sz="1800" spc="-1" strike="noStrike">
                 <a:solidFill>
                   <a:srgbClr val="000000"/>
                 </a:solidFill>
-                <a:latin typeface="Monospace"/>
-                <a:ea typeface="Monospace"/>
-              </a:rPr>
-              <a:t>()</a:t>
+                <a:latin typeface="Consolas"/>
+                <a:ea typeface="SimSun"/>
+              </a:rPr>
+              <a:t> </a:t>
+            </a:r>
+            <a:r>
+              <a:rPr b="0" lang="en-IN" sz="1800" spc="-1" strike="noStrike">
+                <a:solidFill>
+                  <a:srgbClr val="ff5733"/>
+                </a:solidFill>
+                <a:latin typeface="Consolas"/>
+                <a:ea typeface="SimSun"/>
+              </a:rPr>
+              <a:t>eval "return redis.call('keys', '*')" 0</a:t>
             </a:r>
             <a:endParaRPr b="0" lang="en-IN" sz="1800" spc="-1" strike="noStrike">
               <a:latin typeface="Arial"/>
@@ -32488,48 +32530,118 @@
           <a:p>
             <a:pPr>
               <a:lnSpc>
-                <a:spcPct val="100000"/>
-              </a:lnSpc>
-            </a:pPr>
+                <a:spcPct val="150000"/>
+              </a:lnSpc>
+            </a:pPr>
+            <a:r>
+              <a:rPr b="0" lang="en-IN" sz="1800" spc="-1" strike="noStrike">
+                <a:solidFill>
+                  <a:srgbClr val="808080"/>
+                </a:solidFill>
+                <a:latin typeface="Consolas"/>
+                <a:ea typeface="SimSun"/>
+              </a:rPr>
+              <a:t>127.0.0.1:6379</a:t>
+            </a:r>
+            <a:r>
+              <a:rPr b="1" lang="en-IN" sz="1800" spc="-1" strike="noStrike">
+                <a:solidFill>
+                  <a:srgbClr val="808080"/>
+                </a:solidFill>
+                <a:latin typeface="Consolas"/>
+                <a:ea typeface="SimSun"/>
+              </a:rPr>
+              <a:t>[5]</a:t>
+            </a:r>
+            <a:r>
+              <a:rPr b="0" lang="en-IN" sz="1800" spc="-1" strike="noStrike">
+                <a:solidFill>
+                  <a:srgbClr val="808080"/>
+                </a:solidFill>
+                <a:latin typeface="Consolas"/>
+                <a:ea typeface="SimSun"/>
+              </a:rPr>
+              <a:t>&gt;</a:t>
+            </a:r>
             <a:r>
               <a:rPr b="0" lang="en-IN" sz="1800" spc="-1" strike="noStrike">
                 <a:solidFill>
                   <a:srgbClr val="000000"/>
                 </a:solidFill>
-                <a:latin typeface="Monospace"/>
-                <a:ea typeface="Monospace"/>
-              </a:rPr>
-              <a:t>  </a:t>
+                <a:latin typeface="Consolas"/>
+                <a:ea typeface="SimSun"/>
+              </a:rPr>
+              <a:t> </a:t>
+            </a:r>
+            <a:r>
+              <a:rPr b="0" lang="en-IN" sz="1800" spc="-1" strike="noStrike">
+                <a:solidFill>
+                  <a:srgbClr val="ff5733"/>
+                </a:solidFill>
+                <a:latin typeface="Consolas"/>
+                <a:ea typeface="SimSun"/>
+              </a:rPr>
+              <a:t>eval "local x=redis.call('keys','*') return x" 0</a:t>
+            </a:r>
+            <a:endParaRPr b="0" lang="en-IN" sz="1800" spc="-1" strike="noStrike">
+              <a:latin typeface="Arial"/>
+            </a:endParaRPr>
+          </a:p>
+          <a:p>
+            <a:pPr>
+              <a:lnSpc>
+                <a:spcPct val="150000"/>
+              </a:lnSpc>
+            </a:pPr>
+            <a:r>
+              <a:rPr b="0" lang="en-IN" sz="1800" spc="-1" strike="noStrike">
+                <a:solidFill>
+                  <a:srgbClr val="808080"/>
+                </a:solidFill>
+                <a:latin typeface="Consolas"/>
+                <a:ea typeface="SimSun"/>
+              </a:rPr>
+              <a:t>127.0.0.1:6379</a:t>
             </a:r>
             <a:r>
               <a:rPr b="1" lang="en-IN" sz="1800" spc="-1" strike="noStrike">
                 <a:solidFill>
-                  <a:srgbClr val="7f0055"/>
-                </a:solidFill>
-                <a:latin typeface="Monospace"/>
-                <a:ea typeface="Monospace"/>
-              </a:rPr>
-              <a:t>return</a:t>
+                  <a:srgbClr val="808080"/>
+                </a:solidFill>
+                <a:latin typeface="Consolas"/>
+                <a:ea typeface="SimSun"/>
+              </a:rPr>
+              <a:t>[5]</a:t>
+            </a:r>
+            <a:r>
+              <a:rPr b="0" lang="en-IN" sz="1800" spc="-1" strike="noStrike">
+                <a:solidFill>
+                  <a:srgbClr val="808080"/>
+                </a:solidFill>
+                <a:latin typeface="Consolas"/>
+                <a:ea typeface="SimSun"/>
+              </a:rPr>
+              <a:t>&gt;</a:t>
             </a:r>
             <a:r>
               <a:rPr b="0" lang="en-IN" sz="1800" spc="-1" strike="noStrike">
                 <a:solidFill>
                   <a:srgbClr val="000000"/>
                 </a:solidFill>
-                <a:latin typeface="Monospace"/>
-                <a:ea typeface="Monospace"/>
+                <a:latin typeface="Consolas"/>
+                <a:ea typeface="SimSun"/>
               </a:rPr>
               <a:t> </a:t>
             </a:r>
             <a:r>
               <a:rPr b="0" lang="en-IN" sz="1800" spc="-1" strike="noStrike">
                 <a:solidFill>
-                  <a:srgbClr val="2a00ff"/>
-                </a:solidFill>
-                <a:latin typeface="Monospace"/>
-                <a:ea typeface="Monospace"/>
-              </a:rPr>
-              <a:t>"Hello Saleel"</a:t>
+                  <a:srgbClr val="ff5733"/>
+                </a:solidFill>
+                <a:latin typeface="Consolas"/>
+                <a:ea typeface="SimSun"/>
+              </a:rPr>
+              <a:t>eval "local x=redis.call('mget', KEYS[1], KEYS[2], KEYS[3]) return x" 3 a b c</a:t>
             </a:r>
             <a:endParaRPr b="0" lang="en-IN" sz="1800" spc="-1" strike="noStrike">
               <a:latin typeface="Arial"/>
@@ -32538,98 +32650,58 @@
           <a:p>
             <a:pPr>
               <a:lnSpc>
-                <a:spcPct val="100000"/>
-              </a:lnSpc>
-            </a:pPr>
+                <a:spcPct val="150000"/>
+              </a:lnSpc>
+            </a:pPr>
+            <a:r>
+              <a:rPr b="0" lang="en-IN" sz="1800" spc="-1" strike="noStrike">
+                <a:solidFill>
+                  <a:srgbClr val="808080"/>
+                </a:solidFill>
+                <a:latin typeface="Consolas"/>
+                <a:ea typeface="SimSun"/>
+              </a:rPr>
+              <a:t>127.0.0.1:6379</a:t>
+            </a:r>
+            <a:r>
+              <a:rPr b="1" lang="en-IN" sz="1800" spc="-1" strike="noStrike">
+                <a:solidFill>
+                  <a:srgbClr val="808080"/>
+                </a:solidFill>
+                <a:latin typeface="Consolas"/>
+                <a:ea typeface="SimSun"/>
+              </a:rPr>
+              <a:t>[5]</a:t>
+            </a:r>
+            <a:r>
+              <a:rPr b="0" lang="en-IN" sz="1800" spc="-1" strike="noStrike">
+                <a:solidFill>
+                  <a:srgbClr val="808080"/>
+                </a:solidFill>
+                <a:latin typeface="Consolas"/>
+                <a:ea typeface="SimSun"/>
+              </a:rPr>
+              <a:t>&gt;</a:t>
+            </a:r>
             <a:r>
               <a:rPr b="0" lang="en-IN" sz="1800" spc="-1" strike="noStrike">
                 <a:solidFill>
                   <a:srgbClr val="000000"/>
                 </a:solidFill>
-                <a:latin typeface="Monospace"/>
-                <a:ea typeface="Monospace"/>
-              </a:rPr>
-              <a:t>  </a:t>
-            </a:r>
-            <a:r>
-              <a:rPr b="1" lang="en-IN" sz="1800" spc="-1" strike="noStrike">
-                <a:solidFill>
-                  <a:srgbClr val="7f0055"/>
-                </a:solidFill>
-                <a:latin typeface="Monospace"/>
-                <a:ea typeface="Monospace"/>
-              </a:rPr>
-              <a:t>end</a:t>
-            </a:r>
-            <a:endParaRPr b="0" lang="en-IN" sz="1800" spc="-1" strike="noStrike">
-              <a:latin typeface="Arial"/>
-            </a:endParaRPr>
-          </a:p>
-          <a:p>
-            <a:pPr>
-              <a:lnSpc>
-                <a:spcPct val="100000"/>
-              </a:lnSpc>
-            </a:pPr>
-            <a:r>
-              <a:rPr b="0" lang="en-IN" sz="1800" spc="-1" strike="noStrike">
-                <a:solidFill>
-                  <a:srgbClr val="000000"/>
-                </a:solidFill>
-                <a:latin typeface="Monospace"/>
-                <a:ea typeface="Monospace"/>
+                <a:latin typeface="Consolas"/>
+                <a:ea typeface="SimSun"/>
               </a:rPr>
               <a:t> </a:t>
             </a:r>
-            <a:endParaRPr b="0" lang="en-IN" sz="1800" spc="-1" strike="noStrike">
-              <a:latin typeface="Arial"/>
-            </a:endParaRPr>
-          </a:p>
-          <a:p>
-            <a:pPr>
-              <a:lnSpc>
-                <a:spcPct val="100000"/>
-              </a:lnSpc>
-            </a:pPr>
-            <a:r>
-              <a:rPr b="1" lang="en-IN" sz="1800" spc="-1" strike="noStrike">
-                <a:solidFill>
-                  <a:srgbClr val="7f0055"/>
-                </a:solidFill>
-                <a:latin typeface="Monospace"/>
-                <a:ea typeface="Monospace"/>
-              </a:rPr>
-              <a:t>return</a:t>
-            </a:r>
-            <a:r>
-              <a:rPr b="0" lang="en-IN" sz="1800" spc="-1" strike="noStrike">
-                <a:solidFill>
-                  <a:srgbClr val="000000"/>
-                </a:solidFill>
-                <a:latin typeface="Monospace"/>
-                <a:ea typeface="Monospace"/>
-              </a:rPr>
-              <a:t> </a:t>
-            </a:r>
-            <a:r>
-              <a:rPr b="0" lang="en-IN" sz="1800" spc="-1" strike="noStrike">
-                <a:solidFill>
-                  <a:srgbClr val="676767"/>
-                </a:solidFill>
-                <a:latin typeface="Monospace"/>
-                <a:ea typeface="Monospace"/>
-              </a:rPr>
-              <a:t>fn1</a:t>
-            </a:r>
-            <a:r>
-              <a:rPr b="0" lang="en-IN" sz="1800" spc="-1" strike="noStrike">
-                <a:solidFill>
-                  <a:srgbClr val="000000"/>
-                </a:solidFill>
-                <a:latin typeface="Monospace"/>
-                <a:ea typeface="Monospace"/>
-              </a:rPr>
-              <a:t>()</a:t>
+            <a:r>
+              <a:rPr b="0" lang="en-IN" sz="1800" spc="-1" strike="noStrike">
+                <a:solidFill>
+                  <a:srgbClr val="ff5733"/>
+                </a:solidFill>
+                <a:latin typeface="Consolas"/>
+                <a:ea typeface="SimSun"/>
+              </a:rPr>
+              <a:t>eval "return redis.call('mget', KEYS[1], KEYS[2], KEYS[3])" 3 a b c</a:t>
             </a:r>
             <a:endParaRPr b="0" lang="en-IN" sz="1800" spc="-1" strike="noStrike">
               <a:latin typeface="Arial"/>
@@ -32676,7 +32748,7 @@
         <p:spPr>
           <a:xfrm>
             <a:off x="1676520" y="2362320"/>
-            <a:ext cx="8824320" cy="912600"/>
+            <a:ext cx="8823600" cy="912600"/>
           </a:xfrm>
           <a:prstGeom prst="rect">
             <a:avLst/>
@@ -32727,7 +32799,7 @@
         <p:spPr>
           <a:xfrm>
             <a:off x="522360" y="3531600"/>
-            <a:ext cx="11061360" cy="363960"/>
+            <a:ext cx="11060640" cy="363960"/>
           </a:xfrm>
           <a:prstGeom prst="rect">
             <a:avLst/>
@@ -32799,9 +32871,100 @@
           <a:chExt cx="0" cy="0"/>
         </a:xfrm>
       </p:grpSpPr>
+      <p:sp>
+        <p:nvSpPr>
+          <p:cNvPr id="364" name="CustomShape 1"/>
+          <p:cNvSpPr/>
+          <p:nvPr/>
+        </p:nvSpPr>
+        <p:spPr>
+          <a:xfrm>
+            <a:off x="1365840" y="188640"/>
+            <a:ext cx="9667440" cy="2192400"/>
+          </a:xfrm>
+          <a:prstGeom prst="rect">
+            <a:avLst/>
+          </a:prstGeom>
+          <a:noFill/>
+          <a:ln>
+            <a:noFill/>
+          </a:ln>
+        </p:spPr>
+        <p:style>
+          <a:lnRef idx="0"/>
+          <a:fillRef idx="0"/>
+          <a:effectRef idx="0"/>
+          <a:fontRef idx="minor"/>
+        </p:style>
+        <p:txBody>
+          <a:bodyPr lIns="90000" rIns="90000" tIns="45000" bIns="45000">
+            <a:spAutoFit/>
+          </a:bodyPr>
+          <a:p>
+            <a:pPr algn="ctr">
+              <a:lnSpc>
+                <a:spcPct val="100000"/>
+              </a:lnSpc>
+            </a:pPr>
+            <a:r>
+              <a:rPr b="0" lang="en-IN" sz="4000" spc="-1" strike="noStrike">
+                <a:solidFill>
+                  <a:srgbClr val="ff5733"/>
+                </a:solidFill>
+                <a:latin typeface="Segoe Print"/>
+                <a:ea typeface="DejaVu Sans"/>
+              </a:rPr>
+              <a:t>“</a:t>
+            </a:r>
+            <a:r>
+              <a:rPr b="0" lang="en-US" sz="4000" spc="-1" strike="noStrike">
+                <a:solidFill>
+                  <a:srgbClr val="ff5733"/>
+                </a:solidFill>
+                <a:latin typeface="Segoe Print"/>
+                <a:ea typeface="DejaVu Sans"/>
+              </a:rPr>
+              <a:t>Accept your past without regret, handle our present with confidence and face your future without fear.</a:t>
+            </a:r>
+            <a:r>
+              <a:rPr b="0" lang="en-IN" sz="4000" spc="-1" strike="noStrike">
+                <a:solidFill>
+                  <a:srgbClr val="ff5733"/>
+                </a:solidFill>
+                <a:latin typeface="Segoe Print"/>
+                <a:ea typeface="DejaVu Sans"/>
+              </a:rPr>
+              <a:t>”</a:t>
+            </a:r>
+            <a:endParaRPr b="0" lang="en-IN" sz="4000" spc="-1" strike="noStrike">
+              <a:latin typeface="Arial"/>
+            </a:endParaRPr>
+          </a:p>
+          <a:p>
+            <a:pPr algn="r">
+              <a:lnSpc>
+                <a:spcPct val="100000"/>
+              </a:lnSpc>
+            </a:pPr>
+            <a:r>
+              <a:rPr b="0" lang="en-IN" sz="1800" spc="-1" strike="noStrike">
+                <a:solidFill>
+                  <a:srgbClr val="111111"/>
+                </a:solidFill>
+                <a:latin typeface="-apple-system"/>
+                <a:ea typeface="DejaVu Sans"/>
+              </a:rPr>
+              <a:t>~ Dr. APJ. Abdul Kalam</a:t>
+            </a:r>
+            <a:endParaRPr b="0" lang="en-IN" sz="1800" spc="-1" strike="noStrike">
+              <a:latin typeface="Arial"/>
+            </a:endParaRPr>
+          </a:p>
+        </p:txBody>
+      </p:sp>
       <p:pic>
         <p:nvPicPr>
-          <p:cNvPr id="360" name="Picture 356" descr=""/>
+          <p:cNvPr id="365" name="Picture 2" descr="http://www.bvctch.vn/vnt_upload/weblink/thks.jpg"/>
           <p:cNvPicPr/>
           <p:nvPr/>
         </p:nvPicPr>
@@ -32811,8 +32974,778 @@
         </p:blipFill>
         <p:spPr>
           <a:xfrm>
+            <a:off x="4404600" y="2036160"/>
+            <a:ext cx="3111120" cy="4647960"/>
+          </a:xfrm>
+          <a:prstGeom prst="rect">
+            <a:avLst/>
+          </a:prstGeom>
+          <a:ln>
+            <a:noFill/>
+          </a:ln>
+        </p:spPr>
+      </p:pic>
+    </p:spTree>
+  </p:cSld>
+  <mc:AlternateContent>
+    <mc:Choice Requires="p14">
+      <p:transition spd="slow" p14:dur="2000"/>
+    </mc:Choice>
+    <mc:Fallback>
+      <p:transition spd="slow"/>
+    </mc:Fallback>
+  </mc:AlternateContent>
+</p:sld>
+</file>
+
+<file path=ppt/slides/slide71.xml><?xml version="1.0" encoding="utf-8"?>
+<p:sld xmlns:a="http://schemas.openxmlformats.org/drawingml/2006/main" xmlns:p="http://schemas.openxmlformats.org/presentationml/2006/main" xmlns:r="http://schemas.openxmlformats.org/officeDocument/2006/relationships" xmlns:p14="http://schemas.microsoft.com/office/powerpoint/2010/main" xmlns:p15="http://schemas.microsoft.com/office/powerpoint/2012/main" xmlns:mc="http://schemas.openxmlformats.org/markup-compatibility/2006">
+  <p:cSld>
+    <p:spTree>
+      <p:nvGrpSpPr>
+        <p:cNvPr id="1" name=""/>
+        <p:cNvGrpSpPr/>
+        <p:nvPr/>
+      </p:nvGrpSpPr>
+      <p:grpSpPr>
+        <a:xfrm>
+          <a:off x="0" y="0"/>
+          <a:ext cx="0" cy="0"/>
+          <a:chOff x="0" y="0"/>
+          <a:chExt cx="0" cy="0"/>
+        </a:xfrm>
+      </p:grpSpPr>
+      <p:sp>
+        <p:nvSpPr>
+          <p:cNvPr id="366" name="CustomShape 1"/>
+          <p:cNvSpPr/>
+          <p:nvPr/>
+        </p:nvSpPr>
+        <p:spPr>
+          <a:xfrm>
+            <a:off x="474480" y="2448000"/>
+            <a:ext cx="10392120" cy="2388960"/>
+          </a:xfrm>
+          <a:prstGeom prst="rect">
+            <a:avLst/>
+          </a:prstGeom>
+          <a:noFill/>
+          <a:ln>
+            <a:noFill/>
+          </a:ln>
+        </p:spPr>
+        <p:style>
+          <a:lnRef idx="0"/>
+          <a:fillRef idx="0"/>
+          <a:effectRef idx="0"/>
+          <a:fontRef idx="minor"/>
+        </p:style>
+        <p:txBody>
+          <a:bodyPr lIns="90000" rIns="90000" tIns="45000" bIns="45000">
+            <a:noAutofit/>
+          </a:bodyPr>
+          <a:p>
+            <a:pPr>
+              <a:lnSpc>
+                <a:spcPct val="100000"/>
+              </a:lnSpc>
+            </a:pPr>
+            <a:r>
+              <a:rPr b="0" lang="en-IN" sz="1800" spc="-1" strike="noStrike">
+                <a:solidFill>
+                  <a:srgbClr val="000000"/>
+                </a:solidFill>
+                <a:latin typeface="Arial"/>
+                <a:ea typeface="DejaVu Sans"/>
+              </a:rPr>
+              <a:t>The INFO command returns information and statistics about the server in a format that is simple to parse by computers and easy to read by humans. </a:t>
+            </a:r>
+            <a:endParaRPr b="0" lang="en-IN" sz="1800" spc="-1" strike="noStrike">
+              <a:latin typeface="Arial"/>
+            </a:endParaRPr>
+          </a:p>
+          <a:p>
+            <a:pPr>
+              <a:lnSpc>
+                <a:spcPct val="100000"/>
+              </a:lnSpc>
+            </a:pPr>
+            <a:endParaRPr b="0" lang="en-IN" sz="1800" spc="-1" strike="noStrike">
+              <a:latin typeface="Arial"/>
+            </a:endParaRPr>
+          </a:p>
+          <a:p>
+            <a:pPr marL="216000" indent="-210600">
+              <a:lnSpc>
+                <a:spcPct val="100000"/>
+              </a:lnSpc>
+              <a:buClr>
+                <a:srgbClr val="000000"/>
+              </a:buClr>
+              <a:buSzPct val="45000"/>
+              <a:buFont typeface="Wingdings" charset="2"/>
+              <a:buChar char=""/>
+            </a:pPr>
+            <a:r>
+              <a:rPr b="0" lang="en-IN" sz="1800" spc="-1" strike="noStrike">
+                <a:solidFill>
+                  <a:srgbClr val="000000"/>
+                </a:solidFill>
+                <a:latin typeface="Arial"/>
+                <a:ea typeface="DejaVu Sans"/>
+              </a:rPr>
+              <a:t>info server</a:t>
+            </a:r>
+            <a:endParaRPr b="0" lang="en-IN" sz="1800" spc="-1" strike="noStrike">
+              <a:latin typeface="Arial"/>
+            </a:endParaRPr>
+          </a:p>
+          <a:p>
+            <a:pPr marL="216000" indent="-210600">
+              <a:lnSpc>
+                <a:spcPct val="100000"/>
+              </a:lnSpc>
+              <a:buClr>
+                <a:srgbClr val="000000"/>
+              </a:buClr>
+              <a:buSzPct val="45000"/>
+              <a:buFont typeface="Wingdings" charset="2"/>
+              <a:buChar char=""/>
+            </a:pPr>
+            <a:r>
+              <a:rPr b="0" lang="en-IN" sz="1800" spc="-1" strike="noStrike">
+                <a:solidFill>
+                  <a:srgbClr val="000000"/>
+                </a:solidFill>
+                <a:latin typeface="Arial"/>
+                <a:ea typeface="DejaVu Sans"/>
+              </a:rPr>
+              <a:t>info clients</a:t>
+            </a:r>
+            <a:endParaRPr b="0" lang="en-IN" sz="1800" spc="-1" strike="noStrike">
+              <a:latin typeface="Arial"/>
+            </a:endParaRPr>
+          </a:p>
+          <a:p>
+            <a:pPr marL="216000" indent="-210600">
+              <a:lnSpc>
+                <a:spcPct val="100000"/>
+              </a:lnSpc>
+              <a:buClr>
+                <a:srgbClr val="000000"/>
+              </a:buClr>
+              <a:buSzPct val="45000"/>
+              <a:buFont typeface="Wingdings" charset="2"/>
+              <a:buChar char=""/>
+            </a:pPr>
+            <a:r>
+              <a:rPr b="0" lang="en-IN" sz="1800" spc="-1" strike="noStrike">
+                <a:solidFill>
+                  <a:srgbClr val="000000"/>
+                </a:solidFill>
+                <a:latin typeface="Arial"/>
+                <a:ea typeface="DejaVu Sans"/>
+              </a:rPr>
+              <a:t>info Keyspace</a:t>
+            </a:r>
+            <a:endParaRPr b="0" lang="en-IN" sz="1800" spc="-1" strike="noStrike">
+              <a:latin typeface="Arial"/>
+            </a:endParaRPr>
+          </a:p>
+          <a:p>
+            <a:pPr marL="216000" indent="-210600">
+              <a:lnSpc>
+                <a:spcPct val="100000"/>
+              </a:lnSpc>
+              <a:buClr>
+                <a:srgbClr val="000000"/>
+              </a:buClr>
+              <a:buSzPct val="45000"/>
+              <a:buFont typeface="Wingdings" charset="2"/>
+              <a:buChar char=""/>
+            </a:pPr>
+            <a:r>
+              <a:rPr b="0" lang="en-IN" sz="1800" spc="-1" strike="noStrike">
+                <a:solidFill>
+                  <a:srgbClr val="000000"/>
+                </a:solidFill>
+                <a:latin typeface="Arial"/>
+                <a:ea typeface="DejaVu Sans"/>
+              </a:rPr>
+              <a:t>info modules</a:t>
+            </a:r>
+            <a:endParaRPr b="0" lang="en-IN" sz="1800" spc="-1" strike="noStrike">
+              <a:latin typeface="Arial"/>
+            </a:endParaRPr>
+          </a:p>
+          <a:p>
+            <a:pPr marL="216000" indent="-210600">
+              <a:lnSpc>
+                <a:spcPct val="100000"/>
+              </a:lnSpc>
+              <a:buClr>
+                <a:srgbClr val="000000"/>
+              </a:buClr>
+              <a:buSzPct val="45000"/>
+              <a:buFont typeface="Wingdings" charset="2"/>
+              <a:buChar char=""/>
+            </a:pPr>
+            <a:r>
+              <a:rPr b="0" lang="en-IN" sz="1800" spc="-1" strike="noStrike">
+                <a:solidFill>
+                  <a:srgbClr val="000000"/>
+                </a:solidFill>
+                <a:latin typeface="Arial"/>
+                <a:ea typeface="DejaVu Sans"/>
+              </a:rPr>
+              <a:t>info all</a:t>
+            </a:r>
+            <a:endParaRPr b="0" lang="en-IN" sz="1800" spc="-1" strike="noStrike">
+              <a:latin typeface="Arial"/>
+            </a:endParaRPr>
+          </a:p>
+        </p:txBody>
+      </p:sp>
+      <p:sp>
+        <p:nvSpPr>
+          <p:cNvPr id="367" name="CustomShape 2"/>
+          <p:cNvSpPr/>
+          <p:nvPr/>
+        </p:nvSpPr>
+        <p:spPr>
+          <a:xfrm>
+            <a:off x="363600" y="193320"/>
+            <a:ext cx="4239000" cy="593280"/>
+          </a:xfrm>
+          <a:prstGeom prst="rect">
+            <a:avLst/>
+          </a:prstGeom>
+          <a:noFill/>
+          <a:ln>
+            <a:noFill/>
+          </a:ln>
+        </p:spPr>
+        <p:style>
+          <a:lnRef idx="0"/>
+          <a:fillRef idx="0"/>
+          <a:effectRef idx="0"/>
+          <a:fontRef idx="minor"/>
+        </p:style>
+        <p:txBody>
+          <a:bodyPr lIns="90000" rIns="90000" tIns="45000" bIns="45000">
+            <a:noAutofit/>
+          </a:bodyPr>
+          <a:p>
+            <a:pPr>
+              <a:lnSpc>
+                <a:spcPct val="100000"/>
+              </a:lnSpc>
+            </a:pPr>
+            <a:r>
+              <a:rPr b="0" lang="en-IN" sz="1800" spc="-1" strike="noStrike">
+                <a:solidFill>
+                  <a:srgbClr val="000000"/>
+                </a:solidFill>
+                <a:latin typeface="Arial"/>
+                <a:ea typeface="DejaVu Sans"/>
+              </a:rPr>
+              <a:t>SAVE</a:t>
+            </a:r>
+            <a:endParaRPr b="0" lang="en-IN" sz="1800" spc="-1" strike="noStrike">
+              <a:latin typeface="Arial"/>
+            </a:endParaRPr>
+          </a:p>
+          <a:p>
+            <a:pPr>
+              <a:lnSpc>
+                <a:spcPct val="100000"/>
+              </a:lnSpc>
+            </a:pPr>
+            <a:r>
+              <a:rPr b="0" lang="en-IN" sz="1800" spc="-1" strike="noStrike">
+                <a:solidFill>
+                  <a:srgbClr val="000000"/>
+                </a:solidFill>
+                <a:latin typeface="Arial"/>
+                <a:ea typeface="DejaVu Sans"/>
+              </a:rPr>
+              <a:t>Config get dir  /var/lib/redis</a:t>
+            </a:r>
+            <a:endParaRPr b="0" lang="en-IN" sz="1800" spc="-1" strike="noStrike">
+              <a:latin typeface="Arial"/>
+            </a:endParaRPr>
+          </a:p>
+        </p:txBody>
+      </p:sp>
+      <p:sp>
+        <p:nvSpPr>
+          <p:cNvPr id="368" name="CustomShape 3"/>
+          <p:cNvSpPr/>
+          <p:nvPr/>
+        </p:nvSpPr>
+        <p:spPr>
+          <a:xfrm>
+            <a:off x="504000" y="5760000"/>
+            <a:ext cx="11154600" cy="596880"/>
+          </a:xfrm>
+          <a:prstGeom prst="rect">
+            <a:avLst/>
+          </a:prstGeom>
+          <a:noFill/>
+          <a:ln>
+            <a:noFill/>
+          </a:ln>
+        </p:spPr>
+        <p:style>
+          <a:lnRef idx="0"/>
+          <a:fillRef idx="0"/>
+          <a:effectRef idx="0"/>
+          <a:fontRef idx="minor"/>
+        </p:style>
+        <p:txBody>
+          <a:bodyPr lIns="90000" rIns="90000" tIns="45000" bIns="45000">
+            <a:noAutofit/>
+          </a:bodyPr>
+          <a:p>
+            <a:pPr>
+              <a:lnSpc>
+                <a:spcPct val="100000"/>
+              </a:lnSpc>
+            </a:pPr>
+            <a:r>
+              <a:rPr b="0" lang="en-IN" sz="1800" spc="-1" strike="noStrike" u="sng">
+                <a:solidFill>
+                  <a:srgbClr val="b292ca"/>
+                </a:solidFill>
+                <a:uFillTx/>
+                <a:latin typeface="Arial"/>
+                <a:ea typeface="DejaVu Sans"/>
+                <a:hlinkClick r:id="rId1"/>
+              </a:rPr>
+              <a:t>saleel@saleel-Latitude-E6430</a:t>
+            </a:r>
+            <a:r>
+              <a:rPr b="0" lang="en-IN" sz="1800" spc="-1" strike="noStrike">
+                <a:solidFill>
+                  <a:srgbClr val="b292ca"/>
+                </a:solidFill>
+                <a:latin typeface="Arial"/>
+                <a:ea typeface="DejaVu Sans"/>
+              </a:rPr>
+              <a:t>:~$ redis-cli --csv -h 127.0.0.1 -p 6379 -n 3  hgetall cust:2 &gt;&gt; customer</a:t>
+            </a:r>
+            <a:endParaRPr b="0" lang="en-IN" sz="1800" spc="-1" strike="noStrike">
+              <a:latin typeface="Arial"/>
+            </a:endParaRPr>
+          </a:p>
+        </p:txBody>
+      </p:sp>
+      <p:sp>
+        <p:nvSpPr>
+          <p:cNvPr id="369" name="CustomShape 4"/>
+          <p:cNvSpPr/>
+          <p:nvPr/>
+        </p:nvSpPr>
+        <p:spPr>
+          <a:xfrm>
+            <a:off x="9648000" y="4014000"/>
+            <a:ext cx="2154600" cy="300600"/>
+          </a:xfrm>
+          <a:prstGeom prst="rect">
+            <a:avLst/>
+          </a:prstGeom>
+          <a:noFill/>
+          <a:ln>
+            <a:noFill/>
+          </a:ln>
+        </p:spPr>
+        <p:style>
+          <a:lnRef idx="0"/>
+          <a:fillRef idx="0"/>
+          <a:effectRef idx="0"/>
+          <a:fontRef idx="minor"/>
+        </p:style>
+        <p:txBody>
+          <a:bodyPr lIns="0" rIns="0" tIns="0" bIns="0">
+            <a:noAutofit/>
+          </a:bodyPr>
+          <a:p>
+            <a:pPr>
+              <a:lnSpc>
+                <a:spcPct val="100000"/>
+              </a:lnSpc>
+            </a:pPr>
+            <a:r>
+              <a:rPr b="0" lang="en-IN" sz="1800" spc="-1" strike="noStrike">
+                <a:solidFill>
+                  <a:srgbClr val="000000"/>
+                </a:solidFill>
+                <a:latin typeface="Arial"/>
+                <a:ea typeface="DejaVu Sans"/>
+              </a:rPr>
+              <a:t>redis-cli monitor</a:t>
+            </a:r>
+            <a:endParaRPr b="0" lang="en-IN" sz="1800" spc="-1" strike="noStrike">
+              <a:latin typeface="Arial"/>
+            </a:endParaRPr>
+          </a:p>
+        </p:txBody>
+      </p:sp>
+    </p:spTree>
+  </p:cSld>
+  <mc:AlternateContent>
+    <mc:Choice Requires="p14">
+      <p:transition spd="slow" p14:dur="2000"/>
+    </mc:Choice>
+    <mc:Fallback>
+      <p:transition spd="slow"/>
+    </mc:Fallback>
+  </mc:AlternateContent>
+</p:sld>
+</file>
+
+<file path=ppt/slides/slide72.xml><?xml version="1.0" encoding="utf-8"?>
+<p:sld xmlns:a="http://schemas.openxmlformats.org/drawingml/2006/main" xmlns:p="http://schemas.openxmlformats.org/presentationml/2006/main" xmlns:r="http://schemas.openxmlformats.org/officeDocument/2006/relationships" xmlns:p14="http://schemas.microsoft.com/office/powerpoint/2010/main" xmlns:p15="http://schemas.microsoft.com/office/powerpoint/2012/main" xmlns:mc="http://schemas.openxmlformats.org/markup-compatibility/2006">
+  <p:cSld>
+    <p:spTree>
+      <p:nvGrpSpPr>
+        <p:cNvPr id="1" name=""/>
+        <p:cNvGrpSpPr/>
+        <p:nvPr/>
+      </p:nvGrpSpPr>
+      <p:grpSpPr>
+        <a:xfrm>
+          <a:off x="0" y="0"/>
+          <a:ext cx="0" cy="0"/>
+          <a:chOff x="0" y="0"/>
+          <a:chExt cx="0" cy="0"/>
+        </a:xfrm>
+      </p:grpSpPr>
+      <p:sp>
+        <p:nvSpPr>
+          <p:cNvPr id="370" name="CustomShape 1"/>
+          <p:cNvSpPr/>
+          <p:nvPr/>
+        </p:nvSpPr>
+        <p:spPr>
+          <a:xfrm>
+            <a:off x="1368000" y="1669320"/>
+            <a:ext cx="3668040" cy="2934720"/>
+          </a:xfrm>
+          <a:prstGeom prst="rect">
+            <a:avLst/>
+          </a:prstGeom>
+          <a:noFill/>
+          <a:ln>
+            <a:noFill/>
+          </a:ln>
+        </p:spPr>
+        <p:style>
+          <a:lnRef idx="0"/>
+          <a:fillRef idx="0"/>
+          <a:effectRef idx="0"/>
+          <a:fontRef idx="minor"/>
+        </p:style>
+        <p:txBody>
+          <a:bodyPr lIns="90000" rIns="90000" tIns="45000" bIns="45000">
+            <a:noAutofit/>
+          </a:bodyPr>
+          <a:p>
+            <a:pPr>
+              <a:lnSpc>
+                <a:spcPct val="100000"/>
+              </a:lnSpc>
+            </a:pPr>
+            <a:r>
+              <a:rPr b="0" lang="en-IN" sz="1800" spc="-1" strike="noStrike">
+                <a:solidFill>
+                  <a:srgbClr val="000000"/>
+                </a:solidFill>
+                <a:latin typeface="Arial"/>
+                <a:ea typeface="DejaVu Sans"/>
+              </a:rPr>
+              <a:t>redis-cli --eval  app.lua</a:t>
+            </a:r>
+            <a:endParaRPr b="0" lang="en-IN" sz="1800" spc="-1" strike="noStrike">
+              <a:latin typeface="Arial"/>
+            </a:endParaRPr>
+          </a:p>
+          <a:p>
+            <a:pPr>
+              <a:lnSpc>
+                <a:spcPct val="100000"/>
+              </a:lnSpc>
+            </a:pPr>
+            <a:endParaRPr b="0" lang="en-IN" sz="1800" spc="-1" strike="noStrike">
+              <a:latin typeface="Arial"/>
+            </a:endParaRPr>
+          </a:p>
+          <a:p>
+            <a:pPr>
+              <a:lnSpc>
+                <a:spcPct val="100000"/>
+              </a:lnSpc>
+            </a:pPr>
+            <a:r>
+              <a:rPr b="1" lang="en-IN" sz="1800" spc="-1" strike="noStrike">
+                <a:solidFill>
+                  <a:srgbClr val="7f0055"/>
+                </a:solidFill>
+                <a:latin typeface="Monospace"/>
+                <a:ea typeface="Monospace"/>
+              </a:rPr>
+              <a:t>local</a:t>
+            </a:r>
+            <a:r>
+              <a:rPr b="0" lang="en-IN" sz="1800" spc="-1" strike="noStrike">
+                <a:solidFill>
+                  <a:srgbClr val="000000"/>
+                </a:solidFill>
+                <a:latin typeface="Monospace"/>
+                <a:ea typeface="Monospace"/>
+              </a:rPr>
+              <a:t> </a:t>
+            </a:r>
+            <a:r>
+              <a:rPr b="1" lang="en-IN" sz="1800" spc="-1" strike="noStrike">
+                <a:solidFill>
+                  <a:srgbClr val="7f0055"/>
+                </a:solidFill>
+                <a:latin typeface="Monospace"/>
+                <a:ea typeface="Monospace"/>
+              </a:rPr>
+              <a:t>function</a:t>
+            </a:r>
+            <a:r>
+              <a:rPr b="0" lang="en-IN" sz="1800" spc="-1" strike="noStrike">
+                <a:solidFill>
+                  <a:srgbClr val="000000"/>
+                </a:solidFill>
+                <a:latin typeface="Monospace"/>
+                <a:ea typeface="Monospace"/>
+              </a:rPr>
+              <a:t> </a:t>
+            </a:r>
+            <a:r>
+              <a:rPr b="0" lang="en-IN" sz="1800" spc="-1" strike="noStrike">
+                <a:solidFill>
+                  <a:srgbClr val="676767"/>
+                </a:solidFill>
+                <a:latin typeface="Monospace"/>
+                <a:ea typeface="Monospace"/>
+              </a:rPr>
+              <a:t>fn1</a:t>
+            </a:r>
+            <a:r>
+              <a:rPr b="0" lang="en-IN" sz="1800" spc="-1" strike="noStrike">
+                <a:solidFill>
+                  <a:srgbClr val="000000"/>
+                </a:solidFill>
+                <a:latin typeface="Monospace"/>
+                <a:ea typeface="Monospace"/>
+              </a:rPr>
+              <a:t>()</a:t>
+            </a:r>
+            <a:endParaRPr b="0" lang="en-IN" sz="1800" spc="-1" strike="noStrike">
+              <a:latin typeface="Arial"/>
+            </a:endParaRPr>
+          </a:p>
+          <a:p>
+            <a:pPr>
+              <a:lnSpc>
+                <a:spcPct val="100000"/>
+              </a:lnSpc>
+            </a:pPr>
+            <a:r>
+              <a:rPr b="0" lang="en-IN" sz="1800" spc="-1" strike="noStrike">
+                <a:solidFill>
+                  <a:srgbClr val="000000"/>
+                </a:solidFill>
+                <a:latin typeface="Monospace"/>
+                <a:ea typeface="Monospace"/>
+              </a:rPr>
+              <a:t>  </a:t>
+            </a:r>
+            <a:r>
+              <a:rPr b="1" lang="en-IN" sz="1800" spc="-1" strike="noStrike">
+                <a:solidFill>
+                  <a:srgbClr val="7f0055"/>
+                </a:solidFill>
+                <a:latin typeface="Monospace"/>
+                <a:ea typeface="Monospace"/>
+              </a:rPr>
+              <a:t>return</a:t>
+            </a:r>
+            <a:r>
+              <a:rPr b="0" lang="en-IN" sz="1800" spc="-1" strike="noStrike">
+                <a:solidFill>
+                  <a:srgbClr val="000000"/>
+                </a:solidFill>
+                <a:latin typeface="Monospace"/>
+                <a:ea typeface="Monospace"/>
+              </a:rPr>
+              <a:t> </a:t>
+            </a:r>
+            <a:r>
+              <a:rPr b="0" lang="en-IN" sz="1800" spc="-1" strike="noStrike">
+                <a:solidFill>
+                  <a:srgbClr val="2a00ff"/>
+                </a:solidFill>
+                <a:latin typeface="Monospace"/>
+                <a:ea typeface="Monospace"/>
+              </a:rPr>
+              <a:t>"Hello Saleel"</a:t>
+            </a:r>
+            <a:endParaRPr b="0" lang="en-IN" sz="1800" spc="-1" strike="noStrike">
+              <a:latin typeface="Arial"/>
+            </a:endParaRPr>
+          </a:p>
+          <a:p>
+            <a:pPr>
+              <a:lnSpc>
+                <a:spcPct val="100000"/>
+              </a:lnSpc>
+            </a:pPr>
+            <a:r>
+              <a:rPr b="0" lang="en-IN" sz="1800" spc="-1" strike="noStrike">
+                <a:solidFill>
+                  <a:srgbClr val="000000"/>
+                </a:solidFill>
+                <a:latin typeface="Monospace"/>
+                <a:ea typeface="Monospace"/>
+              </a:rPr>
+              <a:t>  </a:t>
+            </a:r>
+            <a:r>
+              <a:rPr b="1" lang="en-IN" sz="1800" spc="-1" strike="noStrike">
+                <a:solidFill>
+                  <a:srgbClr val="7f0055"/>
+                </a:solidFill>
+                <a:latin typeface="Monospace"/>
+                <a:ea typeface="Monospace"/>
+              </a:rPr>
+              <a:t>end</a:t>
+            </a:r>
+            <a:endParaRPr b="0" lang="en-IN" sz="1800" spc="-1" strike="noStrike">
+              <a:latin typeface="Arial"/>
+            </a:endParaRPr>
+          </a:p>
+          <a:p>
+            <a:pPr>
+              <a:lnSpc>
+                <a:spcPct val="100000"/>
+              </a:lnSpc>
+            </a:pPr>
+            <a:r>
+              <a:rPr b="0" lang="en-IN" sz="1800" spc="-1" strike="noStrike">
+                <a:solidFill>
+                  <a:srgbClr val="000000"/>
+                </a:solidFill>
+                <a:latin typeface="Monospace"/>
+                <a:ea typeface="Monospace"/>
+              </a:rPr>
+              <a:t> </a:t>
+            </a:r>
+            <a:endParaRPr b="0" lang="en-IN" sz="1800" spc="-1" strike="noStrike">
+              <a:latin typeface="Arial"/>
+            </a:endParaRPr>
+          </a:p>
+          <a:p>
+            <a:pPr>
+              <a:lnSpc>
+                <a:spcPct val="100000"/>
+              </a:lnSpc>
+            </a:pPr>
+            <a:r>
+              <a:rPr b="1" lang="en-IN" sz="1800" spc="-1" strike="noStrike">
+                <a:solidFill>
+                  <a:srgbClr val="7f0055"/>
+                </a:solidFill>
+                <a:latin typeface="Monospace"/>
+                <a:ea typeface="Monospace"/>
+              </a:rPr>
+              <a:t>return</a:t>
+            </a:r>
+            <a:r>
+              <a:rPr b="0" lang="en-IN" sz="1800" spc="-1" strike="noStrike">
+                <a:solidFill>
+                  <a:srgbClr val="000000"/>
+                </a:solidFill>
+                <a:latin typeface="Monospace"/>
+                <a:ea typeface="Monospace"/>
+              </a:rPr>
+              <a:t> </a:t>
+            </a:r>
+            <a:r>
+              <a:rPr b="0" lang="en-IN" sz="1800" spc="-1" strike="noStrike">
+                <a:solidFill>
+                  <a:srgbClr val="676767"/>
+                </a:solidFill>
+                <a:latin typeface="Monospace"/>
+                <a:ea typeface="Monospace"/>
+              </a:rPr>
+              <a:t>fn1</a:t>
+            </a:r>
+            <a:r>
+              <a:rPr b="0" lang="en-IN" sz="1800" spc="-1" strike="noStrike">
+                <a:solidFill>
+                  <a:srgbClr val="000000"/>
+                </a:solidFill>
+                <a:latin typeface="Monospace"/>
+                <a:ea typeface="Monospace"/>
+              </a:rPr>
+              <a:t>()</a:t>
+            </a:r>
+            <a:endParaRPr b="0" lang="en-IN" sz="1800" spc="-1" strike="noStrike">
+              <a:latin typeface="Arial"/>
+            </a:endParaRPr>
+          </a:p>
+        </p:txBody>
+      </p:sp>
+    </p:spTree>
+  </p:cSld>
+  <mc:AlternateContent>
+    <mc:Choice Requires="p14">
+      <p:transition spd="slow" p14:dur="2000"/>
+    </mc:Choice>
+    <mc:Fallback>
+      <p:transition spd="slow"/>
+    </mc:Fallback>
+  </mc:AlternateContent>
+</p:sld>
+</file>
+
+<file path=ppt/slides/slide73.xml><?xml version="1.0" encoding="utf-8"?>
+<p:sld xmlns:a="http://schemas.openxmlformats.org/drawingml/2006/main" xmlns:p="http://schemas.openxmlformats.org/presentationml/2006/main" xmlns:r="http://schemas.openxmlformats.org/officeDocument/2006/relationships" xmlns:p14="http://schemas.microsoft.com/office/powerpoint/2010/main" xmlns:p15="http://schemas.microsoft.com/office/powerpoint/2012/main" xmlns:mc="http://schemas.openxmlformats.org/markup-compatibility/2006">
+  <p:cSld>
+    <p:spTree>
+      <p:nvGrpSpPr>
+        <p:cNvPr id="1" name=""/>
+        <p:cNvGrpSpPr/>
+        <p:nvPr/>
+      </p:nvGrpSpPr>
+      <p:grpSpPr>
+        <a:xfrm>
+          <a:off x="0" y="0"/>
+          <a:ext cx="0" cy="0"/>
+          <a:chOff x="0" y="0"/>
+          <a:chExt cx="0" cy="0"/>
+        </a:xfrm>
+      </p:grpSpPr>
+      <p:pic>
+        <p:nvPicPr>
+          <p:cNvPr id="371" name="Picture 356" descr=""/>
+          <p:cNvPicPr/>
+          <p:nvPr/>
+        </p:nvPicPr>
+        <p:blipFill>
+          <a:blip r:embed="rId1"/>
+          <a:stretch/>
+        </p:blipFill>
+        <p:spPr>
+          <a:xfrm>
             <a:off x="483840" y="144000"/>
-            <a:ext cx="8585640" cy="6438600"/>
+            <a:ext cx="8584920" cy="6437880"/>
           </a:xfrm>
           <a:prstGeom prst="rect">
             <a:avLst/>
@@ -32861,7 +33794,7 @@
         <p:spPr>
           <a:xfrm>
             <a:off x="248400" y="0"/>
-            <a:ext cx="11697840" cy="699120"/>
+            <a:ext cx="11697120" cy="699120"/>
           </a:xfrm>
           <a:prstGeom prst="rect">
             <a:avLst/>
@@ -32916,7 +33849,7 @@
         <p:spPr>
           <a:xfrm>
             <a:off x="248400" y="762120"/>
-            <a:ext cx="11697840" cy="638280"/>
+            <a:ext cx="11697120" cy="638280"/>
           </a:xfrm>
           <a:prstGeom prst="rect">
             <a:avLst/>
@@ -32977,7 +33910,7 @@
         <p:spPr>
           <a:xfrm>
             <a:off x="1523880" y="4272480"/>
-            <a:ext cx="8875080" cy="2558520"/>
+            <a:ext cx="8874360" cy="2558520"/>
           </a:xfrm>
           <a:prstGeom prst="rect">
             <a:avLst/>
@@ -32998,7 +33931,7 @@
             <a:spAutoFit/>
           </a:bodyPr>
           <a:p>
-            <a:pPr marL="285840" indent="-271080">
+            <a:pPr marL="285840" indent="-270360">
               <a:lnSpc>
                 <a:spcPct val="150000"/>
               </a:lnSpc>
@@ -33043,7 +33976,7 @@
             </a:endParaRPr>
           </a:p>
           <a:p>
-            <a:pPr marL="285840" indent="-271080">
+            <a:pPr marL="285840" indent="-270360">
               <a:lnSpc>
                 <a:spcPct val="150000"/>
               </a:lnSpc>
@@ -33088,7 +34021,7 @@
             </a:endParaRPr>
           </a:p>
           <a:p>
-            <a:pPr marL="285840" indent="-271080">
+            <a:pPr marL="285840" indent="-270360">
               <a:lnSpc>
                 <a:spcPct val="150000"/>
               </a:lnSpc>
@@ -33133,7 +34066,7 @@
             </a:endParaRPr>
           </a:p>
           <a:p>
-            <a:pPr marL="285840" indent="-271080">
+            <a:pPr marL="285840" indent="-270360">
               <a:lnSpc>
                 <a:spcPct val="150000"/>
               </a:lnSpc>
@@ -33178,7 +34111,7 @@
             </a:endParaRPr>
           </a:p>
           <a:p>
-            <a:pPr marL="285840" indent="-271080">
+            <a:pPr marL="285840" indent="-270360">
               <a:lnSpc>
                 <a:spcPct val="150000"/>
               </a:lnSpc>
@@ -33213,7 +34146,7 @@
             </a:endParaRPr>
           </a:p>
           <a:p>
-            <a:pPr marL="285840" indent="-271080">
+            <a:pPr marL="285840" indent="-270360">
               <a:lnSpc>
                 <a:spcPct val="150000"/>
               </a:lnSpc>
@@ -33813,7 +34746,7 @@
         <p:spPr>
           <a:xfrm>
             <a:off x="246600" y="1742040"/>
-            <a:ext cx="11699640" cy="394560"/>
+            <a:ext cx="11698920" cy="394560"/>
           </a:xfrm>
           <a:prstGeom prst="rect">
             <a:avLst/>
@@ -33904,7 +34837,7 @@
         <p:spPr>
           <a:xfrm>
             <a:off x="1676520" y="2362320"/>
-            <a:ext cx="8824320" cy="912600"/>
+            <a:ext cx="8823600" cy="912600"/>
           </a:xfrm>
           <a:prstGeom prst="rect">
             <a:avLst/>
@@ -33955,7 +34888,7 @@
         <p:spPr>
           <a:xfrm>
             <a:off x="522360" y="3531600"/>
-            <a:ext cx="11061360" cy="363960"/>
+            <a:ext cx="11060640" cy="363960"/>
           </a:xfrm>
           <a:prstGeom prst="rect">
             <a:avLst/>

--- a/redis Ver2.pptx
+++ b/redis Ver2.pptx
@@ -79,6 +79,8 @@
     <p:sldId id="326" r:id="rId74"/>
     <p:sldId id="327" r:id="rId75"/>
     <p:sldId id="328" r:id="rId76"/>
+    <p:sldId id="329" r:id="rId77"/>
+    <p:sldId id="330" r:id="rId78"/>
   </p:sldIdLst>
   <p:sldSz cx="12192000" cy="6858000"/>
   <p:notesSz cx="7559675" cy="10691812"/>
@@ -2887,8 +2889,8 @@
         </p:nvSpPr>
         <p:spPr>
           <a:xfrm rot="5400000">
-            <a:off x="605880" y="6447240"/>
-            <a:ext cx="175320" cy="145080"/>
+            <a:off x="606960" y="6447240"/>
+            <a:ext cx="174240" cy="144000"/>
           </a:xfrm>
           <a:prstGeom prst="triangle">
             <a:avLst>
@@ -2929,7 +2931,7 @@
         <p:spPr>
           <a:xfrm>
             <a:off x="1206360" y="3648240"/>
-            <a:ext cx="9738000" cy="1264680"/>
+            <a:ext cx="9736920" cy="1263600"/>
           </a:xfrm>
           <a:prstGeom prst="rect">
             <a:avLst/>
@@ -2971,7 +2973,7 @@
         <p:spPr>
           <a:xfrm>
             <a:off x="1219320" y="5638680"/>
-            <a:ext cx="9738000" cy="670320"/>
+            <a:ext cx="9736920" cy="669240"/>
           </a:xfrm>
           <a:prstGeom prst="rect">
             <a:avLst/>
@@ -3013,7 +3015,7 @@
         <p:spPr>
           <a:xfrm>
             <a:off x="1206360" y="3648240"/>
-            <a:ext cx="289440" cy="1264680"/>
+            <a:ext cx="288360" cy="1263600"/>
           </a:xfrm>
           <a:prstGeom prst="rect">
             <a:avLst/>
@@ -3052,7 +3054,7 @@
         <p:spPr>
           <a:xfrm>
             <a:off x="1219320" y="5638680"/>
-            <a:ext cx="289440" cy="670320"/>
+            <a:ext cx="288360" cy="669240"/>
           </a:xfrm>
           <a:prstGeom prst="rect">
             <a:avLst/>
@@ -3111,13 +3113,7 @@
               <a:rPr b="0" lang="en-IN" sz="4400" spc="-1" strike="noStrike">
                 <a:latin typeface="Arial"/>
               </a:rPr>
-              <a:t>Click to edit the title text </a:t>
-            </a:r>
-            <a:r>
-              <a:rPr b="0" lang="en-IN" sz="4400" spc="-1" strike="noStrike">
-                <a:latin typeface="Arial"/>
-              </a:rPr>
-              <a:t>format</a:t>
+              <a:t>Click to edit the title text format</a:t>
             </a:r>
             <a:endParaRPr b="0" lang="en-IN" sz="4400" spc="-1" strike="noStrike">
               <a:latin typeface="Arial"/>
@@ -3414,8 +3410,8 @@
         </p:nvSpPr>
         <p:spPr>
           <a:xfrm rot="5400000">
-            <a:off x="605880" y="6447240"/>
-            <a:ext cx="175320" cy="145080"/>
+            <a:off x="606960" y="6447240"/>
+            <a:ext cx="174240" cy="144000"/>
           </a:xfrm>
           <a:prstGeom prst="triangle">
             <a:avLst>
@@ -3484,8 +3480,8 @@
         </p:nvSpPr>
         <p:spPr>
           <a:xfrm rot="5400000">
-            <a:off x="605880" y="6447240"/>
-            <a:ext cx="175320" cy="145080"/>
+            <a:off x="606960" y="6447240"/>
+            <a:ext cx="174240" cy="144000"/>
           </a:xfrm>
           <a:prstGeom prst="triangle">
             <a:avLst>
@@ -3779,7 +3775,7 @@
         <p:spPr>
           <a:xfrm>
             <a:off x="1975680" y="3553920"/>
-            <a:ext cx="8519040" cy="975240"/>
+            <a:ext cx="8517960" cy="974160"/>
           </a:xfrm>
           <a:prstGeom prst="rect">
             <a:avLst/>
@@ -3836,7 +3832,7 @@
         <p:spPr>
           <a:xfrm>
             <a:off x="181440" y="2001960"/>
-            <a:ext cx="2838960" cy="2838960"/>
+            <a:ext cx="2837880" cy="2837880"/>
           </a:xfrm>
           <a:prstGeom prst="rect">
             <a:avLst/>
@@ -3855,7 +3851,7 @@
         <p:spPr>
           <a:xfrm>
             <a:off x="720000" y="5158800"/>
-            <a:ext cx="10869120" cy="1174320"/>
+            <a:ext cx="10868040" cy="1173240"/>
           </a:xfrm>
           <a:prstGeom prst="rect">
             <a:avLst/>
@@ -3918,7 +3914,7 @@
         <p:spPr>
           <a:xfrm>
             <a:off x="181440" y="196560"/>
-            <a:ext cx="2838960" cy="1052280"/>
+            <a:ext cx="2837880" cy="1051200"/>
           </a:xfrm>
           <a:prstGeom prst="rect">
             <a:avLst/>
@@ -3937,7 +3933,7 @@
         <p:spPr>
           <a:xfrm>
             <a:off x="3557880" y="93600"/>
-            <a:ext cx="8437320" cy="3045240"/>
+            <a:ext cx="8436240" cy="3045240"/>
           </a:xfrm>
           <a:prstGeom prst="rect">
             <a:avLst/>
@@ -4022,7 +4018,7 @@
         <p:spPr>
           <a:xfrm>
             <a:off x="181440" y="196920"/>
-            <a:ext cx="2840760" cy="1054080"/>
+            <a:ext cx="2839680" cy="1053000"/>
           </a:xfrm>
           <a:prstGeom prst="rect">
             <a:avLst/>
@@ -4045,7 +4041,7 @@
         <p:spPr>
           <a:xfrm>
             <a:off x="57960" y="2448000"/>
-            <a:ext cx="3537000" cy="3537000"/>
+            <a:ext cx="3535920" cy="3535920"/>
           </a:xfrm>
           <a:prstGeom prst="rect">
             <a:avLst/>
@@ -4064,7 +4060,7 @@
         <p:spPr>
           <a:xfrm>
             <a:off x="7632000" y="4716000"/>
-            <a:ext cx="3453120" cy="399960"/>
+            <a:ext cx="3452040" cy="398880"/>
           </a:xfrm>
           <a:prstGeom prst="rect">
             <a:avLst/>
@@ -4195,7 +4191,7 @@
         <p:spPr>
           <a:xfrm>
             <a:off x="248400" y="0"/>
-            <a:ext cx="11697120" cy="699120"/>
+            <a:ext cx="11696040" cy="699120"/>
           </a:xfrm>
           <a:prstGeom prst="rect">
             <a:avLst/>
@@ -4250,7 +4246,7 @@
         <p:spPr>
           <a:xfrm>
             <a:off x="248400" y="762120"/>
-            <a:ext cx="11697120" cy="1186920"/>
+            <a:ext cx="11696040" cy="1186920"/>
           </a:xfrm>
           <a:prstGeom prst="rect">
             <a:avLst/>
@@ -4371,7 +4367,7 @@
         <p:spPr>
           <a:xfrm>
             <a:off x="1523880" y="3801960"/>
-            <a:ext cx="8874360" cy="2147040"/>
+            <a:ext cx="8873280" cy="2147040"/>
           </a:xfrm>
           <a:prstGeom prst="rect">
             <a:avLst/>
@@ -4392,7 +4388,7 @@
             <a:spAutoFit/>
           </a:bodyPr>
           <a:p>
-            <a:pPr marL="285840" indent="-270360">
+            <a:pPr marL="285840" indent="-269280">
               <a:lnSpc>
                 <a:spcPct val="150000"/>
               </a:lnSpc>
@@ -4437,7 +4433,7 @@
             </a:endParaRPr>
           </a:p>
           <a:p>
-            <a:pPr marL="285840" indent="-270360">
+            <a:pPr marL="285840" indent="-269280">
               <a:lnSpc>
                 <a:spcPct val="150000"/>
               </a:lnSpc>
@@ -4482,7 +4478,7 @@
             </a:endParaRPr>
           </a:p>
           <a:p>
-            <a:pPr marL="285840" indent="-270360">
+            <a:pPr marL="285840" indent="-269280">
               <a:lnSpc>
                 <a:spcPct val="150000"/>
               </a:lnSpc>
@@ -4527,7 +4523,7 @@
             </a:endParaRPr>
           </a:p>
           <a:p>
-            <a:pPr marL="285840" indent="-270360">
+            <a:pPr marL="285840" indent="-269280">
               <a:lnSpc>
                 <a:spcPct val="150000"/>
               </a:lnSpc>
@@ -4617,7 +4613,7 @@
         <p:spPr>
           <a:xfrm>
             <a:off x="246600" y="2133720"/>
-            <a:ext cx="11698920" cy="699480"/>
+            <a:ext cx="11697840" cy="699480"/>
           </a:xfrm>
           <a:prstGeom prst="rect">
             <a:avLst/>
@@ -4718,7 +4714,7 @@
         <p:spPr>
           <a:xfrm>
             <a:off x="1676520" y="2362320"/>
-            <a:ext cx="8823600" cy="912600"/>
+            <a:ext cx="8822520" cy="912600"/>
           </a:xfrm>
           <a:prstGeom prst="rect">
             <a:avLst/>
@@ -4769,7 +4765,7 @@
         <p:spPr>
           <a:xfrm>
             <a:off x="522360" y="3531600"/>
-            <a:ext cx="11060640" cy="363960"/>
+            <a:ext cx="11059560" cy="363960"/>
           </a:xfrm>
           <a:prstGeom prst="rect">
             <a:avLst/>
@@ -4850,7 +4846,7 @@
         <p:spPr>
           <a:xfrm>
             <a:off x="248400" y="0"/>
-            <a:ext cx="11697120" cy="699120"/>
+            <a:ext cx="11696040" cy="699120"/>
           </a:xfrm>
           <a:prstGeom prst="rect">
             <a:avLst/>
@@ -4905,7 +4901,7 @@
         <p:spPr>
           <a:xfrm>
             <a:off x="248400" y="762120"/>
-            <a:ext cx="11697120" cy="1186920"/>
+            <a:ext cx="11696040" cy="1186920"/>
           </a:xfrm>
           <a:prstGeom prst="rect">
             <a:avLst/>
@@ -5006,7 +5002,7 @@
         <p:spPr>
           <a:xfrm>
             <a:off x="1523880" y="3480480"/>
-            <a:ext cx="8874360" cy="2558520"/>
+            <a:ext cx="8873280" cy="2558520"/>
           </a:xfrm>
           <a:prstGeom prst="rect">
             <a:avLst/>
@@ -5027,7 +5023,7 @@
             <a:spAutoFit/>
           </a:bodyPr>
           <a:p>
-            <a:pPr marL="285840" indent="-270360">
+            <a:pPr marL="285840" indent="-269280">
               <a:lnSpc>
                 <a:spcPct val="150000"/>
               </a:lnSpc>
@@ -5072,7 +5068,7 @@
             </a:endParaRPr>
           </a:p>
           <a:p>
-            <a:pPr marL="285840" indent="-270360">
+            <a:pPr marL="285840" indent="-269280">
               <a:lnSpc>
                 <a:spcPct val="150000"/>
               </a:lnSpc>
@@ -5117,7 +5113,7 @@
             </a:endParaRPr>
           </a:p>
           <a:p>
-            <a:pPr marL="285840" indent="-270360">
+            <a:pPr marL="285840" indent="-269280">
               <a:lnSpc>
                 <a:spcPct val="150000"/>
               </a:lnSpc>
@@ -5162,7 +5158,7 @@
             </a:endParaRPr>
           </a:p>
           <a:p>
-            <a:pPr marL="285840" indent="-270360">
+            <a:pPr marL="285840" indent="-269280">
               <a:lnSpc>
                 <a:spcPct val="150000"/>
               </a:lnSpc>
@@ -5207,7 +5203,7 @@
             </a:endParaRPr>
           </a:p>
           <a:p>
-            <a:pPr marL="285840" indent="-270360">
+            <a:pPr marL="285840" indent="-269280">
               <a:lnSpc>
                 <a:spcPct val="150000"/>
               </a:lnSpc>
@@ -5242,7 +5238,7 @@
             </a:endParaRPr>
           </a:p>
           <a:p>
-            <a:pPr marL="285840" indent="-270360">
+            <a:pPr marL="285840" indent="-269280">
               <a:lnSpc>
                 <a:spcPct val="150000"/>
               </a:lnSpc>
@@ -5322,7 +5318,7 @@
         <p:spPr>
           <a:xfrm>
             <a:off x="246600" y="2206440"/>
-            <a:ext cx="11698920" cy="699480"/>
+            <a:ext cx="11697840" cy="699480"/>
           </a:xfrm>
           <a:prstGeom prst="rect">
             <a:avLst/>
@@ -5423,7 +5419,7 @@
         <p:spPr>
           <a:xfrm>
             <a:off x="1676520" y="2362320"/>
-            <a:ext cx="8823600" cy="1735560"/>
+            <a:ext cx="8822520" cy="1735560"/>
           </a:xfrm>
           <a:prstGeom prst="rect">
             <a:avLst/>
@@ -5474,7 +5470,7 @@
         <p:spPr>
           <a:xfrm>
             <a:off x="522360" y="4323600"/>
-            <a:ext cx="11060640" cy="363960"/>
+            <a:ext cx="11059560" cy="363960"/>
           </a:xfrm>
           <a:prstGeom prst="rect">
             <a:avLst/>
@@ -5555,7 +5551,7 @@
         <p:spPr>
           <a:xfrm>
             <a:off x="248400" y="0"/>
-            <a:ext cx="11697120" cy="699120"/>
+            <a:ext cx="11696040" cy="699120"/>
           </a:xfrm>
           <a:prstGeom prst="rect">
             <a:avLst/>
@@ -5610,7 +5606,7 @@
         <p:spPr>
           <a:xfrm>
             <a:off x="248400" y="762120"/>
-            <a:ext cx="11697120" cy="2009880"/>
+            <a:ext cx="11696040" cy="2009880"/>
           </a:xfrm>
           <a:prstGeom prst="rect">
             <a:avLst/>
@@ -5751,7 +5747,7 @@
         <p:spPr>
           <a:xfrm>
             <a:off x="1523880" y="4344480"/>
-            <a:ext cx="8874360" cy="2147040"/>
+            <a:ext cx="8873280" cy="2147040"/>
           </a:xfrm>
           <a:prstGeom prst="rect">
             <a:avLst/>
@@ -5772,7 +5768,7 @@
             <a:spAutoFit/>
           </a:bodyPr>
           <a:p>
-            <a:pPr marL="285840" indent="-270360">
+            <a:pPr marL="285840" indent="-269280">
               <a:lnSpc>
                 <a:spcPct val="150000"/>
               </a:lnSpc>
@@ -5817,7 +5813,7 @@
             </a:endParaRPr>
           </a:p>
           <a:p>
-            <a:pPr marL="285840" indent="-270360">
+            <a:pPr marL="285840" indent="-269280">
               <a:lnSpc>
                 <a:spcPct val="150000"/>
               </a:lnSpc>
@@ -5862,7 +5858,7 @@
             </a:endParaRPr>
           </a:p>
           <a:p>
-            <a:pPr marL="285840" indent="-270360">
+            <a:pPr marL="285840" indent="-269280">
               <a:lnSpc>
                 <a:spcPct val="150000"/>
               </a:lnSpc>
@@ -5907,7 +5903,7 @@
             </a:endParaRPr>
           </a:p>
           <a:p>
-            <a:pPr marL="285840" indent="-270360">
+            <a:pPr marL="285840" indent="-269280">
               <a:lnSpc>
                 <a:spcPct val="150000"/>
               </a:lnSpc>
@@ -5952,7 +5948,7 @@
             </a:endParaRPr>
           </a:p>
           <a:p>
-            <a:pPr marL="285840" indent="-270360">
+            <a:pPr marL="285840" indent="-269280">
               <a:lnSpc>
                 <a:spcPct val="150000"/>
               </a:lnSpc>
@@ -6042,7 +6038,7 @@
         <p:spPr>
           <a:xfrm>
             <a:off x="246600" y="2845080"/>
-            <a:ext cx="11698920" cy="1309320"/>
+            <a:ext cx="11697840" cy="1309320"/>
           </a:xfrm>
           <a:prstGeom prst="rect">
             <a:avLst/>
@@ -6183,7 +6179,7 @@
         <p:spPr>
           <a:xfrm>
             <a:off x="1676520" y="2362320"/>
-            <a:ext cx="8823600" cy="912600"/>
+            <a:ext cx="8822520" cy="912600"/>
           </a:xfrm>
           <a:prstGeom prst="rect">
             <a:avLst/>
@@ -6234,7 +6230,7 @@
         <p:spPr>
           <a:xfrm>
             <a:off x="522360" y="3531600"/>
-            <a:ext cx="11060640" cy="363960"/>
+            <a:ext cx="11059560" cy="363960"/>
           </a:xfrm>
           <a:prstGeom prst="rect">
             <a:avLst/>
@@ -6315,7 +6311,7 @@
         <p:spPr>
           <a:xfrm>
             <a:off x="248400" y="0"/>
-            <a:ext cx="11697120" cy="699120"/>
+            <a:ext cx="11696040" cy="699120"/>
           </a:xfrm>
           <a:prstGeom prst="rect">
             <a:avLst/>
@@ -6370,7 +6366,7 @@
         <p:spPr>
           <a:xfrm>
             <a:off x="248400" y="762120"/>
-            <a:ext cx="11697120" cy="912600"/>
+            <a:ext cx="11696040" cy="912600"/>
           </a:xfrm>
           <a:prstGeom prst="rect">
             <a:avLst/>
@@ -6471,7 +6467,7 @@
         <p:spPr>
           <a:xfrm>
             <a:off x="1600200" y="2685600"/>
-            <a:ext cx="8874360" cy="1735560"/>
+            <a:ext cx="8873280" cy="1735560"/>
           </a:xfrm>
           <a:prstGeom prst="rect">
             <a:avLst/>
@@ -6492,7 +6488,7 @@
             <a:spAutoFit/>
           </a:bodyPr>
           <a:p>
-            <a:pPr marL="285840" indent="-270360">
+            <a:pPr marL="285840" indent="-269280">
               <a:lnSpc>
                 <a:spcPct val="150000"/>
               </a:lnSpc>
@@ -6537,7 +6533,7 @@
             </a:endParaRPr>
           </a:p>
           <a:p>
-            <a:pPr marL="285840" indent="-270360">
+            <a:pPr marL="285840" indent="-269280">
               <a:lnSpc>
                 <a:spcPct val="150000"/>
               </a:lnSpc>
@@ -6582,7 +6578,7 @@
             </a:endParaRPr>
           </a:p>
           <a:p>
-            <a:pPr marL="285840" indent="-270360">
+            <a:pPr marL="285840" indent="-269280">
               <a:lnSpc>
                 <a:spcPct val="150000"/>
               </a:lnSpc>
@@ -6627,7 +6623,7 @@
             </a:endParaRPr>
           </a:p>
           <a:p>
-            <a:pPr marL="285840" indent="-270360">
+            <a:pPr marL="285840" indent="-269280">
               <a:lnSpc>
                 <a:spcPct val="150000"/>
               </a:lnSpc>
@@ -6682,7 +6678,7 @@
         <p:spPr>
           <a:xfrm>
             <a:off x="1656000" y="4533480"/>
-            <a:ext cx="8984880" cy="1355040"/>
+            <a:ext cx="8983800" cy="1353960"/>
           </a:xfrm>
           <a:prstGeom prst="rect">
             <a:avLst/>
@@ -6703,7 +6699,7 @@
             <a:noAutofit/>
           </a:bodyPr>
           <a:p>
-            <a:pPr marL="216000" indent="-203760">
+            <a:pPr marL="216000" indent="-202680">
               <a:lnSpc>
                 <a:spcPct val="150000"/>
               </a:lnSpc>
@@ -6738,7 +6734,7 @@
             </a:endParaRPr>
           </a:p>
           <a:p>
-            <a:pPr marL="216000" indent="-203760">
+            <a:pPr marL="216000" indent="-202680">
               <a:lnSpc>
                 <a:spcPct val="150000"/>
               </a:lnSpc>
@@ -6773,7 +6769,7 @@
             </a:endParaRPr>
           </a:p>
           <a:p>
-            <a:pPr marL="216000" indent="-203760">
+            <a:pPr marL="216000" indent="-202680">
               <a:lnSpc>
                 <a:spcPct val="150000"/>
               </a:lnSpc>
@@ -6808,7 +6804,7 @@
             </a:endParaRPr>
           </a:p>
           <a:p>
-            <a:pPr marL="216000" indent="-203760">
+            <a:pPr marL="216000" indent="-202680">
               <a:lnSpc>
                 <a:spcPct val="150000"/>
               </a:lnSpc>
@@ -6843,7 +6839,7 @@
             </a:endParaRPr>
           </a:p>
           <a:p>
-            <a:pPr marL="216000" indent="-203760">
+            <a:pPr marL="216000" indent="-202680">
               <a:lnSpc>
                 <a:spcPct val="150000"/>
               </a:lnSpc>
@@ -6923,7 +6919,7 @@
         <p:spPr>
           <a:xfrm>
             <a:off x="246600" y="1742040"/>
-            <a:ext cx="11698920" cy="699480"/>
+            <a:ext cx="11697840" cy="699480"/>
           </a:xfrm>
           <a:prstGeom prst="rect">
             <a:avLst/>
@@ -7024,7 +7020,7 @@
         <p:spPr>
           <a:xfrm>
             <a:off x="1676520" y="2362320"/>
-            <a:ext cx="8823600" cy="912600"/>
+            <a:ext cx="8822520" cy="912600"/>
           </a:xfrm>
           <a:prstGeom prst="rect">
             <a:avLst/>
@@ -7075,7 +7071,7 @@
         <p:spPr>
           <a:xfrm>
             <a:off x="522360" y="3531600"/>
-            <a:ext cx="11060640" cy="363960"/>
+            <a:ext cx="11059560" cy="363960"/>
           </a:xfrm>
           <a:prstGeom prst="rect">
             <a:avLst/>
@@ -7156,7 +7152,7 @@
         <p:spPr>
           <a:xfrm>
             <a:off x="248400" y="0"/>
-            <a:ext cx="11697120" cy="699120"/>
+            <a:ext cx="11696040" cy="699120"/>
           </a:xfrm>
           <a:prstGeom prst="rect">
             <a:avLst/>
@@ -7211,7 +7207,7 @@
         <p:spPr>
           <a:xfrm>
             <a:off x="248400" y="762120"/>
-            <a:ext cx="11697120" cy="668880"/>
+            <a:ext cx="11696040" cy="668880"/>
           </a:xfrm>
           <a:prstGeom prst="rect">
             <a:avLst/>
@@ -7302,7 +7298,7 @@
         <p:spPr>
           <a:xfrm>
             <a:off x="1600200" y="3909600"/>
-            <a:ext cx="8874360" cy="1324080"/>
+            <a:ext cx="8873280" cy="1324080"/>
           </a:xfrm>
           <a:prstGeom prst="rect">
             <a:avLst/>
@@ -7323,7 +7319,7 @@
             <a:spAutoFit/>
           </a:bodyPr>
           <a:p>
-            <a:pPr marL="285840" indent="-270360">
+            <a:pPr marL="285840" indent="-269280">
               <a:lnSpc>
                 <a:spcPct val="150000"/>
               </a:lnSpc>
@@ -7368,7 +7364,7 @@
             </a:endParaRPr>
           </a:p>
           <a:p>
-            <a:pPr marL="285840" indent="-270360">
+            <a:pPr marL="285840" indent="-269280">
               <a:lnSpc>
                 <a:spcPct val="150000"/>
               </a:lnSpc>
@@ -7413,7 +7409,7 @@
             </a:endParaRPr>
           </a:p>
           <a:p>
-            <a:pPr marL="285840" indent="-270360">
+            <a:pPr marL="285840" indent="-269280">
               <a:lnSpc>
                 <a:spcPct val="150000"/>
               </a:lnSpc>
@@ -7468,7 +7464,7 @@
         <p:spPr>
           <a:xfrm>
             <a:off x="1584000" y="5246640"/>
-            <a:ext cx="8840880" cy="1001520"/>
+            <a:ext cx="8839800" cy="1000440"/>
           </a:xfrm>
           <a:prstGeom prst="rect">
             <a:avLst/>
@@ -7519,7 +7515,7 @@
             </a:endParaRPr>
           </a:p>
           <a:p>
-            <a:pPr marL="216000" indent="-200880">
+            <a:pPr marL="216000" indent="-199800">
               <a:lnSpc>
                 <a:spcPct val="100000"/>
               </a:lnSpc>
@@ -7545,7 +7541,7 @@
             </a:endParaRPr>
           </a:p>
           <a:p>
-            <a:pPr marL="216000" indent="-200880">
+            <a:pPr marL="216000" indent="-199800">
               <a:lnSpc>
                 <a:spcPct val="100000"/>
               </a:lnSpc>
@@ -7581,7 +7577,7 @@
         <p:spPr>
           <a:xfrm>
             <a:off x="1576080" y="3161880"/>
-            <a:ext cx="9568800" cy="639000"/>
+            <a:ext cx="9567720" cy="637920"/>
           </a:xfrm>
           <a:prstGeom prst="rect">
             <a:avLst/>
@@ -7697,7 +7693,7 @@
         <p:spPr>
           <a:xfrm>
             <a:off x="246600" y="1742040"/>
-            <a:ext cx="11698920" cy="699480"/>
+            <a:ext cx="11697840" cy="699480"/>
           </a:xfrm>
           <a:prstGeom prst="rect">
             <a:avLst/>
@@ -7798,7 +7794,7 @@
         <p:spPr>
           <a:xfrm>
             <a:off x="1676520" y="2362320"/>
-            <a:ext cx="8823600" cy="912600"/>
+            <a:ext cx="8822520" cy="912600"/>
           </a:xfrm>
           <a:prstGeom prst="rect">
             <a:avLst/>
@@ -7849,7 +7845,7 @@
         <p:spPr>
           <a:xfrm>
             <a:off x="522360" y="3531600"/>
-            <a:ext cx="11060640" cy="363960"/>
+            <a:ext cx="11059560" cy="363960"/>
           </a:xfrm>
           <a:prstGeom prst="rect">
             <a:avLst/>
@@ -7930,7 +7926,7 @@
         <p:spPr>
           <a:xfrm>
             <a:off x="1676520" y="2362320"/>
-            <a:ext cx="8823600" cy="912600"/>
+            <a:ext cx="8822520" cy="912600"/>
           </a:xfrm>
           <a:prstGeom prst="rect">
             <a:avLst/>
@@ -7981,7 +7977,7 @@
         <p:spPr>
           <a:xfrm>
             <a:off x="522360" y="3531600"/>
-            <a:ext cx="11132640" cy="1186920"/>
+            <a:ext cx="11131560" cy="1186920"/>
           </a:xfrm>
           <a:prstGeom prst="rect">
             <a:avLst/>
@@ -8032,7 +8028,7 @@
         <p:spPr>
           <a:xfrm>
             <a:off x="1666800" y="609480"/>
-            <a:ext cx="8823600" cy="394560"/>
+            <a:ext cx="8822520" cy="394560"/>
           </a:xfrm>
           <a:prstGeom prst="rect">
             <a:avLst/>
@@ -8113,7 +8109,7 @@
         <p:spPr>
           <a:xfrm>
             <a:off x="248400" y="0"/>
-            <a:ext cx="11697120" cy="699120"/>
+            <a:ext cx="11696040" cy="699120"/>
           </a:xfrm>
           <a:prstGeom prst="rect">
             <a:avLst/>
@@ -8168,7 +8164,7 @@
         <p:spPr>
           <a:xfrm>
             <a:off x="248400" y="762120"/>
-            <a:ext cx="11697120" cy="1461240"/>
+            <a:ext cx="11696040" cy="1461240"/>
           </a:xfrm>
           <a:prstGeom prst="rect">
             <a:avLst/>
@@ -8269,7 +8265,7 @@
         <p:spPr>
           <a:xfrm>
             <a:off x="1600200" y="3585600"/>
-            <a:ext cx="8874360" cy="2558520"/>
+            <a:ext cx="8873280" cy="2558520"/>
           </a:xfrm>
           <a:prstGeom prst="rect">
             <a:avLst/>
@@ -8310,7 +8306,7 @@
             </a:endParaRPr>
           </a:p>
           <a:p>
-            <a:pPr marL="285840" indent="-270360">
+            <a:pPr marL="285840" indent="-269280">
               <a:lnSpc>
                 <a:spcPct val="150000"/>
               </a:lnSpc>
@@ -8355,7 +8351,7 @@
             </a:endParaRPr>
           </a:p>
           <a:p>
-            <a:pPr marL="285840" indent="-270360">
+            <a:pPr marL="285840" indent="-269280">
               <a:lnSpc>
                 <a:spcPct val="150000"/>
               </a:lnSpc>
@@ -8420,7 +8416,7 @@
             </a:endParaRPr>
           </a:p>
           <a:p>
-            <a:pPr marL="285840" indent="-270360">
+            <a:pPr marL="285840" indent="-269280">
               <a:lnSpc>
                 <a:spcPct val="150000"/>
               </a:lnSpc>
@@ -8465,7 +8461,7 @@
             </a:endParaRPr>
           </a:p>
           <a:p>
-            <a:pPr marL="285840" indent="-270360">
+            <a:pPr marL="285840" indent="-269280">
               <a:lnSpc>
                 <a:spcPct val="150000"/>
               </a:lnSpc>
@@ -8555,7 +8551,7 @@
         <p:spPr>
           <a:xfrm>
             <a:off x="246600" y="2322360"/>
-            <a:ext cx="11698920" cy="699480"/>
+            <a:ext cx="11697840" cy="699480"/>
           </a:xfrm>
           <a:prstGeom prst="rect">
             <a:avLst/>
@@ -8656,7 +8652,7 @@
         <p:spPr>
           <a:xfrm>
             <a:off x="1676520" y="2362320"/>
-            <a:ext cx="8823600" cy="1735560"/>
+            <a:ext cx="8822520" cy="1735560"/>
           </a:xfrm>
           <a:prstGeom prst="rect">
             <a:avLst/>
@@ -8707,7 +8703,7 @@
         <p:spPr>
           <a:xfrm>
             <a:off x="522360" y="3531600"/>
-            <a:ext cx="11060640" cy="363960"/>
+            <a:ext cx="11059560" cy="363960"/>
           </a:xfrm>
           <a:prstGeom prst="rect">
             <a:avLst/>
@@ -8788,7 +8784,7 @@
         <p:spPr>
           <a:xfrm>
             <a:off x="248400" y="0"/>
-            <a:ext cx="11697120" cy="699120"/>
+            <a:ext cx="11696040" cy="699120"/>
           </a:xfrm>
           <a:prstGeom prst="rect">
             <a:avLst/>
@@ -8843,7 +8839,7 @@
         <p:spPr>
           <a:xfrm>
             <a:off x="248400" y="762120"/>
-            <a:ext cx="11619720" cy="2284200"/>
+            <a:ext cx="11618640" cy="2284200"/>
           </a:xfrm>
           <a:prstGeom prst="rect">
             <a:avLst/>
@@ -8984,7 +8980,7 @@
         <p:spPr>
           <a:xfrm>
             <a:off x="864000" y="4197600"/>
-            <a:ext cx="11004120" cy="1324080"/>
+            <a:ext cx="11003040" cy="1324080"/>
           </a:xfrm>
           <a:prstGeom prst="rect">
             <a:avLst/>
@@ -9005,7 +9001,7 @@
             <a:spAutoFit/>
           </a:bodyPr>
           <a:p>
-            <a:pPr marL="285840" indent="-270360">
+            <a:pPr marL="285840" indent="-269280">
               <a:lnSpc>
                 <a:spcPct val="150000"/>
               </a:lnSpc>
@@ -9050,7 +9046,7 @@
             </a:endParaRPr>
           </a:p>
           <a:p>
-            <a:pPr marL="285840" indent="-270360">
+            <a:pPr marL="285840" indent="-269280">
               <a:lnSpc>
                 <a:spcPct val="150000"/>
               </a:lnSpc>
@@ -9095,7 +9091,7 @@
             </a:endParaRPr>
           </a:p>
           <a:p>
-            <a:pPr marL="285840" indent="-270360">
+            <a:pPr marL="285840" indent="-269280">
               <a:lnSpc>
                 <a:spcPct val="150000"/>
               </a:lnSpc>
@@ -9150,7 +9146,7 @@
         <p:spPr>
           <a:xfrm>
             <a:off x="1584000" y="5610240"/>
-            <a:ext cx="8840880" cy="1001520"/>
+            <a:ext cx="8839800" cy="1000440"/>
           </a:xfrm>
           <a:prstGeom prst="rect">
             <a:avLst/>
@@ -9201,7 +9197,7 @@
             </a:endParaRPr>
           </a:p>
           <a:p>
-            <a:pPr marL="285840" indent="-273240">
+            <a:pPr marL="285840" indent="-272160">
               <a:lnSpc>
                 <a:spcPct val="100000"/>
               </a:lnSpc>
@@ -9236,7 +9232,7 @@
             </a:endParaRPr>
           </a:p>
           <a:p>
-            <a:pPr marL="285840" indent="-273240">
+            <a:pPr marL="285840" indent="-272160">
               <a:lnSpc>
                 <a:spcPct val="100000"/>
               </a:lnSpc>
@@ -9316,7 +9312,7 @@
         <p:spPr>
           <a:xfrm>
             <a:off x="246600" y="3120840"/>
-            <a:ext cx="11698920" cy="1004400"/>
+            <a:ext cx="11697840" cy="1004400"/>
           </a:xfrm>
           <a:prstGeom prst="rect">
             <a:avLst/>
@@ -9437,7 +9433,7 @@
         <p:spPr>
           <a:xfrm>
             <a:off x="1676520" y="2362320"/>
-            <a:ext cx="8823600" cy="1735560"/>
+            <a:ext cx="8822520" cy="1735560"/>
           </a:xfrm>
           <a:prstGeom prst="rect">
             <a:avLst/>
@@ -9488,7 +9484,7 @@
         <p:spPr>
           <a:xfrm>
             <a:off x="522360" y="3531600"/>
-            <a:ext cx="11060640" cy="363960"/>
+            <a:ext cx="11059560" cy="363960"/>
           </a:xfrm>
           <a:prstGeom prst="rect">
             <a:avLst/>
@@ -10448,7 +10444,7 @@
                       <a:noAutofit/>
                     </a:bodyPr>
                     <a:p>
-                      <a:pPr marL="216000" indent="-214200" algn="ctr">
+                      <a:pPr marL="216000" indent="-213120" algn="ctr">
                         <a:lnSpc>
                           <a:spcPct val="100000"/>
                         </a:lnSpc>
@@ -10761,7 +10757,7 @@
         <p:spPr>
           <a:xfrm>
             <a:off x="248400" y="0"/>
-            <a:ext cx="11697120" cy="699120"/>
+            <a:ext cx="11696040" cy="699120"/>
           </a:xfrm>
           <a:prstGeom prst="rect">
             <a:avLst/>
@@ -10816,7 +10812,7 @@
         <p:spPr>
           <a:xfrm>
             <a:off x="248400" y="762120"/>
-            <a:ext cx="11697120" cy="2284200"/>
+            <a:ext cx="11696040" cy="2284200"/>
           </a:xfrm>
           <a:prstGeom prst="rect">
             <a:avLst/>
@@ -10957,7 +10953,7 @@
         <p:spPr>
           <a:xfrm>
             <a:off x="1600200" y="4593600"/>
-            <a:ext cx="8874360" cy="912600"/>
+            <a:ext cx="8873280" cy="912600"/>
           </a:xfrm>
           <a:prstGeom prst="rect">
             <a:avLst/>
@@ -10978,7 +10974,7 @@
             <a:spAutoFit/>
           </a:bodyPr>
           <a:p>
-            <a:pPr marL="285840" indent="-270360">
+            <a:pPr marL="285840" indent="-269280">
               <a:lnSpc>
                 <a:spcPct val="150000"/>
               </a:lnSpc>
@@ -11023,7 +11019,7 @@
             </a:endParaRPr>
           </a:p>
           <a:p>
-            <a:pPr marL="285840" indent="-270360">
+            <a:pPr marL="285840" indent="-269280">
               <a:lnSpc>
                 <a:spcPct val="150000"/>
               </a:lnSpc>
@@ -11078,7 +11074,7 @@
         <p:spPr>
           <a:xfrm>
             <a:off x="1584000" y="5790240"/>
-            <a:ext cx="8840880" cy="65880"/>
+            <a:ext cx="8839800" cy="64800"/>
           </a:xfrm>
           <a:prstGeom prst="rect">
             <a:avLst/>
@@ -11129,7 +11125,7 @@
             </a:endParaRPr>
           </a:p>
           <a:p>
-            <a:pPr marL="285840" indent="-273240">
+            <a:pPr marL="285840" indent="-272160">
               <a:lnSpc>
                 <a:spcPct val="100000"/>
               </a:lnSpc>
@@ -11199,7 +11195,7 @@
         <p:spPr>
           <a:xfrm>
             <a:off x="246600" y="3048120"/>
-            <a:ext cx="11698920" cy="1004400"/>
+            <a:ext cx="11697840" cy="1004400"/>
           </a:xfrm>
           <a:prstGeom prst="rect">
             <a:avLst/>
@@ -11320,7 +11316,7 @@
         <p:spPr>
           <a:xfrm>
             <a:off x="1676520" y="2362320"/>
-            <a:ext cx="8823600" cy="912600"/>
+            <a:ext cx="8822520" cy="912600"/>
           </a:xfrm>
           <a:prstGeom prst="rect">
             <a:avLst/>
@@ -11371,7 +11367,7 @@
         <p:spPr>
           <a:xfrm>
             <a:off x="522360" y="3531600"/>
-            <a:ext cx="11060640" cy="363960"/>
+            <a:ext cx="11059560" cy="363960"/>
           </a:xfrm>
           <a:prstGeom prst="rect">
             <a:avLst/>
@@ -12126,7 +12122,7 @@
         <p:spPr>
           <a:xfrm>
             <a:off x="248400" y="0"/>
-            <a:ext cx="11697120" cy="699120"/>
+            <a:ext cx="11696040" cy="699120"/>
           </a:xfrm>
           <a:prstGeom prst="rect">
             <a:avLst/>
@@ -12181,7 +12177,7 @@
         <p:spPr>
           <a:xfrm>
             <a:off x="248400" y="762120"/>
-            <a:ext cx="11697120" cy="1461240"/>
+            <a:ext cx="11696040" cy="1461240"/>
           </a:xfrm>
           <a:prstGeom prst="rect">
             <a:avLst/>
@@ -12282,7 +12278,7 @@
         <p:spPr>
           <a:xfrm>
             <a:off x="1600200" y="3621600"/>
-            <a:ext cx="8874360" cy="912600"/>
+            <a:ext cx="8873280" cy="912600"/>
           </a:xfrm>
           <a:prstGeom prst="rect">
             <a:avLst/>
@@ -12303,7 +12299,7 @@
             <a:spAutoFit/>
           </a:bodyPr>
           <a:p>
-            <a:pPr marL="285840" indent="-270360">
+            <a:pPr marL="285840" indent="-269280">
               <a:lnSpc>
                 <a:spcPct val="150000"/>
               </a:lnSpc>
@@ -12348,7 +12344,7 @@
             </a:endParaRPr>
           </a:p>
           <a:p>
-            <a:pPr marL="285840" indent="-270360">
+            <a:pPr marL="285840" indent="-269280">
               <a:lnSpc>
                 <a:spcPct val="150000"/>
               </a:lnSpc>
@@ -12403,7 +12399,7 @@
         <p:spPr>
           <a:xfrm>
             <a:off x="1584000" y="5106240"/>
-            <a:ext cx="8840880" cy="65880"/>
+            <a:ext cx="8839800" cy="64800"/>
           </a:xfrm>
           <a:prstGeom prst="rect">
             <a:avLst/>
@@ -12454,7 +12450,7 @@
             </a:endParaRPr>
           </a:p>
           <a:p>
-            <a:pPr marL="285840" indent="-273240">
+            <a:pPr marL="285840" indent="-272160">
               <a:lnSpc>
                 <a:spcPct val="100000"/>
               </a:lnSpc>
@@ -12524,7 +12520,7 @@
         <p:spPr>
           <a:xfrm>
             <a:off x="246600" y="2395080"/>
-            <a:ext cx="11698920" cy="699480"/>
+            <a:ext cx="11697840" cy="699480"/>
           </a:xfrm>
           <a:prstGeom prst="rect">
             <a:avLst/>
@@ -12625,7 +12621,7 @@
         <p:spPr>
           <a:xfrm>
             <a:off x="1676520" y="2362320"/>
-            <a:ext cx="8823600" cy="912600"/>
+            <a:ext cx="8822520" cy="912600"/>
           </a:xfrm>
           <a:prstGeom prst="rect">
             <a:avLst/>
@@ -12676,7 +12672,7 @@
         <p:spPr>
           <a:xfrm>
             <a:off x="522360" y="3531600"/>
-            <a:ext cx="11060640" cy="363960"/>
+            <a:ext cx="11059560" cy="363960"/>
           </a:xfrm>
           <a:prstGeom prst="rect">
             <a:avLst/>
@@ -12757,7 +12753,7 @@
         <p:spPr>
           <a:xfrm>
             <a:off x="248400" y="0"/>
-            <a:ext cx="11697120" cy="699120"/>
+            <a:ext cx="11696040" cy="699120"/>
           </a:xfrm>
           <a:prstGeom prst="rect">
             <a:avLst/>
@@ -12812,7 +12808,7 @@
         <p:spPr>
           <a:xfrm>
             <a:off x="248400" y="762120"/>
-            <a:ext cx="11697120" cy="1186920"/>
+            <a:ext cx="11696040" cy="1186920"/>
           </a:xfrm>
           <a:prstGeom prst="rect">
             <a:avLst/>
@@ -12913,7 +12909,7 @@
         <p:spPr>
           <a:xfrm>
             <a:off x="1600200" y="3621600"/>
-            <a:ext cx="8874360" cy="912600"/>
+            <a:ext cx="8873280" cy="912600"/>
           </a:xfrm>
           <a:prstGeom prst="rect">
             <a:avLst/>
@@ -12934,7 +12930,7 @@
             <a:spAutoFit/>
           </a:bodyPr>
           <a:p>
-            <a:pPr marL="285840" indent="-270360">
+            <a:pPr marL="285840" indent="-269280">
               <a:lnSpc>
                 <a:spcPct val="150000"/>
               </a:lnSpc>
@@ -12979,7 +12975,7 @@
             </a:endParaRPr>
           </a:p>
           <a:p>
-            <a:pPr marL="285840" indent="-270360">
+            <a:pPr marL="285840" indent="-269280">
               <a:lnSpc>
                 <a:spcPct val="150000"/>
               </a:lnSpc>
@@ -13069,7 +13065,7 @@
         <p:spPr>
           <a:xfrm>
             <a:off x="246600" y="2148480"/>
-            <a:ext cx="11698920" cy="699480"/>
+            <a:ext cx="11697840" cy="699480"/>
           </a:xfrm>
           <a:prstGeom prst="rect">
             <a:avLst/>
@@ -13170,7 +13166,7 @@
         <p:spPr>
           <a:xfrm>
             <a:off x="1676520" y="2362320"/>
-            <a:ext cx="8823600" cy="1735560"/>
+            <a:ext cx="8822520" cy="1735560"/>
           </a:xfrm>
           <a:prstGeom prst="rect">
             <a:avLst/>
@@ -13221,7 +13217,7 @@
         <p:spPr>
           <a:xfrm>
             <a:off x="522360" y="4467600"/>
-            <a:ext cx="11060640" cy="363960"/>
+            <a:ext cx="11059560" cy="363960"/>
           </a:xfrm>
           <a:prstGeom prst="rect">
             <a:avLst/>
@@ -13302,7 +13298,7 @@
         <p:spPr>
           <a:xfrm>
             <a:off x="246600" y="2563200"/>
-            <a:ext cx="11702160" cy="851400"/>
+            <a:ext cx="11701080" cy="851400"/>
           </a:xfrm>
           <a:prstGeom prst="rect">
             <a:avLst/>
@@ -13323,7 +13319,7 @@
             <a:spAutoFit/>
           </a:bodyPr>
           <a:p>
-            <a:pPr marL="343080" indent="-327600">
+            <a:pPr marL="343080" indent="-326520">
               <a:lnSpc>
                 <a:spcPct val="100000"/>
               </a:lnSpc>
@@ -13378,7 +13374,7 @@
             </a:endParaRPr>
           </a:p>
           <a:p>
-            <a:pPr marL="343080" indent="-327600">
+            <a:pPr marL="343080" indent="-326520">
               <a:lnSpc>
                 <a:spcPct val="100000"/>
               </a:lnSpc>
@@ -13453,7 +13449,7 @@
         <p:spPr>
           <a:xfrm>
             <a:off x="246600" y="1742040"/>
-            <a:ext cx="11702160" cy="394560"/>
+            <a:ext cx="11701080" cy="394560"/>
           </a:xfrm>
           <a:prstGeom prst="rect">
             <a:avLst/>
@@ -13514,7 +13510,7 @@
         <p:spPr>
           <a:xfrm>
             <a:off x="246600" y="762120"/>
-            <a:ext cx="11702160" cy="363960"/>
+            <a:ext cx="11701080" cy="363960"/>
           </a:xfrm>
           <a:prstGeom prst="rect">
             <a:avLst/>
@@ -13575,7 +13571,7 @@
         <p:spPr>
           <a:xfrm>
             <a:off x="246600" y="4239720"/>
-            <a:ext cx="11702160" cy="1994040"/>
+            <a:ext cx="11701080" cy="1994040"/>
           </a:xfrm>
           <a:prstGeom prst="rect">
             <a:avLst/>
@@ -13636,7 +13632,7 @@
             </a:endParaRPr>
           </a:p>
           <a:p>
-            <a:pPr marL="285840" indent="-270360">
+            <a:pPr marL="285840" indent="-269280">
               <a:lnSpc>
                 <a:spcPct val="100000"/>
               </a:lnSpc>
@@ -13681,7 +13677,7 @@
             </a:endParaRPr>
           </a:p>
           <a:p>
-            <a:pPr marL="285840" indent="-270360">
+            <a:pPr marL="285840" indent="-269280">
               <a:lnSpc>
                 <a:spcPct val="100000"/>
               </a:lnSpc>
@@ -13726,7 +13722,7 @@
             </a:endParaRPr>
           </a:p>
           <a:p>
-            <a:pPr marL="285840" indent="-270360">
+            <a:pPr marL="285840" indent="-269280">
               <a:lnSpc>
                 <a:spcPct val="150000"/>
               </a:lnSpc>
@@ -13791,7 +13787,7 @@
         <p:spPr>
           <a:xfrm>
             <a:off x="246600" y="3678480"/>
-            <a:ext cx="8696880" cy="340920"/>
+            <a:ext cx="8695800" cy="339840"/>
           </a:xfrm>
           <a:prstGeom prst="rect">
             <a:avLst/>
@@ -13862,7 +13858,7 @@
         <p:spPr>
           <a:xfrm>
             <a:off x="246600" y="0"/>
-            <a:ext cx="11702160" cy="699120"/>
+            <a:ext cx="11701080" cy="699120"/>
           </a:xfrm>
           <a:prstGeom prst="rect">
             <a:avLst/>
@@ -13917,7 +13913,7 @@
         <p:spPr>
           <a:xfrm>
             <a:off x="246600" y="6212880"/>
-            <a:ext cx="11235600" cy="484920"/>
+            <a:ext cx="11234520" cy="483840"/>
           </a:xfrm>
           <a:prstGeom prst="rect">
             <a:avLst/>
@@ -13998,7 +13994,7 @@
         <p:spPr>
           <a:xfrm>
             <a:off x="6357240" y="5906160"/>
-            <a:ext cx="6244560" cy="376920"/>
+            <a:ext cx="6243480" cy="375840"/>
           </a:xfrm>
           <a:prstGeom prst="rect">
             <a:avLst/>
@@ -14134,7 +14130,7 @@
         <p:spPr>
           <a:xfrm>
             <a:off x="248400" y="0"/>
-            <a:ext cx="11697120" cy="699120"/>
+            <a:ext cx="11696040" cy="699120"/>
           </a:xfrm>
           <a:prstGeom prst="rect">
             <a:avLst/>
@@ -14189,7 +14185,7 @@
         <p:spPr>
           <a:xfrm>
             <a:off x="248400" y="762120"/>
-            <a:ext cx="11697120" cy="2284200"/>
+            <a:ext cx="11696040" cy="2284200"/>
           </a:xfrm>
           <a:prstGeom prst="rect">
             <a:avLst/>
@@ -14450,7 +14446,7 @@
         <p:spPr>
           <a:xfrm>
             <a:off x="1600200" y="4989600"/>
-            <a:ext cx="8874360" cy="1735560"/>
+            <a:ext cx="8873280" cy="1735560"/>
           </a:xfrm>
           <a:prstGeom prst="rect">
             <a:avLst/>
@@ -14471,7 +14467,7 @@
             <a:spAutoFit/>
           </a:bodyPr>
           <a:p>
-            <a:pPr marL="285840" indent="-270360">
+            <a:pPr marL="285840" indent="-269280">
               <a:lnSpc>
                 <a:spcPct val="150000"/>
               </a:lnSpc>
@@ -14516,7 +14512,7 @@
             </a:endParaRPr>
           </a:p>
           <a:p>
-            <a:pPr marL="285840" indent="-270360">
+            <a:pPr marL="285840" indent="-269280">
               <a:lnSpc>
                 <a:spcPct val="150000"/>
               </a:lnSpc>
@@ -14561,7 +14557,7 @@
             </a:endParaRPr>
           </a:p>
           <a:p>
-            <a:pPr marL="285840" indent="-270360">
+            <a:pPr marL="285840" indent="-269280">
               <a:lnSpc>
                 <a:spcPct val="150000"/>
               </a:lnSpc>
@@ -14626,7 +14622,7 @@
             </a:endParaRPr>
           </a:p>
           <a:p>
-            <a:pPr marL="285840" indent="-270360">
+            <a:pPr marL="285840" indent="-269280">
               <a:lnSpc>
                 <a:spcPct val="150000"/>
               </a:lnSpc>
@@ -14716,7 +14712,7 @@
         <p:spPr>
           <a:xfrm>
             <a:off x="246600" y="2903040"/>
-            <a:ext cx="11698920" cy="1309320"/>
+            <a:ext cx="11697840" cy="1309320"/>
           </a:xfrm>
           <a:prstGeom prst="rect">
             <a:avLst/>
@@ -14857,7 +14853,7 @@
         <p:spPr>
           <a:xfrm>
             <a:off x="1676520" y="2362320"/>
-            <a:ext cx="8823600" cy="1735560"/>
+            <a:ext cx="8822520" cy="1735560"/>
           </a:xfrm>
           <a:prstGeom prst="rect">
             <a:avLst/>
@@ -14908,7 +14904,7 @@
         <p:spPr>
           <a:xfrm>
             <a:off x="522360" y="4251600"/>
-            <a:ext cx="11060640" cy="363960"/>
+            <a:ext cx="11059560" cy="363960"/>
           </a:xfrm>
           <a:prstGeom prst="rect">
             <a:avLst/>
@@ -15194,7 +15190,7 @@
                       <a:noAutofit/>
                     </a:bodyPr>
                     <a:p>
-                      <a:pPr marL="216000" indent="-214200" algn="ctr">
+                      <a:pPr marL="216000" indent="-213120" algn="ctr">
                         <a:lnSpc>
                           <a:spcPct val="100000"/>
                         </a:lnSpc>
@@ -15507,7 +15503,7 @@
         <p:spPr>
           <a:xfrm>
             <a:off x="248400" y="0"/>
-            <a:ext cx="11697120" cy="699120"/>
+            <a:ext cx="11696040" cy="699120"/>
           </a:xfrm>
           <a:prstGeom prst="rect">
             <a:avLst/>
@@ -15562,7 +15558,7 @@
         <p:spPr>
           <a:xfrm>
             <a:off x="248400" y="762120"/>
-            <a:ext cx="11697120" cy="1735560"/>
+            <a:ext cx="11696040" cy="1735560"/>
           </a:xfrm>
           <a:prstGeom prst="rect">
             <a:avLst/>
@@ -15703,7 +15699,7 @@
         <p:spPr>
           <a:xfrm>
             <a:off x="1600200" y="4557600"/>
-            <a:ext cx="8874360" cy="1324080"/>
+            <a:ext cx="8873280" cy="1324080"/>
           </a:xfrm>
           <a:prstGeom prst="rect">
             <a:avLst/>
@@ -15724,7 +15720,7 @@
             <a:spAutoFit/>
           </a:bodyPr>
           <a:p>
-            <a:pPr marL="285840" indent="-270360">
+            <a:pPr marL="285840" indent="-269280">
               <a:lnSpc>
                 <a:spcPct val="150000"/>
               </a:lnSpc>
@@ -15769,7 +15765,7 @@
             </a:endParaRPr>
           </a:p>
           <a:p>
-            <a:pPr marL="285840" indent="-270360">
+            <a:pPr marL="285840" indent="-269280">
               <a:lnSpc>
                 <a:spcPct val="150000"/>
               </a:lnSpc>
@@ -15814,7 +15810,7 @@
             </a:endParaRPr>
           </a:p>
           <a:p>
-            <a:pPr marL="285840" indent="-270360">
+            <a:pPr marL="285840" indent="-269280">
               <a:lnSpc>
                 <a:spcPct val="150000"/>
               </a:lnSpc>
@@ -15904,7 +15900,7 @@
         <p:spPr>
           <a:xfrm>
             <a:off x="246600" y="2496600"/>
-            <a:ext cx="11698920" cy="1004400"/>
+            <a:ext cx="11697840" cy="1004400"/>
           </a:xfrm>
           <a:prstGeom prst="rect">
             <a:avLst/>
@@ -16025,7 +16021,7 @@
         <p:spPr>
           <a:xfrm>
             <a:off x="1676520" y="2362320"/>
-            <a:ext cx="8823600" cy="912600"/>
+            <a:ext cx="8822520" cy="912600"/>
           </a:xfrm>
           <a:prstGeom prst="rect">
             <a:avLst/>
@@ -16076,7 +16072,7 @@
         <p:spPr>
           <a:xfrm>
             <a:off x="1666800" y="609480"/>
-            <a:ext cx="8823600" cy="394560"/>
+            <a:ext cx="8822520" cy="394560"/>
           </a:xfrm>
           <a:prstGeom prst="rect">
             <a:avLst/>
@@ -16127,7 +16123,7 @@
         <p:spPr>
           <a:xfrm>
             <a:off x="522360" y="3531600"/>
-            <a:ext cx="11060640" cy="1186920"/>
+            <a:ext cx="11059560" cy="1186920"/>
           </a:xfrm>
           <a:prstGeom prst="rect">
             <a:avLst/>
@@ -16228,7 +16224,7 @@
         <p:spPr>
           <a:xfrm>
             <a:off x="1676520" y="2362320"/>
-            <a:ext cx="8823600" cy="912600"/>
+            <a:ext cx="8822520" cy="912600"/>
           </a:xfrm>
           <a:prstGeom prst="rect">
             <a:avLst/>
@@ -16279,7 +16275,7 @@
         <p:spPr>
           <a:xfrm>
             <a:off x="522360" y="3531600"/>
-            <a:ext cx="11060640" cy="363960"/>
+            <a:ext cx="11059560" cy="363960"/>
           </a:xfrm>
           <a:prstGeom prst="rect">
             <a:avLst/>
@@ -16360,7 +16356,7 @@
         <p:spPr>
           <a:xfrm>
             <a:off x="248400" y="0"/>
-            <a:ext cx="11697120" cy="699120"/>
+            <a:ext cx="11696040" cy="699120"/>
           </a:xfrm>
           <a:prstGeom prst="rect">
             <a:avLst/>
@@ -16415,7 +16411,7 @@
         <p:spPr>
           <a:xfrm>
             <a:off x="248400" y="762120"/>
-            <a:ext cx="11697120" cy="1461240"/>
+            <a:ext cx="11696040" cy="1461240"/>
           </a:xfrm>
           <a:prstGeom prst="rect">
             <a:avLst/>
@@ -16516,7 +16512,7 @@
         <p:spPr>
           <a:xfrm>
             <a:off x="1600200" y="3585600"/>
-            <a:ext cx="8874360" cy="912600"/>
+            <a:ext cx="8873280" cy="912600"/>
           </a:xfrm>
           <a:prstGeom prst="rect">
             <a:avLst/>
@@ -16537,7 +16533,7 @@
             <a:spAutoFit/>
           </a:bodyPr>
           <a:p>
-            <a:pPr marL="285840" indent="-270360">
+            <a:pPr marL="285840" indent="-269280">
               <a:lnSpc>
                 <a:spcPct val="150000"/>
               </a:lnSpc>
@@ -16582,7 +16578,7 @@
             </a:endParaRPr>
           </a:p>
           <a:p>
-            <a:pPr marL="285840" indent="-270360">
+            <a:pPr marL="285840" indent="-269280">
               <a:lnSpc>
                 <a:spcPct val="150000"/>
               </a:lnSpc>
@@ -16637,7 +16633,7 @@
         <p:spPr>
           <a:xfrm>
             <a:off x="5256000" y="5472000"/>
-            <a:ext cx="5127480" cy="786240"/>
+            <a:ext cx="5126400" cy="785160"/>
           </a:xfrm>
           <a:prstGeom prst="rect">
             <a:avLst/>
@@ -16768,7 +16764,7 @@
         <p:spPr>
           <a:xfrm>
             <a:off x="10514160" y="2592000"/>
-            <a:ext cx="1500120" cy="4058640"/>
+            <a:ext cx="1499040" cy="4057560"/>
           </a:xfrm>
           <a:prstGeom prst="rect">
             <a:avLst/>
@@ -17124,7 +17120,7 @@
         <p:spPr>
           <a:xfrm>
             <a:off x="246600" y="2496600"/>
-            <a:ext cx="11698920" cy="699480"/>
+            <a:ext cx="11697840" cy="699480"/>
           </a:xfrm>
           <a:prstGeom prst="rect">
             <a:avLst/>
@@ -17225,7 +17221,7 @@
         <p:spPr>
           <a:xfrm>
             <a:off x="1676520" y="2362320"/>
-            <a:ext cx="8823600" cy="912600"/>
+            <a:ext cx="8822520" cy="912600"/>
           </a:xfrm>
           <a:prstGeom prst="rect">
             <a:avLst/>
@@ -17276,7 +17272,7 @@
         <p:spPr>
           <a:xfrm>
             <a:off x="522360" y="3531600"/>
-            <a:ext cx="11060640" cy="363960"/>
+            <a:ext cx="11059560" cy="363960"/>
           </a:xfrm>
           <a:prstGeom prst="rect">
             <a:avLst/>
@@ -17357,7 +17353,7 @@
         <p:spPr>
           <a:xfrm>
             <a:off x="248400" y="0"/>
-            <a:ext cx="11697120" cy="699120"/>
+            <a:ext cx="11696040" cy="699120"/>
           </a:xfrm>
           <a:prstGeom prst="rect">
             <a:avLst/>
@@ -17412,7 +17408,7 @@
         <p:spPr>
           <a:xfrm>
             <a:off x="248400" y="762120"/>
-            <a:ext cx="11697120" cy="2009880"/>
+            <a:ext cx="11696040" cy="2009880"/>
           </a:xfrm>
           <a:prstGeom prst="rect">
             <a:avLst/>
@@ -17593,7 +17589,7 @@
         <p:spPr>
           <a:xfrm>
             <a:off x="8849880" y="2814840"/>
-            <a:ext cx="2976480" cy="455400"/>
+            <a:ext cx="2975400" cy="455400"/>
           </a:xfrm>
           <a:prstGeom prst="rect">
             <a:avLst/>
@@ -17644,7 +17640,7 @@
         <p:spPr>
           <a:xfrm>
             <a:off x="1600200" y="4665600"/>
-            <a:ext cx="8874360" cy="912600"/>
+            <a:ext cx="8873280" cy="912600"/>
           </a:xfrm>
           <a:prstGeom prst="rect">
             <a:avLst/>
@@ -17665,7 +17661,7 @@
             <a:spAutoFit/>
           </a:bodyPr>
           <a:p>
-            <a:pPr marL="285840" indent="-270360">
+            <a:pPr marL="285840" indent="-269280">
               <a:lnSpc>
                 <a:spcPct val="150000"/>
               </a:lnSpc>
@@ -17710,7 +17706,7 @@
             </a:endParaRPr>
           </a:p>
           <a:p>
-            <a:pPr marL="285840" indent="-270360">
+            <a:pPr marL="285840" indent="-269280">
               <a:lnSpc>
                 <a:spcPct val="150000"/>
               </a:lnSpc>
@@ -17800,7 +17796,7 @@
         <p:spPr>
           <a:xfrm>
             <a:off x="246600" y="2903040"/>
-            <a:ext cx="11698920" cy="699480"/>
+            <a:ext cx="11697840" cy="699480"/>
           </a:xfrm>
           <a:prstGeom prst="rect">
             <a:avLst/>
@@ -17901,7 +17897,7 @@
         <p:spPr>
           <a:xfrm>
             <a:off x="1676520" y="2362320"/>
-            <a:ext cx="8823600" cy="912600"/>
+            <a:ext cx="8822520" cy="912600"/>
           </a:xfrm>
           <a:prstGeom prst="rect">
             <a:avLst/>
@@ -17952,7 +17948,7 @@
         <p:spPr>
           <a:xfrm>
             <a:off x="522360" y="3531600"/>
-            <a:ext cx="11060640" cy="363960"/>
+            <a:ext cx="11059560" cy="363960"/>
           </a:xfrm>
           <a:prstGeom prst="rect">
             <a:avLst/>
@@ -18033,7 +18029,7 @@
         <p:spPr>
           <a:xfrm>
             <a:off x="248400" y="0"/>
-            <a:ext cx="11697120" cy="699120"/>
+            <a:ext cx="11696040" cy="699120"/>
           </a:xfrm>
           <a:prstGeom prst="rect">
             <a:avLst/>
@@ -18088,7 +18084,7 @@
         <p:spPr>
           <a:xfrm>
             <a:off x="248400" y="762120"/>
-            <a:ext cx="11697120" cy="912600"/>
+            <a:ext cx="11696040" cy="912600"/>
           </a:xfrm>
           <a:prstGeom prst="rect">
             <a:avLst/>
@@ -18189,7 +18185,7 @@
         <p:spPr>
           <a:xfrm>
             <a:off x="1600200" y="3405600"/>
-            <a:ext cx="8874360" cy="1324080"/>
+            <a:ext cx="8873280" cy="1324080"/>
           </a:xfrm>
           <a:prstGeom prst="rect">
             <a:avLst/>
@@ -18210,7 +18206,7 @@
             <a:spAutoFit/>
           </a:bodyPr>
           <a:p>
-            <a:pPr marL="285840" indent="-270360">
+            <a:pPr marL="285840" indent="-269280">
               <a:lnSpc>
                 <a:spcPct val="150000"/>
               </a:lnSpc>
@@ -18255,7 +18251,7 @@
             </a:endParaRPr>
           </a:p>
           <a:p>
-            <a:pPr marL="285840" indent="-270360">
+            <a:pPr marL="285840" indent="-269280">
               <a:lnSpc>
                 <a:spcPct val="150000"/>
               </a:lnSpc>
@@ -18300,7 +18296,7 @@
             </a:endParaRPr>
           </a:p>
           <a:p>
-            <a:pPr marL="285840" indent="-270360">
+            <a:pPr marL="285840" indent="-269280">
               <a:lnSpc>
                 <a:spcPct val="150000"/>
               </a:lnSpc>
@@ -18355,7 +18351,7 @@
         <p:spPr>
           <a:xfrm>
             <a:off x="4601520" y="5832000"/>
-            <a:ext cx="5613480" cy="351000"/>
+            <a:ext cx="5612400" cy="349920"/>
           </a:xfrm>
           <a:prstGeom prst="rect">
             <a:avLst/>
@@ -18436,7 +18432,7 @@
         <p:spPr>
           <a:xfrm>
             <a:off x="10584000" y="3710160"/>
-            <a:ext cx="1399680" cy="2544840"/>
+            <a:ext cx="1398600" cy="2543760"/>
           </a:xfrm>
           <a:prstGeom prst="rect">
             <a:avLst/>
@@ -18682,7 +18678,7 @@
         <p:spPr>
           <a:xfrm>
             <a:off x="246600" y="1742040"/>
-            <a:ext cx="11698920" cy="699480"/>
+            <a:ext cx="11697840" cy="699480"/>
           </a:xfrm>
           <a:prstGeom prst="rect">
             <a:avLst/>
@@ -18783,7 +18779,7 @@
         <p:spPr>
           <a:xfrm>
             <a:off x="1676520" y="2362320"/>
-            <a:ext cx="8823600" cy="912600"/>
+            <a:ext cx="8822520" cy="912600"/>
           </a:xfrm>
           <a:prstGeom prst="rect">
             <a:avLst/>
@@ -18834,7 +18830,7 @@
         <p:spPr>
           <a:xfrm>
             <a:off x="522360" y="3531600"/>
-            <a:ext cx="11060640" cy="363960"/>
+            <a:ext cx="11059560" cy="363960"/>
           </a:xfrm>
           <a:prstGeom prst="rect">
             <a:avLst/>
@@ -18915,7 +18911,7 @@
         <p:spPr>
           <a:xfrm>
             <a:off x="1676520" y="2362320"/>
-            <a:ext cx="8823600" cy="912600"/>
+            <a:ext cx="8822520" cy="912600"/>
           </a:xfrm>
           <a:prstGeom prst="rect">
             <a:avLst/>
@@ -18966,7 +18962,7 @@
         <p:spPr>
           <a:xfrm>
             <a:off x="522360" y="3531600"/>
-            <a:ext cx="11060640" cy="363960"/>
+            <a:ext cx="11059560" cy="363960"/>
           </a:xfrm>
           <a:prstGeom prst="rect">
             <a:avLst/>
@@ -19047,7 +19043,7 @@
         <p:spPr>
           <a:xfrm>
             <a:off x="248400" y="0"/>
-            <a:ext cx="11697120" cy="699120"/>
+            <a:ext cx="11696040" cy="699120"/>
           </a:xfrm>
           <a:prstGeom prst="rect">
             <a:avLst/>
@@ -19102,7 +19098,7 @@
         <p:spPr>
           <a:xfrm>
             <a:off x="248400" y="762120"/>
-            <a:ext cx="11697120" cy="2009880"/>
+            <a:ext cx="11696040" cy="2009880"/>
           </a:xfrm>
           <a:prstGeom prst="rect">
             <a:avLst/>
@@ -19203,7 +19199,7 @@
         <p:spPr>
           <a:xfrm>
             <a:off x="1600200" y="4629600"/>
-            <a:ext cx="8874360" cy="912600"/>
+            <a:ext cx="8873280" cy="912600"/>
           </a:xfrm>
           <a:prstGeom prst="rect">
             <a:avLst/>
@@ -19224,7 +19220,7 @@
             <a:spAutoFit/>
           </a:bodyPr>
           <a:p>
-            <a:pPr marL="285840" indent="-270360">
+            <a:pPr marL="285840" indent="-269280">
               <a:lnSpc>
                 <a:spcPct val="150000"/>
               </a:lnSpc>
@@ -19269,7 +19265,7 @@
             </a:endParaRPr>
           </a:p>
           <a:p>
-            <a:pPr marL="285840" indent="-270360">
+            <a:pPr marL="285840" indent="-269280">
               <a:lnSpc>
                 <a:spcPct val="150000"/>
               </a:lnSpc>
@@ -19359,7 +19355,7 @@
         <p:spPr>
           <a:xfrm>
             <a:off x="246600" y="2859480"/>
-            <a:ext cx="11698920" cy="699480"/>
+            <a:ext cx="11697840" cy="699480"/>
           </a:xfrm>
           <a:prstGeom prst="rect">
             <a:avLst/>
@@ -19460,7 +19456,7 @@
         <p:spPr>
           <a:xfrm>
             <a:off x="1676520" y="2362320"/>
-            <a:ext cx="8823600" cy="912600"/>
+            <a:ext cx="8822520" cy="912600"/>
           </a:xfrm>
           <a:prstGeom prst="rect">
             <a:avLst/>
@@ -19511,7 +19507,7 @@
         <p:spPr>
           <a:xfrm>
             <a:off x="522360" y="3531600"/>
-            <a:ext cx="11060640" cy="363960"/>
+            <a:ext cx="11059560" cy="363960"/>
           </a:xfrm>
           <a:prstGeom prst="rect">
             <a:avLst/>
@@ -19627,7 +19623,7 @@
         <p:spPr>
           <a:xfrm>
             <a:off x="248400" y="0"/>
-            <a:ext cx="11697120" cy="699120"/>
+            <a:ext cx="11696040" cy="699120"/>
           </a:xfrm>
           <a:prstGeom prst="rect">
             <a:avLst/>
@@ -19682,7 +19678,7 @@
         <p:spPr>
           <a:xfrm>
             <a:off x="248400" y="762120"/>
-            <a:ext cx="10416600" cy="2284200"/>
+            <a:ext cx="10415520" cy="2284200"/>
           </a:xfrm>
           <a:prstGeom prst="rect">
             <a:avLst/>
@@ -19883,7 +19879,7 @@
         <p:spPr>
           <a:xfrm>
             <a:off x="1600200" y="4129560"/>
-            <a:ext cx="8874360" cy="912600"/>
+            <a:ext cx="8873280" cy="912600"/>
           </a:xfrm>
           <a:prstGeom prst="rect">
             <a:avLst/>
@@ -19904,7 +19900,7 @@
             <a:spAutoFit/>
           </a:bodyPr>
           <a:p>
-            <a:pPr marL="285840" indent="-270360">
+            <a:pPr marL="285840" indent="-269280">
               <a:lnSpc>
                 <a:spcPct val="150000"/>
               </a:lnSpc>
@@ -19949,7 +19945,7 @@
             </a:endParaRPr>
           </a:p>
           <a:p>
-            <a:pPr marL="285840" indent="-270360">
+            <a:pPr marL="285840" indent="-269280">
               <a:lnSpc>
                 <a:spcPct val="150000"/>
               </a:lnSpc>
@@ -20004,7 +20000,7 @@
         <p:spPr>
           <a:xfrm>
             <a:off x="1224000" y="5511960"/>
-            <a:ext cx="8919000" cy="351000"/>
+            <a:ext cx="8917920" cy="349920"/>
           </a:xfrm>
           <a:prstGeom prst="rect">
             <a:avLst/>
@@ -20025,7 +20021,7 @@
             <a:noAutofit/>
           </a:bodyPr>
           <a:p>
-            <a:pPr marL="216000" indent="-207000">
+            <a:pPr marL="216000" indent="-205920">
               <a:lnSpc>
                 <a:spcPct val="100000"/>
               </a:lnSpc>
@@ -20091,7 +20087,7 @@
         <p:spPr>
           <a:xfrm>
             <a:off x="10585440" y="973800"/>
-            <a:ext cx="1429560" cy="5713200"/>
+            <a:ext cx="1428480" cy="5712120"/>
           </a:xfrm>
           <a:prstGeom prst="rect">
             <a:avLst/>
@@ -20492,7 +20488,7 @@
         <p:spPr>
           <a:xfrm>
             <a:off x="246600" y="3062880"/>
-            <a:ext cx="11698920" cy="699480"/>
+            <a:ext cx="11697840" cy="699480"/>
           </a:xfrm>
           <a:prstGeom prst="rect">
             <a:avLst/>
@@ -20593,7 +20589,7 @@
         <p:spPr>
           <a:xfrm>
             <a:off x="1676520" y="2362320"/>
-            <a:ext cx="8823600" cy="912600"/>
+            <a:ext cx="8822520" cy="912600"/>
           </a:xfrm>
           <a:prstGeom prst="rect">
             <a:avLst/>
@@ -20644,7 +20640,7 @@
         <p:spPr>
           <a:xfrm>
             <a:off x="522360" y="3531600"/>
-            <a:ext cx="11060640" cy="363960"/>
+            <a:ext cx="11059560" cy="363960"/>
           </a:xfrm>
           <a:prstGeom prst="rect">
             <a:avLst/>
@@ -20725,7 +20721,7 @@
         <p:spPr>
           <a:xfrm>
             <a:off x="248400" y="0"/>
-            <a:ext cx="11697120" cy="699120"/>
+            <a:ext cx="11696040" cy="699120"/>
           </a:xfrm>
           <a:prstGeom prst="rect">
             <a:avLst/>
@@ -20780,7 +20776,7 @@
         <p:spPr>
           <a:xfrm>
             <a:off x="248400" y="762120"/>
-            <a:ext cx="10328040" cy="1461240"/>
+            <a:ext cx="10326960" cy="1461240"/>
           </a:xfrm>
           <a:prstGeom prst="rect">
             <a:avLst/>
@@ -20841,7 +20837,7 @@
         <p:spPr>
           <a:xfrm>
             <a:off x="1600200" y="3873600"/>
-            <a:ext cx="8874360" cy="1735560"/>
+            <a:ext cx="8873280" cy="1735560"/>
           </a:xfrm>
           <a:prstGeom prst="rect">
             <a:avLst/>
@@ -20862,7 +20858,7 @@
             <a:spAutoFit/>
           </a:bodyPr>
           <a:p>
-            <a:pPr marL="285840" indent="-270360">
+            <a:pPr marL="285840" indent="-269280">
               <a:lnSpc>
                 <a:spcPct val="150000"/>
               </a:lnSpc>
@@ -20907,7 +20903,7 @@
             </a:endParaRPr>
           </a:p>
           <a:p>
-            <a:pPr marL="285840" indent="-270360">
+            <a:pPr marL="285840" indent="-269280">
               <a:lnSpc>
                 <a:spcPct val="150000"/>
               </a:lnSpc>
@@ -20952,7 +20948,7 @@
             </a:endParaRPr>
           </a:p>
           <a:p>
-            <a:pPr marL="285840" indent="-270360">
+            <a:pPr marL="285840" indent="-269280">
               <a:lnSpc>
                 <a:spcPct val="150000"/>
               </a:lnSpc>
@@ -20997,7 +20993,7 @@
             </a:endParaRPr>
           </a:p>
           <a:p>
-            <a:pPr marL="285840" indent="-270360">
+            <a:pPr marL="285840" indent="-269280">
               <a:lnSpc>
                 <a:spcPct val="150000"/>
               </a:lnSpc>
@@ -21052,7 +21048,7 @@
         <p:spPr>
           <a:xfrm>
             <a:off x="1224000" y="5904000"/>
-            <a:ext cx="8919000" cy="351000"/>
+            <a:ext cx="8917920" cy="349920"/>
           </a:xfrm>
           <a:prstGeom prst="rect">
             <a:avLst/>
@@ -21073,7 +21069,7 @@
             <a:noAutofit/>
           </a:bodyPr>
           <a:p>
-            <a:pPr marL="216000" indent="-207000">
+            <a:pPr marL="216000" indent="-205920">
               <a:lnSpc>
                 <a:spcPct val="100000"/>
               </a:lnSpc>
@@ -21139,7 +21135,7 @@
         <p:spPr>
           <a:xfrm>
             <a:off x="10585440" y="1036440"/>
-            <a:ext cx="1429560" cy="5650560"/>
+            <a:ext cx="1428480" cy="5649480"/>
           </a:xfrm>
           <a:prstGeom prst="rect">
             <a:avLst/>
@@ -21575,7 +21571,7 @@
         <p:spPr>
           <a:xfrm>
             <a:off x="246600" y="2496600"/>
-            <a:ext cx="11698920" cy="394560"/>
+            <a:ext cx="11697840" cy="394560"/>
           </a:xfrm>
           <a:prstGeom prst="rect">
             <a:avLst/>
@@ -21656,7 +21652,7 @@
         <p:spPr>
           <a:xfrm>
             <a:off x="1676520" y="2362320"/>
-            <a:ext cx="8823600" cy="912600"/>
+            <a:ext cx="8822520" cy="912600"/>
           </a:xfrm>
           <a:prstGeom prst="rect">
             <a:avLst/>
@@ -21707,7 +21703,7 @@
         <p:spPr>
           <a:xfrm>
             <a:off x="1666800" y="609480"/>
-            <a:ext cx="8823600" cy="394560"/>
+            <a:ext cx="8822520" cy="394560"/>
           </a:xfrm>
           <a:prstGeom prst="rect">
             <a:avLst/>
@@ -21758,7 +21754,7 @@
         <p:spPr>
           <a:xfrm>
             <a:off x="522360" y="3531600"/>
-            <a:ext cx="11060640" cy="1735560"/>
+            <a:ext cx="11059560" cy="1735560"/>
           </a:xfrm>
           <a:prstGeom prst="rect">
             <a:avLst/>
@@ -21809,7 +21805,7 @@
             </a:endParaRPr>
           </a:p>
           <a:p>
-            <a:pPr marL="216000" indent="-208080">
+            <a:pPr marL="216000" indent="-207000">
               <a:lnSpc>
                 <a:spcPct val="100000"/>
               </a:lnSpc>
@@ -21884,7 +21880,7 @@
         <p:spPr>
           <a:xfrm>
             <a:off x="1676520" y="2362320"/>
-            <a:ext cx="8823600" cy="1735560"/>
+            <a:ext cx="8822520" cy="1735560"/>
           </a:xfrm>
           <a:prstGeom prst="rect">
             <a:avLst/>
@@ -21935,7 +21931,7 @@
         <p:spPr>
           <a:xfrm>
             <a:off x="522360" y="3531600"/>
-            <a:ext cx="11060640" cy="363960"/>
+            <a:ext cx="11059560" cy="363960"/>
           </a:xfrm>
           <a:prstGeom prst="rect">
             <a:avLst/>
@@ -22016,7 +22012,7 @@
         <p:spPr>
           <a:xfrm>
             <a:off x="248400" y="0"/>
-            <a:ext cx="11697120" cy="699120"/>
+            <a:ext cx="11696040" cy="699120"/>
           </a:xfrm>
           <a:prstGeom prst="rect">
             <a:avLst/>
@@ -22071,7 +22067,7 @@
         <p:spPr>
           <a:xfrm>
             <a:off x="248400" y="762120"/>
-            <a:ext cx="11697120" cy="2832840"/>
+            <a:ext cx="11696040" cy="2558520"/>
           </a:xfrm>
           <a:prstGeom prst="rect">
             <a:avLst/>
@@ -22167,65 +22163,45 @@
                 <a:spcPct val="100000"/>
               </a:lnSpc>
             </a:pPr>
+            <a:r>
+              <a:rPr b="0" lang="en-US" sz="1800" spc="-1" strike="noStrike">
+                <a:solidFill>
+                  <a:srgbClr val="000000"/>
+                </a:solidFill>
+                <a:latin typeface="Arial"/>
+                <a:ea typeface="DejaVu Sans"/>
+              </a:rPr>
+              <a:t>returns</a:t>
+            </a:r>
+            <a:r>
+              <a:rPr b="1" lang="en-US" sz="1800" spc="-1" strike="noStrike">
+                <a:solidFill>
+                  <a:srgbClr val="000000"/>
+                </a:solidFill>
+                <a:latin typeface="Arial"/>
+                <a:ea typeface="DejaVu Sans"/>
+              </a:rPr>
+              <a:t> 1</a:t>
+            </a:r>
+            <a:r>
+              <a:rPr b="0" lang="en-US" sz="1800" spc="-1" strike="noStrike">
+                <a:solidFill>
+                  <a:srgbClr val="000000"/>
+                </a:solidFill>
+                <a:latin typeface="Arial"/>
+                <a:ea typeface="DejaVu Sans"/>
+              </a:rPr>
+              <a:t> if field is a new field in the hash and value was set</a:t>
+            </a:r>
             <a:endParaRPr b="0" lang="en-IN" sz="1800" spc="-1" strike="noStrike">
               <a:latin typeface="Arial"/>
             </a:endParaRPr>
           </a:p>
           <a:p>
-            <a:pPr marL="216000" indent="-210600" algn="just">
-              <a:lnSpc>
-                <a:spcPct val="100000"/>
-              </a:lnSpc>
-              <a:buClr>
-                <a:srgbClr val="000000"/>
-              </a:buClr>
-              <a:buFont typeface="Wingdings" charset="2"/>
-              <a:buChar char=""/>
-            </a:pPr>
-            <a:r>
-              <a:rPr b="0" lang="en-US" sz="1800" spc="-1" strike="noStrike">
-                <a:solidFill>
-                  <a:srgbClr val="000000"/>
-                </a:solidFill>
-                <a:latin typeface="Arial"/>
-                <a:ea typeface="DejaVu Sans"/>
-              </a:rPr>
-              <a:t>returns</a:t>
-            </a:r>
-            <a:r>
-              <a:rPr b="1" lang="en-US" sz="1800" spc="-1" strike="noStrike">
-                <a:solidFill>
-                  <a:srgbClr val="000000"/>
-                </a:solidFill>
-                <a:latin typeface="Arial"/>
-                <a:ea typeface="DejaVu Sans"/>
-              </a:rPr>
-              <a:t> 1</a:t>
-            </a:r>
-            <a:r>
-              <a:rPr b="0" lang="en-US" sz="1800" spc="-1" strike="noStrike">
-                <a:solidFill>
-                  <a:srgbClr val="000000"/>
-                </a:solidFill>
-                <a:latin typeface="Arial"/>
-                <a:ea typeface="DejaVu Sans"/>
-              </a:rPr>
-              <a:t> if field is a new field in the hash and value was set</a:t>
-            </a:r>
-            <a:endParaRPr b="0" lang="en-IN" sz="1800" spc="-1" strike="noStrike">
-              <a:latin typeface="Arial"/>
-            </a:endParaRPr>
-          </a:p>
-          <a:p>
-            <a:pPr marL="216000" indent="-210600" algn="just">
-              <a:lnSpc>
-                <a:spcPct val="100000"/>
-              </a:lnSpc>
-              <a:buClr>
-                <a:srgbClr val="000000"/>
-              </a:buClr>
-              <a:buFont typeface="Wingdings" charset="2"/>
-              <a:buChar char=""/>
+            <a:pPr algn="just">
+              <a:lnSpc>
+                <a:spcPct val="100000"/>
+              </a:lnSpc>
             </a:pPr>
             <a:r>
               <a:rPr b="0" lang="en-US" sz="1800" spc="-1" strike="noStrike">
@@ -22312,7 +22288,7 @@
         <p:spPr>
           <a:xfrm>
             <a:off x="248400" y="3494880"/>
-            <a:ext cx="11697120" cy="1004400"/>
+            <a:ext cx="11696040" cy="1004400"/>
           </a:xfrm>
           <a:prstGeom prst="rect">
             <a:avLst/>
@@ -22402,8 +22378,8 @@
         </p:nvSpPr>
         <p:spPr>
           <a:xfrm>
-            <a:off x="1600200" y="4629600"/>
-            <a:ext cx="8874360" cy="1324080"/>
+            <a:off x="270360" y="4824000"/>
+            <a:ext cx="11537280" cy="912960"/>
           </a:xfrm>
           <a:prstGeom prst="rect">
             <a:avLst/>
@@ -22424,7 +22400,7 @@
             <a:spAutoFit/>
           </a:bodyPr>
           <a:p>
-            <a:pPr marL="285840" indent="-270360">
+            <a:pPr marL="285840" indent="-269280">
               <a:lnSpc>
                 <a:spcPct val="150000"/>
               </a:lnSpc>
@@ -22469,7 +22445,7 @@
             </a:endParaRPr>
           </a:p>
           <a:p>
-            <a:pPr marL="285840" indent="-270360">
+            <a:pPr marL="285840" indent="-269280">
               <a:lnSpc>
                 <a:spcPct val="150000"/>
               </a:lnSpc>
@@ -22589,7 +22565,7 @@
         <p:spPr>
           <a:xfrm>
             <a:off x="1676520" y="2362320"/>
-            <a:ext cx="8823600" cy="912600"/>
+            <a:ext cx="8822520" cy="912600"/>
           </a:xfrm>
           <a:prstGeom prst="rect">
             <a:avLst/>
@@ -22640,7 +22616,7 @@
         <p:spPr>
           <a:xfrm>
             <a:off x="522360" y="3531600"/>
-            <a:ext cx="11060640" cy="363960"/>
+            <a:ext cx="11059560" cy="363960"/>
           </a:xfrm>
           <a:prstGeom prst="rect">
             <a:avLst/>
@@ -22721,7 +22697,7 @@
         <p:spPr>
           <a:xfrm>
             <a:off x="246600" y="762120"/>
-            <a:ext cx="11695680" cy="638280"/>
+            <a:ext cx="11694600" cy="638280"/>
           </a:xfrm>
           <a:prstGeom prst="rect">
             <a:avLst/>
@@ -22822,7 +22798,7 @@
         <p:spPr>
           <a:xfrm>
             <a:off x="1523880" y="2940480"/>
-            <a:ext cx="9405360" cy="1735560"/>
+            <a:ext cx="9404280" cy="1735560"/>
           </a:xfrm>
           <a:prstGeom prst="rect">
             <a:avLst/>
@@ -22843,7 +22819,7 @@
             <a:spAutoFit/>
           </a:bodyPr>
           <a:p>
-            <a:pPr marL="285840" indent="-270360">
+            <a:pPr marL="285840" indent="-269280">
               <a:lnSpc>
                 <a:spcPct val="150000"/>
               </a:lnSpc>
@@ -22888,7 +22864,7 @@
             </a:endParaRPr>
           </a:p>
           <a:p>
-            <a:pPr marL="285840" indent="-270360">
+            <a:pPr marL="285840" indent="-269280">
               <a:lnSpc>
                 <a:spcPct val="150000"/>
               </a:lnSpc>
@@ -22963,7 +22939,7 @@
             </a:endParaRPr>
           </a:p>
           <a:p>
-            <a:pPr marL="285840" indent="-270360">
+            <a:pPr marL="285840" indent="-269280">
               <a:lnSpc>
                 <a:spcPct val="150000"/>
               </a:lnSpc>
@@ -23028,7 +23004,7 @@
             </a:endParaRPr>
           </a:p>
           <a:p>
-            <a:pPr marL="285840" indent="-270360">
+            <a:pPr marL="285840" indent="-269280">
               <a:lnSpc>
                 <a:spcPct val="150000"/>
               </a:lnSpc>
@@ -23093,7 +23069,7 @@
         <p:spPr>
           <a:xfrm>
             <a:off x="1584000" y="4889520"/>
-            <a:ext cx="8840880" cy="1001520"/>
+            <a:ext cx="8839800" cy="1000440"/>
           </a:xfrm>
           <a:prstGeom prst="rect">
             <a:avLst/>
@@ -23144,7 +23120,7 @@
             </a:endParaRPr>
           </a:p>
           <a:p>
-            <a:pPr marL="216000" indent="-200880">
+            <a:pPr marL="216000" indent="-199800">
               <a:lnSpc>
                 <a:spcPct val="100000"/>
               </a:lnSpc>
@@ -23240,7 +23216,7 @@
         <p:spPr>
           <a:xfrm>
             <a:off x="246600" y="0"/>
-            <a:ext cx="11695680" cy="699120"/>
+            <a:ext cx="11694600" cy="699120"/>
           </a:xfrm>
           <a:prstGeom prst="rect">
             <a:avLst/>
@@ -23330,7 +23306,7 @@
         <p:spPr>
           <a:xfrm>
             <a:off x="246600" y="1742040"/>
-            <a:ext cx="11695680" cy="699480"/>
+            <a:ext cx="11694600" cy="699480"/>
           </a:xfrm>
           <a:prstGeom prst="rect">
             <a:avLst/>
@@ -23431,7 +23407,7 @@
         <p:spPr>
           <a:xfrm>
             <a:off x="248400" y="0"/>
-            <a:ext cx="11697120" cy="699120"/>
+            <a:ext cx="11696040" cy="699120"/>
           </a:xfrm>
           <a:prstGeom prst="rect">
             <a:avLst/>
@@ -23486,7 +23462,7 @@
         <p:spPr>
           <a:xfrm>
             <a:off x="248400" y="762120"/>
-            <a:ext cx="11697120" cy="1735560"/>
+            <a:ext cx="11696040" cy="1735560"/>
           </a:xfrm>
           <a:prstGeom prst="rect">
             <a:avLst/>
@@ -23597,7 +23573,7 @@
         <p:spPr>
           <a:xfrm>
             <a:off x="248400" y="2628720"/>
-            <a:ext cx="11697120" cy="699480"/>
+            <a:ext cx="11696040" cy="699480"/>
           </a:xfrm>
           <a:prstGeom prst="rect">
             <a:avLst/>
@@ -23667,8 +23643,8 @@
         </p:nvSpPr>
         <p:spPr>
           <a:xfrm>
-            <a:off x="1600200" y="3981600"/>
-            <a:ext cx="8874360" cy="1324080"/>
+            <a:off x="288000" y="3981600"/>
+            <a:ext cx="11663640" cy="912960"/>
           </a:xfrm>
           <a:prstGeom prst="rect">
             <a:avLst/>
@@ -23689,7 +23665,7 @@
             <a:spAutoFit/>
           </a:bodyPr>
           <a:p>
-            <a:pPr marL="285840" indent="-270360">
+            <a:pPr marL="285840" indent="-269280">
               <a:lnSpc>
                 <a:spcPct val="150000"/>
               </a:lnSpc>
@@ -23734,7 +23710,7 @@
             </a:endParaRPr>
           </a:p>
           <a:p>
-            <a:pPr marL="285840" indent="-270360">
+            <a:pPr marL="285840" indent="-269280">
               <a:lnSpc>
                 <a:spcPct val="150000"/>
               </a:lnSpc>
@@ -23854,7 +23830,7 @@
         <p:spPr>
           <a:xfrm>
             <a:off x="1676520" y="2362320"/>
-            <a:ext cx="8823600" cy="1735560"/>
+            <a:ext cx="8822520" cy="1735560"/>
           </a:xfrm>
           <a:prstGeom prst="rect">
             <a:avLst/>
@@ -23905,7 +23881,7 @@
         <p:spPr>
           <a:xfrm>
             <a:off x="522360" y="3531600"/>
-            <a:ext cx="11060640" cy="363960"/>
+            <a:ext cx="11059560" cy="363960"/>
           </a:xfrm>
           <a:prstGeom prst="rect">
             <a:avLst/>
@@ -23986,7 +23962,7 @@
         <p:spPr>
           <a:xfrm>
             <a:off x="248400" y="0"/>
-            <a:ext cx="11697120" cy="699120"/>
+            <a:ext cx="11696040" cy="699120"/>
           </a:xfrm>
           <a:prstGeom prst="rect">
             <a:avLst/>
@@ -24041,7 +24017,7 @@
         <p:spPr>
           <a:xfrm>
             <a:off x="248400" y="762120"/>
-            <a:ext cx="11697120" cy="1735560"/>
+            <a:ext cx="11696040" cy="1735560"/>
           </a:xfrm>
           <a:prstGeom prst="rect">
             <a:avLst/>
@@ -24182,7 +24158,7 @@
         <p:spPr>
           <a:xfrm>
             <a:off x="248400" y="2435760"/>
-            <a:ext cx="11697120" cy="1004400"/>
+            <a:ext cx="11696040" cy="1004400"/>
           </a:xfrm>
           <a:prstGeom prst="rect">
             <a:avLst/>
@@ -24273,7 +24249,7 @@
         <p:spPr>
           <a:xfrm>
             <a:off x="1600200" y="3585600"/>
-            <a:ext cx="8874360" cy="1324080"/>
+            <a:ext cx="8873280" cy="1324080"/>
           </a:xfrm>
           <a:prstGeom prst="rect">
             <a:avLst/>
@@ -24294,7 +24270,7 @@
             <a:spAutoFit/>
           </a:bodyPr>
           <a:p>
-            <a:pPr marL="285840" indent="-270360">
+            <a:pPr marL="285840" indent="-269280">
               <a:lnSpc>
                 <a:spcPct val="150000"/>
               </a:lnSpc>
@@ -24339,7 +24315,7 @@
             </a:endParaRPr>
           </a:p>
           <a:p>
-            <a:pPr marL="285840" indent="-270360">
+            <a:pPr marL="285840" indent="-269280">
               <a:lnSpc>
                 <a:spcPct val="150000"/>
               </a:lnSpc>
@@ -24384,7 +24360,7 @@
             </a:endParaRPr>
           </a:p>
           <a:p>
-            <a:pPr marL="285840" indent="-270360">
+            <a:pPr marL="285840" indent="-269280">
               <a:lnSpc>
                 <a:spcPct val="150000"/>
               </a:lnSpc>
@@ -24504,7 +24480,7 @@
         <p:spPr>
           <a:xfrm>
             <a:off x="1676520" y="2362320"/>
-            <a:ext cx="8823600" cy="1735560"/>
+            <a:ext cx="8822520" cy="1735560"/>
           </a:xfrm>
           <a:prstGeom prst="rect">
             <a:avLst/>
@@ -24555,7 +24531,7 @@
         <p:spPr>
           <a:xfrm>
             <a:off x="522360" y="3531600"/>
-            <a:ext cx="11060640" cy="363960"/>
+            <a:ext cx="11059560" cy="363960"/>
           </a:xfrm>
           <a:prstGeom prst="rect">
             <a:avLst/>
@@ -25310,7 +25286,7 @@
         <p:spPr>
           <a:xfrm>
             <a:off x="248400" y="0"/>
-            <a:ext cx="11697120" cy="699120"/>
+            <a:ext cx="11696040" cy="699120"/>
           </a:xfrm>
           <a:prstGeom prst="rect">
             <a:avLst/>
@@ -25365,7 +25341,7 @@
         <p:spPr>
           <a:xfrm>
             <a:off x="248400" y="762120"/>
-            <a:ext cx="11697120" cy="1735560"/>
+            <a:ext cx="11696040" cy="1735560"/>
           </a:xfrm>
           <a:prstGeom prst="rect">
             <a:avLst/>
@@ -25466,7 +25442,7 @@
         <p:spPr>
           <a:xfrm>
             <a:off x="248400" y="2669760"/>
-            <a:ext cx="11697120" cy="699480"/>
+            <a:ext cx="11696040" cy="699480"/>
           </a:xfrm>
           <a:prstGeom prst="rect">
             <a:avLst/>
@@ -25537,7 +25513,7 @@
         <p:spPr>
           <a:xfrm>
             <a:off x="1600200" y="4269600"/>
-            <a:ext cx="8874360" cy="1324080"/>
+            <a:ext cx="8873280" cy="1324080"/>
           </a:xfrm>
           <a:prstGeom prst="rect">
             <a:avLst/>
@@ -25558,7 +25534,7 @@
             <a:spAutoFit/>
           </a:bodyPr>
           <a:p>
-            <a:pPr marL="285840" indent="-270360">
+            <a:pPr marL="285840" indent="-269280">
               <a:lnSpc>
                 <a:spcPct val="150000"/>
               </a:lnSpc>
@@ -25603,7 +25579,7 @@
             </a:endParaRPr>
           </a:p>
           <a:p>
-            <a:pPr marL="285840" indent="-270360">
+            <a:pPr marL="285840" indent="-269280">
               <a:lnSpc>
                 <a:spcPct val="150000"/>
               </a:lnSpc>
@@ -25648,7 +25624,7 @@
             </a:endParaRPr>
           </a:p>
           <a:p>
-            <a:pPr marL="285840" indent="-270360">
+            <a:pPr marL="285840" indent="-269280">
               <a:lnSpc>
                 <a:spcPct val="150000"/>
               </a:lnSpc>
@@ -25768,7 +25744,7 @@
         <p:spPr>
           <a:xfrm>
             <a:off x="1676520" y="2362320"/>
-            <a:ext cx="8823600" cy="2558520"/>
+            <a:ext cx="8822520" cy="2558520"/>
           </a:xfrm>
           <a:prstGeom prst="rect">
             <a:avLst/>
@@ -25819,7 +25795,7 @@
         <p:spPr>
           <a:xfrm>
             <a:off x="522360" y="3531600"/>
-            <a:ext cx="11060640" cy="363960"/>
+            <a:ext cx="11059560" cy="363960"/>
           </a:xfrm>
           <a:prstGeom prst="rect">
             <a:avLst/>
@@ -26105,16 +26081,10 @@
                       <a:noAutofit/>
                     </a:bodyPr>
                     <a:p>
-                      <a:pPr marL="216000" indent="-214200" algn="ctr">
+                      <a:pPr algn="ctr">
                         <a:lnSpc>
                           <a:spcPct val="100000"/>
                         </a:lnSpc>
-                        <a:buClr>
-                          <a:srgbClr val="000000"/>
-                        </a:buClr>
-                        <a:buSzPct val="45000"/>
-                        <a:buFont typeface="Wingdings" charset="2"/>
-                        <a:buChar char=""/>
                       </a:pPr>
                       <a:r>
                         <a:rPr b="1" lang="en-IN" sz="1800" spc="-1" strike="noStrike">
@@ -26418,7 +26388,7 @@
         <p:spPr>
           <a:xfrm>
             <a:off x="248400" y="0"/>
-            <a:ext cx="11697120" cy="699120"/>
+            <a:ext cx="11696040" cy="699120"/>
           </a:xfrm>
           <a:prstGeom prst="rect">
             <a:avLst/>
@@ -26473,7 +26443,7 @@
         <p:spPr>
           <a:xfrm>
             <a:off x="248400" y="762120"/>
-            <a:ext cx="11697120" cy="2558520"/>
+            <a:ext cx="11696040" cy="2558520"/>
           </a:xfrm>
           <a:prstGeom prst="rect">
             <a:avLst/>
@@ -26734,7 +26704,7 @@
         <p:spPr>
           <a:xfrm>
             <a:off x="248400" y="3206880"/>
-            <a:ext cx="11697120" cy="1309320"/>
+            <a:ext cx="11696040" cy="1309320"/>
           </a:xfrm>
           <a:prstGeom prst="rect">
             <a:avLst/>
@@ -26845,7 +26815,7 @@
         <p:spPr>
           <a:xfrm>
             <a:off x="288000" y="4795920"/>
-            <a:ext cx="8874360" cy="1324080"/>
+            <a:ext cx="8873280" cy="1324080"/>
           </a:xfrm>
           <a:prstGeom prst="rect">
             <a:avLst/>
@@ -26866,7 +26836,7 @@
             <a:spAutoFit/>
           </a:bodyPr>
           <a:p>
-            <a:pPr marL="285840" indent="-270360">
+            <a:pPr marL="285840" indent="-269280">
               <a:lnSpc>
                 <a:spcPct val="150000"/>
               </a:lnSpc>
@@ -26911,7 +26881,7 @@
             </a:endParaRPr>
           </a:p>
           <a:p>
-            <a:pPr marL="285840" indent="-270360">
+            <a:pPr marL="285840" indent="-269280">
               <a:lnSpc>
                 <a:spcPct val="150000"/>
               </a:lnSpc>
@@ -26956,7 +26926,7 @@
             </a:endParaRPr>
           </a:p>
           <a:p>
-            <a:pPr marL="285840" indent="-270360">
+            <a:pPr marL="285840" indent="-269280">
               <a:lnSpc>
                 <a:spcPct val="150000"/>
               </a:lnSpc>
@@ -27076,7 +27046,7 @@
         <p:spPr>
           <a:xfrm>
             <a:off x="1676520" y="2362320"/>
-            <a:ext cx="8823600" cy="912600"/>
+            <a:ext cx="8822520" cy="912600"/>
           </a:xfrm>
           <a:prstGeom prst="rect">
             <a:avLst/>
@@ -27127,7 +27097,7 @@
         <p:spPr>
           <a:xfrm>
             <a:off x="1666800" y="609480"/>
-            <a:ext cx="8823600" cy="394560"/>
+            <a:ext cx="8822520" cy="394560"/>
           </a:xfrm>
           <a:prstGeom prst="rect">
             <a:avLst/>
@@ -27178,7 +27148,7 @@
         <p:spPr>
           <a:xfrm>
             <a:off x="522360" y="3531600"/>
-            <a:ext cx="11060640" cy="638280"/>
+            <a:ext cx="11059560" cy="638280"/>
           </a:xfrm>
           <a:prstGeom prst="rect">
             <a:avLst/>
@@ -27279,7 +27249,7 @@
         <p:spPr>
           <a:xfrm>
             <a:off x="1676520" y="2362320"/>
-            <a:ext cx="8823600" cy="1735560"/>
+            <a:ext cx="8822520" cy="1735560"/>
           </a:xfrm>
           <a:prstGeom prst="rect">
             <a:avLst/>
@@ -27330,7 +27300,7 @@
         <p:spPr>
           <a:xfrm>
             <a:off x="522360" y="3531600"/>
-            <a:ext cx="11060640" cy="363960"/>
+            <a:ext cx="11059560" cy="363960"/>
           </a:xfrm>
           <a:prstGeom prst="rect">
             <a:avLst/>
@@ -27411,7 +27381,7 @@
         <p:spPr>
           <a:xfrm>
             <a:off x="248400" y="0"/>
-            <a:ext cx="11697120" cy="699120"/>
+            <a:ext cx="11696040" cy="699120"/>
           </a:xfrm>
           <a:prstGeom prst="rect">
             <a:avLst/>
@@ -27466,7 +27436,7 @@
         <p:spPr>
           <a:xfrm>
             <a:off x="248400" y="762120"/>
-            <a:ext cx="11697120" cy="2832840"/>
+            <a:ext cx="11696040" cy="2832840"/>
           </a:xfrm>
           <a:prstGeom prst="rect">
             <a:avLst/>
@@ -27727,7 +27697,7 @@
         <p:spPr>
           <a:xfrm>
             <a:off x="248400" y="3422880"/>
-            <a:ext cx="11697120" cy="1309320"/>
+            <a:ext cx="11696040" cy="1309320"/>
           </a:xfrm>
           <a:prstGeom prst="rect">
             <a:avLst/>
@@ -27838,7 +27808,7 @@
         <p:spPr>
           <a:xfrm>
             <a:off x="288000" y="4687920"/>
-            <a:ext cx="8874360" cy="2147040"/>
+            <a:ext cx="8873280" cy="2147040"/>
           </a:xfrm>
           <a:prstGeom prst="rect">
             <a:avLst/>
@@ -27859,7 +27829,7 @@
             <a:spAutoFit/>
           </a:bodyPr>
           <a:p>
-            <a:pPr marL="285840" indent="-270360">
+            <a:pPr marL="285840" indent="-269280">
               <a:lnSpc>
                 <a:spcPct val="150000"/>
               </a:lnSpc>
@@ -27897,14 +27867,14 @@
                 <a:latin typeface="Consolas"/>
                 <a:ea typeface="SimSun"/>
               </a:rPr>
-              <a:t>sadd point:1 101 102 103 104</a:t>
+              <a:t>sadd point:1 101 102 103 104 105 106</a:t>
             </a:r>
             <a:endParaRPr b="0" lang="en-IN" sz="1800" spc="-1" strike="noStrike">
               <a:latin typeface="Arial"/>
             </a:endParaRPr>
           </a:p>
           <a:p>
-            <a:pPr marL="285840" indent="-270360">
+            <a:pPr marL="285840" indent="-269280">
               <a:lnSpc>
                 <a:spcPct val="150000"/>
               </a:lnSpc>
@@ -27942,14 +27912,14 @@
                 <a:latin typeface="Consolas"/>
                 <a:ea typeface="SimSun"/>
               </a:rPr>
-              <a:t>sadd point:2 103 104 105 106</a:t>
+              <a:t>sadd point:2 103 104 105 106 107 108</a:t>
             </a:r>
             <a:endParaRPr b="0" lang="en-IN" sz="1800" spc="-1" strike="noStrike">
               <a:latin typeface="Arial"/>
             </a:endParaRPr>
           </a:p>
           <a:p>
-            <a:pPr marL="285840" indent="-270360">
+            <a:pPr marL="285840" indent="-269280">
               <a:lnSpc>
                 <a:spcPct val="150000"/>
               </a:lnSpc>
@@ -27994,7 +27964,7 @@
             </a:endParaRPr>
           </a:p>
           <a:p>
-            <a:pPr marL="285840" indent="-270360">
+            <a:pPr marL="285840" indent="-269280">
               <a:lnSpc>
                 <a:spcPct val="150000"/>
               </a:lnSpc>
@@ -28039,7 +28009,7 @@
             </a:endParaRPr>
           </a:p>
           <a:p>
-            <a:pPr marL="285840" indent="-270360">
+            <a:pPr marL="285840" indent="-269280">
               <a:lnSpc>
                 <a:spcPct val="150000"/>
               </a:lnSpc>
@@ -28159,7 +28129,7 @@
         <p:spPr>
           <a:xfrm>
             <a:off x="1676520" y="2362320"/>
-            <a:ext cx="8823600" cy="912600"/>
+            <a:ext cx="8822520" cy="912600"/>
           </a:xfrm>
           <a:prstGeom prst="rect">
             <a:avLst/>
@@ -28210,7 +28180,7 @@
         <p:spPr>
           <a:xfrm>
             <a:off x="1666800" y="609480"/>
-            <a:ext cx="8823600" cy="394560"/>
+            <a:ext cx="8822520" cy="394560"/>
           </a:xfrm>
           <a:prstGeom prst="rect">
             <a:avLst/>
@@ -28261,7 +28231,7 @@
         <p:spPr>
           <a:xfrm>
             <a:off x="522360" y="3531600"/>
-            <a:ext cx="11060640" cy="638280"/>
+            <a:ext cx="11059560" cy="638280"/>
           </a:xfrm>
           <a:prstGeom prst="rect">
             <a:avLst/>
@@ -28342,7 +28312,7 @@
         <p:spPr>
           <a:xfrm>
             <a:off x="1676520" y="2362320"/>
-            <a:ext cx="8823600" cy="912600"/>
+            <a:ext cx="8822520" cy="912600"/>
           </a:xfrm>
           <a:prstGeom prst="rect">
             <a:avLst/>
@@ -28393,7 +28363,7 @@
         <p:spPr>
           <a:xfrm>
             <a:off x="522360" y="3531600"/>
-            <a:ext cx="11060640" cy="363960"/>
+            <a:ext cx="11059560" cy="363960"/>
           </a:xfrm>
           <a:prstGeom prst="rect">
             <a:avLst/>
@@ -28474,7 +28444,7 @@
         <p:spPr>
           <a:xfrm>
             <a:off x="248400" y="0"/>
-            <a:ext cx="11697120" cy="699120"/>
+            <a:ext cx="11696040" cy="699120"/>
           </a:xfrm>
           <a:prstGeom prst="rect">
             <a:avLst/>
@@ -28529,7 +28499,7 @@
         <p:spPr>
           <a:xfrm>
             <a:off x="248400" y="762120"/>
-            <a:ext cx="11697120" cy="1735560"/>
+            <a:ext cx="11696040" cy="1735560"/>
           </a:xfrm>
           <a:prstGeom prst="rect">
             <a:avLst/>
@@ -28670,7 +28640,7 @@
         <p:spPr>
           <a:xfrm>
             <a:off x="248400" y="2882880"/>
-            <a:ext cx="11697120" cy="1004400"/>
+            <a:ext cx="11696040" cy="1004400"/>
           </a:xfrm>
           <a:prstGeom prst="rect">
             <a:avLst/>
@@ -28761,7 +28731,7 @@
         <p:spPr>
           <a:xfrm>
             <a:off x="288000" y="4039920"/>
-            <a:ext cx="8874360" cy="1324080"/>
+            <a:ext cx="8873280" cy="1324080"/>
           </a:xfrm>
           <a:prstGeom prst="rect">
             <a:avLst/>
@@ -28782,7 +28752,7 @@
             <a:spAutoFit/>
           </a:bodyPr>
           <a:p>
-            <a:pPr marL="285840" indent="-270360">
+            <a:pPr marL="285840" indent="-269280">
               <a:lnSpc>
                 <a:spcPct val="150000"/>
               </a:lnSpc>
@@ -28827,7 +28797,7 @@
             </a:endParaRPr>
           </a:p>
           <a:p>
-            <a:pPr marL="285840" indent="-270360">
+            <a:pPr marL="285840" indent="-269280">
               <a:lnSpc>
                 <a:spcPct val="150000"/>
               </a:lnSpc>
@@ -28872,7 +28842,7 @@
             </a:endParaRPr>
           </a:p>
           <a:p>
-            <a:pPr marL="285840" indent="-270360">
+            <a:pPr marL="285840" indent="-269280">
               <a:lnSpc>
                 <a:spcPct val="150000"/>
               </a:lnSpc>
@@ -28961,8 +28931,8 @@
         </p:nvSpPr>
         <p:spPr>
           <a:xfrm>
-            <a:off x="8856000" y="2882880"/>
-            <a:ext cx="3237840" cy="1074960"/>
+            <a:off x="6264000" y="2882880"/>
+            <a:ext cx="5756760" cy="644760"/>
           </a:xfrm>
           <a:prstGeom prst="rect">
             <a:avLst/>
@@ -28989,16 +28959,16 @@
               </a:lnSpc>
             </a:pPr>
             <a:r>
-              <a:rPr b="0" lang="en-IN" sz="2200" spc="-1" strike="noStrike">
+              <a:rPr b="0" lang="en-IN" sz="2000" spc="-1" strike="noStrike">
                 <a:solidFill>
                   <a:srgbClr val="ffc400"/>
                 </a:solidFill>
                 <a:latin typeface="Courier New"/>
                 <a:ea typeface="DejaVu Sans"/>
               </a:rPr>
-              <a:t>key1 = {a,b,c,d}</a:t>
-            </a:r>
-            <a:endParaRPr b="0" lang="en-IN" sz="2200" spc="-1" strike="noStrike">
+              <a:t>point:1 = {101 102 103 104 105 106 }</a:t>
+            </a:r>
+            <a:endParaRPr b="0" lang="en-IN" sz="2000" spc="-1" strike="noStrike">
               <a:latin typeface="Arial"/>
             </a:endParaRPr>
           </a:p>
@@ -29009,36 +28979,16 @@
               </a:lnSpc>
             </a:pPr>
             <a:r>
-              <a:rPr b="0" lang="en-IN" sz="2200" spc="-1" strike="noStrike">
+              <a:rPr b="0" lang="en-IN" sz="2000" spc="-1" strike="noStrike">
                 <a:solidFill>
                   <a:srgbClr val="ffc400"/>
                 </a:solidFill>
                 <a:latin typeface="Courier New"/>
                 <a:ea typeface="DejaVu Sans"/>
               </a:rPr>
-              <a:t>key2 = {c}</a:t>
-            </a:r>
-            <a:endParaRPr b="0" lang="en-IN" sz="2200" spc="-1" strike="noStrike">
-              <a:latin typeface="Arial"/>
-            </a:endParaRPr>
-          </a:p>
-          <a:p>
-            <a:pPr>
-              <a:lnSpc>
-                <a:spcPct val="100000"/>
-              </a:lnSpc>
-            </a:pPr>
-            <a:r>
-              <a:rPr b="0" lang="en-IN" sz="2200" spc="-1" strike="noStrike">
-                <a:solidFill>
-                  <a:srgbClr val="ffc400"/>
-                </a:solidFill>
-                <a:latin typeface="Courier New"/>
-                <a:ea typeface="DejaVu Sans"/>
-              </a:rPr>
-              <a:t>key3 = {a,c,e}</a:t>
-            </a:r>
-            <a:endParaRPr b="0" lang="en-IN" sz="2200" spc="-1" strike="noStrike">
+              <a:t>Point:2 = {103 104 105 106 107 108 }</a:t>
+            </a:r>
+            <a:endParaRPr b="0" lang="en-IN" sz="2000" spc="-1" strike="noStrike">
               <a:latin typeface="Arial"/>
             </a:endParaRPr>
           </a:p>
@@ -29083,7 +29033,7 @@
         <p:spPr>
           <a:xfrm>
             <a:off x="1676520" y="2362320"/>
-            <a:ext cx="8823600" cy="1735560"/>
+            <a:ext cx="8822520" cy="1735560"/>
           </a:xfrm>
           <a:prstGeom prst="rect">
             <a:avLst/>
@@ -29134,7 +29084,7 @@
         <p:spPr>
           <a:xfrm>
             <a:off x="522360" y="3531600"/>
-            <a:ext cx="11060640" cy="363960"/>
+            <a:ext cx="11059560" cy="363960"/>
           </a:xfrm>
           <a:prstGeom prst="rect">
             <a:avLst/>
@@ -29215,7 +29165,7 @@
         <p:spPr>
           <a:xfrm>
             <a:off x="248400" y="0"/>
-            <a:ext cx="11697120" cy="699120"/>
+            <a:ext cx="11696040" cy="699120"/>
           </a:xfrm>
           <a:prstGeom prst="rect">
             <a:avLst/>
@@ -29270,7 +29220,7 @@
         <p:spPr>
           <a:xfrm>
             <a:off x="248400" y="762120"/>
-            <a:ext cx="11697120" cy="1979640"/>
+            <a:ext cx="11696040" cy="2284200"/>
           </a:xfrm>
           <a:prstGeom prst="rect">
             <a:avLst/>
@@ -29411,7 +29361,7 @@
         <p:spPr>
           <a:xfrm>
             <a:off x="248400" y="3026880"/>
-            <a:ext cx="11697120" cy="1004760"/>
+            <a:ext cx="11696040" cy="1004400"/>
           </a:xfrm>
           <a:prstGeom prst="rect">
             <a:avLst/>
@@ -29502,7 +29452,7 @@
         <p:spPr>
           <a:xfrm>
             <a:off x="288000" y="4039920"/>
-            <a:ext cx="8874360" cy="1324080"/>
+            <a:ext cx="8873280" cy="1324080"/>
           </a:xfrm>
           <a:prstGeom prst="rect">
             <a:avLst/>
@@ -29523,7 +29473,7 @@
             <a:spAutoFit/>
           </a:bodyPr>
           <a:p>
-            <a:pPr marL="285840" indent="-270360">
+            <a:pPr marL="285840" indent="-269280">
               <a:lnSpc>
                 <a:spcPct val="150000"/>
               </a:lnSpc>
@@ -29568,7 +29518,7 @@
             </a:endParaRPr>
           </a:p>
           <a:p>
-            <a:pPr marL="285840" indent="-270360">
+            <a:pPr marL="285840" indent="-269280">
               <a:lnSpc>
                 <a:spcPct val="150000"/>
               </a:lnSpc>
@@ -29613,7 +29563,7 @@
             </a:endParaRPr>
           </a:p>
           <a:p>
-            <a:pPr marL="285840" indent="-270360">
+            <a:pPr marL="285840" indent="-269280">
               <a:lnSpc>
                 <a:spcPct val="150000"/>
               </a:lnSpc>
@@ -29702,8 +29652,8 @@
         </p:nvSpPr>
         <p:spPr>
           <a:xfrm>
-            <a:off x="8856000" y="2882880"/>
-            <a:ext cx="3237840" cy="1074960"/>
+            <a:off x="6480000" y="3046320"/>
+            <a:ext cx="5687640" cy="644760"/>
           </a:xfrm>
           <a:prstGeom prst="rect">
             <a:avLst/>
@@ -29730,16 +29680,16 @@
               </a:lnSpc>
             </a:pPr>
             <a:r>
-              <a:rPr b="0" lang="en-IN" sz="2200" spc="-1" strike="noStrike">
+              <a:rPr b="0" lang="en-IN" sz="2000" spc="-1" strike="noStrike">
                 <a:solidFill>
                   <a:srgbClr val="ffc400"/>
                 </a:solidFill>
                 <a:latin typeface="Courier New"/>
                 <a:ea typeface="DejaVu Sans"/>
               </a:rPr>
-              <a:t>key1 = {a,b,c,d}</a:t>
-            </a:r>
-            <a:endParaRPr b="0" lang="en-IN" sz="2200" spc="-1" strike="noStrike">
+              <a:t>point:1 = {101 102 103 104 105 106 }</a:t>
+            </a:r>
+            <a:endParaRPr b="0" lang="en-IN" sz="2000" spc="-1" strike="noStrike">
               <a:latin typeface="Arial"/>
             </a:endParaRPr>
           </a:p>
@@ -29750,36 +29700,16 @@
               </a:lnSpc>
             </a:pPr>
             <a:r>
-              <a:rPr b="0" lang="en-IN" sz="2200" spc="-1" strike="noStrike">
+              <a:rPr b="0" lang="en-IN" sz="2000" spc="-1" strike="noStrike">
                 <a:solidFill>
                   <a:srgbClr val="ffc400"/>
                 </a:solidFill>
                 <a:latin typeface="Courier New"/>
                 <a:ea typeface="DejaVu Sans"/>
               </a:rPr>
-              <a:t>key2 = {c}</a:t>
-            </a:r>
-            <a:endParaRPr b="0" lang="en-IN" sz="2200" spc="-1" strike="noStrike">
-              <a:latin typeface="Arial"/>
-            </a:endParaRPr>
-          </a:p>
-          <a:p>
-            <a:pPr>
-              <a:lnSpc>
-                <a:spcPct val="100000"/>
-              </a:lnSpc>
-            </a:pPr>
-            <a:r>
-              <a:rPr b="0" lang="en-IN" sz="2200" spc="-1" strike="noStrike">
-                <a:solidFill>
-                  <a:srgbClr val="ffc400"/>
-                </a:solidFill>
-                <a:latin typeface="Courier New"/>
-                <a:ea typeface="DejaVu Sans"/>
-              </a:rPr>
-              <a:t>key3 = {a,c,e}</a:t>
-            </a:r>
-            <a:endParaRPr b="0" lang="en-IN" sz="2200" spc="-1" strike="noStrike">
+              <a:t>Point:2 = {103 104 105 106 107 108 }</a:t>
+            </a:r>
+            <a:endParaRPr b="0" lang="en-IN" sz="2000" spc="-1" strike="noStrike">
               <a:latin typeface="Arial"/>
             </a:endParaRPr>
           </a:p>
@@ -29824,7 +29754,7 @@
         <p:spPr>
           <a:xfrm>
             <a:off x="1676520" y="2362320"/>
-            <a:ext cx="8823600" cy="1735560"/>
+            <a:ext cx="8822520" cy="1735560"/>
           </a:xfrm>
           <a:prstGeom prst="rect">
             <a:avLst/>
@@ -29875,7 +29805,7 @@
         <p:spPr>
           <a:xfrm>
             <a:off x="522360" y="3531600"/>
-            <a:ext cx="11060640" cy="363960"/>
+            <a:ext cx="11059560" cy="363960"/>
           </a:xfrm>
           <a:prstGeom prst="rect">
             <a:avLst/>
@@ -30161,16 +30091,10 @@
                       <a:noAutofit/>
                     </a:bodyPr>
                     <a:p>
-                      <a:pPr marL="216000" indent="-214200" algn="ctr">
+                      <a:pPr algn="ctr">
                         <a:lnSpc>
                           <a:spcPct val="100000"/>
                         </a:lnSpc>
-                        <a:buClr>
-                          <a:srgbClr val="000000"/>
-                        </a:buClr>
-                        <a:buSzPct val="45000"/>
-                        <a:buFont typeface="Wingdings" charset="2"/>
-                        <a:buChar char=""/>
                       </a:pPr>
                       <a:r>
                         <a:rPr b="1" lang="en-IN" sz="1800" spc="-1" strike="noStrike">
@@ -30474,7 +30398,7 @@
         <p:spPr>
           <a:xfrm>
             <a:off x="248400" y="0"/>
-            <a:ext cx="11697120" cy="699120"/>
+            <a:ext cx="11696040" cy="699120"/>
           </a:xfrm>
           <a:prstGeom prst="rect">
             <a:avLst/>
@@ -30529,7 +30453,7 @@
         <p:spPr>
           <a:xfrm>
             <a:off x="248400" y="762120"/>
-            <a:ext cx="11697120" cy="2253960"/>
+            <a:ext cx="11696040" cy="2558520"/>
           </a:xfrm>
           <a:prstGeom prst="rect">
             <a:avLst/>
@@ -30750,7 +30674,7 @@
         <p:spPr>
           <a:xfrm>
             <a:off x="248400" y="3206880"/>
-            <a:ext cx="11697120" cy="1004400"/>
+            <a:ext cx="11696040" cy="1004400"/>
           </a:xfrm>
           <a:prstGeom prst="rect">
             <a:avLst/>
@@ -30841,7 +30765,7 @@
         <p:spPr>
           <a:xfrm>
             <a:off x="340560" y="4608000"/>
-            <a:ext cx="8874360" cy="1735560"/>
+            <a:ext cx="8873280" cy="1735560"/>
           </a:xfrm>
           <a:prstGeom prst="rect">
             <a:avLst/>
@@ -30862,7 +30786,7 @@
             <a:spAutoFit/>
           </a:bodyPr>
           <a:p>
-            <a:pPr marL="285840" indent="-270360">
+            <a:pPr marL="285840" indent="-269280">
               <a:lnSpc>
                 <a:spcPct val="150000"/>
               </a:lnSpc>
@@ -30907,7 +30831,7 @@
             </a:endParaRPr>
           </a:p>
           <a:p>
-            <a:pPr marL="285840" indent="-270360">
+            <a:pPr marL="285840" indent="-269280">
               <a:lnSpc>
                 <a:spcPct val="150000"/>
               </a:lnSpc>
@@ -30952,7 +30876,7 @@
             </a:endParaRPr>
           </a:p>
           <a:p>
-            <a:pPr marL="285840" indent="-270360">
+            <a:pPr marL="285840" indent="-269280">
               <a:lnSpc>
                 <a:spcPct val="150000"/>
               </a:lnSpc>
@@ -30997,7 +30921,7 @@
             </a:endParaRPr>
           </a:p>
           <a:p>
-            <a:pPr marL="285840" indent="-270360">
+            <a:pPr marL="285840" indent="-269280">
               <a:lnSpc>
                 <a:spcPct val="150000"/>
               </a:lnSpc>
@@ -31117,7 +31041,7 @@
         <p:spPr>
           <a:xfrm>
             <a:off x="1676520" y="2362320"/>
-            <a:ext cx="8823600" cy="912600"/>
+            <a:ext cx="8822520" cy="912600"/>
           </a:xfrm>
           <a:prstGeom prst="rect">
             <a:avLst/>
@@ -31168,7 +31092,7 @@
         <p:spPr>
           <a:xfrm>
             <a:off x="1666800" y="609480"/>
-            <a:ext cx="8823600" cy="394560"/>
+            <a:ext cx="8822520" cy="394560"/>
           </a:xfrm>
           <a:prstGeom prst="rect">
             <a:avLst/>
@@ -31219,7 +31143,7 @@
         <p:spPr>
           <a:xfrm>
             <a:off x="522360" y="3531600"/>
-            <a:ext cx="11060640" cy="1186920"/>
+            <a:ext cx="11059560" cy="1186920"/>
           </a:xfrm>
           <a:prstGeom prst="rect">
             <a:avLst/>
@@ -31300,7 +31224,7 @@
         <p:spPr>
           <a:xfrm>
             <a:off x="1676520" y="2362320"/>
-            <a:ext cx="8823600" cy="912600"/>
+            <a:ext cx="8822520" cy="1735560"/>
           </a:xfrm>
           <a:prstGeom prst="rect">
             <a:avLst/>
@@ -31334,7 +31258,7 @@
                 <a:latin typeface="Century"/>
                 <a:ea typeface="DejaVu Sans"/>
               </a:rPr>
-              <a:t>redis EVAL script</a:t>
+              <a:t>zadd, zrange and sdiffstore</a:t>
             </a:r>
             <a:endParaRPr b="0" lang="en-IN" sz="5400" spc="-1" strike="noStrike">
               <a:latin typeface="Arial"/>
@@ -31350,8 +31274,8 @@
         </p:nvSpPr>
         <p:spPr>
           <a:xfrm>
-            <a:off x="1666800" y="609480"/>
-            <a:ext cx="8823600" cy="394560"/>
+            <a:off x="522360" y="3531600"/>
+            <a:ext cx="11059560" cy="363960"/>
           </a:xfrm>
           <a:prstGeom prst="rect">
             <a:avLst/>
@@ -31378,58 +31302,7 @@
               </a:lnSpc>
             </a:pPr>
             <a:r>
-              <a:rPr b="0" lang="en-IN" sz="2000" spc="-1" strike="noStrike">
-                <a:solidFill>
-                  <a:srgbClr val="3e5d78"/>
-                </a:solidFill>
-                <a:latin typeface="Times New Roman"/>
-                <a:ea typeface="DejaVu Sans"/>
-              </a:rPr>
-              <a:t>Lua scripting</a:t>
-            </a:r>
-            <a:endParaRPr b="0" lang="en-IN" sz="2000" spc="-1" strike="noStrike">
-              <a:latin typeface="Arial"/>
-            </a:endParaRPr>
-          </a:p>
-        </p:txBody>
-      </p:sp>
-      <p:sp>
-        <p:nvSpPr>
-          <p:cNvPr id="354" name="CustomShape 3"/>
-          <p:cNvSpPr/>
-          <p:nvPr/>
-        </p:nvSpPr>
-        <p:spPr>
-          <a:xfrm>
-            <a:off x="522360" y="3531600"/>
-            <a:ext cx="11060640" cy="363960"/>
-          </a:xfrm>
-          <a:prstGeom prst="rect">
-            <a:avLst/>
-          </a:prstGeom>
-          <a:noFill/>
-          <a:ln>
-            <a:noFill/>
-          </a:ln>
-        </p:spPr>
-        <p:style>
-          <a:lnRef idx="0"/>
-          <a:fillRef idx="0"/>
-          <a:effectRef idx="0"/>
-          <a:fontRef idx="minor"/>
-        </p:style>
-        <p:txBody>
-          <a:bodyPr lIns="90000" rIns="90000" tIns="45000" bIns="45000">
-            <a:spAutoFit/>
-          </a:bodyPr>
-          <a:p>
-            <a:pPr>
-              <a:lnSpc>
-                <a:spcPct val="100000"/>
-              </a:lnSpc>
-            </a:pPr>
-            <a:r>
-              <a:rPr b="0" lang="en-US" sz="1800" spc="-1" strike="noStrike">
+              <a:rPr b="0" lang="en-IN" sz="1800" spc="-1" strike="noStrike">
                 <a:solidFill>
                   <a:srgbClr val="bb0643"/>
                 </a:solidFill>
@@ -31476,19 +31349,23 @@
       </p:grpSpPr>
       <p:sp>
         <p:nvSpPr>
-          <p:cNvPr id="355" name="CustomShape 1"/>
+          <p:cNvPr id="354" name="CustomShape 1"/>
           <p:cNvSpPr/>
           <p:nvPr/>
         </p:nvSpPr>
         <p:spPr>
           <a:xfrm>
-            <a:off x="0" y="727200"/>
-            <a:ext cx="1939320" cy="424800"/>
+            <a:off x="248400" y="0"/>
+            <a:ext cx="11696040" cy="699120"/>
           </a:xfrm>
           <a:prstGeom prst="rect">
             <a:avLst/>
           </a:prstGeom>
-          <a:noFill/>
+          <a:solidFill>
+            <a:schemeClr val="accent6">
+              <a:lumMod val="75000"/>
+            </a:schemeClr>
+          </a:solidFill>
           <a:ln>
             <a:noFill/>
           </a:ln>
@@ -31504,22 +31381,22 @@
             <a:spAutoFit/>
           </a:bodyPr>
           <a:p>
-            <a:pPr algn="just">
-              <a:lnSpc>
-                <a:spcPct val="100000"/>
-              </a:lnSpc>
-            </a:pPr>
-            <a:r>
-              <a:rPr b="0" lang="en-IN" sz="2200" spc="-1" strike="noStrike">
-                <a:solidFill>
-                  <a:srgbClr val="3e5d78"/>
-                </a:solidFill>
-                <a:latin typeface="Times New Roman"/>
-                <a:ea typeface="DejaVu Sans"/>
-              </a:rPr>
-              <a:t>Lua scripting</a:t>
-            </a:r>
-            <a:endParaRPr b="0" lang="en-IN" sz="2200" spc="-1" strike="noStrike">
+            <a:pPr algn="ctr">
+              <a:lnSpc>
+                <a:spcPct val="100000"/>
+              </a:lnSpc>
+            </a:pPr>
+            <a:r>
+              <a:rPr b="0" lang="en-IN" sz="4000" spc="-1" strike="noStrike">
+                <a:solidFill>
+                  <a:srgbClr val="f7c120"/>
+                </a:solidFill>
+                <a:latin typeface="Open Sans"/>
+                <a:ea typeface="DejaVu Sans"/>
+              </a:rPr>
+              <a:t>zadd, zrange &amp; sdiffstore</a:t>
+            </a:r>
+            <a:endParaRPr b="0" lang="en-IN" sz="4000" spc="-1" strike="noStrike">
               <a:latin typeface="Arial"/>
             </a:endParaRPr>
           </a:p>
@@ -31527,286 +31404,19 @@
       </p:sp>
       <p:sp>
         <p:nvSpPr>
-          <p:cNvPr id="356" name="CustomShape 2"/>
+          <p:cNvPr id="355" name="CustomShape 2"/>
           <p:cNvSpPr/>
           <p:nvPr/>
         </p:nvSpPr>
         <p:spPr>
           <a:xfrm>
-            <a:off x="288000" y="2061720"/>
-            <a:ext cx="11659320" cy="4052160"/>
+            <a:off x="248400" y="762120"/>
+            <a:ext cx="11696040" cy="2284200"/>
           </a:xfrm>
           <a:prstGeom prst="rect">
             <a:avLst/>
           </a:prstGeom>
           <a:noFill/>
-          <a:ln>
-            <a:noFill/>
-          </a:ln>
-        </p:spPr>
-        <p:style>
-          <a:lnRef idx="0"/>
-          <a:fillRef idx="0"/>
-          <a:effectRef idx="0"/>
-          <a:fontRef idx="minor"/>
-        </p:style>
-        <p:txBody>
-          <a:bodyPr lIns="90000" rIns="90000" tIns="45000" bIns="45000">
-            <a:noAutofit/>
-          </a:bodyPr>
-          <a:p>
-            <a:pPr algn="just">
-              <a:lnSpc>
-                <a:spcPct val="100000"/>
-              </a:lnSpc>
-            </a:pPr>
-            <a:r>
-              <a:rPr b="1" lang="en-US" sz="2000" spc="-1" strike="noStrike">
-                <a:solidFill>
-                  <a:srgbClr val="000000"/>
-                </a:solidFill>
-                <a:latin typeface="Arial"/>
-                <a:ea typeface="DejaVu Sans"/>
-              </a:rPr>
-              <a:t>EVAL</a:t>
-            </a:r>
-            <a:r>
-              <a:rPr b="0" lang="en-IN" sz="2000" spc="-1" strike="noStrike">
-                <a:solidFill>
-                  <a:srgbClr val="000000"/>
-                </a:solidFill>
-                <a:latin typeface="Arial"/>
-                <a:ea typeface="DejaVu Sans"/>
-              </a:rPr>
-              <a:t> is used to evaluate scripts using the Lua interpreter built into Redis starting from version 2.6.0.</a:t>
-            </a:r>
-            <a:endParaRPr b="0" lang="en-IN" sz="2000" spc="-1" strike="noStrike">
-              <a:latin typeface="Arial"/>
-            </a:endParaRPr>
-          </a:p>
-          <a:p>
-            <a:pPr>
-              <a:lnSpc>
-                <a:spcPct val="100000"/>
-              </a:lnSpc>
-            </a:pPr>
-            <a:endParaRPr b="0" lang="en-IN" sz="2000" spc="-1" strike="noStrike">
-              <a:latin typeface="Arial"/>
-            </a:endParaRPr>
-          </a:p>
-          <a:p>
-            <a:pPr marL="216000" indent="-211320">
-              <a:lnSpc>
-                <a:spcPct val="100000"/>
-              </a:lnSpc>
-              <a:buClr>
-                <a:srgbClr val="000000"/>
-              </a:buClr>
-              <a:buSzPct val="45000"/>
-              <a:buFont typeface="Wingdings" charset="2"/>
-              <a:buChar char=""/>
-            </a:pPr>
-            <a:r>
-              <a:rPr b="1" lang="en-IN" sz="2000" spc="-1" strike="noStrike">
-                <a:solidFill>
-                  <a:srgbClr val="000000"/>
-                </a:solidFill>
-                <a:latin typeface="Arial"/>
-                <a:ea typeface="DejaVu Sans"/>
-              </a:rPr>
-              <a:t>The first argument of EVAL</a:t>
-            </a:r>
-            <a:r>
-              <a:rPr b="0" lang="en-IN" sz="2000" spc="-1" strike="noStrike">
-                <a:solidFill>
-                  <a:srgbClr val="000000"/>
-                </a:solidFill>
-                <a:latin typeface="Arial"/>
-                <a:ea typeface="DejaVu Sans"/>
-              </a:rPr>
-              <a:t> is a Lua 5.1 script. The script does not need to define a Lua function. It is just a Lua program that will run in the context of the Redis server.</a:t>
-            </a:r>
-            <a:endParaRPr b="0" lang="en-IN" sz="2000" spc="-1" strike="noStrike">
-              <a:latin typeface="Arial"/>
-            </a:endParaRPr>
-          </a:p>
-          <a:p>
-            <a:pPr>
-              <a:lnSpc>
-                <a:spcPct val="100000"/>
-              </a:lnSpc>
-            </a:pPr>
-            <a:endParaRPr b="0" lang="en-IN" sz="2000" spc="-1" strike="noStrike">
-              <a:latin typeface="Arial"/>
-            </a:endParaRPr>
-          </a:p>
-          <a:p>
-            <a:pPr marL="216000" indent="-211320">
-              <a:lnSpc>
-                <a:spcPct val="100000"/>
-              </a:lnSpc>
-              <a:buClr>
-                <a:srgbClr val="000000"/>
-              </a:buClr>
-              <a:buSzPct val="45000"/>
-              <a:buFont typeface="Wingdings" charset="2"/>
-              <a:buChar char=""/>
-            </a:pPr>
-            <a:r>
-              <a:rPr b="1" lang="en-IN" sz="2000" spc="-1" strike="noStrike">
-                <a:solidFill>
-                  <a:srgbClr val="000000"/>
-                </a:solidFill>
-                <a:latin typeface="Arial"/>
-                <a:ea typeface="DejaVu Sans"/>
-              </a:rPr>
-              <a:t>The second argument of EVAL</a:t>
-            </a:r>
-            <a:r>
-              <a:rPr b="0" lang="en-IN" sz="2000" spc="-1" strike="noStrike">
-                <a:solidFill>
-                  <a:srgbClr val="000000"/>
-                </a:solidFill>
-                <a:latin typeface="Arial"/>
-                <a:ea typeface="DejaVu Sans"/>
-              </a:rPr>
-              <a:t> is the number of arguments that follows the script (starting from the third argument) that represent Redis key names. The arguments can be accessed by Lua using the </a:t>
-            </a:r>
-            <a:r>
-              <a:rPr b="1" lang="en-IN" sz="2000" spc="-1" strike="noStrike">
-                <a:solidFill>
-                  <a:srgbClr val="000000"/>
-                </a:solidFill>
-                <a:latin typeface="Arial"/>
-                <a:ea typeface="DejaVu Sans"/>
-              </a:rPr>
-              <a:t>KEYS global variable</a:t>
-            </a:r>
-            <a:r>
-              <a:rPr b="0" lang="en-IN" sz="2000" spc="-1" strike="noStrike">
-                <a:solidFill>
-                  <a:srgbClr val="000000"/>
-                </a:solidFill>
-                <a:latin typeface="Arial"/>
-                <a:ea typeface="DejaVu Sans"/>
-              </a:rPr>
-              <a:t> in the form of a one-based array (so </a:t>
-            </a:r>
-            <a:r>
-              <a:rPr b="1" lang="en-IN" sz="2000" spc="-1" strike="noStrike">
-                <a:solidFill>
-                  <a:srgbClr val="000000"/>
-                </a:solidFill>
-                <a:latin typeface="Arial"/>
-                <a:ea typeface="DejaVu Sans"/>
-              </a:rPr>
-              <a:t>KEYS[1], KEYS[2], ...</a:t>
-            </a:r>
-            <a:r>
-              <a:rPr b="0" lang="en-IN" sz="2000" spc="-1" strike="noStrike">
-                <a:solidFill>
-                  <a:srgbClr val="000000"/>
-                </a:solidFill>
-                <a:latin typeface="Arial"/>
-                <a:ea typeface="DejaVu Sans"/>
-              </a:rPr>
-              <a:t>).</a:t>
-            </a:r>
-            <a:endParaRPr b="0" lang="en-IN" sz="2000" spc="-1" strike="noStrike">
-              <a:latin typeface="Arial"/>
-            </a:endParaRPr>
-          </a:p>
-          <a:p>
-            <a:pPr>
-              <a:lnSpc>
-                <a:spcPct val="100000"/>
-              </a:lnSpc>
-            </a:pPr>
-            <a:endParaRPr b="0" lang="en-IN" sz="2000" spc="-1" strike="noStrike">
-              <a:latin typeface="Arial"/>
-            </a:endParaRPr>
-          </a:p>
-          <a:p>
-            <a:pPr>
-              <a:lnSpc>
-                <a:spcPct val="100000"/>
-              </a:lnSpc>
-            </a:pPr>
-            <a:r>
-              <a:rPr b="0" lang="en-IN" sz="2000" spc="-1" strike="noStrike">
-                <a:solidFill>
-                  <a:srgbClr val="000000"/>
-                </a:solidFill>
-                <a:latin typeface="Arial"/>
-                <a:ea typeface="DejaVu Sans"/>
-              </a:rPr>
-              <a:t>All the additional arguments should not represent key names and can be accessed by Lua using the </a:t>
-            </a:r>
-            <a:r>
-              <a:rPr b="1" lang="en-IN" sz="2000" spc="-1" strike="noStrike">
-                <a:solidFill>
-                  <a:srgbClr val="000000"/>
-                </a:solidFill>
-                <a:latin typeface="Arial"/>
-                <a:ea typeface="DejaVu Sans"/>
-              </a:rPr>
-              <a:t>ARGV global variable</a:t>
-            </a:r>
-            <a:r>
-              <a:rPr b="0" lang="en-IN" sz="2000" spc="-1" strike="noStrike">
-                <a:solidFill>
-                  <a:srgbClr val="000000"/>
-                </a:solidFill>
-                <a:latin typeface="Arial"/>
-                <a:ea typeface="DejaVu Sans"/>
-              </a:rPr>
-              <a:t>, very similarly to what happens with keys (so </a:t>
-            </a:r>
-            <a:r>
-              <a:rPr b="1" lang="en-IN" sz="2000" spc="-1" strike="noStrike">
-                <a:solidFill>
-                  <a:srgbClr val="000000"/>
-                </a:solidFill>
-                <a:latin typeface="Arial"/>
-                <a:ea typeface="DejaVu Sans"/>
-              </a:rPr>
-              <a:t>ARGV[1], ARGV[2], ...</a:t>
-            </a:r>
-            <a:r>
-              <a:rPr b="0" lang="en-IN" sz="2000" spc="-1" strike="noStrike">
-                <a:solidFill>
-                  <a:srgbClr val="000000"/>
-                </a:solidFill>
-                <a:latin typeface="Arial"/>
-                <a:ea typeface="DejaVu Sans"/>
-              </a:rPr>
-              <a:t>).</a:t>
-            </a:r>
-            <a:endParaRPr b="0" lang="en-IN" sz="2000" spc="-1" strike="noStrike">
-              <a:latin typeface="Arial"/>
-            </a:endParaRPr>
-          </a:p>
-        </p:txBody>
-      </p:sp>
-      <p:sp>
-        <p:nvSpPr>
-          <p:cNvPr id="357" name="CustomShape 3"/>
-          <p:cNvSpPr/>
-          <p:nvPr/>
-        </p:nvSpPr>
-        <p:spPr>
-          <a:xfrm>
-            <a:off x="248400" y="0"/>
-            <a:ext cx="11697120" cy="699120"/>
-          </a:xfrm>
-          <a:prstGeom prst="rect">
-            <a:avLst/>
-          </a:prstGeom>
-          <a:solidFill>
-            <a:schemeClr val="accent6">
-              <a:lumMod val="75000"/>
-            </a:schemeClr>
-          </a:solidFill>
           <a:ln>
             <a:noFill/>
           </a:ln>
@@ -31822,22 +31432,128 @@
             <a:spAutoFit/>
           </a:bodyPr>
           <a:p>
-            <a:pPr algn="ctr">
-              <a:lnSpc>
-                <a:spcPct val="100000"/>
-              </a:lnSpc>
-            </a:pPr>
-            <a:r>
-              <a:rPr b="0" lang="en-IN" sz="4000" spc="-1" strike="noStrike">
-                <a:solidFill>
-                  <a:srgbClr val="f7c120"/>
-                </a:solidFill>
-                <a:latin typeface="Open Sans"/>
-                <a:ea typeface="DejaVu Sans"/>
-              </a:rPr>
-              <a:t>Introduction to EVAL</a:t>
-            </a:r>
-            <a:endParaRPr b="0" lang="en-IN" sz="4000" spc="-1" strike="noStrike">
+            <a:pPr algn="just"/>
+            <a:r>
+              <a:rPr b="1" lang="en-US" sz="1800" spc="-1" strike="noStrike">
+                <a:solidFill>
+                  <a:srgbClr val="7c4dff"/>
+                </a:solidFill>
+                <a:latin typeface="Arial"/>
+                <a:ea typeface="DejaVu Sans"/>
+              </a:rPr>
+              <a:t>ZADD</a:t>
+            </a:r>
+            <a:r>
+              <a:rPr b="0" lang="en-US" sz="1800" spc="-1" strike="noStrike">
+                <a:solidFill>
+                  <a:srgbClr val="000000"/>
+                </a:solidFill>
+                <a:latin typeface="Arial"/>
+                <a:ea typeface="DejaVu Sans"/>
+              </a:rPr>
+              <a:t> adds all the specified members with the specified scores to the sorted set stored at key. It is possible to specify multiple score / member pairs. If a specified member is already a member of the sorted set, the score is updated and the element reinserted at the right position to ensure the correct ordering. The </a:t>
+            </a:r>
+            <a:r>
+              <a:rPr b="1" lang="en-US" sz="1800" spc="-1" strike="noStrike">
+                <a:solidFill>
+                  <a:srgbClr val="000000"/>
+                </a:solidFill>
+                <a:latin typeface="Arial"/>
+                <a:ea typeface="DejaVu Sans"/>
+              </a:rPr>
+              <a:t>score values</a:t>
+            </a:r>
+            <a:r>
+              <a:rPr b="0" lang="en-US" sz="1800" spc="-1" strike="noStrike">
+                <a:solidFill>
+                  <a:srgbClr val="000000"/>
+                </a:solidFill>
+                <a:latin typeface="Arial"/>
+                <a:ea typeface="DejaVu Sans"/>
+              </a:rPr>
+              <a:t> should be the string representation of a double precision floating point number. </a:t>
+            </a:r>
+            <a:r>
+              <a:rPr b="1" lang="en-US" sz="1800" spc="-1" strike="noStrike">
+                <a:solidFill>
+                  <a:srgbClr val="000000"/>
+                </a:solidFill>
+                <a:latin typeface="Arial"/>
+                <a:ea typeface="DejaVu Sans"/>
+              </a:rPr>
+              <a:t>+inf</a:t>
+            </a:r>
+            <a:r>
+              <a:rPr b="0" lang="en-US" sz="1800" spc="-1" strike="noStrike">
+                <a:solidFill>
+                  <a:srgbClr val="000000"/>
+                </a:solidFill>
+                <a:latin typeface="Arial"/>
+                <a:ea typeface="DejaVu Sans"/>
+              </a:rPr>
+              <a:t> or </a:t>
+            </a:r>
+            <a:r>
+              <a:rPr b="1" lang="en-US" sz="1800" spc="-1" strike="noStrike">
+                <a:solidFill>
+                  <a:srgbClr val="000000"/>
+                </a:solidFill>
+                <a:latin typeface="Arial"/>
+                <a:ea typeface="DejaVu Sans"/>
+              </a:rPr>
+              <a:t>-inf</a:t>
+            </a:r>
+            <a:r>
+              <a:rPr b="0" lang="en-US" sz="1800" spc="-1" strike="noStrike">
+                <a:solidFill>
+                  <a:srgbClr val="000000"/>
+                </a:solidFill>
+                <a:latin typeface="Arial"/>
+                <a:ea typeface="DejaVu Sans"/>
+              </a:rPr>
+              <a:t> values are valid values as well.</a:t>
+            </a:r>
+            <a:endParaRPr b="0" lang="en-IN" sz="1800" spc="-1" strike="noStrike">
+              <a:latin typeface="Arial"/>
+            </a:endParaRPr>
+          </a:p>
+          <a:p>
+            <a:pPr algn="just">
+              <a:lnSpc>
+                <a:spcPct val="100000"/>
+              </a:lnSpc>
+            </a:pPr>
+            <a:endParaRPr b="0" lang="en-IN" sz="1800" spc="-1" strike="noStrike">
+              <a:latin typeface="Arial"/>
+            </a:endParaRPr>
+          </a:p>
+          <a:p>
+            <a:pPr algn="just">
+              <a:lnSpc>
+                <a:spcPct val="100000"/>
+              </a:lnSpc>
+            </a:pPr>
+            <a:r>
+              <a:rPr b="1" lang="en-US" sz="1800" spc="-1" strike="noStrike">
+                <a:solidFill>
+                  <a:srgbClr val="7c4dff"/>
+                </a:solidFill>
+                <a:latin typeface="Arial"/>
+                <a:ea typeface="DejaVu Sans"/>
+              </a:rPr>
+              <a:t>SINTERSTORE</a:t>
+            </a:r>
+            <a:r>
+              <a:rPr b="0" lang="en-US" sz="1800" spc="-1" strike="noStrike">
+                <a:solidFill>
+                  <a:srgbClr val="000000"/>
+                </a:solidFill>
+                <a:latin typeface="Arial"/>
+                <a:ea typeface="DejaVu Sans"/>
+              </a:rPr>
+              <a:t> command is equal to SINTER, but instead of returning the resulting set, it is stored in destination. If destination already exists, it is overwritten.</a:t>
+            </a:r>
+            <a:endParaRPr b="0" lang="en-IN" sz="1800" spc="-1" strike="noStrike">
               <a:latin typeface="Arial"/>
             </a:endParaRPr>
           </a:p>
@@ -31845,65 +31561,14 @@
       </p:sp>
       <p:sp>
         <p:nvSpPr>
-          <p:cNvPr id="358" name="CustomShape 4"/>
+          <p:cNvPr id="356" name="CustomShape 3"/>
           <p:cNvSpPr/>
           <p:nvPr/>
         </p:nvSpPr>
         <p:spPr>
           <a:xfrm>
-            <a:off x="576000" y="1504080"/>
-            <a:ext cx="8347320" cy="363240"/>
-          </a:xfrm>
-          <a:prstGeom prst="rect">
-            <a:avLst/>
-          </a:prstGeom>
-          <a:noFill/>
-          <a:ln>
-            <a:noFill/>
-          </a:ln>
-        </p:spPr>
-        <p:style>
-          <a:lnRef idx="0"/>
-          <a:fillRef idx="0"/>
-          <a:effectRef idx="0"/>
-          <a:fontRef idx="minor"/>
-        </p:style>
-        <p:txBody>
-          <a:bodyPr lIns="0" rIns="0" tIns="0" bIns="0">
-            <a:noAutofit/>
-          </a:bodyPr>
-          <a:p>
-            <a:pPr>
-              <a:lnSpc>
-                <a:spcPct val="100000"/>
-              </a:lnSpc>
-            </a:pPr>
-            <a:r>
-              <a:rPr b="0" lang="en-US" sz="2200" spc="-1" strike="noStrike">
-                <a:solidFill>
-                  <a:srgbClr val="00b0f0"/>
-                </a:solidFill>
-                <a:latin typeface="Consolas"/>
-                <a:ea typeface="DejaVu Sans"/>
-              </a:rPr>
-              <a:t>EVAL script numkeys key [key ...] arg [arg ...]</a:t>
-            </a:r>
-            <a:endParaRPr b="0" lang="en-IN" sz="2200" spc="-1" strike="noStrike">
-              <a:latin typeface="Arial"/>
-            </a:endParaRPr>
-          </a:p>
-        </p:txBody>
-      </p:sp>
-      <p:sp>
-        <p:nvSpPr>
-          <p:cNvPr id="359" name="CustomShape 5"/>
-          <p:cNvSpPr/>
-          <p:nvPr/>
-        </p:nvSpPr>
-        <p:spPr>
-          <a:xfrm>
-            <a:off x="288000" y="5543280"/>
-            <a:ext cx="10831320" cy="1004040"/>
+            <a:off x="248400" y="3026880"/>
+            <a:ext cx="11696040" cy="394560"/>
           </a:xfrm>
           <a:prstGeom prst="rect">
             <a:avLst/>
@@ -31921,7 +31586,7 @@
         </p:style>
         <p:txBody>
           <a:bodyPr lIns="90000" rIns="90000" tIns="45000" bIns="45000">
-            <a:noAutofit/>
+            <a:spAutoFit/>
           </a:bodyPr>
           <a:p>
             <a:pPr>
@@ -31930,100 +31595,221 @@
               </a:lnSpc>
             </a:pPr>
             <a:r>
-              <a:rPr b="1" lang="en-IN" sz="2000" spc="-1" strike="noStrike">
-                <a:solidFill>
-                  <a:srgbClr val="c00000"/>
-                </a:solidFill>
-                <a:latin typeface="Open Sans"/>
-                <a:ea typeface="Open Sans"/>
-              </a:rPr>
-              <a:t>Note:</a:t>
+              <a:rPr b="0" lang="en-US" sz="2000" spc="-1" strike="noStrike">
+                <a:solidFill>
+                  <a:srgbClr val="00b0f0"/>
+                </a:solidFill>
+                <a:latin typeface="Consolas"/>
+                <a:ea typeface="DejaVu Sans"/>
+              </a:rPr>
+              <a:t>ZADD key [NX|XX] [GT|LT] [CH] [INCR] score member [score member ...]</a:t>
             </a:r>
             <a:endParaRPr b="0" lang="en-IN" sz="2000" spc="-1" strike="noStrike">
               <a:latin typeface="Arial"/>
             </a:endParaRPr>
           </a:p>
-          <a:p>
-            <a:pPr>
-              <a:lnSpc>
-                <a:spcPct val="100000"/>
-              </a:lnSpc>
-            </a:pPr>
-            <a:endParaRPr b="0" lang="en-IN" sz="2000" spc="-1" strike="noStrike">
-              <a:latin typeface="Arial"/>
-            </a:endParaRPr>
-          </a:p>
-          <a:p>
-            <a:pPr>
-              <a:lnSpc>
-                <a:spcPct val="100000"/>
-              </a:lnSpc>
-            </a:pPr>
-            <a:r>
-              <a:rPr b="1" lang="en-IN" sz="1800" spc="-1" strike="noStrike">
+        </p:txBody>
+      </p:sp>
+      <p:sp>
+        <p:nvSpPr>
+          <p:cNvPr id="357" name="CustomShape 4"/>
+          <p:cNvSpPr/>
+          <p:nvPr/>
+        </p:nvSpPr>
+        <p:spPr>
+          <a:xfrm>
+            <a:off x="288000" y="4039920"/>
+            <a:ext cx="11808000" cy="1735560"/>
+          </a:xfrm>
+          <a:prstGeom prst="rect">
+            <a:avLst/>
+          </a:prstGeom>
+          <a:noFill/>
+          <a:ln>
+            <a:noFill/>
+          </a:ln>
+        </p:spPr>
+        <p:style>
+          <a:lnRef idx="0"/>
+          <a:fillRef idx="0"/>
+          <a:effectRef idx="0"/>
+          <a:fontRef idx="minor"/>
+        </p:style>
+        <p:txBody>
+          <a:bodyPr lIns="90000" rIns="90000" tIns="45000" bIns="45000">
+            <a:spAutoFit/>
+          </a:bodyPr>
+          <a:p>
+            <a:pPr marL="285840" indent="-269280">
+              <a:lnSpc>
+                <a:spcPct val="150000"/>
+              </a:lnSpc>
+              <a:buClr>
+                <a:srgbClr val="808080"/>
+              </a:buClr>
+              <a:buFont typeface="Arial"/>
+              <a:buChar char="•"/>
+            </a:pPr>
+            <a:r>
+              <a:rPr b="0" lang="en-IN" sz="1800" spc="-1" strike="noStrike">
+                <a:solidFill>
+                  <a:srgbClr val="808080"/>
+                </a:solidFill>
+                <a:latin typeface="Consolas"/>
+                <a:ea typeface="SimSun"/>
+              </a:rPr>
+              <a:t>127.0.0.1:6379&gt;</a:t>
+            </a:r>
+            <a:r>
+              <a:rPr b="0" lang="en-IN" sz="1800" spc="-1" strike="noStrike">
                 <a:solidFill>
                   <a:srgbClr val="000000"/>
                 </a:solidFill>
-                <a:latin typeface="Arial"/>
-                <a:ea typeface="Open Sans"/>
-              </a:rPr>
-              <a:t>KEYS[1], KEYS[2], . . .  </a:t>
+                <a:latin typeface="Consolas"/>
+                <a:ea typeface="SimSun"/>
+              </a:rPr>
+              <a:t> </a:t>
+            </a:r>
+            <a:r>
+              <a:rPr b="0" lang="en-IN" sz="1800" spc="-1" strike="noStrike">
+                <a:solidFill>
+                  <a:srgbClr val="ff5733"/>
+                </a:solidFill>
+                <a:latin typeface="Consolas"/>
+                <a:ea typeface="SimSun"/>
+              </a:rPr>
+              <a:t>zadd zero 5 apple 2 orange 1 grapes 4 mango 3 watermellon 1 red 2 blueberry 1 pink 3 kiwi 3 white 2 coconut 2 apple 1 mango 4 tomato 5 cherry</a:t>
+            </a:r>
+            <a:endParaRPr b="0" lang="en-IN" sz="1800" spc="-1" strike="noStrike">
+              <a:latin typeface="Arial"/>
+            </a:endParaRPr>
+          </a:p>
+          <a:p>
+            <a:pPr marL="285840" indent="-269280">
+              <a:lnSpc>
+                <a:spcPct val="150000"/>
+              </a:lnSpc>
+              <a:buClr>
+                <a:srgbClr val="808080"/>
+              </a:buClr>
+              <a:buFont typeface="Arial"/>
+              <a:buChar char="•"/>
+            </a:pPr>
+            <a:r>
+              <a:rPr b="0" lang="en-IN" sz="1800" spc="-1" strike="noStrike">
+                <a:solidFill>
+                  <a:srgbClr val="808080"/>
+                </a:solidFill>
+                <a:latin typeface="Consolas"/>
+                <a:ea typeface="SimSun"/>
+              </a:rPr>
+              <a:t>127.0.0.1:6379&gt;</a:t>
             </a:r>
             <a:r>
               <a:rPr b="0" lang="en-IN" sz="1800" spc="-1" strike="noStrike">
                 <a:solidFill>
                   <a:srgbClr val="000000"/>
                 </a:solidFill>
-                <a:latin typeface="Arial"/>
-                <a:ea typeface="Open Sans"/>
-              </a:rPr>
-              <a:t>and</a:t>
-            </a:r>
-            <a:r>
-              <a:rPr b="1" lang="en-IN" sz="1800" spc="-1" strike="noStrike">
+                <a:latin typeface="Consolas"/>
+                <a:ea typeface="SimSun"/>
+              </a:rPr>
+              <a:t> </a:t>
+            </a:r>
+            <a:r>
+              <a:rPr b="0" lang="en-IN" sz="1800" spc="-1" strike="noStrike">
+                <a:solidFill>
+                  <a:srgbClr val="ff5733"/>
+                </a:solidFill>
+                <a:latin typeface="Consolas"/>
+                <a:ea typeface="SimSun"/>
+              </a:rPr>
+              <a:t>sinter point:1 point:2</a:t>
+            </a:r>
+            <a:endParaRPr b="0" lang="en-IN" sz="1800" spc="-1" strike="noStrike">
+              <a:latin typeface="Arial"/>
+            </a:endParaRPr>
+          </a:p>
+          <a:p>
+            <a:pPr marL="285840" indent="-269280">
+              <a:lnSpc>
+                <a:spcPct val="150000"/>
+              </a:lnSpc>
+              <a:buClr>
+                <a:srgbClr val="808080"/>
+              </a:buClr>
+              <a:buFont typeface="Arial"/>
+              <a:buChar char="•"/>
+            </a:pPr>
+            <a:r>
+              <a:rPr b="0" lang="en-IN" sz="1800" spc="-1" strike="noStrike">
+                <a:solidFill>
+                  <a:srgbClr val="808080"/>
+                </a:solidFill>
+                <a:latin typeface="Consolas"/>
+                <a:ea typeface="SimSun"/>
+              </a:rPr>
+              <a:t>127.0.0.1:6379&gt;</a:t>
+            </a:r>
+            <a:r>
+              <a:rPr b="0" lang="en-IN" sz="1800" spc="-1" strike="noStrike">
                 <a:solidFill>
                   <a:srgbClr val="000000"/>
                 </a:solidFill>
-                <a:latin typeface="Arial"/>
-                <a:ea typeface="Open Sans"/>
-              </a:rPr>
-              <a:t> ARGV[1], ARGV[2]</a:t>
-            </a:r>
-            <a:r>
-              <a:rPr b="0" lang="en-IN" sz="1800" spc="-1" strike="noStrike">
-                <a:solidFill>
-                  <a:srgbClr val="000000"/>
-                </a:solidFill>
-                <a:latin typeface="Arial"/>
-                <a:ea typeface="Open Sans"/>
-              </a:rPr>
-              <a:t>.</a:t>
-            </a:r>
-            <a:r>
-              <a:rPr b="1" lang="en-IN" sz="1800" spc="-1" strike="noStrike">
-                <a:solidFill>
-                  <a:srgbClr val="000000"/>
-                </a:solidFill>
-                <a:latin typeface="Arial"/>
-                <a:ea typeface="Open Sans"/>
-              </a:rPr>
-              <a:t>, . . . </a:t>
-            </a:r>
-            <a:r>
-              <a:rPr b="0" lang="en-IN" sz="1800" spc="-1" strike="noStrike">
-                <a:solidFill>
-                  <a:srgbClr val="000000"/>
-                </a:solidFill>
-                <a:latin typeface="Arial"/>
-                <a:ea typeface="Open Sans"/>
-              </a:rPr>
-              <a:t>must be in upper case.</a:t>
+                <a:latin typeface="Consolas"/>
+                <a:ea typeface="SimSun"/>
+              </a:rPr>
+              <a:t> </a:t>
+            </a:r>
+            <a:r>
+              <a:rPr b="0" lang="en-IN" sz="1800" spc="-1" strike="noStrike">
+                <a:solidFill>
+                  <a:srgbClr val="ff5733"/>
+                </a:solidFill>
+                <a:latin typeface="Consolas"/>
+                <a:ea typeface="SimSun"/>
+              </a:rPr>
+              <a:t>sdiff point:1 point:2</a:t>
             </a:r>
             <a:endParaRPr b="0" lang="en-IN" sz="1800" spc="-1" strike="noStrike">
               <a:latin typeface="Arial"/>
             </a:endParaRPr>
           </a:p>
         </p:txBody>
+      </p:sp>
+      <p:sp>
+        <p:nvSpPr>
+          <p:cNvPr id="358" name="Line 5"/>
+          <p:cNvSpPr/>
+          <p:nvPr/>
+        </p:nvSpPr>
+        <p:spPr>
+          <a:xfrm>
+            <a:off x="0" y="2850840"/>
+            <a:ext cx="12191760" cy="0"/>
+          </a:xfrm>
+          <a:prstGeom prst="line">
+            <a:avLst/>
+          </a:prstGeom>
+          <a:ln w="12600">
+            <a:solidFill>
+              <a:srgbClr val="6e78a0"/>
+            </a:solidFill>
+            <a:prstDash val="dash"/>
+            <a:round/>
+          </a:ln>
+        </p:spPr>
+        <p:style>
+          <a:lnRef idx="1">
+            <a:schemeClr val="accent1"/>
+          </a:lnRef>
+          <a:fillRef idx="0">
+            <a:schemeClr val="accent1"/>
+          </a:fillRef>
+          <a:effectRef idx="0">
+            <a:schemeClr val="accent1"/>
+          </a:effectRef>
+          <a:fontRef idx="minor"/>
+        </p:style>
       </p:sp>
     </p:spTree>
   </p:cSld>
@@ -32057,14 +31843,14 @@
       </p:grpSpPr>
       <p:sp>
         <p:nvSpPr>
-          <p:cNvPr id="360" name="CustomShape 1"/>
+          <p:cNvPr id="359" name="CustomShape 1"/>
           <p:cNvSpPr/>
           <p:nvPr/>
         </p:nvSpPr>
         <p:spPr>
           <a:xfrm>
-            <a:off x="216000" y="216000"/>
-            <a:ext cx="1939320" cy="424800"/>
+            <a:off x="1676520" y="2362320"/>
+            <a:ext cx="8822520" cy="912600"/>
           </a:xfrm>
           <a:prstGeom prst="rect">
             <a:avLst/>
@@ -32085,22 +31871,22 @@
             <a:spAutoFit/>
           </a:bodyPr>
           <a:p>
-            <a:pPr algn="just">
-              <a:lnSpc>
-                <a:spcPct val="100000"/>
-              </a:lnSpc>
-            </a:pPr>
-            <a:r>
-              <a:rPr b="0" lang="en-IN" sz="2200" spc="-1" strike="noStrike">
-                <a:solidFill>
-                  <a:srgbClr val="3e5d78"/>
-                </a:solidFill>
-                <a:latin typeface="Times New Roman"/>
-                <a:ea typeface="DejaVu Sans"/>
-              </a:rPr>
-              <a:t>Lua scripting</a:t>
-            </a:r>
-            <a:endParaRPr b="0" lang="en-IN" sz="2200" spc="-1" strike="noStrike">
+            <a:pPr algn="ctr">
+              <a:lnSpc>
+                <a:spcPct val="100000"/>
+              </a:lnSpc>
+            </a:pPr>
+            <a:r>
+              <a:rPr b="0" i="1" lang="en-IN" sz="5400" spc="-1" strike="noStrike">
+                <a:solidFill>
+                  <a:srgbClr val="f7c120"/>
+                </a:solidFill>
+                <a:latin typeface="Century"/>
+                <a:ea typeface="DejaVu Sans"/>
+              </a:rPr>
+              <a:t>redis EVAL script</a:t>
+            </a:r>
+            <a:endParaRPr b="0" lang="en-IN" sz="5400" spc="-1" strike="noStrike">
               <a:latin typeface="Arial"/>
             </a:endParaRPr>
           </a:p>
@@ -32108,116 +31894,14 @@
       </p:sp>
       <p:sp>
         <p:nvSpPr>
-          <p:cNvPr id="361" name="CustomShape 2"/>
+          <p:cNvPr id="360" name="CustomShape 2"/>
           <p:cNvSpPr/>
           <p:nvPr/>
         </p:nvSpPr>
         <p:spPr>
           <a:xfrm>
-            <a:off x="432720" y="1224000"/>
-            <a:ext cx="8347320" cy="363240"/>
-          </a:xfrm>
-          <a:prstGeom prst="rect">
-            <a:avLst/>
-          </a:prstGeom>
-          <a:noFill/>
-          <a:ln>
-            <a:noFill/>
-          </a:ln>
-        </p:spPr>
-        <p:style>
-          <a:lnRef idx="0"/>
-          <a:fillRef idx="0"/>
-          <a:effectRef idx="0"/>
-          <a:fontRef idx="minor"/>
-        </p:style>
-        <p:txBody>
-          <a:bodyPr lIns="0" rIns="0" tIns="0" bIns="0">
-            <a:noAutofit/>
-          </a:bodyPr>
-          <a:p>
-            <a:pPr>
-              <a:lnSpc>
-                <a:spcPct val="100000"/>
-              </a:lnSpc>
-            </a:pPr>
-            <a:r>
-              <a:rPr b="0" lang="en-US" sz="2200" spc="-1" strike="noStrike">
-                <a:solidFill>
-                  <a:srgbClr val="00b0f0"/>
-                </a:solidFill>
-                <a:latin typeface="Consolas"/>
-                <a:ea typeface="DejaVu Sans"/>
-              </a:rPr>
-              <a:t>EVAL script numkeys key [key ...] arg [arg ...]</a:t>
-            </a:r>
-            <a:endParaRPr b="0" lang="en-IN" sz="2200" spc="-1" strike="noStrike">
-              <a:latin typeface="Arial"/>
-            </a:endParaRPr>
-          </a:p>
-        </p:txBody>
-      </p:sp>
-      <p:sp>
-        <p:nvSpPr>
-          <p:cNvPr id="362" name="CustomShape 3"/>
-          <p:cNvSpPr/>
-          <p:nvPr/>
-        </p:nvSpPr>
-        <p:spPr>
-          <a:xfrm>
-            <a:off x="288000" y="1584000"/>
-            <a:ext cx="606960" cy="394920"/>
-          </a:xfrm>
-          <a:prstGeom prst="rect">
-            <a:avLst/>
-          </a:prstGeom>
-          <a:noFill/>
-          <a:ln>
-            <a:noFill/>
-          </a:ln>
-        </p:spPr>
-        <p:style>
-          <a:lnRef idx="0"/>
-          <a:fillRef idx="0"/>
-          <a:effectRef idx="0"/>
-          <a:fontRef idx="minor"/>
-        </p:style>
-        <p:txBody>
-          <a:bodyPr lIns="90000" rIns="90000" tIns="45000" bIns="45000">
-            <a:noAutofit/>
-          </a:bodyPr>
-          <a:p>
-            <a:pPr>
-              <a:lnSpc>
-                <a:spcPct val="100000"/>
-              </a:lnSpc>
-            </a:pPr>
-            <a:r>
-              <a:rPr b="1" lang="en-IN" sz="2200" spc="-1" strike="noStrike">
-                <a:solidFill>
-                  <a:srgbClr val="ff1744"/>
-                </a:solidFill>
-                <a:latin typeface="Times New Roman"/>
-                <a:ea typeface="DejaVu Sans"/>
-              </a:rPr>
-              <a:t>e.g.</a:t>
-            </a:r>
-            <a:endParaRPr b="0" lang="en-IN" sz="2200" spc="-1" strike="noStrike">
-              <a:latin typeface="Arial"/>
-            </a:endParaRPr>
-          </a:p>
-        </p:txBody>
-      </p:sp>
-      <p:sp>
-        <p:nvSpPr>
-          <p:cNvPr id="363" name="CustomShape 4"/>
-          <p:cNvSpPr/>
-          <p:nvPr/>
-        </p:nvSpPr>
-        <p:spPr>
-          <a:xfrm>
-            <a:off x="432720" y="2073600"/>
-            <a:ext cx="11083320" cy="4204440"/>
+            <a:off x="1666800" y="609480"/>
+            <a:ext cx="8822520" cy="394560"/>
           </a:xfrm>
           <a:prstGeom prst="rect">
             <a:avLst/>
@@ -32238,470 +31922,71 @@
             <a:spAutoFit/>
           </a:bodyPr>
           <a:p>
+            <a:pPr algn="just">
+              <a:lnSpc>
+                <a:spcPct val="100000"/>
+              </a:lnSpc>
+            </a:pPr>
+            <a:r>
+              <a:rPr b="0" lang="en-IN" sz="2000" spc="-1" strike="noStrike">
+                <a:solidFill>
+                  <a:srgbClr val="3e5d78"/>
+                </a:solidFill>
+                <a:latin typeface="Times New Roman"/>
+                <a:ea typeface="DejaVu Sans"/>
+              </a:rPr>
+              <a:t>Lua scripting</a:t>
+            </a:r>
+            <a:endParaRPr b="0" lang="en-IN" sz="2000" spc="-1" strike="noStrike">
+              <a:latin typeface="Arial"/>
+            </a:endParaRPr>
+          </a:p>
+        </p:txBody>
+      </p:sp>
+      <p:sp>
+        <p:nvSpPr>
+          <p:cNvPr id="361" name="CustomShape 3"/>
+          <p:cNvSpPr/>
+          <p:nvPr/>
+        </p:nvSpPr>
+        <p:spPr>
+          <a:xfrm>
+            <a:off x="522360" y="3531600"/>
+            <a:ext cx="11059560" cy="363960"/>
+          </a:xfrm>
+          <a:prstGeom prst="rect">
+            <a:avLst/>
+          </a:prstGeom>
+          <a:noFill/>
+          <a:ln>
+            <a:noFill/>
+          </a:ln>
+        </p:spPr>
+        <p:style>
+          <a:lnRef idx="0"/>
+          <a:fillRef idx="0"/>
+          <a:effectRef idx="0"/>
+          <a:fontRef idx="minor"/>
+        </p:style>
+        <p:txBody>
+          <a:bodyPr lIns="90000" rIns="90000" tIns="45000" bIns="45000">
+            <a:spAutoFit/>
+          </a:bodyPr>
+          <a:p>
             <a:pPr>
               <a:lnSpc>
-                <a:spcPct val="150000"/>
-              </a:lnSpc>
-            </a:pPr>
-            <a:r>
-              <a:rPr b="0" lang="en-IN" sz="1800" spc="-1" strike="noStrike">
-                <a:solidFill>
-                  <a:srgbClr val="808080"/>
-                </a:solidFill>
-                <a:latin typeface="Consolas"/>
-                <a:ea typeface="SimSun"/>
-              </a:rPr>
-              <a:t>127.0.0.1:6379</a:t>
-            </a:r>
-            <a:r>
-              <a:rPr b="1" lang="en-IN" sz="1800" spc="-1" strike="noStrike">
-                <a:solidFill>
-                  <a:srgbClr val="808080"/>
-                </a:solidFill>
-                <a:latin typeface="Consolas"/>
-                <a:ea typeface="SimSun"/>
-              </a:rPr>
-              <a:t>[5]</a:t>
-            </a:r>
-            <a:r>
-              <a:rPr b="0" lang="en-IN" sz="1800" spc="-1" strike="noStrike">
-                <a:solidFill>
-                  <a:srgbClr val="808080"/>
-                </a:solidFill>
-                <a:latin typeface="Consolas"/>
-                <a:ea typeface="SimSun"/>
-              </a:rPr>
-              <a:t>&gt;</a:t>
-            </a:r>
-            <a:r>
-              <a:rPr b="0" lang="en-IN" sz="1800" spc="-1" strike="noStrike">
-                <a:solidFill>
-                  <a:srgbClr val="000000"/>
-                </a:solidFill>
-                <a:latin typeface="Consolas"/>
-                <a:ea typeface="SimSun"/>
-              </a:rPr>
-              <a:t> </a:t>
-            </a:r>
-            <a:r>
-              <a:rPr b="0" lang="en-IN" sz="1800" spc="-1" strike="noStrike">
-                <a:solidFill>
-                  <a:srgbClr val="ff5733"/>
-                </a:solidFill>
-                <a:latin typeface="Consolas"/>
-                <a:ea typeface="SimSun"/>
-              </a:rPr>
-              <a:t>eval "return 'Hello World!' " 0</a:t>
-            </a:r>
-            <a:endParaRPr b="0" lang="en-IN" sz="1800" spc="-1" strike="noStrike">
-              <a:latin typeface="Arial"/>
-            </a:endParaRPr>
-          </a:p>
-          <a:p>
-            <a:pPr>
-              <a:lnSpc>
-                <a:spcPct val="150000"/>
-              </a:lnSpc>
-            </a:pPr>
-            <a:r>
-              <a:rPr b="0" lang="en-IN" sz="1800" spc="-1" strike="noStrike">
-                <a:solidFill>
-                  <a:srgbClr val="808080"/>
-                </a:solidFill>
-                <a:latin typeface="Consolas"/>
-                <a:ea typeface="SimSun"/>
-              </a:rPr>
-              <a:t>127.0.0.1:6379</a:t>
-            </a:r>
-            <a:r>
-              <a:rPr b="1" lang="en-IN" sz="1800" spc="-1" strike="noStrike">
-                <a:solidFill>
-                  <a:srgbClr val="808080"/>
-                </a:solidFill>
-                <a:latin typeface="Consolas"/>
-                <a:ea typeface="SimSun"/>
-              </a:rPr>
-              <a:t>[5]</a:t>
-            </a:r>
-            <a:r>
-              <a:rPr b="0" lang="en-IN" sz="1800" spc="-1" strike="noStrike">
-                <a:solidFill>
-                  <a:srgbClr val="808080"/>
-                </a:solidFill>
-                <a:latin typeface="Consolas"/>
-                <a:ea typeface="SimSun"/>
-              </a:rPr>
-              <a:t>&gt; </a:t>
-            </a:r>
-            <a:r>
-              <a:rPr b="0" lang="en-IN" sz="1800" spc="-1" strike="noStrike">
-                <a:solidFill>
-                  <a:srgbClr val="ff5733"/>
-                </a:solidFill>
-                <a:latin typeface="Consolas"/>
-                <a:ea typeface="SimSun"/>
-              </a:rPr>
-              <a:t>eval "local x = 'Hello World!' return x" 0</a:t>
-            </a:r>
-            <a:endParaRPr b="0" lang="en-IN" sz="1800" spc="-1" strike="noStrike">
-              <a:latin typeface="Arial"/>
-            </a:endParaRPr>
-          </a:p>
-          <a:p>
-            <a:pPr>
-              <a:lnSpc>
-                <a:spcPct val="150000"/>
-              </a:lnSpc>
-            </a:pPr>
-            <a:r>
-              <a:rPr b="0" lang="en-IN" sz="1800" spc="-1" strike="noStrike">
-                <a:solidFill>
-                  <a:srgbClr val="808080"/>
-                </a:solidFill>
-                <a:latin typeface="Consolas"/>
-                <a:ea typeface="SimSun"/>
-              </a:rPr>
-              <a:t>127.0.0.1:6379</a:t>
-            </a:r>
-            <a:r>
-              <a:rPr b="1" lang="en-IN" sz="1800" spc="-1" strike="noStrike">
-                <a:solidFill>
-                  <a:srgbClr val="808080"/>
-                </a:solidFill>
-                <a:latin typeface="Consolas"/>
-                <a:ea typeface="SimSun"/>
-              </a:rPr>
-              <a:t>[5]</a:t>
-            </a:r>
-            <a:r>
-              <a:rPr b="0" lang="en-IN" sz="1800" spc="-1" strike="noStrike">
-                <a:solidFill>
-                  <a:srgbClr val="808080"/>
-                </a:solidFill>
-                <a:latin typeface="Consolas"/>
-                <a:ea typeface="SimSun"/>
-              </a:rPr>
-              <a:t>&gt;</a:t>
-            </a:r>
-            <a:r>
-              <a:rPr b="0" lang="en-IN" sz="1800" spc="-1" strike="noStrike">
-                <a:solidFill>
-                  <a:srgbClr val="000000"/>
-                </a:solidFill>
-                <a:latin typeface="Consolas"/>
-                <a:ea typeface="SimSun"/>
-              </a:rPr>
-              <a:t> </a:t>
-            </a:r>
-            <a:r>
-              <a:rPr b="0" lang="en-IN" sz="1800" spc="-1" strike="noStrike">
-                <a:solidFill>
-                  <a:srgbClr val="ff5733"/>
-                </a:solidFill>
-                <a:latin typeface="Consolas"/>
-                <a:ea typeface="SimSun"/>
-              </a:rPr>
-              <a:t>eval "return redis.call('echo', 'Hello')" 0</a:t>
-            </a:r>
-            <a:endParaRPr b="0" lang="en-IN" sz="1800" spc="-1" strike="noStrike">
-              <a:latin typeface="Arial"/>
-            </a:endParaRPr>
-          </a:p>
-          <a:p>
-            <a:pPr>
-              <a:lnSpc>
-                <a:spcPct val="150000"/>
-              </a:lnSpc>
-            </a:pPr>
-            <a:r>
-              <a:rPr b="0" lang="en-IN" sz="1800" spc="-1" strike="noStrike">
-                <a:solidFill>
-                  <a:srgbClr val="808080"/>
-                </a:solidFill>
-                <a:latin typeface="Consolas"/>
-                <a:ea typeface="SimSun"/>
-              </a:rPr>
-              <a:t>127.0.0.1:6379</a:t>
-            </a:r>
-            <a:r>
-              <a:rPr b="1" lang="en-IN" sz="1800" spc="-1" strike="noStrike">
-                <a:solidFill>
-                  <a:srgbClr val="808080"/>
-                </a:solidFill>
-                <a:latin typeface="Consolas"/>
-                <a:ea typeface="SimSun"/>
-              </a:rPr>
-              <a:t>[5]</a:t>
-            </a:r>
-            <a:r>
-              <a:rPr b="0" lang="en-IN" sz="1800" spc="-1" strike="noStrike">
-                <a:solidFill>
-                  <a:srgbClr val="808080"/>
-                </a:solidFill>
-                <a:latin typeface="Consolas"/>
-                <a:ea typeface="SimSun"/>
-              </a:rPr>
-              <a:t>&gt;</a:t>
-            </a:r>
-            <a:r>
-              <a:rPr b="0" lang="en-IN" sz="1800" spc="-1" strike="noStrike">
-                <a:solidFill>
-                  <a:srgbClr val="000000"/>
-                </a:solidFill>
-                <a:latin typeface="Consolas"/>
-                <a:ea typeface="SimSun"/>
-              </a:rPr>
-              <a:t> </a:t>
-            </a:r>
-            <a:r>
-              <a:rPr b="0" lang="en-IN" sz="1800" spc="-1" strike="noStrike">
-                <a:solidFill>
-                  <a:srgbClr val="ff5733"/>
-                </a:solidFill>
-                <a:latin typeface="Consolas"/>
-                <a:ea typeface="SimSun"/>
-              </a:rPr>
-              <a:t>eval "return ARGV[1] + ARGV[2] + ARGV[3]" 0 3 3 4</a:t>
-            </a:r>
-            <a:endParaRPr b="0" lang="en-IN" sz="1800" spc="-1" strike="noStrike">
-              <a:latin typeface="Arial"/>
-            </a:endParaRPr>
-          </a:p>
-          <a:p>
-            <a:pPr>
-              <a:lnSpc>
-                <a:spcPct val="150000"/>
-              </a:lnSpc>
-            </a:pPr>
-            <a:r>
-              <a:rPr b="0" lang="en-IN" sz="1800" spc="-1" strike="noStrike">
-                <a:solidFill>
-                  <a:srgbClr val="808080"/>
-                </a:solidFill>
-                <a:latin typeface="Consolas"/>
-                <a:ea typeface="SimSun"/>
-              </a:rPr>
-              <a:t>127.0.0.1:6379</a:t>
-            </a:r>
-            <a:r>
-              <a:rPr b="1" lang="en-IN" sz="1800" spc="-1" strike="noStrike">
-                <a:solidFill>
-                  <a:srgbClr val="808080"/>
-                </a:solidFill>
-                <a:latin typeface="Consolas"/>
-                <a:ea typeface="SimSun"/>
-              </a:rPr>
-              <a:t>[5]</a:t>
-            </a:r>
-            <a:r>
-              <a:rPr b="0" lang="en-IN" sz="1800" spc="-1" strike="noStrike">
-                <a:solidFill>
-                  <a:srgbClr val="808080"/>
-                </a:solidFill>
-                <a:latin typeface="Consolas"/>
-                <a:ea typeface="SimSun"/>
-              </a:rPr>
-              <a:t>&gt;</a:t>
-            </a:r>
-            <a:r>
-              <a:rPr b="0" lang="en-IN" sz="1800" spc="-1" strike="noStrike">
-                <a:solidFill>
-                  <a:srgbClr val="000000"/>
-                </a:solidFill>
-                <a:latin typeface="Consolas"/>
-                <a:ea typeface="SimSun"/>
-              </a:rPr>
-              <a:t> </a:t>
-            </a:r>
-            <a:r>
-              <a:rPr b="0" lang="en-IN" sz="1800" spc="-1" strike="noStrike">
-                <a:solidFill>
-                  <a:srgbClr val="ff5733"/>
-                </a:solidFill>
-                <a:latin typeface="Consolas"/>
-                <a:ea typeface="SimSun"/>
-              </a:rPr>
-              <a:t>eval "return redis.call('keys', '*')" 0</a:t>
-            </a:r>
-            <a:endParaRPr b="0" lang="en-IN" sz="1800" spc="-1" strike="noStrike">
-              <a:latin typeface="Arial"/>
-            </a:endParaRPr>
-          </a:p>
-          <a:p>
-            <a:pPr>
-              <a:lnSpc>
-                <a:spcPct val="150000"/>
-              </a:lnSpc>
-            </a:pPr>
-            <a:r>
-              <a:rPr b="0" lang="en-IN" sz="1800" spc="-1" strike="noStrike">
-                <a:solidFill>
-                  <a:srgbClr val="808080"/>
-                </a:solidFill>
-                <a:latin typeface="Consolas"/>
-                <a:ea typeface="SimSun"/>
-              </a:rPr>
-              <a:t>127.0.0.1:6379</a:t>
-            </a:r>
-            <a:r>
-              <a:rPr b="1" lang="en-IN" sz="1800" spc="-1" strike="noStrike">
-                <a:solidFill>
-                  <a:srgbClr val="808080"/>
-                </a:solidFill>
-                <a:latin typeface="Consolas"/>
-                <a:ea typeface="SimSun"/>
-              </a:rPr>
-              <a:t>[5]</a:t>
-            </a:r>
-            <a:r>
-              <a:rPr b="0" lang="en-IN" sz="1800" spc="-1" strike="noStrike">
-                <a:solidFill>
-                  <a:srgbClr val="808080"/>
-                </a:solidFill>
-                <a:latin typeface="Consolas"/>
-                <a:ea typeface="SimSun"/>
-              </a:rPr>
-              <a:t>&gt;</a:t>
-            </a:r>
-            <a:r>
-              <a:rPr b="0" lang="en-IN" sz="1800" spc="-1" strike="noStrike">
-                <a:solidFill>
-                  <a:srgbClr val="000000"/>
-                </a:solidFill>
-                <a:latin typeface="Consolas"/>
-                <a:ea typeface="SimSun"/>
-              </a:rPr>
-              <a:t> </a:t>
-            </a:r>
-            <a:r>
-              <a:rPr b="0" lang="en-IN" sz="1800" spc="-1" strike="noStrike">
-                <a:solidFill>
-                  <a:srgbClr val="ff5733"/>
-                </a:solidFill>
-                <a:latin typeface="Consolas"/>
-                <a:ea typeface="SimSun"/>
-              </a:rPr>
-              <a:t>eval "local x=redis.call('keys','*') return x" 0</a:t>
-            </a:r>
-            <a:endParaRPr b="0" lang="en-IN" sz="1800" spc="-1" strike="noStrike">
-              <a:latin typeface="Arial"/>
-            </a:endParaRPr>
-          </a:p>
-          <a:p>
-            <a:pPr>
-              <a:lnSpc>
-                <a:spcPct val="150000"/>
-              </a:lnSpc>
-            </a:pPr>
-            <a:r>
-              <a:rPr b="0" lang="en-IN" sz="1800" spc="-1" strike="noStrike">
-                <a:solidFill>
-                  <a:srgbClr val="808080"/>
-                </a:solidFill>
-                <a:latin typeface="Consolas"/>
-                <a:ea typeface="SimSun"/>
-              </a:rPr>
-              <a:t>127.0.0.1:6379</a:t>
-            </a:r>
-            <a:r>
-              <a:rPr b="1" lang="en-IN" sz="1800" spc="-1" strike="noStrike">
-                <a:solidFill>
-                  <a:srgbClr val="808080"/>
-                </a:solidFill>
-                <a:latin typeface="Consolas"/>
-                <a:ea typeface="SimSun"/>
-              </a:rPr>
-              <a:t>[5]</a:t>
-            </a:r>
-            <a:r>
-              <a:rPr b="0" lang="en-IN" sz="1800" spc="-1" strike="noStrike">
-                <a:solidFill>
-                  <a:srgbClr val="808080"/>
-                </a:solidFill>
-                <a:latin typeface="Consolas"/>
-                <a:ea typeface="SimSun"/>
-              </a:rPr>
-              <a:t>&gt;</a:t>
-            </a:r>
-            <a:r>
-              <a:rPr b="0" lang="en-IN" sz="1800" spc="-1" strike="noStrike">
-                <a:solidFill>
-                  <a:srgbClr val="000000"/>
-                </a:solidFill>
-                <a:latin typeface="Consolas"/>
-                <a:ea typeface="SimSun"/>
-              </a:rPr>
-              <a:t> </a:t>
-            </a:r>
-            <a:r>
-              <a:rPr b="0" lang="en-IN" sz="1800" spc="-1" strike="noStrike">
-                <a:solidFill>
-                  <a:srgbClr val="ff5733"/>
-                </a:solidFill>
-                <a:latin typeface="Consolas"/>
-                <a:ea typeface="SimSun"/>
-              </a:rPr>
-              <a:t>eval "local x=redis.call('mget', KEYS[1], KEYS[2], KEYS[3]) return x" 3 a b c</a:t>
-            </a:r>
-            <a:endParaRPr b="0" lang="en-IN" sz="1800" spc="-1" strike="noStrike">
-              <a:latin typeface="Arial"/>
-            </a:endParaRPr>
-          </a:p>
-          <a:p>
-            <a:pPr>
-              <a:lnSpc>
-                <a:spcPct val="150000"/>
-              </a:lnSpc>
-            </a:pPr>
-            <a:r>
-              <a:rPr b="0" lang="en-IN" sz="1800" spc="-1" strike="noStrike">
-                <a:solidFill>
-                  <a:srgbClr val="808080"/>
-                </a:solidFill>
-                <a:latin typeface="Consolas"/>
-                <a:ea typeface="SimSun"/>
-              </a:rPr>
-              <a:t>127.0.0.1:6379</a:t>
-            </a:r>
-            <a:r>
-              <a:rPr b="1" lang="en-IN" sz="1800" spc="-1" strike="noStrike">
-                <a:solidFill>
-                  <a:srgbClr val="808080"/>
-                </a:solidFill>
-                <a:latin typeface="Consolas"/>
-                <a:ea typeface="SimSun"/>
-              </a:rPr>
-              <a:t>[5]</a:t>
-            </a:r>
-            <a:r>
-              <a:rPr b="0" lang="en-IN" sz="1800" spc="-1" strike="noStrike">
-                <a:solidFill>
-                  <a:srgbClr val="808080"/>
-                </a:solidFill>
-                <a:latin typeface="Consolas"/>
-                <a:ea typeface="SimSun"/>
-              </a:rPr>
-              <a:t>&gt;</a:t>
-            </a:r>
-            <a:r>
-              <a:rPr b="0" lang="en-IN" sz="1800" spc="-1" strike="noStrike">
-                <a:solidFill>
-                  <a:srgbClr val="000000"/>
-                </a:solidFill>
-                <a:latin typeface="Consolas"/>
-                <a:ea typeface="SimSun"/>
-              </a:rPr>
-              <a:t> </a:t>
-            </a:r>
-            <a:r>
-              <a:rPr b="0" lang="en-IN" sz="1800" spc="-1" strike="noStrike">
-                <a:solidFill>
-                  <a:srgbClr val="ff5733"/>
-                </a:solidFill>
-                <a:latin typeface="Consolas"/>
-                <a:ea typeface="SimSun"/>
-              </a:rPr>
-              <a:t>eval "return redis.call('mget', KEYS[1], KEYS[2], KEYS[3])" 3 a b c</a:t>
+                <a:spcPct val="100000"/>
+              </a:lnSpc>
+            </a:pPr>
+            <a:r>
+              <a:rPr b="0" lang="en-US" sz="1800" spc="-1" strike="noStrike">
+                <a:solidFill>
+                  <a:srgbClr val="bb0643"/>
+                </a:solidFill>
+                <a:latin typeface="Segoe UI"/>
+                <a:ea typeface="DejaVu Sans"/>
+              </a:rPr>
+              <a:t>TODO</a:t>
             </a:r>
             <a:endParaRPr b="0" lang="en-IN" sz="1800" spc="-1" strike="noStrike">
               <a:latin typeface="Arial"/>
@@ -32748,7 +32033,7 @@
         <p:spPr>
           <a:xfrm>
             <a:off x="1676520" y="2362320"/>
-            <a:ext cx="8823600" cy="912600"/>
+            <a:ext cx="8822520" cy="912600"/>
           </a:xfrm>
           <a:prstGeom prst="rect">
             <a:avLst/>
@@ -32799,7 +32084,7 @@
         <p:spPr>
           <a:xfrm>
             <a:off x="522360" y="3531600"/>
-            <a:ext cx="11060640" cy="363960"/>
+            <a:ext cx="11059560" cy="363960"/>
           </a:xfrm>
           <a:prstGeom prst="rect">
             <a:avLst/>
@@ -32873,14 +32158,14 @@
       </p:grpSpPr>
       <p:sp>
         <p:nvSpPr>
-          <p:cNvPr id="364" name="CustomShape 1"/>
+          <p:cNvPr id="362" name="CustomShape 1"/>
           <p:cNvSpPr/>
           <p:nvPr/>
         </p:nvSpPr>
         <p:spPr>
           <a:xfrm>
-            <a:off x="1365840" y="188640"/>
-            <a:ext cx="9667440" cy="2192400"/>
+            <a:off x="0" y="727200"/>
+            <a:ext cx="1938240" cy="424800"/>
           </a:xfrm>
           <a:prstGeom prst="rect">
             <a:avLst/>
@@ -32901,90 +32186,527 @@
             <a:spAutoFit/>
           </a:bodyPr>
           <a:p>
-            <a:pPr algn="ctr">
-              <a:lnSpc>
-                <a:spcPct val="100000"/>
-              </a:lnSpc>
-            </a:pPr>
-            <a:r>
-              <a:rPr b="0" lang="en-IN" sz="4000" spc="-1" strike="noStrike">
-                <a:solidFill>
-                  <a:srgbClr val="ff5733"/>
-                </a:solidFill>
-                <a:latin typeface="Segoe Print"/>
-                <a:ea typeface="DejaVu Sans"/>
-              </a:rPr>
-              <a:t>“</a:t>
-            </a:r>
-            <a:r>
-              <a:rPr b="0" lang="en-US" sz="4000" spc="-1" strike="noStrike">
-                <a:solidFill>
-                  <a:srgbClr val="ff5733"/>
-                </a:solidFill>
-                <a:latin typeface="Segoe Print"/>
-                <a:ea typeface="DejaVu Sans"/>
-              </a:rPr>
-              <a:t>Accept your past without regret, handle our present with confidence and face your future without fear.</a:t>
-            </a:r>
-            <a:r>
-              <a:rPr b="0" lang="en-IN" sz="4000" spc="-1" strike="noStrike">
-                <a:solidFill>
-                  <a:srgbClr val="ff5733"/>
-                </a:solidFill>
-                <a:latin typeface="Segoe Print"/>
-                <a:ea typeface="DejaVu Sans"/>
-              </a:rPr>
-              <a:t>”</a:t>
-            </a:r>
-            <a:endParaRPr b="0" lang="en-IN" sz="4000" spc="-1" strike="noStrike">
-              <a:latin typeface="Arial"/>
-            </a:endParaRPr>
-          </a:p>
-          <a:p>
-            <a:pPr algn="r">
-              <a:lnSpc>
-                <a:spcPct val="100000"/>
-              </a:lnSpc>
-            </a:pPr>
-            <a:r>
-              <a:rPr b="0" lang="en-IN" sz="1800" spc="-1" strike="noStrike">
-                <a:solidFill>
-                  <a:srgbClr val="111111"/>
-                </a:solidFill>
-                <a:latin typeface="-apple-system"/>
-                <a:ea typeface="DejaVu Sans"/>
-              </a:rPr>
-              <a:t>~ Dr. APJ. Abdul Kalam</a:t>
-            </a:r>
-            <a:endParaRPr b="0" lang="en-IN" sz="1800" spc="-1" strike="noStrike">
+            <a:pPr algn="just">
+              <a:lnSpc>
+                <a:spcPct val="100000"/>
+              </a:lnSpc>
+            </a:pPr>
+            <a:r>
+              <a:rPr b="0" lang="en-IN" sz="2200" spc="-1" strike="noStrike">
+                <a:solidFill>
+                  <a:srgbClr val="3e5d78"/>
+                </a:solidFill>
+                <a:latin typeface="Times New Roman"/>
+                <a:ea typeface="DejaVu Sans"/>
+              </a:rPr>
+              <a:t>Lua scripting</a:t>
+            </a:r>
+            <a:endParaRPr b="0" lang="en-IN" sz="2200" spc="-1" strike="noStrike">
               <a:latin typeface="Arial"/>
             </a:endParaRPr>
           </a:p>
         </p:txBody>
       </p:sp>
-      <p:pic>
-        <p:nvPicPr>
-          <p:cNvPr id="365" name="Picture 2" descr="http://www.bvctch.vn/vnt_upload/weblink/thks.jpg"/>
-          <p:cNvPicPr/>
+      <p:sp>
+        <p:nvSpPr>
+          <p:cNvPr id="363" name="CustomShape 2"/>
+          <p:cNvSpPr/>
           <p:nvPr/>
-        </p:nvPicPr>
-        <p:blipFill>
-          <a:blip r:embed="rId1"/>
-          <a:stretch/>
-        </p:blipFill>
-        <p:spPr>
-          <a:xfrm>
-            <a:off x="4404600" y="2036160"/>
-            <a:ext cx="3111120" cy="4647960"/>
+        </p:nvSpPr>
+        <p:spPr>
+          <a:xfrm>
+            <a:off x="288000" y="2061720"/>
+            <a:ext cx="11658240" cy="4051080"/>
           </a:xfrm>
           <a:prstGeom prst="rect">
             <a:avLst/>
           </a:prstGeom>
+          <a:noFill/>
           <a:ln>
             <a:noFill/>
           </a:ln>
         </p:spPr>
-      </p:pic>
+        <p:style>
+          <a:lnRef idx="0"/>
+          <a:fillRef idx="0"/>
+          <a:effectRef idx="0"/>
+          <a:fontRef idx="minor"/>
+        </p:style>
+        <p:txBody>
+          <a:bodyPr lIns="90000" rIns="90000" tIns="45000" bIns="45000">
+            <a:noAutofit/>
+          </a:bodyPr>
+          <a:p>
+            <a:pPr algn="just">
+              <a:lnSpc>
+                <a:spcPct val="100000"/>
+              </a:lnSpc>
+            </a:pPr>
+            <a:r>
+              <a:rPr b="1" lang="en-US" sz="2000" spc="-1" strike="noStrike">
+                <a:solidFill>
+                  <a:srgbClr val="000000"/>
+                </a:solidFill>
+                <a:latin typeface="Arial"/>
+                <a:ea typeface="DejaVu Sans"/>
+              </a:rPr>
+              <a:t>EVAL</a:t>
+            </a:r>
+            <a:r>
+              <a:rPr b="0" lang="en-IN" sz="2000" spc="-1" strike="noStrike">
+                <a:solidFill>
+                  <a:srgbClr val="000000"/>
+                </a:solidFill>
+                <a:latin typeface="Arial"/>
+                <a:ea typeface="DejaVu Sans"/>
+              </a:rPr>
+              <a:t> is used to evaluate scripts using the Lua interpreter built into Redis starting from version 2.6.0.</a:t>
+            </a:r>
+            <a:endParaRPr b="0" lang="en-IN" sz="2000" spc="-1" strike="noStrike">
+              <a:latin typeface="Arial"/>
+            </a:endParaRPr>
+          </a:p>
+          <a:p>
+            <a:pPr>
+              <a:lnSpc>
+                <a:spcPct val="100000"/>
+              </a:lnSpc>
+            </a:pPr>
+            <a:endParaRPr b="0" lang="en-IN" sz="2000" spc="-1" strike="noStrike">
+              <a:latin typeface="Arial"/>
+            </a:endParaRPr>
+          </a:p>
+          <a:p>
+            <a:pPr marL="216000" indent="-210240">
+              <a:lnSpc>
+                <a:spcPct val="100000"/>
+              </a:lnSpc>
+              <a:buClr>
+                <a:srgbClr val="000000"/>
+              </a:buClr>
+              <a:buSzPct val="45000"/>
+              <a:buFont typeface="Wingdings" charset="2"/>
+              <a:buChar char=""/>
+            </a:pPr>
+            <a:r>
+              <a:rPr b="1" lang="en-IN" sz="2000" spc="-1" strike="noStrike">
+                <a:solidFill>
+                  <a:srgbClr val="000000"/>
+                </a:solidFill>
+                <a:latin typeface="Arial"/>
+                <a:ea typeface="DejaVu Sans"/>
+              </a:rPr>
+              <a:t>The first argument of EVAL</a:t>
+            </a:r>
+            <a:r>
+              <a:rPr b="0" lang="en-IN" sz="2000" spc="-1" strike="noStrike">
+                <a:solidFill>
+                  <a:srgbClr val="000000"/>
+                </a:solidFill>
+                <a:latin typeface="Arial"/>
+                <a:ea typeface="DejaVu Sans"/>
+              </a:rPr>
+              <a:t> is a Lua 5.1 script. The script does not need to define a Lua function. It is just a Lua program that will run in the context of the Redis server.</a:t>
+            </a:r>
+            <a:endParaRPr b="0" lang="en-IN" sz="2000" spc="-1" strike="noStrike">
+              <a:latin typeface="Arial"/>
+            </a:endParaRPr>
+          </a:p>
+          <a:p>
+            <a:pPr>
+              <a:lnSpc>
+                <a:spcPct val="100000"/>
+              </a:lnSpc>
+            </a:pPr>
+            <a:endParaRPr b="0" lang="en-IN" sz="2000" spc="-1" strike="noStrike">
+              <a:latin typeface="Arial"/>
+            </a:endParaRPr>
+          </a:p>
+          <a:p>
+            <a:pPr marL="216000" indent="-210240">
+              <a:lnSpc>
+                <a:spcPct val="100000"/>
+              </a:lnSpc>
+              <a:buClr>
+                <a:srgbClr val="000000"/>
+              </a:buClr>
+              <a:buSzPct val="45000"/>
+              <a:buFont typeface="Wingdings" charset="2"/>
+              <a:buChar char=""/>
+            </a:pPr>
+            <a:r>
+              <a:rPr b="1" lang="en-IN" sz="2000" spc="-1" strike="noStrike">
+                <a:solidFill>
+                  <a:srgbClr val="000000"/>
+                </a:solidFill>
+                <a:latin typeface="Arial"/>
+                <a:ea typeface="DejaVu Sans"/>
+              </a:rPr>
+              <a:t>The second argument of EVAL</a:t>
+            </a:r>
+            <a:r>
+              <a:rPr b="0" lang="en-IN" sz="2000" spc="-1" strike="noStrike">
+                <a:solidFill>
+                  <a:srgbClr val="000000"/>
+                </a:solidFill>
+                <a:latin typeface="Arial"/>
+                <a:ea typeface="DejaVu Sans"/>
+              </a:rPr>
+              <a:t> is the number of arguments that follows the script (starting from the third argument) that represent Redis key names. The arguments can be accessed by Lua using the </a:t>
+            </a:r>
+            <a:r>
+              <a:rPr b="1" lang="en-IN" sz="2000" spc="-1" strike="noStrike">
+                <a:solidFill>
+                  <a:srgbClr val="000000"/>
+                </a:solidFill>
+                <a:latin typeface="Arial"/>
+                <a:ea typeface="DejaVu Sans"/>
+              </a:rPr>
+              <a:t>KEYS global variable</a:t>
+            </a:r>
+            <a:r>
+              <a:rPr b="0" lang="en-IN" sz="2000" spc="-1" strike="noStrike">
+                <a:solidFill>
+                  <a:srgbClr val="000000"/>
+                </a:solidFill>
+                <a:latin typeface="Arial"/>
+                <a:ea typeface="DejaVu Sans"/>
+              </a:rPr>
+              <a:t> in the form of a one-based array (so </a:t>
+            </a:r>
+            <a:r>
+              <a:rPr b="1" lang="en-IN" sz="2000" spc="-1" strike="noStrike">
+                <a:solidFill>
+                  <a:srgbClr val="000000"/>
+                </a:solidFill>
+                <a:latin typeface="Arial"/>
+                <a:ea typeface="DejaVu Sans"/>
+              </a:rPr>
+              <a:t>KEYS[1], KEYS[2], ...</a:t>
+            </a:r>
+            <a:r>
+              <a:rPr b="0" lang="en-IN" sz="2000" spc="-1" strike="noStrike">
+                <a:solidFill>
+                  <a:srgbClr val="000000"/>
+                </a:solidFill>
+                <a:latin typeface="Arial"/>
+                <a:ea typeface="DejaVu Sans"/>
+              </a:rPr>
+              <a:t>).</a:t>
+            </a:r>
+            <a:endParaRPr b="0" lang="en-IN" sz="2000" spc="-1" strike="noStrike">
+              <a:latin typeface="Arial"/>
+            </a:endParaRPr>
+          </a:p>
+          <a:p>
+            <a:pPr>
+              <a:lnSpc>
+                <a:spcPct val="100000"/>
+              </a:lnSpc>
+            </a:pPr>
+            <a:endParaRPr b="0" lang="en-IN" sz="2000" spc="-1" strike="noStrike">
+              <a:latin typeface="Arial"/>
+            </a:endParaRPr>
+          </a:p>
+          <a:p>
+            <a:pPr>
+              <a:lnSpc>
+                <a:spcPct val="100000"/>
+              </a:lnSpc>
+            </a:pPr>
+            <a:r>
+              <a:rPr b="0" lang="en-IN" sz="2000" spc="-1" strike="noStrike">
+                <a:solidFill>
+                  <a:srgbClr val="000000"/>
+                </a:solidFill>
+                <a:latin typeface="Arial"/>
+                <a:ea typeface="DejaVu Sans"/>
+              </a:rPr>
+              <a:t>All the additional arguments should not represent key names and can be accessed by Lua using the </a:t>
+            </a:r>
+            <a:r>
+              <a:rPr b="1" lang="en-IN" sz="2000" spc="-1" strike="noStrike">
+                <a:solidFill>
+                  <a:srgbClr val="000000"/>
+                </a:solidFill>
+                <a:latin typeface="Arial"/>
+                <a:ea typeface="DejaVu Sans"/>
+              </a:rPr>
+              <a:t>ARGV global variable</a:t>
+            </a:r>
+            <a:r>
+              <a:rPr b="0" lang="en-IN" sz="2000" spc="-1" strike="noStrike">
+                <a:solidFill>
+                  <a:srgbClr val="000000"/>
+                </a:solidFill>
+                <a:latin typeface="Arial"/>
+                <a:ea typeface="DejaVu Sans"/>
+              </a:rPr>
+              <a:t>, very similarly to what happens with keys (so </a:t>
+            </a:r>
+            <a:r>
+              <a:rPr b="1" lang="en-IN" sz="2000" spc="-1" strike="noStrike">
+                <a:solidFill>
+                  <a:srgbClr val="000000"/>
+                </a:solidFill>
+                <a:latin typeface="Arial"/>
+                <a:ea typeface="DejaVu Sans"/>
+              </a:rPr>
+              <a:t>ARGV[1], ARGV[2], ...</a:t>
+            </a:r>
+            <a:r>
+              <a:rPr b="0" lang="en-IN" sz="2000" spc="-1" strike="noStrike">
+                <a:solidFill>
+                  <a:srgbClr val="000000"/>
+                </a:solidFill>
+                <a:latin typeface="Arial"/>
+                <a:ea typeface="DejaVu Sans"/>
+              </a:rPr>
+              <a:t>).</a:t>
+            </a:r>
+            <a:endParaRPr b="0" lang="en-IN" sz="2000" spc="-1" strike="noStrike">
+              <a:latin typeface="Arial"/>
+            </a:endParaRPr>
+          </a:p>
+        </p:txBody>
+      </p:sp>
+      <p:sp>
+        <p:nvSpPr>
+          <p:cNvPr id="364" name="CustomShape 3"/>
+          <p:cNvSpPr/>
+          <p:nvPr/>
+        </p:nvSpPr>
+        <p:spPr>
+          <a:xfrm>
+            <a:off x="248400" y="0"/>
+            <a:ext cx="11696040" cy="699120"/>
+          </a:xfrm>
+          <a:prstGeom prst="rect">
+            <a:avLst/>
+          </a:prstGeom>
+          <a:solidFill>
+            <a:schemeClr val="accent6">
+              <a:lumMod val="75000"/>
+            </a:schemeClr>
+          </a:solidFill>
+          <a:ln>
+            <a:noFill/>
+          </a:ln>
+        </p:spPr>
+        <p:style>
+          <a:lnRef idx="0"/>
+          <a:fillRef idx="0"/>
+          <a:effectRef idx="0"/>
+          <a:fontRef idx="minor"/>
+        </p:style>
+        <p:txBody>
+          <a:bodyPr lIns="90000" rIns="90000" tIns="45000" bIns="45000">
+            <a:spAutoFit/>
+          </a:bodyPr>
+          <a:p>
+            <a:pPr algn="ctr">
+              <a:lnSpc>
+                <a:spcPct val="100000"/>
+              </a:lnSpc>
+            </a:pPr>
+            <a:r>
+              <a:rPr b="0" lang="en-IN" sz="4000" spc="-1" strike="noStrike">
+                <a:solidFill>
+                  <a:srgbClr val="f7c120"/>
+                </a:solidFill>
+                <a:latin typeface="Open Sans"/>
+                <a:ea typeface="DejaVu Sans"/>
+              </a:rPr>
+              <a:t>Introduction to EVAL</a:t>
+            </a:r>
+            <a:endParaRPr b="0" lang="en-IN" sz="4000" spc="-1" strike="noStrike">
+              <a:latin typeface="Arial"/>
+            </a:endParaRPr>
+          </a:p>
+        </p:txBody>
+      </p:sp>
+      <p:sp>
+        <p:nvSpPr>
+          <p:cNvPr id="365" name="CustomShape 4"/>
+          <p:cNvSpPr/>
+          <p:nvPr/>
+        </p:nvSpPr>
+        <p:spPr>
+          <a:xfrm>
+            <a:off x="576000" y="1504080"/>
+            <a:ext cx="8346240" cy="362160"/>
+          </a:xfrm>
+          <a:prstGeom prst="rect">
+            <a:avLst/>
+          </a:prstGeom>
+          <a:noFill/>
+          <a:ln>
+            <a:noFill/>
+          </a:ln>
+        </p:spPr>
+        <p:style>
+          <a:lnRef idx="0"/>
+          <a:fillRef idx="0"/>
+          <a:effectRef idx="0"/>
+          <a:fontRef idx="minor"/>
+        </p:style>
+        <p:txBody>
+          <a:bodyPr lIns="0" rIns="0" tIns="0" bIns="0">
+            <a:noAutofit/>
+          </a:bodyPr>
+          <a:p>
+            <a:pPr>
+              <a:lnSpc>
+                <a:spcPct val="100000"/>
+              </a:lnSpc>
+            </a:pPr>
+            <a:r>
+              <a:rPr b="0" lang="en-US" sz="2200" spc="-1" strike="noStrike">
+                <a:solidFill>
+                  <a:srgbClr val="00b0f0"/>
+                </a:solidFill>
+                <a:latin typeface="Consolas"/>
+                <a:ea typeface="DejaVu Sans"/>
+              </a:rPr>
+              <a:t>EVAL script numkeys key [key ...] arg [arg ...]</a:t>
+            </a:r>
+            <a:endParaRPr b="0" lang="en-IN" sz="2200" spc="-1" strike="noStrike">
+              <a:latin typeface="Arial"/>
+            </a:endParaRPr>
+          </a:p>
+        </p:txBody>
+      </p:sp>
+      <p:sp>
+        <p:nvSpPr>
+          <p:cNvPr id="366" name="CustomShape 5"/>
+          <p:cNvSpPr/>
+          <p:nvPr/>
+        </p:nvSpPr>
+        <p:spPr>
+          <a:xfrm>
+            <a:off x="288000" y="5543280"/>
+            <a:ext cx="10830240" cy="1002960"/>
+          </a:xfrm>
+          <a:prstGeom prst="rect">
+            <a:avLst/>
+          </a:prstGeom>
+          <a:noFill/>
+          <a:ln>
+            <a:noFill/>
+          </a:ln>
+        </p:spPr>
+        <p:style>
+          <a:lnRef idx="0"/>
+          <a:fillRef idx="0"/>
+          <a:effectRef idx="0"/>
+          <a:fontRef idx="minor"/>
+        </p:style>
+        <p:txBody>
+          <a:bodyPr lIns="90000" rIns="90000" tIns="45000" bIns="45000">
+            <a:noAutofit/>
+          </a:bodyPr>
+          <a:p>
+            <a:pPr>
+              <a:lnSpc>
+                <a:spcPct val="100000"/>
+              </a:lnSpc>
+            </a:pPr>
+            <a:r>
+              <a:rPr b="1" lang="en-IN" sz="2000" spc="-1" strike="noStrike">
+                <a:solidFill>
+                  <a:srgbClr val="c00000"/>
+                </a:solidFill>
+                <a:latin typeface="Open Sans"/>
+                <a:ea typeface="Open Sans"/>
+              </a:rPr>
+              <a:t>Note:</a:t>
+            </a:r>
+            <a:endParaRPr b="0" lang="en-IN" sz="2000" spc="-1" strike="noStrike">
+              <a:latin typeface="Arial"/>
+            </a:endParaRPr>
+          </a:p>
+          <a:p>
+            <a:pPr>
+              <a:lnSpc>
+                <a:spcPct val="100000"/>
+              </a:lnSpc>
+            </a:pPr>
+            <a:endParaRPr b="0" lang="en-IN" sz="2000" spc="-1" strike="noStrike">
+              <a:latin typeface="Arial"/>
+            </a:endParaRPr>
+          </a:p>
+          <a:p>
+            <a:pPr>
+              <a:lnSpc>
+                <a:spcPct val="100000"/>
+              </a:lnSpc>
+            </a:pPr>
+            <a:r>
+              <a:rPr b="1" lang="en-IN" sz="1800" spc="-1" strike="noStrike">
+                <a:solidFill>
+                  <a:srgbClr val="000000"/>
+                </a:solidFill>
+                <a:latin typeface="Arial"/>
+                <a:ea typeface="Open Sans"/>
+              </a:rPr>
+              <a:t>KEYS[1], KEYS[2], . . .  </a:t>
+            </a:r>
+            <a:r>
+              <a:rPr b="0" lang="en-IN" sz="1800" spc="-1" strike="noStrike">
+                <a:solidFill>
+                  <a:srgbClr val="000000"/>
+                </a:solidFill>
+                <a:latin typeface="Arial"/>
+                <a:ea typeface="Open Sans"/>
+              </a:rPr>
+              <a:t>and</a:t>
+            </a:r>
+            <a:r>
+              <a:rPr b="1" lang="en-IN" sz="1800" spc="-1" strike="noStrike">
+                <a:solidFill>
+                  <a:srgbClr val="000000"/>
+                </a:solidFill>
+                <a:latin typeface="Arial"/>
+                <a:ea typeface="Open Sans"/>
+              </a:rPr>
+              <a:t> ARGV[1], ARGV[2]</a:t>
+            </a:r>
+            <a:r>
+              <a:rPr b="0" lang="en-IN" sz="1800" spc="-1" strike="noStrike">
+                <a:solidFill>
+                  <a:srgbClr val="000000"/>
+                </a:solidFill>
+                <a:latin typeface="Arial"/>
+                <a:ea typeface="Open Sans"/>
+              </a:rPr>
+              <a:t>.</a:t>
+            </a:r>
+            <a:r>
+              <a:rPr b="1" lang="en-IN" sz="1800" spc="-1" strike="noStrike">
+                <a:solidFill>
+                  <a:srgbClr val="000000"/>
+                </a:solidFill>
+                <a:latin typeface="Arial"/>
+                <a:ea typeface="Open Sans"/>
+              </a:rPr>
+              <a:t>, . . . </a:t>
+            </a:r>
+            <a:r>
+              <a:rPr b="0" lang="en-IN" sz="1800" spc="-1" strike="noStrike">
+                <a:solidFill>
+                  <a:srgbClr val="000000"/>
+                </a:solidFill>
+                <a:latin typeface="Arial"/>
+                <a:ea typeface="Open Sans"/>
+              </a:rPr>
+              <a:t>must be in upper case.</a:t>
+            </a:r>
+            <a:endParaRPr b="0" lang="en-IN" sz="1800" spc="-1" strike="noStrike">
+              <a:latin typeface="Arial"/>
+            </a:endParaRPr>
+          </a:p>
+        </p:txBody>
+      </p:sp>
     </p:spTree>
   </p:cSld>
   <mc:AlternateContent>
@@ -33017,14 +32739,116 @@
       </p:grpSpPr>
       <p:sp>
         <p:nvSpPr>
-          <p:cNvPr id="366" name="CustomShape 1"/>
+          <p:cNvPr id="367" name="CustomShape 1"/>
           <p:cNvSpPr/>
           <p:nvPr/>
         </p:nvSpPr>
         <p:spPr>
           <a:xfrm>
-            <a:off x="474480" y="2448000"/>
-            <a:ext cx="10392120" cy="2388960"/>
+            <a:off x="216000" y="216000"/>
+            <a:ext cx="1938240" cy="424800"/>
+          </a:xfrm>
+          <a:prstGeom prst="rect">
+            <a:avLst/>
+          </a:prstGeom>
+          <a:noFill/>
+          <a:ln>
+            <a:noFill/>
+          </a:ln>
+        </p:spPr>
+        <p:style>
+          <a:lnRef idx="0"/>
+          <a:fillRef idx="0"/>
+          <a:effectRef idx="0"/>
+          <a:fontRef idx="minor"/>
+        </p:style>
+        <p:txBody>
+          <a:bodyPr lIns="90000" rIns="90000" tIns="45000" bIns="45000">
+            <a:spAutoFit/>
+          </a:bodyPr>
+          <a:p>
+            <a:pPr algn="just">
+              <a:lnSpc>
+                <a:spcPct val="100000"/>
+              </a:lnSpc>
+            </a:pPr>
+            <a:r>
+              <a:rPr b="0" lang="en-IN" sz="2200" spc="-1" strike="noStrike">
+                <a:solidFill>
+                  <a:srgbClr val="3e5d78"/>
+                </a:solidFill>
+                <a:latin typeface="Times New Roman"/>
+                <a:ea typeface="DejaVu Sans"/>
+              </a:rPr>
+              <a:t>Lua scripting</a:t>
+            </a:r>
+            <a:endParaRPr b="0" lang="en-IN" sz="2200" spc="-1" strike="noStrike">
+              <a:latin typeface="Arial"/>
+            </a:endParaRPr>
+          </a:p>
+        </p:txBody>
+      </p:sp>
+      <p:sp>
+        <p:nvSpPr>
+          <p:cNvPr id="368" name="CustomShape 2"/>
+          <p:cNvSpPr/>
+          <p:nvPr/>
+        </p:nvSpPr>
+        <p:spPr>
+          <a:xfrm>
+            <a:off x="432720" y="1224000"/>
+            <a:ext cx="8346240" cy="362160"/>
+          </a:xfrm>
+          <a:prstGeom prst="rect">
+            <a:avLst/>
+          </a:prstGeom>
+          <a:noFill/>
+          <a:ln>
+            <a:noFill/>
+          </a:ln>
+        </p:spPr>
+        <p:style>
+          <a:lnRef idx="0"/>
+          <a:fillRef idx="0"/>
+          <a:effectRef idx="0"/>
+          <a:fontRef idx="minor"/>
+        </p:style>
+        <p:txBody>
+          <a:bodyPr lIns="0" rIns="0" tIns="0" bIns="0">
+            <a:noAutofit/>
+          </a:bodyPr>
+          <a:p>
+            <a:pPr>
+              <a:lnSpc>
+                <a:spcPct val="100000"/>
+              </a:lnSpc>
+            </a:pPr>
+            <a:r>
+              <a:rPr b="0" lang="en-US" sz="2200" spc="-1" strike="noStrike">
+                <a:solidFill>
+                  <a:srgbClr val="00b0f0"/>
+                </a:solidFill>
+                <a:latin typeface="Consolas"/>
+                <a:ea typeface="DejaVu Sans"/>
+              </a:rPr>
+              <a:t>EVAL script numkeys key [key ...] arg [arg ...]</a:t>
+            </a:r>
+            <a:endParaRPr b="0" lang="en-IN" sz="2200" spc="-1" strike="noStrike">
+              <a:latin typeface="Arial"/>
+            </a:endParaRPr>
+          </a:p>
+        </p:txBody>
+      </p:sp>
+      <p:sp>
+        <p:nvSpPr>
+          <p:cNvPr id="369" name="CustomShape 3"/>
+          <p:cNvSpPr/>
+          <p:nvPr/>
+        </p:nvSpPr>
+        <p:spPr>
+          <a:xfrm>
+            <a:off x="288000" y="1584000"/>
+            <a:ext cx="605880" cy="393840"/>
           </a:xfrm>
           <a:prstGeom prst="rect">
             <a:avLst/>
@@ -33051,156 +32875,16 @@
               </a:lnSpc>
             </a:pPr>
             <a:r>
-              <a:rPr b="0" lang="en-IN" sz="1800" spc="-1" strike="noStrike">
-                <a:solidFill>
-                  <a:srgbClr val="000000"/>
-                </a:solidFill>
-                <a:latin typeface="Arial"/>
-                <a:ea typeface="DejaVu Sans"/>
-              </a:rPr>
-              <a:t>The INFO command returns information and statistics about the server in a format that is simple to parse by computers and easy to read by humans. </a:t>
-            </a:r>
-            <a:endParaRPr b="0" lang="en-IN" sz="1800" spc="-1" strike="noStrike">
-              <a:latin typeface="Arial"/>
-            </a:endParaRPr>
-          </a:p>
-          <a:p>
-            <a:pPr>
-              <a:lnSpc>
-                <a:spcPct val="100000"/>
-              </a:lnSpc>
-            </a:pPr>
-            <a:endParaRPr b="0" lang="en-IN" sz="1800" spc="-1" strike="noStrike">
-              <a:latin typeface="Arial"/>
-            </a:endParaRPr>
-          </a:p>
-          <a:p>
-            <a:pPr marL="216000" indent="-210600">
-              <a:lnSpc>
-                <a:spcPct val="100000"/>
-              </a:lnSpc>
-              <a:buClr>
-                <a:srgbClr val="000000"/>
-              </a:buClr>
-              <a:buSzPct val="45000"/>
-              <a:buFont typeface="Wingdings" charset="2"/>
-              <a:buChar char=""/>
-            </a:pPr>
-            <a:r>
-              <a:rPr b="0" lang="en-IN" sz="1800" spc="-1" strike="noStrike">
-                <a:solidFill>
-                  <a:srgbClr val="000000"/>
-                </a:solidFill>
-                <a:latin typeface="Arial"/>
-                <a:ea typeface="DejaVu Sans"/>
-              </a:rPr>
-              <a:t>info server</a:t>
-            </a:r>
-            <a:endParaRPr b="0" lang="en-IN" sz="1800" spc="-1" strike="noStrike">
-              <a:latin typeface="Arial"/>
-            </a:endParaRPr>
-          </a:p>
-          <a:p>
-            <a:pPr marL="216000" indent="-210600">
-              <a:lnSpc>
-                <a:spcPct val="100000"/>
-              </a:lnSpc>
-              <a:buClr>
-                <a:srgbClr val="000000"/>
-              </a:buClr>
-              <a:buSzPct val="45000"/>
-              <a:buFont typeface="Wingdings" charset="2"/>
-              <a:buChar char=""/>
-            </a:pPr>
-            <a:r>
-              <a:rPr b="0" lang="en-IN" sz="1800" spc="-1" strike="noStrike">
-                <a:solidFill>
-                  <a:srgbClr val="000000"/>
-                </a:solidFill>
-                <a:latin typeface="Arial"/>
-                <a:ea typeface="DejaVu Sans"/>
-              </a:rPr>
-              <a:t>info clients</a:t>
-            </a:r>
-            <a:endParaRPr b="0" lang="en-IN" sz="1800" spc="-1" strike="noStrike">
-              <a:latin typeface="Arial"/>
-            </a:endParaRPr>
-          </a:p>
-          <a:p>
-            <a:pPr marL="216000" indent="-210600">
-              <a:lnSpc>
-                <a:spcPct val="100000"/>
-              </a:lnSpc>
-              <a:buClr>
-                <a:srgbClr val="000000"/>
-              </a:buClr>
-              <a:buSzPct val="45000"/>
-              <a:buFont typeface="Wingdings" charset="2"/>
-              <a:buChar char=""/>
-            </a:pPr>
-            <a:r>
-              <a:rPr b="0" lang="en-IN" sz="1800" spc="-1" strike="noStrike">
-                <a:solidFill>
-                  <a:srgbClr val="000000"/>
-                </a:solidFill>
-                <a:latin typeface="Arial"/>
-                <a:ea typeface="DejaVu Sans"/>
-              </a:rPr>
-              <a:t>info Keyspace</a:t>
-            </a:r>
-            <a:endParaRPr b="0" lang="en-IN" sz="1800" spc="-1" strike="noStrike">
-              <a:latin typeface="Arial"/>
-            </a:endParaRPr>
-          </a:p>
-          <a:p>
-            <a:pPr marL="216000" indent="-210600">
-              <a:lnSpc>
-                <a:spcPct val="100000"/>
-              </a:lnSpc>
-              <a:buClr>
-                <a:srgbClr val="000000"/>
-              </a:buClr>
-              <a:buSzPct val="45000"/>
-              <a:buFont typeface="Wingdings" charset="2"/>
-              <a:buChar char=""/>
-            </a:pPr>
-            <a:r>
-              <a:rPr b="0" lang="en-IN" sz="1800" spc="-1" strike="noStrike">
-                <a:solidFill>
-                  <a:srgbClr val="000000"/>
-                </a:solidFill>
-                <a:latin typeface="Arial"/>
-                <a:ea typeface="DejaVu Sans"/>
-              </a:rPr>
-              <a:t>info modules</a:t>
-            </a:r>
-            <a:endParaRPr b="0" lang="en-IN" sz="1800" spc="-1" strike="noStrike">
-              <a:latin typeface="Arial"/>
-            </a:endParaRPr>
-          </a:p>
-          <a:p>
-            <a:pPr marL="216000" indent="-210600">
-              <a:lnSpc>
-                <a:spcPct val="100000"/>
-              </a:lnSpc>
-              <a:buClr>
-                <a:srgbClr val="000000"/>
-              </a:buClr>
-              <a:buSzPct val="45000"/>
-              <a:buFont typeface="Wingdings" charset="2"/>
-              <a:buChar char=""/>
-            </a:pPr>
-            <a:r>
-              <a:rPr b="0" lang="en-IN" sz="1800" spc="-1" strike="noStrike">
-                <a:solidFill>
-                  <a:srgbClr val="000000"/>
-                </a:solidFill>
-                <a:latin typeface="Arial"/>
-                <a:ea typeface="DejaVu Sans"/>
-              </a:rPr>
-              <a:t>info all</a:t>
-            </a:r>
-            <a:endParaRPr b="0" lang="en-IN" sz="1800" spc="-1" strike="noStrike">
+              <a:rPr b="1" lang="en-IN" sz="2200" spc="-1" strike="noStrike">
+                <a:solidFill>
+                  <a:srgbClr val="ff1744"/>
+                </a:solidFill>
+                <a:latin typeface="Times New Roman"/>
+                <a:ea typeface="DejaVu Sans"/>
+              </a:rPr>
+              <a:t>e.g.</a:t>
+            </a:r>
+            <a:endParaRPr b="0" lang="en-IN" sz="2200" spc="-1" strike="noStrike">
               <a:latin typeface="Arial"/>
             </a:endParaRPr>
           </a:p>
@@ -33208,14 +32892,14 @@
       </p:sp>
       <p:sp>
         <p:nvSpPr>
-          <p:cNvPr id="367" name="CustomShape 2"/>
+          <p:cNvPr id="370" name="CustomShape 4"/>
           <p:cNvSpPr/>
           <p:nvPr/>
         </p:nvSpPr>
         <p:spPr>
           <a:xfrm>
-            <a:off x="363600" y="193320"/>
-            <a:ext cx="4239000" cy="593280"/>
+            <a:off x="432720" y="2073600"/>
+            <a:ext cx="11082240" cy="4204440"/>
           </a:xfrm>
           <a:prstGeom prst="rect">
             <a:avLst/>
@@ -33233,23 +32917,63 @@
         </p:style>
         <p:txBody>
           <a:bodyPr lIns="90000" rIns="90000" tIns="45000" bIns="45000">
-            <a:noAutofit/>
+            <a:spAutoFit/>
           </a:bodyPr>
           <a:p>
             <a:pPr>
               <a:lnSpc>
-                <a:spcPct val="100000"/>
-              </a:lnSpc>
-            </a:pPr>
+                <a:spcPct val="150000"/>
+              </a:lnSpc>
+            </a:pPr>
+            <a:r>
+              <a:rPr b="0" lang="en-IN" sz="1800" spc="-1" strike="noStrike">
+                <a:solidFill>
+                  <a:srgbClr val="808080"/>
+                </a:solidFill>
+                <a:latin typeface="Consolas"/>
+                <a:ea typeface="SimSun"/>
+              </a:rPr>
+              <a:t>127.0.0.1:6379</a:t>
+            </a:r>
+            <a:r>
+              <a:rPr b="1" lang="en-IN" sz="1800" spc="-1" strike="noStrike">
+                <a:solidFill>
+                  <a:srgbClr val="808080"/>
+                </a:solidFill>
+                <a:latin typeface="Consolas"/>
+                <a:ea typeface="SimSun"/>
+              </a:rPr>
+              <a:t>[5]</a:t>
+            </a:r>
+            <a:r>
+              <a:rPr b="0" lang="en-IN" sz="1800" spc="-1" strike="noStrike">
+                <a:solidFill>
+                  <a:srgbClr val="808080"/>
+                </a:solidFill>
+                <a:latin typeface="Consolas"/>
+                <a:ea typeface="SimSun"/>
+              </a:rPr>
+              <a:t>&gt;</a:t>
+            </a:r>
             <a:r>
               <a:rPr b="0" lang="en-IN" sz="1800" spc="-1" strike="noStrike">
                 <a:solidFill>
                   <a:srgbClr val="000000"/>
                 </a:solidFill>
-                <a:latin typeface="Arial"/>
-                <a:ea typeface="DejaVu Sans"/>
-              </a:rPr>
-              <a:t>SAVE</a:t>
+                <a:latin typeface="Consolas"/>
+                <a:ea typeface="SimSun"/>
+              </a:rPr>
+              <a:t> </a:t>
+            </a:r>
+            <a:r>
+              <a:rPr b="0" lang="en-IN" sz="1800" spc="-1" strike="noStrike">
+                <a:solidFill>
+                  <a:srgbClr val="ff5733"/>
+                </a:solidFill>
+                <a:latin typeface="Consolas"/>
+                <a:ea typeface="SimSun"/>
+              </a:rPr>
+              <a:t>eval "return 'Hello World!' " 0</a:t>
             </a:r>
             <a:endParaRPr b="0" lang="en-IN" sz="1800" spc="-1" strike="noStrike">
               <a:latin typeface="Arial"/>
@@ -33258,132 +32982,408 @@
           <a:p>
             <a:pPr>
               <a:lnSpc>
-                <a:spcPct val="100000"/>
-              </a:lnSpc>
-            </a:pPr>
+                <a:spcPct val="150000"/>
+              </a:lnSpc>
+            </a:pPr>
+            <a:r>
+              <a:rPr b="0" lang="en-IN" sz="1800" spc="-1" strike="noStrike">
+                <a:solidFill>
+                  <a:srgbClr val="808080"/>
+                </a:solidFill>
+                <a:latin typeface="Consolas"/>
+                <a:ea typeface="SimSun"/>
+              </a:rPr>
+              <a:t>127.0.0.1:6379</a:t>
+            </a:r>
+            <a:r>
+              <a:rPr b="1" lang="en-IN" sz="1800" spc="-1" strike="noStrike">
+                <a:solidFill>
+                  <a:srgbClr val="808080"/>
+                </a:solidFill>
+                <a:latin typeface="Consolas"/>
+                <a:ea typeface="SimSun"/>
+              </a:rPr>
+              <a:t>[5]</a:t>
+            </a:r>
+            <a:r>
+              <a:rPr b="0" lang="en-IN" sz="1800" spc="-1" strike="noStrike">
+                <a:solidFill>
+                  <a:srgbClr val="808080"/>
+                </a:solidFill>
+                <a:latin typeface="Consolas"/>
+                <a:ea typeface="SimSun"/>
+              </a:rPr>
+              <a:t>&gt; </a:t>
+            </a:r>
+            <a:r>
+              <a:rPr b="0" lang="en-IN" sz="1800" spc="-1" strike="noStrike">
+                <a:solidFill>
+                  <a:srgbClr val="ff5733"/>
+                </a:solidFill>
+                <a:latin typeface="Consolas"/>
+                <a:ea typeface="SimSun"/>
+              </a:rPr>
+              <a:t>eval "local x = 'Hello World!' return x" 0</a:t>
+            </a:r>
+            <a:endParaRPr b="0" lang="en-IN" sz="1800" spc="-1" strike="noStrike">
+              <a:latin typeface="Arial"/>
+            </a:endParaRPr>
+          </a:p>
+          <a:p>
+            <a:pPr>
+              <a:lnSpc>
+                <a:spcPct val="150000"/>
+              </a:lnSpc>
+            </a:pPr>
+            <a:r>
+              <a:rPr b="0" lang="en-IN" sz="1800" spc="-1" strike="noStrike">
+                <a:solidFill>
+                  <a:srgbClr val="808080"/>
+                </a:solidFill>
+                <a:latin typeface="Consolas"/>
+                <a:ea typeface="SimSun"/>
+              </a:rPr>
+              <a:t>127.0.0.1:6379</a:t>
+            </a:r>
+            <a:r>
+              <a:rPr b="1" lang="en-IN" sz="1800" spc="-1" strike="noStrike">
+                <a:solidFill>
+                  <a:srgbClr val="808080"/>
+                </a:solidFill>
+                <a:latin typeface="Consolas"/>
+                <a:ea typeface="SimSun"/>
+              </a:rPr>
+              <a:t>[5]</a:t>
+            </a:r>
+            <a:r>
+              <a:rPr b="0" lang="en-IN" sz="1800" spc="-1" strike="noStrike">
+                <a:solidFill>
+                  <a:srgbClr val="808080"/>
+                </a:solidFill>
+                <a:latin typeface="Consolas"/>
+                <a:ea typeface="SimSun"/>
+              </a:rPr>
+              <a:t>&gt;</a:t>
+            </a:r>
             <a:r>
               <a:rPr b="0" lang="en-IN" sz="1800" spc="-1" strike="noStrike">
                 <a:solidFill>
                   <a:srgbClr val="000000"/>
                 </a:solidFill>
-                <a:latin typeface="Arial"/>
-                <a:ea typeface="DejaVu Sans"/>
-              </a:rPr>
-              <a:t>Config get dir  /var/lib/redis</a:t>
+                <a:latin typeface="Consolas"/>
+                <a:ea typeface="SimSun"/>
+              </a:rPr>
+              <a:t> </a:t>
+            </a:r>
+            <a:r>
+              <a:rPr b="0" lang="en-IN" sz="1800" spc="-1" strike="noStrike">
+                <a:solidFill>
+                  <a:srgbClr val="ff5733"/>
+                </a:solidFill>
+                <a:latin typeface="Consolas"/>
+                <a:ea typeface="SimSun"/>
+              </a:rPr>
+              <a:t>eval "return redis.call('echo', 'Hello')" 0</a:t>
             </a:r>
             <a:endParaRPr b="0" lang="en-IN" sz="1800" spc="-1" strike="noStrike">
               <a:latin typeface="Arial"/>
             </a:endParaRPr>
           </a:p>
-        </p:txBody>
-      </p:sp>
-      <p:sp>
-        <p:nvSpPr>
-          <p:cNvPr id="368" name="CustomShape 3"/>
-          <p:cNvSpPr/>
-          <p:nvPr/>
-        </p:nvSpPr>
-        <p:spPr>
-          <a:xfrm>
-            <a:off x="504000" y="5760000"/>
-            <a:ext cx="11154600" cy="596880"/>
-          </a:xfrm>
-          <a:prstGeom prst="rect">
-            <a:avLst/>
-          </a:prstGeom>
-          <a:noFill/>
-          <a:ln>
-            <a:noFill/>
-          </a:ln>
-        </p:spPr>
-        <p:style>
-          <a:lnRef idx="0"/>
-          <a:fillRef idx="0"/>
-          <a:effectRef idx="0"/>
-          <a:fontRef idx="minor"/>
-        </p:style>
-        <p:txBody>
-          <a:bodyPr lIns="90000" rIns="90000" tIns="45000" bIns="45000">
-            <a:noAutofit/>
-          </a:bodyPr>
           <a:p>
             <a:pPr>
               <a:lnSpc>
-                <a:spcPct val="100000"/>
-              </a:lnSpc>
-            </a:pPr>
-            <a:r>
-              <a:rPr b="0" lang="en-IN" sz="1800" spc="-1" strike="noStrike" u="sng">
-                <a:solidFill>
-                  <a:srgbClr val="b292ca"/>
-                </a:solidFill>
-                <a:uFillTx/>
-                <a:latin typeface="Arial"/>
-                <a:ea typeface="DejaVu Sans"/>
-                <a:hlinkClick r:id="rId1"/>
-              </a:rPr>
-              <a:t>saleel@saleel-Latitude-E6430</a:t>
-            </a:r>
-            <a:r>
-              <a:rPr b="0" lang="en-IN" sz="1800" spc="-1" strike="noStrike">
-                <a:solidFill>
-                  <a:srgbClr val="b292ca"/>
-                </a:solidFill>
-                <a:latin typeface="Arial"/>
-                <a:ea typeface="DejaVu Sans"/>
-              </a:rPr>
-              <a:t>:~$ redis-cli --csv -h 127.0.0.1 -p 6379 -n 3  hgetall cust:2 &gt;&gt; customer</a:t>
+                <a:spcPct val="150000"/>
+              </a:lnSpc>
+            </a:pPr>
+            <a:r>
+              <a:rPr b="0" lang="en-IN" sz="1800" spc="-1" strike="noStrike">
+                <a:solidFill>
+                  <a:srgbClr val="808080"/>
+                </a:solidFill>
+                <a:latin typeface="Consolas"/>
+                <a:ea typeface="SimSun"/>
+              </a:rPr>
+              <a:t>127.0.0.1:6379</a:t>
+            </a:r>
+            <a:r>
+              <a:rPr b="1" lang="en-IN" sz="1800" spc="-1" strike="noStrike">
+                <a:solidFill>
+                  <a:srgbClr val="808080"/>
+                </a:solidFill>
+                <a:latin typeface="Consolas"/>
+                <a:ea typeface="SimSun"/>
+              </a:rPr>
+              <a:t>[5]</a:t>
+            </a:r>
+            <a:r>
+              <a:rPr b="0" lang="en-IN" sz="1800" spc="-1" strike="noStrike">
+                <a:solidFill>
+                  <a:srgbClr val="808080"/>
+                </a:solidFill>
+                <a:latin typeface="Consolas"/>
+                <a:ea typeface="SimSun"/>
+              </a:rPr>
+              <a:t>&gt;</a:t>
+            </a:r>
+            <a:r>
+              <a:rPr b="0" lang="en-IN" sz="1800" spc="-1" strike="noStrike">
+                <a:solidFill>
+                  <a:srgbClr val="000000"/>
+                </a:solidFill>
+                <a:latin typeface="Consolas"/>
+                <a:ea typeface="SimSun"/>
+              </a:rPr>
+              <a:t> </a:t>
+            </a:r>
+            <a:r>
+              <a:rPr b="0" lang="en-IN" sz="1800" spc="-1" strike="noStrike">
+                <a:solidFill>
+                  <a:srgbClr val="ff5733"/>
+                </a:solidFill>
+                <a:latin typeface="Consolas"/>
+                <a:ea typeface="SimSun"/>
+              </a:rPr>
+              <a:t>eval "return ARGV[1] + ARGV[2] + ARGV[3]" 0 3 3 4</a:t>
             </a:r>
             <a:endParaRPr b="0" lang="en-IN" sz="1800" spc="-1" strike="noStrike">
               <a:latin typeface="Arial"/>
             </a:endParaRPr>
           </a:p>
-        </p:txBody>
-      </p:sp>
-      <p:sp>
-        <p:nvSpPr>
-          <p:cNvPr id="369" name="CustomShape 4"/>
-          <p:cNvSpPr/>
-          <p:nvPr/>
-        </p:nvSpPr>
-        <p:spPr>
-          <a:xfrm>
-            <a:off x="9648000" y="4014000"/>
-            <a:ext cx="2154600" cy="300600"/>
-          </a:xfrm>
-          <a:prstGeom prst="rect">
-            <a:avLst/>
-          </a:prstGeom>
-          <a:noFill/>
-          <a:ln>
-            <a:noFill/>
-          </a:ln>
-        </p:spPr>
-        <p:style>
-          <a:lnRef idx="0"/>
-          <a:fillRef idx="0"/>
-          <a:effectRef idx="0"/>
-          <a:fontRef idx="minor"/>
-        </p:style>
-        <p:txBody>
-          <a:bodyPr lIns="0" rIns="0" tIns="0" bIns="0">
-            <a:noAutofit/>
-          </a:bodyPr>
           <a:p>
             <a:pPr>
               <a:lnSpc>
-                <a:spcPct val="100000"/>
-              </a:lnSpc>
-            </a:pPr>
+                <a:spcPct val="150000"/>
+              </a:lnSpc>
+            </a:pPr>
+            <a:r>
+              <a:rPr b="0" lang="en-IN" sz="1800" spc="-1" strike="noStrike">
+                <a:solidFill>
+                  <a:srgbClr val="808080"/>
+                </a:solidFill>
+                <a:latin typeface="Consolas"/>
+                <a:ea typeface="SimSun"/>
+              </a:rPr>
+              <a:t>127.0.0.1:6379</a:t>
+            </a:r>
+            <a:r>
+              <a:rPr b="1" lang="en-IN" sz="1800" spc="-1" strike="noStrike">
+                <a:solidFill>
+                  <a:srgbClr val="808080"/>
+                </a:solidFill>
+                <a:latin typeface="Consolas"/>
+                <a:ea typeface="SimSun"/>
+              </a:rPr>
+              <a:t>[5]</a:t>
+            </a:r>
+            <a:r>
+              <a:rPr b="0" lang="en-IN" sz="1800" spc="-1" strike="noStrike">
+                <a:solidFill>
+                  <a:srgbClr val="808080"/>
+                </a:solidFill>
+                <a:latin typeface="Consolas"/>
+                <a:ea typeface="SimSun"/>
+              </a:rPr>
+              <a:t>&gt;</a:t>
+            </a:r>
             <a:r>
               <a:rPr b="0" lang="en-IN" sz="1800" spc="-1" strike="noStrike">
                 <a:solidFill>
                   <a:srgbClr val="000000"/>
                 </a:solidFill>
-                <a:latin typeface="Arial"/>
-                <a:ea typeface="DejaVu Sans"/>
-              </a:rPr>
-              <a:t>redis-cli monitor</a:t>
+                <a:latin typeface="Consolas"/>
+                <a:ea typeface="SimSun"/>
+              </a:rPr>
+              <a:t> </a:t>
+            </a:r>
+            <a:r>
+              <a:rPr b="0" lang="en-IN" sz="1800" spc="-1" strike="noStrike">
+                <a:solidFill>
+                  <a:srgbClr val="ff5733"/>
+                </a:solidFill>
+                <a:latin typeface="Consolas"/>
+                <a:ea typeface="SimSun"/>
+              </a:rPr>
+              <a:t>eval "return redis.call('keys', '*')" 0</a:t>
+            </a:r>
+            <a:endParaRPr b="0" lang="en-IN" sz="1800" spc="-1" strike="noStrike">
+              <a:latin typeface="Arial"/>
+            </a:endParaRPr>
+          </a:p>
+          <a:p>
+            <a:pPr>
+              <a:lnSpc>
+                <a:spcPct val="150000"/>
+              </a:lnSpc>
+            </a:pPr>
+            <a:r>
+              <a:rPr b="0" lang="en-IN" sz="1800" spc="-1" strike="noStrike">
+                <a:solidFill>
+                  <a:srgbClr val="808080"/>
+                </a:solidFill>
+                <a:latin typeface="Consolas"/>
+                <a:ea typeface="SimSun"/>
+              </a:rPr>
+              <a:t>127.0.0.1:6379</a:t>
+            </a:r>
+            <a:r>
+              <a:rPr b="1" lang="en-IN" sz="1800" spc="-1" strike="noStrike">
+                <a:solidFill>
+                  <a:srgbClr val="808080"/>
+                </a:solidFill>
+                <a:latin typeface="Consolas"/>
+                <a:ea typeface="SimSun"/>
+              </a:rPr>
+              <a:t>[5]</a:t>
+            </a:r>
+            <a:r>
+              <a:rPr b="0" lang="en-IN" sz="1800" spc="-1" strike="noStrike">
+                <a:solidFill>
+                  <a:srgbClr val="808080"/>
+                </a:solidFill>
+                <a:latin typeface="Consolas"/>
+                <a:ea typeface="SimSun"/>
+              </a:rPr>
+              <a:t>&gt;</a:t>
+            </a:r>
+            <a:r>
+              <a:rPr b="0" lang="en-IN" sz="1800" spc="-1" strike="noStrike">
+                <a:solidFill>
+                  <a:srgbClr val="000000"/>
+                </a:solidFill>
+                <a:latin typeface="Consolas"/>
+                <a:ea typeface="SimSun"/>
+              </a:rPr>
+              <a:t> </a:t>
+            </a:r>
+            <a:r>
+              <a:rPr b="0" lang="en-IN" sz="1800" spc="-1" strike="noStrike">
+                <a:solidFill>
+                  <a:srgbClr val="ff5733"/>
+                </a:solidFill>
+                <a:latin typeface="Consolas"/>
+                <a:ea typeface="SimSun"/>
+              </a:rPr>
+              <a:t>eval "local x=redis.call('keys','*') return x" 0</a:t>
+            </a:r>
+            <a:endParaRPr b="0" lang="en-IN" sz="1800" spc="-1" strike="noStrike">
+              <a:latin typeface="Arial"/>
+            </a:endParaRPr>
+          </a:p>
+          <a:p>
+            <a:pPr>
+              <a:lnSpc>
+                <a:spcPct val="150000"/>
+              </a:lnSpc>
+            </a:pPr>
+            <a:r>
+              <a:rPr b="0" lang="en-IN" sz="1800" spc="-1" strike="noStrike">
+                <a:solidFill>
+                  <a:srgbClr val="808080"/>
+                </a:solidFill>
+                <a:latin typeface="Consolas"/>
+                <a:ea typeface="SimSun"/>
+              </a:rPr>
+              <a:t>127.0.0.1:6379</a:t>
+            </a:r>
+            <a:r>
+              <a:rPr b="1" lang="en-IN" sz="1800" spc="-1" strike="noStrike">
+                <a:solidFill>
+                  <a:srgbClr val="808080"/>
+                </a:solidFill>
+                <a:latin typeface="Consolas"/>
+                <a:ea typeface="SimSun"/>
+              </a:rPr>
+              <a:t>[5]</a:t>
+            </a:r>
+            <a:r>
+              <a:rPr b="0" lang="en-IN" sz="1800" spc="-1" strike="noStrike">
+                <a:solidFill>
+                  <a:srgbClr val="808080"/>
+                </a:solidFill>
+                <a:latin typeface="Consolas"/>
+                <a:ea typeface="SimSun"/>
+              </a:rPr>
+              <a:t>&gt;</a:t>
+            </a:r>
+            <a:r>
+              <a:rPr b="0" lang="en-IN" sz="1800" spc="-1" strike="noStrike">
+                <a:solidFill>
+                  <a:srgbClr val="000000"/>
+                </a:solidFill>
+                <a:latin typeface="Consolas"/>
+                <a:ea typeface="SimSun"/>
+              </a:rPr>
+              <a:t> </a:t>
+            </a:r>
+            <a:r>
+              <a:rPr b="0" lang="en-IN" sz="1800" spc="-1" strike="noStrike">
+                <a:solidFill>
+                  <a:srgbClr val="ff5733"/>
+                </a:solidFill>
+                <a:latin typeface="Consolas"/>
+                <a:ea typeface="SimSun"/>
+              </a:rPr>
+              <a:t>eval "local x=redis.call('mget', KEYS[1], KEYS[2], KEYS[3]) return x" 3 a b c</a:t>
+            </a:r>
+            <a:endParaRPr b="0" lang="en-IN" sz="1800" spc="-1" strike="noStrike">
+              <a:latin typeface="Arial"/>
+            </a:endParaRPr>
+          </a:p>
+          <a:p>
+            <a:pPr>
+              <a:lnSpc>
+                <a:spcPct val="150000"/>
+              </a:lnSpc>
+            </a:pPr>
+            <a:r>
+              <a:rPr b="0" lang="en-IN" sz="1800" spc="-1" strike="noStrike">
+                <a:solidFill>
+                  <a:srgbClr val="808080"/>
+                </a:solidFill>
+                <a:latin typeface="Consolas"/>
+                <a:ea typeface="SimSun"/>
+              </a:rPr>
+              <a:t>127.0.0.1:6379</a:t>
+            </a:r>
+            <a:r>
+              <a:rPr b="1" lang="en-IN" sz="1800" spc="-1" strike="noStrike">
+                <a:solidFill>
+                  <a:srgbClr val="808080"/>
+                </a:solidFill>
+                <a:latin typeface="Consolas"/>
+                <a:ea typeface="SimSun"/>
+              </a:rPr>
+              <a:t>[5]</a:t>
+            </a:r>
+            <a:r>
+              <a:rPr b="0" lang="en-IN" sz="1800" spc="-1" strike="noStrike">
+                <a:solidFill>
+                  <a:srgbClr val="808080"/>
+                </a:solidFill>
+                <a:latin typeface="Consolas"/>
+                <a:ea typeface="SimSun"/>
+              </a:rPr>
+              <a:t>&gt;</a:t>
+            </a:r>
+            <a:r>
+              <a:rPr b="0" lang="en-IN" sz="1800" spc="-1" strike="noStrike">
+                <a:solidFill>
+                  <a:srgbClr val="000000"/>
+                </a:solidFill>
+                <a:latin typeface="Consolas"/>
+                <a:ea typeface="SimSun"/>
+              </a:rPr>
+              <a:t> </a:t>
+            </a:r>
+            <a:r>
+              <a:rPr b="0" lang="en-IN" sz="1800" spc="-1" strike="noStrike">
+                <a:solidFill>
+                  <a:srgbClr val="ff5733"/>
+                </a:solidFill>
+                <a:latin typeface="Consolas"/>
+                <a:ea typeface="SimSun"/>
+              </a:rPr>
+              <a:t>eval "return redis.call('mget', KEYS[1], KEYS[2], KEYS[3])" 3 a b c</a:t>
             </a:r>
             <a:endParaRPr b="0" lang="en-IN" sz="1800" spc="-1" strike="noStrike">
               <a:latin typeface="Arial"/>
@@ -33423,14 +33423,14 @@
       </p:grpSpPr>
       <p:sp>
         <p:nvSpPr>
-          <p:cNvPr id="370" name="CustomShape 1"/>
+          <p:cNvPr id="371" name="CustomShape 1"/>
           <p:cNvSpPr/>
           <p:nvPr/>
         </p:nvSpPr>
         <p:spPr>
           <a:xfrm>
-            <a:off x="1368000" y="1669320"/>
-            <a:ext cx="3668040" cy="2934720"/>
+            <a:off x="1365840" y="188640"/>
+            <a:ext cx="9666360" cy="2192400"/>
           </a:xfrm>
           <a:prstGeom prst="rect">
             <a:avLst/>
@@ -33448,260 +33448,93 @@
         </p:style>
         <p:txBody>
           <a:bodyPr lIns="90000" rIns="90000" tIns="45000" bIns="45000">
-            <a:noAutofit/>
+            <a:spAutoFit/>
           </a:bodyPr>
           <a:p>
-            <a:pPr>
-              <a:lnSpc>
-                <a:spcPct val="100000"/>
-              </a:lnSpc>
-            </a:pPr>
-            <a:r>
-              <a:rPr b="0" lang="en-IN" sz="1800" spc="-1" strike="noStrike">
-                <a:solidFill>
-                  <a:srgbClr val="000000"/>
-                </a:solidFill>
-                <a:latin typeface="Arial"/>
-                <a:ea typeface="DejaVu Sans"/>
-              </a:rPr>
-              <a:t>redis-cli --eval  app.lua</a:t>
+            <a:pPr algn="ctr">
+              <a:lnSpc>
+                <a:spcPct val="100000"/>
+              </a:lnSpc>
+            </a:pPr>
+            <a:r>
+              <a:rPr b="0" lang="en-IN" sz="4000" spc="-1" strike="noStrike">
+                <a:solidFill>
+                  <a:srgbClr val="ff5733"/>
+                </a:solidFill>
+                <a:latin typeface="Segoe Print"/>
+                <a:ea typeface="DejaVu Sans"/>
+              </a:rPr>
+              <a:t>“</a:t>
+            </a:r>
+            <a:r>
+              <a:rPr b="0" lang="en-US" sz="4000" spc="-1" strike="noStrike">
+                <a:solidFill>
+                  <a:srgbClr val="ff5733"/>
+                </a:solidFill>
+                <a:latin typeface="Segoe Print"/>
+                <a:ea typeface="DejaVu Sans"/>
+              </a:rPr>
+              <a:t>Accept your past without regret, handle our present with confidence and face your future without fear.</a:t>
+            </a:r>
+            <a:r>
+              <a:rPr b="0" lang="en-IN" sz="4000" spc="-1" strike="noStrike">
+                <a:solidFill>
+                  <a:srgbClr val="ff5733"/>
+                </a:solidFill>
+                <a:latin typeface="Segoe Print"/>
+                <a:ea typeface="DejaVu Sans"/>
+              </a:rPr>
+              <a:t>”</a:t>
+            </a:r>
+            <a:endParaRPr b="0" lang="en-IN" sz="4000" spc="-1" strike="noStrike">
+              <a:latin typeface="Arial"/>
+            </a:endParaRPr>
+          </a:p>
+          <a:p>
+            <a:pPr algn="r">
+              <a:lnSpc>
+                <a:spcPct val="100000"/>
+              </a:lnSpc>
+            </a:pPr>
+            <a:r>
+              <a:rPr b="0" lang="en-IN" sz="1800" spc="-1" strike="noStrike">
+                <a:solidFill>
+                  <a:srgbClr val="111111"/>
+                </a:solidFill>
+                <a:latin typeface="-apple-system"/>
+                <a:ea typeface="DejaVu Sans"/>
+              </a:rPr>
+              <a:t>~ Dr. APJ. Abdul Kalam</a:t>
             </a:r>
             <a:endParaRPr b="0" lang="en-IN" sz="1800" spc="-1" strike="noStrike">
               <a:latin typeface="Arial"/>
             </a:endParaRPr>
           </a:p>
-          <a:p>
-            <a:pPr>
-              <a:lnSpc>
-                <a:spcPct val="100000"/>
-              </a:lnSpc>
-            </a:pPr>
-            <a:endParaRPr b="0" lang="en-IN" sz="1800" spc="-1" strike="noStrike">
-              <a:latin typeface="Arial"/>
-            </a:endParaRPr>
-          </a:p>
-          <a:p>
-            <a:pPr>
-              <a:lnSpc>
-                <a:spcPct val="100000"/>
-              </a:lnSpc>
-            </a:pPr>
-            <a:r>
-              <a:rPr b="1" lang="en-IN" sz="1800" spc="-1" strike="noStrike">
-                <a:solidFill>
-                  <a:srgbClr val="7f0055"/>
-                </a:solidFill>
-                <a:latin typeface="Monospace"/>
-                <a:ea typeface="Monospace"/>
-              </a:rPr>
-              <a:t>local</a:t>
-            </a:r>
-            <a:r>
-              <a:rPr b="0" lang="en-IN" sz="1800" spc="-1" strike="noStrike">
-                <a:solidFill>
-                  <a:srgbClr val="000000"/>
-                </a:solidFill>
-                <a:latin typeface="Monospace"/>
-                <a:ea typeface="Monospace"/>
-              </a:rPr>
-              <a:t> </a:t>
-            </a:r>
-            <a:r>
-              <a:rPr b="1" lang="en-IN" sz="1800" spc="-1" strike="noStrike">
-                <a:solidFill>
-                  <a:srgbClr val="7f0055"/>
-                </a:solidFill>
-                <a:latin typeface="Monospace"/>
-                <a:ea typeface="Monospace"/>
-              </a:rPr>
-              <a:t>function</a:t>
-            </a:r>
-            <a:r>
-              <a:rPr b="0" lang="en-IN" sz="1800" spc="-1" strike="noStrike">
-                <a:solidFill>
-                  <a:srgbClr val="000000"/>
-                </a:solidFill>
-                <a:latin typeface="Monospace"/>
-                <a:ea typeface="Monospace"/>
-              </a:rPr>
-              <a:t> </a:t>
-            </a:r>
-            <a:r>
-              <a:rPr b="0" lang="en-IN" sz="1800" spc="-1" strike="noStrike">
-                <a:solidFill>
-                  <a:srgbClr val="676767"/>
-                </a:solidFill>
-                <a:latin typeface="Monospace"/>
-                <a:ea typeface="Monospace"/>
-              </a:rPr>
-              <a:t>fn1</a:t>
-            </a:r>
-            <a:r>
-              <a:rPr b="0" lang="en-IN" sz="1800" spc="-1" strike="noStrike">
-                <a:solidFill>
-                  <a:srgbClr val="000000"/>
-                </a:solidFill>
-                <a:latin typeface="Monospace"/>
-                <a:ea typeface="Monospace"/>
-              </a:rPr>
-              <a:t>()</a:t>
-            </a:r>
-            <a:endParaRPr b="0" lang="en-IN" sz="1800" spc="-1" strike="noStrike">
-              <a:latin typeface="Arial"/>
-            </a:endParaRPr>
-          </a:p>
-          <a:p>
-            <a:pPr>
-              <a:lnSpc>
-                <a:spcPct val="100000"/>
-              </a:lnSpc>
-            </a:pPr>
-            <a:r>
-              <a:rPr b="0" lang="en-IN" sz="1800" spc="-1" strike="noStrike">
-                <a:solidFill>
-                  <a:srgbClr val="000000"/>
-                </a:solidFill>
-                <a:latin typeface="Monospace"/>
-                <a:ea typeface="Monospace"/>
-              </a:rPr>
-              <a:t>  </a:t>
-            </a:r>
-            <a:r>
-              <a:rPr b="1" lang="en-IN" sz="1800" spc="-1" strike="noStrike">
-                <a:solidFill>
-                  <a:srgbClr val="7f0055"/>
-                </a:solidFill>
-                <a:latin typeface="Monospace"/>
-                <a:ea typeface="Monospace"/>
-              </a:rPr>
-              <a:t>return</a:t>
-            </a:r>
-            <a:r>
-              <a:rPr b="0" lang="en-IN" sz="1800" spc="-1" strike="noStrike">
-                <a:solidFill>
-                  <a:srgbClr val="000000"/>
-                </a:solidFill>
-                <a:latin typeface="Monospace"/>
-                <a:ea typeface="Monospace"/>
-              </a:rPr>
-              <a:t> </a:t>
-            </a:r>
-            <a:r>
-              <a:rPr b="0" lang="en-IN" sz="1800" spc="-1" strike="noStrike">
-                <a:solidFill>
-                  <a:srgbClr val="2a00ff"/>
-                </a:solidFill>
-                <a:latin typeface="Monospace"/>
-                <a:ea typeface="Monospace"/>
-              </a:rPr>
-              <a:t>"Hello Saleel"</a:t>
-            </a:r>
-            <a:endParaRPr b="0" lang="en-IN" sz="1800" spc="-1" strike="noStrike">
-              <a:latin typeface="Arial"/>
-            </a:endParaRPr>
-          </a:p>
-          <a:p>
-            <a:pPr>
-              <a:lnSpc>
-                <a:spcPct val="100000"/>
-              </a:lnSpc>
-            </a:pPr>
-            <a:r>
-              <a:rPr b="0" lang="en-IN" sz="1800" spc="-1" strike="noStrike">
-                <a:solidFill>
-                  <a:srgbClr val="000000"/>
-                </a:solidFill>
-                <a:latin typeface="Monospace"/>
-                <a:ea typeface="Monospace"/>
-              </a:rPr>
-              <a:t>  </a:t>
-            </a:r>
-            <a:r>
-              <a:rPr b="1" lang="en-IN" sz="1800" spc="-1" strike="noStrike">
-                <a:solidFill>
-                  <a:srgbClr val="7f0055"/>
-                </a:solidFill>
-                <a:latin typeface="Monospace"/>
-                <a:ea typeface="Monospace"/>
-              </a:rPr>
-              <a:t>end</a:t>
-            </a:r>
-            <a:endParaRPr b="0" lang="en-IN" sz="1800" spc="-1" strike="noStrike">
-              <a:latin typeface="Arial"/>
-            </a:endParaRPr>
-          </a:p>
-          <a:p>
-            <a:pPr>
-              <a:lnSpc>
-                <a:spcPct val="100000"/>
-              </a:lnSpc>
-            </a:pPr>
-            <a:r>
-              <a:rPr b="0" lang="en-IN" sz="1800" spc="-1" strike="noStrike">
-                <a:solidFill>
-                  <a:srgbClr val="000000"/>
-                </a:solidFill>
-                <a:latin typeface="Monospace"/>
-                <a:ea typeface="Monospace"/>
-              </a:rPr>
-              <a:t> </a:t>
-            </a:r>
-            <a:endParaRPr b="0" lang="en-IN" sz="1800" spc="-1" strike="noStrike">
-              <a:latin typeface="Arial"/>
-            </a:endParaRPr>
-          </a:p>
-          <a:p>
-            <a:pPr>
-              <a:lnSpc>
-                <a:spcPct val="100000"/>
-              </a:lnSpc>
-            </a:pPr>
-            <a:r>
-              <a:rPr b="1" lang="en-IN" sz="1800" spc="-1" strike="noStrike">
-                <a:solidFill>
-                  <a:srgbClr val="7f0055"/>
-                </a:solidFill>
-                <a:latin typeface="Monospace"/>
-                <a:ea typeface="Monospace"/>
-              </a:rPr>
-              <a:t>return</a:t>
-            </a:r>
-            <a:r>
-              <a:rPr b="0" lang="en-IN" sz="1800" spc="-1" strike="noStrike">
-                <a:solidFill>
-                  <a:srgbClr val="000000"/>
-                </a:solidFill>
-                <a:latin typeface="Monospace"/>
-                <a:ea typeface="Monospace"/>
-              </a:rPr>
-              <a:t> </a:t>
-            </a:r>
-            <a:r>
-              <a:rPr b="0" lang="en-IN" sz="1800" spc="-1" strike="noStrike">
-                <a:solidFill>
-                  <a:srgbClr val="676767"/>
-                </a:solidFill>
-                <a:latin typeface="Monospace"/>
-                <a:ea typeface="Monospace"/>
-              </a:rPr>
-              <a:t>fn1</a:t>
-            </a:r>
-            <a:r>
-              <a:rPr b="0" lang="en-IN" sz="1800" spc="-1" strike="noStrike">
-                <a:solidFill>
-                  <a:srgbClr val="000000"/>
-                </a:solidFill>
-                <a:latin typeface="Monospace"/>
-                <a:ea typeface="Monospace"/>
-              </a:rPr>
-              <a:t>()</a:t>
-            </a:r>
-            <a:endParaRPr b="0" lang="en-IN" sz="1800" spc="-1" strike="noStrike">
-              <a:latin typeface="Arial"/>
-            </a:endParaRPr>
-          </a:p>
         </p:txBody>
       </p:sp>
+      <p:pic>
+        <p:nvPicPr>
+          <p:cNvPr id="372" name="Picture 2" descr="http://www.bvctch.vn/vnt_upload/weblink/thks.jpg"/>
+          <p:cNvPicPr/>
+          <p:nvPr/>
+        </p:nvPicPr>
+        <p:blipFill>
+          <a:blip r:embed="rId1"/>
+          <a:stretch/>
+        </p:blipFill>
+        <p:spPr>
+          <a:xfrm>
+            <a:off x="4404600" y="2036160"/>
+            <a:ext cx="3110040" cy="4646880"/>
+          </a:xfrm>
+          <a:prstGeom prst="rect">
+            <a:avLst/>
+          </a:prstGeom>
+          <a:ln>
+            <a:noFill/>
+          </a:ln>
+        </p:spPr>
+      </p:pic>
     </p:spTree>
   </p:cSld>
   <mc:AlternateContent>
@@ -33732,9 +33565,726 @@
           <a:chExt cx="0" cy="0"/>
         </a:xfrm>
       </p:grpSpPr>
+      <p:sp>
+        <p:nvSpPr>
+          <p:cNvPr id="373" name="CustomShape 1"/>
+          <p:cNvSpPr/>
+          <p:nvPr/>
+        </p:nvSpPr>
+        <p:spPr>
+          <a:xfrm>
+            <a:off x="474480" y="2448000"/>
+            <a:ext cx="10391040" cy="2387880"/>
+          </a:xfrm>
+          <a:prstGeom prst="rect">
+            <a:avLst/>
+          </a:prstGeom>
+          <a:noFill/>
+          <a:ln>
+            <a:noFill/>
+          </a:ln>
+        </p:spPr>
+        <p:style>
+          <a:lnRef idx="0"/>
+          <a:fillRef idx="0"/>
+          <a:effectRef idx="0"/>
+          <a:fontRef idx="minor"/>
+        </p:style>
+        <p:txBody>
+          <a:bodyPr lIns="90000" rIns="90000" tIns="45000" bIns="45000">
+            <a:noAutofit/>
+          </a:bodyPr>
+          <a:p>
+            <a:pPr>
+              <a:lnSpc>
+                <a:spcPct val="100000"/>
+              </a:lnSpc>
+            </a:pPr>
+            <a:r>
+              <a:rPr b="0" lang="en-IN" sz="1800" spc="-1" strike="noStrike">
+                <a:solidFill>
+                  <a:srgbClr val="000000"/>
+                </a:solidFill>
+                <a:latin typeface="Arial"/>
+                <a:ea typeface="DejaVu Sans"/>
+              </a:rPr>
+              <a:t>The INFO command returns information and statistics about the server in a format that is simple to parse by computers and easy to read by humans. </a:t>
+            </a:r>
+            <a:endParaRPr b="0" lang="en-IN" sz="1800" spc="-1" strike="noStrike">
+              <a:latin typeface="Arial"/>
+            </a:endParaRPr>
+          </a:p>
+          <a:p>
+            <a:pPr>
+              <a:lnSpc>
+                <a:spcPct val="100000"/>
+              </a:lnSpc>
+            </a:pPr>
+            <a:endParaRPr b="0" lang="en-IN" sz="1800" spc="-1" strike="noStrike">
+              <a:latin typeface="Arial"/>
+            </a:endParaRPr>
+          </a:p>
+          <a:p>
+            <a:pPr marL="216000" indent="-209520">
+              <a:lnSpc>
+                <a:spcPct val="100000"/>
+              </a:lnSpc>
+              <a:buClr>
+                <a:srgbClr val="000000"/>
+              </a:buClr>
+              <a:buSzPct val="45000"/>
+              <a:buFont typeface="Wingdings" charset="2"/>
+              <a:buChar char=""/>
+            </a:pPr>
+            <a:r>
+              <a:rPr b="0" lang="en-IN" sz="1800" spc="-1" strike="noStrike">
+                <a:solidFill>
+                  <a:srgbClr val="000000"/>
+                </a:solidFill>
+                <a:latin typeface="Arial"/>
+                <a:ea typeface="DejaVu Sans"/>
+              </a:rPr>
+              <a:t>info server</a:t>
+            </a:r>
+            <a:endParaRPr b="0" lang="en-IN" sz="1800" spc="-1" strike="noStrike">
+              <a:latin typeface="Arial"/>
+            </a:endParaRPr>
+          </a:p>
+          <a:p>
+            <a:pPr marL="216000" indent="-209520">
+              <a:lnSpc>
+                <a:spcPct val="100000"/>
+              </a:lnSpc>
+              <a:buClr>
+                <a:srgbClr val="000000"/>
+              </a:buClr>
+              <a:buSzPct val="45000"/>
+              <a:buFont typeface="Wingdings" charset="2"/>
+              <a:buChar char=""/>
+            </a:pPr>
+            <a:r>
+              <a:rPr b="0" lang="en-IN" sz="1800" spc="-1" strike="noStrike">
+                <a:solidFill>
+                  <a:srgbClr val="000000"/>
+                </a:solidFill>
+                <a:latin typeface="Arial"/>
+                <a:ea typeface="DejaVu Sans"/>
+              </a:rPr>
+              <a:t>info clients</a:t>
+            </a:r>
+            <a:endParaRPr b="0" lang="en-IN" sz="1800" spc="-1" strike="noStrike">
+              <a:latin typeface="Arial"/>
+            </a:endParaRPr>
+          </a:p>
+          <a:p>
+            <a:pPr marL="216000" indent="-209520">
+              <a:lnSpc>
+                <a:spcPct val="100000"/>
+              </a:lnSpc>
+              <a:buClr>
+                <a:srgbClr val="000000"/>
+              </a:buClr>
+              <a:buSzPct val="45000"/>
+              <a:buFont typeface="Wingdings" charset="2"/>
+              <a:buChar char=""/>
+            </a:pPr>
+            <a:r>
+              <a:rPr b="0" lang="en-IN" sz="1800" spc="-1" strike="noStrike">
+                <a:solidFill>
+                  <a:srgbClr val="000000"/>
+                </a:solidFill>
+                <a:latin typeface="Arial"/>
+                <a:ea typeface="DejaVu Sans"/>
+              </a:rPr>
+              <a:t>info Keyspace</a:t>
+            </a:r>
+            <a:endParaRPr b="0" lang="en-IN" sz="1800" spc="-1" strike="noStrike">
+              <a:latin typeface="Arial"/>
+            </a:endParaRPr>
+          </a:p>
+          <a:p>
+            <a:pPr marL="216000" indent="-209520">
+              <a:lnSpc>
+                <a:spcPct val="100000"/>
+              </a:lnSpc>
+              <a:buClr>
+                <a:srgbClr val="000000"/>
+              </a:buClr>
+              <a:buSzPct val="45000"/>
+              <a:buFont typeface="Wingdings" charset="2"/>
+              <a:buChar char=""/>
+            </a:pPr>
+            <a:r>
+              <a:rPr b="0" lang="en-IN" sz="1800" spc="-1" strike="noStrike">
+                <a:solidFill>
+                  <a:srgbClr val="000000"/>
+                </a:solidFill>
+                <a:latin typeface="Arial"/>
+                <a:ea typeface="DejaVu Sans"/>
+              </a:rPr>
+              <a:t>info modules</a:t>
+            </a:r>
+            <a:endParaRPr b="0" lang="en-IN" sz="1800" spc="-1" strike="noStrike">
+              <a:latin typeface="Arial"/>
+            </a:endParaRPr>
+          </a:p>
+          <a:p>
+            <a:pPr marL="216000" indent="-209520">
+              <a:lnSpc>
+                <a:spcPct val="100000"/>
+              </a:lnSpc>
+              <a:buClr>
+                <a:srgbClr val="000000"/>
+              </a:buClr>
+              <a:buSzPct val="45000"/>
+              <a:buFont typeface="Wingdings" charset="2"/>
+              <a:buChar char=""/>
+            </a:pPr>
+            <a:r>
+              <a:rPr b="0" lang="en-IN" sz="1800" spc="-1" strike="noStrike">
+                <a:solidFill>
+                  <a:srgbClr val="000000"/>
+                </a:solidFill>
+                <a:latin typeface="Arial"/>
+                <a:ea typeface="DejaVu Sans"/>
+              </a:rPr>
+              <a:t>info all</a:t>
+            </a:r>
+            <a:endParaRPr b="0" lang="en-IN" sz="1800" spc="-1" strike="noStrike">
+              <a:latin typeface="Arial"/>
+            </a:endParaRPr>
+          </a:p>
+        </p:txBody>
+      </p:sp>
+      <p:sp>
+        <p:nvSpPr>
+          <p:cNvPr id="374" name="CustomShape 2"/>
+          <p:cNvSpPr/>
+          <p:nvPr/>
+        </p:nvSpPr>
+        <p:spPr>
+          <a:xfrm>
+            <a:off x="363600" y="193320"/>
+            <a:ext cx="4237920" cy="592200"/>
+          </a:xfrm>
+          <a:prstGeom prst="rect">
+            <a:avLst/>
+          </a:prstGeom>
+          <a:noFill/>
+          <a:ln>
+            <a:noFill/>
+          </a:ln>
+        </p:spPr>
+        <p:style>
+          <a:lnRef idx="0"/>
+          <a:fillRef idx="0"/>
+          <a:effectRef idx="0"/>
+          <a:fontRef idx="minor"/>
+        </p:style>
+        <p:txBody>
+          <a:bodyPr lIns="90000" rIns="90000" tIns="45000" bIns="45000">
+            <a:noAutofit/>
+          </a:bodyPr>
+          <a:p>
+            <a:pPr>
+              <a:lnSpc>
+                <a:spcPct val="100000"/>
+              </a:lnSpc>
+            </a:pPr>
+            <a:r>
+              <a:rPr b="0" lang="en-IN" sz="1800" spc="-1" strike="noStrike">
+                <a:solidFill>
+                  <a:srgbClr val="000000"/>
+                </a:solidFill>
+                <a:latin typeface="Arial"/>
+                <a:ea typeface="DejaVu Sans"/>
+              </a:rPr>
+              <a:t>SAVE</a:t>
+            </a:r>
+            <a:endParaRPr b="0" lang="en-IN" sz="1800" spc="-1" strike="noStrike">
+              <a:latin typeface="Arial"/>
+            </a:endParaRPr>
+          </a:p>
+          <a:p>
+            <a:pPr>
+              <a:lnSpc>
+                <a:spcPct val="100000"/>
+              </a:lnSpc>
+            </a:pPr>
+            <a:r>
+              <a:rPr b="0" lang="en-IN" sz="1800" spc="-1" strike="noStrike">
+                <a:solidFill>
+                  <a:srgbClr val="000000"/>
+                </a:solidFill>
+                <a:latin typeface="Arial"/>
+                <a:ea typeface="DejaVu Sans"/>
+              </a:rPr>
+              <a:t>Config get dir  /var/lib/redis</a:t>
+            </a:r>
+            <a:endParaRPr b="0" lang="en-IN" sz="1800" spc="-1" strike="noStrike">
+              <a:latin typeface="Arial"/>
+            </a:endParaRPr>
+          </a:p>
+        </p:txBody>
+      </p:sp>
+      <p:sp>
+        <p:nvSpPr>
+          <p:cNvPr id="375" name="CustomShape 3"/>
+          <p:cNvSpPr/>
+          <p:nvPr/>
+        </p:nvSpPr>
+        <p:spPr>
+          <a:xfrm>
+            <a:off x="504000" y="5760000"/>
+            <a:ext cx="11153520" cy="595800"/>
+          </a:xfrm>
+          <a:prstGeom prst="rect">
+            <a:avLst/>
+          </a:prstGeom>
+          <a:noFill/>
+          <a:ln>
+            <a:noFill/>
+          </a:ln>
+        </p:spPr>
+        <p:style>
+          <a:lnRef idx="0"/>
+          <a:fillRef idx="0"/>
+          <a:effectRef idx="0"/>
+          <a:fontRef idx="minor"/>
+        </p:style>
+        <p:txBody>
+          <a:bodyPr lIns="90000" rIns="90000" tIns="45000" bIns="45000">
+            <a:noAutofit/>
+          </a:bodyPr>
+          <a:p>
+            <a:pPr>
+              <a:lnSpc>
+                <a:spcPct val="100000"/>
+              </a:lnSpc>
+            </a:pPr>
+            <a:r>
+              <a:rPr b="0" lang="en-IN" sz="1800" spc="-1" strike="noStrike" u="sng">
+                <a:solidFill>
+                  <a:srgbClr val="b292ca"/>
+                </a:solidFill>
+                <a:uFillTx/>
+                <a:latin typeface="Arial"/>
+                <a:ea typeface="DejaVu Sans"/>
+                <a:hlinkClick r:id="rId1"/>
+              </a:rPr>
+              <a:t>saleel@saleel-Latitude-E6430</a:t>
+            </a:r>
+            <a:r>
+              <a:rPr b="0" lang="en-IN" sz="1800" spc="-1" strike="noStrike">
+                <a:solidFill>
+                  <a:srgbClr val="b292ca"/>
+                </a:solidFill>
+                <a:latin typeface="Arial"/>
+                <a:ea typeface="DejaVu Sans"/>
+              </a:rPr>
+              <a:t>:~$ redis-cli --csv -h 127.0.0.1 -p 6379 -n 3  hgetall cust:2 &gt;&gt; customer</a:t>
+            </a:r>
+            <a:endParaRPr b="0" lang="en-IN" sz="1800" spc="-1" strike="noStrike">
+              <a:latin typeface="Arial"/>
+            </a:endParaRPr>
+          </a:p>
+        </p:txBody>
+      </p:sp>
+      <p:sp>
+        <p:nvSpPr>
+          <p:cNvPr id="376" name="CustomShape 4"/>
+          <p:cNvSpPr/>
+          <p:nvPr/>
+        </p:nvSpPr>
+        <p:spPr>
+          <a:xfrm>
+            <a:off x="9648000" y="4014000"/>
+            <a:ext cx="2153520" cy="299520"/>
+          </a:xfrm>
+          <a:prstGeom prst="rect">
+            <a:avLst/>
+          </a:prstGeom>
+          <a:noFill/>
+          <a:ln>
+            <a:noFill/>
+          </a:ln>
+        </p:spPr>
+        <p:style>
+          <a:lnRef idx="0"/>
+          <a:fillRef idx="0"/>
+          <a:effectRef idx="0"/>
+          <a:fontRef idx="minor"/>
+        </p:style>
+        <p:txBody>
+          <a:bodyPr lIns="0" rIns="0" tIns="0" bIns="0">
+            <a:noAutofit/>
+          </a:bodyPr>
+          <a:p>
+            <a:pPr>
+              <a:lnSpc>
+                <a:spcPct val="100000"/>
+              </a:lnSpc>
+            </a:pPr>
+            <a:r>
+              <a:rPr b="0" lang="en-IN" sz="1800" spc="-1" strike="noStrike">
+                <a:solidFill>
+                  <a:srgbClr val="000000"/>
+                </a:solidFill>
+                <a:latin typeface="Arial"/>
+                <a:ea typeface="DejaVu Sans"/>
+              </a:rPr>
+              <a:t>redis-cli monitor</a:t>
+            </a:r>
+            <a:endParaRPr b="0" lang="en-IN" sz="1800" spc="-1" strike="noStrike">
+              <a:latin typeface="Arial"/>
+            </a:endParaRPr>
+          </a:p>
+        </p:txBody>
+      </p:sp>
+    </p:spTree>
+  </p:cSld>
+  <mc:AlternateContent>
+    <mc:Choice Requires="p14">
+      <p:transition spd="slow" p14:dur="2000"/>
+    </mc:Choice>
+    <mc:Fallback>
+      <p:transition spd="slow"/>
+    </mc:Fallback>
+  </mc:AlternateContent>
+</p:sld>
+</file>
+
+<file path=ppt/slides/slide74.xml><?xml version="1.0" encoding="utf-8"?>
+<p:sld xmlns:a="http://schemas.openxmlformats.org/drawingml/2006/main" xmlns:p="http://schemas.openxmlformats.org/presentationml/2006/main" xmlns:r="http://schemas.openxmlformats.org/officeDocument/2006/relationships" xmlns:p14="http://schemas.microsoft.com/office/powerpoint/2010/main" xmlns:p15="http://schemas.microsoft.com/office/powerpoint/2012/main" xmlns:mc="http://schemas.openxmlformats.org/markup-compatibility/2006">
+  <p:cSld>
+    <p:spTree>
+      <p:nvGrpSpPr>
+        <p:cNvPr id="1" name=""/>
+        <p:cNvGrpSpPr/>
+        <p:nvPr/>
+      </p:nvGrpSpPr>
+      <p:grpSpPr>
+        <a:xfrm>
+          <a:off x="0" y="0"/>
+          <a:ext cx="0" cy="0"/>
+          <a:chOff x="0" y="0"/>
+          <a:chExt cx="0" cy="0"/>
+        </a:xfrm>
+      </p:grpSpPr>
+      <p:sp>
+        <p:nvSpPr>
+          <p:cNvPr id="377" name="CustomShape 1"/>
+          <p:cNvSpPr/>
+          <p:nvPr/>
+        </p:nvSpPr>
+        <p:spPr>
+          <a:xfrm>
+            <a:off x="1368000" y="1669320"/>
+            <a:ext cx="3666960" cy="2933640"/>
+          </a:xfrm>
+          <a:prstGeom prst="rect">
+            <a:avLst/>
+          </a:prstGeom>
+          <a:noFill/>
+          <a:ln>
+            <a:noFill/>
+          </a:ln>
+        </p:spPr>
+        <p:style>
+          <a:lnRef idx="0"/>
+          <a:fillRef idx="0"/>
+          <a:effectRef idx="0"/>
+          <a:fontRef idx="minor"/>
+        </p:style>
+        <p:txBody>
+          <a:bodyPr lIns="90000" rIns="90000" tIns="45000" bIns="45000">
+            <a:noAutofit/>
+          </a:bodyPr>
+          <a:p>
+            <a:pPr>
+              <a:lnSpc>
+                <a:spcPct val="100000"/>
+              </a:lnSpc>
+            </a:pPr>
+            <a:r>
+              <a:rPr b="0" lang="en-IN" sz="1800" spc="-1" strike="noStrike">
+                <a:solidFill>
+                  <a:srgbClr val="000000"/>
+                </a:solidFill>
+                <a:latin typeface="Arial"/>
+                <a:ea typeface="DejaVu Sans"/>
+              </a:rPr>
+              <a:t>redis-cli --eval  app.lua</a:t>
+            </a:r>
+            <a:endParaRPr b="0" lang="en-IN" sz="1800" spc="-1" strike="noStrike">
+              <a:latin typeface="Arial"/>
+            </a:endParaRPr>
+          </a:p>
+          <a:p>
+            <a:pPr>
+              <a:lnSpc>
+                <a:spcPct val="100000"/>
+              </a:lnSpc>
+            </a:pPr>
+            <a:endParaRPr b="0" lang="en-IN" sz="1800" spc="-1" strike="noStrike">
+              <a:latin typeface="Arial"/>
+            </a:endParaRPr>
+          </a:p>
+          <a:p>
+            <a:pPr>
+              <a:lnSpc>
+                <a:spcPct val="100000"/>
+              </a:lnSpc>
+            </a:pPr>
+            <a:r>
+              <a:rPr b="1" lang="en-IN" sz="1800" spc="-1" strike="noStrike">
+                <a:solidFill>
+                  <a:srgbClr val="7f0055"/>
+                </a:solidFill>
+                <a:latin typeface="Monospace"/>
+                <a:ea typeface="Monospace"/>
+              </a:rPr>
+              <a:t>local</a:t>
+            </a:r>
+            <a:r>
+              <a:rPr b="0" lang="en-IN" sz="1800" spc="-1" strike="noStrike">
+                <a:solidFill>
+                  <a:srgbClr val="000000"/>
+                </a:solidFill>
+                <a:latin typeface="Monospace"/>
+                <a:ea typeface="Monospace"/>
+              </a:rPr>
+              <a:t> </a:t>
+            </a:r>
+            <a:r>
+              <a:rPr b="1" lang="en-IN" sz="1800" spc="-1" strike="noStrike">
+                <a:solidFill>
+                  <a:srgbClr val="7f0055"/>
+                </a:solidFill>
+                <a:latin typeface="Monospace"/>
+                <a:ea typeface="Monospace"/>
+              </a:rPr>
+              <a:t>function</a:t>
+            </a:r>
+            <a:r>
+              <a:rPr b="0" lang="en-IN" sz="1800" spc="-1" strike="noStrike">
+                <a:solidFill>
+                  <a:srgbClr val="000000"/>
+                </a:solidFill>
+                <a:latin typeface="Monospace"/>
+                <a:ea typeface="Monospace"/>
+              </a:rPr>
+              <a:t> </a:t>
+            </a:r>
+            <a:r>
+              <a:rPr b="0" lang="en-IN" sz="1800" spc="-1" strike="noStrike">
+                <a:solidFill>
+                  <a:srgbClr val="676767"/>
+                </a:solidFill>
+                <a:latin typeface="Monospace"/>
+                <a:ea typeface="Monospace"/>
+              </a:rPr>
+              <a:t>fn1</a:t>
+            </a:r>
+            <a:r>
+              <a:rPr b="0" lang="en-IN" sz="1800" spc="-1" strike="noStrike">
+                <a:solidFill>
+                  <a:srgbClr val="000000"/>
+                </a:solidFill>
+                <a:latin typeface="Monospace"/>
+                <a:ea typeface="Monospace"/>
+              </a:rPr>
+              <a:t>()</a:t>
+            </a:r>
+            <a:endParaRPr b="0" lang="en-IN" sz="1800" spc="-1" strike="noStrike">
+              <a:latin typeface="Arial"/>
+            </a:endParaRPr>
+          </a:p>
+          <a:p>
+            <a:pPr>
+              <a:lnSpc>
+                <a:spcPct val="100000"/>
+              </a:lnSpc>
+            </a:pPr>
+            <a:r>
+              <a:rPr b="0" lang="en-IN" sz="1800" spc="-1" strike="noStrike">
+                <a:solidFill>
+                  <a:srgbClr val="000000"/>
+                </a:solidFill>
+                <a:latin typeface="Monospace"/>
+                <a:ea typeface="Monospace"/>
+              </a:rPr>
+              <a:t>  </a:t>
+            </a:r>
+            <a:r>
+              <a:rPr b="1" lang="en-IN" sz="1800" spc="-1" strike="noStrike">
+                <a:solidFill>
+                  <a:srgbClr val="7f0055"/>
+                </a:solidFill>
+                <a:latin typeface="Monospace"/>
+                <a:ea typeface="Monospace"/>
+              </a:rPr>
+              <a:t>return</a:t>
+            </a:r>
+            <a:r>
+              <a:rPr b="0" lang="en-IN" sz="1800" spc="-1" strike="noStrike">
+                <a:solidFill>
+                  <a:srgbClr val="000000"/>
+                </a:solidFill>
+                <a:latin typeface="Monospace"/>
+                <a:ea typeface="Monospace"/>
+              </a:rPr>
+              <a:t> </a:t>
+            </a:r>
+            <a:r>
+              <a:rPr b="0" lang="en-IN" sz="1800" spc="-1" strike="noStrike">
+                <a:solidFill>
+                  <a:srgbClr val="2a00ff"/>
+                </a:solidFill>
+                <a:latin typeface="Monospace"/>
+                <a:ea typeface="Monospace"/>
+              </a:rPr>
+              <a:t>"Hello Saleel"</a:t>
+            </a:r>
+            <a:endParaRPr b="0" lang="en-IN" sz="1800" spc="-1" strike="noStrike">
+              <a:latin typeface="Arial"/>
+            </a:endParaRPr>
+          </a:p>
+          <a:p>
+            <a:pPr>
+              <a:lnSpc>
+                <a:spcPct val="100000"/>
+              </a:lnSpc>
+            </a:pPr>
+            <a:r>
+              <a:rPr b="0" lang="en-IN" sz="1800" spc="-1" strike="noStrike">
+                <a:solidFill>
+                  <a:srgbClr val="000000"/>
+                </a:solidFill>
+                <a:latin typeface="Monospace"/>
+                <a:ea typeface="Monospace"/>
+              </a:rPr>
+              <a:t>  </a:t>
+            </a:r>
+            <a:r>
+              <a:rPr b="1" lang="en-IN" sz="1800" spc="-1" strike="noStrike">
+                <a:solidFill>
+                  <a:srgbClr val="7f0055"/>
+                </a:solidFill>
+                <a:latin typeface="Monospace"/>
+                <a:ea typeface="Monospace"/>
+              </a:rPr>
+              <a:t>end</a:t>
+            </a:r>
+            <a:endParaRPr b="0" lang="en-IN" sz="1800" spc="-1" strike="noStrike">
+              <a:latin typeface="Arial"/>
+            </a:endParaRPr>
+          </a:p>
+          <a:p>
+            <a:pPr>
+              <a:lnSpc>
+                <a:spcPct val="100000"/>
+              </a:lnSpc>
+            </a:pPr>
+            <a:r>
+              <a:rPr b="0" lang="en-IN" sz="1800" spc="-1" strike="noStrike">
+                <a:solidFill>
+                  <a:srgbClr val="000000"/>
+                </a:solidFill>
+                <a:latin typeface="Monospace"/>
+                <a:ea typeface="Monospace"/>
+              </a:rPr>
+              <a:t> </a:t>
+            </a:r>
+            <a:endParaRPr b="0" lang="en-IN" sz="1800" spc="-1" strike="noStrike">
+              <a:latin typeface="Arial"/>
+            </a:endParaRPr>
+          </a:p>
+          <a:p>
+            <a:pPr>
+              <a:lnSpc>
+                <a:spcPct val="100000"/>
+              </a:lnSpc>
+            </a:pPr>
+            <a:r>
+              <a:rPr b="1" lang="en-IN" sz="1800" spc="-1" strike="noStrike">
+                <a:solidFill>
+                  <a:srgbClr val="7f0055"/>
+                </a:solidFill>
+                <a:latin typeface="Monospace"/>
+                <a:ea typeface="Monospace"/>
+              </a:rPr>
+              <a:t>return</a:t>
+            </a:r>
+            <a:r>
+              <a:rPr b="0" lang="en-IN" sz="1800" spc="-1" strike="noStrike">
+                <a:solidFill>
+                  <a:srgbClr val="000000"/>
+                </a:solidFill>
+                <a:latin typeface="Monospace"/>
+                <a:ea typeface="Monospace"/>
+              </a:rPr>
+              <a:t> </a:t>
+            </a:r>
+            <a:r>
+              <a:rPr b="0" lang="en-IN" sz="1800" spc="-1" strike="noStrike">
+                <a:solidFill>
+                  <a:srgbClr val="676767"/>
+                </a:solidFill>
+                <a:latin typeface="Monospace"/>
+                <a:ea typeface="Monospace"/>
+              </a:rPr>
+              <a:t>fn1</a:t>
+            </a:r>
+            <a:r>
+              <a:rPr b="0" lang="en-IN" sz="1800" spc="-1" strike="noStrike">
+                <a:solidFill>
+                  <a:srgbClr val="000000"/>
+                </a:solidFill>
+                <a:latin typeface="Monospace"/>
+                <a:ea typeface="Monospace"/>
+              </a:rPr>
+              <a:t>()</a:t>
+            </a:r>
+            <a:endParaRPr b="0" lang="en-IN" sz="1800" spc="-1" strike="noStrike">
+              <a:latin typeface="Arial"/>
+            </a:endParaRPr>
+          </a:p>
+        </p:txBody>
+      </p:sp>
+    </p:spTree>
+  </p:cSld>
+  <mc:AlternateContent>
+    <mc:Choice Requires="p14">
+      <p:transition spd="slow" p14:dur="2000"/>
+    </mc:Choice>
+    <mc:Fallback>
+      <p:transition spd="slow"/>
+    </mc:Fallback>
+  </mc:AlternateContent>
+</p:sld>
+</file>
+
+<file path=ppt/slides/slide75.xml><?xml version="1.0" encoding="utf-8"?>
+<p:sld xmlns:a="http://schemas.openxmlformats.org/drawingml/2006/main" xmlns:p="http://schemas.openxmlformats.org/presentationml/2006/main" xmlns:r="http://schemas.openxmlformats.org/officeDocument/2006/relationships" xmlns:p14="http://schemas.microsoft.com/office/powerpoint/2010/main" xmlns:p15="http://schemas.microsoft.com/office/powerpoint/2012/main" xmlns:mc="http://schemas.openxmlformats.org/markup-compatibility/2006">
+  <p:cSld>
+    <p:spTree>
+      <p:nvGrpSpPr>
+        <p:cNvPr id="1" name=""/>
+        <p:cNvGrpSpPr/>
+        <p:nvPr/>
+      </p:nvGrpSpPr>
+      <p:grpSpPr>
+        <a:xfrm>
+          <a:off x="0" y="0"/>
+          <a:ext cx="0" cy="0"/>
+          <a:chOff x="0" y="0"/>
+          <a:chExt cx="0" cy="0"/>
+        </a:xfrm>
+      </p:grpSpPr>
       <p:pic>
         <p:nvPicPr>
-          <p:cNvPr id="371" name="Picture 356" descr=""/>
+          <p:cNvPr id="378" name="Picture 356" descr=""/>
           <p:cNvPicPr/>
           <p:nvPr/>
         </p:nvPicPr>
@@ -33745,7 +34295,7 @@
         <p:spPr>
           <a:xfrm>
             <a:off x="483840" y="144000"/>
-            <a:ext cx="8584920" cy="6437880"/>
+            <a:ext cx="8583840" cy="6436800"/>
           </a:xfrm>
           <a:prstGeom prst="rect">
             <a:avLst/>
@@ -33794,7 +34344,7 @@
         <p:spPr>
           <a:xfrm>
             <a:off x="248400" y="0"/>
-            <a:ext cx="11697120" cy="699120"/>
+            <a:ext cx="11696040" cy="699120"/>
           </a:xfrm>
           <a:prstGeom prst="rect">
             <a:avLst/>
@@ -33849,7 +34399,7 @@
         <p:spPr>
           <a:xfrm>
             <a:off x="248400" y="762120"/>
-            <a:ext cx="11697120" cy="638280"/>
+            <a:ext cx="11696040" cy="638280"/>
           </a:xfrm>
           <a:prstGeom prst="rect">
             <a:avLst/>
@@ -33910,7 +34460,7 @@
         <p:spPr>
           <a:xfrm>
             <a:off x="1523880" y="4272480"/>
-            <a:ext cx="8874360" cy="2558520"/>
+            <a:ext cx="8873280" cy="2558520"/>
           </a:xfrm>
           <a:prstGeom prst="rect">
             <a:avLst/>
@@ -33931,7 +34481,7 @@
             <a:spAutoFit/>
           </a:bodyPr>
           <a:p>
-            <a:pPr marL="285840" indent="-270360">
+            <a:pPr marL="285840" indent="-269280">
               <a:lnSpc>
                 <a:spcPct val="150000"/>
               </a:lnSpc>
@@ -33976,7 +34526,7 @@
             </a:endParaRPr>
           </a:p>
           <a:p>
-            <a:pPr marL="285840" indent="-270360">
+            <a:pPr marL="285840" indent="-269280">
               <a:lnSpc>
                 <a:spcPct val="150000"/>
               </a:lnSpc>
@@ -34021,7 +34571,7 @@
             </a:endParaRPr>
           </a:p>
           <a:p>
-            <a:pPr marL="285840" indent="-270360">
+            <a:pPr marL="285840" indent="-269280">
               <a:lnSpc>
                 <a:spcPct val="150000"/>
               </a:lnSpc>
@@ -34066,7 +34616,7 @@
             </a:endParaRPr>
           </a:p>
           <a:p>
-            <a:pPr marL="285840" indent="-270360">
+            <a:pPr marL="285840" indent="-269280">
               <a:lnSpc>
                 <a:spcPct val="150000"/>
               </a:lnSpc>
@@ -34111,7 +34661,7 @@
             </a:endParaRPr>
           </a:p>
           <a:p>
-            <a:pPr marL="285840" indent="-270360">
+            <a:pPr marL="285840" indent="-269280">
               <a:lnSpc>
                 <a:spcPct val="150000"/>
               </a:lnSpc>
@@ -34146,7 +34696,7 @@
             </a:endParaRPr>
           </a:p>
           <a:p>
-            <a:pPr marL="285840" indent="-270360">
+            <a:pPr marL="285840" indent="-269280">
               <a:lnSpc>
                 <a:spcPct val="150000"/>
               </a:lnSpc>
@@ -34746,7 +35296,7 @@
         <p:spPr>
           <a:xfrm>
             <a:off x="246600" y="1742040"/>
-            <a:ext cx="11698920" cy="394560"/>
+            <a:ext cx="11697840" cy="394560"/>
           </a:xfrm>
           <a:prstGeom prst="rect">
             <a:avLst/>
@@ -34837,7 +35387,7 @@
         <p:spPr>
           <a:xfrm>
             <a:off x="1676520" y="2362320"/>
-            <a:ext cx="8823600" cy="912600"/>
+            <a:ext cx="8822520" cy="912600"/>
           </a:xfrm>
           <a:prstGeom prst="rect">
             <a:avLst/>
@@ -34888,7 +35438,7 @@
         <p:spPr>
           <a:xfrm>
             <a:off x="522360" y="3531600"/>
-            <a:ext cx="11060640" cy="363960"/>
+            <a:ext cx="11059560" cy="363960"/>
           </a:xfrm>
           <a:prstGeom prst="rect">
             <a:avLst/>

--- a/redis Ver2.pptx
+++ b/redis Ver2.pptx
@@ -81,6 +81,8 @@
     <p:sldId id="328" r:id="rId76"/>
     <p:sldId id="329" r:id="rId77"/>
     <p:sldId id="330" r:id="rId78"/>
+    <p:sldId id="331" r:id="rId79"/>
+    <p:sldId id="332" r:id="rId80"/>
   </p:sldIdLst>
   <p:sldSz cx="12192000" cy="6858000"/>
   <p:notesSz cx="7559675" cy="10691812"/>
@@ -2889,8 +2891,8 @@
         </p:nvSpPr>
         <p:spPr>
           <a:xfrm rot="5400000">
-            <a:off x="606960" y="6447240"/>
-            <a:ext cx="174240" cy="144000"/>
+            <a:off x="607320" y="6447240"/>
+            <a:ext cx="173880" cy="143640"/>
           </a:xfrm>
           <a:prstGeom prst="triangle">
             <a:avLst>
@@ -2931,7 +2933,7 @@
         <p:spPr>
           <a:xfrm>
             <a:off x="1206360" y="3648240"/>
-            <a:ext cx="9736920" cy="1263600"/>
+            <a:ext cx="9736560" cy="1263240"/>
           </a:xfrm>
           <a:prstGeom prst="rect">
             <a:avLst/>
@@ -2973,7 +2975,7 @@
         <p:spPr>
           <a:xfrm>
             <a:off x="1219320" y="5638680"/>
-            <a:ext cx="9736920" cy="669240"/>
+            <a:ext cx="9736560" cy="668880"/>
           </a:xfrm>
           <a:prstGeom prst="rect">
             <a:avLst/>
@@ -3015,7 +3017,7 @@
         <p:spPr>
           <a:xfrm>
             <a:off x="1206360" y="3648240"/>
-            <a:ext cx="288360" cy="1263600"/>
+            <a:ext cx="288000" cy="1263240"/>
           </a:xfrm>
           <a:prstGeom prst="rect">
             <a:avLst/>
@@ -3054,7 +3056,7 @@
         <p:spPr>
           <a:xfrm>
             <a:off x="1219320" y="5638680"/>
-            <a:ext cx="288360" cy="669240"/>
+            <a:ext cx="288000" cy="668880"/>
           </a:xfrm>
           <a:prstGeom prst="rect">
             <a:avLst/>
@@ -3410,8 +3412,8 @@
         </p:nvSpPr>
         <p:spPr>
           <a:xfrm rot="5400000">
-            <a:off x="606960" y="6447240"/>
-            <a:ext cx="174240" cy="144000"/>
+            <a:off x="607320" y="6447240"/>
+            <a:ext cx="173880" cy="143640"/>
           </a:xfrm>
           <a:prstGeom prst="triangle">
             <a:avLst>
@@ -3480,8 +3482,8 @@
         </p:nvSpPr>
         <p:spPr>
           <a:xfrm rot="5400000">
-            <a:off x="606960" y="6447240"/>
-            <a:ext cx="174240" cy="144000"/>
+            <a:off x="607320" y="6447240"/>
+            <a:ext cx="173880" cy="143640"/>
           </a:xfrm>
           <a:prstGeom prst="triangle">
             <a:avLst>
@@ -3775,7 +3777,7 @@
         <p:spPr>
           <a:xfrm>
             <a:off x="1975680" y="3553920"/>
-            <a:ext cx="8517960" cy="974160"/>
+            <a:ext cx="8517600" cy="973800"/>
           </a:xfrm>
           <a:prstGeom prst="rect">
             <a:avLst/>
@@ -3832,7 +3834,7 @@
         <p:spPr>
           <a:xfrm>
             <a:off x="181440" y="2001960"/>
-            <a:ext cx="2837880" cy="2837880"/>
+            <a:ext cx="2837520" cy="2837520"/>
           </a:xfrm>
           <a:prstGeom prst="rect">
             <a:avLst/>
@@ -3851,7 +3853,7 @@
         <p:spPr>
           <a:xfrm>
             <a:off x="720000" y="5158800"/>
-            <a:ext cx="10868040" cy="1173240"/>
+            <a:ext cx="10867680" cy="1172880"/>
           </a:xfrm>
           <a:prstGeom prst="rect">
             <a:avLst/>
@@ -3914,7 +3916,7 @@
         <p:spPr>
           <a:xfrm>
             <a:off x="181440" y="196560"/>
-            <a:ext cx="2837880" cy="1051200"/>
+            <a:ext cx="2837520" cy="1050840"/>
           </a:xfrm>
           <a:prstGeom prst="rect">
             <a:avLst/>
@@ -3933,7 +3935,7 @@
         <p:spPr>
           <a:xfrm>
             <a:off x="3557880" y="93600"/>
-            <a:ext cx="8436240" cy="3045240"/>
+            <a:ext cx="8435880" cy="3045240"/>
           </a:xfrm>
           <a:prstGeom prst="rect">
             <a:avLst/>
@@ -4018,7 +4020,7 @@
         <p:spPr>
           <a:xfrm>
             <a:off x="181440" y="196920"/>
-            <a:ext cx="2839680" cy="1053000"/>
+            <a:ext cx="2839320" cy="1052640"/>
           </a:xfrm>
           <a:prstGeom prst="rect">
             <a:avLst/>
@@ -4041,7 +4043,7 @@
         <p:spPr>
           <a:xfrm>
             <a:off x="57960" y="2448000"/>
-            <a:ext cx="3535920" cy="3535920"/>
+            <a:ext cx="3535560" cy="3535560"/>
           </a:xfrm>
           <a:prstGeom prst="rect">
             <a:avLst/>
@@ -4060,7 +4062,7 @@
         <p:spPr>
           <a:xfrm>
             <a:off x="7632000" y="4716000"/>
-            <a:ext cx="3452040" cy="398880"/>
+            <a:ext cx="3451680" cy="398520"/>
           </a:xfrm>
           <a:prstGeom prst="rect">
             <a:avLst/>
@@ -4191,7 +4193,7 @@
         <p:spPr>
           <a:xfrm>
             <a:off x="248400" y="0"/>
-            <a:ext cx="11696040" cy="699120"/>
+            <a:ext cx="11695680" cy="699120"/>
           </a:xfrm>
           <a:prstGeom prst="rect">
             <a:avLst/>
@@ -4246,7 +4248,7 @@
         <p:spPr>
           <a:xfrm>
             <a:off x="248400" y="762120"/>
-            <a:ext cx="11696040" cy="1186920"/>
+            <a:ext cx="11695680" cy="1186920"/>
           </a:xfrm>
           <a:prstGeom prst="rect">
             <a:avLst/>
@@ -4367,7 +4369,7 @@
         <p:spPr>
           <a:xfrm>
             <a:off x="1523880" y="3801960"/>
-            <a:ext cx="8873280" cy="2147040"/>
+            <a:ext cx="8872920" cy="2147040"/>
           </a:xfrm>
           <a:prstGeom prst="rect">
             <a:avLst/>
@@ -4388,7 +4390,7 @@
             <a:spAutoFit/>
           </a:bodyPr>
           <a:p>
-            <a:pPr marL="285840" indent="-269280">
+            <a:pPr marL="285840" indent="-268920">
               <a:lnSpc>
                 <a:spcPct val="150000"/>
               </a:lnSpc>
@@ -4433,7 +4435,7 @@
             </a:endParaRPr>
           </a:p>
           <a:p>
-            <a:pPr marL="285840" indent="-269280">
+            <a:pPr marL="285840" indent="-268920">
               <a:lnSpc>
                 <a:spcPct val="150000"/>
               </a:lnSpc>
@@ -4478,7 +4480,7 @@
             </a:endParaRPr>
           </a:p>
           <a:p>
-            <a:pPr marL="285840" indent="-269280">
+            <a:pPr marL="285840" indent="-268920">
               <a:lnSpc>
                 <a:spcPct val="150000"/>
               </a:lnSpc>
@@ -4523,7 +4525,7 @@
             </a:endParaRPr>
           </a:p>
           <a:p>
-            <a:pPr marL="285840" indent="-269280">
+            <a:pPr marL="285840" indent="-268920">
               <a:lnSpc>
                 <a:spcPct val="150000"/>
               </a:lnSpc>
@@ -4613,7 +4615,7 @@
         <p:spPr>
           <a:xfrm>
             <a:off x="246600" y="2133720"/>
-            <a:ext cx="11697840" cy="699480"/>
+            <a:ext cx="11697480" cy="699480"/>
           </a:xfrm>
           <a:prstGeom prst="rect">
             <a:avLst/>
@@ -4714,7 +4716,7 @@
         <p:spPr>
           <a:xfrm>
             <a:off x="1676520" y="2362320"/>
-            <a:ext cx="8822520" cy="912600"/>
+            <a:ext cx="8822160" cy="912600"/>
           </a:xfrm>
           <a:prstGeom prst="rect">
             <a:avLst/>
@@ -4765,7 +4767,7 @@
         <p:spPr>
           <a:xfrm>
             <a:off x="522360" y="3531600"/>
-            <a:ext cx="11059560" cy="363960"/>
+            <a:ext cx="11059200" cy="363960"/>
           </a:xfrm>
           <a:prstGeom prst="rect">
             <a:avLst/>
@@ -4846,7 +4848,7 @@
         <p:spPr>
           <a:xfrm>
             <a:off x="248400" y="0"/>
-            <a:ext cx="11696040" cy="699120"/>
+            <a:ext cx="11695680" cy="699120"/>
           </a:xfrm>
           <a:prstGeom prst="rect">
             <a:avLst/>
@@ -4901,7 +4903,7 @@
         <p:spPr>
           <a:xfrm>
             <a:off x="248400" y="762120"/>
-            <a:ext cx="11696040" cy="1186920"/>
+            <a:ext cx="11695680" cy="1186920"/>
           </a:xfrm>
           <a:prstGeom prst="rect">
             <a:avLst/>
@@ -5002,7 +5004,7 @@
         <p:spPr>
           <a:xfrm>
             <a:off x="1523880" y="3480480"/>
-            <a:ext cx="8873280" cy="2558520"/>
+            <a:ext cx="8872920" cy="2558520"/>
           </a:xfrm>
           <a:prstGeom prst="rect">
             <a:avLst/>
@@ -5023,7 +5025,7 @@
             <a:spAutoFit/>
           </a:bodyPr>
           <a:p>
-            <a:pPr marL="285840" indent="-269280">
+            <a:pPr marL="285840" indent="-268920">
               <a:lnSpc>
                 <a:spcPct val="150000"/>
               </a:lnSpc>
@@ -5068,7 +5070,7 @@
             </a:endParaRPr>
           </a:p>
           <a:p>
-            <a:pPr marL="285840" indent="-269280">
+            <a:pPr marL="285840" indent="-268920">
               <a:lnSpc>
                 <a:spcPct val="150000"/>
               </a:lnSpc>
@@ -5113,7 +5115,7 @@
             </a:endParaRPr>
           </a:p>
           <a:p>
-            <a:pPr marL="285840" indent="-269280">
+            <a:pPr marL="285840" indent="-268920">
               <a:lnSpc>
                 <a:spcPct val="150000"/>
               </a:lnSpc>
@@ -5158,7 +5160,7 @@
             </a:endParaRPr>
           </a:p>
           <a:p>
-            <a:pPr marL="285840" indent="-269280">
+            <a:pPr marL="285840" indent="-268920">
               <a:lnSpc>
                 <a:spcPct val="150000"/>
               </a:lnSpc>
@@ -5203,7 +5205,7 @@
             </a:endParaRPr>
           </a:p>
           <a:p>
-            <a:pPr marL="285840" indent="-269280">
+            <a:pPr marL="285840" indent="-268920">
               <a:lnSpc>
                 <a:spcPct val="150000"/>
               </a:lnSpc>
@@ -5238,7 +5240,7 @@
             </a:endParaRPr>
           </a:p>
           <a:p>
-            <a:pPr marL="285840" indent="-269280">
+            <a:pPr marL="285840" indent="-268920">
               <a:lnSpc>
                 <a:spcPct val="150000"/>
               </a:lnSpc>
@@ -5318,7 +5320,7 @@
         <p:spPr>
           <a:xfrm>
             <a:off x="246600" y="2206440"/>
-            <a:ext cx="11697840" cy="699480"/>
+            <a:ext cx="11697480" cy="699480"/>
           </a:xfrm>
           <a:prstGeom prst="rect">
             <a:avLst/>
@@ -5419,7 +5421,7 @@
         <p:spPr>
           <a:xfrm>
             <a:off x="1676520" y="2362320"/>
-            <a:ext cx="8822520" cy="1735560"/>
+            <a:ext cx="8822160" cy="1735560"/>
           </a:xfrm>
           <a:prstGeom prst="rect">
             <a:avLst/>
@@ -5470,7 +5472,7 @@
         <p:spPr>
           <a:xfrm>
             <a:off x="522360" y="4323600"/>
-            <a:ext cx="11059560" cy="363960"/>
+            <a:ext cx="11059200" cy="363960"/>
           </a:xfrm>
           <a:prstGeom prst="rect">
             <a:avLst/>
@@ -5551,7 +5553,7 @@
         <p:spPr>
           <a:xfrm>
             <a:off x="248400" y="0"/>
-            <a:ext cx="11696040" cy="699120"/>
+            <a:ext cx="11695680" cy="699120"/>
           </a:xfrm>
           <a:prstGeom prst="rect">
             <a:avLst/>
@@ -5606,7 +5608,7 @@
         <p:spPr>
           <a:xfrm>
             <a:off x="248400" y="762120"/>
-            <a:ext cx="11696040" cy="2009880"/>
+            <a:ext cx="11695680" cy="2009880"/>
           </a:xfrm>
           <a:prstGeom prst="rect">
             <a:avLst/>
@@ -5747,7 +5749,7 @@
         <p:spPr>
           <a:xfrm>
             <a:off x="1523880" y="4344480"/>
-            <a:ext cx="8873280" cy="2147040"/>
+            <a:ext cx="8872920" cy="2147040"/>
           </a:xfrm>
           <a:prstGeom prst="rect">
             <a:avLst/>
@@ -5768,7 +5770,7 @@
             <a:spAutoFit/>
           </a:bodyPr>
           <a:p>
-            <a:pPr marL="285840" indent="-269280">
+            <a:pPr marL="285840" indent="-268920">
               <a:lnSpc>
                 <a:spcPct val="150000"/>
               </a:lnSpc>
@@ -5813,7 +5815,7 @@
             </a:endParaRPr>
           </a:p>
           <a:p>
-            <a:pPr marL="285840" indent="-269280">
+            <a:pPr marL="285840" indent="-268920">
               <a:lnSpc>
                 <a:spcPct val="150000"/>
               </a:lnSpc>
@@ -5858,7 +5860,7 @@
             </a:endParaRPr>
           </a:p>
           <a:p>
-            <a:pPr marL="285840" indent="-269280">
+            <a:pPr marL="285840" indent="-268920">
               <a:lnSpc>
                 <a:spcPct val="150000"/>
               </a:lnSpc>
@@ -5903,7 +5905,7 @@
             </a:endParaRPr>
           </a:p>
           <a:p>
-            <a:pPr marL="285840" indent="-269280">
+            <a:pPr marL="285840" indent="-268920">
               <a:lnSpc>
                 <a:spcPct val="150000"/>
               </a:lnSpc>
@@ -5948,7 +5950,7 @@
             </a:endParaRPr>
           </a:p>
           <a:p>
-            <a:pPr marL="285840" indent="-269280">
+            <a:pPr marL="285840" indent="-268920">
               <a:lnSpc>
                 <a:spcPct val="150000"/>
               </a:lnSpc>
@@ -6038,7 +6040,7 @@
         <p:spPr>
           <a:xfrm>
             <a:off x="246600" y="2845080"/>
-            <a:ext cx="11697840" cy="1309320"/>
+            <a:ext cx="11697480" cy="1309320"/>
           </a:xfrm>
           <a:prstGeom prst="rect">
             <a:avLst/>
@@ -6179,7 +6181,7 @@
         <p:spPr>
           <a:xfrm>
             <a:off x="1676520" y="2362320"/>
-            <a:ext cx="8822520" cy="912600"/>
+            <a:ext cx="8822160" cy="912600"/>
           </a:xfrm>
           <a:prstGeom prst="rect">
             <a:avLst/>
@@ -6230,7 +6232,7 @@
         <p:spPr>
           <a:xfrm>
             <a:off x="522360" y="3531600"/>
-            <a:ext cx="11059560" cy="363960"/>
+            <a:ext cx="11059200" cy="363960"/>
           </a:xfrm>
           <a:prstGeom prst="rect">
             <a:avLst/>
@@ -6311,7 +6313,7 @@
         <p:spPr>
           <a:xfrm>
             <a:off x="248400" y="0"/>
-            <a:ext cx="11696040" cy="699120"/>
+            <a:ext cx="11695680" cy="699120"/>
           </a:xfrm>
           <a:prstGeom prst="rect">
             <a:avLst/>
@@ -6366,7 +6368,7 @@
         <p:spPr>
           <a:xfrm>
             <a:off x="248400" y="762120"/>
-            <a:ext cx="11696040" cy="912600"/>
+            <a:ext cx="11695680" cy="912600"/>
           </a:xfrm>
           <a:prstGeom prst="rect">
             <a:avLst/>
@@ -6467,7 +6469,7 @@
         <p:spPr>
           <a:xfrm>
             <a:off x="1600200" y="2685600"/>
-            <a:ext cx="8873280" cy="1735560"/>
+            <a:ext cx="8872920" cy="1735560"/>
           </a:xfrm>
           <a:prstGeom prst="rect">
             <a:avLst/>
@@ -6488,7 +6490,7 @@
             <a:spAutoFit/>
           </a:bodyPr>
           <a:p>
-            <a:pPr marL="285840" indent="-269280">
+            <a:pPr marL="285840" indent="-268920">
               <a:lnSpc>
                 <a:spcPct val="150000"/>
               </a:lnSpc>
@@ -6533,7 +6535,7 @@
             </a:endParaRPr>
           </a:p>
           <a:p>
-            <a:pPr marL="285840" indent="-269280">
+            <a:pPr marL="285840" indent="-268920">
               <a:lnSpc>
                 <a:spcPct val="150000"/>
               </a:lnSpc>
@@ -6578,7 +6580,7 @@
             </a:endParaRPr>
           </a:p>
           <a:p>
-            <a:pPr marL="285840" indent="-269280">
+            <a:pPr marL="285840" indent="-268920">
               <a:lnSpc>
                 <a:spcPct val="150000"/>
               </a:lnSpc>
@@ -6623,7 +6625,7 @@
             </a:endParaRPr>
           </a:p>
           <a:p>
-            <a:pPr marL="285840" indent="-269280">
+            <a:pPr marL="285840" indent="-268920">
               <a:lnSpc>
                 <a:spcPct val="150000"/>
               </a:lnSpc>
@@ -6678,7 +6680,7 @@
         <p:spPr>
           <a:xfrm>
             <a:off x="1656000" y="4533480"/>
-            <a:ext cx="8983800" cy="1353960"/>
+            <a:ext cx="8983440" cy="1353600"/>
           </a:xfrm>
           <a:prstGeom prst="rect">
             <a:avLst/>
@@ -6699,7 +6701,7 @@
             <a:noAutofit/>
           </a:bodyPr>
           <a:p>
-            <a:pPr marL="216000" indent="-202680">
+            <a:pPr marL="216000" indent="-202320">
               <a:lnSpc>
                 <a:spcPct val="150000"/>
               </a:lnSpc>
@@ -6734,7 +6736,7 @@
             </a:endParaRPr>
           </a:p>
           <a:p>
-            <a:pPr marL="216000" indent="-202680">
+            <a:pPr marL="216000" indent="-202320">
               <a:lnSpc>
                 <a:spcPct val="150000"/>
               </a:lnSpc>
@@ -6769,7 +6771,7 @@
             </a:endParaRPr>
           </a:p>
           <a:p>
-            <a:pPr marL="216000" indent="-202680">
+            <a:pPr marL="216000" indent="-202320">
               <a:lnSpc>
                 <a:spcPct val="150000"/>
               </a:lnSpc>
@@ -6804,7 +6806,7 @@
             </a:endParaRPr>
           </a:p>
           <a:p>
-            <a:pPr marL="216000" indent="-202680">
+            <a:pPr marL="216000" indent="-202320">
               <a:lnSpc>
                 <a:spcPct val="150000"/>
               </a:lnSpc>
@@ -6839,7 +6841,7 @@
             </a:endParaRPr>
           </a:p>
           <a:p>
-            <a:pPr marL="216000" indent="-202680">
+            <a:pPr marL="216000" indent="-202320">
               <a:lnSpc>
                 <a:spcPct val="150000"/>
               </a:lnSpc>
@@ -6919,7 +6921,7 @@
         <p:spPr>
           <a:xfrm>
             <a:off x="246600" y="1742040"/>
-            <a:ext cx="11697840" cy="699480"/>
+            <a:ext cx="11697480" cy="699480"/>
           </a:xfrm>
           <a:prstGeom prst="rect">
             <a:avLst/>
@@ -7020,7 +7022,7 @@
         <p:spPr>
           <a:xfrm>
             <a:off x="1676520" y="2362320"/>
-            <a:ext cx="8822520" cy="912600"/>
+            <a:ext cx="8822160" cy="912600"/>
           </a:xfrm>
           <a:prstGeom prst="rect">
             <a:avLst/>
@@ -7071,7 +7073,7 @@
         <p:spPr>
           <a:xfrm>
             <a:off x="522360" y="3531600"/>
-            <a:ext cx="11059560" cy="363960"/>
+            <a:ext cx="11059200" cy="363960"/>
           </a:xfrm>
           <a:prstGeom prst="rect">
             <a:avLst/>
@@ -7152,7 +7154,7 @@
         <p:spPr>
           <a:xfrm>
             <a:off x="248400" y="0"/>
-            <a:ext cx="11696040" cy="699120"/>
+            <a:ext cx="11695680" cy="699120"/>
           </a:xfrm>
           <a:prstGeom prst="rect">
             <a:avLst/>
@@ -7207,7 +7209,7 @@
         <p:spPr>
           <a:xfrm>
             <a:off x="248400" y="762120"/>
-            <a:ext cx="11696040" cy="668880"/>
+            <a:ext cx="11695680" cy="668880"/>
           </a:xfrm>
           <a:prstGeom prst="rect">
             <a:avLst/>
@@ -7298,7 +7300,7 @@
         <p:spPr>
           <a:xfrm>
             <a:off x="1600200" y="3909600"/>
-            <a:ext cx="8873280" cy="1324080"/>
+            <a:ext cx="8872920" cy="1324080"/>
           </a:xfrm>
           <a:prstGeom prst="rect">
             <a:avLst/>
@@ -7319,7 +7321,7 @@
             <a:spAutoFit/>
           </a:bodyPr>
           <a:p>
-            <a:pPr marL="285840" indent="-269280">
+            <a:pPr marL="285840" indent="-268920">
               <a:lnSpc>
                 <a:spcPct val="150000"/>
               </a:lnSpc>
@@ -7364,7 +7366,7 @@
             </a:endParaRPr>
           </a:p>
           <a:p>
-            <a:pPr marL="285840" indent="-269280">
+            <a:pPr marL="285840" indent="-268920">
               <a:lnSpc>
                 <a:spcPct val="150000"/>
               </a:lnSpc>
@@ -7409,7 +7411,7 @@
             </a:endParaRPr>
           </a:p>
           <a:p>
-            <a:pPr marL="285840" indent="-269280">
+            <a:pPr marL="285840" indent="-268920">
               <a:lnSpc>
                 <a:spcPct val="150000"/>
               </a:lnSpc>
@@ -7464,7 +7466,7 @@
         <p:spPr>
           <a:xfrm>
             <a:off x="1584000" y="5246640"/>
-            <a:ext cx="8839800" cy="1000440"/>
+            <a:ext cx="8839440" cy="1000080"/>
           </a:xfrm>
           <a:prstGeom prst="rect">
             <a:avLst/>
@@ -7515,7 +7517,7 @@
             </a:endParaRPr>
           </a:p>
           <a:p>
-            <a:pPr marL="216000" indent="-199800">
+            <a:pPr marL="216000" indent="-199440">
               <a:lnSpc>
                 <a:spcPct val="100000"/>
               </a:lnSpc>
@@ -7541,7 +7543,7 @@
             </a:endParaRPr>
           </a:p>
           <a:p>
-            <a:pPr marL="216000" indent="-199800">
+            <a:pPr marL="216000" indent="-199440">
               <a:lnSpc>
                 <a:spcPct val="100000"/>
               </a:lnSpc>
@@ -7577,7 +7579,7 @@
         <p:spPr>
           <a:xfrm>
             <a:off x="1576080" y="3161880"/>
-            <a:ext cx="9567720" cy="637920"/>
+            <a:ext cx="9567360" cy="637560"/>
           </a:xfrm>
           <a:prstGeom prst="rect">
             <a:avLst/>
@@ -7693,7 +7695,7 @@
         <p:spPr>
           <a:xfrm>
             <a:off x="246600" y="1742040"/>
-            <a:ext cx="11697840" cy="699480"/>
+            <a:ext cx="11697480" cy="699480"/>
           </a:xfrm>
           <a:prstGeom prst="rect">
             <a:avLst/>
@@ -7794,7 +7796,7 @@
         <p:spPr>
           <a:xfrm>
             <a:off x="1676520" y="2362320"/>
-            <a:ext cx="8822520" cy="912600"/>
+            <a:ext cx="8822160" cy="912600"/>
           </a:xfrm>
           <a:prstGeom prst="rect">
             <a:avLst/>
@@ -7845,7 +7847,7 @@
         <p:spPr>
           <a:xfrm>
             <a:off x="522360" y="3531600"/>
-            <a:ext cx="11059560" cy="363960"/>
+            <a:ext cx="11059200" cy="363960"/>
           </a:xfrm>
           <a:prstGeom prst="rect">
             <a:avLst/>
@@ -7926,7 +7928,7 @@
         <p:spPr>
           <a:xfrm>
             <a:off x="1676520" y="2362320"/>
-            <a:ext cx="8822520" cy="912600"/>
+            <a:ext cx="8822160" cy="912600"/>
           </a:xfrm>
           <a:prstGeom prst="rect">
             <a:avLst/>
@@ -7977,7 +7979,7 @@
         <p:spPr>
           <a:xfrm>
             <a:off x="522360" y="3531600"/>
-            <a:ext cx="11131560" cy="1186920"/>
+            <a:ext cx="11131200" cy="1186920"/>
           </a:xfrm>
           <a:prstGeom prst="rect">
             <a:avLst/>
@@ -8028,7 +8030,7 @@
         <p:spPr>
           <a:xfrm>
             <a:off x="1666800" y="609480"/>
-            <a:ext cx="8822520" cy="394560"/>
+            <a:ext cx="8822160" cy="394560"/>
           </a:xfrm>
           <a:prstGeom prst="rect">
             <a:avLst/>
@@ -8109,7 +8111,7 @@
         <p:spPr>
           <a:xfrm>
             <a:off x="248400" y="0"/>
-            <a:ext cx="11696040" cy="699120"/>
+            <a:ext cx="11695680" cy="699120"/>
           </a:xfrm>
           <a:prstGeom prst="rect">
             <a:avLst/>
@@ -8164,7 +8166,7 @@
         <p:spPr>
           <a:xfrm>
             <a:off x="248400" y="762120"/>
-            <a:ext cx="11696040" cy="1461240"/>
+            <a:ext cx="11695680" cy="1461240"/>
           </a:xfrm>
           <a:prstGeom prst="rect">
             <a:avLst/>
@@ -8265,7 +8267,7 @@
         <p:spPr>
           <a:xfrm>
             <a:off x="1600200" y="3585600"/>
-            <a:ext cx="8873280" cy="2558520"/>
+            <a:ext cx="8872920" cy="2558520"/>
           </a:xfrm>
           <a:prstGeom prst="rect">
             <a:avLst/>
@@ -8306,7 +8308,7 @@
             </a:endParaRPr>
           </a:p>
           <a:p>
-            <a:pPr marL="285840" indent="-269280">
+            <a:pPr marL="285840" indent="-268920">
               <a:lnSpc>
                 <a:spcPct val="150000"/>
               </a:lnSpc>
@@ -8351,7 +8353,7 @@
             </a:endParaRPr>
           </a:p>
           <a:p>
-            <a:pPr marL="285840" indent="-269280">
+            <a:pPr marL="285840" indent="-268920">
               <a:lnSpc>
                 <a:spcPct val="150000"/>
               </a:lnSpc>
@@ -8416,7 +8418,7 @@
             </a:endParaRPr>
           </a:p>
           <a:p>
-            <a:pPr marL="285840" indent="-269280">
+            <a:pPr marL="285840" indent="-268920">
               <a:lnSpc>
                 <a:spcPct val="150000"/>
               </a:lnSpc>
@@ -8461,7 +8463,7 @@
             </a:endParaRPr>
           </a:p>
           <a:p>
-            <a:pPr marL="285840" indent="-269280">
+            <a:pPr marL="285840" indent="-268920">
               <a:lnSpc>
                 <a:spcPct val="150000"/>
               </a:lnSpc>
@@ -8551,7 +8553,7 @@
         <p:spPr>
           <a:xfrm>
             <a:off x="246600" y="2322360"/>
-            <a:ext cx="11697840" cy="699480"/>
+            <a:ext cx="11697480" cy="699480"/>
           </a:xfrm>
           <a:prstGeom prst="rect">
             <a:avLst/>
@@ -8652,7 +8654,7 @@
         <p:spPr>
           <a:xfrm>
             <a:off x="1676520" y="2362320"/>
-            <a:ext cx="8822520" cy="1735560"/>
+            <a:ext cx="8822160" cy="1735560"/>
           </a:xfrm>
           <a:prstGeom prst="rect">
             <a:avLst/>
@@ -8703,7 +8705,7 @@
         <p:spPr>
           <a:xfrm>
             <a:off x="522360" y="3531600"/>
-            <a:ext cx="11059560" cy="363960"/>
+            <a:ext cx="11059200" cy="363960"/>
           </a:xfrm>
           <a:prstGeom prst="rect">
             <a:avLst/>
@@ -8784,7 +8786,7 @@
         <p:spPr>
           <a:xfrm>
             <a:off x="248400" y="0"/>
-            <a:ext cx="11696040" cy="699120"/>
+            <a:ext cx="11695680" cy="699120"/>
           </a:xfrm>
           <a:prstGeom prst="rect">
             <a:avLst/>
@@ -8839,7 +8841,7 @@
         <p:spPr>
           <a:xfrm>
             <a:off x="248400" y="762120"/>
-            <a:ext cx="11618640" cy="2284200"/>
+            <a:ext cx="11618280" cy="2284200"/>
           </a:xfrm>
           <a:prstGeom prst="rect">
             <a:avLst/>
@@ -8980,7 +8982,7 @@
         <p:spPr>
           <a:xfrm>
             <a:off x="864000" y="4197600"/>
-            <a:ext cx="11003040" cy="1324080"/>
+            <a:ext cx="11002680" cy="1324080"/>
           </a:xfrm>
           <a:prstGeom prst="rect">
             <a:avLst/>
@@ -9001,7 +9003,7 @@
             <a:spAutoFit/>
           </a:bodyPr>
           <a:p>
-            <a:pPr marL="285840" indent="-269280">
+            <a:pPr marL="285840" indent="-268920">
               <a:lnSpc>
                 <a:spcPct val="150000"/>
               </a:lnSpc>
@@ -9046,7 +9048,7 @@
             </a:endParaRPr>
           </a:p>
           <a:p>
-            <a:pPr marL="285840" indent="-269280">
+            <a:pPr marL="285840" indent="-268920">
               <a:lnSpc>
                 <a:spcPct val="150000"/>
               </a:lnSpc>
@@ -9091,7 +9093,7 @@
             </a:endParaRPr>
           </a:p>
           <a:p>
-            <a:pPr marL="285840" indent="-269280">
+            <a:pPr marL="285840" indent="-268920">
               <a:lnSpc>
                 <a:spcPct val="150000"/>
               </a:lnSpc>
@@ -9146,7 +9148,7 @@
         <p:spPr>
           <a:xfrm>
             <a:off x="1584000" y="5610240"/>
-            <a:ext cx="8839800" cy="1000440"/>
+            <a:ext cx="8839440" cy="1000080"/>
           </a:xfrm>
           <a:prstGeom prst="rect">
             <a:avLst/>
@@ -9197,7 +9199,7 @@
             </a:endParaRPr>
           </a:p>
           <a:p>
-            <a:pPr marL="285840" indent="-272160">
+            <a:pPr marL="285840" indent="-271800">
               <a:lnSpc>
                 <a:spcPct val="100000"/>
               </a:lnSpc>
@@ -9232,7 +9234,7 @@
             </a:endParaRPr>
           </a:p>
           <a:p>
-            <a:pPr marL="285840" indent="-272160">
+            <a:pPr marL="285840" indent="-271800">
               <a:lnSpc>
                 <a:spcPct val="100000"/>
               </a:lnSpc>
@@ -9312,7 +9314,7 @@
         <p:spPr>
           <a:xfrm>
             <a:off x="246600" y="3120840"/>
-            <a:ext cx="11697840" cy="1004400"/>
+            <a:ext cx="11697480" cy="1004400"/>
           </a:xfrm>
           <a:prstGeom prst="rect">
             <a:avLst/>
@@ -9433,7 +9435,7 @@
         <p:spPr>
           <a:xfrm>
             <a:off x="1676520" y="2362320"/>
-            <a:ext cx="8822520" cy="1735560"/>
+            <a:ext cx="8822160" cy="1735560"/>
           </a:xfrm>
           <a:prstGeom prst="rect">
             <a:avLst/>
@@ -9484,7 +9486,7 @@
         <p:spPr>
           <a:xfrm>
             <a:off x="522360" y="3531600"/>
-            <a:ext cx="11059560" cy="363960"/>
+            <a:ext cx="11059200" cy="363960"/>
           </a:xfrm>
           <a:prstGeom prst="rect">
             <a:avLst/>
@@ -10444,7 +10446,7 @@
                       <a:noAutofit/>
                     </a:bodyPr>
                     <a:p>
-                      <a:pPr marL="216000" indent="-213120" algn="ctr">
+                      <a:pPr marL="216000" indent="-212760" algn="ctr">
                         <a:lnSpc>
                           <a:spcPct val="100000"/>
                         </a:lnSpc>
@@ -10757,7 +10759,7 @@
         <p:spPr>
           <a:xfrm>
             <a:off x="248400" y="0"/>
-            <a:ext cx="11696040" cy="699120"/>
+            <a:ext cx="11695680" cy="699120"/>
           </a:xfrm>
           <a:prstGeom prst="rect">
             <a:avLst/>
@@ -10812,7 +10814,7 @@
         <p:spPr>
           <a:xfrm>
             <a:off x="248400" y="762120"/>
-            <a:ext cx="11696040" cy="2284200"/>
+            <a:ext cx="11695680" cy="2284200"/>
           </a:xfrm>
           <a:prstGeom prst="rect">
             <a:avLst/>
@@ -10953,7 +10955,7 @@
         <p:spPr>
           <a:xfrm>
             <a:off x="1600200" y="4593600"/>
-            <a:ext cx="8873280" cy="912600"/>
+            <a:ext cx="8872920" cy="912600"/>
           </a:xfrm>
           <a:prstGeom prst="rect">
             <a:avLst/>
@@ -10974,7 +10976,7 @@
             <a:spAutoFit/>
           </a:bodyPr>
           <a:p>
-            <a:pPr marL="285840" indent="-269280">
+            <a:pPr marL="285840" indent="-268920">
               <a:lnSpc>
                 <a:spcPct val="150000"/>
               </a:lnSpc>
@@ -11019,7 +11021,7 @@
             </a:endParaRPr>
           </a:p>
           <a:p>
-            <a:pPr marL="285840" indent="-269280">
+            <a:pPr marL="285840" indent="-268920">
               <a:lnSpc>
                 <a:spcPct val="150000"/>
               </a:lnSpc>
@@ -11074,7 +11076,7 @@
         <p:spPr>
           <a:xfrm>
             <a:off x="1584000" y="5790240"/>
-            <a:ext cx="8839800" cy="64800"/>
+            <a:ext cx="8839440" cy="64440"/>
           </a:xfrm>
           <a:prstGeom prst="rect">
             <a:avLst/>
@@ -11125,7 +11127,7 @@
             </a:endParaRPr>
           </a:p>
           <a:p>
-            <a:pPr marL="285840" indent="-272160">
+            <a:pPr marL="285840" indent="-271800">
               <a:lnSpc>
                 <a:spcPct val="100000"/>
               </a:lnSpc>
@@ -11195,7 +11197,7 @@
         <p:spPr>
           <a:xfrm>
             <a:off x="246600" y="3048120"/>
-            <a:ext cx="11697840" cy="1004400"/>
+            <a:ext cx="11697480" cy="1004400"/>
           </a:xfrm>
           <a:prstGeom prst="rect">
             <a:avLst/>
@@ -11316,7 +11318,7 @@
         <p:spPr>
           <a:xfrm>
             <a:off x="1676520" y="2362320"/>
-            <a:ext cx="8822520" cy="912600"/>
+            <a:ext cx="8822160" cy="912600"/>
           </a:xfrm>
           <a:prstGeom prst="rect">
             <a:avLst/>
@@ -11367,7 +11369,7 @@
         <p:spPr>
           <a:xfrm>
             <a:off x="522360" y="3531600"/>
-            <a:ext cx="11059560" cy="363960"/>
+            <a:ext cx="11059200" cy="363960"/>
           </a:xfrm>
           <a:prstGeom prst="rect">
             <a:avLst/>
@@ -12122,7 +12124,7 @@
         <p:spPr>
           <a:xfrm>
             <a:off x="248400" y="0"/>
-            <a:ext cx="11696040" cy="699120"/>
+            <a:ext cx="11695680" cy="699120"/>
           </a:xfrm>
           <a:prstGeom prst="rect">
             <a:avLst/>
@@ -12177,7 +12179,7 @@
         <p:spPr>
           <a:xfrm>
             <a:off x="248400" y="762120"/>
-            <a:ext cx="11696040" cy="1461240"/>
+            <a:ext cx="11695680" cy="1461240"/>
           </a:xfrm>
           <a:prstGeom prst="rect">
             <a:avLst/>
@@ -12278,7 +12280,7 @@
         <p:spPr>
           <a:xfrm>
             <a:off x="1600200" y="3621600"/>
-            <a:ext cx="8873280" cy="912600"/>
+            <a:ext cx="8872920" cy="912600"/>
           </a:xfrm>
           <a:prstGeom prst="rect">
             <a:avLst/>
@@ -12299,7 +12301,7 @@
             <a:spAutoFit/>
           </a:bodyPr>
           <a:p>
-            <a:pPr marL="285840" indent="-269280">
+            <a:pPr marL="285840" indent="-268920">
               <a:lnSpc>
                 <a:spcPct val="150000"/>
               </a:lnSpc>
@@ -12344,7 +12346,7 @@
             </a:endParaRPr>
           </a:p>
           <a:p>
-            <a:pPr marL="285840" indent="-269280">
+            <a:pPr marL="285840" indent="-268920">
               <a:lnSpc>
                 <a:spcPct val="150000"/>
               </a:lnSpc>
@@ -12399,7 +12401,7 @@
         <p:spPr>
           <a:xfrm>
             <a:off x="1584000" y="5106240"/>
-            <a:ext cx="8839800" cy="64800"/>
+            <a:ext cx="8839440" cy="64440"/>
           </a:xfrm>
           <a:prstGeom prst="rect">
             <a:avLst/>
@@ -12450,7 +12452,7 @@
             </a:endParaRPr>
           </a:p>
           <a:p>
-            <a:pPr marL="285840" indent="-272160">
+            <a:pPr marL="285840" indent="-271800">
               <a:lnSpc>
                 <a:spcPct val="100000"/>
               </a:lnSpc>
@@ -12520,7 +12522,7 @@
         <p:spPr>
           <a:xfrm>
             <a:off x="246600" y="2395080"/>
-            <a:ext cx="11697840" cy="699480"/>
+            <a:ext cx="11697480" cy="699480"/>
           </a:xfrm>
           <a:prstGeom prst="rect">
             <a:avLst/>
@@ -12621,7 +12623,7 @@
         <p:spPr>
           <a:xfrm>
             <a:off x="1676520" y="2362320"/>
-            <a:ext cx="8822520" cy="912600"/>
+            <a:ext cx="8822160" cy="912600"/>
           </a:xfrm>
           <a:prstGeom prst="rect">
             <a:avLst/>
@@ -12672,7 +12674,7 @@
         <p:spPr>
           <a:xfrm>
             <a:off x="522360" y="3531600"/>
-            <a:ext cx="11059560" cy="363960"/>
+            <a:ext cx="11059200" cy="363960"/>
           </a:xfrm>
           <a:prstGeom prst="rect">
             <a:avLst/>
@@ -12753,7 +12755,7 @@
         <p:spPr>
           <a:xfrm>
             <a:off x="248400" y="0"/>
-            <a:ext cx="11696040" cy="699120"/>
+            <a:ext cx="11695680" cy="699120"/>
           </a:xfrm>
           <a:prstGeom prst="rect">
             <a:avLst/>
@@ -12808,7 +12810,7 @@
         <p:spPr>
           <a:xfrm>
             <a:off x="248400" y="762120"/>
-            <a:ext cx="11696040" cy="1186920"/>
+            <a:ext cx="11695680" cy="1186920"/>
           </a:xfrm>
           <a:prstGeom prst="rect">
             <a:avLst/>
@@ -12909,7 +12911,7 @@
         <p:spPr>
           <a:xfrm>
             <a:off x="1600200" y="3621600"/>
-            <a:ext cx="8873280" cy="912600"/>
+            <a:ext cx="8872920" cy="912600"/>
           </a:xfrm>
           <a:prstGeom prst="rect">
             <a:avLst/>
@@ -12930,7 +12932,7 @@
             <a:spAutoFit/>
           </a:bodyPr>
           <a:p>
-            <a:pPr marL="285840" indent="-269280">
+            <a:pPr marL="285840" indent="-268920">
               <a:lnSpc>
                 <a:spcPct val="150000"/>
               </a:lnSpc>
@@ -12975,7 +12977,7 @@
             </a:endParaRPr>
           </a:p>
           <a:p>
-            <a:pPr marL="285840" indent="-269280">
+            <a:pPr marL="285840" indent="-268920">
               <a:lnSpc>
                 <a:spcPct val="150000"/>
               </a:lnSpc>
@@ -13065,7 +13067,7 @@
         <p:spPr>
           <a:xfrm>
             <a:off x="246600" y="2148480"/>
-            <a:ext cx="11697840" cy="699480"/>
+            <a:ext cx="11697480" cy="699480"/>
           </a:xfrm>
           <a:prstGeom prst="rect">
             <a:avLst/>
@@ -13166,7 +13168,7 @@
         <p:spPr>
           <a:xfrm>
             <a:off x="1676520" y="2362320"/>
-            <a:ext cx="8822520" cy="1735560"/>
+            <a:ext cx="8822160" cy="1735560"/>
           </a:xfrm>
           <a:prstGeom prst="rect">
             <a:avLst/>
@@ -13217,7 +13219,7 @@
         <p:spPr>
           <a:xfrm>
             <a:off x="522360" y="4467600"/>
-            <a:ext cx="11059560" cy="363960"/>
+            <a:ext cx="11059200" cy="363960"/>
           </a:xfrm>
           <a:prstGeom prst="rect">
             <a:avLst/>
@@ -13298,7 +13300,7 @@
         <p:spPr>
           <a:xfrm>
             <a:off x="246600" y="2563200"/>
-            <a:ext cx="11701080" cy="851400"/>
+            <a:ext cx="11700720" cy="851400"/>
           </a:xfrm>
           <a:prstGeom prst="rect">
             <a:avLst/>
@@ -13319,7 +13321,7 @@
             <a:spAutoFit/>
           </a:bodyPr>
           <a:p>
-            <a:pPr marL="343080" indent="-326520">
+            <a:pPr marL="343080" indent="-326160">
               <a:lnSpc>
                 <a:spcPct val="100000"/>
               </a:lnSpc>
@@ -13374,7 +13376,7 @@
             </a:endParaRPr>
           </a:p>
           <a:p>
-            <a:pPr marL="343080" indent="-326520">
+            <a:pPr marL="343080" indent="-326160">
               <a:lnSpc>
                 <a:spcPct val="100000"/>
               </a:lnSpc>
@@ -13449,7 +13451,7 @@
         <p:spPr>
           <a:xfrm>
             <a:off x="246600" y="1742040"/>
-            <a:ext cx="11701080" cy="394560"/>
+            <a:ext cx="11700720" cy="394560"/>
           </a:xfrm>
           <a:prstGeom prst="rect">
             <a:avLst/>
@@ -13510,7 +13512,7 @@
         <p:spPr>
           <a:xfrm>
             <a:off x="246600" y="762120"/>
-            <a:ext cx="11701080" cy="363960"/>
+            <a:ext cx="11700720" cy="363960"/>
           </a:xfrm>
           <a:prstGeom prst="rect">
             <a:avLst/>
@@ -13571,7 +13573,7 @@
         <p:spPr>
           <a:xfrm>
             <a:off x="246600" y="4239720"/>
-            <a:ext cx="11701080" cy="1994040"/>
+            <a:ext cx="11700720" cy="1994040"/>
           </a:xfrm>
           <a:prstGeom prst="rect">
             <a:avLst/>
@@ -13632,7 +13634,7 @@
             </a:endParaRPr>
           </a:p>
           <a:p>
-            <a:pPr marL="285840" indent="-269280">
+            <a:pPr marL="285840" indent="-268920">
               <a:lnSpc>
                 <a:spcPct val="100000"/>
               </a:lnSpc>
@@ -13677,7 +13679,7 @@
             </a:endParaRPr>
           </a:p>
           <a:p>
-            <a:pPr marL="285840" indent="-269280">
+            <a:pPr marL="285840" indent="-268920">
               <a:lnSpc>
                 <a:spcPct val="100000"/>
               </a:lnSpc>
@@ -13722,7 +13724,7 @@
             </a:endParaRPr>
           </a:p>
           <a:p>
-            <a:pPr marL="285840" indent="-269280">
+            <a:pPr marL="285840" indent="-268920">
               <a:lnSpc>
                 <a:spcPct val="150000"/>
               </a:lnSpc>
@@ -13787,7 +13789,7 @@
         <p:spPr>
           <a:xfrm>
             <a:off x="246600" y="3678480"/>
-            <a:ext cx="8695800" cy="339840"/>
+            <a:ext cx="8695440" cy="339480"/>
           </a:xfrm>
           <a:prstGeom prst="rect">
             <a:avLst/>
@@ -13858,7 +13860,7 @@
         <p:spPr>
           <a:xfrm>
             <a:off x="246600" y="0"/>
-            <a:ext cx="11701080" cy="699120"/>
+            <a:ext cx="11700720" cy="699120"/>
           </a:xfrm>
           <a:prstGeom prst="rect">
             <a:avLst/>
@@ -13913,7 +13915,7 @@
         <p:spPr>
           <a:xfrm>
             <a:off x="246600" y="6212880"/>
-            <a:ext cx="11234520" cy="483840"/>
+            <a:ext cx="11234160" cy="483480"/>
           </a:xfrm>
           <a:prstGeom prst="rect">
             <a:avLst/>
@@ -13994,7 +13996,7 @@
         <p:spPr>
           <a:xfrm>
             <a:off x="6357240" y="5906160"/>
-            <a:ext cx="6243480" cy="375840"/>
+            <a:ext cx="6243120" cy="375480"/>
           </a:xfrm>
           <a:prstGeom prst="rect">
             <a:avLst/>
@@ -14130,7 +14132,7 @@
         <p:spPr>
           <a:xfrm>
             <a:off x="248400" y="0"/>
-            <a:ext cx="11696040" cy="699120"/>
+            <a:ext cx="11695680" cy="699120"/>
           </a:xfrm>
           <a:prstGeom prst="rect">
             <a:avLst/>
@@ -14185,7 +14187,7 @@
         <p:spPr>
           <a:xfrm>
             <a:off x="248400" y="762120"/>
-            <a:ext cx="11696040" cy="2284200"/>
+            <a:ext cx="11695680" cy="2284200"/>
           </a:xfrm>
           <a:prstGeom prst="rect">
             <a:avLst/>
@@ -14446,7 +14448,7 @@
         <p:spPr>
           <a:xfrm>
             <a:off x="1600200" y="4989600"/>
-            <a:ext cx="8873280" cy="1735560"/>
+            <a:ext cx="8872920" cy="1735560"/>
           </a:xfrm>
           <a:prstGeom prst="rect">
             <a:avLst/>
@@ -14467,7 +14469,7 @@
             <a:spAutoFit/>
           </a:bodyPr>
           <a:p>
-            <a:pPr marL="285840" indent="-269280">
+            <a:pPr marL="285840" indent="-268920">
               <a:lnSpc>
                 <a:spcPct val="150000"/>
               </a:lnSpc>
@@ -14512,7 +14514,7 @@
             </a:endParaRPr>
           </a:p>
           <a:p>
-            <a:pPr marL="285840" indent="-269280">
+            <a:pPr marL="285840" indent="-268920">
               <a:lnSpc>
                 <a:spcPct val="150000"/>
               </a:lnSpc>
@@ -14557,7 +14559,7 @@
             </a:endParaRPr>
           </a:p>
           <a:p>
-            <a:pPr marL="285840" indent="-269280">
+            <a:pPr marL="285840" indent="-268920">
               <a:lnSpc>
                 <a:spcPct val="150000"/>
               </a:lnSpc>
@@ -14622,7 +14624,7 @@
             </a:endParaRPr>
           </a:p>
           <a:p>
-            <a:pPr marL="285840" indent="-269280">
+            <a:pPr marL="285840" indent="-268920">
               <a:lnSpc>
                 <a:spcPct val="150000"/>
               </a:lnSpc>
@@ -14712,7 +14714,7 @@
         <p:spPr>
           <a:xfrm>
             <a:off x="246600" y="2903040"/>
-            <a:ext cx="11697840" cy="1309320"/>
+            <a:ext cx="11697480" cy="1309320"/>
           </a:xfrm>
           <a:prstGeom prst="rect">
             <a:avLst/>
@@ -14853,7 +14855,7 @@
         <p:spPr>
           <a:xfrm>
             <a:off x="1676520" y="2362320"/>
-            <a:ext cx="8822520" cy="1735560"/>
+            <a:ext cx="8822160" cy="1735560"/>
           </a:xfrm>
           <a:prstGeom prst="rect">
             <a:avLst/>
@@ -14904,7 +14906,7 @@
         <p:spPr>
           <a:xfrm>
             <a:off x="522360" y="4251600"/>
-            <a:ext cx="11059560" cy="363960"/>
+            <a:ext cx="11059200" cy="363960"/>
           </a:xfrm>
           <a:prstGeom prst="rect">
             <a:avLst/>
@@ -15190,7 +15192,7 @@
                       <a:noAutofit/>
                     </a:bodyPr>
                     <a:p>
-                      <a:pPr marL="216000" indent="-213120" algn="ctr">
+                      <a:pPr marL="216000" indent="-212760" algn="ctr">
                         <a:lnSpc>
                           <a:spcPct val="100000"/>
                         </a:lnSpc>
@@ -15503,7 +15505,7 @@
         <p:spPr>
           <a:xfrm>
             <a:off x="248400" y="0"/>
-            <a:ext cx="11696040" cy="699120"/>
+            <a:ext cx="11695680" cy="699120"/>
           </a:xfrm>
           <a:prstGeom prst="rect">
             <a:avLst/>
@@ -15558,7 +15560,7 @@
         <p:spPr>
           <a:xfrm>
             <a:off x="248400" y="762120"/>
-            <a:ext cx="11696040" cy="1735560"/>
+            <a:ext cx="11695680" cy="1735560"/>
           </a:xfrm>
           <a:prstGeom prst="rect">
             <a:avLst/>
@@ -15699,7 +15701,7 @@
         <p:spPr>
           <a:xfrm>
             <a:off x="1600200" y="4557600"/>
-            <a:ext cx="8873280" cy="1324080"/>
+            <a:ext cx="8872920" cy="1324080"/>
           </a:xfrm>
           <a:prstGeom prst="rect">
             <a:avLst/>
@@ -15720,7 +15722,7 @@
             <a:spAutoFit/>
           </a:bodyPr>
           <a:p>
-            <a:pPr marL="285840" indent="-269280">
+            <a:pPr marL="285840" indent="-268920">
               <a:lnSpc>
                 <a:spcPct val="150000"/>
               </a:lnSpc>
@@ -15765,7 +15767,7 @@
             </a:endParaRPr>
           </a:p>
           <a:p>
-            <a:pPr marL="285840" indent="-269280">
+            <a:pPr marL="285840" indent="-268920">
               <a:lnSpc>
                 <a:spcPct val="150000"/>
               </a:lnSpc>
@@ -15810,7 +15812,7 @@
             </a:endParaRPr>
           </a:p>
           <a:p>
-            <a:pPr marL="285840" indent="-269280">
+            <a:pPr marL="285840" indent="-268920">
               <a:lnSpc>
                 <a:spcPct val="150000"/>
               </a:lnSpc>
@@ -15900,7 +15902,7 @@
         <p:spPr>
           <a:xfrm>
             <a:off x="246600" y="2496600"/>
-            <a:ext cx="11697840" cy="1004400"/>
+            <a:ext cx="11697480" cy="1004400"/>
           </a:xfrm>
           <a:prstGeom prst="rect">
             <a:avLst/>
@@ -16021,7 +16023,7 @@
         <p:spPr>
           <a:xfrm>
             <a:off x="1676520" y="2362320"/>
-            <a:ext cx="8822520" cy="912600"/>
+            <a:ext cx="8822160" cy="912600"/>
           </a:xfrm>
           <a:prstGeom prst="rect">
             <a:avLst/>
@@ -16072,7 +16074,7 @@
         <p:spPr>
           <a:xfrm>
             <a:off x="1666800" y="609480"/>
-            <a:ext cx="8822520" cy="394560"/>
+            <a:ext cx="8822160" cy="394560"/>
           </a:xfrm>
           <a:prstGeom prst="rect">
             <a:avLst/>
@@ -16123,7 +16125,7 @@
         <p:spPr>
           <a:xfrm>
             <a:off x="522360" y="3531600"/>
-            <a:ext cx="11059560" cy="1186920"/>
+            <a:ext cx="11059200" cy="1186920"/>
           </a:xfrm>
           <a:prstGeom prst="rect">
             <a:avLst/>
@@ -16224,7 +16226,7 @@
         <p:spPr>
           <a:xfrm>
             <a:off x="1676520" y="2362320"/>
-            <a:ext cx="8822520" cy="912600"/>
+            <a:ext cx="8822160" cy="912600"/>
           </a:xfrm>
           <a:prstGeom prst="rect">
             <a:avLst/>
@@ -16275,7 +16277,7 @@
         <p:spPr>
           <a:xfrm>
             <a:off x="522360" y="3531600"/>
-            <a:ext cx="11059560" cy="363960"/>
+            <a:ext cx="11059200" cy="363960"/>
           </a:xfrm>
           <a:prstGeom prst="rect">
             <a:avLst/>
@@ -16356,7 +16358,7 @@
         <p:spPr>
           <a:xfrm>
             <a:off x="248400" y="0"/>
-            <a:ext cx="11696040" cy="699120"/>
+            <a:ext cx="11695680" cy="699120"/>
           </a:xfrm>
           <a:prstGeom prst="rect">
             <a:avLst/>
@@ -16411,7 +16413,7 @@
         <p:spPr>
           <a:xfrm>
             <a:off x="248400" y="762120"/>
-            <a:ext cx="11696040" cy="1461240"/>
+            <a:ext cx="11695680" cy="1461240"/>
           </a:xfrm>
           <a:prstGeom prst="rect">
             <a:avLst/>
@@ -16512,7 +16514,7 @@
         <p:spPr>
           <a:xfrm>
             <a:off x="1600200" y="3585600"/>
-            <a:ext cx="8873280" cy="912600"/>
+            <a:ext cx="8872920" cy="912600"/>
           </a:xfrm>
           <a:prstGeom prst="rect">
             <a:avLst/>
@@ -16533,7 +16535,7 @@
             <a:spAutoFit/>
           </a:bodyPr>
           <a:p>
-            <a:pPr marL="285840" indent="-269280">
+            <a:pPr marL="285840" indent="-268920">
               <a:lnSpc>
                 <a:spcPct val="150000"/>
               </a:lnSpc>
@@ -16578,7 +16580,7 @@
             </a:endParaRPr>
           </a:p>
           <a:p>
-            <a:pPr marL="285840" indent="-269280">
+            <a:pPr marL="285840" indent="-268920">
               <a:lnSpc>
                 <a:spcPct val="150000"/>
               </a:lnSpc>
@@ -16633,7 +16635,7 @@
         <p:spPr>
           <a:xfrm>
             <a:off x="5256000" y="5472000"/>
-            <a:ext cx="5126400" cy="785160"/>
+            <a:ext cx="5126040" cy="784800"/>
           </a:xfrm>
           <a:prstGeom prst="rect">
             <a:avLst/>
@@ -16764,7 +16766,7 @@
         <p:spPr>
           <a:xfrm>
             <a:off x="10514160" y="2592000"/>
-            <a:ext cx="1499040" cy="4057560"/>
+            <a:ext cx="1498680" cy="4057200"/>
           </a:xfrm>
           <a:prstGeom prst="rect">
             <a:avLst/>
@@ -17120,7 +17122,7 @@
         <p:spPr>
           <a:xfrm>
             <a:off x="246600" y="2496600"/>
-            <a:ext cx="11697840" cy="699480"/>
+            <a:ext cx="11697480" cy="699480"/>
           </a:xfrm>
           <a:prstGeom prst="rect">
             <a:avLst/>
@@ -17221,7 +17223,7 @@
         <p:spPr>
           <a:xfrm>
             <a:off x="1676520" y="2362320"/>
-            <a:ext cx="8822520" cy="912600"/>
+            <a:ext cx="8822160" cy="912600"/>
           </a:xfrm>
           <a:prstGeom prst="rect">
             <a:avLst/>
@@ -17272,7 +17274,7 @@
         <p:spPr>
           <a:xfrm>
             <a:off x="522360" y="3531600"/>
-            <a:ext cx="11059560" cy="363960"/>
+            <a:ext cx="11059200" cy="363960"/>
           </a:xfrm>
           <a:prstGeom prst="rect">
             <a:avLst/>
@@ -17353,7 +17355,7 @@
         <p:spPr>
           <a:xfrm>
             <a:off x="248400" y="0"/>
-            <a:ext cx="11696040" cy="699120"/>
+            <a:ext cx="11695680" cy="699120"/>
           </a:xfrm>
           <a:prstGeom prst="rect">
             <a:avLst/>
@@ -17408,7 +17410,7 @@
         <p:spPr>
           <a:xfrm>
             <a:off x="248400" y="762120"/>
-            <a:ext cx="11696040" cy="2009880"/>
+            <a:ext cx="11695680" cy="2009880"/>
           </a:xfrm>
           <a:prstGeom prst="rect">
             <a:avLst/>
@@ -17589,7 +17591,7 @@
         <p:spPr>
           <a:xfrm>
             <a:off x="8849880" y="2814840"/>
-            <a:ext cx="2975400" cy="455400"/>
+            <a:ext cx="2975040" cy="455400"/>
           </a:xfrm>
           <a:prstGeom prst="rect">
             <a:avLst/>
@@ -17640,7 +17642,7 @@
         <p:spPr>
           <a:xfrm>
             <a:off x="1600200" y="4665600"/>
-            <a:ext cx="8873280" cy="912600"/>
+            <a:ext cx="8872920" cy="912600"/>
           </a:xfrm>
           <a:prstGeom prst="rect">
             <a:avLst/>
@@ -17661,7 +17663,7 @@
             <a:spAutoFit/>
           </a:bodyPr>
           <a:p>
-            <a:pPr marL="285840" indent="-269280">
+            <a:pPr marL="285840" indent="-268920">
               <a:lnSpc>
                 <a:spcPct val="150000"/>
               </a:lnSpc>
@@ -17706,7 +17708,7 @@
             </a:endParaRPr>
           </a:p>
           <a:p>
-            <a:pPr marL="285840" indent="-269280">
+            <a:pPr marL="285840" indent="-268920">
               <a:lnSpc>
                 <a:spcPct val="150000"/>
               </a:lnSpc>
@@ -17796,7 +17798,7 @@
         <p:spPr>
           <a:xfrm>
             <a:off x="246600" y="2903040"/>
-            <a:ext cx="11697840" cy="699480"/>
+            <a:ext cx="11697480" cy="699480"/>
           </a:xfrm>
           <a:prstGeom prst="rect">
             <a:avLst/>
@@ -17897,7 +17899,7 @@
         <p:spPr>
           <a:xfrm>
             <a:off x="1676520" y="2362320"/>
-            <a:ext cx="8822520" cy="912600"/>
+            <a:ext cx="8822160" cy="912600"/>
           </a:xfrm>
           <a:prstGeom prst="rect">
             <a:avLst/>
@@ -17948,7 +17950,7 @@
         <p:spPr>
           <a:xfrm>
             <a:off x="522360" y="3531600"/>
-            <a:ext cx="11059560" cy="363960"/>
+            <a:ext cx="11059200" cy="363960"/>
           </a:xfrm>
           <a:prstGeom prst="rect">
             <a:avLst/>
@@ -18029,7 +18031,7 @@
         <p:spPr>
           <a:xfrm>
             <a:off x="248400" y="0"/>
-            <a:ext cx="11696040" cy="699120"/>
+            <a:ext cx="11695680" cy="699120"/>
           </a:xfrm>
           <a:prstGeom prst="rect">
             <a:avLst/>
@@ -18084,7 +18086,7 @@
         <p:spPr>
           <a:xfrm>
             <a:off x="248400" y="762120"/>
-            <a:ext cx="11696040" cy="912600"/>
+            <a:ext cx="11695680" cy="912600"/>
           </a:xfrm>
           <a:prstGeom prst="rect">
             <a:avLst/>
@@ -18185,7 +18187,7 @@
         <p:spPr>
           <a:xfrm>
             <a:off x="1600200" y="3405600"/>
-            <a:ext cx="8873280" cy="1324080"/>
+            <a:ext cx="8872920" cy="1324080"/>
           </a:xfrm>
           <a:prstGeom prst="rect">
             <a:avLst/>
@@ -18206,7 +18208,7 @@
             <a:spAutoFit/>
           </a:bodyPr>
           <a:p>
-            <a:pPr marL="285840" indent="-269280">
+            <a:pPr marL="285840" indent="-268920">
               <a:lnSpc>
                 <a:spcPct val="150000"/>
               </a:lnSpc>
@@ -18251,7 +18253,7 @@
             </a:endParaRPr>
           </a:p>
           <a:p>
-            <a:pPr marL="285840" indent="-269280">
+            <a:pPr marL="285840" indent="-268920">
               <a:lnSpc>
                 <a:spcPct val="150000"/>
               </a:lnSpc>
@@ -18296,7 +18298,7 @@
             </a:endParaRPr>
           </a:p>
           <a:p>
-            <a:pPr marL="285840" indent="-269280">
+            <a:pPr marL="285840" indent="-268920">
               <a:lnSpc>
                 <a:spcPct val="150000"/>
               </a:lnSpc>
@@ -18351,7 +18353,7 @@
         <p:spPr>
           <a:xfrm>
             <a:off x="4601520" y="5832000"/>
-            <a:ext cx="5612400" cy="349920"/>
+            <a:ext cx="5612040" cy="349560"/>
           </a:xfrm>
           <a:prstGeom prst="rect">
             <a:avLst/>
@@ -18432,7 +18434,7 @@
         <p:spPr>
           <a:xfrm>
             <a:off x="10584000" y="3710160"/>
-            <a:ext cx="1398600" cy="2543760"/>
+            <a:ext cx="1398240" cy="2543400"/>
           </a:xfrm>
           <a:prstGeom prst="rect">
             <a:avLst/>
@@ -18678,7 +18680,7 @@
         <p:spPr>
           <a:xfrm>
             <a:off x="246600" y="1742040"/>
-            <a:ext cx="11697840" cy="699480"/>
+            <a:ext cx="11697480" cy="699480"/>
           </a:xfrm>
           <a:prstGeom prst="rect">
             <a:avLst/>
@@ -18779,7 +18781,7 @@
         <p:spPr>
           <a:xfrm>
             <a:off x="1676520" y="2362320"/>
-            <a:ext cx="8822520" cy="912600"/>
+            <a:ext cx="8822160" cy="912600"/>
           </a:xfrm>
           <a:prstGeom prst="rect">
             <a:avLst/>
@@ -18830,7 +18832,7 @@
         <p:spPr>
           <a:xfrm>
             <a:off x="522360" y="3531600"/>
-            <a:ext cx="11059560" cy="363960"/>
+            <a:ext cx="11059200" cy="363960"/>
           </a:xfrm>
           <a:prstGeom prst="rect">
             <a:avLst/>
@@ -18911,7 +18913,7 @@
         <p:spPr>
           <a:xfrm>
             <a:off x="1676520" y="2362320"/>
-            <a:ext cx="8822520" cy="912600"/>
+            <a:ext cx="8822160" cy="912600"/>
           </a:xfrm>
           <a:prstGeom prst="rect">
             <a:avLst/>
@@ -18962,7 +18964,7 @@
         <p:spPr>
           <a:xfrm>
             <a:off x="522360" y="3531600"/>
-            <a:ext cx="11059560" cy="363960"/>
+            <a:ext cx="11059200" cy="363960"/>
           </a:xfrm>
           <a:prstGeom prst="rect">
             <a:avLst/>
@@ -19043,7 +19045,7 @@
         <p:spPr>
           <a:xfrm>
             <a:off x="248400" y="0"/>
-            <a:ext cx="11696040" cy="699120"/>
+            <a:ext cx="11695680" cy="699120"/>
           </a:xfrm>
           <a:prstGeom prst="rect">
             <a:avLst/>
@@ -19098,7 +19100,7 @@
         <p:spPr>
           <a:xfrm>
             <a:off x="248400" y="762120"/>
-            <a:ext cx="11696040" cy="2009880"/>
+            <a:ext cx="11695680" cy="2009880"/>
           </a:xfrm>
           <a:prstGeom prst="rect">
             <a:avLst/>
@@ -19199,7 +19201,7 @@
         <p:spPr>
           <a:xfrm>
             <a:off x="1600200" y="4629600"/>
-            <a:ext cx="8873280" cy="912600"/>
+            <a:ext cx="8872920" cy="912600"/>
           </a:xfrm>
           <a:prstGeom prst="rect">
             <a:avLst/>
@@ -19220,7 +19222,7 @@
             <a:spAutoFit/>
           </a:bodyPr>
           <a:p>
-            <a:pPr marL="285840" indent="-269280">
+            <a:pPr marL="285840" indent="-268920">
               <a:lnSpc>
                 <a:spcPct val="150000"/>
               </a:lnSpc>
@@ -19265,7 +19267,7 @@
             </a:endParaRPr>
           </a:p>
           <a:p>
-            <a:pPr marL="285840" indent="-269280">
+            <a:pPr marL="285840" indent="-268920">
               <a:lnSpc>
                 <a:spcPct val="150000"/>
               </a:lnSpc>
@@ -19355,7 +19357,7 @@
         <p:spPr>
           <a:xfrm>
             <a:off x="246600" y="2859480"/>
-            <a:ext cx="11697840" cy="699480"/>
+            <a:ext cx="11697480" cy="699480"/>
           </a:xfrm>
           <a:prstGeom prst="rect">
             <a:avLst/>
@@ -19456,7 +19458,7 @@
         <p:spPr>
           <a:xfrm>
             <a:off x="1676520" y="2362320"/>
-            <a:ext cx="8822520" cy="912600"/>
+            <a:ext cx="8822160" cy="912600"/>
           </a:xfrm>
           <a:prstGeom prst="rect">
             <a:avLst/>
@@ -19507,7 +19509,7 @@
         <p:spPr>
           <a:xfrm>
             <a:off x="522360" y="3531600"/>
-            <a:ext cx="11059560" cy="363960"/>
+            <a:ext cx="11059200" cy="363960"/>
           </a:xfrm>
           <a:prstGeom prst="rect">
             <a:avLst/>
@@ -19623,7 +19625,7 @@
         <p:spPr>
           <a:xfrm>
             <a:off x="248400" y="0"/>
-            <a:ext cx="11696040" cy="699120"/>
+            <a:ext cx="11695680" cy="699120"/>
           </a:xfrm>
           <a:prstGeom prst="rect">
             <a:avLst/>
@@ -19678,7 +19680,7 @@
         <p:spPr>
           <a:xfrm>
             <a:off x="248400" y="762120"/>
-            <a:ext cx="10415520" cy="2284200"/>
+            <a:ext cx="10415160" cy="2284200"/>
           </a:xfrm>
           <a:prstGeom prst="rect">
             <a:avLst/>
@@ -19879,7 +19881,7 @@
         <p:spPr>
           <a:xfrm>
             <a:off x="1600200" y="4129560"/>
-            <a:ext cx="8873280" cy="912600"/>
+            <a:ext cx="8872920" cy="912600"/>
           </a:xfrm>
           <a:prstGeom prst="rect">
             <a:avLst/>
@@ -19900,7 +19902,7 @@
             <a:spAutoFit/>
           </a:bodyPr>
           <a:p>
-            <a:pPr marL="285840" indent="-269280">
+            <a:pPr marL="285840" indent="-268920">
               <a:lnSpc>
                 <a:spcPct val="150000"/>
               </a:lnSpc>
@@ -19945,7 +19947,7 @@
             </a:endParaRPr>
           </a:p>
           <a:p>
-            <a:pPr marL="285840" indent="-269280">
+            <a:pPr marL="285840" indent="-268920">
               <a:lnSpc>
                 <a:spcPct val="150000"/>
               </a:lnSpc>
@@ -20000,7 +20002,7 @@
         <p:spPr>
           <a:xfrm>
             <a:off x="1224000" y="5511960"/>
-            <a:ext cx="8917920" cy="349920"/>
+            <a:ext cx="8917560" cy="349560"/>
           </a:xfrm>
           <a:prstGeom prst="rect">
             <a:avLst/>
@@ -20021,7 +20023,7 @@
             <a:noAutofit/>
           </a:bodyPr>
           <a:p>
-            <a:pPr marL="216000" indent="-205920">
+            <a:pPr marL="216000" indent="-205560">
               <a:lnSpc>
                 <a:spcPct val="100000"/>
               </a:lnSpc>
@@ -20087,7 +20089,7 @@
         <p:spPr>
           <a:xfrm>
             <a:off x="10585440" y="973800"/>
-            <a:ext cx="1428480" cy="5712120"/>
+            <a:ext cx="1428120" cy="5711760"/>
           </a:xfrm>
           <a:prstGeom prst="rect">
             <a:avLst/>
@@ -20488,7 +20490,7 @@
         <p:spPr>
           <a:xfrm>
             <a:off x="246600" y="3062880"/>
-            <a:ext cx="11697840" cy="699480"/>
+            <a:ext cx="11697480" cy="699480"/>
           </a:xfrm>
           <a:prstGeom prst="rect">
             <a:avLst/>
@@ -20589,7 +20591,7 @@
         <p:spPr>
           <a:xfrm>
             <a:off x="1676520" y="2362320"/>
-            <a:ext cx="8822520" cy="912600"/>
+            <a:ext cx="8822160" cy="912600"/>
           </a:xfrm>
           <a:prstGeom prst="rect">
             <a:avLst/>
@@ -20640,7 +20642,7 @@
         <p:spPr>
           <a:xfrm>
             <a:off x="522360" y="3531600"/>
-            <a:ext cx="11059560" cy="363960"/>
+            <a:ext cx="11059200" cy="363960"/>
           </a:xfrm>
           <a:prstGeom prst="rect">
             <a:avLst/>
@@ -20721,7 +20723,7 @@
         <p:spPr>
           <a:xfrm>
             <a:off x="248400" y="0"/>
-            <a:ext cx="11696040" cy="699120"/>
+            <a:ext cx="11695680" cy="699120"/>
           </a:xfrm>
           <a:prstGeom prst="rect">
             <a:avLst/>
@@ -20776,7 +20778,7 @@
         <p:spPr>
           <a:xfrm>
             <a:off x="248400" y="762120"/>
-            <a:ext cx="10326960" cy="1461240"/>
+            <a:ext cx="10326600" cy="1461240"/>
           </a:xfrm>
           <a:prstGeom prst="rect">
             <a:avLst/>
@@ -20837,7 +20839,7 @@
         <p:spPr>
           <a:xfrm>
             <a:off x="1600200" y="3873600"/>
-            <a:ext cx="8873280" cy="1735560"/>
+            <a:ext cx="8872920" cy="1735560"/>
           </a:xfrm>
           <a:prstGeom prst="rect">
             <a:avLst/>
@@ -20858,7 +20860,7 @@
             <a:spAutoFit/>
           </a:bodyPr>
           <a:p>
-            <a:pPr marL="285840" indent="-269280">
+            <a:pPr marL="285840" indent="-268920">
               <a:lnSpc>
                 <a:spcPct val="150000"/>
               </a:lnSpc>
@@ -20903,7 +20905,7 @@
             </a:endParaRPr>
           </a:p>
           <a:p>
-            <a:pPr marL="285840" indent="-269280">
+            <a:pPr marL="285840" indent="-268920">
               <a:lnSpc>
                 <a:spcPct val="150000"/>
               </a:lnSpc>
@@ -20948,7 +20950,7 @@
             </a:endParaRPr>
           </a:p>
           <a:p>
-            <a:pPr marL="285840" indent="-269280">
+            <a:pPr marL="285840" indent="-268920">
               <a:lnSpc>
                 <a:spcPct val="150000"/>
               </a:lnSpc>
@@ -20993,7 +20995,7 @@
             </a:endParaRPr>
           </a:p>
           <a:p>
-            <a:pPr marL="285840" indent="-269280">
+            <a:pPr marL="285840" indent="-268920">
               <a:lnSpc>
                 <a:spcPct val="150000"/>
               </a:lnSpc>
@@ -21048,7 +21050,7 @@
         <p:spPr>
           <a:xfrm>
             <a:off x="1224000" y="5904000"/>
-            <a:ext cx="8917920" cy="349920"/>
+            <a:ext cx="8917560" cy="349560"/>
           </a:xfrm>
           <a:prstGeom prst="rect">
             <a:avLst/>
@@ -21069,7 +21071,7 @@
             <a:noAutofit/>
           </a:bodyPr>
           <a:p>
-            <a:pPr marL="216000" indent="-205920">
+            <a:pPr marL="216000" indent="-205560">
               <a:lnSpc>
                 <a:spcPct val="100000"/>
               </a:lnSpc>
@@ -21135,7 +21137,7 @@
         <p:spPr>
           <a:xfrm>
             <a:off x="10585440" y="1036440"/>
-            <a:ext cx="1428480" cy="5649480"/>
+            <a:ext cx="1428120" cy="5649120"/>
           </a:xfrm>
           <a:prstGeom prst="rect">
             <a:avLst/>
@@ -21571,7 +21573,7 @@
         <p:spPr>
           <a:xfrm>
             <a:off x="246600" y="2496600"/>
-            <a:ext cx="11697840" cy="394560"/>
+            <a:ext cx="11697480" cy="394560"/>
           </a:xfrm>
           <a:prstGeom prst="rect">
             <a:avLst/>
@@ -21652,7 +21654,7 @@
         <p:spPr>
           <a:xfrm>
             <a:off x="1676520" y="2362320"/>
-            <a:ext cx="8822520" cy="912600"/>
+            <a:ext cx="8822160" cy="912600"/>
           </a:xfrm>
           <a:prstGeom prst="rect">
             <a:avLst/>
@@ -21703,7 +21705,7 @@
         <p:spPr>
           <a:xfrm>
             <a:off x="1666800" y="609480"/>
-            <a:ext cx="8822520" cy="394560"/>
+            <a:ext cx="8822160" cy="394560"/>
           </a:xfrm>
           <a:prstGeom prst="rect">
             <a:avLst/>
@@ -21754,7 +21756,7 @@
         <p:spPr>
           <a:xfrm>
             <a:off x="522360" y="3531600"/>
-            <a:ext cx="11059560" cy="1735560"/>
+            <a:ext cx="11059200" cy="1735560"/>
           </a:xfrm>
           <a:prstGeom prst="rect">
             <a:avLst/>
@@ -21805,7 +21807,7 @@
             </a:endParaRPr>
           </a:p>
           <a:p>
-            <a:pPr marL="216000" indent="-207000">
+            <a:pPr marL="216000" indent="-206640">
               <a:lnSpc>
                 <a:spcPct val="100000"/>
               </a:lnSpc>
@@ -21880,7 +21882,7 @@
         <p:spPr>
           <a:xfrm>
             <a:off x="1676520" y="2362320"/>
-            <a:ext cx="8822520" cy="1735560"/>
+            <a:ext cx="8822160" cy="1735560"/>
           </a:xfrm>
           <a:prstGeom prst="rect">
             <a:avLst/>
@@ -21931,7 +21933,7 @@
         <p:spPr>
           <a:xfrm>
             <a:off x="522360" y="3531600"/>
-            <a:ext cx="11059560" cy="363960"/>
+            <a:ext cx="11059200" cy="363960"/>
           </a:xfrm>
           <a:prstGeom prst="rect">
             <a:avLst/>
@@ -22012,7 +22014,7 @@
         <p:spPr>
           <a:xfrm>
             <a:off x="248400" y="0"/>
-            <a:ext cx="11696040" cy="699120"/>
+            <a:ext cx="11695680" cy="699120"/>
           </a:xfrm>
           <a:prstGeom prst="rect">
             <a:avLst/>
@@ -22067,7 +22069,7 @@
         <p:spPr>
           <a:xfrm>
             <a:off x="248400" y="762120"/>
-            <a:ext cx="11696040" cy="2558520"/>
+            <a:ext cx="11695680" cy="2558520"/>
           </a:xfrm>
           <a:prstGeom prst="rect">
             <a:avLst/>
@@ -22288,7 +22290,7 @@
         <p:spPr>
           <a:xfrm>
             <a:off x="248400" y="3494880"/>
-            <a:ext cx="11696040" cy="1004400"/>
+            <a:ext cx="11695680" cy="1004400"/>
           </a:xfrm>
           <a:prstGeom prst="rect">
             <a:avLst/>
@@ -22379,7 +22381,7 @@
         <p:spPr>
           <a:xfrm>
             <a:off x="270360" y="4824000"/>
-            <a:ext cx="11537280" cy="912960"/>
+            <a:ext cx="11536920" cy="912600"/>
           </a:xfrm>
           <a:prstGeom prst="rect">
             <a:avLst/>
@@ -22400,7 +22402,7 @@
             <a:spAutoFit/>
           </a:bodyPr>
           <a:p>
-            <a:pPr marL="285840" indent="-269280">
+            <a:pPr marL="285840" indent="-268920">
               <a:lnSpc>
                 <a:spcPct val="150000"/>
               </a:lnSpc>
@@ -22445,7 +22447,7 @@
             </a:endParaRPr>
           </a:p>
           <a:p>
-            <a:pPr marL="285840" indent="-269280">
+            <a:pPr marL="285840" indent="-268920">
               <a:lnSpc>
                 <a:spcPct val="150000"/>
               </a:lnSpc>
@@ -22565,7 +22567,7 @@
         <p:spPr>
           <a:xfrm>
             <a:off x="1676520" y="2362320"/>
-            <a:ext cx="8822520" cy="912600"/>
+            <a:ext cx="8822160" cy="912600"/>
           </a:xfrm>
           <a:prstGeom prst="rect">
             <a:avLst/>
@@ -22616,7 +22618,7 @@
         <p:spPr>
           <a:xfrm>
             <a:off x="522360" y="3531600"/>
-            <a:ext cx="11059560" cy="363960"/>
+            <a:ext cx="11059200" cy="363960"/>
           </a:xfrm>
           <a:prstGeom prst="rect">
             <a:avLst/>
@@ -22697,7 +22699,7 @@
         <p:spPr>
           <a:xfrm>
             <a:off x="246600" y="762120"/>
-            <a:ext cx="11694600" cy="638280"/>
+            <a:ext cx="11694240" cy="638280"/>
           </a:xfrm>
           <a:prstGeom prst="rect">
             <a:avLst/>
@@ -22798,7 +22800,7 @@
         <p:spPr>
           <a:xfrm>
             <a:off x="1523880" y="2940480"/>
-            <a:ext cx="9404280" cy="1735560"/>
+            <a:ext cx="9403920" cy="1735560"/>
           </a:xfrm>
           <a:prstGeom prst="rect">
             <a:avLst/>
@@ -22819,7 +22821,7 @@
             <a:spAutoFit/>
           </a:bodyPr>
           <a:p>
-            <a:pPr marL="285840" indent="-269280">
+            <a:pPr marL="285840" indent="-268920">
               <a:lnSpc>
                 <a:spcPct val="150000"/>
               </a:lnSpc>
@@ -22864,7 +22866,7 @@
             </a:endParaRPr>
           </a:p>
           <a:p>
-            <a:pPr marL="285840" indent="-269280">
+            <a:pPr marL="285840" indent="-268920">
               <a:lnSpc>
                 <a:spcPct val="150000"/>
               </a:lnSpc>
@@ -22939,7 +22941,7 @@
             </a:endParaRPr>
           </a:p>
           <a:p>
-            <a:pPr marL="285840" indent="-269280">
+            <a:pPr marL="285840" indent="-268920">
               <a:lnSpc>
                 <a:spcPct val="150000"/>
               </a:lnSpc>
@@ -23004,7 +23006,7 @@
             </a:endParaRPr>
           </a:p>
           <a:p>
-            <a:pPr marL="285840" indent="-269280">
+            <a:pPr marL="285840" indent="-268920">
               <a:lnSpc>
                 <a:spcPct val="150000"/>
               </a:lnSpc>
@@ -23069,7 +23071,7 @@
         <p:spPr>
           <a:xfrm>
             <a:off x="1584000" y="4889520"/>
-            <a:ext cx="8839800" cy="1000440"/>
+            <a:ext cx="8839440" cy="1000080"/>
           </a:xfrm>
           <a:prstGeom prst="rect">
             <a:avLst/>
@@ -23120,7 +23122,7 @@
             </a:endParaRPr>
           </a:p>
           <a:p>
-            <a:pPr marL="216000" indent="-199800">
+            <a:pPr marL="216000" indent="-199440">
               <a:lnSpc>
                 <a:spcPct val="100000"/>
               </a:lnSpc>
@@ -23216,7 +23218,7 @@
         <p:spPr>
           <a:xfrm>
             <a:off x="246600" y="0"/>
-            <a:ext cx="11694600" cy="699120"/>
+            <a:ext cx="11694240" cy="699120"/>
           </a:xfrm>
           <a:prstGeom prst="rect">
             <a:avLst/>
@@ -23306,7 +23308,7 @@
         <p:spPr>
           <a:xfrm>
             <a:off x="246600" y="1742040"/>
-            <a:ext cx="11694600" cy="699480"/>
+            <a:ext cx="11694240" cy="699480"/>
           </a:xfrm>
           <a:prstGeom prst="rect">
             <a:avLst/>
@@ -23407,7 +23409,7 @@
         <p:spPr>
           <a:xfrm>
             <a:off x="248400" y="0"/>
-            <a:ext cx="11696040" cy="699120"/>
+            <a:ext cx="11695680" cy="699120"/>
           </a:xfrm>
           <a:prstGeom prst="rect">
             <a:avLst/>
@@ -23462,7 +23464,7 @@
         <p:spPr>
           <a:xfrm>
             <a:off x="248400" y="762120"/>
-            <a:ext cx="11696040" cy="1735560"/>
+            <a:ext cx="11695680" cy="1735560"/>
           </a:xfrm>
           <a:prstGeom prst="rect">
             <a:avLst/>
@@ -23573,7 +23575,7 @@
         <p:spPr>
           <a:xfrm>
             <a:off x="248400" y="2628720"/>
-            <a:ext cx="11696040" cy="699480"/>
+            <a:ext cx="11695680" cy="699480"/>
           </a:xfrm>
           <a:prstGeom prst="rect">
             <a:avLst/>
@@ -23644,7 +23646,7 @@
         <p:spPr>
           <a:xfrm>
             <a:off x="288000" y="3981600"/>
-            <a:ext cx="11663640" cy="912960"/>
+            <a:ext cx="11663280" cy="912600"/>
           </a:xfrm>
           <a:prstGeom prst="rect">
             <a:avLst/>
@@ -23665,7 +23667,7 @@
             <a:spAutoFit/>
           </a:bodyPr>
           <a:p>
-            <a:pPr marL="285840" indent="-269280">
+            <a:pPr marL="285840" indent="-268920">
               <a:lnSpc>
                 <a:spcPct val="150000"/>
               </a:lnSpc>
@@ -23710,7 +23712,7 @@
             </a:endParaRPr>
           </a:p>
           <a:p>
-            <a:pPr marL="285840" indent="-269280">
+            <a:pPr marL="285840" indent="-268920">
               <a:lnSpc>
                 <a:spcPct val="150000"/>
               </a:lnSpc>
@@ -23830,7 +23832,7 @@
         <p:spPr>
           <a:xfrm>
             <a:off x="1676520" y="2362320"/>
-            <a:ext cx="8822520" cy="1735560"/>
+            <a:ext cx="8822160" cy="1735560"/>
           </a:xfrm>
           <a:prstGeom prst="rect">
             <a:avLst/>
@@ -23881,7 +23883,7 @@
         <p:spPr>
           <a:xfrm>
             <a:off x="522360" y="3531600"/>
-            <a:ext cx="11059560" cy="363960"/>
+            <a:ext cx="11059200" cy="363960"/>
           </a:xfrm>
           <a:prstGeom prst="rect">
             <a:avLst/>
@@ -23962,7 +23964,7 @@
         <p:spPr>
           <a:xfrm>
             <a:off x="248400" y="0"/>
-            <a:ext cx="11696040" cy="699120"/>
+            <a:ext cx="11695680" cy="699120"/>
           </a:xfrm>
           <a:prstGeom prst="rect">
             <a:avLst/>
@@ -24017,7 +24019,7 @@
         <p:spPr>
           <a:xfrm>
             <a:off x="248400" y="762120"/>
-            <a:ext cx="11696040" cy="1735560"/>
+            <a:ext cx="11695680" cy="1735560"/>
           </a:xfrm>
           <a:prstGeom prst="rect">
             <a:avLst/>
@@ -24158,7 +24160,7 @@
         <p:spPr>
           <a:xfrm>
             <a:off x="248400" y="2435760"/>
-            <a:ext cx="11696040" cy="1004400"/>
+            <a:ext cx="11695680" cy="1004400"/>
           </a:xfrm>
           <a:prstGeom prst="rect">
             <a:avLst/>
@@ -24249,7 +24251,7 @@
         <p:spPr>
           <a:xfrm>
             <a:off x="1600200" y="3585600"/>
-            <a:ext cx="8873280" cy="1324080"/>
+            <a:ext cx="8872920" cy="1324080"/>
           </a:xfrm>
           <a:prstGeom prst="rect">
             <a:avLst/>
@@ -24270,7 +24272,7 @@
             <a:spAutoFit/>
           </a:bodyPr>
           <a:p>
-            <a:pPr marL="285840" indent="-269280">
+            <a:pPr marL="285840" indent="-268920">
               <a:lnSpc>
                 <a:spcPct val="150000"/>
               </a:lnSpc>
@@ -24315,7 +24317,7 @@
             </a:endParaRPr>
           </a:p>
           <a:p>
-            <a:pPr marL="285840" indent="-269280">
+            <a:pPr marL="285840" indent="-268920">
               <a:lnSpc>
                 <a:spcPct val="150000"/>
               </a:lnSpc>
@@ -24360,7 +24362,7 @@
             </a:endParaRPr>
           </a:p>
           <a:p>
-            <a:pPr marL="285840" indent="-269280">
+            <a:pPr marL="285840" indent="-268920">
               <a:lnSpc>
                 <a:spcPct val="150000"/>
               </a:lnSpc>
@@ -24480,7 +24482,7 @@
         <p:spPr>
           <a:xfrm>
             <a:off x="1676520" y="2362320"/>
-            <a:ext cx="8822520" cy="1735560"/>
+            <a:ext cx="8822160" cy="1735560"/>
           </a:xfrm>
           <a:prstGeom prst="rect">
             <a:avLst/>
@@ -24531,7 +24533,7 @@
         <p:spPr>
           <a:xfrm>
             <a:off x="522360" y="3531600"/>
-            <a:ext cx="11059560" cy="363960"/>
+            <a:ext cx="11059200" cy="363960"/>
           </a:xfrm>
           <a:prstGeom prst="rect">
             <a:avLst/>
@@ -25286,7 +25288,7 @@
         <p:spPr>
           <a:xfrm>
             <a:off x="248400" y="0"/>
-            <a:ext cx="11696040" cy="699120"/>
+            <a:ext cx="11695680" cy="699120"/>
           </a:xfrm>
           <a:prstGeom prst="rect">
             <a:avLst/>
@@ -25341,7 +25343,7 @@
         <p:spPr>
           <a:xfrm>
             <a:off x="248400" y="762120"/>
-            <a:ext cx="11696040" cy="1735560"/>
+            <a:ext cx="11695680" cy="1735560"/>
           </a:xfrm>
           <a:prstGeom prst="rect">
             <a:avLst/>
@@ -25442,7 +25444,7 @@
         <p:spPr>
           <a:xfrm>
             <a:off x="248400" y="2669760"/>
-            <a:ext cx="11696040" cy="699480"/>
+            <a:ext cx="11695680" cy="699480"/>
           </a:xfrm>
           <a:prstGeom prst="rect">
             <a:avLst/>
@@ -25513,7 +25515,7 @@
         <p:spPr>
           <a:xfrm>
             <a:off x="1600200" y="4269600"/>
-            <a:ext cx="8873280" cy="1324080"/>
+            <a:ext cx="8872920" cy="1324080"/>
           </a:xfrm>
           <a:prstGeom prst="rect">
             <a:avLst/>
@@ -25534,7 +25536,7 @@
             <a:spAutoFit/>
           </a:bodyPr>
           <a:p>
-            <a:pPr marL="285840" indent="-269280">
+            <a:pPr marL="285840" indent="-268920">
               <a:lnSpc>
                 <a:spcPct val="150000"/>
               </a:lnSpc>
@@ -25579,7 +25581,7 @@
             </a:endParaRPr>
           </a:p>
           <a:p>
-            <a:pPr marL="285840" indent="-269280">
+            <a:pPr marL="285840" indent="-268920">
               <a:lnSpc>
                 <a:spcPct val="150000"/>
               </a:lnSpc>
@@ -25624,7 +25626,7 @@
             </a:endParaRPr>
           </a:p>
           <a:p>
-            <a:pPr marL="285840" indent="-269280">
+            <a:pPr marL="285840" indent="-268920">
               <a:lnSpc>
                 <a:spcPct val="150000"/>
               </a:lnSpc>
@@ -25744,7 +25746,7 @@
         <p:spPr>
           <a:xfrm>
             <a:off x="1676520" y="2362320"/>
-            <a:ext cx="8822520" cy="2558520"/>
+            <a:ext cx="8822160" cy="2558520"/>
           </a:xfrm>
           <a:prstGeom prst="rect">
             <a:avLst/>
@@ -25795,7 +25797,7 @@
         <p:spPr>
           <a:xfrm>
             <a:off x="522360" y="3531600"/>
-            <a:ext cx="11059560" cy="363960"/>
+            <a:ext cx="11059200" cy="363960"/>
           </a:xfrm>
           <a:prstGeom prst="rect">
             <a:avLst/>
@@ -26388,7 +26390,7 @@
         <p:spPr>
           <a:xfrm>
             <a:off x="248400" y="0"/>
-            <a:ext cx="11696040" cy="699120"/>
+            <a:ext cx="11695680" cy="699120"/>
           </a:xfrm>
           <a:prstGeom prst="rect">
             <a:avLst/>
@@ -26443,7 +26445,7 @@
         <p:spPr>
           <a:xfrm>
             <a:off x="248400" y="762120"/>
-            <a:ext cx="11696040" cy="2558520"/>
+            <a:ext cx="11695680" cy="2558520"/>
           </a:xfrm>
           <a:prstGeom prst="rect">
             <a:avLst/>
@@ -26704,7 +26706,7 @@
         <p:spPr>
           <a:xfrm>
             <a:off x="248400" y="3206880"/>
-            <a:ext cx="11696040" cy="1309320"/>
+            <a:ext cx="11695680" cy="1309320"/>
           </a:xfrm>
           <a:prstGeom prst="rect">
             <a:avLst/>
@@ -26815,7 +26817,7 @@
         <p:spPr>
           <a:xfrm>
             <a:off x="288000" y="4795920"/>
-            <a:ext cx="8873280" cy="1324080"/>
+            <a:ext cx="8872920" cy="1324080"/>
           </a:xfrm>
           <a:prstGeom prst="rect">
             <a:avLst/>
@@ -26836,7 +26838,7 @@
             <a:spAutoFit/>
           </a:bodyPr>
           <a:p>
-            <a:pPr marL="285840" indent="-269280">
+            <a:pPr marL="285840" indent="-268920">
               <a:lnSpc>
                 <a:spcPct val="150000"/>
               </a:lnSpc>
@@ -26881,7 +26883,7 @@
             </a:endParaRPr>
           </a:p>
           <a:p>
-            <a:pPr marL="285840" indent="-269280">
+            <a:pPr marL="285840" indent="-268920">
               <a:lnSpc>
                 <a:spcPct val="150000"/>
               </a:lnSpc>
@@ -26926,7 +26928,7 @@
             </a:endParaRPr>
           </a:p>
           <a:p>
-            <a:pPr marL="285840" indent="-269280">
+            <a:pPr marL="285840" indent="-268920">
               <a:lnSpc>
                 <a:spcPct val="150000"/>
               </a:lnSpc>
@@ -27046,7 +27048,7 @@
         <p:spPr>
           <a:xfrm>
             <a:off x="1676520" y="2362320"/>
-            <a:ext cx="8822520" cy="912600"/>
+            <a:ext cx="8822160" cy="912600"/>
           </a:xfrm>
           <a:prstGeom prst="rect">
             <a:avLst/>
@@ -27097,7 +27099,7 @@
         <p:spPr>
           <a:xfrm>
             <a:off x="1666800" y="609480"/>
-            <a:ext cx="8822520" cy="394560"/>
+            <a:ext cx="8822160" cy="394560"/>
           </a:xfrm>
           <a:prstGeom prst="rect">
             <a:avLst/>
@@ -27148,7 +27150,7 @@
         <p:spPr>
           <a:xfrm>
             <a:off x="522360" y="3531600"/>
-            <a:ext cx="11059560" cy="638280"/>
+            <a:ext cx="11059200" cy="638280"/>
           </a:xfrm>
           <a:prstGeom prst="rect">
             <a:avLst/>
@@ -27249,7 +27251,7 @@
         <p:spPr>
           <a:xfrm>
             <a:off x="1676520" y="2362320"/>
-            <a:ext cx="8822520" cy="1735560"/>
+            <a:ext cx="8822160" cy="1735560"/>
           </a:xfrm>
           <a:prstGeom prst="rect">
             <a:avLst/>
@@ -27300,7 +27302,7 @@
         <p:spPr>
           <a:xfrm>
             <a:off x="522360" y="3531600"/>
-            <a:ext cx="11059560" cy="363960"/>
+            <a:ext cx="11059200" cy="363960"/>
           </a:xfrm>
           <a:prstGeom prst="rect">
             <a:avLst/>
@@ -27381,7 +27383,7 @@
         <p:spPr>
           <a:xfrm>
             <a:off x="248400" y="0"/>
-            <a:ext cx="11696040" cy="699120"/>
+            <a:ext cx="11695680" cy="699120"/>
           </a:xfrm>
           <a:prstGeom prst="rect">
             <a:avLst/>
@@ -27436,7 +27438,7 @@
         <p:spPr>
           <a:xfrm>
             <a:off x="248400" y="762120"/>
-            <a:ext cx="11696040" cy="2832840"/>
+            <a:ext cx="11695680" cy="2832840"/>
           </a:xfrm>
           <a:prstGeom prst="rect">
             <a:avLst/>
@@ -27697,7 +27699,7 @@
         <p:spPr>
           <a:xfrm>
             <a:off x="248400" y="3422880"/>
-            <a:ext cx="11696040" cy="1309320"/>
+            <a:ext cx="11695680" cy="1309320"/>
           </a:xfrm>
           <a:prstGeom prst="rect">
             <a:avLst/>
@@ -27808,7 +27810,7 @@
         <p:spPr>
           <a:xfrm>
             <a:off x="288000" y="4687920"/>
-            <a:ext cx="8873280" cy="2147040"/>
+            <a:ext cx="8872920" cy="2147040"/>
           </a:xfrm>
           <a:prstGeom prst="rect">
             <a:avLst/>
@@ -27829,7 +27831,7 @@
             <a:spAutoFit/>
           </a:bodyPr>
           <a:p>
-            <a:pPr marL="285840" indent="-269280">
+            <a:pPr marL="285840" indent="-268920">
               <a:lnSpc>
                 <a:spcPct val="150000"/>
               </a:lnSpc>
@@ -27874,7 +27876,7 @@
             </a:endParaRPr>
           </a:p>
           <a:p>
-            <a:pPr marL="285840" indent="-269280">
+            <a:pPr marL="285840" indent="-268920">
               <a:lnSpc>
                 <a:spcPct val="150000"/>
               </a:lnSpc>
@@ -27919,7 +27921,7 @@
             </a:endParaRPr>
           </a:p>
           <a:p>
-            <a:pPr marL="285840" indent="-269280">
+            <a:pPr marL="285840" indent="-268920">
               <a:lnSpc>
                 <a:spcPct val="150000"/>
               </a:lnSpc>
@@ -27964,7 +27966,7 @@
             </a:endParaRPr>
           </a:p>
           <a:p>
-            <a:pPr marL="285840" indent="-269280">
+            <a:pPr marL="285840" indent="-268920">
               <a:lnSpc>
                 <a:spcPct val="150000"/>
               </a:lnSpc>
@@ -28009,7 +28011,7 @@
             </a:endParaRPr>
           </a:p>
           <a:p>
-            <a:pPr marL="285840" indent="-269280">
+            <a:pPr marL="285840" indent="-268920">
               <a:lnSpc>
                 <a:spcPct val="150000"/>
               </a:lnSpc>
@@ -28129,7 +28131,7 @@
         <p:spPr>
           <a:xfrm>
             <a:off x="1676520" y="2362320"/>
-            <a:ext cx="8822520" cy="912600"/>
+            <a:ext cx="8822160" cy="912600"/>
           </a:xfrm>
           <a:prstGeom prst="rect">
             <a:avLst/>
@@ -28180,7 +28182,7 @@
         <p:spPr>
           <a:xfrm>
             <a:off x="1666800" y="609480"/>
-            <a:ext cx="8822520" cy="394560"/>
+            <a:ext cx="8822160" cy="394560"/>
           </a:xfrm>
           <a:prstGeom prst="rect">
             <a:avLst/>
@@ -28231,7 +28233,7 @@
         <p:spPr>
           <a:xfrm>
             <a:off x="522360" y="3531600"/>
-            <a:ext cx="11059560" cy="638280"/>
+            <a:ext cx="11059200" cy="638280"/>
           </a:xfrm>
           <a:prstGeom prst="rect">
             <a:avLst/>
@@ -28312,7 +28314,7 @@
         <p:spPr>
           <a:xfrm>
             <a:off x="1676520" y="2362320"/>
-            <a:ext cx="8822520" cy="912600"/>
+            <a:ext cx="8822160" cy="912600"/>
           </a:xfrm>
           <a:prstGeom prst="rect">
             <a:avLst/>
@@ -28363,7 +28365,7 @@
         <p:spPr>
           <a:xfrm>
             <a:off x="522360" y="3531600"/>
-            <a:ext cx="11059560" cy="363960"/>
+            <a:ext cx="11059200" cy="363960"/>
           </a:xfrm>
           <a:prstGeom prst="rect">
             <a:avLst/>
@@ -28444,7 +28446,7 @@
         <p:spPr>
           <a:xfrm>
             <a:off x="248400" y="0"/>
-            <a:ext cx="11696040" cy="699120"/>
+            <a:ext cx="11695680" cy="699120"/>
           </a:xfrm>
           <a:prstGeom prst="rect">
             <a:avLst/>
@@ -28499,7 +28501,7 @@
         <p:spPr>
           <a:xfrm>
             <a:off x="248400" y="762120"/>
-            <a:ext cx="11696040" cy="1735560"/>
+            <a:ext cx="11695680" cy="1735560"/>
           </a:xfrm>
           <a:prstGeom prst="rect">
             <a:avLst/>
@@ -28640,7 +28642,7 @@
         <p:spPr>
           <a:xfrm>
             <a:off x="248400" y="2882880"/>
-            <a:ext cx="11696040" cy="1004400"/>
+            <a:ext cx="11695680" cy="1004400"/>
           </a:xfrm>
           <a:prstGeom prst="rect">
             <a:avLst/>
@@ -28731,7 +28733,7 @@
         <p:spPr>
           <a:xfrm>
             <a:off x="288000" y="4039920"/>
-            <a:ext cx="8873280" cy="1324080"/>
+            <a:ext cx="8872920" cy="1324080"/>
           </a:xfrm>
           <a:prstGeom prst="rect">
             <a:avLst/>
@@ -28752,7 +28754,7 @@
             <a:spAutoFit/>
           </a:bodyPr>
           <a:p>
-            <a:pPr marL="285840" indent="-269280">
+            <a:pPr marL="285840" indent="-268920">
               <a:lnSpc>
                 <a:spcPct val="150000"/>
               </a:lnSpc>
@@ -28797,7 +28799,7 @@
             </a:endParaRPr>
           </a:p>
           <a:p>
-            <a:pPr marL="285840" indent="-269280">
+            <a:pPr marL="285840" indent="-268920">
               <a:lnSpc>
                 <a:spcPct val="150000"/>
               </a:lnSpc>
@@ -28842,7 +28844,7 @@
             </a:endParaRPr>
           </a:p>
           <a:p>
-            <a:pPr marL="285840" indent="-269280">
+            <a:pPr marL="285840" indent="-268920">
               <a:lnSpc>
                 <a:spcPct val="150000"/>
               </a:lnSpc>
@@ -28932,7 +28934,7 @@
         <p:spPr>
           <a:xfrm>
             <a:off x="6264000" y="2882880"/>
-            <a:ext cx="5756760" cy="644760"/>
+            <a:ext cx="5756400" cy="644400"/>
           </a:xfrm>
           <a:prstGeom prst="rect">
             <a:avLst/>
@@ -29033,7 +29035,7 @@
         <p:spPr>
           <a:xfrm>
             <a:off x="1676520" y="2362320"/>
-            <a:ext cx="8822520" cy="1735560"/>
+            <a:ext cx="8822160" cy="1735560"/>
           </a:xfrm>
           <a:prstGeom prst="rect">
             <a:avLst/>
@@ -29084,7 +29086,7 @@
         <p:spPr>
           <a:xfrm>
             <a:off x="522360" y="3531600"/>
-            <a:ext cx="11059560" cy="363960"/>
+            <a:ext cx="11059200" cy="363960"/>
           </a:xfrm>
           <a:prstGeom prst="rect">
             <a:avLst/>
@@ -29165,7 +29167,7 @@
         <p:spPr>
           <a:xfrm>
             <a:off x="248400" y="0"/>
-            <a:ext cx="11696040" cy="699120"/>
+            <a:ext cx="11695680" cy="699120"/>
           </a:xfrm>
           <a:prstGeom prst="rect">
             <a:avLst/>
@@ -29220,7 +29222,7 @@
         <p:spPr>
           <a:xfrm>
             <a:off x="248400" y="762120"/>
-            <a:ext cx="11696040" cy="2284200"/>
+            <a:ext cx="11695680" cy="2284200"/>
           </a:xfrm>
           <a:prstGeom prst="rect">
             <a:avLst/>
@@ -29361,7 +29363,7 @@
         <p:spPr>
           <a:xfrm>
             <a:off x="248400" y="3026880"/>
-            <a:ext cx="11696040" cy="1004400"/>
+            <a:ext cx="11695680" cy="1004400"/>
           </a:xfrm>
           <a:prstGeom prst="rect">
             <a:avLst/>
@@ -29452,7 +29454,7 @@
         <p:spPr>
           <a:xfrm>
             <a:off x="288000" y="4039920"/>
-            <a:ext cx="8873280" cy="1324080"/>
+            <a:ext cx="8872920" cy="1324080"/>
           </a:xfrm>
           <a:prstGeom prst="rect">
             <a:avLst/>
@@ -29473,7 +29475,7 @@
             <a:spAutoFit/>
           </a:bodyPr>
           <a:p>
-            <a:pPr marL="285840" indent="-269280">
+            <a:pPr marL="285840" indent="-268920">
               <a:lnSpc>
                 <a:spcPct val="150000"/>
               </a:lnSpc>
@@ -29518,7 +29520,7 @@
             </a:endParaRPr>
           </a:p>
           <a:p>
-            <a:pPr marL="285840" indent="-269280">
+            <a:pPr marL="285840" indent="-268920">
               <a:lnSpc>
                 <a:spcPct val="150000"/>
               </a:lnSpc>
@@ -29563,7 +29565,7 @@
             </a:endParaRPr>
           </a:p>
           <a:p>
-            <a:pPr marL="285840" indent="-269280">
+            <a:pPr marL="285840" indent="-268920">
               <a:lnSpc>
                 <a:spcPct val="150000"/>
               </a:lnSpc>
@@ -29653,7 +29655,7 @@
         <p:spPr>
           <a:xfrm>
             <a:off x="6480000" y="3046320"/>
-            <a:ext cx="5687640" cy="644760"/>
+            <a:ext cx="5687280" cy="644400"/>
           </a:xfrm>
           <a:prstGeom prst="rect">
             <a:avLst/>
@@ -29754,7 +29756,7 @@
         <p:spPr>
           <a:xfrm>
             <a:off x="1676520" y="2362320"/>
-            <a:ext cx="8822520" cy="1735560"/>
+            <a:ext cx="8822160" cy="1735560"/>
           </a:xfrm>
           <a:prstGeom prst="rect">
             <a:avLst/>
@@ -29805,7 +29807,7 @@
         <p:spPr>
           <a:xfrm>
             <a:off x="522360" y="3531600"/>
-            <a:ext cx="11059560" cy="363960"/>
+            <a:ext cx="11059200" cy="363960"/>
           </a:xfrm>
           <a:prstGeom prst="rect">
             <a:avLst/>
@@ -30398,7 +30400,7 @@
         <p:spPr>
           <a:xfrm>
             <a:off x="248400" y="0"/>
-            <a:ext cx="11696040" cy="699120"/>
+            <a:ext cx="11695680" cy="699120"/>
           </a:xfrm>
           <a:prstGeom prst="rect">
             <a:avLst/>
@@ -30453,7 +30455,7 @@
         <p:spPr>
           <a:xfrm>
             <a:off x="248400" y="762120"/>
-            <a:ext cx="11696040" cy="2558520"/>
+            <a:ext cx="11695680" cy="2558520"/>
           </a:xfrm>
           <a:prstGeom prst="rect">
             <a:avLst/>
@@ -30674,7 +30676,7 @@
         <p:spPr>
           <a:xfrm>
             <a:off x="248400" y="3206880"/>
-            <a:ext cx="11696040" cy="1004400"/>
+            <a:ext cx="11695680" cy="1004400"/>
           </a:xfrm>
           <a:prstGeom prst="rect">
             <a:avLst/>
@@ -30765,7 +30767,7 @@
         <p:spPr>
           <a:xfrm>
             <a:off x="340560" y="4608000"/>
-            <a:ext cx="8873280" cy="1735560"/>
+            <a:ext cx="8872920" cy="1735560"/>
           </a:xfrm>
           <a:prstGeom prst="rect">
             <a:avLst/>
@@ -30786,7 +30788,7 @@
             <a:spAutoFit/>
           </a:bodyPr>
           <a:p>
-            <a:pPr marL="285840" indent="-269280">
+            <a:pPr marL="285840" indent="-268920">
               <a:lnSpc>
                 <a:spcPct val="150000"/>
               </a:lnSpc>
@@ -30831,7 +30833,7 @@
             </a:endParaRPr>
           </a:p>
           <a:p>
-            <a:pPr marL="285840" indent="-269280">
+            <a:pPr marL="285840" indent="-268920">
               <a:lnSpc>
                 <a:spcPct val="150000"/>
               </a:lnSpc>
@@ -30876,7 +30878,7 @@
             </a:endParaRPr>
           </a:p>
           <a:p>
-            <a:pPr marL="285840" indent="-269280">
+            <a:pPr marL="285840" indent="-268920">
               <a:lnSpc>
                 <a:spcPct val="150000"/>
               </a:lnSpc>
@@ -30921,7 +30923,7 @@
             </a:endParaRPr>
           </a:p>
           <a:p>
-            <a:pPr marL="285840" indent="-269280">
+            <a:pPr marL="285840" indent="-268920">
               <a:lnSpc>
                 <a:spcPct val="150000"/>
               </a:lnSpc>
@@ -31041,7 +31043,7 @@
         <p:spPr>
           <a:xfrm>
             <a:off x="1676520" y="2362320"/>
-            <a:ext cx="8822520" cy="912600"/>
+            <a:ext cx="8822160" cy="912600"/>
           </a:xfrm>
           <a:prstGeom prst="rect">
             <a:avLst/>
@@ -31092,7 +31094,7 @@
         <p:spPr>
           <a:xfrm>
             <a:off x="1666800" y="609480"/>
-            <a:ext cx="8822520" cy="394560"/>
+            <a:ext cx="8822160" cy="394560"/>
           </a:xfrm>
           <a:prstGeom prst="rect">
             <a:avLst/>
@@ -31143,7 +31145,7 @@
         <p:spPr>
           <a:xfrm>
             <a:off x="522360" y="3531600"/>
-            <a:ext cx="11059560" cy="1186920"/>
+            <a:ext cx="11059200" cy="1186920"/>
           </a:xfrm>
           <a:prstGeom prst="rect">
             <a:avLst/>
@@ -31224,7 +31226,7 @@
         <p:spPr>
           <a:xfrm>
             <a:off x="1676520" y="2362320"/>
-            <a:ext cx="8822520" cy="1735560"/>
+            <a:ext cx="8822160" cy="2558520"/>
           </a:xfrm>
           <a:prstGeom prst="rect">
             <a:avLst/>
@@ -31258,7 +31260,7 @@
                 <a:latin typeface="Century"/>
                 <a:ea typeface="DejaVu Sans"/>
               </a:rPr>
-              <a:t>zadd, zrange and sdiffstore</a:t>
+              <a:t>zadd, zrange, zrangebyscore and sdiffstore</a:t>
             </a:r>
             <a:endParaRPr b="0" lang="en-IN" sz="5400" spc="-1" strike="noStrike">
               <a:latin typeface="Arial"/>
@@ -31275,7 +31277,7 @@
         <p:spPr>
           <a:xfrm>
             <a:off x="522360" y="3531600"/>
-            <a:ext cx="11059560" cy="363960"/>
+            <a:ext cx="11059200" cy="363960"/>
           </a:xfrm>
           <a:prstGeom prst="rect">
             <a:avLst/>
@@ -31356,7 +31358,7 @@
         <p:spPr>
           <a:xfrm>
             <a:off x="248400" y="0"/>
-            <a:ext cx="11696040" cy="699120"/>
+            <a:ext cx="11695680" cy="699120"/>
           </a:xfrm>
           <a:prstGeom prst="rect">
             <a:avLst/>
@@ -31394,7 +31396,7 @@
                 <a:latin typeface="Open Sans"/>
                 <a:ea typeface="DejaVu Sans"/>
               </a:rPr>
-              <a:t>zadd, zrange &amp; sdiffstore</a:t>
+              <a:t>zadd</a:t>
             </a:r>
             <a:endParaRPr b="0" lang="en-IN" sz="4000" spc="-1" strike="noStrike">
               <a:latin typeface="Arial"/>
@@ -31411,7 +31413,7 @@
         <p:spPr>
           <a:xfrm>
             <a:off x="248400" y="762120"/>
-            <a:ext cx="11696040" cy="2284200"/>
+            <a:ext cx="11695680" cy="1461960"/>
           </a:xfrm>
           <a:prstGeom prst="rect">
             <a:avLst/>
@@ -31432,7 +31434,11 @@
             <a:spAutoFit/>
           </a:bodyPr>
           <a:p>
-            <a:pPr algn="just"/>
+            <a:pPr algn="just">
+              <a:lnSpc>
+                <a:spcPct val="100000"/>
+              </a:lnSpc>
+            </a:pPr>
             <a:r>
               <a:rPr b="1" lang="en-US" sz="1800" spc="-1" strike="noStrike">
                 <a:solidFill>
@@ -31512,46 +31518,6 @@
                 <a:ea typeface="DejaVu Sans"/>
               </a:rPr>
               <a:t> values are valid values as well.</a:t>
-            </a:r>
-            <a:endParaRPr b="0" lang="en-IN" sz="1800" spc="-1" strike="noStrike">
-              <a:latin typeface="Arial"/>
-            </a:endParaRPr>
-          </a:p>
-          <a:p>
-            <a:pPr algn="just">
-              <a:lnSpc>
-                <a:spcPct val="100000"/>
-              </a:lnSpc>
-            </a:pPr>
-            <a:endParaRPr b="0" lang="en-IN" sz="1800" spc="-1" strike="noStrike">
-              <a:latin typeface="Arial"/>
-            </a:endParaRPr>
-          </a:p>
-          <a:p>
-            <a:pPr algn="just">
-              <a:lnSpc>
-                <a:spcPct val="100000"/>
-              </a:lnSpc>
-            </a:pPr>
-            <a:r>
-              <a:rPr b="1" lang="en-US" sz="1800" spc="-1" strike="noStrike">
-                <a:solidFill>
-                  <a:srgbClr val="7c4dff"/>
-                </a:solidFill>
-                <a:latin typeface="Arial"/>
-                <a:ea typeface="DejaVu Sans"/>
-              </a:rPr>
-              <a:t>SINTERSTORE</a:t>
-            </a:r>
-            <a:r>
-              <a:rPr b="0" lang="en-US" sz="1800" spc="-1" strike="noStrike">
-                <a:solidFill>
-                  <a:srgbClr val="000000"/>
-                </a:solidFill>
-                <a:latin typeface="Arial"/>
-                <a:ea typeface="DejaVu Sans"/>
-              </a:rPr>
-              <a:t> command is equal to SINTER, but instead of returning the resulting set, it is stored in destination. If destination already exists, it is overwritten.</a:t>
             </a:r>
             <a:endParaRPr b="0" lang="en-IN" sz="1800" spc="-1" strike="noStrike">
               <a:latin typeface="Arial"/>
@@ -31567,8 +31533,8 @@
         </p:nvSpPr>
         <p:spPr>
           <a:xfrm>
-            <a:off x="248400" y="3026880"/>
-            <a:ext cx="11696040" cy="394560"/>
+            <a:off x="248400" y="2450880"/>
+            <a:ext cx="11695680" cy="395280"/>
           </a:xfrm>
           <a:prstGeom prst="rect">
             <a:avLst/>
@@ -31602,7 +31568,17 @@
                 <a:latin typeface="Consolas"/>
                 <a:ea typeface="DejaVu Sans"/>
               </a:rPr>
-              <a:t>ZADD key [NX|XX] [GT|LT] [CH] [INCR] score member [score member ...]</a:t>
+              <a:t>ZADD key [NX|XX] [GT|LT] [CH] [INCR] score member [score member </a:t>
+            </a:r>
+            <a:r>
+              <a:rPr b="0" lang="en-US" sz="2000" spc="-1" strike="noStrike">
+                <a:solidFill>
+                  <a:srgbClr val="00b0f0"/>
+                </a:solidFill>
+                <a:latin typeface="Consolas"/>
+                <a:ea typeface="DejaVu Sans"/>
+              </a:rPr>
+              <a:t>...]</a:t>
             </a:r>
             <a:endParaRPr b="0" lang="en-IN" sz="2000" spc="-1" strike="noStrike">
               <a:latin typeface="Arial"/>
@@ -31618,8 +31594,8 @@
         </p:nvSpPr>
         <p:spPr>
           <a:xfrm>
-            <a:off x="288000" y="4039920"/>
-            <a:ext cx="11808000" cy="1735560"/>
+            <a:off x="288000" y="3031920"/>
+            <a:ext cx="11807640" cy="2147040"/>
           </a:xfrm>
           <a:prstGeom prst="rect">
             <a:avLst/>
@@ -31640,7 +31616,7 @@
             <a:spAutoFit/>
           </a:bodyPr>
           <a:p>
-            <a:pPr marL="285840" indent="-269280">
+            <a:pPr marL="285840" indent="-268920">
               <a:lnSpc>
                 <a:spcPct val="150000"/>
               </a:lnSpc>
@@ -31685,7 +31661,7 @@
             </a:endParaRPr>
           </a:p>
           <a:p>
-            <a:pPr marL="285840" indent="-269280">
+            <a:pPr marL="285840" indent="-268920">
               <a:lnSpc>
                 <a:spcPct val="150000"/>
               </a:lnSpc>
@@ -31723,53 +31699,18 @@
                 <a:latin typeface="Consolas"/>
                 <a:ea typeface="SimSun"/>
               </a:rPr>
-              <a:t>sinter point:1 point:2</a:t>
+              <a:t>zadd game:1 12 saleel 04 neel 28 deep 10 nitish 7 gau 5 ruhan 5 raj 10 kau 17 saleel 23 sangita</a:t>
             </a:r>
             <a:endParaRPr b="0" lang="en-IN" sz="1800" spc="-1" strike="noStrike">
               <a:latin typeface="Arial"/>
             </a:endParaRPr>
           </a:p>
           <a:p>
-            <a:pPr marL="285840" indent="-269280">
+            <a:pPr>
               <a:lnSpc>
                 <a:spcPct val="150000"/>
               </a:lnSpc>
-              <a:buClr>
-                <a:srgbClr val="808080"/>
-              </a:buClr>
-              <a:buFont typeface="Arial"/>
-              <a:buChar char="•"/>
-            </a:pPr>
-            <a:r>
-              <a:rPr b="0" lang="en-IN" sz="1800" spc="-1" strike="noStrike">
-                <a:solidFill>
-                  <a:srgbClr val="808080"/>
-                </a:solidFill>
-                <a:latin typeface="Consolas"/>
-                <a:ea typeface="SimSun"/>
-              </a:rPr>
-              <a:t>127.0.0.1:6379&gt;</a:t>
-            </a:r>
-            <a:r>
-              <a:rPr b="0" lang="en-IN" sz="1800" spc="-1" strike="noStrike">
-                <a:solidFill>
-                  <a:srgbClr val="000000"/>
-                </a:solidFill>
-                <a:latin typeface="Consolas"/>
-                <a:ea typeface="SimSun"/>
-              </a:rPr>
-              <a:t> </a:t>
-            </a:r>
-            <a:r>
-              <a:rPr b="0" lang="en-IN" sz="1800" spc="-1" strike="noStrike">
-                <a:solidFill>
-                  <a:srgbClr val="ff5733"/>
-                </a:solidFill>
-                <a:latin typeface="Consolas"/>
-                <a:ea typeface="SimSun"/>
-              </a:rPr>
-              <a:t>sdiff point:1 point:2</a:t>
-            </a:r>
+            </a:pPr>
             <a:endParaRPr b="0" lang="en-IN" sz="1800" spc="-1" strike="noStrike">
               <a:latin typeface="Arial"/>
             </a:endParaRPr>
@@ -31784,7 +31725,7 @@
         </p:nvSpPr>
         <p:spPr>
           <a:xfrm>
-            <a:off x="0" y="2850840"/>
+            <a:off x="0" y="2310840"/>
             <a:ext cx="12191760" cy="0"/>
           </a:xfrm>
           <a:prstGeom prst="line">
@@ -31849,13 +31790,17 @@
         </p:nvSpPr>
         <p:spPr>
           <a:xfrm>
-            <a:off x="1676520" y="2362320"/>
-            <a:ext cx="8822520" cy="912600"/>
+            <a:off x="248400" y="0"/>
+            <a:ext cx="11695680" cy="699120"/>
           </a:xfrm>
           <a:prstGeom prst="rect">
             <a:avLst/>
           </a:prstGeom>
-          <a:noFill/>
+          <a:solidFill>
+            <a:schemeClr val="accent6">
+              <a:lumMod val="75000"/>
+            </a:schemeClr>
+          </a:solidFill>
           <a:ln>
             <a:noFill/>
           </a:ln>
@@ -31877,16 +31822,16 @@
               </a:lnSpc>
             </a:pPr>
             <a:r>
-              <a:rPr b="0" i="1" lang="en-IN" sz="5400" spc="-1" strike="noStrike">
+              <a:rPr b="0" lang="en-IN" sz="4000" spc="-1" strike="noStrike">
                 <a:solidFill>
                   <a:srgbClr val="f7c120"/>
                 </a:solidFill>
-                <a:latin typeface="Century"/>
-                <a:ea typeface="DejaVu Sans"/>
-              </a:rPr>
-              <a:t>redis EVAL script</a:t>
-            </a:r>
-            <a:endParaRPr b="0" lang="en-IN" sz="5400" spc="-1" strike="noStrike">
+                <a:latin typeface="Open Sans"/>
+                <a:ea typeface="DejaVu Sans"/>
+              </a:rPr>
+              <a:t>zrange</a:t>
+            </a:r>
+            <a:endParaRPr b="0" lang="en-IN" sz="4000" spc="-1" strike="noStrike">
               <a:latin typeface="Arial"/>
             </a:endParaRPr>
           </a:p>
@@ -31900,8 +31845,8 @@
         </p:nvSpPr>
         <p:spPr>
           <a:xfrm>
-            <a:off x="1666800" y="609480"/>
-            <a:ext cx="8822520" cy="394560"/>
+            <a:off x="248400" y="762120"/>
+            <a:ext cx="9903600" cy="2010600"/>
           </a:xfrm>
           <a:prstGeom prst="rect">
             <a:avLst/>
@@ -31922,22 +31867,137 @@
             <a:spAutoFit/>
           </a:bodyPr>
           <a:p>
-            <a:pPr algn="just">
-              <a:lnSpc>
-                <a:spcPct val="100000"/>
-              </a:lnSpc>
-            </a:pPr>
-            <a:r>
-              <a:rPr b="0" lang="en-IN" sz="2000" spc="-1" strike="noStrike">
-                <a:solidFill>
-                  <a:srgbClr val="3e5d78"/>
-                </a:solidFill>
-                <a:latin typeface="Times New Roman"/>
-                <a:ea typeface="DejaVu Sans"/>
-              </a:rPr>
-              <a:t>Lua scripting</a:t>
-            </a:r>
-            <a:endParaRPr b="0" lang="en-IN" sz="2000" spc="-1" strike="noStrike">
+            <a:pPr algn="just"/>
+            <a:r>
+              <a:rPr b="1" lang="en-US" sz="1800" spc="-1" strike="noStrike">
+                <a:solidFill>
+                  <a:srgbClr val="7c4dff"/>
+                </a:solidFill>
+                <a:latin typeface="Arial"/>
+                <a:ea typeface="DejaVu Sans"/>
+              </a:rPr>
+              <a:t>ZRANGE</a:t>
+            </a:r>
+            <a:r>
+              <a:rPr b="0" lang="en-US" sz="1800" spc="-1" strike="noStrike">
+                <a:latin typeface="Arial"/>
+                <a:ea typeface="DejaVu Sans"/>
+              </a:rPr>
+              <a:t> returns the specified range of elements in the sorted set stored at &lt;key&gt;. By default, the command </a:t>
+            </a:r>
+            <a:r>
+              <a:rPr b="0" lang="en-US" sz="1800" spc="-1" strike="noStrike">
+                <a:latin typeface="Arial"/>
+                <a:ea typeface="DejaVu Sans"/>
+              </a:rPr>
+              <a:t>performs an index range query. The </a:t>
+            </a:r>
+            <a:r>
+              <a:rPr b="1" lang="en-US" sz="1800" spc="-1" strike="noStrike">
+                <a:latin typeface="Arial"/>
+                <a:ea typeface="DejaVu Sans"/>
+              </a:rPr>
+              <a:t>&lt;min&gt; and &lt;max&gt;</a:t>
+            </a:r>
+            <a:r>
+              <a:rPr b="0" lang="en-US" sz="1800" spc="-1" strike="noStrike">
+                <a:latin typeface="Arial"/>
+                <a:ea typeface="DejaVu Sans"/>
+              </a:rPr>
+              <a:t> </a:t>
+            </a:r>
+            <a:r>
+              <a:rPr b="1" lang="en-US" sz="1800" spc="-1" strike="noStrike">
+                <a:latin typeface="Arial"/>
+                <a:ea typeface="DejaVu Sans"/>
+              </a:rPr>
+              <a:t>(both inclusive range)</a:t>
+            </a:r>
+            <a:r>
+              <a:rPr b="0" lang="en-US" sz="1800" spc="-1" strike="noStrike">
+                <a:latin typeface="Arial"/>
+                <a:ea typeface="DejaVu Sans"/>
+              </a:rPr>
+              <a:t> arguments represent zero-based </a:t>
+            </a:r>
+            <a:r>
+              <a:rPr b="0" lang="en-US" sz="1800" spc="-1" strike="noStrike">
+                <a:latin typeface="Arial"/>
+                <a:ea typeface="DejaVu Sans"/>
+              </a:rPr>
+              <a:t>indexes, where 0 is the first element and so on. If </a:t>
+            </a:r>
+            <a:r>
+              <a:rPr b="1" lang="en-US" sz="1800" spc="-1" strike="noStrike">
+                <a:latin typeface="Arial"/>
+                <a:ea typeface="DejaVu Sans"/>
+              </a:rPr>
+              <a:t>BYSCORE</a:t>
+            </a:r>
+            <a:r>
+              <a:rPr b="0" lang="en-US" sz="1800" spc="-1" strike="noStrike">
+                <a:latin typeface="Arial"/>
+                <a:ea typeface="DejaVu Sans"/>
+              </a:rPr>
+              <a:t> option is provided, the command behaves like </a:t>
+            </a:r>
+            <a:r>
+              <a:rPr b="1" lang="en-US" sz="1800" spc="-1" strike="noStrike">
+                <a:latin typeface="Arial"/>
+                <a:ea typeface="DejaVu Sans"/>
+              </a:rPr>
+              <a:t>ZRANGEBYSCORE</a:t>
+            </a:r>
+            <a:r>
+              <a:rPr b="0" lang="en-US" sz="1800" spc="-1" strike="noStrike">
+                <a:latin typeface="Arial"/>
+                <a:ea typeface="DejaVu Sans"/>
+              </a:rPr>
+              <a:t> and returns the range of elements from the sorted set having scores equal or between &lt;min&gt; </a:t>
+            </a:r>
+            <a:r>
+              <a:rPr b="0" lang="en-US" sz="1800" spc="-1" strike="noStrike">
+                <a:latin typeface="Arial"/>
+                <a:ea typeface="DejaVu Sans"/>
+              </a:rPr>
+              <a:t>and &lt;max&gt;. By default, the score intervals specified by &lt;min&gt; and &lt;max&gt; are closed (inclusive). It is possible to </a:t>
+            </a:r>
+            <a:r>
+              <a:rPr b="0" lang="en-US" sz="1800" spc="-1" strike="noStrike">
+                <a:latin typeface="Arial"/>
+                <a:ea typeface="DejaVu Sans"/>
+              </a:rPr>
+              <a:t>specify an open interval </a:t>
+            </a:r>
+            <a:r>
+              <a:rPr b="1" lang="en-US" sz="1800" spc="-1" strike="noStrike">
+                <a:latin typeface="Arial"/>
+                <a:ea typeface="DejaVu Sans"/>
+              </a:rPr>
+              <a:t>(exclusive)</a:t>
+            </a:r>
+            <a:r>
+              <a:rPr b="0" lang="en-US" sz="1800" spc="-1" strike="noStrike">
+                <a:latin typeface="Arial"/>
+                <a:ea typeface="DejaVu Sans"/>
+              </a:rPr>
+              <a:t> by prefixing the score with the character </a:t>
+            </a:r>
+            <a:r>
+              <a:rPr b="1" lang="en-US" sz="1800" spc="-1" strike="noStrike">
+                <a:latin typeface="Arial"/>
+                <a:ea typeface="DejaVu Sans"/>
+              </a:rPr>
+              <a:t>(</a:t>
+            </a:r>
+            <a:r>
+              <a:rPr b="0" lang="en-US" sz="1800" spc="-1" strike="noStrike">
+                <a:latin typeface="Arial"/>
+                <a:ea typeface="DejaVu Sans"/>
+              </a:rPr>
+              <a:t>.</a:t>
+            </a:r>
+            <a:endParaRPr b="0" lang="en-IN" sz="1800" spc="-1" strike="noStrike">
               <a:latin typeface="Arial"/>
             </a:endParaRPr>
           </a:p>
@@ -31951,8 +32011,8 @@
         </p:nvSpPr>
         <p:spPr>
           <a:xfrm>
-            <a:off x="522360" y="3531600"/>
-            <a:ext cx="11059560" cy="363960"/>
+            <a:off x="248400" y="3062880"/>
+            <a:ext cx="9831600" cy="699480"/>
           </a:xfrm>
           <a:prstGeom prst="rect">
             <a:avLst/>
@@ -31979,20 +32039,924 @@
               </a:lnSpc>
             </a:pPr>
             <a:r>
-              <a:rPr b="0" lang="en-US" sz="1800" spc="-1" strike="noStrike">
-                <a:solidFill>
-                  <a:srgbClr val="bb0643"/>
-                </a:solidFill>
-                <a:latin typeface="Segoe UI"/>
-                <a:ea typeface="DejaVu Sans"/>
-              </a:rPr>
-              <a:t>TODO</a:t>
+              <a:rPr b="0" lang="en-US" sz="2000" spc="-1" strike="noStrike">
+                <a:solidFill>
+                  <a:srgbClr val="00b0f0"/>
+                </a:solidFill>
+                <a:latin typeface="Consolas"/>
+                <a:ea typeface="DejaVu Sans"/>
+              </a:rPr>
+              <a:t>ZRANGE key min max [BYSCORE|BYLEX] [REV] [LIMIT offset count] [WITHSCORES] </a:t>
+            </a:r>
+            <a:endParaRPr b="0" lang="en-IN" sz="2000" spc="-1" strike="noStrike">
+              <a:latin typeface="Arial"/>
+            </a:endParaRPr>
+          </a:p>
+        </p:txBody>
+      </p:sp>
+      <p:sp>
+        <p:nvSpPr>
+          <p:cNvPr id="362" name="CustomShape 4"/>
+          <p:cNvSpPr/>
+          <p:nvPr/>
+        </p:nvSpPr>
+        <p:spPr>
+          <a:xfrm>
+            <a:off x="288000" y="3751920"/>
+            <a:ext cx="11807640" cy="2970000"/>
+          </a:xfrm>
+          <a:prstGeom prst="rect">
+            <a:avLst/>
+          </a:prstGeom>
+          <a:noFill/>
+          <a:ln>
+            <a:noFill/>
+          </a:ln>
+        </p:spPr>
+        <p:style>
+          <a:lnRef idx="0"/>
+          <a:fillRef idx="0"/>
+          <a:effectRef idx="0"/>
+          <a:fontRef idx="minor"/>
+        </p:style>
+        <p:txBody>
+          <a:bodyPr lIns="90000" rIns="90000" tIns="45000" bIns="45000">
+            <a:spAutoFit/>
+          </a:bodyPr>
+          <a:p>
+            <a:pPr marL="285840" indent="-268920">
+              <a:lnSpc>
+                <a:spcPct val="150000"/>
+              </a:lnSpc>
+              <a:buClr>
+                <a:srgbClr val="808080"/>
+              </a:buClr>
+              <a:buFont typeface="Arial"/>
+              <a:buChar char="•"/>
+            </a:pPr>
+            <a:r>
+              <a:rPr b="0" lang="en-IN" sz="1800" spc="-1" strike="noStrike">
+                <a:solidFill>
+                  <a:srgbClr val="808080"/>
+                </a:solidFill>
+                <a:latin typeface="Consolas"/>
+                <a:ea typeface="SimSun"/>
+              </a:rPr>
+              <a:t>127.0.0.1:6379&gt;</a:t>
+            </a:r>
+            <a:r>
+              <a:rPr b="0" lang="en-IN" sz="1800" spc="-1" strike="noStrike">
+                <a:solidFill>
+                  <a:srgbClr val="000000"/>
+                </a:solidFill>
+                <a:latin typeface="Consolas"/>
+                <a:ea typeface="SimSun"/>
+              </a:rPr>
+              <a:t> </a:t>
+            </a:r>
+            <a:r>
+              <a:rPr b="0" lang="en-IN" sz="1800" spc="-1" strike="noStrike">
+                <a:solidFill>
+                  <a:srgbClr val="ff5733"/>
+                </a:solidFill>
+                <a:latin typeface="Consolas"/>
+                <a:ea typeface="SimSun"/>
+              </a:rPr>
+              <a:t>zrange game:1 0 -1</a:t>
             </a:r>
             <a:endParaRPr b="0" lang="en-IN" sz="1800" spc="-1" strike="noStrike">
               <a:latin typeface="Arial"/>
             </a:endParaRPr>
           </a:p>
+          <a:p>
+            <a:pPr marL="285840" indent="-268920">
+              <a:lnSpc>
+                <a:spcPct val="150000"/>
+              </a:lnSpc>
+              <a:buClr>
+                <a:srgbClr val="808080"/>
+              </a:buClr>
+              <a:buFont typeface="Arial"/>
+              <a:buChar char="•"/>
+            </a:pPr>
+            <a:r>
+              <a:rPr b="0" lang="en-IN" sz="1800" spc="-1" strike="noStrike">
+                <a:solidFill>
+                  <a:srgbClr val="808080"/>
+                </a:solidFill>
+                <a:latin typeface="Consolas"/>
+                <a:ea typeface="SimSun"/>
+              </a:rPr>
+              <a:t>127.0.0.1:6379&gt;</a:t>
+            </a:r>
+            <a:r>
+              <a:rPr b="0" lang="en-IN" sz="1800" spc="-1" strike="noStrike">
+                <a:solidFill>
+                  <a:srgbClr val="000000"/>
+                </a:solidFill>
+                <a:latin typeface="Consolas"/>
+                <a:ea typeface="SimSun"/>
+              </a:rPr>
+              <a:t> </a:t>
+            </a:r>
+            <a:r>
+              <a:rPr b="0" lang="en-IN" sz="1800" spc="-1" strike="noStrike">
+                <a:solidFill>
+                  <a:srgbClr val="ff5733"/>
+                </a:solidFill>
+                <a:latin typeface="Consolas"/>
+                <a:ea typeface="SimSun"/>
+              </a:rPr>
+              <a:t>zrange game:1 0 -1 withscores</a:t>
+            </a:r>
+            <a:endParaRPr b="0" lang="en-IN" sz="1800" spc="-1" strike="noStrike">
+              <a:latin typeface="Arial"/>
+            </a:endParaRPr>
+          </a:p>
+          <a:p>
+            <a:pPr marL="285840" indent="-268920">
+              <a:lnSpc>
+                <a:spcPct val="150000"/>
+              </a:lnSpc>
+              <a:buClr>
+                <a:srgbClr val="808080"/>
+              </a:buClr>
+              <a:buFont typeface="Arial"/>
+              <a:buChar char="•"/>
+            </a:pPr>
+            <a:r>
+              <a:rPr b="0" lang="en-IN" sz="1800" spc="-1" strike="noStrike">
+                <a:solidFill>
+                  <a:srgbClr val="808080"/>
+                </a:solidFill>
+                <a:latin typeface="Consolas"/>
+                <a:ea typeface="SimSun"/>
+              </a:rPr>
+              <a:t>127.0.0.1:6379&gt;</a:t>
+            </a:r>
+            <a:r>
+              <a:rPr b="0" lang="en-IN" sz="1800" spc="-1" strike="noStrike">
+                <a:solidFill>
+                  <a:srgbClr val="000000"/>
+                </a:solidFill>
+                <a:latin typeface="Consolas"/>
+                <a:ea typeface="SimSun"/>
+              </a:rPr>
+              <a:t> </a:t>
+            </a:r>
+            <a:r>
+              <a:rPr b="0" lang="en-IN" sz="1800" spc="-1" strike="noStrike">
+                <a:solidFill>
+                  <a:srgbClr val="ff5733"/>
+                </a:solidFill>
+                <a:latin typeface="Consolas"/>
+                <a:ea typeface="SimSun"/>
+              </a:rPr>
+              <a:t>zrange game:1 7 23 byscore</a:t>
+            </a:r>
+            <a:endParaRPr b="0" lang="en-IN" sz="1800" spc="-1" strike="noStrike">
+              <a:latin typeface="Arial"/>
+            </a:endParaRPr>
+          </a:p>
+          <a:p>
+            <a:pPr marL="285840" indent="-268920">
+              <a:lnSpc>
+                <a:spcPct val="150000"/>
+              </a:lnSpc>
+              <a:buClr>
+                <a:srgbClr val="808080"/>
+              </a:buClr>
+              <a:buFont typeface="Arial"/>
+              <a:buChar char="•"/>
+            </a:pPr>
+            <a:r>
+              <a:rPr b="0" lang="en-IN" sz="1800" spc="-1" strike="noStrike">
+                <a:solidFill>
+                  <a:srgbClr val="808080"/>
+                </a:solidFill>
+                <a:latin typeface="Consolas"/>
+                <a:ea typeface="SimSun"/>
+              </a:rPr>
+              <a:t>127.0.0.1:6379&gt;</a:t>
+            </a:r>
+            <a:r>
+              <a:rPr b="0" lang="en-IN" sz="1800" spc="-1" strike="noStrike">
+                <a:solidFill>
+                  <a:srgbClr val="000000"/>
+                </a:solidFill>
+                <a:latin typeface="Consolas"/>
+                <a:ea typeface="SimSun"/>
+              </a:rPr>
+              <a:t> </a:t>
+            </a:r>
+            <a:r>
+              <a:rPr b="0" lang="en-IN" sz="1800" spc="-1" strike="noStrike">
+                <a:solidFill>
+                  <a:srgbClr val="ff5733"/>
+                </a:solidFill>
+                <a:latin typeface="Consolas"/>
+                <a:ea typeface="SimSun"/>
+              </a:rPr>
+              <a:t>zrange game:1 7 23 byscore withscores</a:t>
+            </a:r>
+            <a:endParaRPr b="0" lang="en-IN" sz="1800" spc="-1" strike="noStrike">
+              <a:latin typeface="Arial"/>
+            </a:endParaRPr>
+          </a:p>
+          <a:p>
+            <a:pPr marL="285840" indent="-268920">
+              <a:lnSpc>
+                <a:spcPct val="150000"/>
+              </a:lnSpc>
+              <a:buClr>
+                <a:srgbClr val="808080"/>
+              </a:buClr>
+              <a:buFont typeface="Arial"/>
+              <a:buChar char="•"/>
+            </a:pPr>
+            <a:r>
+              <a:rPr b="0" lang="en-IN" sz="1800" spc="-1" strike="noStrike">
+                <a:solidFill>
+                  <a:srgbClr val="808080"/>
+                </a:solidFill>
+                <a:latin typeface="Consolas"/>
+                <a:ea typeface="SimSun"/>
+              </a:rPr>
+              <a:t>127.0.0.1:6379&gt;</a:t>
+            </a:r>
+            <a:r>
+              <a:rPr b="0" lang="en-IN" sz="1800" spc="-1" strike="noStrike">
+                <a:solidFill>
+                  <a:srgbClr val="000000"/>
+                </a:solidFill>
+                <a:latin typeface="Consolas"/>
+                <a:ea typeface="SimSun"/>
+              </a:rPr>
+              <a:t> </a:t>
+            </a:r>
+            <a:r>
+              <a:rPr b="0" lang="en-IN" sz="1800" spc="-1" strike="noStrike">
+                <a:solidFill>
+                  <a:srgbClr val="ff5733"/>
+                </a:solidFill>
+                <a:latin typeface="Consolas"/>
+                <a:ea typeface="SimSun"/>
+              </a:rPr>
+              <a:t>zrange game:1 7 (23 byscore withscores</a:t>
+            </a:r>
+            <a:endParaRPr b="0" lang="en-IN" sz="1800" spc="-1" strike="noStrike">
+              <a:latin typeface="Arial"/>
+            </a:endParaRPr>
+          </a:p>
+          <a:p>
+            <a:pPr marL="285840" indent="-268920">
+              <a:lnSpc>
+                <a:spcPct val="150000"/>
+              </a:lnSpc>
+              <a:buClr>
+                <a:srgbClr val="808080"/>
+              </a:buClr>
+              <a:buFont typeface="Arial"/>
+              <a:buChar char="•"/>
+            </a:pPr>
+            <a:r>
+              <a:rPr b="0" lang="en-IN" sz="1800" spc="-1" strike="noStrike">
+                <a:solidFill>
+                  <a:srgbClr val="808080"/>
+                </a:solidFill>
+                <a:latin typeface="Consolas"/>
+                <a:ea typeface="SimSun"/>
+              </a:rPr>
+              <a:t>127.0.0.1:6379&gt;</a:t>
+            </a:r>
+            <a:r>
+              <a:rPr b="0" lang="en-IN" sz="1800" spc="-1" strike="noStrike">
+                <a:solidFill>
+                  <a:srgbClr val="000000"/>
+                </a:solidFill>
+                <a:latin typeface="Consolas"/>
+                <a:ea typeface="SimSun"/>
+              </a:rPr>
+              <a:t> </a:t>
+            </a:r>
+            <a:r>
+              <a:rPr b="0" lang="en-IN" sz="1800" spc="-1" strike="noStrike">
+                <a:solidFill>
+                  <a:srgbClr val="ff5733"/>
+                </a:solidFill>
+                <a:latin typeface="Consolas"/>
+                <a:ea typeface="SimSun"/>
+              </a:rPr>
+              <a:t>zrange game:1 (7 23 byscore withscores</a:t>
+            </a:r>
+            <a:endParaRPr b="0" lang="en-IN" sz="1800" spc="-1" strike="noStrike">
+              <a:latin typeface="Arial"/>
+            </a:endParaRPr>
+          </a:p>
+          <a:p>
+            <a:pPr marL="285840" indent="-268920">
+              <a:lnSpc>
+                <a:spcPct val="150000"/>
+              </a:lnSpc>
+              <a:buClr>
+                <a:srgbClr val="808080"/>
+              </a:buClr>
+              <a:buFont typeface="Arial"/>
+              <a:buChar char="•"/>
+            </a:pPr>
+            <a:r>
+              <a:rPr b="0" lang="en-IN" sz="1800" spc="-1" strike="noStrike">
+                <a:solidFill>
+                  <a:srgbClr val="808080"/>
+                </a:solidFill>
+                <a:latin typeface="Consolas"/>
+                <a:ea typeface="SimSun"/>
+              </a:rPr>
+              <a:t>127.0.0.1:6379&gt;</a:t>
+            </a:r>
+            <a:r>
+              <a:rPr b="0" lang="en-IN" sz="1800" spc="-1" strike="noStrike">
+                <a:solidFill>
+                  <a:srgbClr val="000000"/>
+                </a:solidFill>
+                <a:latin typeface="Consolas"/>
+                <a:ea typeface="SimSun"/>
+              </a:rPr>
+              <a:t> </a:t>
+            </a:r>
+            <a:r>
+              <a:rPr b="0" lang="en-IN" sz="1800" spc="-1" strike="noStrike">
+                <a:solidFill>
+                  <a:srgbClr val="ff5733"/>
+                </a:solidFill>
+                <a:latin typeface="Consolas"/>
+                <a:ea typeface="SimSun"/>
+              </a:rPr>
+              <a:t>zrange game:1 (7 (23 byscore withscores</a:t>
+            </a:r>
+            <a:endParaRPr b="0" lang="en-IN" sz="1800" spc="-1" strike="noStrike">
+              <a:latin typeface="Arial"/>
+            </a:endParaRPr>
+          </a:p>
         </p:txBody>
+      </p:sp>
+      <p:sp>
+        <p:nvSpPr>
+          <p:cNvPr id="363" name="Line 5"/>
+          <p:cNvSpPr/>
+          <p:nvPr/>
+        </p:nvSpPr>
+        <p:spPr>
+          <a:xfrm>
+            <a:off x="0" y="2958840"/>
+            <a:ext cx="12191760" cy="0"/>
+          </a:xfrm>
+          <a:prstGeom prst="line">
+            <a:avLst/>
+          </a:prstGeom>
+          <a:ln w="12600">
+            <a:solidFill>
+              <a:srgbClr val="6e78a0"/>
+            </a:solidFill>
+            <a:prstDash val="dash"/>
+            <a:round/>
+          </a:ln>
+        </p:spPr>
+        <p:style>
+          <a:lnRef idx="1">
+            <a:schemeClr val="accent1"/>
+          </a:lnRef>
+          <a:fillRef idx="0">
+            <a:schemeClr val="accent1"/>
+          </a:fillRef>
+          <a:effectRef idx="0">
+            <a:schemeClr val="accent1"/>
+          </a:effectRef>
+          <a:fontRef idx="minor"/>
+        </p:style>
+      </p:sp>
+      <p:sp>
+        <p:nvSpPr>
+          <p:cNvPr id="364" name="TextShape 6"/>
+          <p:cNvSpPr txBox="1"/>
+          <p:nvPr/>
+        </p:nvSpPr>
+        <p:spPr>
+          <a:xfrm>
+            <a:off x="10260000" y="1006560"/>
+            <a:ext cx="1896120" cy="5715000"/>
+          </a:xfrm>
+          <a:prstGeom prst="rect">
+            <a:avLst/>
+          </a:prstGeom>
+          <a:noFill/>
+          <a:ln>
+            <a:noFill/>
+          </a:ln>
+        </p:spPr>
+        <p:txBody>
+          <a:bodyPr lIns="90000" rIns="90000" tIns="45000" bIns="45000">
+            <a:noAutofit/>
+          </a:bodyPr>
+          <a:p>
+            <a:r>
+              <a:rPr b="0" lang="en-IN" sz="2200" spc="-1" strike="noStrike">
+                <a:solidFill>
+                  <a:srgbClr val="bf360c"/>
+                </a:solidFill>
+                <a:latin typeface="Arial"/>
+              </a:rPr>
+              <a:t>  </a:t>
+            </a:r>
+            <a:r>
+              <a:rPr b="0" lang="en-IN" sz="2200" spc="-1" strike="noStrike">
+                <a:solidFill>
+                  <a:srgbClr val="bf360c"/>
+                </a:solidFill>
+                <a:latin typeface="Arial"/>
+              </a:rPr>
+              <a:t>1) "neel"</a:t>
+            </a:r>
+            <a:endParaRPr b="0" lang="en-IN" sz="2200" spc="-1" strike="noStrike">
+              <a:solidFill>
+                <a:srgbClr val="bf360c"/>
+              </a:solidFill>
+              <a:latin typeface="Arial"/>
+            </a:endParaRPr>
+          </a:p>
+          <a:p>
+            <a:r>
+              <a:rPr b="0" lang="en-IN" sz="2200" spc="-1" strike="noStrike">
+                <a:solidFill>
+                  <a:srgbClr val="bf360c"/>
+                </a:solidFill>
+                <a:latin typeface="Arial"/>
+              </a:rPr>
+              <a:t>  </a:t>
+            </a:r>
+            <a:r>
+              <a:rPr b="0" lang="en-IN" sz="2200" spc="-1" strike="noStrike">
+                <a:solidFill>
+                  <a:srgbClr val="bf360c"/>
+                </a:solidFill>
+                <a:latin typeface="Arial"/>
+              </a:rPr>
+              <a:t>2) "4"</a:t>
+            </a:r>
+            <a:endParaRPr b="0" lang="en-IN" sz="2200" spc="-1" strike="noStrike">
+              <a:solidFill>
+                <a:srgbClr val="bf360c"/>
+              </a:solidFill>
+              <a:latin typeface="Arial"/>
+            </a:endParaRPr>
+          </a:p>
+          <a:p>
+            <a:r>
+              <a:rPr b="0" lang="en-IN" sz="2200" spc="-1" strike="noStrike">
+                <a:solidFill>
+                  <a:srgbClr val="bf360c"/>
+                </a:solidFill>
+                <a:latin typeface="Arial"/>
+              </a:rPr>
+              <a:t>  </a:t>
+            </a:r>
+            <a:r>
+              <a:rPr b="0" lang="en-IN" sz="2200" spc="-1" strike="noStrike">
+                <a:solidFill>
+                  <a:srgbClr val="bf360c"/>
+                </a:solidFill>
+                <a:latin typeface="Arial"/>
+              </a:rPr>
+              <a:t>3) "raj"</a:t>
+            </a:r>
+            <a:endParaRPr b="0" lang="en-IN" sz="2200" spc="-1" strike="noStrike">
+              <a:solidFill>
+                <a:srgbClr val="bf360c"/>
+              </a:solidFill>
+              <a:latin typeface="Arial"/>
+            </a:endParaRPr>
+          </a:p>
+          <a:p>
+            <a:r>
+              <a:rPr b="0" lang="en-IN" sz="2200" spc="-1" strike="noStrike">
+                <a:solidFill>
+                  <a:srgbClr val="bf360c"/>
+                </a:solidFill>
+                <a:latin typeface="Arial"/>
+              </a:rPr>
+              <a:t>  </a:t>
+            </a:r>
+            <a:r>
+              <a:rPr b="0" lang="en-IN" sz="2200" spc="-1" strike="noStrike">
+                <a:solidFill>
+                  <a:srgbClr val="bf360c"/>
+                </a:solidFill>
+                <a:latin typeface="Arial"/>
+              </a:rPr>
+              <a:t>4) "5"</a:t>
+            </a:r>
+            <a:endParaRPr b="0" lang="en-IN" sz="2200" spc="-1" strike="noStrike">
+              <a:solidFill>
+                <a:srgbClr val="bf360c"/>
+              </a:solidFill>
+              <a:latin typeface="Arial"/>
+            </a:endParaRPr>
+          </a:p>
+          <a:p>
+            <a:r>
+              <a:rPr b="0" lang="en-IN" sz="2200" spc="-1" strike="noStrike">
+                <a:solidFill>
+                  <a:srgbClr val="bf360c"/>
+                </a:solidFill>
+                <a:latin typeface="Arial"/>
+              </a:rPr>
+              <a:t>  </a:t>
+            </a:r>
+            <a:r>
+              <a:rPr b="0" lang="en-IN" sz="2200" spc="-1" strike="noStrike">
+                <a:solidFill>
+                  <a:srgbClr val="bf360c"/>
+                </a:solidFill>
+                <a:latin typeface="Arial"/>
+              </a:rPr>
+              <a:t>5) "ruhan"</a:t>
+            </a:r>
+            <a:endParaRPr b="0" lang="en-IN" sz="2200" spc="-1" strike="noStrike">
+              <a:solidFill>
+                <a:srgbClr val="bf360c"/>
+              </a:solidFill>
+              <a:latin typeface="Arial"/>
+            </a:endParaRPr>
+          </a:p>
+          <a:p>
+            <a:r>
+              <a:rPr b="0" lang="en-IN" sz="2200" spc="-1" strike="noStrike">
+                <a:solidFill>
+                  <a:srgbClr val="bf360c"/>
+                </a:solidFill>
+                <a:latin typeface="Arial"/>
+              </a:rPr>
+              <a:t>  </a:t>
+            </a:r>
+            <a:r>
+              <a:rPr b="0" lang="en-IN" sz="2200" spc="-1" strike="noStrike">
+                <a:solidFill>
+                  <a:srgbClr val="bf360c"/>
+                </a:solidFill>
+                <a:latin typeface="Arial"/>
+              </a:rPr>
+              <a:t>6) "5"</a:t>
+            </a:r>
+            <a:endParaRPr b="0" lang="en-IN" sz="2200" spc="-1" strike="noStrike">
+              <a:solidFill>
+                <a:srgbClr val="bf360c"/>
+              </a:solidFill>
+              <a:latin typeface="Arial"/>
+            </a:endParaRPr>
+          </a:p>
+          <a:p>
+            <a:r>
+              <a:rPr b="0" lang="en-IN" sz="2200" spc="-1" strike="noStrike">
+                <a:solidFill>
+                  <a:srgbClr val="bf360c"/>
+                </a:solidFill>
+                <a:latin typeface="Arial"/>
+              </a:rPr>
+              <a:t>  </a:t>
+            </a:r>
+            <a:r>
+              <a:rPr b="0" lang="en-IN" sz="2200" spc="-1" strike="noStrike">
+                <a:solidFill>
+                  <a:srgbClr val="bf360c"/>
+                </a:solidFill>
+                <a:latin typeface="Arial"/>
+              </a:rPr>
+              <a:t>7) "gau"</a:t>
+            </a:r>
+            <a:endParaRPr b="0" lang="en-IN" sz="2200" spc="-1" strike="noStrike">
+              <a:solidFill>
+                <a:srgbClr val="bf360c"/>
+              </a:solidFill>
+              <a:latin typeface="Arial"/>
+            </a:endParaRPr>
+          </a:p>
+          <a:p>
+            <a:r>
+              <a:rPr b="0" lang="en-IN" sz="2200" spc="-1" strike="noStrike">
+                <a:solidFill>
+                  <a:srgbClr val="bf360c"/>
+                </a:solidFill>
+                <a:latin typeface="Arial"/>
+              </a:rPr>
+              <a:t>  </a:t>
+            </a:r>
+            <a:r>
+              <a:rPr b="0" lang="en-IN" sz="2200" spc="-1" strike="noStrike">
+                <a:solidFill>
+                  <a:srgbClr val="bf360c"/>
+                </a:solidFill>
+                <a:latin typeface="Arial"/>
+              </a:rPr>
+              <a:t>8) "7"</a:t>
+            </a:r>
+            <a:endParaRPr b="0" lang="en-IN" sz="2200" spc="-1" strike="noStrike">
+              <a:solidFill>
+                <a:srgbClr val="bf360c"/>
+              </a:solidFill>
+              <a:latin typeface="Arial"/>
+            </a:endParaRPr>
+          </a:p>
+          <a:p>
+            <a:r>
+              <a:rPr b="0" lang="en-IN" sz="2200" spc="-1" strike="noStrike">
+                <a:solidFill>
+                  <a:srgbClr val="bf360c"/>
+                </a:solidFill>
+                <a:latin typeface="Arial"/>
+              </a:rPr>
+              <a:t>  </a:t>
+            </a:r>
+            <a:r>
+              <a:rPr b="0" lang="en-IN" sz="2200" spc="-1" strike="noStrike">
+                <a:solidFill>
+                  <a:srgbClr val="bf360c"/>
+                </a:solidFill>
+                <a:latin typeface="Arial"/>
+              </a:rPr>
+              <a:t>9) "kau"</a:t>
+            </a:r>
+            <a:endParaRPr b="0" lang="en-IN" sz="2200" spc="-1" strike="noStrike">
+              <a:solidFill>
+                <a:srgbClr val="bf360c"/>
+              </a:solidFill>
+              <a:latin typeface="Arial"/>
+            </a:endParaRPr>
+          </a:p>
+          <a:p>
+            <a:r>
+              <a:rPr b="0" lang="en-IN" sz="2200" spc="-1" strike="noStrike">
+                <a:solidFill>
+                  <a:srgbClr val="bf360c"/>
+                </a:solidFill>
+                <a:latin typeface="Arial"/>
+              </a:rPr>
+              <a:t> </a:t>
+            </a:r>
+            <a:r>
+              <a:rPr b="0" lang="en-IN" sz="2200" spc="-1" strike="noStrike">
+                <a:solidFill>
+                  <a:srgbClr val="bf360c"/>
+                </a:solidFill>
+                <a:latin typeface="Arial"/>
+              </a:rPr>
+              <a:t>10) "10"</a:t>
+            </a:r>
+            <a:endParaRPr b="0" lang="en-IN" sz="2200" spc="-1" strike="noStrike">
+              <a:solidFill>
+                <a:srgbClr val="bf360c"/>
+              </a:solidFill>
+              <a:latin typeface="Arial"/>
+            </a:endParaRPr>
+          </a:p>
+          <a:p>
+            <a:r>
+              <a:rPr b="0" lang="en-IN" sz="2200" spc="-1" strike="noStrike">
+                <a:solidFill>
+                  <a:srgbClr val="bf360c"/>
+                </a:solidFill>
+                <a:latin typeface="Arial"/>
+              </a:rPr>
+              <a:t> </a:t>
+            </a:r>
+            <a:r>
+              <a:rPr b="0" lang="en-IN" sz="2200" spc="-1" strike="noStrike">
+                <a:solidFill>
+                  <a:srgbClr val="bf360c"/>
+                </a:solidFill>
+                <a:latin typeface="Arial"/>
+              </a:rPr>
+              <a:t>11) "nitish"</a:t>
+            </a:r>
+            <a:endParaRPr b="0" lang="en-IN" sz="2200" spc="-1" strike="noStrike">
+              <a:solidFill>
+                <a:srgbClr val="bf360c"/>
+              </a:solidFill>
+              <a:latin typeface="Arial"/>
+            </a:endParaRPr>
+          </a:p>
+          <a:p>
+            <a:r>
+              <a:rPr b="0" lang="en-IN" sz="2200" spc="-1" strike="noStrike">
+                <a:solidFill>
+                  <a:srgbClr val="bf360c"/>
+                </a:solidFill>
+                <a:latin typeface="Arial"/>
+              </a:rPr>
+              <a:t> </a:t>
+            </a:r>
+            <a:r>
+              <a:rPr b="0" lang="en-IN" sz="2200" spc="-1" strike="noStrike">
+                <a:solidFill>
+                  <a:srgbClr val="bf360c"/>
+                </a:solidFill>
+                <a:latin typeface="Arial"/>
+              </a:rPr>
+              <a:t>12) "10"</a:t>
+            </a:r>
+            <a:endParaRPr b="0" lang="en-IN" sz="2200" spc="-1" strike="noStrike">
+              <a:solidFill>
+                <a:srgbClr val="bf360c"/>
+              </a:solidFill>
+              <a:latin typeface="Arial"/>
+            </a:endParaRPr>
+          </a:p>
+          <a:p>
+            <a:r>
+              <a:rPr b="0" lang="en-IN" sz="2200" spc="-1" strike="noStrike">
+                <a:solidFill>
+                  <a:srgbClr val="bf360c"/>
+                </a:solidFill>
+                <a:latin typeface="Arial"/>
+              </a:rPr>
+              <a:t> </a:t>
+            </a:r>
+            <a:r>
+              <a:rPr b="0" lang="en-IN" sz="2200" spc="-1" strike="noStrike">
+                <a:solidFill>
+                  <a:srgbClr val="bf360c"/>
+                </a:solidFill>
+                <a:latin typeface="Arial"/>
+              </a:rPr>
+              <a:t>13)  "saleel"</a:t>
+            </a:r>
+            <a:endParaRPr b="0" lang="en-IN" sz="2200" spc="-1" strike="noStrike">
+              <a:solidFill>
+                <a:srgbClr val="bf360c"/>
+              </a:solidFill>
+              <a:latin typeface="Arial"/>
+            </a:endParaRPr>
+          </a:p>
+          <a:p>
+            <a:r>
+              <a:rPr b="0" lang="en-IN" sz="2200" spc="-1" strike="noStrike">
+                <a:solidFill>
+                  <a:srgbClr val="bf360c"/>
+                </a:solidFill>
+                <a:latin typeface="Arial"/>
+              </a:rPr>
+              <a:t> </a:t>
+            </a:r>
+            <a:r>
+              <a:rPr b="0" lang="en-IN" sz="2200" spc="-1" strike="noStrike">
+                <a:solidFill>
+                  <a:srgbClr val="bf360c"/>
+                </a:solidFill>
+                <a:latin typeface="Arial"/>
+              </a:rPr>
+              <a:t>14) "17"</a:t>
+            </a:r>
+            <a:endParaRPr b="0" lang="en-IN" sz="2200" spc="-1" strike="noStrike">
+              <a:solidFill>
+                <a:srgbClr val="bf360c"/>
+              </a:solidFill>
+              <a:latin typeface="Arial"/>
+            </a:endParaRPr>
+          </a:p>
+          <a:p>
+            <a:r>
+              <a:rPr b="0" lang="en-IN" sz="2200" spc="-1" strike="noStrike">
+                <a:solidFill>
+                  <a:srgbClr val="bf360c"/>
+                </a:solidFill>
+                <a:latin typeface="Arial"/>
+              </a:rPr>
+              <a:t> </a:t>
+            </a:r>
+            <a:r>
+              <a:rPr b="0" lang="en-IN" sz="2200" spc="-1" strike="noStrike">
+                <a:solidFill>
+                  <a:srgbClr val="bf360c"/>
+                </a:solidFill>
+                <a:latin typeface="Arial"/>
+              </a:rPr>
+              <a:t>15) "sangita"</a:t>
+            </a:r>
+            <a:endParaRPr b="0" lang="en-IN" sz="2200" spc="-1" strike="noStrike">
+              <a:solidFill>
+                <a:srgbClr val="bf360c"/>
+              </a:solidFill>
+              <a:latin typeface="Arial"/>
+            </a:endParaRPr>
+          </a:p>
+          <a:p>
+            <a:r>
+              <a:rPr b="0" lang="en-IN" sz="2200" spc="-1" strike="noStrike">
+                <a:solidFill>
+                  <a:srgbClr val="bf360c"/>
+                </a:solidFill>
+                <a:latin typeface="Arial"/>
+              </a:rPr>
+              <a:t> </a:t>
+            </a:r>
+            <a:r>
+              <a:rPr b="0" lang="en-IN" sz="2200" spc="-1" strike="noStrike">
+                <a:solidFill>
+                  <a:srgbClr val="bf360c"/>
+                </a:solidFill>
+                <a:latin typeface="Arial"/>
+              </a:rPr>
+              <a:t>16) "23"</a:t>
+            </a:r>
+            <a:endParaRPr b="0" lang="en-IN" sz="2200" spc="-1" strike="noStrike">
+              <a:solidFill>
+                <a:srgbClr val="bf360c"/>
+              </a:solidFill>
+              <a:latin typeface="Arial"/>
+            </a:endParaRPr>
+          </a:p>
+          <a:p>
+            <a:r>
+              <a:rPr b="0" lang="en-IN" sz="2200" spc="-1" strike="noStrike">
+                <a:solidFill>
+                  <a:srgbClr val="bf360c"/>
+                </a:solidFill>
+                <a:latin typeface="Arial"/>
+              </a:rPr>
+              <a:t> </a:t>
+            </a:r>
+            <a:r>
+              <a:rPr b="0" lang="en-IN" sz="2200" spc="-1" strike="noStrike">
+                <a:solidFill>
+                  <a:srgbClr val="bf360c"/>
+                </a:solidFill>
+                <a:latin typeface="Arial"/>
+              </a:rPr>
+              <a:t>17) "deep"</a:t>
+            </a:r>
+            <a:endParaRPr b="0" lang="en-IN" sz="2200" spc="-1" strike="noStrike">
+              <a:solidFill>
+                <a:srgbClr val="bf360c"/>
+              </a:solidFill>
+              <a:latin typeface="Arial"/>
+            </a:endParaRPr>
+          </a:p>
+          <a:p>
+            <a:r>
+              <a:rPr b="0" lang="en-IN" sz="2200" spc="-1" strike="noStrike">
+                <a:solidFill>
+                  <a:srgbClr val="bf360c"/>
+                </a:solidFill>
+                <a:latin typeface="Arial"/>
+              </a:rPr>
+              <a:t> </a:t>
+            </a:r>
+            <a:r>
+              <a:rPr b="0" lang="en-IN" sz="2200" spc="-1" strike="noStrike">
+                <a:solidFill>
+                  <a:srgbClr val="bf360c"/>
+                </a:solidFill>
+                <a:latin typeface="Arial"/>
+              </a:rPr>
+              <a:t>18) "28"</a:t>
+            </a:r>
+            <a:endParaRPr b="0" lang="en-IN" sz="2200" spc="-1" strike="noStrike">
+              <a:solidFill>
+                <a:srgbClr val="bf360c"/>
+              </a:solidFill>
+              <a:latin typeface="Arial"/>
+            </a:endParaRPr>
+          </a:p>
+        </p:txBody>
+      </p:sp>
+      <p:sp>
+        <p:nvSpPr>
+          <p:cNvPr id="365" name="Line 7"/>
+          <p:cNvSpPr/>
+          <p:nvPr/>
+        </p:nvSpPr>
+        <p:spPr>
+          <a:xfrm flipH="1">
+            <a:off x="6912000" y="3456000"/>
+            <a:ext cx="3456000" cy="1008000"/>
+          </a:xfrm>
+          <a:prstGeom prst="line">
+            <a:avLst/>
+          </a:prstGeom>
+          <a:ln w="12600">
+            <a:solidFill>
+              <a:srgbClr val="cddc39"/>
+            </a:solidFill>
+            <a:round/>
+            <a:headEnd len="med" type="triangle" w="med"/>
+            <a:tailEnd len="med" type="diamond" w="med"/>
+          </a:ln>
+        </p:spPr>
+        <p:style>
+          <a:lnRef idx="0"/>
+          <a:fillRef idx="0"/>
+          <a:effectRef idx="0"/>
+          <a:fontRef idx="minor"/>
+        </p:style>
       </p:sp>
     </p:spTree>
   </p:cSld>
@@ -32033,7 +32997,7 @@
         <p:spPr>
           <a:xfrm>
             <a:off x="1676520" y="2362320"/>
-            <a:ext cx="8822520" cy="912600"/>
+            <a:ext cx="8822160" cy="912600"/>
           </a:xfrm>
           <a:prstGeom prst="rect">
             <a:avLst/>
@@ -32084,7 +33048,7 @@
         <p:spPr>
           <a:xfrm>
             <a:off x="522360" y="3531600"/>
-            <a:ext cx="11059560" cy="363960"/>
+            <a:ext cx="11059200" cy="363960"/>
           </a:xfrm>
           <a:prstGeom prst="rect">
             <a:avLst/>
@@ -32158,19 +33122,23 @@
       </p:grpSpPr>
       <p:sp>
         <p:nvSpPr>
-          <p:cNvPr id="362" name="CustomShape 1"/>
+          <p:cNvPr id="366" name="CustomShape 1"/>
           <p:cNvSpPr/>
           <p:nvPr/>
         </p:nvSpPr>
         <p:spPr>
           <a:xfrm>
-            <a:off x="0" y="727200"/>
-            <a:ext cx="1938240" cy="424800"/>
+            <a:off x="248400" y="0"/>
+            <a:ext cx="11695680" cy="699120"/>
           </a:xfrm>
           <a:prstGeom prst="rect">
             <a:avLst/>
           </a:prstGeom>
-          <a:noFill/>
+          <a:solidFill>
+            <a:schemeClr val="accent6">
+              <a:lumMod val="75000"/>
+            </a:schemeClr>
+          </a:solidFill>
           <a:ln>
             <a:noFill/>
           </a:ln>
@@ -32186,22 +33154,22 @@
             <a:spAutoFit/>
           </a:bodyPr>
           <a:p>
-            <a:pPr algn="just">
-              <a:lnSpc>
-                <a:spcPct val="100000"/>
-              </a:lnSpc>
-            </a:pPr>
-            <a:r>
-              <a:rPr b="0" lang="en-IN" sz="2200" spc="-1" strike="noStrike">
-                <a:solidFill>
-                  <a:srgbClr val="3e5d78"/>
-                </a:solidFill>
-                <a:latin typeface="Times New Roman"/>
-                <a:ea typeface="DejaVu Sans"/>
-              </a:rPr>
-              <a:t>Lua scripting</a:t>
-            </a:r>
-            <a:endParaRPr b="0" lang="en-IN" sz="2200" spc="-1" strike="noStrike">
+            <a:pPr algn="ctr">
+              <a:lnSpc>
+                <a:spcPct val="100000"/>
+              </a:lnSpc>
+            </a:pPr>
+            <a:r>
+              <a:rPr b="0" lang="en-IN" sz="4000" spc="-1" strike="noStrike">
+                <a:solidFill>
+                  <a:srgbClr val="f7c120"/>
+                </a:solidFill>
+                <a:latin typeface="Open Sans"/>
+                <a:ea typeface="DejaVu Sans"/>
+              </a:rPr>
+              <a:t>zrangebyscore</a:t>
+            </a:r>
+            <a:endParaRPr b="0" lang="en-IN" sz="4000" spc="-1" strike="noStrike">
               <a:latin typeface="Arial"/>
             </a:endParaRPr>
           </a:p>
@@ -32209,286 +33177,19 @@
       </p:sp>
       <p:sp>
         <p:nvSpPr>
-          <p:cNvPr id="363" name="CustomShape 2"/>
+          <p:cNvPr id="367" name="CustomShape 2"/>
           <p:cNvSpPr/>
           <p:nvPr/>
         </p:nvSpPr>
         <p:spPr>
           <a:xfrm>
-            <a:off x="288000" y="2061720"/>
-            <a:ext cx="11658240" cy="4051080"/>
+            <a:off x="248400" y="762120"/>
+            <a:ext cx="11703600" cy="1187640"/>
           </a:xfrm>
           <a:prstGeom prst="rect">
             <a:avLst/>
           </a:prstGeom>
           <a:noFill/>
-          <a:ln>
-            <a:noFill/>
-          </a:ln>
-        </p:spPr>
-        <p:style>
-          <a:lnRef idx="0"/>
-          <a:fillRef idx="0"/>
-          <a:effectRef idx="0"/>
-          <a:fontRef idx="minor"/>
-        </p:style>
-        <p:txBody>
-          <a:bodyPr lIns="90000" rIns="90000" tIns="45000" bIns="45000">
-            <a:noAutofit/>
-          </a:bodyPr>
-          <a:p>
-            <a:pPr algn="just">
-              <a:lnSpc>
-                <a:spcPct val="100000"/>
-              </a:lnSpc>
-            </a:pPr>
-            <a:r>
-              <a:rPr b="1" lang="en-US" sz="2000" spc="-1" strike="noStrike">
-                <a:solidFill>
-                  <a:srgbClr val="000000"/>
-                </a:solidFill>
-                <a:latin typeface="Arial"/>
-                <a:ea typeface="DejaVu Sans"/>
-              </a:rPr>
-              <a:t>EVAL</a:t>
-            </a:r>
-            <a:r>
-              <a:rPr b="0" lang="en-IN" sz="2000" spc="-1" strike="noStrike">
-                <a:solidFill>
-                  <a:srgbClr val="000000"/>
-                </a:solidFill>
-                <a:latin typeface="Arial"/>
-                <a:ea typeface="DejaVu Sans"/>
-              </a:rPr>
-              <a:t> is used to evaluate scripts using the Lua interpreter built into Redis starting from version 2.6.0.</a:t>
-            </a:r>
-            <a:endParaRPr b="0" lang="en-IN" sz="2000" spc="-1" strike="noStrike">
-              <a:latin typeface="Arial"/>
-            </a:endParaRPr>
-          </a:p>
-          <a:p>
-            <a:pPr>
-              <a:lnSpc>
-                <a:spcPct val="100000"/>
-              </a:lnSpc>
-            </a:pPr>
-            <a:endParaRPr b="0" lang="en-IN" sz="2000" spc="-1" strike="noStrike">
-              <a:latin typeface="Arial"/>
-            </a:endParaRPr>
-          </a:p>
-          <a:p>
-            <a:pPr marL="216000" indent="-210240">
-              <a:lnSpc>
-                <a:spcPct val="100000"/>
-              </a:lnSpc>
-              <a:buClr>
-                <a:srgbClr val="000000"/>
-              </a:buClr>
-              <a:buSzPct val="45000"/>
-              <a:buFont typeface="Wingdings" charset="2"/>
-              <a:buChar char=""/>
-            </a:pPr>
-            <a:r>
-              <a:rPr b="1" lang="en-IN" sz="2000" spc="-1" strike="noStrike">
-                <a:solidFill>
-                  <a:srgbClr val="000000"/>
-                </a:solidFill>
-                <a:latin typeface="Arial"/>
-                <a:ea typeface="DejaVu Sans"/>
-              </a:rPr>
-              <a:t>The first argument of EVAL</a:t>
-            </a:r>
-            <a:r>
-              <a:rPr b="0" lang="en-IN" sz="2000" spc="-1" strike="noStrike">
-                <a:solidFill>
-                  <a:srgbClr val="000000"/>
-                </a:solidFill>
-                <a:latin typeface="Arial"/>
-                <a:ea typeface="DejaVu Sans"/>
-              </a:rPr>
-              <a:t> is a Lua 5.1 script. The script does not need to define a Lua function. It is just a Lua program that will run in the context of the Redis server.</a:t>
-            </a:r>
-            <a:endParaRPr b="0" lang="en-IN" sz="2000" spc="-1" strike="noStrike">
-              <a:latin typeface="Arial"/>
-            </a:endParaRPr>
-          </a:p>
-          <a:p>
-            <a:pPr>
-              <a:lnSpc>
-                <a:spcPct val="100000"/>
-              </a:lnSpc>
-            </a:pPr>
-            <a:endParaRPr b="0" lang="en-IN" sz="2000" spc="-1" strike="noStrike">
-              <a:latin typeface="Arial"/>
-            </a:endParaRPr>
-          </a:p>
-          <a:p>
-            <a:pPr marL="216000" indent="-210240">
-              <a:lnSpc>
-                <a:spcPct val="100000"/>
-              </a:lnSpc>
-              <a:buClr>
-                <a:srgbClr val="000000"/>
-              </a:buClr>
-              <a:buSzPct val="45000"/>
-              <a:buFont typeface="Wingdings" charset="2"/>
-              <a:buChar char=""/>
-            </a:pPr>
-            <a:r>
-              <a:rPr b="1" lang="en-IN" sz="2000" spc="-1" strike="noStrike">
-                <a:solidFill>
-                  <a:srgbClr val="000000"/>
-                </a:solidFill>
-                <a:latin typeface="Arial"/>
-                <a:ea typeface="DejaVu Sans"/>
-              </a:rPr>
-              <a:t>The second argument of EVAL</a:t>
-            </a:r>
-            <a:r>
-              <a:rPr b="0" lang="en-IN" sz="2000" spc="-1" strike="noStrike">
-                <a:solidFill>
-                  <a:srgbClr val="000000"/>
-                </a:solidFill>
-                <a:latin typeface="Arial"/>
-                <a:ea typeface="DejaVu Sans"/>
-              </a:rPr>
-              <a:t> is the number of arguments that follows the script (starting from the third argument) that represent Redis key names. The arguments can be accessed by Lua using the </a:t>
-            </a:r>
-            <a:r>
-              <a:rPr b="1" lang="en-IN" sz="2000" spc="-1" strike="noStrike">
-                <a:solidFill>
-                  <a:srgbClr val="000000"/>
-                </a:solidFill>
-                <a:latin typeface="Arial"/>
-                <a:ea typeface="DejaVu Sans"/>
-              </a:rPr>
-              <a:t>KEYS global variable</a:t>
-            </a:r>
-            <a:r>
-              <a:rPr b="0" lang="en-IN" sz="2000" spc="-1" strike="noStrike">
-                <a:solidFill>
-                  <a:srgbClr val="000000"/>
-                </a:solidFill>
-                <a:latin typeface="Arial"/>
-                <a:ea typeface="DejaVu Sans"/>
-              </a:rPr>
-              <a:t> in the form of a one-based array (so </a:t>
-            </a:r>
-            <a:r>
-              <a:rPr b="1" lang="en-IN" sz="2000" spc="-1" strike="noStrike">
-                <a:solidFill>
-                  <a:srgbClr val="000000"/>
-                </a:solidFill>
-                <a:latin typeface="Arial"/>
-                <a:ea typeface="DejaVu Sans"/>
-              </a:rPr>
-              <a:t>KEYS[1], KEYS[2], ...</a:t>
-            </a:r>
-            <a:r>
-              <a:rPr b="0" lang="en-IN" sz="2000" spc="-1" strike="noStrike">
-                <a:solidFill>
-                  <a:srgbClr val="000000"/>
-                </a:solidFill>
-                <a:latin typeface="Arial"/>
-                <a:ea typeface="DejaVu Sans"/>
-              </a:rPr>
-              <a:t>).</a:t>
-            </a:r>
-            <a:endParaRPr b="0" lang="en-IN" sz="2000" spc="-1" strike="noStrike">
-              <a:latin typeface="Arial"/>
-            </a:endParaRPr>
-          </a:p>
-          <a:p>
-            <a:pPr>
-              <a:lnSpc>
-                <a:spcPct val="100000"/>
-              </a:lnSpc>
-            </a:pPr>
-            <a:endParaRPr b="0" lang="en-IN" sz="2000" spc="-1" strike="noStrike">
-              <a:latin typeface="Arial"/>
-            </a:endParaRPr>
-          </a:p>
-          <a:p>
-            <a:pPr>
-              <a:lnSpc>
-                <a:spcPct val="100000"/>
-              </a:lnSpc>
-            </a:pPr>
-            <a:r>
-              <a:rPr b="0" lang="en-IN" sz="2000" spc="-1" strike="noStrike">
-                <a:solidFill>
-                  <a:srgbClr val="000000"/>
-                </a:solidFill>
-                <a:latin typeface="Arial"/>
-                <a:ea typeface="DejaVu Sans"/>
-              </a:rPr>
-              <a:t>All the additional arguments should not represent key names and can be accessed by Lua using the </a:t>
-            </a:r>
-            <a:r>
-              <a:rPr b="1" lang="en-IN" sz="2000" spc="-1" strike="noStrike">
-                <a:solidFill>
-                  <a:srgbClr val="000000"/>
-                </a:solidFill>
-                <a:latin typeface="Arial"/>
-                <a:ea typeface="DejaVu Sans"/>
-              </a:rPr>
-              <a:t>ARGV global variable</a:t>
-            </a:r>
-            <a:r>
-              <a:rPr b="0" lang="en-IN" sz="2000" spc="-1" strike="noStrike">
-                <a:solidFill>
-                  <a:srgbClr val="000000"/>
-                </a:solidFill>
-                <a:latin typeface="Arial"/>
-                <a:ea typeface="DejaVu Sans"/>
-              </a:rPr>
-              <a:t>, very similarly to what happens with keys (so </a:t>
-            </a:r>
-            <a:r>
-              <a:rPr b="1" lang="en-IN" sz="2000" spc="-1" strike="noStrike">
-                <a:solidFill>
-                  <a:srgbClr val="000000"/>
-                </a:solidFill>
-                <a:latin typeface="Arial"/>
-                <a:ea typeface="DejaVu Sans"/>
-              </a:rPr>
-              <a:t>ARGV[1], ARGV[2], ...</a:t>
-            </a:r>
-            <a:r>
-              <a:rPr b="0" lang="en-IN" sz="2000" spc="-1" strike="noStrike">
-                <a:solidFill>
-                  <a:srgbClr val="000000"/>
-                </a:solidFill>
-                <a:latin typeface="Arial"/>
-                <a:ea typeface="DejaVu Sans"/>
-              </a:rPr>
-              <a:t>).</a:t>
-            </a:r>
-            <a:endParaRPr b="0" lang="en-IN" sz="2000" spc="-1" strike="noStrike">
-              <a:latin typeface="Arial"/>
-            </a:endParaRPr>
-          </a:p>
-        </p:txBody>
-      </p:sp>
-      <p:sp>
-        <p:nvSpPr>
-          <p:cNvPr id="364" name="CustomShape 3"/>
-          <p:cNvSpPr/>
-          <p:nvPr/>
-        </p:nvSpPr>
-        <p:spPr>
-          <a:xfrm>
-            <a:off x="248400" y="0"/>
-            <a:ext cx="11696040" cy="699120"/>
-          </a:xfrm>
-          <a:prstGeom prst="rect">
-            <a:avLst/>
-          </a:prstGeom>
-          <a:solidFill>
-            <a:schemeClr val="accent6">
-              <a:lumMod val="75000"/>
-            </a:schemeClr>
-          </a:solidFill>
           <a:ln>
             <a:noFill/>
           </a:ln>
@@ -32504,22 +33205,81 @@
             <a:spAutoFit/>
           </a:bodyPr>
           <a:p>
-            <a:pPr algn="ctr">
-              <a:lnSpc>
-                <a:spcPct val="100000"/>
-              </a:lnSpc>
-            </a:pPr>
-            <a:r>
-              <a:rPr b="0" lang="en-IN" sz="4000" spc="-1" strike="noStrike">
-                <a:solidFill>
-                  <a:srgbClr val="f7c120"/>
-                </a:solidFill>
-                <a:latin typeface="Open Sans"/>
-                <a:ea typeface="DejaVu Sans"/>
-              </a:rPr>
-              <a:t>Introduction to EVAL</a:t>
-            </a:r>
-            <a:endParaRPr b="0" lang="en-IN" sz="4000" spc="-1" strike="noStrike">
+            <a:pPr algn="just"/>
+            <a:r>
+              <a:rPr b="1" lang="en-US" sz="1800" spc="-1" strike="noStrike">
+                <a:solidFill>
+                  <a:srgbClr val="7c4dff"/>
+                </a:solidFill>
+                <a:latin typeface="Arial"/>
+                <a:ea typeface="DejaVu Sans"/>
+              </a:rPr>
+              <a:t>ZRANGEBYSCORE</a:t>
+            </a:r>
+            <a:r>
+              <a:rPr b="0" lang="en-US" sz="1800" spc="-1" strike="noStrike">
+                <a:latin typeface="Arial"/>
+                <a:ea typeface="DejaVu Sans"/>
+              </a:rPr>
+              <a:t> returns all the elements in the sorted set at key with a score between min and max </a:t>
+            </a:r>
+            <a:r>
+              <a:rPr b="1" lang="en-US" sz="1800" spc="-1" strike="noStrike">
+                <a:latin typeface="Arial"/>
+                <a:ea typeface="DejaVu Sans"/>
+              </a:rPr>
+              <a:t>(including elements with score equal to min or max)</a:t>
+            </a:r>
+            <a:r>
+              <a:rPr b="0" lang="en-US" sz="1800" spc="-1" strike="noStrike">
+                <a:latin typeface="Arial"/>
+                <a:ea typeface="DejaVu Sans"/>
+              </a:rPr>
+              <a:t>. The elements are considered to be ordered from low to </a:t>
+            </a:r>
+            <a:r>
+              <a:rPr b="0" lang="en-US" sz="1800" spc="-1" strike="noStrike">
+                <a:latin typeface="Arial"/>
+                <a:ea typeface="DejaVu Sans"/>
+              </a:rPr>
+              <a:t>high scores. By default, the interval specified by min and max is closed (inclusive). It is possible to specify an open </a:t>
+            </a:r>
+            <a:r>
+              <a:rPr b="0" lang="en-US" sz="1800" spc="-1" strike="noStrike">
+                <a:latin typeface="Arial"/>
+                <a:ea typeface="DejaVu Sans"/>
+              </a:rPr>
+              <a:t>interval </a:t>
+            </a:r>
+            <a:r>
+              <a:rPr b="1" lang="en-US" sz="1800" spc="-1" strike="noStrike">
+                <a:latin typeface="Arial"/>
+                <a:ea typeface="DejaVu Sans"/>
+              </a:rPr>
+              <a:t>(exclusive)</a:t>
+            </a:r>
+            <a:r>
+              <a:rPr b="0" lang="en-US" sz="1800" spc="-1" strike="noStrike">
+                <a:latin typeface="Arial"/>
+                <a:ea typeface="DejaVu Sans"/>
+              </a:rPr>
+              <a:t> by prefixing the score with the character</a:t>
+            </a:r>
+            <a:r>
+              <a:rPr b="1" lang="en-US" sz="1800" spc="-1" strike="noStrike">
+                <a:latin typeface="Arial"/>
+                <a:ea typeface="DejaVu Sans"/>
+              </a:rPr>
+              <a:t> (</a:t>
+            </a:r>
+            <a:r>
+              <a:rPr b="0" lang="en-US" sz="1800" spc="-1" strike="noStrike">
+                <a:latin typeface="Arial"/>
+                <a:ea typeface="DejaVu Sans"/>
+              </a:rPr>
+              <a:t>.</a:t>
+            </a:r>
+            <a:endParaRPr b="0" lang="en-IN" sz="1800" spc="-1" strike="noStrike">
               <a:latin typeface="Arial"/>
             </a:endParaRPr>
           </a:p>
@@ -32527,65 +33287,14 @@
       </p:sp>
       <p:sp>
         <p:nvSpPr>
-          <p:cNvPr id="365" name="CustomShape 4"/>
+          <p:cNvPr id="368" name="CustomShape 3"/>
           <p:cNvSpPr/>
           <p:nvPr/>
         </p:nvSpPr>
         <p:spPr>
           <a:xfrm>
-            <a:off x="576000" y="1504080"/>
-            <a:ext cx="8346240" cy="362160"/>
-          </a:xfrm>
-          <a:prstGeom prst="rect">
-            <a:avLst/>
-          </a:prstGeom>
-          <a:noFill/>
-          <a:ln>
-            <a:noFill/>
-          </a:ln>
-        </p:spPr>
-        <p:style>
-          <a:lnRef idx="0"/>
-          <a:fillRef idx="0"/>
-          <a:effectRef idx="0"/>
-          <a:fontRef idx="minor"/>
-        </p:style>
-        <p:txBody>
-          <a:bodyPr lIns="0" rIns="0" tIns="0" bIns="0">
-            <a:noAutofit/>
-          </a:bodyPr>
-          <a:p>
-            <a:pPr>
-              <a:lnSpc>
-                <a:spcPct val="100000"/>
-              </a:lnSpc>
-            </a:pPr>
-            <a:r>
-              <a:rPr b="0" lang="en-US" sz="2200" spc="-1" strike="noStrike">
-                <a:solidFill>
-                  <a:srgbClr val="00b0f0"/>
-                </a:solidFill>
-                <a:latin typeface="Consolas"/>
-                <a:ea typeface="DejaVu Sans"/>
-              </a:rPr>
-              <a:t>EVAL script numkeys key [key ...] arg [arg ...]</a:t>
-            </a:r>
-            <a:endParaRPr b="0" lang="en-IN" sz="2200" spc="-1" strike="noStrike">
-              <a:latin typeface="Arial"/>
-            </a:endParaRPr>
-          </a:p>
-        </p:txBody>
-      </p:sp>
-      <p:sp>
-        <p:nvSpPr>
-          <p:cNvPr id="366" name="CustomShape 5"/>
-          <p:cNvSpPr/>
-          <p:nvPr/>
-        </p:nvSpPr>
-        <p:spPr>
-          <a:xfrm>
-            <a:off x="288000" y="5543280"/>
-            <a:ext cx="10830240" cy="1002960"/>
+            <a:off x="248400" y="2306880"/>
+            <a:ext cx="9831600" cy="395280"/>
           </a:xfrm>
           <a:prstGeom prst="rect">
             <a:avLst/>
@@ -32603,7 +33312,7 @@
         </p:style>
         <p:txBody>
           <a:bodyPr lIns="90000" rIns="90000" tIns="45000" bIns="45000">
-            <a:noAutofit/>
+            <a:spAutoFit/>
           </a:bodyPr>
           <a:p>
             <a:pPr>
@@ -32612,100 +33321,331 @@
               </a:lnSpc>
             </a:pPr>
             <a:r>
-              <a:rPr b="1" lang="en-IN" sz="2000" spc="-1" strike="noStrike">
-                <a:solidFill>
-                  <a:srgbClr val="c00000"/>
-                </a:solidFill>
-                <a:latin typeface="Open Sans"/>
-                <a:ea typeface="Open Sans"/>
-              </a:rPr>
-              <a:t>Note:</a:t>
+              <a:rPr b="0" lang="en-US" sz="2000" spc="-1" strike="noStrike">
+                <a:solidFill>
+                  <a:srgbClr val="00b0f0"/>
+                </a:solidFill>
+                <a:latin typeface="Consolas"/>
+                <a:ea typeface="DejaVu Sans"/>
+              </a:rPr>
+              <a:t>ZRANGEBYSCORE key min max [WITHSCORES] [LIMIT offset count] </a:t>
             </a:r>
             <a:endParaRPr b="0" lang="en-IN" sz="2000" spc="-1" strike="noStrike">
               <a:latin typeface="Arial"/>
             </a:endParaRPr>
           </a:p>
-          <a:p>
-            <a:pPr>
-              <a:lnSpc>
-                <a:spcPct val="100000"/>
-              </a:lnSpc>
-            </a:pPr>
-            <a:endParaRPr b="0" lang="en-IN" sz="2000" spc="-1" strike="noStrike">
-              <a:latin typeface="Arial"/>
-            </a:endParaRPr>
-          </a:p>
-          <a:p>
-            <a:pPr>
-              <a:lnSpc>
-                <a:spcPct val="100000"/>
-              </a:lnSpc>
-            </a:pPr>
-            <a:r>
-              <a:rPr b="1" lang="en-IN" sz="1800" spc="-1" strike="noStrike">
+        </p:txBody>
+      </p:sp>
+      <p:sp>
+        <p:nvSpPr>
+          <p:cNvPr id="369" name="CustomShape 4"/>
+          <p:cNvSpPr/>
+          <p:nvPr/>
+        </p:nvSpPr>
+        <p:spPr>
+          <a:xfrm>
+            <a:off x="288000" y="2959920"/>
+            <a:ext cx="11807640" cy="2147040"/>
+          </a:xfrm>
+          <a:prstGeom prst="rect">
+            <a:avLst/>
+          </a:prstGeom>
+          <a:noFill/>
+          <a:ln>
+            <a:noFill/>
+          </a:ln>
+        </p:spPr>
+        <p:style>
+          <a:lnRef idx="0"/>
+          <a:fillRef idx="0"/>
+          <a:effectRef idx="0"/>
+          <a:fontRef idx="minor"/>
+        </p:style>
+        <p:txBody>
+          <a:bodyPr lIns="90000" rIns="90000" tIns="45000" bIns="45000">
+            <a:spAutoFit/>
+          </a:bodyPr>
+          <a:p>
+            <a:pPr marL="285840" indent="-268920">
+              <a:lnSpc>
+                <a:spcPct val="150000"/>
+              </a:lnSpc>
+              <a:buClr>
+                <a:srgbClr val="808080"/>
+              </a:buClr>
+              <a:buFont typeface="Arial"/>
+              <a:buChar char="•"/>
+            </a:pPr>
+            <a:r>
+              <a:rPr b="0" lang="en-IN" sz="1800" spc="-1" strike="noStrike">
+                <a:solidFill>
+                  <a:srgbClr val="808080"/>
+                </a:solidFill>
+                <a:latin typeface="Consolas"/>
+                <a:ea typeface="SimSun"/>
+              </a:rPr>
+              <a:t>127.0.0.1:6379&gt;</a:t>
+            </a:r>
+            <a:r>
+              <a:rPr b="0" lang="en-IN" sz="1800" spc="-1" strike="noStrike">
                 <a:solidFill>
                   <a:srgbClr val="000000"/>
                 </a:solidFill>
-                <a:latin typeface="Arial"/>
-                <a:ea typeface="Open Sans"/>
-              </a:rPr>
-              <a:t>KEYS[1], KEYS[2], . . .  </a:t>
+                <a:latin typeface="Consolas"/>
+                <a:ea typeface="SimSun"/>
+              </a:rPr>
+              <a:t> </a:t>
+            </a:r>
+            <a:r>
+              <a:rPr b="0" lang="en-IN" sz="1800" spc="-1" strike="noStrike">
+                <a:solidFill>
+                  <a:srgbClr val="ff5733"/>
+                </a:solidFill>
+                <a:latin typeface="Consolas"/>
+                <a:ea typeface="SimSun"/>
+              </a:rPr>
+              <a:t>zrangebyscore game:1 7 23 withscores</a:t>
+            </a:r>
+            <a:endParaRPr b="0" lang="en-IN" sz="1800" spc="-1" strike="noStrike">
+              <a:latin typeface="Arial"/>
+            </a:endParaRPr>
+          </a:p>
+          <a:p>
+            <a:pPr marL="285840" indent="-268920">
+              <a:lnSpc>
+                <a:spcPct val="150000"/>
+              </a:lnSpc>
+              <a:buClr>
+                <a:srgbClr val="808080"/>
+              </a:buClr>
+              <a:buFont typeface="Arial"/>
+              <a:buChar char="•"/>
+            </a:pPr>
+            <a:r>
+              <a:rPr b="0" lang="en-IN" sz="1800" spc="-1" strike="noStrike">
+                <a:solidFill>
+                  <a:srgbClr val="808080"/>
+                </a:solidFill>
+                <a:latin typeface="Consolas"/>
+                <a:ea typeface="SimSun"/>
+              </a:rPr>
+              <a:t>127.0.0.1:6379&gt;</a:t>
             </a:r>
             <a:r>
               <a:rPr b="0" lang="en-IN" sz="1800" spc="-1" strike="noStrike">
                 <a:solidFill>
                   <a:srgbClr val="000000"/>
                 </a:solidFill>
-                <a:latin typeface="Arial"/>
-                <a:ea typeface="Open Sans"/>
-              </a:rPr>
-              <a:t>and</a:t>
-            </a:r>
-            <a:r>
-              <a:rPr b="1" lang="en-IN" sz="1800" spc="-1" strike="noStrike">
+                <a:latin typeface="Consolas"/>
+                <a:ea typeface="SimSun"/>
+              </a:rPr>
+              <a:t> </a:t>
+            </a:r>
+            <a:r>
+              <a:rPr b="0" lang="en-IN" sz="1800" spc="-1" strike="noStrike">
+                <a:solidFill>
+                  <a:srgbClr val="ff5733"/>
+                </a:solidFill>
+                <a:latin typeface="Consolas"/>
+                <a:ea typeface="SimSun"/>
+              </a:rPr>
+              <a:t>zrangebyscore game:1 7 (23 withscores</a:t>
+            </a:r>
+            <a:endParaRPr b="0" lang="en-IN" sz="1800" spc="-1" strike="noStrike">
+              <a:latin typeface="Arial"/>
+            </a:endParaRPr>
+          </a:p>
+          <a:p>
+            <a:pPr marL="285840" indent="-268920">
+              <a:lnSpc>
+                <a:spcPct val="150000"/>
+              </a:lnSpc>
+              <a:buClr>
+                <a:srgbClr val="808080"/>
+              </a:buClr>
+              <a:buFont typeface="Arial"/>
+              <a:buChar char="•"/>
+            </a:pPr>
+            <a:r>
+              <a:rPr b="0" lang="en-IN" sz="1800" spc="-1" strike="noStrike">
+                <a:solidFill>
+                  <a:srgbClr val="808080"/>
+                </a:solidFill>
+                <a:latin typeface="Consolas"/>
+                <a:ea typeface="SimSun"/>
+              </a:rPr>
+              <a:t>127.0.0.1:6379&gt;</a:t>
+            </a:r>
+            <a:r>
+              <a:rPr b="0" lang="en-IN" sz="1800" spc="-1" strike="noStrike">
                 <a:solidFill>
                   <a:srgbClr val="000000"/>
                 </a:solidFill>
-                <a:latin typeface="Arial"/>
-                <a:ea typeface="Open Sans"/>
-              </a:rPr>
-              <a:t> ARGV[1], ARGV[2]</a:t>
+                <a:latin typeface="Consolas"/>
+                <a:ea typeface="SimSun"/>
+              </a:rPr>
+              <a:t> </a:t>
+            </a:r>
+            <a:r>
+              <a:rPr b="0" lang="en-IN" sz="1800" spc="-1" strike="noStrike">
+                <a:solidFill>
+                  <a:srgbClr val="ff5733"/>
+                </a:solidFill>
+                <a:latin typeface="Consolas"/>
+                <a:ea typeface="SimSun"/>
+              </a:rPr>
+              <a:t>zrangebyscore</a:t>
+            </a:r>
+            <a:r>
+              <a:rPr b="0" lang="en-IN" sz="1800" spc="-1" strike="noStrike">
+                <a:solidFill>
+                  <a:srgbClr val="ff5733"/>
+                </a:solidFill>
+                <a:latin typeface="Consolas"/>
+                <a:ea typeface="SimSun"/>
+              </a:rPr>
+              <a:t> game:1 (7 23 withscores</a:t>
+            </a:r>
+            <a:endParaRPr b="0" lang="en-IN" sz="1800" spc="-1" strike="noStrike">
+              <a:latin typeface="Arial"/>
+            </a:endParaRPr>
+          </a:p>
+          <a:p>
+            <a:pPr marL="285840" indent="-268920">
+              <a:lnSpc>
+                <a:spcPct val="150000"/>
+              </a:lnSpc>
+              <a:buClr>
+                <a:srgbClr val="808080"/>
+              </a:buClr>
+              <a:buFont typeface="Arial"/>
+              <a:buChar char="•"/>
+            </a:pPr>
+            <a:r>
+              <a:rPr b="0" lang="en-IN" sz="1800" spc="-1" strike="noStrike">
+                <a:solidFill>
+                  <a:srgbClr val="808080"/>
+                </a:solidFill>
+                <a:latin typeface="Consolas"/>
+                <a:ea typeface="SimSun"/>
+              </a:rPr>
+              <a:t>127.0.0.1:6379&gt;</a:t>
             </a:r>
             <a:r>
               <a:rPr b="0" lang="en-IN" sz="1800" spc="-1" strike="noStrike">
                 <a:solidFill>
                   <a:srgbClr val="000000"/>
                 </a:solidFill>
-                <a:latin typeface="Arial"/>
-                <a:ea typeface="Open Sans"/>
-              </a:rPr>
-              <a:t>.</a:t>
-            </a:r>
-            <a:r>
-              <a:rPr b="1" lang="en-IN" sz="1800" spc="-1" strike="noStrike">
+                <a:latin typeface="Consolas"/>
+                <a:ea typeface="SimSun"/>
+              </a:rPr>
+              <a:t> </a:t>
+            </a:r>
+            <a:r>
+              <a:rPr b="0" lang="en-IN" sz="1800" spc="-1" strike="noStrike">
+                <a:solidFill>
+                  <a:srgbClr val="ff5733"/>
+                </a:solidFill>
+                <a:latin typeface="Consolas"/>
+                <a:ea typeface="SimSun"/>
+              </a:rPr>
+              <a:t>zrangebyscore</a:t>
+            </a:r>
+            <a:r>
+              <a:rPr b="0" lang="en-IN" sz="1800" spc="-1" strike="noStrike">
+                <a:solidFill>
+                  <a:srgbClr val="ff5733"/>
+                </a:solidFill>
+                <a:latin typeface="Consolas"/>
+                <a:ea typeface="SimSun"/>
+              </a:rPr>
+              <a:t> game:1 (7 (23 withscores</a:t>
+            </a:r>
+            <a:endParaRPr b="0" lang="en-IN" sz="1800" spc="-1" strike="noStrike">
+              <a:latin typeface="Arial"/>
+            </a:endParaRPr>
+          </a:p>
+          <a:p>
+            <a:pPr marL="285840" indent="-268920">
+              <a:lnSpc>
+                <a:spcPct val="150000"/>
+              </a:lnSpc>
+              <a:buClr>
+                <a:srgbClr val="808080"/>
+              </a:buClr>
+              <a:buFont typeface="Arial"/>
+              <a:buChar char="•"/>
+            </a:pPr>
+            <a:r>
+              <a:rPr b="0" lang="en-IN" sz="1800" spc="-1" strike="noStrike">
+                <a:solidFill>
+                  <a:srgbClr val="808080"/>
+                </a:solidFill>
+                <a:latin typeface="Consolas"/>
+                <a:ea typeface="SimSun"/>
+              </a:rPr>
+              <a:t>127.0.0.1:6379&gt;</a:t>
+            </a:r>
+            <a:r>
+              <a:rPr b="0" lang="en-IN" sz="1800" spc="-1" strike="noStrike">
                 <a:solidFill>
                   <a:srgbClr val="000000"/>
                 </a:solidFill>
-                <a:latin typeface="Arial"/>
-                <a:ea typeface="Open Sans"/>
-              </a:rPr>
-              <a:t>, . . . </a:t>
-            </a:r>
-            <a:r>
-              <a:rPr b="0" lang="en-IN" sz="1800" spc="-1" strike="noStrike">
-                <a:solidFill>
-                  <a:srgbClr val="000000"/>
-                </a:solidFill>
-                <a:latin typeface="Arial"/>
-                <a:ea typeface="Open Sans"/>
-              </a:rPr>
-              <a:t>must be in upper case.</a:t>
+                <a:latin typeface="Consolas"/>
+                <a:ea typeface="SimSun"/>
+              </a:rPr>
+              <a:t> </a:t>
+            </a:r>
+            <a:r>
+              <a:rPr b="0" lang="en-IN" sz="1800" spc="-1" strike="noStrike">
+                <a:solidFill>
+                  <a:srgbClr val="ff5733"/>
+                </a:solidFill>
+                <a:latin typeface="Consolas"/>
+                <a:ea typeface="SimSun"/>
+              </a:rPr>
+              <a:t>zrangebyscore game:1 7 23 limit 1 3</a:t>
             </a:r>
             <a:endParaRPr b="0" lang="en-IN" sz="1800" spc="-1" strike="noStrike">
               <a:latin typeface="Arial"/>
             </a:endParaRPr>
           </a:p>
         </p:txBody>
+      </p:sp>
+      <p:sp>
+        <p:nvSpPr>
+          <p:cNvPr id="370" name="Line 5"/>
+          <p:cNvSpPr/>
+          <p:nvPr/>
+        </p:nvSpPr>
+        <p:spPr>
+          <a:xfrm>
+            <a:off x="0" y="2094840"/>
+            <a:ext cx="12191760" cy="0"/>
+          </a:xfrm>
+          <a:prstGeom prst="line">
+            <a:avLst/>
+          </a:prstGeom>
+          <a:ln w="12600">
+            <a:solidFill>
+              <a:srgbClr val="6e78a0"/>
+            </a:solidFill>
+            <a:prstDash val="dash"/>
+            <a:round/>
+          </a:ln>
+        </p:spPr>
+        <p:style>
+          <a:lnRef idx="1">
+            <a:schemeClr val="accent1"/>
+          </a:lnRef>
+          <a:fillRef idx="0">
+            <a:schemeClr val="accent1"/>
+          </a:fillRef>
+          <a:effectRef idx="0">
+            <a:schemeClr val="accent1"/>
+          </a:effectRef>
+          <a:fontRef idx="minor"/>
+        </p:style>
       </p:sp>
     </p:spTree>
   </p:cSld>
@@ -32739,14 +33679,14 @@
       </p:grpSpPr>
       <p:sp>
         <p:nvSpPr>
-          <p:cNvPr id="367" name="CustomShape 1"/>
+          <p:cNvPr id="371" name="CustomShape 1"/>
           <p:cNvSpPr/>
           <p:nvPr/>
         </p:nvSpPr>
         <p:spPr>
           <a:xfrm>
-            <a:off x="216000" y="216000"/>
-            <a:ext cx="1938240" cy="424800"/>
+            <a:off x="1676520" y="2362320"/>
+            <a:ext cx="8822160" cy="912600"/>
           </a:xfrm>
           <a:prstGeom prst="rect">
             <a:avLst/>
@@ -32767,22 +33707,22 @@
             <a:spAutoFit/>
           </a:bodyPr>
           <a:p>
-            <a:pPr algn="just">
-              <a:lnSpc>
-                <a:spcPct val="100000"/>
-              </a:lnSpc>
-            </a:pPr>
-            <a:r>
-              <a:rPr b="0" lang="en-IN" sz="2200" spc="-1" strike="noStrike">
-                <a:solidFill>
-                  <a:srgbClr val="3e5d78"/>
-                </a:solidFill>
-                <a:latin typeface="Times New Roman"/>
-                <a:ea typeface="DejaVu Sans"/>
-              </a:rPr>
-              <a:t>Lua scripting</a:t>
-            </a:r>
-            <a:endParaRPr b="0" lang="en-IN" sz="2200" spc="-1" strike="noStrike">
+            <a:pPr algn="ctr">
+              <a:lnSpc>
+                <a:spcPct val="100000"/>
+              </a:lnSpc>
+            </a:pPr>
+            <a:r>
+              <a:rPr b="0" i="1" lang="en-IN" sz="5400" spc="-1" strike="noStrike">
+                <a:solidFill>
+                  <a:srgbClr val="f7c120"/>
+                </a:solidFill>
+                <a:latin typeface="Century"/>
+                <a:ea typeface="DejaVu Sans"/>
+              </a:rPr>
+              <a:t>redis EVAL script</a:t>
+            </a:r>
+            <a:endParaRPr b="0" lang="en-IN" sz="5400" spc="-1" strike="noStrike">
               <a:latin typeface="Arial"/>
             </a:endParaRPr>
           </a:p>
@@ -32790,116 +33730,14 @@
       </p:sp>
       <p:sp>
         <p:nvSpPr>
-          <p:cNvPr id="368" name="CustomShape 2"/>
+          <p:cNvPr id="372" name="CustomShape 2"/>
           <p:cNvSpPr/>
           <p:nvPr/>
         </p:nvSpPr>
         <p:spPr>
           <a:xfrm>
-            <a:off x="432720" y="1224000"/>
-            <a:ext cx="8346240" cy="362160"/>
-          </a:xfrm>
-          <a:prstGeom prst="rect">
-            <a:avLst/>
-          </a:prstGeom>
-          <a:noFill/>
-          <a:ln>
-            <a:noFill/>
-          </a:ln>
-        </p:spPr>
-        <p:style>
-          <a:lnRef idx="0"/>
-          <a:fillRef idx="0"/>
-          <a:effectRef idx="0"/>
-          <a:fontRef idx="minor"/>
-        </p:style>
-        <p:txBody>
-          <a:bodyPr lIns="0" rIns="0" tIns="0" bIns="0">
-            <a:noAutofit/>
-          </a:bodyPr>
-          <a:p>
-            <a:pPr>
-              <a:lnSpc>
-                <a:spcPct val="100000"/>
-              </a:lnSpc>
-            </a:pPr>
-            <a:r>
-              <a:rPr b="0" lang="en-US" sz="2200" spc="-1" strike="noStrike">
-                <a:solidFill>
-                  <a:srgbClr val="00b0f0"/>
-                </a:solidFill>
-                <a:latin typeface="Consolas"/>
-                <a:ea typeface="DejaVu Sans"/>
-              </a:rPr>
-              <a:t>EVAL script numkeys key [key ...] arg [arg ...]</a:t>
-            </a:r>
-            <a:endParaRPr b="0" lang="en-IN" sz="2200" spc="-1" strike="noStrike">
-              <a:latin typeface="Arial"/>
-            </a:endParaRPr>
-          </a:p>
-        </p:txBody>
-      </p:sp>
-      <p:sp>
-        <p:nvSpPr>
-          <p:cNvPr id="369" name="CustomShape 3"/>
-          <p:cNvSpPr/>
-          <p:nvPr/>
-        </p:nvSpPr>
-        <p:spPr>
-          <a:xfrm>
-            <a:off x="288000" y="1584000"/>
-            <a:ext cx="605880" cy="393840"/>
-          </a:xfrm>
-          <a:prstGeom prst="rect">
-            <a:avLst/>
-          </a:prstGeom>
-          <a:noFill/>
-          <a:ln>
-            <a:noFill/>
-          </a:ln>
-        </p:spPr>
-        <p:style>
-          <a:lnRef idx="0"/>
-          <a:fillRef idx="0"/>
-          <a:effectRef idx="0"/>
-          <a:fontRef idx="minor"/>
-        </p:style>
-        <p:txBody>
-          <a:bodyPr lIns="90000" rIns="90000" tIns="45000" bIns="45000">
-            <a:noAutofit/>
-          </a:bodyPr>
-          <a:p>
-            <a:pPr>
-              <a:lnSpc>
-                <a:spcPct val="100000"/>
-              </a:lnSpc>
-            </a:pPr>
-            <a:r>
-              <a:rPr b="1" lang="en-IN" sz="2200" spc="-1" strike="noStrike">
-                <a:solidFill>
-                  <a:srgbClr val="ff1744"/>
-                </a:solidFill>
-                <a:latin typeface="Times New Roman"/>
-                <a:ea typeface="DejaVu Sans"/>
-              </a:rPr>
-              <a:t>e.g.</a:t>
-            </a:r>
-            <a:endParaRPr b="0" lang="en-IN" sz="2200" spc="-1" strike="noStrike">
-              <a:latin typeface="Arial"/>
-            </a:endParaRPr>
-          </a:p>
-        </p:txBody>
-      </p:sp>
-      <p:sp>
-        <p:nvSpPr>
-          <p:cNvPr id="370" name="CustomShape 4"/>
-          <p:cNvSpPr/>
-          <p:nvPr/>
-        </p:nvSpPr>
-        <p:spPr>
-          <a:xfrm>
-            <a:off x="432720" y="2073600"/>
-            <a:ext cx="11082240" cy="4204440"/>
+            <a:off x="1666800" y="609480"/>
+            <a:ext cx="8822160" cy="394560"/>
           </a:xfrm>
           <a:prstGeom prst="rect">
             <a:avLst/>
@@ -32920,470 +33758,71 @@
             <a:spAutoFit/>
           </a:bodyPr>
           <a:p>
+            <a:pPr algn="just">
+              <a:lnSpc>
+                <a:spcPct val="100000"/>
+              </a:lnSpc>
+            </a:pPr>
+            <a:r>
+              <a:rPr b="0" lang="en-IN" sz="2000" spc="-1" strike="noStrike">
+                <a:solidFill>
+                  <a:srgbClr val="3e5d78"/>
+                </a:solidFill>
+                <a:latin typeface="Times New Roman"/>
+                <a:ea typeface="DejaVu Sans"/>
+              </a:rPr>
+              <a:t>Lua scripting</a:t>
+            </a:r>
+            <a:endParaRPr b="0" lang="en-IN" sz="2000" spc="-1" strike="noStrike">
+              <a:latin typeface="Arial"/>
+            </a:endParaRPr>
+          </a:p>
+        </p:txBody>
+      </p:sp>
+      <p:sp>
+        <p:nvSpPr>
+          <p:cNvPr id="373" name="CustomShape 3"/>
+          <p:cNvSpPr/>
+          <p:nvPr/>
+        </p:nvSpPr>
+        <p:spPr>
+          <a:xfrm>
+            <a:off x="522360" y="3531600"/>
+            <a:ext cx="11059200" cy="363960"/>
+          </a:xfrm>
+          <a:prstGeom prst="rect">
+            <a:avLst/>
+          </a:prstGeom>
+          <a:noFill/>
+          <a:ln>
+            <a:noFill/>
+          </a:ln>
+        </p:spPr>
+        <p:style>
+          <a:lnRef idx="0"/>
+          <a:fillRef idx="0"/>
+          <a:effectRef idx="0"/>
+          <a:fontRef idx="minor"/>
+        </p:style>
+        <p:txBody>
+          <a:bodyPr lIns="90000" rIns="90000" tIns="45000" bIns="45000">
+            <a:spAutoFit/>
+          </a:bodyPr>
+          <a:p>
             <a:pPr>
               <a:lnSpc>
-                <a:spcPct val="150000"/>
-              </a:lnSpc>
-            </a:pPr>
-            <a:r>
-              <a:rPr b="0" lang="en-IN" sz="1800" spc="-1" strike="noStrike">
-                <a:solidFill>
-                  <a:srgbClr val="808080"/>
-                </a:solidFill>
-                <a:latin typeface="Consolas"/>
-                <a:ea typeface="SimSun"/>
-              </a:rPr>
-              <a:t>127.0.0.1:6379</a:t>
-            </a:r>
-            <a:r>
-              <a:rPr b="1" lang="en-IN" sz="1800" spc="-1" strike="noStrike">
-                <a:solidFill>
-                  <a:srgbClr val="808080"/>
-                </a:solidFill>
-                <a:latin typeface="Consolas"/>
-                <a:ea typeface="SimSun"/>
-              </a:rPr>
-              <a:t>[5]</a:t>
-            </a:r>
-            <a:r>
-              <a:rPr b="0" lang="en-IN" sz="1800" spc="-1" strike="noStrike">
-                <a:solidFill>
-                  <a:srgbClr val="808080"/>
-                </a:solidFill>
-                <a:latin typeface="Consolas"/>
-                <a:ea typeface="SimSun"/>
-              </a:rPr>
-              <a:t>&gt;</a:t>
-            </a:r>
-            <a:r>
-              <a:rPr b="0" lang="en-IN" sz="1800" spc="-1" strike="noStrike">
-                <a:solidFill>
-                  <a:srgbClr val="000000"/>
-                </a:solidFill>
-                <a:latin typeface="Consolas"/>
-                <a:ea typeface="SimSun"/>
-              </a:rPr>
-              <a:t> </a:t>
-            </a:r>
-            <a:r>
-              <a:rPr b="0" lang="en-IN" sz="1800" spc="-1" strike="noStrike">
-                <a:solidFill>
-                  <a:srgbClr val="ff5733"/>
-                </a:solidFill>
-                <a:latin typeface="Consolas"/>
-                <a:ea typeface="SimSun"/>
-              </a:rPr>
-              <a:t>eval "return 'Hello World!' " 0</a:t>
-            </a:r>
-            <a:endParaRPr b="0" lang="en-IN" sz="1800" spc="-1" strike="noStrike">
-              <a:latin typeface="Arial"/>
-            </a:endParaRPr>
-          </a:p>
-          <a:p>
-            <a:pPr>
-              <a:lnSpc>
-                <a:spcPct val="150000"/>
-              </a:lnSpc>
-            </a:pPr>
-            <a:r>
-              <a:rPr b="0" lang="en-IN" sz="1800" spc="-1" strike="noStrike">
-                <a:solidFill>
-                  <a:srgbClr val="808080"/>
-                </a:solidFill>
-                <a:latin typeface="Consolas"/>
-                <a:ea typeface="SimSun"/>
-              </a:rPr>
-              <a:t>127.0.0.1:6379</a:t>
-            </a:r>
-            <a:r>
-              <a:rPr b="1" lang="en-IN" sz="1800" spc="-1" strike="noStrike">
-                <a:solidFill>
-                  <a:srgbClr val="808080"/>
-                </a:solidFill>
-                <a:latin typeface="Consolas"/>
-                <a:ea typeface="SimSun"/>
-              </a:rPr>
-              <a:t>[5]</a:t>
-            </a:r>
-            <a:r>
-              <a:rPr b="0" lang="en-IN" sz="1800" spc="-1" strike="noStrike">
-                <a:solidFill>
-                  <a:srgbClr val="808080"/>
-                </a:solidFill>
-                <a:latin typeface="Consolas"/>
-                <a:ea typeface="SimSun"/>
-              </a:rPr>
-              <a:t>&gt; </a:t>
-            </a:r>
-            <a:r>
-              <a:rPr b="0" lang="en-IN" sz="1800" spc="-1" strike="noStrike">
-                <a:solidFill>
-                  <a:srgbClr val="ff5733"/>
-                </a:solidFill>
-                <a:latin typeface="Consolas"/>
-                <a:ea typeface="SimSun"/>
-              </a:rPr>
-              <a:t>eval "local x = 'Hello World!' return x" 0</a:t>
-            </a:r>
-            <a:endParaRPr b="0" lang="en-IN" sz="1800" spc="-1" strike="noStrike">
-              <a:latin typeface="Arial"/>
-            </a:endParaRPr>
-          </a:p>
-          <a:p>
-            <a:pPr>
-              <a:lnSpc>
-                <a:spcPct val="150000"/>
-              </a:lnSpc>
-            </a:pPr>
-            <a:r>
-              <a:rPr b="0" lang="en-IN" sz="1800" spc="-1" strike="noStrike">
-                <a:solidFill>
-                  <a:srgbClr val="808080"/>
-                </a:solidFill>
-                <a:latin typeface="Consolas"/>
-                <a:ea typeface="SimSun"/>
-              </a:rPr>
-              <a:t>127.0.0.1:6379</a:t>
-            </a:r>
-            <a:r>
-              <a:rPr b="1" lang="en-IN" sz="1800" spc="-1" strike="noStrike">
-                <a:solidFill>
-                  <a:srgbClr val="808080"/>
-                </a:solidFill>
-                <a:latin typeface="Consolas"/>
-                <a:ea typeface="SimSun"/>
-              </a:rPr>
-              <a:t>[5]</a:t>
-            </a:r>
-            <a:r>
-              <a:rPr b="0" lang="en-IN" sz="1800" spc="-1" strike="noStrike">
-                <a:solidFill>
-                  <a:srgbClr val="808080"/>
-                </a:solidFill>
-                <a:latin typeface="Consolas"/>
-                <a:ea typeface="SimSun"/>
-              </a:rPr>
-              <a:t>&gt;</a:t>
-            </a:r>
-            <a:r>
-              <a:rPr b="0" lang="en-IN" sz="1800" spc="-1" strike="noStrike">
-                <a:solidFill>
-                  <a:srgbClr val="000000"/>
-                </a:solidFill>
-                <a:latin typeface="Consolas"/>
-                <a:ea typeface="SimSun"/>
-              </a:rPr>
-              <a:t> </a:t>
-            </a:r>
-            <a:r>
-              <a:rPr b="0" lang="en-IN" sz="1800" spc="-1" strike="noStrike">
-                <a:solidFill>
-                  <a:srgbClr val="ff5733"/>
-                </a:solidFill>
-                <a:latin typeface="Consolas"/>
-                <a:ea typeface="SimSun"/>
-              </a:rPr>
-              <a:t>eval "return redis.call('echo', 'Hello')" 0</a:t>
-            </a:r>
-            <a:endParaRPr b="0" lang="en-IN" sz="1800" spc="-1" strike="noStrike">
-              <a:latin typeface="Arial"/>
-            </a:endParaRPr>
-          </a:p>
-          <a:p>
-            <a:pPr>
-              <a:lnSpc>
-                <a:spcPct val="150000"/>
-              </a:lnSpc>
-            </a:pPr>
-            <a:r>
-              <a:rPr b="0" lang="en-IN" sz="1800" spc="-1" strike="noStrike">
-                <a:solidFill>
-                  <a:srgbClr val="808080"/>
-                </a:solidFill>
-                <a:latin typeface="Consolas"/>
-                <a:ea typeface="SimSun"/>
-              </a:rPr>
-              <a:t>127.0.0.1:6379</a:t>
-            </a:r>
-            <a:r>
-              <a:rPr b="1" lang="en-IN" sz="1800" spc="-1" strike="noStrike">
-                <a:solidFill>
-                  <a:srgbClr val="808080"/>
-                </a:solidFill>
-                <a:latin typeface="Consolas"/>
-                <a:ea typeface="SimSun"/>
-              </a:rPr>
-              <a:t>[5]</a:t>
-            </a:r>
-            <a:r>
-              <a:rPr b="0" lang="en-IN" sz="1800" spc="-1" strike="noStrike">
-                <a:solidFill>
-                  <a:srgbClr val="808080"/>
-                </a:solidFill>
-                <a:latin typeface="Consolas"/>
-                <a:ea typeface="SimSun"/>
-              </a:rPr>
-              <a:t>&gt;</a:t>
-            </a:r>
-            <a:r>
-              <a:rPr b="0" lang="en-IN" sz="1800" spc="-1" strike="noStrike">
-                <a:solidFill>
-                  <a:srgbClr val="000000"/>
-                </a:solidFill>
-                <a:latin typeface="Consolas"/>
-                <a:ea typeface="SimSun"/>
-              </a:rPr>
-              <a:t> </a:t>
-            </a:r>
-            <a:r>
-              <a:rPr b="0" lang="en-IN" sz="1800" spc="-1" strike="noStrike">
-                <a:solidFill>
-                  <a:srgbClr val="ff5733"/>
-                </a:solidFill>
-                <a:latin typeface="Consolas"/>
-                <a:ea typeface="SimSun"/>
-              </a:rPr>
-              <a:t>eval "return ARGV[1] + ARGV[2] + ARGV[3]" 0 3 3 4</a:t>
-            </a:r>
-            <a:endParaRPr b="0" lang="en-IN" sz="1800" spc="-1" strike="noStrike">
-              <a:latin typeface="Arial"/>
-            </a:endParaRPr>
-          </a:p>
-          <a:p>
-            <a:pPr>
-              <a:lnSpc>
-                <a:spcPct val="150000"/>
-              </a:lnSpc>
-            </a:pPr>
-            <a:r>
-              <a:rPr b="0" lang="en-IN" sz="1800" spc="-1" strike="noStrike">
-                <a:solidFill>
-                  <a:srgbClr val="808080"/>
-                </a:solidFill>
-                <a:latin typeface="Consolas"/>
-                <a:ea typeface="SimSun"/>
-              </a:rPr>
-              <a:t>127.0.0.1:6379</a:t>
-            </a:r>
-            <a:r>
-              <a:rPr b="1" lang="en-IN" sz="1800" spc="-1" strike="noStrike">
-                <a:solidFill>
-                  <a:srgbClr val="808080"/>
-                </a:solidFill>
-                <a:latin typeface="Consolas"/>
-                <a:ea typeface="SimSun"/>
-              </a:rPr>
-              <a:t>[5]</a:t>
-            </a:r>
-            <a:r>
-              <a:rPr b="0" lang="en-IN" sz="1800" spc="-1" strike="noStrike">
-                <a:solidFill>
-                  <a:srgbClr val="808080"/>
-                </a:solidFill>
-                <a:latin typeface="Consolas"/>
-                <a:ea typeface="SimSun"/>
-              </a:rPr>
-              <a:t>&gt;</a:t>
-            </a:r>
-            <a:r>
-              <a:rPr b="0" lang="en-IN" sz="1800" spc="-1" strike="noStrike">
-                <a:solidFill>
-                  <a:srgbClr val="000000"/>
-                </a:solidFill>
-                <a:latin typeface="Consolas"/>
-                <a:ea typeface="SimSun"/>
-              </a:rPr>
-              <a:t> </a:t>
-            </a:r>
-            <a:r>
-              <a:rPr b="0" lang="en-IN" sz="1800" spc="-1" strike="noStrike">
-                <a:solidFill>
-                  <a:srgbClr val="ff5733"/>
-                </a:solidFill>
-                <a:latin typeface="Consolas"/>
-                <a:ea typeface="SimSun"/>
-              </a:rPr>
-              <a:t>eval "return redis.call('keys', '*')" 0</a:t>
-            </a:r>
-            <a:endParaRPr b="0" lang="en-IN" sz="1800" spc="-1" strike="noStrike">
-              <a:latin typeface="Arial"/>
-            </a:endParaRPr>
-          </a:p>
-          <a:p>
-            <a:pPr>
-              <a:lnSpc>
-                <a:spcPct val="150000"/>
-              </a:lnSpc>
-            </a:pPr>
-            <a:r>
-              <a:rPr b="0" lang="en-IN" sz="1800" spc="-1" strike="noStrike">
-                <a:solidFill>
-                  <a:srgbClr val="808080"/>
-                </a:solidFill>
-                <a:latin typeface="Consolas"/>
-                <a:ea typeface="SimSun"/>
-              </a:rPr>
-              <a:t>127.0.0.1:6379</a:t>
-            </a:r>
-            <a:r>
-              <a:rPr b="1" lang="en-IN" sz="1800" spc="-1" strike="noStrike">
-                <a:solidFill>
-                  <a:srgbClr val="808080"/>
-                </a:solidFill>
-                <a:latin typeface="Consolas"/>
-                <a:ea typeface="SimSun"/>
-              </a:rPr>
-              <a:t>[5]</a:t>
-            </a:r>
-            <a:r>
-              <a:rPr b="0" lang="en-IN" sz="1800" spc="-1" strike="noStrike">
-                <a:solidFill>
-                  <a:srgbClr val="808080"/>
-                </a:solidFill>
-                <a:latin typeface="Consolas"/>
-                <a:ea typeface="SimSun"/>
-              </a:rPr>
-              <a:t>&gt;</a:t>
-            </a:r>
-            <a:r>
-              <a:rPr b="0" lang="en-IN" sz="1800" spc="-1" strike="noStrike">
-                <a:solidFill>
-                  <a:srgbClr val="000000"/>
-                </a:solidFill>
-                <a:latin typeface="Consolas"/>
-                <a:ea typeface="SimSun"/>
-              </a:rPr>
-              <a:t> </a:t>
-            </a:r>
-            <a:r>
-              <a:rPr b="0" lang="en-IN" sz="1800" spc="-1" strike="noStrike">
-                <a:solidFill>
-                  <a:srgbClr val="ff5733"/>
-                </a:solidFill>
-                <a:latin typeface="Consolas"/>
-                <a:ea typeface="SimSun"/>
-              </a:rPr>
-              <a:t>eval "local x=redis.call('keys','*') return x" 0</a:t>
-            </a:r>
-            <a:endParaRPr b="0" lang="en-IN" sz="1800" spc="-1" strike="noStrike">
-              <a:latin typeface="Arial"/>
-            </a:endParaRPr>
-          </a:p>
-          <a:p>
-            <a:pPr>
-              <a:lnSpc>
-                <a:spcPct val="150000"/>
-              </a:lnSpc>
-            </a:pPr>
-            <a:r>
-              <a:rPr b="0" lang="en-IN" sz="1800" spc="-1" strike="noStrike">
-                <a:solidFill>
-                  <a:srgbClr val="808080"/>
-                </a:solidFill>
-                <a:latin typeface="Consolas"/>
-                <a:ea typeface="SimSun"/>
-              </a:rPr>
-              <a:t>127.0.0.1:6379</a:t>
-            </a:r>
-            <a:r>
-              <a:rPr b="1" lang="en-IN" sz="1800" spc="-1" strike="noStrike">
-                <a:solidFill>
-                  <a:srgbClr val="808080"/>
-                </a:solidFill>
-                <a:latin typeface="Consolas"/>
-                <a:ea typeface="SimSun"/>
-              </a:rPr>
-              <a:t>[5]</a:t>
-            </a:r>
-            <a:r>
-              <a:rPr b="0" lang="en-IN" sz="1800" spc="-1" strike="noStrike">
-                <a:solidFill>
-                  <a:srgbClr val="808080"/>
-                </a:solidFill>
-                <a:latin typeface="Consolas"/>
-                <a:ea typeface="SimSun"/>
-              </a:rPr>
-              <a:t>&gt;</a:t>
-            </a:r>
-            <a:r>
-              <a:rPr b="0" lang="en-IN" sz="1800" spc="-1" strike="noStrike">
-                <a:solidFill>
-                  <a:srgbClr val="000000"/>
-                </a:solidFill>
-                <a:latin typeface="Consolas"/>
-                <a:ea typeface="SimSun"/>
-              </a:rPr>
-              <a:t> </a:t>
-            </a:r>
-            <a:r>
-              <a:rPr b="0" lang="en-IN" sz="1800" spc="-1" strike="noStrike">
-                <a:solidFill>
-                  <a:srgbClr val="ff5733"/>
-                </a:solidFill>
-                <a:latin typeface="Consolas"/>
-                <a:ea typeface="SimSun"/>
-              </a:rPr>
-              <a:t>eval "local x=redis.call('mget', KEYS[1], KEYS[2], KEYS[3]) return x" 3 a b c</a:t>
-            </a:r>
-            <a:endParaRPr b="0" lang="en-IN" sz="1800" spc="-1" strike="noStrike">
-              <a:latin typeface="Arial"/>
-            </a:endParaRPr>
-          </a:p>
-          <a:p>
-            <a:pPr>
-              <a:lnSpc>
-                <a:spcPct val="150000"/>
-              </a:lnSpc>
-            </a:pPr>
-            <a:r>
-              <a:rPr b="0" lang="en-IN" sz="1800" spc="-1" strike="noStrike">
-                <a:solidFill>
-                  <a:srgbClr val="808080"/>
-                </a:solidFill>
-                <a:latin typeface="Consolas"/>
-                <a:ea typeface="SimSun"/>
-              </a:rPr>
-              <a:t>127.0.0.1:6379</a:t>
-            </a:r>
-            <a:r>
-              <a:rPr b="1" lang="en-IN" sz="1800" spc="-1" strike="noStrike">
-                <a:solidFill>
-                  <a:srgbClr val="808080"/>
-                </a:solidFill>
-                <a:latin typeface="Consolas"/>
-                <a:ea typeface="SimSun"/>
-              </a:rPr>
-              <a:t>[5]</a:t>
-            </a:r>
-            <a:r>
-              <a:rPr b="0" lang="en-IN" sz="1800" spc="-1" strike="noStrike">
-                <a:solidFill>
-                  <a:srgbClr val="808080"/>
-                </a:solidFill>
-                <a:latin typeface="Consolas"/>
-                <a:ea typeface="SimSun"/>
-              </a:rPr>
-              <a:t>&gt;</a:t>
-            </a:r>
-            <a:r>
-              <a:rPr b="0" lang="en-IN" sz="1800" spc="-1" strike="noStrike">
-                <a:solidFill>
-                  <a:srgbClr val="000000"/>
-                </a:solidFill>
-                <a:latin typeface="Consolas"/>
-                <a:ea typeface="SimSun"/>
-              </a:rPr>
-              <a:t> </a:t>
-            </a:r>
-            <a:r>
-              <a:rPr b="0" lang="en-IN" sz="1800" spc="-1" strike="noStrike">
-                <a:solidFill>
-                  <a:srgbClr val="ff5733"/>
-                </a:solidFill>
-                <a:latin typeface="Consolas"/>
-                <a:ea typeface="SimSun"/>
-              </a:rPr>
-              <a:t>eval "return redis.call('mget', KEYS[1], KEYS[2], KEYS[3])" 3 a b c</a:t>
+                <a:spcPct val="100000"/>
+              </a:lnSpc>
+            </a:pPr>
+            <a:r>
+              <a:rPr b="0" lang="en-US" sz="1800" spc="-1" strike="noStrike">
+                <a:solidFill>
+                  <a:srgbClr val="bb0643"/>
+                </a:solidFill>
+                <a:latin typeface="Segoe UI"/>
+                <a:ea typeface="DejaVu Sans"/>
+              </a:rPr>
+              <a:t>TODO</a:t>
             </a:r>
             <a:endParaRPr b="0" lang="en-IN" sz="1800" spc="-1" strike="noStrike">
               <a:latin typeface="Arial"/>
@@ -33423,14 +33862,14 @@
       </p:grpSpPr>
       <p:sp>
         <p:nvSpPr>
-          <p:cNvPr id="371" name="CustomShape 1"/>
+          <p:cNvPr id="374" name="CustomShape 1"/>
           <p:cNvSpPr/>
           <p:nvPr/>
         </p:nvSpPr>
         <p:spPr>
           <a:xfrm>
-            <a:off x="1365840" y="188640"/>
-            <a:ext cx="9666360" cy="2192400"/>
+            <a:off x="0" y="727200"/>
+            <a:ext cx="1937880" cy="424800"/>
           </a:xfrm>
           <a:prstGeom prst="rect">
             <a:avLst/>
@@ -33451,90 +33890,527 @@
             <a:spAutoFit/>
           </a:bodyPr>
           <a:p>
-            <a:pPr algn="ctr">
-              <a:lnSpc>
-                <a:spcPct val="100000"/>
-              </a:lnSpc>
-            </a:pPr>
-            <a:r>
-              <a:rPr b="0" lang="en-IN" sz="4000" spc="-1" strike="noStrike">
-                <a:solidFill>
-                  <a:srgbClr val="ff5733"/>
-                </a:solidFill>
-                <a:latin typeface="Segoe Print"/>
-                <a:ea typeface="DejaVu Sans"/>
-              </a:rPr>
-              <a:t>“</a:t>
-            </a:r>
-            <a:r>
-              <a:rPr b="0" lang="en-US" sz="4000" spc="-1" strike="noStrike">
-                <a:solidFill>
-                  <a:srgbClr val="ff5733"/>
-                </a:solidFill>
-                <a:latin typeface="Segoe Print"/>
-                <a:ea typeface="DejaVu Sans"/>
-              </a:rPr>
-              <a:t>Accept your past without regret, handle our present with confidence and face your future without fear.</a:t>
-            </a:r>
-            <a:r>
-              <a:rPr b="0" lang="en-IN" sz="4000" spc="-1" strike="noStrike">
-                <a:solidFill>
-                  <a:srgbClr val="ff5733"/>
-                </a:solidFill>
-                <a:latin typeface="Segoe Print"/>
-                <a:ea typeface="DejaVu Sans"/>
-              </a:rPr>
-              <a:t>”</a:t>
-            </a:r>
-            <a:endParaRPr b="0" lang="en-IN" sz="4000" spc="-1" strike="noStrike">
-              <a:latin typeface="Arial"/>
-            </a:endParaRPr>
-          </a:p>
-          <a:p>
-            <a:pPr algn="r">
-              <a:lnSpc>
-                <a:spcPct val="100000"/>
-              </a:lnSpc>
-            </a:pPr>
-            <a:r>
-              <a:rPr b="0" lang="en-IN" sz="1800" spc="-1" strike="noStrike">
-                <a:solidFill>
-                  <a:srgbClr val="111111"/>
-                </a:solidFill>
-                <a:latin typeface="-apple-system"/>
-                <a:ea typeface="DejaVu Sans"/>
-              </a:rPr>
-              <a:t>~ Dr. APJ. Abdul Kalam</a:t>
-            </a:r>
-            <a:endParaRPr b="0" lang="en-IN" sz="1800" spc="-1" strike="noStrike">
+            <a:pPr algn="just">
+              <a:lnSpc>
+                <a:spcPct val="100000"/>
+              </a:lnSpc>
+            </a:pPr>
+            <a:r>
+              <a:rPr b="0" lang="en-IN" sz="2200" spc="-1" strike="noStrike">
+                <a:solidFill>
+                  <a:srgbClr val="3e5d78"/>
+                </a:solidFill>
+                <a:latin typeface="Times New Roman"/>
+                <a:ea typeface="DejaVu Sans"/>
+              </a:rPr>
+              <a:t>Lua scripting</a:t>
+            </a:r>
+            <a:endParaRPr b="0" lang="en-IN" sz="2200" spc="-1" strike="noStrike">
               <a:latin typeface="Arial"/>
             </a:endParaRPr>
           </a:p>
         </p:txBody>
       </p:sp>
-      <p:pic>
-        <p:nvPicPr>
-          <p:cNvPr id="372" name="Picture 2" descr="http://www.bvctch.vn/vnt_upload/weblink/thks.jpg"/>
-          <p:cNvPicPr/>
+      <p:sp>
+        <p:nvSpPr>
+          <p:cNvPr id="375" name="CustomShape 2"/>
+          <p:cNvSpPr/>
           <p:nvPr/>
-        </p:nvPicPr>
-        <p:blipFill>
-          <a:blip r:embed="rId1"/>
-          <a:stretch/>
-        </p:blipFill>
-        <p:spPr>
-          <a:xfrm>
-            <a:off x="4404600" y="2036160"/>
-            <a:ext cx="3110040" cy="4646880"/>
+        </p:nvSpPr>
+        <p:spPr>
+          <a:xfrm>
+            <a:off x="288000" y="2061720"/>
+            <a:ext cx="11657880" cy="4050720"/>
           </a:xfrm>
           <a:prstGeom prst="rect">
             <a:avLst/>
           </a:prstGeom>
+          <a:noFill/>
           <a:ln>
             <a:noFill/>
           </a:ln>
         </p:spPr>
-      </p:pic>
+        <p:style>
+          <a:lnRef idx="0"/>
+          <a:fillRef idx="0"/>
+          <a:effectRef idx="0"/>
+          <a:fontRef idx="minor"/>
+        </p:style>
+        <p:txBody>
+          <a:bodyPr lIns="90000" rIns="90000" tIns="45000" bIns="45000">
+            <a:noAutofit/>
+          </a:bodyPr>
+          <a:p>
+            <a:pPr algn="just">
+              <a:lnSpc>
+                <a:spcPct val="100000"/>
+              </a:lnSpc>
+            </a:pPr>
+            <a:r>
+              <a:rPr b="1" lang="en-US" sz="2000" spc="-1" strike="noStrike">
+                <a:solidFill>
+                  <a:srgbClr val="000000"/>
+                </a:solidFill>
+                <a:latin typeface="Arial"/>
+                <a:ea typeface="DejaVu Sans"/>
+              </a:rPr>
+              <a:t>EVAL</a:t>
+            </a:r>
+            <a:r>
+              <a:rPr b="0" lang="en-IN" sz="2000" spc="-1" strike="noStrike">
+                <a:solidFill>
+                  <a:srgbClr val="000000"/>
+                </a:solidFill>
+                <a:latin typeface="Arial"/>
+                <a:ea typeface="DejaVu Sans"/>
+              </a:rPr>
+              <a:t> is used to evaluate scripts using the Lua interpreter built into Redis starting from version 2.6.0.</a:t>
+            </a:r>
+            <a:endParaRPr b="0" lang="en-IN" sz="2000" spc="-1" strike="noStrike">
+              <a:latin typeface="Arial"/>
+            </a:endParaRPr>
+          </a:p>
+          <a:p>
+            <a:pPr>
+              <a:lnSpc>
+                <a:spcPct val="100000"/>
+              </a:lnSpc>
+            </a:pPr>
+            <a:endParaRPr b="0" lang="en-IN" sz="2000" spc="-1" strike="noStrike">
+              <a:latin typeface="Arial"/>
+            </a:endParaRPr>
+          </a:p>
+          <a:p>
+            <a:pPr marL="216000" indent="-209880">
+              <a:lnSpc>
+                <a:spcPct val="100000"/>
+              </a:lnSpc>
+              <a:buClr>
+                <a:srgbClr val="000000"/>
+              </a:buClr>
+              <a:buSzPct val="45000"/>
+              <a:buFont typeface="Wingdings" charset="2"/>
+              <a:buChar char=""/>
+            </a:pPr>
+            <a:r>
+              <a:rPr b="1" lang="en-IN" sz="2000" spc="-1" strike="noStrike">
+                <a:solidFill>
+                  <a:srgbClr val="000000"/>
+                </a:solidFill>
+                <a:latin typeface="Arial"/>
+                <a:ea typeface="DejaVu Sans"/>
+              </a:rPr>
+              <a:t>The first argument of EVAL</a:t>
+            </a:r>
+            <a:r>
+              <a:rPr b="0" lang="en-IN" sz="2000" spc="-1" strike="noStrike">
+                <a:solidFill>
+                  <a:srgbClr val="000000"/>
+                </a:solidFill>
+                <a:latin typeface="Arial"/>
+                <a:ea typeface="DejaVu Sans"/>
+              </a:rPr>
+              <a:t> is a Lua 5.1 script. The script does not need to define a Lua function. It is just a Lua program that will run in the context of the Redis server.</a:t>
+            </a:r>
+            <a:endParaRPr b="0" lang="en-IN" sz="2000" spc="-1" strike="noStrike">
+              <a:latin typeface="Arial"/>
+            </a:endParaRPr>
+          </a:p>
+          <a:p>
+            <a:pPr>
+              <a:lnSpc>
+                <a:spcPct val="100000"/>
+              </a:lnSpc>
+            </a:pPr>
+            <a:endParaRPr b="0" lang="en-IN" sz="2000" spc="-1" strike="noStrike">
+              <a:latin typeface="Arial"/>
+            </a:endParaRPr>
+          </a:p>
+          <a:p>
+            <a:pPr marL="216000" indent="-209880">
+              <a:lnSpc>
+                <a:spcPct val="100000"/>
+              </a:lnSpc>
+              <a:buClr>
+                <a:srgbClr val="000000"/>
+              </a:buClr>
+              <a:buSzPct val="45000"/>
+              <a:buFont typeface="Wingdings" charset="2"/>
+              <a:buChar char=""/>
+            </a:pPr>
+            <a:r>
+              <a:rPr b="1" lang="en-IN" sz="2000" spc="-1" strike="noStrike">
+                <a:solidFill>
+                  <a:srgbClr val="000000"/>
+                </a:solidFill>
+                <a:latin typeface="Arial"/>
+                <a:ea typeface="DejaVu Sans"/>
+              </a:rPr>
+              <a:t>The second argument of EVAL</a:t>
+            </a:r>
+            <a:r>
+              <a:rPr b="0" lang="en-IN" sz="2000" spc="-1" strike="noStrike">
+                <a:solidFill>
+                  <a:srgbClr val="000000"/>
+                </a:solidFill>
+                <a:latin typeface="Arial"/>
+                <a:ea typeface="DejaVu Sans"/>
+              </a:rPr>
+              <a:t> is the number of arguments that follows the script (starting from the third argument) that represent Redis key names. The arguments can be accessed by Lua using the </a:t>
+            </a:r>
+            <a:r>
+              <a:rPr b="1" lang="en-IN" sz="2000" spc="-1" strike="noStrike">
+                <a:solidFill>
+                  <a:srgbClr val="000000"/>
+                </a:solidFill>
+                <a:latin typeface="Arial"/>
+                <a:ea typeface="DejaVu Sans"/>
+              </a:rPr>
+              <a:t>KEYS global variable</a:t>
+            </a:r>
+            <a:r>
+              <a:rPr b="0" lang="en-IN" sz="2000" spc="-1" strike="noStrike">
+                <a:solidFill>
+                  <a:srgbClr val="000000"/>
+                </a:solidFill>
+                <a:latin typeface="Arial"/>
+                <a:ea typeface="DejaVu Sans"/>
+              </a:rPr>
+              <a:t> in the form of a one-based array (so </a:t>
+            </a:r>
+            <a:r>
+              <a:rPr b="1" lang="en-IN" sz="2000" spc="-1" strike="noStrike">
+                <a:solidFill>
+                  <a:srgbClr val="000000"/>
+                </a:solidFill>
+                <a:latin typeface="Arial"/>
+                <a:ea typeface="DejaVu Sans"/>
+              </a:rPr>
+              <a:t>KEYS[1], KEYS[2], ...</a:t>
+            </a:r>
+            <a:r>
+              <a:rPr b="0" lang="en-IN" sz="2000" spc="-1" strike="noStrike">
+                <a:solidFill>
+                  <a:srgbClr val="000000"/>
+                </a:solidFill>
+                <a:latin typeface="Arial"/>
+                <a:ea typeface="DejaVu Sans"/>
+              </a:rPr>
+              <a:t>).</a:t>
+            </a:r>
+            <a:endParaRPr b="0" lang="en-IN" sz="2000" spc="-1" strike="noStrike">
+              <a:latin typeface="Arial"/>
+            </a:endParaRPr>
+          </a:p>
+          <a:p>
+            <a:pPr>
+              <a:lnSpc>
+                <a:spcPct val="100000"/>
+              </a:lnSpc>
+            </a:pPr>
+            <a:endParaRPr b="0" lang="en-IN" sz="2000" spc="-1" strike="noStrike">
+              <a:latin typeface="Arial"/>
+            </a:endParaRPr>
+          </a:p>
+          <a:p>
+            <a:pPr>
+              <a:lnSpc>
+                <a:spcPct val="100000"/>
+              </a:lnSpc>
+            </a:pPr>
+            <a:r>
+              <a:rPr b="0" lang="en-IN" sz="2000" spc="-1" strike="noStrike">
+                <a:solidFill>
+                  <a:srgbClr val="000000"/>
+                </a:solidFill>
+                <a:latin typeface="Arial"/>
+                <a:ea typeface="DejaVu Sans"/>
+              </a:rPr>
+              <a:t>All the additional arguments should not represent key names and can be accessed by Lua using the </a:t>
+            </a:r>
+            <a:r>
+              <a:rPr b="1" lang="en-IN" sz="2000" spc="-1" strike="noStrike">
+                <a:solidFill>
+                  <a:srgbClr val="000000"/>
+                </a:solidFill>
+                <a:latin typeface="Arial"/>
+                <a:ea typeface="DejaVu Sans"/>
+              </a:rPr>
+              <a:t>ARGV global variable</a:t>
+            </a:r>
+            <a:r>
+              <a:rPr b="0" lang="en-IN" sz="2000" spc="-1" strike="noStrike">
+                <a:solidFill>
+                  <a:srgbClr val="000000"/>
+                </a:solidFill>
+                <a:latin typeface="Arial"/>
+                <a:ea typeface="DejaVu Sans"/>
+              </a:rPr>
+              <a:t>, very similarly to what happens with keys (so </a:t>
+            </a:r>
+            <a:r>
+              <a:rPr b="1" lang="en-IN" sz="2000" spc="-1" strike="noStrike">
+                <a:solidFill>
+                  <a:srgbClr val="000000"/>
+                </a:solidFill>
+                <a:latin typeface="Arial"/>
+                <a:ea typeface="DejaVu Sans"/>
+              </a:rPr>
+              <a:t>ARGV[1], ARGV[2], ...</a:t>
+            </a:r>
+            <a:r>
+              <a:rPr b="0" lang="en-IN" sz="2000" spc="-1" strike="noStrike">
+                <a:solidFill>
+                  <a:srgbClr val="000000"/>
+                </a:solidFill>
+                <a:latin typeface="Arial"/>
+                <a:ea typeface="DejaVu Sans"/>
+              </a:rPr>
+              <a:t>).</a:t>
+            </a:r>
+            <a:endParaRPr b="0" lang="en-IN" sz="2000" spc="-1" strike="noStrike">
+              <a:latin typeface="Arial"/>
+            </a:endParaRPr>
+          </a:p>
+        </p:txBody>
+      </p:sp>
+      <p:sp>
+        <p:nvSpPr>
+          <p:cNvPr id="376" name="CustomShape 3"/>
+          <p:cNvSpPr/>
+          <p:nvPr/>
+        </p:nvSpPr>
+        <p:spPr>
+          <a:xfrm>
+            <a:off x="248400" y="0"/>
+            <a:ext cx="11695680" cy="699120"/>
+          </a:xfrm>
+          <a:prstGeom prst="rect">
+            <a:avLst/>
+          </a:prstGeom>
+          <a:solidFill>
+            <a:schemeClr val="accent6">
+              <a:lumMod val="75000"/>
+            </a:schemeClr>
+          </a:solidFill>
+          <a:ln>
+            <a:noFill/>
+          </a:ln>
+        </p:spPr>
+        <p:style>
+          <a:lnRef idx="0"/>
+          <a:fillRef idx="0"/>
+          <a:effectRef idx="0"/>
+          <a:fontRef idx="minor"/>
+        </p:style>
+        <p:txBody>
+          <a:bodyPr lIns="90000" rIns="90000" tIns="45000" bIns="45000">
+            <a:spAutoFit/>
+          </a:bodyPr>
+          <a:p>
+            <a:pPr algn="ctr">
+              <a:lnSpc>
+                <a:spcPct val="100000"/>
+              </a:lnSpc>
+            </a:pPr>
+            <a:r>
+              <a:rPr b="0" lang="en-IN" sz="4000" spc="-1" strike="noStrike">
+                <a:solidFill>
+                  <a:srgbClr val="f7c120"/>
+                </a:solidFill>
+                <a:latin typeface="Open Sans"/>
+                <a:ea typeface="DejaVu Sans"/>
+              </a:rPr>
+              <a:t>Introduction to EVAL</a:t>
+            </a:r>
+            <a:endParaRPr b="0" lang="en-IN" sz="4000" spc="-1" strike="noStrike">
+              <a:latin typeface="Arial"/>
+            </a:endParaRPr>
+          </a:p>
+        </p:txBody>
+      </p:sp>
+      <p:sp>
+        <p:nvSpPr>
+          <p:cNvPr id="377" name="CustomShape 4"/>
+          <p:cNvSpPr/>
+          <p:nvPr/>
+        </p:nvSpPr>
+        <p:spPr>
+          <a:xfrm>
+            <a:off x="576000" y="1504080"/>
+            <a:ext cx="8345880" cy="361800"/>
+          </a:xfrm>
+          <a:prstGeom prst="rect">
+            <a:avLst/>
+          </a:prstGeom>
+          <a:noFill/>
+          <a:ln>
+            <a:noFill/>
+          </a:ln>
+        </p:spPr>
+        <p:style>
+          <a:lnRef idx="0"/>
+          <a:fillRef idx="0"/>
+          <a:effectRef idx="0"/>
+          <a:fontRef idx="minor"/>
+        </p:style>
+        <p:txBody>
+          <a:bodyPr lIns="0" rIns="0" tIns="0" bIns="0">
+            <a:noAutofit/>
+          </a:bodyPr>
+          <a:p>
+            <a:pPr>
+              <a:lnSpc>
+                <a:spcPct val="100000"/>
+              </a:lnSpc>
+            </a:pPr>
+            <a:r>
+              <a:rPr b="0" lang="en-US" sz="2200" spc="-1" strike="noStrike">
+                <a:solidFill>
+                  <a:srgbClr val="00b0f0"/>
+                </a:solidFill>
+                <a:latin typeface="Consolas"/>
+                <a:ea typeface="DejaVu Sans"/>
+              </a:rPr>
+              <a:t>EVAL script numkeys key [key ...] arg [arg ...]</a:t>
+            </a:r>
+            <a:endParaRPr b="0" lang="en-IN" sz="2200" spc="-1" strike="noStrike">
+              <a:latin typeface="Arial"/>
+            </a:endParaRPr>
+          </a:p>
+        </p:txBody>
+      </p:sp>
+      <p:sp>
+        <p:nvSpPr>
+          <p:cNvPr id="378" name="CustomShape 5"/>
+          <p:cNvSpPr/>
+          <p:nvPr/>
+        </p:nvSpPr>
+        <p:spPr>
+          <a:xfrm>
+            <a:off x="288000" y="5543280"/>
+            <a:ext cx="10829880" cy="1002600"/>
+          </a:xfrm>
+          <a:prstGeom prst="rect">
+            <a:avLst/>
+          </a:prstGeom>
+          <a:noFill/>
+          <a:ln>
+            <a:noFill/>
+          </a:ln>
+        </p:spPr>
+        <p:style>
+          <a:lnRef idx="0"/>
+          <a:fillRef idx="0"/>
+          <a:effectRef idx="0"/>
+          <a:fontRef idx="minor"/>
+        </p:style>
+        <p:txBody>
+          <a:bodyPr lIns="90000" rIns="90000" tIns="45000" bIns="45000">
+            <a:noAutofit/>
+          </a:bodyPr>
+          <a:p>
+            <a:pPr>
+              <a:lnSpc>
+                <a:spcPct val="100000"/>
+              </a:lnSpc>
+            </a:pPr>
+            <a:r>
+              <a:rPr b="1" lang="en-IN" sz="2000" spc="-1" strike="noStrike">
+                <a:solidFill>
+                  <a:srgbClr val="c00000"/>
+                </a:solidFill>
+                <a:latin typeface="Open Sans"/>
+                <a:ea typeface="Open Sans"/>
+              </a:rPr>
+              <a:t>Note:</a:t>
+            </a:r>
+            <a:endParaRPr b="0" lang="en-IN" sz="2000" spc="-1" strike="noStrike">
+              <a:latin typeface="Arial"/>
+            </a:endParaRPr>
+          </a:p>
+          <a:p>
+            <a:pPr>
+              <a:lnSpc>
+                <a:spcPct val="100000"/>
+              </a:lnSpc>
+            </a:pPr>
+            <a:endParaRPr b="0" lang="en-IN" sz="2000" spc="-1" strike="noStrike">
+              <a:latin typeface="Arial"/>
+            </a:endParaRPr>
+          </a:p>
+          <a:p>
+            <a:pPr>
+              <a:lnSpc>
+                <a:spcPct val="100000"/>
+              </a:lnSpc>
+            </a:pPr>
+            <a:r>
+              <a:rPr b="1" lang="en-IN" sz="1800" spc="-1" strike="noStrike">
+                <a:solidFill>
+                  <a:srgbClr val="000000"/>
+                </a:solidFill>
+                <a:latin typeface="Arial"/>
+                <a:ea typeface="Open Sans"/>
+              </a:rPr>
+              <a:t>KEYS[1], KEYS[2], . . .  </a:t>
+            </a:r>
+            <a:r>
+              <a:rPr b="0" lang="en-IN" sz="1800" spc="-1" strike="noStrike">
+                <a:solidFill>
+                  <a:srgbClr val="000000"/>
+                </a:solidFill>
+                <a:latin typeface="Arial"/>
+                <a:ea typeface="Open Sans"/>
+              </a:rPr>
+              <a:t>and</a:t>
+            </a:r>
+            <a:r>
+              <a:rPr b="1" lang="en-IN" sz="1800" spc="-1" strike="noStrike">
+                <a:solidFill>
+                  <a:srgbClr val="000000"/>
+                </a:solidFill>
+                <a:latin typeface="Arial"/>
+                <a:ea typeface="Open Sans"/>
+              </a:rPr>
+              <a:t> ARGV[1], ARGV[2]</a:t>
+            </a:r>
+            <a:r>
+              <a:rPr b="0" lang="en-IN" sz="1800" spc="-1" strike="noStrike">
+                <a:solidFill>
+                  <a:srgbClr val="000000"/>
+                </a:solidFill>
+                <a:latin typeface="Arial"/>
+                <a:ea typeface="Open Sans"/>
+              </a:rPr>
+              <a:t>.</a:t>
+            </a:r>
+            <a:r>
+              <a:rPr b="1" lang="en-IN" sz="1800" spc="-1" strike="noStrike">
+                <a:solidFill>
+                  <a:srgbClr val="000000"/>
+                </a:solidFill>
+                <a:latin typeface="Arial"/>
+                <a:ea typeface="Open Sans"/>
+              </a:rPr>
+              <a:t>, . . . </a:t>
+            </a:r>
+            <a:r>
+              <a:rPr b="0" lang="en-IN" sz="1800" spc="-1" strike="noStrike">
+                <a:solidFill>
+                  <a:srgbClr val="000000"/>
+                </a:solidFill>
+                <a:latin typeface="Arial"/>
+                <a:ea typeface="Open Sans"/>
+              </a:rPr>
+              <a:t>must be in upper case.</a:t>
+            </a:r>
+            <a:endParaRPr b="0" lang="en-IN" sz="1800" spc="-1" strike="noStrike">
+              <a:latin typeface="Arial"/>
+            </a:endParaRPr>
+          </a:p>
+        </p:txBody>
+      </p:sp>
     </p:spTree>
   </p:cSld>
   <mc:AlternateContent>
@@ -33567,14 +34443,116 @@
       </p:grpSpPr>
       <p:sp>
         <p:nvSpPr>
-          <p:cNvPr id="373" name="CustomShape 1"/>
+          <p:cNvPr id="379" name="CustomShape 1"/>
           <p:cNvSpPr/>
           <p:nvPr/>
         </p:nvSpPr>
         <p:spPr>
           <a:xfrm>
-            <a:off x="474480" y="2448000"/>
-            <a:ext cx="10391040" cy="2387880"/>
+            <a:off x="216000" y="216000"/>
+            <a:ext cx="1937880" cy="424800"/>
+          </a:xfrm>
+          <a:prstGeom prst="rect">
+            <a:avLst/>
+          </a:prstGeom>
+          <a:noFill/>
+          <a:ln>
+            <a:noFill/>
+          </a:ln>
+        </p:spPr>
+        <p:style>
+          <a:lnRef idx="0"/>
+          <a:fillRef idx="0"/>
+          <a:effectRef idx="0"/>
+          <a:fontRef idx="minor"/>
+        </p:style>
+        <p:txBody>
+          <a:bodyPr lIns="90000" rIns="90000" tIns="45000" bIns="45000">
+            <a:spAutoFit/>
+          </a:bodyPr>
+          <a:p>
+            <a:pPr algn="just">
+              <a:lnSpc>
+                <a:spcPct val="100000"/>
+              </a:lnSpc>
+            </a:pPr>
+            <a:r>
+              <a:rPr b="0" lang="en-IN" sz="2200" spc="-1" strike="noStrike">
+                <a:solidFill>
+                  <a:srgbClr val="3e5d78"/>
+                </a:solidFill>
+                <a:latin typeface="Times New Roman"/>
+                <a:ea typeface="DejaVu Sans"/>
+              </a:rPr>
+              <a:t>Lua scripting</a:t>
+            </a:r>
+            <a:endParaRPr b="0" lang="en-IN" sz="2200" spc="-1" strike="noStrike">
+              <a:latin typeface="Arial"/>
+            </a:endParaRPr>
+          </a:p>
+        </p:txBody>
+      </p:sp>
+      <p:sp>
+        <p:nvSpPr>
+          <p:cNvPr id="380" name="CustomShape 2"/>
+          <p:cNvSpPr/>
+          <p:nvPr/>
+        </p:nvSpPr>
+        <p:spPr>
+          <a:xfrm>
+            <a:off x="432720" y="1224000"/>
+            <a:ext cx="8345880" cy="361800"/>
+          </a:xfrm>
+          <a:prstGeom prst="rect">
+            <a:avLst/>
+          </a:prstGeom>
+          <a:noFill/>
+          <a:ln>
+            <a:noFill/>
+          </a:ln>
+        </p:spPr>
+        <p:style>
+          <a:lnRef idx="0"/>
+          <a:fillRef idx="0"/>
+          <a:effectRef idx="0"/>
+          <a:fontRef idx="minor"/>
+        </p:style>
+        <p:txBody>
+          <a:bodyPr lIns="0" rIns="0" tIns="0" bIns="0">
+            <a:noAutofit/>
+          </a:bodyPr>
+          <a:p>
+            <a:pPr>
+              <a:lnSpc>
+                <a:spcPct val="100000"/>
+              </a:lnSpc>
+            </a:pPr>
+            <a:r>
+              <a:rPr b="0" lang="en-US" sz="2200" spc="-1" strike="noStrike">
+                <a:solidFill>
+                  <a:srgbClr val="00b0f0"/>
+                </a:solidFill>
+                <a:latin typeface="Consolas"/>
+                <a:ea typeface="DejaVu Sans"/>
+              </a:rPr>
+              <a:t>EVAL script numkeys key [key ...] arg [arg ...]</a:t>
+            </a:r>
+            <a:endParaRPr b="0" lang="en-IN" sz="2200" spc="-1" strike="noStrike">
+              <a:latin typeface="Arial"/>
+            </a:endParaRPr>
+          </a:p>
+        </p:txBody>
+      </p:sp>
+      <p:sp>
+        <p:nvSpPr>
+          <p:cNvPr id="381" name="CustomShape 3"/>
+          <p:cNvSpPr/>
+          <p:nvPr/>
+        </p:nvSpPr>
+        <p:spPr>
+          <a:xfrm>
+            <a:off x="288000" y="1584000"/>
+            <a:ext cx="605520" cy="393480"/>
           </a:xfrm>
           <a:prstGeom prst="rect">
             <a:avLst/>
@@ -33601,156 +34579,16 @@
               </a:lnSpc>
             </a:pPr>
             <a:r>
-              <a:rPr b="0" lang="en-IN" sz="1800" spc="-1" strike="noStrike">
-                <a:solidFill>
-                  <a:srgbClr val="000000"/>
-                </a:solidFill>
-                <a:latin typeface="Arial"/>
-                <a:ea typeface="DejaVu Sans"/>
-              </a:rPr>
-              <a:t>The INFO command returns information and statistics about the server in a format that is simple to parse by computers and easy to read by humans. </a:t>
-            </a:r>
-            <a:endParaRPr b="0" lang="en-IN" sz="1800" spc="-1" strike="noStrike">
-              <a:latin typeface="Arial"/>
-            </a:endParaRPr>
-          </a:p>
-          <a:p>
-            <a:pPr>
-              <a:lnSpc>
-                <a:spcPct val="100000"/>
-              </a:lnSpc>
-            </a:pPr>
-            <a:endParaRPr b="0" lang="en-IN" sz="1800" spc="-1" strike="noStrike">
-              <a:latin typeface="Arial"/>
-            </a:endParaRPr>
-          </a:p>
-          <a:p>
-            <a:pPr marL="216000" indent="-209520">
-              <a:lnSpc>
-                <a:spcPct val="100000"/>
-              </a:lnSpc>
-              <a:buClr>
-                <a:srgbClr val="000000"/>
-              </a:buClr>
-              <a:buSzPct val="45000"/>
-              <a:buFont typeface="Wingdings" charset="2"/>
-              <a:buChar char=""/>
-            </a:pPr>
-            <a:r>
-              <a:rPr b="0" lang="en-IN" sz="1800" spc="-1" strike="noStrike">
-                <a:solidFill>
-                  <a:srgbClr val="000000"/>
-                </a:solidFill>
-                <a:latin typeface="Arial"/>
-                <a:ea typeface="DejaVu Sans"/>
-              </a:rPr>
-              <a:t>info server</a:t>
-            </a:r>
-            <a:endParaRPr b="0" lang="en-IN" sz="1800" spc="-1" strike="noStrike">
-              <a:latin typeface="Arial"/>
-            </a:endParaRPr>
-          </a:p>
-          <a:p>
-            <a:pPr marL="216000" indent="-209520">
-              <a:lnSpc>
-                <a:spcPct val="100000"/>
-              </a:lnSpc>
-              <a:buClr>
-                <a:srgbClr val="000000"/>
-              </a:buClr>
-              <a:buSzPct val="45000"/>
-              <a:buFont typeface="Wingdings" charset="2"/>
-              <a:buChar char=""/>
-            </a:pPr>
-            <a:r>
-              <a:rPr b="0" lang="en-IN" sz="1800" spc="-1" strike="noStrike">
-                <a:solidFill>
-                  <a:srgbClr val="000000"/>
-                </a:solidFill>
-                <a:latin typeface="Arial"/>
-                <a:ea typeface="DejaVu Sans"/>
-              </a:rPr>
-              <a:t>info clients</a:t>
-            </a:r>
-            <a:endParaRPr b="0" lang="en-IN" sz="1800" spc="-1" strike="noStrike">
-              <a:latin typeface="Arial"/>
-            </a:endParaRPr>
-          </a:p>
-          <a:p>
-            <a:pPr marL="216000" indent="-209520">
-              <a:lnSpc>
-                <a:spcPct val="100000"/>
-              </a:lnSpc>
-              <a:buClr>
-                <a:srgbClr val="000000"/>
-              </a:buClr>
-              <a:buSzPct val="45000"/>
-              <a:buFont typeface="Wingdings" charset="2"/>
-              <a:buChar char=""/>
-            </a:pPr>
-            <a:r>
-              <a:rPr b="0" lang="en-IN" sz="1800" spc="-1" strike="noStrike">
-                <a:solidFill>
-                  <a:srgbClr val="000000"/>
-                </a:solidFill>
-                <a:latin typeface="Arial"/>
-                <a:ea typeface="DejaVu Sans"/>
-              </a:rPr>
-              <a:t>info Keyspace</a:t>
-            </a:r>
-            <a:endParaRPr b="0" lang="en-IN" sz="1800" spc="-1" strike="noStrike">
-              <a:latin typeface="Arial"/>
-            </a:endParaRPr>
-          </a:p>
-          <a:p>
-            <a:pPr marL="216000" indent="-209520">
-              <a:lnSpc>
-                <a:spcPct val="100000"/>
-              </a:lnSpc>
-              <a:buClr>
-                <a:srgbClr val="000000"/>
-              </a:buClr>
-              <a:buSzPct val="45000"/>
-              <a:buFont typeface="Wingdings" charset="2"/>
-              <a:buChar char=""/>
-            </a:pPr>
-            <a:r>
-              <a:rPr b="0" lang="en-IN" sz="1800" spc="-1" strike="noStrike">
-                <a:solidFill>
-                  <a:srgbClr val="000000"/>
-                </a:solidFill>
-                <a:latin typeface="Arial"/>
-                <a:ea typeface="DejaVu Sans"/>
-              </a:rPr>
-              <a:t>info modules</a:t>
-            </a:r>
-            <a:endParaRPr b="0" lang="en-IN" sz="1800" spc="-1" strike="noStrike">
-              <a:latin typeface="Arial"/>
-            </a:endParaRPr>
-          </a:p>
-          <a:p>
-            <a:pPr marL="216000" indent="-209520">
-              <a:lnSpc>
-                <a:spcPct val="100000"/>
-              </a:lnSpc>
-              <a:buClr>
-                <a:srgbClr val="000000"/>
-              </a:buClr>
-              <a:buSzPct val="45000"/>
-              <a:buFont typeface="Wingdings" charset="2"/>
-              <a:buChar char=""/>
-            </a:pPr>
-            <a:r>
-              <a:rPr b="0" lang="en-IN" sz="1800" spc="-1" strike="noStrike">
-                <a:solidFill>
-                  <a:srgbClr val="000000"/>
-                </a:solidFill>
-                <a:latin typeface="Arial"/>
-                <a:ea typeface="DejaVu Sans"/>
-              </a:rPr>
-              <a:t>info all</a:t>
-            </a:r>
-            <a:endParaRPr b="0" lang="en-IN" sz="1800" spc="-1" strike="noStrike">
+              <a:rPr b="1" lang="en-IN" sz="2200" spc="-1" strike="noStrike">
+                <a:solidFill>
+                  <a:srgbClr val="ff1744"/>
+                </a:solidFill>
+                <a:latin typeface="Times New Roman"/>
+                <a:ea typeface="DejaVu Sans"/>
+              </a:rPr>
+              <a:t>e.g.</a:t>
+            </a:r>
+            <a:endParaRPr b="0" lang="en-IN" sz="2200" spc="-1" strike="noStrike">
               <a:latin typeface="Arial"/>
             </a:endParaRPr>
           </a:p>
@@ -33758,14 +34596,14 @@
       </p:sp>
       <p:sp>
         <p:nvSpPr>
-          <p:cNvPr id="374" name="CustomShape 2"/>
+          <p:cNvPr id="382" name="CustomShape 4"/>
           <p:cNvSpPr/>
           <p:nvPr/>
         </p:nvSpPr>
         <p:spPr>
           <a:xfrm>
-            <a:off x="363600" y="193320"/>
-            <a:ext cx="4237920" cy="592200"/>
+            <a:off x="432720" y="2073600"/>
+            <a:ext cx="11081880" cy="4204440"/>
           </a:xfrm>
           <a:prstGeom prst="rect">
             <a:avLst/>
@@ -33783,23 +34621,63 @@
         </p:style>
         <p:txBody>
           <a:bodyPr lIns="90000" rIns="90000" tIns="45000" bIns="45000">
-            <a:noAutofit/>
+            <a:spAutoFit/>
           </a:bodyPr>
           <a:p>
             <a:pPr>
               <a:lnSpc>
-                <a:spcPct val="100000"/>
-              </a:lnSpc>
-            </a:pPr>
+                <a:spcPct val="150000"/>
+              </a:lnSpc>
+            </a:pPr>
+            <a:r>
+              <a:rPr b="0" lang="en-IN" sz="1800" spc="-1" strike="noStrike">
+                <a:solidFill>
+                  <a:srgbClr val="808080"/>
+                </a:solidFill>
+                <a:latin typeface="Consolas"/>
+                <a:ea typeface="SimSun"/>
+              </a:rPr>
+              <a:t>127.0.0.1:6379</a:t>
+            </a:r>
+            <a:r>
+              <a:rPr b="1" lang="en-IN" sz="1800" spc="-1" strike="noStrike">
+                <a:solidFill>
+                  <a:srgbClr val="808080"/>
+                </a:solidFill>
+                <a:latin typeface="Consolas"/>
+                <a:ea typeface="SimSun"/>
+              </a:rPr>
+              <a:t>[5]</a:t>
+            </a:r>
+            <a:r>
+              <a:rPr b="0" lang="en-IN" sz="1800" spc="-1" strike="noStrike">
+                <a:solidFill>
+                  <a:srgbClr val="808080"/>
+                </a:solidFill>
+                <a:latin typeface="Consolas"/>
+                <a:ea typeface="SimSun"/>
+              </a:rPr>
+              <a:t>&gt;</a:t>
+            </a:r>
             <a:r>
               <a:rPr b="0" lang="en-IN" sz="1800" spc="-1" strike="noStrike">
                 <a:solidFill>
                   <a:srgbClr val="000000"/>
                 </a:solidFill>
-                <a:latin typeface="Arial"/>
-                <a:ea typeface="DejaVu Sans"/>
-              </a:rPr>
-              <a:t>SAVE</a:t>
+                <a:latin typeface="Consolas"/>
+                <a:ea typeface="SimSun"/>
+              </a:rPr>
+              <a:t> </a:t>
+            </a:r>
+            <a:r>
+              <a:rPr b="0" lang="en-IN" sz="1800" spc="-1" strike="noStrike">
+                <a:solidFill>
+                  <a:srgbClr val="ff5733"/>
+                </a:solidFill>
+                <a:latin typeface="Consolas"/>
+                <a:ea typeface="SimSun"/>
+              </a:rPr>
+              <a:t>eval "return 'Hello World!' " 0</a:t>
             </a:r>
             <a:endParaRPr b="0" lang="en-IN" sz="1800" spc="-1" strike="noStrike">
               <a:latin typeface="Arial"/>
@@ -33808,132 +34686,408 @@
           <a:p>
             <a:pPr>
               <a:lnSpc>
-                <a:spcPct val="100000"/>
-              </a:lnSpc>
-            </a:pPr>
+                <a:spcPct val="150000"/>
+              </a:lnSpc>
+            </a:pPr>
+            <a:r>
+              <a:rPr b="0" lang="en-IN" sz="1800" spc="-1" strike="noStrike">
+                <a:solidFill>
+                  <a:srgbClr val="808080"/>
+                </a:solidFill>
+                <a:latin typeface="Consolas"/>
+                <a:ea typeface="SimSun"/>
+              </a:rPr>
+              <a:t>127.0.0.1:6379</a:t>
+            </a:r>
+            <a:r>
+              <a:rPr b="1" lang="en-IN" sz="1800" spc="-1" strike="noStrike">
+                <a:solidFill>
+                  <a:srgbClr val="808080"/>
+                </a:solidFill>
+                <a:latin typeface="Consolas"/>
+                <a:ea typeface="SimSun"/>
+              </a:rPr>
+              <a:t>[5]</a:t>
+            </a:r>
+            <a:r>
+              <a:rPr b="0" lang="en-IN" sz="1800" spc="-1" strike="noStrike">
+                <a:solidFill>
+                  <a:srgbClr val="808080"/>
+                </a:solidFill>
+                <a:latin typeface="Consolas"/>
+                <a:ea typeface="SimSun"/>
+              </a:rPr>
+              <a:t>&gt; </a:t>
+            </a:r>
+            <a:r>
+              <a:rPr b="0" lang="en-IN" sz="1800" spc="-1" strike="noStrike">
+                <a:solidFill>
+                  <a:srgbClr val="ff5733"/>
+                </a:solidFill>
+                <a:latin typeface="Consolas"/>
+                <a:ea typeface="SimSun"/>
+              </a:rPr>
+              <a:t>eval "local x = 'Hello World!' return x" 0</a:t>
+            </a:r>
+            <a:endParaRPr b="0" lang="en-IN" sz="1800" spc="-1" strike="noStrike">
+              <a:latin typeface="Arial"/>
+            </a:endParaRPr>
+          </a:p>
+          <a:p>
+            <a:pPr>
+              <a:lnSpc>
+                <a:spcPct val="150000"/>
+              </a:lnSpc>
+            </a:pPr>
+            <a:r>
+              <a:rPr b="0" lang="en-IN" sz="1800" spc="-1" strike="noStrike">
+                <a:solidFill>
+                  <a:srgbClr val="808080"/>
+                </a:solidFill>
+                <a:latin typeface="Consolas"/>
+                <a:ea typeface="SimSun"/>
+              </a:rPr>
+              <a:t>127.0.0.1:6379</a:t>
+            </a:r>
+            <a:r>
+              <a:rPr b="1" lang="en-IN" sz="1800" spc="-1" strike="noStrike">
+                <a:solidFill>
+                  <a:srgbClr val="808080"/>
+                </a:solidFill>
+                <a:latin typeface="Consolas"/>
+                <a:ea typeface="SimSun"/>
+              </a:rPr>
+              <a:t>[5]</a:t>
+            </a:r>
+            <a:r>
+              <a:rPr b="0" lang="en-IN" sz="1800" spc="-1" strike="noStrike">
+                <a:solidFill>
+                  <a:srgbClr val="808080"/>
+                </a:solidFill>
+                <a:latin typeface="Consolas"/>
+                <a:ea typeface="SimSun"/>
+              </a:rPr>
+              <a:t>&gt;</a:t>
+            </a:r>
             <a:r>
               <a:rPr b="0" lang="en-IN" sz="1800" spc="-1" strike="noStrike">
                 <a:solidFill>
                   <a:srgbClr val="000000"/>
                 </a:solidFill>
-                <a:latin typeface="Arial"/>
-                <a:ea typeface="DejaVu Sans"/>
-              </a:rPr>
-              <a:t>Config get dir  /var/lib/redis</a:t>
+                <a:latin typeface="Consolas"/>
+                <a:ea typeface="SimSun"/>
+              </a:rPr>
+              <a:t> </a:t>
+            </a:r>
+            <a:r>
+              <a:rPr b="0" lang="en-IN" sz="1800" spc="-1" strike="noStrike">
+                <a:solidFill>
+                  <a:srgbClr val="ff5733"/>
+                </a:solidFill>
+                <a:latin typeface="Consolas"/>
+                <a:ea typeface="SimSun"/>
+              </a:rPr>
+              <a:t>eval "return redis.call('echo', 'Hello')" 0</a:t>
             </a:r>
             <a:endParaRPr b="0" lang="en-IN" sz="1800" spc="-1" strike="noStrike">
               <a:latin typeface="Arial"/>
             </a:endParaRPr>
           </a:p>
-        </p:txBody>
-      </p:sp>
-      <p:sp>
-        <p:nvSpPr>
-          <p:cNvPr id="375" name="CustomShape 3"/>
-          <p:cNvSpPr/>
-          <p:nvPr/>
-        </p:nvSpPr>
-        <p:spPr>
-          <a:xfrm>
-            <a:off x="504000" y="5760000"/>
-            <a:ext cx="11153520" cy="595800"/>
-          </a:xfrm>
-          <a:prstGeom prst="rect">
-            <a:avLst/>
-          </a:prstGeom>
-          <a:noFill/>
-          <a:ln>
-            <a:noFill/>
-          </a:ln>
-        </p:spPr>
-        <p:style>
-          <a:lnRef idx="0"/>
-          <a:fillRef idx="0"/>
-          <a:effectRef idx="0"/>
-          <a:fontRef idx="minor"/>
-        </p:style>
-        <p:txBody>
-          <a:bodyPr lIns="90000" rIns="90000" tIns="45000" bIns="45000">
-            <a:noAutofit/>
-          </a:bodyPr>
           <a:p>
             <a:pPr>
               <a:lnSpc>
-                <a:spcPct val="100000"/>
-              </a:lnSpc>
-            </a:pPr>
-            <a:r>
-              <a:rPr b="0" lang="en-IN" sz="1800" spc="-1" strike="noStrike" u="sng">
-                <a:solidFill>
-                  <a:srgbClr val="b292ca"/>
-                </a:solidFill>
-                <a:uFillTx/>
-                <a:latin typeface="Arial"/>
-                <a:ea typeface="DejaVu Sans"/>
-                <a:hlinkClick r:id="rId1"/>
-              </a:rPr>
-              <a:t>saleel@saleel-Latitude-E6430</a:t>
-            </a:r>
-            <a:r>
-              <a:rPr b="0" lang="en-IN" sz="1800" spc="-1" strike="noStrike">
-                <a:solidFill>
-                  <a:srgbClr val="b292ca"/>
-                </a:solidFill>
-                <a:latin typeface="Arial"/>
-                <a:ea typeface="DejaVu Sans"/>
-              </a:rPr>
-              <a:t>:~$ redis-cli --csv -h 127.0.0.1 -p 6379 -n 3  hgetall cust:2 &gt;&gt; customer</a:t>
+                <a:spcPct val="150000"/>
+              </a:lnSpc>
+            </a:pPr>
+            <a:r>
+              <a:rPr b="0" lang="en-IN" sz="1800" spc="-1" strike="noStrike">
+                <a:solidFill>
+                  <a:srgbClr val="808080"/>
+                </a:solidFill>
+                <a:latin typeface="Consolas"/>
+                <a:ea typeface="SimSun"/>
+              </a:rPr>
+              <a:t>127.0.0.1:6379</a:t>
+            </a:r>
+            <a:r>
+              <a:rPr b="1" lang="en-IN" sz="1800" spc="-1" strike="noStrike">
+                <a:solidFill>
+                  <a:srgbClr val="808080"/>
+                </a:solidFill>
+                <a:latin typeface="Consolas"/>
+                <a:ea typeface="SimSun"/>
+              </a:rPr>
+              <a:t>[5]</a:t>
+            </a:r>
+            <a:r>
+              <a:rPr b="0" lang="en-IN" sz="1800" spc="-1" strike="noStrike">
+                <a:solidFill>
+                  <a:srgbClr val="808080"/>
+                </a:solidFill>
+                <a:latin typeface="Consolas"/>
+                <a:ea typeface="SimSun"/>
+              </a:rPr>
+              <a:t>&gt;</a:t>
+            </a:r>
+            <a:r>
+              <a:rPr b="0" lang="en-IN" sz="1800" spc="-1" strike="noStrike">
+                <a:solidFill>
+                  <a:srgbClr val="000000"/>
+                </a:solidFill>
+                <a:latin typeface="Consolas"/>
+                <a:ea typeface="SimSun"/>
+              </a:rPr>
+              <a:t> </a:t>
+            </a:r>
+            <a:r>
+              <a:rPr b="0" lang="en-IN" sz="1800" spc="-1" strike="noStrike">
+                <a:solidFill>
+                  <a:srgbClr val="ff5733"/>
+                </a:solidFill>
+                <a:latin typeface="Consolas"/>
+                <a:ea typeface="SimSun"/>
+              </a:rPr>
+              <a:t>eval "return ARGV[1] + ARGV[2] + ARGV[3]" 0 3 3 4</a:t>
             </a:r>
             <a:endParaRPr b="0" lang="en-IN" sz="1800" spc="-1" strike="noStrike">
               <a:latin typeface="Arial"/>
             </a:endParaRPr>
           </a:p>
-        </p:txBody>
-      </p:sp>
-      <p:sp>
-        <p:nvSpPr>
-          <p:cNvPr id="376" name="CustomShape 4"/>
-          <p:cNvSpPr/>
-          <p:nvPr/>
-        </p:nvSpPr>
-        <p:spPr>
-          <a:xfrm>
-            <a:off x="9648000" y="4014000"/>
-            <a:ext cx="2153520" cy="299520"/>
-          </a:xfrm>
-          <a:prstGeom prst="rect">
-            <a:avLst/>
-          </a:prstGeom>
-          <a:noFill/>
-          <a:ln>
-            <a:noFill/>
-          </a:ln>
-        </p:spPr>
-        <p:style>
-          <a:lnRef idx="0"/>
-          <a:fillRef idx="0"/>
-          <a:effectRef idx="0"/>
-          <a:fontRef idx="minor"/>
-        </p:style>
-        <p:txBody>
-          <a:bodyPr lIns="0" rIns="0" tIns="0" bIns="0">
-            <a:noAutofit/>
-          </a:bodyPr>
           <a:p>
             <a:pPr>
               <a:lnSpc>
-                <a:spcPct val="100000"/>
-              </a:lnSpc>
-            </a:pPr>
+                <a:spcPct val="150000"/>
+              </a:lnSpc>
+            </a:pPr>
+            <a:r>
+              <a:rPr b="0" lang="en-IN" sz="1800" spc="-1" strike="noStrike">
+                <a:solidFill>
+                  <a:srgbClr val="808080"/>
+                </a:solidFill>
+                <a:latin typeface="Consolas"/>
+                <a:ea typeface="SimSun"/>
+              </a:rPr>
+              <a:t>127.0.0.1:6379</a:t>
+            </a:r>
+            <a:r>
+              <a:rPr b="1" lang="en-IN" sz="1800" spc="-1" strike="noStrike">
+                <a:solidFill>
+                  <a:srgbClr val="808080"/>
+                </a:solidFill>
+                <a:latin typeface="Consolas"/>
+                <a:ea typeface="SimSun"/>
+              </a:rPr>
+              <a:t>[5]</a:t>
+            </a:r>
+            <a:r>
+              <a:rPr b="0" lang="en-IN" sz="1800" spc="-1" strike="noStrike">
+                <a:solidFill>
+                  <a:srgbClr val="808080"/>
+                </a:solidFill>
+                <a:latin typeface="Consolas"/>
+                <a:ea typeface="SimSun"/>
+              </a:rPr>
+              <a:t>&gt;</a:t>
+            </a:r>
             <a:r>
               <a:rPr b="0" lang="en-IN" sz="1800" spc="-1" strike="noStrike">
                 <a:solidFill>
                   <a:srgbClr val="000000"/>
                 </a:solidFill>
-                <a:latin typeface="Arial"/>
-                <a:ea typeface="DejaVu Sans"/>
-              </a:rPr>
-              <a:t>redis-cli monitor</a:t>
+                <a:latin typeface="Consolas"/>
+                <a:ea typeface="SimSun"/>
+              </a:rPr>
+              <a:t> </a:t>
+            </a:r>
+            <a:r>
+              <a:rPr b="0" lang="en-IN" sz="1800" spc="-1" strike="noStrike">
+                <a:solidFill>
+                  <a:srgbClr val="ff5733"/>
+                </a:solidFill>
+                <a:latin typeface="Consolas"/>
+                <a:ea typeface="SimSun"/>
+              </a:rPr>
+              <a:t>eval "return redis.call('keys', '*')" 0</a:t>
+            </a:r>
+            <a:endParaRPr b="0" lang="en-IN" sz="1800" spc="-1" strike="noStrike">
+              <a:latin typeface="Arial"/>
+            </a:endParaRPr>
+          </a:p>
+          <a:p>
+            <a:pPr>
+              <a:lnSpc>
+                <a:spcPct val="150000"/>
+              </a:lnSpc>
+            </a:pPr>
+            <a:r>
+              <a:rPr b="0" lang="en-IN" sz="1800" spc="-1" strike="noStrike">
+                <a:solidFill>
+                  <a:srgbClr val="808080"/>
+                </a:solidFill>
+                <a:latin typeface="Consolas"/>
+                <a:ea typeface="SimSun"/>
+              </a:rPr>
+              <a:t>127.0.0.1:6379</a:t>
+            </a:r>
+            <a:r>
+              <a:rPr b="1" lang="en-IN" sz="1800" spc="-1" strike="noStrike">
+                <a:solidFill>
+                  <a:srgbClr val="808080"/>
+                </a:solidFill>
+                <a:latin typeface="Consolas"/>
+                <a:ea typeface="SimSun"/>
+              </a:rPr>
+              <a:t>[5]</a:t>
+            </a:r>
+            <a:r>
+              <a:rPr b="0" lang="en-IN" sz="1800" spc="-1" strike="noStrike">
+                <a:solidFill>
+                  <a:srgbClr val="808080"/>
+                </a:solidFill>
+                <a:latin typeface="Consolas"/>
+                <a:ea typeface="SimSun"/>
+              </a:rPr>
+              <a:t>&gt;</a:t>
+            </a:r>
+            <a:r>
+              <a:rPr b="0" lang="en-IN" sz="1800" spc="-1" strike="noStrike">
+                <a:solidFill>
+                  <a:srgbClr val="000000"/>
+                </a:solidFill>
+                <a:latin typeface="Consolas"/>
+                <a:ea typeface="SimSun"/>
+              </a:rPr>
+              <a:t> </a:t>
+            </a:r>
+            <a:r>
+              <a:rPr b="0" lang="en-IN" sz="1800" spc="-1" strike="noStrike">
+                <a:solidFill>
+                  <a:srgbClr val="ff5733"/>
+                </a:solidFill>
+                <a:latin typeface="Consolas"/>
+                <a:ea typeface="SimSun"/>
+              </a:rPr>
+              <a:t>eval "local x=redis.call('keys','*') return x" 0</a:t>
+            </a:r>
+            <a:endParaRPr b="0" lang="en-IN" sz="1800" spc="-1" strike="noStrike">
+              <a:latin typeface="Arial"/>
+            </a:endParaRPr>
+          </a:p>
+          <a:p>
+            <a:pPr>
+              <a:lnSpc>
+                <a:spcPct val="150000"/>
+              </a:lnSpc>
+            </a:pPr>
+            <a:r>
+              <a:rPr b="0" lang="en-IN" sz="1800" spc="-1" strike="noStrike">
+                <a:solidFill>
+                  <a:srgbClr val="808080"/>
+                </a:solidFill>
+                <a:latin typeface="Consolas"/>
+                <a:ea typeface="SimSun"/>
+              </a:rPr>
+              <a:t>127.0.0.1:6379</a:t>
+            </a:r>
+            <a:r>
+              <a:rPr b="1" lang="en-IN" sz="1800" spc="-1" strike="noStrike">
+                <a:solidFill>
+                  <a:srgbClr val="808080"/>
+                </a:solidFill>
+                <a:latin typeface="Consolas"/>
+                <a:ea typeface="SimSun"/>
+              </a:rPr>
+              <a:t>[5]</a:t>
+            </a:r>
+            <a:r>
+              <a:rPr b="0" lang="en-IN" sz="1800" spc="-1" strike="noStrike">
+                <a:solidFill>
+                  <a:srgbClr val="808080"/>
+                </a:solidFill>
+                <a:latin typeface="Consolas"/>
+                <a:ea typeface="SimSun"/>
+              </a:rPr>
+              <a:t>&gt;</a:t>
+            </a:r>
+            <a:r>
+              <a:rPr b="0" lang="en-IN" sz="1800" spc="-1" strike="noStrike">
+                <a:solidFill>
+                  <a:srgbClr val="000000"/>
+                </a:solidFill>
+                <a:latin typeface="Consolas"/>
+                <a:ea typeface="SimSun"/>
+              </a:rPr>
+              <a:t> </a:t>
+            </a:r>
+            <a:r>
+              <a:rPr b="0" lang="en-IN" sz="1800" spc="-1" strike="noStrike">
+                <a:solidFill>
+                  <a:srgbClr val="ff5733"/>
+                </a:solidFill>
+                <a:latin typeface="Consolas"/>
+                <a:ea typeface="SimSun"/>
+              </a:rPr>
+              <a:t>eval "local x=redis.call('mget', KEYS[1], KEYS[2], KEYS[3]) return x" 3 a b c</a:t>
+            </a:r>
+            <a:endParaRPr b="0" lang="en-IN" sz="1800" spc="-1" strike="noStrike">
+              <a:latin typeface="Arial"/>
+            </a:endParaRPr>
+          </a:p>
+          <a:p>
+            <a:pPr>
+              <a:lnSpc>
+                <a:spcPct val="150000"/>
+              </a:lnSpc>
+            </a:pPr>
+            <a:r>
+              <a:rPr b="0" lang="en-IN" sz="1800" spc="-1" strike="noStrike">
+                <a:solidFill>
+                  <a:srgbClr val="808080"/>
+                </a:solidFill>
+                <a:latin typeface="Consolas"/>
+                <a:ea typeface="SimSun"/>
+              </a:rPr>
+              <a:t>127.0.0.1:6379</a:t>
+            </a:r>
+            <a:r>
+              <a:rPr b="1" lang="en-IN" sz="1800" spc="-1" strike="noStrike">
+                <a:solidFill>
+                  <a:srgbClr val="808080"/>
+                </a:solidFill>
+                <a:latin typeface="Consolas"/>
+                <a:ea typeface="SimSun"/>
+              </a:rPr>
+              <a:t>[5]</a:t>
+            </a:r>
+            <a:r>
+              <a:rPr b="0" lang="en-IN" sz="1800" spc="-1" strike="noStrike">
+                <a:solidFill>
+                  <a:srgbClr val="808080"/>
+                </a:solidFill>
+                <a:latin typeface="Consolas"/>
+                <a:ea typeface="SimSun"/>
+              </a:rPr>
+              <a:t>&gt;</a:t>
+            </a:r>
+            <a:r>
+              <a:rPr b="0" lang="en-IN" sz="1800" spc="-1" strike="noStrike">
+                <a:solidFill>
+                  <a:srgbClr val="000000"/>
+                </a:solidFill>
+                <a:latin typeface="Consolas"/>
+                <a:ea typeface="SimSun"/>
+              </a:rPr>
+              <a:t> </a:t>
+            </a:r>
+            <a:r>
+              <a:rPr b="0" lang="en-IN" sz="1800" spc="-1" strike="noStrike">
+                <a:solidFill>
+                  <a:srgbClr val="ff5733"/>
+                </a:solidFill>
+                <a:latin typeface="Consolas"/>
+                <a:ea typeface="SimSun"/>
+              </a:rPr>
+              <a:t>eval "return redis.call('mget', KEYS[1], KEYS[2], KEYS[3])" 3 a b c</a:t>
             </a:r>
             <a:endParaRPr b="0" lang="en-IN" sz="1800" spc="-1" strike="noStrike">
               <a:latin typeface="Arial"/>
@@ -33973,14 +35127,14 @@
       </p:grpSpPr>
       <p:sp>
         <p:nvSpPr>
-          <p:cNvPr id="377" name="CustomShape 1"/>
+          <p:cNvPr id="383" name="CustomShape 1"/>
           <p:cNvSpPr/>
           <p:nvPr/>
         </p:nvSpPr>
         <p:spPr>
           <a:xfrm>
-            <a:off x="1368000" y="1669320"/>
-            <a:ext cx="3666960" cy="2933640"/>
+            <a:off x="1365840" y="188640"/>
+            <a:ext cx="9666000" cy="2192400"/>
           </a:xfrm>
           <a:prstGeom prst="rect">
             <a:avLst/>
@@ -33998,253 +35152,63 @@
         </p:style>
         <p:txBody>
           <a:bodyPr lIns="90000" rIns="90000" tIns="45000" bIns="45000">
-            <a:noAutofit/>
+            <a:spAutoFit/>
           </a:bodyPr>
           <a:p>
-            <a:pPr>
-              <a:lnSpc>
-                <a:spcPct val="100000"/>
-              </a:lnSpc>
-            </a:pPr>
-            <a:r>
-              <a:rPr b="0" lang="en-IN" sz="1800" spc="-1" strike="noStrike">
-                <a:solidFill>
-                  <a:srgbClr val="000000"/>
-                </a:solidFill>
-                <a:latin typeface="Arial"/>
-                <a:ea typeface="DejaVu Sans"/>
-              </a:rPr>
-              <a:t>redis-cli --eval  app.lua</a:t>
-            </a:r>
-            <a:endParaRPr b="0" lang="en-IN" sz="1800" spc="-1" strike="noStrike">
-              <a:latin typeface="Arial"/>
-            </a:endParaRPr>
-          </a:p>
-          <a:p>
-            <a:pPr>
-              <a:lnSpc>
-                <a:spcPct val="100000"/>
-              </a:lnSpc>
-            </a:pPr>
-            <a:endParaRPr b="0" lang="en-IN" sz="1800" spc="-1" strike="noStrike">
-              <a:latin typeface="Arial"/>
-            </a:endParaRPr>
-          </a:p>
-          <a:p>
-            <a:pPr>
-              <a:lnSpc>
-                <a:spcPct val="100000"/>
-              </a:lnSpc>
-            </a:pPr>
-            <a:r>
-              <a:rPr b="1" lang="en-IN" sz="1800" spc="-1" strike="noStrike">
-                <a:solidFill>
-                  <a:srgbClr val="7f0055"/>
-                </a:solidFill>
-                <a:latin typeface="Monospace"/>
-                <a:ea typeface="Monospace"/>
-              </a:rPr>
-              <a:t>local</a:t>
-            </a:r>
-            <a:r>
-              <a:rPr b="0" lang="en-IN" sz="1800" spc="-1" strike="noStrike">
-                <a:solidFill>
-                  <a:srgbClr val="000000"/>
-                </a:solidFill>
-                <a:latin typeface="Monospace"/>
-                <a:ea typeface="Monospace"/>
-              </a:rPr>
-              <a:t> </a:t>
-            </a:r>
-            <a:r>
-              <a:rPr b="1" lang="en-IN" sz="1800" spc="-1" strike="noStrike">
-                <a:solidFill>
-                  <a:srgbClr val="7f0055"/>
-                </a:solidFill>
-                <a:latin typeface="Monospace"/>
-                <a:ea typeface="Monospace"/>
-              </a:rPr>
-              <a:t>function</a:t>
-            </a:r>
-            <a:r>
-              <a:rPr b="0" lang="en-IN" sz="1800" spc="-1" strike="noStrike">
-                <a:solidFill>
-                  <a:srgbClr val="000000"/>
-                </a:solidFill>
-                <a:latin typeface="Monospace"/>
-                <a:ea typeface="Monospace"/>
-              </a:rPr>
-              <a:t> </a:t>
-            </a:r>
-            <a:r>
-              <a:rPr b="0" lang="en-IN" sz="1800" spc="-1" strike="noStrike">
-                <a:solidFill>
-                  <a:srgbClr val="676767"/>
-                </a:solidFill>
-                <a:latin typeface="Monospace"/>
-                <a:ea typeface="Monospace"/>
-              </a:rPr>
-              <a:t>fn1</a:t>
-            </a:r>
-            <a:r>
-              <a:rPr b="0" lang="en-IN" sz="1800" spc="-1" strike="noStrike">
-                <a:solidFill>
-                  <a:srgbClr val="000000"/>
-                </a:solidFill>
-                <a:latin typeface="Monospace"/>
-                <a:ea typeface="Monospace"/>
-              </a:rPr>
-              <a:t>()</a:t>
-            </a:r>
-            <a:endParaRPr b="0" lang="en-IN" sz="1800" spc="-1" strike="noStrike">
-              <a:latin typeface="Arial"/>
-            </a:endParaRPr>
-          </a:p>
-          <a:p>
-            <a:pPr>
-              <a:lnSpc>
-                <a:spcPct val="100000"/>
-              </a:lnSpc>
-            </a:pPr>
-            <a:r>
-              <a:rPr b="0" lang="en-IN" sz="1800" spc="-1" strike="noStrike">
-                <a:solidFill>
-                  <a:srgbClr val="000000"/>
-                </a:solidFill>
-                <a:latin typeface="Monospace"/>
-                <a:ea typeface="Monospace"/>
-              </a:rPr>
-              <a:t>  </a:t>
-            </a:r>
-            <a:r>
-              <a:rPr b="1" lang="en-IN" sz="1800" spc="-1" strike="noStrike">
-                <a:solidFill>
-                  <a:srgbClr val="7f0055"/>
-                </a:solidFill>
-                <a:latin typeface="Monospace"/>
-                <a:ea typeface="Monospace"/>
-              </a:rPr>
-              <a:t>return</a:t>
-            </a:r>
-            <a:r>
-              <a:rPr b="0" lang="en-IN" sz="1800" spc="-1" strike="noStrike">
-                <a:solidFill>
-                  <a:srgbClr val="000000"/>
-                </a:solidFill>
-                <a:latin typeface="Monospace"/>
-                <a:ea typeface="Monospace"/>
-              </a:rPr>
-              <a:t> </a:t>
-            </a:r>
-            <a:r>
-              <a:rPr b="0" lang="en-IN" sz="1800" spc="-1" strike="noStrike">
-                <a:solidFill>
-                  <a:srgbClr val="2a00ff"/>
-                </a:solidFill>
-                <a:latin typeface="Monospace"/>
-                <a:ea typeface="Monospace"/>
-              </a:rPr>
-              <a:t>"Hello Saleel"</a:t>
-            </a:r>
-            <a:endParaRPr b="0" lang="en-IN" sz="1800" spc="-1" strike="noStrike">
-              <a:latin typeface="Arial"/>
-            </a:endParaRPr>
-          </a:p>
-          <a:p>
-            <a:pPr>
-              <a:lnSpc>
-                <a:spcPct val="100000"/>
-              </a:lnSpc>
-            </a:pPr>
-            <a:r>
-              <a:rPr b="0" lang="en-IN" sz="1800" spc="-1" strike="noStrike">
-                <a:solidFill>
-                  <a:srgbClr val="000000"/>
-                </a:solidFill>
-                <a:latin typeface="Monospace"/>
-                <a:ea typeface="Monospace"/>
-              </a:rPr>
-              <a:t>  </a:t>
-            </a:r>
-            <a:r>
-              <a:rPr b="1" lang="en-IN" sz="1800" spc="-1" strike="noStrike">
-                <a:solidFill>
-                  <a:srgbClr val="7f0055"/>
-                </a:solidFill>
-                <a:latin typeface="Monospace"/>
-                <a:ea typeface="Monospace"/>
-              </a:rPr>
-              <a:t>end</a:t>
-            </a:r>
-            <a:endParaRPr b="0" lang="en-IN" sz="1800" spc="-1" strike="noStrike">
-              <a:latin typeface="Arial"/>
-            </a:endParaRPr>
-          </a:p>
-          <a:p>
-            <a:pPr>
-              <a:lnSpc>
-                <a:spcPct val="100000"/>
-              </a:lnSpc>
-            </a:pPr>
-            <a:r>
-              <a:rPr b="0" lang="en-IN" sz="1800" spc="-1" strike="noStrike">
-                <a:solidFill>
-                  <a:srgbClr val="000000"/>
-                </a:solidFill>
-                <a:latin typeface="Monospace"/>
-                <a:ea typeface="Monospace"/>
-              </a:rPr>
-              <a:t> </a:t>
-            </a:r>
-            <a:endParaRPr b="0" lang="en-IN" sz="1800" spc="-1" strike="noStrike">
-              <a:latin typeface="Arial"/>
-            </a:endParaRPr>
-          </a:p>
-          <a:p>
-            <a:pPr>
-              <a:lnSpc>
-                <a:spcPct val="100000"/>
-              </a:lnSpc>
-            </a:pPr>
-            <a:r>
-              <a:rPr b="1" lang="en-IN" sz="1800" spc="-1" strike="noStrike">
-                <a:solidFill>
-                  <a:srgbClr val="7f0055"/>
-                </a:solidFill>
-                <a:latin typeface="Monospace"/>
-                <a:ea typeface="Monospace"/>
-              </a:rPr>
-              <a:t>return</a:t>
-            </a:r>
-            <a:r>
-              <a:rPr b="0" lang="en-IN" sz="1800" spc="-1" strike="noStrike">
-                <a:solidFill>
-                  <a:srgbClr val="000000"/>
-                </a:solidFill>
-                <a:latin typeface="Monospace"/>
-                <a:ea typeface="Monospace"/>
-              </a:rPr>
-              <a:t> </a:t>
-            </a:r>
-            <a:r>
-              <a:rPr b="0" lang="en-IN" sz="1800" spc="-1" strike="noStrike">
-                <a:solidFill>
-                  <a:srgbClr val="676767"/>
-                </a:solidFill>
-                <a:latin typeface="Monospace"/>
-                <a:ea typeface="Monospace"/>
-              </a:rPr>
-              <a:t>fn1</a:t>
-            </a:r>
-            <a:r>
-              <a:rPr b="0" lang="en-IN" sz="1800" spc="-1" strike="noStrike">
-                <a:solidFill>
-                  <a:srgbClr val="000000"/>
-                </a:solidFill>
-                <a:latin typeface="Monospace"/>
-                <a:ea typeface="Monospace"/>
-              </a:rPr>
-              <a:t>()</a:t>
+            <a:pPr algn="ctr">
+              <a:lnSpc>
+                <a:spcPct val="100000"/>
+              </a:lnSpc>
+            </a:pPr>
+            <a:r>
+              <a:rPr b="0" lang="en-IN" sz="4000" spc="-1" strike="noStrike">
+                <a:solidFill>
+                  <a:srgbClr val="ff5733"/>
+                </a:solidFill>
+                <a:latin typeface="Segoe Print"/>
+                <a:ea typeface="DejaVu Sans"/>
+              </a:rPr>
+              <a:t>“</a:t>
+            </a:r>
+            <a:r>
+              <a:rPr b="0" lang="en-US" sz="4000" spc="-1" strike="noStrike">
+                <a:solidFill>
+                  <a:srgbClr val="ff5733"/>
+                </a:solidFill>
+                <a:latin typeface="Segoe Print"/>
+                <a:ea typeface="DejaVu Sans"/>
+              </a:rPr>
+              <a:t>Accept your past without regret, handle our present with confidence and face your future without fear.</a:t>
+            </a:r>
+            <a:r>
+              <a:rPr b="0" lang="en-IN" sz="4000" spc="-1" strike="noStrike">
+                <a:solidFill>
+                  <a:srgbClr val="ff5733"/>
+                </a:solidFill>
+                <a:latin typeface="Segoe Print"/>
+                <a:ea typeface="DejaVu Sans"/>
+              </a:rPr>
+              <a:t>”</a:t>
+            </a:r>
+            <a:endParaRPr b="0" lang="en-IN" sz="4000" spc="-1" strike="noStrike">
+              <a:latin typeface="Arial"/>
+            </a:endParaRPr>
+          </a:p>
+          <a:p>
+            <a:pPr algn="r">
+              <a:lnSpc>
+                <a:spcPct val="100000"/>
+              </a:lnSpc>
+            </a:pPr>
+            <a:r>
+              <a:rPr b="0" lang="en-IN" sz="1800" spc="-1" strike="noStrike">
+                <a:solidFill>
+                  <a:srgbClr val="111111"/>
+                </a:solidFill>
+                <a:latin typeface="-apple-system"/>
+                <a:ea typeface="DejaVu Sans"/>
+              </a:rPr>
+              <a:t>~ Dr. APJ. Abdul Kalam</a:t>
             </a:r>
             <a:endParaRPr b="0" lang="en-IN" sz="1800" spc="-1" strike="noStrike">
               <a:latin typeface="Arial"/>
@@ -34252,6 +35216,29 @@
           </a:p>
         </p:txBody>
       </p:sp>
+      <p:pic>
+        <p:nvPicPr>
+          <p:cNvPr id="384" name="Picture 2" descr="http://www.bvctch.vn/vnt_upload/weblink/thks.jpg"/>
+          <p:cNvPicPr/>
+          <p:nvPr/>
+        </p:nvPicPr>
+        <p:blipFill>
+          <a:blip r:embed="rId1"/>
+          <a:stretch/>
+        </p:blipFill>
+        <p:spPr>
+          <a:xfrm>
+            <a:off x="4404600" y="2036160"/>
+            <a:ext cx="3109680" cy="4646520"/>
+          </a:xfrm>
+          <a:prstGeom prst="rect">
+            <a:avLst/>
+          </a:prstGeom>
+          <a:ln>
+            <a:noFill/>
+          </a:ln>
+        </p:spPr>
+      </p:pic>
     </p:spTree>
   </p:cSld>
   <mc:AlternateContent>
@@ -34282,9 +35269,726 @@
           <a:chExt cx="0" cy="0"/>
         </a:xfrm>
       </p:grpSpPr>
+      <p:sp>
+        <p:nvSpPr>
+          <p:cNvPr id="385" name="CustomShape 1"/>
+          <p:cNvSpPr/>
+          <p:nvPr/>
+        </p:nvSpPr>
+        <p:spPr>
+          <a:xfrm>
+            <a:off x="474480" y="2448000"/>
+            <a:ext cx="10390680" cy="2387520"/>
+          </a:xfrm>
+          <a:prstGeom prst="rect">
+            <a:avLst/>
+          </a:prstGeom>
+          <a:noFill/>
+          <a:ln>
+            <a:noFill/>
+          </a:ln>
+        </p:spPr>
+        <p:style>
+          <a:lnRef idx="0"/>
+          <a:fillRef idx="0"/>
+          <a:effectRef idx="0"/>
+          <a:fontRef idx="minor"/>
+        </p:style>
+        <p:txBody>
+          <a:bodyPr lIns="90000" rIns="90000" tIns="45000" bIns="45000">
+            <a:noAutofit/>
+          </a:bodyPr>
+          <a:p>
+            <a:pPr>
+              <a:lnSpc>
+                <a:spcPct val="100000"/>
+              </a:lnSpc>
+            </a:pPr>
+            <a:r>
+              <a:rPr b="0" lang="en-IN" sz="1800" spc="-1" strike="noStrike">
+                <a:solidFill>
+                  <a:srgbClr val="000000"/>
+                </a:solidFill>
+                <a:latin typeface="Arial"/>
+                <a:ea typeface="DejaVu Sans"/>
+              </a:rPr>
+              <a:t>The INFO command returns information and statistics about the server in a format that is simple to parse by computers and easy to read by humans. </a:t>
+            </a:r>
+            <a:endParaRPr b="0" lang="en-IN" sz="1800" spc="-1" strike="noStrike">
+              <a:latin typeface="Arial"/>
+            </a:endParaRPr>
+          </a:p>
+          <a:p>
+            <a:pPr>
+              <a:lnSpc>
+                <a:spcPct val="100000"/>
+              </a:lnSpc>
+            </a:pPr>
+            <a:endParaRPr b="0" lang="en-IN" sz="1800" spc="-1" strike="noStrike">
+              <a:latin typeface="Arial"/>
+            </a:endParaRPr>
+          </a:p>
+          <a:p>
+            <a:pPr marL="216000" indent="-209160">
+              <a:lnSpc>
+                <a:spcPct val="100000"/>
+              </a:lnSpc>
+              <a:buClr>
+                <a:srgbClr val="000000"/>
+              </a:buClr>
+              <a:buSzPct val="45000"/>
+              <a:buFont typeface="Wingdings" charset="2"/>
+              <a:buChar char=""/>
+            </a:pPr>
+            <a:r>
+              <a:rPr b="0" lang="en-IN" sz="1800" spc="-1" strike="noStrike">
+                <a:solidFill>
+                  <a:srgbClr val="000000"/>
+                </a:solidFill>
+                <a:latin typeface="Arial"/>
+                <a:ea typeface="DejaVu Sans"/>
+              </a:rPr>
+              <a:t>info server</a:t>
+            </a:r>
+            <a:endParaRPr b="0" lang="en-IN" sz="1800" spc="-1" strike="noStrike">
+              <a:latin typeface="Arial"/>
+            </a:endParaRPr>
+          </a:p>
+          <a:p>
+            <a:pPr marL="216000" indent="-209160">
+              <a:lnSpc>
+                <a:spcPct val="100000"/>
+              </a:lnSpc>
+              <a:buClr>
+                <a:srgbClr val="000000"/>
+              </a:buClr>
+              <a:buSzPct val="45000"/>
+              <a:buFont typeface="Wingdings" charset="2"/>
+              <a:buChar char=""/>
+            </a:pPr>
+            <a:r>
+              <a:rPr b="0" lang="en-IN" sz="1800" spc="-1" strike="noStrike">
+                <a:solidFill>
+                  <a:srgbClr val="000000"/>
+                </a:solidFill>
+                <a:latin typeface="Arial"/>
+                <a:ea typeface="DejaVu Sans"/>
+              </a:rPr>
+              <a:t>info clients</a:t>
+            </a:r>
+            <a:endParaRPr b="0" lang="en-IN" sz="1800" spc="-1" strike="noStrike">
+              <a:latin typeface="Arial"/>
+            </a:endParaRPr>
+          </a:p>
+          <a:p>
+            <a:pPr marL="216000" indent="-209160">
+              <a:lnSpc>
+                <a:spcPct val="100000"/>
+              </a:lnSpc>
+              <a:buClr>
+                <a:srgbClr val="000000"/>
+              </a:buClr>
+              <a:buSzPct val="45000"/>
+              <a:buFont typeface="Wingdings" charset="2"/>
+              <a:buChar char=""/>
+            </a:pPr>
+            <a:r>
+              <a:rPr b="0" lang="en-IN" sz="1800" spc="-1" strike="noStrike">
+                <a:solidFill>
+                  <a:srgbClr val="000000"/>
+                </a:solidFill>
+                <a:latin typeface="Arial"/>
+                <a:ea typeface="DejaVu Sans"/>
+              </a:rPr>
+              <a:t>info Keyspace</a:t>
+            </a:r>
+            <a:endParaRPr b="0" lang="en-IN" sz="1800" spc="-1" strike="noStrike">
+              <a:latin typeface="Arial"/>
+            </a:endParaRPr>
+          </a:p>
+          <a:p>
+            <a:pPr marL="216000" indent="-209160">
+              <a:lnSpc>
+                <a:spcPct val="100000"/>
+              </a:lnSpc>
+              <a:buClr>
+                <a:srgbClr val="000000"/>
+              </a:buClr>
+              <a:buSzPct val="45000"/>
+              <a:buFont typeface="Wingdings" charset="2"/>
+              <a:buChar char=""/>
+            </a:pPr>
+            <a:r>
+              <a:rPr b="0" lang="en-IN" sz="1800" spc="-1" strike="noStrike">
+                <a:solidFill>
+                  <a:srgbClr val="000000"/>
+                </a:solidFill>
+                <a:latin typeface="Arial"/>
+                <a:ea typeface="DejaVu Sans"/>
+              </a:rPr>
+              <a:t>info modules</a:t>
+            </a:r>
+            <a:endParaRPr b="0" lang="en-IN" sz="1800" spc="-1" strike="noStrike">
+              <a:latin typeface="Arial"/>
+            </a:endParaRPr>
+          </a:p>
+          <a:p>
+            <a:pPr marL="216000" indent="-209160">
+              <a:lnSpc>
+                <a:spcPct val="100000"/>
+              </a:lnSpc>
+              <a:buClr>
+                <a:srgbClr val="000000"/>
+              </a:buClr>
+              <a:buSzPct val="45000"/>
+              <a:buFont typeface="Wingdings" charset="2"/>
+              <a:buChar char=""/>
+            </a:pPr>
+            <a:r>
+              <a:rPr b="0" lang="en-IN" sz="1800" spc="-1" strike="noStrike">
+                <a:solidFill>
+                  <a:srgbClr val="000000"/>
+                </a:solidFill>
+                <a:latin typeface="Arial"/>
+                <a:ea typeface="DejaVu Sans"/>
+              </a:rPr>
+              <a:t>info all</a:t>
+            </a:r>
+            <a:endParaRPr b="0" lang="en-IN" sz="1800" spc="-1" strike="noStrike">
+              <a:latin typeface="Arial"/>
+            </a:endParaRPr>
+          </a:p>
+        </p:txBody>
+      </p:sp>
+      <p:sp>
+        <p:nvSpPr>
+          <p:cNvPr id="386" name="CustomShape 2"/>
+          <p:cNvSpPr/>
+          <p:nvPr/>
+        </p:nvSpPr>
+        <p:spPr>
+          <a:xfrm>
+            <a:off x="363600" y="193320"/>
+            <a:ext cx="4237560" cy="591840"/>
+          </a:xfrm>
+          <a:prstGeom prst="rect">
+            <a:avLst/>
+          </a:prstGeom>
+          <a:noFill/>
+          <a:ln>
+            <a:noFill/>
+          </a:ln>
+        </p:spPr>
+        <p:style>
+          <a:lnRef idx="0"/>
+          <a:fillRef idx="0"/>
+          <a:effectRef idx="0"/>
+          <a:fontRef idx="minor"/>
+        </p:style>
+        <p:txBody>
+          <a:bodyPr lIns="90000" rIns="90000" tIns="45000" bIns="45000">
+            <a:noAutofit/>
+          </a:bodyPr>
+          <a:p>
+            <a:pPr>
+              <a:lnSpc>
+                <a:spcPct val="100000"/>
+              </a:lnSpc>
+            </a:pPr>
+            <a:r>
+              <a:rPr b="0" lang="en-IN" sz="1800" spc="-1" strike="noStrike">
+                <a:solidFill>
+                  <a:srgbClr val="000000"/>
+                </a:solidFill>
+                <a:latin typeface="Arial"/>
+                <a:ea typeface="DejaVu Sans"/>
+              </a:rPr>
+              <a:t>SAVE</a:t>
+            </a:r>
+            <a:endParaRPr b="0" lang="en-IN" sz="1800" spc="-1" strike="noStrike">
+              <a:latin typeface="Arial"/>
+            </a:endParaRPr>
+          </a:p>
+          <a:p>
+            <a:pPr>
+              <a:lnSpc>
+                <a:spcPct val="100000"/>
+              </a:lnSpc>
+            </a:pPr>
+            <a:r>
+              <a:rPr b="0" lang="en-IN" sz="1800" spc="-1" strike="noStrike">
+                <a:solidFill>
+                  <a:srgbClr val="000000"/>
+                </a:solidFill>
+                <a:latin typeface="Arial"/>
+                <a:ea typeface="DejaVu Sans"/>
+              </a:rPr>
+              <a:t>Config get dir  /var/lib/redis</a:t>
+            </a:r>
+            <a:endParaRPr b="0" lang="en-IN" sz="1800" spc="-1" strike="noStrike">
+              <a:latin typeface="Arial"/>
+            </a:endParaRPr>
+          </a:p>
+        </p:txBody>
+      </p:sp>
+      <p:sp>
+        <p:nvSpPr>
+          <p:cNvPr id="387" name="CustomShape 3"/>
+          <p:cNvSpPr/>
+          <p:nvPr/>
+        </p:nvSpPr>
+        <p:spPr>
+          <a:xfrm>
+            <a:off x="504000" y="5760000"/>
+            <a:ext cx="11153160" cy="595440"/>
+          </a:xfrm>
+          <a:prstGeom prst="rect">
+            <a:avLst/>
+          </a:prstGeom>
+          <a:noFill/>
+          <a:ln>
+            <a:noFill/>
+          </a:ln>
+        </p:spPr>
+        <p:style>
+          <a:lnRef idx="0"/>
+          <a:fillRef idx="0"/>
+          <a:effectRef idx="0"/>
+          <a:fontRef idx="minor"/>
+        </p:style>
+        <p:txBody>
+          <a:bodyPr lIns="90000" rIns="90000" tIns="45000" bIns="45000">
+            <a:noAutofit/>
+          </a:bodyPr>
+          <a:p>
+            <a:pPr>
+              <a:lnSpc>
+                <a:spcPct val="100000"/>
+              </a:lnSpc>
+            </a:pPr>
+            <a:r>
+              <a:rPr b="0" lang="en-IN" sz="1800" spc="-1" strike="noStrike" u="sng">
+                <a:solidFill>
+                  <a:srgbClr val="b292ca"/>
+                </a:solidFill>
+                <a:uFillTx/>
+                <a:latin typeface="Arial"/>
+                <a:ea typeface="DejaVu Sans"/>
+                <a:hlinkClick r:id="rId1"/>
+              </a:rPr>
+              <a:t>saleel@saleel-Latitude-E6430</a:t>
+            </a:r>
+            <a:r>
+              <a:rPr b="0" lang="en-IN" sz="1800" spc="-1" strike="noStrike">
+                <a:solidFill>
+                  <a:srgbClr val="b292ca"/>
+                </a:solidFill>
+                <a:latin typeface="Arial"/>
+                <a:ea typeface="DejaVu Sans"/>
+              </a:rPr>
+              <a:t>:~$ redis-cli --csv -h 127.0.0.1 -p 6379 -n 3  hgetall cust:2 &gt;&gt; customer</a:t>
+            </a:r>
+            <a:endParaRPr b="0" lang="en-IN" sz="1800" spc="-1" strike="noStrike">
+              <a:latin typeface="Arial"/>
+            </a:endParaRPr>
+          </a:p>
+        </p:txBody>
+      </p:sp>
+      <p:sp>
+        <p:nvSpPr>
+          <p:cNvPr id="388" name="CustomShape 4"/>
+          <p:cNvSpPr/>
+          <p:nvPr/>
+        </p:nvSpPr>
+        <p:spPr>
+          <a:xfrm>
+            <a:off x="9648000" y="4014000"/>
+            <a:ext cx="2153160" cy="299160"/>
+          </a:xfrm>
+          <a:prstGeom prst="rect">
+            <a:avLst/>
+          </a:prstGeom>
+          <a:noFill/>
+          <a:ln>
+            <a:noFill/>
+          </a:ln>
+        </p:spPr>
+        <p:style>
+          <a:lnRef idx="0"/>
+          <a:fillRef idx="0"/>
+          <a:effectRef idx="0"/>
+          <a:fontRef idx="minor"/>
+        </p:style>
+        <p:txBody>
+          <a:bodyPr lIns="0" rIns="0" tIns="0" bIns="0">
+            <a:noAutofit/>
+          </a:bodyPr>
+          <a:p>
+            <a:pPr>
+              <a:lnSpc>
+                <a:spcPct val="100000"/>
+              </a:lnSpc>
+            </a:pPr>
+            <a:r>
+              <a:rPr b="0" lang="en-IN" sz="1800" spc="-1" strike="noStrike">
+                <a:solidFill>
+                  <a:srgbClr val="000000"/>
+                </a:solidFill>
+                <a:latin typeface="Arial"/>
+                <a:ea typeface="DejaVu Sans"/>
+              </a:rPr>
+              <a:t>redis-cli monitor</a:t>
+            </a:r>
+            <a:endParaRPr b="0" lang="en-IN" sz="1800" spc="-1" strike="noStrike">
+              <a:latin typeface="Arial"/>
+            </a:endParaRPr>
+          </a:p>
+        </p:txBody>
+      </p:sp>
+    </p:spTree>
+  </p:cSld>
+  <mc:AlternateContent>
+    <mc:Choice Requires="p14">
+      <p:transition spd="slow" p14:dur="2000"/>
+    </mc:Choice>
+    <mc:Fallback>
+      <p:transition spd="slow"/>
+    </mc:Fallback>
+  </mc:AlternateContent>
+</p:sld>
+</file>
+
+<file path=ppt/slides/slide76.xml><?xml version="1.0" encoding="utf-8"?>
+<p:sld xmlns:a="http://schemas.openxmlformats.org/drawingml/2006/main" xmlns:p="http://schemas.openxmlformats.org/presentationml/2006/main" xmlns:r="http://schemas.openxmlformats.org/officeDocument/2006/relationships" xmlns:p14="http://schemas.microsoft.com/office/powerpoint/2010/main" xmlns:p15="http://schemas.microsoft.com/office/powerpoint/2012/main" xmlns:mc="http://schemas.openxmlformats.org/markup-compatibility/2006">
+  <p:cSld>
+    <p:spTree>
+      <p:nvGrpSpPr>
+        <p:cNvPr id="1" name=""/>
+        <p:cNvGrpSpPr/>
+        <p:nvPr/>
+      </p:nvGrpSpPr>
+      <p:grpSpPr>
+        <a:xfrm>
+          <a:off x="0" y="0"/>
+          <a:ext cx="0" cy="0"/>
+          <a:chOff x="0" y="0"/>
+          <a:chExt cx="0" cy="0"/>
+        </a:xfrm>
+      </p:grpSpPr>
+      <p:sp>
+        <p:nvSpPr>
+          <p:cNvPr id="389" name="CustomShape 1"/>
+          <p:cNvSpPr/>
+          <p:nvPr/>
+        </p:nvSpPr>
+        <p:spPr>
+          <a:xfrm>
+            <a:off x="1368000" y="1669320"/>
+            <a:ext cx="3666600" cy="2933280"/>
+          </a:xfrm>
+          <a:prstGeom prst="rect">
+            <a:avLst/>
+          </a:prstGeom>
+          <a:noFill/>
+          <a:ln>
+            <a:noFill/>
+          </a:ln>
+        </p:spPr>
+        <p:style>
+          <a:lnRef idx="0"/>
+          <a:fillRef idx="0"/>
+          <a:effectRef idx="0"/>
+          <a:fontRef idx="minor"/>
+        </p:style>
+        <p:txBody>
+          <a:bodyPr lIns="90000" rIns="90000" tIns="45000" bIns="45000">
+            <a:noAutofit/>
+          </a:bodyPr>
+          <a:p>
+            <a:pPr>
+              <a:lnSpc>
+                <a:spcPct val="100000"/>
+              </a:lnSpc>
+            </a:pPr>
+            <a:r>
+              <a:rPr b="0" lang="en-IN" sz="1800" spc="-1" strike="noStrike">
+                <a:solidFill>
+                  <a:srgbClr val="000000"/>
+                </a:solidFill>
+                <a:latin typeface="Arial"/>
+                <a:ea typeface="DejaVu Sans"/>
+              </a:rPr>
+              <a:t>redis-cli --eval  app.lua</a:t>
+            </a:r>
+            <a:endParaRPr b="0" lang="en-IN" sz="1800" spc="-1" strike="noStrike">
+              <a:latin typeface="Arial"/>
+            </a:endParaRPr>
+          </a:p>
+          <a:p>
+            <a:pPr>
+              <a:lnSpc>
+                <a:spcPct val="100000"/>
+              </a:lnSpc>
+            </a:pPr>
+            <a:endParaRPr b="0" lang="en-IN" sz="1800" spc="-1" strike="noStrike">
+              <a:latin typeface="Arial"/>
+            </a:endParaRPr>
+          </a:p>
+          <a:p>
+            <a:pPr>
+              <a:lnSpc>
+                <a:spcPct val="100000"/>
+              </a:lnSpc>
+            </a:pPr>
+            <a:r>
+              <a:rPr b="1" lang="en-IN" sz="1800" spc="-1" strike="noStrike">
+                <a:solidFill>
+                  <a:srgbClr val="7f0055"/>
+                </a:solidFill>
+                <a:latin typeface="Monospace"/>
+                <a:ea typeface="Monospace"/>
+              </a:rPr>
+              <a:t>local</a:t>
+            </a:r>
+            <a:r>
+              <a:rPr b="0" lang="en-IN" sz="1800" spc="-1" strike="noStrike">
+                <a:solidFill>
+                  <a:srgbClr val="000000"/>
+                </a:solidFill>
+                <a:latin typeface="Monospace"/>
+                <a:ea typeface="Monospace"/>
+              </a:rPr>
+              <a:t> </a:t>
+            </a:r>
+            <a:r>
+              <a:rPr b="1" lang="en-IN" sz="1800" spc="-1" strike="noStrike">
+                <a:solidFill>
+                  <a:srgbClr val="7f0055"/>
+                </a:solidFill>
+                <a:latin typeface="Monospace"/>
+                <a:ea typeface="Monospace"/>
+              </a:rPr>
+              <a:t>function</a:t>
+            </a:r>
+            <a:r>
+              <a:rPr b="0" lang="en-IN" sz="1800" spc="-1" strike="noStrike">
+                <a:solidFill>
+                  <a:srgbClr val="000000"/>
+                </a:solidFill>
+                <a:latin typeface="Monospace"/>
+                <a:ea typeface="Monospace"/>
+              </a:rPr>
+              <a:t> </a:t>
+            </a:r>
+            <a:r>
+              <a:rPr b="0" lang="en-IN" sz="1800" spc="-1" strike="noStrike">
+                <a:solidFill>
+                  <a:srgbClr val="676767"/>
+                </a:solidFill>
+                <a:latin typeface="Monospace"/>
+                <a:ea typeface="Monospace"/>
+              </a:rPr>
+              <a:t>fn1</a:t>
+            </a:r>
+            <a:r>
+              <a:rPr b="0" lang="en-IN" sz="1800" spc="-1" strike="noStrike">
+                <a:solidFill>
+                  <a:srgbClr val="000000"/>
+                </a:solidFill>
+                <a:latin typeface="Monospace"/>
+                <a:ea typeface="Monospace"/>
+              </a:rPr>
+              <a:t>()</a:t>
+            </a:r>
+            <a:endParaRPr b="0" lang="en-IN" sz="1800" spc="-1" strike="noStrike">
+              <a:latin typeface="Arial"/>
+            </a:endParaRPr>
+          </a:p>
+          <a:p>
+            <a:pPr>
+              <a:lnSpc>
+                <a:spcPct val="100000"/>
+              </a:lnSpc>
+            </a:pPr>
+            <a:r>
+              <a:rPr b="0" lang="en-IN" sz="1800" spc="-1" strike="noStrike">
+                <a:solidFill>
+                  <a:srgbClr val="000000"/>
+                </a:solidFill>
+                <a:latin typeface="Monospace"/>
+                <a:ea typeface="Monospace"/>
+              </a:rPr>
+              <a:t>  </a:t>
+            </a:r>
+            <a:r>
+              <a:rPr b="1" lang="en-IN" sz="1800" spc="-1" strike="noStrike">
+                <a:solidFill>
+                  <a:srgbClr val="7f0055"/>
+                </a:solidFill>
+                <a:latin typeface="Monospace"/>
+                <a:ea typeface="Monospace"/>
+              </a:rPr>
+              <a:t>return</a:t>
+            </a:r>
+            <a:r>
+              <a:rPr b="0" lang="en-IN" sz="1800" spc="-1" strike="noStrike">
+                <a:solidFill>
+                  <a:srgbClr val="000000"/>
+                </a:solidFill>
+                <a:latin typeface="Monospace"/>
+                <a:ea typeface="Monospace"/>
+              </a:rPr>
+              <a:t> </a:t>
+            </a:r>
+            <a:r>
+              <a:rPr b="0" lang="en-IN" sz="1800" spc="-1" strike="noStrike">
+                <a:solidFill>
+                  <a:srgbClr val="2a00ff"/>
+                </a:solidFill>
+                <a:latin typeface="Monospace"/>
+                <a:ea typeface="Monospace"/>
+              </a:rPr>
+              <a:t>"Hello Saleel"</a:t>
+            </a:r>
+            <a:endParaRPr b="0" lang="en-IN" sz="1800" spc="-1" strike="noStrike">
+              <a:latin typeface="Arial"/>
+            </a:endParaRPr>
+          </a:p>
+          <a:p>
+            <a:pPr>
+              <a:lnSpc>
+                <a:spcPct val="100000"/>
+              </a:lnSpc>
+            </a:pPr>
+            <a:r>
+              <a:rPr b="0" lang="en-IN" sz="1800" spc="-1" strike="noStrike">
+                <a:solidFill>
+                  <a:srgbClr val="000000"/>
+                </a:solidFill>
+                <a:latin typeface="Monospace"/>
+                <a:ea typeface="Monospace"/>
+              </a:rPr>
+              <a:t>  </a:t>
+            </a:r>
+            <a:r>
+              <a:rPr b="1" lang="en-IN" sz="1800" spc="-1" strike="noStrike">
+                <a:solidFill>
+                  <a:srgbClr val="7f0055"/>
+                </a:solidFill>
+                <a:latin typeface="Monospace"/>
+                <a:ea typeface="Monospace"/>
+              </a:rPr>
+              <a:t>end</a:t>
+            </a:r>
+            <a:endParaRPr b="0" lang="en-IN" sz="1800" spc="-1" strike="noStrike">
+              <a:latin typeface="Arial"/>
+            </a:endParaRPr>
+          </a:p>
+          <a:p>
+            <a:pPr>
+              <a:lnSpc>
+                <a:spcPct val="100000"/>
+              </a:lnSpc>
+            </a:pPr>
+            <a:r>
+              <a:rPr b="0" lang="en-IN" sz="1800" spc="-1" strike="noStrike">
+                <a:solidFill>
+                  <a:srgbClr val="000000"/>
+                </a:solidFill>
+                <a:latin typeface="Monospace"/>
+                <a:ea typeface="Monospace"/>
+              </a:rPr>
+              <a:t> </a:t>
+            </a:r>
+            <a:endParaRPr b="0" lang="en-IN" sz="1800" spc="-1" strike="noStrike">
+              <a:latin typeface="Arial"/>
+            </a:endParaRPr>
+          </a:p>
+          <a:p>
+            <a:pPr>
+              <a:lnSpc>
+                <a:spcPct val="100000"/>
+              </a:lnSpc>
+            </a:pPr>
+            <a:r>
+              <a:rPr b="1" lang="en-IN" sz="1800" spc="-1" strike="noStrike">
+                <a:solidFill>
+                  <a:srgbClr val="7f0055"/>
+                </a:solidFill>
+                <a:latin typeface="Monospace"/>
+                <a:ea typeface="Monospace"/>
+              </a:rPr>
+              <a:t>return</a:t>
+            </a:r>
+            <a:r>
+              <a:rPr b="0" lang="en-IN" sz="1800" spc="-1" strike="noStrike">
+                <a:solidFill>
+                  <a:srgbClr val="000000"/>
+                </a:solidFill>
+                <a:latin typeface="Monospace"/>
+                <a:ea typeface="Monospace"/>
+              </a:rPr>
+              <a:t> </a:t>
+            </a:r>
+            <a:r>
+              <a:rPr b="0" lang="en-IN" sz="1800" spc="-1" strike="noStrike">
+                <a:solidFill>
+                  <a:srgbClr val="676767"/>
+                </a:solidFill>
+                <a:latin typeface="Monospace"/>
+                <a:ea typeface="Monospace"/>
+              </a:rPr>
+              <a:t>fn1</a:t>
+            </a:r>
+            <a:r>
+              <a:rPr b="0" lang="en-IN" sz="1800" spc="-1" strike="noStrike">
+                <a:solidFill>
+                  <a:srgbClr val="000000"/>
+                </a:solidFill>
+                <a:latin typeface="Monospace"/>
+                <a:ea typeface="Monospace"/>
+              </a:rPr>
+              <a:t>()</a:t>
+            </a:r>
+            <a:endParaRPr b="0" lang="en-IN" sz="1800" spc="-1" strike="noStrike">
+              <a:latin typeface="Arial"/>
+            </a:endParaRPr>
+          </a:p>
+        </p:txBody>
+      </p:sp>
+    </p:spTree>
+  </p:cSld>
+  <mc:AlternateContent>
+    <mc:Choice Requires="p14">
+      <p:transition spd="slow" p14:dur="2000"/>
+    </mc:Choice>
+    <mc:Fallback>
+      <p:transition spd="slow"/>
+    </mc:Fallback>
+  </mc:AlternateContent>
+</p:sld>
+</file>
+
+<file path=ppt/slides/slide77.xml><?xml version="1.0" encoding="utf-8"?>
+<p:sld xmlns:a="http://schemas.openxmlformats.org/drawingml/2006/main" xmlns:p="http://schemas.openxmlformats.org/presentationml/2006/main" xmlns:r="http://schemas.openxmlformats.org/officeDocument/2006/relationships" xmlns:p14="http://schemas.microsoft.com/office/powerpoint/2010/main" xmlns:p15="http://schemas.microsoft.com/office/powerpoint/2012/main" xmlns:mc="http://schemas.openxmlformats.org/markup-compatibility/2006">
+  <p:cSld>
+    <p:spTree>
+      <p:nvGrpSpPr>
+        <p:cNvPr id="1" name=""/>
+        <p:cNvGrpSpPr/>
+        <p:nvPr/>
+      </p:nvGrpSpPr>
+      <p:grpSpPr>
+        <a:xfrm>
+          <a:off x="0" y="0"/>
+          <a:ext cx="0" cy="0"/>
+          <a:chOff x="0" y="0"/>
+          <a:chExt cx="0" cy="0"/>
+        </a:xfrm>
+      </p:grpSpPr>
       <p:pic>
         <p:nvPicPr>
-          <p:cNvPr id="378" name="Picture 356" descr=""/>
+          <p:cNvPr id="390" name="Picture 356" descr=""/>
           <p:cNvPicPr/>
           <p:nvPr/>
         </p:nvPicPr>
@@ -34295,7 +35999,7 @@
         <p:spPr>
           <a:xfrm>
             <a:off x="483840" y="144000"/>
-            <a:ext cx="8583840" cy="6436800"/>
+            <a:ext cx="8583480" cy="6436440"/>
           </a:xfrm>
           <a:prstGeom prst="rect">
             <a:avLst/>
@@ -34344,7 +36048,7 @@
         <p:spPr>
           <a:xfrm>
             <a:off x="248400" y="0"/>
-            <a:ext cx="11696040" cy="699120"/>
+            <a:ext cx="11695680" cy="699120"/>
           </a:xfrm>
           <a:prstGeom prst="rect">
             <a:avLst/>
@@ -34399,7 +36103,7 @@
         <p:spPr>
           <a:xfrm>
             <a:off x="248400" y="762120"/>
-            <a:ext cx="11696040" cy="638280"/>
+            <a:ext cx="11695680" cy="638280"/>
           </a:xfrm>
           <a:prstGeom prst="rect">
             <a:avLst/>
@@ -34460,7 +36164,7 @@
         <p:spPr>
           <a:xfrm>
             <a:off x="1523880" y="4272480"/>
-            <a:ext cx="8873280" cy="2558520"/>
+            <a:ext cx="8872920" cy="2558520"/>
           </a:xfrm>
           <a:prstGeom prst="rect">
             <a:avLst/>
@@ -34481,7 +36185,7 @@
             <a:spAutoFit/>
           </a:bodyPr>
           <a:p>
-            <a:pPr marL="285840" indent="-269280">
+            <a:pPr marL="285840" indent="-268920">
               <a:lnSpc>
                 <a:spcPct val="150000"/>
               </a:lnSpc>
@@ -34526,7 +36230,7 @@
             </a:endParaRPr>
           </a:p>
           <a:p>
-            <a:pPr marL="285840" indent="-269280">
+            <a:pPr marL="285840" indent="-268920">
               <a:lnSpc>
                 <a:spcPct val="150000"/>
               </a:lnSpc>
@@ -34571,7 +36275,7 @@
             </a:endParaRPr>
           </a:p>
           <a:p>
-            <a:pPr marL="285840" indent="-269280">
+            <a:pPr marL="285840" indent="-268920">
               <a:lnSpc>
                 <a:spcPct val="150000"/>
               </a:lnSpc>
@@ -34616,7 +36320,7 @@
             </a:endParaRPr>
           </a:p>
           <a:p>
-            <a:pPr marL="285840" indent="-269280">
+            <a:pPr marL="285840" indent="-268920">
               <a:lnSpc>
                 <a:spcPct val="150000"/>
               </a:lnSpc>
@@ -34661,7 +36365,7 @@
             </a:endParaRPr>
           </a:p>
           <a:p>
-            <a:pPr marL="285840" indent="-269280">
+            <a:pPr marL="285840" indent="-268920">
               <a:lnSpc>
                 <a:spcPct val="150000"/>
               </a:lnSpc>
@@ -34696,7 +36400,7 @@
             </a:endParaRPr>
           </a:p>
           <a:p>
-            <a:pPr marL="285840" indent="-269280">
+            <a:pPr marL="285840" indent="-268920">
               <a:lnSpc>
                 <a:spcPct val="150000"/>
               </a:lnSpc>
@@ -35296,7 +37000,7 @@
         <p:spPr>
           <a:xfrm>
             <a:off x="246600" y="1742040"/>
-            <a:ext cx="11697840" cy="394560"/>
+            <a:ext cx="11697480" cy="394560"/>
           </a:xfrm>
           <a:prstGeom prst="rect">
             <a:avLst/>
@@ -35387,7 +37091,7 @@
         <p:spPr>
           <a:xfrm>
             <a:off x="1676520" y="2362320"/>
-            <a:ext cx="8822520" cy="912600"/>
+            <a:ext cx="8822160" cy="912600"/>
           </a:xfrm>
           <a:prstGeom prst="rect">
             <a:avLst/>
@@ -35438,7 +37142,7 @@
         <p:spPr>
           <a:xfrm>
             <a:off x="522360" y="3531600"/>
-            <a:ext cx="11059560" cy="363960"/>
+            <a:ext cx="11059200" cy="363960"/>
           </a:xfrm>
           <a:prstGeom prst="rect">
             <a:avLst/>

--- a/redis Ver2.pptx
+++ b/redis Ver2.pptx
@@ -89,6 +89,8 @@
     <p:sldId id="336" r:id="rId84"/>
     <p:sldId id="337" r:id="rId85"/>
     <p:sldId id="338" r:id="rId86"/>
+    <p:sldId id="339" r:id="rId87"/>
+    <p:sldId id="340" r:id="rId88"/>
   </p:sldIdLst>
   <p:sldSz cx="12192000" cy="6858000"/>
   <p:notesSz cx="7559675" cy="10691812"/>
@@ -2897,8 +2899,8 @@
         </p:nvSpPr>
         <p:spPr>
           <a:xfrm rot="5400000">
-            <a:off x="607680" y="6447240"/>
-            <a:ext cx="173520" cy="143280"/>
+            <a:off x="608040" y="6447240"/>
+            <a:ext cx="173160" cy="142920"/>
           </a:xfrm>
           <a:prstGeom prst="triangle">
             <a:avLst>
@@ -2939,7 +2941,7 @@
         <p:spPr>
           <a:xfrm>
             <a:off x="1206360" y="3648240"/>
-            <a:ext cx="9736200" cy="1262880"/>
+            <a:ext cx="9735840" cy="1262520"/>
           </a:xfrm>
           <a:prstGeom prst="rect">
             <a:avLst/>
@@ -2981,7 +2983,7 @@
         <p:spPr>
           <a:xfrm>
             <a:off x="1219320" y="5638680"/>
-            <a:ext cx="9736200" cy="668520"/>
+            <a:ext cx="9735840" cy="668160"/>
           </a:xfrm>
           <a:prstGeom prst="rect">
             <a:avLst/>
@@ -3023,7 +3025,7 @@
         <p:spPr>
           <a:xfrm>
             <a:off x="1206360" y="3648240"/>
-            <a:ext cx="287640" cy="1262880"/>
+            <a:ext cx="287280" cy="1262520"/>
           </a:xfrm>
           <a:prstGeom prst="rect">
             <a:avLst/>
@@ -3062,7 +3064,7 @@
         <p:spPr>
           <a:xfrm>
             <a:off x="1219320" y="5638680"/>
-            <a:ext cx="287640" cy="668520"/>
+            <a:ext cx="287280" cy="668160"/>
           </a:xfrm>
           <a:prstGeom prst="rect">
             <a:avLst/>
@@ -3121,151 +3123,7 @@
               <a:rPr b="0" lang="en-IN" sz="4400" spc="-1" strike="noStrike">
                 <a:latin typeface="Arial"/>
               </a:rPr>
-              <a:t>C</a:t>
-            </a:r>
-            <a:r>
-              <a:rPr b="0" lang="en-IN" sz="4400" spc="-1" strike="noStrike">
-                <a:latin typeface="Arial"/>
-              </a:rPr>
-              <a:t>li</a:t>
-            </a:r>
-            <a:r>
-              <a:rPr b="0" lang="en-IN" sz="4400" spc="-1" strike="noStrike">
-                <a:latin typeface="Arial"/>
-              </a:rPr>
-              <a:t>c</a:t>
-            </a:r>
-            <a:r>
-              <a:rPr b="0" lang="en-IN" sz="4400" spc="-1" strike="noStrike">
-                <a:latin typeface="Arial"/>
-              </a:rPr>
-              <a:t>k </a:t>
-            </a:r>
-            <a:r>
-              <a:rPr b="0" lang="en-IN" sz="4400" spc="-1" strike="noStrike">
-                <a:latin typeface="Arial"/>
-              </a:rPr>
-              <a:t>t</a:t>
-            </a:r>
-            <a:r>
-              <a:rPr b="0" lang="en-IN" sz="4400" spc="-1" strike="noStrike">
-                <a:latin typeface="Arial"/>
-              </a:rPr>
-              <a:t>o </a:t>
-            </a:r>
-            <a:r>
-              <a:rPr b="0" lang="en-IN" sz="4400" spc="-1" strike="noStrike">
-                <a:latin typeface="Arial"/>
-              </a:rPr>
-              <a:t>e</a:t>
-            </a:r>
-            <a:r>
-              <a:rPr b="0" lang="en-IN" sz="4400" spc="-1" strike="noStrike">
-                <a:latin typeface="Arial"/>
-              </a:rPr>
-              <a:t>d</a:t>
-            </a:r>
-            <a:r>
-              <a:rPr b="0" lang="en-IN" sz="4400" spc="-1" strike="noStrike">
-                <a:latin typeface="Arial"/>
-              </a:rPr>
-              <a:t>it </a:t>
-            </a:r>
-            <a:r>
-              <a:rPr b="0" lang="en-IN" sz="4400" spc="-1" strike="noStrike">
-                <a:latin typeface="Arial"/>
-              </a:rPr>
-              <a:t>t</a:t>
-            </a:r>
-            <a:r>
-              <a:rPr b="0" lang="en-IN" sz="4400" spc="-1" strike="noStrike">
-                <a:latin typeface="Arial"/>
-              </a:rPr>
-              <a:t>h</a:t>
-            </a:r>
-            <a:r>
-              <a:rPr b="0" lang="en-IN" sz="4400" spc="-1" strike="noStrike">
-                <a:latin typeface="Arial"/>
-              </a:rPr>
-              <a:t>e </a:t>
-            </a:r>
-            <a:r>
-              <a:rPr b="0" lang="en-IN" sz="4400" spc="-1" strike="noStrike">
-                <a:latin typeface="Arial"/>
-              </a:rPr>
-              <a:t>ti</a:t>
-            </a:r>
-            <a:r>
-              <a:rPr b="0" lang="en-IN" sz="4400" spc="-1" strike="noStrike">
-                <a:latin typeface="Arial"/>
-              </a:rPr>
-              <a:t>tl</a:t>
-            </a:r>
-            <a:r>
-              <a:rPr b="0" lang="en-IN" sz="4400" spc="-1" strike="noStrike">
-                <a:latin typeface="Arial"/>
-              </a:rPr>
-              <a:t>e </a:t>
-            </a:r>
-            <a:r>
-              <a:rPr b="0" lang="en-IN" sz="4400" spc="-1" strike="noStrike">
-                <a:latin typeface="Arial"/>
-              </a:rPr>
-              <a:t>t</a:t>
-            </a:r>
-            <a:r>
-              <a:rPr b="0" lang="en-IN" sz="4400" spc="-1" strike="noStrike">
-                <a:latin typeface="Arial"/>
-              </a:rPr>
-              <a:t>e</a:t>
-            </a:r>
-            <a:r>
-              <a:rPr b="0" lang="en-IN" sz="4400" spc="-1" strike="noStrike">
-                <a:latin typeface="Arial"/>
-              </a:rPr>
-              <a:t>x</a:t>
-            </a:r>
-            <a:r>
-              <a:rPr b="0" lang="en-IN" sz="4400" spc="-1" strike="noStrike">
-                <a:latin typeface="Arial"/>
-              </a:rPr>
-              <a:t>t </a:t>
-            </a:r>
-            <a:r>
-              <a:rPr b="0" lang="en-IN" sz="4400" spc="-1" strike="noStrike">
-                <a:latin typeface="Arial"/>
-              </a:rPr>
-              <a:t>f</a:t>
-            </a:r>
-            <a:r>
-              <a:rPr b="0" lang="en-IN" sz="4400" spc="-1" strike="noStrike">
-                <a:latin typeface="Arial"/>
-              </a:rPr>
-              <a:t>o</a:t>
-            </a:r>
-            <a:r>
-              <a:rPr b="0" lang="en-IN" sz="4400" spc="-1" strike="noStrike">
-                <a:latin typeface="Arial"/>
-              </a:rPr>
-              <a:t>r</a:t>
-            </a:r>
-            <a:r>
-              <a:rPr b="0" lang="en-IN" sz="4400" spc="-1" strike="noStrike">
-                <a:latin typeface="Arial"/>
-              </a:rPr>
-              <a:t>m</a:t>
-            </a:r>
-            <a:r>
-              <a:rPr b="0" lang="en-IN" sz="4400" spc="-1" strike="noStrike">
-                <a:latin typeface="Arial"/>
-              </a:rPr>
-              <a:t>a</a:t>
-            </a:r>
-            <a:r>
-              <a:rPr b="0" lang="en-IN" sz="4400" spc="-1" strike="noStrike">
-                <a:latin typeface="Arial"/>
-              </a:rPr>
-              <a:t>t</a:t>
+              <a:t>Click to edit the title text format</a:t>
             </a:r>
             <a:endParaRPr b="0" lang="en-IN" sz="4400" spc="-1" strike="noStrike">
               <a:latin typeface="Arial"/>
@@ -3562,8 +3420,8 @@
         </p:nvSpPr>
         <p:spPr>
           <a:xfrm rot="5400000">
-            <a:off x="607680" y="6447240"/>
-            <a:ext cx="173520" cy="143280"/>
+            <a:off x="608040" y="6447240"/>
+            <a:ext cx="173160" cy="142920"/>
           </a:xfrm>
           <a:prstGeom prst="triangle">
             <a:avLst>
@@ -3632,8 +3490,8 @@
         </p:nvSpPr>
         <p:spPr>
           <a:xfrm rot="5400000">
-            <a:off x="607680" y="6447240"/>
-            <a:ext cx="173520" cy="143280"/>
+            <a:off x="608040" y="6447240"/>
+            <a:ext cx="173160" cy="142920"/>
           </a:xfrm>
           <a:prstGeom prst="triangle">
             <a:avLst>
@@ -3927,7 +3785,7 @@
         <p:spPr>
           <a:xfrm>
             <a:off x="1975680" y="3553920"/>
-            <a:ext cx="8517240" cy="973440"/>
+            <a:ext cx="8516880" cy="973080"/>
           </a:xfrm>
           <a:prstGeom prst="rect">
             <a:avLst/>
@@ -3984,7 +3842,7 @@
         <p:spPr>
           <a:xfrm>
             <a:off x="181440" y="2001960"/>
-            <a:ext cx="2837160" cy="2837160"/>
+            <a:ext cx="2836800" cy="2836800"/>
           </a:xfrm>
           <a:prstGeom prst="rect">
             <a:avLst/>
@@ -4003,7 +3861,7 @@
         <p:spPr>
           <a:xfrm>
             <a:off x="720000" y="5158800"/>
-            <a:ext cx="10867320" cy="1172520"/>
+            <a:ext cx="10866960" cy="1172160"/>
           </a:xfrm>
           <a:prstGeom prst="rect">
             <a:avLst/>
@@ -4066,7 +3924,7 @@
         <p:spPr>
           <a:xfrm>
             <a:off x="181440" y="196560"/>
-            <a:ext cx="2837160" cy="1050480"/>
+            <a:ext cx="2836800" cy="1050120"/>
           </a:xfrm>
           <a:prstGeom prst="rect">
             <a:avLst/>
@@ -4085,7 +3943,7 @@
         <p:spPr>
           <a:xfrm>
             <a:off x="3557880" y="93600"/>
-            <a:ext cx="8435520" cy="3045240"/>
+            <a:ext cx="8435160" cy="3045240"/>
           </a:xfrm>
           <a:prstGeom prst="rect">
             <a:avLst/>
@@ -4170,7 +4028,7 @@
         <p:spPr>
           <a:xfrm>
             <a:off x="181440" y="196920"/>
-            <a:ext cx="2838960" cy="1052280"/>
+            <a:ext cx="2838600" cy="1051920"/>
           </a:xfrm>
           <a:prstGeom prst="rect">
             <a:avLst/>
@@ -4193,7 +4051,7 @@
         <p:spPr>
           <a:xfrm>
             <a:off x="57960" y="2448000"/>
-            <a:ext cx="3535200" cy="3535200"/>
+            <a:ext cx="3534840" cy="3534840"/>
           </a:xfrm>
           <a:prstGeom prst="rect">
             <a:avLst/>
@@ -4212,7 +4070,7 @@
         <p:spPr>
           <a:xfrm>
             <a:off x="7632000" y="4716000"/>
-            <a:ext cx="3451320" cy="398160"/>
+            <a:ext cx="3450960" cy="397800"/>
           </a:xfrm>
           <a:prstGeom prst="rect">
             <a:avLst/>
@@ -4343,7 +4201,7 @@
         <p:spPr>
           <a:xfrm>
             <a:off x="248400" y="0"/>
-            <a:ext cx="11695320" cy="699120"/>
+            <a:ext cx="11694960" cy="699120"/>
           </a:xfrm>
           <a:prstGeom prst="rect">
             <a:avLst/>
@@ -4398,7 +4256,7 @@
         <p:spPr>
           <a:xfrm>
             <a:off x="248400" y="762120"/>
-            <a:ext cx="11695320" cy="1186920"/>
+            <a:ext cx="11694960" cy="1186920"/>
           </a:xfrm>
           <a:prstGeom prst="rect">
             <a:avLst/>
@@ -4519,7 +4377,7 @@
         <p:spPr>
           <a:xfrm>
             <a:off x="1523880" y="3801960"/>
-            <a:ext cx="8872560" cy="2147040"/>
+            <a:ext cx="8872200" cy="2147040"/>
           </a:xfrm>
           <a:prstGeom prst="rect">
             <a:avLst/>
@@ -4540,7 +4398,7 @@
             <a:spAutoFit/>
           </a:bodyPr>
           <a:p>
-            <a:pPr marL="285840" indent="-268560">
+            <a:pPr marL="285840" indent="-268200">
               <a:lnSpc>
                 <a:spcPct val="150000"/>
               </a:lnSpc>
@@ -4585,7 +4443,7 @@
             </a:endParaRPr>
           </a:p>
           <a:p>
-            <a:pPr marL="285840" indent="-268560">
+            <a:pPr marL="285840" indent="-268200">
               <a:lnSpc>
                 <a:spcPct val="150000"/>
               </a:lnSpc>
@@ -4630,7 +4488,7 @@
             </a:endParaRPr>
           </a:p>
           <a:p>
-            <a:pPr marL="285840" indent="-268560">
+            <a:pPr marL="285840" indent="-268200">
               <a:lnSpc>
                 <a:spcPct val="150000"/>
               </a:lnSpc>
@@ -4675,7 +4533,7 @@
             </a:endParaRPr>
           </a:p>
           <a:p>
-            <a:pPr marL="285840" indent="-268560">
+            <a:pPr marL="285840" indent="-268200">
               <a:lnSpc>
                 <a:spcPct val="150000"/>
               </a:lnSpc>
@@ -4765,7 +4623,7 @@
         <p:spPr>
           <a:xfrm>
             <a:off x="246600" y="2133720"/>
-            <a:ext cx="11697120" cy="699480"/>
+            <a:ext cx="11696760" cy="699480"/>
           </a:xfrm>
           <a:prstGeom prst="rect">
             <a:avLst/>
@@ -4866,7 +4724,7 @@
         <p:spPr>
           <a:xfrm>
             <a:off x="1676520" y="2362320"/>
-            <a:ext cx="8821800" cy="912600"/>
+            <a:ext cx="8821440" cy="912600"/>
           </a:xfrm>
           <a:prstGeom prst="rect">
             <a:avLst/>
@@ -4917,7 +4775,7 @@
         <p:spPr>
           <a:xfrm>
             <a:off x="522360" y="3531600"/>
-            <a:ext cx="11058840" cy="363960"/>
+            <a:ext cx="11058480" cy="363960"/>
           </a:xfrm>
           <a:prstGeom prst="rect">
             <a:avLst/>
@@ -4998,7 +4856,7 @@
         <p:spPr>
           <a:xfrm>
             <a:off x="248400" y="0"/>
-            <a:ext cx="11695320" cy="699120"/>
+            <a:ext cx="11694960" cy="699120"/>
           </a:xfrm>
           <a:prstGeom prst="rect">
             <a:avLst/>
@@ -5053,7 +4911,7 @@
         <p:spPr>
           <a:xfrm>
             <a:off x="248400" y="762120"/>
-            <a:ext cx="11695320" cy="1186920"/>
+            <a:ext cx="11694960" cy="1186920"/>
           </a:xfrm>
           <a:prstGeom prst="rect">
             <a:avLst/>
@@ -5154,7 +5012,7 @@
         <p:spPr>
           <a:xfrm>
             <a:off x="1523880" y="3480480"/>
-            <a:ext cx="8872560" cy="2558520"/>
+            <a:ext cx="8872200" cy="2558520"/>
           </a:xfrm>
           <a:prstGeom prst="rect">
             <a:avLst/>
@@ -5175,7 +5033,7 @@
             <a:spAutoFit/>
           </a:bodyPr>
           <a:p>
-            <a:pPr marL="285840" indent="-268560">
+            <a:pPr marL="285840" indent="-268200">
               <a:lnSpc>
                 <a:spcPct val="150000"/>
               </a:lnSpc>
@@ -5220,7 +5078,7 @@
             </a:endParaRPr>
           </a:p>
           <a:p>
-            <a:pPr marL="285840" indent="-268560">
+            <a:pPr marL="285840" indent="-268200">
               <a:lnSpc>
                 <a:spcPct val="150000"/>
               </a:lnSpc>
@@ -5265,7 +5123,7 @@
             </a:endParaRPr>
           </a:p>
           <a:p>
-            <a:pPr marL="285840" indent="-268560">
+            <a:pPr marL="285840" indent="-268200">
               <a:lnSpc>
                 <a:spcPct val="150000"/>
               </a:lnSpc>
@@ -5310,7 +5168,7 @@
             </a:endParaRPr>
           </a:p>
           <a:p>
-            <a:pPr marL="285840" indent="-268560">
+            <a:pPr marL="285840" indent="-268200">
               <a:lnSpc>
                 <a:spcPct val="150000"/>
               </a:lnSpc>
@@ -5355,7 +5213,7 @@
             </a:endParaRPr>
           </a:p>
           <a:p>
-            <a:pPr marL="285840" indent="-268560">
+            <a:pPr marL="285840" indent="-268200">
               <a:lnSpc>
                 <a:spcPct val="150000"/>
               </a:lnSpc>
@@ -5390,7 +5248,7 @@
             </a:endParaRPr>
           </a:p>
           <a:p>
-            <a:pPr marL="285840" indent="-268560">
+            <a:pPr marL="285840" indent="-268200">
               <a:lnSpc>
                 <a:spcPct val="150000"/>
               </a:lnSpc>
@@ -5470,7 +5328,7 @@
         <p:spPr>
           <a:xfrm>
             <a:off x="246600" y="2206440"/>
-            <a:ext cx="11697120" cy="699480"/>
+            <a:ext cx="11696760" cy="699480"/>
           </a:xfrm>
           <a:prstGeom prst="rect">
             <a:avLst/>
@@ -5571,7 +5429,7 @@
         <p:spPr>
           <a:xfrm>
             <a:off x="1676520" y="2362320"/>
-            <a:ext cx="8821800" cy="1735560"/>
+            <a:ext cx="8821440" cy="1735560"/>
           </a:xfrm>
           <a:prstGeom prst="rect">
             <a:avLst/>
@@ -5622,7 +5480,7 @@
         <p:spPr>
           <a:xfrm>
             <a:off x="522360" y="4323600"/>
-            <a:ext cx="11058840" cy="363960"/>
+            <a:ext cx="11058480" cy="363960"/>
           </a:xfrm>
           <a:prstGeom prst="rect">
             <a:avLst/>
@@ -5703,7 +5561,7 @@
         <p:spPr>
           <a:xfrm>
             <a:off x="248400" y="0"/>
-            <a:ext cx="11695320" cy="699120"/>
+            <a:ext cx="11694960" cy="699120"/>
           </a:xfrm>
           <a:prstGeom prst="rect">
             <a:avLst/>
@@ -5758,7 +5616,7 @@
         <p:spPr>
           <a:xfrm>
             <a:off x="248400" y="762120"/>
-            <a:ext cx="11695320" cy="2009880"/>
+            <a:ext cx="11694960" cy="2009880"/>
           </a:xfrm>
           <a:prstGeom prst="rect">
             <a:avLst/>
@@ -5899,7 +5757,7 @@
         <p:spPr>
           <a:xfrm>
             <a:off x="1523880" y="4344480"/>
-            <a:ext cx="8872560" cy="2147040"/>
+            <a:ext cx="8872200" cy="2147040"/>
           </a:xfrm>
           <a:prstGeom prst="rect">
             <a:avLst/>
@@ -5920,7 +5778,7 @@
             <a:spAutoFit/>
           </a:bodyPr>
           <a:p>
-            <a:pPr marL="285840" indent="-268560">
+            <a:pPr marL="285840" indent="-268200">
               <a:lnSpc>
                 <a:spcPct val="150000"/>
               </a:lnSpc>
@@ -5965,7 +5823,7 @@
             </a:endParaRPr>
           </a:p>
           <a:p>
-            <a:pPr marL="285840" indent="-268560">
+            <a:pPr marL="285840" indent="-268200">
               <a:lnSpc>
                 <a:spcPct val="150000"/>
               </a:lnSpc>
@@ -6010,7 +5868,7 @@
             </a:endParaRPr>
           </a:p>
           <a:p>
-            <a:pPr marL="285840" indent="-268560">
+            <a:pPr marL="285840" indent="-268200">
               <a:lnSpc>
                 <a:spcPct val="150000"/>
               </a:lnSpc>
@@ -6055,7 +5913,7 @@
             </a:endParaRPr>
           </a:p>
           <a:p>
-            <a:pPr marL="285840" indent="-268560">
+            <a:pPr marL="285840" indent="-268200">
               <a:lnSpc>
                 <a:spcPct val="150000"/>
               </a:lnSpc>
@@ -6100,7 +5958,7 @@
             </a:endParaRPr>
           </a:p>
           <a:p>
-            <a:pPr marL="285840" indent="-268560">
+            <a:pPr marL="285840" indent="-268200">
               <a:lnSpc>
                 <a:spcPct val="150000"/>
               </a:lnSpc>
@@ -6190,7 +6048,7 @@
         <p:spPr>
           <a:xfrm>
             <a:off x="246600" y="2845080"/>
-            <a:ext cx="11697120" cy="1309320"/>
+            <a:ext cx="11696760" cy="1309320"/>
           </a:xfrm>
           <a:prstGeom prst="rect">
             <a:avLst/>
@@ -6331,7 +6189,7 @@
         <p:spPr>
           <a:xfrm>
             <a:off x="1676520" y="2362320"/>
-            <a:ext cx="8821800" cy="912600"/>
+            <a:ext cx="8821440" cy="912600"/>
           </a:xfrm>
           <a:prstGeom prst="rect">
             <a:avLst/>
@@ -6382,7 +6240,7 @@
         <p:spPr>
           <a:xfrm>
             <a:off x="522360" y="3531600"/>
-            <a:ext cx="11058840" cy="363960"/>
+            <a:ext cx="11058480" cy="363960"/>
           </a:xfrm>
           <a:prstGeom prst="rect">
             <a:avLst/>
@@ -6463,7 +6321,7 @@
         <p:spPr>
           <a:xfrm>
             <a:off x="248400" y="0"/>
-            <a:ext cx="11695320" cy="699120"/>
+            <a:ext cx="11694960" cy="699120"/>
           </a:xfrm>
           <a:prstGeom prst="rect">
             <a:avLst/>
@@ -6518,7 +6376,7 @@
         <p:spPr>
           <a:xfrm>
             <a:off x="248400" y="762120"/>
-            <a:ext cx="11695320" cy="912600"/>
+            <a:ext cx="11694960" cy="912600"/>
           </a:xfrm>
           <a:prstGeom prst="rect">
             <a:avLst/>
@@ -6619,7 +6477,7 @@
         <p:spPr>
           <a:xfrm>
             <a:off x="1600200" y="2685600"/>
-            <a:ext cx="8872560" cy="1735560"/>
+            <a:ext cx="8872200" cy="1735560"/>
           </a:xfrm>
           <a:prstGeom prst="rect">
             <a:avLst/>
@@ -6640,7 +6498,7 @@
             <a:spAutoFit/>
           </a:bodyPr>
           <a:p>
-            <a:pPr marL="285840" indent="-268560">
+            <a:pPr marL="285840" indent="-268200">
               <a:lnSpc>
                 <a:spcPct val="150000"/>
               </a:lnSpc>
@@ -6685,7 +6543,7 @@
             </a:endParaRPr>
           </a:p>
           <a:p>
-            <a:pPr marL="285840" indent="-268560">
+            <a:pPr marL="285840" indent="-268200">
               <a:lnSpc>
                 <a:spcPct val="150000"/>
               </a:lnSpc>
@@ -6730,7 +6588,7 @@
             </a:endParaRPr>
           </a:p>
           <a:p>
-            <a:pPr marL="285840" indent="-268560">
+            <a:pPr marL="285840" indent="-268200">
               <a:lnSpc>
                 <a:spcPct val="150000"/>
               </a:lnSpc>
@@ -6775,7 +6633,7 @@
             </a:endParaRPr>
           </a:p>
           <a:p>
-            <a:pPr marL="285840" indent="-268560">
+            <a:pPr marL="285840" indent="-268200">
               <a:lnSpc>
                 <a:spcPct val="150000"/>
               </a:lnSpc>
@@ -6830,7 +6688,7 @@
         <p:spPr>
           <a:xfrm>
             <a:off x="1656000" y="4533480"/>
-            <a:ext cx="8983080" cy="1353240"/>
+            <a:ext cx="8982720" cy="1352880"/>
           </a:xfrm>
           <a:prstGeom prst="rect">
             <a:avLst/>
@@ -6851,7 +6709,7 @@
             <a:noAutofit/>
           </a:bodyPr>
           <a:p>
-            <a:pPr marL="216000" indent="-201960">
+            <a:pPr marL="216000" indent="-201600">
               <a:lnSpc>
                 <a:spcPct val="150000"/>
               </a:lnSpc>
@@ -6886,7 +6744,7 @@
             </a:endParaRPr>
           </a:p>
           <a:p>
-            <a:pPr marL="216000" indent="-201960">
+            <a:pPr marL="216000" indent="-201600">
               <a:lnSpc>
                 <a:spcPct val="150000"/>
               </a:lnSpc>
@@ -6921,7 +6779,7 @@
             </a:endParaRPr>
           </a:p>
           <a:p>
-            <a:pPr marL="216000" indent="-201960">
+            <a:pPr marL="216000" indent="-201600">
               <a:lnSpc>
                 <a:spcPct val="150000"/>
               </a:lnSpc>
@@ -6956,7 +6814,7 @@
             </a:endParaRPr>
           </a:p>
           <a:p>
-            <a:pPr marL="216000" indent="-201960">
+            <a:pPr marL="216000" indent="-201600">
               <a:lnSpc>
                 <a:spcPct val="150000"/>
               </a:lnSpc>
@@ -6991,7 +6849,7 @@
             </a:endParaRPr>
           </a:p>
           <a:p>
-            <a:pPr marL="216000" indent="-201960">
+            <a:pPr marL="216000" indent="-201600">
               <a:lnSpc>
                 <a:spcPct val="150000"/>
               </a:lnSpc>
@@ -7071,7 +6929,7 @@
         <p:spPr>
           <a:xfrm>
             <a:off x="246600" y="1742040"/>
-            <a:ext cx="11697120" cy="699480"/>
+            <a:ext cx="11696760" cy="699480"/>
           </a:xfrm>
           <a:prstGeom prst="rect">
             <a:avLst/>
@@ -7172,7 +7030,7 @@
         <p:spPr>
           <a:xfrm>
             <a:off x="1676520" y="2362320"/>
-            <a:ext cx="8821800" cy="912600"/>
+            <a:ext cx="8821440" cy="912600"/>
           </a:xfrm>
           <a:prstGeom prst="rect">
             <a:avLst/>
@@ -7223,7 +7081,7 @@
         <p:spPr>
           <a:xfrm>
             <a:off x="522360" y="3531600"/>
-            <a:ext cx="11058840" cy="363960"/>
+            <a:ext cx="11058480" cy="363960"/>
           </a:xfrm>
           <a:prstGeom prst="rect">
             <a:avLst/>
@@ -7304,7 +7162,7 @@
         <p:spPr>
           <a:xfrm>
             <a:off x="248400" y="0"/>
-            <a:ext cx="11695320" cy="699120"/>
+            <a:ext cx="11694960" cy="699120"/>
           </a:xfrm>
           <a:prstGeom prst="rect">
             <a:avLst/>
@@ -7359,7 +7217,7 @@
         <p:spPr>
           <a:xfrm>
             <a:off x="248400" y="762120"/>
-            <a:ext cx="11695320" cy="668880"/>
+            <a:ext cx="11694960" cy="668880"/>
           </a:xfrm>
           <a:prstGeom prst="rect">
             <a:avLst/>
@@ -7450,7 +7308,7 @@
         <p:spPr>
           <a:xfrm>
             <a:off x="1600200" y="3909600"/>
-            <a:ext cx="8872560" cy="1324080"/>
+            <a:ext cx="8872200" cy="1324080"/>
           </a:xfrm>
           <a:prstGeom prst="rect">
             <a:avLst/>
@@ -7471,7 +7329,7 @@
             <a:spAutoFit/>
           </a:bodyPr>
           <a:p>
-            <a:pPr marL="285840" indent="-268560">
+            <a:pPr marL="285840" indent="-268200">
               <a:lnSpc>
                 <a:spcPct val="150000"/>
               </a:lnSpc>
@@ -7516,7 +7374,7 @@
             </a:endParaRPr>
           </a:p>
           <a:p>
-            <a:pPr marL="285840" indent="-268560">
+            <a:pPr marL="285840" indent="-268200">
               <a:lnSpc>
                 <a:spcPct val="150000"/>
               </a:lnSpc>
@@ -7561,7 +7419,7 @@
             </a:endParaRPr>
           </a:p>
           <a:p>
-            <a:pPr marL="285840" indent="-268560">
+            <a:pPr marL="285840" indent="-268200">
               <a:lnSpc>
                 <a:spcPct val="150000"/>
               </a:lnSpc>
@@ -7616,7 +7474,7 @@
         <p:spPr>
           <a:xfrm>
             <a:off x="1584000" y="5246640"/>
-            <a:ext cx="8839080" cy="999720"/>
+            <a:ext cx="8838720" cy="999360"/>
           </a:xfrm>
           <a:prstGeom prst="rect">
             <a:avLst/>
@@ -7667,7 +7525,7 @@
             </a:endParaRPr>
           </a:p>
           <a:p>
-            <a:pPr marL="216000" indent="-199080">
+            <a:pPr marL="216000" indent="-198720">
               <a:lnSpc>
                 <a:spcPct val="100000"/>
               </a:lnSpc>
@@ -7693,7 +7551,7 @@
             </a:endParaRPr>
           </a:p>
           <a:p>
-            <a:pPr marL="216000" indent="-199080">
+            <a:pPr marL="216000" indent="-198720">
               <a:lnSpc>
                 <a:spcPct val="100000"/>
               </a:lnSpc>
@@ -7729,7 +7587,7 @@
         <p:spPr>
           <a:xfrm>
             <a:off x="1576080" y="3161880"/>
-            <a:ext cx="9567000" cy="637200"/>
+            <a:ext cx="9566640" cy="636840"/>
           </a:xfrm>
           <a:prstGeom prst="rect">
             <a:avLst/>
@@ -7845,7 +7703,7 @@
         <p:spPr>
           <a:xfrm>
             <a:off x="246600" y="1742040"/>
-            <a:ext cx="11697120" cy="699480"/>
+            <a:ext cx="11696760" cy="699480"/>
           </a:xfrm>
           <a:prstGeom prst="rect">
             <a:avLst/>
@@ -7946,7 +7804,7 @@
         <p:spPr>
           <a:xfrm>
             <a:off x="1676520" y="2362320"/>
-            <a:ext cx="8821800" cy="912600"/>
+            <a:ext cx="8821440" cy="912600"/>
           </a:xfrm>
           <a:prstGeom prst="rect">
             <a:avLst/>
@@ -7997,7 +7855,7 @@
         <p:spPr>
           <a:xfrm>
             <a:off x="522360" y="3531600"/>
-            <a:ext cx="11058840" cy="363960"/>
+            <a:ext cx="11058480" cy="363960"/>
           </a:xfrm>
           <a:prstGeom prst="rect">
             <a:avLst/>
@@ -8078,7 +7936,7 @@
         <p:spPr>
           <a:xfrm>
             <a:off x="1676520" y="2362320"/>
-            <a:ext cx="8821800" cy="912600"/>
+            <a:ext cx="8821440" cy="912600"/>
           </a:xfrm>
           <a:prstGeom prst="rect">
             <a:avLst/>
@@ -8129,7 +7987,7 @@
         <p:spPr>
           <a:xfrm>
             <a:off x="522360" y="3531600"/>
-            <a:ext cx="11130840" cy="1186920"/>
+            <a:ext cx="11130480" cy="1186920"/>
           </a:xfrm>
           <a:prstGeom prst="rect">
             <a:avLst/>
@@ -8180,7 +8038,7 @@
         <p:spPr>
           <a:xfrm>
             <a:off x="1666800" y="609480"/>
-            <a:ext cx="8821800" cy="394560"/>
+            <a:ext cx="8821440" cy="394560"/>
           </a:xfrm>
           <a:prstGeom prst="rect">
             <a:avLst/>
@@ -8261,7 +8119,7 @@
         <p:spPr>
           <a:xfrm>
             <a:off x="248400" y="0"/>
-            <a:ext cx="11695320" cy="699120"/>
+            <a:ext cx="11694960" cy="699120"/>
           </a:xfrm>
           <a:prstGeom prst="rect">
             <a:avLst/>
@@ -8316,7 +8174,7 @@
         <p:spPr>
           <a:xfrm>
             <a:off x="248400" y="762120"/>
-            <a:ext cx="11695320" cy="1461240"/>
+            <a:ext cx="11694960" cy="1461240"/>
           </a:xfrm>
           <a:prstGeom prst="rect">
             <a:avLst/>
@@ -8417,7 +8275,7 @@
         <p:spPr>
           <a:xfrm>
             <a:off x="1600200" y="3585600"/>
-            <a:ext cx="8872560" cy="2558520"/>
+            <a:ext cx="8872200" cy="2558520"/>
           </a:xfrm>
           <a:prstGeom prst="rect">
             <a:avLst/>
@@ -8458,7 +8316,7 @@
             </a:endParaRPr>
           </a:p>
           <a:p>
-            <a:pPr marL="285840" indent="-268560">
+            <a:pPr marL="285840" indent="-268200">
               <a:lnSpc>
                 <a:spcPct val="150000"/>
               </a:lnSpc>
@@ -8503,7 +8361,7 @@
             </a:endParaRPr>
           </a:p>
           <a:p>
-            <a:pPr marL="285840" indent="-268560">
+            <a:pPr marL="285840" indent="-268200">
               <a:lnSpc>
                 <a:spcPct val="150000"/>
               </a:lnSpc>
@@ -8568,7 +8426,7 @@
             </a:endParaRPr>
           </a:p>
           <a:p>
-            <a:pPr marL="285840" indent="-268560">
+            <a:pPr marL="285840" indent="-268200">
               <a:lnSpc>
                 <a:spcPct val="150000"/>
               </a:lnSpc>
@@ -8613,7 +8471,7 @@
             </a:endParaRPr>
           </a:p>
           <a:p>
-            <a:pPr marL="285840" indent="-268560">
+            <a:pPr marL="285840" indent="-268200">
               <a:lnSpc>
                 <a:spcPct val="150000"/>
               </a:lnSpc>
@@ -8703,7 +8561,7 @@
         <p:spPr>
           <a:xfrm>
             <a:off x="246600" y="2322360"/>
-            <a:ext cx="11697120" cy="699480"/>
+            <a:ext cx="11696760" cy="699480"/>
           </a:xfrm>
           <a:prstGeom prst="rect">
             <a:avLst/>
@@ -8804,7 +8662,7 @@
         <p:spPr>
           <a:xfrm>
             <a:off x="1676520" y="2362320"/>
-            <a:ext cx="8821800" cy="1735560"/>
+            <a:ext cx="8821440" cy="1735560"/>
           </a:xfrm>
           <a:prstGeom prst="rect">
             <a:avLst/>
@@ -8855,7 +8713,7 @@
         <p:spPr>
           <a:xfrm>
             <a:off x="522360" y="3531600"/>
-            <a:ext cx="11058840" cy="363960"/>
+            <a:ext cx="11058480" cy="363960"/>
           </a:xfrm>
           <a:prstGeom prst="rect">
             <a:avLst/>
@@ -8936,7 +8794,7 @@
         <p:spPr>
           <a:xfrm>
             <a:off x="248400" y="0"/>
-            <a:ext cx="11695320" cy="699120"/>
+            <a:ext cx="11694960" cy="699120"/>
           </a:xfrm>
           <a:prstGeom prst="rect">
             <a:avLst/>
@@ -8991,7 +8849,7 @@
         <p:spPr>
           <a:xfrm>
             <a:off x="248400" y="762120"/>
-            <a:ext cx="11617920" cy="2284200"/>
+            <a:ext cx="11617560" cy="2284200"/>
           </a:xfrm>
           <a:prstGeom prst="rect">
             <a:avLst/>
@@ -9132,7 +8990,7 @@
         <p:spPr>
           <a:xfrm>
             <a:off x="864000" y="4197600"/>
-            <a:ext cx="11002320" cy="1324080"/>
+            <a:ext cx="11001960" cy="1324080"/>
           </a:xfrm>
           <a:prstGeom prst="rect">
             <a:avLst/>
@@ -9153,7 +9011,7 @@
             <a:spAutoFit/>
           </a:bodyPr>
           <a:p>
-            <a:pPr marL="285840" indent="-268560">
+            <a:pPr marL="285840" indent="-268200">
               <a:lnSpc>
                 <a:spcPct val="150000"/>
               </a:lnSpc>
@@ -9198,7 +9056,7 @@
             </a:endParaRPr>
           </a:p>
           <a:p>
-            <a:pPr marL="285840" indent="-268560">
+            <a:pPr marL="285840" indent="-268200">
               <a:lnSpc>
                 <a:spcPct val="150000"/>
               </a:lnSpc>
@@ -9243,7 +9101,7 @@
             </a:endParaRPr>
           </a:p>
           <a:p>
-            <a:pPr marL="285840" indent="-268560">
+            <a:pPr marL="285840" indent="-268200">
               <a:lnSpc>
                 <a:spcPct val="150000"/>
               </a:lnSpc>
@@ -9298,7 +9156,7 @@
         <p:spPr>
           <a:xfrm>
             <a:off x="1584000" y="5610240"/>
-            <a:ext cx="8839080" cy="999720"/>
+            <a:ext cx="8838720" cy="999360"/>
           </a:xfrm>
           <a:prstGeom prst="rect">
             <a:avLst/>
@@ -9349,7 +9207,7 @@
             </a:endParaRPr>
           </a:p>
           <a:p>
-            <a:pPr marL="285840" indent="-271440">
+            <a:pPr marL="285840" indent="-271080">
               <a:lnSpc>
                 <a:spcPct val="100000"/>
               </a:lnSpc>
@@ -9384,7 +9242,7 @@
             </a:endParaRPr>
           </a:p>
           <a:p>
-            <a:pPr marL="285840" indent="-271440">
+            <a:pPr marL="285840" indent="-271080">
               <a:lnSpc>
                 <a:spcPct val="100000"/>
               </a:lnSpc>
@@ -9464,7 +9322,7 @@
         <p:spPr>
           <a:xfrm>
             <a:off x="246600" y="3120840"/>
-            <a:ext cx="11697120" cy="1004400"/>
+            <a:ext cx="11696760" cy="1004400"/>
           </a:xfrm>
           <a:prstGeom prst="rect">
             <a:avLst/>
@@ -9585,7 +9443,7 @@
         <p:spPr>
           <a:xfrm>
             <a:off x="1676520" y="2362320"/>
-            <a:ext cx="8821800" cy="1735560"/>
+            <a:ext cx="8821440" cy="1735560"/>
           </a:xfrm>
           <a:prstGeom prst="rect">
             <a:avLst/>
@@ -9636,7 +9494,7 @@
         <p:spPr>
           <a:xfrm>
             <a:off x="522360" y="3531600"/>
-            <a:ext cx="11058840" cy="363960"/>
+            <a:ext cx="11058480" cy="363960"/>
           </a:xfrm>
           <a:prstGeom prst="rect">
             <a:avLst/>
@@ -10596,7 +10454,7 @@
                       <a:noAutofit/>
                     </a:bodyPr>
                     <a:p>
-                      <a:pPr marL="216000" indent="-212400" algn="ctr">
+                      <a:pPr marL="216000" indent="-212040" algn="ctr">
                         <a:lnSpc>
                           <a:spcPct val="100000"/>
                         </a:lnSpc>
@@ -10909,7 +10767,7 @@
         <p:spPr>
           <a:xfrm>
             <a:off x="248400" y="0"/>
-            <a:ext cx="11695320" cy="699120"/>
+            <a:ext cx="11694960" cy="699120"/>
           </a:xfrm>
           <a:prstGeom prst="rect">
             <a:avLst/>
@@ -10964,7 +10822,7 @@
         <p:spPr>
           <a:xfrm>
             <a:off x="248400" y="762120"/>
-            <a:ext cx="11695320" cy="2284200"/>
+            <a:ext cx="11694960" cy="2284200"/>
           </a:xfrm>
           <a:prstGeom prst="rect">
             <a:avLst/>
@@ -11105,7 +10963,7 @@
         <p:spPr>
           <a:xfrm>
             <a:off x="1600200" y="4593600"/>
-            <a:ext cx="8872560" cy="912600"/>
+            <a:ext cx="8872200" cy="912600"/>
           </a:xfrm>
           <a:prstGeom prst="rect">
             <a:avLst/>
@@ -11126,7 +10984,7 @@
             <a:spAutoFit/>
           </a:bodyPr>
           <a:p>
-            <a:pPr marL="285840" indent="-268560">
+            <a:pPr marL="285840" indent="-268200">
               <a:lnSpc>
                 <a:spcPct val="150000"/>
               </a:lnSpc>
@@ -11171,7 +11029,7 @@
             </a:endParaRPr>
           </a:p>
           <a:p>
-            <a:pPr marL="285840" indent="-268560">
+            <a:pPr marL="285840" indent="-268200">
               <a:lnSpc>
                 <a:spcPct val="150000"/>
               </a:lnSpc>
@@ -11226,7 +11084,7 @@
         <p:spPr>
           <a:xfrm>
             <a:off x="1584000" y="5790240"/>
-            <a:ext cx="8839080" cy="64080"/>
+            <a:ext cx="8838720" cy="63720"/>
           </a:xfrm>
           <a:prstGeom prst="rect">
             <a:avLst/>
@@ -11277,7 +11135,7 @@
             </a:endParaRPr>
           </a:p>
           <a:p>
-            <a:pPr marL="285840" indent="-271440">
+            <a:pPr marL="285840" indent="-271080">
               <a:lnSpc>
                 <a:spcPct val="100000"/>
               </a:lnSpc>
@@ -11347,7 +11205,7 @@
         <p:spPr>
           <a:xfrm>
             <a:off x="246600" y="3048120"/>
-            <a:ext cx="11697120" cy="1004400"/>
+            <a:ext cx="11696760" cy="1004400"/>
           </a:xfrm>
           <a:prstGeom prst="rect">
             <a:avLst/>
@@ -11468,7 +11326,7 @@
         <p:spPr>
           <a:xfrm>
             <a:off x="1676520" y="2362320"/>
-            <a:ext cx="8821800" cy="912600"/>
+            <a:ext cx="8821440" cy="912600"/>
           </a:xfrm>
           <a:prstGeom prst="rect">
             <a:avLst/>
@@ -11519,7 +11377,7 @@
         <p:spPr>
           <a:xfrm>
             <a:off x="522360" y="3531600"/>
-            <a:ext cx="11058840" cy="363960"/>
+            <a:ext cx="11058480" cy="363960"/>
           </a:xfrm>
           <a:prstGeom prst="rect">
             <a:avLst/>
@@ -12274,7 +12132,7 @@
         <p:spPr>
           <a:xfrm>
             <a:off x="248400" y="0"/>
-            <a:ext cx="11695320" cy="699120"/>
+            <a:ext cx="11694960" cy="699120"/>
           </a:xfrm>
           <a:prstGeom prst="rect">
             <a:avLst/>
@@ -12329,7 +12187,7 @@
         <p:spPr>
           <a:xfrm>
             <a:off x="248400" y="762120"/>
-            <a:ext cx="11695320" cy="1461240"/>
+            <a:ext cx="11694960" cy="1461240"/>
           </a:xfrm>
           <a:prstGeom prst="rect">
             <a:avLst/>
@@ -12430,7 +12288,7 @@
         <p:spPr>
           <a:xfrm>
             <a:off x="1600200" y="3621600"/>
-            <a:ext cx="8872560" cy="912600"/>
+            <a:ext cx="8872200" cy="912600"/>
           </a:xfrm>
           <a:prstGeom prst="rect">
             <a:avLst/>
@@ -12451,7 +12309,7 @@
             <a:spAutoFit/>
           </a:bodyPr>
           <a:p>
-            <a:pPr marL="285840" indent="-268560">
+            <a:pPr marL="285840" indent="-268200">
               <a:lnSpc>
                 <a:spcPct val="150000"/>
               </a:lnSpc>
@@ -12496,7 +12354,7 @@
             </a:endParaRPr>
           </a:p>
           <a:p>
-            <a:pPr marL="285840" indent="-268560">
+            <a:pPr marL="285840" indent="-268200">
               <a:lnSpc>
                 <a:spcPct val="150000"/>
               </a:lnSpc>
@@ -12551,7 +12409,7 @@
         <p:spPr>
           <a:xfrm>
             <a:off x="1584000" y="5106240"/>
-            <a:ext cx="8839080" cy="64080"/>
+            <a:ext cx="8838720" cy="63720"/>
           </a:xfrm>
           <a:prstGeom prst="rect">
             <a:avLst/>
@@ -12602,7 +12460,7 @@
             </a:endParaRPr>
           </a:p>
           <a:p>
-            <a:pPr marL="285840" indent="-271440">
+            <a:pPr marL="285840" indent="-271080">
               <a:lnSpc>
                 <a:spcPct val="100000"/>
               </a:lnSpc>
@@ -12672,7 +12530,7 @@
         <p:spPr>
           <a:xfrm>
             <a:off x="246600" y="2395080"/>
-            <a:ext cx="11697120" cy="699480"/>
+            <a:ext cx="11696760" cy="699480"/>
           </a:xfrm>
           <a:prstGeom prst="rect">
             <a:avLst/>
@@ -12773,7 +12631,7 @@
         <p:spPr>
           <a:xfrm>
             <a:off x="1676520" y="2362320"/>
-            <a:ext cx="8821800" cy="912600"/>
+            <a:ext cx="8821440" cy="912600"/>
           </a:xfrm>
           <a:prstGeom prst="rect">
             <a:avLst/>
@@ -12824,7 +12682,7 @@
         <p:spPr>
           <a:xfrm>
             <a:off x="522360" y="3531600"/>
-            <a:ext cx="11058840" cy="363960"/>
+            <a:ext cx="11058480" cy="363960"/>
           </a:xfrm>
           <a:prstGeom prst="rect">
             <a:avLst/>
@@ -12905,7 +12763,7 @@
         <p:spPr>
           <a:xfrm>
             <a:off x="248400" y="0"/>
-            <a:ext cx="11695320" cy="699120"/>
+            <a:ext cx="11694960" cy="699120"/>
           </a:xfrm>
           <a:prstGeom prst="rect">
             <a:avLst/>
@@ -12960,7 +12818,7 @@
         <p:spPr>
           <a:xfrm>
             <a:off x="248400" y="762120"/>
-            <a:ext cx="11695320" cy="1186920"/>
+            <a:ext cx="11694960" cy="1186920"/>
           </a:xfrm>
           <a:prstGeom prst="rect">
             <a:avLst/>
@@ -13061,7 +12919,7 @@
         <p:spPr>
           <a:xfrm>
             <a:off x="1600200" y="3621600"/>
-            <a:ext cx="8872560" cy="912600"/>
+            <a:ext cx="8872200" cy="912600"/>
           </a:xfrm>
           <a:prstGeom prst="rect">
             <a:avLst/>
@@ -13082,7 +12940,7 @@
             <a:spAutoFit/>
           </a:bodyPr>
           <a:p>
-            <a:pPr marL="285840" indent="-268560">
+            <a:pPr marL="285840" indent="-268200">
               <a:lnSpc>
                 <a:spcPct val="150000"/>
               </a:lnSpc>
@@ -13127,7 +12985,7 @@
             </a:endParaRPr>
           </a:p>
           <a:p>
-            <a:pPr marL="285840" indent="-268560">
+            <a:pPr marL="285840" indent="-268200">
               <a:lnSpc>
                 <a:spcPct val="150000"/>
               </a:lnSpc>
@@ -13217,7 +13075,7 @@
         <p:spPr>
           <a:xfrm>
             <a:off x="246600" y="2148480"/>
-            <a:ext cx="11697120" cy="699480"/>
+            <a:ext cx="11696760" cy="699480"/>
           </a:xfrm>
           <a:prstGeom prst="rect">
             <a:avLst/>
@@ -13318,7 +13176,7 @@
         <p:spPr>
           <a:xfrm>
             <a:off x="1676520" y="2362320"/>
-            <a:ext cx="8821800" cy="1735560"/>
+            <a:ext cx="8821440" cy="1735560"/>
           </a:xfrm>
           <a:prstGeom prst="rect">
             <a:avLst/>
@@ -13369,7 +13227,7 @@
         <p:spPr>
           <a:xfrm>
             <a:off x="522360" y="4467600"/>
-            <a:ext cx="11058840" cy="363960"/>
+            <a:ext cx="11058480" cy="363960"/>
           </a:xfrm>
           <a:prstGeom prst="rect">
             <a:avLst/>
@@ -13450,7 +13308,7 @@
         <p:spPr>
           <a:xfrm>
             <a:off x="246600" y="2563200"/>
-            <a:ext cx="11700360" cy="851400"/>
+            <a:ext cx="11700000" cy="851400"/>
           </a:xfrm>
           <a:prstGeom prst="rect">
             <a:avLst/>
@@ -13471,7 +13329,7 @@
             <a:spAutoFit/>
           </a:bodyPr>
           <a:p>
-            <a:pPr marL="343080" indent="-325800">
+            <a:pPr marL="343080" indent="-325440">
               <a:lnSpc>
                 <a:spcPct val="100000"/>
               </a:lnSpc>
@@ -13526,7 +13384,7 @@
             </a:endParaRPr>
           </a:p>
           <a:p>
-            <a:pPr marL="343080" indent="-325800">
+            <a:pPr marL="343080" indent="-325440">
               <a:lnSpc>
                 <a:spcPct val="100000"/>
               </a:lnSpc>
@@ -13601,7 +13459,7 @@
         <p:spPr>
           <a:xfrm>
             <a:off x="246600" y="1742040"/>
-            <a:ext cx="11700360" cy="394560"/>
+            <a:ext cx="11700000" cy="394560"/>
           </a:xfrm>
           <a:prstGeom prst="rect">
             <a:avLst/>
@@ -13662,7 +13520,7 @@
         <p:spPr>
           <a:xfrm>
             <a:off x="246600" y="762120"/>
-            <a:ext cx="11700360" cy="363960"/>
+            <a:ext cx="11700000" cy="363960"/>
           </a:xfrm>
           <a:prstGeom prst="rect">
             <a:avLst/>
@@ -13723,7 +13581,7 @@
         <p:spPr>
           <a:xfrm>
             <a:off x="246600" y="4239720"/>
-            <a:ext cx="11700360" cy="1994040"/>
+            <a:ext cx="11700000" cy="1994040"/>
           </a:xfrm>
           <a:prstGeom prst="rect">
             <a:avLst/>
@@ -13784,7 +13642,7 @@
             </a:endParaRPr>
           </a:p>
           <a:p>
-            <a:pPr marL="285840" indent="-268560">
+            <a:pPr marL="285840" indent="-268200">
               <a:lnSpc>
                 <a:spcPct val="100000"/>
               </a:lnSpc>
@@ -13829,7 +13687,7 @@
             </a:endParaRPr>
           </a:p>
           <a:p>
-            <a:pPr marL="285840" indent="-268560">
+            <a:pPr marL="285840" indent="-268200">
               <a:lnSpc>
                 <a:spcPct val="100000"/>
               </a:lnSpc>
@@ -13874,7 +13732,7 @@
             </a:endParaRPr>
           </a:p>
           <a:p>
-            <a:pPr marL="285840" indent="-268560">
+            <a:pPr marL="285840" indent="-268200">
               <a:lnSpc>
                 <a:spcPct val="150000"/>
               </a:lnSpc>
@@ -13939,7 +13797,7 @@
         <p:spPr>
           <a:xfrm>
             <a:off x="246600" y="3678480"/>
-            <a:ext cx="8695080" cy="339120"/>
+            <a:ext cx="8694720" cy="338760"/>
           </a:xfrm>
           <a:prstGeom prst="rect">
             <a:avLst/>
@@ -14010,7 +13868,7 @@
         <p:spPr>
           <a:xfrm>
             <a:off x="246600" y="0"/>
-            <a:ext cx="11700360" cy="699120"/>
+            <a:ext cx="11700000" cy="699120"/>
           </a:xfrm>
           <a:prstGeom prst="rect">
             <a:avLst/>
@@ -14065,7 +13923,7 @@
         <p:spPr>
           <a:xfrm>
             <a:off x="246600" y="6212880"/>
-            <a:ext cx="11233800" cy="483120"/>
+            <a:ext cx="11233440" cy="482760"/>
           </a:xfrm>
           <a:prstGeom prst="rect">
             <a:avLst/>
@@ -14146,7 +14004,7 @@
         <p:spPr>
           <a:xfrm>
             <a:off x="6357240" y="5906160"/>
-            <a:ext cx="6242760" cy="375120"/>
+            <a:ext cx="6242400" cy="374760"/>
           </a:xfrm>
           <a:prstGeom prst="rect">
             <a:avLst/>
@@ -14282,7 +14140,7 @@
         <p:spPr>
           <a:xfrm>
             <a:off x="248400" y="0"/>
-            <a:ext cx="11695320" cy="699120"/>
+            <a:ext cx="11694960" cy="699120"/>
           </a:xfrm>
           <a:prstGeom prst="rect">
             <a:avLst/>
@@ -14337,7 +14195,7 @@
         <p:spPr>
           <a:xfrm>
             <a:off x="248400" y="762120"/>
-            <a:ext cx="11695320" cy="2284200"/>
+            <a:ext cx="11694960" cy="2284200"/>
           </a:xfrm>
           <a:prstGeom prst="rect">
             <a:avLst/>
@@ -14598,7 +14456,7 @@
         <p:spPr>
           <a:xfrm>
             <a:off x="1600200" y="4989600"/>
-            <a:ext cx="8872560" cy="1735560"/>
+            <a:ext cx="8872200" cy="1735560"/>
           </a:xfrm>
           <a:prstGeom prst="rect">
             <a:avLst/>
@@ -14619,7 +14477,7 @@
             <a:spAutoFit/>
           </a:bodyPr>
           <a:p>
-            <a:pPr marL="285840" indent="-268560">
+            <a:pPr marL="285840" indent="-268200">
               <a:lnSpc>
                 <a:spcPct val="150000"/>
               </a:lnSpc>
@@ -14664,7 +14522,7 @@
             </a:endParaRPr>
           </a:p>
           <a:p>
-            <a:pPr marL="285840" indent="-268560">
+            <a:pPr marL="285840" indent="-268200">
               <a:lnSpc>
                 <a:spcPct val="150000"/>
               </a:lnSpc>
@@ -14709,7 +14567,7 @@
             </a:endParaRPr>
           </a:p>
           <a:p>
-            <a:pPr marL="285840" indent="-268560">
+            <a:pPr marL="285840" indent="-268200">
               <a:lnSpc>
                 <a:spcPct val="150000"/>
               </a:lnSpc>
@@ -14774,7 +14632,7 @@
             </a:endParaRPr>
           </a:p>
           <a:p>
-            <a:pPr marL="285840" indent="-268560">
+            <a:pPr marL="285840" indent="-268200">
               <a:lnSpc>
                 <a:spcPct val="150000"/>
               </a:lnSpc>
@@ -14864,7 +14722,7 @@
         <p:spPr>
           <a:xfrm>
             <a:off x="246600" y="2903040"/>
-            <a:ext cx="11697120" cy="1309320"/>
+            <a:ext cx="11696760" cy="1309320"/>
           </a:xfrm>
           <a:prstGeom prst="rect">
             <a:avLst/>
@@ -15005,7 +14863,7 @@
         <p:spPr>
           <a:xfrm>
             <a:off x="1676520" y="2362320"/>
-            <a:ext cx="8821800" cy="1735560"/>
+            <a:ext cx="8821440" cy="1735560"/>
           </a:xfrm>
           <a:prstGeom prst="rect">
             <a:avLst/>
@@ -15056,7 +14914,7 @@
         <p:spPr>
           <a:xfrm>
             <a:off x="522360" y="4251600"/>
-            <a:ext cx="11058840" cy="363960"/>
+            <a:ext cx="11058480" cy="363960"/>
           </a:xfrm>
           <a:prstGeom prst="rect">
             <a:avLst/>
@@ -15342,7 +15200,7 @@
                       <a:noAutofit/>
                     </a:bodyPr>
                     <a:p>
-                      <a:pPr marL="216000" indent="-212400" algn="ctr">
+                      <a:pPr marL="216000" indent="-212040" algn="ctr">
                         <a:lnSpc>
                           <a:spcPct val="100000"/>
                         </a:lnSpc>
@@ -15655,7 +15513,7 @@
         <p:spPr>
           <a:xfrm>
             <a:off x="248400" y="0"/>
-            <a:ext cx="11695320" cy="699120"/>
+            <a:ext cx="11694960" cy="699120"/>
           </a:xfrm>
           <a:prstGeom prst="rect">
             <a:avLst/>
@@ -15710,7 +15568,7 @@
         <p:spPr>
           <a:xfrm>
             <a:off x="248400" y="762120"/>
-            <a:ext cx="11695320" cy="1735560"/>
+            <a:ext cx="11694960" cy="1735560"/>
           </a:xfrm>
           <a:prstGeom prst="rect">
             <a:avLst/>
@@ -15851,7 +15709,7 @@
         <p:spPr>
           <a:xfrm>
             <a:off x="1600200" y="4557600"/>
-            <a:ext cx="8872560" cy="1324080"/>
+            <a:ext cx="8872200" cy="1324080"/>
           </a:xfrm>
           <a:prstGeom prst="rect">
             <a:avLst/>
@@ -15872,7 +15730,7 @@
             <a:spAutoFit/>
           </a:bodyPr>
           <a:p>
-            <a:pPr marL="285840" indent="-268560">
+            <a:pPr marL="285840" indent="-268200">
               <a:lnSpc>
                 <a:spcPct val="150000"/>
               </a:lnSpc>
@@ -15917,7 +15775,7 @@
             </a:endParaRPr>
           </a:p>
           <a:p>
-            <a:pPr marL="285840" indent="-268560">
+            <a:pPr marL="285840" indent="-268200">
               <a:lnSpc>
                 <a:spcPct val="150000"/>
               </a:lnSpc>
@@ -15962,7 +15820,7 @@
             </a:endParaRPr>
           </a:p>
           <a:p>
-            <a:pPr marL="285840" indent="-268560">
+            <a:pPr marL="285840" indent="-268200">
               <a:lnSpc>
                 <a:spcPct val="150000"/>
               </a:lnSpc>
@@ -16052,7 +15910,7 @@
         <p:spPr>
           <a:xfrm>
             <a:off x="246600" y="2496600"/>
-            <a:ext cx="11697120" cy="1004400"/>
+            <a:ext cx="11696760" cy="1004400"/>
           </a:xfrm>
           <a:prstGeom prst="rect">
             <a:avLst/>
@@ -16173,7 +16031,7 @@
         <p:spPr>
           <a:xfrm>
             <a:off x="1676520" y="2362320"/>
-            <a:ext cx="8821800" cy="912600"/>
+            <a:ext cx="8821440" cy="912600"/>
           </a:xfrm>
           <a:prstGeom prst="rect">
             <a:avLst/>
@@ -16224,7 +16082,7 @@
         <p:spPr>
           <a:xfrm>
             <a:off x="1666800" y="609480"/>
-            <a:ext cx="8821800" cy="394560"/>
+            <a:ext cx="8821440" cy="394560"/>
           </a:xfrm>
           <a:prstGeom prst="rect">
             <a:avLst/>
@@ -16275,7 +16133,7 @@
         <p:spPr>
           <a:xfrm>
             <a:off x="522360" y="3531600"/>
-            <a:ext cx="11058840" cy="1186920"/>
+            <a:ext cx="11058480" cy="1186920"/>
           </a:xfrm>
           <a:prstGeom prst="rect">
             <a:avLst/>
@@ -16376,7 +16234,7 @@
         <p:spPr>
           <a:xfrm>
             <a:off x="1676520" y="2362320"/>
-            <a:ext cx="8821800" cy="912600"/>
+            <a:ext cx="8821440" cy="912600"/>
           </a:xfrm>
           <a:prstGeom prst="rect">
             <a:avLst/>
@@ -16427,7 +16285,7 @@
         <p:spPr>
           <a:xfrm>
             <a:off x="522360" y="3531600"/>
-            <a:ext cx="11058840" cy="363960"/>
+            <a:ext cx="11058480" cy="363960"/>
           </a:xfrm>
           <a:prstGeom prst="rect">
             <a:avLst/>
@@ -16508,7 +16366,7 @@
         <p:spPr>
           <a:xfrm>
             <a:off x="248400" y="0"/>
-            <a:ext cx="11695320" cy="699120"/>
+            <a:ext cx="11694960" cy="699120"/>
           </a:xfrm>
           <a:prstGeom prst="rect">
             <a:avLst/>
@@ -16563,7 +16421,7 @@
         <p:spPr>
           <a:xfrm>
             <a:off x="248400" y="762120"/>
-            <a:ext cx="11695320" cy="1461240"/>
+            <a:ext cx="11694960" cy="1461240"/>
           </a:xfrm>
           <a:prstGeom prst="rect">
             <a:avLst/>
@@ -16664,7 +16522,7 @@
         <p:spPr>
           <a:xfrm>
             <a:off x="1600200" y="3585600"/>
-            <a:ext cx="8872560" cy="912600"/>
+            <a:ext cx="8872200" cy="912600"/>
           </a:xfrm>
           <a:prstGeom prst="rect">
             <a:avLst/>
@@ -16685,7 +16543,7 @@
             <a:spAutoFit/>
           </a:bodyPr>
           <a:p>
-            <a:pPr marL="285840" indent="-268560">
+            <a:pPr marL="285840" indent="-268200">
               <a:lnSpc>
                 <a:spcPct val="150000"/>
               </a:lnSpc>
@@ -16730,7 +16588,7 @@
             </a:endParaRPr>
           </a:p>
           <a:p>
-            <a:pPr marL="285840" indent="-268560">
+            <a:pPr marL="285840" indent="-268200">
               <a:lnSpc>
                 <a:spcPct val="150000"/>
               </a:lnSpc>
@@ -16785,7 +16643,7 @@
         <p:spPr>
           <a:xfrm>
             <a:off x="5256000" y="5472000"/>
-            <a:ext cx="5125680" cy="784440"/>
+            <a:ext cx="5125320" cy="784080"/>
           </a:xfrm>
           <a:prstGeom prst="rect">
             <a:avLst/>
@@ -16916,7 +16774,7 @@
         <p:spPr>
           <a:xfrm>
             <a:off x="10514160" y="2592000"/>
-            <a:ext cx="1498320" cy="4056840"/>
+            <a:ext cx="1497960" cy="4056480"/>
           </a:xfrm>
           <a:prstGeom prst="rect">
             <a:avLst/>
@@ -17272,7 +17130,7 @@
         <p:spPr>
           <a:xfrm>
             <a:off x="246600" y="2496600"/>
-            <a:ext cx="11697120" cy="699480"/>
+            <a:ext cx="11696760" cy="699480"/>
           </a:xfrm>
           <a:prstGeom prst="rect">
             <a:avLst/>
@@ -17373,7 +17231,7 @@
         <p:spPr>
           <a:xfrm>
             <a:off x="1676520" y="2362320"/>
-            <a:ext cx="8821800" cy="912600"/>
+            <a:ext cx="8821440" cy="912600"/>
           </a:xfrm>
           <a:prstGeom prst="rect">
             <a:avLst/>
@@ -17424,7 +17282,7 @@
         <p:spPr>
           <a:xfrm>
             <a:off x="522360" y="3531600"/>
-            <a:ext cx="11058840" cy="363960"/>
+            <a:ext cx="11058480" cy="363960"/>
           </a:xfrm>
           <a:prstGeom prst="rect">
             <a:avLst/>
@@ -17505,7 +17363,7 @@
         <p:spPr>
           <a:xfrm>
             <a:off x="248400" y="0"/>
-            <a:ext cx="11695320" cy="699120"/>
+            <a:ext cx="11694960" cy="699120"/>
           </a:xfrm>
           <a:prstGeom prst="rect">
             <a:avLst/>
@@ -17560,7 +17418,7 @@
         <p:spPr>
           <a:xfrm>
             <a:off x="248400" y="762120"/>
-            <a:ext cx="11695320" cy="2009880"/>
+            <a:ext cx="11694960" cy="2009880"/>
           </a:xfrm>
           <a:prstGeom prst="rect">
             <a:avLst/>
@@ -17741,7 +17599,7 @@
         <p:spPr>
           <a:xfrm>
             <a:off x="8849880" y="2814840"/>
-            <a:ext cx="2974680" cy="455400"/>
+            <a:ext cx="2974320" cy="455400"/>
           </a:xfrm>
           <a:prstGeom prst="rect">
             <a:avLst/>
@@ -17792,7 +17650,7 @@
         <p:spPr>
           <a:xfrm>
             <a:off x="1600200" y="4665600"/>
-            <a:ext cx="8872560" cy="912600"/>
+            <a:ext cx="8872200" cy="912600"/>
           </a:xfrm>
           <a:prstGeom prst="rect">
             <a:avLst/>
@@ -17813,7 +17671,7 @@
             <a:spAutoFit/>
           </a:bodyPr>
           <a:p>
-            <a:pPr marL="285840" indent="-268560">
+            <a:pPr marL="285840" indent="-268200">
               <a:lnSpc>
                 <a:spcPct val="150000"/>
               </a:lnSpc>
@@ -17858,7 +17716,7 @@
             </a:endParaRPr>
           </a:p>
           <a:p>
-            <a:pPr marL="285840" indent="-268560">
+            <a:pPr marL="285840" indent="-268200">
               <a:lnSpc>
                 <a:spcPct val="150000"/>
               </a:lnSpc>
@@ -17948,7 +17806,7 @@
         <p:spPr>
           <a:xfrm>
             <a:off x="246600" y="2903040"/>
-            <a:ext cx="11697120" cy="699480"/>
+            <a:ext cx="11696760" cy="699480"/>
           </a:xfrm>
           <a:prstGeom prst="rect">
             <a:avLst/>
@@ -18049,7 +17907,7 @@
         <p:spPr>
           <a:xfrm>
             <a:off x="1676520" y="2362320"/>
-            <a:ext cx="8821800" cy="912600"/>
+            <a:ext cx="8821440" cy="912600"/>
           </a:xfrm>
           <a:prstGeom prst="rect">
             <a:avLst/>
@@ -18100,7 +17958,7 @@
         <p:spPr>
           <a:xfrm>
             <a:off x="522360" y="3531600"/>
-            <a:ext cx="11058840" cy="363960"/>
+            <a:ext cx="11058480" cy="363960"/>
           </a:xfrm>
           <a:prstGeom prst="rect">
             <a:avLst/>
@@ -18181,7 +18039,7 @@
         <p:spPr>
           <a:xfrm>
             <a:off x="248400" y="0"/>
-            <a:ext cx="11695320" cy="699120"/>
+            <a:ext cx="11694960" cy="699120"/>
           </a:xfrm>
           <a:prstGeom prst="rect">
             <a:avLst/>
@@ -18236,7 +18094,7 @@
         <p:spPr>
           <a:xfrm>
             <a:off x="248400" y="762120"/>
-            <a:ext cx="11695320" cy="912600"/>
+            <a:ext cx="11694960" cy="912600"/>
           </a:xfrm>
           <a:prstGeom prst="rect">
             <a:avLst/>
@@ -18337,7 +18195,7 @@
         <p:spPr>
           <a:xfrm>
             <a:off x="1600200" y="3405600"/>
-            <a:ext cx="8872560" cy="1324080"/>
+            <a:ext cx="8872200" cy="1324080"/>
           </a:xfrm>
           <a:prstGeom prst="rect">
             <a:avLst/>
@@ -18358,7 +18216,7 @@
             <a:spAutoFit/>
           </a:bodyPr>
           <a:p>
-            <a:pPr marL="285840" indent="-268560">
+            <a:pPr marL="285840" indent="-268200">
               <a:lnSpc>
                 <a:spcPct val="150000"/>
               </a:lnSpc>
@@ -18403,7 +18261,7 @@
             </a:endParaRPr>
           </a:p>
           <a:p>
-            <a:pPr marL="285840" indent="-268560">
+            <a:pPr marL="285840" indent="-268200">
               <a:lnSpc>
                 <a:spcPct val="150000"/>
               </a:lnSpc>
@@ -18448,7 +18306,7 @@
             </a:endParaRPr>
           </a:p>
           <a:p>
-            <a:pPr marL="285840" indent="-268560">
+            <a:pPr marL="285840" indent="-268200">
               <a:lnSpc>
                 <a:spcPct val="150000"/>
               </a:lnSpc>
@@ -18503,7 +18361,7 @@
         <p:spPr>
           <a:xfrm>
             <a:off x="4601520" y="5832000"/>
-            <a:ext cx="5611680" cy="349200"/>
+            <a:ext cx="5611320" cy="348840"/>
           </a:xfrm>
           <a:prstGeom prst="rect">
             <a:avLst/>
@@ -18584,7 +18442,7 @@
         <p:spPr>
           <a:xfrm>
             <a:off x="10584000" y="3710160"/>
-            <a:ext cx="1397880" cy="2543040"/>
+            <a:ext cx="1397520" cy="2542680"/>
           </a:xfrm>
           <a:prstGeom prst="rect">
             <a:avLst/>
@@ -18830,7 +18688,7 @@
         <p:spPr>
           <a:xfrm>
             <a:off x="246600" y="1742040"/>
-            <a:ext cx="11697120" cy="699480"/>
+            <a:ext cx="11696760" cy="699480"/>
           </a:xfrm>
           <a:prstGeom prst="rect">
             <a:avLst/>
@@ -18931,7 +18789,7 @@
         <p:spPr>
           <a:xfrm>
             <a:off x="1676520" y="2362320"/>
-            <a:ext cx="8821800" cy="912600"/>
+            <a:ext cx="8821440" cy="912600"/>
           </a:xfrm>
           <a:prstGeom prst="rect">
             <a:avLst/>
@@ -18982,7 +18840,7 @@
         <p:spPr>
           <a:xfrm>
             <a:off x="522360" y="3531600"/>
-            <a:ext cx="11058840" cy="363960"/>
+            <a:ext cx="11058480" cy="363960"/>
           </a:xfrm>
           <a:prstGeom prst="rect">
             <a:avLst/>
@@ -19063,7 +18921,7 @@
         <p:spPr>
           <a:xfrm>
             <a:off x="1676520" y="2362320"/>
-            <a:ext cx="8821800" cy="912600"/>
+            <a:ext cx="8821440" cy="912600"/>
           </a:xfrm>
           <a:prstGeom prst="rect">
             <a:avLst/>
@@ -19114,7 +18972,7 @@
         <p:spPr>
           <a:xfrm>
             <a:off x="522360" y="3531600"/>
-            <a:ext cx="11058840" cy="363960"/>
+            <a:ext cx="11058480" cy="363960"/>
           </a:xfrm>
           <a:prstGeom prst="rect">
             <a:avLst/>
@@ -19195,7 +19053,7 @@
         <p:spPr>
           <a:xfrm>
             <a:off x="248400" y="0"/>
-            <a:ext cx="11695320" cy="699120"/>
+            <a:ext cx="11694960" cy="699120"/>
           </a:xfrm>
           <a:prstGeom prst="rect">
             <a:avLst/>
@@ -19250,7 +19108,7 @@
         <p:spPr>
           <a:xfrm>
             <a:off x="248400" y="762120"/>
-            <a:ext cx="11695320" cy="2009880"/>
+            <a:ext cx="11694960" cy="2009880"/>
           </a:xfrm>
           <a:prstGeom prst="rect">
             <a:avLst/>
@@ -19351,7 +19209,7 @@
         <p:spPr>
           <a:xfrm>
             <a:off x="1600200" y="4629600"/>
-            <a:ext cx="8872560" cy="912600"/>
+            <a:ext cx="8872200" cy="912600"/>
           </a:xfrm>
           <a:prstGeom prst="rect">
             <a:avLst/>
@@ -19372,7 +19230,7 @@
             <a:spAutoFit/>
           </a:bodyPr>
           <a:p>
-            <a:pPr marL="285840" indent="-268560">
+            <a:pPr marL="285840" indent="-268200">
               <a:lnSpc>
                 <a:spcPct val="150000"/>
               </a:lnSpc>
@@ -19417,7 +19275,7 @@
             </a:endParaRPr>
           </a:p>
           <a:p>
-            <a:pPr marL="285840" indent="-268560">
+            <a:pPr marL="285840" indent="-268200">
               <a:lnSpc>
                 <a:spcPct val="150000"/>
               </a:lnSpc>
@@ -19507,7 +19365,7 @@
         <p:spPr>
           <a:xfrm>
             <a:off x="246600" y="2859480"/>
-            <a:ext cx="11697120" cy="699480"/>
+            <a:ext cx="11696760" cy="699480"/>
           </a:xfrm>
           <a:prstGeom prst="rect">
             <a:avLst/>
@@ -19608,7 +19466,7 @@
         <p:spPr>
           <a:xfrm>
             <a:off x="1676520" y="2362320"/>
-            <a:ext cx="8821800" cy="912600"/>
+            <a:ext cx="8821440" cy="912600"/>
           </a:xfrm>
           <a:prstGeom prst="rect">
             <a:avLst/>
@@ -19659,7 +19517,7 @@
         <p:spPr>
           <a:xfrm>
             <a:off x="522360" y="3531600"/>
-            <a:ext cx="11058840" cy="363960"/>
+            <a:ext cx="11058480" cy="363960"/>
           </a:xfrm>
           <a:prstGeom prst="rect">
             <a:avLst/>
@@ -19775,7 +19633,7 @@
         <p:spPr>
           <a:xfrm>
             <a:off x="248400" y="0"/>
-            <a:ext cx="11695320" cy="699120"/>
+            <a:ext cx="11694960" cy="699120"/>
           </a:xfrm>
           <a:prstGeom prst="rect">
             <a:avLst/>
@@ -19830,7 +19688,7 @@
         <p:spPr>
           <a:xfrm>
             <a:off x="248400" y="762120"/>
-            <a:ext cx="10414800" cy="2284200"/>
+            <a:ext cx="10414440" cy="2284200"/>
           </a:xfrm>
           <a:prstGeom prst="rect">
             <a:avLst/>
@@ -20031,7 +19889,7 @@
         <p:spPr>
           <a:xfrm>
             <a:off x="1600200" y="4129560"/>
-            <a:ext cx="8872560" cy="912600"/>
+            <a:ext cx="8872200" cy="912600"/>
           </a:xfrm>
           <a:prstGeom prst="rect">
             <a:avLst/>
@@ -20052,7 +19910,7 @@
             <a:spAutoFit/>
           </a:bodyPr>
           <a:p>
-            <a:pPr marL="285840" indent="-268560">
+            <a:pPr marL="285840" indent="-268200">
               <a:lnSpc>
                 <a:spcPct val="150000"/>
               </a:lnSpc>
@@ -20097,7 +19955,7 @@
             </a:endParaRPr>
           </a:p>
           <a:p>
-            <a:pPr marL="285840" indent="-268560">
+            <a:pPr marL="285840" indent="-268200">
               <a:lnSpc>
                 <a:spcPct val="150000"/>
               </a:lnSpc>
@@ -20152,7 +20010,7 @@
         <p:spPr>
           <a:xfrm>
             <a:off x="1224000" y="5511960"/>
-            <a:ext cx="8917200" cy="349200"/>
+            <a:ext cx="8916840" cy="348840"/>
           </a:xfrm>
           <a:prstGeom prst="rect">
             <a:avLst/>
@@ -20173,7 +20031,7 @@
             <a:noAutofit/>
           </a:bodyPr>
           <a:p>
-            <a:pPr marL="216000" indent="-205200">
+            <a:pPr marL="216000" indent="-204840">
               <a:lnSpc>
                 <a:spcPct val="100000"/>
               </a:lnSpc>
@@ -20239,7 +20097,7 @@
         <p:spPr>
           <a:xfrm>
             <a:off x="10585440" y="973800"/>
-            <a:ext cx="1427760" cy="5711400"/>
+            <a:ext cx="1427400" cy="5711040"/>
           </a:xfrm>
           <a:prstGeom prst="rect">
             <a:avLst/>
@@ -20640,7 +20498,7 @@
         <p:spPr>
           <a:xfrm>
             <a:off x="246600" y="3062880"/>
-            <a:ext cx="11697120" cy="699480"/>
+            <a:ext cx="11696760" cy="699480"/>
           </a:xfrm>
           <a:prstGeom prst="rect">
             <a:avLst/>
@@ -20741,7 +20599,7 @@
         <p:spPr>
           <a:xfrm>
             <a:off x="1676520" y="2362320"/>
-            <a:ext cx="8821800" cy="912600"/>
+            <a:ext cx="8821440" cy="912600"/>
           </a:xfrm>
           <a:prstGeom prst="rect">
             <a:avLst/>
@@ -20792,7 +20650,7 @@
         <p:spPr>
           <a:xfrm>
             <a:off x="522360" y="3531600"/>
-            <a:ext cx="11058840" cy="363960"/>
+            <a:ext cx="11058480" cy="363960"/>
           </a:xfrm>
           <a:prstGeom prst="rect">
             <a:avLst/>
@@ -20873,7 +20731,7 @@
         <p:spPr>
           <a:xfrm>
             <a:off x="248400" y="0"/>
-            <a:ext cx="11695320" cy="699120"/>
+            <a:ext cx="11694960" cy="699120"/>
           </a:xfrm>
           <a:prstGeom prst="rect">
             <a:avLst/>
@@ -20928,7 +20786,7 @@
         <p:spPr>
           <a:xfrm>
             <a:off x="248400" y="762120"/>
-            <a:ext cx="10326240" cy="1461240"/>
+            <a:ext cx="10325880" cy="1461240"/>
           </a:xfrm>
           <a:prstGeom prst="rect">
             <a:avLst/>
@@ -20989,7 +20847,7 @@
         <p:spPr>
           <a:xfrm>
             <a:off x="1600200" y="3873600"/>
-            <a:ext cx="8872560" cy="1735560"/>
+            <a:ext cx="8872200" cy="1735560"/>
           </a:xfrm>
           <a:prstGeom prst="rect">
             <a:avLst/>
@@ -21010,7 +20868,7 @@
             <a:spAutoFit/>
           </a:bodyPr>
           <a:p>
-            <a:pPr marL="285840" indent="-268560">
+            <a:pPr marL="285840" indent="-268200">
               <a:lnSpc>
                 <a:spcPct val="150000"/>
               </a:lnSpc>
@@ -21055,7 +20913,7 @@
             </a:endParaRPr>
           </a:p>
           <a:p>
-            <a:pPr marL="285840" indent="-268560">
+            <a:pPr marL="285840" indent="-268200">
               <a:lnSpc>
                 <a:spcPct val="150000"/>
               </a:lnSpc>
@@ -21100,7 +20958,7 @@
             </a:endParaRPr>
           </a:p>
           <a:p>
-            <a:pPr marL="285840" indent="-268560">
+            <a:pPr marL="285840" indent="-268200">
               <a:lnSpc>
                 <a:spcPct val="150000"/>
               </a:lnSpc>
@@ -21145,7 +21003,7 @@
             </a:endParaRPr>
           </a:p>
           <a:p>
-            <a:pPr marL="285840" indent="-268560">
+            <a:pPr marL="285840" indent="-268200">
               <a:lnSpc>
                 <a:spcPct val="150000"/>
               </a:lnSpc>
@@ -21200,7 +21058,7 @@
         <p:spPr>
           <a:xfrm>
             <a:off x="1224000" y="5904000"/>
-            <a:ext cx="8917200" cy="349200"/>
+            <a:ext cx="8916840" cy="348840"/>
           </a:xfrm>
           <a:prstGeom prst="rect">
             <a:avLst/>
@@ -21221,7 +21079,7 @@
             <a:noAutofit/>
           </a:bodyPr>
           <a:p>
-            <a:pPr marL="216000" indent="-205200">
+            <a:pPr marL="216000" indent="-204840">
               <a:lnSpc>
                 <a:spcPct val="100000"/>
               </a:lnSpc>
@@ -21287,7 +21145,7 @@
         <p:spPr>
           <a:xfrm>
             <a:off x="10585440" y="1036440"/>
-            <a:ext cx="1427760" cy="5648760"/>
+            <a:ext cx="1427400" cy="5648400"/>
           </a:xfrm>
           <a:prstGeom prst="rect">
             <a:avLst/>
@@ -21723,7 +21581,7 @@
         <p:spPr>
           <a:xfrm>
             <a:off x="246600" y="2496600"/>
-            <a:ext cx="11697120" cy="394560"/>
+            <a:ext cx="11696760" cy="394560"/>
           </a:xfrm>
           <a:prstGeom prst="rect">
             <a:avLst/>
@@ -21804,7 +21662,7 @@
         <p:spPr>
           <a:xfrm>
             <a:off x="1676520" y="2362320"/>
-            <a:ext cx="8821800" cy="912600"/>
+            <a:ext cx="8821440" cy="912600"/>
           </a:xfrm>
           <a:prstGeom prst="rect">
             <a:avLst/>
@@ -21855,7 +21713,7 @@
         <p:spPr>
           <a:xfrm>
             <a:off x="1666800" y="609480"/>
-            <a:ext cx="8821800" cy="394560"/>
+            <a:ext cx="8821440" cy="394560"/>
           </a:xfrm>
           <a:prstGeom prst="rect">
             <a:avLst/>
@@ -21906,7 +21764,7 @@
         <p:spPr>
           <a:xfrm>
             <a:off x="522360" y="3531600"/>
-            <a:ext cx="11058840" cy="1735560"/>
+            <a:ext cx="11058480" cy="1735560"/>
           </a:xfrm>
           <a:prstGeom prst="rect">
             <a:avLst/>
@@ -21957,7 +21815,7 @@
             </a:endParaRPr>
           </a:p>
           <a:p>
-            <a:pPr marL="216000" indent="-206280">
+            <a:pPr marL="216000" indent="-205920">
               <a:lnSpc>
                 <a:spcPct val="100000"/>
               </a:lnSpc>
@@ -22032,7 +21890,7 @@
         <p:spPr>
           <a:xfrm>
             <a:off x="1676520" y="2362320"/>
-            <a:ext cx="8821800" cy="1735560"/>
+            <a:ext cx="8821440" cy="1735560"/>
           </a:xfrm>
           <a:prstGeom prst="rect">
             <a:avLst/>
@@ -22083,7 +21941,7 @@
         <p:spPr>
           <a:xfrm>
             <a:off x="522360" y="3531600"/>
-            <a:ext cx="11058840" cy="363960"/>
+            <a:ext cx="11058480" cy="363960"/>
           </a:xfrm>
           <a:prstGeom prst="rect">
             <a:avLst/>
@@ -22164,7 +22022,7 @@
         <p:spPr>
           <a:xfrm>
             <a:off x="248400" y="0"/>
-            <a:ext cx="11695320" cy="699120"/>
+            <a:ext cx="11694960" cy="699120"/>
           </a:xfrm>
           <a:prstGeom prst="rect">
             <a:avLst/>
@@ -22219,7 +22077,7 @@
         <p:spPr>
           <a:xfrm>
             <a:off x="248400" y="762120"/>
-            <a:ext cx="11695320" cy="2558520"/>
+            <a:ext cx="11694960" cy="2558520"/>
           </a:xfrm>
           <a:prstGeom prst="rect">
             <a:avLst/>
@@ -22440,7 +22298,7 @@
         <p:spPr>
           <a:xfrm>
             <a:off x="248400" y="3494880"/>
-            <a:ext cx="11695320" cy="1004400"/>
+            <a:ext cx="11694960" cy="1004400"/>
           </a:xfrm>
           <a:prstGeom prst="rect">
             <a:avLst/>
@@ -22531,7 +22389,7 @@
         <p:spPr>
           <a:xfrm>
             <a:off x="270360" y="4824000"/>
-            <a:ext cx="11536560" cy="912600"/>
+            <a:ext cx="11536200" cy="912600"/>
           </a:xfrm>
           <a:prstGeom prst="rect">
             <a:avLst/>
@@ -22552,7 +22410,7 @@
             <a:spAutoFit/>
           </a:bodyPr>
           <a:p>
-            <a:pPr marL="285840" indent="-268560">
+            <a:pPr marL="285840" indent="-268200">
               <a:lnSpc>
                 <a:spcPct val="150000"/>
               </a:lnSpc>
@@ -22597,7 +22455,7 @@
             </a:endParaRPr>
           </a:p>
           <a:p>
-            <a:pPr marL="285840" indent="-268560">
+            <a:pPr marL="285840" indent="-268200">
               <a:lnSpc>
                 <a:spcPct val="150000"/>
               </a:lnSpc>
@@ -22717,7 +22575,7 @@
         <p:spPr>
           <a:xfrm>
             <a:off x="1676520" y="2362320"/>
-            <a:ext cx="8821800" cy="912600"/>
+            <a:ext cx="8821440" cy="912600"/>
           </a:xfrm>
           <a:prstGeom prst="rect">
             <a:avLst/>
@@ -22768,7 +22626,7 @@
         <p:spPr>
           <a:xfrm>
             <a:off x="522360" y="3531600"/>
-            <a:ext cx="11058840" cy="363960"/>
+            <a:ext cx="11058480" cy="363960"/>
           </a:xfrm>
           <a:prstGeom prst="rect">
             <a:avLst/>
@@ -22849,7 +22707,7 @@
         <p:spPr>
           <a:xfrm>
             <a:off x="246600" y="762120"/>
-            <a:ext cx="11693880" cy="638280"/>
+            <a:ext cx="11693520" cy="638280"/>
           </a:xfrm>
           <a:prstGeom prst="rect">
             <a:avLst/>
@@ -22950,7 +22808,7 @@
         <p:spPr>
           <a:xfrm>
             <a:off x="1523880" y="2940480"/>
-            <a:ext cx="9403560" cy="1735560"/>
+            <a:ext cx="9403200" cy="1735560"/>
           </a:xfrm>
           <a:prstGeom prst="rect">
             <a:avLst/>
@@ -22971,7 +22829,7 @@
             <a:spAutoFit/>
           </a:bodyPr>
           <a:p>
-            <a:pPr marL="285840" indent="-268560">
+            <a:pPr marL="285840" indent="-268200">
               <a:lnSpc>
                 <a:spcPct val="150000"/>
               </a:lnSpc>
@@ -23016,7 +22874,7 @@
             </a:endParaRPr>
           </a:p>
           <a:p>
-            <a:pPr marL="285840" indent="-268560">
+            <a:pPr marL="285840" indent="-268200">
               <a:lnSpc>
                 <a:spcPct val="150000"/>
               </a:lnSpc>
@@ -23091,7 +22949,7 @@
             </a:endParaRPr>
           </a:p>
           <a:p>
-            <a:pPr marL="285840" indent="-268560">
+            <a:pPr marL="285840" indent="-268200">
               <a:lnSpc>
                 <a:spcPct val="150000"/>
               </a:lnSpc>
@@ -23156,7 +23014,7 @@
             </a:endParaRPr>
           </a:p>
           <a:p>
-            <a:pPr marL="285840" indent="-268560">
+            <a:pPr marL="285840" indent="-268200">
               <a:lnSpc>
                 <a:spcPct val="150000"/>
               </a:lnSpc>
@@ -23221,7 +23079,7 @@
         <p:spPr>
           <a:xfrm>
             <a:off x="1584000" y="4889520"/>
-            <a:ext cx="8839080" cy="999720"/>
+            <a:ext cx="8838720" cy="999360"/>
           </a:xfrm>
           <a:prstGeom prst="rect">
             <a:avLst/>
@@ -23272,7 +23130,7 @@
             </a:endParaRPr>
           </a:p>
           <a:p>
-            <a:pPr marL="216000" indent="-199080">
+            <a:pPr marL="216000" indent="-198720">
               <a:lnSpc>
                 <a:spcPct val="100000"/>
               </a:lnSpc>
@@ -23368,7 +23226,7 @@
         <p:spPr>
           <a:xfrm>
             <a:off x="246600" y="0"/>
-            <a:ext cx="11693880" cy="699120"/>
+            <a:ext cx="11693520" cy="699120"/>
           </a:xfrm>
           <a:prstGeom prst="rect">
             <a:avLst/>
@@ -23458,7 +23316,7 @@
         <p:spPr>
           <a:xfrm>
             <a:off x="246600" y="1742040"/>
-            <a:ext cx="11693880" cy="699480"/>
+            <a:ext cx="11693520" cy="699480"/>
           </a:xfrm>
           <a:prstGeom prst="rect">
             <a:avLst/>
@@ -23559,7 +23417,7 @@
         <p:spPr>
           <a:xfrm>
             <a:off x="248400" y="0"/>
-            <a:ext cx="11695320" cy="699120"/>
+            <a:ext cx="11694960" cy="699120"/>
           </a:xfrm>
           <a:prstGeom prst="rect">
             <a:avLst/>
@@ -23614,7 +23472,7 @@
         <p:spPr>
           <a:xfrm>
             <a:off x="248400" y="762120"/>
-            <a:ext cx="11695320" cy="1735560"/>
+            <a:ext cx="11694960" cy="1735560"/>
           </a:xfrm>
           <a:prstGeom prst="rect">
             <a:avLst/>
@@ -23725,7 +23583,7 @@
         <p:spPr>
           <a:xfrm>
             <a:off x="248400" y="2628720"/>
-            <a:ext cx="11695320" cy="699480"/>
+            <a:ext cx="11694960" cy="699480"/>
           </a:xfrm>
           <a:prstGeom prst="rect">
             <a:avLst/>
@@ -23796,7 +23654,7 @@
         <p:spPr>
           <a:xfrm>
             <a:off x="288000" y="3981600"/>
-            <a:ext cx="11662920" cy="912600"/>
+            <a:ext cx="11662560" cy="912600"/>
           </a:xfrm>
           <a:prstGeom prst="rect">
             <a:avLst/>
@@ -23817,7 +23675,7 @@
             <a:spAutoFit/>
           </a:bodyPr>
           <a:p>
-            <a:pPr marL="285840" indent="-268560">
+            <a:pPr marL="285840" indent="-268200">
               <a:lnSpc>
                 <a:spcPct val="150000"/>
               </a:lnSpc>
@@ -23862,7 +23720,7 @@
             </a:endParaRPr>
           </a:p>
           <a:p>
-            <a:pPr marL="285840" indent="-268560">
+            <a:pPr marL="285840" indent="-268200">
               <a:lnSpc>
                 <a:spcPct val="150000"/>
               </a:lnSpc>
@@ -23982,7 +23840,7 @@
         <p:spPr>
           <a:xfrm>
             <a:off x="1676520" y="2362320"/>
-            <a:ext cx="8821800" cy="1735560"/>
+            <a:ext cx="8821440" cy="1735560"/>
           </a:xfrm>
           <a:prstGeom prst="rect">
             <a:avLst/>
@@ -24033,7 +23891,7 @@
         <p:spPr>
           <a:xfrm>
             <a:off x="522360" y="3531600"/>
-            <a:ext cx="11058840" cy="363960"/>
+            <a:ext cx="11058480" cy="363960"/>
           </a:xfrm>
           <a:prstGeom prst="rect">
             <a:avLst/>
@@ -24114,7 +23972,7 @@
         <p:spPr>
           <a:xfrm>
             <a:off x="248400" y="0"/>
-            <a:ext cx="11695320" cy="699120"/>
+            <a:ext cx="11694960" cy="699120"/>
           </a:xfrm>
           <a:prstGeom prst="rect">
             <a:avLst/>
@@ -24169,7 +24027,7 @@
         <p:spPr>
           <a:xfrm>
             <a:off x="248400" y="762120"/>
-            <a:ext cx="11695320" cy="1735560"/>
+            <a:ext cx="11694960" cy="1735560"/>
           </a:xfrm>
           <a:prstGeom prst="rect">
             <a:avLst/>
@@ -24310,7 +24168,7 @@
         <p:spPr>
           <a:xfrm>
             <a:off x="248400" y="2435760"/>
-            <a:ext cx="11695320" cy="1004400"/>
+            <a:ext cx="11694960" cy="1004400"/>
           </a:xfrm>
           <a:prstGeom prst="rect">
             <a:avLst/>
@@ -24401,7 +24259,7 @@
         <p:spPr>
           <a:xfrm>
             <a:off x="1600200" y="3585600"/>
-            <a:ext cx="8872560" cy="1324080"/>
+            <a:ext cx="8872200" cy="1324080"/>
           </a:xfrm>
           <a:prstGeom prst="rect">
             <a:avLst/>
@@ -24422,7 +24280,7 @@
             <a:spAutoFit/>
           </a:bodyPr>
           <a:p>
-            <a:pPr marL="285840" indent="-268560">
+            <a:pPr marL="285840" indent="-268200">
               <a:lnSpc>
                 <a:spcPct val="150000"/>
               </a:lnSpc>
@@ -24467,7 +24325,7 @@
             </a:endParaRPr>
           </a:p>
           <a:p>
-            <a:pPr marL="285840" indent="-268560">
+            <a:pPr marL="285840" indent="-268200">
               <a:lnSpc>
                 <a:spcPct val="150000"/>
               </a:lnSpc>
@@ -24512,7 +24370,7 @@
             </a:endParaRPr>
           </a:p>
           <a:p>
-            <a:pPr marL="285840" indent="-268560">
+            <a:pPr marL="285840" indent="-268200">
               <a:lnSpc>
                 <a:spcPct val="150000"/>
               </a:lnSpc>
@@ -24632,7 +24490,7 @@
         <p:spPr>
           <a:xfrm>
             <a:off x="1676520" y="2362320"/>
-            <a:ext cx="8821800" cy="1735560"/>
+            <a:ext cx="8821440" cy="1735560"/>
           </a:xfrm>
           <a:prstGeom prst="rect">
             <a:avLst/>
@@ -24683,7 +24541,7 @@
         <p:spPr>
           <a:xfrm>
             <a:off x="522360" y="3531600"/>
-            <a:ext cx="11058840" cy="363960"/>
+            <a:ext cx="11058480" cy="363960"/>
           </a:xfrm>
           <a:prstGeom prst="rect">
             <a:avLst/>
@@ -25438,7 +25296,7 @@
         <p:spPr>
           <a:xfrm>
             <a:off x="248400" y="0"/>
-            <a:ext cx="11695320" cy="699120"/>
+            <a:ext cx="11694960" cy="699120"/>
           </a:xfrm>
           <a:prstGeom prst="rect">
             <a:avLst/>
@@ -25493,7 +25351,7 @@
         <p:spPr>
           <a:xfrm>
             <a:off x="248400" y="762120"/>
-            <a:ext cx="11695320" cy="1735560"/>
+            <a:ext cx="11694960" cy="1735560"/>
           </a:xfrm>
           <a:prstGeom prst="rect">
             <a:avLst/>
@@ -25594,7 +25452,7 @@
         <p:spPr>
           <a:xfrm>
             <a:off x="248400" y="2669760"/>
-            <a:ext cx="11695320" cy="699480"/>
+            <a:ext cx="11694960" cy="699480"/>
           </a:xfrm>
           <a:prstGeom prst="rect">
             <a:avLst/>
@@ -25665,7 +25523,7 @@
         <p:spPr>
           <a:xfrm>
             <a:off x="1600200" y="4269600"/>
-            <a:ext cx="8872560" cy="1324080"/>
+            <a:ext cx="8872200" cy="1324080"/>
           </a:xfrm>
           <a:prstGeom prst="rect">
             <a:avLst/>
@@ -25686,7 +25544,7 @@
             <a:spAutoFit/>
           </a:bodyPr>
           <a:p>
-            <a:pPr marL="285840" indent="-268560">
+            <a:pPr marL="285840" indent="-268200">
               <a:lnSpc>
                 <a:spcPct val="150000"/>
               </a:lnSpc>
@@ -25731,7 +25589,7 @@
             </a:endParaRPr>
           </a:p>
           <a:p>
-            <a:pPr marL="285840" indent="-268560">
+            <a:pPr marL="285840" indent="-268200">
               <a:lnSpc>
                 <a:spcPct val="150000"/>
               </a:lnSpc>
@@ -25776,7 +25634,7 @@
             </a:endParaRPr>
           </a:p>
           <a:p>
-            <a:pPr marL="285840" indent="-268560">
+            <a:pPr marL="285840" indent="-268200">
               <a:lnSpc>
                 <a:spcPct val="150000"/>
               </a:lnSpc>
@@ -25896,7 +25754,7 @@
         <p:spPr>
           <a:xfrm>
             <a:off x="1676520" y="2362320"/>
-            <a:ext cx="8821800" cy="2558520"/>
+            <a:ext cx="8821440" cy="2558520"/>
           </a:xfrm>
           <a:prstGeom prst="rect">
             <a:avLst/>
@@ -25947,7 +25805,7 @@
         <p:spPr>
           <a:xfrm>
             <a:off x="522360" y="3531600"/>
-            <a:ext cx="11058840" cy="363960"/>
+            <a:ext cx="11058480" cy="363960"/>
           </a:xfrm>
           <a:prstGeom prst="rect">
             <a:avLst/>
@@ -26540,7 +26398,7 @@
         <p:spPr>
           <a:xfrm>
             <a:off x="248400" y="0"/>
-            <a:ext cx="11695320" cy="699120"/>
+            <a:ext cx="11694960" cy="699120"/>
           </a:xfrm>
           <a:prstGeom prst="rect">
             <a:avLst/>
@@ -26595,7 +26453,7 @@
         <p:spPr>
           <a:xfrm>
             <a:off x="248400" y="762120"/>
-            <a:ext cx="11695320" cy="2558520"/>
+            <a:ext cx="11694960" cy="2558520"/>
           </a:xfrm>
           <a:prstGeom prst="rect">
             <a:avLst/>
@@ -26856,7 +26714,7 @@
         <p:spPr>
           <a:xfrm>
             <a:off x="248400" y="3206880"/>
-            <a:ext cx="11695320" cy="1309320"/>
+            <a:ext cx="11694960" cy="1309320"/>
           </a:xfrm>
           <a:prstGeom prst="rect">
             <a:avLst/>
@@ -26967,7 +26825,7 @@
         <p:spPr>
           <a:xfrm>
             <a:off x="288000" y="4795920"/>
-            <a:ext cx="8872560" cy="1324080"/>
+            <a:ext cx="8872200" cy="1324080"/>
           </a:xfrm>
           <a:prstGeom prst="rect">
             <a:avLst/>
@@ -26988,7 +26846,7 @@
             <a:spAutoFit/>
           </a:bodyPr>
           <a:p>
-            <a:pPr marL="285840" indent="-268560">
+            <a:pPr marL="285840" indent="-268200">
               <a:lnSpc>
                 <a:spcPct val="150000"/>
               </a:lnSpc>
@@ -27033,7 +26891,7 @@
             </a:endParaRPr>
           </a:p>
           <a:p>
-            <a:pPr marL="285840" indent="-268560">
+            <a:pPr marL="285840" indent="-268200">
               <a:lnSpc>
                 <a:spcPct val="150000"/>
               </a:lnSpc>
@@ -27078,7 +26936,7 @@
             </a:endParaRPr>
           </a:p>
           <a:p>
-            <a:pPr marL="285840" indent="-268560">
+            <a:pPr marL="285840" indent="-268200">
               <a:lnSpc>
                 <a:spcPct val="150000"/>
               </a:lnSpc>
@@ -27198,7 +27056,7 @@
         <p:spPr>
           <a:xfrm>
             <a:off x="1676520" y="2362320"/>
-            <a:ext cx="8821800" cy="912600"/>
+            <a:ext cx="8821440" cy="912600"/>
           </a:xfrm>
           <a:prstGeom prst="rect">
             <a:avLst/>
@@ -27249,7 +27107,7 @@
         <p:spPr>
           <a:xfrm>
             <a:off x="1666800" y="609480"/>
-            <a:ext cx="8821800" cy="394560"/>
+            <a:ext cx="8821440" cy="394560"/>
           </a:xfrm>
           <a:prstGeom prst="rect">
             <a:avLst/>
@@ -27300,7 +27158,7 @@
         <p:spPr>
           <a:xfrm>
             <a:off x="522360" y="3531600"/>
-            <a:ext cx="11058840" cy="638280"/>
+            <a:ext cx="11058480" cy="638280"/>
           </a:xfrm>
           <a:prstGeom prst="rect">
             <a:avLst/>
@@ -27401,7 +27259,7 @@
         <p:spPr>
           <a:xfrm>
             <a:off x="1676520" y="2362320"/>
-            <a:ext cx="8821800" cy="1735560"/>
+            <a:ext cx="8821440" cy="1735560"/>
           </a:xfrm>
           <a:prstGeom prst="rect">
             <a:avLst/>
@@ -27452,7 +27310,7 @@
         <p:spPr>
           <a:xfrm>
             <a:off x="522360" y="3531600"/>
-            <a:ext cx="11058840" cy="363960"/>
+            <a:ext cx="11058480" cy="363960"/>
           </a:xfrm>
           <a:prstGeom prst="rect">
             <a:avLst/>
@@ -27533,7 +27391,7 @@
         <p:spPr>
           <a:xfrm>
             <a:off x="248400" y="0"/>
-            <a:ext cx="11695320" cy="699120"/>
+            <a:ext cx="11694960" cy="699120"/>
           </a:xfrm>
           <a:prstGeom prst="rect">
             <a:avLst/>
@@ -27588,7 +27446,7 @@
         <p:spPr>
           <a:xfrm>
             <a:off x="248400" y="762120"/>
-            <a:ext cx="11695320" cy="2832840"/>
+            <a:ext cx="11694960" cy="2832840"/>
           </a:xfrm>
           <a:prstGeom prst="rect">
             <a:avLst/>
@@ -27849,7 +27707,7 @@
         <p:spPr>
           <a:xfrm>
             <a:off x="248400" y="3422880"/>
-            <a:ext cx="11695320" cy="1309320"/>
+            <a:ext cx="11694960" cy="1309320"/>
           </a:xfrm>
           <a:prstGeom prst="rect">
             <a:avLst/>
@@ -27960,7 +27818,7 @@
         <p:spPr>
           <a:xfrm>
             <a:off x="288000" y="4687920"/>
-            <a:ext cx="8872560" cy="2147040"/>
+            <a:ext cx="8872200" cy="2147040"/>
           </a:xfrm>
           <a:prstGeom prst="rect">
             <a:avLst/>
@@ -27981,7 +27839,7 @@
             <a:spAutoFit/>
           </a:bodyPr>
           <a:p>
-            <a:pPr marL="285840" indent="-268560">
+            <a:pPr marL="285840" indent="-268200">
               <a:lnSpc>
                 <a:spcPct val="150000"/>
               </a:lnSpc>
@@ -28026,7 +27884,7 @@
             </a:endParaRPr>
           </a:p>
           <a:p>
-            <a:pPr marL="285840" indent="-268560">
+            <a:pPr marL="285840" indent="-268200">
               <a:lnSpc>
                 <a:spcPct val="150000"/>
               </a:lnSpc>
@@ -28071,7 +27929,7 @@
             </a:endParaRPr>
           </a:p>
           <a:p>
-            <a:pPr marL="285840" indent="-268560">
+            <a:pPr marL="285840" indent="-268200">
               <a:lnSpc>
                 <a:spcPct val="150000"/>
               </a:lnSpc>
@@ -28116,7 +27974,7 @@
             </a:endParaRPr>
           </a:p>
           <a:p>
-            <a:pPr marL="285840" indent="-268560">
+            <a:pPr marL="285840" indent="-268200">
               <a:lnSpc>
                 <a:spcPct val="150000"/>
               </a:lnSpc>
@@ -28161,7 +28019,7 @@
             </a:endParaRPr>
           </a:p>
           <a:p>
-            <a:pPr marL="285840" indent="-268560">
+            <a:pPr marL="285840" indent="-268200">
               <a:lnSpc>
                 <a:spcPct val="150000"/>
               </a:lnSpc>
@@ -28281,7 +28139,7 @@
         <p:spPr>
           <a:xfrm>
             <a:off x="1676520" y="2362320"/>
-            <a:ext cx="8821800" cy="912600"/>
+            <a:ext cx="8821440" cy="912600"/>
           </a:xfrm>
           <a:prstGeom prst="rect">
             <a:avLst/>
@@ -28332,7 +28190,7 @@
         <p:spPr>
           <a:xfrm>
             <a:off x="1666800" y="609480"/>
-            <a:ext cx="8821800" cy="394560"/>
+            <a:ext cx="8821440" cy="394560"/>
           </a:xfrm>
           <a:prstGeom prst="rect">
             <a:avLst/>
@@ -28383,7 +28241,7 @@
         <p:spPr>
           <a:xfrm>
             <a:off x="522360" y="3531600"/>
-            <a:ext cx="11058840" cy="638280"/>
+            <a:ext cx="11058480" cy="638280"/>
           </a:xfrm>
           <a:prstGeom prst="rect">
             <a:avLst/>
@@ -28464,7 +28322,7 @@
         <p:spPr>
           <a:xfrm>
             <a:off x="1676520" y="2362320"/>
-            <a:ext cx="8821800" cy="912600"/>
+            <a:ext cx="8821440" cy="912600"/>
           </a:xfrm>
           <a:prstGeom prst="rect">
             <a:avLst/>
@@ -28515,7 +28373,7 @@
         <p:spPr>
           <a:xfrm>
             <a:off x="522360" y="3531600"/>
-            <a:ext cx="11058840" cy="363960"/>
+            <a:ext cx="11058480" cy="363960"/>
           </a:xfrm>
           <a:prstGeom prst="rect">
             <a:avLst/>
@@ -28596,7 +28454,7 @@
         <p:spPr>
           <a:xfrm>
             <a:off x="248400" y="0"/>
-            <a:ext cx="11695320" cy="699120"/>
+            <a:ext cx="11694960" cy="699120"/>
           </a:xfrm>
           <a:prstGeom prst="rect">
             <a:avLst/>
@@ -28651,7 +28509,7 @@
         <p:spPr>
           <a:xfrm>
             <a:off x="248400" y="762120"/>
-            <a:ext cx="11695320" cy="1735560"/>
+            <a:ext cx="11694960" cy="1735560"/>
           </a:xfrm>
           <a:prstGeom prst="rect">
             <a:avLst/>
@@ -28792,7 +28650,7 @@
         <p:spPr>
           <a:xfrm>
             <a:off x="248400" y="2882880"/>
-            <a:ext cx="11695320" cy="1004400"/>
+            <a:ext cx="11694960" cy="1004400"/>
           </a:xfrm>
           <a:prstGeom prst="rect">
             <a:avLst/>
@@ -28883,7 +28741,7 @@
         <p:spPr>
           <a:xfrm>
             <a:off x="288000" y="4039920"/>
-            <a:ext cx="8872560" cy="1324080"/>
+            <a:ext cx="8872200" cy="1324080"/>
           </a:xfrm>
           <a:prstGeom prst="rect">
             <a:avLst/>
@@ -28904,7 +28762,7 @@
             <a:spAutoFit/>
           </a:bodyPr>
           <a:p>
-            <a:pPr marL="285840" indent="-268560">
+            <a:pPr marL="285840" indent="-268200">
               <a:lnSpc>
                 <a:spcPct val="150000"/>
               </a:lnSpc>
@@ -28949,7 +28807,7 @@
             </a:endParaRPr>
           </a:p>
           <a:p>
-            <a:pPr marL="285840" indent="-268560">
+            <a:pPr marL="285840" indent="-268200">
               <a:lnSpc>
                 <a:spcPct val="150000"/>
               </a:lnSpc>
@@ -28994,7 +28852,7 @@
             </a:endParaRPr>
           </a:p>
           <a:p>
-            <a:pPr marL="285840" indent="-268560">
+            <a:pPr marL="285840" indent="-268200">
               <a:lnSpc>
                 <a:spcPct val="150000"/>
               </a:lnSpc>
@@ -29084,7 +28942,7 @@
         <p:spPr>
           <a:xfrm>
             <a:off x="6264000" y="2882880"/>
-            <a:ext cx="5756040" cy="644040"/>
+            <a:ext cx="5755680" cy="643680"/>
           </a:xfrm>
           <a:prstGeom prst="rect">
             <a:avLst/>
@@ -29185,7 +29043,7 @@
         <p:spPr>
           <a:xfrm>
             <a:off x="1676520" y="2362320"/>
-            <a:ext cx="8821800" cy="1735560"/>
+            <a:ext cx="8821440" cy="1735560"/>
           </a:xfrm>
           <a:prstGeom prst="rect">
             <a:avLst/>
@@ -29236,7 +29094,7 @@
         <p:spPr>
           <a:xfrm>
             <a:off x="522360" y="3531600"/>
-            <a:ext cx="11058840" cy="363960"/>
+            <a:ext cx="11058480" cy="363960"/>
           </a:xfrm>
           <a:prstGeom prst="rect">
             <a:avLst/>
@@ -29317,7 +29175,7 @@
         <p:spPr>
           <a:xfrm>
             <a:off x="248400" y="0"/>
-            <a:ext cx="11695320" cy="699120"/>
+            <a:ext cx="11694960" cy="699120"/>
           </a:xfrm>
           <a:prstGeom prst="rect">
             <a:avLst/>
@@ -29372,7 +29230,7 @@
         <p:spPr>
           <a:xfrm>
             <a:off x="248400" y="762120"/>
-            <a:ext cx="11695320" cy="2284200"/>
+            <a:ext cx="11694960" cy="2284200"/>
           </a:xfrm>
           <a:prstGeom prst="rect">
             <a:avLst/>
@@ -29513,7 +29371,7 @@
         <p:spPr>
           <a:xfrm>
             <a:off x="248400" y="3026880"/>
-            <a:ext cx="11695320" cy="1004400"/>
+            <a:ext cx="11694960" cy="1004400"/>
           </a:xfrm>
           <a:prstGeom prst="rect">
             <a:avLst/>
@@ -29604,7 +29462,7 @@
         <p:spPr>
           <a:xfrm>
             <a:off x="288000" y="4039920"/>
-            <a:ext cx="8872560" cy="1324080"/>
+            <a:ext cx="8872200" cy="1324080"/>
           </a:xfrm>
           <a:prstGeom prst="rect">
             <a:avLst/>
@@ -29625,7 +29483,7 @@
             <a:spAutoFit/>
           </a:bodyPr>
           <a:p>
-            <a:pPr marL="285840" indent="-268560">
+            <a:pPr marL="285840" indent="-268200">
               <a:lnSpc>
                 <a:spcPct val="150000"/>
               </a:lnSpc>
@@ -29670,7 +29528,7 @@
             </a:endParaRPr>
           </a:p>
           <a:p>
-            <a:pPr marL="285840" indent="-268560">
+            <a:pPr marL="285840" indent="-268200">
               <a:lnSpc>
                 <a:spcPct val="150000"/>
               </a:lnSpc>
@@ -29715,7 +29573,7 @@
             </a:endParaRPr>
           </a:p>
           <a:p>
-            <a:pPr marL="285840" indent="-268560">
+            <a:pPr marL="285840" indent="-268200">
               <a:lnSpc>
                 <a:spcPct val="150000"/>
               </a:lnSpc>
@@ -29805,7 +29663,7 @@
         <p:spPr>
           <a:xfrm>
             <a:off x="6480000" y="3046320"/>
-            <a:ext cx="5686920" cy="644040"/>
+            <a:ext cx="5686560" cy="643680"/>
           </a:xfrm>
           <a:prstGeom prst="rect">
             <a:avLst/>
@@ -29906,7 +29764,7 @@
         <p:spPr>
           <a:xfrm>
             <a:off x="1676520" y="2362320"/>
-            <a:ext cx="8821800" cy="1735560"/>
+            <a:ext cx="8821440" cy="1735560"/>
           </a:xfrm>
           <a:prstGeom prst="rect">
             <a:avLst/>
@@ -29957,7 +29815,7 @@
         <p:spPr>
           <a:xfrm>
             <a:off x="522360" y="3531600"/>
-            <a:ext cx="11058840" cy="363960"/>
+            <a:ext cx="11058480" cy="363960"/>
           </a:xfrm>
           <a:prstGeom prst="rect">
             <a:avLst/>
@@ -30550,7 +30408,7 @@
         <p:spPr>
           <a:xfrm>
             <a:off x="248400" y="0"/>
-            <a:ext cx="11695320" cy="699120"/>
+            <a:ext cx="11694960" cy="699120"/>
           </a:xfrm>
           <a:prstGeom prst="rect">
             <a:avLst/>
@@ -30605,7 +30463,7 @@
         <p:spPr>
           <a:xfrm>
             <a:off x="248400" y="762120"/>
-            <a:ext cx="11695320" cy="2558520"/>
+            <a:ext cx="11694960" cy="2558520"/>
           </a:xfrm>
           <a:prstGeom prst="rect">
             <a:avLst/>
@@ -30826,7 +30684,7 @@
         <p:spPr>
           <a:xfrm>
             <a:off x="248400" y="3206880"/>
-            <a:ext cx="11695320" cy="1004400"/>
+            <a:ext cx="11694960" cy="1004400"/>
           </a:xfrm>
           <a:prstGeom prst="rect">
             <a:avLst/>
@@ -30917,7 +30775,7 @@
         <p:spPr>
           <a:xfrm>
             <a:off x="340560" y="4608000"/>
-            <a:ext cx="8872560" cy="1735560"/>
+            <a:ext cx="8872200" cy="1735560"/>
           </a:xfrm>
           <a:prstGeom prst="rect">
             <a:avLst/>
@@ -30938,7 +30796,7 @@
             <a:spAutoFit/>
           </a:bodyPr>
           <a:p>
-            <a:pPr marL="285840" indent="-268560">
+            <a:pPr marL="285840" indent="-268200">
               <a:lnSpc>
                 <a:spcPct val="150000"/>
               </a:lnSpc>
@@ -30983,7 +30841,7 @@
             </a:endParaRPr>
           </a:p>
           <a:p>
-            <a:pPr marL="285840" indent="-268560">
+            <a:pPr marL="285840" indent="-268200">
               <a:lnSpc>
                 <a:spcPct val="150000"/>
               </a:lnSpc>
@@ -31028,7 +30886,7 @@
             </a:endParaRPr>
           </a:p>
           <a:p>
-            <a:pPr marL="285840" indent="-268560">
+            <a:pPr marL="285840" indent="-268200">
               <a:lnSpc>
                 <a:spcPct val="150000"/>
               </a:lnSpc>
@@ -31073,7 +30931,7 @@
             </a:endParaRPr>
           </a:p>
           <a:p>
-            <a:pPr marL="285840" indent="-268560">
+            <a:pPr marL="285840" indent="-268200">
               <a:lnSpc>
                 <a:spcPct val="150000"/>
               </a:lnSpc>
@@ -31193,7 +31051,7 @@
         <p:spPr>
           <a:xfrm>
             <a:off x="1676520" y="2362320"/>
-            <a:ext cx="8821800" cy="912600"/>
+            <a:ext cx="8821440" cy="912600"/>
           </a:xfrm>
           <a:prstGeom prst="rect">
             <a:avLst/>
@@ -31244,7 +31102,7 @@
         <p:spPr>
           <a:xfrm>
             <a:off x="1666800" y="609480"/>
-            <a:ext cx="8821800" cy="394560"/>
+            <a:ext cx="8821440" cy="394560"/>
           </a:xfrm>
           <a:prstGeom prst="rect">
             <a:avLst/>
@@ -31295,7 +31153,7 @@
         <p:spPr>
           <a:xfrm>
             <a:off x="522360" y="3531600"/>
-            <a:ext cx="11058840" cy="1186920"/>
+            <a:ext cx="11058480" cy="1186920"/>
           </a:xfrm>
           <a:prstGeom prst="rect">
             <a:avLst/>
@@ -31376,7 +31234,7 @@
         <p:spPr>
           <a:xfrm>
             <a:off x="1676520" y="2362320"/>
-            <a:ext cx="8821800" cy="913320"/>
+            <a:ext cx="8821440" cy="912960"/>
           </a:xfrm>
           <a:prstGeom prst="rect">
             <a:avLst/>
@@ -31427,7 +31285,7 @@
         <p:spPr>
           <a:xfrm>
             <a:off x="522360" y="3531600"/>
-            <a:ext cx="11058840" cy="363960"/>
+            <a:ext cx="11058480" cy="363960"/>
           </a:xfrm>
           <a:prstGeom prst="rect">
             <a:avLst/>
@@ -31508,7 +31366,7 @@
         <p:spPr>
           <a:xfrm>
             <a:off x="248400" y="0"/>
-            <a:ext cx="11695320" cy="699120"/>
+            <a:ext cx="11694960" cy="699120"/>
           </a:xfrm>
           <a:prstGeom prst="rect">
             <a:avLst/>
@@ -31563,7 +31421,7 @@
         <p:spPr>
           <a:xfrm>
             <a:off x="248400" y="762120"/>
-            <a:ext cx="11695320" cy="1461600"/>
+            <a:ext cx="11694960" cy="1461240"/>
           </a:xfrm>
           <a:prstGeom prst="rect">
             <a:avLst/>
@@ -31684,7 +31542,7 @@
         <p:spPr>
           <a:xfrm>
             <a:off x="248400" y="2450880"/>
-            <a:ext cx="11695320" cy="394920"/>
+            <a:ext cx="11694960" cy="394560"/>
           </a:xfrm>
           <a:prstGeom prst="rect">
             <a:avLst/>
@@ -31735,7 +31593,7 @@
         <p:spPr>
           <a:xfrm>
             <a:off x="288000" y="3031920"/>
-            <a:ext cx="11807280" cy="2147040"/>
+            <a:ext cx="11806920" cy="2147040"/>
           </a:xfrm>
           <a:prstGeom prst="rect">
             <a:avLst/>
@@ -31756,7 +31614,7 @@
             <a:spAutoFit/>
           </a:bodyPr>
           <a:p>
-            <a:pPr marL="285840" indent="-268560">
+            <a:pPr marL="285840" indent="-268200">
               <a:lnSpc>
                 <a:spcPct val="150000"/>
               </a:lnSpc>
@@ -31801,7 +31659,7 @@
             </a:endParaRPr>
           </a:p>
           <a:p>
-            <a:pPr marL="285840" indent="-268560">
+            <a:pPr marL="285840" indent="-268200">
               <a:lnSpc>
                 <a:spcPct val="150000"/>
               </a:lnSpc>
@@ -31931,7 +31789,7 @@
         <p:spPr>
           <a:xfrm>
             <a:off x="1676520" y="2362320"/>
-            <a:ext cx="8821800" cy="913320"/>
+            <a:ext cx="8821440" cy="912960"/>
           </a:xfrm>
           <a:prstGeom prst="rect">
             <a:avLst/>
@@ -31982,7 +31840,7 @@
         <p:spPr>
           <a:xfrm>
             <a:off x="522360" y="3531600"/>
-            <a:ext cx="11058840" cy="363960"/>
+            <a:ext cx="11058480" cy="363960"/>
           </a:xfrm>
           <a:prstGeom prst="rect">
             <a:avLst/>
@@ -32063,7 +31921,7 @@
         <p:spPr>
           <a:xfrm>
             <a:off x="1676520" y="2362320"/>
-            <a:ext cx="8821800" cy="912600"/>
+            <a:ext cx="8821440" cy="912600"/>
           </a:xfrm>
           <a:prstGeom prst="rect">
             <a:avLst/>
@@ -32114,7 +31972,7 @@
         <p:spPr>
           <a:xfrm>
             <a:off x="522360" y="3531600"/>
-            <a:ext cx="11058840" cy="363960"/>
+            <a:ext cx="11058480" cy="363960"/>
           </a:xfrm>
           <a:prstGeom prst="rect">
             <a:avLst/>
@@ -32195,7 +32053,7 @@
         <p:spPr>
           <a:xfrm>
             <a:off x="248400" y="0"/>
-            <a:ext cx="11695320" cy="699120"/>
+            <a:ext cx="11694960" cy="699120"/>
           </a:xfrm>
           <a:prstGeom prst="rect">
             <a:avLst/>
@@ -32250,7 +32108,7 @@
         <p:spPr>
           <a:xfrm>
             <a:off x="248400" y="762120"/>
-            <a:ext cx="9903240" cy="2010240"/>
+            <a:ext cx="9902880" cy="2009880"/>
           </a:xfrm>
           <a:prstGeom prst="rect">
             <a:avLst/>
@@ -32431,7 +32289,7 @@
         <p:spPr>
           <a:xfrm>
             <a:off x="248400" y="3062880"/>
-            <a:ext cx="9831240" cy="699480"/>
+            <a:ext cx="9830880" cy="699480"/>
           </a:xfrm>
           <a:prstGeom prst="rect">
             <a:avLst/>
@@ -32482,7 +32340,7 @@
         <p:spPr>
           <a:xfrm>
             <a:off x="288000" y="3751920"/>
-            <a:ext cx="11807280" cy="2970000"/>
+            <a:ext cx="11806920" cy="2970000"/>
           </a:xfrm>
           <a:prstGeom prst="rect">
             <a:avLst/>
@@ -32503,7 +32361,7 @@
             <a:spAutoFit/>
           </a:bodyPr>
           <a:p>
-            <a:pPr marL="285840" indent="-268560">
+            <a:pPr marL="285840" indent="-268200">
               <a:lnSpc>
                 <a:spcPct val="150000"/>
               </a:lnSpc>
@@ -32548,7 +32406,7 @@
             </a:endParaRPr>
           </a:p>
           <a:p>
-            <a:pPr marL="285840" indent="-268560">
+            <a:pPr marL="285840" indent="-268200">
               <a:lnSpc>
                 <a:spcPct val="150000"/>
               </a:lnSpc>
@@ -32593,7 +32451,7 @@
             </a:endParaRPr>
           </a:p>
           <a:p>
-            <a:pPr marL="285840" indent="-268560">
+            <a:pPr marL="285840" indent="-268200">
               <a:lnSpc>
                 <a:spcPct val="150000"/>
               </a:lnSpc>
@@ -32638,7 +32496,7 @@
             </a:endParaRPr>
           </a:p>
           <a:p>
-            <a:pPr marL="285840" indent="-268560">
+            <a:pPr marL="285840" indent="-268200">
               <a:lnSpc>
                 <a:spcPct val="150000"/>
               </a:lnSpc>
@@ -32683,7 +32541,7 @@
             </a:endParaRPr>
           </a:p>
           <a:p>
-            <a:pPr marL="285840" indent="-268560">
+            <a:pPr marL="285840" indent="-268200">
               <a:lnSpc>
                 <a:spcPct val="150000"/>
               </a:lnSpc>
@@ -32728,7 +32586,7 @@
             </a:endParaRPr>
           </a:p>
           <a:p>
-            <a:pPr marL="285840" indent="-268560">
+            <a:pPr marL="285840" indent="-268200">
               <a:lnSpc>
                 <a:spcPct val="150000"/>
               </a:lnSpc>
@@ -32773,7 +32631,7 @@
             </a:endParaRPr>
           </a:p>
           <a:p>
-            <a:pPr marL="285840" indent="-268560">
+            <a:pPr marL="285840" indent="-268200">
               <a:lnSpc>
                 <a:spcPct val="150000"/>
               </a:lnSpc>
@@ -32863,7 +32721,7 @@
         <p:spPr>
           <a:xfrm>
             <a:off x="10332000" y="682560"/>
-            <a:ext cx="1895760" cy="5714640"/>
+            <a:ext cx="1895400" cy="5714280"/>
           </a:xfrm>
           <a:prstGeom prst="rect">
             <a:avLst/>
@@ -32895,6 +32753,7 @@
                   <a:srgbClr val="bf360c"/>
                 </a:solidFill>
                 <a:latin typeface="Arial"/>
+                <a:ea typeface="DejaVu Sans"/>
               </a:rPr>
               <a:t>  </a:t>
             </a:r>
@@ -32904,6 +32763,7 @@
                   <a:srgbClr val="bf360c"/>
                 </a:solidFill>
                 <a:latin typeface="Arial"/>
+                <a:ea typeface="DejaVu Sans"/>
               </a:rPr>
               <a:t>1) "neel"</a:t>
             </a:r>
@@ -32923,6 +32783,7 @@
                   <a:srgbClr val="bf360c"/>
                 </a:solidFill>
                 <a:latin typeface="Arial"/>
+                <a:ea typeface="DejaVu Sans"/>
               </a:rPr>
               <a:t>  </a:t>
             </a:r>
@@ -32932,6 +32793,7 @@
                   <a:srgbClr val="bf360c"/>
                 </a:solidFill>
                 <a:latin typeface="Arial"/>
+                <a:ea typeface="DejaVu Sans"/>
               </a:rPr>
               <a:t>2) "4"</a:t>
             </a:r>
@@ -32951,6 +32813,7 @@
                   <a:srgbClr val="bf360c"/>
                 </a:solidFill>
                 <a:latin typeface="Arial"/>
+                <a:ea typeface="DejaVu Sans"/>
               </a:rPr>
               <a:t>  </a:t>
             </a:r>
@@ -32960,6 +32823,7 @@
                   <a:srgbClr val="bf360c"/>
                 </a:solidFill>
                 <a:latin typeface="Arial"/>
+                <a:ea typeface="DejaVu Sans"/>
               </a:rPr>
               <a:t>3) "raj"</a:t>
             </a:r>
@@ -32979,6 +32843,7 @@
                   <a:srgbClr val="bf360c"/>
                 </a:solidFill>
                 <a:latin typeface="Arial"/>
+                <a:ea typeface="DejaVu Sans"/>
               </a:rPr>
               <a:t>  </a:t>
             </a:r>
@@ -32988,6 +32853,7 @@
                   <a:srgbClr val="bf360c"/>
                 </a:solidFill>
                 <a:latin typeface="Arial"/>
+                <a:ea typeface="DejaVu Sans"/>
               </a:rPr>
               <a:t>4) "5"</a:t>
             </a:r>
@@ -33007,6 +32873,7 @@
                   <a:srgbClr val="bf360c"/>
                 </a:solidFill>
                 <a:latin typeface="Arial"/>
+                <a:ea typeface="DejaVu Sans"/>
               </a:rPr>
               <a:t>  </a:t>
             </a:r>
@@ -33016,6 +32883,7 @@
                   <a:srgbClr val="bf360c"/>
                 </a:solidFill>
                 <a:latin typeface="Arial"/>
+                <a:ea typeface="DejaVu Sans"/>
               </a:rPr>
               <a:t>5) "ruhan"</a:t>
             </a:r>
@@ -33035,6 +32903,7 @@
                   <a:srgbClr val="bf360c"/>
                 </a:solidFill>
                 <a:latin typeface="Arial"/>
+                <a:ea typeface="DejaVu Sans"/>
               </a:rPr>
               <a:t>  </a:t>
             </a:r>
@@ -33044,6 +32913,7 @@
                   <a:srgbClr val="bf360c"/>
                 </a:solidFill>
                 <a:latin typeface="Arial"/>
+                <a:ea typeface="DejaVu Sans"/>
               </a:rPr>
               <a:t>6) "5"</a:t>
             </a:r>
@@ -33063,6 +32933,7 @@
                   <a:srgbClr val="bf360c"/>
                 </a:solidFill>
                 <a:latin typeface="Arial"/>
+                <a:ea typeface="DejaVu Sans"/>
               </a:rPr>
               <a:t>  </a:t>
             </a:r>
@@ -33072,6 +32943,7 @@
                   <a:srgbClr val="bf360c"/>
                 </a:solidFill>
                 <a:latin typeface="Arial"/>
+                <a:ea typeface="DejaVu Sans"/>
               </a:rPr>
               <a:t>7) "gau"</a:t>
             </a:r>
@@ -33091,6 +32963,7 @@
                   <a:srgbClr val="bf360c"/>
                 </a:solidFill>
                 <a:latin typeface="Arial"/>
+                <a:ea typeface="DejaVu Sans"/>
               </a:rPr>
               <a:t>  </a:t>
             </a:r>
@@ -33100,6 +32973,7 @@
                   <a:srgbClr val="bf360c"/>
                 </a:solidFill>
                 <a:latin typeface="Arial"/>
+                <a:ea typeface="DejaVu Sans"/>
               </a:rPr>
               <a:t>8) "7"</a:t>
             </a:r>
@@ -33119,6 +32993,7 @@
                   <a:srgbClr val="bf360c"/>
                 </a:solidFill>
                 <a:latin typeface="Arial"/>
+                <a:ea typeface="DejaVu Sans"/>
               </a:rPr>
               <a:t>  </a:t>
             </a:r>
@@ -33128,6 +33003,7 @@
                   <a:srgbClr val="bf360c"/>
                 </a:solidFill>
                 <a:latin typeface="Arial"/>
+                <a:ea typeface="DejaVu Sans"/>
               </a:rPr>
               <a:t>9) "kau"</a:t>
             </a:r>
@@ -33147,6 +33023,7 @@
                   <a:srgbClr val="bf360c"/>
                 </a:solidFill>
                 <a:latin typeface="Arial"/>
+                <a:ea typeface="DejaVu Sans"/>
               </a:rPr>
               <a:t> </a:t>
             </a:r>
@@ -33156,6 +33033,7 @@
                   <a:srgbClr val="bf360c"/>
                 </a:solidFill>
                 <a:latin typeface="Arial"/>
+                <a:ea typeface="DejaVu Sans"/>
               </a:rPr>
               <a:t>10) "10"</a:t>
             </a:r>
@@ -33175,6 +33053,7 @@
                   <a:srgbClr val="bf360c"/>
                 </a:solidFill>
                 <a:latin typeface="Arial"/>
+                <a:ea typeface="DejaVu Sans"/>
               </a:rPr>
               <a:t> </a:t>
             </a:r>
@@ -33184,6 +33063,7 @@
                   <a:srgbClr val="bf360c"/>
                 </a:solidFill>
                 <a:latin typeface="Arial"/>
+                <a:ea typeface="DejaVu Sans"/>
               </a:rPr>
               <a:t>11) "nitish"</a:t>
             </a:r>
@@ -33203,6 +33083,7 @@
                   <a:srgbClr val="bf360c"/>
                 </a:solidFill>
                 <a:latin typeface="Arial"/>
+                <a:ea typeface="DejaVu Sans"/>
               </a:rPr>
               <a:t> </a:t>
             </a:r>
@@ -33212,6 +33093,7 @@
                   <a:srgbClr val="bf360c"/>
                 </a:solidFill>
                 <a:latin typeface="Arial"/>
+                <a:ea typeface="DejaVu Sans"/>
               </a:rPr>
               <a:t>12) "10"</a:t>
             </a:r>
@@ -33231,6 +33113,7 @@
                   <a:srgbClr val="bf360c"/>
                 </a:solidFill>
                 <a:latin typeface="Arial"/>
+                <a:ea typeface="DejaVu Sans"/>
               </a:rPr>
               <a:t> </a:t>
             </a:r>
@@ -33240,6 +33123,7 @@
                   <a:srgbClr val="bf360c"/>
                 </a:solidFill>
                 <a:latin typeface="Arial"/>
+                <a:ea typeface="DejaVu Sans"/>
               </a:rPr>
               <a:t>13)  "saleel"</a:t>
             </a:r>
@@ -33259,6 +33143,7 @@
                   <a:srgbClr val="bf360c"/>
                 </a:solidFill>
                 <a:latin typeface="Arial"/>
+                <a:ea typeface="DejaVu Sans"/>
               </a:rPr>
               <a:t> </a:t>
             </a:r>
@@ -33268,6 +33153,7 @@
                   <a:srgbClr val="bf360c"/>
                 </a:solidFill>
                 <a:latin typeface="Arial"/>
+                <a:ea typeface="DejaVu Sans"/>
               </a:rPr>
               <a:t>14) "17"</a:t>
             </a:r>
@@ -33287,6 +33173,7 @@
                   <a:srgbClr val="bf360c"/>
                 </a:solidFill>
                 <a:latin typeface="Arial"/>
+                <a:ea typeface="DejaVu Sans"/>
               </a:rPr>
               <a:t> </a:t>
             </a:r>
@@ -33296,6 +33183,7 @@
                   <a:srgbClr val="bf360c"/>
                 </a:solidFill>
                 <a:latin typeface="Arial"/>
+                <a:ea typeface="DejaVu Sans"/>
               </a:rPr>
               <a:t>15) "sangita"</a:t>
             </a:r>
@@ -33315,6 +33203,7 @@
                   <a:srgbClr val="bf360c"/>
                 </a:solidFill>
                 <a:latin typeface="Arial"/>
+                <a:ea typeface="DejaVu Sans"/>
               </a:rPr>
               <a:t> </a:t>
             </a:r>
@@ -33324,6 +33213,7 @@
                   <a:srgbClr val="bf360c"/>
                 </a:solidFill>
                 <a:latin typeface="Arial"/>
+                <a:ea typeface="DejaVu Sans"/>
               </a:rPr>
               <a:t>16) "23"</a:t>
             </a:r>
@@ -33343,6 +33233,7 @@
                   <a:srgbClr val="bf360c"/>
                 </a:solidFill>
                 <a:latin typeface="Arial"/>
+                <a:ea typeface="DejaVu Sans"/>
               </a:rPr>
               <a:t> </a:t>
             </a:r>
@@ -33352,6 +33243,7 @@
                   <a:srgbClr val="bf360c"/>
                 </a:solidFill>
                 <a:latin typeface="Arial"/>
+                <a:ea typeface="DejaVu Sans"/>
               </a:rPr>
               <a:t>17) "deep"</a:t>
             </a:r>
@@ -33371,6 +33263,7 @@
                   <a:srgbClr val="bf360c"/>
                 </a:solidFill>
                 <a:latin typeface="Arial"/>
+                <a:ea typeface="DejaVu Sans"/>
               </a:rPr>
               <a:t> </a:t>
             </a:r>
@@ -33380,6 +33273,7 @@
                   <a:srgbClr val="bf360c"/>
                 </a:solidFill>
                 <a:latin typeface="Arial"/>
+                <a:ea typeface="DejaVu Sans"/>
               </a:rPr>
               <a:t>18) "28"</a:t>
             </a:r>
@@ -33458,7 +33352,7 @@
         <p:spPr>
           <a:xfrm>
             <a:off x="248400" y="0"/>
-            <a:ext cx="11695320" cy="699120"/>
+            <a:ext cx="11694960" cy="699120"/>
           </a:xfrm>
           <a:prstGeom prst="rect">
             <a:avLst/>
@@ -33513,7 +33407,7 @@
         <p:spPr>
           <a:xfrm>
             <a:off x="248400" y="762120"/>
-            <a:ext cx="9903240" cy="639000"/>
+            <a:ext cx="9902880" cy="638640"/>
           </a:xfrm>
           <a:prstGeom prst="rect">
             <a:avLst/>
@@ -33534,7 +33428,11 @@
             <a:spAutoFit/>
           </a:bodyPr>
           <a:p>
-            <a:pPr algn="just"/>
+            <a:pPr algn="just">
+              <a:lnSpc>
+                <a:spcPct val="100000"/>
+              </a:lnSpc>
+            </a:pPr>
             <a:r>
               <a:rPr b="1" lang="en-US" sz="1800" spc="-1" strike="noStrike">
                 <a:solidFill>
@@ -33570,7 +33468,7 @@
         <p:spPr>
           <a:xfrm>
             <a:off x="248400" y="1694880"/>
-            <a:ext cx="9831240" cy="395280"/>
+            <a:ext cx="9830880" cy="394920"/>
           </a:xfrm>
           <a:prstGeom prst="rect">
             <a:avLst/>
@@ -33621,7 +33519,7 @@
         <p:spPr>
           <a:xfrm>
             <a:off x="288000" y="2491920"/>
-            <a:ext cx="11807280" cy="913320"/>
+            <a:ext cx="11806920" cy="912960"/>
           </a:xfrm>
           <a:prstGeom prst="rect">
             <a:avLst/>
@@ -33642,7 +33540,7 @@
             <a:spAutoFit/>
           </a:bodyPr>
           <a:p>
-            <a:pPr marL="285840" indent="-268560">
+            <a:pPr marL="285840" indent="-268200">
               <a:lnSpc>
                 <a:spcPct val="150000"/>
               </a:lnSpc>
@@ -33660,17 +33558,7 @@
                 <a:latin typeface="Consolas"/>
                 <a:ea typeface="SimSun"/>
               </a:rPr>
-              <a:t>127.0.0.1:</a:t>
-            </a:r>
-            <a:r>
-              <a:rPr b="0" lang="en-IN" sz="1800" spc="-1" strike="noStrike">
-                <a:solidFill>
-                  <a:srgbClr val="808080"/>
-                </a:solidFill>
-                <a:latin typeface="Consolas"/>
-                <a:ea typeface="SimSun"/>
-              </a:rPr>
-              <a:t>6379&gt;</a:t>
+              <a:t>127.0.0.1:6379&gt;</a:t>
             </a:r>
             <a:r>
               <a:rPr b="0" lang="en-IN" sz="1800" spc="-1" strike="noStrike">
@@ -33690,34 +33578,14 @@
                 <a:latin typeface="Consolas"/>
                 <a:ea typeface="SimSun"/>
               </a:rPr>
-              <a:t>zrevrange </a:t>
-            </a:r>
-            <a:r>
-              <a:rPr b="0" lang="en-IN" sz="1800" spc="-1" strike="noStrike">
-                <a:solidFill>
-                  <a:srgbClr val="ff5733"/>
-                </a:solidFill>
-                <a:latin typeface="Consolas"/>
-                <a:ea typeface="SimSun"/>
-              </a:rPr>
-              <a:t>game:1 0 -</a:t>
-            </a:r>
-            <a:r>
-              <a:rPr b="0" lang="en-IN" sz="1800" spc="-1" strike="noStrike">
-                <a:solidFill>
-                  <a:srgbClr val="ff5733"/>
-                </a:solidFill>
-                <a:latin typeface="Consolas"/>
-                <a:ea typeface="SimSun"/>
-              </a:rPr>
-              <a:t>1</a:t>
+              <a:t>zrevrange game:1 0 -1</a:t>
             </a:r>
             <a:endParaRPr b="0" lang="en-IN" sz="1800" spc="-1" strike="noStrike">
               <a:latin typeface="Arial"/>
             </a:endParaRPr>
           </a:p>
           <a:p>
-            <a:pPr marL="285840" indent="-268560">
+            <a:pPr marL="285840" indent="-268200">
               <a:lnSpc>
                 <a:spcPct val="150000"/>
               </a:lnSpc>
@@ -33735,17 +33603,7 @@
                 <a:latin typeface="Consolas"/>
                 <a:ea typeface="SimSun"/>
               </a:rPr>
-              <a:t>127.0.0.1:</a:t>
-            </a:r>
-            <a:r>
-              <a:rPr b="0" lang="en-IN" sz="1800" spc="-1" strike="noStrike">
-                <a:solidFill>
-                  <a:srgbClr val="808080"/>
-                </a:solidFill>
-                <a:latin typeface="Consolas"/>
-                <a:ea typeface="SimSun"/>
-              </a:rPr>
-              <a:t>6379&gt;</a:t>
+              <a:t>127.0.0.1:6379&gt;</a:t>
             </a:r>
             <a:r>
               <a:rPr b="0" lang="en-IN" sz="1800" spc="-1" strike="noStrike">
@@ -33765,37 +33623,7 @@
                 <a:latin typeface="Consolas"/>
                 <a:ea typeface="SimSun"/>
               </a:rPr>
-              <a:t>zrevrange </a:t>
-            </a:r>
-            <a:r>
-              <a:rPr b="0" lang="en-IN" sz="1800" spc="-1" strike="noStrike">
-                <a:solidFill>
-                  <a:srgbClr val="ff5733"/>
-                </a:solidFill>
-                <a:latin typeface="Consolas"/>
-                <a:ea typeface="SimSun"/>
-              </a:rPr>
-              <a:t>game:1 0 -</a:t>
-            </a:r>
-            <a:r>
-              <a:rPr b="0" lang="en-IN" sz="1800" spc="-1" strike="noStrike">
-                <a:solidFill>
-                  <a:srgbClr val="ff5733"/>
-                </a:solidFill>
-                <a:latin typeface="Consolas"/>
-                <a:ea typeface="SimSun"/>
-              </a:rPr>
-              <a:t>1 </a:t>
-            </a:r>
-            <a:r>
-              <a:rPr b="0" lang="en-IN" sz="1800" spc="-1" strike="noStrike">
-                <a:solidFill>
-                  <a:srgbClr val="ff5733"/>
-                </a:solidFill>
-                <a:latin typeface="Consolas"/>
-                <a:ea typeface="SimSun"/>
-              </a:rPr>
-              <a:t>withscores</a:t>
+              <a:t>zrevrange game:1 0 -1 withscores</a:t>
             </a:r>
             <a:endParaRPr b="0" lang="en-IN" sz="1800" spc="-1" strike="noStrike">
               <a:latin typeface="Arial"/>
@@ -33877,7 +33705,7 @@
         <p:spPr>
           <a:xfrm>
             <a:off x="1676520" y="2362320"/>
-            <a:ext cx="8821800" cy="913320"/>
+            <a:ext cx="8821440" cy="1735560"/>
           </a:xfrm>
           <a:prstGeom prst="rect">
             <a:avLst/>
@@ -33898,7 +33726,11 @@
             <a:spAutoFit/>
           </a:bodyPr>
           <a:p>
-            <a:pPr algn="ctr"/>
+            <a:pPr algn="ctr">
+              <a:lnSpc>
+                <a:spcPct val="100000"/>
+              </a:lnSpc>
+            </a:pPr>
             <a:r>
               <a:rPr b="0" i="1" lang="en-IN" sz="5400" spc="-1" strike="noStrike">
                 <a:solidFill>
@@ -33907,7 +33739,17 @@
                 <a:latin typeface="Century"/>
                 <a:ea typeface="DejaVu Sans"/>
               </a:rPr>
-              <a:t>zrangebyscore</a:t>
+              <a:t>zrangebyscore &amp; </a:t>
+            </a:r>
+            <a:r>
+              <a:rPr b="0" i="1" lang="en-IN" sz="5400" spc="-1" strike="noStrike">
+                <a:solidFill>
+                  <a:srgbClr val="f7c120"/>
+                </a:solidFill>
+                <a:latin typeface="Century"/>
+                <a:ea typeface="DejaVu Sans"/>
+              </a:rPr>
+              <a:t>zrevrangebyscore</a:t>
             </a:r>
             <a:endParaRPr b="0" lang="en-IN" sz="5400" spc="-1" strike="noStrike">
               <a:latin typeface="Arial"/>
@@ -33924,7 +33766,7 @@
         <p:spPr>
           <a:xfrm>
             <a:off x="522360" y="3531600"/>
-            <a:ext cx="11058840" cy="363960"/>
+            <a:ext cx="11058480" cy="363960"/>
           </a:xfrm>
           <a:prstGeom prst="rect">
             <a:avLst/>
@@ -34005,7 +33847,7 @@
         <p:spPr>
           <a:xfrm>
             <a:off x="248400" y="0"/>
-            <a:ext cx="11695320" cy="699120"/>
+            <a:ext cx="11694960" cy="699120"/>
           </a:xfrm>
           <a:prstGeom prst="rect">
             <a:avLst/>
@@ -34043,7 +33885,17 @@
                 <a:latin typeface="Open Sans"/>
                 <a:ea typeface="DejaVu Sans"/>
               </a:rPr>
-              <a:t>zrangebyscore</a:t>
+              <a:t>zrangebyscore &amp; </a:t>
+            </a:r>
+            <a:r>
+              <a:rPr b="0" lang="en-IN" sz="4000" spc="-1" strike="noStrike">
+                <a:solidFill>
+                  <a:srgbClr val="f7c120"/>
+                </a:solidFill>
+                <a:latin typeface="Open Sans"/>
+                <a:ea typeface="DejaVu Sans"/>
+              </a:rPr>
+              <a:t>zrevrangebyscore</a:t>
             </a:r>
             <a:endParaRPr b="0" lang="en-IN" sz="4000" spc="-1" strike="noStrike">
               <a:latin typeface="Arial"/>
@@ -34060,7 +33912,7 @@
         <p:spPr>
           <a:xfrm>
             <a:off x="248400" y="762120"/>
-            <a:ext cx="11703240" cy="1187280"/>
+            <a:ext cx="11702880" cy="1857960"/>
           </a:xfrm>
           <a:prstGeom prst="rect">
             <a:avLst/>
@@ -34170,6 +34022,42 @@
               <a:latin typeface="Arial"/>
             </a:endParaRPr>
           </a:p>
+          <a:p>
+            <a:pPr algn="just">
+              <a:lnSpc>
+                <a:spcPct val="100000"/>
+              </a:lnSpc>
+            </a:pPr>
+            <a:endParaRPr b="0" lang="en-IN" sz="1800" spc="-1" strike="noStrike">
+              <a:latin typeface="Arial"/>
+            </a:endParaRPr>
+          </a:p>
+          <a:p>
+            <a:pPr algn="just"/>
+            <a:r>
+              <a:rPr b="1" lang="en-US" sz="1800" spc="-1" strike="noStrike">
+                <a:solidFill>
+                  <a:srgbClr val="7c4dff"/>
+                </a:solidFill>
+                <a:latin typeface="Arial"/>
+                <a:ea typeface="DejaVu Sans"/>
+              </a:rPr>
+              <a:t>ZREVRANGEBYSCORE</a:t>
+            </a:r>
+            <a:r>
+              <a:rPr b="0" lang="en-US" sz="1800" spc="-1" strike="noStrike">
+                <a:solidFill>
+                  <a:srgbClr val="000000"/>
+                </a:solidFill>
+                <a:latin typeface="Arial"/>
+                <a:ea typeface="DejaVu Sans"/>
+              </a:rPr>
+              <a:t> returns all the elements in the sorted set at key with a score between max and min (including elements with score equal to max or min).</a:t>
+            </a:r>
+            <a:endParaRPr b="0" lang="en-IN" sz="1800" spc="-1" strike="noStrike">
+              <a:latin typeface="Arial"/>
+            </a:endParaRPr>
+          </a:p>
         </p:txBody>
       </p:sp>
       <p:sp>
@@ -34180,8 +34068,8 @@
         </p:nvSpPr>
         <p:spPr>
           <a:xfrm>
-            <a:off x="248400" y="2306880"/>
-            <a:ext cx="9831240" cy="394920"/>
+            <a:off x="248400" y="3062880"/>
+            <a:ext cx="9830880" cy="699480"/>
           </a:xfrm>
           <a:prstGeom prst="rect">
             <a:avLst/>
@@ -34221,6 +34109,26 @@
               <a:latin typeface="Arial"/>
             </a:endParaRPr>
           </a:p>
+          <a:p>
+            <a:pPr>
+              <a:lnSpc>
+                <a:spcPct val="100000"/>
+              </a:lnSpc>
+            </a:pPr>
+            <a:r>
+              <a:rPr b="0" lang="en-US" sz="2000" spc="-1" strike="noStrike">
+                <a:solidFill>
+                  <a:srgbClr val="00b0f0"/>
+                </a:solidFill>
+                <a:latin typeface="Consolas"/>
+                <a:ea typeface="DejaVu Sans"/>
+              </a:rPr>
+              <a:t>ZREVRANGEBYSCORE key max min [WITHSCORES] [LIMIT offset count]</a:t>
+            </a:r>
+            <a:endParaRPr b="0" lang="en-IN" sz="2000" spc="-1" strike="noStrike">
+              <a:latin typeface="Arial"/>
+            </a:endParaRPr>
+          </a:p>
         </p:txBody>
       </p:sp>
       <p:sp>
@@ -34231,8 +34139,8 @@
         </p:nvSpPr>
         <p:spPr>
           <a:xfrm>
-            <a:off x="288000" y="2959920"/>
-            <a:ext cx="11807280" cy="2147040"/>
+            <a:off x="288000" y="3751920"/>
+            <a:ext cx="11806920" cy="2970000"/>
           </a:xfrm>
           <a:prstGeom prst="rect">
             <a:avLst/>
@@ -34253,7 +34161,7 @@
             <a:spAutoFit/>
           </a:bodyPr>
           <a:p>
-            <a:pPr marL="285840" indent="-268560">
+            <a:pPr marL="285840" indent="-268200">
               <a:lnSpc>
                 <a:spcPct val="150000"/>
               </a:lnSpc>
@@ -34298,7 +34206,7 @@
             </a:endParaRPr>
           </a:p>
           <a:p>
-            <a:pPr marL="285840" indent="-268560">
+            <a:pPr marL="285840" indent="-268200">
               <a:lnSpc>
                 <a:spcPct val="150000"/>
               </a:lnSpc>
@@ -34343,7 +34251,7 @@
             </a:endParaRPr>
           </a:p>
           <a:p>
-            <a:pPr marL="285840" indent="-268560">
+            <a:pPr marL="285840" indent="-268200">
               <a:lnSpc>
                 <a:spcPct val="150000"/>
               </a:lnSpc>
@@ -34388,7 +34296,7 @@
             </a:endParaRPr>
           </a:p>
           <a:p>
-            <a:pPr marL="285840" indent="-268560">
+            <a:pPr marL="285840" indent="-268200">
               <a:lnSpc>
                 <a:spcPct val="150000"/>
               </a:lnSpc>
@@ -34433,7 +34341,7 @@
             </a:endParaRPr>
           </a:p>
           <a:p>
-            <a:pPr marL="285840" indent="-268560">
+            <a:pPr marL="285840" indent="-268200">
               <a:lnSpc>
                 <a:spcPct val="150000"/>
               </a:lnSpc>
@@ -34472,6 +34380,96 @@
                 <a:ea typeface="SimSun"/>
               </a:rPr>
               <a:t>zrangebyscore game:1 7 23 limit 1 3</a:t>
+            </a:r>
+            <a:endParaRPr b="0" lang="en-IN" sz="1800" spc="-1" strike="noStrike">
+              <a:latin typeface="Arial"/>
+            </a:endParaRPr>
+          </a:p>
+          <a:p>
+            <a:pPr marL="285840" indent="-268200">
+              <a:lnSpc>
+                <a:spcPct val="150000"/>
+              </a:lnSpc>
+              <a:buClr>
+                <a:srgbClr val="808080"/>
+              </a:buClr>
+              <a:buFont typeface="Arial"/>
+              <a:buChar char="•"/>
+            </a:pPr>
+            <a:r>
+              <a:rPr b="0" lang="en-IN" sz="1800" spc="-1" strike="noStrike">
+                <a:solidFill>
+                  <a:srgbClr val="808080"/>
+                </a:solidFill>
+                <a:latin typeface="Consolas"/>
+                <a:ea typeface="SimSun"/>
+              </a:rPr>
+              <a:t>127.0.0.1:6379&gt;</a:t>
+            </a:r>
+            <a:r>
+              <a:rPr b="0" lang="en-IN" sz="1800" spc="-1" strike="noStrike">
+                <a:solidFill>
+                  <a:srgbClr val="000000"/>
+                </a:solidFill>
+                <a:latin typeface="Consolas"/>
+                <a:ea typeface="SimSun"/>
+              </a:rPr>
+              <a:t> </a:t>
+            </a:r>
+            <a:r>
+              <a:rPr b="0" lang="en-IN" sz="1800" spc="-1" strike="noStrike">
+                <a:solidFill>
+                  <a:srgbClr val="ff5733"/>
+                </a:solidFill>
+                <a:latin typeface="Consolas"/>
+                <a:ea typeface="SimSun"/>
+              </a:rPr>
+              <a:t>zrevrangebyscore game:1 23 7  withscores</a:t>
+            </a:r>
+            <a:endParaRPr b="0" lang="en-IN" sz="1800" spc="-1" strike="noStrike">
+              <a:latin typeface="Arial"/>
+            </a:endParaRPr>
+          </a:p>
+          <a:p>
+            <a:pPr marL="285840" indent="-268200">
+              <a:lnSpc>
+                <a:spcPct val="150000"/>
+              </a:lnSpc>
+              <a:buClr>
+                <a:srgbClr val="808080"/>
+              </a:buClr>
+              <a:buFont typeface="Arial"/>
+              <a:buChar char="•"/>
+            </a:pPr>
+            <a:r>
+              <a:rPr b="0" lang="en-IN" sz="1800" spc="-1" strike="noStrike">
+                <a:solidFill>
+                  <a:srgbClr val="808080"/>
+                </a:solidFill>
+                <a:latin typeface="Consolas"/>
+                <a:ea typeface="SimSun"/>
+              </a:rPr>
+              <a:t>127.0.0.1:6379&gt;</a:t>
+            </a:r>
+            <a:r>
+              <a:rPr b="0" lang="en-IN" sz="1800" spc="-1" strike="noStrike">
+                <a:solidFill>
+                  <a:srgbClr val="000000"/>
+                </a:solidFill>
+                <a:latin typeface="Consolas"/>
+                <a:ea typeface="SimSun"/>
+              </a:rPr>
+              <a:t> </a:t>
+            </a:r>
+            <a:r>
+              <a:rPr b="0" lang="en-IN" sz="1800" spc="-1" strike="noStrike">
+                <a:solidFill>
+                  <a:srgbClr val="ff5733"/>
+                </a:solidFill>
+                <a:latin typeface="Consolas"/>
+                <a:ea typeface="SimSun"/>
+              </a:rPr>
+              <a:t>zrevrangebyscore game:1 (23 7  withscores</a:t>
             </a:r>
             <a:endParaRPr b="0" lang="en-IN" sz="1800" spc="-1" strike="noStrike">
               <a:latin typeface="Arial"/>
@@ -34487,7 +34485,7 @@
         </p:nvSpPr>
         <p:spPr>
           <a:xfrm>
-            <a:off x="0" y="2094840"/>
+            <a:off x="0" y="2850840"/>
             <a:ext cx="12191760" cy="0"/>
           </a:xfrm>
           <a:prstGeom prst="line">
@@ -34553,7 +34551,7 @@
         <p:spPr>
           <a:xfrm>
             <a:off x="1676520" y="2362320"/>
-            <a:ext cx="8821800" cy="1735560"/>
+            <a:ext cx="8821440" cy="1735560"/>
           </a:xfrm>
           <a:prstGeom prst="rect">
             <a:avLst/>
@@ -34587,17 +34585,7 @@
                 <a:latin typeface="Century"/>
                 <a:ea typeface="DejaVu Sans"/>
               </a:rPr>
-              <a:t>zrank, zrevrank </a:t>
-            </a:r>
-            <a:r>
-              <a:rPr b="0" i="1" lang="en-IN" sz="5400" spc="-1" strike="noStrike">
-                <a:solidFill>
-                  <a:srgbClr val="f7c120"/>
-                </a:solidFill>
-                <a:latin typeface="Century"/>
-                <a:ea typeface="DejaVu Sans"/>
-              </a:rPr>
-              <a:t>and zscore</a:t>
+              <a:t>zrank, zrevrank and zscore</a:t>
             </a:r>
             <a:endParaRPr b="0" lang="en-IN" sz="5400" spc="-1" strike="noStrike">
               <a:latin typeface="Arial"/>
@@ -34614,7 +34602,7 @@
         <p:spPr>
           <a:xfrm>
             <a:off x="522360" y="3531600"/>
-            <a:ext cx="11058840" cy="363960"/>
+            <a:ext cx="11058480" cy="363960"/>
           </a:xfrm>
           <a:prstGeom prst="rect">
             <a:avLst/>
@@ -34695,7 +34683,7 @@
         <p:spPr>
           <a:xfrm>
             <a:off x="248400" y="0"/>
-            <a:ext cx="11695320" cy="699120"/>
+            <a:ext cx="11694960" cy="699120"/>
           </a:xfrm>
           <a:prstGeom prst="rect">
             <a:avLst/>
@@ -34750,7 +34738,7 @@
         <p:spPr>
           <a:xfrm>
             <a:off x="248400" y="762120"/>
-            <a:ext cx="11703240" cy="1705320"/>
+            <a:ext cx="11702880" cy="2009880"/>
           </a:xfrm>
           <a:prstGeom prst="rect">
             <a:avLst/>
@@ -34771,7 +34759,11 @@
             <a:spAutoFit/>
           </a:bodyPr>
           <a:p>
-            <a:pPr algn="just"/>
+            <a:pPr algn="just">
+              <a:lnSpc>
+                <a:spcPct val="100000"/>
+              </a:lnSpc>
+            </a:pPr>
             <a:r>
               <a:rPr b="1" lang="en-US" sz="1800" spc="-1" strike="noStrike">
                 <a:solidFill>
@@ -34797,13 +34789,21 @@
             </a:endParaRPr>
           </a:p>
           <a:p>
-            <a:pPr algn="just"/>
+            <a:pPr algn="just">
+              <a:lnSpc>
+                <a:spcPct val="100000"/>
+              </a:lnSpc>
+            </a:pPr>
             <a:endParaRPr b="0" lang="en-IN" sz="1800" spc="-1" strike="noStrike">
               <a:latin typeface="Arial"/>
             </a:endParaRPr>
           </a:p>
           <a:p>
-            <a:pPr algn="just"/>
+            <a:pPr algn="just">
+              <a:lnSpc>
+                <a:spcPct val="100000"/>
+              </a:lnSpc>
+            </a:pPr>
             <a:r>
               <a:rPr b="1" lang="en-US" sz="1800" spc="-1" strike="noStrike">
                 <a:solidFill>
@@ -34829,13 +34829,21 @@
             </a:endParaRPr>
           </a:p>
           <a:p>
-            <a:pPr algn="just"/>
+            <a:pPr algn="just">
+              <a:lnSpc>
+                <a:spcPct val="100000"/>
+              </a:lnSpc>
+            </a:pPr>
             <a:endParaRPr b="0" lang="en-IN" sz="1800" spc="-1" strike="noStrike">
               <a:latin typeface="Arial"/>
             </a:endParaRPr>
           </a:p>
           <a:p>
-            <a:pPr algn="just"/>
+            <a:pPr algn="just">
+              <a:lnSpc>
+                <a:spcPct val="100000"/>
+              </a:lnSpc>
+            </a:pPr>
             <a:r>
               <a:rPr b="1" lang="en-US" sz="1800" spc="-1" strike="noStrike">
                 <a:solidFill>
@@ -34871,7 +34879,7 @@
         <p:spPr>
           <a:xfrm>
             <a:off x="248400" y="3062880"/>
-            <a:ext cx="9831240" cy="1004400"/>
+            <a:ext cx="9830880" cy="1004400"/>
           </a:xfrm>
           <a:prstGeom prst="rect">
             <a:avLst/>
@@ -34962,7 +34970,7 @@
         <p:spPr>
           <a:xfrm>
             <a:off x="288000" y="4327920"/>
-            <a:ext cx="11807280" cy="1324080"/>
+            <a:ext cx="11806920" cy="1324080"/>
           </a:xfrm>
           <a:prstGeom prst="rect">
             <a:avLst/>
@@ -34983,7 +34991,7 @@
             <a:spAutoFit/>
           </a:bodyPr>
           <a:p>
-            <a:pPr marL="285840" indent="-268560">
+            <a:pPr marL="285840" indent="-268200">
               <a:lnSpc>
                 <a:spcPct val="150000"/>
               </a:lnSpc>
@@ -35028,7 +35036,7 @@
             </a:endParaRPr>
           </a:p>
           <a:p>
-            <a:pPr marL="285840" indent="-268560">
+            <a:pPr marL="285840" indent="-268200">
               <a:lnSpc>
                 <a:spcPct val="150000"/>
               </a:lnSpc>
@@ -35073,7 +35081,7 @@
             </a:endParaRPr>
           </a:p>
           <a:p>
-            <a:pPr marL="285840" indent="-268560">
+            <a:pPr marL="285840" indent="-268200">
               <a:lnSpc>
                 <a:spcPct val="150000"/>
               </a:lnSpc>
@@ -35193,7 +35201,7 @@
         <p:spPr>
           <a:xfrm>
             <a:off x="1676520" y="2362320"/>
-            <a:ext cx="8821800" cy="912600"/>
+            <a:ext cx="8821440" cy="913320"/>
           </a:xfrm>
           <a:prstGeom prst="rect">
             <a:avLst/>
@@ -35227,7 +35235,7 @@
                 <a:latin typeface="Century"/>
                 <a:ea typeface="DejaVu Sans"/>
               </a:rPr>
-              <a:t>redis EVAL script</a:t>
+              <a:t>zcount</a:t>
             </a:r>
             <a:endParaRPr b="0" lang="en-IN" sz="5400" spc="-1" strike="noStrike">
               <a:latin typeface="Arial"/>
@@ -35243,8 +35251,8 @@
         </p:nvSpPr>
         <p:spPr>
           <a:xfrm>
-            <a:off x="1666800" y="609480"/>
-            <a:ext cx="8821800" cy="394560"/>
+            <a:off x="522360" y="3531600"/>
+            <a:ext cx="11058480" cy="363960"/>
           </a:xfrm>
           <a:prstGeom prst="rect">
             <a:avLst/>
@@ -35271,58 +35279,7 @@
               </a:lnSpc>
             </a:pPr>
             <a:r>
-              <a:rPr b="0" lang="en-IN" sz="2000" spc="-1" strike="noStrike">
-                <a:solidFill>
-                  <a:srgbClr val="3e5d78"/>
-                </a:solidFill>
-                <a:latin typeface="Times New Roman"/>
-                <a:ea typeface="DejaVu Sans"/>
-              </a:rPr>
-              <a:t>Lua scripting</a:t>
-            </a:r>
-            <a:endParaRPr b="0" lang="en-IN" sz="2000" spc="-1" strike="noStrike">
-              <a:latin typeface="Arial"/>
-            </a:endParaRPr>
-          </a:p>
-        </p:txBody>
-      </p:sp>
-      <p:sp>
-        <p:nvSpPr>
-          <p:cNvPr id="389" name="CustomShape 3"/>
-          <p:cNvSpPr/>
-          <p:nvPr/>
-        </p:nvSpPr>
-        <p:spPr>
-          <a:xfrm>
-            <a:off x="522360" y="3531600"/>
-            <a:ext cx="11058840" cy="363960"/>
-          </a:xfrm>
-          <a:prstGeom prst="rect">
-            <a:avLst/>
-          </a:prstGeom>
-          <a:noFill/>
-          <a:ln>
-            <a:noFill/>
-          </a:ln>
-        </p:spPr>
-        <p:style>
-          <a:lnRef idx="0"/>
-          <a:fillRef idx="0"/>
-          <a:effectRef idx="0"/>
-          <a:fontRef idx="minor"/>
-        </p:style>
-        <p:txBody>
-          <a:bodyPr lIns="90000" rIns="90000" tIns="45000" bIns="45000">
-            <a:spAutoFit/>
-          </a:bodyPr>
-          <a:p>
-            <a:pPr>
-              <a:lnSpc>
-                <a:spcPct val="100000"/>
-              </a:lnSpc>
-            </a:pPr>
-            <a:r>
-              <a:rPr b="0" lang="en-US" sz="1800" spc="-1" strike="noStrike">
+              <a:rPr b="0" lang="en-IN" sz="1800" spc="-1" strike="noStrike">
                 <a:solidFill>
                   <a:srgbClr val="bb0643"/>
                 </a:solidFill>
@@ -35369,19 +35326,23 @@
       </p:grpSpPr>
       <p:sp>
         <p:nvSpPr>
-          <p:cNvPr id="390" name="CustomShape 1"/>
+          <p:cNvPr id="389" name="CustomShape 1"/>
           <p:cNvSpPr/>
           <p:nvPr/>
         </p:nvSpPr>
         <p:spPr>
           <a:xfrm>
-            <a:off x="0" y="727200"/>
-            <a:ext cx="1937520" cy="424800"/>
+            <a:off x="248400" y="0"/>
+            <a:ext cx="11694960" cy="699120"/>
           </a:xfrm>
           <a:prstGeom prst="rect">
             <a:avLst/>
           </a:prstGeom>
-          <a:noFill/>
+          <a:solidFill>
+            <a:schemeClr val="accent6">
+              <a:lumMod val="75000"/>
+            </a:schemeClr>
+          </a:solidFill>
           <a:ln>
             <a:noFill/>
           </a:ln>
@@ -35397,22 +35358,22 @@
             <a:spAutoFit/>
           </a:bodyPr>
           <a:p>
-            <a:pPr algn="just">
-              <a:lnSpc>
-                <a:spcPct val="100000"/>
-              </a:lnSpc>
-            </a:pPr>
-            <a:r>
-              <a:rPr b="0" lang="en-IN" sz="2200" spc="-1" strike="noStrike">
-                <a:solidFill>
-                  <a:srgbClr val="3e5d78"/>
-                </a:solidFill>
-                <a:latin typeface="Times New Roman"/>
-                <a:ea typeface="DejaVu Sans"/>
-              </a:rPr>
-              <a:t>Lua scripting</a:t>
-            </a:r>
-            <a:endParaRPr b="0" lang="en-IN" sz="2200" spc="-1" strike="noStrike">
+            <a:pPr algn="ctr">
+              <a:lnSpc>
+                <a:spcPct val="100000"/>
+              </a:lnSpc>
+            </a:pPr>
+            <a:r>
+              <a:rPr b="0" lang="en-IN" sz="4000" spc="-1" strike="noStrike">
+                <a:solidFill>
+                  <a:srgbClr val="f7c120"/>
+                </a:solidFill>
+                <a:latin typeface="Open Sans"/>
+                <a:ea typeface="DejaVu Sans"/>
+              </a:rPr>
+              <a:t>zcount</a:t>
+            </a:r>
+            <a:endParaRPr b="0" lang="en-IN" sz="4000" spc="-1" strike="noStrike">
               <a:latin typeface="Arial"/>
             </a:endParaRPr>
           </a:p>
@@ -35420,286 +35381,19 @@
       </p:sp>
       <p:sp>
         <p:nvSpPr>
-          <p:cNvPr id="391" name="CustomShape 2"/>
+          <p:cNvPr id="390" name="CustomShape 2"/>
           <p:cNvSpPr/>
           <p:nvPr/>
         </p:nvSpPr>
         <p:spPr>
           <a:xfrm>
-            <a:off x="288000" y="2061720"/>
-            <a:ext cx="11657520" cy="4050360"/>
+            <a:off x="248400" y="762120"/>
+            <a:ext cx="11702880" cy="1186920"/>
           </a:xfrm>
           <a:prstGeom prst="rect">
             <a:avLst/>
           </a:prstGeom>
           <a:noFill/>
-          <a:ln>
-            <a:noFill/>
-          </a:ln>
-        </p:spPr>
-        <p:style>
-          <a:lnRef idx="0"/>
-          <a:fillRef idx="0"/>
-          <a:effectRef idx="0"/>
-          <a:fontRef idx="minor"/>
-        </p:style>
-        <p:txBody>
-          <a:bodyPr lIns="90000" rIns="90000" tIns="45000" bIns="45000">
-            <a:noAutofit/>
-          </a:bodyPr>
-          <a:p>
-            <a:pPr algn="just">
-              <a:lnSpc>
-                <a:spcPct val="100000"/>
-              </a:lnSpc>
-            </a:pPr>
-            <a:r>
-              <a:rPr b="1" lang="en-US" sz="2000" spc="-1" strike="noStrike">
-                <a:solidFill>
-                  <a:srgbClr val="000000"/>
-                </a:solidFill>
-                <a:latin typeface="Arial"/>
-                <a:ea typeface="DejaVu Sans"/>
-              </a:rPr>
-              <a:t>EVAL</a:t>
-            </a:r>
-            <a:r>
-              <a:rPr b="0" lang="en-IN" sz="2000" spc="-1" strike="noStrike">
-                <a:solidFill>
-                  <a:srgbClr val="000000"/>
-                </a:solidFill>
-                <a:latin typeface="Arial"/>
-                <a:ea typeface="DejaVu Sans"/>
-              </a:rPr>
-              <a:t> is used to evaluate scripts using the Lua interpreter built into Redis starting from version 2.6.0.</a:t>
-            </a:r>
-            <a:endParaRPr b="0" lang="en-IN" sz="2000" spc="-1" strike="noStrike">
-              <a:latin typeface="Arial"/>
-            </a:endParaRPr>
-          </a:p>
-          <a:p>
-            <a:pPr>
-              <a:lnSpc>
-                <a:spcPct val="100000"/>
-              </a:lnSpc>
-            </a:pPr>
-            <a:endParaRPr b="0" lang="en-IN" sz="2000" spc="-1" strike="noStrike">
-              <a:latin typeface="Arial"/>
-            </a:endParaRPr>
-          </a:p>
-          <a:p>
-            <a:pPr marL="216000" indent="-209520">
-              <a:lnSpc>
-                <a:spcPct val="100000"/>
-              </a:lnSpc>
-              <a:buClr>
-                <a:srgbClr val="000000"/>
-              </a:buClr>
-              <a:buSzPct val="45000"/>
-              <a:buFont typeface="Wingdings" charset="2"/>
-              <a:buChar char=""/>
-            </a:pPr>
-            <a:r>
-              <a:rPr b="1" lang="en-IN" sz="2000" spc="-1" strike="noStrike">
-                <a:solidFill>
-                  <a:srgbClr val="000000"/>
-                </a:solidFill>
-                <a:latin typeface="Arial"/>
-                <a:ea typeface="DejaVu Sans"/>
-              </a:rPr>
-              <a:t>The first argument of EVAL</a:t>
-            </a:r>
-            <a:r>
-              <a:rPr b="0" lang="en-IN" sz="2000" spc="-1" strike="noStrike">
-                <a:solidFill>
-                  <a:srgbClr val="000000"/>
-                </a:solidFill>
-                <a:latin typeface="Arial"/>
-                <a:ea typeface="DejaVu Sans"/>
-              </a:rPr>
-              <a:t> is a Lua 5.1 script. The script does not need to define a Lua function. It is just a Lua program that will run in the context of the Redis server.</a:t>
-            </a:r>
-            <a:endParaRPr b="0" lang="en-IN" sz="2000" spc="-1" strike="noStrike">
-              <a:latin typeface="Arial"/>
-            </a:endParaRPr>
-          </a:p>
-          <a:p>
-            <a:pPr>
-              <a:lnSpc>
-                <a:spcPct val="100000"/>
-              </a:lnSpc>
-            </a:pPr>
-            <a:endParaRPr b="0" lang="en-IN" sz="2000" spc="-1" strike="noStrike">
-              <a:latin typeface="Arial"/>
-            </a:endParaRPr>
-          </a:p>
-          <a:p>
-            <a:pPr marL="216000" indent="-209520">
-              <a:lnSpc>
-                <a:spcPct val="100000"/>
-              </a:lnSpc>
-              <a:buClr>
-                <a:srgbClr val="000000"/>
-              </a:buClr>
-              <a:buSzPct val="45000"/>
-              <a:buFont typeface="Wingdings" charset="2"/>
-              <a:buChar char=""/>
-            </a:pPr>
-            <a:r>
-              <a:rPr b="1" lang="en-IN" sz="2000" spc="-1" strike="noStrike">
-                <a:solidFill>
-                  <a:srgbClr val="000000"/>
-                </a:solidFill>
-                <a:latin typeface="Arial"/>
-                <a:ea typeface="DejaVu Sans"/>
-              </a:rPr>
-              <a:t>The second argument of EVAL</a:t>
-            </a:r>
-            <a:r>
-              <a:rPr b="0" lang="en-IN" sz="2000" spc="-1" strike="noStrike">
-                <a:solidFill>
-                  <a:srgbClr val="000000"/>
-                </a:solidFill>
-                <a:latin typeface="Arial"/>
-                <a:ea typeface="DejaVu Sans"/>
-              </a:rPr>
-              <a:t> is the number of arguments that follows the script (starting from the third argument) that represent Redis key names. The arguments can be accessed by Lua using the </a:t>
-            </a:r>
-            <a:r>
-              <a:rPr b="1" lang="en-IN" sz="2000" spc="-1" strike="noStrike">
-                <a:solidFill>
-                  <a:srgbClr val="000000"/>
-                </a:solidFill>
-                <a:latin typeface="Arial"/>
-                <a:ea typeface="DejaVu Sans"/>
-              </a:rPr>
-              <a:t>KEYS global variable</a:t>
-            </a:r>
-            <a:r>
-              <a:rPr b="0" lang="en-IN" sz="2000" spc="-1" strike="noStrike">
-                <a:solidFill>
-                  <a:srgbClr val="000000"/>
-                </a:solidFill>
-                <a:latin typeface="Arial"/>
-                <a:ea typeface="DejaVu Sans"/>
-              </a:rPr>
-              <a:t> in the form of a one-based array (so </a:t>
-            </a:r>
-            <a:r>
-              <a:rPr b="1" lang="en-IN" sz="2000" spc="-1" strike="noStrike">
-                <a:solidFill>
-                  <a:srgbClr val="000000"/>
-                </a:solidFill>
-                <a:latin typeface="Arial"/>
-                <a:ea typeface="DejaVu Sans"/>
-              </a:rPr>
-              <a:t>KEYS[1], KEYS[2], ...</a:t>
-            </a:r>
-            <a:r>
-              <a:rPr b="0" lang="en-IN" sz="2000" spc="-1" strike="noStrike">
-                <a:solidFill>
-                  <a:srgbClr val="000000"/>
-                </a:solidFill>
-                <a:latin typeface="Arial"/>
-                <a:ea typeface="DejaVu Sans"/>
-              </a:rPr>
-              <a:t>).</a:t>
-            </a:r>
-            <a:endParaRPr b="0" lang="en-IN" sz="2000" spc="-1" strike="noStrike">
-              <a:latin typeface="Arial"/>
-            </a:endParaRPr>
-          </a:p>
-          <a:p>
-            <a:pPr>
-              <a:lnSpc>
-                <a:spcPct val="100000"/>
-              </a:lnSpc>
-            </a:pPr>
-            <a:endParaRPr b="0" lang="en-IN" sz="2000" spc="-1" strike="noStrike">
-              <a:latin typeface="Arial"/>
-            </a:endParaRPr>
-          </a:p>
-          <a:p>
-            <a:pPr>
-              <a:lnSpc>
-                <a:spcPct val="100000"/>
-              </a:lnSpc>
-            </a:pPr>
-            <a:r>
-              <a:rPr b="0" lang="en-IN" sz="2000" spc="-1" strike="noStrike">
-                <a:solidFill>
-                  <a:srgbClr val="000000"/>
-                </a:solidFill>
-                <a:latin typeface="Arial"/>
-                <a:ea typeface="DejaVu Sans"/>
-              </a:rPr>
-              <a:t>All the additional arguments should not represent key names and can be accessed by Lua using the </a:t>
-            </a:r>
-            <a:r>
-              <a:rPr b="1" lang="en-IN" sz="2000" spc="-1" strike="noStrike">
-                <a:solidFill>
-                  <a:srgbClr val="000000"/>
-                </a:solidFill>
-                <a:latin typeface="Arial"/>
-                <a:ea typeface="DejaVu Sans"/>
-              </a:rPr>
-              <a:t>ARGV global variable</a:t>
-            </a:r>
-            <a:r>
-              <a:rPr b="0" lang="en-IN" sz="2000" spc="-1" strike="noStrike">
-                <a:solidFill>
-                  <a:srgbClr val="000000"/>
-                </a:solidFill>
-                <a:latin typeface="Arial"/>
-                <a:ea typeface="DejaVu Sans"/>
-              </a:rPr>
-              <a:t>, very similarly to what happens with keys (so </a:t>
-            </a:r>
-            <a:r>
-              <a:rPr b="1" lang="en-IN" sz="2000" spc="-1" strike="noStrike">
-                <a:solidFill>
-                  <a:srgbClr val="000000"/>
-                </a:solidFill>
-                <a:latin typeface="Arial"/>
-                <a:ea typeface="DejaVu Sans"/>
-              </a:rPr>
-              <a:t>ARGV[1], ARGV[2], ...</a:t>
-            </a:r>
-            <a:r>
-              <a:rPr b="0" lang="en-IN" sz="2000" spc="-1" strike="noStrike">
-                <a:solidFill>
-                  <a:srgbClr val="000000"/>
-                </a:solidFill>
-                <a:latin typeface="Arial"/>
-                <a:ea typeface="DejaVu Sans"/>
-              </a:rPr>
-              <a:t>).</a:t>
-            </a:r>
-            <a:endParaRPr b="0" lang="en-IN" sz="2000" spc="-1" strike="noStrike">
-              <a:latin typeface="Arial"/>
-            </a:endParaRPr>
-          </a:p>
-        </p:txBody>
-      </p:sp>
-      <p:sp>
-        <p:nvSpPr>
-          <p:cNvPr id="392" name="CustomShape 3"/>
-          <p:cNvSpPr/>
-          <p:nvPr/>
-        </p:nvSpPr>
-        <p:spPr>
-          <a:xfrm>
-            <a:off x="248400" y="0"/>
-            <a:ext cx="11695320" cy="699120"/>
-          </a:xfrm>
-          <a:prstGeom prst="rect">
-            <a:avLst/>
-          </a:prstGeom>
-          <a:solidFill>
-            <a:schemeClr val="accent6">
-              <a:lumMod val="75000"/>
-            </a:schemeClr>
-          </a:solidFill>
           <a:ln>
             <a:noFill/>
           </a:ln>
@@ -35715,22 +35409,133 @@
             <a:spAutoFit/>
           </a:bodyPr>
           <a:p>
-            <a:pPr algn="ctr">
-              <a:lnSpc>
-                <a:spcPct val="100000"/>
-              </a:lnSpc>
-            </a:pPr>
-            <a:r>
-              <a:rPr b="0" lang="en-IN" sz="4000" spc="-1" strike="noStrike">
-                <a:solidFill>
-                  <a:srgbClr val="f7c120"/>
-                </a:solidFill>
-                <a:latin typeface="Open Sans"/>
-                <a:ea typeface="DejaVu Sans"/>
-              </a:rPr>
-              <a:t>Introduction to EVAL</a:t>
-            </a:r>
-            <a:endParaRPr b="0" lang="en-IN" sz="4000" spc="-1" strike="noStrike">
+            <a:pPr algn="just">
+              <a:lnSpc>
+                <a:spcPct val="100000"/>
+              </a:lnSpc>
+            </a:pPr>
+            <a:r>
+              <a:rPr b="1" lang="en-US" sz="1800" spc="-1" strike="noStrike">
+                <a:solidFill>
+                  <a:srgbClr val="7c4dff"/>
+                </a:solidFill>
+                <a:latin typeface="Arial"/>
+                <a:ea typeface="DejaVu Sans"/>
+              </a:rPr>
+              <a:t>ZCOUNT</a:t>
+            </a:r>
+            <a:r>
+              <a:rPr b="0" lang="en-US" sz="1800" spc="-1" strike="noStrike">
+                <a:latin typeface="Arial"/>
+                <a:ea typeface="DejaVu Sans"/>
+              </a:rPr>
+              <a:t> returns the number of elements in the sorted set at key with a </a:t>
+            </a:r>
+            <a:r>
+              <a:rPr b="1" lang="en-US" sz="1800" spc="-1" strike="noStrike">
+                <a:latin typeface="Arial"/>
+                <a:ea typeface="DejaVu Sans"/>
+              </a:rPr>
+              <a:t>score between min and max</a:t>
+            </a:r>
+            <a:r>
+              <a:rPr b="0" lang="en-US" sz="1800" spc="-1" strike="noStrike">
+                <a:latin typeface="Arial"/>
+                <a:ea typeface="DejaVu Sans"/>
+              </a:rPr>
+              <a:t>. </a:t>
+            </a:r>
+            <a:r>
+              <a:rPr b="0" lang="en-US" sz="1800" spc="-1" strike="noStrike">
+                <a:solidFill>
+                  <a:srgbClr val="000000"/>
+                </a:solidFill>
+                <a:latin typeface="Arial"/>
+                <a:ea typeface="DejaVu Sans"/>
+              </a:rPr>
+              <a:t>It is possible to specify an open interval </a:t>
+            </a:r>
+            <a:r>
+              <a:rPr b="1" lang="en-US" sz="1800" spc="-1" strike="noStrike">
+                <a:solidFill>
+                  <a:srgbClr val="000000"/>
+                </a:solidFill>
+                <a:latin typeface="Arial"/>
+                <a:ea typeface="DejaVu Sans"/>
+              </a:rPr>
+              <a:t>(exclusive)</a:t>
+            </a:r>
+            <a:r>
+              <a:rPr b="0" lang="en-US" sz="1800" spc="-1" strike="noStrike">
+                <a:solidFill>
+                  <a:srgbClr val="000000"/>
+                </a:solidFill>
+                <a:latin typeface="Arial"/>
+                <a:ea typeface="DejaVu Sans"/>
+              </a:rPr>
+              <a:t> by prefixing the score with the character</a:t>
+            </a:r>
+            <a:r>
+              <a:rPr b="1" lang="en-US" sz="1800" spc="-1" strike="noStrike">
+                <a:solidFill>
+                  <a:srgbClr val="000000"/>
+                </a:solidFill>
+                <a:latin typeface="Arial"/>
+                <a:ea typeface="DejaVu Sans"/>
+              </a:rPr>
+              <a:t> (</a:t>
+            </a:r>
+            <a:r>
+              <a:rPr b="0" lang="en-US" sz="1800" spc="-1" strike="noStrike">
+                <a:solidFill>
+                  <a:srgbClr val="000000"/>
+                </a:solidFill>
+                <a:latin typeface="Arial"/>
+                <a:ea typeface="DejaVu Sans"/>
+              </a:rPr>
+              <a:t>.</a:t>
+            </a:r>
+            <a:endParaRPr b="0" lang="en-IN" sz="1800" spc="-1" strike="noStrike">
+              <a:latin typeface="Arial"/>
+            </a:endParaRPr>
+          </a:p>
+          <a:p>
+            <a:pPr algn="just">
+              <a:lnSpc>
+                <a:spcPct val="100000"/>
+              </a:lnSpc>
+            </a:pPr>
+            <a:endParaRPr b="0" lang="en-IN" sz="1800" spc="-1" strike="noStrike">
+              <a:latin typeface="Arial"/>
+            </a:endParaRPr>
+          </a:p>
+          <a:p>
+            <a:pPr algn="just">
+              <a:lnSpc>
+                <a:spcPct val="100000"/>
+              </a:lnSpc>
+            </a:pPr>
+            <a:r>
+              <a:rPr b="1" lang="en-US" sz="1800" spc="-1" strike="noStrike">
+                <a:solidFill>
+                  <a:srgbClr val="7c4dff"/>
+                </a:solidFill>
+                <a:latin typeface="Arial"/>
+                <a:ea typeface="DejaVu Sans"/>
+              </a:rPr>
+              <a:t>ZSCORE</a:t>
+            </a:r>
+            <a:r>
+              <a:rPr b="0" lang="en-US" sz="1800" spc="-1" strike="noStrike">
+                <a:solidFill>
+                  <a:srgbClr val="000000"/>
+                </a:solidFill>
+                <a:latin typeface="Arial"/>
+                <a:ea typeface="DejaVu Sans"/>
+              </a:rPr>
+              <a:t> returns the score of member in the sorted set at key.</a:t>
+            </a:r>
+            <a:endParaRPr b="0" lang="en-IN" sz="1800" spc="-1" strike="noStrike">
               <a:latin typeface="Arial"/>
             </a:endParaRPr>
           </a:p>
@@ -35738,65 +35543,14 @@
       </p:sp>
       <p:sp>
         <p:nvSpPr>
-          <p:cNvPr id="393" name="CustomShape 4"/>
+          <p:cNvPr id="391" name="CustomShape 3"/>
           <p:cNvSpPr/>
           <p:nvPr/>
         </p:nvSpPr>
         <p:spPr>
           <a:xfrm>
-            <a:off x="576000" y="1504080"/>
-            <a:ext cx="8345520" cy="361440"/>
-          </a:xfrm>
-          <a:prstGeom prst="rect">
-            <a:avLst/>
-          </a:prstGeom>
-          <a:noFill/>
-          <a:ln>
-            <a:noFill/>
-          </a:ln>
-        </p:spPr>
-        <p:style>
-          <a:lnRef idx="0"/>
-          <a:fillRef idx="0"/>
-          <a:effectRef idx="0"/>
-          <a:fontRef idx="minor"/>
-        </p:style>
-        <p:txBody>
-          <a:bodyPr lIns="0" rIns="0" tIns="0" bIns="0">
-            <a:noAutofit/>
-          </a:bodyPr>
-          <a:p>
-            <a:pPr>
-              <a:lnSpc>
-                <a:spcPct val="100000"/>
-              </a:lnSpc>
-            </a:pPr>
-            <a:r>
-              <a:rPr b="0" lang="en-US" sz="2200" spc="-1" strike="noStrike">
-                <a:solidFill>
-                  <a:srgbClr val="00b0f0"/>
-                </a:solidFill>
-                <a:latin typeface="Consolas"/>
-                <a:ea typeface="DejaVu Sans"/>
-              </a:rPr>
-              <a:t>EVAL script numkeys key [key ...] arg [arg ...]</a:t>
-            </a:r>
-            <a:endParaRPr b="0" lang="en-IN" sz="2200" spc="-1" strike="noStrike">
-              <a:latin typeface="Arial"/>
-            </a:endParaRPr>
-          </a:p>
-        </p:txBody>
-      </p:sp>
-      <p:sp>
-        <p:nvSpPr>
-          <p:cNvPr id="394" name="CustomShape 5"/>
-          <p:cNvSpPr/>
-          <p:nvPr/>
-        </p:nvSpPr>
-        <p:spPr>
-          <a:xfrm>
-            <a:off x="288000" y="5543280"/>
-            <a:ext cx="10829520" cy="1002240"/>
+            <a:off x="248400" y="3062880"/>
+            <a:ext cx="9830880" cy="395280"/>
           </a:xfrm>
           <a:prstGeom prst="rect">
             <a:avLst/>
@@ -35814,7 +35568,7 @@
         </p:style>
         <p:txBody>
           <a:bodyPr lIns="90000" rIns="90000" tIns="45000" bIns="45000">
-            <a:noAutofit/>
+            <a:spAutoFit/>
           </a:bodyPr>
           <a:p>
             <a:pPr>
@@ -35823,100 +35577,221 @@
               </a:lnSpc>
             </a:pPr>
             <a:r>
-              <a:rPr b="1" lang="en-IN" sz="2000" spc="-1" strike="noStrike">
-                <a:solidFill>
-                  <a:srgbClr val="c00000"/>
-                </a:solidFill>
-                <a:latin typeface="Open Sans"/>
-                <a:ea typeface="Open Sans"/>
-              </a:rPr>
-              <a:t>Note:</a:t>
+              <a:rPr b="0" lang="en-US" sz="2000" spc="-1" strike="noStrike">
+                <a:solidFill>
+                  <a:srgbClr val="00b0f0"/>
+                </a:solidFill>
+                <a:latin typeface="Consolas"/>
+                <a:ea typeface="DejaVu Sans"/>
+              </a:rPr>
+              <a:t>ZCOUNT key min max</a:t>
             </a:r>
             <a:endParaRPr b="0" lang="en-IN" sz="2000" spc="-1" strike="noStrike">
               <a:latin typeface="Arial"/>
             </a:endParaRPr>
           </a:p>
-          <a:p>
-            <a:pPr>
-              <a:lnSpc>
-                <a:spcPct val="100000"/>
-              </a:lnSpc>
-            </a:pPr>
-            <a:endParaRPr b="0" lang="en-IN" sz="2000" spc="-1" strike="noStrike">
-              <a:latin typeface="Arial"/>
-            </a:endParaRPr>
-          </a:p>
-          <a:p>
-            <a:pPr>
-              <a:lnSpc>
-                <a:spcPct val="100000"/>
-              </a:lnSpc>
-            </a:pPr>
-            <a:r>
-              <a:rPr b="1" lang="en-IN" sz="1800" spc="-1" strike="noStrike">
+        </p:txBody>
+      </p:sp>
+      <p:sp>
+        <p:nvSpPr>
+          <p:cNvPr id="392" name="CustomShape 4"/>
+          <p:cNvSpPr/>
+          <p:nvPr/>
+        </p:nvSpPr>
+        <p:spPr>
+          <a:xfrm>
+            <a:off x="288000" y="4327920"/>
+            <a:ext cx="11806920" cy="1324080"/>
+          </a:xfrm>
+          <a:prstGeom prst="rect">
+            <a:avLst/>
+          </a:prstGeom>
+          <a:noFill/>
+          <a:ln>
+            <a:noFill/>
+          </a:ln>
+        </p:spPr>
+        <p:style>
+          <a:lnRef idx="0"/>
+          <a:fillRef idx="0"/>
+          <a:effectRef idx="0"/>
+          <a:fontRef idx="minor"/>
+        </p:style>
+        <p:txBody>
+          <a:bodyPr lIns="90000" rIns="90000" tIns="45000" bIns="45000">
+            <a:spAutoFit/>
+          </a:bodyPr>
+          <a:p>
+            <a:pPr marL="285840" indent="-268200">
+              <a:lnSpc>
+                <a:spcPct val="150000"/>
+              </a:lnSpc>
+              <a:buClr>
+                <a:srgbClr val="808080"/>
+              </a:buClr>
+              <a:buFont typeface="Arial"/>
+              <a:buChar char="•"/>
+            </a:pPr>
+            <a:r>
+              <a:rPr b="0" lang="en-IN" sz="1800" spc="-1" strike="noStrike">
+                <a:solidFill>
+                  <a:srgbClr val="808080"/>
+                </a:solidFill>
+                <a:latin typeface="Consolas"/>
+                <a:ea typeface="SimSun"/>
+              </a:rPr>
+              <a:t>127.0.0.1:6379&gt;</a:t>
+            </a:r>
+            <a:r>
+              <a:rPr b="0" lang="en-IN" sz="1800" spc="-1" strike="noStrike">
                 <a:solidFill>
                   <a:srgbClr val="000000"/>
                 </a:solidFill>
-                <a:latin typeface="Arial"/>
-                <a:ea typeface="Open Sans"/>
-              </a:rPr>
-              <a:t>KEYS[1], KEYS[2], . . .  </a:t>
+                <a:latin typeface="Consolas"/>
+                <a:ea typeface="SimSun"/>
+              </a:rPr>
+              <a:t> </a:t>
+            </a:r>
+            <a:r>
+              <a:rPr b="0" lang="en-IN" sz="1800" spc="-1" strike="noStrike">
+                <a:solidFill>
+                  <a:srgbClr val="ff5733"/>
+                </a:solidFill>
+                <a:latin typeface="Consolas"/>
+                <a:ea typeface="SimSun"/>
+              </a:rPr>
+              <a:t>zcount game:1 1 10</a:t>
+            </a:r>
+            <a:endParaRPr b="0" lang="en-IN" sz="1800" spc="-1" strike="noStrike">
+              <a:latin typeface="Arial"/>
+            </a:endParaRPr>
+          </a:p>
+          <a:p>
+            <a:pPr marL="285840" indent="-268200">
+              <a:lnSpc>
+                <a:spcPct val="150000"/>
+              </a:lnSpc>
+              <a:buClr>
+                <a:srgbClr val="808080"/>
+              </a:buClr>
+              <a:buFont typeface="Arial"/>
+              <a:buChar char="•"/>
+            </a:pPr>
+            <a:r>
+              <a:rPr b="0" lang="en-IN" sz="1800" spc="-1" strike="noStrike">
+                <a:solidFill>
+                  <a:srgbClr val="808080"/>
+                </a:solidFill>
+                <a:latin typeface="Consolas"/>
+                <a:ea typeface="SimSun"/>
+              </a:rPr>
+              <a:t>127.0.0.1:6379&gt;</a:t>
             </a:r>
             <a:r>
               <a:rPr b="0" lang="en-IN" sz="1800" spc="-1" strike="noStrike">
                 <a:solidFill>
                   <a:srgbClr val="000000"/>
                 </a:solidFill>
-                <a:latin typeface="Arial"/>
-                <a:ea typeface="Open Sans"/>
-              </a:rPr>
-              <a:t>and</a:t>
-            </a:r>
-            <a:r>
-              <a:rPr b="1" lang="en-IN" sz="1800" spc="-1" strike="noStrike">
+                <a:latin typeface="Consolas"/>
+                <a:ea typeface="SimSun"/>
+              </a:rPr>
+              <a:t> </a:t>
+            </a:r>
+            <a:r>
+              <a:rPr b="0" lang="en-IN" sz="1800" spc="-1" strike="noStrike">
+                <a:solidFill>
+                  <a:srgbClr val="ff5733"/>
+                </a:solidFill>
+                <a:latin typeface="Consolas"/>
+                <a:ea typeface="SimSun"/>
+              </a:rPr>
+              <a:t>zcount game:1 1 (10</a:t>
+            </a:r>
+            <a:endParaRPr b="0" lang="en-IN" sz="1800" spc="-1" strike="noStrike">
+              <a:latin typeface="Arial"/>
+            </a:endParaRPr>
+          </a:p>
+          <a:p>
+            <a:pPr marL="285840" indent="-268200">
+              <a:lnSpc>
+                <a:spcPct val="150000"/>
+              </a:lnSpc>
+              <a:buClr>
+                <a:srgbClr val="808080"/>
+              </a:buClr>
+              <a:buFont typeface="Arial"/>
+              <a:buChar char="•"/>
+            </a:pPr>
+            <a:r>
+              <a:rPr b="0" lang="en-IN" sz="1800" spc="-1" strike="noStrike">
+                <a:solidFill>
+                  <a:srgbClr val="808080"/>
+                </a:solidFill>
+                <a:latin typeface="Consolas"/>
+                <a:ea typeface="SimSun"/>
+              </a:rPr>
+              <a:t>127.0.0.1:6379&gt;</a:t>
+            </a:r>
+            <a:r>
+              <a:rPr b="0" lang="en-IN" sz="1800" spc="-1" strike="noStrike">
                 <a:solidFill>
                   <a:srgbClr val="000000"/>
                 </a:solidFill>
-                <a:latin typeface="Arial"/>
-                <a:ea typeface="Open Sans"/>
-              </a:rPr>
-              <a:t> ARGV[1], ARGV[2]</a:t>
-            </a:r>
-            <a:r>
-              <a:rPr b="0" lang="en-IN" sz="1800" spc="-1" strike="noStrike">
-                <a:solidFill>
-                  <a:srgbClr val="000000"/>
-                </a:solidFill>
-                <a:latin typeface="Arial"/>
-                <a:ea typeface="Open Sans"/>
-              </a:rPr>
-              <a:t>.</a:t>
-            </a:r>
-            <a:r>
-              <a:rPr b="1" lang="en-IN" sz="1800" spc="-1" strike="noStrike">
-                <a:solidFill>
-                  <a:srgbClr val="000000"/>
-                </a:solidFill>
-                <a:latin typeface="Arial"/>
-                <a:ea typeface="Open Sans"/>
-              </a:rPr>
-              <a:t>, . . . </a:t>
-            </a:r>
-            <a:r>
-              <a:rPr b="0" lang="en-IN" sz="1800" spc="-1" strike="noStrike">
-                <a:solidFill>
-                  <a:srgbClr val="000000"/>
-                </a:solidFill>
-                <a:latin typeface="Arial"/>
-                <a:ea typeface="Open Sans"/>
-              </a:rPr>
-              <a:t>must be in upper case.</a:t>
+                <a:latin typeface="Consolas"/>
+                <a:ea typeface="SimSun"/>
+              </a:rPr>
+              <a:t> </a:t>
+            </a:r>
+            <a:r>
+              <a:rPr b="0" lang="en-IN" sz="1800" spc="-1" strike="noStrike">
+                <a:solidFill>
+                  <a:srgbClr val="ff5733"/>
+                </a:solidFill>
+                <a:latin typeface="Consolas"/>
+                <a:ea typeface="SimSun"/>
+              </a:rPr>
+              <a:t>zscore game:1 saleel</a:t>
             </a:r>
             <a:endParaRPr b="0" lang="en-IN" sz="1800" spc="-1" strike="noStrike">
               <a:latin typeface="Arial"/>
             </a:endParaRPr>
           </a:p>
         </p:txBody>
+      </p:sp>
+      <p:sp>
+        <p:nvSpPr>
+          <p:cNvPr id="393" name="Line 5"/>
+          <p:cNvSpPr/>
+          <p:nvPr/>
+        </p:nvSpPr>
+        <p:spPr>
+          <a:xfrm>
+            <a:off x="0" y="2778840"/>
+            <a:ext cx="12191760" cy="0"/>
+          </a:xfrm>
+          <a:prstGeom prst="line">
+            <a:avLst/>
+          </a:prstGeom>
+          <a:ln w="12600">
+            <a:solidFill>
+              <a:srgbClr val="6e78a0"/>
+            </a:solidFill>
+            <a:prstDash val="dash"/>
+            <a:round/>
+          </a:ln>
+        </p:spPr>
+        <p:style>
+          <a:lnRef idx="1">
+            <a:schemeClr val="accent1"/>
+          </a:lnRef>
+          <a:fillRef idx="0">
+            <a:schemeClr val="accent1"/>
+          </a:fillRef>
+          <a:effectRef idx="0">
+            <a:schemeClr val="accent1"/>
+          </a:effectRef>
+          <a:fontRef idx="minor"/>
+        </p:style>
       </p:sp>
     </p:spTree>
   </p:cSld>
@@ -35950,14 +35825,14 @@
       </p:grpSpPr>
       <p:sp>
         <p:nvSpPr>
-          <p:cNvPr id="395" name="CustomShape 1"/>
+          <p:cNvPr id="394" name="CustomShape 1"/>
           <p:cNvSpPr/>
           <p:nvPr/>
         </p:nvSpPr>
         <p:spPr>
           <a:xfrm>
-            <a:off x="216000" y="216000"/>
-            <a:ext cx="1937520" cy="424800"/>
+            <a:off x="1676520" y="2362320"/>
+            <a:ext cx="8821440" cy="912600"/>
           </a:xfrm>
           <a:prstGeom prst="rect">
             <a:avLst/>
@@ -35978,22 +35853,22 @@
             <a:spAutoFit/>
           </a:bodyPr>
           <a:p>
-            <a:pPr algn="just">
-              <a:lnSpc>
-                <a:spcPct val="100000"/>
-              </a:lnSpc>
-            </a:pPr>
-            <a:r>
-              <a:rPr b="0" lang="en-IN" sz="2200" spc="-1" strike="noStrike">
-                <a:solidFill>
-                  <a:srgbClr val="3e5d78"/>
-                </a:solidFill>
-                <a:latin typeface="Times New Roman"/>
-                <a:ea typeface="DejaVu Sans"/>
-              </a:rPr>
-              <a:t>Lua scripting</a:t>
-            </a:r>
-            <a:endParaRPr b="0" lang="en-IN" sz="2200" spc="-1" strike="noStrike">
+            <a:pPr algn="ctr">
+              <a:lnSpc>
+                <a:spcPct val="100000"/>
+              </a:lnSpc>
+            </a:pPr>
+            <a:r>
+              <a:rPr b="0" i="1" lang="en-IN" sz="5400" spc="-1" strike="noStrike">
+                <a:solidFill>
+                  <a:srgbClr val="f7c120"/>
+                </a:solidFill>
+                <a:latin typeface="Century"/>
+                <a:ea typeface="DejaVu Sans"/>
+              </a:rPr>
+              <a:t>redis EVAL script</a:t>
+            </a:r>
+            <a:endParaRPr b="0" lang="en-IN" sz="5400" spc="-1" strike="noStrike">
               <a:latin typeface="Arial"/>
             </a:endParaRPr>
           </a:p>
@@ -36001,116 +35876,14 @@
       </p:sp>
       <p:sp>
         <p:nvSpPr>
-          <p:cNvPr id="396" name="CustomShape 2"/>
+          <p:cNvPr id="395" name="CustomShape 2"/>
           <p:cNvSpPr/>
           <p:nvPr/>
         </p:nvSpPr>
         <p:spPr>
           <a:xfrm>
-            <a:off x="432720" y="1224000"/>
-            <a:ext cx="8345520" cy="361440"/>
-          </a:xfrm>
-          <a:prstGeom prst="rect">
-            <a:avLst/>
-          </a:prstGeom>
-          <a:noFill/>
-          <a:ln>
-            <a:noFill/>
-          </a:ln>
-        </p:spPr>
-        <p:style>
-          <a:lnRef idx="0"/>
-          <a:fillRef idx="0"/>
-          <a:effectRef idx="0"/>
-          <a:fontRef idx="minor"/>
-        </p:style>
-        <p:txBody>
-          <a:bodyPr lIns="0" rIns="0" tIns="0" bIns="0">
-            <a:noAutofit/>
-          </a:bodyPr>
-          <a:p>
-            <a:pPr>
-              <a:lnSpc>
-                <a:spcPct val="100000"/>
-              </a:lnSpc>
-            </a:pPr>
-            <a:r>
-              <a:rPr b="0" lang="en-US" sz="2200" spc="-1" strike="noStrike">
-                <a:solidFill>
-                  <a:srgbClr val="00b0f0"/>
-                </a:solidFill>
-                <a:latin typeface="Consolas"/>
-                <a:ea typeface="DejaVu Sans"/>
-              </a:rPr>
-              <a:t>EVAL script numkeys key [key ...] arg [arg ...]</a:t>
-            </a:r>
-            <a:endParaRPr b="0" lang="en-IN" sz="2200" spc="-1" strike="noStrike">
-              <a:latin typeface="Arial"/>
-            </a:endParaRPr>
-          </a:p>
-        </p:txBody>
-      </p:sp>
-      <p:sp>
-        <p:nvSpPr>
-          <p:cNvPr id="397" name="CustomShape 3"/>
-          <p:cNvSpPr/>
-          <p:nvPr/>
-        </p:nvSpPr>
-        <p:spPr>
-          <a:xfrm>
-            <a:off x="288000" y="1656000"/>
-            <a:ext cx="605160" cy="393120"/>
-          </a:xfrm>
-          <a:prstGeom prst="rect">
-            <a:avLst/>
-          </a:prstGeom>
-          <a:noFill/>
-          <a:ln>
-            <a:noFill/>
-          </a:ln>
-        </p:spPr>
-        <p:style>
-          <a:lnRef idx="0"/>
-          <a:fillRef idx="0"/>
-          <a:effectRef idx="0"/>
-          <a:fontRef idx="minor"/>
-        </p:style>
-        <p:txBody>
-          <a:bodyPr lIns="90000" rIns="90000" tIns="45000" bIns="45000">
-            <a:noAutofit/>
-          </a:bodyPr>
-          <a:p>
-            <a:pPr>
-              <a:lnSpc>
-                <a:spcPct val="100000"/>
-              </a:lnSpc>
-            </a:pPr>
-            <a:r>
-              <a:rPr b="1" lang="en-IN" sz="2200" spc="-1" strike="noStrike">
-                <a:solidFill>
-                  <a:srgbClr val="ff1744"/>
-                </a:solidFill>
-                <a:latin typeface="Times New Roman"/>
-                <a:ea typeface="DejaVu Sans"/>
-              </a:rPr>
-              <a:t>e.g.</a:t>
-            </a:r>
-            <a:endParaRPr b="0" lang="en-IN" sz="2200" spc="-1" strike="noStrike">
-              <a:latin typeface="Arial"/>
-            </a:endParaRPr>
-          </a:p>
-        </p:txBody>
-      </p:sp>
-      <p:sp>
-        <p:nvSpPr>
-          <p:cNvPr id="398" name="CustomShape 4"/>
-          <p:cNvSpPr/>
-          <p:nvPr/>
-        </p:nvSpPr>
-        <p:spPr>
-          <a:xfrm>
-            <a:off x="36000" y="2253600"/>
-            <a:ext cx="12096000" cy="3793680"/>
+            <a:off x="1666800" y="609480"/>
+            <a:ext cx="8821440" cy="394560"/>
           </a:xfrm>
           <a:prstGeom prst="rect">
             <a:avLst/>
@@ -36131,470 +35904,71 @@
             <a:spAutoFit/>
           </a:bodyPr>
           <a:p>
+            <a:pPr algn="just">
+              <a:lnSpc>
+                <a:spcPct val="100000"/>
+              </a:lnSpc>
+            </a:pPr>
+            <a:r>
+              <a:rPr b="0" lang="en-IN" sz="2000" spc="-1" strike="noStrike">
+                <a:solidFill>
+                  <a:srgbClr val="3e5d78"/>
+                </a:solidFill>
+                <a:latin typeface="Times New Roman"/>
+                <a:ea typeface="DejaVu Sans"/>
+              </a:rPr>
+              <a:t>Lua scripting</a:t>
+            </a:r>
+            <a:endParaRPr b="0" lang="en-IN" sz="2000" spc="-1" strike="noStrike">
+              <a:latin typeface="Arial"/>
+            </a:endParaRPr>
+          </a:p>
+        </p:txBody>
+      </p:sp>
+      <p:sp>
+        <p:nvSpPr>
+          <p:cNvPr id="396" name="CustomShape 3"/>
+          <p:cNvSpPr/>
+          <p:nvPr/>
+        </p:nvSpPr>
+        <p:spPr>
+          <a:xfrm>
+            <a:off x="522360" y="3531600"/>
+            <a:ext cx="11058480" cy="363960"/>
+          </a:xfrm>
+          <a:prstGeom prst="rect">
+            <a:avLst/>
+          </a:prstGeom>
+          <a:noFill/>
+          <a:ln>
+            <a:noFill/>
+          </a:ln>
+        </p:spPr>
+        <p:style>
+          <a:lnRef idx="0"/>
+          <a:fillRef idx="0"/>
+          <a:effectRef idx="0"/>
+          <a:fontRef idx="minor"/>
+        </p:style>
+        <p:txBody>
+          <a:bodyPr lIns="90000" rIns="90000" tIns="45000" bIns="45000">
+            <a:spAutoFit/>
+          </a:bodyPr>
+          <a:p>
             <a:pPr>
               <a:lnSpc>
-                <a:spcPct val="150000"/>
-              </a:lnSpc>
-            </a:pPr>
-            <a:r>
-              <a:rPr b="0" lang="en-IN" sz="1800" spc="-1" strike="noStrike">
-                <a:solidFill>
-                  <a:srgbClr val="808080"/>
-                </a:solidFill>
-                <a:latin typeface="Consolas"/>
-                <a:ea typeface="SimSun"/>
-              </a:rPr>
-              <a:t>127.0.0.1:6379</a:t>
-            </a:r>
-            <a:r>
-              <a:rPr b="1" lang="en-IN" sz="1800" spc="-1" strike="noStrike">
-                <a:solidFill>
-                  <a:srgbClr val="808080"/>
-                </a:solidFill>
-                <a:latin typeface="Consolas"/>
-                <a:ea typeface="SimSun"/>
-              </a:rPr>
-              <a:t>[5]</a:t>
-            </a:r>
-            <a:r>
-              <a:rPr b="0" lang="en-IN" sz="1800" spc="-1" strike="noStrike">
-                <a:solidFill>
-                  <a:srgbClr val="808080"/>
-                </a:solidFill>
-                <a:latin typeface="Consolas"/>
-                <a:ea typeface="SimSun"/>
-              </a:rPr>
-              <a:t>&gt;</a:t>
-            </a:r>
-            <a:r>
-              <a:rPr b="0" lang="en-IN" sz="1800" spc="-1" strike="noStrike">
-                <a:solidFill>
-                  <a:srgbClr val="000000"/>
-                </a:solidFill>
-                <a:latin typeface="Consolas"/>
-                <a:ea typeface="SimSun"/>
-              </a:rPr>
-              <a:t> </a:t>
-            </a:r>
-            <a:r>
-              <a:rPr b="0" lang="en-IN" sz="1800" spc="-1" strike="noStrike">
-                <a:solidFill>
-                  <a:srgbClr val="ff5733"/>
-                </a:solidFill>
-                <a:latin typeface="Consolas"/>
-                <a:ea typeface="SimSun"/>
-              </a:rPr>
-              <a:t>eval "return 'Hello World!' " 0</a:t>
-            </a:r>
-            <a:endParaRPr b="0" lang="en-IN" sz="1800" spc="-1" strike="noStrike">
-              <a:latin typeface="Arial"/>
-            </a:endParaRPr>
-          </a:p>
-          <a:p>
-            <a:pPr>
-              <a:lnSpc>
-                <a:spcPct val="150000"/>
-              </a:lnSpc>
-            </a:pPr>
-            <a:r>
-              <a:rPr b="0" lang="en-IN" sz="1800" spc="-1" strike="noStrike">
-                <a:solidFill>
-                  <a:srgbClr val="808080"/>
-                </a:solidFill>
-                <a:latin typeface="Consolas"/>
-                <a:ea typeface="SimSun"/>
-              </a:rPr>
-              <a:t>127.0.0.1:6379</a:t>
-            </a:r>
-            <a:r>
-              <a:rPr b="1" lang="en-IN" sz="1800" spc="-1" strike="noStrike">
-                <a:solidFill>
-                  <a:srgbClr val="808080"/>
-                </a:solidFill>
-                <a:latin typeface="Consolas"/>
-                <a:ea typeface="SimSun"/>
-              </a:rPr>
-              <a:t>[5]</a:t>
-            </a:r>
-            <a:r>
-              <a:rPr b="0" lang="en-IN" sz="1800" spc="-1" strike="noStrike">
-                <a:solidFill>
-                  <a:srgbClr val="808080"/>
-                </a:solidFill>
-                <a:latin typeface="Consolas"/>
-                <a:ea typeface="SimSun"/>
-              </a:rPr>
-              <a:t>&gt; </a:t>
-            </a:r>
-            <a:r>
-              <a:rPr b="0" lang="en-IN" sz="1800" spc="-1" strike="noStrike">
-                <a:solidFill>
-                  <a:srgbClr val="ff5733"/>
-                </a:solidFill>
-                <a:latin typeface="Consolas"/>
-                <a:ea typeface="SimSun"/>
-              </a:rPr>
-              <a:t>eval "local x = 'Hello World!' return x" 0</a:t>
-            </a:r>
-            <a:endParaRPr b="0" lang="en-IN" sz="1800" spc="-1" strike="noStrike">
-              <a:latin typeface="Arial"/>
-            </a:endParaRPr>
-          </a:p>
-          <a:p>
-            <a:pPr>
-              <a:lnSpc>
-                <a:spcPct val="150000"/>
-              </a:lnSpc>
-            </a:pPr>
-            <a:r>
-              <a:rPr b="0" lang="en-IN" sz="1800" spc="-1" strike="noStrike">
-                <a:solidFill>
-                  <a:srgbClr val="808080"/>
-                </a:solidFill>
-                <a:latin typeface="Consolas"/>
-                <a:ea typeface="SimSun"/>
-              </a:rPr>
-              <a:t>127.0.0.1:6379</a:t>
-            </a:r>
-            <a:r>
-              <a:rPr b="1" lang="en-IN" sz="1800" spc="-1" strike="noStrike">
-                <a:solidFill>
-                  <a:srgbClr val="808080"/>
-                </a:solidFill>
-                <a:latin typeface="Consolas"/>
-                <a:ea typeface="SimSun"/>
-              </a:rPr>
-              <a:t>[5]</a:t>
-            </a:r>
-            <a:r>
-              <a:rPr b="0" lang="en-IN" sz="1800" spc="-1" strike="noStrike">
-                <a:solidFill>
-                  <a:srgbClr val="808080"/>
-                </a:solidFill>
-                <a:latin typeface="Consolas"/>
-                <a:ea typeface="SimSun"/>
-              </a:rPr>
-              <a:t>&gt;</a:t>
-            </a:r>
-            <a:r>
-              <a:rPr b="0" lang="en-IN" sz="1800" spc="-1" strike="noStrike">
-                <a:solidFill>
-                  <a:srgbClr val="000000"/>
-                </a:solidFill>
-                <a:latin typeface="Consolas"/>
-                <a:ea typeface="SimSun"/>
-              </a:rPr>
-              <a:t> </a:t>
-            </a:r>
-            <a:r>
-              <a:rPr b="0" lang="en-IN" sz="1800" spc="-1" strike="noStrike">
-                <a:solidFill>
-                  <a:srgbClr val="ff5733"/>
-                </a:solidFill>
-                <a:latin typeface="Consolas"/>
-                <a:ea typeface="SimSun"/>
-              </a:rPr>
-              <a:t>eval "return redis.call('echo', 'Hello')" 0</a:t>
-            </a:r>
-            <a:endParaRPr b="0" lang="en-IN" sz="1800" spc="-1" strike="noStrike">
-              <a:latin typeface="Arial"/>
-            </a:endParaRPr>
-          </a:p>
-          <a:p>
-            <a:pPr>
-              <a:lnSpc>
-                <a:spcPct val="150000"/>
-              </a:lnSpc>
-            </a:pPr>
-            <a:r>
-              <a:rPr b="0" lang="en-IN" sz="1800" spc="-1" strike="noStrike">
-                <a:solidFill>
-                  <a:srgbClr val="808080"/>
-                </a:solidFill>
-                <a:latin typeface="Consolas"/>
-                <a:ea typeface="SimSun"/>
-              </a:rPr>
-              <a:t>127.0.0.1:6379</a:t>
-            </a:r>
-            <a:r>
-              <a:rPr b="1" lang="en-IN" sz="1800" spc="-1" strike="noStrike">
-                <a:solidFill>
-                  <a:srgbClr val="808080"/>
-                </a:solidFill>
-                <a:latin typeface="Consolas"/>
-                <a:ea typeface="SimSun"/>
-              </a:rPr>
-              <a:t>[5]</a:t>
-            </a:r>
-            <a:r>
-              <a:rPr b="0" lang="en-IN" sz="1800" spc="-1" strike="noStrike">
-                <a:solidFill>
-                  <a:srgbClr val="808080"/>
-                </a:solidFill>
-                <a:latin typeface="Consolas"/>
-                <a:ea typeface="SimSun"/>
-              </a:rPr>
-              <a:t>&gt;</a:t>
-            </a:r>
-            <a:r>
-              <a:rPr b="0" lang="en-IN" sz="1800" spc="-1" strike="noStrike">
-                <a:solidFill>
-                  <a:srgbClr val="000000"/>
-                </a:solidFill>
-                <a:latin typeface="Consolas"/>
-                <a:ea typeface="SimSun"/>
-              </a:rPr>
-              <a:t> </a:t>
-            </a:r>
-            <a:r>
-              <a:rPr b="0" lang="en-IN" sz="1800" spc="-1" strike="noStrike">
-                <a:solidFill>
-                  <a:srgbClr val="ff5733"/>
-                </a:solidFill>
-                <a:latin typeface="Consolas"/>
-                <a:ea typeface="SimSun"/>
-              </a:rPr>
-              <a:t>eval "return ARGV[1] + ARGV[2] + ARGV[3]" 0 3 3 4</a:t>
-            </a:r>
-            <a:endParaRPr b="0" lang="en-IN" sz="1800" spc="-1" strike="noStrike">
-              <a:latin typeface="Arial"/>
-            </a:endParaRPr>
-          </a:p>
-          <a:p>
-            <a:pPr>
-              <a:lnSpc>
-                <a:spcPct val="150000"/>
-              </a:lnSpc>
-            </a:pPr>
-            <a:r>
-              <a:rPr b="0" lang="en-IN" sz="1800" spc="-1" strike="noStrike">
-                <a:solidFill>
-                  <a:srgbClr val="808080"/>
-                </a:solidFill>
-                <a:latin typeface="Consolas"/>
-                <a:ea typeface="SimSun"/>
-              </a:rPr>
-              <a:t>127.0.0.1:6379</a:t>
-            </a:r>
-            <a:r>
-              <a:rPr b="1" lang="en-IN" sz="1800" spc="-1" strike="noStrike">
-                <a:solidFill>
-                  <a:srgbClr val="808080"/>
-                </a:solidFill>
-                <a:latin typeface="Consolas"/>
-                <a:ea typeface="SimSun"/>
-              </a:rPr>
-              <a:t>[5]</a:t>
-            </a:r>
-            <a:r>
-              <a:rPr b="0" lang="en-IN" sz="1800" spc="-1" strike="noStrike">
-                <a:solidFill>
-                  <a:srgbClr val="808080"/>
-                </a:solidFill>
-                <a:latin typeface="Consolas"/>
-                <a:ea typeface="SimSun"/>
-              </a:rPr>
-              <a:t>&gt;</a:t>
-            </a:r>
-            <a:r>
-              <a:rPr b="0" lang="en-IN" sz="1800" spc="-1" strike="noStrike">
-                <a:solidFill>
-                  <a:srgbClr val="000000"/>
-                </a:solidFill>
-                <a:latin typeface="Consolas"/>
-                <a:ea typeface="SimSun"/>
-              </a:rPr>
-              <a:t> </a:t>
-            </a:r>
-            <a:r>
-              <a:rPr b="0" lang="en-IN" sz="1800" spc="-1" strike="noStrike">
-                <a:solidFill>
-                  <a:srgbClr val="ff5733"/>
-                </a:solidFill>
-                <a:latin typeface="Consolas"/>
-                <a:ea typeface="SimSun"/>
-              </a:rPr>
-              <a:t>eval "return redis.call('keys', '*')" 0</a:t>
-            </a:r>
-            <a:endParaRPr b="0" lang="en-IN" sz="1800" spc="-1" strike="noStrike">
-              <a:latin typeface="Arial"/>
-            </a:endParaRPr>
-          </a:p>
-          <a:p>
-            <a:pPr>
-              <a:lnSpc>
-                <a:spcPct val="150000"/>
-              </a:lnSpc>
-            </a:pPr>
-            <a:r>
-              <a:rPr b="0" lang="en-IN" sz="1800" spc="-1" strike="noStrike">
-                <a:solidFill>
-                  <a:srgbClr val="808080"/>
-                </a:solidFill>
-                <a:latin typeface="Consolas"/>
-                <a:ea typeface="SimSun"/>
-              </a:rPr>
-              <a:t>127.0.0.1:6379</a:t>
-            </a:r>
-            <a:r>
-              <a:rPr b="1" lang="en-IN" sz="1800" spc="-1" strike="noStrike">
-                <a:solidFill>
-                  <a:srgbClr val="808080"/>
-                </a:solidFill>
-                <a:latin typeface="Consolas"/>
-                <a:ea typeface="SimSun"/>
-              </a:rPr>
-              <a:t>[5]</a:t>
-            </a:r>
-            <a:r>
-              <a:rPr b="0" lang="en-IN" sz="1800" spc="-1" strike="noStrike">
-                <a:solidFill>
-                  <a:srgbClr val="808080"/>
-                </a:solidFill>
-                <a:latin typeface="Consolas"/>
-                <a:ea typeface="SimSun"/>
-              </a:rPr>
-              <a:t>&gt;</a:t>
-            </a:r>
-            <a:r>
-              <a:rPr b="0" lang="en-IN" sz="1800" spc="-1" strike="noStrike">
-                <a:solidFill>
-                  <a:srgbClr val="000000"/>
-                </a:solidFill>
-                <a:latin typeface="Consolas"/>
-                <a:ea typeface="SimSun"/>
-              </a:rPr>
-              <a:t> </a:t>
-            </a:r>
-            <a:r>
-              <a:rPr b="0" lang="en-IN" sz="1800" spc="-1" strike="noStrike">
-                <a:solidFill>
-                  <a:srgbClr val="ff5733"/>
-                </a:solidFill>
-                <a:latin typeface="Consolas"/>
-                <a:ea typeface="SimSun"/>
-              </a:rPr>
-              <a:t>eval "local x=redis.call('keys','*') return x" 0</a:t>
-            </a:r>
-            <a:endParaRPr b="0" lang="en-IN" sz="1800" spc="-1" strike="noStrike">
-              <a:latin typeface="Arial"/>
-            </a:endParaRPr>
-          </a:p>
-          <a:p>
-            <a:pPr>
-              <a:lnSpc>
-                <a:spcPct val="150000"/>
-              </a:lnSpc>
-            </a:pPr>
-            <a:r>
-              <a:rPr b="0" lang="en-IN" sz="1800" spc="-1" strike="noStrike">
-                <a:solidFill>
-                  <a:srgbClr val="808080"/>
-                </a:solidFill>
-                <a:latin typeface="Consolas"/>
-                <a:ea typeface="SimSun"/>
-              </a:rPr>
-              <a:t>127.0.0.1:6379</a:t>
-            </a:r>
-            <a:r>
-              <a:rPr b="1" lang="en-IN" sz="1800" spc="-1" strike="noStrike">
-                <a:solidFill>
-                  <a:srgbClr val="808080"/>
-                </a:solidFill>
-                <a:latin typeface="Consolas"/>
-                <a:ea typeface="SimSun"/>
-              </a:rPr>
-              <a:t>[5]</a:t>
-            </a:r>
-            <a:r>
-              <a:rPr b="0" lang="en-IN" sz="1800" spc="-1" strike="noStrike">
-                <a:solidFill>
-                  <a:srgbClr val="808080"/>
-                </a:solidFill>
-                <a:latin typeface="Consolas"/>
-                <a:ea typeface="SimSun"/>
-              </a:rPr>
-              <a:t>&gt;</a:t>
-            </a:r>
-            <a:r>
-              <a:rPr b="0" lang="en-IN" sz="1800" spc="-1" strike="noStrike">
-                <a:solidFill>
-                  <a:srgbClr val="000000"/>
-                </a:solidFill>
-                <a:latin typeface="Consolas"/>
-                <a:ea typeface="SimSun"/>
-              </a:rPr>
-              <a:t> </a:t>
-            </a:r>
-            <a:r>
-              <a:rPr b="0" lang="en-IN" sz="1800" spc="-1" strike="noStrike">
-                <a:solidFill>
-                  <a:srgbClr val="ff5733"/>
-                </a:solidFill>
-                <a:latin typeface="Consolas"/>
-                <a:ea typeface="SimSun"/>
-              </a:rPr>
-              <a:t>eval "local x=redis.call('mget', KEYS[1], KEYS[2], KEYS[3]) return x" 3 a b c</a:t>
-            </a:r>
-            <a:endParaRPr b="0" lang="en-IN" sz="1800" spc="-1" strike="noStrike">
-              <a:latin typeface="Arial"/>
-            </a:endParaRPr>
-          </a:p>
-          <a:p>
-            <a:pPr>
-              <a:lnSpc>
-                <a:spcPct val="150000"/>
-              </a:lnSpc>
-            </a:pPr>
-            <a:r>
-              <a:rPr b="0" lang="en-IN" sz="1800" spc="-1" strike="noStrike">
-                <a:solidFill>
-                  <a:srgbClr val="808080"/>
-                </a:solidFill>
-                <a:latin typeface="Consolas"/>
-                <a:ea typeface="SimSun"/>
-              </a:rPr>
-              <a:t>127.0.0.1:6379</a:t>
-            </a:r>
-            <a:r>
-              <a:rPr b="1" lang="en-IN" sz="1800" spc="-1" strike="noStrike">
-                <a:solidFill>
-                  <a:srgbClr val="808080"/>
-                </a:solidFill>
-                <a:latin typeface="Consolas"/>
-                <a:ea typeface="SimSun"/>
-              </a:rPr>
-              <a:t>[5]</a:t>
-            </a:r>
-            <a:r>
-              <a:rPr b="0" lang="en-IN" sz="1800" spc="-1" strike="noStrike">
-                <a:solidFill>
-                  <a:srgbClr val="808080"/>
-                </a:solidFill>
-                <a:latin typeface="Consolas"/>
-                <a:ea typeface="SimSun"/>
-              </a:rPr>
-              <a:t>&gt;</a:t>
-            </a:r>
-            <a:r>
-              <a:rPr b="0" lang="en-IN" sz="1800" spc="-1" strike="noStrike">
-                <a:solidFill>
-                  <a:srgbClr val="000000"/>
-                </a:solidFill>
-                <a:latin typeface="Consolas"/>
-                <a:ea typeface="SimSun"/>
-              </a:rPr>
-              <a:t> </a:t>
-            </a:r>
-            <a:r>
-              <a:rPr b="0" lang="en-IN" sz="1800" spc="-1" strike="noStrike">
-                <a:solidFill>
-                  <a:srgbClr val="ff5733"/>
-                </a:solidFill>
-                <a:latin typeface="Consolas"/>
-                <a:ea typeface="SimSun"/>
-              </a:rPr>
-              <a:t>eval "return redis.call('mget', KEYS[1], KEYS[2], KEYS[3])" 3 a b c</a:t>
+                <a:spcPct val="100000"/>
+              </a:lnSpc>
+            </a:pPr>
+            <a:r>
+              <a:rPr b="0" lang="en-US" sz="1800" spc="-1" strike="noStrike">
+                <a:solidFill>
+                  <a:srgbClr val="bb0643"/>
+                </a:solidFill>
+                <a:latin typeface="Segoe UI"/>
+                <a:ea typeface="DejaVu Sans"/>
+              </a:rPr>
+              <a:t>TODO</a:t>
             </a:r>
             <a:endParaRPr b="0" lang="en-IN" sz="1800" spc="-1" strike="noStrike">
               <a:latin typeface="Arial"/>
@@ -36634,14 +36008,14 @@
       </p:grpSpPr>
       <p:sp>
         <p:nvSpPr>
-          <p:cNvPr id="399" name="CustomShape 1"/>
+          <p:cNvPr id="397" name="CustomShape 1"/>
           <p:cNvSpPr/>
           <p:nvPr/>
         </p:nvSpPr>
         <p:spPr>
           <a:xfrm>
-            <a:off x="216000" y="216000"/>
-            <a:ext cx="1937520" cy="424800"/>
+            <a:off x="0" y="727200"/>
+            <a:ext cx="1937160" cy="424800"/>
           </a:xfrm>
           <a:prstGeom prst="rect">
             <a:avLst/>
@@ -36685,14 +36059,332 @@
       </p:sp>
       <p:sp>
         <p:nvSpPr>
-          <p:cNvPr id="400" name="CustomShape 2"/>
+          <p:cNvPr id="398" name="CustomShape 2"/>
           <p:cNvSpPr/>
           <p:nvPr/>
         </p:nvSpPr>
         <p:spPr>
           <a:xfrm>
-            <a:off x="432720" y="1224000"/>
-            <a:ext cx="8345520" cy="361440"/>
+            <a:off x="288000" y="2061720"/>
+            <a:ext cx="11657160" cy="4050000"/>
+          </a:xfrm>
+          <a:prstGeom prst="rect">
+            <a:avLst/>
+          </a:prstGeom>
+          <a:noFill/>
+          <a:ln>
+            <a:noFill/>
+          </a:ln>
+        </p:spPr>
+        <p:style>
+          <a:lnRef idx="0"/>
+          <a:fillRef idx="0"/>
+          <a:effectRef idx="0"/>
+          <a:fontRef idx="minor"/>
+        </p:style>
+        <p:txBody>
+          <a:bodyPr lIns="90000" rIns="90000" tIns="45000" bIns="45000">
+            <a:noAutofit/>
+          </a:bodyPr>
+          <a:p>
+            <a:pPr algn="just">
+              <a:lnSpc>
+                <a:spcPct val="100000"/>
+              </a:lnSpc>
+            </a:pPr>
+            <a:r>
+              <a:rPr b="1" lang="en-US" sz="2000" spc="-1" strike="noStrike">
+                <a:solidFill>
+                  <a:srgbClr val="000000"/>
+                </a:solidFill>
+                <a:latin typeface="Arial"/>
+                <a:ea typeface="DejaVu Sans"/>
+              </a:rPr>
+              <a:t>EVAL</a:t>
+            </a:r>
+            <a:r>
+              <a:rPr b="0" lang="en-IN" sz="2000" spc="-1" strike="noStrike">
+                <a:solidFill>
+                  <a:srgbClr val="000000"/>
+                </a:solidFill>
+                <a:latin typeface="Arial"/>
+                <a:ea typeface="DejaVu Sans"/>
+              </a:rPr>
+              <a:t> is used to evaluate scripts using the Lua interpreter built into Redis starting from version 2.6.0.</a:t>
+            </a:r>
+            <a:endParaRPr b="0" lang="en-IN" sz="2000" spc="-1" strike="noStrike">
+              <a:latin typeface="Arial"/>
+            </a:endParaRPr>
+          </a:p>
+          <a:p>
+            <a:pPr>
+              <a:lnSpc>
+                <a:spcPct val="100000"/>
+              </a:lnSpc>
+            </a:pPr>
+            <a:endParaRPr b="0" lang="en-IN" sz="2000" spc="-1" strike="noStrike">
+              <a:latin typeface="Arial"/>
+            </a:endParaRPr>
+          </a:p>
+          <a:p>
+            <a:pPr marL="216000" indent="-209160">
+              <a:lnSpc>
+                <a:spcPct val="100000"/>
+              </a:lnSpc>
+              <a:buClr>
+                <a:srgbClr val="000000"/>
+              </a:buClr>
+              <a:buSzPct val="45000"/>
+              <a:buFont typeface="Wingdings" charset="2"/>
+              <a:buChar char=""/>
+            </a:pPr>
+            <a:r>
+              <a:rPr b="1" lang="en-IN" sz="2000" spc="-1" strike="noStrike">
+                <a:solidFill>
+                  <a:srgbClr val="000000"/>
+                </a:solidFill>
+                <a:latin typeface="Arial"/>
+                <a:ea typeface="DejaVu Sans"/>
+              </a:rPr>
+              <a:t>The first argument of EVAL</a:t>
+            </a:r>
+            <a:r>
+              <a:rPr b="0" lang="en-IN" sz="2000" spc="-1" strike="noStrike">
+                <a:solidFill>
+                  <a:srgbClr val="000000"/>
+                </a:solidFill>
+                <a:latin typeface="Arial"/>
+                <a:ea typeface="DejaVu Sans"/>
+              </a:rPr>
+              <a:t> is a Lua 5.1 script. The script does not need to define a Lua function. It is just a Lua program that will run in the context of the Redis server.</a:t>
+            </a:r>
+            <a:endParaRPr b="0" lang="en-IN" sz="2000" spc="-1" strike="noStrike">
+              <a:latin typeface="Arial"/>
+            </a:endParaRPr>
+          </a:p>
+          <a:p>
+            <a:pPr>
+              <a:lnSpc>
+                <a:spcPct val="100000"/>
+              </a:lnSpc>
+            </a:pPr>
+            <a:endParaRPr b="0" lang="en-IN" sz="2000" spc="-1" strike="noStrike">
+              <a:latin typeface="Arial"/>
+            </a:endParaRPr>
+          </a:p>
+          <a:p>
+            <a:pPr marL="216000" indent="-209160">
+              <a:lnSpc>
+                <a:spcPct val="100000"/>
+              </a:lnSpc>
+              <a:buClr>
+                <a:srgbClr val="000000"/>
+              </a:buClr>
+              <a:buSzPct val="45000"/>
+              <a:buFont typeface="Wingdings" charset="2"/>
+              <a:buChar char=""/>
+            </a:pPr>
+            <a:r>
+              <a:rPr b="1" lang="en-IN" sz="2000" spc="-1" strike="noStrike">
+                <a:solidFill>
+                  <a:srgbClr val="000000"/>
+                </a:solidFill>
+                <a:latin typeface="Arial"/>
+                <a:ea typeface="DejaVu Sans"/>
+              </a:rPr>
+              <a:t>The second argument of EVAL</a:t>
+            </a:r>
+            <a:r>
+              <a:rPr b="0" lang="en-IN" sz="2000" spc="-1" strike="noStrike">
+                <a:solidFill>
+                  <a:srgbClr val="000000"/>
+                </a:solidFill>
+                <a:latin typeface="Arial"/>
+                <a:ea typeface="DejaVu Sans"/>
+              </a:rPr>
+              <a:t> is the number of arguments that follows the script (starting from the third argument) that represent Redis key names. The arguments can be accessed by Lua using the </a:t>
+            </a:r>
+            <a:r>
+              <a:rPr b="1" lang="en-IN" sz="2000" spc="-1" strike="noStrike">
+                <a:solidFill>
+                  <a:srgbClr val="000000"/>
+                </a:solidFill>
+                <a:latin typeface="Arial"/>
+                <a:ea typeface="DejaVu Sans"/>
+              </a:rPr>
+              <a:t>KEYS global variable</a:t>
+            </a:r>
+            <a:r>
+              <a:rPr b="0" lang="en-IN" sz="2000" spc="-1" strike="noStrike">
+                <a:solidFill>
+                  <a:srgbClr val="000000"/>
+                </a:solidFill>
+                <a:latin typeface="Arial"/>
+                <a:ea typeface="DejaVu Sans"/>
+              </a:rPr>
+              <a:t> in the form of a one-based array (so </a:t>
+            </a:r>
+            <a:r>
+              <a:rPr b="1" lang="en-IN" sz="2000" spc="-1" strike="noStrike">
+                <a:solidFill>
+                  <a:srgbClr val="000000"/>
+                </a:solidFill>
+                <a:latin typeface="Arial"/>
+                <a:ea typeface="DejaVu Sans"/>
+              </a:rPr>
+              <a:t>KEYS[1], KEYS[2], ...</a:t>
+            </a:r>
+            <a:r>
+              <a:rPr b="0" lang="en-IN" sz="2000" spc="-1" strike="noStrike">
+                <a:solidFill>
+                  <a:srgbClr val="000000"/>
+                </a:solidFill>
+                <a:latin typeface="Arial"/>
+                <a:ea typeface="DejaVu Sans"/>
+              </a:rPr>
+              <a:t>).</a:t>
+            </a:r>
+            <a:endParaRPr b="0" lang="en-IN" sz="2000" spc="-1" strike="noStrike">
+              <a:latin typeface="Arial"/>
+            </a:endParaRPr>
+          </a:p>
+          <a:p>
+            <a:pPr>
+              <a:lnSpc>
+                <a:spcPct val="100000"/>
+              </a:lnSpc>
+            </a:pPr>
+            <a:endParaRPr b="0" lang="en-IN" sz="2000" spc="-1" strike="noStrike">
+              <a:latin typeface="Arial"/>
+            </a:endParaRPr>
+          </a:p>
+          <a:p>
+            <a:pPr>
+              <a:lnSpc>
+                <a:spcPct val="100000"/>
+              </a:lnSpc>
+            </a:pPr>
+            <a:r>
+              <a:rPr b="0" lang="en-IN" sz="2000" spc="-1" strike="noStrike">
+                <a:solidFill>
+                  <a:srgbClr val="000000"/>
+                </a:solidFill>
+                <a:latin typeface="Arial"/>
+                <a:ea typeface="DejaVu Sans"/>
+              </a:rPr>
+              <a:t>All the additional arguments should not represent key names and can be accessed by Lua using the </a:t>
+            </a:r>
+            <a:r>
+              <a:rPr b="1" lang="en-IN" sz="2000" spc="-1" strike="noStrike">
+                <a:solidFill>
+                  <a:srgbClr val="000000"/>
+                </a:solidFill>
+                <a:latin typeface="Arial"/>
+                <a:ea typeface="DejaVu Sans"/>
+              </a:rPr>
+              <a:t>ARGV global variable</a:t>
+            </a:r>
+            <a:r>
+              <a:rPr b="0" lang="en-IN" sz="2000" spc="-1" strike="noStrike">
+                <a:solidFill>
+                  <a:srgbClr val="000000"/>
+                </a:solidFill>
+                <a:latin typeface="Arial"/>
+                <a:ea typeface="DejaVu Sans"/>
+              </a:rPr>
+              <a:t>, very similarly to what happens with keys (so </a:t>
+            </a:r>
+            <a:r>
+              <a:rPr b="1" lang="en-IN" sz="2000" spc="-1" strike="noStrike">
+                <a:solidFill>
+                  <a:srgbClr val="000000"/>
+                </a:solidFill>
+                <a:latin typeface="Arial"/>
+                <a:ea typeface="DejaVu Sans"/>
+              </a:rPr>
+              <a:t>ARGV[1], ARGV[2], ...</a:t>
+            </a:r>
+            <a:r>
+              <a:rPr b="0" lang="en-IN" sz="2000" spc="-1" strike="noStrike">
+                <a:solidFill>
+                  <a:srgbClr val="000000"/>
+                </a:solidFill>
+                <a:latin typeface="Arial"/>
+                <a:ea typeface="DejaVu Sans"/>
+              </a:rPr>
+              <a:t>).</a:t>
+            </a:r>
+            <a:endParaRPr b="0" lang="en-IN" sz="2000" spc="-1" strike="noStrike">
+              <a:latin typeface="Arial"/>
+            </a:endParaRPr>
+          </a:p>
+        </p:txBody>
+      </p:sp>
+      <p:sp>
+        <p:nvSpPr>
+          <p:cNvPr id="399" name="CustomShape 3"/>
+          <p:cNvSpPr/>
+          <p:nvPr/>
+        </p:nvSpPr>
+        <p:spPr>
+          <a:xfrm>
+            <a:off x="248400" y="0"/>
+            <a:ext cx="11694960" cy="699120"/>
+          </a:xfrm>
+          <a:prstGeom prst="rect">
+            <a:avLst/>
+          </a:prstGeom>
+          <a:solidFill>
+            <a:schemeClr val="accent6">
+              <a:lumMod val="75000"/>
+            </a:schemeClr>
+          </a:solidFill>
+          <a:ln>
+            <a:noFill/>
+          </a:ln>
+        </p:spPr>
+        <p:style>
+          <a:lnRef idx="0"/>
+          <a:fillRef idx="0"/>
+          <a:effectRef idx="0"/>
+          <a:fontRef idx="minor"/>
+        </p:style>
+        <p:txBody>
+          <a:bodyPr lIns="90000" rIns="90000" tIns="45000" bIns="45000">
+            <a:spAutoFit/>
+          </a:bodyPr>
+          <a:p>
+            <a:pPr algn="ctr">
+              <a:lnSpc>
+                <a:spcPct val="100000"/>
+              </a:lnSpc>
+            </a:pPr>
+            <a:r>
+              <a:rPr b="0" lang="en-IN" sz="4000" spc="-1" strike="noStrike">
+                <a:solidFill>
+                  <a:srgbClr val="f7c120"/>
+                </a:solidFill>
+                <a:latin typeface="Open Sans"/>
+                <a:ea typeface="DejaVu Sans"/>
+              </a:rPr>
+              <a:t>Introduction to EVAL</a:t>
+            </a:r>
+            <a:endParaRPr b="0" lang="en-IN" sz="4000" spc="-1" strike="noStrike">
+              <a:latin typeface="Arial"/>
+            </a:endParaRPr>
+          </a:p>
+        </p:txBody>
+      </p:sp>
+      <p:sp>
+        <p:nvSpPr>
+          <p:cNvPr id="400" name="CustomShape 4"/>
+          <p:cNvSpPr/>
+          <p:nvPr/>
+        </p:nvSpPr>
+        <p:spPr>
+          <a:xfrm>
+            <a:off x="576000" y="1504080"/>
+            <a:ext cx="8345160" cy="361080"/>
           </a:xfrm>
           <a:prstGeom prst="rect">
             <a:avLst/>
@@ -36736,515 +36428,14 @@
       </p:sp>
       <p:sp>
         <p:nvSpPr>
-          <p:cNvPr id="401" name="CustomShape 3"/>
+          <p:cNvPr id="401" name="CustomShape 5"/>
           <p:cNvSpPr/>
           <p:nvPr/>
         </p:nvSpPr>
         <p:spPr>
           <a:xfrm>
-            <a:off x="36000" y="2253600"/>
-            <a:ext cx="12096000" cy="3382200"/>
-          </a:xfrm>
-          <a:prstGeom prst="rect">
-            <a:avLst/>
-          </a:prstGeom>
-          <a:noFill/>
-          <a:ln>
-            <a:noFill/>
-          </a:ln>
-        </p:spPr>
-        <p:style>
-          <a:lnRef idx="0"/>
-          <a:fillRef idx="0"/>
-          <a:effectRef idx="0"/>
-          <a:fontRef idx="minor"/>
-        </p:style>
-        <p:txBody>
-          <a:bodyPr lIns="90000" rIns="90000" tIns="45000" bIns="45000">
-            <a:spAutoFit/>
-          </a:bodyPr>
-          <a:p>
-            <a:pPr>
-              <a:lnSpc>
-                <a:spcPct val="150000"/>
-              </a:lnSpc>
-            </a:pPr>
-            <a:r>
-              <a:rPr b="0" lang="en-IN" sz="1800" spc="-1" strike="noStrike">
-                <a:solidFill>
-                  <a:srgbClr val="808080"/>
-                </a:solidFill>
-                <a:latin typeface="Consolas"/>
-                <a:ea typeface="SimSun"/>
-              </a:rPr>
-              <a:t>127.0.0.1:6379</a:t>
-            </a:r>
-            <a:r>
-              <a:rPr b="1" lang="en-IN" sz="1800" spc="-1" strike="noStrike">
-                <a:solidFill>
-                  <a:srgbClr val="808080"/>
-                </a:solidFill>
-                <a:latin typeface="Consolas"/>
-                <a:ea typeface="SimSun"/>
-              </a:rPr>
-              <a:t>[5]</a:t>
-            </a:r>
-            <a:r>
-              <a:rPr b="0" lang="en-IN" sz="1800" spc="-1" strike="noStrike">
-                <a:solidFill>
-                  <a:srgbClr val="808080"/>
-                </a:solidFill>
-                <a:latin typeface="Consolas"/>
-                <a:ea typeface="SimSun"/>
-              </a:rPr>
-              <a:t>&gt;</a:t>
-            </a:r>
-            <a:r>
-              <a:rPr b="0" lang="en-IN" sz="1800" spc="-1" strike="noStrike">
-                <a:solidFill>
-                  <a:srgbClr val="000000"/>
-                </a:solidFill>
-                <a:latin typeface="Consolas"/>
-                <a:ea typeface="SimSun"/>
-              </a:rPr>
-              <a:t> </a:t>
-            </a:r>
-            <a:r>
-              <a:rPr b="0" lang="en-IN" sz="1800" spc="-1" strike="noStrike">
-                <a:solidFill>
-                  <a:srgbClr val="ff5733"/>
-                </a:solidFill>
-                <a:latin typeface="Consolas"/>
-                <a:ea typeface="SimSun"/>
-              </a:rPr>
-              <a:t>eval "return redis.call('zrank', 'game:1', ARGV[1])" 0 saleel</a:t>
-            </a:r>
-            <a:endParaRPr b="0" lang="en-IN" sz="1800" spc="-1" strike="noStrike">
-              <a:latin typeface="Arial"/>
-            </a:endParaRPr>
-          </a:p>
-          <a:p>
-            <a:pPr>
-              <a:lnSpc>
-                <a:spcPct val="150000"/>
-              </a:lnSpc>
-            </a:pPr>
-            <a:r>
-              <a:rPr b="0" lang="en-IN" sz="1800" spc="-1" strike="noStrike">
-                <a:solidFill>
-                  <a:srgbClr val="808080"/>
-                </a:solidFill>
-                <a:latin typeface="Consolas"/>
-                <a:ea typeface="SimSun"/>
-              </a:rPr>
-              <a:t>127.0.0.1:6379</a:t>
-            </a:r>
-            <a:r>
-              <a:rPr b="1" lang="en-IN" sz="1800" spc="-1" strike="noStrike">
-                <a:solidFill>
-                  <a:srgbClr val="808080"/>
-                </a:solidFill>
-                <a:latin typeface="Consolas"/>
-                <a:ea typeface="SimSun"/>
-              </a:rPr>
-              <a:t>[5]</a:t>
-            </a:r>
-            <a:r>
-              <a:rPr b="0" lang="en-IN" sz="1800" spc="-1" strike="noStrike">
-                <a:solidFill>
-                  <a:srgbClr val="808080"/>
-                </a:solidFill>
-                <a:latin typeface="Consolas"/>
-                <a:ea typeface="SimSun"/>
-              </a:rPr>
-              <a:t>&gt; </a:t>
-            </a:r>
-            <a:r>
-              <a:rPr b="0" lang="en-IN" sz="1800" spc="-1" strike="noStrike">
-                <a:solidFill>
-                  <a:srgbClr val="ff5733"/>
-                </a:solidFill>
-                <a:latin typeface="Consolas"/>
-                <a:ea typeface="SimSun"/>
-              </a:rPr>
-              <a:t>eval </a:t>
-            </a:r>
-            <a:endParaRPr b="0" lang="en-IN" sz="1800" spc="-1" strike="noStrike">
-              <a:latin typeface="Arial"/>
-            </a:endParaRPr>
-          </a:p>
-          <a:p>
-            <a:pPr>
-              <a:lnSpc>
-                <a:spcPct val="150000"/>
-              </a:lnSpc>
-            </a:pPr>
-            <a:r>
-              <a:rPr b="0" lang="en-IN" sz="1800" spc="-1" strike="noStrike">
-                <a:solidFill>
-                  <a:srgbClr val="808080"/>
-                </a:solidFill>
-                <a:latin typeface="Consolas"/>
-                <a:ea typeface="SimSun"/>
-              </a:rPr>
-              <a:t>127.0.0.1:6379</a:t>
-            </a:r>
-            <a:r>
-              <a:rPr b="1" lang="en-IN" sz="1800" spc="-1" strike="noStrike">
-                <a:solidFill>
-                  <a:srgbClr val="808080"/>
-                </a:solidFill>
-                <a:latin typeface="Consolas"/>
-                <a:ea typeface="SimSun"/>
-              </a:rPr>
-              <a:t>[5]</a:t>
-            </a:r>
-            <a:r>
-              <a:rPr b="0" lang="en-IN" sz="1800" spc="-1" strike="noStrike">
-                <a:solidFill>
-                  <a:srgbClr val="808080"/>
-                </a:solidFill>
-                <a:latin typeface="Consolas"/>
-                <a:ea typeface="SimSun"/>
-              </a:rPr>
-              <a:t>&gt;</a:t>
-            </a:r>
-            <a:r>
-              <a:rPr b="0" lang="en-IN" sz="1800" spc="-1" strike="noStrike">
-                <a:solidFill>
-                  <a:srgbClr val="000000"/>
-                </a:solidFill>
-                <a:latin typeface="Consolas"/>
-                <a:ea typeface="SimSun"/>
-              </a:rPr>
-              <a:t> </a:t>
-            </a:r>
-            <a:r>
-              <a:rPr b="0" lang="en-IN" sz="1800" spc="-1" strike="noStrike">
-                <a:solidFill>
-                  <a:srgbClr val="ff5733"/>
-                </a:solidFill>
-                <a:latin typeface="Consolas"/>
-                <a:ea typeface="SimSun"/>
-              </a:rPr>
-              <a:t>eval </a:t>
-            </a:r>
-            <a:endParaRPr b="0" lang="en-IN" sz="1800" spc="-1" strike="noStrike">
-              <a:latin typeface="Arial"/>
-            </a:endParaRPr>
-          </a:p>
-          <a:p>
-            <a:pPr>
-              <a:lnSpc>
-                <a:spcPct val="150000"/>
-              </a:lnSpc>
-            </a:pPr>
-            <a:r>
-              <a:rPr b="0" lang="en-IN" sz="1800" spc="-1" strike="noStrike">
-                <a:solidFill>
-                  <a:srgbClr val="808080"/>
-                </a:solidFill>
-                <a:latin typeface="Consolas"/>
-                <a:ea typeface="SimSun"/>
-              </a:rPr>
-              <a:t>127.0.0.1:6379</a:t>
-            </a:r>
-            <a:r>
-              <a:rPr b="1" lang="en-IN" sz="1800" spc="-1" strike="noStrike">
-                <a:solidFill>
-                  <a:srgbClr val="808080"/>
-                </a:solidFill>
-                <a:latin typeface="Consolas"/>
-                <a:ea typeface="SimSun"/>
-              </a:rPr>
-              <a:t>[5]</a:t>
-            </a:r>
-            <a:r>
-              <a:rPr b="0" lang="en-IN" sz="1800" spc="-1" strike="noStrike">
-                <a:solidFill>
-                  <a:srgbClr val="808080"/>
-                </a:solidFill>
-                <a:latin typeface="Consolas"/>
-                <a:ea typeface="SimSun"/>
-              </a:rPr>
-              <a:t>&gt;</a:t>
-            </a:r>
-            <a:r>
-              <a:rPr b="0" lang="en-IN" sz="1800" spc="-1" strike="noStrike">
-                <a:solidFill>
-                  <a:srgbClr val="000000"/>
-                </a:solidFill>
-                <a:latin typeface="Consolas"/>
-                <a:ea typeface="SimSun"/>
-              </a:rPr>
-              <a:t> </a:t>
-            </a:r>
-            <a:r>
-              <a:rPr b="0" lang="en-IN" sz="1800" spc="-1" strike="noStrike">
-                <a:solidFill>
-                  <a:srgbClr val="ff5733"/>
-                </a:solidFill>
-                <a:latin typeface="Consolas"/>
-                <a:ea typeface="SimSun"/>
-              </a:rPr>
-              <a:t>eval </a:t>
-            </a:r>
-            <a:endParaRPr b="0" lang="en-IN" sz="1800" spc="-1" strike="noStrike">
-              <a:latin typeface="Arial"/>
-            </a:endParaRPr>
-          </a:p>
-          <a:p>
-            <a:pPr>
-              <a:lnSpc>
-                <a:spcPct val="150000"/>
-              </a:lnSpc>
-            </a:pPr>
-            <a:r>
-              <a:rPr b="0" lang="en-IN" sz="1800" spc="-1" strike="noStrike">
-                <a:solidFill>
-                  <a:srgbClr val="808080"/>
-                </a:solidFill>
-                <a:latin typeface="Consolas"/>
-                <a:ea typeface="SimSun"/>
-              </a:rPr>
-              <a:t>127.0.0.1:6379</a:t>
-            </a:r>
-            <a:r>
-              <a:rPr b="1" lang="en-IN" sz="1800" spc="-1" strike="noStrike">
-                <a:solidFill>
-                  <a:srgbClr val="808080"/>
-                </a:solidFill>
-                <a:latin typeface="Consolas"/>
-                <a:ea typeface="SimSun"/>
-              </a:rPr>
-              <a:t>[5]</a:t>
-            </a:r>
-            <a:r>
-              <a:rPr b="0" lang="en-IN" sz="1800" spc="-1" strike="noStrike">
-                <a:solidFill>
-                  <a:srgbClr val="808080"/>
-                </a:solidFill>
-                <a:latin typeface="Consolas"/>
-                <a:ea typeface="SimSun"/>
-              </a:rPr>
-              <a:t>&gt;</a:t>
-            </a:r>
-            <a:r>
-              <a:rPr b="0" lang="en-IN" sz="1800" spc="-1" strike="noStrike">
-                <a:solidFill>
-                  <a:srgbClr val="000000"/>
-                </a:solidFill>
-                <a:latin typeface="Consolas"/>
-                <a:ea typeface="SimSun"/>
-              </a:rPr>
-              <a:t> </a:t>
-            </a:r>
-            <a:r>
-              <a:rPr b="0" lang="en-IN" sz="1800" spc="-1" strike="noStrike">
-                <a:solidFill>
-                  <a:srgbClr val="ff5733"/>
-                </a:solidFill>
-                <a:latin typeface="Consolas"/>
-                <a:ea typeface="SimSun"/>
-              </a:rPr>
-              <a:t>eval </a:t>
-            </a:r>
-            <a:endParaRPr b="0" lang="en-IN" sz="1800" spc="-1" strike="noStrike">
-              <a:latin typeface="Arial"/>
-            </a:endParaRPr>
-          </a:p>
-          <a:p>
-            <a:pPr>
-              <a:lnSpc>
-                <a:spcPct val="150000"/>
-              </a:lnSpc>
-            </a:pPr>
-            <a:r>
-              <a:rPr b="0" lang="en-IN" sz="1800" spc="-1" strike="noStrike">
-                <a:solidFill>
-                  <a:srgbClr val="808080"/>
-                </a:solidFill>
-                <a:latin typeface="Consolas"/>
-                <a:ea typeface="SimSun"/>
-              </a:rPr>
-              <a:t>127.0.0.1:6379</a:t>
-            </a:r>
-            <a:r>
-              <a:rPr b="1" lang="en-IN" sz="1800" spc="-1" strike="noStrike">
-                <a:solidFill>
-                  <a:srgbClr val="808080"/>
-                </a:solidFill>
-                <a:latin typeface="Consolas"/>
-                <a:ea typeface="SimSun"/>
-              </a:rPr>
-              <a:t>[5]</a:t>
-            </a:r>
-            <a:r>
-              <a:rPr b="0" lang="en-IN" sz="1800" spc="-1" strike="noStrike">
-                <a:solidFill>
-                  <a:srgbClr val="808080"/>
-                </a:solidFill>
-                <a:latin typeface="Consolas"/>
-                <a:ea typeface="SimSun"/>
-              </a:rPr>
-              <a:t>&gt;</a:t>
-            </a:r>
-            <a:r>
-              <a:rPr b="0" lang="en-IN" sz="1800" spc="-1" strike="noStrike">
-                <a:solidFill>
-                  <a:srgbClr val="000000"/>
-                </a:solidFill>
-                <a:latin typeface="Consolas"/>
-                <a:ea typeface="SimSun"/>
-              </a:rPr>
-              <a:t> </a:t>
-            </a:r>
-            <a:r>
-              <a:rPr b="0" lang="en-IN" sz="1800" spc="-1" strike="noStrike">
-                <a:solidFill>
-                  <a:srgbClr val="ff5733"/>
-                </a:solidFill>
-                <a:latin typeface="Consolas"/>
-                <a:ea typeface="SimSun"/>
-              </a:rPr>
-              <a:t>eval </a:t>
-            </a:r>
-            <a:endParaRPr b="0" lang="en-IN" sz="1800" spc="-1" strike="noStrike">
-              <a:latin typeface="Arial"/>
-            </a:endParaRPr>
-          </a:p>
-          <a:p>
-            <a:pPr>
-              <a:lnSpc>
-                <a:spcPct val="150000"/>
-              </a:lnSpc>
-            </a:pPr>
-            <a:r>
-              <a:rPr b="0" lang="en-IN" sz="1800" spc="-1" strike="noStrike">
-                <a:solidFill>
-                  <a:srgbClr val="808080"/>
-                </a:solidFill>
-                <a:latin typeface="Consolas"/>
-                <a:ea typeface="SimSun"/>
-              </a:rPr>
-              <a:t>127.0.0.1:6379</a:t>
-            </a:r>
-            <a:r>
-              <a:rPr b="1" lang="en-IN" sz="1800" spc="-1" strike="noStrike">
-                <a:solidFill>
-                  <a:srgbClr val="808080"/>
-                </a:solidFill>
-                <a:latin typeface="Consolas"/>
-                <a:ea typeface="SimSun"/>
-              </a:rPr>
-              <a:t>[5]</a:t>
-            </a:r>
-            <a:r>
-              <a:rPr b="0" lang="en-IN" sz="1800" spc="-1" strike="noStrike">
-                <a:solidFill>
-                  <a:srgbClr val="808080"/>
-                </a:solidFill>
-                <a:latin typeface="Consolas"/>
-                <a:ea typeface="SimSun"/>
-              </a:rPr>
-              <a:t>&gt;</a:t>
-            </a:r>
-            <a:r>
-              <a:rPr b="0" lang="en-IN" sz="1800" spc="-1" strike="noStrike">
-                <a:solidFill>
-                  <a:srgbClr val="000000"/>
-                </a:solidFill>
-                <a:latin typeface="Consolas"/>
-                <a:ea typeface="SimSun"/>
-              </a:rPr>
-              <a:t> </a:t>
-            </a:r>
-            <a:r>
-              <a:rPr b="0" lang="en-IN" sz="1800" spc="-1" strike="noStrike">
-                <a:solidFill>
-                  <a:srgbClr val="ff5733"/>
-                </a:solidFill>
-                <a:latin typeface="Consolas"/>
-                <a:ea typeface="SimSun"/>
-              </a:rPr>
-              <a:t>eval </a:t>
-            </a:r>
-            <a:endParaRPr b="0" lang="en-IN" sz="1800" spc="-1" strike="noStrike">
-              <a:latin typeface="Arial"/>
-            </a:endParaRPr>
-          </a:p>
-          <a:p>
-            <a:pPr>
-              <a:lnSpc>
-                <a:spcPct val="150000"/>
-              </a:lnSpc>
-            </a:pPr>
-            <a:r>
-              <a:rPr b="0" lang="en-IN" sz="1800" spc="-1" strike="noStrike">
-                <a:solidFill>
-                  <a:srgbClr val="808080"/>
-                </a:solidFill>
-                <a:latin typeface="Consolas"/>
-                <a:ea typeface="SimSun"/>
-              </a:rPr>
-              <a:t>127.0.0.1:6379</a:t>
-            </a:r>
-            <a:r>
-              <a:rPr b="1" lang="en-IN" sz="1800" spc="-1" strike="noStrike">
-                <a:solidFill>
-                  <a:srgbClr val="808080"/>
-                </a:solidFill>
-                <a:latin typeface="Consolas"/>
-                <a:ea typeface="SimSun"/>
-              </a:rPr>
-              <a:t>[5]</a:t>
-            </a:r>
-            <a:r>
-              <a:rPr b="0" lang="en-IN" sz="1800" spc="-1" strike="noStrike">
-                <a:solidFill>
-                  <a:srgbClr val="808080"/>
-                </a:solidFill>
-                <a:latin typeface="Consolas"/>
-                <a:ea typeface="SimSun"/>
-              </a:rPr>
-              <a:t>&gt;</a:t>
-            </a:r>
-            <a:r>
-              <a:rPr b="0" lang="en-IN" sz="1800" spc="-1" strike="noStrike">
-                <a:solidFill>
-                  <a:srgbClr val="000000"/>
-                </a:solidFill>
-                <a:latin typeface="Consolas"/>
-                <a:ea typeface="SimSun"/>
-              </a:rPr>
-              <a:t> </a:t>
-            </a:r>
-            <a:r>
-              <a:rPr b="0" lang="en-IN" sz="1800" spc="-1" strike="noStrike">
-                <a:solidFill>
-                  <a:srgbClr val="ff5733"/>
-                </a:solidFill>
-                <a:latin typeface="Consolas"/>
-                <a:ea typeface="SimSun"/>
-              </a:rPr>
-              <a:t>eval </a:t>
-            </a:r>
-            <a:endParaRPr b="0" lang="en-IN" sz="1800" spc="-1" strike="noStrike">
-              <a:latin typeface="Arial"/>
-            </a:endParaRPr>
-          </a:p>
-        </p:txBody>
-      </p:sp>
-      <p:sp>
-        <p:nvSpPr>
-          <p:cNvPr id="402" name="CustomShape 4"/>
-          <p:cNvSpPr/>
-          <p:nvPr/>
-        </p:nvSpPr>
-        <p:spPr>
-          <a:xfrm>
-            <a:off x="288000" y="1656000"/>
-            <a:ext cx="605160" cy="393120"/>
+            <a:off x="288000" y="5543280"/>
+            <a:ext cx="10829160" cy="1001880"/>
           </a:xfrm>
           <a:prstGeom prst="rect">
             <a:avLst/>
@@ -37271,16 +36462,96 @@
               </a:lnSpc>
             </a:pPr>
             <a:r>
-              <a:rPr b="1" lang="en-IN" sz="2200" spc="-1" strike="noStrike">
-                <a:solidFill>
-                  <a:srgbClr val="ff1744"/>
-                </a:solidFill>
-                <a:latin typeface="Times New Roman"/>
-                <a:ea typeface="DejaVu Sans"/>
-              </a:rPr>
-              <a:t>e.g.</a:t>
-            </a:r>
-            <a:endParaRPr b="0" lang="en-IN" sz="2200" spc="-1" strike="noStrike">
+              <a:rPr b="1" lang="en-IN" sz="2000" spc="-1" strike="noStrike">
+                <a:solidFill>
+                  <a:srgbClr val="c00000"/>
+                </a:solidFill>
+                <a:latin typeface="Open Sans"/>
+                <a:ea typeface="Open Sans"/>
+              </a:rPr>
+              <a:t>Note:</a:t>
+            </a:r>
+            <a:endParaRPr b="0" lang="en-IN" sz="2000" spc="-1" strike="noStrike">
+              <a:latin typeface="Arial"/>
+            </a:endParaRPr>
+          </a:p>
+          <a:p>
+            <a:pPr>
+              <a:lnSpc>
+                <a:spcPct val="100000"/>
+              </a:lnSpc>
+            </a:pPr>
+            <a:endParaRPr b="0" lang="en-IN" sz="2000" spc="-1" strike="noStrike">
+              <a:latin typeface="Arial"/>
+            </a:endParaRPr>
+          </a:p>
+          <a:p>
+            <a:pPr>
+              <a:lnSpc>
+                <a:spcPct val="100000"/>
+              </a:lnSpc>
+            </a:pPr>
+            <a:r>
+              <a:rPr b="1" lang="en-IN" sz="1800" spc="-1" strike="noStrike">
+                <a:solidFill>
+                  <a:srgbClr val="000000"/>
+                </a:solidFill>
+                <a:latin typeface="Arial"/>
+                <a:ea typeface="Open Sans"/>
+              </a:rPr>
+              <a:t>KEYS[1], KEYS[2], . . .  </a:t>
+            </a:r>
+            <a:r>
+              <a:rPr b="0" lang="en-IN" sz="1800" spc="-1" strike="noStrike">
+                <a:solidFill>
+                  <a:srgbClr val="000000"/>
+                </a:solidFill>
+                <a:latin typeface="Arial"/>
+                <a:ea typeface="Open Sans"/>
+              </a:rPr>
+              <a:t>and</a:t>
+            </a:r>
+            <a:r>
+              <a:rPr b="1" lang="en-IN" sz="1800" spc="-1" strike="noStrike">
+                <a:solidFill>
+                  <a:srgbClr val="000000"/>
+                </a:solidFill>
+                <a:latin typeface="Arial"/>
+                <a:ea typeface="Open Sans"/>
+              </a:rPr>
+              <a:t> ARGV[1], ARGV[2]</a:t>
+            </a:r>
+            <a:r>
+              <a:rPr b="0" lang="en-IN" sz="1800" spc="-1" strike="noStrike">
+                <a:solidFill>
+                  <a:srgbClr val="000000"/>
+                </a:solidFill>
+                <a:latin typeface="Arial"/>
+                <a:ea typeface="Open Sans"/>
+              </a:rPr>
+              <a:t>.</a:t>
+            </a:r>
+            <a:r>
+              <a:rPr b="1" lang="en-IN" sz="1800" spc="-1" strike="noStrike">
+                <a:solidFill>
+                  <a:srgbClr val="000000"/>
+                </a:solidFill>
+                <a:latin typeface="Arial"/>
+                <a:ea typeface="Open Sans"/>
+              </a:rPr>
+              <a:t>, . . . </a:t>
+            </a:r>
+            <a:r>
+              <a:rPr b="0" lang="en-IN" sz="1800" spc="-1" strike="noStrike">
+                <a:solidFill>
+                  <a:srgbClr val="000000"/>
+                </a:solidFill>
+                <a:latin typeface="Arial"/>
+                <a:ea typeface="Open Sans"/>
+              </a:rPr>
+              <a:t>must be in upper case.</a:t>
+            </a:r>
+            <a:endParaRPr b="0" lang="en-IN" sz="1800" spc="-1" strike="noStrike">
               <a:latin typeface="Arial"/>
             </a:endParaRPr>
           </a:p>
@@ -37325,7 +36596,7 @@
         <p:spPr>
           <a:xfrm>
             <a:off x="248400" y="0"/>
-            <a:ext cx="11695320" cy="699120"/>
+            <a:ext cx="11694960" cy="699120"/>
           </a:xfrm>
           <a:prstGeom prst="rect">
             <a:avLst/>
@@ -37380,7 +36651,7 @@
         <p:spPr>
           <a:xfrm>
             <a:off x="248400" y="762120"/>
-            <a:ext cx="11695320" cy="638280"/>
+            <a:ext cx="11694960" cy="638280"/>
           </a:xfrm>
           <a:prstGeom prst="rect">
             <a:avLst/>
@@ -37441,7 +36712,7 @@
         <p:spPr>
           <a:xfrm>
             <a:off x="1523880" y="4272480"/>
-            <a:ext cx="8872560" cy="2558520"/>
+            <a:ext cx="8872200" cy="2558520"/>
           </a:xfrm>
           <a:prstGeom prst="rect">
             <a:avLst/>
@@ -37462,7 +36733,7 @@
             <a:spAutoFit/>
           </a:bodyPr>
           <a:p>
-            <a:pPr marL="285840" indent="-268560">
+            <a:pPr marL="285840" indent="-268200">
               <a:lnSpc>
                 <a:spcPct val="150000"/>
               </a:lnSpc>
@@ -37507,7 +36778,7 @@
             </a:endParaRPr>
           </a:p>
           <a:p>
-            <a:pPr marL="285840" indent="-268560">
+            <a:pPr marL="285840" indent="-268200">
               <a:lnSpc>
                 <a:spcPct val="150000"/>
               </a:lnSpc>
@@ -37552,7 +36823,7 @@
             </a:endParaRPr>
           </a:p>
           <a:p>
-            <a:pPr marL="285840" indent="-268560">
+            <a:pPr marL="285840" indent="-268200">
               <a:lnSpc>
                 <a:spcPct val="150000"/>
               </a:lnSpc>
@@ -37597,7 +36868,7 @@
             </a:endParaRPr>
           </a:p>
           <a:p>
-            <a:pPr marL="285840" indent="-268560">
+            <a:pPr marL="285840" indent="-268200">
               <a:lnSpc>
                 <a:spcPct val="150000"/>
               </a:lnSpc>
@@ -37642,7 +36913,7 @@
             </a:endParaRPr>
           </a:p>
           <a:p>
-            <a:pPr marL="285840" indent="-268560">
+            <a:pPr marL="285840" indent="-268200">
               <a:lnSpc>
                 <a:spcPct val="150000"/>
               </a:lnSpc>
@@ -37677,7 +36948,7 @@
             </a:endParaRPr>
           </a:p>
           <a:p>
-            <a:pPr marL="285840" indent="-268560">
+            <a:pPr marL="285840" indent="-268200">
               <a:lnSpc>
                 <a:spcPct val="150000"/>
               </a:lnSpc>
@@ -38277,7 +37548,7 @@
         <p:spPr>
           <a:xfrm>
             <a:off x="246600" y="1742040"/>
-            <a:ext cx="11697120" cy="394560"/>
+            <a:ext cx="11696760" cy="394560"/>
           </a:xfrm>
           <a:prstGeom prst="rect">
             <a:avLst/>
@@ -38361,14 +37632,14 @@
       </p:grpSpPr>
       <p:sp>
         <p:nvSpPr>
-          <p:cNvPr id="403" name="CustomShape 1"/>
+          <p:cNvPr id="402" name="CustomShape 1"/>
           <p:cNvSpPr/>
           <p:nvPr/>
         </p:nvSpPr>
         <p:spPr>
           <a:xfrm>
-            <a:off x="1365840" y="188640"/>
-            <a:ext cx="9665640" cy="2192400"/>
+            <a:off x="216000" y="216000"/>
+            <a:ext cx="1937160" cy="424800"/>
           </a:xfrm>
           <a:prstGeom prst="rect">
             <a:avLst/>
@@ -38389,90 +37660,630 @@
             <a:spAutoFit/>
           </a:bodyPr>
           <a:p>
-            <a:pPr algn="ctr">
-              <a:lnSpc>
-                <a:spcPct val="100000"/>
-              </a:lnSpc>
-            </a:pPr>
-            <a:r>
-              <a:rPr b="0" lang="en-IN" sz="4000" spc="-1" strike="noStrike">
-                <a:solidFill>
-                  <a:srgbClr val="ff5733"/>
-                </a:solidFill>
-                <a:latin typeface="Segoe Print"/>
-                <a:ea typeface="DejaVu Sans"/>
-              </a:rPr>
-              <a:t>“</a:t>
-            </a:r>
-            <a:r>
-              <a:rPr b="0" lang="en-US" sz="4000" spc="-1" strike="noStrike">
-                <a:solidFill>
-                  <a:srgbClr val="ff5733"/>
-                </a:solidFill>
-                <a:latin typeface="Segoe Print"/>
-                <a:ea typeface="DejaVu Sans"/>
-              </a:rPr>
-              <a:t>Accept your past without regret, handle our present with confidence and face your future without fear.</a:t>
-            </a:r>
-            <a:r>
-              <a:rPr b="0" lang="en-IN" sz="4000" spc="-1" strike="noStrike">
-                <a:solidFill>
-                  <a:srgbClr val="ff5733"/>
-                </a:solidFill>
-                <a:latin typeface="Segoe Print"/>
-                <a:ea typeface="DejaVu Sans"/>
-              </a:rPr>
-              <a:t>”</a:t>
-            </a:r>
-            <a:endParaRPr b="0" lang="en-IN" sz="4000" spc="-1" strike="noStrike">
-              <a:latin typeface="Arial"/>
-            </a:endParaRPr>
-          </a:p>
-          <a:p>
-            <a:pPr algn="r">
-              <a:lnSpc>
-                <a:spcPct val="100000"/>
-              </a:lnSpc>
-            </a:pPr>
-            <a:r>
-              <a:rPr b="0" lang="en-IN" sz="1800" spc="-1" strike="noStrike">
-                <a:solidFill>
-                  <a:srgbClr val="111111"/>
-                </a:solidFill>
-                <a:latin typeface="-apple-system"/>
-                <a:ea typeface="DejaVu Sans"/>
-              </a:rPr>
-              <a:t>~ Dr. APJ. Abdul Kalam</a:t>
-            </a:r>
-            <a:endParaRPr b="0" lang="en-IN" sz="1800" spc="-1" strike="noStrike">
+            <a:pPr algn="just">
+              <a:lnSpc>
+                <a:spcPct val="100000"/>
+              </a:lnSpc>
+            </a:pPr>
+            <a:r>
+              <a:rPr b="0" lang="en-IN" sz="2200" spc="-1" strike="noStrike">
+                <a:solidFill>
+                  <a:srgbClr val="3e5d78"/>
+                </a:solidFill>
+                <a:latin typeface="Times New Roman"/>
+                <a:ea typeface="DejaVu Sans"/>
+              </a:rPr>
+              <a:t>Lua scripting</a:t>
+            </a:r>
+            <a:endParaRPr b="0" lang="en-IN" sz="2200" spc="-1" strike="noStrike">
               <a:latin typeface="Arial"/>
             </a:endParaRPr>
           </a:p>
         </p:txBody>
       </p:sp>
-      <p:pic>
-        <p:nvPicPr>
-          <p:cNvPr id="404" name="Picture 2" descr="http://www.bvctch.vn/vnt_upload/weblink/thks.jpg"/>
-          <p:cNvPicPr/>
+      <p:sp>
+        <p:nvSpPr>
+          <p:cNvPr id="403" name="CustomShape 2"/>
+          <p:cNvSpPr/>
           <p:nvPr/>
-        </p:nvPicPr>
-        <p:blipFill>
-          <a:blip r:embed="rId1"/>
-          <a:stretch/>
-        </p:blipFill>
-        <p:spPr>
-          <a:xfrm>
-            <a:off x="4404600" y="2036160"/>
-            <a:ext cx="3109320" cy="4646160"/>
+        </p:nvSpPr>
+        <p:spPr>
+          <a:xfrm>
+            <a:off x="432720" y="1224000"/>
+            <a:ext cx="8345160" cy="361080"/>
           </a:xfrm>
           <a:prstGeom prst="rect">
             <a:avLst/>
           </a:prstGeom>
+          <a:noFill/>
           <a:ln>
             <a:noFill/>
           </a:ln>
         </p:spPr>
-      </p:pic>
+        <p:style>
+          <a:lnRef idx="0"/>
+          <a:fillRef idx="0"/>
+          <a:effectRef idx="0"/>
+          <a:fontRef idx="minor"/>
+        </p:style>
+        <p:txBody>
+          <a:bodyPr lIns="0" rIns="0" tIns="0" bIns="0">
+            <a:noAutofit/>
+          </a:bodyPr>
+          <a:p>
+            <a:pPr>
+              <a:lnSpc>
+                <a:spcPct val="100000"/>
+              </a:lnSpc>
+            </a:pPr>
+            <a:r>
+              <a:rPr b="0" lang="en-US" sz="2200" spc="-1" strike="noStrike">
+                <a:solidFill>
+                  <a:srgbClr val="00b0f0"/>
+                </a:solidFill>
+                <a:latin typeface="Consolas"/>
+                <a:ea typeface="DejaVu Sans"/>
+              </a:rPr>
+              <a:t>EVAL script numkeys key [key ...] arg [arg ...]</a:t>
+            </a:r>
+            <a:endParaRPr b="0" lang="en-IN" sz="2200" spc="-1" strike="noStrike">
+              <a:latin typeface="Arial"/>
+            </a:endParaRPr>
+          </a:p>
+        </p:txBody>
+      </p:sp>
+      <p:sp>
+        <p:nvSpPr>
+          <p:cNvPr id="404" name="CustomShape 3"/>
+          <p:cNvSpPr/>
+          <p:nvPr/>
+        </p:nvSpPr>
+        <p:spPr>
+          <a:xfrm>
+            <a:off x="288000" y="1656000"/>
+            <a:ext cx="604800" cy="392760"/>
+          </a:xfrm>
+          <a:prstGeom prst="rect">
+            <a:avLst/>
+          </a:prstGeom>
+          <a:noFill/>
+          <a:ln>
+            <a:noFill/>
+          </a:ln>
+        </p:spPr>
+        <p:style>
+          <a:lnRef idx="0"/>
+          <a:fillRef idx="0"/>
+          <a:effectRef idx="0"/>
+          <a:fontRef idx="minor"/>
+        </p:style>
+        <p:txBody>
+          <a:bodyPr lIns="90000" rIns="90000" tIns="45000" bIns="45000">
+            <a:noAutofit/>
+          </a:bodyPr>
+          <a:p>
+            <a:pPr>
+              <a:lnSpc>
+                <a:spcPct val="100000"/>
+              </a:lnSpc>
+            </a:pPr>
+            <a:r>
+              <a:rPr b="1" lang="en-IN" sz="2200" spc="-1" strike="noStrike">
+                <a:solidFill>
+                  <a:srgbClr val="ff1744"/>
+                </a:solidFill>
+                <a:latin typeface="Times New Roman"/>
+                <a:ea typeface="DejaVu Sans"/>
+              </a:rPr>
+              <a:t>e.g.</a:t>
+            </a:r>
+            <a:endParaRPr b="0" lang="en-IN" sz="2200" spc="-1" strike="noStrike">
+              <a:latin typeface="Arial"/>
+            </a:endParaRPr>
+          </a:p>
+        </p:txBody>
+      </p:sp>
+      <p:sp>
+        <p:nvSpPr>
+          <p:cNvPr id="405" name="CustomShape 4"/>
+          <p:cNvSpPr/>
+          <p:nvPr/>
+        </p:nvSpPr>
+        <p:spPr>
+          <a:xfrm>
+            <a:off x="36000" y="2253600"/>
+            <a:ext cx="12095640" cy="3793320"/>
+          </a:xfrm>
+          <a:prstGeom prst="rect">
+            <a:avLst/>
+          </a:prstGeom>
+          <a:noFill/>
+          <a:ln>
+            <a:noFill/>
+          </a:ln>
+        </p:spPr>
+        <p:style>
+          <a:lnRef idx="0"/>
+          <a:fillRef idx="0"/>
+          <a:effectRef idx="0"/>
+          <a:fontRef idx="minor"/>
+        </p:style>
+        <p:txBody>
+          <a:bodyPr lIns="90000" rIns="90000" tIns="45000" bIns="45000">
+            <a:spAutoFit/>
+          </a:bodyPr>
+          <a:p>
+            <a:pPr>
+              <a:lnSpc>
+                <a:spcPct val="150000"/>
+              </a:lnSpc>
+            </a:pPr>
+            <a:r>
+              <a:rPr b="0" lang="en-IN" sz="1800" spc="-1" strike="noStrike">
+                <a:solidFill>
+                  <a:srgbClr val="808080"/>
+                </a:solidFill>
+                <a:latin typeface="Consolas"/>
+                <a:ea typeface="SimSun"/>
+              </a:rPr>
+              <a:t>127.0.0.1:6379</a:t>
+            </a:r>
+            <a:r>
+              <a:rPr b="1" lang="en-IN" sz="1800" spc="-1" strike="noStrike">
+                <a:solidFill>
+                  <a:srgbClr val="808080"/>
+                </a:solidFill>
+                <a:latin typeface="Consolas"/>
+                <a:ea typeface="SimSun"/>
+              </a:rPr>
+              <a:t>[5]</a:t>
+            </a:r>
+            <a:r>
+              <a:rPr b="0" lang="en-IN" sz="1800" spc="-1" strike="noStrike">
+                <a:solidFill>
+                  <a:srgbClr val="808080"/>
+                </a:solidFill>
+                <a:latin typeface="Consolas"/>
+                <a:ea typeface="SimSun"/>
+              </a:rPr>
+              <a:t>&gt;</a:t>
+            </a:r>
+            <a:r>
+              <a:rPr b="0" lang="en-IN" sz="1800" spc="-1" strike="noStrike">
+                <a:solidFill>
+                  <a:srgbClr val="000000"/>
+                </a:solidFill>
+                <a:latin typeface="Consolas"/>
+                <a:ea typeface="SimSun"/>
+              </a:rPr>
+              <a:t> </a:t>
+            </a:r>
+            <a:r>
+              <a:rPr b="0" lang="en-IN" sz="1800" spc="-1" strike="noStrike">
+                <a:solidFill>
+                  <a:srgbClr val="ff5733"/>
+                </a:solidFill>
+                <a:latin typeface="Consolas"/>
+                <a:ea typeface="SimSun"/>
+              </a:rPr>
+              <a:t>eval "return 'Hello World!' " 0</a:t>
+            </a:r>
+            <a:endParaRPr b="0" lang="en-IN" sz="1800" spc="-1" strike="noStrike">
+              <a:latin typeface="Arial"/>
+            </a:endParaRPr>
+          </a:p>
+          <a:p>
+            <a:pPr>
+              <a:lnSpc>
+                <a:spcPct val="150000"/>
+              </a:lnSpc>
+            </a:pPr>
+            <a:r>
+              <a:rPr b="0" lang="en-IN" sz="1800" spc="-1" strike="noStrike">
+                <a:solidFill>
+                  <a:srgbClr val="808080"/>
+                </a:solidFill>
+                <a:latin typeface="Consolas"/>
+                <a:ea typeface="SimSun"/>
+              </a:rPr>
+              <a:t>127.0.0.1:6379</a:t>
+            </a:r>
+            <a:r>
+              <a:rPr b="1" lang="en-IN" sz="1800" spc="-1" strike="noStrike">
+                <a:solidFill>
+                  <a:srgbClr val="808080"/>
+                </a:solidFill>
+                <a:latin typeface="Consolas"/>
+                <a:ea typeface="SimSun"/>
+              </a:rPr>
+              <a:t>[5]</a:t>
+            </a:r>
+            <a:r>
+              <a:rPr b="0" lang="en-IN" sz="1800" spc="-1" strike="noStrike">
+                <a:solidFill>
+                  <a:srgbClr val="808080"/>
+                </a:solidFill>
+                <a:latin typeface="Consolas"/>
+                <a:ea typeface="SimSun"/>
+              </a:rPr>
+              <a:t>&gt; </a:t>
+            </a:r>
+            <a:r>
+              <a:rPr b="0" lang="en-IN" sz="1800" spc="-1" strike="noStrike">
+                <a:solidFill>
+                  <a:srgbClr val="ff5733"/>
+                </a:solidFill>
+                <a:latin typeface="Consolas"/>
+                <a:ea typeface="SimSun"/>
+              </a:rPr>
+              <a:t>eval "local x = 'Hello World!' return x" 0</a:t>
+            </a:r>
+            <a:endParaRPr b="0" lang="en-IN" sz="1800" spc="-1" strike="noStrike">
+              <a:latin typeface="Arial"/>
+            </a:endParaRPr>
+          </a:p>
+          <a:p>
+            <a:pPr>
+              <a:lnSpc>
+                <a:spcPct val="150000"/>
+              </a:lnSpc>
+            </a:pPr>
+            <a:r>
+              <a:rPr b="0" lang="en-IN" sz="1800" spc="-1" strike="noStrike">
+                <a:solidFill>
+                  <a:srgbClr val="808080"/>
+                </a:solidFill>
+                <a:latin typeface="Consolas"/>
+                <a:ea typeface="SimSun"/>
+              </a:rPr>
+              <a:t>127.0.0.1:6379</a:t>
+            </a:r>
+            <a:r>
+              <a:rPr b="1" lang="en-IN" sz="1800" spc="-1" strike="noStrike">
+                <a:solidFill>
+                  <a:srgbClr val="808080"/>
+                </a:solidFill>
+                <a:latin typeface="Consolas"/>
+                <a:ea typeface="SimSun"/>
+              </a:rPr>
+              <a:t>[5]</a:t>
+            </a:r>
+            <a:r>
+              <a:rPr b="0" lang="en-IN" sz="1800" spc="-1" strike="noStrike">
+                <a:solidFill>
+                  <a:srgbClr val="808080"/>
+                </a:solidFill>
+                <a:latin typeface="Consolas"/>
+                <a:ea typeface="SimSun"/>
+              </a:rPr>
+              <a:t>&gt;</a:t>
+            </a:r>
+            <a:r>
+              <a:rPr b="0" lang="en-IN" sz="1800" spc="-1" strike="noStrike">
+                <a:solidFill>
+                  <a:srgbClr val="000000"/>
+                </a:solidFill>
+                <a:latin typeface="Consolas"/>
+                <a:ea typeface="SimSun"/>
+              </a:rPr>
+              <a:t> </a:t>
+            </a:r>
+            <a:r>
+              <a:rPr b="0" lang="en-IN" sz="1800" spc="-1" strike="noStrike">
+                <a:solidFill>
+                  <a:srgbClr val="ff5733"/>
+                </a:solidFill>
+                <a:latin typeface="Consolas"/>
+                <a:ea typeface="SimSun"/>
+              </a:rPr>
+              <a:t>eval "return redis.call('echo', 'Hello')" 0</a:t>
+            </a:r>
+            <a:endParaRPr b="0" lang="en-IN" sz="1800" spc="-1" strike="noStrike">
+              <a:latin typeface="Arial"/>
+            </a:endParaRPr>
+          </a:p>
+          <a:p>
+            <a:pPr>
+              <a:lnSpc>
+                <a:spcPct val="150000"/>
+              </a:lnSpc>
+            </a:pPr>
+            <a:r>
+              <a:rPr b="0" lang="en-IN" sz="1800" spc="-1" strike="noStrike">
+                <a:solidFill>
+                  <a:srgbClr val="808080"/>
+                </a:solidFill>
+                <a:latin typeface="Consolas"/>
+                <a:ea typeface="SimSun"/>
+              </a:rPr>
+              <a:t>127.0.0.1:6379</a:t>
+            </a:r>
+            <a:r>
+              <a:rPr b="1" lang="en-IN" sz="1800" spc="-1" strike="noStrike">
+                <a:solidFill>
+                  <a:srgbClr val="808080"/>
+                </a:solidFill>
+                <a:latin typeface="Consolas"/>
+                <a:ea typeface="SimSun"/>
+              </a:rPr>
+              <a:t>[5]</a:t>
+            </a:r>
+            <a:r>
+              <a:rPr b="0" lang="en-IN" sz="1800" spc="-1" strike="noStrike">
+                <a:solidFill>
+                  <a:srgbClr val="808080"/>
+                </a:solidFill>
+                <a:latin typeface="Consolas"/>
+                <a:ea typeface="SimSun"/>
+              </a:rPr>
+              <a:t>&gt;</a:t>
+            </a:r>
+            <a:r>
+              <a:rPr b="0" lang="en-IN" sz="1800" spc="-1" strike="noStrike">
+                <a:solidFill>
+                  <a:srgbClr val="000000"/>
+                </a:solidFill>
+                <a:latin typeface="Consolas"/>
+                <a:ea typeface="SimSun"/>
+              </a:rPr>
+              <a:t> </a:t>
+            </a:r>
+            <a:r>
+              <a:rPr b="0" lang="en-IN" sz="1800" spc="-1" strike="noStrike">
+                <a:solidFill>
+                  <a:srgbClr val="ff5733"/>
+                </a:solidFill>
+                <a:latin typeface="Consolas"/>
+                <a:ea typeface="SimSun"/>
+              </a:rPr>
+              <a:t>eval "return ARGV[1] + ARGV[2] + ARGV[3]" 0 3 3 4</a:t>
+            </a:r>
+            <a:endParaRPr b="0" lang="en-IN" sz="1800" spc="-1" strike="noStrike">
+              <a:latin typeface="Arial"/>
+            </a:endParaRPr>
+          </a:p>
+          <a:p>
+            <a:pPr>
+              <a:lnSpc>
+                <a:spcPct val="150000"/>
+              </a:lnSpc>
+            </a:pPr>
+            <a:r>
+              <a:rPr b="0" lang="en-IN" sz="1800" spc="-1" strike="noStrike">
+                <a:solidFill>
+                  <a:srgbClr val="808080"/>
+                </a:solidFill>
+                <a:latin typeface="Consolas"/>
+                <a:ea typeface="SimSun"/>
+              </a:rPr>
+              <a:t>127.0.0.1:6379</a:t>
+            </a:r>
+            <a:r>
+              <a:rPr b="1" lang="en-IN" sz="1800" spc="-1" strike="noStrike">
+                <a:solidFill>
+                  <a:srgbClr val="808080"/>
+                </a:solidFill>
+                <a:latin typeface="Consolas"/>
+                <a:ea typeface="SimSun"/>
+              </a:rPr>
+              <a:t>[5]</a:t>
+            </a:r>
+            <a:r>
+              <a:rPr b="0" lang="en-IN" sz="1800" spc="-1" strike="noStrike">
+                <a:solidFill>
+                  <a:srgbClr val="808080"/>
+                </a:solidFill>
+                <a:latin typeface="Consolas"/>
+                <a:ea typeface="SimSun"/>
+              </a:rPr>
+              <a:t>&gt;</a:t>
+            </a:r>
+            <a:r>
+              <a:rPr b="0" lang="en-IN" sz="1800" spc="-1" strike="noStrike">
+                <a:solidFill>
+                  <a:srgbClr val="000000"/>
+                </a:solidFill>
+                <a:latin typeface="Consolas"/>
+                <a:ea typeface="SimSun"/>
+              </a:rPr>
+              <a:t> </a:t>
+            </a:r>
+            <a:r>
+              <a:rPr b="0" lang="en-IN" sz="1800" spc="-1" strike="noStrike">
+                <a:solidFill>
+                  <a:srgbClr val="ff5733"/>
+                </a:solidFill>
+                <a:latin typeface="Consolas"/>
+                <a:ea typeface="SimSun"/>
+              </a:rPr>
+              <a:t>eval "return redis.call('keys', '*')" 0</a:t>
+            </a:r>
+            <a:endParaRPr b="0" lang="en-IN" sz="1800" spc="-1" strike="noStrike">
+              <a:latin typeface="Arial"/>
+            </a:endParaRPr>
+          </a:p>
+          <a:p>
+            <a:pPr>
+              <a:lnSpc>
+                <a:spcPct val="150000"/>
+              </a:lnSpc>
+            </a:pPr>
+            <a:r>
+              <a:rPr b="0" lang="en-IN" sz="1800" spc="-1" strike="noStrike">
+                <a:solidFill>
+                  <a:srgbClr val="808080"/>
+                </a:solidFill>
+                <a:latin typeface="Consolas"/>
+                <a:ea typeface="SimSun"/>
+              </a:rPr>
+              <a:t>127.0.0.1:6379</a:t>
+            </a:r>
+            <a:r>
+              <a:rPr b="1" lang="en-IN" sz="1800" spc="-1" strike="noStrike">
+                <a:solidFill>
+                  <a:srgbClr val="808080"/>
+                </a:solidFill>
+                <a:latin typeface="Consolas"/>
+                <a:ea typeface="SimSun"/>
+              </a:rPr>
+              <a:t>[5]</a:t>
+            </a:r>
+            <a:r>
+              <a:rPr b="0" lang="en-IN" sz="1800" spc="-1" strike="noStrike">
+                <a:solidFill>
+                  <a:srgbClr val="808080"/>
+                </a:solidFill>
+                <a:latin typeface="Consolas"/>
+                <a:ea typeface="SimSun"/>
+              </a:rPr>
+              <a:t>&gt;</a:t>
+            </a:r>
+            <a:r>
+              <a:rPr b="0" lang="en-IN" sz="1800" spc="-1" strike="noStrike">
+                <a:solidFill>
+                  <a:srgbClr val="000000"/>
+                </a:solidFill>
+                <a:latin typeface="Consolas"/>
+                <a:ea typeface="SimSun"/>
+              </a:rPr>
+              <a:t> </a:t>
+            </a:r>
+            <a:r>
+              <a:rPr b="0" lang="en-IN" sz="1800" spc="-1" strike="noStrike">
+                <a:solidFill>
+                  <a:srgbClr val="ff5733"/>
+                </a:solidFill>
+                <a:latin typeface="Consolas"/>
+                <a:ea typeface="SimSun"/>
+              </a:rPr>
+              <a:t>eval "local x=redis.call('keys','*') return x" 0</a:t>
+            </a:r>
+            <a:endParaRPr b="0" lang="en-IN" sz="1800" spc="-1" strike="noStrike">
+              <a:latin typeface="Arial"/>
+            </a:endParaRPr>
+          </a:p>
+          <a:p>
+            <a:pPr>
+              <a:lnSpc>
+                <a:spcPct val="150000"/>
+              </a:lnSpc>
+            </a:pPr>
+            <a:r>
+              <a:rPr b="0" lang="en-IN" sz="1800" spc="-1" strike="noStrike">
+                <a:solidFill>
+                  <a:srgbClr val="808080"/>
+                </a:solidFill>
+                <a:latin typeface="Consolas"/>
+                <a:ea typeface="SimSun"/>
+              </a:rPr>
+              <a:t>127.0.0.1:6379</a:t>
+            </a:r>
+            <a:r>
+              <a:rPr b="1" lang="en-IN" sz="1800" spc="-1" strike="noStrike">
+                <a:solidFill>
+                  <a:srgbClr val="808080"/>
+                </a:solidFill>
+                <a:latin typeface="Consolas"/>
+                <a:ea typeface="SimSun"/>
+              </a:rPr>
+              <a:t>[5]</a:t>
+            </a:r>
+            <a:r>
+              <a:rPr b="0" lang="en-IN" sz="1800" spc="-1" strike="noStrike">
+                <a:solidFill>
+                  <a:srgbClr val="808080"/>
+                </a:solidFill>
+                <a:latin typeface="Consolas"/>
+                <a:ea typeface="SimSun"/>
+              </a:rPr>
+              <a:t>&gt;</a:t>
+            </a:r>
+            <a:r>
+              <a:rPr b="0" lang="en-IN" sz="1800" spc="-1" strike="noStrike">
+                <a:solidFill>
+                  <a:srgbClr val="000000"/>
+                </a:solidFill>
+                <a:latin typeface="Consolas"/>
+                <a:ea typeface="SimSun"/>
+              </a:rPr>
+              <a:t> </a:t>
+            </a:r>
+            <a:r>
+              <a:rPr b="0" lang="en-IN" sz="1800" spc="-1" strike="noStrike">
+                <a:solidFill>
+                  <a:srgbClr val="ff5733"/>
+                </a:solidFill>
+                <a:latin typeface="Consolas"/>
+                <a:ea typeface="SimSun"/>
+              </a:rPr>
+              <a:t>eval "local x=redis.call('mget', KEYS[1], KEYS[2], KEYS[3]) return x" 3 a b c</a:t>
+            </a:r>
+            <a:endParaRPr b="0" lang="en-IN" sz="1800" spc="-1" strike="noStrike">
+              <a:latin typeface="Arial"/>
+            </a:endParaRPr>
+          </a:p>
+          <a:p>
+            <a:pPr>
+              <a:lnSpc>
+                <a:spcPct val="150000"/>
+              </a:lnSpc>
+            </a:pPr>
+            <a:r>
+              <a:rPr b="0" lang="en-IN" sz="1800" spc="-1" strike="noStrike">
+                <a:solidFill>
+                  <a:srgbClr val="808080"/>
+                </a:solidFill>
+                <a:latin typeface="Consolas"/>
+                <a:ea typeface="SimSun"/>
+              </a:rPr>
+              <a:t>127.0.0.1:6379</a:t>
+            </a:r>
+            <a:r>
+              <a:rPr b="1" lang="en-IN" sz="1800" spc="-1" strike="noStrike">
+                <a:solidFill>
+                  <a:srgbClr val="808080"/>
+                </a:solidFill>
+                <a:latin typeface="Consolas"/>
+                <a:ea typeface="SimSun"/>
+              </a:rPr>
+              <a:t>[5]</a:t>
+            </a:r>
+            <a:r>
+              <a:rPr b="0" lang="en-IN" sz="1800" spc="-1" strike="noStrike">
+                <a:solidFill>
+                  <a:srgbClr val="808080"/>
+                </a:solidFill>
+                <a:latin typeface="Consolas"/>
+                <a:ea typeface="SimSun"/>
+              </a:rPr>
+              <a:t>&gt;</a:t>
+            </a:r>
+            <a:r>
+              <a:rPr b="0" lang="en-IN" sz="1800" spc="-1" strike="noStrike">
+                <a:solidFill>
+                  <a:srgbClr val="000000"/>
+                </a:solidFill>
+                <a:latin typeface="Consolas"/>
+                <a:ea typeface="SimSun"/>
+              </a:rPr>
+              <a:t> </a:t>
+            </a:r>
+            <a:r>
+              <a:rPr b="0" lang="en-IN" sz="1800" spc="-1" strike="noStrike">
+                <a:solidFill>
+                  <a:srgbClr val="ff5733"/>
+                </a:solidFill>
+                <a:latin typeface="Consolas"/>
+                <a:ea typeface="SimSun"/>
+              </a:rPr>
+              <a:t>eval "return redis.call('mget', KEYS[1], KEYS[2], KEYS[3])" 3 a b c</a:t>
+            </a:r>
+            <a:endParaRPr b="0" lang="en-IN" sz="1800" spc="-1" strike="noStrike">
+              <a:latin typeface="Arial"/>
+            </a:endParaRPr>
+          </a:p>
+        </p:txBody>
+      </p:sp>
     </p:spTree>
   </p:cSld>
   <mc:AlternateContent>
@@ -38505,14 +38316,617 @@
       </p:grpSpPr>
       <p:sp>
         <p:nvSpPr>
-          <p:cNvPr id="405" name="CustomShape 1"/>
+          <p:cNvPr id="406" name="CustomShape 1"/>
           <p:cNvSpPr/>
           <p:nvPr/>
         </p:nvSpPr>
         <p:spPr>
           <a:xfrm>
-            <a:off x="474480" y="2448000"/>
-            <a:ext cx="10390320" cy="2387160"/>
+            <a:off x="216000" y="216000"/>
+            <a:ext cx="1937160" cy="424800"/>
+          </a:xfrm>
+          <a:prstGeom prst="rect">
+            <a:avLst/>
+          </a:prstGeom>
+          <a:noFill/>
+          <a:ln>
+            <a:noFill/>
+          </a:ln>
+        </p:spPr>
+        <p:style>
+          <a:lnRef idx="0"/>
+          <a:fillRef idx="0"/>
+          <a:effectRef idx="0"/>
+          <a:fontRef idx="minor"/>
+        </p:style>
+        <p:txBody>
+          <a:bodyPr lIns="90000" rIns="90000" tIns="45000" bIns="45000">
+            <a:spAutoFit/>
+          </a:bodyPr>
+          <a:p>
+            <a:pPr algn="just">
+              <a:lnSpc>
+                <a:spcPct val="100000"/>
+              </a:lnSpc>
+            </a:pPr>
+            <a:r>
+              <a:rPr b="0" lang="en-IN" sz="2200" spc="-1" strike="noStrike">
+                <a:solidFill>
+                  <a:srgbClr val="3e5d78"/>
+                </a:solidFill>
+                <a:latin typeface="Times New Roman"/>
+                <a:ea typeface="DejaVu Sans"/>
+              </a:rPr>
+              <a:t>Lua scripting</a:t>
+            </a:r>
+            <a:endParaRPr b="0" lang="en-IN" sz="2200" spc="-1" strike="noStrike">
+              <a:latin typeface="Arial"/>
+            </a:endParaRPr>
+          </a:p>
+        </p:txBody>
+      </p:sp>
+      <p:sp>
+        <p:nvSpPr>
+          <p:cNvPr id="407" name="CustomShape 2"/>
+          <p:cNvSpPr/>
+          <p:nvPr/>
+        </p:nvSpPr>
+        <p:spPr>
+          <a:xfrm>
+            <a:off x="432720" y="1224000"/>
+            <a:ext cx="8345160" cy="361080"/>
+          </a:xfrm>
+          <a:prstGeom prst="rect">
+            <a:avLst/>
+          </a:prstGeom>
+          <a:noFill/>
+          <a:ln>
+            <a:noFill/>
+          </a:ln>
+        </p:spPr>
+        <p:style>
+          <a:lnRef idx="0"/>
+          <a:fillRef idx="0"/>
+          <a:effectRef idx="0"/>
+          <a:fontRef idx="minor"/>
+        </p:style>
+        <p:txBody>
+          <a:bodyPr lIns="0" rIns="0" tIns="0" bIns="0">
+            <a:noAutofit/>
+          </a:bodyPr>
+          <a:p>
+            <a:pPr>
+              <a:lnSpc>
+                <a:spcPct val="100000"/>
+              </a:lnSpc>
+            </a:pPr>
+            <a:r>
+              <a:rPr b="0" lang="en-US" sz="2200" spc="-1" strike="noStrike">
+                <a:solidFill>
+                  <a:srgbClr val="00b0f0"/>
+                </a:solidFill>
+                <a:latin typeface="Consolas"/>
+                <a:ea typeface="DejaVu Sans"/>
+              </a:rPr>
+              <a:t>EVAL script numkeys key [key ...] arg [arg ...]</a:t>
+            </a:r>
+            <a:endParaRPr b="0" lang="en-IN" sz="2200" spc="-1" strike="noStrike">
+              <a:latin typeface="Arial"/>
+            </a:endParaRPr>
+          </a:p>
+        </p:txBody>
+      </p:sp>
+      <p:sp>
+        <p:nvSpPr>
+          <p:cNvPr id="408" name="CustomShape 3"/>
+          <p:cNvSpPr/>
+          <p:nvPr/>
+        </p:nvSpPr>
+        <p:spPr>
+          <a:xfrm>
+            <a:off x="36000" y="2253600"/>
+            <a:ext cx="12095640" cy="3381840"/>
+          </a:xfrm>
+          <a:prstGeom prst="rect">
+            <a:avLst/>
+          </a:prstGeom>
+          <a:noFill/>
+          <a:ln>
+            <a:noFill/>
+          </a:ln>
+        </p:spPr>
+        <p:style>
+          <a:lnRef idx="0"/>
+          <a:fillRef idx="0"/>
+          <a:effectRef idx="0"/>
+          <a:fontRef idx="minor"/>
+        </p:style>
+        <p:txBody>
+          <a:bodyPr lIns="90000" rIns="90000" tIns="45000" bIns="45000">
+            <a:spAutoFit/>
+          </a:bodyPr>
+          <a:p>
+            <a:pPr>
+              <a:lnSpc>
+                <a:spcPct val="150000"/>
+              </a:lnSpc>
+            </a:pPr>
+            <a:r>
+              <a:rPr b="0" lang="en-IN" sz="1800" spc="-1" strike="noStrike">
+                <a:solidFill>
+                  <a:srgbClr val="808080"/>
+                </a:solidFill>
+                <a:latin typeface="Consolas"/>
+                <a:ea typeface="SimSun"/>
+              </a:rPr>
+              <a:t>127.0.0.1:6379</a:t>
+            </a:r>
+            <a:r>
+              <a:rPr b="1" lang="en-IN" sz="1800" spc="-1" strike="noStrike">
+                <a:solidFill>
+                  <a:srgbClr val="808080"/>
+                </a:solidFill>
+                <a:latin typeface="Consolas"/>
+                <a:ea typeface="SimSun"/>
+              </a:rPr>
+              <a:t>[5]</a:t>
+            </a:r>
+            <a:r>
+              <a:rPr b="0" lang="en-IN" sz="1800" spc="-1" strike="noStrike">
+                <a:solidFill>
+                  <a:srgbClr val="808080"/>
+                </a:solidFill>
+                <a:latin typeface="Consolas"/>
+                <a:ea typeface="SimSun"/>
+              </a:rPr>
+              <a:t>&gt;</a:t>
+            </a:r>
+            <a:r>
+              <a:rPr b="0" lang="en-IN" sz="1800" spc="-1" strike="noStrike">
+                <a:solidFill>
+                  <a:srgbClr val="000000"/>
+                </a:solidFill>
+                <a:latin typeface="Consolas"/>
+                <a:ea typeface="SimSun"/>
+              </a:rPr>
+              <a:t> </a:t>
+            </a:r>
+            <a:r>
+              <a:rPr b="0" lang="en-IN" sz="1800" spc="-1" strike="noStrike">
+                <a:solidFill>
+                  <a:srgbClr val="ff5733"/>
+                </a:solidFill>
+                <a:latin typeface="Consolas"/>
+                <a:ea typeface="SimSun"/>
+              </a:rPr>
+              <a:t>eval "return redis.call('zrank', 'game:1', ARGV[1])" 0 saleel</a:t>
+            </a:r>
+            <a:endParaRPr b="0" lang="en-IN" sz="1800" spc="-1" strike="noStrike">
+              <a:latin typeface="Arial"/>
+            </a:endParaRPr>
+          </a:p>
+          <a:p>
+            <a:pPr>
+              <a:lnSpc>
+                <a:spcPct val="150000"/>
+              </a:lnSpc>
+            </a:pPr>
+            <a:r>
+              <a:rPr b="0" lang="en-IN" sz="1800" spc="-1" strike="noStrike">
+                <a:solidFill>
+                  <a:srgbClr val="808080"/>
+                </a:solidFill>
+                <a:latin typeface="Consolas"/>
+                <a:ea typeface="SimSun"/>
+              </a:rPr>
+              <a:t>127.0.0.1:6379</a:t>
+            </a:r>
+            <a:r>
+              <a:rPr b="1" lang="en-IN" sz="1800" spc="-1" strike="noStrike">
+                <a:solidFill>
+                  <a:srgbClr val="808080"/>
+                </a:solidFill>
+                <a:latin typeface="Consolas"/>
+                <a:ea typeface="SimSun"/>
+              </a:rPr>
+              <a:t>[5]</a:t>
+            </a:r>
+            <a:r>
+              <a:rPr b="0" lang="en-IN" sz="1800" spc="-1" strike="noStrike">
+                <a:solidFill>
+                  <a:srgbClr val="808080"/>
+                </a:solidFill>
+                <a:latin typeface="Consolas"/>
+                <a:ea typeface="SimSun"/>
+              </a:rPr>
+              <a:t>&gt; </a:t>
+            </a:r>
+            <a:r>
+              <a:rPr b="0" lang="en-IN" sz="1800" spc="-1" strike="noStrike">
+                <a:solidFill>
+                  <a:srgbClr val="ff5733"/>
+                </a:solidFill>
+                <a:latin typeface="Consolas"/>
+                <a:ea typeface="SimSun"/>
+              </a:rPr>
+              <a:t>eval </a:t>
+            </a:r>
+            <a:endParaRPr b="0" lang="en-IN" sz="1800" spc="-1" strike="noStrike">
+              <a:latin typeface="Arial"/>
+            </a:endParaRPr>
+          </a:p>
+          <a:p>
+            <a:pPr>
+              <a:lnSpc>
+                <a:spcPct val="150000"/>
+              </a:lnSpc>
+            </a:pPr>
+            <a:r>
+              <a:rPr b="0" lang="en-IN" sz="1800" spc="-1" strike="noStrike">
+                <a:solidFill>
+                  <a:srgbClr val="808080"/>
+                </a:solidFill>
+                <a:latin typeface="Consolas"/>
+                <a:ea typeface="SimSun"/>
+              </a:rPr>
+              <a:t>127.0.0.1:6379</a:t>
+            </a:r>
+            <a:r>
+              <a:rPr b="1" lang="en-IN" sz="1800" spc="-1" strike="noStrike">
+                <a:solidFill>
+                  <a:srgbClr val="808080"/>
+                </a:solidFill>
+                <a:latin typeface="Consolas"/>
+                <a:ea typeface="SimSun"/>
+              </a:rPr>
+              <a:t>[5]</a:t>
+            </a:r>
+            <a:r>
+              <a:rPr b="0" lang="en-IN" sz="1800" spc="-1" strike="noStrike">
+                <a:solidFill>
+                  <a:srgbClr val="808080"/>
+                </a:solidFill>
+                <a:latin typeface="Consolas"/>
+                <a:ea typeface="SimSun"/>
+              </a:rPr>
+              <a:t>&gt;</a:t>
+            </a:r>
+            <a:r>
+              <a:rPr b="0" lang="en-IN" sz="1800" spc="-1" strike="noStrike">
+                <a:solidFill>
+                  <a:srgbClr val="000000"/>
+                </a:solidFill>
+                <a:latin typeface="Consolas"/>
+                <a:ea typeface="SimSun"/>
+              </a:rPr>
+              <a:t> </a:t>
+            </a:r>
+            <a:r>
+              <a:rPr b="0" lang="en-IN" sz="1800" spc="-1" strike="noStrike">
+                <a:solidFill>
+                  <a:srgbClr val="ff5733"/>
+                </a:solidFill>
+                <a:latin typeface="Consolas"/>
+                <a:ea typeface="SimSun"/>
+              </a:rPr>
+              <a:t>eval </a:t>
+            </a:r>
+            <a:endParaRPr b="0" lang="en-IN" sz="1800" spc="-1" strike="noStrike">
+              <a:latin typeface="Arial"/>
+            </a:endParaRPr>
+          </a:p>
+          <a:p>
+            <a:pPr>
+              <a:lnSpc>
+                <a:spcPct val="150000"/>
+              </a:lnSpc>
+            </a:pPr>
+            <a:r>
+              <a:rPr b="0" lang="en-IN" sz="1800" spc="-1" strike="noStrike">
+                <a:solidFill>
+                  <a:srgbClr val="808080"/>
+                </a:solidFill>
+                <a:latin typeface="Consolas"/>
+                <a:ea typeface="SimSun"/>
+              </a:rPr>
+              <a:t>127.0.0.1:6379</a:t>
+            </a:r>
+            <a:r>
+              <a:rPr b="1" lang="en-IN" sz="1800" spc="-1" strike="noStrike">
+                <a:solidFill>
+                  <a:srgbClr val="808080"/>
+                </a:solidFill>
+                <a:latin typeface="Consolas"/>
+                <a:ea typeface="SimSun"/>
+              </a:rPr>
+              <a:t>[5]</a:t>
+            </a:r>
+            <a:r>
+              <a:rPr b="0" lang="en-IN" sz="1800" spc="-1" strike="noStrike">
+                <a:solidFill>
+                  <a:srgbClr val="808080"/>
+                </a:solidFill>
+                <a:latin typeface="Consolas"/>
+                <a:ea typeface="SimSun"/>
+              </a:rPr>
+              <a:t>&gt;</a:t>
+            </a:r>
+            <a:r>
+              <a:rPr b="0" lang="en-IN" sz="1800" spc="-1" strike="noStrike">
+                <a:solidFill>
+                  <a:srgbClr val="000000"/>
+                </a:solidFill>
+                <a:latin typeface="Consolas"/>
+                <a:ea typeface="SimSun"/>
+              </a:rPr>
+              <a:t> </a:t>
+            </a:r>
+            <a:r>
+              <a:rPr b="0" lang="en-IN" sz="1800" spc="-1" strike="noStrike">
+                <a:solidFill>
+                  <a:srgbClr val="ff5733"/>
+                </a:solidFill>
+                <a:latin typeface="Consolas"/>
+                <a:ea typeface="SimSun"/>
+              </a:rPr>
+              <a:t>eval </a:t>
+            </a:r>
+            <a:endParaRPr b="0" lang="en-IN" sz="1800" spc="-1" strike="noStrike">
+              <a:latin typeface="Arial"/>
+            </a:endParaRPr>
+          </a:p>
+          <a:p>
+            <a:pPr>
+              <a:lnSpc>
+                <a:spcPct val="150000"/>
+              </a:lnSpc>
+            </a:pPr>
+            <a:r>
+              <a:rPr b="0" lang="en-IN" sz="1800" spc="-1" strike="noStrike">
+                <a:solidFill>
+                  <a:srgbClr val="808080"/>
+                </a:solidFill>
+                <a:latin typeface="Consolas"/>
+                <a:ea typeface="SimSun"/>
+              </a:rPr>
+              <a:t>127.0.0.1:6379</a:t>
+            </a:r>
+            <a:r>
+              <a:rPr b="1" lang="en-IN" sz="1800" spc="-1" strike="noStrike">
+                <a:solidFill>
+                  <a:srgbClr val="808080"/>
+                </a:solidFill>
+                <a:latin typeface="Consolas"/>
+                <a:ea typeface="SimSun"/>
+              </a:rPr>
+              <a:t>[5]</a:t>
+            </a:r>
+            <a:r>
+              <a:rPr b="0" lang="en-IN" sz="1800" spc="-1" strike="noStrike">
+                <a:solidFill>
+                  <a:srgbClr val="808080"/>
+                </a:solidFill>
+                <a:latin typeface="Consolas"/>
+                <a:ea typeface="SimSun"/>
+              </a:rPr>
+              <a:t>&gt;</a:t>
+            </a:r>
+            <a:r>
+              <a:rPr b="0" lang="en-IN" sz="1800" spc="-1" strike="noStrike">
+                <a:solidFill>
+                  <a:srgbClr val="000000"/>
+                </a:solidFill>
+                <a:latin typeface="Consolas"/>
+                <a:ea typeface="SimSun"/>
+              </a:rPr>
+              <a:t> </a:t>
+            </a:r>
+            <a:r>
+              <a:rPr b="0" lang="en-IN" sz="1800" spc="-1" strike="noStrike">
+                <a:solidFill>
+                  <a:srgbClr val="ff5733"/>
+                </a:solidFill>
+                <a:latin typeface="Consolas"/>
+                <a:ea typeface="SimSun"/>
+              </a:rPr>
+              <a:t>eval </a:t>
+            </a:r>
+            <a:endParaRPr b="0" lang="en-IN" sz="1800" spc="-1" strike="noStrike">
+              <a:latin typeface="Arial"/>
+            </a:endParaRPr>
+          </a:p>
+          <a:p>
+            <a:pPr>
+              <a:lnSpc>
+                <a:spcPct val="150000"/>
+              </a:lnSpc>
+            </a:pPr>
+            <a:r>
+              <a:rPr b="0" lang="en-IN" sz="1800" spc="-1" strike="noStrike">
+                <a:solidFill>
+                  <a:srgbClr val="808080"/>
+                </a:solidFill>
+                <a:latin typeface="Consolas"/>
+                <a:ea typeface="SimSun"/>
+              </a:rPr>
+              <a:t>127.0.0.1:6379</a:t>
+            </a:r>
+            <a:r>
+              <a:rPr b="1" lang="en-IN" sz="1800" spc="-1" strike="noStrike">
+                <a:solidFill>
+                  <a:srgbClr val="808080"/>
+                </a:solidFill>
+                <a:latin typeface="Consolas"/>
+                <a:ea typeface="SimSun"/>
+              </a:rPr>
+              <a:t>[5]</a:t>
+            </a:r>
+            <a:r>
+              <a:rPr b="0" lang="en-IN" sz="1800" spc="-1" strike="noStrike">
+                <a:solidFill>
+                  <a:srgbClr val="808080"/>
+                </a:solidFill>
+                <a:latin typeface="Consolas"/>
+                <a:ea typeface="SimSun"/>
+              </a:rPr>
+              <a:t>&gt;</a:t>
+            </a:r>
+            <a:r>
+              <a:rPr b="0" lang="en-IN" sz="1800" spc="-1" strike="noStrike">
+                <a:solidFill>
+                  <a:srgbClr val="000000"/>
+                </a:solidFill>
+                <a:latin typeface="Consolas"/>
+                <a:ea typeface="SimSun"/>
+              </a:rPr>
+              <a:t> </a:t>
+            </a:r>
+            <a:r>
+              <a:rPr b="0" lang="en-IN" sz="1800" spc="-1" strike="noStrike">
+                <a:solidFill>
+                  <a:srgbClr val="ff5733"/>
+                </a:solidFill>
+                <a:latin typeface="Consolas"/>
+                <a:ea typeface="SimSun"/>
+              </a:rPr>
+              <a:t>eval </a:t>
+            </a:r>
+            <a:endParaRPr b="0" lang="en-IN" sz="1800" spc="-1" strike="noStrike">
+              <a:latin typeface="Arial"/>
+            </a:endParaRPr>
+          </a:p>
+          <a:p>
+            <a:pPr>
+              <a:lnSpc>
+                <a:spcPct val="150000"/>
+              </a:lnSpc>
+            </a:pPr>
+            <a:r>
+              <a:rPr b="0" lang="en-IN" sz="1800" spc="-1" strike="noStrike">
+                <a:solidFill>
+                  <a:srgbClr val="808080"/>
+                </a:solidFill>
+                <a:latin typeface="Consolas"/>
+                <a:ea typeface="SimSun"/>
+              </a:rPr>
+              <a:t>127.0.0.1:6379</a:t>
+            </a:r>
+            <a:r>
+              <a:rPr b="1" lang="en-IN" sz="1800" spc="-1" strike="noStrike">
+                <a:solidFill>
+                  <a:srgbClr val="808080"/>
+                </a:solidFill>
+                <a:latin typeface="Consolas"/>
+                <a:ea typeface="SimSun"/>
+              </a:rPr>
+              <a:t>[5]</a:t>
+            </a:r>
+            <a:r>
+              <a:rPr b="0" lang="en-IN" sz="1800" spc="-1" strike="noStrike">
+                <a:solidFill>
+                  <a:srgbClr val="808080"/>
+                </a:solidFill>
+                <a:latin typeface="Consolas"/>
+                <a:ea typeface="SimSun"/>
+              </a:rPr>
+              <a:t>&gt;</a:t>
+            </a:r>
+            <a:r>
+              <a:rPr b="0" lang="en-IN" sz="1800" spc="-1" strike="noStrike">
+                <a:solidFill>
+                  <a:srgbClr val="000000"/>
+                </a:solidFill>
+                <a:latin typeface="Consolas"/>
+                <a:ea typeface="SimSun"/>
+              </a:rPr>
+              <a:t> </a:t>
+            </a:r>
+            <a:r>
+              <a:rPr b="0" lang="en-IN" sz="1800" spc="-1" strike="noStrike">
+                <a:solidFill>
+                  <a:srgbClr val="ff5733"/>
+                </a:solidFill>
+                <a:latin typeface="Consolas"/>
+                <a:ea typeface="SimSun"/>
+              </a:rPr>
+              <a:t>eval </a:t>
+            </a:r>
+            <a:endParaRPr b="0" lang="en-IN" sz="1800" spc="-1" strike="noStrike">
+              <a:latin typeface="Arial"/>
+            </a:endParaRPr>
+          </a:p>
+          <a:p>
+            <a:pPr>
+              <a:lnSpc>
+                <a:spcPct val="150000"/>
+              </a:lnSpc>
+            </a:pPr>
+            <a:r>
+              <a:rPr b="0" lang="en-IN" sz="1800" spc="-1" strike="noStrike">
+                <a:solidFill>
+                  <a:srgbClr val="808080"/>
+                </a:solidFill>
+                <a:latin typeface="Consolas"/>
+                <a:ea typeface="SimSun"/>
+              </a:rPr>
+              <a:t>127.0.0.1:6379</a:t>
+            </a:r>
+            <a:r>
+              <a:rPr b="1" lang="en-IN" sz="1800" spc="-1" strike="noStrike">
+                <a:solidFill>
+                  <a:srgbClr val="808080"/>
+                </a:solidFill>
+                <a:latin typeface="Consolas"/>
+                <a:ea typeface="SimSun"/>
+              </a:rPr>
+              <a:t>[5]</a:t>
+            </a:r>
+            <a:r>
+              <a:rPr b="0" lang="en-IN" sz="1800" spc="-1" strike="noStrike">
+                <a:solidFill>
+                  <a:srgbClr val="808080"/>
+                </a:solidFill>
+                <a:latin typeface="Consolas"/>
+                <a:ea typeface="SimSun"/>
+              </a:rPr>
+              <a:t>&gt;</a:t>
+            </a:r>
+            <a:r>
+              <a:rPr b="0" lang="en-IN" sz="1800" spc="-1" strike="noStrike">
+                <a:solidFill>
+                  <a:srgbClr val="000000"/>
+                </a:solidFill>
+                <a:latin typeface="Consolas"/>
+                <a:ea typeface="SimSun"/>
+              </a:rPr>
+              <a:t> </a:t>
+            </a:r>
+            <a:r>
+              <a:rPr b="0" lang="en-IN" sz="1800" spc="-1" strike="noStrike">
+                <a:solidFill>
+                  <a:srgbClr val="ff5733"/>
+                </a:solidFill>
+                <a:latin typeface="Consolas"/>
+                <a:ea typeface="SimSun"/>
+              </a:rPr>
+              <a:t>eval </a:t>
+            </a:r>
+            <a:endParaRPr b="0" lang="en-IN" sz="1800" spc="-1" strike="noStrike">
+              <a:latin typeface="Arial"/>
+            </a:endParaRPr>
+          </a:p>
+        </p:txBody>
+      </p:sp>
+      <p:sp>
+        <p:nvSpPr>
+          <p:cNvPr id="409" name="CustomShape 4"/>
+          <p:cNvSpPr/>
+          <p:nvPr/>
+        </p:nvSpPr>
+        <p:spPr>
+          <a:xfrm>
+            <a:off x="288000" y="1656000"/>
+            <a:ext cx="604800" cy="392760"/>
           </a:xfrm>
           <a:prstGeom prst="rect">
             <a:avLst/>
@@ -38539,341 +38953,16 @@
               </a:lnSpc>
             </a:pPr>
             <a:r>
-              <a:rPr b="0" lang="en-IN" sz="1800" spc="-1" strike="noStrike">
-                <a:solidFill>
-                  <a:srgbClr val="000000"/>
-                </a:solidFill>
-                <a:latin typeface="Arial"/>
-                <a:ea typeface="DejaVu Sans"/>
-              </a:rPr>
-              <a:t>The INFO command returns information and statistics about the server in a format that is simple to parse by computers and easy to read by humans. </a:t>
-            </a:r>
-            <a:endParaRPr b="0" lang="en-IN" sz="1800" spc="-1" strike="noStrike">
-              <a:latin typeface="Arial"/>
-            </a:endParaRPr>
-          </a:p>
-          <a:p>
-            <a:pPr>
-              <a:lnSpc>
-                <a:spcPct val="100000"/>
-              </a:lnSpc>
-            </a:pPr>
-            <a:endParaRPr b="0" lang="en-IN" sz="1800" spc="-1" strike="noStrike">
-              <a:latin typeface="Arial"/>
-            </a:endParaRPr>
-          </a:p>
-          <a:p>
-            <a:pPr marL="216000" indent="-208800">
-              <a:lnSpc>
-                <a:spcPct val="100000"/>
-              </a:lnSpc>
-              <a:buClr>
-                <a:srgbClr val="000000"/>
-              </a:buClr>
-              <a:buSzPct val="45000"/>
-              <a:buFont typeface="Wingdings" charset="2"/>
-              <a:buChar char=""/>
-            </a:pPr>
-            <a:r>
-              <a:rPr b="0" lang="en-IN" sz="1800" spc="-1" strike="noStrike">
-                <a:solidFill>
-                  <a:srgbClr val="000000"/>
-                </a:solidFill>
-                <a:latin typeface="Arial"/>
-                <a:ea typeface="DejaVu Sans"/>
-              </a:rPr>
-              <a:t>info server</a:t>
-            </a:r>
-            <a:endParaRPr b="0" lang="en-IN" sz="1800" spc="-1" strike="noStrike">
-              <a:latin typeface="Arial"/>
-            </a:endParaRPr>
-          </a:p>
-          <a:p>
-            <a:pPr marL="216000" indent="-208800">
-              <a:lnSpc>
-                <a:spcPct val="100000"/>
-              </a:lnSpc>
-              <a:buClr>
-                <a:srgbClr val="000000"/>
-              </a:buClr>
-              <a:buSzPct val="45000"/>
-              <a:buFont typeface="Wingdings" charset="2"/>
-              <a:buChar char=""/>
-            </a:pPr>
-            <a:r>
-              <a:rPr b="0" lang="en-IN" sz="1800" spc="-1" strike="noStrike">
-                <a:solidFill>
-                  <a:srgbClr val="000000"/>
-                </a:solidFill>
-                <a:latin typeface="Arial"/>
-                <a:ea typeface="DejaVu Sans"/>
-              </a:rPr>
-              <a:t>info clients</a:t>
-            </a:r>
-            <a:endParaRPr b="0" lang="en-IN" sz="1800" spc="-1" strike="noStrike">
-              <a:latin typeface="Arial"/>
-            </a:endParaRPr>
-          </a:p>
-          <a:p>
-            <a:pPr marL="216000" indent="-208800">
-              <a:lnSpc>
-                <a:spcPct val="100000"/>
-              </a:lnSpc>
-              <a:buClr>
-                <a:srgbClr val="000000"/>
-              </a:buClr>
-              <a:buSzPct val="45000"/>
-              <a:buFont typeface="Wingdings" charset="2"/>
-              <a:buChar char=""/>
-            </a:pPr>
-            <a:r>
-              <a:rPr b="0" lang="en-IN" sz="1800" spc="-1" strike="noStrike">
-                <a:solidFill>
-                  <a:srgbClr val="000000"/>
-                </a:solidFill>
-                <a:latin typeface="Arial"/>
-                <a:ea typeface="DejaVu Sans"/>
-              </a:rPr>
-              <a:t>info Keyspace</a:t>
-            </a:r>
-            <a:endParaRPr b="0" lang="en-IN" sz="1800" spc="-1" strike="noStrike">
-              <a:latin typeface="Arial"/>
-            </a:endParaRPr>
-          </a:p>
-          <a:p>
-            <a:pPr marL="216000" indent="-208800">
-              <a:lnSpc>
-                <a:spcPct val="100000"/>
-              </a:lnSpc>
-              <a:buClr>
-                <a:srgbClr val="000000"/>
-              </a:buClr>
-              <a:buSzPct val="45000"/>
-              <a:buFont typeface="Wingdings" charset="2"/>
-              <a:buChar char=""/>
-            </a:pPr>
-            <a:r>
-              <a:rPr b="0" lang="en-IN" sz="1800" spc="-1" strike="noStrike">
-                <a:solidFill>
-                  <a:srgbClr val="000000"/>
-                </a:solidFill>
-                <a:latin typeface="Arial"/>
-                <a:ea typeface="DejaVu Sans"/>
-              </a:rPr>
-              <a:t>info modules</a:t>
-            </a:r>
-            <a:endParaRPr b="0" lang="en-IN" sz="1800" spc="-1" strike="noStrike">
-              <a:latin typeface="Arial"/>
-            </a:endParaRPr>
-          </a:p>
-          <a:p>
-            <a:pPr marL="216000" indent="-208800">
-              <a:lnSpc>
-                <a:spcPct val="100000"/>
-              </a:lnSpc>
-              <a:buClr>
-                <a:srgbClr val="000000"/>
-              </a:buClr>
-              <a:buSzPct val="45000"/>
-              <a:buFont typeface="Wingdings" charset="2"/>
-              <a:buChar char=""/>
-            </a:pPr>
-            <a:r>
-              <a:rPr b="0" lang="en-IN" sz="1800" spc="-1" strike="noStrike">
-                <a:solidFill>
-                  <a:srgbClr val="000000"/>
-                </a:solidFill>
-                <a:latin typeface="Arial"/>
-                <a:ea typeface="DejaVu Sans"/>
-              </a:rPr>
-              <a:t>info all</a:t>
-            </a:r>
-            <a:endParaRPr b="0" lang="en-IN" sz="1800" spc="-1" strike="noStrike">
-              <a:latin typeface="Arial"/>
-            </a:endParaRPr>
-          </a:p>
-        </p:txBody>
-      </p:sp>
-      <p:sp>
-        <p:nvSpPr>
-          <p:cNvPr id="406" name="CustomShape 2"/>
-          <p:cNvSpPr/>
-          <p:nvPr/>
-        </p:nvSpPr>
-        <p:spPr>
-          <a:xfrm>
-            <a:off x="363600" y="193320"/>
-            <a:ext cx="4237200" cy="591480"/>
-          </a:xfrm>
-          <a:prstGeom prst="rect">
-            <a:avLst/>
-          </a:prstGeom>
-          <a:noFill/>
-          <a:ln>
-            <a:noFill/>
-          </a:ln>
-        </p:spPr>
-        <p:style>
-          <a:lnRef idx="0"/>
-          <a:fillRef idx="0"/>
-          <a:effectRef idx="0"/>
-          <a:fontRef idx="minor"/>
-        </p:style>
-        <p:txBody>
-          <a:bodyPr lIns="90000" rIns="90000" tIns="45000" bIns="45000">
-            <a:noAutofit/>
-          </a:bodyPr>
-          <a:p>
-            <a:pPr>
-              <a:lnSpc>
-                <a:spcPct val="100000"/>
-              </a:lnSpc>
-            </a:pPr>
-            <a:r>
-              <a:rPr b="0" lang="en-IN" sz="1800" spc="-1" strike="noStrike">
-                <a:solidFill>
-                  <a:srgbClr val="000000"/>
-                </a:solidFill>
-                <a:latin typeface="Arial"/>
-                <a:ea typeface="DejaVu Sans"/>
-              </a:rPr>
-              <a:t>SAVE</a:t>
-            </a:r>
-            <a:endParaRPr b="0" lang="en-IN" sz="1800" spc="-1" strike="noStrike">
-              <a:latin typeface="Arial"/>
-            </a:endParaRPr>
-          </a:p>
-          <a:p>
-            <a:pPr>
-              <a:lnSpc>
-                <a:spcPct val="100000"/>
-              </a:lnSpc>
-            </a:pPr>
-            <a:r>
-              <a:rPr b="0" lang="en-IN" sz="1800" spc="-1" strike="noStrike">
-                <a:solidFill>
-                  <a:srgbClr val="000000"/>
-                </a:solidFill>
-                <a:latin typeface="Arial"/>
-                <a:ea typeface="DejaVu Sans"/>
-              </a:rPr>
-              <a:t>Config get dir  /var/lib/redis</a:t>
-            </a:r>
-            <a:endParaRPr b="0" lang="en-IN" sz="1800" spc="-1" strike="noStrike">
-              <a:latin typeface="Arial"/>
-            </a:endParaRPr>
-          </a:p>
-        </p:txBody>
-      </p:sp>
-      <p:sp>
-        <p:nvSpPr>
-          <p:cNvPr id="407" name="CustomShape 3"/>
-          <p:cNvSpPr/>
-          <p:nvPr/>
-        </p:nvSpPr>
-        <p:spPr>
-          <a:xfrm>
-            <a:off x="504000" y="5760000"/>
-            <a:ext cx="11152800" cy="595080"/>
-          </a:xfrm>
-          <a:prstGeom prst="rect">
-            <a:avLst/>
-          </a:prstGeom>
-          <a:noFill/>
-          <a:ln>
-            <a:noFill/>
-          </a:ln>
-        </p:spPr>
-        <p:style>
-          <a:lnRef idx="0"/>
-          <a:fillRef idx="0"/>
-          <a:effectRef idx="0"/>
-          <a:fontRef idx="minor"/>
-        </p:style>
-        <p:txBody>
-          <a:bodyPr lIns="90000" rIns="90000" tIns="45000" bIns="45000">
-            <a:noAutofit/>
-          </a:bodyPr>
-          <a:p>
-            <a:pPr>
-              <a:lnSpc>
-                <a:spcPct val="100000"/>
-              </a:lnSpc>
-            </a:pPr>
-            <a:r>
-              <a:rPr b="0" lang="en-IN" sz="1800" spc="-1" strike="noStrike" u="sng">
-                <a:solidFill>
-                  <a:srgbClr val="b292ca"/>
-                </a:solidFill>
-                <a:uFillTx/>
-                <a:latin typeface="Arial"/>
-                <a:ea typeface="DejaVu Sans"/>
-                <a:hlinkClick r:id="rId1"/>
-              </a:rPr>
-              <a:t>saleel@saleel-Latitude-E6430</a:t>
-            </a:r>
-            <a:r>
-              <a:rPr b="0" lang="en-IN" sz="1800" spc="-1" strike="noStrike">
-                <a:solidFill>
-                  <a:srgbClr val="b292ca"/>
-                </a:solidFill>
-                <a:latin typeface="Arial"/>
-                <a:ea typeface="DejaVu Sans"/>
-              </a:rPr>
-              <a:t>:~$ redis-cli --csv -h 127.0.0.1 -p 6379 -n 3  hgetall cust:2 &gt;&gt; customer</a:t>
-            </a:r>
-            <a:endParaRPr b="0" lang="en-IN" sz="1800" spc="-1" strike="noStrike">
-              <a:latin typeface="Arial"/>
-            </a:endParaRPr>
-          </a:p>
-        </p:txBody>
-      </p:sp>
-      <p:sp>
-        <p:nvSpPr>
-          <p:cNvPr id="408" name="CustomShape 4"/>
-          <p:cNvSpPr/>
-          <p:nvPr/>
-        </p:nvSpPr>
-        <p:spPr>
-          <a:xfrm>
-            <a:off x="9648000" y="4014000"/>
-            <a:ext cx="2152800" cy="298800"/>
-          </a:xfrm>
-          <a:prstGeom prst="rect">
-            <a:avLst/>
-          </a:prstGeom>
-          <a:noFill/>
-          <a:ln>
-            <a:noFill/>
-          </a:ln>
-        </p:spPr>
-        <p:style>
-          <a:lnRef idx="0"/>
-          <a:fillRef idx="0"/>
-          <a:effectRef idx="0"/>
-          <a:fontRef idx="minor"/>
-        </p:style>
-        <p:txBody>
-          <a:bodyPr lIns="0" rIns="0" tIns="0" bIns="0">
-            <a:noAutofit/>
-          </a:bodyPr>
-          <a:p>
-            <a:pPr>
-              <a:lnSpc>
-                <a:spcPct val="100000"/>
-              </a:lnSpc>
-            </a:pPr>
-            <a:r>
-              <a:rPr b="0" lang="en-IN" sz="1800" spc="-1" strike="noStrike">
-                <a:solidFill>
-                  <a:srgbClr val="000000"/>
-                </a:solidFill>
-                <a:latin typeface="Arial"/>
-                <a:ea typeface="DejaVu Sans"/>
-              </a:rPr>
-              <a:t>redis-cli monitor</a:t>
-            </a:r>
-            <a:endParaRPr b="0" lang="en-IN" sz="1800" spc="-1" strike="noStrike">
+              <a:rPr b="1" lang="en-IN" sz="2200" spc="-1" strike="noStrike">
+                <a:solidFill>
+                  <a:srgbClr val="ff1744"/>
+                </a:solidFill>
+                <a:latin typeface="Times New Roman"/>
+                <a:ea typeface="DejaVu Sans"/>
+              </a:rPr>
+              <a:t>e.g.</a:t>
+            </a:r>
+            <a:endParaRPr b="0" lang="en-IN" sz="2200" spc="-1" strike="noStrike">
               <a:latin typeface="Arial"/>
             </a:endParaRPr>
           </a:p>
@@ -38911,14 +39000,14 @@
       </p:grpSpPr>
       <p:sp>
         <p:nvSpPr>
-          <p:cNvPr id="409" name="CustomShape 1"/>
+          <p:cNvPr id="410" name="CustomShape 1"/>
           <p:cNvSpPr/>
           <p:nvPr/>
         </p:nvSpPr>
         <p:spPr>
           <a:xfrm>
-            <a:off x="1368000" y="1669320"/>
-            <a:ext cx="3666240" cy="2932920"/>
+            <a:off x="1365840" y="188640"/>
+            <a:ext cx="9665280" cy="2192400"/>
           </a:xfrm>
           <a:prstGeom prst="rect">
             <a:avLst/>
@@ -38936,253 +39025,63 @@
         </p:style>
         <p:txBody>
           <a:bodyPr lIns="90000" rIns="90000" tIns="45000" bIns="45000">
-            <a:noAutofit/>
+            <a:spAutoFit/>
           </a:bodyPr>
           <a:p>
-            <a:pPr>
-              <a:lnSpc>
-                <a:spcPct val="100000"/>
-              </a:lnSpc>
-            </a:pPr>
-            <a:r>
-              <a:rPr b="0" lang="en-IN" sz="1800" spc="-1" strike="noStrike">
-                <a:solidFill>
-                  <a:srgbClr val="000000"/>
-                </a:solidFill>
-                <a:latin typeface="Arial"/>
-                <a:ea typeface="DejaVu Sans"/>
-              </a:rPr>
-              <a:t>redis-cli --eval  app.lua</a:t>
-            </a:r>
-            <a:endParaRPr b="0" lang="en-IN" sz="1800" spc="-1" strike="noStrike">
-              <a:latin typeface="Arial"/>
-            </a:endParaRPr>
-          </a:p>
-          <a:p>
-            <a:pPr>
-              <a:lnSpc>
-                <a:spcPct val="100000"/>
-              </a:lnSpc>
-            </a:pPr>
-            <a:endParaRPr b="0" lang="en-IN" sz="1800" spc="-1" strike="noStrike">
-              <a:latin typeface="Arial"/>
-            </a:endParaRPr>
-          </a:p>
-          <a:p>
-            <a:pPr>
-              <a:lnSpc>
-                <a:spcPct val="100000"/>
-              </a:lnSpc>
-            </a:pPr>
-            <a:r>
-              <a:rPr b="1" lang="en-IN" sz="1800" spc="-1" strike="noStrike">
-                <a:solidFill>
-                  <a:srgbClr val="7f0055"/>
-                </a:solidFill>
-                <a:latin typeface="Monospace"/>
-                <a:ea typeface="Monospace"/>
-              </a:rPr>
-              <a:t>local</a:t>
-            </a:r>
-            <a:r>
-              <a:rPr b="0" lang="en-IN" sz="1800" spc="-1" strike="noStrike">
-                <a:solidFill>
-                  <a:srgbClr val="000000"/>
-                </a:solidFill>
-                <a:latin typeface="Monospace"/>
-                <a:ea typeface="Monospace"/>
-              </a:rPr>
-              <a:t> </a:t>
-            </a:r>
-            <a:r>
-              <a:rPr b="1" lang="en-IN" sz="1800" spc="-1" strike="noStrike">
-                <a:solidFill>
-                  <a:srgbClr val="7f0055"/>
-                </a:solidFill>
-                <a:latin typeface="Monospace"/>
-                <a:ea typeface="Monospace"/>
-              </a:rPr>
-              <a:t>function</a:t>
-            </a:r>
-            <a:r>
-              <a:rPr b="0" lang="en-IN" sz="1800" spc="-1" strike="noStrike">
-                <a:solidFill>
-                  <a:srgbClr val="000000"/>
-                </a:solidFill>
-                <a:latin typeface="Monospace"/>
-                <a:ea typeface="Monospace"/>
-              </a:rPr>
-              <a:t> </a:t>
-            </a:r>
-            <a:r>
-              <a:rPr b="0" lang="en-IN" sz="1800" spc="-1" strike="noStrike">
-                <a:solidFill>
-                  <a:srgbClr val="676767"/>
-                </a:solidFill>
-                <a:latin typeface="Monospace"/>
-                <a:ea typeface="Monospace"/>
-              </a:rPr>
-              <a:t>fn1</a:t>
-            </a:r>
-            <a:r>
-              <a:rPr b="0" lang="en-IN" sz="1800" spc="-1" strike="noStrike">
-                <a:solidFill>
-                  <a:srgbClr val="000000"/>
-                </a:solidFill>
-                <a:latin typeface="Monospace"/>
-                <a:ea typeface="Monospace"/>
-              </a:rPr>
-              <a:t>()</a:t>
-            </a:r>
-            <a:endParaRPr b="0" lang="en-IN" sz="1800" spc="-1" strike="noStrike">
-              <a:latin typeface="Arial"/>
-            </a:endParaRPr>
-          </a:p>
-          <a:p>
-            <a:pPr>
-              <a:lnSpc>
-                <a:spcPct val="100000"/>
-              </a:lnSpc>
-            </a:pPr>
-            <a:r>
-              <a:rPr b="0" lang="en-IN" sz="1800" spc="-1" strike="noStrike">
-                <a:solidFill>
-                  <a:srgbClr val="000000"/>
-                </a:solidFill>
-                <a:latin typeface="Monospace"/>
-                <a:ea typeface="Monospace"/>
-              </a:rPr>
-              <a:t>  </a:t>
-            </a:r>
-            <a:r>
-              <a:rPr b="1" lang="en-IN" sz="1800" spc="-1" strike="noStrike">
-                <a:solidFill>
-                  <a:srgbClr val="7f0055"/>
-                </a:solidFill>
-                <a:latin typeface="Monospace"/>
-                <a:ea typeface="Monospace"/>
-              </a:rPr>
-              <a:t>return</a:t>
-            </a:r>
-            <a:r>
-              <a:rPr b="0" lang="en-IN" sz="1800" spc="-1" strike="noStrike">
-                <a:solidFill>
-                  <a:srgbClr val="000000"/>
-                </a:solidFill>
-                <a:latin typeface="Monospace"/>
-                <a:ea typeface="Monospace"/>
-              </a:rPr>
-              <a:t> </a:t>
-            </a:r>
-            <a:r>
-              <a:rPr b="0" lang="en-IN" sz="1800" spc="-1" strike="noStrike">
-                <a:solidFill>
-                  <a:srgbClr val="2a00ff"/>
-                </a:solidFill>
-                <a:latin typeface="Monospace"/>
-                <a:ea typeface="Monospace"/>
-              </a:rPr>
-              <a:t>"Hello Saleel"</a:t>
-            </a:r>
-            <a:endParaRPr b="0" lang="en-IN" sz="1800" spc="-1" strike="noStrike">
-              <a:latin typeface="Arial"/>
-            </a:endParaRPr>
-          </a:p>
-          <a:p>
-            <a:pPr>
-              <a:lnSpc>
-                <a:spcPct val="100000"/>
-              </a:lnSpc>
-            </a:pPr>
-            <a:r>
-              <a:rPr b="0" lang="en-IN" sz="1800" spc="-1" strike="noStrike">
-                <a:solidFill>
-                  <a:srgbClr val="000000"/>
-                </a:solidFill>
-                <a:latin typeface="Monospace"/>
-                <a:ea typeface="Monospace"/>
-              </a:rPr>
-              <a:t>  </a:t>
-            </a:r>
-            <a:r>
-              <a:rPr b="1" lang="en-IN" sz="1800" spc="-1" strike="noStrike">
-                <a:solidFill>
-                  <a:srgbClr val="7f0055"/>
-                </a:solidFill>
-                <a:latin typeface="Monospace"/>
-                <a:ea typeface="Monospace"/>
-              </a:rPr>
-              <a:t>end</a:t>
-            </a:r>
-            <a:endParaRPr b="0" lang="en-IN" sz="1800" spc="-1" strike="noStrike">
-              <a:latin typeface="Arial"/>
-            </a:endParaRPr>
-          </a:p>
-          <a:p>
-            <a:pPr>
-              <a:lnSpc>
-                <a:spcPct val="100000"/>
-              </a:lnSpc>
-            </a:pPr>
-            <a:r>
-              <a:rPr b="0" lang="en-IN" sz="1800" spc="-1" strike="noStrike">
-                <a:solidFill>
-                  <a:srgbClr val="000000"/>
-                </a:solidFill>
-                <a:latin typeface="Monospace"/>
-                <a:ea typeface="Monospace"/>
-              </a:rPr>
-              <a:t> </a:t>
-            </a:r>
-            <a:endParaRPr b="0" lang="en-IN" sz="1800" spc="-1" strike="noStrike">
-              <a:latin typeface="Arial"/>
-            </a:endParaRPr>
-          </a:p>
-          <a:p>
-            <a:pPr>
-              <a:lnSpc>
-                <a:spcPct val="100000"/>
-              </a:lnSpc>
-            </a:pPr>
-            <a:r>
-              <a:rPr b="1" lang="en-IN" sz="1800" spc="-1" strike="noStrike">
-                <a:solidFill>
-                  <a:srgbClr val="7f0055"/>
-                </a:solidFill>
-                <a:latin typeface="Monospace"/>
-                <a:ea typeface="Monospace"/>
-              </a:rPr>
-              <a:t>return</a:t>
-            </a:r>
-            <a:r>
-              <a:rPr b="0" lang="en-IN" sz="1800" spc="-1" strike="noStrike">
-                <a:solidFill>
-                  <a:srgbClr val="000000"/>
-                </a:solidFill>
-                <a:latin typeface="Monospace"/>
-                <a:ea typeface="Monospace"/>
-              </a:rPr>
-              <a:t> </a:t>
-            </a:r>
-            <a:r>
-              <a:rPr b="0" lang="en-IN" sz="1800" spc="-1" strike="noStrike">
-                <a:solidFill>
-                  <a:srgbClr val="676767"/>
-                </a:solidFill>
-                <a:latin typeface="Monospace"/>
-                <a:ea typeface="Monospace"/>
-              </a:rPr>
-              <a:t>fn1</a:t>
-            </a:r>
-            <a:r>
-              <a:rPr b="0" lang="en-IN" sz="1800" spc="-1" strike="noStrike">
-                <a:solidFill>
-                  <a:srgbClr val="000000"/>
-                </a:solidFill>
-                <a:latin typeface="Monospace"/>
-                <a:ea typeface="Monospace"/>
-              </a:rPr>
-              <a:t>()</a:t>
+            <a:pPr algn="ctr">
+              <a:lnSpc>
+                <a:spcPct val="100000"/>
+              </a:lnSpc>
+            </a:pPr>
+            <a:r>
+              <a:rPr b="0" lang="en-IN" sz="4000" spc="-1" strike="noStrike">
+                <a:solidFill>
+                  <a:srgbClr val="ff5733"/>
+                </a:solidFill>
+                <a:latin typeface="Segoe Print"/>
+                <a:ea typeface="DejaVu Sans"/>
+              </a:rPr>
+              <a:t>“</a:t>
+            </a:r>
+            <a:r>
+              <a:rPr b="0" lang="en-US" sz="4000" spc="-1" strike="noStrike">
+                <a:solidFill>
+                  <a:srgbClr val="ff5733"/>
+                </a:solidFill>
+                <a:latin typeface="Segoe Print"/>
+                <a:ea typeface="DejaVu Sans"/>
+              </a:rPr>
+              <a:t>Accept your past without regret, handle our present with confidence and face your future without fear.</a:t>
+            </a:r>
+            <a:r>
+              <a:rPr b="0" lang="en-IN" sz="4000" spc="-1" strike="noStrike">
+                <a:solidFill>
+                  <a:srgbClr val="ff5733"/>
+                </a:solidFill>
+                <a:latin typeface="Segoe Print"/>
+                <a:ea typeface="DejaVu Sans"/>
+              </a:rPr>
+              <a:t>”</a:t>
+            </a:r>
+            <a:endParaRPr b="0" lang="en-IN" sz="4000" spc="-1" strike="noStrike">
+              <a:latin typeface="Arial"/>
+            </a:endParaRPr>
+          </a:p>
+          <a:p>
+            <a:pPr algn="r">
+              <a:lnSpc>
+                <a:spcPct val="100000"/>
+              </a:lnSpc>
+            </a:pPr>
+            <a:r>
+              <a:rPr b="0" lang="en-IN" sz="1800" spc="-1" strike="noStrike">
+                <a:solidFill>
+                  <a:srgbClr val="111111"/>
+                </a:solidFill>
+                <a:latin typeface="-apple-system"/>
+                <a:ea typeface="DejaVu Sans"/>
+              </a:rPr>
+              <a:t>~ Dr. APJ. Abdul Kalam</a:t>
             </a:r>
             <a:endParaRPr b="0" lang="en-IN" sz="1800" spc="-1" strike="noStrike">
               <a:latin typeface="Arial"/>
@@ -39190,6 +39089,29 @@
           </a:p>
         </p:txBody>
       </p:sp>
+      <p:pic>
+        <p:nvPicPr>
+          <p:cNvPr id="411" name="Picture 2" descr="http://www.bvctch.vn/vnt_upload/weblink/thks.jpg"/>
+          <p:cNvPicPr/>
+          <p:nvPr/>
+        </p:nvPicPr>
+        <p:blipFill>
+          <a:blip r:embed="rId1"/>
+          <a:stretch/>
+        </p:blipFill>
+        <p:spPr>
+          <a:xfrm>
+            <a:off x="4404600" y="2036160"/>
+            <a:ext cx="3108960" cy="4645800"/>
+          </a:xfrm>
+          <a:prstGeom prst="rect">
+            <a:avLst/>
+          </a:prstGeom>
+          <a:ln>
+            <a:noFill/>
+          </a:ln>
+        </p:spPr>
+      </p:pic>
     </p:spTree>
   </p:cSld>
   <mc:AlternateContent>
@@ -39220,9 +39142,726 @@
           <a:chExt cx="0" cy="0"/>
         </a:xfrm>
       </p:grpSpPr>
+      <p:sp>
+        <p:nvSpPr>
+          <p:cNvPr id="412" name="CustomShape 1"/>
+          <p:cNvSpPr/>
+          <p:nvPr/>
+        </p:nvSpPr>
+        <p:spPr>
+          <a:xfrm>
+            <a:off x="474480" y="2448000"/>
+            <a:ext cx="10389960" cy="2386800"/>
+          </a:xfrm>
+          <a:prstGeom prst="rect">
+            <a:avLst/>
+          </a:prstGeom>
+          <a:noFill/>
+          <a:ln>
+            <a:noFill/>
+          </a:ln>
+        </p:spPr>
+        <p:style>
+          <a:lnRef idx="0"/>
+          <a:fillRef idx="0"/>
+          <a:effectRef idx="0"/>
+          <a:fontRef idx="minor"/>
+        </p:style>
+        <p:txBody>
+          <a:bodyPr lIns="90000" rIns="90000" tIns="45000" bIns="45000">
+            <a:noAutofit/>
+          </a:bodyPr>
+          <a:p>
+            <a:pPr>
+              <a:lnSpc>
+                <a:spcPct val="100000"/>
+              </a:lnSpc>
+            </a:pPr>
+            <a:r>
+              <a:rPr b="0" lang="en-IN" sz="1800" spc="-1" strike="noStrike">
+                <a:solidFill>
+                  <a:srgbClr val="000000"/>
+                </a:solidFill>
+                <a:latin typeface="Arial"/>
+                <a:ea typeface="DejaVu Sans"/>
+              </a:rPr>
+              <a:t>The INFO command returns information and statistics about the server in a format that is simple to parse by computers and easy to read by humans. </a:t>
+            </a:r>
+            <a:endParaRPr b="0" lang="en-IN" sz="1800" spc="-1" strike="noStrike">
+              <a:latin typeface="Arial"/>
+            </a:endParaRPr>
+          </a:p>
+          <a:p>
+            <a:pPr>
+              <a:lnSpc>
+                <a:spcPct val="100000"/>
+              </a:lnSpc>
+            </a:pPr>
+            <a:endParaRPr b="0" lang="en-IN" sz="1800" spc="-1" strike="noStrike">
+              <a:latin typeface="Arial"/>
+            </a:endParaRPr>
+          </a:p>
+          <a:p>
+            <a:pPr marL="216000" indent="-208440">
+              <a:lnSpc>
+                <a:spcPct val="100000"/>
+              </a:lnSpc>
+              <a:buClr>
+                <a:srgbClr val="000000"/>
+              </a:buClr>
+              <a:buSzPct val="45000"/>
+              <a:buFont typeface="Wingdings" charset="2"/>
+              <a:buChar char=""/>
+            </a:pPr>
+            <a:r>
+              <a:rPr b="0" lang="en-IN" sz="1800" spc="-1" strike="noStrike">
+                <a:solidFill>
+                  <a:srgbClr val="000000"/>
+                </a:solidFill>
+                <a:latin typeface="Arial"/>
+                <a:ea typeface="DejaVu Sans"/>
+              </a:rPr>
+              <a:t>info server</a:t>
+            </a:r>
+            <a:endParaRPr b="0" lang="en-IN" sz="1800" spc="-1" strike="noStrike">
+              <a:latin typeface="Arial"/>
+            </a:endParaRPr>
+          </a:p>
+          <a:p>
+            <a:pPr marL="216000" indent="-208440">
+              <a:lnSpc>
+                <a:spcPct val="100000"/>
+              </a:lnSpc>
+              <a:buClr>
+                <a:srgbClr val="000000"/>
+              </a:buClr>
+              <a:buSzPct val="45000"/>
+              <a:buFont typeface="Wingdings" charset="2"/>
+              <a:buChar char=""/>
+            </a:pPr>
+            <a:r>
+              <a:rPr b="0" lang="en-IN" sz="1800" spc="-1" strike="noStrike">
+                <a:solidFill>
+                  <a:srgbClr val="000000"/>
+                </a:solidFill>
+                <a:latin typeface="Arial"/>
+                <a:ea typeface="DejaVu Sans"/>
+              </a:rPr>
+              <a:t>info clients</a:t>
+            </a:r>
+            <a:endParaRPr b="0" lang="en-IN" sz="1800" spc="-1" strike="noStrike">
+              <a:latin typeface="Arial"/>
+            </a:endParaRPr>
+          </a:p>
+          <a:p>
+            <a:pPr marL="216000" indent="-208440">
+              <a:lnSpc>
+                <a:spcPct val="100000"/>
+              </a:lnSpc>
+              <a:buClr>
+                <a:srgbClr val="000000"/>
+              </a:buClr>
+              <a:buSzPct val="45000"/>
+              <a:buFont typeface="Wingdings" charset="2"/>
+              <a:buChar char=""/>
+            </a:pPr>
+            <a:r>
+              <a:rPr b="0" lang="en-IN" sz="1800" spc="-1" strike="noStrike">
+                <a:solidFill>
+                  <a:srgbClr val="000000"/>
+                </a:solidFill>
+                <a:latin typeface="Arial"/>
+                <a:ea typeface="DejaVu Sans"/>
+              </a:rPr>
+              <a:t>info Keyspace</a:t>
+            </a:r>
+            <a:endParaRPr b="0" lang="en-IN" sz="1800" spc="-1" strike="noStrike">
+              <a:latin typeface="Arial"/>
+            </a:endParaRPr>
+          </a:p>
+          <a:p>
+            <a:pPr marL="216000" indent="-208440">
+              <a:lnSpc>
+                <a:spcPct val="100000"/>
+              </a:lnSpc>
+              <a:buClr>
+                <a:srgbClr val="000000"/>
+              </a:buClr>
+              <a:buSzPct val="45000"/>
+              <a:buFont typeface="Wingdings" charset="2"/>
+              <a:buChar char=""/>
+            </a:pPr>
+            <a:r>
+              <a:rPr b="0" lang="en-IN" sz="1800" spc="-1" strike="noStrike">
+                <a:solidFill>
+                  <a:srgbClr val="000000"/>
+                </a:solidFill>
+                <a:latin typeface="Arial"/>
+                <a:ea typeface="DejaVu Sans"/>
+              </a:rPr>
+              <a:t>info modules</a:t>
+            </a:r>
+            <a:endParaRPr b="0" lang="en-IN" sz="1800" spc="-1" strike="noStrike">
+              <a:latin typeface="Arial"/>
+            </a:endParaRPr>
+          </a:p>
+          <a:p>
+            <a:pPr marL="216000" indent="-208440">
+              <a:lnSpc>
+                <a:spcPct val="100000"/>
+              </a:lnSpc>
+              <a:buClr>
+                <a:srgbClr val="000000"/>
+              </a:buClr>
+              <a:buSzPct val="45000"/>
+              <a:buFont typeface="Wingdings" charset="2"/>
+              <a:buChar char=""/>
+            </a:pPr>
+            <a:r>
+              <a:rPr b="0" lang="en-IN" sz="1800" spc="-1" strike="noStrike">
+                <a:solidFill>
+                  <a:srgbClr val="000000"/>
+                </a:solidFill>
+                <a:latin typeface="Arial"/>
+                <a:ea typeface="DejaVu Sans"/>
+              </a:rPr>
+              <a:t>info all</a:t>
+            </a:r>
+            <a:endParaRPr b="0" lang="en-IN" sz="1800" spc="-1" strike="noStrike">
+              <a:latin typeface="Arial"/>
+            </a:endParaRPr>
+          </a:p>
+        </p:txBody>
+      </p:sp>
+      <p:sp>
+        <p:nvSpPr>
+          <p:cNvPr id="413" name="CustomShape 2"/>
+          <p:cNvSpPr/>
+          <p:nvPr/>
+        </p:nvSpPr>
+        <p:spPr>
+          <a:xfrm>
+            <a:off x="363600" y="193320"/>
+            <a:ext cx="4236840" cy="591120"/>
+          </a:xfrm>
+          <a:prstGeom prst="rect">
+            <a:avLst/>
+          </a:prstGeom>
+          <a:noFill/>
+          <a:ln>
+            <a:noFill/>
+          </a:ln>
+        </p:spPr>
+        <p:style>
+          <a:lnRef idx="0"/>
+          <a:fillRef idx="0"/>
+          <a:effectRef idx="0"/>
+          <a:fontRef idx="minor"/>
+        </p:style>
+        <p:txBody>
+          <a:bodyPr lIns="90000" rIns="90000" tIns="45000" bIns="45000">
+            <a:noAutofit/>
+          </a:bodyPr>
+          <a:p>
+            <a:pPr>
+              <a:lnSpc>
+                <a:spcPct val="100000"/>
+              </a:lnSpc>
+            </a:pPr>
+            <a:r>
+              <a:rPr b="0" lang="en-IN" sz="1800" spc="-1" strike="noStrike">
+                <a:solidFill>
+                  <a:srgbClr val="000000"/>
+                </a:solidFill>
+                <a:latin typeface="Arial"/>
+                <a:ea typeface="DejaVu Sans"/>
+              </a:rPr>
+              <a:t>SAVE</a:t>
+            </a:r>
+            <a:endParaRPr b="0" lang="en-IN" sz="1800" spc="-1" strike="noStrike">
+              <a:latin typeface="Arial"/>
+            </a:endParaRPr>
+          </a:p>
+          <a:p>
+            <a:pPr>
+              <a:lnSpc>
+                <a:spcPct val="100000"/>
+              </a:lnSpc>
+            </a:pPr>
+            <a:r>
+              <a:rPr b="0" lang="en-IN" sz="1800" spc="-1" strike="noStrike">
+                <a:solidFill>
+                  <a:srgbClr val="000000"/>
+                </a:solidFill>
+                <a:latin typeface="Arial"/>
+                <a:ea typeface="DejaVu Sans"/>
+              </a:rPr>
+              <a:t>Config get dir  /var/lib/redis</a:t>
+            </a:r>
+            <a:endParaRPr b="0" lang="en-IN" sz="1800" spc="-1" strike="noStrike">
+              <a:latin typeface="Arial"/>
+            </a:endParaRPr>
+          </a:p>
+        </p:txBody>
+      </p:sp>
+      <p:sp>
+        <p:nvSpPr>
+          <p:cNvPr id="414" name="CustomShape 3"/>
+          <p:cNvSpPr/>
+          <p:nvPr/>
+        </p:nvSpPr>
+        <p:spPr>
+          <a:xfrm>
+            <a:off x="504000" y="5760000"/>
+            <a:ext cx="11152440" cy="594720"/>
+          </a:xfrm>
+          <a:prstGeom prst="rect">
+            <a:avLst/>
+          </a:prstGeom>
+          <a:noFill/>
+          <a:ln>
+            <a:noFill/>
+          </a:ln>
+        </p:spPr>
+        <p:style>
+          <a:lnRef idx="0"/>
+          <a:fillRef idx="0"/>
+          <a:effectRef idx="0"/>
+          <a:fontRef idx="minor"/>
+        </p:style>
+        <p:txBody>
+          <a:bodyPr lIns="90000" rIns="90000" tIns="45000" bIns="45000">
+            <a:noAutofit/>
+          </a:bodyPr>
+          <a:p>
+            <a:pPr>
+              <a:lnSpc>
+                <a:spcPct val="100000"/>
+              </a:lnSpc>
+            </a:pPr>
+            <a:r>
+              <a:rPr b="0" lang="en-IN" sz="1800" spc="-1" strike="noStrike" u="sng">
+                <a:solidFill>
+                  <a:srgbClr val="b292ca"/>
+                </a:solidFill>
+                <a:uFillTx/>
+                <a:latin typeface="Arial"/>
+                <a:ea typeface="DejaVu Sans"/>
+                <a:hlinkClick r:id="rId1"/>
+              </a:rPr>
+              <a:t>saleel@saleel-Latitude-E6430</a:t>
+            </a:r>
+            <a:r>
+              <a:rPr b="0" lang="en-IN" sz="1800" spc="-1" strike="noStrike">
+                <a:solidFill>
+                  <a:srgbClr val="b292ca"/>
+                </a:solidFill>
+                <a:latin typeface="Arial"/>
+                <a:ea typeface="DejaVu Sans"/>
+              </a:rPr>
+              <a:t>:~$ redis-cli --csv -h 127.0.0.1 -p 6379 -n 3  hgetall cust:2 &gt;&gt; customer</a:t>
+            </a:r>
+            <a:endParaRPr b="0" lang="en-IN" sz="1800" spc="-1" strike="noStrike">
+              <a:latin typeface="Arial"/>
+            </a:endParaRPr>
+          </a:p>
+        </p:txBody>
+      </p:sp>
+      <p:sp>
+        <p:nvSpPr>
+          <p:cNvPr id="415" name="CustomShape 4"/>
+          <p:cNvSpPr/>
+          <p:nvPr/>
+        </p:nvSpPr>
+        <p:spPr>
+          <a:xfrm>
+            <a:off x="9648000" y="4014000"/>
+            <a:ext cx="2152440" cy="298440"/>
+          </a:xfrm>
+          <a:prstGeom prst="rect">
+            <a:avLst/>
+          </a:prstGeom>
+          <a:noFill/>
+          <a:ln>
+            <a:noFill/>
+          </a:ln>
+        </p:spPr>
+        <p:style>
+          <a:lnRef idx="0"/>
+          <a:fillRef idx="0"/>
+          <a:effectRef idx="0"/>
+          <a:fontRef idx="minor"/>
+        </p:style>
+        <p:txBody>
+          <a:bodyPr lIns="0" rIns="0" tIns="0" bIns="0">
+            <a:noAutofit/>
+          </a:bodyPr>
+          <a:p>
+            <a:pPr>
+              <a:lnSpc>
+                <a:spcPct val="100000"/>
+              </a:lnSpc>
+            </a:pPr>
+            <a:r>
+              <a:rPr b="0" lang="en-IN" sz="1800" spc="-1" strike="noStrike">
+                <a:solidFill>
+                  <a:srgbClr val="000000"/>
+                </a:solidFill>
+                <a:latin typeface="Arial"/>
+                <a:ea typeface="DejaVu Sans"/>
+              </a:rPr>
+              <a:t>redis-cli monitor</a:t>
+            </a:r>
+            <a:endParaRPr b="0" lang="en-IN" sz="1800" spc="-1" strike="noStrike">
+              <a:latin typeface="Arial"/>
+            </a:endParaRPr>
+          </a:p>
+        </p:txBody>
+      </p:sp>
+    </p:spTree>
+  </p:cSld>
+  <mc:AlternateContent>
+    <mc:Choice Requires="p14">
+      <p:transition spd="slow" p14:dur="2000"/>
+    </mc:Choice>
+    <mc:Fallback>
+      <p:transition spd="slow"/>
+    </mc:Fallback>
+  </mc:AlternateContent>
+</p:sld>
+</file>
+
+<file path=ppt/slides/slide84.xml><?xml version="1.0" encoding="utf-8"?>
+<p:sld xmlns:a="http://schemas.openxmlformats.org/drawingml/2006/main" xmlns:p="http://schemas.openxmlformats.org/presentationml/2006/main" xmlns:r="http://schemas.openxmlformats.org/officeDocument/2006/relationships" xmlns:p14="http://schemas.microsoft.com/office/powerpoint/2010/main" xmlns:p15="http://schemas.microsoft.com/office/powerpoint/2012/main" xmlns:mc="http://schemas.openxmlformats.org/markup-compatibility/2006">
+  <p:cSld>
+    <p:spTree>
+      <p:nvGrpSpPr>
+        <p:cNvPr id="1" name=""/>
+        <p:cNvGrpSpPr/>
+        <p:nvPr/>
+      </p:nvGrpSpPr>
+      <p:grpSpPr>
+        <a:xfrm>
+          <a:off x="0" y="0"/>
+          <a:ext cx="0" cy="0"/>
+          <a:chOff x="0" y="0"/>
+          <a:chExt cx="0" cy="0"/>
+        </a:xfrm>
+      </p:grpSpPr>
+      <p:sp>
+        <p:nvSpPr>
+          <p:cNvPr id="416" name="CustomShape 1"/>
+          <p:cNvSpPr/>
+          <p:nvPr/>
+        </p:nvSpPr>
+        <p:spPr>
+          <a:xfrm>
+            <a:off x="1368000" y="1669320"/>
+            <a:ext cx="3665880" cy="2932560"/>
+          </a:xfrm>
+          <a:prstGeom prst="rect">
+            <a:avLst/>
+          </a:prstGeom>
+          <a:noFill/>
+          <a:ln>
+            <a:noFill/>
+          </a:ln>
+        </p:spPr>
+        <p:style>
+          <a:lnRef idx="0"/>
+          <a:fillRef idx="0"/>
+          <a:effectRef idx="0"/>
+          <a:fontRef idx="minor"/>
+        </p:style>
+        <p:txBody>
+          <a:bodyPr lIns="90000" rIns="90000" tIns="45000" bIns="45000">
+            <a:noAutofit/>
+          </a:bodyPr>
+          <a:p>
+            <a:pPr>
+              <a:lnSpc>
+                <a:spcPct val="100000"/>
+              </a:lnSpc>
+            </a:pPr>
+            <a:r>
+              <a:rPr b="0" lang="en-IN" sz="1800" spc="-1" strike="noStrike">
+                <a:solidFill>
+                  <a:srgbClr val="000000"/>
+                </a:solidFill>
+                <a:latin typeface="Arial"/>
+                <a:ea typeface="DejaVu Sans"/>
+              </a:rPr>
+              <a:t>redis-cli --eval  app.lua</a:t>
+            </a:r>
+            <a:endParaRPr b="0" lang="en-IN" sz="1800" spc="-1" strike="noStrike">
+              <a:latin typeface="Arial"/>
+            </a:endParaRPr>
+          </a:p>
+          <a:p>
+            <a:pPr>
+              <a:lnSpc>
+                <a:spcPct val="100000"/>
+              </a:lnSpc>
+            </a:pPr>
+            <a:endParaRPr b="0" lang="en-IN" sz="1800" spc="-1" strike="noStrike">
+              <a:latin typeface="Arial"/>
+            </a:endParaRPr>
+          </a:p>
+          <a:p>
+            <a:pPr>
+              <a:lnSpc>
+                <a:spcPct val="100000"/>
+              </a:lnSpc>
+            </a:pPr>
+            <a:r>
+              <a:rPr b="1" lang="en-IN" sz="1800" spc="-1" strike="noStrike">
+                <a:solidFill>
+                  <a:srgbClr val="7f0055"/>
+                </a:solidFill>
+                <a:latin typeface="Monospace"/>
+                <a:ea typeface="Monospace"/>
+              </a:rPr>
+              <a:t>local</a:t>
+            </a:r>
+            <a:r>
+              <a:rPr b="0" lang="en-IN" sz="1800" spc="-1" strike="noStrike">
+                <a:solidFill>
+                  <a:srgbClr val="000000"/>
+                </a:solidFill>
+                <a:latin typeface="Monospace"/>
+                <a:ea typeface="Monospace"/>
+              </a:rPr>
+              <a:t> </a:t>
+            </a:r>
+            <a:r>
+              <a:rPr b="1" lang="en-IN" sz="1800" spc="-1" strike="noStrike">
+                <a:solidFill>
+                  <a:srgbClr val="7f0055"/>
+                </a:solidFill>
+                <a:latin typeface="Monospace"/>
+                <a:ea typeface="Monospace"/>
+              </a:rPr>
+              <a:t>function</a:t>
+            </a:r>
+            <a:r>
+              <a:rPr b="0" lang="en-IN" sz="1800" spc="-1" strike="noStrike">
+                <a:solidFill>
+                  <a:srgbClr val="000000"/>
+                </a:solidFill>
+                <a:latin typeface="Monospace"/>
+                <a:ea typeface="Monospace"/>
+              </a:rPr>
+              <a:t> </a:t>
+            </a:r>
+            <a:r>
+              <a:rPr b="0" lang="en-IN" sz="1800" spc="-1" strike="noStrike">
+                <a:solidFill>
+                  <a:srgbClr val="676767"/>
+                </a:solidFill>
+                <a:latin typeface="Monospace"/>
+                <a:ea typeface="Monospace"/>
+              </a:rPr>
+              <a:t>fn1</a:t>
+            </a:r>
+            <a:r>
+              <a:rPr b="0" lang="en-IN" sz="1800" spc="-1" strike="noStrike">
+                <a:solidFill>
+                  <a:srgbClr val="000000"/>
+                </a:solidFill>
+                <a:latin typeface="Monospace"/>
+                <a:ea typeface="Monospace"/>
+              </a:rPr>
+              <a:t>()</a:t>
+            </a:r>
+            <a:endParaRPr b="0" lang="en-IN" sz="1800" spc="-1" strike="noStrike">
+              <a:latin typeface="Arial"/>
+            </a:endParaRPr>
+          </a:p>
+          <a:p>
+            <a:pPr>
+              <a:lnSpc>
+                <a:spcPct val="100000"/>
+              </a:lnSpc>
+            </a:pPr>
+            <a:r>
+              <a:rPr b="0" lang="en-IN" sz="1800" spc="-1" strike="noStrike">
+                <a:solidFill>
+                  <a:srgbClr val="000000"/>
+                </a:solidFill>
+                <a:latin typeface="Monospace"/>
+                <a:ea typeface="Monospace"/>
+              </a:rPr>
+              <a:t>  </a:t>
+            </a:r>
+            <a:r>
+              <a:rPr b="1" lang="en-IN" sz="1800" spc="-1" strike="noStrike">
+                <a:solidFill>
+                  <a:srgbClr val="7f0055"/>
+                </a:solidFill>
+                <a:latin typeface="Monospace"/>
+                <a:ea typeface="Monospace"/>
+              </a:rPr>
+              <a:t>return</a:t>
+            </a:r>
+            <a:r>
+              <a:rPr b="0" lang="en-IN" sz="1800" spc="-1" strike="noStrike">
+                <a:solidFill>
+                  <a:srgbClr val="000000"/>
+                </a:solidFill>
+                <a:latin typeface="Monospace"/>
+                <a:ea typeface="Monospace"/>
+              </a:rPr>
+              <a:t> </a:t>
+            </a:r>
+            <a:r>
+              <a:rPr b="0" lang="en-IN" sz="1800" spc="-1" strike="noStrike">
+                <a:solidFill>
+                  <a:srgbClr val="2a00ff"/>
+                </a:solidFill>
+                <a:latin typeface="Monospace"/>
+                <a:ea typeface="Monospace"/>
+              </a:rPr>
+              <a:t>"Hello Saleel"</a:t>
+            </a:r>
+            <a:endParaRPr b="0" lang="en-IN" sz="1800" spc="-1" strike="noStrike">
+              <a:latin typeface="Arial"/>
+            </a:endParaRPr>
+          </a:p>
+          <a:p>
+            <a:pPr>
+              <a:lnSpc>
+                <a:spcPct val="100000"/>
+              </a:lnSpc>
+            </a:pPr>
+            <a:r>
+              <a:rPr b="0" lang="en-IN" sz="1800" spc="-1" strike="noStrike">
+                <a:solidFill>
+                  <a:srgbClr val="000000"/>
+                </a:solidFill>
+                <a:latin typeface="Monospace"/>
+                <a:ea typeface="Monospace"/>
+              </a:rPr>
+              <a:t>  </a:t>
+            </a:r>
+            <a:r>
+              <a:rPr b="1" lang="en-IN" sz="1800" spc="-1" strike="noStrike">
+                <a:solidFill>
+                  <a:srgbClr val="7f0055"/>
+                </a:solidFill>
+                <a:latin typeface="Monospace"/>
+                <a:ea typeface="Monospace"/>
+              </a:rPr>
+              <a:t>end</a:t>
+            </a:r>
+            <a:endParaRPr b="0" lang="en-IN" sz="1800" spc="-1" strike="noStrike">
+              <a:latin typeface="Arial"/>
+            </a:endParaRPr>
+          </a:p>
+          <a:p>
+            <a:pPr>
+              <a:lnSpc>
+                <a:spcPct val="100000"/>
+              </a:lnSpc>
+            </a:pPr>
+            <a:r>
+              <a:rPr b="0" lang="en-IN" sz="1800" spc="-1" strike="noStrike">
+                <a:solidFill>
+                  <a:srgbClr val="000000"/>
+                </a:solidFill>
+                <a:latin typeface="Monospace"/>
+                <a:ea typeface="Monospace"/>
+              </a:rPr>
+              <a:t> </a:t>
+            </a:r>
+            <a:endParaRPr b="0" lang="en-IN" sz="1800" spc="-1" strike="noStrike">
+              <a:latin typeface="Arial"/>
+            </a:endParaRPr>
+          </a:p>
+          <a:p>
+            <a:pPr>
+              <a:lnSpc>
+                <a:spcPct val="100000"/>
+              </a:lnSpc>
+            </a:pPr>
+            <a:r>
+              <a:rPr b="1" lang="en-IN" sz="1800" spc="-1" strike="noStrike">
+                <a:solidFill>
+                  <a:srgbClr val="7f0055"/>
+                </a:solidFill>
+                <a:latin typeface="Monospace"/>
+                <a:ea typeface="Monospace"/>
+              </a:rPr>
+              <a:t>return</a:t>
+            </a:r>
+            <a:r>
+              <a:rPr b="0" lang="en-IN" sz="1800" spc="-1" strike="noStrike">
+                <a:solidFill>
+                  <a:srgbClr val="000000"/>
+                </a:solidFill>
+                <a:latin typeface="Monospace"/>
+                <a:ea typeface="Monospace"/>
+              </a:rPr>
+              <a:t> </a:t>
+            </a:r>
+            <a:r>
+              <a:rPr b="0" lang="en-IN" sz="1800" spc="-1" strike="noStrike">
+                <a:solidFill>
+                  <a:srgbClr val="676767"/>
+                </a:solidFill>
+                <a:latin typeface="Monospace"/>
+                <a:ea typeface="Monospace"/>
+              </a:rPr>
+              <a:t>fn1</a:t>
+            </a:r>
+            <a:r>
+              <a:rPr b="0" lang="en-IN" sz="1800" spc="-1" strike="noStrike">
+                <a:solidFill>
+                  <a:srgbClr val="000000"/>
+                </a:solidFill>
+                <a:latin typeface="Monospace"/>
+                <a:ea typeface="Monospace"/>
+              </a:rPr>
+              <a:t>()</a:t>
+            </a:r>
+            <a:endParaRPr b="0" lang="en-IN" sz="1800" spc="-1" strike="noStrike">
+              <a:latin typeface="Arial"/>
+            </a:endParaRPr>
+          </a:p>
+        </p:txBody>
+      </p:sp>
+    </p:spTree>
+  </p:cSld>
+  <mc:AlternateContent>
+    <mc:Choice Requires="p14">
+      <p:transition spd="slow" p14:dur="2000"/>
+    </mc:Choice>
+    <mc:Fallback>
+      <p:transition spd="slow"/>
+    </mc:Fallback>
+  </mc:AlternateContent>
+</p:sld>
+</file>
+
+<file path=ppt/slides/slide85.xml><?xml version="1.0" encoding="utf-8"?>
+<p:sld xmlns:a="http://schemas.openxmlformats.org/drawingml/2006/main" xmlns:p="http://schemas.openxmlformats.org/presentationml/2006/main" xmlns:r="http://schemas.openxmlformats.org/officeDocument/2006/relationships" xmlns:p14="http://schemas.microsoft.com/office/powerpoint/2010/main" xmlns:p15="http://schemas.microsoft.com/office/powerpoint/2012/main" xmlns:mc="http://schemas.openxmlformats.org/markup-compatibility/2006">
+  <p:cSld>
+    <p:spTree>
+      <p:nvGrpSpPr>
+        <p:cNvPr id="1" name=""/>
+        <p:cNvGrpSpPr/>
+        <p:nvPr/>
+      </p:nvGrpSpPr>
+      <p:grpSpPr>
+        <a:xfrm>
+          <a:off x="0" y="0"/>
+          <a:ext cx="0" cy="0"/>
+          <a:chOff x="0" y="0"/>
+          <a:chExt cx="0" cy="0"/>
+        </a:xfrm>
+      </p:grpSpPr>
       <p:pic>
         <p:nvPicPr>
-          <p:cNvPr id="410" name="Picture 356" descr=""/>
+          <p:cNvPr id="417" name="Picture 356" descr=""/>
           <p:cNvPicPr/>
           <p:nvPr/>
         </p:nvPicPr>
@@ -39233,7 +39872,7 @@
         <p:spPr>
           <a:xfrm>
             <a:off x="483840" y="144000"/>
-            <a:ext cx="8583120" cy="6436080"/>
+            <a:ext cx="8582760" cy="6435720"/>
           </a:xfrm>
           <a:prstGeom prst="rect">
             <a:avLst/>
@@ -39282,7 +39921,7 @@
         <p:spPr>
           <a:xfrm>
             <a:off x="1676520" y="2362320"/>
-            <a:ext cx="8821800" cy="912600"/>
+            <a:ext cx="8821440" cy="912600"/>
           </a:xfrm>
           <a:prstGeom prst="rect">
             <a:avLst/>
@@ -39333,7 +39972,7 @@
         <p:spPr>
           <a:xfrm>
             <a:off x="522360" y="3531600"/>
-            <a:ext cx="11058840" cy="363960"/>
+            <a:ext cx="11058480" cy="363960"/>
           </a:xfrm>
           <a:prstGeom prst="rect">
             <a:avLst/>

--- a/redis Ver2.pptx
+++ b/redis Ver2.pptx
@@ -2899,8 +2899,8 @@
         </p:nvSpPr>
         <p:spPr>
           <a:xfrm rot="5400000">
-            <a:off x="608040" y="6447240"/>
-            <a:ext cx="173160" cy="142920"/>
+            <a:off x="608400" y="6447240"/>
+            <a:ext cx="172800" cy="142560"/>
           </a:xfrm>
           <a:prstGeom prst="triangle">
             <a:avLst>
@@ -2941,7 +2941,7 @@
         <p:spPr>
           <a:xfrm>
             <a:off x="1206360" y="3648240"/>
-            <a:ext cx="9735840" cy="1262520"/>
+            <a:ext cx="9735480" cy="1262160"/>
           </a:xfrm>
           <a:prstGeom prst="rect">
             <a:avLst/>
@@ -2983,7 +2983,7 @@
         <p:spPr>
           <a:xfrm>
             <a:off x="1219320" y="5638680"/>
-            <a:ext cx="9735840" cy="668160"/>
+            <a:ext cx="9735480" cy="667800"/>
           </a:xfrm>
           <a:prstGeom prst="rect">
             <a:avLst/>
@@ -3025,7 +3025,7 @@
         <p:spPr>
           <a:xfrm>
             <a:off x="1206360" y="3648240"/>
-            <a:ext cx="287280" cy="1262520"/>
+            <a:ext cx="286920" cy="1262160"/>
           </a:xfrm>
           <a:prstGeom prst="rect">
             <a:avLst/>
@@ -3064,7 +3064,7 @@
         <p:spPr>
           <a:xfrm>
             <a:off x="1219320" y="5638680"/>
-            <a:ext cx="287280" cy="668160"/>
+            <a:ext cx="286920" cy="667800"/>
           </a:xfrm>
           <a:prstGeom prst="rect">
             <a:avLst/>
@@ -3420,8 +3420,8 @@
         </p:nvSpPr>
         <p:spPr>
           <a:xfrm rot="5400000">
-            <a:off x="608040" y="6447240"/>
-            <a:ext cx="173160" cy="142920"/>
+            <a:off x="608400" y="6447240"/>
+            <a:ext cx="172800" cy="142560"/>
           </a:xfrm>
           <a:prstGeom prst="triangle">
             <a:avLst>
@@ -3490,8 +3490,8 @@
         </p:nvSpPr>
         <p:spPr>
           <a:xfrm rot="5400000">
-            <a:off x="608040" y="6447240"/>
-            <a:ext cx="173160" cy="142920"/>
+            <a:off x="608400" y="6447240"/>
+            <a:ext cx="172800" cy="142560"/>
           </a:xfrm>
           <a:prstGeom prst="triangle">
             <a:avLst>
@@ -3785,7 +3785,7 @@
         <p:spPr>
           <a:xfrm>
             <a:off x="1975680" y="3553920"/>
-            <a:ext cx="8516880" cy="973080"/>
+            <a:ext cx="8516520" cy="972720"/>
           </a:xfrm>
           <a:prstGeom prst="rect">
             <a:avLst/>
@@ -3842,7 +3842,7 @@
         <p:spPr>
           <a:xfrm>
             <a:off x="181440" y="2001960"/>
-            <a:ext cx="2836800" cy="2836800"/>
+            <a:ext cx="2836440" cy="2836440"/>
           </a:xfrm>
           <a:prstGeom prst="rect">
             <a:avLst/>
@@ -3861,7 +3861,7 @@
         <p:spPr>
           <a:xfrm>
             <a:off x="720000" y="5158800"/>
-            <a:ext cx="10866960" cy="1172160"/>
+            <a:ext cx="10866600" cy="1171800"/>
           </a:xfrm>
           <a:prstGeom prst="rect">
             <a:avLst/>
@@ -3924,7 +3924,7 @@
         <p:spPr>
           <a:xfrm>
             <a:off x="181440" y="196560"/>
-            <a:ext cx="2836800" cy="1050120"/>
+            <a:ext cx="2836440" cy="1049760"/>
           </a:xfrm>
           <a:prstGeom prst="rect">
             <a:avLst/>
@@ -3943,7 +3943,7 @@
         <p:spPr>
           <a:xfrm>
             <a:off x="3557880" y="93600"/>
-            <a:ext cx="8435160" cy="3045240"/>
+            <a:ext cx="8434800" cy="3045240"/>
           </a:xfrm>
           <a:prstGeom prst="rect">
             <a:avLst/>
@@ -4028,7 +4028,7 @@
         <p:spPr>
           <a:xfrm>
             <a:off x="181440" y="196920"/>
-            <a:ext cx="2838600" cy="1051920"/>
+            <a:ext cx="2838240" cy="1051560"/>
           </a:xfrm>
           <a:prstGeom prst="rect">
             <a:avLst/>
@@ -4051,7 +4051,7 @@
         <p:spPr>
           <a:xfrm>
             <a:off x="57960" y="2448000"/>
-            <a:ext cx="3534840" cy="3534840"/>
+            <a:ext cx="3534480" cy="3534480"/>
           </a:xfrm>
           <a:prstGeom prst="rect">
             <a:avLst/>
@@ -4070,7 +4070,7 @@
         <p:spPr>
           <a:xfrm>
             <a:off x="7632000" y="4716000"/>
-            <a:ext cx="3450960" cy="397800"/>
+            <a:ext cx="3450600" cy="397440"/>
           </a:xfrm>
           <a:prstGeom prst="rect">
             <a:avLst/>
@@ -4201,7 +4201,7 @@
         <p:spPr>
           <a:xfrm>
             <a:off x="248400" y="0"/>
-            <a:ext cx="11694960" cy="699120"/>
+            <a:ext cx="11694600" cy="699120"/>
           </a:xfrm>
           <a:prstGeom prst="rect">
             <a:avLst/>
@@ -4256,7 +4256,7 @@
         <p:spPr>
           <a:xfrm>
             <a:off x="248400" y="762120"/>
-            <a:ext cx="11694960" cy="1186920"/>
+            <a:ext cx="11694600" cy="1186920"/>
           </a:xfrm>
           <a:prstGeom prst="rect">
             <a:avLst/>
@@ -4377,7 +4377,7 @@
         <p:spPr>
           <a:xfrm>
             <a:off x="1523880" y="3801960"/>
-            <a:ext cx="8872200" cy="2147040"/>
+            <a:ext cx="8871840" cy="2147040"/>
           </a:xfrm>
           <a:prstGeom prst="rect">
             <a:avLst/>
@@ -4398,7 +4398,7 @@
             <a:spAutoFit/>
           </a:bodyPr>
           <a:p>
-            <a:pPr marL="285840" indent="-268200">
+            <a:pPr marL="285840" indent="-267840">
               <a:lnSpc>
                 <a:spcPct val="150000"/>
               </a:lnSpc>
@@ -4443,7 +4443,7 @@
             </a:endParaRPr>
           </a:p>
           <a:p>
-            <a:pPr marL="285840" indent="-268200">
+            <a:pPr marL="285840" indent="-267840">
               <a:lnSpc>
                 <a:spcPct val="150000"/>
               </a:lnSpc>
@@ -4488,7 +4488,7 @@
             </a:endParaRPr>
           </a:p>
           <a:p>
-            <a:pPr marL="285840" indent="-268200">
+            <a:pPr marL="285840" indent="-267840">
               <a:lnSpc>
                 <a:spcPct val="150000"/>
               </a:lnSpc>
@@ -4533,7 +4533,7 @@
             </a:endParaRPr>
           </a:p>
           <a:p>
-            <a:pPr marL="285840" indent="-268200">
+            <a:pPr marL="285840" indent="-267840">
               <a:lnSpc>
                 <a:spcPct val="150000"/>
               </a:lnSpc>
@@ -4623,7 +4623,7 @@
         <p:spPr>
           <a:xfrm>
             <a:off x="246600" y="2133720"/>
-            <a:ext cx="11696760" cy="699480"/>
+            <a:ext cx="11696400" cy="699480"/>
           </a:xfrm>
           <a:prstGeom prst="rect">
             <a:avLst/>
@@ -4724,7 +4724,7 @@
         <p:spPr>
           <a:xfrm>
             <a:off x="1676520" y="2362320"/>
-            <a:ext cx="8821440" cy="912600"/>
+            <a:ext cx="8821080" cy="912600"/>
           </a:xfrm>
           <a:prstGeom prst="rect">
             <a:avLst/>
@@ -4775,7 +4775,7 @@
         <p:spPr>
           <a:xfrm>
             <a:off x="522360" y="3531600"/>
-            <a:ext cx="11058480" cy="363960"/>
+            <a:ext cx="11058120" cy="363960"/>
           </a:xfrm>
           <a:prstGeom prst="rect">
             <a:avLst/>
@@ -4856,7 +4856,7 @@
         <p:spPr>
           <a:xfrm>
             <a:off x="248400" y="0"/>
-            <a:ext cx="11694960" cy="699120"/>
+            <a:ext cx="11694600" cy="699120"/>
           </a:xfrm>
           <a:prstGeom prst="rect">
             <a:avLst/>
@@ -4911,7 +4911,7 @@
         <p:spPr>
           <a:xfrm>
             <a:off x="248400" y="762120"/>
-            <a:ext cx="11694960" cy="1186920"/>
+            <a:ext cx="11694600" cy="1186920"/>
           </a:xfrm>
           <a:prstGeom prst="rect">
             <a:avLst/>
@@ -5012,7 +5012,7 @@
         <p:spPr>
           <a:xfrm>
             <a:off x="1523880" y="3480480"/>
-            <a:ext cx="8872200" cy="2558520"/>
+            <a:ext cx="8871840" cy="2558520"/>
           </a:xfrm>
           <a:prstGeom prst="rect">
             <a:avLst/>
@@ -5033,7 +5033,7 @@
             <a:spAutoFit/>
           </a:bodyPr>
           <a:p>
-            <a:pPr marL="285840" indent="-268200">
+            <a:pPr marL="285840" indent="-267840">
               <a:lnSpc>
                 <a:spcPct val="150000"/>
               </a:lnSpc>
@@ -5078,7 +5078,7 @@
             </a:endParaRPr>
           </a:p>
           <a:p>
-            <a:pPr marL="285840" indent="-268200">
+            <a:pPr marL="285840" indent="-267840">
               <a:lnSpc>
                 <a:spcPct val="150000"/>
               </a:lnSpc>
@@ -5123,7 +5123,7 @@
             </a:endParaRPr>
           </a:p>
           <a:p>
-            <a:pPr marL="285840" indent="-268200">
+            <a:pPr marL="285840" indent="-267840">
               <a:lnSpc>
                 <a:spcPct val="150000"/>
               </a:lnSpc>
@@ -5168,7 +5168,7 @@
             </a:endParaRPr>
           </a:p>
           <a:p>
-            <a:pPr marL="285840" indent="-268200">
+            <a:pPr marL="285840" indent="-267840">
               <a:lnSpc>
                 <a:spcPct val="150000"/>
               </a:lnSpc>
@@ -5213,7 +5213,7 @@
             </a:endParaRPr>
           </a:p>
           <a:p>
-            <a:pPr marL="285840" indent="-268200">
+            <a:pPr marL="285840" indent="-267840">
               <a:lnSpc>
                 <a:spcPct val="150000"/>
               </a:lnSpc>
@@ -5248,7 +5248,7 @@
             </a:endParaRPr>
           </a:p>
           <a:p>
-            <a:pPr marL="285840" indent="-268200">
+            <a:pPr marL="285840" indent="-267840">
               <a:lnSpc>
                 <a:spcPct val="150000"/>
               </a:lnSpc>
@@ -5328,7 +5328,7 @@
         <p:spPr>
           <a:xfrm>
             <a:off x="246600" y="2206440"/>
-            <a:ext cx="11696760" cy="699480"/>
+            <a:ext cx="11696400" cy="699480"/>
           </a:xfrm>
           <a:prstGeom prst="rect">
             <a:avLst/>
@@ -5429,7 +5429,7 @@
         <p:spPr>
           <a:xfrm>
             <a:off x="1676520" y="2362320"/>
-            <a:ext cx="8821440" cy="1735560"/>
+            <a:ext cx="8821080" cy="1735560"/>
           </a:xfrm>
           <a:prstGeom prst="rect">
             <a:avLst/>
@@ -5480,7 +5480,7 @@
         <p:spPr>
           <a:xfrm>
             <a:off x="522360" y="4323600"/>
-            <a:ext cx="11058480" cy="363960"/>
+            <a:ext cx="11058120" cy="363960"/>
           </a:xfrm>
           <a:prstGeom prst="rect">
             <a:avLst/>
@@ -5561,7 +5561,7 @@
         <p:spPr>
           <a:xfrm>
             <a:off x="248400" y="0"/>
-            <a:ext cx="11694960" cy="699120"/>
+            <a:ext cx="11694600" cy="699120"/>
           </a:xfrm>
           <a:prstGeom prst="rect">
             <a:avLst/>
@@ -5616,7 +5616,7 @@
         <p:spPr>
           <a:xfrm>
             <a:off x="248400" y="762120"/>
-            <a:ext cx="11694960" cy="2009880"/>
+            <a:ext cx="11694600" cy="2009880"/>
           </a:xfrm>
           <a:prstGeom prst="rect">
             <a:avLst/>
@@ -5757,7 +5757,7 @@
         <p:spPr>
           <a:xfrm>
             <a:off x="1523880" y="4344480"/>
-            <a:ext cx="8872200" cy="2147040"/>
+            <a:ext cx="8871840" cy="2147040"/>
           </a:xfrm>
           <a:prstGeom prst="rect">
             <a:avLst/>
@@ -5778,7 +5778,7 @@
             <a:spAutoFit/>
           </a:bodyPr>
           <a:p>
-            <a:pPr marL="285840" indent="-268200">
+            <a:pPr marL="285840" indent="-267840">
               <a:lnSpc>
                 <a:spcPct val="150000"/>
               </a:lnSpc>
@@ -5823,7 +5823,7 @@
             </a:endParaRPr>
           </a:p>
           <a:p>
-            <a:pPr marL="285840" indent="-268200">
+            <a:pPr marL="285840" indent="-267840">
               <a:lnSpc>
                 <a:spcPct val="150000"/>
               </a:lnSpc>
@@ -5868,7 +5868,7 @@
             </a:endParaRPr>
           </a:p>
           <a:p>
-            <a:pPr marL="285840" indent="-268200">
+            <a:pPr marL="285840" indent="-267840">
               <a:lnSpc>
                 <a:spcPct val="150000"/>
               </a:lnSpc>
@@ -5913,7 +5913,7 @@
             </a:endParaRPr>
           </a:p>
           <a:p>
-            <a:pPr marL="285840" indent="-268200">
+            <a:pPr marL="285840" indent="-267840">
               <a:lnSpc>
                 <a:spcPct val="150000"/>
               </a:lnSpc>
@@ -5958,7 +5958,7 @@
             </a:endParaRPr>
           </a:p>
           <a:p>
-            <a:pPr marL="285840" indent="-268200">
+            <a:pPr marL="285840" indent="-267840">
               <a:lnSpc>
                 <a:spcPct val="150000"/>
               </a:lnSpc>
@@ -6048,7 +6048,7 @@
         <p:spPr>
           <a:xfrm>
             <a:off x="246600" y="2845080"/>
-            <a:ext cx="11696760" cy="1309320"/>
+            <a:ext cx="11696400" cy="1309320"/>
           </a:xfrm>
           <a:prstGeom prst="rect">
             <a:avLst/>
@@ -6189,7 +6189,7 @@
         <p:spPr>
           <a:xfrm>
             <a:off x="1676520" y="2362320"/>
-            <a:ext cx="8821440" cy="912600"/>
+            <a:ext cx="8821080" cy="912600"/>
           </a:xfrm>
           <a:prstGeom prst="rect">
             <a:avLst/>
@@ -6240,7 +6240,7 @@
         <p:spPr>
           <a:xfrm>
             <a:off x="522360" y="3531600"/>
-            <a:ext cx="11058480" cy="363960"/>
+            <a:ext cx="11058120" cy="363960"/>
           </a:xfrm>
           <a:prstGeom prst="rect">
             <a:avLst/>
@@ -6321,7 +6321,7 @@
         <p:spPr>
           <a:xfrm>
             <a:off x="248400" y="0"/>
-            <a:ext cx="11694960" cy="699120"/>
+            <a:ext cx="11694600" cy="699120"/>
           </a:xfrm>
           <a:prstGeom prst="rect">
             <a:avLst/>
@@ -6376,7 +6376,7 @@
         <p:spPr>
           <a:xfrm>
             <a:off x="248400" y="762120"/>
-            <a:ext cx="11694960" cy="912600"/>
+            <a:ext cx="11694600" cy="912600"/>
           </a:xfrm>
           <a:prstGeom prst="rect">
             <a:avLst/>
@@ -6477,7 +6477,7 @@
         <p:spPr>
           <a:xfrm>
             <a:off x="1600200" y="2685600"/>
-            <a:ext cx="8872200" cy="1735560"/>
+            <a:ext cx="8871840" cy="1735560"/>
           </a:xfrm>
           <a:prstGeom prst="rect">
             <a:avLst/>
@@ -6498,7 +6498,7 @@
             <a:spAutoFit/>
           </a:bodyPr>
           <a:p>
-            <a:pPr marL="285840" indent="-268200">
+            <a:pPr marL="285840" indent="-267840">
               <a:lnSpc>
                 <a:spcPct val="150000"/>
               </a:lnSpc>
@@ -6543,7 +6543,7 @@
             </a:endParaRPr>
           </a:p>
           <a:p>
-            <a:pPr marL="285840" indent="-268200">
+            <a:pPr marL="285840" indent="-267840">
               <a:lnSpc>
                 <a:spcPct val="150000"/>
               </a:lnSpc>
@@ -6588,7 +6588,7 @@
             </a:endParaRPr>
           </a:p>
           <a:p>
-            <a:pPr marL="285840" indent="-268200">
+            <a:pPr marL="285840" indent="-267840">
               <a:lnSpc>
                 <a:spcPct val="150000"/>
               </a:lnSpc>
@@ -6633,7 +6633,7 @@
             </a:endParaRPr>
           </a:p>
           <a:p>
-            <a:pPr marL="285840" indent="-268200">
+            <a:pPr marL="285840" indent="-267840">
               <a:lnSpc>
                 <a:spcPct val="150000"/>
               </a:lnSpc>
@@ -6688,7 +6688,7 @@
         <p:spPr>
           <a:xfrm>
             <a:off x="1656000" y="4533480"/>
-            <a:ext cx="8982720" cy="1352880"/>
+            <a:ext cx="8982360" cy="1352520"/>
           </a:xfrm>
           <a:prstGeom prst="rect">
             <a:avLst/>
@@ -6709,7 +6709,7 @@
             <a:noAutofit/>
           </a:bodyPr>
           <a:p>
-            <a:pPr marL="216000" indent="-201600">
+            <a:pPr marL="216000" indent="-201240">
               <a:lnSpc>
                 <a:spcPct val="150000"/>
               </a:lnSpc>
@@ -6744,7 +6744,7 @@
             </a:endParaRPr>
           </a:p>
           <a:p>
-            <a:pPr marL="216000" indent="-201600">
+            <a:pPr marL="216000" indent="-201240">
               <a:lnSpc>
                 <a:spcPct val="150000"/>
               </a:lnSpc>
@@ -6779,7 +6779,7 @@
             </a:endParaRPr>
           </a:p>
           <a:p>
-            <a:pPr marL="216000" indent="-201600">
+            <a:pPr marL="216000" indent="-201240">
               <a:lnSpc>
                 <a:spcPct val="150000"/>
               </a:lnSpc>
@@ -6814,7 +6814,7 @@
             </a:endParaRPr>
           </a:p>
           <a:p>
-            <a:pPr marL="216000" indent="-201600">
+            <a:pPr marL="216000" indent="-201240">
               <a:lnSpc>
                 <a:spcPct val="150000"/>
               </a:lnSpc>
@@ -6849,7 +6849,7 @@
             </a:endParaRPr>
           </a:p>
           <a:p>
-            <a:pPr marL="216000" indent="-201600">
+            <a:pPr marL="216000" indent="-201240">
               <a:lnSpc>
                 <a:spcPct val="150000"/>
               </a:lnSpc>
@@ -6929,7 +6929,7 @@
         <p:spPr>
           <a:xfrm>
             <a:off x="246600" y="1742040"/>
-            <a:ext cx="11696760" cy="699480"/>
+            <a:ext cx="11696400" cy="699480"/>
           </a:xfrm>
           <a:prstGeom prst="rect">
             <a:avLst/>
@@ -7030,7 +7030,7 @@
         <p:spPr>
           <a:xfrm>
             <a:off x="1676520" y="2362320"/>
-            <a:ext cx="8821440" cy="912600"/>
+            <a:ext cx="8821080" cy="912600"/>
           </a:xfrm>
           <a:prstGeom prst="rect">
             <a:avLst/>
@@ -7081,7 +7081,7 @@
         <p:spPr>
           <a:xfrm>
             <a:off x="522360" y="3531600"/>
-            <a:ext cx="11058480" cy="363960"/>
+            <a:ext cx="11058120" cy="363960"/>
           </a:xfrm>
           <a:prstGeom prst="rect">
             <a:avLst/>
@@ -7162,7 +7162,7 @@
         <p:spPr>
           <a:xfrm>
             <a:off x="248400" y="0"/>
-            <a:ext cx="11694960" cy="699120"/>
+            <a:ext cx="11694600" cy="699120"/>
           </a:xfrm>
           <a:prstGeom prst="rect">
             <a:avLst/>
@@ -7217,7 +7217,7 @@
         <p:spPr>
           <a:xfrm>
             <a:off x="248400" y="762120"/>
-            <a:ext cx="11694960" cy="668880"/>
+            <a:ext cx="11694600" cy="668880"/>
           </a:xfrm>
           <a:prstGeom prst="rect">
             <a:avLst/>
@@ -7308,7 +7308,7 @@
         <p:spPr>
           <a:xfrm>
             <a:off x="1600200" y="3909600"/>
-            <a:ext cx="8872200" cy="1324080"/>
+            <a:ext cx="8871840" cy="1324080"/>
           </a:xfrm>
           <a:prstGeom prst="rect">
             <a:avLst/>
@@ -7329,7 +7329,7 @@
             <a:spAutoFit/>
           </a:bodyPr>
           <a:p>
-            <a:pPr marL="285840" indent="-268200">
+            <a:pPr marL="285840" indent="-267840">
               <a:lnSpc>
                 <a:spcPct val="150000"/>
               </a:lnSpc>
@@ -7374,7 +7374,7 @@
             </a:endParaRPr>
           </a:p>
           <a:p>
-            <a:pPr marL="285840" indent="-268200">
+            <a:pPr marL="285840" indent="-267840">
               <a:lnSpc>
                 <a:spcPct val="150000"/>
               </a:lnSpc>
@@ -7419,7 +7419,7 @@
             </a:endParaRPr>
           </a:p>
           <a:p>
-            <a:pPr marL="285840" indent="-268200">
+            <a:pPr marL="285840" indent="-267840">
               <a:lnSpc>
                 <a:spcPct val="150000"/>
               </a:lnSpc>
@@ -7474,7 +7474,7 @@
         <p:spPr>
           <a:xfrm>
             <a:off x="1584000" y="5246640"/>
-            <a:ext cx="8838720" cy="999360"/>
+            <a:ext cx="8838360" cy="999000"/>
           </a:xfrm>
           <a:prstGeom prst="rect">
             <a:avLst/>
@@ -7525,7 +7525,7 @@
             </a:endParaRPr>
           </a:p>
           <a:p>
-            <a:pPr marL="216000" indent="-198720">
+            <a:pPr marL="216000" indent="-198360">
               <a:lnSpc>
                 <a:spcPct val="100000"/>
               </a:lnSpc>
@@ -7551,7 +7551,7 @@
             </a:endParaRPr>
           </a:p>
           <a:p>
-            <a:pPr marL="216000" indent="-198720">
+            <a:pPr marL="216000" indent="-198360">
               <a:lnSpc>
                 <a:spcPct val="100000"/>
               </a:lnSpc>
@@ -7587,7 +7587,7 @@
         <p:spPr>
           <a:xfrm>
             <a:off x="1576080" y="3161880"/>
-            <a:ext cx="9566640" cy="636840"/>
+            <a:ext cx="9566280" cy="636480"/>
           </a:xfrm>
           <a:prstGeom prst="rect">
             <a:avLst/>
@@ -7703,7 +7703,7 @@
         <p:spPr>
           <a:xfrm>
             <a:off x="246600" y="1742040"/>
-            <a:ext cx="11696760" cy="699480"/>
+            <a:ext cx="11696400" cy="699480"/>
           </a:xfrm>
           <a:prstGeom prst="rect">
             <a:avLst/>
@@ -7804,7 +7804,7 @@
         <p:spPr>
           <a:xfrm>
             <a:off x="1676520" y="2362320"/>
-            <a:ext cx="8821440" cy="912600"/>
+            <a:ext cx="8821080" cy="912600"/>
           </a:xfrm>
           <a:prstGeom prst="rect">
             <a:avLst/>
@@ -7855,7 +7855,7 @@
         <p:spPr>
           <a:xfrm>
             <a:off x="522360" y="3531600"/>
-            <a:ext cx="11058480" cy="363960"/>
+            <a:ext cx="11058120" cy="363960"/>
           </a:xfrm>
           <a:prstGeom prst="rect">
             <a:avLst/>
@@ -7936,7 +7936,7 @@
         <p:spPr>
           <a:xfrm>
             <a:off x="1676520" y="2362320"/>
-            <a:ext cx="8821440" cy="912600"/>
+            <a:ext cx="8821080" cy="912600"/>
           </a:xfrm>
           <a:prstGeom prst="rect">
             <a:avLst/>
@@ -7987,7 +7987,7 @@
         <p:spPr>
           <a:xfrm>
             <a:off x="522360" y="3531600"/>
-            <a:ext cx="11130480" cy="1186920"/>
+            <a:ext cx="11130120" cy="1186920"/>
           </a:xfrm>
           <a:prstGeom prst="rect">
             <a:avLst/>
@@ -8038,7 +8038,7 @@
         <p:spPr>
           <a:xfrm>
             <a:off x="1666800" y="609480"/>
-            <a:ext cx="8821440" cy="394560"/>
+            <a:ext cx="8821080" cy="394560"/>
           </a:xfrm>
           <a:prstGeom prst="rect">
             <a:avLst/>
@@ -8119,7 +8119,7 @@
         <p:spPr>
           <a:xfrm>
             <a:off x="248400" y="0"/>
-            <a:ext cx="11694960" cy="699120"/>
+            <a:ext cx="11694600" cy="699120"/>
           </a:xfrm>
           <a:prstGeom prst="rect">
             <a:avLst/>
@@ -8174,7 +8174,7 @@
         <p:spPr>
           <a:xfrm>
             <a:off x="248400" y="762120"/>
-            <a:ext cx="11694960" cy="1461240"/>
+            <a:ext cx="11694600" cy="1461240"/>
           </a:xfrm>
           <a:prstGeom prst="rect">
             <a:avLst/>
@@ -8275,7 +8275,7 @@
         <p:spPr>
           <a:xfrm>
             <a:off x="1600200" y="3585600"/>
-            <a:ext cx="8872200" cy="2558520"/>
+            <a:ext cx="8871840" cy="2558520"/>
           </a:xfrm>
           <a:prstGeom prst="rect">
             <a:avLst/>
@@ -8316,7 +8316,7 @@
             </a:endParaRPr>
           </a:p>
           <a:p>
-            <a:pPr marL="285840" indent="-268200">
+            <a:pPr marL="285840" indent="-267840">
               <a:lnSpc>
                 <a:spcPct val="150000"/>
               </a:lnSpc>
@@ -8361,7 +8361,7 @@
             </a:endParaRPr>
           </a:p>
           <a:p>
-            <a:pPr marL="285840" indent="-268200">
+            <a:pPr marL="285840" indent="-267840">
               <a:lnSpc>
                 <a:spcPct val="150000"/>
               </a:lnSpc>
@@ -8426,7 +8426,7 @@
             </a:endParaRPr>
           </a:p>
           <a:p>
-            <a:pPr marL="285840" indent="-268200">
+            <a:pPr marL="285840" indent="-267840">
               <a:lnSpc>
                 <a:spcPct val="150000"/>
               </a:lnSpc>
@@ -8471,7 +8471,7 @@
             </a:endParaRPr>
           </a:p>
           <a:p>
-            <a:pPr marL="285840" indent="-268200">
+            <a:pPr marL="285840" indent="-267840">
               <a:lnSpc>
                 <a:spcPct val="150000"/>
               </a:lnSpc>
@@ -8561,7 +8561,7 @@
         <p:spPr>
           <a:xfrm>
             <a:off x="246600" y="2322360"/>
-            <a:ext cx="11696760" cy="699480"/>
+            <a:ext cx="11696400" cy="699480"/>
           </a:xfrm>
           <a:prstGeom prst="rect">
             <a:avLst/>
@@ -8662,7 +8662,7 @@
         <p:spPr>
           <a:xfrm>
             <a:off x="1676520" y="2362320"/>
-            <a:ext cx="8821440" cy="1735560"/>
+            <a:ext cx="8821080" cy="1735560"/>
           </a:xfrm>
           <a:prstGeom prst="rect">
             <a:avLst/>
@@ -8713,7 +8713,7 @@
         <p:spPr>
           <a:xfrm>
             <a:off x="522360" y="3531600"/>
-            <a:ext cx="11058480" cy="363960"/>
+            <a:ext cx="11058120" cy="363960"/>
           </a:xfrm>
           <a:prstGeom prst="rect">
             <a:avLst/>
@@ -8794,7 +8794,7 @@
         <p:spPr>
           <a:xfrm>
             <a:off x="248400" y="0"/>
-            <a:ext cx="11694960" cy="699120"/>
+            <a:ext cx="11694600" cy="699120"/>
           </a:xfrm>
           <a:prstGeom prst="rect">
             <a:avLst/>
@@ -8849,7 +8849,7 @@
         <p:spPr>
           <a:xfrm>
             <a:off x="248400" y="762120"/>
-            <a:ext cx="11617560" cy="2284200"/>
+            <a:ext cx="11617200" cy="2284200"/>
           </a:xfrm>
           <a:prstGeom prst="rect">
             <a:avLst/>
@@ -8990,7 +8990,7 @@
         <p:spPr>
           <a:xfrm>
             <a:off x="864000" y="4197600"/>
-            <a:ext cx="11001960" cy="1324080"/>
+            <a:ext cx="11001600" cy="1324080"/>
           </a:xfrm>
           <a:prstGeom prst="rect">
             <a:avLst/>
@@ -9011,7 +9011,7 @@
             <a:spAutoFit/>
           </a:bodyPr>
           <a:p>
-            <a:pPr marL="285840" indent="-268200">
+            <a:pPr marL="285840" indent="-267840">
               <a:lnSpc>
                 <a:spcPct val="150000"/>
               </a:lnSpc>
@@ -9056,7 +9056,7 @@
             </a:endParaRPr>
           </a:p>
           <a:p>
-            <a:pPr marL="285840" indent="-268200">
+            <a:pPr marL="285840" indent="-267840">
               <a:lnSpc>
                 <a:spcPct val="150000"/>
               </a:lnSpc>
@@ -9101,7 +9101,7 @@
             </a:endParaRPr>
           </a:p>
           <a:p>
-            <a:pPr marL="285840" indent="-268200">
+            <a:pPr marL="285840" indent="-267840">
               <a:lnSpc>
                 <a:spcPct val="150000"/>
               </a:lnSpc>
@@ -9156,7 +9156,7 @@
         <p:spPr>
           <a:xfrm>
             <a:off x="1584000" y="5610240"/>
-            <a:ext cx="8838720" cy="999360"/>
+            <a:ext cx="8838360" cy="999000"/>
           </a:xfrm>
           <a:prstGeom prst="rect">
             <a:avLst/>
@@ -9207,7 +9207,7 @@
             </a:endParaRPr>
           </a:p>
           <a:p>
-            <a:pPr marL="285840" indent="-271080">
+            <a:pPr marL="285840" indent="-270720">
               <a:lnSpc>
                 <a:spcPct val="100000"/>
               </a:lnSpc>
@@ -9242,7 +9242,7 @@
             </a:endParaRPr>
           </a:p>
           <a:p>
-            <a:pPr marL="285840" indent="-271080">
+            <a:pPr marL="285840" indent="-270720">
               <a:lnSpc>
                 <a:spcPct val="100000"/>
               </a:lnSpc>
@@ -9322,7 +9322,7 @@
         <p:spPr>
           <a:xfrm>
             <a:off x="246600" y="3120840"/>
-            <a:ext cx="11696760" cy="1004400"/>
+            <a:ext cx="11696400" cy="1004400"/>
           </a:xfrm>
           <a:prstGeom prst="rect">
             <a:avLst/>
@@ -9443,7 +9443,7 @@
         <p:spPr>
           <a:xfrm>
             <a:off x="1676520" y="2362320"/>
-            <a:ext cx="8821440" cy="1735560"/>
+            <a:ext cx="8821080" cy="1735560"/>
           </a:xfrm>
           <a:prstGeom prst="rect">
             <a:avLst/>
@@ -9494,7 +9494,7 @@
         <p:spPr>
           <a:xfrm>
             <a:off x="522360" y="3531600"/>
-            <a:ext cx="11058480" cy="363960"/>
+            <a:ext cx="11058120" cy="363960"/>
           </a:xfrm>
           <a:prstGeom prst="rect">
             <a:avLst/>
@@ -10454,7 +10454,7 @@
                       <a:noAutofit/>
                     </a:bodyPr>
                     <a:p>
-                      <a:pPr marL="216000" indent="-212040" algn="ctr">
+                      <a:pPr marL="216000" indent="-211680" algn="ctr">
                         <a:lnSpc>
                           <a:spcPct val="100000"/>
                         </a:lnSpc>
@@ -10767,7 +10767,7 @@
         <p:spPr>
           <a:xfrm>
             <a:off x="248400" y="0"/>
-            <a:ext cx="11694960" cy="699120"/>
+            <a:ext cx="11694600" cy="699120"/>
           </a:xfrm>
           <a:prstGeom prst="rect">
             <a:avLst/>
@@ -10822,7 +10822,7 @@
         <p:spPr>
           <a:xfrm>
             <a:off x="248400" y="762120"/>
-            <a:ext cx="11694960" cy="2284200"/>
+            <a:ext cx="11694600" cy="2284200"/>
           </a:xfrm>
           <a:prstGeom prst="rect">
             <a:avLst/>
@@ -10963,7 +10963,7 @@
         <p:spPr>
           <a:xfrm>
             <a:off x="1600200" y="4593600"/>
-            <a:ext cx="8872200" cy="912600"/>
+            <a:ext cx="8871840" cy="912600"/>
           </a:xfrm>
           <a:prstGeom prst="rect">
             <a:avLst/>
@@ -10984,7 +10984,7 @@
             <a:spAutoFit/>
           </a:bodyPr>
           <a:p>
-            <a:pPr marL="285840" indent="-268200">
+            <a:pPr marL="285840" indent="-267840">
               <a:lnSpc>
                 <a:spcPct val="150000"/>
               </a:lnSpc>
@@ -11029,7 +11029,7 @@
             </a:endParaRPr>
           </a:p>
           <a:p>
-            <a:pPr marL="285840" indent="-268200">
+            <a:pPr marL="285840" indent="-267840">
               <a:lnSpc>
                 <a:spcPct val="150000"/>
               </a:lnSpc>
@@ -11084,7 +11084,7 @@
         <p:spPr>
           <a:xfrm>
             <a:off x="1584000" y="5790240"/>
-            <a:ext cx="8838720" cy="63720"/>
+            <a:ext cx="8838360" cy="63360"/>
           </a:xfrm>
           <a:prstGeom prst="rect">
             <a:avLst/>
@@ -11135,7 +11135,7 @@
             </a:endParaRPr>
           </a:p>
           <a:p>
-            <a:pPr marL="285840" indent="-271080">
+            <a:pPr marL="285840" indent="-270720">
               <a:lnSpc>
                 <a:spcPct val="100000"/>
               </a:lnSpc>
@@ -11205,7 +11205,7 @@
         <p:spPr>
           <a:xfrm>
             <a:off x="246600" y="3048120"/>
-            <a:ext cx="11696760" cy="1004400"/>
+            <a:ext cx="11696400" cy="1004400"/>
           </a:xfrm>
           <a:prstGeom prst="rect">
             <a:avLst/>
@@ -11326,7 +11326,7 @@
         <p:spPr>
           <a:xfrm>
             <a:off x="1676520" y="2362320"/>
-            <a:ext cx="8821440" cy="912600"/>
+            <a:ext cx="8821080" cy="912600"/>
           </a:xfrm>
           <a:prstGeom prst="rect">
             <a:avLst/>
@@ -11377,7 +11377,7 @@
         <p:spPr>
           <a:xfrm>
             <a:off x="522360" y="3531600"/>
-            <a:ext cx="11058480" cy="363960"/>
+            <a:ext cx="11058120" cy="363960"/>
           </a:xfrm>
           <a:prstGeom prst="rect">
             <a:avLst/>
@@ -12132,7 +12132,7 @@
         <p:spPr>
           <a:xfrm>
             <a:off x="248400" y="0"/>
-            <a:ext cx="11694960" cy="699120"/>
+            <a:ext cx="11694600" cy="699120"/>
           </a:xfrm>
           <a:prstGeom prst="rect">
             <a:avLst/>
@@ -12187,7 +12187,7 @@
         <p:spPr>
           <a:xfrm>
             <a:off x="248400" y="762120"/>
-            <a:ext cx="11694960" cy="1461240"/>
+            <a:ext cx="11694600" cy="1461240"/>
           </a:xfrm>
           <a:prstGeom prst="rect">
             <a:avLst/>
@@ -12288,7 +12288,7 @@
         <p:spPr>
           <a:xfrm>
             <a:off x="1600200" y="3621600"/>
-            <a:ext cx="8872200" cy="912600"/>
+            <a:ext cx="8871840" cy="912600"/>
           </a:xfrm>
           <a:prstGeom prst="rect">
             <a:avLst/>
@@ -12309,7 +12309,7 @@
             <a:spAutoFit/>
           </a:bodyPr>
           <a:p>
-            <a:pPr marL="285840" indent="-268200">
+            <a:pPr marL="285840" indent="-267840">
               <a:lnSpc>
                 <a:spcPct val="150000"/>
               </a:lnSpc>
@@ -12354,7 +12354,7 @@
             </a:endParaRPr>
           </a:p>
           <a:p>
-            <a:pPr marL="285840" indent="-268200">
+            <a:pPr marL="285840" indent="-267840">
               <a:lnSpc>
                 <a:spcPct val="150000"/>
               </a:lnSpc>
@@ -12409,7 +12409,7 @@
         <p:spPr>
           <a:xfrm>
             <a:off x="1584000" y="5106240"/>
-            <a:ext cx="8838720" cy="63720"/>
+            <a:ext cx="8838360" cy="63360"/>
           </a:xfrm>
           <a:prstGeom prst="rect">
             <a:avLst/>
@@ -12460,7 +12460,7 @@
             </a:endParaRPr>
           </a:p>
           <a:p>
-            <a:pPr marL="285840" indent="-271080">
+            <a:pPr marL="285840" indent="-270720">
               <a:lnSpc>
                 <a:spcPct val="100000"/>
               </a:lnSpc>
@@ -12530,7 +12530,7 @@
         <p:spPr>
           <a:xfrm>
             <a:off x="246600" y="2395080"/>
-            <a:ext cx="11696760" cy="699480"/>
+            <a:ext cx="11696400" cy="699480"/>
           </a:xfrm>
           <a:prstGeom prst="rect">
             <a:avLst/>
@@ -12631,7 +12631,7 @@
         <p:spPr>
           <a:xfrm>
             <a:off x="1676520" y="2362320"/>
-            <a:ext cx="8821440" cy="912600"/>
+            <a:ext cx="8821080" cy="912600"/>
           </a:xfrm>
           <a:prstGeom prst="rect">
             <a:avLst/>
@@ -12682,7 +12682,7 @@
         <p:spPr>
           <a:xfrm>
             <a:off x="522360" y="3531600"/>
-            <a:ext cx="11058480" cy="363960"/>
+            <a:ext cx="11058120" cy="363960"/>
           </a:xfrm>
           <a:prstGeom prst="rect">
             <a:avLst/>
@@ -12763,7 +12763,7 @@
         <p:spPr>
           <a:xfrm>
             <a:off x="248400" y="0"/>
-            <a:ext cx="11694960" cy="699120"/>
+            <a:ext cx="11694600" cy="699120"/>
           </a:xfrm>
           <a:prstGeom prst="rect">
             <a:avLst/>
@@ -12818,7 +12818,7 @@
         <p:spPr>
           <a:xfrm>
             <a:off x="248400" y="762120"/>
-            <a:ext cx="11694960" cy="1186920"/>
+            <a:ext cx="11694600" cy="1186920"/>
           </a:xfrm>
           <a:prstGeom prst="rect">
             <a:avLst/>
@@ -12919,7 +12919,7 @@
         <p:spPr>
           <a:xfrm>
             <a:off x="1600200" y="3621600"/>
-            <a:ext cx="8872200" cy="912600"/>
+            <a:ext cx="8871840" cy="912600"/>
           </a:xfrm>
           <a:prstGeom prst="rect">
             <a:avLst/>
@@ -12940,7 +12940,7 @@
             <a:spAutoFit/>
           </a:bodyPr>
           <a:p>
-            <a:pPr marL="285840" indent="-268200">
+            <a:pPr marL="285840" indent="-267840">
               <a:lnSpc>
                 <a:spcPct val="150000"/>
               </a:lnSpc>
@@ -12985,7 +12985,7 @@
             </a:endParaRPr>
           </a:p>
           <a:p>
-            <a:pPr marL="285840" indent="-268200">
+            <a:pPr marL="285840" indent="-267840">
               <a:lnSpc>
                 <a:spcPct val="150000"/>
               </a:lnSpc>
@@ -13075,7 +13075,7 @@
         <p:spPr>
           <a:xfrm>
             <a:off x="246600" y="2148480"/>
-            <a:ext cx="11696760" cy="699480"/>
+            <a:ext cx="11696400" cy="699480"/>
           </a:xfrm>
           <a:prstGeom prst="rect">
             <a:avLst/>
@@ -13176,7 +13176,7 @@
         <p:spPr>
           <a:xfrm>
             <a:off x="1676520" y="2362320"/>
-            <a:ext cx="8821440" cy="1735560"/>
+            <a:ext cx="8821080" cy="1735560"/>
           </a:xfrm>
           <a:prstGeom prst="rect">
             <a:avLst/>
@@ -13227,7 +13227,7 @@
         <p:spPr>
           <a:xfrm>
             <a:off x="522360" y="4467600"/>
-            <a:ext cx="11058480" cy="363960"/>
+            <a:ext cx="11058120" cy="363960"/>
           </a:xfrm>
           <a:prstGeom prst="rect">
             <a:avLst/>
@@ -13308,7 +13308,7 @@
         <p:spPr>
           <a:xfrm>
             <a:off x="246600" y="2563200"/>
-            <a:ext cx="11700000" cy="851400"/>
+            <a:ext cx="11699640" cy="851400"/>
           </a:xfrm>
           <a:prstGeom prst="rect">
             <a:avLst/>
@@ -13329,7 +13329,7 @@
             <a:spAutoFit/>
           </a:bodyPr>
           <a:p>
-            <a:pPr marL="343080" indent="-325440">
+            <a:pPr marL="343080" indent="-325080">
               <a:lnSpc>
                 <a:spcPct val="100000"/>
               </a:lnSpc>
@@ -13384,7 +13384,7 @@
             </a:endParaRPr>
           </a:p>
           <a:p>
-            <a:pPr marL="343080" indent="-325440">
+            <a:pPr marL="343080" indent="-325080">
               <a:lnSpc>
                 <a:spcPct val="100000"/>
               </a:lnSpc>
@@ -13459,7 +13459,7 @@
         <p:spPr>
           <a:xfrm>
             <a:off x="246600" y="1742040"/>
-            <a:ext cx="11700000" cy="394560"/>
+            <a:ext cx="11699640" cy="394560"/>
           </a:xfrm>
           <a:prstGeom prst="rect">
             <a:avLst/>
@@ -13520,7 +13520,7 @@
         <p:spPr>
           <a:xfrm>
             <a:off x="246600" y="762120"/>
-            <a:ext cx="11700000" cy="363960"/>
+            <a:ext cx="11699640" cy="363960"/>
           </a:xfrm>
           <a:prstGeom prst="rect">
             <a:avLst/>
@@ -13581,7 +13581,7 @@
         <p:spPr>
           <a:xfrm>
             <a:off x="246600" y="4239720"/>
-            <a:ext cx="11700000" cy="1994040"/>
+            <a:ext cx="11699640" cy="1994040"/>
           </a:xfrm>
           <a:prstGeom prst="rect">
             <a:avLst/>
@@ -13642,7 +13642,7 @@
             </a:endParaRPr>
           </a:p>
           <a:p>
-            <a:pPr marL="285840" indent="-268200">
+            <a:pPr marL="285840" indent="-267840">
               <a:lnSpc>
                 <a:spcPct val="100000"/>
               </a:lnSpc>
@@ -13687,7 +13687,7 @@
             </a:endParaRPr>
           </a:p>
           <a:p>
-            <a:pPr marL="285840" indent="-268200">
+            <a:pPr marL="285840" indent="-267840">
               <a:lnSpc>
                 <a:spcPct val="100000"/>
               </a:lnSpc>
@@ -13732,7 +13732,7 @@
             </a:endParaRPr>
           </a:p>
           <a:p>
-            <a:pPr marL="285840" indent="-268200">
+            <a:pPr marL="285840" indent="-267840">
               <a:lnSpc>
                 <a:spcPct val="150000"/>
               </a:lnSpc>
@@ -13797,7 +13797,7 @@
         <p:spPr>
           <a:xfrm>
             <a:off x="246600" y="3678480"/>
-            <a:ext cx="8694720" cy="338760"/>
+            <a:ext cx="8694360" cy="338400"/>
           </a:xfrm>
           <a:prstGeom prst="rect">
             <a:avLst/>
@@ -13868,7 +13868,7 @@
         <p:spPr>
           <a:xfrm>
             <a:off x="246600" y="0"/>
-            <a:ext cx="11700000" cy="699120"/>
+            <a:ext cx="11699640" cy="699120"/>
           </a:xfrm>
           <a:prstGeom prst="rect">
             <a:avLst/>
@@ -13923,7 +13923,7 @@
         <p:spPr>
           <a:xfrm>
             <a:off x="246600" y="6212880"/>
-            <a:ext cx="11233440" cy="482760"/>
+            <a:ext cx="11233080" cy="482400"/>
           </a:xfrm>
           <a:prstGeom prst="rect">
             <a:avLst/>
@@ -14004,7 +14004,7 @@
         <p:spPr>
           <a:xfrm>
             <a:off x="6357240" y="5906160"/>
-            <a:ext cx="6242400" cy="374760"/>
+            <a:ext cx="6242040" cy="374400"/>
           </a:xfrm>
           <a:prstGeom prst="rect">
             <a:avLst/>
@@ -14140,7 +14140,7 @@
         <p:spPr>
           <a:xfrm>
             <a:off x="248400" y="0"/>
-            <a:ext cx="11694960" cy="699120"/>
+            <a:ext cx="11694600" cy="699120"/>
           </a:xfrm>
           <a:prstGeom prst="rect">
             <a:avLst/>
@@ -14195,7 +14195,7 @@
         <p:spPr>
           <a:xfrm>
             <a:off x="248400" y="762120"/>
-            <a:ext cx="11694960" cy="2284200"/>
+            <a:ext cx="11694600" cy="2284200"/>
           </a:xfrm>
           <a:prstGeom prst="rect">
             <a:avLst/>
@@ -14456,7 +14456,7 @@
         <p:spPr>
           <a:xfrm>
             <a:off x="1600200" y="4989600"/>
-            <a:ext cx="8872200" cy="1735560"/>
+            <a:ext cx="8871840" cy="1735560"/>
           </a:xfrm>
           <a:prstGeom prst="rect">
             <a:avLst/>
@@ -14477,7 +14477,7 @@
             <a:spAutoFit/>
           </a:bodyPr>
           <a:p>
-            <a:pPr marL="285840" indent="-268200">
+            <a:pPr marL="285840" indent="-267840">
               <a:lnSpc>
                 <a:spcPct val="150000"/>
               </a:lnSpc>
@@ -14522,7 +14522,7 @@
             </a:endParaRPr>
           </a:p>
           <a:p>
-            <a:pPr marL="285840" indent="-268200">
+            <a:pPr marL="285840" indent="-267840">
               <a:lnSpc>
                 <a:spcPct val="150000"/>
               </a:lnSpc>
@@ -14567,7 +14567,7 @@
             </a:endParaRPr>
           </a:p>
           <a:p>
-            <a:pPr marL="285840" indent="-268200">
+            <a:pPr marL="285840" indent="-267840">
               <a:lnSpc>
                 <a:spcPct val="150000"/>
               </a:lnSpc>
@@ -14632,7 +14632,7 @@
             </a:endParaRPr>
           </a:p>
           <a:p>
-            <a:pPr marL="285840" indent="-268200">
+            <a:pPr marL="285840" indent="-267840">
               <a:lnSpc>
                 <a:spcPct val="150000"/>
               </a:lnSpc>
@@ -14722,7 +14722,7 @@
         <p:spPr>
           <a:xfrm>
             <a:off x="246600" y="2903040"/>
-            <a:ext cx="11696760" cy="1309320"/>
+            <a:ext cx="11696400" cy="1309320"/>
           </a:xfrm>
           <a:prstGeom prst="rect">
             <a:avLst/>
@@ -14863,7 +14863,7 @@
         <p:spPr>
           <a:xfrm>
             <a:off x="1676520" y="2362320"/>
-            <a:ext cx="8821440" cy="1735560"/>
+            <a:ext cx="8821080" cy="1735560"/>
           </a:xfrm>
           <a:prstGeom prst="rect">
             <a:avLst/>
@@ -14914,7 +14914,7 @@
         <p:spPr>
           <a:xfrm>
             <a:off x="522360" y="4251600"/>
-            <a:ext cx="11058480" cy="363960"/>
+            <a:ext cx="11058120" cy="363960"/>
           </a:xfrm>
           <a:prstGeom prst="rect">
             <a:avLst/>
@@ -15200,7 +15200,7 @@
                       <a:noAutofit/>
                     </a:bodyPr>
                     <a:p>
-                      <a:pPr marL="216000" indent="-212040" algn="ctr">
+                      <a:pPr marL="216000" indent="-211680" algn="ctr">
                         <a:lnSpc>
                           <a:spcPct val="100000"/>
                         </a:lnSpc>
@@ -15513,7 +15513,7 @@
         <p:spPr>
           <a:xfrm>
             <a:off x="248400" y="0"/>
-            <a:ext cx="11694960" cy="699120"/>
+            <a:ext cx="11694600" cy="699120"/>
           </a:xfrm>
           <a:prstGeom prst="rect">
             <a:avLst/>
@@ -15568,7 +15568,7 @@
         <p:spPr>
           <a:xfrm>
             <a:off x="248400" y="762120"/>
-            <a:ext cx="11694960" cy="1735560"/>
+            <a:ext cx="11694600" cy="1735560"/>
           </a:xfrm>
           <a:prstGeom prst="rect">
             <a:avLst/>
@@ -15709,7 +15709,7 @@
         <p:spPr>
           <a:xfrm>
             <a:off x="1600200" y="4557600"/>
-            <a:ext cx="8872200" cy="1324080"/>
+            <a:ext cx="8871840" cy="1324080"/>
           </a:xfrm>
           <a:prstGeom prst="rect">
             <a:avLst/>
@@ -15730,7 +15730,7 @@
             <a:spAutoFit/>
           </a:bodyPr>
           <a:p>
-            <a:pPr marL="285840" indent="-268200">
+            <a:pPr marL="285840" indent="-267840">
               <a:lnSpc>
                 <a:spcPct val="150000"/>
               </a:lnSpc>
@@ -15775,7 +15775,7 @@
             </a:endParaRPr>
           </a:p>
           <a:p>
-            <a:pPr marL="285840" indent="-268200">
+            <a:pPr marL="285840" indent="-267840">
               <a:lnSpc>
                 <a:spcPct val="150000"/>
               </a:lnSpc>
@@ -15820,7 +15820,7 @@
             </a:endParaRPr>
           </a:p>
           <a:p>
-            <a:pPr marL="285840" indent="-268200">
+            <a:pPr marL="285840" indent="-267840">
               <a:lnSpc>
                 <a:spcPct val="150000"/>
               </a:lnSpc>
@@ -15910,7 +15910,7 @@
         <p:spPr>
           <a:xfrm>
             <a:off x="246600" y="2496600"/>
-            <a:ext cx="11696760" cy="1004400"/>
+            <a:ext cx="11696400" cy="1004400"/>
           </a:xfrm>
           <a:prstGeom prst="rect">
             <a:avLst/>
@@ -16031,7 +16031,7 @@
         <p:spPr>
           <a:xfrm>
             <a:off x="1676520" y="2362320"/>
-            <a:ext cx="8821440" cy="912600"/>
+            <a:ext cx="8821080" cy="912600"/>
           </a:xfrm>
           <a:prstGeom prst="rect">
             <a:avLst/>
@@ -16082,7 +16082,7 @@
         <p:spPr>
           <a:xfrm>
             <a:off x="1666800" y="609480"/>
-            <a:ext cx="8821440" cy="394560"/>
+            <a:ext cx="8821080" cy="394560"/>
           </a:xfrm>
           <a:prstGeom prst="rect">
             <a:avLst/>
@@ -16133,7 +16133,7 @@
         <p:spPr>
           <a:xfrm>
             <a:off x="522360" y="3531600"/>
-            <a:ext cx="11058480" cy="1186920"/>
+            <a:ext cx="11058120" cy="1186920"/>
           </a:xfrm>
           <a:prstGeom prst="rect">
             <a:avLst/>
@@ -16234,7 +16234,7 @@
         <p:spPr>
           <a:xfrm>
             <a:off x="1676520" y="2362320"/>
-            <a:ext cx="8821440" cy="912600"/>
+            <a:ext cx="8821080" cy="912600"/>
           </a:xfrm>
           <a:prstGeom prst="rect">
             <a:avLst/>
@@ -16285,7 +16285,7 @@
         <p:spPr>
           <a:xfrm>
             <a:off x="522360" y="3531600"/>
-            <a:ext cx="11058480" cy="363960"/>
+            <a:ext cx="11058120" cy="363960"/>
           </a:xfrm>
           <a:prstGeom prst="rect">
             <a:avLst/>
@@ -16366,7 +16366,7 @@
         <p:spPr>
           <a:xfrm>
             <a:off x="248400" y="0"/>
-            <a:ext cx="11694960" cy="699120"/>
+            <a:ext cx="11694600" cy="699120"/>
           </a:xfrm>
           <a:prstGeom prst="rect">
             <a:avLst/>
@@ -16421,7 +16421,7 @@
         <p:spPr>
           <a:xfrm>
             <a:off x="248400" y="762120"/>
-            <a:ext cx="11694960" cy="1461240"/>
+            <a:ext cx="11694600" cy="1461240"/>
           </a:xfrm>
           <a:prstGeom prst="rect">
             <a:avLst/>
@@ -16522,7 +16522,7 @@
         <p:spPr>
           <a:xfrm>
             <a:off x="1600200" y="3585600"/>
-            <a:ext cx="8872200" cy="912600"/>
+            <a:ext cx="8871840" cy="912600"/>
           </a:xfrm>
           <a:prstGeom prst="rect">
             <a:avLst/>
@@ -16543,7 +16543,7 @@
             <a:spAutoFit/>
           </a:bodyPr>
           <a:p>
-            <a:pPr marL="285840" indent="-268200">
+            <a:pPr marL="285840" indent="-267840">
               <a:lnSpc>
                 <a:spcPct val="150000"/>
               </a:lnSpc>
@@ -16588,7 +16588,7 @@
             </a:endParaRPr>
           </a:p>
           <a:p>
-            <a:pPr marL="285840" indent="-268200">
+            <a:pPr marL="285840" indent="-267840">
               <a:lnSpc>
                 <a:spcPct val="150000"/>
               </a:lnSpc>
@@ -16643,7 +16643,7 @@
         <p:spPr>
           <a:xfrm>
             <a:off x="5256000" y="5472000"/>
-            <a:ext cx="5125320" cy="784080"/>
+            <a:ext cx="5124960" cy="783720"/>
           </a:xfrm>
           <a:prstGeom prst="rect">
             <a:avLst/>
@@ -16774,7 +16774,7 @@
         <p:spPr>
           <a:xfrm>
             <a:off x="10514160" y="2592000"/>
-            <a:ext cx="1497960" cy="4056480"/>
+            <a:ext cx="1497600" cy="4056120"/>
           </a:xfrm>
           <a:prstGeom prst="rect">
             <a:avLst/>
@@ -17130,7 +17130,7 @@
         <p:spPr>
           <a:xfrm>
             <a:off x="246600" y="2496600"/>
-            <a:ext cx="11696760" cy="699480"/>
+            <a:ext cx="11696400" cy="699480"/>
           </a:xfrm>
           <a:prstGeom prst="rect">
             <a:avLst/>
@@ -17231,7 +17231,7 @@
         <p:spPr>
           <a:xfrm>
             <a:off x="1676520" y="2362320"/>
-            <a:ext cx="8821440" cy="912600"/>
+            <a:ext cx="8821080" cy="912600"/>
           </a:xfrm>
           <a:prstGeom prst="rect">
             <a:avLst/>
@@ -17282,7 +17282,7 @@
         <p:spPr>
           <a:xfrm>
             <a:off x="522360" y="3531600"/>
-            <a:ext cx="11058480" cy="363960"/>
+            <a:ext cx="11058120" cy="363960"/>
           </a:xfrm>
           <a:prstGeom prst="rect">
             <a:avLst/>
@@ -17363,7 +17363,7 @@
         <p:spPr>
           <a:xfrm>
             <a:off x="248400" y="0"/>
-            <a:ext cx="11694960" cy="699120"/>
+            <a:ext cx="11694600" cy="699120"/>
           </a:xfrm>
           <a:prstGeom prst="rect">
             <a:avLst/>
@@ -17418,7 +17418,7 @@
         <p:spPr>
           <a:xfrm>
             <a:off x="248400" y="762120"/>
-            <a:ext cx="11694960" cy="2009880"/>
+            <a:ext cx="11694600" cy="2009880"/>
           </a:xfrm>
           <a:prstGeom prst="rect">
             <a:avLst/>
@@ -17599,7 +17599,7 @@
         <p:spPr>
           <a:xfrm>
             <a:off x="8849880" y="2814840"/>
-            <a:ext cx="2974320" cy="455400"/>
+            <a:ext cx="2973960" cy="455400"/>
           </a:xfrm>
           <a:prstGeom prst="rect">
             <a:avLst/>
@@ -17650,7 +17650,7 @@
         <p:spPr>
           <a:xfrm>
             <a:off x="1600200" y="4665600"/>
-            <a:ext cx="8872200" cy="912600"/>
+            <a:ext cx="8871840" cy="912600"/>
           </a:xfrm>
           <a:prstGeom prst="rect">
             <a:avLst/>
@@ -17671,7 +17671,7 @@
             <a:spAutoFit/>
           </a:bodyPr>
           <a:p>
-            <a:pPr marL="285840" indent="-268200">
+            <a:pPr marL="285840" indent="-267840">
               <a:lnSpc>
                 <a:spcPct val="150000"/>
               </a:lnSpc>
@@ -17716,7 +17716,7 @@
             </a:endParaRPr>
           </a:p>
           <a:p>
-            <a:pPr marL="285840" indent="-268200">
+            <a:pPr marL="285840" indent="-267840">
               <a:lnSpc>
                 <a:spcPct val="150000"/>
               </a:lnSpc>
@@ -17806,7 +17806,7 @@
         <p:spPr>
           <a:xfrm>
             <a:off x="246600" y="2903040"/>
-            <a:ext cx="11696760" cy="699480"/>
+            <a:ext cx="11696400" cy="699480"/>
           </a:xfrm>
           <a:prstGeom prst="rect">
             <a:avLst/>
@@ -17907,7 +17907,7 @@
         <p:spPr>
           <a:xfrm>
             <a:off x="1676520" y="2362320"/>
-            <a:ext cx="8821440" cy="912600"/>
+            <a:ext cx="8821080" cy="912600"/>
           </a:xfrm>
           <a:prstGeom prst="rect">
             <a:avLst/>
@@ -17958,7 +17958,7 @@
         <p:spPr>
           <a:xfrm>
             <a:off x="522360" y="3531600"/>
-            <a:ext cx="11058480" cy="363960"/>
+            <a:ext cx="11058120" cy="363960"/>
           </a:xfrm>
           <a:prstGeom prst="rect">
             <a:avLst/>
@@ -18039,7 +18039,7 @@
         <p:spPr>
           <a:xfrm>
             <a:off x="248400" y="0"/>
-            <a:ext cx="11694960" cy="699120"/>
+            <a:ext cx="11694600" cy="699120"/>
           </a:xfrm>
           <a:prstGeom prst="rect">
             <a:avLst/>
@@ -18094,7 +18094,7 @@
         <p:spPr>
           <a:xfrm>
             <a:off x="248400" y="762120"/>
-            <a:ext cx="11694960" cy="912600"/>
+            <a:ext cx="11694600" cy="912600"/>
           </a:xfrm>
           <a:prstGeom prst="rect">
             <a:avLst/>
@@ -18195,7 +18195,7 @@
         <p:spPr>
           <a:xfrm>
             <a:off x="1600200" y="3405600"/>
-            <a:ext cx="8872200" cy="1324080"/>
+            <a:ext cx="8871840" cy="1324080"/>
           </a:xfrm>
           <a:prstGeom prst="rect">
             <a:avLst/>
@@ -18216,7 +18216,7 @@
             <a:spAutoFit/>
           </a:bodyPr>
           <a:p>
-            <a:pPr marL="285840" indent="-268200">
+            <a:pPr marL="285840" indent="-267840">
               <a:lnSpc>
                 <a:spcPct val="150000"/>
               </a:lnSpc>
@@ -18261,7 +18261,7 @@
             </a:endParaRPr>
           </a:p>
           <a:p>
-            <a:pPr marL="285840" indent="-268200">
+            <a:pPr marL="285840" indent="-267840">
               <a:lnSpc>
                 <a:spcPct val="150000"/>
               </a:lnSpc>
@@ -18306,7 +18306,7 @@
             </a:endParaRPr>
           </a:p>
           <a:p>
-            <a:pPr marL="285840" indent="-268200">
+            <a:pPr marL="285840" indent="-267840">
               <a:lnSpc>
                 <a:spcPct val="150000"/>
               </a:lnSpc>
@@ -18361,7 +18361,7 @@
         <p:spPr>
           <a:xfrm>
             <a:off x="4601520" y="5832000"/>
-            <a:ext cx="5611320" cy="348840"/>
+            <a:ext cx="5610960" cy="348480"/>
           </a:xfrm>
           <a:prstGeom prst="rect">
             <a:avLst/>
@@ -18442,7 +18442,7 @@
         <p:spPr>
           <a:xfrm>
             <a:off x="10584000" y="3710160"/>
-            <a:ext cx="1397520" cy="2542680"/>
+            <a:ext cx="1397160" cy="2542320"/>
           </a:xfrm>
           <a:prstGeom prst="rect">
             <a:avLst/>
@@ -18688,7 +18688,7 @@
         <p:spPr>
           <a:xfrm>
             <a:off x="246600" y="1742040"/>
-            <a:ext cx="11696760" cy="699480"/>
+            <a:ext cx="11696400" cy="699480"/>
           </a:xfrm>
           <a:prstGeom prst="rect">
             <a:avLst/>
@@ -18789,7 +18789,7 @@
         <p:spPr>
           <a:xfrm>
             <a:off x="1676520" y="2362320"/>
-            <a:ext cx="8821440" cy="912600"/>
+            <a:ext cx="8821080" cy="912600"/>
           </a:xfrm>
           <a:prstGeom prst="rect">
             <a:avLst/>
@@ -18840,7 +18840,7 @@
         <p:spPr>
           <a:xfrm>
             <a:off x="522360" y="3531600"/>
-            <a:ext cx="11058480" cy="363960"/>
+            <a:ext cx="11058120" cy="363960"/>
           </a:xfrm>
           <a:prstGeom prst="rect">
             <a:avLst/>
@@ -18921,7 +18921,7 @@
         <p:spPr>
           <a:xfrm>
             <a:off x="1676520" y="2362320"/>
-            <a:ext cx="8821440" cy="912600"/>
+            <a:ext cx="8821080" cy="912600"/>
           </a:xfrm>
           <a:prstGeom prst="rect">
             <a:avLst/>
@@ -18972,7 +18972,7 @@
         <p:spPr>
           <a:xfrm>
             <a:off x="522360" y="3531600"/>
-            <a:ext cx="11058480" cy="363960"/>
+            <a:ext cx="11058120" cy="363960"/>
           </a:xfrm>
           <a:prstGeom prst="rect">
             <a:avLst/>
@@ -19053,7 +19053,7 @@
         <p:spPr>
           <a:xfrm>
             <a:off x="248400" y="0"/>
-            <a:ext cx="11694960" cy="699120"/>
+            <a:ext cx="11694600" cy="699120"/>
           </a:xfrm>
           <a:prstGeom prst="rect">
             <a:avLst/>
@@ -19108,7 +19108,7 @@
         <p:spPr>
           <a:xfrm>
             <a:off x="248400" y="762120"/>
-            <a:ext cx="11694960" cy="2009880"/>
+            <a:ext cx="11694600" cy="2009880"/>
           </a:xfrm>
           <a:prstGeom prst="rect">
             <a:avLst/>
@@ -19209,7 +19209,7 @@
         <p:spPr>
           <a:xfrm>
             <a:off x="1600200" y="4629600"/>
-            <a:ext cx="8872200" cy="912600"/>
+            <a:ext cx="8871840" cy="912600"/>
           </a:xfrm>
           <a:prstGeom prst="rect">
             <a:avLst/>
@@ -19230,7 +19230,7 @@
             <a:spAutoFit/>
           </a:bodyPr>
           <a:p>
-            <a:pPr marL="285840" indent="-268200">
+            <a:pPr marL="285840" indent="-267840">
               <a:lnSpc>
                 <a:spcPct val="150000"/>
               </a:lnSpc>
@@ -19275,7 +19275,7 @@
             </a:endParaRPr>
           </a:p>
           <a:p>
-            <a:pPr marL="285840" indent="-268200">
+            <a:pPr marL="285840" indent="-267840">
               <a:lnSpc>
                 <a:spcPct val="150000"/>
               </a:lnSpc>
@@ -19365,7 +19365,7 @@
         <p:spPr>
           <a:xfrm>
             <a:off x="246600" y="2859480"/>
-            <a:ext cx="11696760" cy="699480"/>
+            <a:ext cx="11696400" cy="699480"/>
           </a:xfrm>
           <a:prstGeom prst="rect">
             <a:avLst/>
@@ -19466,7 +19466,7 @@
         <p:spPr>
           <a:xfrm>
             <a:off x="1676520" y="2362320"/>
-            <a:ext cx="8821440" cy="912600"/>
+            <a:ext cx="8821080" cy="912600"/>
           </a:xfrm>
           <a:prstGeom prst="rect">
             <a:avLst/>
@@ -19517,7 +19517,7 @@
         <p:spPr>
           <a:xfrm>
             <a:off x="522360" y="3531600"/>
-            <a:ext cx="11058480" cy="363960"/>
+            <a:ext cx="11058120" cy="363960"/>
           </a:xfrm>
           <a:prstGeom prst="rect">
             <a:avLst/>
@@ -19633,7 +19633,7 @@
         <p:spPr>
           <a:xfrm>
             <a:off x="248400" y="0"/>
-            <a:ext cx="11694960" cy="699120"/>
+            <a:ext cx="11694600" cy="699120"/>
           </a:xfrm>
           <a:prstGeom prst="rect">
             <a:avLst/>
@@ -19688,7 +19688,7 @@
         <p:spPr>
           <a:xfrm>
             <a:off x="248400" y="762120"/>
-            <a:ext cx="10414440" cy="2284200"/>
+            <a:ext cx="10414080" cy="2284200"/>
           </a:xfrm>
           <a:prstGeom prst="rect">
             <a:avLst/>
@@ -19889,7 +19889,7 @@
         <p:spPr>
           <a:xfrm>
             <a:off x="1600200" y="4129560"/>
-            <a:ext cx="8872200" cy="912600"/>
+            <a:ext cx="8871840" cy="912600"/>
           </a:xfrm>
           <a:prstGeom prst="rect">
             <a:avLst/>
@@ -19910,7 +19910,7 @@
             <a:spAutoFit/>
           </a:bodyPr>
           <a:p>
-            <a:pPr marL="285840" indent="-268200">
+            <a:pPr marL="285840" indent="-267840">
               <a:lnSpc>
                 <a:spcPct val="150000"/>
               </a:lnSpc>
@@ -19955,7 +19955,7 @@
             </a:endParaRPr>
           </a:p>
           <a:p>
-            <a:pPr marL="285840" indent="-268200">
+            <a:pPr marL="285840" indent="-267840">
               <a:lnSpc>
                 <a:spcPct val="150000"/>
               </a:lnSpc>
@@ -20010,7 +20010,7 @@
         <p:spPr>
           <a:xfrm>
             <a:off x="1224000" y="5511960"/>
-            <a:ext cx="8916840" cy="348840"/>
+            <a:ext cx="8916480" cy="348480"/>
           </a:xfrm>
           <a:prstGeom prst="rect">
             <a:avLst/>
@@ -20031,7 +20031,7 @@
             <a:noAutofit/>
           </a:bodyPr>
           <a:p>
-            <a:pPr marL="216000" indent="-204840">
+            <a:pPr marL="216000" indent="-204480">
               <a:lnSpc>
                 <a:spcPct val="100000"/>
               </a:lnSpc>
@@ -20097,7 +20097,7 @@
         <p:spPr>
           <a:xfrm>
             <a:off x="10585440" y="973800"/>
-            <a:ext cx="1427400" cy="5711040"/>
+            <a:ext cx="1427040" cy="5710680"/>
           </a:xfrm>
           <a:prstGeom prst="rect">
             <a:avLst/>
@@ -20498,7 +20498,7 @@
         <p:spPr>
           <a:xfrm>
             <a:off x="246600" y="3062880"/>
-            <a:ext cx="11696760" cy="699480"/>
+            <a:ext cx="11696400" cy="699480"/>
           </a:xfrm>
           <a:prstGeom prst="rect">
             <a:avLst/>
@@ -20599,7 +20599,7 @@
         <p:spPr>
           <a:xfrm>
             <a:off x="1676520" y="2362320"/>
-            <a:ext cx="8821440" cy="912600"/>
+            <a:ext cx="8821080" cy="912600"/>
           </a:xfrm>
           <a:prstGeom prst="rect">
             <a:avLst/>
@@ -20650,7 +20650,7 @@
         <p:spPr>
           <a:xfrm>
             <a:off x="522360" y="3531600"/>
-            <a:ext cx="11058480" cy="363960"/>
+            <a:ext cx="11058120" cy="363960"/>
           </a:xfrm>
           <a:prstGeom prst="rect">
             <a:avLst/>
@@ -20731,7 +20731,7 @@
         <p:spPr>
           <a:xfrm>
             <a:off x="248400" y="0"/>
-            <a:ext cx="11694960" cy="699120"/>
+            <a:ext cx="11694600" cy="699120"/>
           </a:xfrm>
           <a:prstGeom prst="rect">
             <a:avLst/>
@@ -20786,7 +20786,7 @@
         <p:spPr>
           <a:xfrm>
             <a:off x="248400" y="762120"/>
-            <a:ext cx="10325880" cy="1461240"/>
+            <a:ext cx="10325520" cy="1461240"/>
           </a:xfrm>
           <a:prstGeom prst="rect">
             <a:avLst/>
@@ -20847,7 +20847,7 @@
         <p:spPr>
           <a:xfrm>
             <a:off x="1600200" y="3873600"/>
-            <a:ext cx="8872200" cy="1735560"/>
+            <a:ext cx="8871840" cy="1735560"/>
           </a:xfrm>
           <a:prstGeom prst="rect">
             <a:avLst/>
@@ -20868,7 +20868,7 @@
             <a:spAutoFit/>
           </a:bodyPr>
           <a:p>
-            <a:pPr marL="285840" indent="-268200">
+            <a:pPr marL="285840" indent="-267840">
               <a:lnSpc>
                 <a:spcPct val="150000"/>
               </a:lnSpc>
@@ -20913,7 +20913,7 @@
             </a:endParaRPr>
           </a:p>
           <a:p>
-            <a:pPr marL="285840" indent="-268200">
+            <a:pPr marL="285840" indent="-267840">
               <a:lnSpc>
                 <a:spcPct val="150000"/>
               </a:lnSpc>
@@ -20958,7 +20958,7 @@
             </a:endParaRPr>
           </a:p>
           <a:p>
-            <a:pPr marL="285840" indent="-268200">
+            <a:pPr marL="285840" indent="-267840">
               <a:lnSpc>
                 <a:spcPct val="150000"/>
               </a:lnSpc>
@@ -21003,7 +21003,7 @@
             </a:endParaRPr>
           </a:p>
           <a:p>
-            <a:pPr marL="285840" indent="-268200">
+            <a:pPr marL="285840" indent="-267840">
               <a:lnSpc>
                 <a:spcPct val="150000"/>
               </a:lnSpc>
@@ -21058,7 +21058,7 @@
         <p:spPr>
           <a:xfrm>
             <a:off x="1224000" y="5904000"/>
-            <a:ext cx="8916840" cy="348840"/>
+            <a:ext cx="8916480" cy="348480"/>
           </a:xfrm>
           <a:prstGeom prst="rect">
             <a:avLst/>
@@ -21079,7 +21079,7 @@
             <a:noAutofit/>
           </a:bodyPr>
           <a:p>
-            <a:pPr marL="216000" indent="-204840">
+            <a:pPr marL="216000" indent="-204480">
               <a:lnSpc>
                 <a:spcPct val="100000"/>
               </a:lnSpc>
@@ -21145,7 +21145,7 @@
         <p:spPr>
           <a:xfrm>
             <a:off x="10585440" y="1036440"/>
-            <a:ext cx="1427400" cy="5648400"/>
+            <a:ext cx="1427040" cy="5648040"/>
           </a:xfrm>
           <a:prstGeom prst="rect">
             <a:avLst/>
@@ -21581,7 +21581,7 @@
         <p:spPr>
           <a:xfrm>
             <a:off x="246600" y="2496600"/>
-            <a:ext cx="11696760" cy="394560"/>
+            <a:ext cx="11696400" cy="394560"/>
           </a:xfrm>
           <a:prstGeom prst="rect">
             <a:avLst/>
@@ -21662,7 +21662,7 @@
         <p:spPr>
           <a:xfrm>
             <a:off x="1676520" y="2362320"/>
-            <a:ext cx="8821440" cy="912600"/>
+            <a:ext cx="8821080" cy="912600"/>
           </a:xfrm>
           <a:prstGeom prst="rect">
             <a:avLst/>
@@ -21713,7 +21713,7 @@
         <p:spPr>
           <a:xfrm>
             <a:off x="1666800" y="609480"/>
-            <a:ext cx="8821440" cy="394560"/>
+            <a:ext cx="8821080" cy="394560"/>
           </a:xfrm>
           <a:prstGeom prst="rect">
             <a:avLst/>
@@ -21764,7 +21764,7 @@
         <p:spPr>
           <a:xfrm>
             <a:off x="522360" y="3531600"/>
-            <a:ext cx="11058480" cy="1735560"/>
+            <a:ext cx="11058120" cy="1735560"/>
           </a:xfrm>
           <a:prstGeom prst="rect">
             <a:avLst/>
@@ -21815,7 +21815,7 @@
             </a:endParaRPr>
           </a:p>
           <a:p>
-            <a:pPr marL="216000" indent="-205920">
+            <a:pPr marL="216000" indent="-205560">
               <a:lnSpc>
                 <a:spcPct val="100000"/>
               </a:lnSpc>
@@ -21890,7 +21890,7 @@
         <p:spPr>
           <a:xfrm>
             <a:off x="1676520" y="2362320"/>
-            <a:ext cx="8821440" cy="1735560"/>
+            <a:ext cx="8821080" cy="1735560"/>
           </a:xfrm>
           <a:prstGeom prst="rect">
             <a:avLst/>
@@ -21941,7 +21941,7 @@
         <p:spPr>
           <a:xfrm>
             <a:off x="522360" y="3531600"/>
-            <a:ext cx="11058480" cy="363960"/>
+            <a:ext cx="11058120" cy="363960"/>
           </a:xfrm>
           <a:prstGeom prst="rect">
             <a:avLst/>
@@ -22022,7 +22022,7 @@
         <p:spPr>
           <a:xfrm>
             <a:off x="248400" y="0"/>
-            <a:ext cx="11694960" cy="699120"/>
+            <a:ext cx="11694600" cy="699120"/>
           </a:xfrm>
           <a:prstGeom prst="rect">
             <a:avLst/>
@@ -22077,7 +22077,7 @@
         <p:spPr>
           <a:xfrm>
             <a:off x="248400" y="762120"/>
-            <a:ext cx="11694960" cy="2558520"/>
+            <a:ext cx="11694600" cy="2558520"/>
           </a:xfrm>
           <a:prstGeom prst="rect">
             <a:avLst/>
@@ -22298,7 +22298,7 @@
         <p:spPr>
           <a:xfrm>
             <a:off x="248400" y="3494880"/>
-            <a:ext cx="11694960" cy="1004400"/>
+            <a:ext cx="11694600" cy="1004400"/>
           </a:xfrm>
           <a:prstGeom prst="rect">
             <a:avLst/>
@@ -22389,7 +22389,7 @@
         <p:spPr>
           <a:xfrm>
             <a:off x="270360" y="4824000"/>
-            <a:ext cx="11536200" cy="912600"/>
+            <a:ext cx="11535840" cy="912600"/>
           </a:xfrm>
           <a:prstGeom prst="rect">
             <a:avLst/>
@@ -22410,7 +22410,7 @@
             <a:spAutoFit/>
           </a:bodyPr>
           <a:p>
-            <a:pPr marL="285840" indent="-268200">
+            <a:pPr marL="285840" indent="-267840">
               <a:lnSpc>
                 <a:spcPct val="150000"/>
               </a:lnSpc>
@@ -22455,7 +22455,7 @@
             </a:endParaRPr>
           </a:p>
           <a:p>
-            <a:pPr marL="285840" indent="-268200">
+            <a:pPr marL="285840" indent="-267840">
               <a:lnSpc>
                 <a:spcPct val="150000"/>
               </a:lnSpc>
@@ -22575,7 +22575,7 @@
         <p:spPr>
           <a:xfrm>
             <a:off x="1676520" y="2362320"/>
-            <a:ext cx="8821440" cy="912600"/>
+            <a:ext cx="8821080" cy="912600"/>
           </a:xfrm>
           <a:prstGeom prst="rect">
             <a:avLst/>
@@ -22626,7 +22626,7 @@
         <p:spPr>
           <a:xfrm>
             <a:off x="522360" y="3531600"/>
-            <a:ext cx="11058480" cy="363960"/>
+            <a:ext cx="11058120" cy="363960"/>
           </a:xfrm>
           <a:prstGeom prst="rect">
             <a:avLst/>
@@ -22707,7 +22707,7 @@
         <p:spPr>
           <a:xfrm>
             <a:off x="246600" y="762120"/>
-            <a:ext cx="11693520" cy="638280"/>
+            <a:ext cx="11693160" cy="638280"/>
           </a:xfrm>
           <a:prstGeom prst="rect">
             <a:avLst/>
@@ -22808,7 +22808,7 @@
         <p:spPr>
           <a:xfrm>
             <a:off x="1523880" y="2940480"/>
-            <a:ext cx="9403200" cy="1735560"/>
+            <a:ext cx="9402840" cy="1735560"/>
           </a:xfrm>
           <a:prstGeom prst="rect">
             <a:avLst/>
@@ -22829,7 +22829,7 @@
             <a:spAutoFit/>
           </a:bodyPr>
           <a:p>
-            <a:pPr marL="285840" indent="-268200">
+            <a:pPr marL="285840" indent="-267840">
               <a:lnSpc>
                 <a:spcPct val="150000"/>
               </a:lnSpc>
@@ -22874,7 +22874,7 @@
             </a:endParaRPr>
           </a:p>
           <a:p>
-            <a:pPr marL="285840" indent="-268200">
+            <a:pPr marL="285840" indent="-267840">
               <a:lnSpc>
                 <a:spcPct val="150000"/>
               </a:lnSpc>
@@ -22949,7 +22949,7 @@
             </a:endParaRPr>
           </a:p>
           <a:p>
-            <a:pPr marL="285840" indent="-268200">
+            <a:pPr marL="285840" indent="-267840">
               <a:lnSpc>
                 <a:spcPct val="150000"/>
               </a:lnSpc>
@@ -23014,7 +23014,7 @@
             </a:endParaRPr>
           </a:p>
           <a:p>
-            <a:pPr marL="285840" indent="-268200">
+            <a:pPr marL="285840" indent="-267840">
               <a:lnSpc>
                 <a:spcPct val="150000"/>
               </a:lnSpc>
@@ -23079,7 +23079,7 @@
         <p:spPr>
           <a:xfrm>
             <a:off x="1584000" y="4889520"/>
-            <a:ext cx="8838720" cy="999360"/>
+            <a:ext cx="8838360" cy="999000"/>
           </a:xfrm>
           <a:prstGeom prst="rect">
             <a:avLst/>
@@ -23130,7 +23130,7 @@
             </a:endParaRPr>
           </a:p>
           <a:p>
-            <a:pPr marL="216000" indent="-198720">
+            <a:pPr marL="216000" indent="-198360">
               <a:lnSpc>
                 <a:spcPct val="100000"/>
               </a:lnSpc>
@@ -23226,7 +23226,7 @@
         <p:spPr>
           <a:xfrm>
             <a:off x="246600" y="0"/>
-            <a:ext cx="11693520" cy="699120"/>
+            <a:ext cx="11693160" cy="699120"/>
           </a:xfrm>
           <a:prstGeom prst="rect">
             <a:avLst/>
@@ -23316,7 +23316,7 @@
         <p:spPr>
           <a:xfrm>
             <a:off x="246600" y="1742040"/>
-            <a:ext cx="11693520" cy="699480"/>
+            <a:ext cx="11693160" cy="699480"/>
           </a:xfrm>
           <a:prstGeom prst="rect">
             <a:avLst/>
@@ -23417,7 +23417,7 @@
         <p:spPr>
           <a:xfrm>
             <a:off x="248400" y="0"/>
-            <a:ext cx="11694960" cy="699120"/>
+            <a:ext cx="11694600" cy="699120"/>
           </a:xfrm>
           <a:prstGeom prst="rect">
             <a:avLst/>
@@ -23472,7 +23472,7 @@
         <p:spPr>
           <a:xfrm>
             <a:off x="248400" y="762120"/>
-            <a:ext cx="11694960" cy="1735560"/>
+            <a:ext cx="11694600" cy="1735560"/>
           </a:xfrm>
           <a:prstGeom prst="rect">
             <a:avLst/>
@@ -23583,7 +23583,7 @@
         <p:spPr>
           <a:xfrm>
             <a:off x="248400" y="2628720"/>
-            <a:ext cx="11694960" cy="699480"/>
+            <a:ext cx="11694600" cy="699480"/>
           </a:xfrm>
           <a:prstGeom prst="rect">
             <a:avLst/>
@@ -23654,7 +23654,7 @@
         <p:spPr>
           <a:xfrm>
             <a:off x="288000" y="3981600"/>
-            <a:ext cx="11662560" cy="912600"/>
+            <a:ext cx="11662200" cy="912600"/>
           </a:xfrm>
           <a:prstGeom prst="rect">
             <a:avLst/>
@@ -23675,7 +23675,7 @@
             <a:spAutoFit/>
           </a:bodyPr>
           <a:p>
-            <a:pPr marL="285840" indent="-268200">
+            <a:pPr marL="285840" indent="-267840">
               <a:lnSpc>
                 <a:spcPct val="150000"/>
               </a:lnSpc>
@@ -23720,7 +23720,7 @@
             </a:endParaRPr>
           </a:p>
           <a:p>
-            <a:pPr marL="285840" indent="-268200">
+            <a:pPr marL="285840" indent="-267840">
               <a:lnSpc>
                 <a:spcPct val="150000"/>
               </a:lnSpc>
@@ -23840,7 +23840,7 @@
         <p:spPr>
           <a:xfrm>
             <a:off x="1676520" y="2362320"/>
-            <a:ext cx="8821440" cy="1735560"/>
+            <a:ext cx="8821080" cy="1735560"/>
           </a:xfrm>
           <a:prstGeom prst="rect">
             <a:avLst/>
@@ -23891,7 +23891,7 @@
         <p:spPr>
           <a:xfrm>
             <a:off x="522360" y="3531600"/>
-            <a:ext cx="11058480" cy="363960"/>
+            <a:ext cx="11058120" cy="363960"/>
           </a:xfrm>
           <a:prstGeom prst="rect">
             <a:avLst/>
@@ -23972,7 +23972,7 @@
         <p:spPr>
           <a:xfrm>
             <a:off x="248400" y="0"/>
-            <a:ext cx="11694960" cy="699120"/>
+            <a:ext cx="11694600" cy="699120"/>
           </a:xfrm>
           <a:prstGeom prst="rect">
             <a:avLst/>
@@ -24027,7 +24027,7 @@
         <p:spPr>
           <a:xfrm>
             <a:off x="248400" y="762120"/>
-            <a:ext cx="11694960" cy="1735560"/>
+            <a:ext cx="11694600" cy="1735560"/>
           </a:xfrm>
           <a:prstGeom prst="rect">
             <a:avLst/>
@@ -24168,7 +24168,7 @@
         <p:spPr>
           <a:xfrm>
             <a:off x="248400" y="2435760"/>
-            <a:ext cx="11694960" cy="1004400"/>
+            <a:ext cx="11694600" cy="1004400"/>
           </a:xfrm>
           <a:prstGeom prst="rect">
             <a:avLst/>
@@ -24259,7 +24259,7 @@
         <p:spPr>
           <a:xfrm>
             <a:off x="1600200" y="3585600"/>
-            <a:ext cx="8872200" cy="1324080"/>
+            <a:ext cx="8871840" cy="1324080"/>
           </a:xfrm>
           <a:prstGeom prst="rect">
             <a:avLst/>
@@ -24280,7 +24280,7 @@
             <a:spAutoFit/>
           </a:bodyPr>
           <a:p>
-            <a:pPr marL="285840" indent="-268200">
+            <a:pPr marL="285840" indent="-267840">
               <a:lnSpc>
                 <a:spcPct val="150000"/>
               </a:lnSpc>
@@ -24325,7 +24325,7 @@
             </a:endParaRPr>
           </a:p>
           <a:p>
-            <a:pPr marL="285840" indent="-268200">
+            <a:pPr marL="285840" indent="-267840">
               <a:lnSpc>
                 <a:spcPct val="150000"/>
               </a:lnSpc>
@@ -24370,7 +24370,7 @@
             </a:endParaRPr>
           </a:p>
           <a:p>
-            <a:pPr marL="285840" indent="-268200">
+            <a:pPr marL="285840" indent="-267840">
               <a:lnSpc>
                 <a:spcPct val="150000"/>
               </a:lnSpc>
@@ -24490,7 +24490,7 @@
         <p:spPr>
           <a:xfrm>
             <a:off x="1676520" y="2362320"/>
-            <a:ext cx="8821440" cy="1735560"/>
+            <a:ext cx="8821080" cy="1735560"/>
           </a:xfrm>
           <a:prstGeom prst="rect">
             <a:avLst/>
@@ -24541,7 +24541,7 @@
         <p:spPr>
           <a:xfrm>
             <a:off x="522360" y="3531600"/>
-            <a:ext cx="11058480" cy="363960"/>
+            <a:ext cx="11058120" cy="363960"/>
           </a:xfrm>
           <a:prstGeom prst="rect">
             <a:avLst/>
@@ -25296,7 +25296,7 @@
         <p:spPr>
           <a:xfrm>
             <a:off x="248400" y="0"/>
-            <a:ext cx="11694960" cy="699120"/>
+            <a:ext cx="11694600" cy="699120"/>
           </a:xfrm>
           <a:prstGeom prst="rect">
             <a:avLst/>
@@ -25351,7 +25351,7 @@
         <p:spPr>
           <a:xfrm>
             <a:off x="248400" y="762120"/>
-            <a:ext cx="11694960" cy="1735560"/>
+            <a:ext cx="11694600" cy="1735560"/>
           </a:xfrm>
           <a:prstGeom prst="rect">
             <a:avLst/>
@@ -25452,7 +25452,7 @@
         <p:spPr>
           <a:xfrm>
             <a:off x="248400" y="2669760"/>
-            <a:ext cx="11694960" cy="699480"/>
+            <a:ext cx="11694600" cy="699480"/>
           </a:xfrm>
           <a:prstGeom prst="rect">
             <a:avLst/>
@@ -25523,7 +25523,7 @@
         <p:spPr>
           <a:xfrm>
             <a:off x="1600200" y="4269600"/>
-            <a:ext cx="8872200" cy="1324080"/>
+            <a:ext cx="8871840" cy="1324080"/>
           </a:xfrm>
           <a:prstGeom prst="rect">
             <a:avLst/>
@@ -25544,7 +25544,7 @@
             <a:spAutoFit/>
           </a:bodyPr>
           <a:p>
-            <a:pPr marL="285840" indent="-268200">
+            <a:pPr marL="285840" indent="-267840">
               <a:lnSpc>
                 <a:spcPct val="150000"/>
               </a:lnSpc>
@@ -25589,7 +25589,7 @@
             </a:endParaRPr>
           </a:p>
           <a:p>
-            <a:pPr marL="285840" indent="-268200">
+            <a:pPr marL="285840" indent="-267840">
               <a:lnSpc>
                 <a:spcPct val="150000"/>
               </a:lnSpc>
@@ -25634,7 +25634,7 @@
             </a:endParaRPr>
           </a:p>
           <a:p>
-            <a:pPr marL="285840" indent="-268200">
+            <a:pPr marL="285840" indent="-267840">
               <a:lnSpc>
                 <a:spcPct val="150000"/>
               </a:lnSpc>
@@ -25754,7 +25754,7 @@
         <p:spPr>
           <a:xfrm>
             <a:off x="1676520" y="2362320"/>
-            <a:ext cx="8821440" cy="2558520"/>
+            <a:ext cx="8821080" cy="2558520"/>
           </a:xfrm>
           <a:prstGeom prst="rect">
             <a:avLst/>
@@ -25805,7 +25805,7 @@
         <p:spPr>
           <a:xfrm>
             <a:off x="522360" y="3531600"/>
-            <a:ext cx="11058480" cy="363960"/>
+            <a:ext cx="11058120" cy="363960"/>
           </a:xfrm>
           <a:prstGeom prst="rect">
             <a:avLst/>
@@ -26398,7 +26398,7 @@
         <p:spPr>
           <a:xfrm>
             <a:off x="248400" y="0"/>
-            <a:ext cx="11694960" cy="699120"/>
+            <a:ext cx="11694600" cy="699120"/>
           </a:xfrm>
           <a:prstGeom prst="rect">
             <a:avLst/>
@@ -26453,7 +26453,7 @@
         <p:spPr>
           <a:xfrm>
             <a:off x="248400" y="762120"/>
-            <a:ext cx="11694960" cy="2558520"/>
+            <a:ext cx="11694600" cy="2558520"/>
           </a:xfrm>
           <a:prstGeom prst="rect">
             <a:avLst/>
@@ -26714,7 +26714,7 @@
         <p:spPr>
           <a:xfrm>
             <a:off x="248400" y="3206880"/>
-            <a:ext cx="11694960" cy="1309320"/>
+            <a:ext cx="11694600" cy="1309320"/>
           </a:xfrm>
           <a:prstGeom prst="rect">
             <a:avLst/>
@@ -26825,7 +26825,7 @@
         <p:spPr>
           <a:xfrm>
             <a:off x="288000" y="4795920"/>
-            <a:ext cx="8872200" cy="1324080"/>
+            <a:ext cx="8871840" cy="1324080"/>
           </a:xfrm>
           <a:prstGeom prst="rect">
             <a:avLst/>
@@ -26846,7 +26846,7 @@
             <a:spAutoFit/>
           </a:bodyPr>
           <a:p>
-            <a:pPr marL="285840" indent="-268200">
+            <a:pPr marL="285840" indent="-267840">
               <a:lnSpc>
                 <a:spcPct val="150000"/>
               </a:lnSpc>
@@ -26891,7 +26891,7 @@
             </a:endParaRPr>
           </a:p>
           <a:p>
-            <a:pPr marL="285840" indent="-268200">
+            <a:pPr marL="285840" indent="-267840">
               <a:lnSpc>
                 <a:spcPct val="150000"/>
               </a:lnSpc>
@@ -26936,7 +26936,7 @@
             </a:endParaRPr>
           </a:p>
           <a:p>
-            <a:pPr marL="285840" indent="-268200">
+            <a:pPr marL="285840" indent="-267840">
               <a:lnSpc>
                 <a:spcPct val="150000"/>
               </a:lnSpc>
@@ -27056,7 +27056,7 @@
         <p:spPr>
           <a:xfrm>
             <a:off x="1676520" y="2362320"/>
-            <a:ext cx="8821440" cy="912600"/>
+            <a:ext cx="8821080" cy="912600"/>
           </a:xfrm>
           <a:prstGeom prst="rect">
             <a:avLst/>
@@ -27107,7 +27107,7 @@
         <p:spPr>
           <a:xfrm>
             <a:off x="1666800" y="609480"/>
-            <a:ext cx="8821440" cy="394560"/>
+            <a:ext cx="8821080" cy="394560"/>
           </a:xfrm>
           <a:prstGeom prst="rect">
             <a:avLst/>
@@ -27158,7 +27158,7 @@
         <p:spPr>
           <a:xfrm>
             <a:off x="522360" y="3531600"/>
-            <a:ext cx="11058480" cy="638280"/>
+            <a:ext cx="11058120" cy="638280"/>
           </a:xfrm>
           <a:prstGeom prst="rect">
             <a:avLst/>
@@ -27259,7 +27259,7 @@
         <p:spPr>
           <a:xfrm>
             <a:off x="1676520" y="2362320"/>
-            <a:ext cx="8821440" cy="1735560"/>
+            <a:ext cx="8821080" cy="1735560"/>
           </a:xfrm>
           <a:prstGeom prst="rect">
             <a:avLst/>
@@ -27310,7 +27310,7 @@
         <p:spPr>
           <a:xfrm>
             <a:off x="522360" y="3531600"/>
-            <a:ext cx="11058480" cy="363960"/>
+            <a:ext cx="11058120" cy="363960"/>
           </a:xfrm>
           <a:prstGeom prst="rect">
             <a:avLst/>
@@ -27391,7 +27391,7 @@
         <p:spPr>
           <a:xfrm>
             <a:off x="248400" y="0"/>
-            <a:ext cx="11694960" cy="699120"/>
+            <a:ext cx="11694600" cy="699120"/>
           </a:xfrm>
           <a:prstGeom prst="rect">
             <a:avLst/>
@@ -27446,7 +27446,7 @@
         <p:spPr>
           <a:xfrm>
             <a:off x="248400" y="762120"/>
-            <a:ext cx="11694960" cy="2832840"/>
+            <a:ext cx="11694600" cy="2832840"/>
           </a:xfrm>
           <a:prstGeom prst="rect">
             <a:avLst/>
@@ -27707,7 +27707,7 @@
         <p:spPr>
           <a:xfrm>
             <a:off x="248400" y="3422880"/>
-            <a:ext cx="11694960" cy="1309320"/>
+            <a:ext cx="11694600" cy="1309320"/>
           </a:xfrm>
           <a:prstGeom prst="rect">
             <a:avLst/>
@@ -27818,7 +27818,7 @@
         <p:spPr>
           <a:xfrm>
             <a:off x="288000" y="4687920"/>
-            <a:ext cx="8872200" cy="2147040"/>
+            <a:ext cx="8871840" cy="2147040"/>
           </a:xfrm>
           <a:prstGeom prst="rect">
             <a:avLst/>
@@ -27839,7 +27839,7 @@
             <a:spAutoFit/>
           </a:bodyPr>
           <a:p>
-            <a:pPr marL="285840" indent="-268200">
+            <a:pPr marL="285840" indent="-267840">
               <a:lnSpc>
                 <a:spcPct val="150000"/>
               </a:lnSpc>
@@ -27884,7 +27884,7 @@
             </a:endParaRPr>
           </a:p>
           <a:p>
-            <a:pPr marL="285840" indent="-268200">
+            <a:pPr marL="285840" indent="-267840">
               <a:lnSpc>
                 <a:spcPct val="150000"/>
               </a:lnSpc>
@@ -27929,7 +27929,7 @@
             </a:endParaRPr>
           </a:p>
           <a:p>
-            <a:pPr marL="285840" indent="-268200">
+            <a:pPr marL="285840" indent="-267840">
               <a:lnSpc>
                 <a:spcPct val="150000"/>
               </a:lnSpc>
@@ -27974,7 +27974,7 @@
             </a:endParaRPr>
           </a:p>
           <a:p>
-            <a:pPr marL="285840" indent="-268200">
+            <a:pPr marL="285840" indent="-267840">
               <a:lnSpc>
                 <a:spcPct val="150000"/>
               </a:lnSpc>
@@ -28019,7 +28019,7 @@
             </a:endParaRPr>
           </a:p>
           <a:p>
-            <a:pPr marL="285840" indent="-268200">
+            <a:pPr marL="285840" indent="-267840">
               <a:lnSpc>
                 <a:spcPct val="150000"/>
               </a:lnSpc>
@@ -28139,7 +28139,7 @@
         <p:spPr>
           <a:xfrm>
             <a:off x="1676520" y="2362320"/>
-            <a:ext cx="8821440" cy="912600"/>
+            <a:ext cx="8821080" cy="912600"/>
           </a:xfrm>
           <a:prstGeom prst="rect">
             <a:avLst/>
@@ -28190,7 +28190,7 @@
         <p:spPr>
           <a:xfrm>
             <a:off x="1666800" y="609480"/>
-            <a:ext cx="8821440" cy="394560"/>
+            <a:ext cx="8821080" cy="394560"/>
           </a:xfrm>
           <a:prstGeom prst="rect">
             <a:avLst/>
@@ -28241,7 +28241,7 @@
         <p:spPr>
           <a:xfrm>
             <a:off x="522360" y="3531600"/>
-            <a:ext cx="11058480" cy="638280"/>
+            <a:ext cx="11058120" cy="638280"/>
           </a:xfrm>
           <a:prstGeom prst="rect">
             <a:avLst/>
@@ -28322,7 +28322,7 @@
         <p:spPr>
           <a:xfrm>
             <a:off x="1676520" y="2362320"/>
-            <a:ext cx="8821440" cy="912600"/>
+            <a:ext cx="8821080" cy="912600"/>
           </a:xfrm>
           <a:prstGeom prst="rect">
             <a:avLst/>
@@ -28373,7 +28373,7 @@
         <p:spPr>
           <a:xfrm>
             <a:off x="522360" y="3531600"/>
-            <a:ext cx="11058480" cy="363960"/>
+            <a:ext cx="11058120" cy="363960"/>
           </a:xfrm>
           <a:prstGeom prst="rect">
             <a:avLst/>
@@ -28454,7 +28454,7 @@
         <p:spPr>
           <a:xfrm>
             <a:off x="248400" y="0"/>
-            <a:ext cx="11694960" cy="699120"/>
+            <a:ext cx="11694600" cy="699120"/>
           </a:xfrm>
           <a:prstGeom prst="rect">
             <a:avLst/>
@@ -28509,7 +28509,7 @@
         <p:spPr>
           <a:xfrm>
             <a:off x="248400" y="762120"/>
-            <a:ext cx="11694960" cy="1735560"/>
+            <a:ext cx="11694600" cy="1735560"/>
           </a:xfrm>
           <a:prstGeom prst="rect">
             <a:avLst/>
@@ -28650,7 +28650,7 @@
         <p:spPr>
           <a:xfrm>
             <a:off x="248400" y="2882880"/>
-            <a:ext cx="11694960" cy="1004400"/>
+            <a:ext cx="11694600" cy="1004400"/>
           </a:xfrm>
           <a:prstGeom prst="rect">
             <a:avLst/>
@@ -28741,7 +28741,7 @@
         <p:spPr>
           <a:xfrm>
             <a:off x="288000" y="4039920"/>
-            <a:ext cx="8872200" cy="1324080"/>
+            <a:ext cx="8871840" cy="1324080"/>
           </a:xfrm>
           <a:prstGeom prst="rect">
             <a:avLst/>
@@ -28762,7 +28762,7 @@
             <a:spAutoFit/>
           </a:bodyPr>
           <a:p>
-            <a:pPr marL="285840" indent="-268200">
+            <a:pPr marL="285840" indent="-267840">
               <a:lnSpc>
                 <a:spcPct val="150000"/>
               </a:lnSpc>
@@ -28807,7 +28807,7 @@
             </a:endParaRPr>
           </a:p>
           <a:p>
-            <a:pPr marL="285840" indent="-268200">
+            <a:pPr marL="285840" indent="-267840">
               <a:lnSpc>
                 <a:spcPct val="150000"/>
               </a:lnSpc>
@@ -28852,7 +28852,7 @@
             </a:endParaRPr>
           </a:p>
           <a:p>
-            <a:pPr marL="285840" indent="-268200">
+            <a:pPr marL="285840" indent="-267840">
               <a:lnSpc>
                 <a:spcPct val="150000"/>
               </a:lnSpc>
@@ -28942,7 +28942,7 @@
         <p:spPr>
           <a:xfrm>
             <a:off x="6264000" y="2882880"/>
-            <a:ext cx="5755680" cy="643680"/>
+            <a:ext cx="5755320" cy="643320"/>
           </a:xfrm>
           <a:prstGeom prst="rect">
             <a:avLst/>
@@ -29043,7 +29043,7 @@
         <p:spPr>
           <a:xfrm>
             <a:off x="1676520" y="2362320"/>
-            <a:ext cx="8821440" cy="1735560"/>
+            <a:ext cx="8821080" cy="1735560"/>
           </a:xfrm>
           <a:prstGeom prst="rect">
             <a:avLst/>
@@ -29094,7 +29094,7 @@
         <p:spPr>
           <a:xfrm>
             <a:off x="522360" y="3531600"/>
-            <a:ext cx="11058480" cy="363960"/>
+            <a:ext cx="11058120" cy="363960"/>
           </a:xfrm>
           <a:prstGeom prst="rect">
             <a:avLst/>
@@ -29175,7 +29175,7 @@
         <p:spPr>
           <a:xfrm>
             <a:off x="248400" y="0"/>
-            <a:ext cx="11694960" cy="699120"/>
+            <a:ext cx="11694600" cy="699120"/>
           </a:xfrm>
           <a:prstGeom prst="rect">
             <a:avLst/>
@@ -29230,7 +29230,7 @@
         <p:spPr>
           <a:xfrm>
             <a:off x="248400" y="762120"/>
-            <a:ext cx="11694960" cy="2284200"/>
+            <a:ext cx="11694600" cy="2284200"/>
           </a:xfrm>
           <a:prstGeom prst="rect">
             <a:avLst/>
@@ -29371,7 +29371,7 @@
         <p:spPr>
           <a:xfrm>
             <a:off x="248400" y="3026880"/>
-            <a:ext cx="11694960" cy="1004400"/>
+            <a:ext cx="11694600" cy="1004400"/>
           </a:xfrm>
           <a:prstGeom prst="rect">
             <a:avLst/>
@@ -29462,7 +29462,7 @@
         <p:spPr>
           <a:xfrm>
             <a:off x="288000" y="4039920"/>
-            <a:ext cx="8872200" cy="1324080"/>
+            <a:ext cx="8871840" cy="1324080"/>
           </a:xfrm>
           <a:prstGeom prst="rect">
             <a:avLst/>
@@ -29483,7 +29483,7 @@
             <a:spAutoFit/>
           </a:bodyPr>
           <a:p>
-            <a:pPr marL="285840" indent="-268200">
+            <a:pPr marL="285840" indent="-267840">
               <a:lnSpc>
                 <a:spcPct val="150000"/>
               </a:lnSpc>
@@ -29528,7 +29528,7 @@
             </a:endParaRPr>
           </a:p>
           <a:p>
-            <a:pPr marL="285840" indent="-268200">
+            <a:pPr marL="285840" indent="-267840">
               <a:lnSpc>
                 <a:spcPct val="150000"/>
               </a:lnSpc>
@@ -29573,7 +29573,7 @@
             </a:endParaRPr>
           </a:p>
           <a:p>
-            <a:pPr marL="285840" indent="-268200">
+            <a:pPr marL="285840" indent="-267840">
               <a:lnSpc>
                 <a:spcPct val="150000"/>
               </a:lnSpc>
@@ -29663,7 +29663,7 @@
         <p:spPr>
           <a:xfrm>
             <a:off x="6480000" y="3046320"/>
-            <a:ext cx="5686560" cy="643680"/>
+            <a:ext cx="5686200" cy="643320"/>
           </a:xfrm>
           <a:prstGeom prst="rect">
             <a:avLst/>
@@ -29764,7 +29764,7 @@
         <p:spPr>
           <a:xfrm>
             <a:off x="1676520" y="2362320"/>
-            <a:ext cx="8821440" cy="1735560"/>
+            <a:ext cx="8821080" cy="1735560"/>
           </a:xfrm>
           <a:prstGeom prst="rect">
             <a:avLst/>
@@ -29815,7 +29815,7 @@
         <p:spPr>
           <a:xfrm>
             <a:off x="522360" y="3531600"/>
-            <a:ext cx="11058480" cy="363960"/>
+            <a:ext cx="11058120" cy="363960"/>
           </a:xfrm>
           <a:prstGeom prst="rect">
             <a:avLst/>
@@ -30408,7 +30408,7 @@
         <p:spPr>
           <a:xfrm>
             <a:off x="248400" y="0"/>
-            <a:ext cx="11694960" cy="699120"/>
+            <a:ext cx="11694600" cy="699120"/>
           </a:xfrm>
           <a:prstGeom prst="rect">
             <a:avLst/>
@@ -30463,7 +30463,7 @@
         <p:spPr>
           <a:xfrm>
             <a:off x="248400" y="762120"/>
-            <a:ext cx="11694960" cy="2558520"/>
+            <a:ext cx="11694600" cy="2558520"/>
           </a:xfrm>
           <a:prstGeom prst="rect">
             <a:avLst/>
@@ -30684,7 +30684,7 @@
         <p:spPr>
           <a:xfrm>
             <a:off x="248400" y="3206880"/>
-            <a:ext cx="11694960" cy="1004400"/>
+            <a:ext cx="11694600" cy="1004400"/>
           </a:xfrm>
           <a:prstGeom prst="rect">
             <a:avLst/>
@@ -30775,7 +30775,7 @@
         <p:spPr>
           <a:xfrm>
             <a:off x="340560" y="4608000"/>
-            <a:ext cx="8872200" cy="1735560"/>
+            <a:ext cx="8871840" cy="1735560"/>
           </a:xfrm>
           <a:prstGeom prst="rect">
             <a:avLst/>
@@ -30796,7 +30796,7 @@
             <a:spAutoFit/>
           </a:bodyPr>
           <a:p>
-            <a:pPr marL="285840" indent="-268200">
+            <a:pPr marL="285840" indent="-267840">
               <a:lnSpc>
                 <a:spcPct val="150000"/>
               </a:lnSpc>
@@ -30841,7 +30841,7 @@
             </a:endParaRPr>
           </a:p>
           <a:p>
-            <a:pPr marL="285840" indent="-268200">
+            <a:pPr marL="285840" indent="-267840">
               <a:lnSpc>
                 <a:spcPct val="150000"/>
               </a:lnSpc>
@@ -30886,7 +30886,7 @@
             </a:endParaRPr>
           </a:p>
           <a:p>
-            <a:pPr marL="285840" indent="-268200">
+            <a:pPr marL="285840" indent="-267840">
               <a:lnSpc>
                 <a:spcPct val="150000"/>
               </a:lnSpc>
@@ -30931,7 +30931,7 @@
             </a:endParaRPr>
           </a:p>
           <a:p>
-            <a:pPr marL="285840" indent="-268200">
+            <a:pPr marL="285840" indent="-267840">
               <a:lnSpc>
                 <a:spcPct val="150000"/>
               </a:lnSpc>
@@ -31051,7 +31051,7 @@
         <p:spPr>
           <a:xfrm>
             <a:off x="1676520" y="2362320"/>
-            <a:ext cx="8821440" cy="912600"/>
+            <a:ext cx="8821080" cy="912600"/>
           </a:xfrm>
           <a:prstGeom prst="rect">
             <a:avLst/>
@@ -31102,7 +31102,7 @@
         <p:spPr>
           <a:xfrm>
             <a:off x="1666800" y="609480"/>
-            <a:ext cx="8821440" cy="394560"/>
+            <a:ext cx="8821080" cy="394560"/>
           </a:xfrm>
           <a:prstGeom prst="rect">
             <a:avLst/>
@@ -31153,7 +31153,7 @@
         <p:spPr>
           <a:xfrm>
             <a:off x="522360" y="3531600"/>
-            <a:ext cx="11058480" cy="1186920"/>
+            <a:ext cx="11058120" cy="1186920"/>
           </a:xfrm>
           <a:prstGeom prst="rect">
             <a:avLst/>
@@ -31234,7 +31234,7 @@
         <p:spPr>
           <a:xfrm>
             <a:off x="1676520" y="2362320"/>
-            <a:ext cx="8821440" cy="912960"/>
+            <a:ext cx="8821080" cy="912600"/>
           </a:xfrm>
           <a:prstGeom prst="rect">
             <a:avLst/>
@@ -31285,7 +31285,7 @@
         <p:spPr>
           <a:xfrm>
             <a:off x="522360" y="3531600"/>
-            <a:ext cx="11058480" cy="363960"/>
+            <a:ext cx="11058120" cy="363960"/>
           </a:xfrm>
           <a:prstGeom prst="rect">
             <a:avLst/>
@@ -31366,7 +31366,7 @@
         <p:spPr>
           <a:xfrm>
             <a:off x="248400" y="0"/>
-            <a:ext cx="11694960" cy="699120"/>
+            <a:ext cx="11694600" cy="699120"/>
           </a:xfrm>
           <a:prstGeom prst="rect">
             <a:avLst/>
@@ -31421,7 +31421,7 @@
         <p:spPr>
           <a:xfrm>
             <a:off x="248400" y="762120"/>
-            <a:ext cx="11694960" cy="1461240"/>
+            <a:ext cx="11694600" cy="1461240"/>
           </a:xfrm>
           <a:prstGeom prst="rect">
             <a:avLst/>
@@ -31542,7 +31542,7 @@
         <p:spPr>
           <a:xfrm>
             <a:off x="248400" y="2450880"/>
-            <a:ext cx="11694960" cy="394560"/>
+            <a:ext cx="11694600" cy="394560"/>
           </a:xfrm>
           <a:prstGeom prst="rect">
             <a:avLst/>
@@ -31593,7 +31593,7 @@
         <p:spPr>
           <a:xfrm>
             <a:off x="288000" y="3031920"/>
-            <a:ext cx="11806920" cy="2147040"/>
+            <a:ext cx="11806560" cy="2147040"/>
           </a:xfrm>
           <a:prstGeom prst="rect">
             <a:avLst/>
@@ -31614,7 +31614,7 @@
             <a:spAutoFit/>
           </a:bodyPr>
           <a:p>
-            <a:pPr marL="285840" indent="-268200">
+            <a:pPr marL="285840" indent="-267840">
               <a:lnSpc>
                 <a:spcPct val="150000"/>
               </a:lnSpc>
@@ -31659,7 +31659,7 @@
             </a:endParaRPr>
           </a:p>
           <a:p>
-            <a:pPr marL="285840" indent="-268200">
+            <a:pPr marL="285840" indent="-267840">
               <a:lnSpc>
                 <a:spcPct val="150000"/>
               </a:lnSpc>
@@ -31789,7 +31789,7 @@
         <p:spPr>
           <a:xfrm>
             <a:off x="1676520" y="2362320"/>
-            <a:ext cx="8821440" cy="912960"/>
+            <a:ext cx="8821080" cy="912600"/>
           </a:xfrm>
           <a:prstGeom prst="rect">
             <a:avLst/>
@@ -31840,7 +31840,7 @@
         <p:spPr>
           <a:xfrm>
             <a:off x="522360" y="3531600"/>
-            <a:ext cx="11058480" cy="363960"/>
+            <a:ext cx="11058120" cy="363960"/>
           </a:xfrm>
           <a:prstGeom prst="rect">
             <a:avLst/>
@@ -31921,7 +31921,7 @@
         <p:spPr>
           <a:xfrm>
             <a:off x="1676520" y="2362320"/>
-            <a:ext cx="8821440" cy="912600"/>
+            <a:ext cx="8821080" cy="912600"/>
           </a:xfrm>
           <a:prstGeom prst="rect">
             <a:avLst/>
@@ -31972,7 +31972,7 @@
         <p:spPr>
           <a:xfrm>
             <a:off x="522360" y="3531600"/>
-            <a:ext cx="11058480" cy="363960"/>
+            <a:ext cx="11058120" cy="363960"/>
           </a:xfrm>
           <a:prstGeom prst="rect">
             <a:avLst/>
@@ -32053,7 +32053,7 @@
         <p:spPr>
           <a:xfrm>
             <a:off x="248400" y="0"/>
-            <a:ext cx="11694960" cy="699120"/>
+            <a:ext cx="11694600" cy="699120"/>
           </a:xfrm>
           <a:prstGeom prst="rect">
             <a:avLst/>
@@ -32108,7 +32108,7 @@
         <p:spPr>
           <a:xfrm>
             <a:off x="248400" y="762120"/>
-            <a:ext cx="9902880" cy="2009880"/>
+            <a:ext cx="9902520" cy="2009880"/>
           </a:xfrm>
           <a:prstGeom prst="rect">
             <a:avLst/>
@@ -32289,7 +32289,7 @@
         <p:spPr>
           <a:xfrm>
             <a:off x="248400" y="3062880"/>
-            <a:ext cx="9830880" cy="699480"/>
+            <a:ext cx="9830520" cy="699480"/>
           </a:xfrm>
           <a:prstGeom prst="rect">
             <a:avLst/>
@@ -32340,7 +32340,7 @@
         <p:spPr>
           <a:xfrm>
             <a:off x="288000" y="3751920"/>
-            <a:ext cx="11806920" cy="2970000"/>
+            <a:ext cx="11806560" cy="2970000"/>
           </a:xfrm>
           <a:prstGeom prst="rect">
             <a:avLst/>
@@ -32361,7 +32361,7 @@
             <a:spAutoFit/>
           </a:bodyPr>
           <a:p>
-            <a:pPr marL="285840" indent="-268200">
+            <a:pPr marL="285840" indent="-267840">
               <a:lnSpc>
                 <a:spcPct val="150000"/>
               </a:lnSpc>
@@ -32406,7 +32406,7 @@
             </a:endParaRPr>
           </a:p>
           <a:p>
-            <a:pPr marL="285840" indent="-268200">
+            <a:pPr marL="285840" indent="-267840">
               <a:lnSpc>
                 <a:spcPct val="150000"/>
               </a:lnSpc>
@@ -32451,7 +32451,7 @@
             </a:endParaRPr>
           </a:p>
           <a:p>
-            <a:pPr marL="285840" indent="-268200">
+            <a:pPr marL="285840" indent="-267840">
               <a:lnSpc>
                 <a:spcPct val="150000"/>
               </a:lnSpc>
@@ -32496,7 +32496,7 @@
             </a:endParaRPr>
           </a:p>
           <a:p>
-            <a:pPr marL="285840" indent="-268200">
+            <a:pPr marL="285840" indent="-267840">
               <a:lnSpc>
                 <a:spcPct val="150000"/>
               </a:lnSpc>
@@ -32541,7 +32541,7 @@
             </a:endParaRPr>
           </a:p>
           <a:p>
-            <a:pPr marL="285840" indent="-268200">
+            <a:pPr marL="285840" indent="-267840">
               <a:lnSpc>
                 <a:spcPct val="150000"/>
               </a:lnSpc>
@@ -32586,7 +32586,7 @@
             </a:endParaRPr>
           </a:p>
           <a:p>
-            <a:pPr marL="285840" indent="-268200">
+            <a:pPr marL="285840" indent="-267840">
               <a:lnSpc>
                 <a:spcPct val="150000"/>
               </a:lnSpc>
@@ -32631,7 +32631,7 @@
             </a:endParaRPr>
           </a:p>
           <a:p>
-            <a:pPr marL="285840" indent="-268200">
+            <a:pPr marL="285840" indent="-267840">
               <a:lnSpc>
                 <a:spcPct val="150000"/>
               </a:lnSpc>
@@ -32721,7 +32721,7 @@
         <p:spPr>
           <a:xfrm>
             <a:off x="10332000" y="682560"/>
-            <a:ext cx="1895400" cy="5714280"/>
+            <a:ext cx="1895040" cy="5713920"/>
           </a:xfrm>
           <a:prstGeom prst="rect">
             <a:avLst/>
@@ -33352,7 +33352,7 @@
         <p:spPr>
           <a:xfrm>
             <a:off x="248400" y="0"/>
-            <a:ext cx="11694960" cy="699120"/>
+            <a:ext cx="11694600" cy="699120"/>
           </a:xfrm>
           <a:prstGeom prst="rect">
             <a:avLst/>
@@ -33407,7 +33407,7 @@
         <p:spPr>
           <a:xfrm>
             <a:off x="248400" y="762120"/>
-            <a:ext cx="9902880" cy="638640"/>
+            <a:ext cx="9902520" cy="638280"/>
           </a:xfrm>
           <a:prstGeom prst="rect">
             <a:avLst/>
@@ -33468,7 +33468,7 @@
         <p:spPr>
           <a:xfrm>
             <a:off x="248400" y="1694880"/>
-            <a:ext cx="9830880" cy="394920"/>
+            <a:ext cx="9830520" cy="394560"/>
           </a:xfrm>
           <a:prstGeom prst="rect">
             <a:avLst/>
@@ -33519,7 +33519,7 @@
         <p:spPr>
           <a:xfrm>
             <a:off x="288000" y="2491920"/>
-            <a:ext cx="11806920" cy="912960"/>
+            <a:ext cx="11806560" cy="912600"/>
           </a:xfrm>
           <a:prstGeom prst="rect">
             <a:avLst/>
@@ -33540,7 +33540,7 @@
             <a:spAutoFit/>
           </a:bodyPr>
           <a:p>
-            <a:pPr marL="285840" indent="-268200">
+            <a:pPr marL="285840" indent="-267840">
               <a:lnSpc>
                 <a:spcPct val="150000"/>
               </a:lnSpc>
@@ -33585,7 +33585,7 @@
             </a:endParaRPr>
           </a:p>
           <a:p>
-            <a:pPr marL="285840" indent="-268200">
+            <a:pPr marL="285840" indent="-267840">
               <a:lnSpc>
                 <a:spcPct val="150000"/>
               </a:lnSpc>
@@ -33705,7 +33705,7 @@
         <p:spPr>
           <a:xfrm>
             <a:off x="1676520" y="2362320"/>
-            <a:ext cx="8821440" cy="1735560"/>
+            <a:ext cx="8821080" cy="1735560"/>
           </a:xfrm>
           <a:prstGeom prst="rect">
             <a:avLst/>
@@ -33739,17 +33739,7 @@
                 <a:latin typeface="Century"/>
                 <a:ea typeface="DejaVu Sans"/>
               </a:rPr>
-              <a:t>zrangebyscore &amp; </a:t>
-            </a:r>
-            <a:r>
-              <a:rPr b="0" i="1" lang="en-IN" sz="5400" spc="-1" strike="noStrike">
-                <a:solidFill>
-                  <a:srgbClr val="f7c120"/>
-                </a:solidFill>
-                <a:latin typeface="Century"/>
-                <a:ea typeface="DejaVu Sans"/>
-              </a:rPr>
-              <a:t>zrevrangebyscore</a:t>
+              <a:t>zrangebyscore &amp; zrevrangebyscore</a:t>
             </a:r>
             <a:endParaRPr b="0" lang="en-IN" sz="5400" spc="-1" strike="noStrike">
               <a:latin typeface="Arial"/>
@@ -33766,7 +33756,7 @@
         <p:spPr>
           <a:xfrm>
             <a:off x="522360" y="3531600"/>
-            <a:ext cx="11058480" cy="363960"/>
+            <a:ext cx="11058120" cy="363960"/>
           </a:xfrm>
           <a:prstGeom prst="rect">
             <a:avLst/>
@@ -33847,7 +33837,7 @@
         <p:spPr>
           <a:xfrm>
             <a:off x="248400" y="0"/>
-            <a:ext cx="11694960" cy="699120"/>
+            <a:ext cx="11694600" cy="699120"/>
           </a:xfrm>
           <a:prstGeom prst="rect">
             <a:avLst/>
@@ -33885,17 +33875,7 @@
                 <a:latin typeface="Open Sans"/>
                 <a:ea typeface="DejaVu Sans"/>
               </a:rPr>
-              <a:t>zrangebyscore &amp; </a:t>
-            </a:r>
-            <a:r>
-              <a:rPr b="0" lang="en-IN" sz="4000" spc="-1" strike="noStrike">
-                <a:solidFill>
-                  <a:srgbClr val="f7c120"/>
-                </a:solidFill>
-                <a:latin typeface="Open Sans"/>
-                <a:ea typeface="DejaVu Sans"/>
-              </a:rPr>
-              <a:t>zrevrangebyscore</a:t>
+              <a:t>zrangebyscore &amp; zrevrangebyscore</a:t>
             </a:r>
             <a:endParaRPr b="0" lang="en-IN" sz="4000" spc="-1" strike="noStrike">
               <a:latin typeface="Arial"/>
@@ -33912,7 +33892,7 @@
         <p:spPr>
           <a:xfrm>
             <a:off x="248400" y="762120"/>
-            <a:ext cx="11702880" cy="1857960"/>
+            <a:ext cx="11702520" cy="2009880"/>
           </a:xfrm>
           <a:prstGeom prst="rect">
             <a:avLst/>
@@ -34033,7 +34013,11 @@
             </a:endParaRPr>
           </a:p>
           <a:p>
-            <a:pPr algn="just"/>
+            <a:pPr algn="just">
+              <a:lnSpc>
+                <a:spcPct val="100000"/>
+              </a:lnSpc>
+            </a:pPr>
             <a:r>
               <a:rPr b="1" lang="en-US" sz="1800" spc="-1" strike="noStrike">
                 <a:solidFill>
@@ -34069,7 +34053,7 @@
         <p:spPr>
           <a:xfrm>
             <a:off x="248400" y="3062880"/>
-            <a:ext cx="9830880" cy="699480"/>
+            <a:ext cx="9830520" cy="699480"/>
           </a:xfrm>
           <a:prstGeom prst="rect">
             <a:avLst/>
@@ -34140,7 +34124,7 @@
         <p:spPr>
           <a:xfrm>
             <a:off x="288000" y="3751920"/>
-            <a:ext cx="11806920" cy="2970000"/>
+            <a:ext cx="11806560" cy="2970000"/>
           </a:xfrm>
           <a:prstGeom prst="rect">
             <a:avLst/>
@@ -34161,7 +34145,7 @@
             <a:spAutoFit/>
           </a:bodyPr>
           <a:p>
-            <a:pPr marL="285840" indent="-268200">
+            <a:pPr marL="285840" indent="-267840">
               <a:lnSpc>
                 <a:spcPct val="150000"/>
               </a:lnSpc>
@@ -34206,7 +34190,7 @@
             </a:endParaRPr>
           </a:p>
           <a:p>
-            <a:pPr marL="285840" indent="-268200">
+            <a:pPr marL="285840" indent="-267840">
               <a:lnSpc>
                 <a:spcPct val="150000"/>
               </a:lnSpc>
@@ -34251,7 +34235,7 @@
             </a:endParaRPr>
           </a:p>
           <a:p>
-            <a:pPr marL="285840" indent="-268200">
+            <a:pPr marL="285840" indent="-267840">
               <a:lnSpc>
                 <a:spcPct val="150000"/>
               </a:lnSpc>
@@ -34296,7 +34280,7 @@
             </a:endParaRPr>
           </a:p>
           <a:p>
-            <a:pPr marL="285840" indent="-268200">
+            <a:pPr marL="285840" indent="-267840">
               <a:lnSpc>
                 <a:spcPct val="150000"/>
               </a:lnSpc>
@@ -34341,7 +34325,7 @@
             </a:endParaRPr>
           </a:p>
           <a:p>
-            <a:pPr marL="285840" indent="-268200">
+            <a:pPr marL="285840" indent="-267840">
               <a:lnSpc>
                 <a:spcPct val="150000"/>
               </a:lnSpc>
@@ -34386,7 +34370,7 @@
             </a:endParaRPr>
           </a:p>
           <a:p>
-            <a:pPr marL="285840" indent="-268200">
+            <a:pPr marL="285840" indent="-267840">
               <a:lnSpc>
                 <a:spcPct val="150000"/>
               </a:lnSpc>
@@ -34431,7 +34415,7 @@
             </a:endParaRPr>
           </a:p>
           <a:p>
-            <a:pPr marL="285840" indent="-268200">
+            <a:pPr marL="285840" indent="-267840">
               <a:lnSpc>
                 <a:spcPct val="150000"/>
               </a:lnSpc>
@@ -34551,7 +34535,7 @@
         <p:spPr>
           <a:xfrm>
             <a:off x="1676520" y="2362320"/>
-            <a:ext cx="8821440" cy="1735560"/>
+            <a:ext cx="8821080" cy="1735560"/>
           </a:xfrm>
           <a:prstGeom prst="rect">
             <a:avLst/>
@@ -34585,7 +34569,7 @@
                 <a:latin typeface="Century"/>
                 <a:ea typeface="DejaVu Sans"/>
               </a:rPr>
-              <a:t>zrank, zrevrank and zscore</a:t>
+              <a:t>zrank, zrevrank and zscore, zmscore</a:t>
             </a:r>
             <a:endParaRPr b="0" lang="en-IN" sz="5400" spc="-1" strike="noStrike">
               <a:latin typeface="Arial"/>
@@ -34602,7 +34586,7 @@
         <p:spPr>
           <a:xfrm>
             <a:off x="522360" y="3531600"/>
-            <a:ext cx="11058480" cy="363960"/>
+            <a:ext cx="11058120" cy="363960"/>
           </a:xfrm>
           <a:prstGeom prst="rect">
             <a:avLst/>
@@ -34683,7 +34667,7 @@
         <p:spPr>
           <a:xfrm>
             <a:off x="248400" y="0"/>
-            <a:ext cx="11694960" cy="699120"/>
+            <a:ext cx="11694600" cy="699120"/>
           </a:xfrm>
           <a:prstGeom prst="rect">
             <a:avLst/>
@@ -34721,7 +34705,7 @@
                 <a:latin typeface="Open Sans"/>
                 <a:ea typeface="DejaVu Sans"/>
               </a:rPr>
-              <a:t>zrank, zrevrank &amp; zscore</a:t>
+              <a:t>zrank, zrevrank &amp; zscore, zmscore</a:t>
             </a:r>
             <a:endParaRPr b="0" lang="en-IN" sz="4000" spc="-1" strike="noStrike">
               <a:latin typeface="Arial"/>
@@ -34738,7 +34722,7 @@
         <p:spPr>
           <a:xfrm>
             <a:off x="248400" y="762120"/>
-            <a:ext cx="11702880" cy="2009880"/>
+            <a:ext cx="11702520" cy="2375640"/>
           </a:xfrm>
           <a:prstGeom prst="rect">
             <a:avLst/>
@@ -34868,6 +34852,42 @@
               <a:latin typeface="Arial"/>
             </a:endParaRPr>
           </a:p>
+          <a:p>
+            <a:pPr algn="just">
+              <a:lnSpc>
+                <a:spcPct val="100000"/>
+              </a:lnSpc>
+            </a:pPr>
+            <a:endParaRPr b="0" lang="en-IN" sz="1800" spc="-1" strike="noStrike">
+              <a:latin typeface="Arial"/>
+            </a:endParaRPr>
+          </a:p>
+          <a:p>
+            <a:pPr algn="just"/>
+            <a:r>
+              <a:rPr b="1" lang="en-US" sz="1800" spc="-1" strike="noStrike">
+                <a:solidFill>
+                  <a:srgbClr val="7c4dff"/>
+                </a:solidFill>
+                <a:latin typeface="Arial"/>
+                <a:ea typeface="DejaVu Sans"/>
+              </a:rPr>
+              <a:t>ZMSCORE</a:t>
+            </a:r>
+            <a:r>
+              <a:rPr b="0" lang="en-US" sz="1800" spc="-1" strike="noStrike">
+                <a:solidFill>
+                  <a:srgbClr val="000000"/>
+                </a:solidFill>
+                <a:latin typeface="Arial"/>
+                <a:ea typeface="DejaVu Sans"/>
+              </a:rPr>
+              <a:t> returns the scores associated with the specified members in the sorted set stored at key. For every member that does not exist in the sorted set, a nil value is returned.</a:t>
+            </a:r>
+            <a:endParaRPr b="0" lang="en-IN" sz="1800" spc="-1" strike="noStrike">
+              <a:latin typeface="Arial"/>
+            </a:endParaRPr>
+          </a:p>
         </p:txBody>
       </p:sp>
       <p:sp>
@@ -34878,8 +34898,8 @@
         </p:nvSpPr>
         <p:spPr>
           <a:xfrm>
-            <a:off x="248400" y="3062880"/>
-            <a:ext cx="9830880" cy="1004400"/>
+            <a:off x="248400" y="3638880"/>
+            <a:ext cx="9830520" cy="1309320"/>
           </a:xfrm>
           <a:prstGeom prst="rect">
             <a:avLst/>
@@ -34959,6 +34979,26 @@
               <a:latin typeface="Arial"/>
             </a:endParaRPr>
           </a:p>
+          <a:p>
+            <a:pPr>
+              <a:lnSpc>
+                <a:spcPct val="100000"/>
+              </a:lnSpc>
+            </a:pPr>
+            <a:r>
+              <a:rPr b="0" lang="en-US" sz="2000" spc="-1" strike="noStrike">
+                <a:solidFill>
+                  <a:srgbClr val="00b0f0"/>
+                </a:solidFill>
+                <a:latin typeface="Consolas"/>
+                <a:ea typeface="DejaVu Sans"/>
+              </a:rPr>
+              <a:t>ZMSCORE key member [member ...]</a:t>
+            </a:r>
+            <a:endParaRPr b="0" lang="en-IN" sz="2000" spc="-1" strike="noStrike">
+              <a:latin typeface="Arial"/>
+            </a:endParaRPr>
+          </a:p>
         </p:txBody>
       </p:sp>
       <p:sp>
@@ -34969,8 +35009,8 @@
         </p:nvSpPr>
         <p:spPr>
           <a:xfrm>
-            <a:off x="288000" y="4327920"/>
-            <a:ext cx="11806920" cy="1324080"/>
+            <a:off x="288000" y="5011920"/>
+            <a:ext cx="11806560" cy="1735560"/>
           </a:xfrm>
           <a:prstGeom prst="rect">
             <a:avLst/>
@@ -34991,7 +35031,7 @@
             <a:spAutoFit/>
           </a:bodyPr>
           <a:p>
-            <a:pPr marL="285840" indent="-268200">
+            <a:pPr marL="285840" indent="-267840">
               <a:lnSpc>
                 <a:spcPct val="150000"/>
               </a:lnSpc>
@@ -35036,7 +35076,7 @@
             </a:endParaRPr>
           </a:p>
           <a:p>
-            <a:pPr marL="285840" indent="-268200">
+            <a:pPr marL="285840" indent="-267840">
               <a:lnSpc>
                 <a:spcPct val="150000"/>
               </a:lnSpc>
@@ -35081,7 +35121,7 @@
             </a:endParaRPr>
           </a:p>
           <a:p>
-            <a:pPr marL="285840" indent="-268200">
+            <a:pPr marL="285840" indent="-267840">
               <a:lnSpc>
                 <a:spcPct val="150000"/>
               </a:lnSpc>
@@ -35120,6 +35160,51 @@
                 <a:ea typeface="SimSun"/>
               </a:rPr>
               <a:t>zscore game:1 saleel</a:t>
+            </a:r>
+            <a:endParaRPr b="0" lang="en-IN" sz="1800" spc="-1" strike="noStrike">
+              <a:latin typeface="Arial"/>
+            </a:endParaRPr>
+          </a:p>
+          <a:p>
+            <a:pPr marL="285840" indent="-267840">
+              <a:lnSpc>
+                <a:spcPct val="150000"/>
+              </a:lnSpc>
+              <a:buClr>
+                <a:srgbClr val="808080"/>
+              </a:buClr>
+              <a:buFont typeface="Arial"/>
+              <a:buChar char="•"/>
+            </a:pPr>
+            <a:r>
+              <a:rPr b="0" lang="en-IN" sz="1800" spc="-1" strike="noStrike">
+                <a:solidFill>
+                  <a:srgbClr val="808080"/>
+                </a:solidFill>
+                <a:latin typeface="Consolas"/>
+                <a:ea typeface="SimSun"/>
+              </a:rPr>
+              <a:t>127.0.0.1:6379&gt;</a:t>
+            </a:r>
+            <a:r>
+              <a:rPr b="0" lang="en-IN" sz="1800" spc="-1" strike="noStrike">
+                <a:solidFill>
+                  <a:srgbClr val="000000"/>
+                </a:solidFill>
+                <a:latin typeface="Consolas"/>
+                <a:ea typeface="SimSun"/>
+              </a:rPr>
+              <a:t> </a:t>
+            </a:r>
+            <a:r>
+              <a:rPr b="0" lang="en-IN" sz="1800" spc="-1" strike="noStrike">
+                <a:solidFill>
+                  <a:srgbClr val="ff5733"/>
+                </a:solidFill>
+                <a:latin typeface="Consolas"/>
+                <a:ea typeface="SimSun"/>
+              </a:rPr>
+              <a:t>zmscore game:1 saleel sharmin</a:t>
             </a:r>
             <a:endParaRPr b="0" lang="en-IN" sz="1800" spc="-1" strike="noStrike">
               <a:latin typeface="Arial"/>
@@ -35135,7 +35220,7 @@
         </p:nvSpPr>
         <p:spPr>
           <a:xfrm>
-            <a:off x="0" y="2778840"/>
+            <a:off x="0" y="3354840"/>
             <a:ext cx="12191760" cy="0"/>
           </a:xfrm>
           <a:prstGeom prst="line">
@@ -35201,7 +35286,7 @@
         <p:spPr>
           <a:xfrm>
             <a:off x="1676520" y="2362320"/>
-            <a:ext cx="8821440" cy="913320"/>
+            <a:ext cx="8821080" cy="912960"/>
           </a:xfrm>
           <a:prstGeom prst="rect">
             <a:avLst/>
@@ -35252,7 +35337,7 @@
         <p:spPr>
           <a:xfrm>
             <a:off x="522360" y="3531600"/>
-            <a:ext cx="11058480" cy="363960"/>
+            <a:ext cx="11058120" cy="363960"/>
           </a:xfrm>
           <a:prstGeom prst="rect">
             <a:avLst/>
@@ -35333,7 +35418,7 @@
         <p:spPr>
           <a:xfrm>
             <a:off x="248400" y="0"/>
-            <a:ext cx="11694960" cy="699120"/>
+            <a:ext cx="11694600" cy="699120"/>
           </a:xfrm>
           <a:prstGeom prst="rect">
             <a:avLst/>
@@ -35388,7 +35473,7 @@
         <p:spPr>
           <a:xfrm>
             <a:off x="248400" y="762120"/>
-            <a:ext cx="11702880" cy="1186920"/>
+            <a:ext cx="11702520" cy="1186920"/>
           </a:xfrm>
           <a:prstGeom prst="rect">
             <a:avLst/>
@@ -35426,6 +35511,9 @@
             </a:r>
             <a:r>
               <a:rPr b="0" lang="en-US" sz="1800" spc="-1" strike="noStrike">
+                <a:solidFill>
+                  <a:srgbClr val="000000"/>
+                </a:solidFill>
                 <a:latin typeface="Arial"/>
                 <a:ea typeface="DejaVu Sans"/>
               </a:rPr>
@@ -35433,6 +35521,9 @@
             </a:r>
             <a:r>
               <a:rPr b="1" lang="en-US" sz="1800" spc="-1" strike="noStrike">
+                <a:solidFill>
+                  <a:srgbClr val="000000"/>
+                </a:solidFill>
                 <a:latin typeface="Arial"/>
                 <a:ea typeface="DejaVu Sans"/>
               </a:rPr>
@@ -35440,20 +35531,13 @@
             </a:r>
             <a:r>
               <a:rPr b="0" lang="en-US" sz="1800" spc="-1" strike="noStrike">
+                <a:solidFill>
+                  <a:srgbClr val="000000"/>
+                </a:solidFill>
                 <a:latin typeface="Arial"/>
                 <a:ea typeface="DejaVu Sans"/>
               </a:rPr>
-              <a:t>. </a:t>
-            </a:r>
-            <a:r>
-              <a:rPr b="0" lang="en-US" sz="1800" spc="-1" strike="noStrike">
-                <a:solidFill>
-                  <a:srgbClr val="000000"/>
-                </a:solidFill>
-                <a:latin typeface="Arial"/>
-                <a:ea typeface="DejaVu Sans"/>
-              </a:rPr>
-              <a:t>It is possible to specify an open interval </a:t>
+              <a:t>. It is possible to specify an open interval </a:t>
             </a:r>
             <a:r>
               <a:rPr b="1" lang="en-US" sz="1800" spc="-1" strike="noStrike">
@@ -35550,7 +35634,7 @@
         <p:spPr>
           <a:xfrm>
             <a:off x="248400" y="3062880"/>
-            <a:ext cx="9830880" cy="395280"/>
+            <a:ext cx="9830520" cy="394920"/>
           </a:xfrm>
           <a:prstGeom prst="rect">
             <a:avLst/>
@@ -35601,7 +35685,7 @@
         <p:spPr>
           <a:xfrm>
             <a:off x="288000" y="4327920"/>
-            <a:ext cx="11806920" cy="1324080"/>
+            <a:ext cx="11806560" cy="1324080"/>
           </a:xfrm>
           <a:prstGeom prst="rect">
             <a:avLst/>
@@ -35622,7 +35706,7 @@
             <a:spAutoFit/>
           </a:bodyPr>
           <a:p>
-            <a:pPr marL="285840" indent="-268200">
+            <a:pPr marL="285840" indent="-267840">
               <a:lnSpc>
                 <a:spcPct val="150000"/>
               </a:lnSpc>
@@ -35667,7 +35751,7 @@
             </a:endParaRPr>
           </a:p>
           <a:p>
-            <a:pPr marL="285840" indent="-268200">
+            <a:pPr marL="285840" indent="-267840">
               <a:lnSpc>
                 <a:spcPct val="150000"/>
               </a:lnSpc>
@@ -35712,7 +35796,7 @@
             </a:endParaRPr>
           </a:p>
           <a:p>
-            <a:pPr marL="285840" indent="-268200">
+            <a:pPr marL="285840" indent="-267840">
               <a:lnSpc>
                 <a:spcPct val="150000"/>
               </a:lnSpc>
@@ -35832,7 +35916,7 @@
         <p:spPr>
           <a:xfrm>
             <a:off x="1676520" y="2362320"/>
-            <a:ext cx="8821440" cy="912600"/>
+            <a:ext cx="8821080" cy="912600"/>
           </a:xfrm>
           <a:prstGeom prst="rect">
             <a:avLst/>
@@ -35883,7 +35967,7 @@
         <p:spPr>
           <a:xfrm>
             <a:off x="1666800" y="609480"/>
-            <a:ext cx="8821440" cy="394560"/>
+            <a:ext cx="8821080" cy="394560"/>
           </a:xfrm>
           <a:prstGeom prst="rect">
             <a:avLst/>
@@ -35934,7 +36018,7 @@
         <p:spPr>
           <a:xfrm>
             <a:off x="522360" y="3531600"/>
-            <a:ext cx="11058480" cy="363960"/>
+            <a:ext cx="11058120" cy="363960"/>
           </a:xfrm>
           <a:prstGeom prst="rect">
             <a:avLst/>
@@ -36015,7 +36099,7 @@
         <p:spPr>
           <a:xfrm>
             <a:off x="0" y="727200"/>
-            <a:ext cx="1937160" cy="424800"/>
+            <a:ext cx="1936800" cy="424800"/>
           </a:xfrm>
           <a:prstGeom prst="rect">
             <a:avLst/>
@@ -36066,7 +36150,7 @@
         <p:spPr>
           <a:xfrm>
             <a:off x="288000" y="2061720"/>
-            <a:ext cx="11657160" cy="4050000"/>
+            <a:ext cx="11656800" cy="4049640"/>
           </a:xfrm>
           <a:prstGeom prst="rect">
             <a:avLst/>
@@ -36127,7 +36211,7 @@
             </a:endParaRPr>
           </a:p>
           <a:p>
-            <a:pPr marL="216000" indent="-209160">
+            <a:pPr marL="216000" indent="-208800">
               <a:lnSpc>
                 <a:spcPct val="100000"/>
               </a:lnSpc>
@@ -36173,7 +36257,7 @@
             </a:endParaRPr>
           </a:p>
           <a:p>
-            <a:pPr marL="216000" indent="-209160">
+            <a:pPr marL="216000" indent="-208800">
               <a:lnSpc>
                 <a:spcPct val="100000"/>
               </a:lnSpc>
@@ -36329,7 +36413,7 @@
         <p:spPr>
           <a:xfrm>
             <a:off x="248400" y="0"/>
-            <a:ext cx="11694960" cy="699120"/>
+            <a:ext cx="11694600" cy="699120"/>
           </a:xfrm>
           <a:prstGeom prst="rect">
             <a:avLst/>
@@ -36384,7 +36468,7 @@
         <p:spPr>
           <a:xfrm>
             <a:off x="576000" y="1504080"/>
-            <a:ext cx="8345160" cy="361080"/>
+            <a:ext cx="8344800" cy="360720"/>
           </a:xfrm>
           <a:prstGeom prst="rect">
             <a:avLst/>
@@ -36435,7 +36519,7 @@
         <p:spPr>
           <a:xfrm>
             <a:off x="288000" y="5543280"/>
-            <a:ext cx="10829160" cy="1001880"/>
+            <a:ext cx="10828800" cy="1001520"/>
           </a:xfrm>
           <a:prstGeom prst="rect">
             <a:avLst/>
@@ -36596,7 +36680,7 @@
         <p:spPr>
           <a:xfrm>
             <a:off x="248400" y="0"/>
-            <a:ext cx="11694960" cy="699120"/>
+            <a:ext cx="11694600" cy="699120"/>
           </a:xfrm>
           <a:prstGeom prst="rect">
             <a:avLst/>
@@ -36651,7 +36735,7 @@
         <p:spPr>
           <a:xfrm>
             <a:off x="248400" y="762120"/>
-            <a:ext cx="11694960" cy="638280"/>
+            <a:ext cx="11694600" cy="638280"/>
           </a:xfrm>
           <a:prstGeom prst="rect">
             <a:avLst/>
@@ -36712,7 +36796,7 @@
         <p:spPr>
           <a:xfrm>
             <a:off x="1523880" y="4272480"/>
-            <a:ext cx="8872200" cy="2558520"/>
+            <a:ext cx="8871840" cy="2558520"/>
           </a:xfrm>
           <a:prstGeom prst="rect">
             <a:avLst/>
@@ -36733,7 +36817,7 @@
             <a:spAutoFit/>
           </a:bodyPr>
           <a:p>
-            <a:pPr marL="285840" indent="-268200">
+            <a:pPr marL="285840" indent="-267840">
               <a:lnSpc>
                 <a:spcPct val="150000"/>
               </a:lnSpc>
@@ -36778,7 +36862,7 @@
             </a:endParaRPr>
           </a:p>
           <a:p>
-            <a:pPr marL="285840" indent="-268200">
+            <a:pPr marL="285840" indent="-267840">
               <a:lnSpc>
                 <a:spcPct val="150000"/>
               </a:lnSpc>
@@ -36823,7 +36907,7 @@
             </a:endParaRPr>
           </a:p>
           <a:p>
-            <a:pPr marL="285840" indent="-268200">
+            <a:pPr marL="285840" indent="-267840">
               <a:lnSpc>
                 <a:spcPct val="150000"/>
               </a:lnSpc>
@@ -36868,7 +36952,7 @@
             </a:endParaRPr>
           </a:p>
           <a:p>
-            <a:pPr marL="285840" indent="-268200">
+            <a:pPr marL="285840" indent="-267840">
               <a:lnSpc>
                 <a:spcPct val="150000"/>
               </a:lnSpc>
@@ -36913,7 +36997,7 @@
             </a:endParaRPr>
           </a:p>
           <a:p>
-            <a:pPr marL="285840" indent="-268200">
+            <a:pPr marL="285840" indent="-267840">
               <a:lnSpc>
                 <a:spcPct val="150000"/>
               </a:lnSpc>
@@ -36948,7 +37032,7 @@
             </a:endParaRPr>
           </a:p>
           <a:p>
-            <a:pPr marL="285840" indent="-268200">
+            <a:pPr marL="285840" indent="-267840">
               <a:lnSpc>
                 <a:spcPct val="150000"/>
               </a:lnSpc>
@@ -37548,7 +37632,7 @@
         <p:spPr>
           <a:xfrm>
             <a:off x="246600" y="1742040"/>
-            <a:ext cx="11696760" cy="394560"/>
+            <a:ext cx="11696400" cy="394560"/>
           </a:xfrm>
           <a:prstGeom prst="rect">
             <a:avLst/>
@@ -37639,7 +37723,7 @@
         <p:spPr>
           <a:xfrm>
             <a:off x="216000" y="216000"/>
-            <a:ext cx="1937160" cy="424800"/>
+            <a:ext cx="1936800" cy="424800"/>
           </a:xfrm>
           <a:prstGeom prst="rect">
             <a:avLst/>
@@ -37690,7 +37774,7 @@
         <p:spPr>
           <a:xfrm>
             <a:off x="432720" y="1224000"/>
-            <a:ext cx="8345160" cy="361080"/>
+            <a:ext cx="8344800" cy="360720"/>
           </a:xfrm>
           <a:prstGeom prst="rect">
             <a:avLst/>
@@ -37741,7 +37825,7 @@
         <p:spPr>
           <a:xfrm>
             <a:off x="288000" y="1656000"/>
-            <a:ext cx="604800" cy="392760"/>
+            <a:ext cx="604440" cy="392400"/>
           </a:xfrm>
           <a:prstGeom prst="rect">
             <a:avLst/>
@@ -37792,7 +37876,7 @@
         <p:spPr>
           <a:xfrm>
             <a:off x="36000" y="2253600"/>
-            <a:ext cx="12095640" cy="3793320"/>
+            <a:ext cx="12095280" cy="3792960"/>
           </a:xfrm>
           <a:prstGeom prst="rect">
             <a:avLst/>
@@ -38323,7 +38407,7 @@
         <p:spPr>
           <a:xfrm>
             <a:off x="216000" y="216000"/>
-            <a:ext cx="1937160" cy="424800"/>
+            <a:ext cx="1936800" cy="424800"/>
           </a:xfrm>
           <a:prstGeom prst="rect">
             <a:avLst/>
@@ -38374,7 +38458,7 @@
         <p:spPr>
           <a:xfrm>
             <a:off x="432720" y="1224000"/>
-            <a:ext cx="8345160" cy="361080"/>
+            <a:ext cx="8344800" cy="360720"/>
           </a:xfrm>
           <a:prstGeom prst="rect">
             <a:avLst/>
@@ -38425,7 +38509,7 @@
         <p:spPr>
           <a:xfrm>
             <a:off x="36000" y="2253600"/>
-            <a:ext cx="12095640" cy="3381840"/>
+            <a:ext cx="12095280" cy="3381480"/>
           </a:xfrm>
           <a:prstGeom prst="rect">
             <a:avLst/>
@@ -38926,7 +39010,7 @@
         <p:spPr>
           <a:xfrm>
             <a:off x="288000" y="1656000"/>
-            <a:ext cx="604800" cy="392760"/>
+            <a:ext cx="604440" cy="392400"/>
           </a:xfrm>
           <a:prstGeom prst="rect">
             <a:avLst/>
@@ -39007,7 +39091,7 @@
         <p:spPr>
           <a:xfrm>
             <a:off x="1365840" y="188640"/>
-            <a:ext cx="9665280" cy="2192400"/>
+            <a:ext cx="9664920" cy="2192400"/>
           </a:xfrm>
           <a:prstGeom prst="rect">
             <a:avLst/>
@@ -39102,7 +39186,7 @@
         <p:spPr>
           <a:xfrm>
             <a:off x="4404600" y="2036160"/>
-            <a:ext cx="3108960" cy="4645800"/>
+            <a:ext cx="3108600" cy="4645440"/>
           </a:xfrm>
           <a:prstGeom prst="rect">
             <a:avLst/>
@@ -39151,7 +39235,7 @@
         <p:spPr>
           <a:xfrm>
             <a:off x="474480" y="2448000"/>
-            <a:ext cx="10389960" cy="2386800"/>
+            <a:ext cx="10389600" cy="2386440"/>
           </a:xfrm>
           <a:prstGeom prst="rect">
             <a:avLst/>
@@ -39202,7 +39286,7 @@
             </a:endParaRPr>
           </a:p>
           <a:p>
-            <a:pPr marL="216000" indent="-208440">
+            <a:pPr marL="216000" indent="-208080">
               <a:lnSpc>
                 <a:spcPct val="100000"/>
               </a:lnSpc>
@@ -39228,7 +39312,7 @@
             </a:endParaRPr>
           </a:p>
           <a:p>
-            <a:pPr marL="216000" indent="-208440">
+            <a:pPr marL="216000" indent="-208080">
               <a:lnSpc>
                 <a:spcPct val="100000"/>
               </a:lnSpc>
@@ -39254,7 +39338,7 @@
             </a:endParaRPr>
           </a:p>
           <a:p>
-            <a:pPr marL="216000" indent="-208440">
+            <a:pPr marL="216000" indent="-208080">
               <a:lnSpc>
                 <a:spcPct val="100000"/>
               </a:lnSpc>
@@ -39280,7 +39364,7 @@
             </a:endParaRPr>
           </a:p>
           <a:p>
-            <a:pPr marL="216000" indent="-208440">
+            <a:pPr marL="216000" indent="-208080">
               <a:lnSpc>
                 <a:spcPct val="100000"/>
               </a:lnSpc>
@@ -39306,7 +39390,7 @@
             </a:endParaRPr>
           </a:p>
           <a:p>
-            <a:pPr marL="216000" indent="-208440">
+            <a:pPr marL="216000" indent="-208080">
               <a:lnSpc>
                 <a:spcPct val="100000"/>
               </a:lnSpc>
@@ -39342,7 +39426,7 @@
         <p:spPr>
           <a:xfrm>
             <a:off x="363600" y="193320"/>
-            <a:ext cx="4236840" cy="591120"/>
+            <a:ext cx="4236480" cy="590760"/>
           </a:xfrm>
           <a:prstGeom prst="rect">
             <a:avLst/>
@@ -39413,7 +39497,7 @@
         <p:spPr>
           <a:xfrm>
             <a:off x="504000" y="5760000"/>
-            <a:ext cx="11152440" cy="594720"/>
+            <a:ext cx="11152080" cy="594360"/>
           </a:xfrm>
           <a:prstGeom prst="rect">
             <a:avLst/>
@@ -39476,7 +39560,7 @@
         <p:spPr>
           <a:xfrm>
             <a:off x="9648000" y="4014000"/>
-            <a:ext cx="2152440" cy="298440"/>
+            <a:ext cx="2152080" cy="298080"/>
           </a:xfrm>
           <a:prstGeom prst="rect">
             <a:avLst/>
@@ -39557,7 +39641,7 @@
         <p:spPr>
           <a:xfrm>
             <a:off x="1368000" y="1669320"/>
-            <a:ext cx="3665880" cy="2932560"/>
+            <a:ext cx="3665520" cy="2932200"/>
           </a:xfrm>
           <a:prstGeom prst="rect">
             <a:avLst/>
@@ -39872,7 +39956,7 @@
         <p:spPr>
           <a:xfrm>
             <a:off x="483840" y="144000"/>
-            <a:ext cx="8582760" cy="6435720"/>
+            <a:ext cx="8582400" cy="6435360"/>
           </a:xfrm>
           <a:prstGeom prst="rect">
             <a:avLst/>
@@ -39921,7 +40005,7 @@
         <p:spPr>
           <a:xfrm>
             <a:off x="1676520" y="2362320"/>
-            <a:ext cx="8821440" cy="912600"/>
+            <a:ext cx="8821080" cy="912600"/>
           </a:xfrm>
           <a:prstGeom prst="rect">
             <a:avLst/>
@@ -39972,7 +40056,7 @@
         <p:spPr>
           <a:xfrm>
             <a:off x="522360" y="3531600"/>
-            <a:ext cx="11058480" cy="363960"/>
+            <a:ext cx="11058120" cy="363960"/>
           </a:xfrm>
           <a:prstGeom prst="rect">
             <a:avLst/>

--- a/redis Ver2.pptx
+++ b/redis Ver2.pptx
@@ -2899,8 +2899,8 @@
         </p:nvSpPr>
         <p:spPr>
           <a:xfrm rot="5400000">
-            <a:off x="608400" y="6447240"/>
-            <a:ext cx="172800" cy="142560"/>
+            <a:off x="608760" y="6447240"/>
+            <a:ext cx="172440" cy="142200"/>
           </a:xfrm>
           <a:prstGeom prst="triangle">
             <a:avLst>
@@ -2941,7 +2941,7 @@
         <p:spPr>
           <a:xfrm>
             <a:off x="1206360" y="3648240"/>
-            <a:ext cx="9735480" cy="1262160"/>
+            <a:ext cx="9735120" cy="1261800"/>
           </a:xfrm>
           <a:prstGeom prst="rect">
             <a:avLst/>
@@ -2983,7 +2983,7 @@
         <p:spPr>
           <a:xfrm>
             <a:off x="1219320" y="5638680"/>
-            <a:ext cx="9735480" cy="667800"/>
+            <a:ext cx="9735120" cy="667440"/>
           </a:xfrm>
           <a:prstGeom prst="rect">
             <a:avLst/>
@@ -3025,7 +3025,7 @@
         <p:spPr>
           <a:xfrm>
             <a:off x="1206360" y="3648240"/>
-            <a:ext cx="286920" cy="1262160"/>
+            <a:ext cx="286560" cy="1261800"/>
           </a:xfrm>
           <a:prstGeom prst="rect">
             <a:avLst/>
@@ -3064,7 +3064,7 @@
         <p:spPr>
           <a:xfrm>
             <a:off x="1219320" y="5638680"/>
-            <a:ext cx="286920" cy="667800"/>
+            <a:ext cx="286560" cy="667440"/>
           </a:xfrm>
           <a:prstGeom prst="rect">
             <a:avLst/>
@@ -3420,8 +3420,8 @@
         </p:nvSpPr>
         <p:spPr>
           <a:xfrm rot="5400000">
-            <a:off x="608400" y="6447240"/>
-            <a:ext cx="172800" cy="142560"/>
+            <a:off x="608760" y="6447240"/>
+            <a:ext cx="172440" cy="142200"/>
           </a:xfrm>
           <a:prstGeom prst="triangle">
             <a:avLst>
@@ -3490,8 +3490,8 @@
         </p:nvSpPr>
         <p:spPr>
           <a:xfrm rot="5400000">
-            <a:off x="608400" y="6447240"/>
-            <a:ext cx="172800" cy="142560"/>
+            <a:off x="608760" y="6447240"/>
+            <a:ext cx="172440" cy="142200"/>
           </a:xfrm>
           <a:prstGeom prst="triangle">
             <a:avLst>
@@ -3785,7 +3785,7 @@
         <p:spPr>
           <a:xfrm>
             <a:off x="1975680" y="3553920"/>
-            <a:ext cx="8516520" cy="972720"/>
+            <a:ext cx="8516160" cy="972360"/>
           </a:xfrm>
           <a:prstGeom prst="rect">
             <a:avLst/>
@@ -3842,7 +3842,7 @@
         <p:spPr>
           <a:xfrm>
             <a:off x="181440" y="2001960"/>
-            <a:ext cx="2836440" cy="2836440"/>
+            <a:ext cx="2836080" cy="2836080"/>
           </a:xfrm>
           <a:prstGeom prst="rect">
             <a:avLst/>
@@ -3861,7 +3861,7 @@
         <p:spPr>
           <a:xfrm>
             <a:off x="720000" y="5158800"/>
-            <a:ext cx="10866600" cy="1171800"/>
+            <a:ext cx="10866240" cy="1171440"/>
           </a:xfrm>
           <a:prstGeom prst="rect">
             <a:avLst/>
@@ -3924,7 +3924,7 @@
         <p:spPr>
           <a:xfrm>
             <a:off x="181440" y="196560"/>
-            <a:ext cx="2836440" cy="1049760"/>
+            <a:ext cx="2836080" cy="1049400"/>
           </a:xfrm>
           <a:prstGeom prst="rect">
             <a:avLst/>
@@ -3943,7 +3943,7 @@
         <p:spPr>
           <a:xfrm>
             <a:off x="3557880" y="93600"/>
-            <a:ext cx="8434800" cy="3045240"/>
+            <a:ext cx="8434440" cy="3045240"/>
           </a:xfrm>
           <a:prstGeom prst="rect">
             <a:avLst/>
@@ -4028,7 +4028,7 @@
         <p:spPr>
           <a:xfrm>
             <a:off x="181440" y="196920"/>
-            <a:ext cx="2838240" cy="1051560"/>
+            <a:ext cx="2837880" cy="1051200"/>
           </a:xfrm>
           <a:prstGeom prst="rect">
             <a:avLst/>
@@ -4051,7 +4051,7 @@
         <p:spPr>
           <a:xfrm>
             <a:off x="57960" y="2448000"/>
-            <a:ext cx="3534480" cy="3534480"/>
+            <a:ext cx="3534120" cy="3534120"/>
           </a:xfrm>
           <a:prstGeom prst="rect">
             <a:avLst/>
@@ -4070,7 +4070,7 @@
         <p:spPr>
           <a:xfrm>
             <a:off x="7632000" y="4716000"/>
-            <a:ext cx="3450600" cy="397440"/>
+            <a:ext cx="3450240" cy="397080"/>
           </a:xfrm>
           <a:prstGeom prst="rect">
             <a:avLst/>
@@ -4201,7 +4201,7 @@
         <p:spPr>
           <a:xfrm>
             <a:off x="248400" y="0"/>
-            <a:ext cx="11694600" cy="699120"/>
+            <a:ext cx="11694240" cy="699120"/>
           </a:xfrm>
           <a:prstGeom prst="rect">
             <a:avLst/>
@@ -4256,7 +4256,7 @@
         <p:spPr>
           <a:xfrm>
             <a:off x="248400" y="762120"/>
-            <a:ext cx="11694600" cy="1186920"/>
+            <a:ext cx="11694240" cy="1186920"/>
           </a:xfrm>
           <a:prstGeom prst="rect">
             <a:avLst/>
@@ -4377,7 +4377,7 @@
         <p:spPr>
           <a:xfrm>
             <a:off x="1523880" y="3801960"/>
-            <a:ext cx="8871840" cy="2147040"/>
+            <a:ext cx="8871480" cy="2147040"/>
           </a:xfrm>
           <a:prstGeom prst="rect">
             <a:avLst/>
@@ -4398,7 +4398,7 @@
             <a:spAutoFit/>
           </a:bodyPr>
           <a:p>
-            <a:pPr marL="285840" indent="-267840">
+            <a:pPr marL="285840" indent="-267480">
               <a:lnSpc>
                 <a:spcPct val="150000"/>
               </a:lnSpc>
@@ -4443,7 +4443,7 @@
             </a:endParaRPr>
           </a:p>
           <a:p>
-            <a:pPr marL="285840" indent="-267840">
+            <a:pPr marL="285840" indent="-267480">
               <a:lnSpc>
                 <a:spcPct val="150000"/>
               </a:lnSpc>
@@ -4488,7 +4488,7 @@
             </a:endParaRPr>
           </a:p>
           <a:p>
-            <a:pPr marL="285840" indent="-267840">
+            <a:pPr marL="285840" indent="-267480">
               <a:lnSpc>
                 <a:spcPct val="150000"/>
               </a:lnSpc>
@@ -4533,7 +4533,7 @@
             </a:endParaRPr>
           </a:p>
           <a:p>
-            <a:pPr marL="285840" indent="-267840">
+            <a:pPr marL="285840" indent="-267480">
               <a:lnSpc>
                 <a:spcPct val="150000"/>
               </a:lnSpc>
@@ -4623,7 +4623,7 @@
         <p:spPr>
           <a:xfrm>
             <a:off x="246600" y="2133720"/>
-            <a:ext cx="11696400" cy="699480"/>
+            <a:ext cx="11696040" cy="699480"/>
           </a:xfrm>
           <a:prstGeom prst="rect">
             <a:avLst/>
@@ -4724,7 +4724,7 @@
         <p:spPr>
           <a:xfrm>
             <a:off x="1676520" y="2362320"/>
-            <a:ext cx="8821080" cy="912600"/>
+            <a:ext cx="8820720" cy="912600"/>
           </a:xfrm>
           <a:prstGeom prst="rect">
             <a:avLst/>
@@ -4775,7 +4775,7 @@
         <p:spPr>
           <a:xfrm>
             <a:off x="522360" y="3531600"/>
-            <a:ext cx="11058120" cy="363960"/>
+            <a:ext cx="11057760" cy="363960"/>
           </a:xfrm>
           <a:prstGeom prst="rect">
             <a:avLst/>
@@ -4856,7 +4856,7 @@
         <p:spPr>
           <a:xfrm>
             <a:off x="248400" y="0"/>
-            <a:ext cx="11694600" cy="699120"/>
+            <a:ext cx="11694240" cy="699120"/>
           </a:xfrm>
           <a:prstGeom prst="rect">
             <a:avLst/>
@@ -4911,7 +4911,7 @@
         <p:spPr>
           <a:xfrm>
             <a:off x="248400" y="762120"/>
-            <a:ext cx="11694600" cy="1186920"/>
+            <a:ext cx="11694240" cy="1186920"/>
           </a:xfrm>
           <a:prstGeom prst="rect">
             <a:avLst/>
@@ -5012,7 +5012,7 @@
         <p:spPr>
           <a:xfrm>
             <a:off x="1523880" y="3480480"/>
-            <a:ext cx="8871840" cy="2558520"/>
+            <a:ext cx="8871480" cy="2558520"/>
           </a:xfrm>
           <a:prstGeom prst="rect">
             <a:avLst/>
@@ -5033,7 +5033,7 @@
             <a:spAutoFit/>
           </a:bodyPr>
           <a:p>
-            <a:pPr marL="285840" indent="-267840">
+            <a:pPr marL="285840" indent="-267480">
               <a:lnSpc>
                 <a:spcPct val="150000"/>
               </a:lnSpc>
@@ -5078,7 +5078,7 @@
             </a:endParaRPr>
           </a:p>
           <a:p>
-            <a:pPr marL="285840" indent="-267840">
+            <a:pPr marL="285840" indent="-267480">
               <a:lnSpc>
                 <a:spcPct val="150000"/>
               </a:lnSpc>
@@ -5123,7 +5123,7 @@
             </a:endParaRPr>
           </a:p>
           <a:p>
-            <a:pPr marL="285840" indent="-267840">
+            <a:pPr marL="285840" indent="-267480">
               <a:lnSpc>
                 <a:spcPct val="150000"/>
               </a:lnSpc>
@@ -5168,7 +5168,7 @@
             </a:endParaRPr>
           </a:p>
           <a:p>
-            <a:pPr marL="285840" indent="-267840">
+            <a:pPr marL="285840" indent="-267480">
               <a:lnSpc>
                 <a:spcPct val="150000"/>
               </a:lnSpc>
@@ -5213,7 +5213,7 @@
             </a:endParaRPr>
           </a:p>
           <a:p>
-            <a:pPr marL="285840" indent="-267840">
+            <a:pPr marL="285840" indent="-267480">
               <a:lnSpc>
                 <a:spcPct val="150000"/>
               </a:lnSpc>
@@ -5248,7 +5248,7 @@
             </a:endParaRPr>
           </a:p>
           <a:p>
-            <a:pPr marL="285840" indent="-267840">
+            <a:pPr marL="285840" indent="-267480">
               <a:lnSpc>
                 <a:spcPct val="150000"/>
               </a:lnSpc>
@@ -5328,7 +5328,7 @@
         <p:spPr>
           <a:xfrm>
             <a:off x="246600" y="2206440"/>
-            <a:ext cx="11696400" cy="699480"/>
+            <a:ext cx="11696040" cy="699480"/>
           </a:xfrm>
           <a:prstGeom prst="rect">
             <a:avLst/>
@@ -5429,7 +5429,7 @@
         <p:spPr>
           <a:xfrm>
             <a:off x="1676520" y="2362320"/>
-            <a:ext cx="8821080" cy="1735560"/>
+            <a:ext cx="8820720" cy="1735560"/>
           </a:xfrm>
           <a:prstGeom prst="rect">
             <a:avLst/>
@@ -5480,7 +5480,7 @@
         <p:spPr>
           <a:xfrm>
             <a:off x="522360" y="4323600"/>
-            <a:ext cx="11058120" cy="363960"/>
+            <a:ext cx="11057760" cy="363960"/>
           </a:xfrm>
           <a:prstGeom prst="rect">
             <a:avLst/>
@@ -5561,7 +5561,7 @@
         <p:spPr>
           <a:xfrm>
             <a:off x="248400" y="0"/>
-            <a:ext cx="11694600" cy="699120"/>
+            <a:ext cx="11694240" cy="699120"/>
           </a:xfrm>
           <a:prstGeom prst="rect">
             <a:avLst/>
@@ -5616,7 +5616,7 @@
         <p:spPr>
           <a:xfrm>
             <a:off x="248400" y="762120"/>
-            <a:ext cx="11694600" cy="2009880"/>
+            <a:ext cx="11694240" cy="2009880"/>
           </a:xfrm>
           <a:prstGeom prst="rect">
             <a:avLst/>
@@ -5757,7 +5757,7 @@
         <p:spPr>
           <a:xfrm>
             <a:off x="1523880" y="4344480"/>
-            <a:ext cx="8871840" cy="2147040"/>
+            <a:ext cx="8871480" cy="2147040"/>
           </a:xfrm>
           <a:prstGeom prst="rect">
             <a:avLst/>
@@ -5778,7 +5778,7 @@
             <a:spAutoFit/>
           </a:bodyPr>
           <a:p>
-            <a:pPr marL="285840" indent="-267840">
+            <a:pPr marL="285840" indent="-267480">
               <a:lnSpc>
                 <a:spcPct val="150000"/>
               </a:lnSpc>
@@ -5823,7 +5823,7 @@
             </a:endParaRPr>
           </a:p>
           <a:p>
-            <a:pPr marL="285840" indent="-267840">
+            <a:pPr marL="285840" indent="-267480">
               <a:lnSpc>
                 <a:spcPct val="150000"/>
               </a:lnSpc>
@@ -5868,7 +5868,7 @@
             </a:endParaRPr>
           </a:p>
           <a:p>
-            <a:pPr marL="285840" indent="-267840">
+            <a:pPr marL="285840" indent="-267480">
               <a:lnSpc>
                 <a:spcPct val="150000"/>
               </a:lnSpc>
@@ -5913,7 +5913,7 @@
             </a:endParaRPr>
           </a:p>
           <a:p>
-            <a:pPr marL="285840" indent="-267840">
+            <a:pPr marL="285840" indent="-267480">
               <a:lnSpc>
                 <a:spcPct val="150000"/>
               </a:lnSpc>
@@ -5958,7 +5958,7 @@
             </a:endParaRPr>
           </a:p>
           <a:p>
-            <a:pPr marL="285840" indent="-267840">
+            <a:pPr marL="285840" indent="-267480">
               <a:lnSpc>
                 <a:spcPct val="150000"/>
               </a:lnSpc>
@@ -6048,7 +6048,7 @@
         <p:spPr>
           <a:xfrm>
             <a:off x="246600" y="2845080"/>
-            <a:ext cx="11696400" cy="1309320"/>
+            <a:ext cx="11696040" cy="1309320"/>
           </a:xfrm>
           <a:prstGeom prst="rect">
             <a:avLst/>
@@ -6189,7 +6189,7 @@
         <p:spPr>
           <a:xfrm>
             <a:off x="1676520" y="2362320"/>
-            <a:ext cx="8821080" cy="912600"/>
+            <a:ext cx="8820720" cy="912600"/>
           </a:xfrm>
           <a:prstGeom prst="rect">
             <a:avLst/>
@@ -6240,7 +6240,7 @@
         <p:spPr>
           <a:xfrm>
             <a:off x="522360" y="3531600"/>
-            <a:ext cx="11058120" cy="363960"/>
+            <a:ext cx="11057760" cy="363960"/>
           </a:xfrm>
           <a:prstGeom prst="rect">
             <a:avLst/>
@@ -6321,7 +6321,7 @@
         <p:spPr>
           <a:xfrm>
             <a:off x="248400" y="0"/>
-            <a:ext cx="11694600" cy="699120"/>
+            <a:ext cx="11694240" cy="699120"/>
           </a:xfrm>
           <a:prstGeom prst="rect">
             <a:avLst/>
@@ -6376,7 +6376,7 @@
         <p:spPr>
           <a:xfrm>
             <a:off x="248400" y="762120"/>
-            <a:ext cx="11694600" cy="912600"/>
+            <a:ext cx="11694240" cy="912600"/>
           </a:xfrm>
           <a:prstGeom prst="rect">
             <a:avLst/>
@@ -6477,7 +6477,7 @@
         <p:spPr>
           <a:xfrm>
             <a:off x="1600200" y="2685600"/>
-            <a:ext cx="8871840" cy="1735560"/>
+            <a:ext cx="8871480" cy="1735560"/>
           </a:xfrm>
           <a:prstGeom prst="rect">
             <a:avLst/>
@@ -6498,7 +6498,7 @@
             <a:spAutoFit/>
           </a:bodyPr>
           <a:p>
-            <a:pPr marL="285840" indent="-267840">
+            <a:pPr marL="285840" indent="-267480">
               <a:lnSpc>
                 <a:spcPct val="150000"/>
               </a:lnSpc>
@@ -6543,7 +6543,7 @@
             </a:endParaRPr>
           </a:p>
           <a:p>
-            <a:pPr marL="285840" indent="-267840">
+            <a:pPr marL="285840" indent="-267480">
               <a:lnSpc>
                 <a:spcPct val="150000"/>
               </a:lnSpc>
@@ -6588,7 +6588,7 @@
             </a:endParaRPr>
           </a:p>
           <a:p>
-            <a:pPr marL="285840" indent="-267840">
+            <a:pPr marL="285840" indent="-267480">
               <a:lnSpc>
                 <a:spcPct val="150000"/>
               </a:lnSpc>
@@ -6633,7 +6633,7 @@
             </a:endParaRPr>
           </a:p>
           <a:p>
-            <a:pPr marL="285840" indent="-267840">
+            <a:pPr marL="285840" indent="-267480">
               <a:lnSpc>
                 <a:spcPct val="150000"/>
               </a:lnSpc>
@@ -6688,7 +6688,7 @@
         <p:spPr>
           <a:xfrm>
             <a:off x="1656000" y="4533480"/>
-            <a:ext cx="8982360" cy="1352520"/>
+            <a:ext cx="8982000" cy="1352160"/>
           </a:xfrm>
           <a:prstGeom prst="rect">
             <a:avLst/>
@@ -6709,7 +6709,7 @@
             <a:noAutofit/>
           </a:bodyPr>
           <a:p>
-            <a:pPr marL="216000" indent="-201240">
+            <a:pPr marL="216000" indent="-200880">
               <a:lnSpc>
                 <a:spcPct val="150000"/>
               </a:lnSpc>
@@ -6744,7 +6744,7 @@
             </a:endParaRPr>
           </a:p>
           <a:p>
-            <a:pPr marL="216000" indent="-201240">
+            <a:pPr marL="216000" indent="-200880">
               <a:lnSpc>
                 <a:spcPct val="150000"/>
               </a:lnSpc>
@@ -6779,7 +6779,7 @@
             </a:endParaRPr>
           </a:p>
           <a:p>
-            <a:pPr marL="216000" indent="-201240">
+            <a:pPr marL="216000" indent="-200880">
               <a:lnSpc>
                 <a:spcPct val="150000"/>
               </a:lnSpc>
@@ -6814,7 +6814,7 @@
             </a:endParaRPr>
           </a:p>
           <a:p>
-            <a:pPr marL="216000" indent="-201240">
+            <a:pPr marL="216000" indent="-200880">
               <a:lnSpc>
                 <a:spcPct val="150000"/>
               </a:lnSpc>
@@ -6849,7 +6849,7 @@
             </a:endParaRPr>
           </a:p>
           <a:p>
-            <a:pPr marL="216000" indent="-201240">
+            <a:pPr marL="216000" indent="-200880">
               <a:lnSpc>
                 <a:spcPct val="150000"/>
               </a:lnSpc>
@@ -6929,7 +6929,7 @@
         <p:spPr>
           <a:xfrm>
             <a:off x="246600" y="1742040"/>
-            <a:ext cx="11696400" cy="699480"/>
+            <a:ext cx="11696040" cy="699480"/>
           </a:xfrm>
           <a:prstGeom prst="rect">
             <a:avLst/>
@@ -7030,7 +7030,7 @@
         <p:spPr>
           <a:xfrm>
             <a:off x="1676520" y="2362320"/>
-            <a:ext cx="8821080" cy="912600"/>
+            <a:ext cx="8820720" cy="912600"/>
           </a:xfrm>
           <a:prstGeom prst="rect">
             <a:avLst/>
@@ -7081,7 +7081,7 @@
         <p:spPr>
           <a:xfrm>
             <a:off x="522360" y="3531600"/>
-            <a:ext cx="11058120" cy="363960"/>
+            <a:ext cx="11057760" cy="363960"/>
           </a:xfrm>
           <a:prstGeom prst="rect">
             <a:avLst/>
@@ -7162,7 +7162,7 @@
         <p:spPr>
           <a:xfrm>
             <a:off x="248400" y="0"/>
-            <a:ext cx="11694600" cy="699120"/>
+            <a:ext cx="11694240" cy="699120"/>
           </a:xfrm>
           <a:prstGeom prst="rect">
             <a:avLst/>
@@ -7217,7 +7217,7 @@
         <p:spPr>
           <a:xfrm>
             <a:off x="248400" y="762120"/>
-            <a:ext cx="11694600" cy="668880"/>
+            <a:ext cx="11694240" cy="668880"/>
           </a:xfrm>
           <a:prstGeom prst="rect">
             <a:avLst/>
@@ -7308,7 +7308,7 @@
         <p:spPr>
           <a:xfrm>
             <a:off x="1600200" y="3909600"/>
-            <a:ext cx="8871840" cy="1324080"/>
+            <a:ext cx="8871480" cy="1324080"/>
           </a:xfrm>
           <a:prstGeom prst="rect">
             <a:avLst/>
@@ -7329,7 +7329,7 @@
             <a:spAutoFit/>
           </a:bodyPr>
           <a:p>
-            <a:pPr marL="285840" indent="-267840">
+            <a:pPr marL="285840" indent="-267480">
               <a:lnSpc>
                 <a:spcPct val="150000"/>
               </a:lnSpc>
@@ -7374,7 +7374,7 @@
             </a:endParaRPr>
           </a:p>
           <a:p>
-            <a:pPr marL="285840" indent="-267840">
+            <a:pPr marL="285840" indent="-267480">
               <a:lnSpc>
                 <a:spcPct val="150000"/>
               </a:lnSpc>
@@ -7419,7 +7419,7 @@
             </a:endParaRPr>
           </a:p>
           <a:p>
-            <a:pPr marL="285840" indent="-267840">
+            <a:pPr marL="285840" indent="-267480">
               <a:lnSpc>
                 <a:spcPct val="150000"/>
               </a:lnSpc>
@@ -7474,7 +7474,7 @@
         <p:spPr>
           <a:xfrm>
             <a:off x="1584000" y="5246640"/>
-            <a:ext cx="8838360" cy="999000"/>
+            <a:ext cx="8838000" cy="998640"/>
           </a:xfrm>
           <a:prstGeom prst="rect">
             <a:avLst/>
@@ -7525,7 +7525,7 @@
             </a:endParaRPr>
           </a:p>
           <a:p>
-            <a:pPr marL="216000" indent="-198360">
+            <a:pPr marL="216000" indent="-198000">
               <a:lnSpc>
                 <a:spcPct val="100000"/>
               </a:lnSpc>
@@ -7551,7 +7551,7 @@
             </a:endParaRPr>
           </a:p>
           <a:p>
-            <a:pPr marL="216000" indent="-198360">
+            <a:pPr marL="216000" indent="-198000">
               <a:lnSpc>
                 <a:spcPct val="100000"/>
               </a:lnSpc>
@@ -7587,7 +7587,7 @@
         <p:spPr>
           <a:xfrm>
             <a:off x="1576080" y="3161880"/>
-            <a:ext cx="9566280" cy="636480"/>
+            <a:ext cx="9565920" cy="636120"/>
           </a:xfrm>
           <a:prstGeom prst="rect">
             <a:avLst/>
@@ -7703,7 +7703,7 @@
         <p:spPr>
           <a:xfrm>
             <a:off x="246600" y="1742040"/>
-            <a:ext cx="11696400" cy="699480"/>
+            <a:ext cx="11696040" cy="699480"/>
           </a:xfrm>
           <a:prstGeom prst="rect">
             <a:avLst/>
@@ -7804,7 +7804,7 @@
         <p:spPr>
           <a:xfrm>
             <a:off x="1676520" y="2362320"/>
-            <a:ext cx="8821080" cy="912600"/>
+            <a:ext cx="8820720" cy="912600"/>
           </a:xfrm>
           <a:prstGeom prst="rect">
             <a:avLst/>
@@ -7855,7 +7855,7 @@
         <p:spPr>
           <a:xfrm>
             <a:off x="522360" y="3531600"/>
-            <a:ext cx="11058120" cy="363960"/>
+            <a:ext cx="11057760" cy="363960"/>
           </a:xfrm>
           <a:prstGeom prst="rect">
             <a:avLst/>
@@ -7936,7 +7936,7 @@
         <p:spPr>
           <a:xfrm>
             <a:off x="1676520" y="2362320"/>
-            <a:ext cx="8821080" cy="912600"/>
+            <a:ext cx="8820720" cy="912600"/>
           </a:xfrm>
           <a:prstGeom prst="rect">
             <a:avLst/>
@@ -7987,7 +7987,7 @@
         <p:spPr>
           <a:xfrm>
             <a:off x="522360" y="3531600"/>
-            <a:ext cx="11130120" cy="1186920"/>
+            <a:ext cx="11129760" cy="1186920"/>
           </a:xfrm>
           <a:prstGeom prst="rect">
             <a:avLst/>
@@ -8038,7 +8038,7 @@
         <p:spPr>
           <a:xfrm>
             <a:off x="1666800" y="609480"/>
-            <a:ext cx="8821080" cy="394560"/>
+            <a:ext cx="8820720" cy="394560"/>
           </a:xfrm>
           <a:prstGeom prst="rect">
             <a:avLst/>
@@ -8119,7 +8119,7 @@
         <p:spPr>
           <a:xfrm>
             <a:off x="248400" y="0"/>
-            <a:ext cx="11694600" cy="699120"/>
+            <a:ext cx="11694240" cy="699120"/>
           </a:xfrm>
           <a:prstGeom prst="rect">
             <a:avLst/>
@@ -8174,7 +8174,7 @@
         <p:spPr>
           <a:xfrm>
             <a:off x="248400" y="762120"/>
-            <a:ext cx="11694600" cy="1461240"/>
+            <a:ext cx="11694240" cy="1461240"/>
           </a:xfrm>
           <a:prstGeom prst="rect">
             <a:avLst/>
@@ -8275,7 +8275,7 @@
         <p:spPr>
           <a:xfrm>
             <a:off x="1600200" y="3585600"/>
-            <a:ext cx="8871840" cy="2558520"/>
+            <a:ext cx="8871480" cy="2558520"/>
           </a:xfrm>
           <a:prstGeom prst="rect">
             <a:avLst/>
@@ -8316,7 +8316,7 @@
             </a:endParaRPr>
           </a:p>
           <a:p>
-            <a:pPr marL="285840" indent="-267840">
+            <a:pPr marL="285840" indent="-267480">
               <a:lnSpc>
                 <a:spcPct val="150000"/>
               </a:lnSpc>
@@ -8361,7 +8361,7 @@
             </a:endParaRPr>
           </a:p>
           <a:p>
-            <a:pPr marL="285840" indent="-267840">
+            <a:pPr marL="285840" indent="-267480">
               <a:lnSpc>
                 <a:spcPct val="150000"/>
               </a:lnSpc>
@@ -8426,7 +8426,7 @@
             </a:endParaRPr>
           </a:p>
           <a:p>
-            <a:pPr marL="285840" indent="-267840">
+            <a:pPr marL="285840" indent="-267480">
               <a:lnSpc>
                 <a:spcPct val="150000"/>
               </a:lnSpc>
@@ -8471,7 +8471,7 @@
             </a:endParaRPr>
           </a:p>
           <a:p>
-            <a:pPr marL="285840" indent="-267840">
+            <a:pPr marL="285840" indent="-267480">
               <a:lnSpc>
                 <a:spcPct val="150000"/>
               </a:lnSpc>
@@ -8561,7 +8561,7 @@
         <p:spPr>
           <a:xfrm>
             <a:off x="246600" y="2322360"/>
-            <a:ext cx="11696400" cy="699480"/>
+            <a:ext cx="11696040" cy="699480"/>
           </a:xfrm>
           <a:prstGeom prst="rect">
             <a:avLst/>
@@ -8662,7 +8662,7 @@
         <p:spPr>
           <a:xfrm>
             <a:off x="1676520" y="2362320"/>
-            <a:ext cx="8821080" cy="1735560"/>
+            <a:ext cx="8820720" cy="1735560"/>
           </a:xfrm>
           <a:prstGeom prst="rect">
             <a:avLst/>
@@ -8713,7 +8713,7 @@
         <p:spPr>
           <a:xfrm>
             <a:off x="522360" y="3531600"/>
-            <a:ext cx="11058120" cy="363960"/>
+            <a:ext cx="11057760" cy="363960"/>
           </a:xfrm>
           <a:prstGeom prst="rect">
             <a:avLst/>
@@ -8794,7 +8794,7 @@
         <p:spPr>
           <a:xfrm>
             <a:off x="248400" y="0"/>
-            <a:ext cx="11694600" cy="699120"/>
+            <a:ext cx="11694240" cy="699120"/>
           </a:xfrm>
           <a:prstGeom prst="rect">
             <a:avLst/>
@@ -8849,7 +8849,7 @@
         <p:spPr>
           <a:xfrm>
             <a:off x="248400" y="762120"/>
-            <a:ext cx="11617200" cy="2284200"/>
+            <a:ext cx="11616840" cy="2284200"/>
           </a:xfrm>
           <a:prstGeom prst="rect">
             <a:avLst/>
@@ -8990,7 +8990,7 @@
         <p:spPr>
           <a:xfrm>
             <a:off x="864000" y="4197600"/>
-            <a:ext cx="11001600" cy="1324080"/>
+            <a:ext cx="11001240" cy="1324080"/>
           </a:xfrm>
           <a:prstGeom prst="rect">
             <a:avLst/>
@@ -9011,7 +9011,7 @@
             <a:spAutoFit/>
           </a:bodyPr>
           <a:p>
-            <a:pPr marL="285840" indent="-267840">
+            <a:pPr marL="285840" indent="-267480">
               <a:lnSpc>
                 <a:spcPct val="150000"/>
               </a:lnSpc>
@@ -9056,7 +9056,7 @@
             </a:endParaRPr>
           </a:p>
           <a:p>
-            <a:pPr marL="285840" indent="-267840">
+            <a:pPr marL="285840" indent="-267480">
               <a:lnSpc>
                 <a:spcPct val="150000"/>
               </a:lnSpc>
@@ -9101,7 +9101,7 @@
             </a:endParaRPr>
           </a:p>
           <a:p>
-            <a:pPr marL="285840" indent="-267840">
+            <a:pPr marL="285840" indent="-267480">
               <a:lnSpc>
                 <a:spcPct val="150000"/>
               </a:lnSpc>
@@ -9156,7 +9156,7 @@
         <p:spPr>
           <a:xfrm>
             <a:off x="1584000" y="5610240"/>
-            <a:ext cx="8838360" cy="999000"/>
+            <a:ext cx="8838000" cy="998640"/>
           </a:xfrm>
           <a:prstGeom prst="rect">
             <a:avLst/>
@@ -9207,7 +9207,7 @@
             </a:endParaRPr>
           </a:p>
           <a:p>
-            <a:pPr marL="285840" indent="-270720">
+            <a:pPr marL="285840" indent="-270360">
               <a:lnSpc>
                 <a:spcPct val="100000"/>
               </a:lnSpc>
@@ -9242,7 +9242,7 @@
             </a:endParaRPr>
           </a:p>
           <a:p>
-            <a:pPr marL="285840" indent="-270720">
+            <a:pPr marL="285840" indent="-270360">
               <a:lnSpc>
                 <a:spcPct val="100000"/>
               </a:lnSpc>
@@ -9322,7 +9322,7 @@
         <p:spPr>
           <a:xfrm>
             <a:off x="246600" y="3120840"/>
-            <a:ext cx="11696400" cy="1004400"/>
+            <a:ext cx="11696040" cy="1004400"/>
           </a:xfrm>
           <a:prstGeom prst="rect">
             <a:avLst/>
@@ -9443,7 +9443,7 @@
         <p:spPr>
           <a:xfrm>
             <a:off x="1676520" y="2362320"/>
-            <a:ext cx="8821080" cy="1735560"/>
+            <a:ext cx="8820720" cy="1735560"/>
           </a:xfrm>
           <a:prstGeom prst="rect">
             <a:avLst/>
@@ -9494,7 +9494,7 @@
         <p:spPr>
           <a:xfrm>
             <a:off x="522360" y="3531600"/>
-            <a:ext cx="11058120" cy="363960"/>
+            <a:ext cx="11057760" cy="363960"/>
           </a:xfrm>
           <a:prstGeom prst="rect">
             <a:avLst/>
@@ -10454,7 +10454,7 @@
                       <a:noAutofit/>
                     </a:bodyPr>
                     <a:p>
-                      <a:pPr marL="216000" indent="-211680" algn="ctr">
+                      <a:pPr marL="216000" indent="-211320" algn="ctr">
                         <a:lnSpc>
                           <a:spcPct val="100000"/>
                         </a:lnSpc>
@@ -10767,7 +10767,7 @@
         <p:spPr>
           <a:xfrm>
             <a:off x="248400" y="0"/>
-            <a:ext cx="11694600" cy="699120"/>
+            <a:ext cx="11694240" cy="699120"/>
           </a:xfrm>
           <a:prstGeom prst="rect">
             <a:avLst/>
@@ -10822,7 +10822,7 @@
         <p:spPr>
           <a:xfrm>
             <a:off x="248400" y="762120"/>
-            <a:ext cx="11694600" cy="2284200"/>
+            <a:ext cx="11694240" cy="2284200"/>
           </a:xfrm>
           <a:prstGeom prst="rect">
             <a:avLst/>
@@ -10963,7 +10963,7 @@
         <p:spPr>
           <a:xfrm>
             <a:off x="1600200" y="4593600"/>
-            <a:ext cx="8871840" cy="912600"/>
+            <a:ext cx="8871480" cy="912600"/>
           </a:xfrm>
           <a:prstGeom prst="rect">
             <a:avLst/>
@@ -10984,7 +10984,7 @@
             <a:spAutoFit/>
           </a:bodyPr>
           <a:p>
-            <a:pPr marL="285840" indent="-267840">
+            <a:pPr marL="285840" indent="-267480">
               <a:lnSpc>
                 <a:spcPct val="150000"/>
               </a:lnSpc>
@@ -11029,7 +11029,7 @@
             </a:endParaRPr>
           </a:p>
           <a:p>
-            <a:pPr marL="285840" indent="-267840">
+            <a:pPr marL="285840" indent="-267480">
               <a:lnSpc>
                 <a:spcPct val="150000"/>
               </a:lnSpc>
@@ -11084,7 +11084,7 @@
         <p:spPr>
           <a:xfrm>
             <a:off x="1584000" y="5790240"/>
-            <a:ext cx="8838360" cy="63360"/>
+            <a:ext cx="8838000" cy="63000"/>
           </a:xfrm>
           <a:prstGeom prst="rect">
             <a:avLst/>
@@ -11135,7 +11135,7 @@
             </a:endParaRPr>
           </a:p>
           <a:p>
-            <a:pPr marL="285840" indent="-270720">
+            <a:pPr marL="285840" indent="-270360">
               <a:lnSpc>
                 <a:spcPct val="100000"/>
               </a:lnSpc>
@@ -11205,7 +11205,7 @@
         <p:spPr>
           <a:xfrm>
             <a:off x="246600" y="3048120"/>
-            <a:ext cx="11696400" cy="1004400"/>
+            <a:ext cx="11696040" cy="1004400"/>
           </a:xfrm>
           <a:prstGeom prst="rect">
             <a:avLst/>
@@ -11326,7 +11326,7 @@
         <p:spPr>
           <a:xfrm>
             <a:off x="1676520" y="2362320"/>
-            <a:ext cx="8821080" cy="912600"/>
+            <a:ext cx="8820720" cy="912600"/>
           </a:xfrm>
           <a:prstGeom prst="rect">
             <a:avLst/>
@@ -11377,7 +11377,7 @@
         <p:spPr>
           <a:xfrm>
             <a:off x="522360" y="3531600"/>
-            <a:ext cx="11058120" cy="363960"/>
+            <a:ext cx="11057760" cy="363960"/>
           </a:xfrm>
           <a:prstGeom prst="rect">
             <a:avLst/>
@@ -12132,7 +12132,7 @@
         <p:spPr>
           <a:xfrm>
             <a:off x="248400" y="0"/>
-            <a:ext cx="11694600" cy="699120"/>
+            <a:ext cx="11694240" cy="699120"/>
           </a:xfrm>
           <a:prstGeom prst="rect">
             <a:avLst/>
@@ -12187,7 +12187,7 @@
         <p:spPr>
           <a:xfrm>
             <a:off x="248400" y="762120"/>
-            <a:ext cx="11694600" cy="1461240"/>
+            <a:ext cx="11694240" cy="1461240"/>
           </a:xfrm>
           <a:prstGeom prst="rect">
             <a:avLst/>
@@ -12288,7 +12288,7 @@
         <p:spPr>
           <a:xfrm>
             <a:off x="1600200" y="3621600"/>
-            <a:ext cx="8871840" cy="912600"/>
+            <a:ext cx="8871480" cy="912600"/>
           </a:xfrm>
           <a:prstGeom prst="rect">
             <a:avLst/>
@@ -12309,7 +12309,7 @@
             <a:spAutoFit/>
           </a:bodyPr>
           <a:p>
-            <a:pPr marL="285840" indent="-267840">
+            <a:pPr marL="285840" indent="-267480">
               <a:lnSpc>
                 <a:spcPct val="150000"/>
               </a:lnSpc>
@@ -12354,7 +12354,7 @@
             </a:endParaRPr>
           </a:p>
           <a:p>
-            <a:pPr marL="285840" indent="-267840">
+            <a:pPr marL="285840" indent="-267480">
               <a:lnSpc>
                 <a:spcPct val="150000"/>
               </a:lnSpc>
@@ -12409,7 +12409,7 @@
         <p:spPr>
           <a:xfrm>
             <a:off x="1584000" y="5106240"/>
-            <a:ext cx="8838360" cy="63360"/>
+            <a:ext cx="8838000" cy="63000"/>
           </a:xfrm>
           <a:prstGeom prst="rect">
             <a:avLst/>
@@ -12460,7 +12460,7 @@
             </a:endParaRPr>
           </a:p>
           <a:p>
-            <a:pPr marL="285840" indent="-270720">
+            <a:pPr marL="285840" indent="-270360">
               <a:lnSpc>
                 <a:spcPct val="100000"/>
               </a:lnSpc>
@@ -12530,7 +12530,7 @@
         <p:spPr>
           <a:xfrm>
             <a:off x="246600" y="2395080"/>
-            <a:ext cx="11696400" cy="699480"/>
+            <a:ext cx="11696040" cy="699480"/>
           </a:xfrm>
           <a:prstGeom prst="rect">
             <a:avLst/>
@@ -12631,7 +12631,7 @@
         <p:spPr>
           <a:xfrm>
             <a:off x="1676520" y="2362320"/>
-            <a:ext cx="8821080" cy="912600"/>
+            <a:ext cx="8820720" cy="912600"/>
           </a:xfrm>
           <a:prstGeom prst="rect">
             <a:avLst/>
@@ -12682,7 +12682,7 @@
         <p:spPr>
           <a:xfrm>
             <a:off x="522360" y="3531600"/>
-            <a:ext cx="11058120" cy="363960"/>
+            <a:ext cx="11057760" cy="363960"/>
           </a:xfrm>
           <a:prstGeom prst="rect">
             <a:avLst/>
@@ -12763,7 +12763,7 @@
         <p:spPr>
           <a:xfrm>
             <a:off x="248400" y="0"/>
-            <a:ext cx="11694600" cy="699120"/>
+            <a:ext cx="11694240" cy="699120"/>
           </a:xfrm>
           <a:prstGeom prst="rect">
             <a:avLst/>
@@ -12818,7 +12818,7 @@
         <p:spPr>
           <a:xfrm>
             <a:off x="248400" y="762120"/>
-            <a:ext cx="11694600" cy="1186920"/>
+            <a:ext cx="11694240" cy="1186920"/>
           </a:xfrm>
           <a:prstGeom prst="rect">
             <a:avLst/>
@@ -12919,7 +12919,7 @@
         <p:spPr>
           <a:xfrm>
             <a:off x="1600200" y="3621600"/>
-            <a:ext cx="8871840" cy="912600"/>
+            <a:ext cx="8871480" cy="912600"/>
           </a:xfrm>
           <a:prstGeom prst="rect">
             <a:avLst/>
@@ -12940,7 +12940,7 @@
             <a:spAutoFit/>
           </a:bodyPr>
           <a:p>
-            <a:pPr marL="285840" indent="-267840">
+            <a:pPr marL="285840" indent="-267480">
               <a:lnSpc>
                 <a:spcPct val="150000"/>
               </a:lnSpc>
@@ -12985,7 +12985,7 @@
             </a:endParaRPr>
           </a:p>
           <a:p>
-            <a:pPr marL="285840" indent="-267840">
+            <a:pPr marL="285840" indent="-267480">
               <a:lnSpc>
                 <a:spcPct val="150000"/>
               </a:lnSpc>
@@ -13075,7 +13075,7 @@
         <p:spPr>
           <a:xfrm>
             <a:off x="246600" y="2148480"/>
-            <a:ext cx="11696400" cy="699480"/>
+            <a:ext cx="11696040" cy="699480"/>
           </a:xfrm>
           <a:prstGeom prst="rect">
             <a:avLst/>
@@ -13176,7 +13176,7 @@
         <p:spPr>
           <a:xfrm>
             <a:off x="1676520" y="2362320"/>
-            <a:ext cx="8821080" cy="1735560"/>
+            <a:ext cx="8820720" cy="1735560"/>
           </a:xfrm>
           <a:prstGeom prst="rect">
             <a:avLst/>
@@ -13227,7 +13227,7 @@
         <p:spPr>
           <a:xfrm>
             <a:off x="522360" y="4467600"/>
-            <a:ext cx="11058120" cy="363960"/>
+            <a:ext cx="11057760" cy="363960"/>
           </a:xfrm>
           <a:prstGeom prst="rect">
             <a:avLst/>
@@ -13308,7 +13308,7 @@
         <p:spPr>
           <a:xfrm>
             <a:off x="246600" y="2563200"/>
-            <a:ext cx="11699640" cy="851400"/>
+            <a:ext cx="11699280" cy="851400"/>
           </a:xfrm>
           <a:prstGeom prst="rect">
             <a:avLst/>
@@ -13329,7 +13329,7 @@
             <a:spAutoFit/>
           </a:bodyPr>
           <a:p>
-            <a:pPr marL="343080" indent="-325080">
+            <a:pPr marL="343080" indent="-324720">
               <a:lnSpc>
                 <a:spcPct val="100000"/>
               </a:lnSpc>
@@ -13384,7 +13384,7 @@
             </a:endParaRPr>
           </a:p>
           <a:p>
-            <a:pPr marL="343080" indent="-325080">
+            <a:pPr marL="343080" indent="-324720">
               <a:lnSpc>
                 <a:spcPct val="100000"/>
               </a:lnSpc>
@@ -13459,7 +13459,7 @@
         <p:spPr>
           <a:xfrm>
             <a:off x="246600" y="1742040"/>
-            <a:ext cx="11699640" cy="394560"/>
+            <a:ext cx="11699280" cy="394560"/>
           </a:xfrm>
           <a:prstGeom prst="rect">
             <a:avLst/>
@@ -13520,7 +13520,7 @@
         <p:spPr>
           <a:xfrm>
             <a:off x="246600" y="762120"/>
-            <a:ext cx="11699640" cy="363960"/>
+            <a:ext cx="11699280" cy="363960"/>
           </a:xfrm>
           <a:prstGeom prst="rect">
             <a:avLst/>
@@ -13581,7 +13581,7 @@
         <p:spPr>
           <a:xfrm>
             <a:off x="246600" y="4239720"/>
-            <a:ext cx="11699640" cy="1994040"/>
+            <a:ext cx="11699280" cy="1994040"/>
           </a:xfrm>
           <a:prstGeom prst="rect">
             <a:avLst/>
@@ -13642,7 +13642,7 @@
             </a:endParaRPr>
           </a:p>
           <a:p>
-            <a:pPr marL="285840" indent="-267840">
+            <a:pPr marL="285840" indent="-267480">
               <a:lnSpc>
                 <a:spcPct val="100000"/>
               </a:lnSpc>
@@ -13687,7 +13687,7 @@
             </a:endParaRPr>
           </a:p>
           <a:p>
-            <a:pPr marL="285840" indent="-267840">
+            <a:pPr marL="285840" indent="-267480">
               <a:lnSpc>
                 <a:spcPct val="100000"/>
               </a:lnSpc>
@@ -13732,7 +13732,7 @@
             </a:endParaRPr>
           </a:p>
           <a:p>
-            <a:pPr marL="285840" indent="-267840">
+            <a:pPr marL="285840" indent="-267480">
               <a:lnSpc>
                 <a:spcPct val="150000"/>
               </a:lnSpc>
@@ -13797,7 +13797,7 @@
         <p:spPr>
           <a:xfrm>
             <a:off x="246600" y="3678480"/>
-            <a:ext cx="8694360" cy="338400"/>
+            <a:ext cx="8694000" cy="338040"/>
           </a:xfrm>
           <a:prstGeom prst="rect">
             <a:avLst/>
@@ -13868,7 +13868,7 @@
         <p:spPr>
           <a:xfrm>
             <a:off x="246600" y="0"/>
-            <a:ext cx="11699640" cy="699120"/>
+            <a:ext cx="11699280" cy="699120"/>
           </a:xfrm>
           <a:prstGeom prst="rect">
             <a:avLst/>
@@ -13923,7 +13923,7 @@
         <p:spPr>
           <a:xfrm>
             <a:off x="246600" y="6212880"/>
-            <a:ext cx="11233080" cy="482400"/>
+            <a:ext cx="11232720" cy="482040"/>
           </a:xfrm>
           <a:prstGeom prst="rect">
             <a:avLst/>
@@ -14004,7 +14004,7 @@
         <p:spPr>
           <a:xfrm>
             <a:off x="6357240" y="5906160"/>
-            <a:ext cx="6242040" cy="374400"/>
+            <a:ext cx="6241680" cy="374040"/>
           </a:xfrm>
           <a:prstGeom prst="rect">
             <a:avLst/>
@@ -14140,7 +14140,7 @@
         <p:spPr>
           <a:xfrm>
             <a:off x="248400" y="0"/>
-            <a:ext cx="11694600" cy="699120"/>
+            <a:ext cx="11694240" cy="699120"/>
           </a:xfrm>
           <a:prstGeom prst="rect">
             <a:avLst/>
@@ -14195,7 +14195,7 @@
         <p:spPr>
           <a:xfrm>
             <a:off x="248400" y="762120"/>
-            <a:ext cx="11694600" cy="2284200"/>
+            <a:ext cx="11694240" cy="2284200"/>
           </a:xfrm>
           <a:prstGeom prst="rect">
             <a:avLst/>
@@ -14456,7 +14456,7 @@
         <p:spPr>
           <a:xfrm>
             <a:off x="1600200" y="4989600"/>
-            <a:ext cx="8871840" cy="1735560"/>
+            <a:ext cx="8871480" cy="1735560"/>
           </a:xfrm>
           <a:prstGeom prst="rect">
             <a:avLst/>
@@ -14477,7 +14477,7 @@
             <a:spAutoFit/>
           </a:bodyPr>
           <a:p>
-            <a:pPr marL="285840" indent="-267840">
+            <a:pPr marL="285840" indent="-267480">
               <a:lnSpc>
                 <a:spcPct val="150000"/>
               </a:lnSpc>
@@ -14522,7 +14522,7 @@
             </a:endParaRPr>
           </a:p>
           <a:p>
-            <a:pPr marL="285840" indent="-267840">
+            <a:pPr marL="285840" indent="-267480">
               <a:lnSpc>
                 <a:spcPct val="150000"/>
               </a:lnSpc>
@@ -14567,7 +14567,7 @@
             </a:endParaRPr>
           </a:p>
           <a:p>
-            <a:pPr marL="285840" indent="-267840">
+            <a:pPr marL="285840" indent="-267480">
               <a:lnSpc>
                 <a:spcPct val="150000"/>
               </a:lnSpc>
@@ -14632,7 +14632,7 @@
             </a:endParaRPr>
           </a:p>
           <a:p>
-            <a:pPr marL="285840" indent="-267840">
+            <a:pPr marL="285840" indent="-267480">
               <a:lnSpc>
                 <a:spcPct val="150000"/>
               </a:lnSpc>
@@ -14722,7 +14722,7 @@
         <p:spPr>
           <a:xfrm>
             <a:off x="246600" y="2903040"/>
-            <a:ext cx="11696400" cy="1309320"/>
+            <a:ext cx="11696040" cy="1309320"/>
           </a:xfrm>
           <a:prstGeom prst="rect">
             <a:avLst/>
@@ -14863,7 +14863,7 @@
         <p:spPr>
           <a:xfrm>
             <a:off x="1676520" y="2362320"/>
-            <a:ext cx="8821080" cy="1735560"/>
+            <a:ext cx="8820720" cy="1735560"/>
           </a:xfrm>
           <a:prstGeom prst="rect">
             <a:avLst/>
@@ -14914,7 +14914,7 @@
         <p:spPr>
           <a:xfrm>
             <a:off x="522360" y="4251600"/>
-            <a:ext cx="11058120" cy="363960"/>
+            <a:ext cx="11057760" cy="363960"/>
           </a:xfrm>
           <a:prstGeom prst="rect">
             <a:avLst/>
@@ -15200,7 +15200,7 @@
                       <a:noAutofit/>
                     </a:bodyPr>
                     <a:p>
-                      <a:pPr marL="216000" indent="-211680" algn="ctr">
+                      <a:pPr marL="216000" indent="-211320" algn="ctr">
                         <a:lnSpc>
                           <a:spcPct val="100000"/>
                         </a:lnSpc>
@@ -15513,7 +15513,7 @@
         <p:spPr>
           <a:xfrm>
             <a:off x="248400" y="0"/>
-            <a:ext cx="11694600" cy="699120"/>
+            <a:ext cx="11694240" cy="699120"/>
           </a:xfrm>
           <a:prstGeom prst="rect">
             <a:avLst/>
@@ -15568,7 +15568,7 @@
         <p:spPr>
           <a:xfrm>
             <a:off x="248400" y="762120"/>
-            <a:ext cx="11694600" cy="1735560"/>
+            <a:ext cx="11694240" cy="1735560"/>
           </a:xfrm>
           <a:prstGeom prst="rect">
             <a:avLst/>
@@ -15709,7 +15709,7 @@
         <p:spPr>
           <a:xfrm>
             <a:off x="1600200" y="4557600"/>
-            <a:ext cx="8871840" cy="1324080"/>
+            <a:ext cx="8871480" cy="1324080"/>
           </a:xfrm>
           <a:prstGeom prst="rect">
             <a:avLst/>
@@ -15730,7 +15730,7 @@
             <a:spAutoFit/>
           </a:bodyPr>
           <a:p>
-            <a:pPr marL="285840" indent="-267840">
+            <a:pPr marL="285840" indent="-267480">
               <a:lnSpc>
                 <a:spcPct val="150000"/>
               </a:lnSpc>
@@ -15775,7 +15775,7 @@
             </a:endParaRPr>
           </a:p>
           <a:p>
-            <a:pPr marL="285840" indent="-267840">
+            <a:pPr marL="285840" indent="-267480">
               <a:lnSpc>
                 <a:spcPct val="150000"/>
               </a:lnSpc>
@@ -15820,7 +15820,7 @@
             </a:endParaRPr>
           </a:p>
           <a:p>
-            <a:pPr marL="285840" indent="-267840">
+            <a:pPr marL="285840" indent="-267480">
               <a:lnSpc>
                 <a:spcPct val="150000"/>
               </a:lnSpc>
@@ -15910,7 +15910,7 @@
         <p:spPr>
           <a:xfrm>
             <a:off x="246600" y="2496600"/>
-            <a:ext cx="11696400" cy="1004400"/>
+            <a:ext cx="11696040" cy="1004400"/>
           </a:xfrm>
           <a:prstGeom prst="rect">
             <a:avLst/>
@@ -16031,7 +16031,7 @@
         <p:spPr>
           <a:xfrm>
             <a:off x="1676520" y="2362320"/>
-            <a:ext cx="8821080" cy="912600"/>
+            <a:ext cx="8820720" cy="912600"/>
           </a:xfrm>
           <a:prstGeom prst="rect">
             <a:avLst/>
@@ -16082,7 +16082,7 @@
         <p:spPr>
           <a:xfrm>
             <a:off x="1666800" y="609480"/>
-            <a:ext cx="8821080" cy="394560"/>
+            <a:ext cx="8820720" cy="394560"/>
           </a:xfrm>
           <a:prstGeom prst="rect">
             <a:avLst/>
@@ -16133,7 +16133,7 @@
         <p:spPr>
           <a:xfrm>
             <a:off x="522360" y="3531600"/>
-            <a:ext cx="11058120" cy="1186920"/>
+            <a:ext cx="11057760" cy="1186920"/>
           </a:xfrm>
           <a:prstGeom prst="rect">
             <a:avLst/>
@@ -16234,7 +16234,7 @@
         <p:spPr>
           <a:xfrm>
             <a:off x="1676520" y="2362320"/>
-            <a:ext cx="8821080" cy="912600"/>
+            <a:ext cx="8820720" cy="912600"/>
           </a:xfrm>
           <a:prstGeom prst="rect">
             <a:avLst/>
@@ -16285,7 +16285,7 @@
         <p:spPr>
           <a:xfrm>
             <a:off x="522360" y="3531600"/>
-            <a:ext cx="11058120" cy="363960"/>
+            <a:ext cx="11057760" cy="363960"/>
           </a:xfrm>
           <a:prstGeom prst="rect">
             <a:avLst/>
@@ -16366,7 +16366,7 @@
         <p:spPr>
           <a:xfrm>
             <a:off x="248400" y="0"/>
-            <a:ext cx="11694600" cy="699120"/>
+            <a:ext cx="11694240" cy="699120"/>
           </a:xfrm>
           <a:prstGeom prst="rect">
             <a:avLst/>
@@ -16421,7 +16421,7 @@
         <p:spPr>
           <a:xfrm>
             <a:off x="248400" y="762120"/>
-            <a:ext cx="11694600" cy="1461240"/>
+            <a:ext cx="11694240" cy="1461240"/>
           </a:xfrm>
           <a:prstGeom prst="rect">
             <a:avLst/>
@@ -16522,7 +16522,7 @@
         <p:spPr>
           <a:xfrm>
             <a:off x="1600200" y="3585600"/>
-            <a:ext cx="8871840" cy="912600"/>
+            <a:ext cx="8871480" cy="912600"/>
           </a:xfrm>
           <a:prstGeom prst="rect">
             <a:avLst/>
@@ -16543,7 +16543,7 @@
             <a:spAutoFit/>
           </a:bodyPr>
           <a:p>
-            <a:pPr marL="285840" indent="-267840">
+            <a:pPr marL="285840" indent="-267480">
               <a:lnSpc>
                 <a:spcPct val="150000"/>
               </a:lnSpc>
@@ -16588,7 +16588,7 @@
             </a:endParaRPr>
           </a:p>
           <a:p>
-            <a:pPr marL="285840" indent="-267840">
+            <a:pPr marL="285840" indent="-267480">
               <a:lnSpc>
                 <a:spcPct val="150000"/>
               </a:lnSpc>
@@ -16643,7 +16643,7 @@
         <p:spPr>
           <a:xfrm>
             <a:off x="5256000" y="5472000"/>
-            <a:ext cx="5124960" cy="783720"/>
+            <a:ext cx="5124600" cy="783360"/>
           </a:xfrm>
           <a:prstGeom prst="rect">
             <a:avLst/>
@@ -16774,7 +16774,7 @@
         <p:spPr>
           <a:xfrm>
             <a:off x="10514160" y="2592000"/>
-            <a:ext cx="1497600" cy="4056120"/>
+            <a:ext cx="1497240" cy="4055760"/>
           </a:xfrm>
           <a:prstGeom prst="rect">
             <a:avLst/>
@@ -17130,7 +17130,7 @@
         <p:spPr>
           <a:xfrm>
             <a:off x="246600" y="2496600"/>
-            <a:ext cx="11696400" cy="699480"/>
+            <a:ext cx="11696040" cy="699480"/>
           </a:xfrm>
           <a:prstGeom prst="rect">
             <a:avLst/>
@@ -17231,7 +17231,7 @@
         <p:spPr>
           <a:xfrm>
             <a:off x="1676520" y="2362320"/>
-            <a:ext cx="8821080" cy="912600"/>
+            <a:ext cx="8820720" cy="912600"/>
           </a:xfrm>
           <a:prstGeom prst="rect">
             <a:avLst/>
@@ -17282,7 +17282,7 @@
         <p:spPr>
           <a:xfrm>
             <a:off x="522360" y="3531600"/>
-            <a:ext cx="11058120" cy="363960"/>
+            <a:ext cx="11057760" cy="363960"/>
           </a:xfrm>
           <a:prstGeom prst="rect">
             <a:avLst/>
@@ -17363,7 +17363,7 @@
         <p:spPr>
           <a:xfrm>
             <a:off x="248400" y="0"/>
-            <a:ext cx="11694600" cy="699120"/>
+            <a:ext cx="11694240" cy="699120"/>
           </a:xfrm>
           <a:prstGeom prst="rect">
             <a:avLst/>
@@ -17418,7 +17418,7 @@
         <p:spPr>
           <a:xfrm>
             <a:off x="248400" y="762120"/>
-            <a:ext cx="11694600" cy="2009880"/>
+            <a:ext cx="11694240" cy="2009880"/>
           </a:xfrm>
           <a:prstGeom prst="rect">
             <a:avLst/>
@@ -17599,7 +17599,7 @@
         <p:spPr>
           <a:xfrm>
             <a:off x="8849880" y="2814840"/>
-            <a:ext cx="2973960" cy="455400"/>
+            <a:ext cx="2973600" cy="455400"/>
           </a:xfrm>
           <a:prstGeom prst="rect">
             <a:avLst/>
@@ -17650,7 +17650,7 @@
         <p:spPr>
           <a:xfrm>
             <a:off x="1600200" y="4665600"/>
-            <a:ext cx="8871840" cy="912600"/>
+            <a:ext cx="8871480" cy="912600"/>
           </a:xfrm>
           <a:prstGeom prst="rect">
             <a:avLst/>
@@ -17671,7 +17671,7 @@
             <a:spAutoFit/>
           </a:bodyPr>
           <a:p>
-            <a:pPr marL="285840" indent="-267840">
+            <a:pPr marL="285840" indent="-267480">
               <a:lnSpc>
                 <a:spcPct val="150000"/>
               </a:lnSpc>
@@ -17716,7 +17716,7 @@
             </a:endParaRPr>
           </a:p>
           <a:p>
-            <a:pPr marL="285840" indent="-267840">
+            <a:pPr marL="285840" indent="-267480">
               <a:lnSpc>
                 <a:spcPct val="150000"/>
               </a:lnSpc>
@@ -17806,7 +17806,7 @@
         <p:spPr>
           <a:xfrm>
             <a:off x="246600" y="2903040"/>
-            <a:ext cx="11696400" cy="699480"/>
+            <a:ext cx="11696040" cy="699480"/>
           </a:xfrm>
           <a:prstGeom prst="rect">
             <a:avLst/>
@@ -17907,7 +17907,7 @@
         <p:spPr>
           <a:xfrm>
             <a:off x="1676520" y="2362320"/>
-            <a:ext cx="8821080" cy="912600"/>
+            <a:ext cx="8820720" cy="912600"/>
           </a:xfrm>
           <a:prstGeom prst="rect">
             <a:avLst/>
@@ -17958,7 +17958,7 @@
         <p:spPr>
           <a:xfrm>
             <a:off x="522360" y="3531600"/>
-            <a:ext cx="11058120" cy="363960"/>
+            <a:ext cx="11057760" cy="363960"/>
           </a:xfrm>
           <a:prstGeom prst="rect">
             <a:avLst/>
@@ -18039,7 +18039,7 @@
         <p:spPr>
           <a:xfrm>
             <a:off x="248400" y="0"/>
-            <a:ext cx="11694600" cy="699120"/>
+            <a:ext cx="11694240" cy="699120"/>
           </a:xfrm>
           <a:prstGeom prst="rect">
             <a:avLst/>
@@ -18094,7 +18094,7 @@
         <p:spPr>
           <a:xfrm>
             <a:off x="248400" y="762120"/>
-            <a:ext cx="11694600" cy="912600"/>
+            <a:ext cx="11694240" cy="912600"/>
           </a:xfrm>
           <a:prstGeom prst="rect">
             <a:avLst/>
@@ -18195,7 +18195,7 @@
         <p:spPr>
           <a:xfrm>
             <a:off x="1600200" y="3405600"/>
-            <a:ext cx="8871840" cy="1324080"/>
+            <a:ext cx="8871480" cy="1324080"/>
           </a:xfrm>
           <a:prstGeom prst="rect">
             <a:avLst/>
@@ -18216,7 +18216,7 @@
             <a:spAutoFit/>
           </a:bodyPr>
           <a:p>
-            <a:pPr marL="285840" indent="-267840">
+            <a:pPr marL="285840" indent="-267480">
               <a:lnSpc>
                 <a:spcPct val="150000"/>
               </a:lnSpc>
@@ -18261,7 +18261,7 @@
             </a:endParaRPr>
           </a:p>
           <a:p>
-            <a:pPr marL="285840" indent="-267840">
+            <a:pPr marL="285840" indent="-267480">
               <a:lnSpc>
                 <a:spcPct val="150000"/>
               </a:lnSpc>
@@ -18306,7 +18306,7 @@
             </a:endParaRPr>
           </a:p>
           <a:p>
-            <a:pPr marL="285840" indent="-267840">
+            <a:pPr marL="285840" indent="-267480">
               <a:lnSpc>
                 <a:spcPct val="150000"/>
               </a:lnSpc>
@@ -18361,7 +18361,7 @@
         <p:spPr>
           <a:xfrm>
             <a:off x="4601520" y="5832000"/>
-            <a:ext cx="5610960" cy="348480"/>
+            <a:ext cx="5610600" cy="348120"/>
           </a:xfrm>
           <a:prstGeom prst="rect">
             <a:avLst/>
@@ -18442,7 +18442,7 @@
         <p:spPr>
           <a:xfrm>
             <a:off x="10584000" y="3710160"/>
-            <a:ext cx="1397160" cy="2542320"/>
+            <a:ext cx="1396800" cy="2541960"/>
           </a:xfrm>
           <a:prstGeom prst="rect">
             <a:avLst/>
@@ -18688,7 +18688,7 @@
         <p:spPr>
           <a:xfrm>
             <a:off x="246600" y="1742040"/>
-            <a:ext cx="11696400" cy="699480"/>
+            <a:ext cx="11696040" cy="699480"/>
           </a:xfrm>
           <a:prstGeom prst="rect">
             <a:avLst/>
@@ -18789,7 +18789,7 @@
         <p:spPr>
           <a:xfrm>
             <a:off x="1676520" y="2362320"/>
-            <a:ext cx="8821080" cy="912600"/>
+            <a:ext cx="8820720" cy="912600"/>
           </a:xfrm>
           <a:prstGeom prst="rect">
             <a:avLst/>
@@ -18840,7 +18840,7 @@
         <p:spPr>
           <a:xfrm>
             <a:off x="522360" y="3531600"/>
-            <a:ext cx="11058120" cy="363960"/>
+            <a:ext cx="11057760" cy="363960"/>
           </a:xfrm>
           <a:prstGeom prst="rect">
             <a:avLst/>
@@ -18921,7 +18921,7 @@
         <p:spPr>
           <a:xfrm>
             <a:off x="1676520" y="2362320"/>
-            <a:ext cx="8821080" cy="912600"/>
+            <a:ext cx="8820720" cy="912600"/>
           </a:xfrm>
           <a:prstGeom prst="rect">
             <a:avLst/>
@@ -18972,7 +18972,7 @@
         <p:spPr>
           <a:xfrm>
             <a:off x="522360" y="3531600"/>
-            <a:ext cx="11058120" cy="363960"/>
+            <a:ext cx="11057760" cy="363960"/>
           </a:xfrm>
           <a:prstGeom prst="rect">
             <a:avLst/>
@@ -19053,7 +19053,7 @@
         <p:spPr>
           <a:xfrm>
             <a:off x="248400" y="0"/>
-            <a:ext cx="11694600" cy="699120"/>
+            <a:ext cx="11694240" cy="699120"/>
           </a:xfrm>
           <a:prstGeom prst="rect">
             <a:avLst/>
@@ -19108,7 +19108,7 @@
         <p:spPr>
           <a:xfrm>
             <a:off x="248400" y="762120"/>
-            <a:ext cx="11694600" cy="2009880"/>
+            <a:ext cx="11694240" cy="2009880"/>
           </a:xfrm>
           <a:prstGeom prst="rect">
             <a:avLst/>
@@ -19209,7 +19209,7 @@
         <p:spPr>
           <a:xfrm>
             <a:off x="1600200" y="4629600"/>
-            <a:ext cx="8871840" cy="912600"/>
+            <a:ext cx="8871480" cy="912600"/>
           </a:xfrm>
           <a:prstGeom prst="rect">
             <a:avLst/>
@@ -19230,7 +19230,7 @@
             <a:spAutoFit/>
           </a:bodyPr>
           <a:p>
-            <a:pPr marL="285840" indent="-267840">
+            <a:pPr marL="285840" indent="-267480">
               <a:lnSpc>
                 <a:spcPct val="150000"/>
               </a:lnSpc>
@@ -19275,7 +19275,7 @@
             </a:endParaRPr>
           </a:p>
           <a:p>
-            <a:pPr marL="285840" indent="-267840">
+            <a:pPr marL="285840" indent="-267480">
               <a:lnSpc>
                 <a:spcPct val="150000"/>
               </a:lnSpc>
@@ -19365,7 +19365,7 @@
         <p:spPr>
           <a:xfrm>
             <a:off x="246600" y="2859480"/>
-            <a:ext cx="11696400" cy="699480"/>
+            <a:ext cx="11696040" cy="699480"/>
           </a:xfrm>
           <a:prstGeom prst="rect">
             <a:avLst/>
@@ -19466,7 +19466,7 @@
         <p:spPr>
           <a:xfrm>
             <a:off x="1676520" y="2362320"/>
-            <a:ext cx="8821080" cy="912600"/>
+            <a:ext cx="8820720" cy="912600"/>
           </a:xfrm>
           <a:prstGeom prst="rect">
             <a:avLst/>
@@ -19517,7 +19517,7 @@
         <p:spPr>
           <a:xfrm>
             <a:off x="522360" y="3531600"/>
-            <a:ext cx="11058120" cy="363960"/>
+            <a:ext cx="11057760" cy="363960"/>
           </a:xfrm>
           <a:prstGeom prst="rect">
             <a:avLst/>
@@ -19633,7 +19633,7 @@
         <p:spPr>
           <a:xfrm>
             <a:off x="248400" y="0"/>
-            <a:ext cx="11694600" cy="699120"/>
+            <a:ext cx="11694240" cy="699120"/>
           </a:xfrm>
           <a:prstGeom prst="rect">
             <a:avLst/>
@@ -19688,7 +19688,7 @@
         <p:spPr>
           <a:xfrm>
             <a:off x="248400" y="762120"/>
-            <a:ext cx="10414080" cy="2284200"/>
+            <a:ext cx="10413720" cy="2284200"/>
           </a:xfrm>
           <a:prstGeom prst="rect">
             <a:avLst/>
@@ -19889,7 +19889,7 @@
         <p:spPr>
           <a:xfrm>
             <a:off x="1600200" y="4129560"/>
-            <a:ext cx="8871840" cy="912600"/>
+            <a:ext cx="8871480" cy="912600"/>
           </a:xfrm>
           <a:prstGeom prst="rect">
             <a:avLst/>
@@ -19910,7 +19910,7 @@
             <a:spAutoFit/>
           </a:bodyPr>
           <a:p>
-            <a:pPr marL="285840" indent="-267840">
+            <a:pPr marL="285840" indent="-267480">
               <a:lnSpc>
                 <a:spcPct val="150000"/>
               </a:lnSpc>
@@ -19955,7 +19955,7 @@
             </a:endParaRPr>
           </a:p>
           <a:p>
-            <a:pPr marL="285840" indent="-267840">
+            <a:pPr marL="285840" indent="-267480">
               <a:lnSpc>
                 <a:spcPct val="150000"/>
               </a:lnSpc>
@@ -20010,7 +20010,7 @@
         <p:spPr>
           <a:xfrm>
             <a:off x="1224000" y="5511960"/>
-            <a:ext cx="8916480" cy="348480"/>
+            <a:ext cx="8916120" cy="348120"/>
           </a:xfrm>
           <a:prstGeom prst="rect">
             <a:avLst/>
@@ -20031,7 +20031,7 @@
             <a:noAutofit/>
           </a:bodyPr>
           <a:p>
-            <a:pPr marL="216000" indent="-204480">
+            <a:pPr marL="216000" indent="-204120">
               <a:lnSpc>
                 <a:spcPct val="100000"/>
               </a:lnSpc>
@@ -20097,7 +20097,7 @@
         <p:spPr>
           <a:xfrm>
             <a:off x="10585440" y="973800"/>
-            <a:ext cx="1427040" cy="5710680"/>
+            <a:ext cx="1426680" cy="5710320"/>
           </a:xfrm>
           <a:prstGeom prst="rect">
             <a:avLst/>
@@ -20498,7 +20498,7 @@
         <p:spPr>
           <a:xfrm>
             <a:off x="246600" y="3062880"/>
-            <a:ext cx="11696400" cy="699480"/>
+            <a:ext cx="11696040" cy="699480"/>
           </a:xfrm>
           <a:prstGeom prst="rect">
             <a:avLst/>
@@ -20599,7 +20599,7 @@
         <p:spPr>
           <a:xfrm>
             <a:off x="1676520" y="2362320"/>
-            <a:ext cx="8821080" cy="912600"/>
+            <a:ext cx="8820720" cy="912600"/>
           </a:xfrm>
           <a:prstGeom prst="rect">
             <a:avLst/>
@@ -20650,7 +20650,7 @@
         <p:spPr>
           <a:xfrm>
             <a:off x="522360" y="3531600"/>
-            <a:ext cx="11058120" cy="363960"/>
+            <a:ext cx="11057760" cy="363960"/>
           </a:xfrm>
           <a:prstGeom prst="rect">
             <a:avLst/>
@@ -20731,7 +20731,7 @@
         <p:spPr>
           <a:xfrm>
             <a:off x="248400" y="0"/>
-            <a:ext cx="11694600" cy="699120"/>
+            <a:ext cx="11694240" cy="699120"/>
           </a:xfrm>
           <a:prstGeom prst="rect">
             <a:avLst/>
@@ -20786,7 +20786,7 @@
         <p:spPr>
           <a:xfrm>
             <a:off x="248400" y="762120"/>
-            <a:ext cx="10325520" cy="1461240"/>
+            <a:ext cx="10325160" cy="1461240"/>
           </a:xfrm>
           <a:prstGeom prst="rect">
             <a:avLst/>
@@ -20847,7 +20847,7 @@
         <p:spPr>
           <a:xfrm>
             <a:off x="1600200" y="3873600"/>
-            <a:ext cx="8871840" cy="1735560"/>
+            <a:ext cx="8871480" cy="1735560"/>
           </a:xfrm>
           <a:prstGeom prst="rect">
             <a:avLst/>
@@ -20868,7 +20868,7 @@
             <a:spAutoFit/>
           </a:bodyPr>
           <a:p>
-            <a:pPr marL="285840" indent="-267840">
+            <a:pPr marL="285840" indent="-267480">
               <a:lnSpc>
                 <a:spcPct val="150000"/>
               </a:lnSpc>
@@ -20913,7 +20913,7 @@
             </a:endParaRPr>
           </a:p>
           <a:p>
-            <a:pPr marL="285840" indent="-267840">
+            <a:pPr marL="285840" indent="-267480">
               <a:lnSpc>
                 <a:spcPct val="150000"/>
               </a:lnSpc>
@@ -20958,7 +20958,7 @@
             </a:endParaRPr>
           </a:p>
           <a:p>
-            <a:pPr marL="285840" indent="-267840">
+            <a:pPr marL="285840" indent="-267480">
               <a:lnSpc>
                 <a:spcPct val="150000"/>
               </a:lnSpc>
@@ -21003,7 +21003,7 @@
             </a:endParaRPr>
           </a:p>
           <a:p>
-            <a:pPr marL="285840" indent="-267840">
+            <a:pPr marL="285840" indent="-267480">
               <a:lnSpc>
                 <a:spcPct val="150000"/>
               </a:lnSpc>
@@ -21058,7 +21058,7 @@
         <p:spPr>
           <a:xfrm>
             <a:off x="1224000" y="5904000"/>
-            <a:ext cx="8916480" cy="348480"/>
+            <a:ext cx="8916120" cy="348120"/>
           </a:xfrm>
           <a:prstGeom prst="rect">
             <a:avLst/>
@@ -21079,7 +21079,7 @@
             <a:noAutofit/>
           </a:bodyPr>
           <a:p>
-            <a:pPr marL="216000" indent="-204480">
+            <a:pPr marL="216000" indent="-204120">
               <a:lnSpc>
                 <a:spcPct val="100000"/>
               </a:lnSpc>
@@ -21145,7 +21145,7 @@
         <p:spPr>
           <a:xfrm>
             <a:off x="10585440" y="1036440"/>
-            <a:ext cx="1427040" cy="5648040"/>
+            <a:ext cx="1426680" cy="5647680"/>
           </a:xfrm>
           <a:prstGeom prst="rect">
             <a:avLst/>
@@ -21581,7 +21581,7 @@
         <p:spPr>
           <a:xfrm>
             <a:off x="246600" y="2496600"/>
-            <a:ext cx="11696400" cy="394560"/>
+            <a:ext cx="11696040" cy="394560"/>
           </a:xfrm>
           <a:prstGeom prst="rect">
             <a:avLst/>
@@ -21662,7 +21662,7 @@
         <p:spPr>
           <a:xfrm>
             <a:off x="1676520" y="2362320"/>
-            <a:ext cx="8821080" cy="912600"/>
+            <a:ext cx="8820720" cy="912600"/>
           </a:xfrm>
           <a:prstGeom prst="rect">
             <a:avLst/>
@@ -21713,7 +21713,7 @@
         <p:spPr>
           <a:xfrm>
             <a:off x="1666800" y="609480"/>
-            <a:ext cx="8821080" cy="394560"/>
+            <a:ext cx="8820720" cy="394560"/>
           </a:xfrm>
           <a:prstGeom prst="rect">
             <a:avLst/>
@@ -21764,7 +21764,7 @@
         <p:spPr>
           <a:xfrm>
             <a:off x="522360" y="3531600"/>
-            <a:ext cx="11058120" cy="1735560"/>
+            <a:ext cx="11057760" cy="1735560"/>
           </a:xfrm>
           <a:prstGeom prst="rect">
             <a:avLst/>
@@ -21815,7 +21815,7 @@
             </a:endParaRPr>
           </a:p>
           <a:p>
-            <a:pPr marL="216000" indent="-205560">
+            <a:pPr marL="216000" indent="-205200">
               <a:lnSpc>
                 <a:spcPct val="100000"/>
               </a:lnSpc>
@@ -21890,7 +21890,7 @@
         <p:spPr>
           <a:xfrm>
             <a:off x="1676520" y="2362320"/>
-            <a:ext cx="8821080" cy="1735560"/>
+            <a:ext cx="8820720" cy="1735560"/>
           </a:xfrm>
           <a:prstGeom prst="rect">
             <a:avLst/>
@@ -21941,7 +21941,7 @@
         <p:spPr>
           <a:xfrm>
             <a:off x="522360" y="3531600"/>
-            <a:ext cx="11058120" cy="363960"/>
+            <a:ext cx="11057760" cy="363960"/>
           </a:xfrm>
           <a:prstGeom prst="rect">
             <a:avLst/>
@@ -22022,7 +22022,7 @@
         <p:spPr>
           <a:xfrm>
             <a:off x="248400" y="0"/>
-            <a:ext cx="11694600" cy="699120"/>
+            <a:ext cx="11694240" cy="699120"/>
           </a:xfrm>
           <a:prstGeom prst="rect">
             <a:avLst/>
@@ -22077,7 +22077,7 @@
         <p:spPr>
           <a:xfrm>
             <a:off x="248400" y="762120"/>
-            <a:ext cx="11694600" cy="2558520"/>
+            <a:ext cx="11694240" cy="2558520"/>
           </a:xfrm>
           <a:prstGeom prst="rect">
             <a:avLst/>
@@ -22298,7 +22298,7 @@
         <p:spPr>
           <a:xfrm>
             <a:off x="248400" y="3494880"/>
-            <a:ext cx="11694600" cy="1004400"/>
+            <a:ext cx="11694240" cy="1004400"/>
           </a:xfrm>
           <a:prstGeom prst="rect">
             <a:avLst/>
@@ -22389,7 +22389,7 @@
         <p:spPr>
           <a:xfrm>
             <a:off x="270360" y="4824000"/>
-            <a:ext cx="11535840" cy="912600"/>
+            <a:ext cx="11535480" cy="912600"/>
           </a:xfrm>
           <a:prstGeom prst="rect">
             <a:avLst/>
@@ -22410,7 +22410,7 @@
             <a:spAutoFit/>
           </a:bodyPr>
           <a:p>
-            <a:pPr marL="285840" indent="-267840">
+            <a:pPr marL="285840" indent="-267480">
               <a:lnSpc>
                 <a:spcPct val="150000"/>
               </a:lnSpc>
@@ -22455,7 +22455,7 @@
             </a:endParaRPr>
           </a:p>
           <a:p>
-            <a:pPr marL="285840" indent="-267840">
+            <a:pPr marL="285840" indent="-267480">
               <a:lnSpc>
                 <a:spcPct val="150000"/>
               </a:lnSpc>
@@ -22575,7 +22575,7 @@
         <p:spPr>
           <a:xfrm>
             <a:off x="1676520" y="2362320"/>
-            <a:ext cx="8821080" cy="912600"/>
+            <a:ext cx="8820720" cy="912600"/>
           </a:xfrm>
           <a:prstGeom prst="rect">
             <a:avLst/>
@@ -22626,7 +22626,7 @@
         <p:spPr>
           <a:xfrm>
             <a:off x="522360" y="3531600"/>
-            <a:ext cx="11058120" cy="363960"/>
+            <a:ext cx="11057760" cy="363960"/>
           </a:xfrm>
           <a:prstGeom prst="rect">
             <a:avLst/>
@@ -22707,7 +22707,7 @@
         <p:spPr>
           <a:xfrm>
             <a:off x="246600" y="762120"/>
-            <a:ext cx="11693160" cy="638280"/>
+            <a:ext cx="11692800" cy="638280"/>
           </a:xfrm>
           <a:prstGeom prst="rect">
             <a:avLst/>
@@ -22808,7 +22808,7 @@
         <p:spPr>
           <a:xfrm>
             <a:off x="1523880" y="2940480"/>
-            <a:ext cx="9402840" cy="1735560"/>
+            <a:ext cx="9402480" cy="1735560"/>
           </a:xfrm>
           <a:prstGeom prst="rect">
             <a:avLst/>
@@ -22829,7 +22829,7 @@
             <a:spAutoFit/>
           </a:bodyPr>
           <a:p>
-            <a:pPr marL="285840" indent="-267840">
+            <a:pPr marL="285840" indent="-267480">
               <a:lnSpc>
                 <a:spcPct val="150000"/>
               </a:lnSpc>
@@ -22874,7 +22874,7 @@
             </a:endParaRPr>
           </a:p>
           <a:p>
-            <a:pPr marL="285840" indent="-267840">
+            <a:pPr marL="285840" indent="-267480">
               <a:lnSpc>
                 <a:spcPct val="150000"/>
               </a:lnSpc>
@@ -22949,7 +22949,7 @@
             </a:endParaRPr>
           </a:p>
           <a:p>
-            <a:pPr marL="285840" indent="-267840">
+            <a:pPr marL="285840" indent="-267480">
               <a:lnSpc>
                 <a:spcPct val="150000"/>
               </a:lnSpc>
@@ -23014,7 +23014,7 @@
             </a:endParaRPr>
           </a:p>
           <a:p>
-            <a:pPr marL="285840" indent="-267840">
+            <a:pPr marL="285840" indent="-267480">
               <a:lnSpc>
                 <a:spcPct val="150000"/>
               </a:lnSpc>
@@ -23079,7 +23079,7 @@
         <p:spPr>
           <a:xfrm>
             <a:off x="1584000" y="4889520"/>
-            <a:ext cx="8838360" cy="999000"/>
+            <a:ext cx="8838000" cy="998640"/>
           </a:xfrm>
           <a:prstGeom prst="rect">
             <a:avLst/>
@@ -23130,7 +23130,7 @@
             </a:endParaRPr>
           </a:p>
           <a:p>
-            <a:pPr marL="216000" indent="-198360">
+            <a:pPr marL="216000" indent="-198000">
               <a:lnSpc>
                 <a:spcPct val="100000"/>
               </a:lnSpc>
@@ -23226,7 +23226,7 @@
         <p:spPr>
           <a:xfrm>
             <a:off x="246600" y="0"/>
-            <a:ext cx="11693160" cy="699120"/>
+            <a:ext cx="11692800" cy="699120"/>
           </a:xfrm>
           <a:prstGeom prst="rect">
             <a:avLst/>
@@ -23316,7 +23316,7 @@
         <p:spPr>
           <a:xfrm>
             <a:off x="246600" y="1742040"/>
-            <a:ext cx="11693160" cy="699480"/>
+            <a:ext cx="11692800" cy="699480"/>
           </a:xfrm>
           <a:prstGeom prst="rect">
             <a:avLst/>
@@ -23417,7 +23417,7 @@
         <p:spPr>
           <a:xfrm>
             <a:off x="248400" y="0"/>
-            <a:ext cx="11694600" cy="699120"/>
+            <a:ext cx="11694240" cy="699120"/>
           </a:xfrm>
           <a:prstGeom prst="rect">
             <a:avLst/>
@@ -23472,7 +23472,7 @@
         <p:spPr>
           <a:xfrm>
             <a:off x="248400" y="762120"/>
-            <a:ext cx="11694600" cy="1735560"/>
+            <a:ext cx="11694240" cy="1735560"/>
           </a:xfrm>
           <a:prstGeom prst="rect">
             <a:avLst/>
@@ -23583,7 +23583,7 @@
         <p:spPr>
           <a:xfrm>
             <a:off x="248400" y="2628720"/>
-            <a:ext cx="11694600" cy="699480"/>
+            <a:ext cx="11694240" cy="699480"/>
           </a:xfrm>
           <a:prstGeom prst="rect">
             <a:avLst/>
@@ -23654,7 +23654,7 @@
         <p:spPr>
           <a:xfrm>
             <a:off x="288000" y="3981600"/>
-            <a:ext cx="11662200" cy="912600"/>
+            <a:ext cx="11661840" cy="912600"/>
           </a:xfrm>
           <a:prstGeom prst="rect">
             <a:avLst/>
@@ -23675,7 +23675,7 @@
             <a:spAutoFit/>
           </a:bodyPr>
           <a:p>
-            <a:pPr marL="285840" indent="-267840">
+            <a:pPr marL="285840" indent="-267480">
               <a:lnSpc>
                 <a:spcPct val="150000"/>
               </a:lnSpc>
@@ -23720,7 +23720,7 @@
             </a:endParaRPr>
           </a:p>
           <a:p>
-            <a:pPr marL="285840" indent="-267840">
+            <a:pPr marL="285840" indent="-267480">
               <a:lnSpc>
                 <a:spcPct val="150000"/>
               </a:lnSpc>
@@ -23840,7 +23840,7 @@
         <p:spPr>
           <a:xfrm>
             <a:off x="1676520" y="2362320"/>
-            <a:ext cx="8821080" cy="1735560"/>
+            <a:ext cx="8820720" cy="1735560"/>
           </a:xfrm>
           <a:prstGeom prst="rect">
             <a:avLst/>
@@ -23891,7 +23891,7 @@
         <p:spPr>
           <a:xfrm>
             <a:off x="522360" y="3531600"/>
-            <a:ext cx="11058120" cy="363960"/>
+            <a:ext cx="11057760" cy="363960"/>
           </a:xfrm>
           <a:prstGeom prst="rect">
             <a:avLst/>
@@ -23972,7 +23972,7 @@
         <p:spPr>
           <a:xfrm>
             <a:off x="248400" y="0"/>
-            <a:ext cx="11694600" cy="699120"/>
+            <a:ext cx="11694240" cy="699120"/>
           </a:xfrm>
           <a:prstGeom prst="rect">
             <a:avLst/>
@@ -24027,7 +24027,7 @@
         <p:spPr>
           <a:xfrm>
             <a:off x="248400" y="762120"/>
-            <a:ext cx="11694600" cy="1735560"/>
+            <a:ext cx="11694240" cy="1735560"/>
           </a:xfrm>
           <a:prstGeom prst="rect">
             <a:avLst/>
@@ -24168,7 +24168,7 @@
         <p:spPr>
           <a:xfrm>
             <a:off x="248400" y="2435760"/>
-            <a:ext cx="11694600" cy="1004400"/>
+            <a:ext cx="11694240" cy="1004400"/>
           </a:xfrm>
           <a:prstGeom prst="rect">
             <a:avLst/>
@@ -24259,7 +24259,7 @@
         <p:spPr>
           <a:xfrm>
             <a:off x="1600200" y="3585600"/>
-            <a:ext cx="8871840" cy="1324080"/>
+            <a:ext cx="8871480" cy="1324080"/>
           </a:xfrm>
           <a:prstGeom prst="rect">
             <a:avLst/>
@@ -24280,7 +24280,7 @@
             <a:spAutoFit/>
           </a:bodyPr>
           <a:p>
-            <a:pPr marL="285840" indent="-267840">
+            <a:pPr marL="285840" indent="-267480">
               <a:lnSpc>
                 <a:spcPct val="150000"/>
               </a:lnSpc>
@@ -24325,7 +24325,7 @@
             </a:endParaRPr>
           </a:p>
           <a:p>
-            <a:pPr marL="285840" indent="-267840">
+            <a:pPr marL="285840" indent="-267480">
               <a:lnSpc>
                 <a:spcPct val="150000"/>
               </a:lnSpc>
@@ -24370,7 +24370,7 @@
             </a:endParaRPr>
           </a:p>
           <a:p>
-            <a:pPr marL="285840" indent="-267840">
+            <a:pPr marL="285840" indent="-267480">
               <a:lnSpc>
                 <a:spcPct val="150000"/>
               </a:lnSpc>
@@ -24490,7 +24490,7 @@
         <p:spPr>
           <a:xfrm>
             <a:off x="1676520" y="2362320"/>
-            <a:ext cx="8821080" cy="1735560"/>
+            <a:ext cx="8820720" cy="1735560"/>
           </a:xfrm>
           <a:prstGeom prst="rect">
             <a:avLst/>
@@ -24541,7 +24541,7 @@
         <p:spPr>
           <a:xfrm>
             <a:off x="522360" y="3531600"/>
-            <a:ext cx="11058120" cy="363960"/>
+            <a:ext cx="11057760" cy="363960"/>
           </a:xfrm>
           <a:prstGeom prst="rect">
             <a:avLst/>
@@ -25296,7 +25296,7 @@
         <p:spPr>
           <a:xfrm>
             <a:off x="248400" y="0"/>
-            <a:ext cx="11694600" cy="699120"/>
+            <a:ext cx="11694240" cy="699120"/>
           </a:xfrm>
           <a:prstGeom prst="rect">
             <a:avLst/>
@@ -25351,7 +25351,7 @@
         <p:spPr>
           <a:xfrm>
             <a:off x="248400" y="762120"/>
-            <a:ext cx="11694600" cy="1735560"/>
+            <a:ext cx="11694240" cy="1735560"/>
           </a:xfrm>
           <a:prstGeom prst="rect">
             <a:avLst/>
@@ -25452,7 +25452,7 @@
         <p:spPr>
           <a:xfrm>
             <a:off x="248400" y="2669760"/>
-            <a:ext cx="11694600" cy="699480"/>
+            <a:ext cx="11694240" cy="699480"/>
           </a:xfrm>
           <a:prstGeom prst="rect">
             <a:avLst/>
@@ -25523,7 +25523,7 @@
         <p:spPr>
           <a:xfrm>
             <a:off x="1600200" y="4269600"/>
-            <a:ext cx="8871840" cy="1324080"/>
+            <a:ext cx="8871480" cy="1324080"/>
           </a:xfrm>
           <a:prstGeom prst="rect">
             <a:avLst/>
@@ -25544,7 +25544,7 @@
             <a:spAutoFit/>
           </a:bodyPr>
           <a:p>
-            <a:pPr marL="285840" indent="-267840">
+            <a:pPr marL="285840" indent="-267480">
               <a:lnSpc>
                 <a:spcPct val="150000"/>
               </a:lnSpc>
@@ -25589,7 +25589,7 @@
             </a:endParaRPr>
           </a:p>
           <a:p>
-            <a:pPr marL="285840" indent="-267840">
+            <a:pPr marL="285840" indent="-267480">
               <a:lnSpc>
                 <a:spcPct val="150000"/>
               </a:lnSpc>
@@ -25634,7 +25634,7 @@
             </a:endParaRPr>
           </a:p>
           <a:p>
-            <a:pPr marL="285840" indent="-267840">
+            <a:pPr marL="285840" indent="-267480">
               <a:lnSpc>
                 <a:spcPct val="150000"/>
               </a:lnSpc>
@@ -25754,7 +25754,7 @@
         <p:spPr>
           <a:xfrm>
             <a:off x="1676520" y="2362320"/>
-            <a:ext cx="8821080" cy="2558520"/>
+            <a:ext cx="8820720" cy="2558520"/>
           </a:xfrm>
           <a:prstGeom prst="rect">
             <a:avLst/>
@@ -25805,7 +25805,7 @@
         <p:spPr>
           <a:xfrm>
             <a:off x="522360" y="3531600"/>
-            <a:ext cx="11058120" cy="363960"/>
+            <a:ext cx="11057760" cy="363960"/>
           </a:xfrm>
           <a:prstGeom prst="rect">
             <a:avLst/>
@@ -26398,7 +26398,7 @@
         <p:spPr>
           <a:xfrm>
             <a:off x="248400" y="0"/>
-            <a:ext cx="11694600" cy="699120"/>
+            <a:ext cx="11694240" cy="699120"/>
           </a:xfrm>
           <a:prstGeom prst="rect">
             <a:avLst/>
@@ -26453,7 +26453,7 @@
         <p:spPr>
           <a:xfrm>
             <a:off x="248400" y="762120"/>
-            <a:ext cx="11694600" cy="2558520"/>
+            <a:ext cx="11694240" cy="2558520"/>
           </a:xfrm>
           <a:prstGeom prst="rect">
             <a:avLst/>
@@ -26714,7 +26714,7 @@
         <p:spPr>
           <a:xfrm>
             <a:off x="248400" y="3206880"/>
-            <a:ext cx="11694600" cy="1309320"/>
+            <a:ext cx="11694240" cy="1309320"/>
           </a:xfrm>
           <a:prstGeom prst="rect">
             <a:avLst/>
@@ -26825,7 +26825,7 @@
         <p:spPr>
           <a:xfrm>
             <a:off x="288000" y="4795920"/>
-            <a:ext cx="8871840" cy="1324080"/>
+            <a:ext cx="8871480" cy="1324080"/>
           </a:xfrm>
           <a:prstGeom prst="rect">
             <a:avLst/>
@@ -26846,7 +26846,7 @@
             <a:spAutoFit/>
           </a:bodyPr>
           <a:p>
-            <a:pPr marL="285840" indent="-267840">
+            <a:pPr marL="285840" indent="-267480">
               <a:lnSpc>
                 <a:spcPct val="150000"/>
               </a:lnSpc>
@@ -26891,7 +26891,7 @@
             </a:endParaRPr>
           </a:p>
           <a:p>
-            <a:pPr marL="285840" indent="-267840">
+            <a:pPr marL="285840" indent="-267480">
               <a:lnSpc>
                 <a:spcPct val="150000"/>
               </a:lnSpc>
@@ -26936,7 +26936,7 @@
             </a:endParaRPr>
           </a:p>
           <a:p>
-            <a:pPr marL="285840" indent="-267840">
+            <a:pPr marL="285840" indent="-267480">
               <a:lnSpc>
                 <a:spcPct val="150000"/>
               </a:lnSpc>
@@ -27056,7 +27056,7 @@
         <p:spPr>
           <a:xfrm>
             <a:off x="1676520" y="2362320"/>
-            <a:ext cx="8821080" cy="912600"/>
+            <a:ext cx="8820720" cy="912600"/>
           </a:xfrm>
           <a:prstGeom prst="rect">
             <a:avLst/>
@@ -27107,7 +27107,7 @@
         <p:spPr>
           <a:xfrm>
             <a:off x="1666800" y="609480"/>
-            <a:ext cx="8821080" cy="394560"/>
+            <a:ext cx="8820720" cy="394560"/>
           </a:xfrm>
           <a:prstGeom prst="rect">
             <a:avLst/>
@@ -27158,7 +27158,7 @@
         <p:spPr>
           <a:xfrm>
             <a:off x="522360" y="3531600"/>
-            <a:ext cx="11058120" cy="638280"/>
+            <a:ext cx="11057760" cy="638280"/>
           </a:xfrm>
           <a:prstGeom prst="rect">
             <a:avLst/>
@@ -27259,7 +27259,7 @@
         <p:spPr>
           <a:xfrm>
             <a:off x="1676520" y="2362320"/>
-            <a:ext cx="8821080" cy="1735560"/>
+            <a:ext cx="8820720" cy="1735560"/>
           </a:xfrm>
           <a:prstGeom prst="rect">
             <a:avLst/>
@@ -27310,7 +27310,7 @@
         <p:spPr>
           <a:xfrm>
             <a:off x="522360" y="3531600"/>
-            <a:ext cx="11058120" cy="363960"/>
+            <a:ext cx="11057760" cy="363960"/>
           </a:xfrm>
           <a:prstGeom prst="rect">
             <a:avLst/>
@@ -27391,7 +27391,7 @@
         <p:spPr>
           <a:xfrm>
             <a:off x="248400" y="0"/>
-            <a:ext cx="11694600" cy="699120"/>
+            <a:ext cx="11694240" cy="699120"/>
           </a:xfrm>
           <a:prstGeom prst="rect">
             <a:avLst/>
@@ -27446,7 +27446,7 @@
         <p:spPr>
           <a:xfrm>
             <a:off x="248400" y="762120"/>
-            <a:ext cx="11694600" cy="2832840"/>
+            <a:ext cx="11694240" cy="2832840"/>
           </a:xfrm>
           <a:prstGeom prst="rect">
             <a:avLst/>
@@ -27707,7 +27707,7 @@
         <p:spPr>
           <a:xfrm>
             <a:off x="248400" y="3422880"/>
-            <a:ext cx="11694600" cy="1309320"/>
+            <a:ext cx="11694240" cy="1309320"/>
           </a:xfrm>
           <a:prstGeom prst="rect">
             <a:avLst/>
@@ -27818,7 +27818,7 @@
         <p:spPr>
           <a:xfrm>
             <a:off x="288000" y="4687920"/>
-            <a:ext cx="8871840" cy="2147040"/>
+            <a:ext cx="8871480" cy="2147040"/>
           </a:xfrm>
           <a:prstGeom prst="rect">
             <a:avLst/>
@@ -27839,7 +27839,7 @@
             <a:spAutoFit/>
           </a:bodyPr>
           <a:p>
-            <a:pPr marL="285840" indent="-267840">
+            <a:pPr marL="285840" indent="-267480">
               <a:lnSpc>
                 <a:spcPct val="150000"/>
               </a:lnSpc>
@@ -27884,7 +27884,7 @@
             </a:endParaRPr>
           </a:p>
           <a:p>
-            <a:pPr marL="285840" indent="-267840">
+            <a:pPr marL="285840" indent="-267480">
               <a:lnSpc>
                 <a:spcPct val="150000"/>
               </a:lnSpc>
@@ -27929,7 +27929,7 @@
             </a:endParaRPr>
           </a:p>
           <a:p>
-            <a:pPr marL="285840" indent="-267840">
+            <a:pPr marL="285840" indent="-267480">
               <a:lnSpc>
                 <a:spcPct val="150000"/>
               </a:lnSpc>
@@ -27974,7 +27974,7 @@
             </a:endParaRPr>
           </a:p>
           <a:p>
-            <a:pPr marL="285840" indent="-267840">
+            <a:pPr marL="285840" indent="-267480">
               <a:lnSpc>
                 <a:spcPct val="150000"/>
               </a:lnSpc>
@@ -28019,7 +28019,7 @@
             </a:endParaRPr>
           </a:p>
           <a:p>
-            <a:pPr marL="285840" indent="-267840">
+            <a:pPr marL="285840" indent="-267480">
               <a:lnSpc>
                 <a:spcPct val="150000"/>
               </a:lnSpc>
@@ -28139,7 +28139,7 @@
         <p:spPr>
           <a:xfrm>
             <a:off x="1676520" y="2362320"/>
-            <a:ext cx="8821080" cy="912600"/>
+            <a:ext cx="8820720" cy="912600"/>
           </a:xfrm>
           <a:prstGeom prst="rect">
             <a:avLst/>
@@ -28190,7 +28190,7 @@
         <p:spPr>
           <a:xfrm>
             <a:off x="1666800" y="609480"/>
-            <a:ext cx="8821080" cy="394560"/>
+            <a:ext cx="8820720" cy="394560"/>
           </a:xfrm>
           <a:prstGeom prst="rect">
             <a:avLst/>
@@ -28241,7 +28241,7 @@
         <p:spPr>
           <a:xfrm>
             <a:off x="522360" y="3531600"/>
-            <a:ext cx="11058120" cy="638280"/>
+            <a:ext cx="11057760" cy="638280"/>
           </a:xfrm>
           <a:prstGeom prst="rect">
             <a:avLst/>
@@ -28322,7 +28322,7 @@
         <p:spPr>
           <a:xfrm>
             <a:off x="1676520" y="2362320"/>
-            <a:ext cx="8821080" cy="912600"/>
+            <a:ext cx="8820720" cy="912600"/>
           </a:xfrm>
           <a:prstGeom prst="rect">
             <a:avLst/>
@@ -28373,7 +28373,7 @@
         <p:spPr>
           <a:xfrm>
             <a:off x="522360" y="3531600"/>
-            <a:ext cx="11058120" cy="363960"/>
+            <a:ext cx="11057760" cy="363960"/>
           </a:xfrm>
           <a:prstGeom prst="rect">
             <a:avLst/>
@@ -28454,7 +28454,7 @@
         <p:spPr>
           <a:xfrm>
             <a:off x="248400" y="0"/>
-            <a:ext cx="11694600" cy="699120"/>
+            <a:ext cx="11694240" cy="699120"/>
           </a:xfrm>
           <a:prstGeom prst="rect">
             <a:avLst/>
@@ -28509,7 +28509,7 @@
         <p:spPr>
           <a:xfrm>
             <a:off x="248400" y="762120"/>
-            <a:ext cx="11694600" cy="1735560"/>
+            <a:ext cx="11694240" cy="1735560"/>
           </a:xfrm>
           <a:prstGeom prst="rect">
             <a:avLst/>
@@ -28650,7 +28650,7 @@
         <p:spPr>
           <a:xfrm>
             <a:off x="248400" y="2882880"/>
-            <a:ext cx="11694600" cy="1004400"/>
+            <a:ext cx="11694240" cy="1004400"/>
           </a:xfrm>
           <a:prstGeom prst="rect">
             <a:avLst/>
@@ -28741,7 +28741,7 @@
         <p:spPr>
           <a:xfrm>
             <a:off x="288000" y="4039920"/>
-            <a:ext cx="8871840" cy="1324080"/>
+            <a:ext cx="8871480" cy="1324080"/>
           </a:xfrm>
           <a:prstGeom prst="rect">
             <a:avLst/>
@@ -28762,7 +28762,7 @@
             <a:spAutoFit/>
           </a:bodyPr>
           <a:p>
-            <a:pPr marL="285840" indent="-267840">
+            <a:pPr marL="285840" indent="-267480">
               <a:lnSpc>
                 <a:spcPct val="150000"/>
               </a:lnSpc>
@@ -28807,7 +28807,7 @@
             </a:endParaRPr>
           </a:p>
           <a:p>
-            <a:pPr marL="285840" indent="-267840">
+            <a:pPr marL="285840" indent="-267480">
               <a:lnSpc>
                 <a:spcPct val="150000"/>
               </a:lnSpc>
@@ -28852,7 +28852,7 @@
             </a:endParaRPr>
           </a:p>
           <a:p>
-            <a:pPr marL="285840" indent="-267840">
+            <a:pPr marL="285840" indent="-267480">
               <a:lnSpc>
                 <a:spcPct val="150000"/>
               </a:lnSpc>
@@ -28942,7 +28942,7 @@
         <p:spPr>
           <a:xfrm>
             <a:off x="6264000" y="2882880"/>
-            <a:ext cx="5755320" cy="643320"/>
+            <a:ext cx="5754960" cy="642960"/>
           </a:xfrm>
           <a:prstGeom prst="rect">
             <a:avLst/>
@@ -29043,7 +29043,7 @@
         <p:spPr>
           <a:xfrm>
             <a:off x="1676520" y="2362320"/>
-            <a:ext cx="8821080" cy="1735560"/>
+            <a:ext cx="8820720" cy="1735560"/>
           </a:xfrm>
           <a:prstGeom prst="rect">
             <a:avLst/>
@@ -29094,7 +29094,7 @@
         <p:spPr>
           <a:xfrm>
             <a:off x="522360" y="3531600"/>
-            <a:ext cx="11058120" cy="363960"/>
+            <a:ext cx="11057760" cy="363960"/>
           </a:xfrm>
           <a:prstGeom prst="rect">
             <a:avLst/>
@@ -29175,7 +29175,7 @@
         <p:spPr>
           <a:xfrm>
             <a:off x="248400" y="0"/>
-            <a:ext cx="11694600" cy="699120"/>
+            <a:ext cx="11694240" cy="699120"/>
           </a:xfrm>
           <a:prstGeom prst="rect">
             <a:avLst/>
@@ -29230,7 +29230,7 @@
         <p:spPr>
           <a:xfrm>
             <a:off x="248400" y="762120"/>
-            <a:ext cx="11694600" cy="2284200"/>
+            <a:ext cx="11694240" cy="2284200"/>
           </a:xfrm>
           <a:prstGeom prst="rect">
             <a:avLst/>
@@ -29371,7 +29371,7 @@
         <p:spPr>
           <a:xfrm>
             <a:off x="248400" y="3026880"/>
-            <a:ext cx="11694600" cy="1004400"/>
+            <a:ext cx="11694240" cy="1004400"/>
           </a:xfrm>
           <a:prstGeom prst="rect">
             <a:avLst/>
@@ -29462,7 +29462,7 @@
         <p:spPr>
           <a:xfrm>
             <a:off x="288000" y="4039920"/>
-            <a:ext cx="8871840" cy="1324080"/>
+            <a:ext cx="8871480" cy="1324080"/>
           </a:xfrm>
           <a:prstGeom prst="rect">
             <a:avLst/>
@@ -29483,7 +29483,7 @@
             <a:spAutoFit/>
           </a:bodyPr>
           <a:p>
-            <a:pPr marL="285840" indent="-267840">
+            <a:pPr marL="285840" indent="-267480">
               <a:lnSpc>
                 <a:spcPct val="150000"/>
               </a:lnSpc>
@@ -29528,7 +29528,7 @@
             </a:endParaRPr>
           </a:p>
           <a:p>
-            <a:pPr marL="285840" indent="-267840">
+            <a:pPr marL="285840" indent="-267480">
               <a:lnSpc>
                 <a:spcPct val="150000"/>
               </a:lnSpc>
@@ -29573,7 +29573,7 @@
             </a:endParaRPr>
           </a:p>
           <a:p>
-            <a:pPr marL="285840" indent="-267840">
+            <a:pPr marL="285840" indent="-267480">
               <a:lnSpc>
                 <a:spcPct val="150000"/>
               </a:lnSpc>
@@ -29663,7 +29663,7 @@
         <p:spPr>
           <a:xfrm>
             <a:off x="6480000" y="3046320"/>
-            <a:ext cx="5686200" cy="643320"/>
+            <a:ext cx="5685840" cy="642960"/>
           </a:xfrm>
           <a:prstGeom prst="rect">
             <a:avLst/>
@@ -29764,7 +29764,7 @@
         <p:spPr>
           <a:xfrm>
             <a:off x="1676520" y="2362320"/>
-            <a:ext cx="8821080" cy="1735560"/>
+            <a:ext cx="8820720" cy="1735560"/>
           </a:xfrm>
           <a:prstGeom prst="rect">
             <a:avLst/>
@@ -29815,7 +29815,7 @@
         <p:spPr>
           <a:xfrm>
             <a:off x="522360" y="3531600"/>
-            <a:ext cx="11058120" cy="363960"/>
+            <a:ext cx="11057760" cy="363960"/>
           </a:xfrm>
           <a:prstGeom prst="rect">
             <a:avLst/>
@@ -30408,7 +30408,7 @@
         <p:spPr>
           <a:xfrm>
             <a:off x="248400" y="0"/>
-            <a:ext cx="11694600" cy="699120"/>
+            <a:ext cx="11694240" cy="699120"/>
           </a:xfrm>
           <a:prstGeom prst="rect">
             <a:avLst/>
@@ -30463,7 +30463,7 @@
         <p:spPr>
           <a:xfrm>
             <a:off x="248400" y="762120"/>
-            <a:ext cx="11694600" cy="2558520"/>
+            <a:ext cx="11694240" cy="2558520"/>
           </a:xfrm>
           <a:prstGeom prst="rect">
             <a:avLst/>
@@ -30684,7 +30684,7 @@
         <p:spPr>
           <a:xfrm>
             <a:off x="248400" y="3206880"/>
-            <a:ext cx="11694600" cy="1004400"/>
+            <a:ext cx="11694240" cy="1004400"/>
           </a:xfrm>
           <a:prstGeom prst="rect">
             <a:avLst/>
@@ -30775,7 +30775,7 @@
         <p:spPr>
           <a:xfrm>
             <a:off x="340560" y="4608000"/>
-            <a:ext cx="8871840" cy="1735560"/>
+            <a:ext cx="8871480" cy="1735560"/>
           </a:xfrm>
           <a:prstGeom prst="rect">
             <a:avLst/>
@@ -30796,7 +30796,7 @@
             <a:spAutoFit/>
           </a:bodyPr>
           <a:p>
-            <a:pPr marL="285840" indent="-267840">
+            <a:pPr marL="285840" indent="-267480">
               <a:lnSpc>
                 <a:spcPct val="150000"/>
               </a:lnSpc>
@@ -30841,7 +30841,7 @@
             </a:endParaRPr>
           </a:p>
           <a:p>
-            <a:pPr marL="285840" indent="-267840">
+            <a:pPr marL="285840" indent="-267480">
               <a:lnSpc>
                 <a:spcPct val="150000"/>
               </a:lnSpc>
@@ -30886,7 +30886,7 @@
             </a:endParaRPr>
           </a:p>
           <a:p>
-            <a:pPr marL="285840" indent="-267840">
+            <a:pPr marL="285840" indent="-267480">
               <a:lnSpc>
                 <a:spcPct val="150000"/>
               </a:lnSpc>
@@ -30931,7 +30931,7 @@
             </a:endParaRPr>
           </a:p>
           <a:p>
-            <a:pPr marL="285840" indent="-267840">
+            <a:pPr marL="285840" indent="-267480">
               <a:lnSpc>
                 <a:spcPct val="150000"/>
               </a:lnSpc>
@@ -31051,7 +31051,7 @@
         <p:spPr>
           <a:xfrm>
             <a:off x="1676520" y="2362320"/>
-            <a:ext cx="8821080" cy="912600"/>
+            <a:ext cx="8820720" cy="912600"/>
           </a:xfrm>
           <a:prstGeom prst="rect">
             <a:avLst/>
@@ -31102,7 +31102,7 @@
         <p:spPr>
           <a:xfrm>
             <a:off x="1666800" y="609480"/>
-            <a:ext cx="8821080" cy="394560"/>
+            <a:ext cx="8820720" cy="394560"/>
           </a:xfrm>
           <a:prstGeom prst="rect">
             <a:avLst/>
@@ -31153,7 +31153,7 @@
         <p:spPr>
           <a:xfrm>
             <a:off x="522360" y="3531600"/>
-            <a:ext cx="11058120" cy="1186920"/>
+            <a:ext cx="11057760" cy="1186920"/>
           </a:xfrm>
           <a:prstGeom prst="rect">
             <a:avLst/>
@@ -31234,7 +31234,7 @@
         <p:spPr>
           <a:xfrm>
             <a:off x="1676520" y="2362320"/>
-            <a:ext cx="8821080" cy="912600"/>
+            <a:ext cx="8820720" cy="912600"/>
           </a:xfrm>
           <a:prstGeom prst="rect">
             <a:avLst/>
@@ -31285,7 +31285,7 @@
         <p:spPr>
           <a:xfrm>
             <a:off x="522360" y="3531600"/>
-            <a:ext cx="11058120" cy="363960"/>
+            <a:ext cx="11057760" cy="363960"/>
           </a:xfrm>
           <a:prstGeom prst="rect">
             <a:avLst/>
@@ -31366,7 +31366,7 @@
         <p:spPr>
           <a:xfrm>
             <a:off x="248400" y="0"/>
-            <a:ext cx="11694600" cy="699120"/>
+            <a:ext cx="11694240" cy="699120"/>
           </a:xfrm>
           <a:prstGeom prst="rect">
             <a:avLst/>
@@ -31421,7 +31421,7 @@
         <p:spPr>
           <a:xfrm>
             <a:off x="248400" y="762120"/>
-            <a:ext cx="11694600" cy="1461240"/>
+            <a:ext cx="11694240" cy="1461240"/>
           </a:xfrm>
           <a:prstGeom prst="rect">
             <a:avLst/>
@@ -31542,7 +31542,7 @@
         <p:spPr>
           <a:xfrm>
             <a:off x="248400" y="2450880"/>
-            <a:ext cx="11694600" cy="394560"/>
+            <a:ext cx="11694240" cy="394560"/>
           </a:xfrm>
           <a:prstGeom prst="rect">
             <a:avLst/>
@@ -31593,7 +31593,7 @@
         <p:spPr>
           <a:xfrm>
             <a:off x="288000" y="3031920"/>
-            <a:ext cx="11806560" cy="2147040"/>
+            <a:ext cx="11806200" cy="3792960"/>
           </a:xfrm>
           <a:prstGeom prst="rect">
             <a:avLst/>
@@ -31614,7 +31614,7 @@
             <a:spAutoFit/>
           </a:bodyPr>
           <a:p>
-            <a:pPr marL="285840" indent="-267840">
+            <a:pPr marL="285840" indent="-267480">
               <a:lnSpc>
                 <a:spcPct val="150000"/>
               </a:lnSpc>
@@ -31659,7 +31659,7 @@
             </a:endParaRPr>
           </a:p>
           <a:p>
-            <a:pPr marL="285840" indent="-267840">
+            <a:pPr marL="285840" indent="-267480">
               <a:lnSpc>
                 <a:spcPct val="150000"/>
               </a:lnSpc>
@@ -31698,6 +31698,61 @@
                 <a:ea typeface="SimSun"/>
               </a:rPr>
               <a:t>zadd game:1 12 saleel 04 neel 28 deep 10 nitish 7 gau 5 ruhan 5 raj 10 kau 17 saleel 23 sangita</a:t>
+            </a:r>
+            <a:endParaRPr b="0" lang="en-IN" sz="1800" spc="-1" strike="noStrike">
+              <a:latin typeface="Arial"/>
+            </a:endParaRPr>
+          </a:p>
+          <a:p>
+            <a:pPr marL="285840" indent="-267480">
+              <a:lnSpc>
+                <a:spcPct val="150000"/>
+              </a:lnSpc>
+              <a:buClr>
+                <a:srgbClr val="808080"/>
+              </a:buClr>
+              <a:buFont typeface="Arial"/>
+              <a:buChar char="•"/>
+            </a:pPr>
+            <a:r>
+              <a:rPr b="0" lang="en-IN" sz="1800" spc="-1" strike="noStrike">
+                <a:solidFill>
+                  <a:srgbClr val="808080"/>
+                </a:solidFill>
+                <a:latin typeface="Consolas"/>
+                <a:ea typeface="SimSun"/>
+              </a:rPr>
+              <a:t>127.0.0.1:6379&gt;</a:t>
+            </a:r>
+            <a:r>
+              <a:rPr b="0" lang="en-IN" sz="1800" spc="-1" strike="noStrike">
+                <a:solidFill>
+                  <a:srgbClr val="000000"/>
+                </a:solidFill>
+                <a:latin typeface="Consolas"/>
+                <a:ea typeface="SimSun"/>
+              </a:rPr>
+              <a:t> </a:t>
+            </a:r>
+            <a:r>
+              <a:rPr b="0" lang="en-IN" sz="1800" spc="-1" strike="noStrike">
+                <a:solidFill>
+                  <a:srgbClr val="ff5733"/>
+                </a:solidFill>
+                <a:latin typeface="Consolas"/>
+                <a:ea typeface="SimSun"/>
+              </a:rPr>
+              <a:t>zadd iplTeamRank 8 "Delhi Capitals" 7 "Chennai Super Kings" 7 "Royal Challengers Bangalore" 7 "Mumbai Indians" 7 "Rajasthan Royals" 8 "Punjab Kings" 7 "Kolkata Knight Riders" 7 "Sunrisers Hyderabad" 6 "Dummy Team</a:t>
+            </a:r>
+            <a:r>
+              <a:rPr b="0" lang="en-IN" sz="1800" spc="-1" strike="noStrike">
+                <a:solidFill>
+                  <a:srgbClr val="ff5733"/>
+                </a:solidFill>
+                <a:latin typeface="Consolas"/>
+                <a:ea typeface="SimSun"/>
+              </a:rPr>
+              <a:t>" 6 "Dummy Team1" 6 "Dummy Team2"</a:t>
             </a:r>
             <a:endParaRPr b="0" lang="en-IN" sz="1800" spc="-1" strike="noStrike">
               <a:latin typeface="Arial"/>
@@ -31789,7 +31844,7 @@
         <p:spPr>
           <a:xfrm>
             <a:off x="1676520" y="2362320"/>
-            <a:ext cx="8821080" cy="912600"/>
+            <a:ext cx="8820720" cy="912600"/>
           </a:xfrm>
           <a:prstGeom prst="rect">
             <a:avLst/>
@@ -31840,7 +31895,7 @@
         <p:spPr>
           <a:xfrm>
             <a:off x="522360" y="3531600"/>
-            <a:ext cx="11058120" cy="363960"/>
+            <a:ext cx="11057760" cy="363960"/>
           </a:xfrm>
           <a:prstGeom prst="rect">
             <a:avLst/>
@@ -31921,7 +31976,7 @@
         <p:spPr>
           <a:xfrm>
             <a:off x="1676520" y="2362320"/>
-            <a:ext cx="8821080" cy="912600"/>
+            <a:ext cx="8820720" cy="912600"/>
           </a:xfrm>
           <a:prstGeom prst="rect">
             <a:avLst/>
@@ -31972,7 +32027,7 @@
         <p:spPr>
           <a:xfrm>
             <a:off x="522360" y="3531600"/>
-            <a:ext cx="11058120" cy="363960"/>
+            <a:ext cx="11057760" cy="363960"/>
           </a:xfrm>
           <a:prstGeom prst="rect">
             <a:avLst/>
@@ -32053,7 +32108,7 @@
         <p:spPr>
           <a:xfrm>
             <a:off x="248400" y="0"/>
-            <a:ext cx="11694600" cy="699120"/>
+            <a:ext cx="11694240" cy="699120"/>
           </a:xfrm>
           <a:prstGeom prst="rect">
             <a:avLst/>
@@ -32108,7 +32163,7 @@
         <p:spPr>
           <a:xfrm>
             <a:off x="248400" y="762120"/>
-            <a:ext cx="9902520" cy="2009880"/>
+            <a:ext cx="9902160" cy="2009880"/>
           </a:xfrm>
           <a:prstGeom prst="rect">
             <a:avLst/>
@@ -32289,7 +32344,7 @@
         <p:spPr>
           <a:xfrm>
             <a:off x="248400" y="3062880"/>
-            <a:ext cx="9830520" cy="699480"/>
+            <a:ext cx="9830160" cy="699480"/>
           </a:xfrm>
           <a:prstGeom prst="rect">
             <a:avLst/>
@@ -32340,7 +32395,7 @@
         <p:spPr>
           <a:xfrm>
             <a:off x="288000" y="3751920"/>
-            <a:ext cx="11806560" cy="2970000"/>
+            <a:ext cx="11806200" cy="2970000"/>
           </a:xfrm>
           <a:prstGeom prst="rect">
             <a:avLst/>
@@ -32361,7 +32416,7 @@
             <a:spAutoFit/>
           </a:bodyPr>
           <a:p>
-            <a:pPr marL="285840" indent="-267840">
+            <a:pPr marL="285840" indent="-267480">
               <a:lnSpc>
                 <a:spcPct val="150000"/>
               </a:lnSpc>
@@ -32406,7 +32461,7 @@
             </a:endParaRPr>
           </a:p>
           <a:p>
-            <a:pPr marL="285840" indent="-267840">
+            <a:pPr marL="285840" indent="-267480">
               <a:lnSpc>
                 <a:spcPct val="150000"/>
               </a:lnSpc>
@@ -32451,7 +32506,7 @@
             </a:endParaRPr>
           </a:p>
           <a:p>
-            <a:pPr marL="285840" indent="-267840">
+            <a:pPr marL="285840" indent="-267480">
               <a:lnSpc>
                 <a:spcPct val="150000"/>
               </a:lnSpc>
@@ -32496,7 +32551,7 @@
             </a:endParaRPr>
           </a:p>
           <a:p>
-            <a:pPr marL="285840" indent="-267840">
+            <a:pPr marL="285840" indent="-267480">
               <a:lnSpc>
                 <a:spcPct val="150000"/>
               </a:lnSpc>
@@ -32541,7 +32596,7 @@
             </a:endParaRPr>
           </a:p>
           <a:p>
-            <a:pPr marL="285840" indent="-267840">
+            <a:pPr marL="285840" indent="-267480">
               <a:lnSpc>
                 <a:spcPct val="150000"/>
               </a:lnSpc>
@@ -32586,7 +32641,7 @@
             </a:endParaRPr>
           </a:p>
           <a:p>
-            <a:pPr marL="285840" indent="-267840">
+            <a:pPr marL="285840" indent="-267480">
               <a:lnSpc>
                 <a:spcPct val="150000"/>
               </a:lnSpc>
@@ -32631,7 +32686,7 @@
             </a:endParaRPr>
           </a:p>
           <a:p>
-            <a:pPr marL="285840" indent="-267840">
+            <a:pPr marL="285840" indent="-267480">
               <a:lnSpc>
                 <a:spcPct val="150000"/>
               </a:lnSpc>
@@ -32721,7 +32776,7 @@
         <p:spPr>
           <a:xfrm>
             <a:off x="10332000" y="682560"/>
-            <a:ext cx="1895040" cy="5713920"/>
+            <a:ext cx="1894680" cy="5713560"/>
           </a:xfrm>
           <a:prstGeom prst="rect">
             <a:avLst/>
@@ -33352,7 +33407,7 @@
         <p:spPr>
           <a:xfrm>
             <a:off x="248400" y="0"/>
-            <a:ext cx="11694600" cy="699120"/>
+            <a:ext cx="11694240" cy="699120"/>
           </a:xfrm>
           <a:prstGeom prst="rect">
             <a:avLst/>
@@ -33407,7 +33462,7 @@
         <p:spPr>
           <a:xfrm>
             <a:off x="248400" y="762120"/>
-            <a:ext cx="9902520" cy="638280"/>
+            <a:ext cx="9902160" cy="638280"/>
           </a:xfrm>
           <a:prstGeom prst="rect">
             <a:avLst/>
@@ -33468,7 +33523,7 @@
         <p:spPr>
           <a:xfrm>
             <a:off x="248400" y="1694880"/>
-            <a:ext cx="9830520" cy="394560"/>
+            <a:ext cx="9830160" cy="394560"/>
           </a:xfrm>
           <a:prstGeom prst="rect">
             <a:avLst/>
@@ -33519,7 +33574,7 @@
         <p:spPr>
           <a:xfrm>
             <a:off x="288000" y="2491920"/>
-            <a:ext cx="11806560" cy="912600"/>
+            <a:ext cx="11806200" cy="912600"/>
           </a:xfrm>
           <a:prstGeom prst="rect">
             <a:avLst/>
@@ -33540,7 +33595,7 @@
             <a:spAutoFit/>
           </a:bodyPr>
           <a:p>
-            <a:pPr marL="285840" indent="-267840">
+            <a:pPr marL="285840" indent="-267480">
               <a:lnSpc>
                 <a:spcPct val="150000"/>
               </a:lnSpc>
@@ -33585,7 +33640,7 @@
             </a:endParaRPr>
           </a:p>
           <a:p>
-            <a:pPr marL="285840" indent="-267840">
+            <a:pPr marL="285840" indent="-267480">
               <a:lnSpc>
                 <a:spcPct val="150000"/>
               </a:lnSpc>
@@ -33705,7 +33760,7 @@
         <p:spPr>
           <a:xfrm>
             <a:off x="1676520" y="2362320"/>
-            <a:ext cx="8821080" cy="1735560"/>
+            <a:ext cx="8820720" cy="1735560"/>
           </a:xfrm>
           <a:prstGeom prst="rect">
             <a:avLst/>
@@ -33756,7 +33811,7 @@
         <p:spPr>
           <a:xfrm>
             <a:off x="522360" y="3531600"/>
-            <a:ext cx="11058120" cy="363960"/>
+            <a:ext cx="11057760" cy="363960"/>
           </a:xfrm>
           <a:prstGeom prst="rect">
             <a:avLst/>
@@ -33837,7 +33892,7 @@
         <p:spPr>
           <a:xfrm>
             <a:off x="248400" y="0"/>
-            <a:ext cx="11694600" cy="699120"/>
+            <a:ext cx="11694240" cy="699120"/>
           </a:xfrm>
           <a:prstGeom prst="rect">
             <a:avLst/>
@@ -33892,7 +33947,7 @@
         <p:spPr>
           <a:xfrm>
             <a:off x="248400" y="762120"/>
-            <a:ext cx="11702520" cy="2009880"/>
+            <a:ext cx="11702160" cy="2009880"/>
           </a:xfrm>
           <a:prstGeom prst="rect">
             <a:avLst/>
@@ -34053,7 +34108,7 @@
         <p:spPr>
           <a:xfrm>
             <a:off x="248400" y="3062880"/>
-            <a:ext cx="9830520" cy="699480"/>
+            <a:ext cx="9830160" cy="699480"/>
           </a:xfrm>
           <a:prstGeom prst="rect">
             <a:avLst/>
@@ -34124,7 +34179,7 @@
         <p:spPr>
           <a:xfrm>
             <a:off x="288000" y="3751920"/>
-            <a:ext cx="11806560" cy="2970000"/>
+            <a:ext cx="11806200" cy="2970000"/>
           </a:xfrm>
           <a:prstGeom prst="rect">
             <a:avLst/>
@@ -34145,7 +34200,7 @@
             <a:spAutoFit/>
           </a:bodyPr>
           <a:p>
-            <a:pPr marL="285840" indent="-267840">
+            <a:pPr marL="285840" indent="-267480">
               <a:lnSpc>
                 <a:spcPct val="150000"/>
               </a:lnSpc>
@@ -34190,7 +34245,7 @@
             </a:endParaRPr>
           </a:p>
           <a:p>
-            <a:pPr marL="285840" indent="-267840">
+            <a:pPr marL="285840" indent="-267480">
               <a:lnSpc>
                 <a:spcPct val="150000"/>
               </a:lnSpc>
@@ -34235,7 +34290,7 @@
             </a:endParaRPr>
           </a:p>
           <a:p>
-            <a:pPr marL="285840" indent="-267840">
+            <a:pPr marL="285840" indent="-267480">
               <a:lnSpc>
                 <a:spcPct val="150000"/>
               </a:lnSpc>
@@ -34280,7 +34335,7 @@
             </a:endParaRPr>
           </a:p>
           <a:p>
-            <a:pPr marL="285840" indent="-267840">
+            <a:pPr marL="285840" indent="-267480">
               <a:lnSpc>
                 <a:spcPct val="150000"/>
               </a:lnSpc>
@@ -34325,7 +34380,7 @@
             </a:endParaRPr>
           </a:p>
           <a:p>
-            <a:pPr marL="285840" indent="-267840">
+            <a:pPr marL="285840" indent="-267480">
               <a:lnSpc>
                 <a:spcPct val="150000"/>
               </a:lnSpc>
@@ -34370,7 +34425,7 @@
             </a:endParaRPr>
           </a:p>
           <a:p>
-            <a:pPr marL="285840" indent="-267840">
+            <a:pPr marL="285840" indent="-267480">
               <a:lnSpc>
                 <a:spcPct val="150000"/>
               </a:lnSpc>
@@ -34415,7 +34470,7 @@
             </a:endParaRPr>
           </a:p>
           <a:p>
-            <a:pPr marL="285840" indent="-267840">
+            <a:pPr marL="285840" indent="-267480">
               <a:lnSpc>
                 <a:spcPct val="150000"/>
               </a:lnSpc>
@@ -34535,7 +34590,7 @@
         <p:spPr>
           <a:xfrm>
             <a:off x="1676520" y="2362320"/>
-            <a:ext cx="8821080" cy="1735560"/>
+            <a:ext cx="8820720" cy="1735560"/>
           </a:xfrm>
           <a:prstGeom prst="rect">
             <a:avLst/>
@@ -34586,7 +34641,7 @@
         <p:spPr>
           <a:xfrm>
             <a:off x="522360" y="3531600"/>
-            <a:ext cx="11058120" cy="363960"/>
+            <a:ext cx="11057760" cy="363960"/>
           </a:xfrm>
           <a:prstGeom prst="rect">
             <a:avLst/>
@@ -34667,7 +34722,7 @@
         <p:spPr>
           <a:xfrm>
             <a:off x="248400" y="0"/>
-            <a:ext cx="11694600" cy="699120"/>
+            <a:ext cx="11694240" cy="699120"/>
           </a:xfrm>
           <a:prstGeom prst="rect">
             <a:avLst/>
@@ -34722,7 +34777,7 @@
         <p:spPr>
           <a:xfrm>
             <a:off x="248400" y="762120"/>
-            <a:ext cx="11702520" cy="2375640"/>
+            <a:ext cx="11702160" cy="2832840"/>
           </a:xfrm>
           <a:prstGeom prst="rect">
             <a:avLst/>
@@ -34863,7 +34918,11 @@
             </a:endParaRPr>
           </a:p>
           <a:p>
-            <a:pPr algn="just"/>
+            <a:pPr algn="just">
+              <a:lnSpc>
+                <a:spcPct val="100000"/>
+              </a:lnSpc>
+            </a:pPr>
             <a:r>
               <a:rPr b="1" lang="en-US" sz="1800" spc="-1" strike="noStrike">
                 <a:solidFill>
@@ -34899,7 +34958,7 @@
         <p:spPr>
           <a:xfrm>
             <a:off x="248400" y="3638880"/>
-            <a:ext cx="9830520" cy="1309320"/>
+            <a:ext cx="9830160" cy="1309320"/>
           </a:xfrm>
           <a:prstGeom prst="rect">
             <a:avLst/>
@@ -35010,7 +35069,7 @@
         <p:spPr>
           <a:xfrm>
             <a:off x="288000" y="5011920"/>
-            <a:ext cx="11806560" cy="1735560"/>
+            <a:ext cx="11806200" cy="1735560"/>
           </a:xfrm>
           <a:prstGeom prst="rect">
             <a:avLst/>
@@ -35031,7 +35090,7 @@
             <a:spAutoFit/>
           </a:bodyPr>
           <a:p>
-            <a:pPr marL="285840" indent="-267840">
+            <a:pPr marL="285840" indent="-267480">
               <a:lnSpc>
                 <a:spcPct val="150000"/>
               </a:lnSpc>
@@ -35076,7 +35135,7 @@
             </a:endParaRPr>
           </a:p>
           <a:p>
-            <a:pPr marL="285840" indent="-267840">
+            <a:pPr marL="285840" indent="-267480">
               <a:lnSpc>
                 <a:spcPct val="150000"/>
               </a:lnSpc>
@@ -35121,7 +35180,7 @@
             </a:endParaRPr>
           </a:p>
           <a:p>
-            <a:pPr marL="285840" indent="-267840">
+            <a:pPr marL="285840" indent="-267480">
               <a:lnSpc>
                 <a:spcPct val="150000"/>
               </a:lnSpc>
@@ -35166,7 +35225,7 @@
             </a:endParaRPr>
           </a:p>
           <a:p>
-            <a:pPr marL="285840" indent="-267840">
+            <a:pPr marL="285840" indent="-267480">
               <a:lnSpc>
                 <a:spcPct val="150000"/>
               </a:lnSpc>
@@ -35286,7 +35345,7 @@
         <p:spPr>
           <a:xfrm>
             <a:off x="1676520" y="2362320"/>
-            <a:ext cx="8821080" cy="912960"/>
+            <a:ext cx="8820720" cy="1735560"/>
           </a:xfrm>
           <a:prstGeom prst="rect">
             <a:avLst/>
@@ -35320,7 +35379,7 @@
                 <a:latin typeface="Century"/>
                 <a:ea typeface="DejaVu Sans"/>
               </a:rPr>
-              <a:t>zcount</a:t>
+              <a:t>zcount, zrem, zrandmember</a:t>
             </a:r>
             <a:endParaRPr b="0" lang="en-IN" sz="5400" spc="-1" strike="noStrike">
               <a:latin typeface="Arial"/>
@@ -35337,7 +35396,7 @@
         <p:spPr>
           <a:xfrm>
             <a:off x="522360" y="3531600"/>
-            <a:ext cx="11058120" cy="363960"/>
+            <a:ext cx="11057760" cy="363960"/>
           </a:xfrm>
           <a:prstGeom prst="rect">
             <a:avLst/>
@@ -35418,7 +35477,7 @@
         <p:spPr>
           <a:xfrm>
             <a:off x="248400" y="0"/>
-            <a:ext cx="11694600" cy="699120"/>
+            <a:ext cx="11694240" cy="699120"/>
           </a:xfrm>
           <a:prstGeom prst="rect">
             <a:avLst/>
@@ -35456,7 +35515,7 @@
                 <a:latin typeface="Open Sans"/>
                 <a:ea typeface="DejaVu Sans"/>
               </a:rPr>
-              <a:t>zcount</a:t>
+              <a:t>zcount, zrem, zrandmember</a:t>
             </a:r>
             <a:endParaRPr b="0" lang="en-IN" sz="4000" spc="-1" strike="noStrike">
               <a:latin typeface="Arial"/>
@@ -35473,7 +35532,7 @@
         <p:spPr>
           <a:xfrm>
             <a:off x="248400" y="762120"/>
-            <a:ext cx="11702520" cy="1186920"/>
+            <a:ext cx="11702160" cy="1705320"/>
           </a:xfrm>
           <a:prstGeom prst="rect">
             <a:avLst/>
@@ -35594,11 +35653,7 @@
             </a:endParaRPr>
           </a:p>
           <a:p>
-            <a:pPr algn="just">
-              <a:lnSpc>
-                <a:spcPct val="100000"/>
-              </a:lnSpc>
-            </a:pPr>
+            <a:pPr algn="just"/>
             <a:r>
               <a:rPr b="1" lang="en-US" sz="1800" spc="-1" strike="noStrike">
                 <a:solidFill>
@@ -35607,17 +35662,43 @@
                 <a:latin typeface="Arial"/>
                 <a:ea typeface="DejaVu Sans"/>
               </a:rPr>
-              <a:t>ZSCORE</a:t>
+              <a:t>ZREM</a:t>
             </a:r>
             <a:r>
               <a:rPr b="0" lang="en-US" sz="1800" spc="-1" strike="noStrike">
-                <a:solidFill>
-                  <a:srgbClr val="000000"/>
-                </a:solidFill>
                 <a:latin typeface="Arial"/>
                 <a:ea typeface="DejaVu Sans"/>
               </a:rPr>
-              <a:t> returns the score of member in the sorted set at key.</a:t>
+              <a:t> removes the specified members from the sorted set stored at key. Non existing members are ignored.</a:t>
+            </a:r>
+            <a:endParaRPr b="0" lang="en-IN" sz="1800" spc="-1" strike="noStrike">
+              <a:latin typeface="Arial"/>
+            </a:endParaRPr>
+          </a:p>
+          <a:p>
+            <a:pPr algn="just"/>
+            <a:endParaRPr b="0" lang="en-IN" sz="1800" spc="-1" strike="noStrike">
+              <a:latin typeface="Arial"/>
+            </a:endParaRPr>
+          </a:p>
+          <a:p>
+            <a:pPr algn="just"/>
+            <a:r>
+              <a:rPr b="1" lang="en-US" sz="1800" spc="-1" strike="noStrike">
+                <a:solidFill>
+                  <a:srgbClr val="7c4dff"/>
+                </a:solidFill>
+                <a:latin typeface="Arial"/>
+                <a:ea typeface="DejaVu Sans"/>
+              </a:rPr>
+              <a:t>ZRANDMEMBER</a:t>
+            </a:r>
+            <a:r>
+              <a:rPr b="0" lang="en-US" sz="1800" spc="-1" strike="noStrike">
+                <a:latin typeface="Arial"/>
+                <a:ea typeface="DejaVu Sans"/>
+              </a:rPr>
+              <a:t> when called with just the key argument, return a random element from the sorted set value stored at key. If the provided count argument is positive, return an array of distinct elements.</a:t>
             </a:r>
             <a:endParaRPr b="0" lang="en-IN" sz="1800" spc="-1" strike="noStrike">
               <a:latin typeface="Arial"/>
@@ -35633,8 +35714,8 @@
         </p:nvSpPr>
         <p:spPr>
           <a:xfrm>
-            <a:off x="248400" y="3062880"/>
-            <a:ext cx="9830520" cy="394920"/>
+            <a:off x="248400" y="2954880"/>
+            <a:ext cx="9830160" cy="1005120"/>
           </a:xfrm>
           <a:prstGeom prst="rect">
             <a:avLst/>
@@ -35674,6 +35755,46 @@
               <a:latin typeface="Arial"/>
             </a:endParaRPr>
           </a:p>
+          <a:p>
+            <a:pPr>
+              <a:lnSpc>
+                <a:spcPct val="100000"/>
+              </a:lnSpc>
+            </a:pPr>
+            <a:r>
+              <a:rPr b="0" lang="en-US" sz="2000" spc="-1" strike="noStrike">
+                <a:solidFill>
+                  <a:srgbClr val="00b0f0"/>
+                </a:solidFill>
+                <a:latin typeface="Consolas"/>
+                <a:ea typeface="DejaVu Sans"/>
+              </a:rPr>
+              <a:t>ZREM key member [member ...]</a:t>
+            </a:r>
+            <a:endParaRPr b="0" lang="en-IN" sz="2000" spc="-1" strike="noStrike">
+              <a:latin typeface="Arial"/>
+            </a:endParaRPr>
+          </a:p>
+          <a:p>
+            <a:pPr>
+              <a:lnSpc>
+                <a:spcPct val="100000"/>
+              </a:lnSpc>
+            </a:pPr>
+            <a:r>
+              <a:rPr b="0" lang="en-US" sz="2000" spc="-1" strike="noStrike">
+                <a:solidFill>
+                  <a:srgbClr val="00b0f0"/>
+                </a:solidFill>
+                <a:latin typeface="Consolas"/>
+                <a:ea typeface="DejaVu Sans"/>
+              </a:rPr>
+              <a:t>ZRANDMEMBER key [count [WITHSCORES]]</a:t>
+            </a:r>
+            <a:endParaRPr b="0" lang="en-IN" sz="2000" spc="-1" strike="noStrike">
+              <a:latin typeface="Arial"/>
+            </a:endParaRPr>
+          </a:p>
         </p:txBody>
       </p:sp>
       <p:sp>
@@ -35684,8 +35805,8 @@
         </p:nvSpPr>
         <p:spPr>
           <a:xfrm>
-            <a:off x="288000" y="4327920"/>
-            <a:ext cx="11806560" cy="1324080"/>
+            <a:off x="288000" y="4075920"/>
+            <a:ext cx="11806200" cy="2559240"/>
           </a:xfrm>
           <a:prstGeom prst="rect">
             <a:avLst/>
@@ -35706,7 +35827,7 @@
             <a:spAutoFit/>
           </a:bodyPr>
           <a:p>
-            <a:pPr marL="285840" indent="-267840">
+            <a:pPr marL="285840" indent="-267480">
               <a:lnSpc>
                 <a:spcPct val="150000"/>
               </a:lnSpc>
@@ -35751,7 +35872,7 @@
             </a:endParaRPr>
           </a:p>
           <a:p>
-            <a:pPr marL="285840" indent="-267840">
+            <a:pPr marL="285840" indent="-267480">
               <a:lnSpc>
                 <a:spcPct val="150000"/>
               </a:lnSpc>
@@ -35796,7 +35917,7 @@
             </a:endParaRPr>
           </a:p>
           <a:p>
-            <a:pPr marL="285840" indent="-267840">
+            <a:pPr marL="285840" indent="-267480">
               <a:lnSpc>
                 <a:spcPct val="150000"/>
               </a:lnSpc>
@@ -35835,6 +35956,141 @@
                 <a:ea typeface="SimSun"/>
               </a:rPr>
               <a:t>zscore game:1 saleel</a:t>
+            </a:r>
+            <a:endParaRPr b="0" lang="en-IN" sz="1800" spc="-1" strike="noStrike">
+              <a:latin typeface="Arial"/>
+            </a:endParaRPr>
+          </a:p>
+          <a:p>
+            <a:pPr marL="285840" indent="-267480">
+              <a:lnSpc>
+                <a:spcPct val="150000"/>
+              </a:lnSpc>
+              <a:buClr>
+                <a:srgbClr val="808080"/>
+              </a:buClr>
+              <a:buFont typeface="Arial"/>
+              <a:buChar char="•"/>
+            </a:pPr>
+            <a:r>
+              <a:rPr b="0" lang="en-IN" sz="1800" spc="-1" strike="noStrike">
+                <a:solidFill>
+                  <a:srgbClr val="808080"/>
+                </a:solidFill>
+                <a:latin typeface="Consolas"/>
+                <a:ea typeface="SimSun"/>
+              </a:rPr>
+              <a:t>127.0.0.1:6379&gt;</a:t>
+            </a:r>
+            <a:r>
+              <a:rPr b="0" lang="en-IN" sz="1800" spc="-1" strike="noStrike">
+                <a:solidFill>
+                  <a:srgbClr val="000000"/>
+                </a:solidFill>
+                <a:latin typeface="Consolas"/>
+                <a:ea typeface="SimSun"/>
+              </a:rPr>
+              <a:t> </a:t>
+            </a:r>
+            <a:r>
+              <a:rPr b="0" lang="en-IN" sz="1800" spc="-1" strike="noStrike">
+                <a:solidFill>
+                  <a:srgbClr val="ff5733"/>
+                </a:solidFill>
+                <a:latin typeface="Consolas"/>
+                <a:ea typeface="SimSun"/>
+              </a:rPr>
+              <a:t>zrem iplTeamRank "Dummy Team" "Dummy Team1" "Dummy Team2"</a:t>
+            </a:r>
+            <a:endParaRPr b="0" lang="en-IN" sz="1800" spc="-1" strike="noStrike">
+              <a:latin typeface="Arial"/>
+            </a:endParaRPr>
+          </a:p>
+          <a:p>
+            <a:pPr marL="285840" indent="-267480">
+              <a:lnSpc>
+                <a:spcPct val="150000"/>
+              </a:lnSpc>
+              <a:buClr>
+                <a:srgbClr val="808080"/>
+              </a:buClr>
+              <a:buFont typeface="Arial"/>
+              <a:buChar char="•"/>
+            </a:pPr>
+            <a:r>
+              <a:rPr b="0" lang="en-IN" sz="1800" spc="-1" strike="noStrike">
+                <a:solidFill>
+                  <a:srgbClr val="808080"/>
+                </a:solidFill>
+                <a:latin typeface="Consolas"/>
+                <a:ea typeface="SimSun"/>
+              </a:rPr>
+              <a:t>127.0.0.1:6379&gt;</a:t>
+            </a:r>
+            <a:r>
+              <a:rPr b="0" lang="en-IN" sz="1800" spc="-1" strike="noStrike">
+                <a:solidFill>
+                  <a:srgbClr val="000000"/>
+                </a:solidFill>
+                <a:latin typeface="Consolas"/>
+                <a:ea typeface="SimSun"/>
+              </a:rPr>
+              <a:t> </a:t>
+            </a:r>
+            <a:r>
+              <a:rPr b="0" lang="en-IN" sz="1800" spc="-1" strike="noStrike">
+                <a:solidFill>
+                  <a:srgbClr val="ff5733"/>
+                </a:solidFill>
+                <a:latin typeface="Consolas"/>
+                <a:ea typeface="SimSun"/>
+              </a:rPr>
+              <a:t>zrandmember iplTeamRank</a:t>
+            </a:r>
+            <a:endParaRPr b="0" lang="en-IN" sz="1800" spc="-1" strike="noStrike">
+              <a:latin typeface="Arial"/>
+            </a:endParaRPr>
+          </a:p>
+          <a:p>
+            <a:pPr marL="285840" indent="-267480">
+              <a:lnSpc>
+                <a:spcPct val="150000"/>
+              </a:lnSpc>
+              <a:buClr>
+                <a:srgbClr val="808080"/>
+              </a:buClr>
+              <a:buFont typeface="Arial"/>
+              <a:buChar char="•"/>
+            </a:pPr>
+            <a:r>
+              <a:rPr b="0" lang="en-IN" sz="1800" spc="-1" strike="noStrike">
+                <a:solidFill>
+                  <a:srgbClr val="808080"/>
+                </a:solidFill>
+                <a:latin typeface="Consolas"/>
+                <a:ea typeface="SimSun"/>
+              </a:rPr>
+              <a:t>127.0.0.1:6379&gt;</a:t>
+            </a:r>
+            <a:r>
+              <a:rPr b="0" lang="en-IN" sz="1800" spc="-1" strike="noStrike">
+                <a:solidFill>
+                  <a:srgbClr val="000000"/>
+                </a:solidFill>
+                <a:latin typeface="Consolas"/>
+                <a:ea typeface="SimSun"/>
+              </a:rPr>
+              <a:t> </a:t>
+            </a:r>
+            <a:r>
+              <a:rPr b="0" lang="en-IN" sz="1800" spc="-1" strike="noStrike">
+                <a:solidFill>
+                  <a:srgbClr val="ff5733"/>
+                </a:solidFill>
+                <a:latin typeface="Consolas"/>
+                <a:ea typeface="SimSun"/>
+              </a:rPr>
+              <a:t>zrandmember iplTeamRank 3</a:t>
             </a:r>
             <a:endParaRPr b="0" lang="en-IN" sz="1800" spc="-1" strike="noStrike">
               <a:latin typeface="Arial"/>
@@ -35916,7 +36172,7 @@
         <p:spPr>
           <a:xfrm>
             <a:off x="1676520" y="2362320"/>
-            <a:ext cx="8821080" cy="912600"/>
+            <a:ext cx="8820720" cy="912600"/>
           </a:xfrm>
           <a:prstGeom prst="rect">
             <a:avLst/>
@@ -35967,7 +36223,7 @@
         <p:spPr>
           <a:xfrm>
             <a:off x="1666800" y="609480"/>
-            <a:ext cx="8821080" cy="394560"/>
+            <a:ext cx="8820720" cy="394560"/>
           </a:xfrm>
           <a:prstGeom prst="rect">
             <a:avLst/>
@@ -36018,7 +36274,7 @@
         <p:spPr>
           <a:xfrm>
             <a:off x="522360" y="3531600"/>
-            <a:ext cx="11058120" cy="363960"/>
+            <a:ext cx="11057760" cy="363960"/>
           </a:xfrm>
           <a:prstGeom prst="rect">
             <a:avLst/>
@@ -36099,7 +36355,7 @@
         <p:spPr>
           <a:xfrm>
             <a:off x="0" y="727200"/>
-            <a:ext cx="1936800" cy="424800"/>
+            <a:ext cx="1936440" cy="424800"/>
           </a:xfrm>
           <a:prstGeom prst="rect">
             <a:avLst/>
@@ -36150,7 +36406,7 @@
         <p:spPr>
           <a:xfrm>
             <a:off x="288000" y="2061720"/>
-            <a:ext cx="11656800" cy="4049640"/>
+            <a:ext cx="11656440" cy="4049280"/>
           </a:xfrm>
           <a:prstGeom prst="rect">
             <a:avLst/>
@@ -36211,7 +36467,7 @@
             </a:endParaRPr>
           </a:p>
           <a:p>
-            <a:pPr marL="216000" indent="-208800">
+            <a:pPr marL="216000" indent="-208440">
               <a:lnSpc>
                 <a:spcPct val="100000"/>
               </a:lnSpc>
@@ -36257,7 +36513,7 @@
             </a:endParaRPr>
           </a:p>
           <a:p>
-            <a:pPr marL="216000" indent="-208800">
+            <a:pPr marL="216000" indent="-208440">
               <a:lnSpc>
                 <a:spcPct val="100000"/>
               </a:lnSpc>
@@ -36413,7 +36669,7 @@
         <p:spPr>
           <a:xfrm>
             <a:off x="248400" y="0"/>
-            <a:ext cx="11694600" cy="699120"/>
+            <a:ext cx="11694240" cy="699120"/>
           </a:xfrm>
           <a:prstGeom prst="rect">
             <a:avLst/>
@@ -36468,7 +36724,7 @@
         <p:spPr>
           <a:xfrm>
             <a:off x="576000" y="1504080"/>
-            <a:ext cx="8344800" cy="360720"/>
+            <a:ext cx="8344440" cy="360360"/>
           </a:xfrm>
           <a:prstGeom prst="rect">
             <a:avLst/>
@@ -36519,7 +36775,7 @@
         <p:spPr>
           <a:xfrm>
             <a:off x="288000" y="5543280"/>
-            <a:ext cx="10828800" cy="1001520"/>
+            <a:ext cx="10828440" cy="1001160"/>
           </a:xfrm>
           <a:prstGeom prst="rect">
             <a:avLst/>
@@ -36680,7 +36936,7 @@
         <p:spPr>
           <a:xfrm>
             <a:off x="248400" y="0"/>
-            <a:ext cx="11694600" cy="699120"/>
+            <a:ext cx="11694240" cy="699120"/>
           </a:xfrm>
           <a:prstGeom prst="rect">
             <a:avLst/>
@@ -36735,7 +36991,7 @@
         <p:spPr>
           <a:xfrm>
             <a:off x="248400" y="762120"/>
-            <a:ext cx="11694600" cy="638280"/>
+            <a:ext cx="11694240" cy="638280"/>
           </a:xfrm>
           <a:prstGeom prst="rect">
             <a:avLst/>
@@ -36796,7 +37052,7 @@
         <p:spPr>
           <a:xfrm>
             <a:off x="1523880" y="4272480"/>
-            <a:ext cx="8871840" cy="2558520"/>
+            <a:ext cx="8871480" cy="2558520"/>
           </a:xfrm>
           <a:prstGeom prst="rect">
             <a:avLst/>
@@ -36817,7 +37073,7 @@
             <a:spAutoFit/>
           </a:bodyPr>
           <a:p>
-            <a:pPr marL="285840" indent="-267840">
+            <a:pPr marL="285840" indent="-267480">
               <a:lnSpc>
                 <a:spcPct val="150000"/>
               </a:lnSpc>
@@ -36862,7 +37118,7 @@
             </a:endParaRPr>
           </a:p>
           <a:p>
-            <a:pPr marL="285840" indent="-267840">
+            <a:pPr marL="285840" indent="-267480">
               <a:lnSpc>
                 <a:spcPct val="150000"/>
               </a:lnSpc>
@@ -36907,7 +37163,7 @@
             </a:endParaRPr>
           </a:p>
           <a:p>
-            <a:pPr marL="285840" indent="-267840">
+            <a:pPr marL="285840" indent="-267480">
               <a:lnSpc>
                 <a:spcPct val="150000"/>
               </a:lnSpc>
@@ -36952,7 +37208,7 @@
             </a:endParaRPr>
           </a:p>
           <a:p>
-            <a:pPr marL="285840" indent="-267840">
+            <a:pPr marL="285840" indent="-267480">
               <a:lnSpc>
                 <a:spcPct val="150000"/>
               </a:lnSpc>
@@ -36997,7 +37253,7 @@
             </a:endParaRPr>
           </a:p>
           <a:p>
-            <a:pPr marL="285840" indent="-267840">
+            <a:pPr marL="285840" indent="-267480">
               <a:lnSpc>
                 <a:spcPct val="150000"/>
               </a:lnSpc>
@@ -37032,7 +37288,7 @@
             </a:endParaRPr>
           </a:p>
           <a:p>
-            <a:pPr marL="285840" indent="-267840">
+            <a:pPr marL="285840" indent="-267480">
               <a:lnSpc>
                 <a:spcPct val="150000"/>
               </a:lnSpc>
@@ -37632,7 +37888,7 @@
         <p:spPr>
           <a:xfrm>
             <a:off x="246600" y="1742040"/>
-            <a:ext cx="11696400" cy="394560"/>
+            <a:ext cx="11696040" cy="394560"/>
           </a:xfrm>
           <a:prstGeom prst="rect">
             <a:avLst/>
@@ -37723,7 +37979,7 @@
         <p:spPr>
           <a:xfrm>
             <a:off x="216000" y="216000"/>
-            <a:ext cx="1936800" cy="424800"/>
+            <a:ext cx="1936440" cy="424800"/>
           </a:xfrm>
           <a:prstGeom prst="rect">
             <a:avLst/>
@@ -37774,7 +38030,7 @@
         <p:spPr>
           <a:xfrm>
             <a:off x="432720" y="1224000"/>
-            <a:ext cx="8344800" cy="360720"/>
+            <a:ext cx="8344440" cy="360360"/>
           </a:xfrm>
           <a:prstGeom prst="rect">
             <a:avLst/>
@@ -37825,7 +38081,7 @@
         <p:spPr>
           <a:xfrm>
             <a:off x="288000" y="1656000"/>
-            <a:ext cx="604440" cy="392400"/>
+            <a:ext cx="604080" cy="392040"/>
           </a:xfrm>
           <a:prstGeom prst="rect">
             <a:avLst/>
@@ -37876,7 +38132,7 @@
         <p:spPr>
           <a:xfrm>
             <a:off x="36000" y="2253600"/>
-            <a:ext cx="12095280" cy="3792960"/>
+            <a:ext cx="12094920" cy="3792960"/>
           </a:xfrm>
           <a:prstGeom prst="rect">
             <a:avLst/>
@@ -38407,7 +38663,7 @@
         <p:spPr>
           <a:xfrm>
             <a:off x="216000" y="216000"/>
-            <a:ext cx="1936800" cy="424800"/>
+            <a:ext cx="1936440" cy="424800"/>
           </a:xfrm>
           <a:prstGeom prst="rect">
             <a:avLst/>
@@ -38458,7 +38714,7 @@
         <p:spPr>
           <a:xfrm>
             <a:off x="432720" y="1224000"/>
-            <a:ext cx="8344800" cy="360720"/>
+            <a:ext cx="8344440" cy="360360"/>
           </a:xfrm>
           <a:prstGeom prst="rect">
             <a:avLst/>
@@ -38509,7 +38765,7 @@
         <p:spPr>
           <a:xfrm>
             <a:off x="36000" y="2253600"/>
-            <a:ext cx="12095280" cy="3381480"/>
+            <a:ext cx="12094920" cy="3381480"/>
           </a:xfrm>
           <a:prstGeom prst="rect">
             <a:avLst/>
@@ -39010,7 +39266,7 @@
         <p:spPr>
           <a:xfrm>
             <a:off x="288000" y="1656000"/>
-            <a:ext cx="604440" cy="392400"/>
+            <a:ext cx="604080" cy="392040"/>
           </a:xfrm>
           <a:prstGeom prst="rect">
             <a:avLst/>
@@ -39091,7 +39347,7 @@
         <p:spPr>
           <a:xfrm>
             <a:off x="1365840" y="188640"/>
-            <a:ext cx="9664920" cy="2192400"/>
+            <a:ext cx="9664560" cy="2192400"/>
           </a:xfrm>
           <a:prstGeom prst="rect">
             <a:avLst/>
@@ -39186,7 +39442,7 @@
         <p:spPr>
           <a:xfrm>
             <a:off x="4404600" y="2036160"/>
-            <a:ext cx="3108600" cy="4645440"/>
+            <a:ext cx="3108240" cy="4645080"/>
           </a:xfrm>
           <a:prstGeom prst="rect">
             <a:avLst/>
@@ -39235,7 +39491,7 @@
         <p:spPr>
           <a:xfrm>
             <a:off x="474480" y="2448000"/>
-            <a:ext cx="10389600" cy="2386440"/>
+            <a:ext cx="10389240" cy="2386080"/>
           </a:xfrm>
           <a:prstGeom prst="rect">
             <a:avLst/>
@@ -39286,7 +39542,7 @@
             </a:endParaRPr>
           </a:p>
           <a:p>
-            <a:pPr marL="216000" indent="-208080">
+            <a:pPr marL="216000" indent="-207720">
               <a:lnSpc>
                 <a:spcPct val="100000"/>
               </a:lnSpc>
@@ -39312,7 +39568,7 @@
             </a:endParaRPr>
           </a:p>
           <a:p>
-            <a:pPr marL="216000" indent="-208080">
+            <a:pPr marL="216000" indent="-207720">
               <a:lnSpc>
                 <a:spcPct val="100000"/>
               </a:lnSpc>
@@ -39338,7 +39594,7 @@
             </a:endParaRPr>
           </a:p>
           <a:p>
-            <a:pPr marL="216000" indent="-208080">
+            <a:pPr marL="216000" indent="-207720">
               <a:lnSpc>
                 <a:spcPct val="100000"/>
               </a:lnSpc>
@@ -39364,7 +39620,7 @@
             </a:endParaRPr>
           </a:p>
           <a:p>
-            <a:pPr marL="216000" indent="-208080">
+            <a:pPr marL="216000" indent="-207720">
               <a:lnSpc>
                 <a:spcPct val="100000"/>
               </a:lnSpc>
@@ -39390,7 +39646,7 @@
             </a:endParaRPr>
           </a:p>
           <a:p>
-            <a:pPr marL="216000" indent="-208080">
+            <a:pPr marL="216000" indent="-207720">
               <a:lnSpc>
                 <a:spcPct val="100000"/>
               </a:lnSpc>
@@ -39426,7 +39682,7 @@
         <p:spPr>
           <a:xfrm>
             <a:off x="363600" y="193320"/>
-            <a:ext cx="4236480" cy="590760"/>
+            <a:ext cx="4236120" cy="590400"/>
           </a:xfrm>
           <a:prstGeom prst="rect">
             <a:avLst/>
@@ -39497,7 +39753,7 @@
         <p:spPr>
           <a:xfrm>
             <a:off x="504000" y="5760000"/>
-            <a:ext cx="11152080" cy="594360"/>
+            <a:ext cx="11151720" cy="594000"/>
           </a:xfrm>
           <a:prstGeom prst="rect">
             <a:avLst/>
@@ -39560,7 +39816,7 @@
         <p:spPr>
           <a:xfrm>
             <a:off x="9648000" y="4014000"/>
-            <a:ext cx="2152080" cy="298080"/>
+            <a:ext cx="2151720" cy="297720"/>
           </a:xfrm>
           <a:prstGeom prst="rect">
             <a:avLst/>
@@ -39641,7 +39897,7 @@
         <p:spPr>
           <a:xfrm>
             <a:off x="1368000" y="1669320"/>
-            <a:ext cx="3665520" cy="2932200"/>
+            <a:ext cx="3665160" cy="2931840"/>
           </a:xfrm>
           <a:prstGeom prst="rect">
             <a:avLst/>
@@ -39956,7 +40212,7 @@
         <p:spPr>
           <a:xfrm>
             <a:off x="483840" y="144000"/>
-            <a:ext cx="8582400" cy="6435360"/>
+            <a:ext cx="8582040" cy="6435000"/>
           </a:xfrm>
           <a:prstGeom prst="rect">
             <a:avLst/>
@@ -40005,7 +40261,7 @@
         <p:spPr>
           <a:xfrm>
             <a:off x="1676520" y="2362320"/>
-            <a:ext cx="8821080" cy="912600"/>
+            <a:ext cx="8820720" cy="912600"/>
           </a:xfrm>
           <a:prstGeom prst="rect">
             <a:avLst/>
@@ -40056,7 +40312,7 @@
         <p:spPr>
           <a:xfrm>
             <a:off x="522360" y="3531600"/>
-            <a:ext cx="11058120" cy="363960"/>
+            <a:ext cx="11057760" cy="363960"/>
           </a:xfrm>
           <a:prstGeom prst="rect">
             <a:avLst/>

--- a/redis Ver2.pptx
+++ b/redis Ver2.pptx
@@ -2901,8 +2901,8 @@
         </p:nvSpPr>
         <p:spPr>
           <a:xfrm rot="5400000">
-            <a:off x="609480" y="6447240"/>
-            <a:ext cx="171720" cy="141480"/>
+            <a:off x="609840" y="6447240"/>
+            <a:ext cx="171360" cy="141120"/>
           </a:xfrm>
           <a:prstGeom prst="triangle">
             <a:avLst>
@@ -2943,7 +2943,7 @@
         <p:spPr>
           <a:xfrm>
             <a:off x="1206360" y="3648240"/>
-            <a:ext cx="9734400" cy="1261080"/>
+            <a:ext cx="9734040" cy="1260720"/>
           </a:xfrm>
           <a:prstGeom prst="rect">
             <a:avLst/>
@@ -2985,7 +2985,7 @@
         <p:spPr>
           <a:xfrm>
             <a:off x="1219320" y="5638680"/>
-            <a:ext cx="9734400" cy="666720"/>
+            <a:ext cx="9734040" cy="666360"/>
           </a:xfrm>
           <a:prstGeom prst="rect">
             <a:avLst/>
@@ -3027,7 +3027,7 @@
         <p:spPr>
           <a:xfrm>
             <a:off x="1206360" y="3648240"/>
-            <a:ext cx="285840" cy="1261080"/>
+            <a:ext cx="285480" cy="1260720"/>
           </a:xfrm>
           <a:prstGeom prst="rect">
             <a:avLst/>
@@ -3066,7 +3066,7 @@
         <p:spPr>
           <a:xfrm>
             <a:off x="1219320" y="5638680"/>
-            <a:ext cx="285840" cy="666720"/>
+            <a:ext cx="285480" cy="666360"/>
           </a:xfrm>
           <a:prstGeom prst="rect">
             <a:avLst/>
@@ -3125,13 +3125,7 @@
               <a:rPr b="0" lang="en-IN" sz="4400" spc="-1" strike="noStrike">
                 <a:latin typeface="Arial"/>
               </a:rPr>
-              <a:t>Click to edit the title text </a:t>
-            </a:r>
-            <a:r>
-              <a:rPr b="0" lang="en-IN" sz="4400" spc="-1" strike="noStrike">
-                <a:latin typeface="Arial"/>
-              </a:rPr>
-              <a:t>format</a:t>
+              <a:t>Click to edit the title text format</a:t>
             </a:r>
             <a:endParaRPr b="0" lang="en-IN" sz="4400" spc="-1" strike="noStrike">
               <a:latin typeface="Arial"/>
@@ -3428,8 +3422,8 @@
         </p:nvSpPr>
         <p:spPr>
           <a:xfrm rot="5400000">
-            <a:off x="609480" y="6447240"/>
-            <a:ext cx="171720" cy="141480"/>
+            <a:off x="609840" y="6447240"/>
+            <a:ext cx="171360" cy="141120"/>
           </a:xfrm>
           <a:prstGeom prst="triangle">
             <a:avLst>
@@ -3498,8 +3492,8 @@
         </p:nvSpPr>
         <p:spPr>
           <a:xfrm rot="5400000">
-            <a:off x="609480" y="6447240"/>
-            <a:ext cx="171720" cy="141480"/>
+            <a:off x="609840" y="6447240"/>
+            <a:ext cx="171360" cy="141120"/>
           </a:xfrm>
           <a:prstGeom prst="triangle">
             <a:avLst>
@@ -3793,7 +3787,7 @@
         <p:spPr>
           <a:xfrm>
             <a:off x="1975680" y="3553920"/>
-            <a:ext cx="8515440" cy="971640"/>
+            <a:ext cx="8515080" cy="971280"/>
           </a:xfrm>
           <a:prstGeom prst="rect">
             <a:avLst/>
@@ -3850,7 +3844,7 @@
         <p:spPr>
           <a:xfrm>
             <a:off x="181440" y="2001960"/>
-            <a:ext cx="2835360" cy="2835360"/>
+            <a:ext cx="2835000" cy="2835000"/>
           </a:xfrm>
           <a:prstGeom prst="rect">
             <a:avLst/>
@@ -3869,7 +3863,7 @@
         <p:spPr>
           <a:xfrm>
             <a:off x="720000" y="5158800"/>
-            <a:ext cx="10865520" cy="1170720"/>
+            <a:ext cx="10865160" cy="1170360"/>
           </a:xfrm>
           <a:prstGeom prst="rect">
             <a:avLst/>
@@ -3932,7 +3926,7 @@
         <p:spPr>
           <a:xfrm>
             <a:off x="181440" y="196560"/>
-            <a:ext cx="2835360" cy="1048680"/>
+            <a:ext cx="2835000" cy="1048320"/>
           </a:xfrm>
           <a:prstGeom prst="rect">
             <a:avLst/>
@@ -3951,7 +3945,7 @@
         <p:spPr>
           <a:xfrm>
             <a:off x="3557880" y="93600"/>
-            <a:ext cx="8433720" cy="3045240"/>
+            <a:ext cx="8433360" cy="3045240"/>
           </a:xfrm>
           <a:prstGeom prst="rect">
             <a:avLst/>
@@ -4036,7 +4030,7 @@
         <p:spPr>
           <a:xfrm>
             <a:off x="181440" y="196920"/>
-            <a:ext cx="2837160" cy="1050480"/>
+            <a:ext cx="2836800" cy="1050120"/>
           </a:xfrm>
           <a:prstGeom prst="rect">
             <a:avLst/>
@@ -4059,7 +4053,7 @@
         <p:spPr>
           <a:xfrm>
             <a:off x="57960" y="2448000"/>
-            <a:ext cx="3533400" cy="3533400"/>
+            <a:ext cx="3533040" cy="3533040"/>
           </a:xfrm>
           <a:prstGeom prst="rect">
             <a:avLst/>
@@ -4078,7 +4072,7 @@
         <p:spPr>
           <a:xfrm>
             <a:off x="7632000" y="4716000"/>
-            <a:ext cx="3449520" cy="396360"/>
+            <a:ext cx="3449160" cy="396000"/>
           </a:xfrm>
           <a:prstGeom prst="rect">
             <a:avLst/>
@@ -4209,7 +4203,7 @@
         <p:spPr>
           <a:xfrm>
             <a:off x="248400" y="0"/>
-            <a:ext cx="11693520" cy="699120"/>
+            <a:ext cx="11693160" cy="699120"/>
           </a:xfrm>
           <a:prstGeom prst="rect">
             <a:avLst/>
@@ -4264,7 +4258,7 @@
         <p:spPr>
           <a:xfrm>
             <a:off x="248400" y="762120"/>
-            <a:ext cx="11693520" cy="1186920"/>
+            <a:ext cx="11693160" cy="1186920"/>
           </a:xfrm>
           <a:prstGeom prst="rect">
             <a:avLst/>
@@ -4385,7 +4379,7 @@
         <p:spPr>
           <a:xfrm>
             <a:off x="246600" y="3024360"/>
-            <a:ext cx="11695320" cy="2147040"/>
+            <a:ext cx="11694960" cy="2147040"/>
           </a:xfrm>
           <a:prstGeom prst="rect">
             <a:avLst/>
@@ -4406,7 +4400,7 @@
             <a:spAutoFit/>
           </a:bodyPr>
           <a:p>
-            <a:pPr marL="285840" indent="-266760">
+            <a:pPr marL="285840" indent="-266400">
               <a:lnSpc>
                 <a:spcPct val="150000"/>
               </a:lnSpc>
@@ -4451,7 +4445,7 @@
             </a:endParaRPr>
           </a:p>
           <a:p>
-            <a:pPr marL="285840" indent="-266760">
+            <a:pPr marL="285840" indent="-266400">
               <a:lnSpc>
                 <a:spcPct val="150000"/>
               </a:lnSpc>
@@ -4496,7 +4490,7 @@
             </a:endParaRPr>
           </a:p>
           <a:p>
-            <a:pPr marL="285840" indent="-266760">
+            <a:pPr marL="285840" indent="-266400">
               <a:lnSpc>
                 <a:spcPct val="150000"/>
               </a:lnSpc>
@@ -4541,7 +4535,7 @@
             </a:endParaRPr>
           </a:p>
           <a:p>
-            <a:pPr marL="285840" indent="-266760">
+            <a:pPr marL="285840" indent="-266400">
               <a:lnSpc>
                 <a:spcPct val="150000"/>
               </a:lnSpc>
@@ -4631,7 +4625,7 @@
         <p:spPr>
           <a:xfrm>
             <a:off x="246600" y="2133720"/>
-            <a:ext cx="11695320" cy="821880"/>
+            <a:ext cx="11694960" cy="1004400"/>
           </a:xfrm>
           <a:prstGeom prst="rect">
             <a:avLst/>
@@ -4742,7 +4736,7 @@
         <p:spPr>
           <a:xfrm>
             <a:off x="1676520" y="2362320"/>
-            <a:ext cx="8820000" cy="912600"/>
+            <a:ext cx="8819640" cy="912600"/>
           </a:xfrm>
           <a:prstGeom prst="rect">
             <a:avLst/>
@@ -4793,7 +4787,7 @@
         <p:spPr>
           <a:xfrm>
             <a:off x="522360" y="3531600"/>
-            <a:ext cx="11057040" cy="363960"/>
+            <a:ext cx="11056680" cy="363960"/>
           </a:xfrm>
           <a:prstGeom prst="rect">
             <a:avLst/>
@@ -4874,7 +4868,7 @@
         <p:spPr>
           <a:xfrm>
             <a:off x="248400" y="0"/>
-            <a:ext cx="11693520" cy="699120"/>
+            <a:ext cx="11693160" cy="699120"/>
           </a:xfrm>
           <a:prstGeom prst="rect">
             <a:avLst/>
@@ -4929,7 +4923,7 @@
         <p:spPr>
           <a:xfrm>
             <a:off x="248400" y="762120"/>
-            <a:ext cx="11693520" cy="1186920"/>
+            <a:ext cx="11693160" cy="1186920"/>
           </a:xfrm>
           <a:prstGeom prst="rect">
             <a:avLst/>
@@ -5030,7 +5024,7 @@
         <p:spPr>
           <a:xfrm>
             <a:off x="246600" y="3209040"/>
-            <a:ext cx="11695320" cy="2558520"/>
+            <a:ext cx="11694960" cy="2558520"/>
           </a:xfrm>
           <a:prstGeom prst="rect">
             <a:avLst/>
@@ -5051,7 +5045,7 @@
             <a:spAutoFit/>
           </a:bodyPr>
           <a:p>
-            <a:pPr marL="285840" indent="-266760">
+            <a:pPr marL="285840" indent="-266400">
               <a:lnSpc>
                 <a:spcPct val="150000"/>
               </a:lnSpc>
@@ -5096,7 +5090,7 @@
             </a:endParaRPr>
           </a:p>
           <a:p>
-            <a:pPr marL="285840" indent="-266760">
+            <a:pPr marL="285840" indent="-266400">
               <a:lnSpc>
                 <a:spcPct val="150000"/>
               </a:lnSpc>
@@ -5141,7 +5135,7 @@
             </a:endParaRPr>
           </a:p>
           <a:p>
-            <a:pPr marL="285840" indent="-266760">
+            <a:pPr marL="285840" indent="-266400">
               <a:lnSpc>
                 <a:spcPct val="150000"/>
               </a:lnSpc>
@@ -5186,7 +5180,7 @@
             </a:endParaRPr>
           </a:p>
           <a:p>
-            <a:pPr marL="285840" indent="-266760">
+            <a:pPr marL="285840" indent="-266400">
               <a:lnSpc>
                 <a:spcPct val="150000"/>
               </a:lnSpc>
@@ -5231,7 +5225,7 @@
             </a:endParaRPr>
           </a:p>
           <a:p>
-            <a:pPr marL="285840" indent="-266760">
+            <a:pPr marL="285840" indent="-266400">
               <a:lnSpc>
                 <a:spcPct val="150000"/>
               </a:lnSpc>
@@ -5266,7 +5260,7 @@
             </a:endParaRPr>
           </a:p>
           <a:p>
-            <a:pPr marL="285840" indent="-266760">
+            <a:pPr marL="285840" indent="-266400">
               <a:lnSpc>
                 <a:spcPct val="150000"/>
               </a:lnSpc>
@@ -5346,7 +5340,7 @@
         <p:spPr>
           <a:xfrm>
             <a:off x="246600" y="2206440"/>
-            <a:ext cx="11695320" cy="821880"/>
+            <a:ext cx="11694960" cy="1004400"/>
           </a:xfrm>
           <a:prstGeom prst="rect">
             <a:avLst/>
@@ -5457,7 +5451,7 @@
         <p:spPr>
           <a:xfrm>
             <a:off x="1676520" y="2362320"/>
-            <a:ext cx="8820000" cy="1735560"/>
+            <a:ext cx="8819640" cy="1735560"/>
           </a:xfrm>
           <a:prstGeom prst="rect">
             <a:avLst/>
@@ -5508,7 +5502,7 @@
         <p:spPr>
           <a:xfrm>
             <a:off x="522360" y="4323600"/>
-            <a:ext cx="11057040" cy="363960"/>
+            <a:ext cx="11056680" cy="363960"/>
           </a:xfrm>
           <a:prstGeom prst="rect">
             <a:avLst/>
@@ -5550,6 +5544,744 @@
           </a:p>
         </p:txBody>
       </p:sp>
+      <p:graphicFrame>
+        <p:nvGraphicFramePr>
+          <p:cNvPr id="143" name="Table 3"/>
+          <p:cNvGraphicFramePr/>
+          <p:nvPr/>
+        </p:nvGraphicFramePr>
+        <p:xfrm>
+          <a:off x="208800" y="124200"/>
+          <a:ext cx="7423200" cy="1828440"/>
+        </p:xfrm>
+        <a:graphic>
+          <a:graphicData uri="http://schemas.openxmlformats.org/drawingml/2006/table">
+            <a:tbl>
+              <a:tblPr/>
+              <a:tblGrid>
+                <a:gridCol w="1480320"/>
+                <a:gridCol w="1412280"/>
+                <a:gridCol w="1733760"/>
+                <a:gridCol w="2796840"/>
+              </a:tblGrid>
+              <a:tr h="456840">
+                <a:tc gridSpan="4">
+                  <a:txBody>
+                    <a:bodyPr lIns="90000" rIns="90000">
+                      <a:noAutofit/>
+                    </a:bodyPr>
+                    <a:p>
+                      <a:pPr>
+                        <a:lnSpc>
+                          <a:spcPct val="100000"/>
+                        </a:lnSpc>
+                      </a:pPr>
+                      <a:r>
+                        <a:rPr b="1" lang="en-IN" sz="1800" spc="-1" strike="noStrike">
+                          <a:solidFill>
+                            <a:srgbClr val="ff1744"/>
+                          </a:solidFill>
+                          <a:latin typeface="Arial"/>
+                          <a:ea typeface="DejaVu Sans"/>
+                        </a:rPr>
+                        <a:t>Things to remember</a:t>
+                      </a:r>
+                      <a:endParaRPr b="0" lang="en-IN" sz="1800" spc="-1" strike="noStrike">
+                        <a:latin typeface="Arial"/>
+                      </a:endParaRPr>
+                    </a:p>
+                  </a:txBody>
+                  <a:tcPr marL="90000" marR="90000">
+                    <a:lnL w="7920">
+                      <a:solidFill>
+                        <a:srgbClr val="000000"/>
+                      </a:solidFill>
+                    </a:lnL>
+                    <a:lnR w="7920">
+                      <a:solidFill>
+                        <a:srgbClr val="000000"/>
+                      </a:solidFill>
+                    </a:lnR>
+                    <a:lnT w="7920">
+                      <a:solidFill>
+                        <a:srgbClr val="000000"/>
+                      </a:solidFill>
+                    </a:lnT>
+                    <a:lnB w="7920">
+                      <a:solidFill>
+                        <a:srgbClr val="000000"/>
+                      </a:solidFill>
+                    </a:lnB>
+                    <a:noFill/>
+                  </a:tcPr>
+                </a:tc>
+                <a:tc hMerge="1">
+                  <a:tcPr marL="90000" marR="90000">
+                    <a:lnL w="7920">
+                      <a:solidFill>
+                        <a:srgbClr val="000000"/>
+                      </a:solidFill>
+                    </a:lnL>
+                    <a:lnR w="7920">
+                      <a:solidFill>
+                        <a:srgbClr val="000000"/>
+                      </a:solidFill>
+                    </a:lnR>
+                    <a:lnT w="7920">
+                      <a:solidFill>
+                        <a:srgbClr val="000000"/>
+                      </a:solidFill>
+                    </a:lnT>
+                    <a:lnB w="7920">
+                      <a:solidFill>
+                        <a:srgbClr val="000000"/>
+                      </a:solidFill>
+                    </a:lnB>
+                    <a:noFill/>
+                  </a:tcPr>
+                </a:tc>
+                <a:tc hMerge="1">
+                  <a:tcPr>
+                    <a:lnL w="7920">
+                      <a:solidFill>
+                        <a:srgbClr val="000000"/>
+                      </a:solidFill>
+                    </a:lnL>
+                    <a:lnR w="7920">
+                      <a:solidFill>
+                        <a:srgbClr val="000000"/>
+                      </a:solidFill>
+                    </a:lnR>
+                    <a:lnT w="7920">
+                      <a:solidFill>
+                        <a:srgbClr val="000000"/>
+                      </a:solidFill>
+                    </a:lnT>
+                    <a:lnB w="7920">
+                      <a:solidFill>
+                        <a:srgbClr val="000000"/>
+                      </a:solidFill>
+                    </a:lnB>
+                    <a:solidFill>
+                      <a:srgbClr val="729fcf"/>
+                    </a:solidFill>
+                  </a:tcPr>
+                </a:tc>
+                <a:tc hMerge="1">
+                  <a:tcPr>
+                    <a:lnL w="7920">
+                      <a:solidFill>
+                        <a:srgbClr val="000000"/>
+                      </a:solidFill>
+                    </a:lnL>
+                    <a:lnR w="7920">
+                      <a:solidFill>
+                        <a:srgbClr val="000000"/>
+                      </a:solidFill>
+                    </a:lnR>
+                    <a:lnT w="7920">
+                      <a:solidFill>
+                        <a:srgbClr val="000000"/>
+                      </a:solidFill>
+                    </a:lnT>
+                    <a:lnB w="7920">
+                      <a:solidFill>
+                        <a:srgbClr val="000000"/>
+                      </a:solidFill>
+                    </a:lnB>
+                    <a:solidFill>
+                      <a:srgbClr val="729fcf"/>
+                    </a:solidFill>
+                  </a:tcPr>
+                </a:tc>
+              </a:tr>
+              <a:tr h="456840">
+                <a:tc>
+                  <a:txBody>
+                    <a:bodyPr lIns="90000" rIns="90000">
+                      <a:noAutofit/>
+                    </a:bodyPr>
+                    <a:p>
+                      <a:pPr algn="ctr">
+                        <a:lnSpc>
+                          <a:spcPct val="100000"/>
+                        </a:lnSpc>
+                      </a:pPr>
+                      <a:r>
+                        <a:rPr b="1" lang="en-IN" sz="1800" spc="-1" strike="noStrike">
+                          <a:solidFill>
+                            <a:srgbClr val="283593"/>
+                          </a:solidFill>
+                          <a:latin typeface="Arial"/>
+                          <a:ea typeface="DejaVu Sans"/>
+                        </a:rPr>
+                        <a:t>KEY</a:t>
+                      </a:r>
+                      <a:endParaRPr b="0" lang="en-IN" sz="1800" spc="-1" strike="noStrike">
+                        <a:latin typeface="Arial"/>
+                      </a:endParaRPr>
+                    </a:p>
+                  </a:txBody>
+                  <a:tcPr marL="90000" marR="90000">
+                    <a:lnL w="7920">
+                      <a:solidFill>
+                        <a:srgbClr val="000000"/>
+                      </a:solidFill>
+                    </a:lnL>
+                    <a:lnR w="7920">
+                      <a:solidFill>
+                        <a:srgbClr val="000000"/>
+                      </a:solidFill>
+                    </a:lnR>
+                    <a:lnT w="7920">
+                      <a:solidFill>
+                        <a:srgbClr val="000000"/>
+                      </a:solidFill>
+                    </a:lnT>
+                    <a:lnB w="7920">
+                      <a:solidFill>
+                        <a:srgbClr val="000000"/>
+                      </a:solidFill>
+                    </a:lnB>
+                    <a:noFill/>
+                  </a:tcPr>
+                </a:tc>
+                <a:tc>
+                  <a:txBody>
+                    <a:bodyPr lIns="90000" rIns="90000">
+                      <a:noAutofit/>
+                    </a:bodyPr>
+                    <a:p>
+                      <a:pPr algn="ctr"/>
+                      <a:r>
+                        <a:rPr b="1" lang="en-IN" sz="1800" spc="-1" strike="noStrike">
+                          <a:solidFill>
+                            <a:srgbClr val="283593"/>
+                          </a:solidFill>
+                          <a:latin typeface="Arial"/>
+                          <a:ea typeface="DejaVu Sans"/>
+                        </a:rPr>
+                        <a:t>LIST</a:t>
+                      </a:r>
+                      <a:endParaRPr b="0" lang="en-IN" sz="1800" spc="-1" strike="noStrike">
+                        <a:latin typeface="Arial"/>
+                      </a:endParaRPr>
+                    </a:p>
+                  </a:txBody>
+                  <a:tcPr marL="90000" marR="90000">
+                    <a:lnL w="7920">
+                      <a:solidFill>
+                        <a:srgbClr val="000000"/>
+                      </a:solidFill>
+                    </a:lnL>
+                    <a:lnR w="7920">
+                      <a:solidFill>
+                        <a:srgbClr val="000000"/>
+                      </a:solidFill>
+                    </a:lnR>
+                    <a:lnT w="7920">
+                      <a:solidFill>
+                        <a:srgbClr val="000000"/>
+                      </a:solidFill>
+                    </a:lnT>
+                    <a:lnB w="7920">
+                      <a:solidFill>
+                        <a:srgbClr val="000000"/>
+                      </a:solidFill>
+                    </a:lnB>
+                    <a:noFill/>
+                  </a:tcPr>
+                </a:tc>
+                <a:tc gridSpan="2">
+                  <a:txBody>
+                    <a:bodyPr lIns="90000" rIns="90000">
+                      <a:noAutofit/>
+                    </a:bodyPr>
+                    <a:p>
+                      <a:pPr algn="ctr">
+                        <a:lnSpc>
+                          <a:spcPct val="100000"/>
+                        </a:lnSpc>
+                      </a:pPr>
+                      <a:r>
+                        <a:rPr b="1" lang="en-IN" sz="1800" spc="-1" strike="noStrike">
+                          <a:solidFill>
+                            <a:srgbClr val="283593"/>
+                          </a:solidFill>
+                          <a:latin typeface="Arial"/>
+                          <a:ea typeface="DejaVu Sans"/>
+                        </a:rPr>
+                        <a:t>ZSET</a:t>
+                      </a:r>
+                      <a:endParaRPr b="0" lang="en-IN" sz="1800" spc="-1" strike="noStrike">
+                        <a:latin typeface="Arial"/>
+                      </a:endParaRPr>
+                    </a:p>
+                  </a:txBody>
+                  <a:tcPr marL="90000" marR="90000">
+                    <a:lnL w="7920">
+                      <a:solidFill>
+                        <a:srgbClr val="000000"/>
+                      </a:solidFill>
+                    </a:lnL>
+                    <a:lnR w="7920">
+                      <a:solidFill>
+                        <a:srgbClr val="000000"/>
+                      </a:solidFill>
+                    </a:lnR>
+                    <a:lnT w="7920">
+                      <a:solidFill>
+                        <a:srgbClr val="000000"/>
+                      </a:solidFill>
+                    </a:lnT>
+                    <a:lnB w="7920">
+                      <a:solidFill>
+                        <a:srgbClr val="000000"/>
+                      </a:solidFill>
+                    </a:lnB>
+                    <a:noFill/>
+                  </a:tcPr>
+                </a:tc>
+                <a:tc hMerge="1">
+                  <a:tcPr marL="90000" marR="90000">
+                    <a:lnL w="7920">
+                      <a:solidFill>
+                        <a:srgbClr val="000000"/>
+                      </a:solidFill>
+                    </a:lnL>
+                    <a:lnR w="7920">
+                      <a:solidFill>
+                        <a:srgbClr val="000000"/>
+                      </a:solidFill>
+                    </a:lnR>
+                    <a:lnT w="7920">
+                      <a:solidFill>
+                        <a:srgbClr val="000000"/>
+                      </a:solidFill>
+                    </a:lnT>
+                    <a:lnB w="7920">
+                      <a:solidFill>
+                        <a:srgbClr val="000000"/>
+                      </a:solidFill>
+                    </a:lnB>
+                    <a:noFill/>
+                  </a:tcPr>
+                </a:tc>
+              </a:tr>
+              <a:tr h="457560">
+                <a:tc rowSpan="2">
+                  <a:txBody>
+                    <a:bodyPr lIns="90000" rIns="90000" anchor="ctr">
+                      <a:noAutofit/>
+                    </a:bodyPr>
+                    <a:p>
+                      <a:pPr>
+                        <a:lnSpc>
+                          <a:spcPct val="100000"/>
+                        </a:lnSpc>
+                      </a:pPr>
+                      <a:r>
+                        <a:rPr b="1" lang="en-IN" sz="1800" spc="-1" strike="noStrike">
+                          <a:solidFill>
+                            <a:srgbClr val="424242"/>
+                          </a:solidFill>
+                          <a:latin typeface="Arial"/>
+                          <a:ea typeface="DejaVu Sans"/>
+                        </a:rPr>
+                        <a:t> </a:t>
+                      </a:r>
+                      <a:r>
+                        <a:rPr b="1" lang="en-IN" sz="1800" spc="-1" strike="noStrike">
+                          <a:solidFill>
+                            <a:srgbClr val="424242"/>
+                          </a:solidFill>
+                          <a:latin typeface="Arial"/>
+                          <a:ea typeface="DejaVu Sans"/>
+                        </a:rPr>
+                        <a:t>getrange</a:t>
+                      </a:r>
+                      <a:endParaRPr b="0" lang="en-IN" sz="1800" spc="-1" strike="noStrike">
+                        <a:latin typeface="Arial"/>
+                      </a:endParaRPr>
+                    </a:p>
+                  </a:txBody>
+                  <a:tcPr marL="90000" marR="90000">
+                    <a:lnL w="7920">
+                      <a:solidFill>
+                        <a:srgbClr val="000000"/>
+                      </a:solidFill>
+                    </a:lnL>
+                    <a:lnR w="7920">
+                      <a:solidFill>
+                        <a:srgbClr val="000000"/>
+                      </a:solidFill>
+                    </a:lnR>
+                    <a:lnT w="7920">
+                      <a:solidFill>
+                        <a:srgbClr val="000000"/>
+                      </a:solidFill>
+                    </a:lnT>
+                    <a:lnB w="7920">
+                      <a:solidFill>
+                        <a:srgbClr val="000000"/>
+                      </a:solidFill>
+                    </a:lnB>
+                    <a:noFill/>
+                  </a:tcPr>
+                </a:tc>
+                <a:tc rowSpan="2">
+                  <a:txBody>
+                    <a:bodyPr lIns="90000" rIns="90000" anchor="ctr">
+                      <a:noAutofit/>
+                    </a:bodyPr>
+                    <a:p>
+                      <a:pPr>
+                        <a:lnSpc>
+                          <a:spcPct val="100000"/>
+                        </a:lnSpc>
+                      </a:pPr>
+                      <a:r>
+                        <a:rPr b="0" lang="en-IN" sz="1800" spc="-1" strike="noStrike">
+                          <a:latin typeface="Arial"/>
+                        </a:rPr>
+                        <a:t> </a:t>
+                      </a:r>
+                      <a:r>
+                        <a:rPr b="1" lang="en-IN" sz="1800" spc="-1" strike="noStrike">
+                          <a:solidFill>
+                            <a:srgbClr val="424242"/>
+                          </a:solidFill>
+                          <a:latin typeface="Arial"/>
+                          <a:ea typeface="DejaVu Sans"/>
+                        </a:rPr>
+                        <a:t>lrange</a:t>
+                      </a:r>
+                      <a:endParaRPr b="0" lang="en-IN" sz="1800" spc="-1" strike="noStrike">
+                        <a:latin typeface="Arial"/>
+                      </a:endParaRPr>
+                    </a:p>
+                  </a:txBody>
+                  <a:tcPr marL="90000" marR="90000">
+                    <a:lnL w="7920">
+                      <a:solidFill>
+                        <a:srgbClr val="000000"/>
+                      </a:solidFill>
+                    </a:lnL>
+                    <a:lnR w="7920">
+                      <a:solidFill>
+                        <a:srgbClr val="000000"/>
+                      </a:solidFill>
+                    </a:lnR>
+                    <a:lnT w="7920">
+                      <a:solidFill>
+                        <a:srgbClr val="000000"/>
+                      </a:solidFill>
+                    </a:lnT>
+                    <a:lnB w="7920">
+                      <a:solidFill>
+                        <a:srgbClr val="000000"/>
+                      </a:solidFill>
+                    </a:lnB>
+                    <a:noFill/>
+                  </a:tcPr>
+                </a:tc>
+                <a:tc>
+                  <a:txBody>
+                    <a:bodyPr lIns="90000" rIns="90000">
+                      <a:noAutofit/>
+                    </a:bodyPr>
+                    <a:p>
+                      <a:pPr>
+                        <a:lnSpc>
+                          <a:spcPct val="100000"/>
+                        </a:lnSpc>
+                      </a:pPr>
+                      <a:r>
+                        <a:rPr b="1" lang="en-IN" sz="1800" spc="-1" strike="noStrike">
+                          <a:solidFill>
+                            <a:srgbClr val="424242"/>
+                          </a:solidFill>
+                          <a:latin typeface="Arial"/>
+                          <a:ea typeface="DejaVu Sans"/>
+                        </a:rPr>
+                        <a:t> </a:t>
+                      </a:r>
+                      <a:r>
+                        <a:rPr b="1" lang="en-IN" sz="1800" spc="-1" strike="noStrike">
+                          <a:solidFill>
+                            <a:srgbClr val="424242"/>
+                          </a:solidFill>
+                          <a:latin typeface="Arial"/>
+                          <a:ea typeface="DejaVu Sans"/>
+                        </a:rPr>
+                        <a:t>zrange</a:t>
+                      </a:r>
+                      <a:endParaRPr b="0" lang="en-IN" sz="1800" spc="-1" strike="noStrike">
+                        <a:latin typeface="Arial"/>
+                      </a:endParaRPr>
+                    </a:p>
+                  </a:txBody>
+                  <a:tcPr marL="90000" marR="90000">
+                    <a:lnL w="7920">
+                      <a:solidFill>
+                        <a:srgbClr val="000000"/>
+                      </a:solidFill>
+                    </a:lnL>
+                    <a:lnR w="7920">
+                      <a:solidFill>
+                        <a:srgbClr val="000000"/>
+                      </a:solidFill>
+                    </a:lnR>
+                    <a:lnT w="7920">
+                      <a:solidFill>
+                        <a:srgbClr val="000000"/>
+                      </a:solidFill>
+                    </a:lnT>
+                    <a:lnB w="7920">
+                      <a:solidFill>
+                        <a:srgbClr val="000000"/>
+                      </a:solidFill>
+                    </a:lnB>
+                    <a:noFill/>
+                  </a:tcPr>
+                </a:tc>
+                <a:tc>
+                  <a:txBody>
+                    <a:bodyPr lIns="90000" rIns="90000">
+                      <a:noAutofit/>
+                    </a:bodyPr>
+                    <a:p>
+                      <a:pPr>
+                        <a:lnSpc>
+                          <a:spcPct val="100000"/>
+                        </a:lnSpc>
+                      </a:pPr>
+                      <a:r>
+                        <a:rPr b="1" lang="en-IN" sz="1800" spc="-1" strike="noStrike">
+                          <a:solidFill>
+                            <a:srgbClr val="424242"/>
+                          </a:solidFill>
+                          <a:latin typeface="Arial"/>
+                          <a:ea typeface="DejaVu Sans"/>
+                        </a:rPr>
+                        <a:t> </a:t>
+                      </a:r>
+                      <a:r>
+                        <a:rPr b="1" lang="en-IN" sz="1800" spc="-1" strike="noStrike">
+                          <a:solidFill>
+                            <a:srgbClr val="424242"/>
+                          </a:solidFill>
+                          <a:latin typeface="Arial"/>
+                          <a:ea typeface="DejaVu Sans"/>
+                        </a:rPr>
+                        <a:t>zrangebyscore</a:t>
+                      </a:r>
+                      <a:endParaRPr b="0" lang="en-IN" sz="1800" spc="-1" strike="noStrike">
+                        <a:latin typeface="Arial"/>
+                      </a:endParaRPr>
+                    </a:p>
+                  </a:txBody>
+                  <a:tcPr marL="90000" marR="90000">
+                    <a:lnL w="7920">
+                      <a:solidFill>
+                        <a:srgbClr val="000000"/>
+                      </a:solidFill>
+                    </a:lnL>
+                    <a:lnR w="7920">
+                      <a:solidFill>
+                        <a:srgbClr val="000000"/>
+                      </a:solidFill>
+                    </a:lnR>
+                    <a:lnT w="7920">
+                      <a:solidFill>
+                        <a:srgbClr val="000000"/>
+                      </a:solidFill>
+                    </a:lnT>
+                    <a:lnB w="7920">
+                      <a:solidFill>
+                        <a:srgbClr val="000000"/>
+                      </a:solidFill>
+                    </a:lnB>
+                    <a:noFill/>
+                  </a:tcPr>
+                </a:tc>
+              </a:tr>
+              <a:tr h="457560">
+                <a:tc vMerge="1">
+                  <a:tcPr marL="90000" marR="90000">
+                    <a:lnL w="7920">
+                      <a:solidFill>
+                        <a:srgbClr val="000000"/>
+                      </a:solidFill>
+                    </a:lnL>
+                    <a:lnR w="7920">
+                      <a:solidFill>
+                        <a:srgbClr val="000000"/>
+                      </a:solidFill>
+                    </a:lnR>
+                    <a:lnT w="7920">
+                      <a:solidFill>
+                        <a:srgbClr val="000000"/>
+                      </a:solidFill>
+                    </a:lnT>
+                    <a:lnB w="7920">
+                      <a:solidFill>
+                        <a:srgbClr val="000000"/>
+                      </a:solidFill>
+                    </a:lnB>
+                    <a:noFill/>
+                  </a:tcPr>
+                </a:tc>
+                <a:tc vMerge="1">
+                  <a:tcPr marL="90000" marR="90000">
+                    <a:lnL w="7920">
+                      <a:solidFill>
+                        <a:srgbClr val="000000"/>
+                      </a:solidFill>
+                    </a:lnL>
+                    <a:lnR w="7920">
+                      <a:solidFill>
+                        <a:srgbClr val="000000"/>
+                      </a:solidFill>
+                    </a:lnR>
+                    <a:lnT w="7920">
+                      <a:solidFill>
+                        <a:srgbClr val="000000"/>
+                      </a:solidFill>
+                    </a:lnT>
+                    <a:lnB w="7920">
+                      <a:solidFill>
+                        <a:srgbClr val="000000"/>
+                      </a:solidFill>
+                    </a:lnB>
+                    <a:noFill/>
+                  </a:tcPr>
+                </a:tc>
+                <a:tc>
+                  <a:txBody>
+                    <a:bodyPr lIns="90000" rIns="90000">
+                      <a:noAutofit/>
+                    </a:bodyPr>
+                    <a:p>
+                      <a:pPr>
+                        <a:lnSpc>
+                          <a:spcPct val="100000"/>
+                        </a:lnSpc>
+                      </a:pPr>
+                      <a:r>
+                        <a:rPr b="1" lang="en-IN" sz="1800" spc="-1" strike="noStrike">
+                          <a:solidFill>
+                            <a:srgbClr val="424242"/>
+                          </a:solidFill>
+                          <a:latin typeface="Arial"/>
+                          <a:ea typeface="DejaVu Sans"/>
+                        </a:rPr>
+                        <a:t> </a:t>
+                      </a:r>
+                      <a:r>
+                        <a:rPr b="1" lang="en-IN" sz="1800" spc="-1" strike="noStrike">
+                          <a:solidFill>
+                            <a:srgbClr val="424242"/>
+                          </a:solidFill>
+                          <a:latin typeface="Arial"/>
+                          <a:ea typeface="DejaVu Sans"/>
+                        </a:rPr>
+                        <a:t>zrevrange</a:t>
+                      </a:r>
+                      <a:endParaRPr b="0" lang="en-IN" sz="1800" spc="-1" strike="noStrike">
+                        <a:latin typeface="Arial"/>
+                      </a:endParaRPr>
+                    </a:p>
+                  </a:txBody>
+                  <a:tcPr marL="90000" marR="90000">
+                    <a:lnL w="7920">
+                      <a:solidFill>
+                        <a:srgbClr val="000000"/>
+                      </a:solidFill>
+                    </a:lnL>
+                    <a:lnR w="7920">
+                      <a:solidFill>
+                        <a:srgbClr val="000000"/>
+                      </a:solidFill>
+                    </a:lnR>
+                    <a:lnT w="7920">
+                      <a:solidFill>
+                        <a:srgbClr val="000000"/>
+                      </a:solidFill>
+                    </a:lnT>
+                    <a:lnB w="7920">
+                      <a:solidFill>
+                        <a:srgbClr val="000000"/>
+                      </a:solidFill>
+                    </a:lnB>
+                    <a:noFill/>
+                  </a:tcPr>
+                </a:tc>
+                <a:tc>
+                  <a:txBody>
+                    <a:bodyPr lIns="90000" rIns="90000">
+                      <a:noAutofit/>
+                    </a:bodyPr>
+                    <a:p>
+                      <a:pPr>
+                        <a:lnSpc>
+                          <a:spcPct val="100000"/>
+                        </a:lnSpc>
+                      </a:pPr>
+                      <a:r>
+                        <a:rPr b="1" lang="en-IN" sz="1800" spc="-1" strike="noStrike">
+                          <a:solidFill>
+                            <a:srgbClr val="424242"/>
+                          </a:solidFill>
+                          <a:latin typeface="Arial"/>
+                          <a:ea typeface="DejaVu Sans"/>
+                        </a:rPr>
+                        <a:t> </a:t>
+                      </a:r>
+                      <a:r>
+                        <a:rPr b="1" lang="en-IN" sz="1800" spc="-1" strike="noStrike">
+                          <a:solidFill>
+                            <a:srgbClr val="424242"/>
+                          </a:solidFill>
+                          <a:latin typeface="Arial"/>
+                          <a:ea typeface="DejaVu Sans"/>
+                        </a:rPr>
+                        <a:t>zrevrangebyscore</a:t>
+                      </a:r>
+                      <a:endParaRPr b="0" lang="en-IN" sz="1800" spc="-1" strike="noStrike">
+                        <a:latin typeface="Arial"/>
+                      </a:endParaRPr>
+                    </a:p>
+                  </a:txBody>
+                  <a:tcPr marL="90000" marR="90000">
+                    <a:lnL w="7920">
+                      <a:solidFill>
+                        <a:srgbClr val="000000"/>
+                      </a:solidFill>
+                    </a:lnL>
+                    <a:lnR w="7920">
+                      <a:solidFill>
+                        <a:srgbClr val="000000"/>
+                      </a:solidFill>
+                    </a:lnR>
+                    <a:lnT w="7920">
+                      <a:solidFill>
+                        <a:srgbClr val="000000"/>
+                      </a:solidFill>
+                    </a:lnT>
+                    <a:lnB w="7920">
+                      <a:solidFill>
+                        <a:srgbClr val="000000"/>
+                      </a:solidFill>
+                    </a:lnB>
+                    <a:noFill/>
+                  </a:tcPr>
+                </a:tc>
+              </a:tr>
+            </a:tbl>
+          </a:graphicData>
+        </a:graphic>
+      </p:graphicFrame>
     </p:spTree>
   </p:cSld>
   <mc:AlternateContent>
@@ -5582,14 +6314,14 @@
       </p:grpSpPr>
       <p:sp>
         <p:nvSpPr>
-          <p:cNvPr id="143" name="CustomShape 1"/>
+          <p:cNvPr id="144" name="CustomShape 1"/>
           <p:cNvSpPr/>
           <p:nvPr/>
         </p:nvSpPr>
         <p:spPr>
           <a:xfrm>
             <a:off x="248400" y="0"/>
-            <a:ext cx="11693520" cy="699120"/>
+            <a:ext cx="11693160" cy="699120"/>
           </a:xfrm>
           <a:prstGeom prst="rect">
             <a:avLst/>
@@ -5637,14 +6369,14 @@
       </p:sp>
       <p:sp>
         <p:nvSpPr>
-          <p:cNvPr id="144" name="CustomShape 2"/>
+          <p:cNvPr id="145" name="CustomShape 2"/>
           <p:cNvSpPr/>
           <p:nvPr/>
         </p:nvSpPr>
         <p:spPr>
           <a:xfrm>
             <a:off x="248400" y="762120"/>
-            <a:ext cx="11693520" cy="1705320"/>
+            <a:ext cx="11693160" cy="2009880"/>
           </a:xfrm>
           <a:prstGeom prst="rect">
             <a:avLst/>
@@ -5778,14 +6510,14 @@
       </p:sp>
       <p:sp>
         <p:nvSpPr>
-          <p:cNvPr id="145" name="CustomShape 3"/>
+          <p:cNvPr id="146" name="CustomShape 3"/>
           <p:cNvSpPr/>
           <p:nvPr/>
         </p:nvSpPr>
         <p:spPr>
           <a:xfrm>
             <a:off x="246600" y="4582800"/>
-            <a:ext cx="11695320" cy="2147040"/>
+            <a:ext cx="11694960" cy="2147040"/>
           </a:xfrm>
           <a:prstGeom prst="rect">
             <a:avLst/>
@@ -5806,7 +6538,7 @@
             <a:spAutoFit/>
           </a:bodyPr>
           <a:p>
-            <a:pPr marL="285840" indent="-266760">
+            <a:pPr marL="285840" indent="-266400">
               <a:lnSpc>
                 <a:spcPct val="150000"/>
               </a:lnSpc>
@@ -5851,7 +6583,7 @@
             </a:endParaRPr>
           </a:p>
           <a:p>
-            <a:pPr marL="285840" indent="-266760">
+            <a:pPr marL="285840" indent="-266400">
               <a:lnSpc>
                 <a:spcPct val="150000"/>
               </a:lnSpc>
@@ -5896,7 +6628,7 @@
             </a:endParaRPr>
           </a:p>
           <a:p>
-            <a:pPr marL="285840" indent="-266760">
+            <a:pPr marL="285840" indent="-266400">
               <a:lnSpc>
                 <a:spcPct val="150000"/>
               </a:lnSpc>
@@ -5941,7 +6673,7 @@
             </a:endParaRPr>
           </a:p>
           <a:p>
-            <a:pPr marL="285840" indent="-266760">
+            <a:pPr marL="285840" indent="-266400">
               <a:lnSpc>
                 <a:spcPct val="150000"/>
               </a:lnSpc>
@@ -5986,7 +6718,7